--- a/説明文.pptx
+++ b/説明文.pptx
@@ -246,7 +246,7 @@
           <a:p>
             <a:fld id="{8F2BA968-46FA-4915-82D5-53748CAAB103}" type="datetimeFigureOut">
               <a:rPr kumimoji="1" lang="ja-JP" altLang="en-US" smtClean="0"/>
-              <a:t>2019/5/27</a:t>
+              <a:t>2019/6/21</a:t>
             </a:fld>
             <a:endParaRPr kumimoji="1" lang="ja-JP" altLang="en-US" dirty="0"/>
           </a:p>
@@ -448,7 +448,7 @@
           <a:p>
             <a:fld id="{8F2BA968-46FA-4915-82D5-53748CAAB103}" type="datetimeFigureOut">
               <a:rPr kumimoji="1" lang="ja-JP" altLang="en-US" smtClean="0"/>
-              <a:t>2019/5/27</a:t>
+              <a:t>2019/6/21</a:t>
             </a:fld>
             <a:endParaRPr kumimoji="1" lang="ja-JP" altLang="en-US" dirty="0"/>
           </a:p>
@@ -660,7 +660,7 @@
           <a:p>
             <a:fld id="{8F2BA968-46FA-4915-82D5-53748CAAB103}" type="datetimeFigureOut">
               <a:rPr kumimoji="1" lang="ja-JP" altLang="en-US" smtClean="0"/>
-              <a:t>2019/5/27</a:t>
+              <a:t>2019/6/21</a:t>
             </a:fld>
             <a:endParaRPr kumimoji="1" lang="ja-JP" altLang="en-US" dirty="0"/>
           </a:p>
@@ -862,7 +862,7 @@
           <a:p>
             <a:fld id="{8F2BA968-46FA-4915-82D5-53748CAAB103}" type="datetimeFigureOut">
               <a:rPr kumimoji="1" lang="ja-JP" altLang="en-US" smtClean="0"/>
-              <a:t>2019/5/27</a:t>
+              <a:t>2019/6/21</a:t>
             </a:fld>
             <a:endParaRPr kumimoji="1" lang="ja-JP" altLang="en-US" dirty="0"/>
           </a:p>
@@ -1108,7 +1108,7 @@
           <a:p>
             <a:fld id="{8F2BA968-46FA-4915-82D5-53748CAAB103}" type="datetimeFigureOut">
               <a:rPr kumimoji="1" lang="ja-JP" altLang="en-US" smtClean="0"/>
-              <a:t>2019/5/27</a:t>
+              <a:t>2019/6/21</a:t>
             </a:fld>
             <a:endParaRPr kumimoji="1" lang="ja-JP" altLang="en-US" dirty="0"/>
           </a:p>
@@ -1404,7 +1404,7 @@
           <a:p>
             <a:fld id="{8F2BA968-46FA-4915-82D5-53748CAAB103}" type="datetimeFigureOut">
               <a:rPr kumimoji="1" lang="ja-JP" altLang="en-US" smtClean="0"/>
-              <a:t>2019/5/27</a:t>
+              <a:t>2019/6/21</a:t>
             </a:fld>
             <a:endParaRPr kumimoji="1" lang="ja-JP" altLang="en-US" dirty="0"/>
           </a:p>
@@ -1835,7 +1835,7 @@
           <a:p>
             <a:fld id="{8F2BA968-46FA-4915-82D5-53748CAAB103}" type="datetimeFigureOut">
               <a:rPr kumimoji="1" lang="ja-JP" altLang="en-US" smtClean="0"/>
-              <a:t>2019/5/27</a:t>
+              <a:t>2019/6/21</a:t>
             </a:fld>
             <a:endParaRPr kumimoji="1" lang="ja-JP" altLang="en-US" dirty="0"/>
           </a:p>
@@ -1953,7 +1953,7 @@
           <a:p>
             <a:fld id="{8F2BA968-46FA-4915-82D5-53748CAAB103}" type="datetimeFigureOut">
               <a:rPr kumimoji="1" lang="ja-JP" altLang="en-US" smtClean="0"/>
-              <a:t>2019/5/27</a:t>
+              <a:t>2019/6/21</a:t>
             </a:fld>
             <a:endParaRPr kumimoji="1" lang="ja-JP" altLang="en-US" dirty="0"/>
           </a:p>
@@ -2048,7 +2048,7 @@
           <a:p>
             <a:fld id="{8F2BA968-46FA-4915-82D5-53748CAAB103}" type="datetimeFigureOut">
               <a:rPr kumimoji="1" lang="ja-JP" altLang="en-US" smtClean="0"/>
-              <a:t>2019/5/27</a:t>
+              <a:t>2019/6/21</a:t>
             </a:fld>
             <a:endParaRPr kumimoji="1" lang="ja-JP" altLang="en-US" dirty="0"/>
           </a:p>
@@ -2357,7 +2357,7 @@
           <a:p>
             <a:fld id="{8F2BA968-46FA-4915-82D5-53748CAAB103}" type="datetimeFigureOut">
               <a:rPr kumimoji="1" lang="ja-JP" altLang="en-US" smtClean="0"/>
-              <a:t>2019/5/27</a:t>
+              <a:t>2019/6/21</a:t>
             </a:fld>
             <a:endParaRPr kumimoji="1" lang="ja-JP" altLang="en-US" dirty="0"/>
           </a:p>
@@ -2610,7 +2610,7 @@
           <a:p>
             <a:fld id="{8F2BA968-46FA-4915-82D5-53748CAAB103}" type="datetimeFigureOut">
               <a:rPr kumimoji="1" lang="ja-JP" altLang="en-US" smtClean="0"/>
-              <a:t>2019/5/27</a:t>
+              <a:t>2019/6/21</a:t>
             </a:fld>
             <a:endParaRPr kumimoji="1" lang="ja-JP" altLang="en-US" dirty="0"/>
           </a:p>
@@ -2855,7 +2855,7 @@
           <a:p>
             <a:fld id="{8F2BA968-46FA-4915-82D5-53748CAAB103}" type="datetimeFigureOut">
               <a:rPr kumimoji="1" lang="ja-JP" altLang="en-US" smtClean="0"/>
-              <a:t>2019/5/27</a:t>
+              <a:t>2019/6/21</a:t>
             </a:fld>
             <a:endParaRPr kumimoji="1" lang="ja-JP" altLang="en-US" dirty="0"/>
           </a:p>
@@ -4558,8 +4558,8 @@
         </p:nvSpPr>
         <p:spPr>
           <a:xfrm>
-            <a:off x="-1" y="5807034"/>
-            <a:ext cx="10335987" cy="1050966"/>
+            <a:off x="-2" y="5807034"/>
+            <a:ext cx="12192001" cy="1050966"/>
           </a:xfrm>
           <a:prstGeom prst="wedgeRectCallout">
             <a:avLst>
@@ -4625,7 +4625,27 @@
                 <a:latin typeface="HGP創英角ﾎﾟｯﾌﾟ体" panose="040B0A00000000000000" pitchFamily="50" charset="-128"/>
                 <a:ea typeface="HGP創英角ﾎﾟｯﾌﾟ体" panose="040B0A00000000000000" pitchFamily="50" charset="-128"/>
               </a:rPr>
-              <a:t>研究所をレベルアップすることにより武器の作成条件達成やミサイルのリキャストタイムが早くなったりする</a:t>
+              <a:t>研究所をレベルアップすることにより武器の作成条件達成やミサイルのリキャストタイムが早く</a:t>
+            </a:r>
+            <a:r>
+              <a:rPr lang="ja-JP" altLang="en-US" dirty="0" smtClean="0">
+                <a:solidFill>
+                  <a:schemeClr val="tx1"/>
+                </a:solidFill>
+                <a:latin typeface="HGP創英角ﾎﾟｯﾌﾟ体" panose="040B0A00000000000000" pitchFamily="50" charset="-128"/>
+                <a:ea typeface="HGP創英角ﾎﾟｯﾌﾟ体" panose="040B0A00000000000000" pitchFamily="50" charset="-128"/>
+              </a:rPr>
+              <a:t>なったり</a:t>
+            </a:r>
+            <a:r>
+              <a:rPr lang="ja-JP" altLang="en-US" dirty="0" smtClean="0">
+                <a:solidFill>
+                  <a:schemeClr val="tx1"/>
+                </a:solidFill>
+                <a:latin typeface="HGP創英角ﾎﾟｯﾌﾟ体" panose="040B0A00000000000000" pitchFamily="50" charset="-128"/>
+                <a:ea typeface="HGP創英角ﾎﾟｯﾌﾟ体" panose="040B0A00000000000000" pitchFamily="50" charset="-128"/>
+              </a:rPr>
+              <a:t>ポッドの耐久力が上がる</a:t>
             </a:r>
             <a:endParaRPr kumimoji="1" lang="ja-JP" altLang="en-US" dirty="0">
               <a:solidFill>

--- a/説明文.pptx
+++ b/説明文.pptx
@@ -4,11 +4,18 @@
   <p:sldMasterIdLst>
     <p:sldMasterId id="2147483648" r:id="rId1"/>
   </p:sldMasterIdLst>
+  <p:notesMasterIdLst>
+    <p:notesMasterId r:id="rId10"/>
+  </p:notesMasterIdLst>
   <p:sldIdLst>
     <p:sldId id="257" r:id="rId2"/>
     <p:sldId id="258" r:id="rId3"/>
     <p:sldId id="259" r:id="rId4"/>
     <p:sldId id="260" r:id="rId5"/>
+    <p:sldId id="261" r:id="rId6"/>
+    <p:sldId id="262" r:id="rId7"/>
+    <p:sldId id="263" r:id="rId8"/>
+    <p:sldId id="264" r:id="rId9"/>
   </p:sldIdLst>
   <p:sldSz cx="12192000" cy="6858000"/>
   <p:notesSz cx="6858000" cy="9144000"/>
@@ -115,6 +122,387 @@
 </p:presentation>
 </file>
 
+<file path=ppt/notesMasters/notesMaster1.xml><?xml version="1.0" encoding="utf-8"?>
+<p:notesMaster xmlns:a="http://schemas.openxmlformats.org/drawingml/2006/main" xmlns:r="http://schemas.openxmlformats.org/officeDocument/2006/relationships" xmlns:p="http://schemas.openxmlformats.org/presentationml/2006/main">
+  <p:cSld>
+    <p:bg>
+      <p:bgRef idx="1001">
+        <a:schemeClr val="bg1"/>
+      </p:bgRef>
+    </p:bg>
+    <p:spTree>
+      <p:nvGrpSpPr>
+        <p:cNvPr id="1" name=""/>
+        <p:cNvGrpSpPr/>
+        <p:nvPr/>
+      </p:nvGrpSpPr>
+      <p:grpSpPr>
+        <a:xfrm>
+          <a:off x="0" y="0"/>
+          <a:ext cx="0" cy="0"/>
+          <a:chOff x="0" y="0"/>
+          <a:chExt cx="0" cy="0"/>
+        </a:xfrm>
+      </p:grpSpPr>
+      <p:sp>
+        <p:nvSpPr>
+          <p:cNvPr id="2" name="ヘッダー プレースホルダー 1"/>
+          <p:cNvSpPr>
+            <a:spLocks noGrp="1"/>
+          </p:cNvSpPr>
+          <p:nvPr>
+            <p:ph type="hdr" sz="quarter"/>
+          </p:nvPr>
+        </p:nvSpPr>
+        <p:spPr>
+          <a:xfrm>
+            <a:off x="0" y="0"/>
+            <a:ext cx="2971800" cy="458788"/>
+          </a:xfrm>
+          <a:prstGeom prst="rect">
+            <a:avLst/>
+          </a:prstGeom>
+        </p:spPr>
+        <p:txBody>
+          <a:bodyPr vert="horz" lIns="91440" tIns="45720" rIns="91440" bIns="45720" rtlCol="0"/>
+          <a:lstStyle>
+            <a:lvl1pPr algn="l">
+              <a:defRPr sz="1200"/>
+            </a:lvl1pPr>
+          </a:lstStyle>
+          <a:p>
+            <a:endParaRPr kumimoji="1" lang="ja-JP" altLang="en-US"/>
+          </a:p>
+        </p:txBody>
+      </p:sp>
+      <p:sp>
+        <p:nvSpPr>
+          <p:cNvPr id="3" name="日付プレースホルダー 2"/>
+          <p:cNvSpPr>
+            <a:spLocks noGrp="1"/>
+          </p:cNvSpPr>
+          <p:nvPr>
+            <p:ph type="dt" idx="1"/>
+          </p:nvPr>
+        </p:nvSpPr>
+        <p:spPr>
+          <a:xfrm>
+            <a:off x="3884613" y="0"/>
+            <a:ext cx="2971800" cy="458788"/>
+          </a:xfrm>
+          <a:prstGeom prst="rect">
+            <a:avLst/>
+          </a:prstGeom>
+        </p:spPr>
+        <p:txBody>
+          <a:bodyPr vert="horz" lIns="91440" tIns="45720" rIns="91440" bIns="45720" rtlCol="0"/>
+          <a:lstStyle>
+            <a:lvl1pPr algn="r">
+              <a:defRPr sz="1200"/>
+            </a:lvl1pPr>
+          </a:lstStyle>
+          <a:p>
+            <a:fld id="{D3517757-E664-4BB3-B78C-0CBDD076F206}" type="datetimeFigureOut">
+              <a:rPr kumimoji="1" lang="ja-JP" altLang="en-US" smtClean="0"/>
+              <a:t>2019/7/21</a:t>
+            </a:fld>
+            <a:endParaRPr kumimoji="1" lang="ja-JP" altLang="en-US"/>
+          </a:p>
+        </p:txBody>
+      </p:sp>
+      <p:sp>
+        <p:nvSpPr>
+          <p:cNvPr id="4" name="スライド イメージ プレースホルダー 3"/>
+          <p:cNvSpPr>
+            <a:spLocks noGrp="1" noRot="1" noChangeAspect="1"/>
+          </p:cNvSpPr>
+          <p:nvPr>
+            <p:ph type="sldImg" idx="2"/>
+          </p:nvPr>
+        </p:nvSpPr>
+        <p:spPr>
+          <a:xfrm>
+            <a:off x="685800" y="1143000"/>
+            <a:ext cx="5486400" cy="3086100"/>
+          </a:xfrm>
+          <a:prstGeom prst="rect">
+            <a:avLst/>
+          </a:prstGeom>
+          <a:noFill/>
+          <a:ln w="12700">
+            <a:solidFill>
+              <a:prstClr val="black"/>
+            </a:solidFill>
+          </a:ln>
+        </p:spPr>
+        <p:txBody>
+          <a:bodyPr vert="horz" lIns="91440" tIns="45720" rIns="91440" bIns="45720" rtlCol="0" anchor="ctr"/>
+          <a:lstStyle/>
+          <a:p>
+            <a:endParaRPr lang="ja-JP" altLang="en-US"/>
+          </a:p>
+        </p:txBody>
+      </p:sp>
+      <p:sp>
+        <p:nvSpPr>
+          <p:cNvPr id="5" name="ノート プレースホルダー 4"/>
+          <p:cNvSpPr>
+            <a:spLocks noGrp="1"/>
+          </p:cNvSpPr>
+          <p:nvPr>
+            <p:ph type="body" sz="quarter" idx="3"/>
+          </p:nvPr>
+        </p:nvSpPr>
+        <p:spPr>
+          <a:xfrm>
+            <a:off x="685800" y="4400550"/>
+            <a:ext cx="5486400" cy="3600450"/>
+          </a:xfrm>
+          <a:prstGeom prst="rect">
+            <a:avLst/>
+          </a:prstGeom>
+        </p:spPr>
+        <p:txBody>
+          <a:bodyPr vert="horz" lIns="91440" tIns="45720" rIns="91440" bIns="45720" rtlCol="0"/>
+          <a:lstStyle/>
+          <a:p>
+            <a:pPr lvl="0"/>
+            <a:r>
+              <a:rPr kumimoji="1" lang="ja-JP" altLang="en-US"/>
+              <a:t>マスター テキストの書式設定</a:t>
+            </a:r>
+          </a:p>
+          <a:p>
+            <a:pPr lvl="1"/>
+            <a:r>
+              <a:rPr kumimoji="1" lang="ja-JP" altLang="en-US"/>
+              <a:t>第 </a:t>
+            </a:r>
+            <a:r>
+              <a:rPr kumimoji="1" lang="en-US" altLang="ja-JP"/>
+              <a:t>2 </a:t>
+            </a:r>
+            <a:r>
+              <a:rPr kumimoji="1" lang="ja-JP" altLang="en-US"/>
+              <a:t>レベル</a:t>
+            </a:r>
+          </a:p>
+          <a:p>
+            <a:pPr lvl="2"/>
+            <a:r>
+              <a:rPr kumimoji="1" lang="ja-JP" altLang="en-US"/>
+              <a:t>第 </a:t>
+            </a:r>
+            <a:r>
+              <a:rPr kumimoji="1" lang="en-US" altLang="ja-JP"/>
+              <a:t>3 </a:t>
+            </a:r>
+            <a:r>
+              <a:rPr kumimoji="1" lang="ja-JP" altLang="en-US"/>
+              <a:t>レベル</a:t>
+            </a:r>
+          </a:p>
+          <a:p>
+            <a:pPr lvl="3"/>
+            <a:r>
+              <a:rPr kumimoji="1" lang="ja-JP" altLang="en-US"/>
+              <a:t>第 </a:t>
+            </a:r>
+            <a:r>
+              <a:rPr kumimoji="1" lang="en-US" altLang="ja-JP"/>
+              <a:t>4 </a:t>
+            </a:r>
+            <a:r>
+              <a:rPr kumimoji="1" lang="ja-JP" altLang="en-US"/>
+              <a:t>レベル</a:t>
+            </a:r>
+          </a:p>
+          <a:p>
+            <a:pPr lvl="4"/>
+            <a:r>
+              <a:rPr kumimoji="1" lang="ja-JP" altLang="en-US"/>
+              <a:t>第 </a:t>
+            </a:r>
+            <a:r>
+              <a:rPr kumimoji="1" lang="en-US" altLang="ja-JP"/>
+              <a:t>5 </a:t>
+            </a:r>
+            <a:r>
+              <a:rPr kumimoji="1" lang="ja-JP" altLang="en-US"/>
+              <a:t>レベル</a:t>
+            </a:r>
+          </a:p>
+        </p:txBody>
+      </p:sp>
+      <p:sp>
+        <p:nvSpPr>
+          <p:cNvPr id="6" name="フッター プレースホルダー 5"/>
+          <p:cNvSpPr>
+            <a:spLocks noGrp="1"/>
+          </p:cNvSpPr>
+          <p:nvPr>
+            <p:ph type="ftr" sz="quarter" idx="4"/>
+          </p:nvPr>
+        </p:nvSpPr>
+        <p:spPr>
+          <a:xfrm>
+            <a:off x="0" y="8685213"/>
+            <a:ext cx="2971800" cy="458787"/>
+          </a:xfrm>
+          <a:prstGeom prst="rect">
+            <a:avLst/>
+          </a:prstGeom>
+        </p:spPr>
+        <p:txBody>
+          <a:bodyPr vert="horz" lIns="91440" tIns="45720" rIns="91440" bIns="45720" rtlCol="0" anchor="b"/>
+          <a:lstStyle>
+            <a:lvl1pPr algn="l">
+              <a:defRPr sz="1200"/>
+            </a:lvl1pPr>
+          </a:lstStyle>
+          <a:p>
+            <a:endParaRPr kumimoji="1" lang="ja-JP" altLang="en-US"/>
+          </a:p>
+        </p:txBody>
+      </p:sp>
+      <p:sp>
+        <p:nvSpPr>
+          <p:cNvPr id="7" name="スライド番号プレースホルダー 6"/>
+          <p:cNvSpPr>
+            <a:spLocks noGrp="1"/>
+          </p:cNvSpPr>
+          <p:nvPr>
+            <p:ph type="sldNum" sz="quarter" idx="5"/>
+          </p:nvPr>
+        </p:nvSpPr>
+        <p:spPr>
+          <a:xfrm>
+            <a:off x="3884613" y="8685213"/>
+            <a:ext cx="2971800" cy="458787"/>
+          </a:xfrm>
+          <a:prstGeom prst="rect">
+            <a:avLst/>
+          </a:prstGeom>
+        </p:spPr>
+        <p:txBody>
+          <a:bodyPr vert="horz" lIns="91440" tIns="45720" rIns="91440" bIns="45720" rtlCol="0" anchor="b"/>
+          <a:lstStyle>
+            <a:lvl1pPr algn="r">
+              <a:defRPr sz="1200"/>
+            </a:lvl1pPr>
+          </a:lstStyle>
+          <a:p>
+            <a:fld id="{C2725F18-E9C8-4CF5-AEFE-8868BD40D51E}" type="slidenum">
+              <a:rPr kumimoji="1" lang="ja-JP" altLang="en-US" smtClean="0"/>
+              <a:t>‹#›</a:t>
+            </a:fld>
+            <a:endParaRPr kumimoji="1" lang="ja-JP" altLang="en-US"/>
+          </a:p>
+        </p:txBody>
+      </p:sp>
+    </p:spTree>
+    <p:extLst>
+      <p:ext uri="{BB962C8B-B14F-4D97-AF65-F5344CB8AC3E}">
+        <p14:creationId xmlns:p14="http://schemas.microsoft.com/office/powerpoint/2010/main" val="2769762691"/>
+      </p:ext>
+    </p:extLst>
+  </p:cSld>
+  <p:clrMap bg1="lt1" tx1="dk1" bg2="lt2" tx2="dk2" accent1="accent1" accent2="accent2" accent3="accent3" accent4="accent4" accent5="accent5" accent6="accent6" hlink="hlink" folHlink="folHlink"/>
+  <p:notesStyle>
+    <a:lvl1pPr marL="0" algn="l" defTabSz="914400" rtl="0" eaLnBrk="1" latinLnBrk="0" hangingPunct="1">
+      <a:defRPr kumimoji="1" sz="1200" kern="1200">
+        <a:solidFill>
+          <a:schemeClr val="tx1"/>
+        </a:solidFill>
+        <a:latin typeface="+mn-lt"/>
+        <a:ea typeface="+mn-ea"/>
+        <a:cs typeface="+mn-cs"/>
+      </a:defRPr>
+    </a:lvl1pPr>
+    <a:lvl2pPr marL="457200" algn="l" defTabSz="914400" rtl="0" eaLnBrk="1" latinLnBrk="0" hangingPunct="1">
+      <a:defRPr kumimoji="1" sz="1200" kern="1200">
+        <a:solidFill>
+          <a:schemeClr val="tx1"/>
+        </a:solidFill>
+        <a:latin typeface="+mn-lt"/>
+        <a:ea typeface="+mn-ea"/>
+        <a:cs typeface="+mn-cs"/>
+      </a:defRPr>
+    </a:lvl2pPr>
+    <a:lvl3pPr marL="914400" algn="l" defTabSz="914400" rtl="0" eaLnBrk="1" latinLnBrk="0" hangingPunct="1">
+      <a:defRPr kumimoji="1" sz="1200" kern="1200">
+        <a:solidFill>
+          <a:schemeClr val="tx1"/>
+        </a:solidFill>
+        <a:latin typeface="+mn-lt"/>
+        <a:ea typeface="+mn-ea"/>
+        <a:cs typeface="+mn-cs"/>
+      </a:defRPr>
+    </a:lvl3pPr>
+    <a:lvl4pPr marL="1371600" algn="l" defTabSz="914400" rtl="0" eaLnBrk="1" latinLnBrk="0" hangingPunct="1">
+      <a:defRPr kumimoji="1" sz="1200" kern="1200">
+        <a:solidFill>
+          <a:schemeClr val="tx1"/>
+        </a:solidFill>
+        <a:latin typeface="+mn-lt"/>
+        <a:ea typeface="+mn-ea"/>
+        <a:cs typeface="+mn-cs"/>
+      </a:defRPr>
+    </a:lvl4pPr>
+    <a:lvl5pPr marL="1828800" algn="l" defTabSz="914400" rtl="0" eaLnBrk="1" latinLnBrk="0" hangingPunct="1">
+      <a:defRPr kumimoji="1" sz="1200" kern="1200">
+        <a:solidFill>
+          <a:schemeClr val="tx1"/>
+        </a:solidFill>
+        <a:latin typeface="+mn-lt"/>
+        <a:ea typeface="+mn-ea"/>
+        <a:cs typeface="+mn-cs"/>
+      </a:defRPr>
+    </a:lvl5pPr>
+    <a:lvl6pPr marL="2286000" algn="l" defTabSz="914400" rtl="0" eaLnBrk="1" latinLnBrk="0" hangingPunct="1">
+      <a:defRPr kumimoji="1" sz="1200" kern="1200">
+        <a:solidFill>
+          <a:schemeClr val="tx1"/>
+        </a:solidFill>
+        <a:latin typeface="+mn-lt"/>
+        <a:ea typeface="+mn-ea"/>
+        <a:cs typeface="+mn-cs"/>
+      </a:defRPr>
+    </a:lvl6pPr>
+    <a:lvl7pPr marL="2743200" algn="l" defTabSz="914400" rtl="0" eaLnBrk="1" latinLnBrk="0" hangingPunct="1">
+      <a:defRPr kumimoji="1" sz="1200" kern="1200">
+        <a:solidFill>
+          <a:schemeClr val="tx1"/>
+        </a:solidFill>
+        <a:latin typeface="+mn-lt"/>
+        <a:ea typeface="+mn-ea"/>
+        <a:cs typeface="+mn-cs"/>
+      </a:defRPr>
+    </a:lvl7pPr>
+    <a:lvl8pPr marL="3200400" algn="l" defTabSz="914400" rtl="0" eaLnBrk="1" latinLnBrk="0" hangingPunct="1">
+      <a:defRPr kumimoji="1" sz="1200" kern="1200">
+        <a:solidFill>
+          <a:schemeClr val="tx1"/>
+        </a:solidFill>
+        <a:latin typeface="+mn-lt"/>
+        <a:ea typeface="+mn-ea"/>
+        <a:cs typeface="+mn-cs"/>
+      </a:defRPr>
+    </a:lvl8pPr>
+    <a:lvl9pPr marL="3657600" algn="l" defTabSz="914400" rtl="0" eaLnBrk="1" latinLnBrk="0" hangingPunct="1">
+      <a:defRPr kumimoji="1" sz="1200" kern="1200">
+        <a:solidFill>
+          <a:schemeClr val="tx1"/>
+        </a:solidFill>
+        <a:latin typeface="+mn-lt"/>
+        <a:ea typeface="+mn-ea"/>
+        <a:cs typeface="+mn-cs"/>
+      </a:defRPr>
+    </a:lvl9pPr>
+  </p:notesStyle>
+</p:notesMaster>
+</file>
+
 <file path=ppt/slideLayouts/slideLayout1.xml><?xml version="1.0" encoding="utf-8"?>
 <p:sldLayout xmlns:a="http://schemas.openxmlformats.org/drawingml/2006/main" xmlns:r="http://schemas.openxmlformats.org/officeDocument/2006/relationships" xmlns:p="http://schemas.openxmlformats.org/presentationml/2006/main" type="title" preserve="1">
   <p:cSld name="タイトル スライド">
@@ -157,10 +545,9 @@
           </a:lstStyle>
           <a:p>
             <a:r>
-              <a:rPr kumimoji="1" lang="ja-JP" altLang="en-US" smtClean="0"/>
+              <a:rPr kumimoji="1" lang="ja-JP" altLang="en-US"/>
               <a:t>マスター タイトルの書式設定</a:t>
             </a:r>
-            <a:endParaRPr kumimoji="1" lang="ja-JP" altLang="en-US"/>
           </a:p>
         </p:txBody>
       </p:sp>
@@ -222,10 +609,9 @@
           </a:lstStyle>
           <a:p>
             <a:r>
-              <a:rPr kumimoji="1" lang="ja-JP" altLang="en-US" smtClean="0"/>
+              <a:rPr kumimoji="1" lang="ja-JP" altLang="en-US"/>
               <a:t>マスター サブタイトルの書式設定</a:t>
             </a:r>
-            <a:endParaRPr kumimoji="1" lang="ja-JP" altLang="en-US"/>
           </a:p>
         </p:txBody>
       </p:sp>
@@ -246,7 +632,7 @@
           <a:p>
             <a:fld id="{8F2BA968-46FA-4915-82D5-53748CAAB103}" type="datetimeFigureOut">
               <a:rPr kumimoji="1" lang="ja-JP" altLang="en-US" smtClean="0"/>
-              <a:t>2019/6/21</a:t>
+              <a:t>2019/7/21</a:t>
             </a:fld>
             <a:endParaRPr kumimoji="1" lang="ja-JP" altLang="en-US" dirty="0"/>
           </a:p>
@@ -340,10 +726,9 @@
           <a:lstStyle/>
           <a:p>
             <a:r>
-              <a:rPr kumimoji="1" lang="ja-JP" altLang="en-US" smtClean="0"/>
+              <a:rPr kumimoji="1" lang="ja-JP" altLang="en-US"/>
               <a:t>マスター タイトルの書式設定</a:t>
             </a:r>
-            <a:endParaRPr kumimoji="1" lang="ja-JP" altLang="en-US"/>
           </a:p>
         </p:txBody>
       </p:sp>
@@ -364,70 +749,69 @@
           <a:p>
             <a:pPr lvl="0"/>
             <a:r>
-              <a:rPr kumimoji="1" lang="ja-JP" altLang="en-US" smtClean="0"/>
+              <a:rPr kumimoji="1" lang="ja-JP" altLang="en-US"/>
               <a:t>マスター テキストの書式設定</a:t>
             </a:r>
           </a:p>
           <a:p>
             <a:pPr lvl="1"/>
             <a:r>
-              <a:rPr kumimoji="1" lang="ja-JP" altLang="en-US" smtClean="0"/>
+              <a:rPr kumimoji="1" lang="ja-JP" altLang="en-US"/>
               <a:t>第 </a:t>
             </a:r>
             <a:r>
-              <a:rPr kumimoji="1" lang="en-US" altLang="ja-JP" smtClean="0"/>
+              <a:rPr kumimoji="1" lang="en-US" altLang="ja-JP"/>
               <a:t>2 </a:t>
             </a:r>
             <a:r>
-              <a:rPr kumimoji="1" lang="ja-JP" altLang="en-US" smtClean="0"/>
+              <a:rPr kumimoji="1" lang="ja-JP" altLang="en-US"/>
               <a:t>レベル</a:t>
             </a:r>
           </a:p>
           <a:p>
             <a:pPr lvl="2"/>
             <a:r>
-              <a:rPr kumimoji="1" lang="ja-JP" altLang="en-US" smtClean="0"/>
+              <a:rPr kumimoji="1" lang="ja-JP" altLang="en-US"/>
               <a:t>第 </a:t>
             </a:r>
             <a:r>
-              <a:rPr kumimoji="1" lang="en-US" altLang="ja-JP" smtClean="0"/>
+              <a:rPr kumimoji="1" lang="en-US" altLang="ja-JP"/>
               <a:t>3 </a:t>
             </a:r>
             <a:r>
-              <a:rPr kumimoji="1" lang="ja-JP" altLang="en-US" smtClean="0"/>
+              <a:rPr kumimoji="1" lang="ja-JP" altLang="en-US"/>
               <a:t>レベル</a:t>
             </a:r>
           </a:p>
           <a:p>
             <a:pPr lvl="3"/>
             <a:r>
-              <a:rPr kumimoji="1" lang="ja-JP" altLang="en-US" smtClean="0"/>
+              <a:rPr kumimoji="1" lang="ja-JP" altLang="en-US"/>
               <a:t>第 </a:t>
             </a:r>
             <a:r>
-              <a:rPr kumimoji="1" lang="en-US" altLang="ja-JP" smtClean="0"/>
+              <a:rPr kumimoji="1" lang="en-US" altLang="ja-JP"/>
               <a:t>4 </a:t>
             </a:r>
             <a:r>
-              <a:rPr kumimoji="1" lang="ja-JP" altLang="en-US" smtClean="0"/>
+              <a:rPr kumimoji="1" lang="ja-JP" altLang="en-US"/>
               <a:t>レベル</a:t>
             </a:r>
           </a:p>
           <a:p>
             <a:pPr lvl="4"/>
             <a:r>
-              <a:rPr kumimoji="1" lang="ja-JP" altLang="en-US" smtClean="0"/>
+              <a:rPr kumimoji="1" lang="ja-JP" altLang="en-US"/>
               <a:t>第 </a:t>
             </a:r>
             <a:r>
-              <a:rPr kumimoji="1" lang="en-US" altLang="ja-JP" smtClean="0"/>
+              <a:rPr kumimoji="1" lang="en-US" altLang="ja-JP"/>
               <a:t>5 </a:t>
             </a:r>
             <a:r>
-              <a:rPr kumimoji="1" lang="ja-JP" altLang="en-US" smtClean="0"/>
+              <a:rPr kumimoji="1" lang="ja-JP" altLang="en-US"/>
               <a:t>レベル</a:t>
             </a:r>
-            <a:endParaRPr kumimoji="1" lang="ja-JP" altLang="en-US"/>
           </a:p>
         </p:txBody>
       </p:sp>
@@ -448,7 +832,7 @@
           <a:p>
             <a:fld id="{8F2BA968-46FA-4915-82D5-53748CAAB103}" type="datetimeFigureOut">
               <a:rPr kumimoji="1" lang="ja-JP" altLang="en-US" smtClean="0"/>
-              <a:t>2019/6/21</a:t>
+              <a:t>2019/7/21</a:t>
             </a:fld>
             <a:endParaRPr kumimoji="1" lang="ja-JP" altLang="en-US" dirty="0"/>
           </a:p>
@@ -547,10 +931,9 @@
           <a:lstStyle/>
           <a:p>
             <a:r>
-              <a:rPr kumimoji="1" lang="ja-JP" altLang="en-US" smtClean="0"/>
+              <a:rPr kumimoji="1" lang="ja-JP" altLang="en-US"/>
               <a:t>マスター タイトルの書式設定</a:t>
             </a:r>
-            <a:endParaRPr kumimoji="1" lang="ja-JP" altLang="en-US"/>
           </a:p>
         </p:txBody>
       </p:sp>
@@ -576,70 +959,69 @@
           <a:p>
             <a:pPr lvl="0"/>
             <a:r>
-              <a:rPr kumimoji="1" lang="ja-JP" altLang="en-US" smtClean="0"/>
+              <a:rPr kumimoji="1" lang="ja-JP" altLang="en-US"/>
               <a:t>マスター テキストの書式設定</a:t>
             </a:r>
           </a:p>
           <a:p>
             <a:pPr lvl="1"/>
             <a:r>
-              <a:rPr kumimoji="1" lang="ja-JP" altLang="en-US" smtClean="0"/>
+              <a:rPr kumimoji="1" lang="ja-JP" altLang="en-US"/>
               <a:t>第 </a:t>
             </a:r>
             <a:r>
-              <a:rPr kumimoji="1" lang="en-US" altLang="ja-JP" smtClean="0"/>
+              <a:rPr kumimoji="1" lang="en-US" altLang="ja-JP"/>
               <a:t>2 </a:t>
             </a:r>
             <a:r>
-              <a:rPr kumimoji="1" lang="ja-JP" altLang="en-US" smtClean="0"/>
+              <a:rPr kumimoji="1" lang="ja-JP" altLang="en-US"/>
               <a:t>レベル</a:t>
             </a:r>
           </a:p>
           <a:p>
             <a:pPr lvl="2"/>
             <a:r>
-              <a:rPr kumimoji="1" lang="ja-JP" altLang="en-US" smtClean="0"/>
+              <a:rPr kumimoji="1" lang="ja-JP" altLang="en-US"/>
               <a:t>第 </a:t>
             </a:r>
             <a:r>
-              <a:rPr kumimoji="1" lang="en-US" altLang="ja-JP" smtClean="0"/>
+              <a:rPr kumimoji="1" lang="en-US" altLang="ja-JP"/>
               <a:t>3 </a:t>
             </a:r>
             <a:r>
-              <a:rPr kumimoji="1" lang="ja-JP" altLang="en-US" smtClean="0"/>
+              <a:rPr kumimoji="1" lang="ja-JP" altLang="en-US"/>
               <a:t>レベル</a:t>
             </a:r>
           </a:p>
           <a:p>
             <a:pPr lvl="3"/>
             <a:r>
-              <a:rPr kumimoji="1" lang="ja-JP" altLang="en-US" smtClean="0"/>
+              <a:rPr kumimoji="1" lang="ja-JP" altLang="en-US"/>
               <a:t>第 </a:t>
             </a:r>
             <a:r>
-              <a:rPr kumimoji="1" lang="en-US" altLang="ja-JP" smtClean="0"/>
+              <a:rPr kumimoji="1" lang="en-US" altLang="ja-JP"/>
               <a:t>4 </a:t>
             </a:r>
             <a:r>
-              <a:rPr kumimoji="1" lang="ja-JP" altLang="en-US" smtClean="0"/>
+              <a:rPr kumimoji="1" lang="ja-JP" altLang="en-US"/>
               <a:t>レベル</a:t>
             </a:r>
           </a:p>
           <a:p>
             <a:pPr lvl="4"/>
             <a:r>
-              <a:rPr kumimoji="1" lang="ja-JP" altLang="en-US" smtClean="0"/>
+              <a:rPr kumimoji="1" lang="ja-JP" altLang="en-US"/>
               <a:t>第 </a:t>
             </a:r>
             <a:r>
-              <a:rPr kumimoji="1" lang="en-US" altLang="ja-JP" smtClean="0"/>
+              <a:rPr kumimoji="1" lang="en-US" altLang="ja-JP"/>
               <a:t>5 </a:t>
             </a:r>
             <a:r>
-              <a:rPr kumimoji="1" lang="ja-JP" altLang="en-US" smtClean="0"/>
+              <a:rPr kumimoji="1" lang="ja-JP" altLang="en-US"/>
               <a:t>レベル</a:t>
             </a:r>
-            <a:endParaRPr kumimoji="1" lang="ja-JP" altLang="en-US"/>
           </a:p>
         </p:txBody>
       </p:sp>
@@ -660,7 +1042,7 @@
           <a:p>
             <a:fld id="{8F2BA968-46FA-4915-82D5-53748CAAB103}" type="datetimeFigureOut">
               <a:rPr kumimoji="1" lang="ja-JP" altLang="en-US" smtClean="0"/>
-              <a:t>2019/6/21</a:t>
+              <a:t>2019/7/21</a:t>
             </a:fld>
             <a:endParaRPr kumimoji="1" lang="ja-JP" altLang="en-US" dirty="0"/>
           </a:p>
@@ -754,10 +1136,9 @@
           <a:lstStyle/>
           <a:p>
             <a:r>
-              <a:rPr kumimoji="1" lang="ja-JP" altLang="en-US" smtClean="0"/>
+              <a:rPr kumimoji="1" lang="ja-JP" altLang="en-US"/>
               <a:t>マスター タイトルの書式設定</a:t>
             </a:r>
-            <a:endParaRPr kumimoji="1" lang="ja-JP" altLang="en-US"/>
           </a:p>
         </p:txBody>
       </p:sp>
@@ -778,70 +1159,69 @@
           <a:p>
             <a:pPr lvl="0"/>
             <a:r>
-              <a:rPr kumimoji="1" lang="ja-JP" altLang="en-US" smtClean="0"/>
+              <a:rPr kumimoji="1" lang="ja-JP" altLang="en-US"/>
               <a:t>マスター テキストの書式設定</a:t>
             </a:r>
           </a:p>
           <a:p>
             <a:pPr lvl="1"/>
             <a:r>
-              <a:rPr kumimoji="1" lang="ja-JP" altLang="en-US" smtClean="0"/>
+              <a:rPr kumimoji="1" lang="ja-JP" altLang="en-US"/>
               <a:t>第 </a:t>
             </a:r>
             <a:r>
-              <a:rPr kumimoji="1" lang="en-US" altLang="ja-JP" smtClean="0"/>
+              <a:rPr kumimoji="1" lang="en-US" altLang="ja-JP"/>
               <a:t>2 </a:t>
             </a:r>
             <a:r>
-              <a:rPr kumimoji="1" lang="ja-JP" altLang="en-US" smtClean="0"/>
+              <a:rPr kumimoji="1" lang="ja-JP" altLang="en-US"/>
               <a:t>レベル</a:t>
             </a:r>
           </a:p>
           <a:p>
             <a:pPr lvl="2"/>
             <a:r>
-              <a:rPr kumimoji="1" lang="ja-JP" altLang="en-US" smtClean="0"/>
+              <a:rPr kumimoji="1" lang="ja-JP" altLang="en-US"/>
               <a:t>第 </a:t>
             </a:r>
             <a:r>
-              <a:rPr kumimoji="1" lang="en-US" altLang="ja-JP" smtClean="0"/>
+              <a:rPr kumimoji="1" lang="en-US" altLang="ja-JP"/>
               <a:t>3 </a:t>
             </a:r>
             <a:r>
-              <a:rPr kumimoji="1" lang="ja-JP" altLang="en-US" smtClean="0"/>
+              <a:rPr kumimoji="1" lang="ja-JP" altLang="en-US"/>
               <a:t>レベル</a:t>
             </a:r>
           </a:p>
           <a:p>
             <a:pPr lvl="3"/>
             <a:r>
-              <a:rPr kumimoji="1" lang="ja-JP" altLang="en-US" smtClean="0"/>
+              <a:rPr kumimoji="1" lang="ja-JP" altLang="en-US"/>
               <a:t>第 </a:t>
             </a:r>
             <a:r>
-              <a:rPr kumimoji="1" lang="en-US" altLang="ja-JP" smtClean="0"/>
+              <a:rPr kumimoji="1" lang="en-US" altLang="ja-JP"/>
               <a:t>4 </a:t>
             </a:r>
             <a:r>
-              <a:rPr kumimoji="1" lang="ja-JP" altLang="en-US" smtClean="0"/>
+              <a:rPr kumimoji="1" lang="ja-JP" altLang="en-US"/>
               <a:t>レベル</a:t>
             </a:r>
           </a:p>
           <a:p>
             <a:pPr lvl="4"/>
             <a:r>
-              <a:rPr kumimoji="1" lang="ja-JP" altLang="en-US" smtClean="0"/>
+              <a:rPr kumimoji="1" lang="ja-JP" altLang="en-US"/>
               <a:t>第 </a:t>
             </a:r>
             <a:r>
-              <a:rPr kumimoji="1" lang="en-US" altLang="ja-JP" smtClean="0"/>
+              <a:rPr kumimoji="1" lang="en-US" altLang="ja-JP"/>
               <a:t>5 </a:t>
             </a:r>
             <a:r>
-              <a:rPr kumimoji="1" lang="ja-JP" altLang="en-US" smtClean="0"/>
+              <a:rPr kumimoji="1" lang="ja-JP" altLang="en-US"/>
               <a:t>レベル</a:t>
             </a:r>
-            <a:endParaRPr kumimoji="1" lang="ja-JP" altLang="en-US"/>
           </a:p>
         </p:txBody>
       </p:sp>
@@ -862,7 +1242,7 @@
           <a:p>
             <a:fld id="{8F2BA968-46FA-4915-82D5-53748CAAB103}" type="datetimeFigureOut">
               <a:rPr kumimoji="1" lang="ja-JP" altLang="en-US" smtClean="0"/>
-              <a:t>2019/6/21</a:t>
+              <a:t>2019/7/21</a:t>
             </a:fld>
             <a:endParaRPr kumimoji="1" lang="ja-JP" altLang="en-US" dirty="0"/>
           </a:p>
@@ -965,10 +1345,9 @@
           </a:lstStyle>
           <a:p>
             <a:r>
-              <a:rPr kumimoji="1" lang="ja-JP" altLang="en-US" smtClean="0"/>
+              <a:rPr kumimoji="1" lang="ja-JP" altLang="en-US"/>
               <a:t>マスター タイトルの書式設定</a:t>
             </a:r>
-            <a:endParaRPr kumimoji="1" lang="ja-JP" altLang="en-US"/>
           </a:p>
         </p:txBody>
       </p:sp>
@@ -1085,7 +1464,7 @@
           <a:p>
             <a:pPr lvl="0"/>
             <a:r>
-              <a:rPr kumimoji="1" lang="ja-JP" altLang="en-US" smtClean="0"/>
+              <a:rPr kumimoji="1" lang="ja-JP" altLang="en-US"/>
               <a:t>マスター テキストの書式設定</a:t>
             </a:r>
           </a:p>
@@ -1108,7 +1487,7 @@
           <a:p>
             <a:fld id="{8F2BA968-46FA-4915-82D5-53748CAAB103}" type="datetimeFigureOut">
               <a:rPr kumimoji="1" lang="ja-JP" altLang="en-US" smtClean="0"/>
-              <a:t>2019/6/21</a:t>
+              <a:t>2019/7/21</a:t>
             </a:fld>
             <a:endParaRPr kumimoji="1" lang="ja-JP" altLang="en-US" dirty="0"/>
           </a:p>
@@ -1202,10 +1581,9 @@
           <a:lstStyle/>
           <a:p>
             <a:r>
-              <a:rPr kumimoji="1" lang="ja-JP" altLang="en-US" smtClean="0"/>
+              <a:rPr kumimoji="1" lang="ja-JP" altLang="en-US"/>
               <a:t>マスター タイトルの書式設定</a:t>
             </a:r>
-            <a:endParaRPr kumimoji="1" lang="ja-JP" altLang="en-US"/>
           </a:p>
         </p:txBody>
       </p:sp>
@@ -1231,70 +1609,69 @@
           <a:p>
             <a:pPr lvl="0"/>
             <a:r>
-              <a:rPr kumimoji="1" lang="ja-JP" altLang="en-US" smtClean="0"/>
+              <a:rPr kumimoji="1" lang="ja-JP" altLang="en-US"/>
               <a:t>マスター テキストの書式設定</a:t>
             </a:r>
           </a:p>
           <a:p>
             <a:pPr lvl="1"/>
             <a:r>
-              <a:rPr kumimoji="1" lang="ja-JP" altLang="en-US" smtClean="0"/>
+              <a:rPr kumimoji="1" lang="ja-JP" altLang="en-US"/>
               <a:t>第 </a:t>
             </a:r>
             <a:r>
-              <a:rPr kumimoji="1" lang="en-US" altLang="ja-JP" smtClean="0"/>
+              <a:rPr kumimoji="1" lang="en-US" altLang="ja-JP"/>
               <a:t>2 </a:t>
             </a:r>
             <a:r>
-              <a:rPr kumimoji="1" lang="ja-JP" altLang="en-US" smtClean="0"/>
+              <a:rPr kumimoji="1" lang="ja-JP" altLang="en-US"/>
               <a:t>レベル</a:t>
             </a:r>
           </a:p>
           <a:p>
             <a:pPr lvl="2"/>
             <a:r>
-              <a:rPr kumimoji="1" lang="ja-JP" altLang="en-US" smtClean="0"/>
+              <a:rPr kumimoji="1" lang="ja-JP" altLang="en-US"/>
               <a:t>第 </a:t>
             </a:r>
             <a:r>
-              <a:rPr kumimoji="1" lang="en-US" altLang="ja-JP" smtClean="0"/>
+              <a:rPr kumimoji="1" lang="en-US" altLang="ja-JP"/>
               <a:t>3 </a:t>
             </a:r>
             <a:r>
-              <a:rPr kumimoji="1" lang="ja-JP" altLang="en-US" smtClean="0"/>
+              <a:rPr kumimoji="1" lang="ja-JP" altLang="en-US"/>
               <a:t>レベル</a:t>
             </a:r>
           </a:p>
           <a:p>
             <a:pPr lvl="3"/>
             <a:r>
-              <a:rPr kumimoji="1" lang="ja-JP" altLang="en-US" smtClean="0"/>
+              <a:rPr kumimoji="1" lang="ja-JP" altLang="en-US"/>
               <a:t>第 </a:t>
             </a:r>
             <a:r>
-              <a:rPr kumimoji="1" lang="en-US" altLang="ja-JP" smtClean="0"/>
+              <a:rPr kumimoji="1" lang="en-US" altLang="ja-JP"/>
               <a:t>4 </a:t>
             </a:r>
             <a:r>
-              <a:rPr kumimoji="1" lang="ja-JP" altLang="en-US" smtClean="0"/>
+              <a:rPr kumimoji="1" lang="ja-JP" altLang="en-US"/>
               <a:t>レベル</a:t>
             </a:r>
           </a:p>
           <a:p>
             <a:pPr lvl="4"/>
             <a:r>
-              <a:rPr kumimoji="1" lang="ja-JP" altLang="en-US" smtClean="0"/>
+              <a:rPr kumimoji="1" lang="ja-JP" altLang="en-US"/>
               <a:t>第 </a:t>
             </a:r>
             <a:r>
-              <a:rPr kumimoji="1" lang="en-US" altLang="ja-JP" smtClean="0"/>
+              <a:rPr kumimoji="1" lang="en-US" altLang="ja-JP"/>
               <a:t>5 </a:t>
             </a:r>
             <a:r>
-              <a:rPr kumimoji="1" lang="ja-JP" altLang="en-US" smtClean="0"/>
+              <a:rPr kumimoji="1" lang="ja-JP" altLang="en-US"/>
               <a:t>レベル</a:t>
             </a:r>
-            <a:endParaRPr kumimoji="1" lang="ja-JP" altLang="en-US"/>
           </a:p>
         </p:txBody>
       </p:sp>
@@ -1320,70 +1697,69 @@
           <a:p>
             <a:pPr lvl="0"/>
             <a:r>
-              <a:rPr kumimoji="1" lang="ja-JP" altLang="en-US" smtClean="0"/>
+              <a:rPr kumimoji="1" lang="ja-JP" altLang="en-US"/>
               <a:t>マスター テキストの書式設定</a:t>
             </a:r>
           </a:p>
           <a:p>
             <a:pPr lvl="1"/>
             <a:r>
-              <a:rPr kumimoji="1" lang="ja-JP" altLang="en-US" smtClean="0"/>
+              <a:rPr kumimoji="1" lang="ja-JP" altLang="en-US"/>
               <a:t>第 </a:t>
             </a:r>
             <a:r>
-              <a:rPr kumimoji="1" lang="en-US" altLang="ja-JP" smtClean="0"/>
+              <a:rPr kumimoji="1" lang="en-US" altLang="ja-JP"/>
               <a:t>2 </a:t>
             </a:r>
             <a:r>
-              <a:rPr kumimoji="1" lang="ja-JP" altLang="en-US" smtClean="0"/>
+              <a:rPr kumimoji="1" lang="ja-JP" altLang="en-US"/>
               <a:t>レベル</a:t>
             </a:r>
           </a:p>
           <a:p>
             <a:pPr lvl="2"/>
             <a:r>
-              <a:rPr kumimoji="1" lang="ja-JP" altLang="en-US" smtClean="0"/>
+              <a:rPr kumimoji="1" lang="ja-JP" altLang="en-US"/>
               <a:t>第 </a:t>
             </a:r>
             <a:r>
-              <a:rPr kumimoji="1" lang="en-US" altLang="ja-JP" smtClean="0"/>
+              <a:rPr kumimoji="1" lang="en-US" altLang="ja-JP"/>
               <a:t>3 </a:t>
             </a:r>
             <a:r>
-              <a:rPr kumimoji="1" lang="ja-JP" altLang="en-US" smtClean="0"/>
+              <a:rPr kumimoji="1" lang="ja-JP" altLang="en-US"/>
               <a:t>レベル</a:t>
             </a:r>
           </a:p>
           <a:p>
             <a:pPr lvl="3"/>
             <a:r>
-              <a:rPr kumimoji="1" lang="ja-JP" altLang="en-US" smtClean="0"/>
+              <a:rPr kumimoji="1" lang="ja-JP" altLang="en-US"/>
               <a:t>第 </a:t>
             </a:r>
             <a:r>
-              <a:rPr kumimoji="1" lang="en-US" altLang="ja-JP" smtClean="0"/>
+              <a:rPr kumimoji="1" lang="en-US" altLang="ja-JP"/>
               <a:t>4 </a:t>
             </a:r>
             <a:r>
-              <a:rPr kumimoji="1" lang="ja-JP" altLang="en-US" smtClean="0"/>
+              <a:rPr kumimoji="1" lang="ja-JP" altLang="en-US"/>
               <a:t>レベル</a:t>
             </a:r>
           </a:p>
           <a:p>
             <a:pPr lvl="4"/>
             <a:r>
-              <a:rPr kumimoji="1" lang="ja-JP" altLang="en-US" smtClean="0"/>
+              <a:rPr kumimoji="1" lang="ja-JP" altLang="en-US"/>
               <a:t>第 </a:t>
             </a:r>
             <a:r>
-              <a:rPr kumimoji="1" lang="en-US" altLang="ja-JP" smtClean="0"/>
+              <a:rPr kumimoji="1" lang="en-US" altLang="ja-JP"/>
               <a:t>5 </a:t>
             </a:r>
             <a:r>
-              <a:rPr kumimoji="1" lang="ja-JP" altLang="en-US" smtClean="0"/>
+              <a:rPr kumimoji="1" lang="ja-JP" altLang="en-US"/>
               <a:t>レベル</a:t>
             </a:r>
-            <a:endParaRPr kumimoji="1" lang="ja-JP" altLang="en-US"/>
           </a:p>
         </p:txBody>
       </p:sp>
@@ -1404,7 +1780,7 @@
           <a:p>
             <a:fld id="{8F2BA968-46FA-4915-82D5-53748CAAB103}" type="datetimeFigureOut">
               <a:rPr kumimoji="1" lang="ja-JP" altLang="en-US" smtClean="0"/>
-              <a:t>2019/6/21</a:t>
+              <a:t>2019/7/21</a:t>
             </a:fld>
             <a:endParaRPr kumimoji="1" lang="ja-JP" altLang="en-US" dirty="0"/>
           </a:p>
@@ -1503,10 +1879,9 @@
           <a:lstStyle/>
           <a:p>
             <a:r>
-              <a:rPr kumimoji="1" lang="ja-JP" altLang="en-US" smtClean="0"/>
+              <a:rPr kumimoji="1" lang="ja-JP" altLang="en-US"/>
               <a:t>マスター タイトルの書式設定</a:t>
             </a:r>
-            <a:endParaRPr kumimoji="1" lang="ja-JP" altLang="en-US"/>
           </a:p>
         </p:txBody>
       </p:sp>
@@ -1569,7 +1944,7 @@
           <a:p>
             <a:pPr lvl="0"/>
             <a:r>
-              <a:rPr kumimoji="1" lang="ja-JP" altLang="en-US" smtClean="0"/>
+              <a:rPr kumimoji="1" lang="ja-JP" altLang="en-US"/>
               <a:t>マスター テキストの書式設定</a:t>
             </a:r>
           </a:p>
@@ -1597,70 +1972,69 @@
           <a:p>
             <a:pPr lvl="0"/>
             <a:r>
-              <a:rPr kumimoji="1" lang="ja-JP" altLang="en-US" smtClean="0"/>
+              <a:rPr kumimoji="1" lang="ja-JP" altLang="en-US"/>
               <a:t>マスター テキストの書式設定</a:t>
             </a:r>
           </a:p>
           <a:p>
             <a:pPr lvl="1"/>
             <a:r>
-              <a:rPr kumimoji="1" lang="ja-JP" altLang="en-US" smtClean="0"/>
+              <a:rPr kumimoji="1" lang="ja-JP" altLang="en-US"/>
               <a:t>第 </a:t>
             </a:r>
             <a:r>
-              <a:rPr kumimoji="1" lang="en-US" altLang="ja-JP" smtClean="0"/>
+              <a:rPr kumimoji="1" lang="en-US" altLang="ja-JP"/>
               <a:t>2 </a:t>
             </a:r>
             <a:r>
-              <a:rPr kumimoji="1" lang="ja-JP" altLang="en-US" smtClean="0"/>
+              <a:rPr kumimoji="1" lang="ja-JP" altLang="en-US"/>
               <a:t>レベル</a:t>
             </a:r>
           </a:p>
           <a:p>
             <a:pPr lvl="2"/>
             <a:r>
-              <a:rPr kumimoji="1" lang="ja-JP" altLang="en-US" smtClean="0"/>
+              <a:rPr kumimoji="1" lang="ja-JP" altLang="en-US"/>
               <a:t>第 </a:t>
             </a:r>
             <a:r>
-              <a:rPr kumimoji="1" lang="en-US" altLang="ja-JP" smtClean="0"/>
+              <a:rPr kumimoji="1" lang="en-US" altLang="ja-JP"/>
               <a:t>3 </a:t>
             </a:r>
             <a:r>
-              <a:rPr kumimoji="1" lang="ja-JP" altLang="en-US" smtClean="0"/>
+              <a:rPr kumimoji="1" lang="ja-JP" altLang="en-US"/>
               <a:t>レベル</a:t>
             </a:r>
           </a:p>
           <a:p>
             <a:pPr lvl="3"/>
             <a:r>
-              <a:rPr kumimoji="1" lang="ja-JP" altLang="en-US" smtClean="0"/>
+              <a:rPr kumimoji="1" lang="ja-JP" altLang="en-US"/>
               <a:t>第 </a:t>
             </a:r>
             <a:r>
-              <a:rPr kumimoji="1" lang="en-US" altLang="ja-JP" smtClean="0"/>
+              <a:rPr kumimoji="1" lang="en-US" altLang="ja-JP"/>
               <a:t>4 </a:t>
             </a:r>
             <a:r>
-              <a:rPr kumimoji="1" lang="ja-JP" altLang="en-US" smtClean="0"/>
+              <a:rPr kumimoji="1" lang="ja-JP" altLang="en-US"/>
               <a:t>レベル</a:t>
             </a:r>
           </a:p>
           <a:p>
             <a:pPr lvl="4"/>
             <a:r>
-              <a:rPr kumimoji="1" lang="ja-JP" altLang="en-US" smtClean="0"/>
+              <a:rPr kumimoji="1" lang="ja-JP" altLang="en-US"/>
               <a:t>第 </a:t>
             </a:r>
             <a:r>
-              <a:rPr kumimoji="1" lang="en-US" altLang="ja-JP" smtClean="0"/>
+              <a:rPr kumimoji="1" lang="en-US" altLang="ja-JP"/>
               <a:t>5 </a:t>
             </a:r>
             <a:r>
-              <a:rPr kumimoji="1" lang="ja-JP" altLang="en-US" smtClean="0"/>
+              <a:rPr kumimoji="1" lang="ja-JP" altLang="en-US"/>
               <a:t>レベル</a:t>
             </a:r>
-            <a:endParaRPr kumimoji="1" lang="ja-JP" altLang="en-US"/>
           </a:p>
         </p:txBody>
       </p:sp>
@@ -1723,7 +2097,7 @@
           <a:p>
             <a:pPr lvl="0"/>
             <a:r>
-              <a:rPr kumimoji="1" lang="ja-JP" altLang="en-US" smtClean="0"/>
+              <a:rPr kumimoji="1" lang="ja-JP" altLang="en-US"/>
               <a:t>マスター テキストの書式設定</a:t>
             </a:r>
           </a:p>
@@ -1751,70 +2125,69 @@
           <a:p>
             <a:pPr lvl="0"/>
             <a:r>
-              <a:rPr kumimoji="1" lang="ja-JP" altLang="en-US" smtClean="0"/>
+              <a:rPr kumimoji="1" lang="ja-JP" altLang="en-US"/>
               <a:t>マスター テキストの書式設定</a:t>
             </a:r>
           </a:p>
           <a:p>
             <a:pPr lvl="1"/>
             <a:r>
-              <a:rPr kumimoji="1" lang="ja-JP" altLang="en-US" smtClean="0"/>
+              <a:rPr kumimoji="1" lang="ja-JP" altLang="en-US"/>
               <a:t>第 </a:t>
             </a:r>
             <a:r>
-              <a:rPr kumimoji="1" lang="en-US" altLang="ja-JP" smtClean="0"/>
+              <a:rPr kumimoji="1" lang="en-US" altLang="ja-JP"/>
               <a:t>2 </a:t>
             </a:r>
             <a:r>
-              <a:rPr kumimoji="1" lang="ja-JP" altLang="en-US" smtClean="0"/>
+              <a:rPr kumimoji="1" lang="ja-JP" altLang="en-US"/>
               <a:t>レベル</a:t>
             </a:r>
           </a:p>
           <a:p>
             <a:pPr lvl="2"/>
             <a:r>
-              <a:rPr kumimoji="1" lang="ja-JP" altLang="en-US" smtClean="0"/>
+              <a:rPr kumimoji="1" lang="ja-JP" altLang="en-US"/>
               <a:t>第 </a:t>
             </a:r>
             <a:r>
-              <a:rPr kumimoji="1" lang="en-US" altLang="ja-JP" smtClean="0"/>
+              <a:rPr kumimoji="1" lang="en-US" altLang="ja-JP"/>
               <a:t>3 </a:t>
             </a:r>
             <a:r>
-              <a:rPr kumimoji="1" lang="ja-JP" altLang="en-US" smtClean="0"/>
+              <a:rPr kumimoji="1" lang="ja-JP" altLang="en-US"/>
               <a:t>レベル</a:t>
             </a:r>
           </a:p>
           <a:p>
             <a:pPr lvl="3"/>
             <a:r>
-              <a:rPr kumimoji="1" lang="ja-JP" altLang="en-US" smtClean="0"/>
+              <a:rPr kumimoji="1" lang="ja-JP" altLang="en-US"/>
               <a:t>第 </a:t>
             </a:r>
             <a:r>
-              <a:rPr kumimoji="1" lang="en-US" altLang="ja-JP" smtClean="0"/>
+              <a:rPr kumimoji="1" lang="en-US" altLang="ja-JP"/>
               <a:t>4 </a:t>
             </a:r>
             <a:r>
-              <a:rPr kumimoji="1" lang="ja-JP" altLang="en-US" smtClean="0"/>
+              <a:rPr kumimoji="1" lang="ja-JP" altLang="en-US"/>
               <a:t>レベル</a:t>
             </a:r>
           </a:p>
           <a:p>
             <a:pPr lvl="4"/>
             <a:r>
-              <a:rPr kumimoji="1" lang="ja-JP" altLang="en-US" smtClean="0"/>
+              <a:rPr kumimoji="1" lang="ja-JP" altLang="en-US"/>
               <a:t>第 </a:t>
             </a:r>
             <a:r>
-              <a:rPr kumimoji="1" lang="en-US" altLang="ja-JP" smtClean="0"/>
+              <a:rPr kumimoji="1" lang="en-US" altLang="ja-JP"/>
               <a:t>5 </a:t>
             </a:r>
             <a:r>
-              <a:rPr kumimoji="1" lang="ja-JP" altLang="en-US" smtClean="0"/>
+              <a:rPr kumimoji="1" lang="ja-JP" altLang="en-US"/>
               <a:t>レベル</a:t>
             </a:r>
-            <a:endParaRPr kumimoji="1" lang="ja-JP" altLang="en-US"/>
           </a:p>
         </p:txBody>
       </p:sp>
@@ -1835,7 +2208,7 @@
           <a:p>
             <a:fld id="{8F2BA968-46FA-4915-82D5-53748CAAB103}" type="datetimeFigureOut">
               <a:rPr kumimoji="1" lang="ja-JP" altLang="en-US" smtClean="0"/>
-              <a:t>2019/6/21</a:t>
+              <a:t>2019/7/21</a:t>
             </a:fld>
             <a:endParaRPr kumimoji="1" lang="ja-JP" altLang="en-US" dirty="0"/>
           </a:p>
@@ -1929,10 +2302,9 @@
           <a:lstStyle/>
           <a:p>
             <a:r>
-              <a:rPr kumimoji="1" lang="ja-JP" altLang="en-US" smtClean="0"/>
+              <a:rPr kumimoji="1" lang="ja-JP" altLang="en-US"/>
               <a:t>マスター タイトルの書式設定</a:t>
             </a:r>
-            <a:endParaRPr kumimoji="1" lang="ja-JP" altLang="en-US"/>
           </a:p>
         </p:txBody>
       </p:sp>
@@ -1953,7 +2325,7 @@
           <a:p>
             <a:fld id="{8F2BA968-46FA-4915-82D5-53748CAAB103}" type="datetimeFigureOut">
               <a:rPr kumimoji="1" lang="ja-JP" altLang="en-US" smtClean="0"/>
-              <a:t>2019/6/21</a:t>
+              <a:t>2019/7/21</a:t>
             </a:fld>
             <a:endParaRPr kumimoji="1" lang="ja-JP" altLang="en-US" dirty="0"/>
           </a:p>
@@ -2048,7 +2420,7 @@
           <a:p>
             <a:fld id="{8F2BA968-46FA-4915-82D5-53748CAAB103}" type="datetimeFigureOut">
               <a:rPr kumimoji="1" lang="ja-JP" altLang="en-US" smtClean="0"/>
-              <a:t>2019/6/21</a:t>
+              <a:t>2019/7/21</a:t>
             </a:fld>
             <a:endParaRPr kumimoji="1" lang="ja-JP" altLang="en-US" dirty="0"/>
           </a:p>
@@ -2151,10 +2523,9 @@
           </a:lstStyle>
           <a:p>
             <a:r>
-              <a:rPr kumimoji="1" lang="ja-JP" altLang="en-US" smtClean="0"/>
+              <a:rPr kumimoji="1" lang="ja-JP" altLang="en-US"/>
               <a:t>マスター タイトルの書式設定</a:t>
             </a:r>
-            <a:endParaRPr kumimoji="1" lang="ja-JP" altLang="en-US"/>
           </a:p>
         </p:txBody>
       </p:sp>
@@ -2208,70 +2579,69 @@
           <a:p>
             <a:pPr lvl="0"/>
             <a:r>
-              <a:rPr kumimoji="1" lang="ja-JP" altLang="en-US" smtClean="0"/>
+              <a:rPr kumimoji="1" lang="ja-JP" altLang="en-US"/>
               <a:t>マスター テキストの書式設定</a:t>
             </a:r>
           </a:p>
           <a:p>
             <a:pPr lvl="1"/>
             <a:r>
-              <a:rPr kumimoji="1" lang="ja-JP" altLang="en-US" smtClean="0"/>
+              <a:rPr kumimoji="1" lang="ja-JP" altLang="en-US"/>
               <a:t>第 </a:t>
             </a:r>
             <a:r>
-              <a:rPr kumimoji="1" lang="en-US" altLang="ja-JP" smtClean="0"/>
+              <a:rPr kumimoji="1" lang="en-US" altLang="ja-JP"/>
               <a:t>2 </a:t>
             </a:r>
             <a:r>
-              <a:rPr kumimoji="1" lang="ja-JP" altLang="en-US" smtClean="0"/>
+              <a:rPr kumimoji="1" lang="ja-JP" altLang="en-US"/>
               <a:t>レベル</a:t>
             </a:r>
           </a:p>
           <a:p>
             <a:pPr lvl="2"/>
             <a:r>
-              <a:rPr kumimoji="1" lang="ja-JP" altLang="en-US" smtClean="0"/>
+              <a:rPr kumimoji="1" lang="ja-JP" altLang="en-US"/>
               <a:t>第 </a:t>
             </a:r>
             <a:r>
-              <a:rPr kumimoji="1" lang="en-US" altLang="ja-JP" smtClean="0"/>
+              <a:rPr kumimoji="1" lang="en-US" altLang="ja-JP"/>
               <a:t>3 </a:t>
             </a:r>
             <a:r>
-              <a:rPr kumimoji="1" lang="ja-JP" altLang="en-US" smtClean="0"/>
+              <a:rPr kumimoji="1" lang="ja-JP" altLang="en-US"/>
               <a:t>レベル</a:t>
             </a:r>
           </a:p>
           <a:p>
             <a:pPr lvl="3"/>
             <a:r>
-              <a:rPr kumimoji="1" lang="ja-JP" altLang="en-US" smtClean="0"/>
+              <a:rPr kumimoji="1" lang="ja-JP" altLang="en-US"/>
               <a:t>第 </a:t>
             </a:r>
             <a:r>
-              <a:rPr kumimoji="1" lang="en-US" altLang="ja-JP" smtClean="0"/>
+              <a:rPr kumimoji="1" lang="en-US" altLang="ja-JP"/>
               <a:t>4 </a:t>
             </a:r>
             <a:r>
-              <a:rPr kumimoji="1" lang="ja-JP" altLang="en-US" smtClean="0"/>
+              <a:rPr kumimoji="1" lang="ja-JP" altLang="en-US"/>
               <a:t>レベル</a:t>
             </a:r>
           </a:p>
           <a:p>
             <a:pPr lvl="4"/>
             <a:r>
-              <a:rPr kumimoji="1" lang="ja-JP" altLang="en-US" smtClean="0"/>
+              <a:rPr kumimoji="1" lang="ja-JP" altLang="en-US"/>
               <a:t>第 </a:t>
             </a:r>
             <a:r>
-              <a:rPr kumimoji="1" lang="en-US" altLang="ja-JP" smtClean="0"/>
+              <a:rPr kumimoji="1" lang="en-US" altLang="ja-JP"/>
               <a:t>5 </a:t>
             </a:r>
             <a:r>
-              <a:rPr kumimoji="1" lang="ja-JP" altLang="en-US" smtClean="0"/>
+              <a:rPr kumimoji="1" lang="ja-JP" altLang="en-US"/>
               <a:t>レベル</a:t>
             </a:r>
-            <a:endParaRPr kumimoji="1" lang="ja-JP" altLang="en-US"/>
           </a:p>
         </p:txBody>
       </p:sp>
@@ -2334,7 +2704,7 @@
           <a:p>
             <a:pPr lvl="0"/>
             <a:r>
-              <a:rPr kumimoji="1" lang="ja-JP" altLang="en-US" smtClean="0"/>
+              <a:rPr kumimoji="1" lang="ja-JP" altLang="en-US"/>
               <a:t>マスター テキストの書式設定</a:t>
             </a:r>
           </a:p>
@@ -2357,7 +2727,7 @@
           <a:p>
             <a:fld id="{8F2BA968-46FA-4915-82D5-53748CAAB103}" type="datetimeFigureOut">
               <a:rPr kumimoji="1" lang="ja-JP" altLang="en-US" smtClean="0"/>
-              <a:t>2019/6/21</a:t>
+              <a:t>2019/7/21</a:t>
             </a:fld>
             <a:endParaRPr kumimoji="1" lang="ja-JP" altLang="en-US" dirty="0"/>
           </a:p>
@@ -2460,10 +2830,9 @@
           </a:lstStyle>
           <a:p>
             <a:r>
-              <a:rPr kumimoji="1" lang="ja-JP" altLang="en-US" smtClean="0"/>
+              <a:rPr kumimoji="1" lang="ja-JP" altLang="en-US"/>
               <a:t>マスター タイトルの書式設定</a:t>
             </a:r>
-            <a:endParaRPr kumimoji="1" lang="ja-JP" altLang="en-US"/>
           </a:p>
         </p:txBody>
       </p:sp>
@@ -2587,7 +2956,7 @@
           <a:p>
             <a:pPr lvl="0"/>
             <a:r>
-              <a:rPr kumimoji="1" lang="ja-JP" altLang="en-US" smtClean="0"/>
+              <a:rPr kumimoji="1" lang="ja-JP" altLang="en-US"/>
               <a:t>マスター テキストの書式設定</a:t>
             </a:r>
           </a:p>
@@ -2610,7 +2979,7 @@
           <a:p>
             <a:fld id="{8F2BA968-46FA-4915-82D5-53748CAAB103}" type="datetimeFigureOut">
               <a:rPr kumimoji="1" lang="ja-JP" altLang="en-US" smtClean="0"/>
-              <a:t>2019/6/21</a:t>
+              <a:t>2019/7/21</a:t>
             </a:fld>
             <a:endParaRPr kumimoji="1" lang="ja-JP" altLang="en-US" dirty="0"/>
           </a:p>
@@ -2719,10 +3088,9 @@
           <a:lstStyle/>
           <a:p>
             <a:r>
-              <a:rPr kumimoji="1" lang="ja-JP" altLang="en-US" smtClean="0"/>
+              <a:rPr kumimoji="1" lang="ja-JP" altLang="en-US"/>
               <a:t>マスター タイトルの書式設定</a:t>
             </a:r>
-            <a:endParaRPr kumimoji="1" lang="ja-JP" altLang="en-US"/>
           </a:p>
         </p:txBody>
       </p:sp>
@@ -2753,70 +3121,69 @@
           <a:p>
             <a:pPr lvl="0"/>
             <a:r>
-              <a:rPr kumimoji="1" lang="ja-JP" altLang="en-US" smtClean="0"/>
+              <a:rPr kumimoji="1" lang="ja-JP" altLang="en-US"/>
               <a:t>マスター テキストの書式設定</a:t>
             </a:r>
           </a:p>
           <a:p>
             <a:pPr lvl="1"/>
             <a:r>
-              <a:rPr kumimoji="1" lang="ja-JP" altLang="en-US" smtClean="0"/>
+              <a:rPr kumimoji="1" lang="ja-JP" altLang="en-US"/>
               <a:t>第 </a:t>
             </a:r>
             <a:r>
-              <a:rPr kumimoji="1" lang="en-US" altLang="ja-JP" smtClean="0"/>
+              <a:rPr kumimoji="1" lang="en-US" altLang="ja-JP"/>
               <a:t>2 </a:t>
             </a:r>
             <a:r>
-              <a:rPr kumimoji="1" lang="ja-JP" altLang="en-US" smtClean="0"/>
+              <a:rPr kumimoji="1" lang="ja-JP" altLang="en-US"/>
               <a:t>レベル</a:t>
             </a:r>
           </a:p>
           <a:p>
             <a:pPr lvl="2"/>
             <a:r>
-              <a:rPr kumimoji="1" lang="ja-JP" altLang="en-US" smtClean="0"/>
+              <a:rPr kumimoji="1" lang="ja-JP" altLang="en-US"/>
               <a:t>第 </a:t>
             </a:r>
             <a:r>
-              <a:rPr kumimoji="1" lang="en-US" altLang="ja-JP" smtClean="0"/>
+              <a:rPr kumimoji="1" lang="en-US" altLang="ja-JP"/>
               <a:t>3 </a:t>
             </a:r>
             <a:r>
-              <a:rPr kumimoji="1" lang="ja-JP" altLang="en-US" smtClean="0"/>
+              <a:rPr kumimoji="1" lang="ja-JP" altLang="en-US"/>
               <a:t>レベル</a:t>
             </a:r>
           </a:p>
           <a:p>
             <a:pPr lvl="3"/>
             <a:r>
-              <a:rPr kumimoji="1" lang="ja-JP" altLang="en-US" smtClean="0"/>
+              <a:rPr kumimoji="1" lang="ja-JP" altLang="en-US"/>
               <a:t>第 </a:t>
             </a:r>
             <a:r>
-              <a:rPr kumimoji="1" lang="en-US" altLang="ja-JP" smtClean="0"/>
+              <a:rPr kumimoji="1" lang="en-US" altLang="ja-JP"/>
               <a:t>4 </a:t>
             </a:r>
             <a:r>
-              <a:rPr kumimoji="1" lang="ja-JP" altLang="en-US" smtClean="0"/>
+              <a:rPr kumimoji="1" lang="ja-JP" altLang="en-US"/>
               <a:t>レベル</a:t>
             </a:r>
           </a:p>
           <a:p>
             <a:pPr lvl="4"/>
             <a:r>
-              <a:rPr kumimoji="1" lang="ja-JP" altLang="en-US" smtClean="0"/>
+              <a:rPr kumimoji="1" lang="ja-JP" altLang="en-US"/>
               <a:t>第 </a:t>
             </a:r>
             <a:r>
-              <a:rPr kumimoji="1" lang="en-US" altLang="ja-JP" smtClean="0"/>
+              <a:rPr kumimoji="1" lang="en-US" altLang="ja-JP"/>
               <a:t>5 </a:t>
             </a:r>
             <a:r>
-              <a:rPr kumimoji="1" lang="ja-JP" altLang="en-US" smtClean="0"/>
+              <a:rPr kumimoji="1" lang="ja-JP" altLang="en-US"/>
               <a:t>レベル</a:t>
             </a:r>
-            <a:endParaRPr kumimoji="1" lang="ja-JP" altLang="en-US"/>
           </a:p>
         </p:txBody>
       </p:sp>
@@ -2855,7 +3222,7 @@
           <a:p>
             <a:fld id="{8F2BA968-46FA-4915-82D5-53748CAAB103}" type="datetimeFigureOut">
               <a:rPr kumimoji="1" lang="ja-JP" altLang="en-US" smtClean="0"/>
-              <a:t>2019/6/21</a:t>
+              <a:t>2019/7/21</a:t>
             </a:fld>
             <a:endParaRPr kumimoji="1" lang="ja-JP" altLang="en-US" dirty="0"/>
           </a:p>
@@ -3262,13 +3629,19 @@
       </p:grpSpPr>
       <p:pic>
         <p:nvPicPr>
-          <p:cNvPr id="15" name="図 14"/>
+          <p:cNvPr id="4" name="図 3" descr="スクリーンショット が含まれている画像&#10;&#10;自動的に生成された説明">
+            <a:extLst>
+              <a:ext uri="{FF2B5EF4-FFF2-40B4-BE49-F238E27FC236}">
+                <a16:creationId xmlns:a16="http://schemas.microsoft.com/office/drawing/2014/main" id="{48282D74-7C89-4D68-8F6E-D62AC9485402}"/>
+              </a:ext>
+            </a:extLst>
+          </p:cNvPr>
           <p:cNvPicPr>
             <a:picLocks noChangeAspect="1"/>
           </p:cNvPicPr>
           <p:nvPr/>
         </p:nvPicPr>
-        <p:blipFill>
+        <p:blipFill rotWithShape="1">
           <a:blip r:embed="rId2">
             <a:extLst>
               <a:ext uri="{28A0092B-C50C-407E-A947-70E740481C1C}">
@@ -3276,14 +3649,13 @@
               </a:ext>
             </a:extLst>
           </a:blip>
-          <a:stretch>
-            <a:fillRect/>
-          </a:stretch>
+          <a:srcRect l="8124" t="49475" b="5421"/>
+          <a:stretch/>
         </p:blipFill>
         <p:spPr>
           <a:xfrm>
-            <a:off x="2154835" y="1254187"/>
-            <a:ext cx="7874415" cy="4421519"/>
+            <a:off x="1145218" y="1811046"/>
+            <a:ext cx="10413969" cy="3560212"/>
           </a:xfrm>
           <a:prstGeom prst="rect">
             <a:avLst/>
@@ -3298,13 +3670,13 @@
         </p:nvSpPr>
         <p:spPr>
           <a:xfrm>
-            <a:off x="-7915" y="1042592"/>
-            <a:ext cx="3515096" cy="922758"/>
+            <a:off x="8143899" y="5595807"/>
+            <a:ext cx="3938610" cy="1182293"/>
           </a:xfrm>
           <a:prstGeom prst="wedgeRectCallout">
             <a:avLst>
-              <a:gd name="adj1" fmla="val 34461"/>
-              <a:gd name="adj2" fmla="val 79045"/>
+              <a:gd name="adj1" fmla="val 21325"/>
+              <a:gd name="adj2" fmla="val -127005"/>
             </a:avLst>
           </a:prstGeom>
           <a:solidFill>
@@ -3338,41 +3710,41 @@
           <a:p>
             <a:pPr algn="ctr"/>
             <a:r>
-              <a:rPr lang="ja-JP" altLang="en-US" dirty="0" smtClean="0">
+              <a:rPr lang="ja-JP" altLang="en-US" dirty="0">
                 <a:solidFill>
                   <a:schemeClr val="tx1"/>
                 </a:solidFill>
-                <a:latin typeface="HGP創英角ﾎﾟｯﾌﾟ体" panose="040B0A00000000000000" pitchFamily="50" charset="-128"/>
-                <a:ea typeface="HGP創英角ﾎﾟｯﾌﾟ体" panose="040B0A00000000000000" pitchFamily="50" charset="-128"/>
+                <a:latin typeface="チェックポイント．（ピリオド）" panose="02000600000000000000" pitchFamily="50" charset="-128"/>
+                <a:ea typeface="チェックポイント．（ピリオド）" panose="02000600000000000000" pitchFamily="50" charset="-128"/>
               </a:rPr>
               <a:t>倉庫</a:t>
             </a:r>
-            <a:endParaRPr lang="en-US" altLang="ja-JP" dirty="0" smtClean="0">
+            <a:endParaRPr lang="en-US" altLang="ja-JP" dirty="0">
               <a:solidFill>
                 <a:schemeClr val="tx1"/>
               </a:solidFill>
-              <a:latin typeface="HGP創英角ﾎﾟｯﾌﾟ体" panose="040B0A00000000000000" pitchFamily="50" charset="-128"/>
-              <a:ea typeface="HGP創英角ﾎﾟｯﾌﾟ体" panose="040B0A00000000000000" pitchFamily="50" charset="-128"/>
+              <a:latin typeface="チェックポイント．（ピリオド）" panose="02000600000000000000" pitchFamily="50" charset="-128"/>
+              <a:ea typeface="チェックポイント．（ピリオド）" panose="02000600000000000000" pitchFamily="50" charset="-128"/>
             </a:endParaRPr>
           </a:p>
           <a:p>
             <a:pPr algn="ctr"/>
             <a:r>
-              <a:rPr lang="ja-JP" altLang="en-US" dirty="0" smtClean="0">
+              <a:rPr lang="ja-JP" altLang="en-US" dirty="0">
                 <a:solidFill>
                   <a:schemeClr val="tx1"/>
                 </a:solidFill>
-                <a:latin typeface="HGP創英角ﾎﾟｯﾌﾟ体" panose="040B0A00000000000000" pitchFamily="50" charset="-128"/>
-                <a:ea typeface="HGP創英角ﾎﾟｯﾌﾟ体" panose="040B0A00000000000000" pitchFamily="50" charset="-128"/>
+                <a:latin typeface="チェックポイント．（ピリオド）" panose="02000600000000000000" pitchFamily="50" charset="-128"/>
+                <a:ea typeface="チェックポイント．（ピリオド）" panose="02000600000000000000" pitchFamily="50" charset="-128"/>
               </a:rPr>
               <a:t>ここをクリックすると倉庫が開ける</a:t>
             </a:r>
-            <a:endParaRPr lang="en-US" altLang="ja-JP" dirty="0" smtClean="0">
+            <a:endParaRPr lang="en-US" altLang="ja-JP" dirty="0">
               <a:solidFill>
                 <a:schemeClr val="tx1"/>
               </a:solidFill>
-              <a:latin typeface="HGP創英角ﾎﾟｯﾌﾟ体" panose="040B0A00000000000000" pitchFamily="50" charset="-128"/>
-              <a:ea typeface="HGP創英角ﾎﾟｯﾌﾟ体" panose="040B0A00000000000000" pitchFamily="50" charset="-128"/>
+              <a:latin typeface="チェックポイント．（ピリオド）" panose="02000600000000000000" pitchFamily="50" charset="-128"/>
+              <a:ea typeface="チェックポイント．（ピリオド）" panose="02000600000000000000" pitchFamily="50" charset="-128"/>
             </a:endParaRPr>
           </a:p>
         </p:txBody>
@@ -3385,13 +3757,13 @@
         </p:nvSpPr>
         <p:spPr>
           <a:xfrm>
-            <a:off x="-1" y="5675706"/>
-            <a:ext cx="3800105" cy="1182294"/>
+            <a:off x="147555" y="5595806"/>
+            <a:ext cx="4181384" cy="1182293"/>
           </a:xfrm>
           <a:prstGeom prst="wedgeRectCallout">
             <a:avLst>
-              <a:gd name="adj1" fmla="val 33028"/>
-              <a:gd name="adj2" fmla="val -62784"/>
+              <a:gd name="adj1" fmla="val -19425"/>
+              <a:gd name="adj2" fmla="val -113094"/>
             </a:avLst>
           </a:prstGeom>
           <a:solidFill>
@@ -3429,37 +3801,37 @@
                 <a:solidFill>
                   <a:schemeClr val="tx1"/>
                 </a:solidFill>
-                <a:latin typeface="HGP創英角ﾎﾟｯﾌﾟ体" panose="040B0A00000000000000" pitchFamily="50" charset="-128"/>
-                <a:ea typeface="HGP創英角ﾎﾟｯﾌﾟ体" panose="040B0A00000000000000" pitchFamily="50" charset="-128"/>
+                <a:latin typeface="チェックポイント．（ピリオド）" panose="02000600000000000000" pitchFamily="50" charset="-128"/>
+                <a:ea typeface="チェックポイント．（ピリオド）" panose="02000600000000000000" pitchFamily="50" charset="-128"/>
               </a:rPr>
               <a:t>研究所</a:t>
             </a:r>
-            <a:endParaRPr lang="en-US" altLang="ja-JP" dirty="0" smtClean="0">
+            <a:endParaRPr lang="en-US" altLang="ja-JP" dirty="0">
               <a:solidFill>
                 <a:schemeClr val="tx1"/>
               </a:solidFill>
-              <a:latin typeface="HGP創英角ﾎﾟｯﾌﾟ体" panose="040B0A00000000000000" pitchFamily="50" charset="-128"/>
-              <a:ea typeface="HGP創英角ﾎﾟｯﾌﾟ体" panose="040B0A00000000000000" pitchFamily="50" charset="-128"/>
+              <a:latin typeface="チェックポイント．（ピリオド）" panose="02000600000000000000" pitchFamily="50" charset="-128"/>
+              <a:ea typeface="チェックポイント．（ピリオド）" panose="02000600000000000000" pitchFamily="50" charset="-128"/>
             </a:endParaRPr>
           </a:p>
           <a:p>
             <a:pPr algn="ctr"/>
             <a:r>
-              <a:rPr lang="ja-JP" altLang="en-US" dirty="0" smtClean="0">
+              <a:rPr lang="ja-JP" altLang="en-US" dirty="0">
                 <a:solidFill>
                   <a:schemeClr val="tx1"/>
                 </a:solidFill>
-                <a:latin typeface="HGP創英角ﾎﾟｯﾌﾟ体" panose="040B0A00000000000000" pitchFamily="50" charset="-128"/>
-                <a:ea typeface="HGP創英角ﾎﾟｯﾌﾟ体" panose="040B0A00000000000000" pitchFamily="50" charset="-128"/>
+                <a:latin typeface="チェックポイント．（ピリオド）" panose="02000600000000000000" pitchFamily="50" charset="-128"/>
+                <a:ea typeface="チェックポイント．（ピリオド）" panose="02000600000000000000" pitchFamily="50" charset="-128"/>
               </a:rPr>
               <a:t>ここをクリックすると研究所が開ける</a:t>
             </a:r>
-            <a:endParaRPr lang="en-US" altLang="ja-JP" dirty="0" smtClean="0">
+            <a:endParaRPr lang="en-US" altLang="ja-JP" dirty="0">
               <a:solidFill>
                 <a:schemeClr val="tx1"/>
               </a:solidFill>
-              <a:latin typeface="HGP創英角ﾎﾟｯﾌﾟ体" panose="040B0A00000000000000" pitchFamily="50" charset="-128"/>
-              <a:ea typeface="HGP創英角ﾎﾟｯﾌﾟ体" panose="040B0A00000000000000" pitchFamily="50" charset="-128"/>
+              <a:latin typeface="チェックポイント．（ピリオド）" panose="02000600000000000000" pitchFamily="50" charset="-128"/>
+              <a:ea typeface="チェックポイント．（ピリオド）" panose="02000600000000000000" pitchFamily="50" charset="-128"/>
             </a:endParaRPr>
           </a:p>
         </p:txBody>
@@ -3472,13 +3844,13 @@
         </p:nvSpPr>
         <p:spPr>
           <a:xfrm>
-            <a:off x="8570027" y="5675706"/>
-            <a:ext cx="3621973" cy="1182293"/>
+            <a:off x="4285013" y="5595808"/>
+            <a:ext cx="3858886" cy="1182293"/>
           </a:xfrm>
           <a:prstGeom prst="wedgeRectCallout">
             <a:avLst>
-              <a:gd name="adj1" fmla="val -35394"/>
-              <a:gd name="adj2" fmla="val -61812"/>
+              <a:gd name="adj1" fmla="val -21239"/>
+              <a:gd name="adj2" fmla="val -159427"/>
             </a:avLst>
           </a:prstGeom>
           <a:solidFill>
@@ -3516,37 +3888,37 @@
                 <a:solidFill>
                   <a:schemeClr val="tx1"/>
                 </a:solidFill>
-                <a:latin typeface="HGP創英角ﾎﾟｯﾌﾟ体" panose="040B0A00000000000000" pitchFamily="50" charset="-128"/>
-                <a:ea typeface="HGP創英角ﾎﾟｯﾌﾟ体" panose="040B0A00000000000000" pitchFamily="50" charset="-128"/>
+                <a:latin typeface="チェックポイント．（ピリオド）" panose="02000600000000000000" pitchFamily="50" charset="-128"/>
+                <a:ea typeface="チェックポイント．（ピリオド）" panose="02000600000000000000" pitchFamily="50" charset="-128"/>
               </a:rPr>
               <a:t>兵舎</a:t>
             </a:r>
-            <a:endParaRPr lang="en-US" altLang="ja-JP" dirty="0" smtClean="0">
+            <a:endParaRPr lang="en-US" altLang="ja-JP" dirty="0">
               <a:solidFill>
                 <a:schemeClr val="tx1"/>
               </a:solidFill>
-              <a:latin typeface="HGP創英角ﾎﾟｯﾌﾟ体" panose="040B0A00000000000000" pitchFamily="50" charset="-128"/>
-              <a:ea typeface="HGP創英角ﾎﾟｯﾌﾟ体" panose="040B0A00000000000000" pitchFamily="50" charset="-128"/>
+              <a:latin typeface="チェックポイント．（ピリオド）" panose="02000600000000000000" pitchFamily="50" charset="-128"/>
+              <a:ea typeface="チェックポイント．（ピリオド）" panose="02000600000000000000" pitchFamily="50" charset="-128"/>
             </a:endParaRPr>
           </a:p>
           <a:p>
             <a:pPr algn="ctr"/>
             <a:r>
-              <a:rPr lang="ja-JP" altLang="en-US" dirty="0" smtClean="0">
+              <a:rPr lang="ja-JP" altLang="en-US" dirty="0">
                 <a:solidFill>
                   <a:schemeClr val="tx1"/>
                 </a:solidFill>
-                <a:latin typeface="HGP創英角ﾎﾟｯﾌﾟ体" panose="040B0A00000000000000" pitchFamily="50" charset="-128"/>
-                <a:ea typeface="HGP創英角ﾎﾟｯﾌﾟ体" panose="040B0A00000000000000" pitchFamily="50" charset="-128"/>
+                <a:latin typeface="チェックポイント．（ピリオド）" panose="02000600000000000000" pitchFamily="50" charset="-128"/>
+                <a:ea typeface="チェックポイント．（ピリオド）" panose="02000600000000000000" pitchFamily="50" charset="-128"/>
               </a:rPr>
               <a:t>ここをクリックすると兵舎が開ける</a:t>
             </a:r>
-            <a:endParaRPr lang="en-US" altLang="ja-JP" dirty="0" smtClean="0">
+            <a:endParaRPr lang="en-US" altLang="ja-JP" dirty="0">
               <a:solidFill>
                 <a:schemeClr val="tx1"/>
               </a:solidFill>
-              <a:latin typeface="HGP創英角ﾎﾟｯﾌﾟ体" panose="040B0A00000000000000" pitchFamily="50" charset="-128"/>
-              <a:ea typeface="HGP創英角ﾎﾟｯﾌﾟ体" panose="040B0A00000000000000" pitchFamily="50" charset="-128"/>
+              <a:latin typeface="チェックポイント．（ピリオド）" panose="02000600000000000000" pitchFamily="50" charset="-128"/>
+              <a:ea typeface="チェックポイント．（ピリオド）" panose="02000600000000000000" pitchFamily="50" charset="-128"/>
             </a:endParaRPr>
           </a:p>
         </p:txBody>
@@ -3559,8 +3931,8 @@
         </p:nvSpPr>
         <p:spPr>
           <a:xfrm>
-            <a:off x="3621973" y="211595"/>
-            <a:ext cx="4829300" cy="830997"/>
+            <a:off x="3351071" y="628753"/>
+            <a:ext cx="5371106" cy="830997"/>
           </a:xfrm>
           <a:prstGeom prst="rect">
             <a:avLst/>
@@ -3577,16 +3949,172 @@
           <a:p>
             <a:pPr algn="ctr"/>
             <a:r>
-              <a:rPr lang="ja-JP" altLang="en-US" sz="4800" dirty="0" smtClean="0">
-                <a:latin typeface="HGP創英角ﾎﾟｯﾌﾟ体" panose="040B0A00000000000000" pitchFamily="50" charset="-128"/>
-                <a:ea typeface="HGP創英角ﾎﾟｯﾌﾟ体" panose="040B0A00000000000000" pitchFamily="50" charset="-128"/>
+              <a:rPr lang="ja-JP" altLang="en-US" sz="4800" dirty="0">
+                <a:latin typeface="チェックポイント．（ピリオド）" panose="02000600000000000000" pitchFamily="50" charset="-128"/>
+                <a:ea typeface="チェックポイント．（ピリオド）" panose="02000600000000000000" pitchFamily="50" charset="-128"/>
               </a:rPr>
               <a:t>ヘルプ：育成画面</a:t>
             </a:r>
             <a:endParaRPr kumimoji="1" lang="ja-JP" altLang="en-US" dirty="0">
-              <a:latin typeface="HGP創英角ﾎﾟｯﾌﾟ体" panose="040B0A00000000000000" pitchFamily="50" charset="-128"/>
-              <a:ea typeface="HGP創英角ﾎﾟｯﾌﾟ体" panose="040B0A00000000000000" pitchFamily="50" charset="-128"/>
+              <a:latin typeface="チェックポイント．（ピリオド）" panose="02000600000000000000" pitchFamily="50" charset="-128"/>
+              <a:ea typeface="チェックポイント．（ピリオド）" panose="02000600000000000000" pitchFamily="50" charset="-128"/>
             </a:endParaRPr>
+          </a:p>
+        </p:txBody>
+      </p:sp>
+      <p:sp>
+        <p:nvSpPr>
+          <p:cNvPr id="6" name="正方形/長方形 5">
+            <a:extLst>
+              <a:ext uri="{FF2B5EF4-FFF2-40B4-BE49-F238E27FC236}">
+                <a16:creationId xmlns:a16="http://schemas.microsoft.com/office/drawing/2014/main" id="{E239D52D-8A0E-45C2-9D76-49681F4F3023}"/>
+              </a:ext>
+            </a:extLst>
+          </p:cNvPr>
+          <p:cNvSpPr/>
+          <p:nvPr/>
+        </p:nvSpPr>
+        <p:spPr>
+          <a:xfrm>
+            <a:off x="1145218" y="2068497"/>
+            <a:ext cx="1500328" cy="2725445"/>
+          </a:xfrm>
+          <a:prstGeom prst="rect">
+            <a:avLst/>
+          </a:prstGeom>
+          <a:noFill/>
+          <a:ln w="28575">
+            <a:solidFill>
+              <a:srgbClr val="FF0000"/>
+            </a:solidFill>
+          </a:ln>
+        </p:spPr>
+        <p:style>
+          <a:lnRef idx="2">
+            <a:schemeClr val="accent1">
+              <a:shade val="50000"/>
+            </a:schemeClr>
+          </a:lnRef>
+          <a:fillRef idx="1">
+            <a:schemeClr val="accent1"/>
+          </a:fillRef>
+          <a:effectRef idx="0">
+            <a:schemeClr val="accent1"/>
+          </a:effectRef>
+          <a:fontRef idx="minor">
+            <a:schemeClr val="lt1"/>
+          </a:fontRef>
+        </p:style>
+        <p:txBody>
+          <a:bodyPr rtlCol="0" anchor="ctr"/>
+          <a:lstStyle/>
+          <a:p>
+            <a:pPr algn="ctr"/>
+            <a:endParaRPr kumimoji="1" lang="ja-JP" altLang="en-US"/>
+          </a:p>
+        </p:txBody>
+      </p:sp>
+      <p:sp>
+        <p:nvSpPr>
+          <p:cNvPr id="12" name="正方形/長方形 11">
+            <a:extLst>
+              <a:ext uri="{FF2B5EF4-FFF2-40B4-BE49-F238E27FC236}">
+                <a16:creationId xmlns:a16="http://schemas.microsoft.com/office/drawing/2014/main" id="{44B16076-58F3-411C-BA21-CC2F6BFDF2CA}"/>
+              </a:ext>
+            </a:extLst>
+          </p:cNvPr>
+          <p:cNvSpPr/>
+          <p:nvPr/>
+        </p:nvSpPr>
+        <p:spPr>
+          <a:xfrm>
+            <a:off x="4386855" y="2602467"/>
+            <a:ext cx="2173742" cy="1667692"/>
+          </a:xfrm>
+          <a:prstGeom prst="rect">
+            <a:avLst/>
+          </a:prstGeom>
+          <a:noFill/>
+          <a:ln w="28575">
+            <a:solidFill>
+              <a:srgbClr val="FF0000"/>
+            </a:solidFill>
+          </a:ln>
+        </p:spPr>
+        <p:style>
+          <a:lnRef idx="2">
+            <a:schemeClr val="accent1">
+              <a:shade val="50000"/>
+            </a:schemeClr>
+          </a:lnRef>
+          <a:fillRef idx="1">
+            <a:schemeClr val="accent1"/>
+          </a:fillRef>
+          <a:effectRef idx="0">
+            <a:schemeClr val="accent1"/>
+          </a:effectRef>
+          <a:fontRef idx="minor">
+            <a:schemeClr val="lt1"/>
+          </a:fontRef>
+        </p:style>
+        <p:txBody>
+          <a:bodyPr rtlCol="0" anchor="ctr"/>
+          <a:lstStyle/>
+          <a:p>
+            <a:pPr algn="ctr"/>
+            <a:endParaRPr kumimoji="1" lang="ja-JP" altLang="en-US"/>
+          </a:p>
+        </p:txBody>
+      </p:sp>
+      <p:sp>
+        <p:nvSpPr>
+          <p:cNvPr id="13" name="正方形/長方形 12">
+            <a:extLst>
+              <a:ext uri="{FF2B5EF4-FFF2-40B4-BE49-F238E27FC236}">
+                <a16:creationId xmlns:a16="http://schemas.microsoft.com/office/drawing/2014/main" id="{48971A5D-F76B-4813-83D2-2D825B6A3202}"/>
+              </a:ext>
+            </a:extLst>
+          </p:cNvPr>
+          <p:cNvSpPr/>
+          <p:nvPr/>
+        </p:nvSpPr>
+        <p:spPr>
+          <a:xfrm>
+            <a:off x="8309727" y="3089429"/>
+            <a:ext cx="3249459" cy="1563949"/>
+          </a:xfrm>
+          <a:prstGeom prst="rect">
+            <a:avLst/>
+          </a:prstGeom>
+          <a:noFill/>
+          <a:ln w="28575">
+            <a:solidFill>
+              <a:srgbClr val="FF0000"/>
+            </a:solidFill>
+          </a:ln>
+        </p:spPr>
+        <p:style>
+          <a:lnRef idx="2">
+            <a:schemeClr val="accent1">
+              <a:shade val="50000"/>
+            </a:schemeClr>
+          </a:lnRef>
+          <a:fillRef idx="1">
+            <a:schemeClr val="accent1"/>
+          </a:fillRef>
+          <a:effectRef idx="0">
+            <a:schemeClr val="accent1"/>
+          </a:effectRef>
+          <a:fontRef idx="minor">
+            <a:schemeClr val="lt1"/>
+          </a:fontRef>
+        </p:style>
+        <p:txBody>
+          <a:bodyPr rtlCol="0" anchor="ctr"/>
+          <a:lstStyle/>
+          <a:p>
+            <a:pPr algn="ctr"/>
+            <a:endParaRPr kumimoji="1" lang="ja-JP" altLang="en-US"/>
           </a:p>
         </p:txBody>
       </p:sp>
@@ -3600,13 +4128,6 @@
   <p:clrMapOvr>
     <a:masterClrMapping/>
   </p:clrMapOvr>
-  <p:timing>
-    <p:tnLst>
-      <p:par>
-        <p:cTn id="1" dur="indefinite" restart="never" nodeType="tmRoot"/>
-      </p:par>
-    </p:tnLst>
-  </p:timing>
 </p:sld>
 </file>
 
@@ -3637,13 +4158,19 @@
       </p:grpSpPr>
       <p:pic>
         <p:nvPicPr>
-          <p:cNvPr id="6" name="図 5"/>
+          <p:cNvPr id="3" name="図 2" descr="物体 が含まれている画像&#10;&#10;自動的に生成された説明">
+            <a:extLst>
+              <a:ext uri="{FF2B5EF4-FFF2-40B4-BE49-F238E27FC236}">
+                <a16:creationId xmlns:a16="http://schemas.microsoft.com/office/drawing/2014/main" id="{69BA893B-4907-48D5-8940-A23E267BFE4C}"/>
+              </a:ext>
+            </a:extLst>
+          </p:cNvPr>
           <p:cNvPicPr>
             <a:picLocks noChangeAspect="1"/>
           </p:cNvPicPr>
           <p:nvPr/>
         </p:nvPicPr>
-        <p:blipFill>
+        <p:blipFill rotWithShape="1">
           <a:blip r:embed="rId2">
             <a:extLst>
               <a:ext uri="{28A0092B-C50C-407E-A947-70E740481C1C}">
@@ -3651,14 +4178,13 @@
               </a:ext>
             </a:extLst>
           </a:blip>
-          <a:stretch>
-            <a:fillRect/>
-          </a:stretch>
+          <a:srcRect l="4913" t="12552" r="4467" b="4377"/>
+          <a:stretch/>
         </p:blipFill>
         <p:spPr>
           <a:xfrm>
-            <a:off x="1888176" y="1072421"/>
-            <a:ext cx="7540832" cy="4372415"/>
+            <a:off x="2441358" y="1570960"/>
+            <a:ext cx="6995605" cy="3718376"/>
           </a:xfrm>
           <a:prstGeom prst="rect">
             <a:avLst/>
@@ -3673,13 +4199,13 @@
         </p:nvSpPr>
         <p:spPr>
           <a:xfrm>
-            <a:off x="0" y="953666"/>
-            <a:ext cx="3621973" cy="979715"/>
+            <a:off x="0" y="-11877"/>
+            <a:ext cx="3320249" cy="1461476"/>
           </a:xfrm>
           <a:prstGeom prst="wedgeRectCallout">
             <a:avLst>
-              <a:gd name="adj1" fmla="val 44934"/>
-              <a:gd name="adj2" fmla="val 80871"/>
+              <a:gd name="adj1" fmla="val 35309"/>
+              <a:gd name="adj2" fmla="val 72942"/>
             </a:avLst>
           </a:prstGeom>
           <a:solidFill>
@@ -3713,21 +4239,21 @@
           <a:p>
             <a:pPr algn="ctr"/>
             <a:r>
-              <a:rPr lang="ja-JP" altLang="en-US" dirty="0" smtClean="0">
+              <a:rPr lang="ja-JP" altLang="en-US" dirty="0">
                 <a:solidFill>
                   <a:schemeClr val="tx1"/>
                 </a:solidFill>
-                <a:latin typeface="HGP創英角ﾎﾟｯﾌﾟ体" panose="040B0A00000000000000" pitchFamily="50" charset="-128"/>
-                <a:ea typeface="HGP創英角ﾎﾟｯﾌﾟ体" panose="040B0A00000000000000" pitchFamily="50" charset="-128"/>
+                <a:latin typeface="チェックポイント．（ピリオド）" panose="02000600000000000000" pitchFamily="50" charset="-128"/>
+                <a:ea typeface="チェックポイント．（ピリオド）" panose="02000600000000000000" pitchFamily="50" charset="-128"/>
               </a:rPr>
               <a:t>ここをクリックすると今所持している</a:t>
             </a:r>
-            <a:endParaRPr lang="en-US" altLang="ja-JP" dirty="0" smtClean="0">
+            <a:endParaRPr lang="en-US" altLang="ja-JP" dirty="0">
               <a:solidFill>
                 <a:schemeClr val="tx1"/>
               </a:solidFill>
-              <a:latin typeface="HGP創英角ﾎﾟｯﾌﾟ体" panose="040B0A00000000000000" pitchFamily="50" charset="-128"/>
-              <a:ea typeface="HGP創英角ﾎﾟｯﾌﾟ体" panose="040B0A00000000000000" pitchFamily="50" charset="-128"/>
+              <a:latin typeface="チェックポイント．（ピリオド）" panose="02000600000000000000" pitchFamily="50" charset="-128"/>
+              <a:ea typeface="チェックポイント．（ピリオド）" panose="02000600000000000000" pitchFamily="50" charset="-128"/>
             </a:endParaRPr>
           </a:p>
           <a:p>
@@ -3737,28 +4263,11 @@
                 <a:solidFill>
                   <a:schemeClr val="tx1"/>
                 </a:solidFill>
-                <a:latin typeface="HGP創英角ﾎﾟｯﾌﾟ体" panose="040B0A00000000000000" pitchFamily="50" charset="-128"/>
-                <a:ea typeface="HGP創英角ﾎﾟｯﾌﾟ体" panose="040B0A00000000000000" pitchFamily="50" charset="-128"/>
+                <a:latin typeface="チェックポイント．（ピリオド）" panose="02000600000000000000" pitchFamily="50" charset="-128"/>
+                <a:ea typeface="チェックポイント．（ピリオド）" panose="02000600000000000000" pitchFamily="50" charset="-128"/>
               </a:rPr>
-              <a:t>資材</a:t>
-            </a:r>
-            <a:r>
-              <a:rPr kumimoji="1" lang="ja-JP" altLang="en-US" dirty="0" smtClean="0">
-                <a:solidFill>
-                  <a:schemeClr val="tx1"/>
-                </a:solidFill>
-                <a:latin typeface="HGP創英角ﾎﾟｯﾌﾟ体" panose="040B0A00000000000000" pitchFamily="50" charset="-128"/>
-                <a:ea typeface="HGP創英角ﾎﾟｯﾌﾟ体" panose="040B0A00000000000000" pitchFamily="50" charset="-128"/>
-              </a:rPr>
-              <a:t>を確認することができる</a:t>
-            </a:r>
-            <a:endParaRPr kumimoji="1" lang="ja-JP" altLang="en-US" dirty="0">
-              <a:solidFill>
-                <a:schemeClr val="tx1"/>
-              </a:solidFill>
-              <a:latin typeface="HGP創英角ﾎﾟｯﾌﾟ体" panose="040B0A00000000000000" pitchFamily="50" charset="-128"/>
-              <a:ea typeface="HGP創英角ﾎﾟｯﾌﾟ体" panose="040B0A00000000000000" pitchFamily="50" charset="-128"/>
-            </a:endParaRPr>
+              <a:t>資材を確認することができる</a:t>
+            </a:r>
           </a:p>
         </p:txBody>
       </p:sp>
@@ -3770,13 +4279,13 @@
         </p:nvSpPr>
         <p:spPr>
           <a:xfrm>
-            <a:off x="0" y="4910447"/>
-            <a:ext cx="3740727" cy="1240971"/>
+            <a:off x="0" y="5617029"/>
+            <a:ext cx="4296792" cy="1240971"/>
           </a:xfrm>
           <a:prstGeom prst="wedgeRectCallout">
             <a:avLst>
-              <a:gd name="adj1" fmla="val 41759"/>
-              <a:gd name="adj2" fmla="val -88641"/>
+              <a:gd name="adj1" fmla="val 27916"/>
+              <a:gd name="adj2" fmla="val -82918"/>
             </a:avLst>
           </a:prstGeom>
           <a:solidFill>
@@ -3810,72 +4319,65 @@
           <a:p>
             <a:pPr algn="ctr"/>
             <a:r>
-              <a:rPr kumimoji="1" lang="ja-JP" altLang="en-US" dirty="0" smtClean="0">
+              <a:rPr kumimoji="1" lang="ja-JP" altLang="en-US" dirty="0">
                 <a:solidFill>
                   <a:schemeClr val="tx1"/>
                 </a:solidFill>
-                <a:latin typeface="HGP創英角ﾎﾟｯﾌﾟ体" panose="040B0A00000000000000" pitchFamily="50" charset="-128"/>
-                <a:ea typeface="HGP創英角ﾎﾟｯﾌﾟ体" panose="040B0A00000000000000" pitchFamily="50" charset="-128"/>
+                <a:latin typeface="チェックポイント．（ピリオド）" panose="02000600000000000000" pitchFamily="50" charset="-128"/>
+                <a:ea typeface="チェックポイント．（ピリオド）" panose="02000600000000000000" pitchFamily="50" charset="-128"/>
               </a:rPr>
               <a:t>ここをクリックすると今所持している</a:t>
             </a:r>
-            <a:endParaRPr kumimoji="1" lang="en-US" altLang="ja-JP" dirty="0" smtClean="0">
+            <a:endParaRPr kumimoji="1" lang="en-US" altLang="ja-JP" dirty="0">
               <a:solidFill>
                 <a:schemeClr val="tx1"/>
               </a:solidFill>
-              <a:latin typeface="HGP創英角ﾎﾟｯﾌﾟ体" panose="040B0A00000000000000" pitchFamily="50" charset="-128"/>
-              <a:ea typeface="HGP創英角ﾎﾟｯﾌﾟ体" panose="040B0A00000000000000" pitchFamily="50" charset="-128"/>
+              <a:latin typeface="チェックポイント．（ピリオド）" panose="02000600000000000000" pitchFamily="50" charset="-128"/>
+              <a:ea typeface="チェックポイント．（ピリオド）" panose="02000600000000000000" pitchFamily="50" charset="-128"/>
             </a:endParaRPr>
           </a:p>
           <a:p>
             <a:pPr algn="ctr"/>
             <a:r>
-              <a:rPr lang="ja-JP" altLang="en-US" dirty="0" smtClean="0">
+              <a:rPr lang="ja-JP" altLang="en-US" dirty="0">
                 <a:solidFill>
                   <a:schemeClr val="tx1"/>
                 </a:solidFill>
-                <a:latin typeface="HGP創英角ﾎﾟｯﾌﾟ体" panose="040B0A00000000000000" pitchFamily="50" charset="-128"/>
-                <a:ea typeface="HGP創英角ﾎﾟｯﾌﾟ体" panose="040B0A00000000000000" pitchFamily="50" charset="-128"/>
+                <a:latin typeface="チェックポイント．（ピリオド）" panose="02000600000000000000" pitchFamily="50" charset="-128"/>
+                <a:ea typeface="チェックポイント．（ピリオド）" panose="02000600000000000000" pitchFamily="50" charset="-128"/>
               </a:rPr>
               <a:t>スペシャル技を確認することができる</a:t>
             </a:r>
-            <a:endParaRPr lang="en-US" altLang="ja-JP" dirty="0" smtClean="0">
+            <a:endParaRPr lang="en-US" altLang="ja-JP" dirty="0">
               <a:solidFill>
                 <a:schemeClr val="tx1"/>
               </a:solidFill>
-              <a:latin typeface="HGP創英角ﾎﾟｯﾌﾟ体" panose="040B0A00000000000000" pitchFamily="50" charset="-128"/>
-              <a:ea typeface="HGP創英角ﾎﾟｯﾌﾟ体" panose="040B0A00000000000000" pitchFamily="50" charset="-128"/>
+              <a:latin typeface="チェックポイント．（ピリオド）" panose="02000600000000000000" pitchFamily="50" charset="-128"/>
+              <a:ea typeface="チェックポイント．（ピリオド）" panose="02000600000000000000" pitchFamily="50" charset="-128"/>
             </a:endParaRPr>
           </a:p>
           <a:p>
             <a:pPr algn="ctr"/>
             <a:r>
-              <a:rPr kumimoji="1" lang="en-US" altLang="ja-JP" dirty="0" smtClean="0">
+              <a:rPr kumimoji="1" lang="en-US" altLang="ja-JP" dirty="0">
                 <a:solidFill>
                   <a:schemeClr val="tx1"/>
                 </a:solidFill>
-                <a:latin typeface="HGP創英角ﾎﾟｯﾌﾟ体" panose="040B0A00000000000000" pitchFamily="50" charset="-128"/>
-                <a:ea typeface="HGP創英角ﾎﾟｯﾌﾟ体" panose="040B0A00000000000000" pitchFamily="50" charset="-128"/>
+                <a:latin typeface="チェックポイント．（ピリオド）" panose="02000600000000000000" pitchFamily="50" charset="-128"/>
+                <a:ea typeface="チェックポイント．（ピリオド）" panose="02000600000000000000" pitchFamily="50" charset="-128"/>
               </a:rPr>
               <a:t>※</a:t>
             </a:r>
             <a:r>
-              <a:rPr kumimoji="1" lang="ja-JP" altLang="en-US" dirty="0" smtClean="0">
+              <a:rPr kumimoji="1" lang="ja-JP" altLang="en-US" dirty="0">
                 <a:solidFill>
                   <a:schemeClr val="tx1"/>
                 </a:solidFill>
-                <a:latin typeface="HGP創英角ﾎﾟｯﾌﾟ体" panose="040B0A00000000000000" pitchFamily="50" charset="-128"/>
-                <a:ea typeface="HGP創英角ﾎﾟｯﾌﾟ体" panose="040B0A00000000000000" pitchFamily="50" charset="-128"/>
+                <a:latin typeface="チェックポイント．（ピリオド）" panose="02000600000000000000" pitchFamily="50" charset="-128"/>
+                <a:ea typeface="チェックポイント．（ピリオド）" panose="02000600000000000000" pitchFamily="50" charset="-128"/>
               </a:rPr>
               <a:t>ここでスペシャル技変更不可</a:t>
             </a:r>
-            <a:endParaRPr kumimoji="1" lang="ja-JP" altLang="en-US" dirty="0">
-              <a:solidFill>
-                <a:schemeClr val="tx1"/>
-              </a:solidFill>
-              <a:latin typeface="HGP創英角ﾎﾟｯﾌﾟ体" panose="040B0A00000000000000" pitchFamily="50" charset="-128"/>
-              <a:ea typeface="HGP創英角ﾎﾟｯﾌﾟ体" panose="040B0A00000000000000" pitchFamily="50" charset="-128"/>
-            </a:endParaRPr>
           </a:p>
         </p:txBody>
       </p:sp>
@@ -3887,13 +4389,13 @@
         </p:nvSpPr>
         <p:spPr>
           <a:xfrm>
-            <a:off x="8570027" y="4910446"/>
-            <a:ext cx="3621973" cy="1324099"/>
+            <a:off x="7895208" y="5532058"/>
+            <a:ext cx="4296791" cy="1324099"/>
           </a:xfrm>
           <a:prstGeom prst="wedgeRectCallout">
             <a:avLst>
-              <a:gd name="adj1" fmla="val -59985"/>
-              <a:gd name="adj2" fmla="val -91080"/>
+              <a:gd name="adj1" fmla="val -25274"/>
+              <a:gd name="adj2" fmla="val -73648"/>
             </a:avLst>
           </a:prstGeom>
           <a:solidFill>
@@ -3927,81 +4429,61 @@
           <a:p>
             <a:pPr algn="ctr"/>
             <a:r>
-              <a:rPr lang="ja-JP" altLang="en-US" dirty="0" smtClean="0">
-                <a:solidFill>
-                  <a:schemeClr val="tx1"/>
-                </a:solidFill>
-                <a:latin typeface="HGP創英角ﾎﾟｯﾌﾟ体" panose="040B0A00000000000000" pitchFamily="50" charset="-128"/>
-                <a:ea typeface="HGP創英角ﾎﾟｯﾌﾟ体" panose="040B0A00000000000000" pitchFamily="50" charset="-128"/>
-              </a:rPr>
-              <a:t>ここをクリックすると今装備している</a:t>
-            </a:r>
-            <a:endParaRPr lang="en-US" altLang="ja-JP" dirty="0" smtClean="0">
-              <a:solidFill>
-                <a:schemeClr val="tx1"/>
-              </a:solidFill>
-              <a:latin typeface="HGP創英角ﾎﾟｯﾌﾟ体" panose="040B0A00000000000000" pitchFamily="50" charset="-128"/>
-              <a:ea typeface="HGP創英角ﾎﾟｯﾌﾟ体" panose="040B0A00000000000000" pitchFamily="50" charset="-128"/>
-            </a:endParaRPr>
-          </a:p>
-          <a:p>
-            <a:pPr algn="ctr"/>
-            <a:r>
-              <a:rPr lang="ja-JP" altLang="en-US" dirty="0" smtClean="0">
-                <a:solidFill>
-                  <a:schemeClr val="tx1"/>
-                </a:solidFill>
-                <a:latin typeface="HGP創英角ﾎﾟｯﾌﾟ体" panose="040B0A00000000000000" pitchFamily="50" charset="-128"/>
-                <a:ea typeface="HGP創英角ﾎﾟｯﾌﾟ体" panose="040B0A00000000000000" pitchFamily="50" charset="-128"/>
-              </a:rPr>
-              <a:t>武器によ</a:t>
-            </a:r>
-            <a:r>
               <a:rPr lang="ja-JP" altLang="en-US" dirty="0">
                 <a:solidFill>
                   <a:schemeClr val="tx1"/>
                 </a:solidFill>
-                <a:latin typeface="HGP創英角ﾎﾟｯﾌﾟ体" panose="040B0A00000000000000" pitchFamily="50" charset="-128"/>
-                <a:ea typeface="HGP創英角ﾎﾟｯﾌﾟ体" panose="040B0A00000000000000" pitchFamily="50" charset="-128"/>
+                <a:latin typeface="チェックポイント．（ピリオド）" panose="02000600000000000000" pitchFamily="50" charset="-128"/>
+                <a:ea typeface="チェックポイント．（ピリオド）" panose="02000600000000000000" pitchFamily="50" charset="-128"/>
               </a:rPr>
-              <a:t>る</a:t>
-            </a:r>
-            <a:r>
-              <a:rPr lang="ja-JP" altLang="en-US" dirty="0" smtClean="0">
+              <a:t>ここをクリックすると今装備している</a:t>
+            </a:r>
+            <a:endParaRPr lang="en-US" altLang="ja-JP" dirty="0">
+              <a:solidFill>
+                <a:schemeClr val="tx1"/>
+              </a:solidFill>
+              <a:latin typeface="チェックポイント．（ピリオド）" panose="02000600000000000000" pitchFamily="50" charset="-128"/>
+              <a:ea typeface="チェックポイント．（ピリオド）" panose="02000600000000000000" pitchFamily="50" charset="-128"/>
+            </a:endParaRPr>
+          </a:p>
+          <a:p>
+            <a:pPr algn="ctr"/>
+            <a:r>
+              <a:rPr lang="ja-JP" altLang="en-US" dirty="0">
                 <a:solidFill>
                   <a:schemeClr val="tx1"/>
                 </a:solidFill>
-                <a:latin typeface="HGP創英角ﾎﾟｯﾌﾟ体" panose="040B0A00000000000000" pitchFamily="50" charset="-128"/>
-                <a:ea typeface="HGP創英角ﾎﾟｯﾌﾟ体" panose="040B0A00000000000000" pitchFamily="50" charset="-128"/>
+                <a:latin typeface="チェックポイント．（ピリオド）" panose="02000600000000000000" pitchFamily="50" charset="-128"/>
+                <a:ea typeface="チェックポイント．（ピリオド）" panose="02000600000000000000" pitchFamily="50" charset="-128"/>
               </a:rPr>
-              <a:t>ステータス補正値を</a:t>
-            </a:r>
-            <a:endParaRPr lang="en-US" altLang="ja-JP" dirty="0" smtClean="0">
+              <a:t>武器によるステータス補正値を</a:t>
+            </a:r>
+            <a:endParaRPr lang="en-US" altLang="ja-JP" dirty="0">
               <a:solidFill>
                 <a:schemeClr val="tx1"/>
               </a:solidFill>
-              <a:latin typeface="HGP創英角ﾎﾟｯﾌﾟ体" panose="040B0A00000000000000" pitchFamily="50" charset="-128"/>
-              <a:ea typeface="HGP創英角ﾎﾟｯﾌﾟ体" panose="040B0A00000000000000" pitchFamily="50" charset="-128"/>
+              <a:latin typeface="チェックポイント．（ピリオド）" panose="02000600000000000000" pitchFamily="50" charset="-128"/>
+              <a:ea typeface="チェックポイント．（ピリオド）" panose="02000600000000000000" pitchFamily="50" charset="-128"/>
             </a:endParaRPr>
           </a:p>
           <a:p>
             <a:pPr algn="ctr"/>
             <a:r>
-              <a:rPr lang="ja-JP" altLang="en-US" dirty="0" smtClean="0">
+              <a:rPr lang="ja-JP" altLang="en-US" dirty="0">
                 <a:solidFill>
                   <a:schemeClr val="tx1"/>
                 </a:solidFill>
-                <a:latin typeface="HGP創英角ﾎﾟｯﾌﾟ体" panose="040B0A00000000000000" pitchFamily="50" charset="-128"/>
-                <a:ea typeface="HGP創英角ﾎﾟｯﾌﾟ体" panose="040B0A00000000000000" pitchFamily="50" charset="-128"/>
+                <a:latin typeface="チェックポイント．（ピリオド）" panose="02000600000000000000" pitchFamily="50" charset="-128"/>
+                <a:ea typeface="チェックポイント．（ピリオド）" panose="02000600000000000000" pitchFamily="50" charset="-128"/>
               </a:rPr>
               <a:t>確認することができる</a:t>
             </a:r>
-            <a:endParaRPr lang="en-US" altLang="ja-JP" dirty="0" smtClean="0">
+            <a:endParaRPr lang="en-US" altLang="ja-JP" dirty="0">
               <a:solidFill>
                 <a:schemeClr val="tx1"/>
               </a:solidFill>
-              <a:latin typeface="HGP創英角ﾎﾟｯﾌﾟ体" panose="040B0A00000000000000" pitchFamily="50" charset="-128"/>
-              <a:ea typeface="HGP創英角ﾎﾟｯﾌﾟ体" panose="040B0A00000000000000" pitchFamily="50" charset="-128"/>
+              <a:latin typeface="チェックポイント．（ピリオド）" panose="02000600000000000000" pitchFamily="50" charset="-128"/>
+              <a:ea typeface="チェックポイント．（ピリオド）" panose="02000600000000000000" pitchFamily="50" charset="-128"/>
             </a:endParaRPr>
           </a:p>
         </p:txBody>
@@ -4014,13 +4496,13 @@
         </p:nvSpPr>
         <p:spPr>
           <a:xfrm>
-            <a:off x="8570026" y="724395"/>
-            <a:ext cx="3621973" cy="1217220"/>
+            <a:off x="8320645" y="232379"/>
+            <a:ext cx="3871355" cy="1217220"/>
           </a:xfrm>
           <a:prstGeom prst="wedgeRectCallout">
             <a:avLst>
-              <a:gd name="adj1" fmla="val -59000"/>
-              <a:gd name="adj2" fmla="val 71725"/>
+              <a:gd name="adj1" fmla="val -30335"/>
+              <a:gd name="adj2" fmla="val 80477"/>
             </a:avLst>
           </a:prstGeom>
           <a:solidFill>
@@ -4054,61 +4536,61 @@
           <a:p>
             <a:pPr algn="ctr"/>
             <a:r>
-              <a:rPr lang="ja-JP" altLang="en-US" dirty="0" smtClean="0">
+              <a:rPr lang="ja-JP" altLang="en-US" dirty="0">
                 <a:solidFill>
                   <a:schemeClr val="tx1"/>
                 </a:solidFill>
-                <a:latin typeface="HGP創英角ﾎﾟｯﾌﾟ体" panose="040B0A00000000000000" pitchFamily="50" charset="-128"/>
-                <a:ea typeface="HGP創英角ﾎﾟｯﾌﾟ体" panose="040B0A00000000000000" pitchFamily="50" charset="-128"/>
+                <a:latin typeface="チェックポイント．（ピリオド）" panose="02000600000000000000" pitchFamily="50" charset="-128"/>
+                <a:ea typeface="チェックポイント．（ピリオド）" panose="02000600000000000000" pitchFamily="50" charset="-128"/>
               </a:rPr>
               <a:t>ここをクリックすると今住んでいる</a:t>
             </a:r>
-            <a:endParaRPr lang="en-US" altLang="ja-JP" dirty="0" smtClean="0">
+            <a:endParaRPr lang="en-US" altLang="ja-JP" dirty="0">
               <a:solidFill>
                 <a:schemeClr val="tx1"/>
               </a:solidFill>
-              <a:latin typeface="HGP創英角ﾎﾟｯﾌﾟ体" panose="040B0A00000000000000" pitchFamily="50" charset="-128"/>
-              <a:ea typeface="HGP創英角ﾎﾟｯﾌﾟ体" panose="040B0A00000000000000" pitchFamily="50" charset="-128"/>
+              <a:latin typeface="チェックポイント．（ピリオド）" panose="02000600000000000000" pitchFamily="50" charset="-128"/>
+              <a:ea typeface="チェックポイント．（ピリオド）" panose="02000600000000000000" pitchFamily="50" charset="-128"/>
             </a:endParaRPr>
           </a:p>
           <a:p>
             <a:pPr algn="ctr"/>
             <a:r>
-              <a:rPr lang="ja-JP" altLang="en-US" dirty="0" smtClean="0">
+              <a:rPr lang="ja-JP" altLang="en-US" dirty="0">
                 <a:solidFill>
                   <a:schemeClr val="tx1"/>
                 </a:solidFill>
-                <a:latin typeface="HGP創英角ﾎﾟｯﾌﾟ体" panose="040B0A00000000000000" pitchFamily="50" charset="-128"/>
-                <a:ea typeface="HGP創英角ﾎﾟｯﾌﾟ体" panose="040B0A00000000000000" pitchFamily="50" charset="-128"/>
+                <a:latin typeface="チェックポイント．（ピリオド）" panose="02000600000000000000" pitchFamily="50" charset="-128"/>
+                <a:ea typeface="チェックポイント．（ピリオド）" panose="02000600000000000000" pitchFamily="50" charset="-128"/>
               </a:rPr>
               <a:t>住人のステータス補正値を</a:t>
             </a:r>
-            <a:endParaRPr lang="en-US" altLang="ja-JP" dirty="0" smtClean="0">
+            <a:endParaRPr lang="en-US" altLang="ja-JP" dirty="0">
               <a:solidFill>
                 <a:schemeClr val="tx1"/>
               </a:solidFill>
-              <a:latin typeface="HGP創英角ﾎﾟｯﾌﾟ体" panose="040B0A00000000000000" pitchFamily="50" charset="-128"/>
-              <a:ea typeface="HGP創英角ﾎﾟｯﾌﾟ体" panose="040B0A00000000000000" pitchFamily="50" charset="-128"/>
+              <a:latin typeface="チェックポイント．（ピリオド）" panose="02000600000000000000" pitchFamily="50" charset="-128"/>
+              <a:ea typeface="チェックポイント．（ピリオド）" panose="02000600000000000000" pitchFamily="50" charset="-128"/>
             </a:endParaRPr>
           </a:p>
           <a:p>
             <a:pPr algn="ctr"/>
             <a:r>
-              <a:rPr lang="ja-JP" altLang="en-US" dirty="0" smtClean="0">
+              <a:rPr lang="ja-JP" altLang="en-US" dirty="0">
                 <a:solidFill>
                   <a:schemeClr val="tx1"/>
                 </a:solidFill>
-                <a:latin typeface="HGP創英角ﾎﾟｯﾌﾟ体" panose="040B0A00000000000000" pitchFamily="50" charset="-128"/>
-                <a:ea typeface="HGP創英角ﾎﾟｯﾌﾟ体" panose="040B0A00000000000000" pitchFamily="50" charset="-128"/>
+                <a:latin typeface="チェックポイント．（ピリオド）" panose="02000600000000000000" pitchFamily="50" charset="-128"/>
+                <a:ea typeface="チェックポイント．（ピリオド）" panose="02000600000000000000" pitchFamily="50" charset="-128"/>
               </a:rPr>
               <a:t>確認することができる</a:t>
             </a:r>
-            <a:endParaRPr lang="en-US" altLang="ja-JP" dirty="0" smtClean="0">
+            <a:endParaRPr lang="en-US" altLang="ja-JP" dirty="0">
               <a:solidFill>
                 <a:schemeClr val="tx1"/>
               </a:solidFill>
-              <a:latin typeface="HGP創英角ﾎﾟｯﾌﾟ体" panose="040B0A00000000000000" pitchFamily="50" charset="-128"/>
-              <a:ea typeface="HGP創英角ﾎﾟｯﾌﾟ体" panose="040B0A00000000000000" pitchFamily="50" charset="-128"/>
+              <a:latin typeface="チェックポイント．（ピリオド）" panose="02000600000000000000" pitchFamily="50" charset="-128"/>
+              <a:ea typeface="チェックポイント．（ピリオド）" panose="02000600000000000000" pitchFamily="50" charset="-128"/>
             </a:endParaRPr>
           </a:p>
         </p:txBody>
@@ -4121,7 +4603,7 @@
         </p:nvSpPr>
         <p:spPr>
           <a:xfrm>
-            <a:off x="3740727" y="136841"/>
+            <a:off x="3649201" y="310446"/>
             <a:ext cx="4579917" cy="830997"/>
           </a:xfrm>
           <a:prstGeom prst="rect">
@@ -4139,16 +4621,224 @@
           <a:p>
             <a:pPr algn="ctr"/>
             <a:r>
-              <a:rPr lang="ja-JP" altLang="en-US" sz="4800" dirty="0" smtClean="0">
-                <a:latin typeface="HGP創英角ﾎﾟｯﾌﾟ体" panose="040B0A00000000000000" pitchFamily="50" charset="-128"/>
-                <a:ea typeface="HGP創英角ﾎﾟｯﾌﾟ体" panose="040B0A00000000000000" pitchFamily="50" charset="-128"/>
+              <a:rPr lang="ja-JP" altLang="en-US" sz="4800" dirty="0">
+                <a:latin typeface="チェックポイント．（ピリオド）" panose="02000600000000000000" pitchFamily="50" charset="-128"/>
+                <a:ea typeface="チェックポイント．（ピリオド）" panose="02000600000000000000" pitchFamily="50" charset="-128"/>
               </a:rPr>
               <a:t>ヘルプ：倉庫</a:t>
             </a:r>
             <a:endParaRPr kumimoji="1" lang="ja-JP" altLang="en-US" dirty="0">
-              <a:latin typeface="HGP創英角ﾎﾟｯﾌﾟ体" panose="040B0A00000000000000" pitchFamily="50" charset="-128"/>
-              <a:ea typeface="HGP創英角ﾎﾟｯﾌﾟ体" panose="040B0A00000000000000" pitchFamily="50" charset="-128"/>
+              <a:latin typeface="チェックポイント．（ピリオド）" panose="02000600000000000000" pitchFamily="50" charset="-128"/>
+              <a:ea typeface="チェックポイント．（ピリオド）" panose="02000600000000000000" pitchFamily="50" charset="-128"/>
             </a:endParaRPr>
+          </a:p>
+        </p:txBody>
+      </p:sp>
+      <p:sp>
+        <p:nvSpPr>
+          <p:cNvPr id="13" name="正方形/長方形 12">
+            <a:extLst>
+              <a:ext uri="{FF2B5EF4-FFF2-40B4-BE49-F238E27FC236}">
+                <a16:creationId xmlns:a16="http://schemas.microsoft.com/office/drawing/2014/main" id="{A37BEE43-2066-46D6-8830-D8556B22304D}"/>
+              </a:ext>
+            </a:extLst>
+          </p:cNvPr>
+          <p:cNvSpPr/>
+          <p:nvPr/>
+        </p:nvSpPr>
+        <p:spPr>
+          <a:xfrm>
+            <a:off x="2687782" y="1879116"/>
+            <a:ext cx="3343562" cy="1650858"/>
+          </a:xfrm>
+          <a:prstGeom prst="rect">
+            <a:avLst/>
+          </a:prstGeom>
+          <a:noFill/>
+          <a:ln w="28575">
+            <a:solidFill>
+              <a:srgbClr val="FF0000"/>
+            </a:solidFill>
+          </a:ln>
+        </p:spPr>
+        <p:style>
+          <a:lnRef idx="2">
+            <a:schemeClr val="accent1">
+              <a:shade val="50000"/>
+            </a:schemeClr>
+          </a:lnRef>
+          <a:fillRef idx="1">
+            <a:schemeClr val="accent1"/>
+          </a:fillRef>
+          <a:effectRef idx="0">
+            <a:schemeClr val="accent1"/>
+          </a:effectRef>
+          <a:fontRef idx="minor">
+            <a:schemeClr val="lt1"/>
+          </a:fontRef>
+        </p:style>
+        <p:txBody>
+          <a:bodyPr rtlCol="0" anchor="ctr"/>
+          <a:lstStyle/>
+          <a:p>
+            <a:pPr algn="ctr"/>
+            <a:endParaRPr kumimoji="1" lang="ja-JP" altLang="en-US"/>
+          </a:p>
+        </p:txBody>
+      </p:sp>
+      <p:sp>
+        <p:nvSpPr>
+          <p:cNvPr id="14" name="正方形/長方形 13">
+            <a:extLst>
+              <a:ext uri="{FF2B5EF4-FFF2-40B4-BE49-F238E27FC236}">
+                <a16:creationId xmlns:a16="http://schemas.microsoft.com/office/drawing/2014/main" id="{BA56A8B8-81E8-409C-8A37-384626294E40}"/>
+              </a:ext>
+            </a:extLst>
+          </p:cNvPr>
+          <p:cNvSpPr/>
+          <p:nvPr/>
+        </p:nvSpPr>
+        <p:spPr>
+          <a:xfrm>
+            <a:off x="2687782" y="3528911"/>
+            <a:ext cx="3343562" cy="1650858"/>
+          </a:xfrm>
+          <a:prstGeom prst="rect">
+            <a:avLst/>
+          </a:prstGeom>
+          <a:noFill/>
+          <a:ln w="28575">
+            <a:solidFill>
+              <a:srgbClr val="FF0000"/>
+            </a:solidFill>
+          </a:ln>
+        </p:spPr>
+        <p:style>
+          <a:lnRef idx="2">
+            <a:schemeClr val="accent1">
+              <a:shade val="50000"/>
+            </a:schemeClr>
+          </a:lnRef>
+          <a:fillRef idx="1">
+            <a:schemeClr val="accent1"/>
+          </a:fillRef>
+          <a:effectRef idx="0">
+            <a:schemeClr val="accent1"/>
+          </a:effectRef>
+          <a:fontRef idx="minor">
+            <a:schemeClr val="lt1"/>
+          </a:fontRef>
+        </p:style>
+        <p:txBody>
+          <a:bodyPr rtlCol="0" anchor="ctr"/>
+          <a:lstStyle/>
+          <a:p>
+            <a:pPr algn="ctr"/>
+            <a:endParaRPr kumimoji="1" lang="ja-JP" altLang="en-US"/>
+          </a:p>
+        </p:txBody>
+      </p:sp>
+      <p:sp>
+        <p:nvSpPr>
+          <p:cNvPr id="15" name="正方形/長方形 14">
+            <a:extLst>
+              <a:ext uri="{FF2B5EF4-FFF2-40B4-BE49-F238E27FC236}">
+                <a16:creationId xmlns:a16="http://schemas.microsoft.com/office/drawing/2014/main" id="{AF0DEFD2-0EA7-416C-9349-A86003C1114B}"/>
+              </a:ext>
+            </a:extLst>
+          </p:cNvPr>
+          <p:cNvSpPr/>
+          <p:nvPr/>
+        </p:nvSpPr>
+        <p:spPr>
+          <a:xfrm>
+            <a:off x="6031344" y="1881188"/>
+            <a:ext cx="3343562" cy="1648786"/>
+          </a:xfrm>
+          <a:prstGeom prst="rect">
+            <a:avLst/>
+          </a:prstGeom>
+          <a:noFill/>
+          <a:ln w="28575">
+            <a:solidFill>
+              <a:srgbClr val="FF0000"/>
+            </a:solidFill>
+          </a:ln>
+        </p:spPr>
+        <p:style>
+          <a:lnRef idx="2">
+            <a:schemeClr val="accent1">
+              <a:shade val="50000"/>
+            </a:schemeClr>
+          </a:lnRef>
+          <a:fillRef idx="1">
+            <a:schemeClr val="accent1"/>
+          </a:fillRef>
+          <a:effectRef idx="0">
+            <a:schemeClr val="accent1"/>
+          </a:effectRef>
+          <a:fontRef idx="minor">
+            <a:schemeClr val="lt1"/>
+          </a:fontRef>
+        </p:style>
+        <p:txBody>
+          <a:bodyPr rtlCol="0" anchor="ctr"/>
+          <a:lstStyle/>
+          <a:p>
+            <a:pPr algn="ctr"/>
+            <a:endParaRPr kumimoji="1" lang="ja-JP" altLang="en-US"/>
+          </a:p>
+        </p:txBody>
+      </p:sp>
+      <p:sp>
+        <p:nvSpPr>
+          <p:cNvPr id="18" name="正方形/長方形 17">
+            <a:extLst>
+              <a:ext uri="{FF2B5EF4-FFF2-40B4-BE49-F238E27FC236}">
+                <a16:creationId xmlns:a16="http://schemas.microsoft.com/office/drawing/2014/main" id="{DFCE669F-B98A-49D5-9CD8-578BB88718CC}"/>
+              </a:ext>
+            </a:extLst>
+          </p:cNvPr>
+          <p:cNvSpPr/>
+          <p:nvPr/>
+        </p:nvSpPr>
+        <p:spPr>
+          <a:xfrm>
+            <a:off x="6031344" y="3530983"/>
+            <a:ext cx="3343562" cy="1648786"/>
+          </a:xfrm>
+          <a:prstGeom prst="rect">
+            <a:avLst/>
+          </a:prstGeom>
+          <a:noFill/>
+          <a:ln w="28575">
+            <a:solidFill>
+              <a:srgbClr val="FF0000"/>
+            </a:solidFill>
+          </a:ln>
+        </p:spPr>
+        <p:style>
+          <a:lnRef idx="2">
+            <a:schemeClr val="accent1">
+              <a:shade val="50000"/>
+            </a:schemeClr>
+          </a:lnRef>
+          <a:fillRef idx="1">
+            <a:schemeClr val="accent1"/>
+          </a:fillRef>
+          <a:effectRef idx="0">
+            <a:schemeClr val="accent1"/>
+          </a:effectRef>
+          <a:fontRef idx="minor">
+            <a:schemeClr val="lt1"/>
+          </a:fontRef>
+        </p:style>
+        <p:txBody>
+          <a:bodyPr rtlCol="0" anchor="ctr"/>
+          <a:lstStyle/>
+          <a:p>
+            <a:pPr algn="ctr"/>
+            <a:endParaRPr kumimoji="1" lang="ja-JP" altLang="en-US"/>
           </a:p>
         </p:txBody>
       </p:sp>
@@ -4162,13 +4852,6 @@
   <p:clrMapOvr>
     <a:masterClrMapping/>
   </p:clrMapOvr>
-  <p:timing>
-    <p:tnLst>
-      <p:par>
-        <p:cTn id="1" dur="indefinite" restart="never" nodeType="tmRoot"/>
-      </p:par>
-    </p:tnLst>
-  </p:timing>
 </p:sld>
 </file>
 
@@ -4191,13 +4874,19 @@
       </p:grpSpPr>
       <p:pic>
         <p:nvPicPr>
-          <p:cNvPr id="4" name="図 3"/>
+          <p:cNvPr id="3" name="図 2" descr="テキスト, スコアボード, 屋外, 標識 が含まれている画像&#10;&#10;自動的に生成された説明">
+            <a:extLst>
+              <a:ext uri="{FF2B5EF4-FFF2-40B4-BE49-F238E27FC236}">
+                <a16:creationId xmlns:a16="http://schemas.microsoft.com/office/drawing/2014/main" id="{D1EC1C6B-8E37-484B-BC32-54F28F2C22FE}"/>
+              </a:ext>
+            </a:extLst>
+          </p:cNvPr>
           <p:cNvPicPr>
             <a:picLocks noChangeAspect="1"/>
           </p:cNvPicPr>
           <p:nvPr/>
         </p:nvPicPr>
-        <p:blipFill>
+        <p:blipFill rotWithShape="1">
           <a:blip r:embed="rId2">
             <a:extLst>
               <a:ext uri="{28A0092B-C50C-407E-A947-70E740481C1C}">
@@ -4205,14 +4894,13 @@
               </a:ext>
             </a:extLst>
           </a:blip>
-          <a:stretch>
-            <a:fillRect/>
-          </a:stretch>
+          <a:srcRect l="3501" t="10193" r="2829"/>
+          <a:stretch/>
         </p:blipFill>
         <p:spPr>
           <a:xfrm>
-            <a:off x="0" y="1021278"/>
-            <a:ext cx="7680237" cy="4785756"/>
+            <a:off x="67952" y="1155700"/>
+            <a:ext cx="7658880" cy="4743111"/>
           </a:xfrm>
           <a:prstGeom prst="rect">
             <a:avLst/>
@@ -4227,13 +4915,13 @@
         </p:nvSpPr>
         <p:spPr>
           <a:xfrm>
-            <a:off x="7726832" y="1404037"/>
-            <a:ext cx="4465168" cy="1056904"/>
+            <a:off x="7988298" y="1484306"/>
+            <a:ext cx="4203701" cy="1056904"/>
           </a:xfrm>
           <a:prstGeom prst="wedgeRectCallout">
             <a:avLst>
-              <a:gd name="adj1" fmla="val -56736"/>
-              <a:gd name="adj2" fmla="val -7852"/>
+              <a:gd name="adj1" fmla="val -56029"/>
+              <a:gd name="adj2" fmla="val -10256"/>
             </a:avLst>
           </a:prstGeom>
           <a:solidFill>
@@ -4267,21 +4955,21 @@
           <a:p>
             <a:pPr algn="ctr"/>
             <a:r>
-              <a:rPr kumimoji="1" lang="ja-JP" altLang="en-US" dirty="0" smtClean="0">
+              <a:rPr kumimoji="1" lang="ja-JP" altLang="en-US" dirty="0">
                 <a:solidFill>
                   <a:schemeClr val="tx1"/>
                 </a:solidFill>
-                <a:latin typeface="HGP創英角ﾎﾟｯﾌﾟ体" panose="040B0A00000000000000" pitchFamily="50" charset="-128"/>
-                <a:ea typeface="HGP創英角ﾎﾟｯﾌﾟ体" panose="040B0A00000000000000" pitchFamily="50" charset="-128"/>
+                <a:latin typeface="チェックポイント．（ピリオド）" panose="02000600000000000000" pitchFamily="50" charset="-128"/>
+                <a:ea typeface="チェックポイント．（ピリオド）" panose="02000600000000000000" pitchFamily="50" charset="-128"/>
               </a:rPr>
               <a:t>住人を振り分けすることができる</a:t>
             </a:r>
-            <a:endParaRPr kumimoji="1" lang="en-US" altLang="ja-JP" dirty="0" smtClean="0">
+            <a:endParaRPr kumimoji="1" lang="en-US" altLang="ja-JP" dirty="0">
               <a:solidFill>
                 <a:schemeClr val="tx1"/>
               </a:solidFill>
-              <a:latin typeface="HGP創英角ﾎﾟｯﾌﾟ体" panose="040B0A00000000000000" pitchFamily="50" charset="-128"/>
-              <a:ea typeface="HGP創英角ﾎﾟｯﾌﾟ体" panose="040B0A00000000000000" pitchFamily="50" charset="-128"/>
+              <a:latin typeface="チェックポイント．（ピリオド）" panose="02000600000000000000" pitchFamily="50" charset="-128"/>
+              <a:ea typeface="チェックポイント．（ピリオド）" panose="02000600000000000000" pitchFamily="50" charset="-128"/>
             </a:endParaRPr>
           </a:p>
           <a:p>
@@ -4291,27 +4979,17 @@
                 <a:solidFill>
                   <a:schemeClr val="tx1"/>
                 </a:solidFill>
-                <a:latin typeface="HGP創英角ﾎﾟｯﾌﾟ体" panose="040B0A00000000000000" pitchFamily="50" charset="-128"/>
-                <a:ea typeface="HGP創英角ﾎﾟｯﾌﾟ体" panose="040B0A00000000000000" pitchFamily="50" charset="-128"/>
+                <a:latin typeface="チェックポイント．（ピリオド）" panose="02000600000000000000" pitchFamily="50" charset="-128"/>
+                <a:ea typeface="チェックポイント．（ピリオド）" panose="02000600000000000000" pitchFamily="50" charset="-128"/>
               </a:rPr>
-              <a:t>振り分</a:t>
-            </a:r>
-            <a:r>
-              <a:rPr lang="ja-JP" altLang="en-US" dirty="0" smtClean="0">
-                <a:solidFill>
-                  <a:schemeClr val="tx1"/>
-                </a:solidFill>
-                <a:latin typeface="HGP創英角ﾎﾟｯﾌﾟ体" panose="040B0A00000000000000" pitchFamily="50" charset="-128"/>
-                <a:ea typeface="HGP創英角ﾎﾟｯﾌﾟ体" panose="040B0A00000000000000" pitchFamily="50" charset="-128"/>
-              </a:rPr>
-              <a:t>けることで研究所でできることが増える</a:t>
+              <a:t>振り分けることで研究所でできることが増える</a:t>
             </a:r>
             <a:endParaRPr kumimoji="1" lang="ja-JP" altLang="en-US" dirty="0">
               <a:solidFill>
                 <a:schemeClr val="tx1"/>
               </a:solidFill>
-              <a:latin typeface="HGP創英角ﾎﾟｯﾌﾟ体" panose="040B0A00000000000000" pitchFamily="50" charset="-128"/>
-              <a:ea typeface="HGP創英角ﾎﾟｯﾌﾟ体" panose="040B0A00000000000000" pitchFamily="50" charset="-128"/>
+              <a:latin typeface="チェックポイント．（ピリオド）" panose="02000600000000000000" pitchFamily="50" charset="-128"/>
+              <a:ea typeface="チェックポイント．（ピリオド）" panose="02000600000000000000" pitchFamily="50" charset="-128"/>
             </a:endParaRPr>
           </a:p>
         </p:txBody>
@@ -4324,13 +5002,13 @@
         </p:nvSpPr>
         <p:spPr>
           <a:xfrm>
-            <a:off x="7726832" y="3068735"/>
-            <a:ext cx="4465168" cy="1056904"/>
+            <a:off x="7988300" y="3227418"/>
+            <a:ext cx="4203700" cy="1056904"/>
           </a:xfrm>
           <a:prstGeom prst="wedgeRectCallout">
             <a:avLst>
-              <a:gd name="adj1" fmla="val -60193"/>
-              <a:gd name="adj2" fmla="val -3358"/>
+              <a:gd name="adj1" fmla="val -56815"/>
+              <a:gd name="adj2" fmla="val -18979"/>
             </a:avLst>
           </a:prstGeom>
           <a:solidFill>
@@ -4364,21 +5042,21 @@
           <a:p>
             <a:pPr algn="ctr"/>
             <a:r>
-              <a:rPr lang="ja-JP" altLang="en-US" dirty="0" smtClean="0">
+              <a:rPr lang="ja-JP" altLang="en-US" dirty="0">
                 <a:solidFill>
                   <a:schemeClr val="tx1"/>
                 </a:solidFill>
-                <a:latin typeface="HGP創英角ﾎﾟｯﾌﾟ体" panose="040B0A00000000000000" pitchFamily="50" charset="-128"/>
-                <a:ea typeface="HGP創英角ﾎﾟｯﾌﾟ体" panose="040B0A00000000000000" pitchFamily="50" charset="-128"/>
+                <a:latin typeface="チェックポイント．（ピリオド）" panose="02000600000000000000" pitchFamily="50" charset="-128"/>
+                <a:ea typeface="チェックポイント．（ピリオド）" panose="02000600000000000000" pitchFamily="50" charset="-128"/>
               </a:rPr>
               <a:t>クリックするとミサイルのリキャストタイムと</a:t>
             </a:r>
-            <a:endParaRPr lang="en-US" altLang="ja-JP" dirty="0" smtClean="0">
+            <a:endParaRPr lang="en-US" altLang="ja-JP" dirty="0">
               <a:solidFill>
                 <a:schemeClr val="tx1"/>
               </a:solidFill>
-              <a:latin typeface="HGP創英角ﾎﾟｯﾌﾟ体" panose="040B0A00000000000000" pitchFamily="50" charset="-128"/>
-              <a:ea typeface="HGP創英角ﾎﾟｯﾌﾟ体" panose="040B0A00000000000000" pitchFamily="50" charset="-128"/>
+              <a:latin typeface="チェックポイント．（ピリオド）" panose="02000600000000000000" pitchFamily="50" charset="-128"/>
+              <a:ea typeface="チェックポイント．（ピリオド）" panose="02000600000000000000" pitchFamily="50" charset="-128"/>
             </a:endParaRPr>
           </a:p>
           <a:p>
@@ -4388,28 +5066,11 @@
                 <a:solidFill>
                   <a:schemeClr val="tx1"/>
                 </a:solidFill>
-                <a:latin typeface="HGP創英角ﾎﾟｯﾌﾟ体" panose="040B0A00000000000000" pitchFamily="50" charset="-128"/>
-                <a:ea typeface="HGP創英角ﾎﾟｯﾌﾟ体" panose="040B0A00000000000000" pitchFamily="50" charset="-128"/>
+                <a:latin typeface="チェックポイント．（ピリオド）" panose="02000600000000000000" pitchFamily="50" charset="-128"/>
+                <a:ea typeface="チェックポイント．（ピリオド）" panose="02000600000000000000" pitchFamily="50" charset="-128"/>
               </a:rPr>
-              <a:t>次</a:t>
-            </a:r>
-            <a:r>
-              <a:rPr kumimoji="1" lang="ja-JP" altLang="en-US" dirty="0" smtClean="0">
-                <a:solidFill>
-                  <a:schemeClr val="tx1"/>
-                </a:solidFill>
-                <a:latin typeface="HGP創英角ﾎﾟｯﾌﾟ体" panose="040B0A00000000000000" pitchFamily="50" charset="-128"/>
-                <a:ea typeface="HGP創英角ﾎﾟｯﾌﾟ体" panose="040B0A00000000000000" pitchFamily="50" charset="-128"/>
-              </a:rPr>
-              <a:t>のレベルアップまでの条件が確認できる</a:t>
-            </a:r>
-            <a:endParaRPr kumimoji="1" lang="ja-JP" altLang="en-US" dirty="0">
-              <a:solidFill>
-                <a:schemeClr val="tx1"/>
-              </a:solidFill>
-              <a:latin typeface="HGP創英角ﾎﾟｯﾌﾟ体" panose="040B0A00000000000000" pitchFamily="50" charset="-128"/>
-              <a:ea typeface="HGP創英角ﾎﾟｯﾌﾟ体" panose="040B0A00000000000000" pitchFamily="50" charset="-128"/>
-            </a:endParaRPr>
+              <a:t>次のレベルアップまでの条件が確認できる</a:t>
+            </a:r>
           </a:p>
         </p:txBody>
       </p:sp>
@@ -4421,13 +5082,13 @@
         </p:nvSpPr>
         <p:spPr>
           <a:xfrm>
-            <a:off x="7726832" y="4284323"/>
-            <a:ext cx="4465168" cy="1056904"/>
+            <a:off x="7988299" y="4587136"/>
+            <a:ext cx="4203699" cy="1280264"/>
           </a:xfrm>
           <a:prstGeom prst="wedgeRectCallout">
             <a:avLst>
-              <a:gd name="adj1" fmla="val -60193"/>
-              <a:gd name="adj2" fmla="val -3358"/>
+              <a:gd name="adj1" fmla="val -55587"/>
+              <a:gd name="adj2" fmla="val -22206"/>
             </a:avLst>
           </a:prstGeom>
           <a:solidFill>
@@ -4461,91 +5122,71 @@
           <a:p>
             <a:pPr algn="ctr"/>
             <a:r>
-              <a:rPr lang="ja-JP" altLang="en-US" dirty="0" smtClean="0">
-                <a:solidFill>
-                  <a:schemeClr val="tx1"/>
-                </a:solidFill>
-                <a:latin typeface="HGP創英角ﾎﾟｯﾌﾟ体" panose="040B0A00000000000000" pitchFamily="50" charset="-128"/>
-                <a:ea typeface="HGP創英角ﾎﾟｯﾌﾟ体" panose="040B0A00000000000000" pitchFamily="50" charset="-128"/>
-              </a:rPr>
-              <a:t>クリックすると武器の作成と作成に必要な</a:t>
-            </a:r>
-            <a:endParaRPr lang="en-US" altLang="ja-JP" dirty="0" smtClean="0">
-              <a:solidFill>
-                <a:schemeClr val="tx1"/>
-              </a:solidFill>
-              <a:latin typeface="HGP創英角ﾎﾟｯﾌﾟ体" panose="040B0A00000000000000" pitchFamily="50" charset="-128"/>
-              <a:ea typeface="HGP創英角ﾎﾟｯﾌﾟ体" panose="040B0A00000000000000" pitchFamily="50" charset="-128"/>
-            </a:endParaRPr>
-          </a:p>
-          <a:p>
-            <a:pPr algn="ctr"/>
-            <a:r>
               <a:rPr lang="ja-JP" altLang="en-US" dirty="0">
                 <a:solidFill>
                   <a:schemeClr val="tx1"/>
                 </a:solidFill>
-                <a:latin typeface="HGP創英角ﾎﾟｯﾌﾟ体" panose="040B0A00000000000000" pitchFamily="50" charset="-128"/>
-                <a:ea typeface="HGP創英角ﾎﾟｯﾌﾟ体" panose="040B0A00000000000000" pitchFamily="50" charset="-128"/>
+                <a:latin typeface="チェックポイント．（ピリオド）" panose="02000600000000000000" pitchFamily="50" charset="-128"/>
+                <a:ea typeface="チェックポイント．（ピリオド）" panose="02000600000000000000" pitchFamily="50" charset="-128"/>
               </a:rPr>
-              <a:t>資材</a:t>
-            </a:r>
-            <a:r>
-              <a:rPr kumimoji="1" lang="ja-JP" altLang="en-US" dirty="0" smtClean="0">
-                <a:solidFill>
-                  <a:schemeClr val="tx1"/>
-                </a:solidFill>
-                <a:latin typeface="HGP創英角ﾎﾟｯﾌﾟ体" panose="040B0A00000000000000" pitchFamily="50" charset="-128"/>
-                <a:ea typeface="HGP創英角ﾎﾟｯﾌﾟ体" panose="040B0A00000000000000" pitchFamily="50" charset="-128"/>
-              </a:rPr>
-              <a:t>確認できる</a:t>
-            </a:r>
-            <a:endParaRPr kumimoji="1" lang="en-US" altLang="ja-JP" dirty="0" smtClean="0">
+              <a:t>クリックするとコアやポッドの作成と</a:t>
+            </a:r>
+            <a:endParaRPr lang="en-US" altLang="ja-JP" dirty="0">
               <a:solidFill>
                 <a:schemeClr val="tx1"/>
               </a:solidFill>
-              <a:latin typeface="HGP創英角ﾎﾟｯﾌﾟ体" panose="040B0A00000000000000" pitchFamily="50" charset="-128"/>
-              <a:ea typeface="HGP創英角ﾎﾟｯﾌﾟ体" panose="040B0A00000000000000" pitchFamily="50" charset="-128"/>
+              <a:latin typeface="チェックポイント．（ピリオド）" panose="02000600000000000000" pitchFamily="50" charset="-128"/>
+              <a:ea typeface="チェックポイント．（ピリオド）" panose="02000600000000000000" pitchFamily="50" charset="-128"/>
             </a:endParaRPr>
           </a:p>
           <a:p>
             <a:pPr algn="ctr"/>
-            <a:r>
-              <a:rPr lang="ja-JP" altLang="en-US" dirty="0" smtClean="0">
-                <a:solidFill>
-                  <a:schemeClr val="tx1"/>
-                </a:solidFill>
-                <a:latin typeface="HGP創英角ﾎﾟｯﾌﾟ体" panose="040B0A00000000000000" pitchFamily="50" charset="-128"/>
-                <a:ea typeface="HGP創英角ﾎﾟｯﾌﾟ体" panose="040B0A00000000000000" pitchFamily="50" charset="-128"/>
-              </a:rPr>
-              <a:t>武器</a:t>
-            </a:r>
             <a:r>
               <a:rPr lang="ja-JP" altLang="en-US" dirty="0">
                 <a:solidFill>
                   <a:schemeClr val="tx1"/>
                 </a:solidFill>
-                <a:latin typeface="HGP創英角ﾎﾟｯﾌﾟ体" panose="040B0A00000000000000" pitchFamily="50" charset="-128"/>
-                <a:ea typeface="HGP創英角ﾎﾟｯﾌﾟ体" panose="040B0A00000000000000" pitchFamily="50" charset="-128"/>
+                <a:latin typeface="チェックポイント．（ピリオド）" panose="02000600000000000000" pitchFamily="50" charset="-128"/>
+                <a:ea typeface="チェックポイント．（ピリオド）" panose="02000600000000000000" pitchFamily="50" charset="-128"/>
               </a:rPr>
-              <a:t>を</a:t>
-            </a:r>
-            <a:r>
-              <a:rPr lang="ja-JP" altLang="en-US" dirty="0" smtClean="0">
+              <a:t>作成に必要な資材</a:t>
+            </a:r>
+            <a:r>
+              <a:rPr kumimoji="1" lang="ja-JP" altLang="en-US" dirty="0">
                 <a:solidFill>
                   <a:schemeClr val="tx1"/>
                 </a:solidFill>
-                <a:latin typeface="HGP創英角ﾎﾟｯﾌﾟ体" panose="040B0A00000000000000" pitchFamily="50" charset="-128"/>
-                <a:ea typeface="HGP創英角ﾎﾟｯﾌﾟ体" panose="040B0A00000000000000" pitchFamily="50" charset="-128"/>
+                <a:latin typeface="チェックポイント．（ピリオド）" panose="02000600000000000000" pitchFamily="50" charset="-128"/>
+                <a:ea typeface="チェックポイント．（ピリオド）" panose="02000600000000000000" pitchFamily="50" charset="-128"/>
               </a:rPr>
-              <a:t>装備することなどできる</a:t>
+              <a:t>確認できる</a:t>
+            </a:r>
+            <a:endParaRPr kumimoji="1" lang="en-US" altLang="ja-JP" dirty="0">
+              <a:solidFill>
+                <a:schemeClr val="tx1"/>
+              </a:solidFill>
+              <a:latin typeface="チェックポイント．（ピリオド）" panose="02000600000000000000" pitchFamily="50" charset="-128"/>
+              <a:ea typeface="チェックポイント．（ピリオド）" panose="02000600000000000000" pitchFamily="50" charset="-128"/>
+            </a:endParaRPr>
+          </a:p>
+          <a:p>
+            <a:pPr algn="ctr"/>
+            <a:r>
+              <a:rPr lang="ja-JP" altLang="en-US" dirty="0">
+                <a:solidFill>
+                  <a:schemeClr val="tx1"/>
+                </a:solidFill>
+                <a:latin typeface="チェックポイント．（ピリオド）" panose="02000600000000000000" pitchFamily="50" charset="-128"/>
+                <a:ea typeface="チェックポイント．（ピリオド）" panose="02000600000000000000" pitchFamily="50" charset="-128"/>
+              </a:rPr>
+              <a:t>コアを装備することなどできる</a:t>
             </a:r>
             <a:endParaRPr kumimoji="1" lang="ja-JP" altLang="en-US" dirty="0">
               <a:solidFill>
                 <a:schemeClr val="tx1"/>
               </a:solidFill>
-              <a:latin typeface="HGP創英角ﾎﾟｯﾌﾟ体" panose="040B0A00000000000000" pitchFamily="50" charset="-128"/>
-              <a:ea typeface="HGP創英角ﾎﾟｯﾌﾟ体" panose="040B0A00000000000000" pitchFamily="50" charset="-128"/>
+              <a:latin typeface="チェックポイント．（ピリオド）" panose="02000600000000000000" pitchFamily="50" charset="-128"/>
+              <a:ea typeface="チェックポイント．（ピリオド）" panose="02000600000000000000" pitchFamily="50" charset="-128"/>
             </a:endParaRPr>
           </a:p>
         </p:txBody>
@@ -4558,8 +5199,722 @@
         </p:nvSpPr>
         <p:spPr>
           <a:xfrm>
-            <a:off x="-2" y="5807034"/>
-            <a:ext cx="12192001" cy="1050966"/>
+            <a:off x="-3" y="6010659"/>
+            <a:ext cx="12192001" cy="850764"/>
+          </a:xfrm>
+          <a:prstGeom prst="wedgeRectCallout">
+            <a:avLst>
+              <a:gd name="adj1" fmla="val -37457"/>
+              <a:gd name="adj2" fmla="val -61693"/>
+            </a:avLst>
+          </a:prstGeom>
+          <a:solidFill>
+            <a:schemeClr val="bg1"/>
+          </a:solidFill>
+          <a:ln>
+            <a:solidFill>
+              <a:schemeClr val="tx1"/>
+            </a:solidFill>
+          </a:ln>
+        </p:spPr>
+        <p:style>
+          <a:lnRef idx="2">
+            <a:schemeClr val="accent1">
+              <a:shade val="50000"/>
+            </a:schemeClr>
+          </a:lnRef>
+          <a:fillRef idx="1">
+            <a:schemeClr val="accent1"/>
+          </a:fillRef>
+          <a:effectRef idx="0">
+            <a:schemeClr val="accent1"/>
+          </a:effectRef>
+          <a:fontRef idx="minor">
+            <a:schemeClr val="lt1"/>
+          </a:fontRef>
+        </p:style>
+        <p:txBody>
+          <a:bodyPr rtlCol="0" anchor="ctr"/>
+          <a:lstStyle/>
+          <a:p>
+            <a:pPr algn="ctr"/>
+            <a:r>
+              <a:rPr kumimoji="1" lang="ja-JP" altLang="en-US" dirty="0">
+                <a:solidFill>
+                  <a:schemeClr val="tx1"/>
+                </a:solidFill>
+                <a:latin typeface="チェックポイント．（ピリオド）" panose="02000600000000000000" pitchFamily="50" charset="-128"/>
+                <a:ea typeface="チェックポイント．（ピリオド）" panose="02000600000000000000" pitchFamily="50" charset="-128"/>
+              </a:rPr>
+              <a:t>ここでは研究所全体のレベルアップができたり次のレベルアップまでの条件を確認することができる</a:t>
+            </a:r>
+            <a:endParaRPr kumimoji="1" lang="en-US" altLang="ja-JP" dirty="0">
+              <a:solidFill>
+                <a:schemeClr val="tx1"/>
+              </a:solidFill>
+              <a:latin typeface="チェックポイント．（ピリオド）" panose="02000600000000000000" pitchFamily="50" charset="-128"/>
+              <a:ea typeface="チェックポイント．（ピリオド）" panose="02000600000000000000" pitchFamily="50" charset="-128"/>
+            </a:endParaRPr>
+          </a:p>
+          <a:p>
+            <a:pPr algn="ctr"/>
+            <a:r>
+              <a:rPr lang="ja-JP" altLang="en-US" dirty="0">
+                <a:solidFill>
+                  <a:schemeClr val="tx1"/>
+                </a:solidFill>
+                <a:latin typeface="チェックポイント．（ピリオド）" panose="02000600000000000000" pitchFamily="50" charset="-128"/>
+                <a:ea typeface="チェックポイント．（ピリオド）" panose="02000600000000000000" pitchFamily="50" charset="-128"/>
+              </a:rPr>
+              <a:t>研究所をレベルアップすることにより武器の作成条件達成やミサイルのリキャストタイムが早くなったりポッドの</a:t>
+            </a:r>
+            <a:endParaRPr lang="en-US" altLang="ja-JP" dirty="0">
+              <a:solidFill>
+                <a:schemeClr val="tx1"/>
+              </a:solidFill>
+              <a:latin typeface="チェックポイント．（ピリオド）" panose="02000600000000000000" pitchFamily="50" charset="-128"/>
+              <a:ea typeface="チェックポイント．（ピリオド）" panose="02000600000000000000" pitchFamily="50" charset="-128"/>
+            </a:endParaRPr>
+          </a:p>
+          <a:p>
+            <a:pPr algn="ctr"/>
+            <a:r>
+              <a:rPr lang="ja-JP" altLang="en-US" dirty="0">
+                <a:solidFill>
+                  <a:schemeClr val="tx1"/>
+                </a:solidFill>
+                <a:latin typeface="チェックポイント．（ピリオド）" panose="02000600000000000000" pitchFamily="50" charset="-128"/>
+                <a:ea typeface="チェックポイント．（ピリオド）" panose="02000600000000000000" pitchFamily="50" charset="-128"/>
+              </a:rPr>
+              <a:t>耐久力が上がる</a:t>
+            </a:r>
+            <a:endParaRPr kumimoji="1" lang="ja-JP" altLang="en-US" dirty="0">
+              <a:solidFill>
+                <a:schemeClr val="tx1"/>
+              </a:solidFill>
+              <a:latin typeface="チェックポイント．（ピリオド）" panose="02000600000000000000" pitchFamily="50" charset="-128"/>
+              <a:ea typeface="チェックポイント．（ピリオド）" panose="02000600000000000000" pitchFamily="50" charset="-128"/>
+            </a:endParaRPr>
+          </a:p>
+        </p:txBody>
+      </p:sp>
+      <p:sp>
+        <p:nvSpPr>
+          <p:cNvPr id="9" name="テキスト ボックス 8"/>
+          <p:cNvSpPr txBox="1"/>
+          <p:nvPr/>
+        </p:nvSpPr>
+        <p:spPr>
+          <a:xfrm>
+            <a:off x="3572493" y="95725"/>
+            <a:ext cx="5047013" cy="830997"/>
+          </a:xfrm>
+          <a:prstGeom prst="rect">
+            <a:avLst/>
+          </a:prstGeom>
+          <a:solidFill>
+            <a:schemeClr val="accent4"/>
+          </a:solidFill>
+        </p:spPr>
+        <p:txBody>
+          <a:bodyPr wrap="square" rtlCol="0">
+            <a:spAutoFit/>
+          </a:bodyPr>
+          <a:lstStyle/>
+          <a:p>
+            <a:pPr algn="ctr"/>
+            <a:r>
+              <a:rPr kumimoji="1" lang="ja-JP" altLang="en-US" sz="4800" dirty="0">
+                <a:latin typeface="チェックポイント．（ピリオド）" panose="02000600000000000000" pitchFamily="50" charset="-128"/>
+                <a:ea typeface="チェックポイント．（ピリオド）" panose="02000600000000000000" pitchFamily="50" charset="-128"/>
+              </a:rPr>
+              <a:t>ヘルプ：研究所</a:t>
+            </a:r>
+            <a:endParaRPr kumimoji="1" lang="ja-JP" altLang="en-US" dirty="0">
+              <a:latin typeface="チェックポイント．（ピリオド）" panose="02000600000000000000" pitchFamily="50" charset="-128"/>
+              <a:ea typeface="チェックポイント．（ピリオド）" panose="02000600000000000000" pitchFamily="50" charset="-128"/>
+            </a:endParaRPr>
+          </a:p>
+        </p:txBody>
+      </p:sp>
+      <p:sp>
+        <p:nvSpPr>
+          <p:cNvPr id="10" name="正方形/長方形 9">
+            <a:extLst>
+              <a:ext uri="{FF2B5EF4-FFF2-40B4-BE49-F238E27FC236}">
+                <a16:creationId xmlns:a16="http://schemas.microsoft.com/office/drawing/2014/main" id="{6FFE011D-710D-4A4F-9825-141048483DC9}"/>
+              </a:ext>
+            </a:extLst>
+          </p:cNvPr>
+          <p:cNvSpPr/>
+          <p:nvPr/>
+        </p:nvSpPr>
+        <p:spPr>
+          <a:xfrm>
+            <a:off x="3149600" y="1155699"/>
+            <a:ext cx="4577232" cy="2070101"/>
+          </a:xfrm>
+          <a:prstGeom prst="rect">
+            <a:avLst/>
+          </a:prstGeom>
+          <a:noFill/>
+          <a:ln w="28575">
+            <a:solidFill>
+              <a:srgbClr val="FF0000"/>
+            </a:solidFill>
+          </a:ln>
+        </p:spPr>
+        <p:style>
+          <a:lnRef idx="2">
+            <a:schemeClr val="accent1">
+              <a:shade val="50000"/>
+            </a:schemeClr>
+          </a:lnRef>
+          <a:fillRef idx="1">
+            <a:schemeClr val="accent1"/>
+          </a:fillRef>
+          <a:effectRef idx="0">
+            <a:schemeClr val="accent1"/>
+          </a:effectRef>
+          <a:fontRef idx="minor">
+            <a:schemeClr val="lt1"/>
+          </a:fontRef>
+        </p:style>
+        <p:txBody>
+          <a:bodyPr rtlCol="0" anchor="ctr"/>
+          <a:lstStyle/>
+          <a:p>
+            <a:pPr algn="ctr"/>
+            <a:endParaRPr kumimoji="1" lang="ja-JP" altLang="en-US"/>
+          </a:p>
+        </p:txBody>
+      </p:sp>
+      <p:sp>
+        <p:nvSpPr>
+          <p:cNvPr id="11" name="正方形/長方形 10">
+            <a:extLst>
+              <a:ext uri="{FF2B5EF4-FFF2-40B4-BE49-F238E27FC236}">
+                <a16:creationId xmlns:a16="http://schemas.microsoft.com/office/drawing/2014/main" id="{E20945F6-E8A3-4843-8AA8-C3CA375AAF01}"/>
+              </a:ext>
+            </a:extLst>
+          </p:cNvPr>
+          <p:cNvSpPr/>
+          <p:nvPr/>
+        </p:nvSpPr>
+        <p:spPr>
+          <a:xfrm>
+            <a:off x="3149600" y="3225800"/>
+            <a:ext cx="4577232" cy="1320800"/>
+          </a:xfrm>
+          <a:prstGeom prst="rect">
+            <a:avLst/>
+          </a:prstGeom>
+          <a:noFill/>
+          <a:ln w="28575">
+            <a:solidFill>
+              <a:srgbClr val="FF0000"/>
+            </a:solidFill>
+          </a:ln>
+        </p:spPr>
+        <p:style>
+          <a:lnRef idx="2">
+            <a:schemeClr val="accent1">
+              <a:shade val="50000"/>
+            </a:schemeClr>
+          </a:lnRef>
+          <a:fillRef idx="1">
+            <a:schemeClr val="accent1"/>
+          </a:fillRef>
+          <a:effectRef idx="0">
+            <a:schemeClr val="accent1"/>
+          </a:effectRef>
+          <a:fontRef idx="minor">
+            <a:schemeClr val="lt1"/>
+          </a:fontRef>
+        </p:style>
+        <p:txBody>
+          <a:bodyPr rtlCol="0" anchor="ctr"/>
+          <a:lstStyle/>
+          <a:p>
+            <a:pPr algn="ctr"/>
+            <a:endParaRPr kumimoji="1" lang="ja-JP" altLang="en-US"/>
+          </a:p>
+        </p:txBody>
+      </p:sp>
+      <p:sp>
+        <p:nvSpPr>
+          <p:cNvPr id="12" name="正方形/長方形 11">
+            <a:extLst>
+              <a:ext uri="{FF2B5EF4-FFF2-40B4-BE49-F238E27FC236}">
+                <a16:creationId xmlns:a16="http://schemas.microsoft.com/office/drawing/2014/main" id="{7A027602-FE49-443B-B979-695A16DF3603}"/>
+              </a:ext>
+            </a:extLst>
+          </p:cNvPr>
+          <p:cNvSpPr/>
+          <p:nvPr/>
+        </p:nvSpPr>
+        <p:spPr>
+          <a:xfrm>
+            <a:off x="3149600" y="4546600"/>
+            <a:ext cx="4577232" cy="1320800"/>
+          </a:xfrm>
+          <a:prstGeom prst="rect">
+            <a:avLst/>
+          </a:prstGeom>
+          <a:noFill/>
+          <a:ln w="28575">
+            <a:solidFill>
+              <a:srgbClr val="FF0000"/>
+            </a:solidFill>
+          </a:ln>
+        </p:spPr>
+        <p:style>
+          <a:lnRef idx="2">
+            <a:schemeClr val="accent1">
+              <a:shade val="50000"/>
+            </a:schemeClr>
+          </a:lnRef>
+          <a:fillRef idx="1">
+            <a:schemeClr val="accent1"/>
+          </a:fillRef>
+          <a:effectRef idx="0">
+            <a:schemeClr val="accent1"/>
+          </a:effectRef>
+          <a:fontRef idx="minor">
+            <a:schemeClr val="lt1"/>
+          </a:fontRef>
+        </p:style>
+        <p:txBody>
+          <a:bodyPr rtlCol="0" anchor="ctr"/>
+          <a:lstStyle/>
+          <a:p>
+            <a:pPr algn="ctr"/>
+            <a:endParaRPr kumimoji="1" lang="ja-JP" altLang="en-US"/>
+          </a:p>
+        </p:txBody>
+      </p:sp>
+      <p:sp>
+        <p:nvSpPr>
+          <p:cNvPr id="13" name="正方形/長方形 12">
+            <a:extLst>
+              <a:ext uri="{FF2B5EF4-FFF2-40B4-BE49-F238E27FC236}">
+                <a16:creationId xmlns:a16="http://schemas.microsoft.com/office/drawing/2014/main" id="{6D5653B2-A431-4E41-A84C-D2D0A59D8FFF}"/>
+              </a:ext>
+            </a:extLst>
+          </p:cNvPr>
+          <p:cNvSpPr/>
+          <p:nvPr/>
+        </p:nvSpPr>
+        <p:spPr>
+          <a:xfrm>
+            <a:off x="55252" y="3454060"/>
+            <a:ext cx="2967348" cy="2413340"/>
+          </a:xfrm>
+          <a:prstGeom prst="rect">
+            <a:avLst/>
+          </a:prstGeom>
+          <a:noFill/>
+          <a:ln w="28575">
+            <a:solidFill>
+              <a:srgbClr val="FF0000"/>
+            </a:solidFill>
+          </a:ln>
+        </p:spPr>
+        <p:style>
+          <a:lnRef idx="2">
+            <a:schemeClr val="accent1">
+              <a:shade val="50000"/>
+            </a:schemeClr>
+          </a:lnRef>
+          <a:fillRef idx="1">
+            <a:schemeClr val="accent1"/>
+          </a:fillRef>
+          <a:effectRef idx="0">
+            <a:schemeClr val="accent1"/>
+          </a:effectRef>
+          <a:fontRef idx="minor">
+            <a:schemeClr val="lt1"/>
+          </a:fontRef>
+        </p:style>
+        <p:txBody>
+          <a:bodyPr rtlCol="0" anchor="ctr"/>
+          <a:lstStyle/>
+          <a:p>
+            <a:pPr algn="ctr"/>
+            <a:endParaRPr kumimoji="1" lang="ja-JP" altLang="en-US"/>
+          </a:p>
+        </p:txBody>
+      </p:sp>
+      <p:sp>
+        <p:nvSpPr>
+          <p:cNvPr id="15" name="正方形/長方形 14">
+            <a:extLst>
+              <a:ext uri="{FF2B5EF4-FFF2-40B4-BE49-F238E27FC236}">
+                <a16:creationId xmlns:a16="http://schemas.microsoft.com/office/drawing/2014/main" id="{E0E6CB0D-AD4F-4358-8DF1-ECAD7B65F9F5}"/>
+              </a:ext>
+            </a:extLst>
+          </p:cNvPr>
+          <p:cNvSpPr/>
+          <p:nvPr/>
+        </p:nvSpPr>
+        <p:spPr>
+          <a:xfrm>
+            <a:off x="459426" y="1641813"/>
+            <a:ext cx="2298700" cy="663067"/>
+          </a:xfrm>
+          <a:prstGeom prst="rect">
+            <a:avLst/>
+          </a:prstGeom>
+          <a:noFill/>
+          <a:ln w="28575">
+            <a:solidFill>
+              <a:srgbClr val="FF0000"/>
+            </a:solidFill>
+          </a:ln>
+        </p:spPr>
+        <p:style>
+          <a:lnRef idx="2">
+            <a:schemeClr val="accent1">
+              <a:shade val="50000"/>
+            </a:schemeClr>
+          </a:lnRef>
+          <a:fillRef idx="1">
+            <a:schemeClr val="accent1"/>
+          </a:fillRef>
+          <a:effectRef idx="0">
+            <a:schemeClr val="accent1"/>
+          </a:effectRef>
+          <a:fontRef idx="minor">
+            <a:schemeClr val="lt1"/>
+          </a:fontRef>
+        </p:style>
+        <p:txBody>
+          <a:bodyPr rtlCol="0" anchor="ctr"/>
+          <a:lstStyle/>
+          <a:p>
+            <a:pPr algn="ctr"/>
+            <a:endParaRPr kumimoji="1" lang="ja-JP" altLang="en-US"/>
+          </a:p>
+        </p:txBody>
+      </p:sp>
+      <p:sp>
+        <p:nvSpPr>
+          <p:cNvPr id="16" name="四角形吹き出し 4">
+            <a:extLst>
+              <a:ext uri="{FF2B5EF4-FFF2-40B4-BE49-F238E27FC236}">
+                <a16:creationId xmlns:a16="http://schemas.microsoft.com/office/drawing/2014/main" id="{63DDAF72-AE4E-4AAC-AC6F-2CCD1ADC7265}"/>
+              </a:ext>
+            </a:extLst>
+          </p:cNvPr>
+          <p:cNvSpPr/>
+          <p:nvPr/>
+        </p:nvSpPr>
+        <p:spPr>
+          <a:xfrm>
+            <a:off x="380998" y="157418"/>
+            <a:ext cx="2641602" cy="886434"/>
+          </a:xfrm>
+          <a:prstGeom prst="wedgeRectCallout">
+            <a:avLst>
+              <a:gd name="adj1" fmla="val 17529"/>
+              <a:gd name="adj2" fmla="val 114528"/>
+            </a:avLst>
+          </a:prstGeom>
+          <a:solidFill>
+            <a:schemeClr val="bg1"/>
+          </a:solidFill>
+          <a:ln>
+            <a:solidFill>
+              <a:schemeClr val="tx1"/>
+            </a:solidFill>
+          </a:ln>
+        </p:spPr>
+        <p:style>
+          <a:lnRef idx="2">
+            <a:schemeClr val="accent1">
+              <a:shade val="50000"/>
+            </a:schemeClr>
+          </a:lnRef>
+          <a:fillRef idx="1">
+            <a:schemeClr val="accent1"/>
+          </a:fillRef>
+          <a:effectRef idx="0">
+            <a:schemeClr val="accent1"/>
+          </a:effectRef>
+          <a:fontRef idx="minor">
+            <a:schemeClr val="lt1"/>
+          </a:fontRef>
+        </p:style>
+        <p:txBody>
+          <a:bodyPr rtlCol="0" anchor="ctr"/>
+          <a:lstStyle/>
+          <a:p>
+            <a:pPr algn="ctr"/>
+            <a:r>
+              <a:rPr kumimoji="1" lang="ja-JP" altLang="en-US" dirty="0">
+                <a:solidFill>
+                  <a:schemeClr val="tx1"/>
+                </a:solidFill>
+                <a:latin typeface="チェックポイント．（ピリオド）" panose="02000600000000000000" pitchFamily="50" charset="-128"/>
+                <a:ea typeface="チェックポイント．（ピリオド）" panose="02000600000000000000" pitchFamily="50" charset="-128"/>
+              </a:rPr>
+              <a:t>研究所の現在のレベル</a:t>
+            </a:r>
+          </a:p>
+        </p:txBody>
+      </p:sp>
+    </p:spTree>
+    <p:extLst>
+      <p:ext uri="{BB962C8B-B14F-4D97-AF65-F5344CB8AC3E}">
+        <p14:creationId xmlns:p14="http://schemas.microsoft.com/office/powerpoint/2010/main" val="3618480004"/>
+      </p:ext>
+    </p:extLst>
+  </p:cSld>
+  <p:clrMapOvr>
+    <a:masterClrMapping/>
+  </p:clrMapOvr>
+</p:sld>
+</file>
+
+<file path=ppt/slides/slide4.xml><?xml version="1.0" encoding="utf-8"?>
+<p:sld xmlns:a="http://schemas.openxmlformats.org/drawingml/2006/main" xmlns:r="http://schemas.openxmlformats.org/officeDocument/2006/relationships" xmlns:p="http://schemas.openxmlformats.org/presentationml/2006/main">
+  <p:cSld>
+    <p:spTree>
+      <p:nvGrpSpPr>
+        <p:cNvPr id="1" name=""/>
+        <p:cNvGrpSpPr/>
+        <p:nvPr/>
+      </p:nvGrpSpPr>
+      <p:grpSpPr>
+        <a:xfrm>
+          <a:off x="0" y="0"/>
+          <a:ext cx="0" cy="0"/>
+          <a:chOff x="0" y="0"/>
+          <a:chExt cx="0" cy="0"/>
+        </a:xfrm>
+      </p:grpSpPr>
+      <p:pic>
+        <p:nvPicPr>
+          <p:cNvPr id="3" name="図 2" descr="テキスト, 標識, 通り, 屋外 が含まれている画像&#10;&#10;自動的に生成された説明">
+            <a:extLst>
+              <a:ext uri="{FF2B5EF4-FFF2-40B4-BE49-F238E27FC236}">
+                <a16:creationId xmlns:a16="http://schemas.microsoft.com/office/drawing/2014/main" id="{EB877469-AC96-48FE-9472-8035C84EFB97}"/>
+              </a:ext>
+            </a:extLst>
+          </p:cNvPr>
+          <p:cNvPicPr>
+            <a:picLocks noChangeAspect="1"/>
+          </p:cNvPicPr>
+          <p:nvPr/>
+        </p:nvPicPr>
+        <p:blipFill rotWithShape="1">
+          <a:blip r:embed="rId2">
+            <a:extLst>
+              <a:ext uri="{28A0092B-C50C-407E-A947-70E740481C1C}">
+                <a14:useLocalDpi xmlns:a14="http://schemas.microsoft.com/office/drawing/2010/main" val="0"/>
+              </a:ext>
+            </a:extLst>
+          </a:blip>
+          <a:srcRect l="3391" t="9807" r="4509" b="1690"/>
+          <a:stretch/>
+        </p:blipFill>
+        <p:spPr>
+          <a:xfrm>
+            <a:off x="203201" y="1041399"/>
+            <a:ext cx="8039100" cy="4479207"/>
+          </a:xfrm>
+          <a:prstGeom prst="rect">
+            <a:avLst/>
+          </a:prstGeom>
+        </p:spPr>
+      </p:pic>
+      <p:sp>
+        <p:nvSpPr>
+          <p:cNvPr id="6" name="四角形吹き出し 5"/>
+          <p:cNvSpPr/>
+          <p:nvPr/>
+        </p:nvSpPr>
+        <p:spPr>
+          <a:xfrm>
+            <a:off x="8383979" y="1749383"/>
+            <a:ext cx="3808022" cy="2997035"/>
+          </a:xfrm>
+          <a:prstGeom prst="wedgeRectCallout">
+            <a:avLst>
+              <a:gd name="adj1" fmla="val -52964"/>
+              <a:gd name="adj2" fmla="val 15298"/>
+            </a:avLst>
+          </a:prstGeom>
+          <a:solidFill>
+            <a:schemeClr val="bg1"/>
+          </a:solidFill>
+          <a:ln>
+            <a:solidFill>
+              <a:schemeClr val="tx1"/>
+            </a:solidFill>
+          </a:ln>
+        </p:spPr>
+        <p:style>
+          <a:lnRef idx="2">
+            <a:schemeClr val="accent1">
+              <a:shade val="50000"/>
+            </a:schemeClr>
+          </a:lnRef>
+          <a:fillRef idx="1">
+            <a:schemeClr val="accent1"/>
+          </a:fillRef>
+          <a:effectRef idx="0">
+            <a:schemeClr val="accent1"/>
+          </a:effectRef>
+          <a:fontRef idx="minor">
+            <a:schemeClr val="lt1"/>
+          </a:fontRef>
+        </p:style>
+        <p:txBody>
+          <a:bodyPr rtlCol="0" anchor="ctr"/>
+          <a:lstStyle/>
+          <a:p>
+            <a:pPr algn="ctr"/>
+            <a:r>
+              <a:rPr kumimoji="1" lang="ja-JP" altLang="en-US" sz="2000" dirty="0">
+                <a:solidFill>
+                  <a:schemeClr val="tx1"/>
+                </a:solidFill>
+                <a:latin typeface="チェックポイント．（ピリオド）" panose="02000600000000000000" pitchFamily="50" charset="-128"/>
+                <a:ea typeface="チェックポイント．（ピリオド）" panose="02000600000000000000" pitchFamily="50" charset="-128"/>
+              </a:rPr>
+              <a:t>ここでは好きなように住人を</a:t>
+            </a:r>
+            <a:endParaRPr kumimoji="1" lang="en-US" altLang="ja-JP" sz="2000" dirty="0">
+              <a:solidFill>
+                <a:schemeClr val="tx1"/>
+              </a:solidFill>
+              <a:latin typeface="チェックポイント．（ピリオド）" panose="02000600000000000000" pitchFamily="50" charset="-128"/>
+              <a:ea typeface="チェックポイント．（ピリオド）" panose="02000600000000000000" pitchFamily="50" charset="-128"/>
+            </a:endParaRPr>
+          </a:p>
+          <a:p>
+            <a:pPr algn="ctr"/>
+            <a:r>
+              <a:rPr kumimoji="1" lang="ja-JP" altLang="en-US" sz="2000" dirty="0">
+                <a:solidFill>
+                  <a:schemeClr val="tx1"/>
+                </a:solidFill>
+                <a:latin typeface="チェックポイント．（ピリオド）" panose="02000600000000000000" pitchFamily="50" charset="-128"/>
+                <a:ea typeface="チェックポイント．（ピリオド）" panose="02000600000000000000" pitchFamily="50" charset="-128"/>
+              </a:rPr>
+              <a:t>配置することができる</a:t>
+            </a:r>
+            <a:endParaRPr kumimoji="1" lang="en-US" altLang="ja-JP" sz="2000" dirty="0">
+              <a:solidFill>
+                <a:schemeClr val="tx1"/>
+              </a:solidFill>
+              <a:latin typeface="チェックポイント．（ピリオド）" panose="02000600000000000000" pitchFamily="50" charset="-128"/>
+              <a:ea typeface="チェックポイント．（ピリオド）" panose="02000600000000000000" pitchFamily="50" charset="-128"/>
+            </a:endParaRPr>
+          </a:p>
+          <a:p>
+            <a:pPr algn="ctr"/>
+            <a:r>
+              <a:rPr kumimoji="1" lang="ja-JP" altLang="en-US" sz="2000" dirty="0">
+                <a:solidFill>
+                  <a:schemeClr val="tx1"/>
+                </a:solidFill>
+                <a:latin typeface="チェックポイント．（ピリオド）" panose="02000600000000000000" pitchFamily="50" charset="-128"/>
+                <a:ea typeface="チェックポイント．（ピリオド）" panose="02000600000000000000" pitchFamily="50" charset="-128"/>
+              </a:rPr>
+              <a:t>配置することによってバトル中の</a:t>
+            </a:r>
+            <a:endParaRPr kumimoji="1" lang="en-US" altLang="ja-JP" sz="2000" dirty="0">
+              <a:solidFill>
+                <a:schemeClr val="tx1"/>
+              </a:solidFill>
+              <a:latin typeface="チェックポイント．（ピリオド）" panose="02000600000000000000" pitchFamily="50" charset="-128"/>
+              <a:ea typeface="チェックポイント．（ピリオド）" panose="02000600000000000000" pitchFamily="50" charset="-128"/>
+            </a:endParaRPr>
+          </a:p>
+          <a:p>
+            <a:pPr algn="ctr"/>
+            <a:r>
+              <a:rPr kumimoji="1" lang="ja-JP" altLang="en-US" sz="2000" dirty="0">
+                <a:solidFill>
+                  <a:schemeClr val="tx1"/>
+                </a:solidFill>
+                <a:latin typeface="チェックポイント．（ピリオド）" panose="02000600000000000000" pitchFamily="50" charset="-128"/>
+                <a:ea typeface="チェックポイント．（ピリオド）" panose="02000600000000000000" pitchFamily="50" charset="-128"/>
+              </a:rPr>
+              <a:t>ポット出撃可能数が増える</a:t>
+            </a:r>
+            <a:endParaRPr kumimoji="1" lang="en-US" altLang="ja-JP" sz="2000" dirty="0">
+              <a:solidFill>
+                <a:schemeClr val="tx1"/>
+              </a:solidFill>
+              <a:latin typeface="チェックポイント．（ピリオド）" panose="02000600000000000000" pitchFamily="50" charset="-128"/>
+              <a:ea typeface="チェックポイント．（ピリオド）" panose="02000600000000000000" pitchFamily="50" charset="-128"/>
+            </a:endParaRPr>
+          </a:p>
+          <a:p>
+            <a:pPr algn="ctr"/>
+            <a:r>
+              <a:rPr lang="en-US" altLang="ja-JP" sz="2000" dirty="0">
+                <a:solidFill>
+                  <a:schemeClr val="tx1"/>
+                </a:solidFill>
+                <a:latin typeface="チェックポイント．（ピリオド）" panose="02000600000000000000" pitchFamily="50" charset="-128"/>
+                <a:ea typeface="チェックポイント．（ピリオド）" panose="02000600000000000000" pitchFamily="50" charset="-128"/>
+              </a:rPr>
+              <a:t>※</a:t>
+            </a:r>
+            <a:r>
+              <a:rPr lang="ja-JP" altLang="en-US" sz="2000" dirty="0">
+                <a:solidFill>
+                  <a:schemeClr val="tx1"/>
+                </a:solidFill>
+                <a:latin typeface="チェックポイント．（ピリオド）" panose="02000600000000000000" pitchFamily="50" charset="-128"/>
+                <a:ea typeface="チェックポイント．（ピリオド）" panose="02000600000000000000" pitchFamily="50" charset="-128"/>
+              </a:rPr>
+              <a:t>バトルに出撃し攻撃した分だけ</a:t>
+            </a:r>
+            <a:endParaRPr lang="en-US" altLang="ja-JP" sz="2000" dirty="0">
+              <a:solidFill>
+                <a:schemeClr val="tx1"/>
+              </a:solidFill>
+              <a:latin typeface="チェックポイント．（ピリオド）" panose="02000600000000000000" pitchFamily="50" charset="-128"/>
+              <a:ea typeface="チェックポイント．（ピリオド）" panose="02000600000000000000" pitchFamily="50" charset="-128"/>
+            </a:endParaRPr>
+          </a:p>
+          <a:p>
+            <a:pPr algn="ctr"/>
+            <a:r>
+              <a:rPr lang="ja-JP" altLang="en-US" sz="2000" dirty="0">
+                <a:solidFill>
+                  <a:schemeClr val="tx1"/>
+                </a:solidFill>
+                <a:latin typeface="チェックポイント．（ピリオド）" panose="02000600000000000000" pitchFamily="50" charset="-128"/>
+                <a:ea typeface="チェックポイント．（ピリオド）" panose="02000600000000000000" pitchFamily="50" charset="-128"/>
+              </a:rPr>
+              <a:t>住人の数が減ってるので注意</a:t>
+            </a:r>
+            <a:endParaRPr kumimoji="1" lang="ja-JP" altLang="en-US" sz="2000" dirty="0">
+              <a:solidFill>
+                <a:schemeClr val="tx1"/>
+              </a:solidFill>
+              <a:latin typeface="チェックポイント．（ピリオド）" panose="02000600000000000000" pitchFamily="50" charset="-128"/>
+              <a:ea typeface="チェックポイント．（ピリオド）" panose="02000600000000000000" pitchFamily="50" charset="-128"/>
+            </a:endParaRPr>
+          </a:p>
+        </p:txBody>
+      </p:sp>
+      <p:sp>
+        <p:nvSpPr>
+          <p:cNvPr id="9" name="四角形吹き出し 8"/>
+          <p:cNvSpPr/>
+          <p:nvPr/>
+        </p:nvSpPr>
+        <p:spPr>
+          <a:xfrm>
+            <a:off x="692477" y="5794224"/>
+            <a:ext cx="10335987" cy="1050966"/>
           </a:xfrm>
           <a:prstGeom prst="wedgeRectCallout">
             <a:avLst>
@@ -4598,74 +5953,54 @@
           <a:p>
             <a:pPr algn="ctr"/>
             <a:r>
-              <a:rPr kumimoji="1" lang="ja-JP" altLang="en-US" dirty="0" smtClean="0">
+              <a:rPr kumimoji="1" lang="ja-JP" altLang="en-US" dirty="0">
                 <a:solidFill>
                   <a:schemeClr val="tx1"/>
                 </a:solidFill>
-                <a:latin typeface="HGP創英角ﾎﾟｯﾌﾟ体" panose="040B0A00000000000000" pitchFamily="50" charset="-128"/>
-                <a:ea typeface="HGP創英角ﾎﾟｯﾌﾟ体" panose="040B0A00000000000000" pitchFamily="50" charset="-128"/>
+                <a:latin typeface="チェックポイント．（ピリオド）" panose="02000600000000000000" pitchFamily="50" charset="-128"/>
+                <a:ea typeface="チェックポイント．（ピリオド）" panose="02000600000000000000" pitchFamily="50" charset="-128"/>
               </a:rPr>
-              <a:t>ここでは研究所全体のレベルアップができたり次のレベルアップまでの条件を確認することができる</a:t>
-            </a:r>
-            <a:endParaRPr kumimoji="1" lang="en-US" altLang="ja-JP" dirty="0" smtClean="0">
+              <a:t>ここでは兵舎全体のレベルアップができたり次のレベルアップまでの条件を確認することができる</a:t>
+            </a:r>
+            <a:endParaRPr kumimoji="1" lang="en-US" altLang="ja-JP" dirty="0">
               <a:solidFill>
                 <a:schemeClr val="tx1"/>
               </a:solidFill>
-              <a:latin typeface="HGP創英角ﾎﾟｯﾌﾟ体" panose="040B0A00000000000000" pitchFamily="50" charset="-128"/>
-              <a:ea typeface="HGP創英角ﾎﾟｯﾌﾟ体" panose="040B0A00000000000000" pitchFamily="50" charset="-128"/>
+              <a:latin typeface="チェックポイント．（ピリオド）" panose="02000600000000000000" pitchFamily="50" charset="-128"/>
+              <a:ea typeface="チェックポイント．（ピリオド）" panose="02000600000000000000" pitchFamily="50" charset="-128"/>
             </a:endParaRPr>
           </a:p>
           <a:p>
             <a:pPr algn="ctr"/>
             <a:r>
-              <a:rPr lang="ja-JP" altLang="en-US" dirty="0" smtClean="0">
+              <a:rPr lang="ja-JP" altLang="en-US" dirty="0">
                 <a:solidFill>
                   <a:schemeClr val="tx1"/>
                 </a:solidFill>
-                <a:latin typeface="HGP創英角ﾎﾟｯﾌﾟ体" panose="040B0A00000000000000" pitchFamily="50" charset="-128"/>
-                <a:ea typeface="HGP創英角ﾎﾟｯﾌﾟ体" panose="040B0A00000000000000" pitchFamily="50" charset="-128"/>
+                <a:latin typeface="チェックポイント．（ピリオド）" panose="02000600000000000000" pitchFamily="50" charset="-128"/>
+                <a:ea typeface="チェックポイント．（ピリオド）" panose="02000600000000000000" pitchFamily="50" charset="-128"/>
               </a:rPr>
-              <a:t>研究所をレベルアップすることにより武器の作成条件達成やミサイルのリキャストタイムが早く</a:t>
-            </a:r>
-            <a:r>
-              <a:rPr lang="ja-JP" altLang="en-US" dirty="0" smtClean="0">
-                <a:solidFill>
-                  <a:schemeClr val="tx1"/>
-                </a:solidFill>
-                <a:latin typeface="HGP創英角ﾎﾟｯﾌﾟ体" panose="040B0A00000000000000" pitchFamily="50" charset="-128"/>
-                <a:ea typeface="HGP創英角ﾎﾟｯﾌﾟ体" panose="040B0A00000000000000" pitchFamily="50" charset="-128"/>
-              </a:rPr>
-              <a:t>なったり</a:t>
-            </a:r>
-            <a:r>
-              <a:rPr lang="ja-JP" altLang="en-US" dirty="0" smtClean="0">
-                <a:solidFill>
-                  <a:schemeClr val="tx1"/>
-                </a:solidFill>
-                <a:latin typeface="HGP創英角ﾎﾟｯﾌﾟ体" panose="040B0A00000000000000" pitchFamily="50" charset="-128"/>
-                <a:ea typeface="HGP創英角ﾎﾟｯﾌﾟ体" panose="040B0A00000000000000" pitchFamily="50" charset="-128"/>
-              </a:rPr>
-              <a:t>ポッドの耐久力が上がる</a:t>
+              <a:t>兵舎をレベルアップすることにより兵士の攻撃力などステータスがアップする</a:t>
             </a:r>
             <a:endParaRPr kumimoji="1" lang="ja-JP" altLang="en-US" dirty="0">
               <a:solidFill>
                 <a:schemeClr val="tx1"/>
               </a:solidFill>
-              <a:latin typeface="HGP創英角ﾎﾟｯﾌﾟ体" panose="040B0A00000000000000" pitchFamily="50" charset="-128"/>
-              <a:ea typeface="HGP創英角ﾎﾟｯﾌﾟ体" panose="040B0A00000000000000" pitchFamily="50" charset="-128"/>
+              <a:latin typeface="チェックポイント．（ピリオド）" panose="02000600000000000000" pitchFamily="50" charset="-128"/>
+              <a:ea typeface="チェックポイント．（ピリオド）" panose="02000600000000000000" pitchFamily="50" charset="-128"/>
             </a:endParaRPr>
           </a:p>
         </p:txBody>
       </p:sp>
       <p:sp>
         <p:nvSpPr>
-          <p:cNvPr id="9" name="テキスト ボックス 8"/>
+          <p:cNvPr id="11" name="テキスト ボックス 10"/>
           <p:cNvSpPr txBox="1"/>
           <p:nvPr/>
         </p:nvSpPr>
         <p:spPr>
           <a:xfrm>
-            <a:off x="3301339" y="107233"/>
+            <a:off x="3336965" y="95278"/>
             <a:ext cx="5047013" cy="830997"/>
           </a:xfrm>
           <a:prstGeom prst="rect">
@@ -4683,102 +6018,41 @@
           <a:p>
             <a:pPr algn="ctr"/>
             <a:r>
-              <a:rPr kumimoji="1" lang="ja-JP" altLang="en-US" sz="4800" dirty="0" smtClean="0">
-                <a:latin typeface="HGP創英角ﾎﾟｯﾌﾟ体" panose="040B0A00000000000000" pitchFamily="50" charset="-128"/>
-                <a:ea typeface="HGP創英角ﾎﾟｯﾌﾟ体" panose="040B0A00000000000000" pitchFamily="50" charset="-128"/>
+              <a:rPr kumimoji="1" lang="ja-JP" altLang="en-US" sz="4800" dirty="0">
+                <a:latin typeface="チェックポイント．（ピリオド）" panose="02000600000000000000" pitchFamily="50" charset="-128"/>
+                <a:ea typeface="チェックポイント．（ピリオド）" panose="02000600000000000000" pitchFamily="50" charset="-128"/>
               </a:rPr>
-              <a:t>ヘルプ：研究所</a:t>
+              <a:t>ヘルプ：兵舎</a:t>
             </a:r>
             <a:endParaRPr kumimoji="1" lang="ja-JP" altLang="en-US" dirty="0">
-              <a:latin typeface="HGP創英角ﾎﾟｯﾌﾟ体" panose="040B0A00000000000000" pitchFamily="50" charset="-128"/>
-              <a:ea typeface="HGP創英角ﾎﾟｯﾌﾟ体" panose="040B0A00000000000000" pitchFamily="50" charset="-128"/>
+              <a:latin typeface="チェックポイント．（ピリオド）" panose="02000600000000000000" pitchFamily="50" charset="-128"/>
+              <a:ea typeface="チェックポイント．（ピリオド）" panose="02000600000000000000" pitchFamily="50" charset="-128"/>
             </a:endParaRPr>
           </a:p>
         </p:txBody>
       </p:sp>
-    </p:spTree>
-    <p:extLst>
-      <p:ext uri="{BB962C8B-B14F-4D97-AF65-F5344CB8AC3E}">
-        <p14:creationId xmlns:p14="http://schemas.microsoft.com/office/powerpoint/2010/main" val="3618480004"/>
-      </p:ext>
-    </p:extLst>
-  </p:cSld>
-  <p:clrMapOvr>
-    <a:masterClrMapping/>
-  </p:clrMapOvr>
-  <p:timing>
-    <p:tnLst>
-      <p:par>
-        <p:cTn id="1" dur="indefinite" restart="never" nodeType="tmRoot"/>
-      </p:par>
-    </p:tnLst>
-  </p:timing>
-</p:sld>
-</file>
-
-<file path=ppt/slides/slide4.xml><?xml version="1.0" encoding="utf-8"?>
-<p:sld xmlns:a="http://schemas.openxmlformats.org/drawingml/2006/main" xmlns:r="http://schemas.openxmlformats.org/officeDocument/2006/relationships" xmlns:p="http://schemas.openxmlformats.org/presentationml/2006/main">
-  <p:cSld>
-    <p:spTree>
-      <p:nvGrpSpPr>
-        <p:cNvPr id="1" name=""/>
-        <p:cNvGrpSpPr/>
-        <p:nvPr/>
-      </p:nvGrpSpPr>
-      <p:grpSpPr>
-        <a:xfrm>
-          <a:off x="0" y="0"/>
-          <a:ext cx="0" cy="0"/>
-          <a:chOff x="0" y="0"/>
-          <a:chExt cx="0" cy="0"/>
-        </a:xfrm>
-      </p:grpSpPr>
-      <p:pic>
-        <p:nvPicPr>
-          <p:cNvPr id="4" name="図 3"/>
-          <p:cNvPicPr>
-            <a:picLocks noChangeAspect="1"/>
-          </p:cNvPicPr>
-          <p:nvPr/>
-        </p:nvPicPr>
-        <p:blipFill>
-          <a:blip r:embed="rId2">
+      <p:sp>
+        <p:nvSpPr>
+          <p:cNvPr id="8" name="正方形/長方形 7">
             <a:extLst>
-              <a:ext uri="{28A0092B-C50C-407E-A947-70E740481C1C}">
-                <a14:useLocalDpi xmlns:a14="http://schemas.microsoft.com/office/drawing/2010/main" val="0"/>
+              <a:ext uri="{FF2B5EF4-FFF2-40B4-BE49-F238E27FC236}">
+                <a16:creationId xmlns:a16="http://schemas.microsoft.com/office/drawing/2014/main" id="{F7BE2C32-C21E-4467-87D2-8052D2B5FDA7}"/>
               </a:ext>
             </a:extLst>
-          </a:blip>
-          <a:stretch>
-            <a:fillRect/>
-          </a:stretch>
-        </p:blipFill>
-        <p:spPr>
-          <a:xfrm>
-            <a:off x="-1" y="1104405"/>
-            <a:ext cx="8038008" cy="4660694"/>
-          </a:xfrm>
-          <a:prstGeom prst="rect">
-            <a:avLst/>
-          </a:prstGeom>
-        </p:spPr>
-      </p:pic>
-      <p:sp>
-        <p:nvSpPr>
-          <p:cNvPr id="5" name="正方形/長方形 4"/>
+          </p:cNvPr>
           <p:cNvSpPr/>
           <p:nvPr/>
         </p:nvSpPr>
         <p:spPr>
           <a:xfrm>
-            <a:off x="3016332" y="1291256"/>
-            <a:ext cx="4928260" cy="4286992"/>
+            <a:off x="3336965" y="1638300"/>
+            <a:ext cx="4905336" cy="3108118"/>
           </a:xfrm>
           <a:prstGeom prst="rect">
             <a:avLst/>
           </a:prstGeom>
           <a:noFill/>
-          <a:ln w="76200">
+          <a:ln w="28575">
             <a:solidFill>
               <a:srgbClr val="FF0000"/>
             </a:solidFill>
@@ -4811,19 +6085,2779 @@
       </p:sp>
       <p:sp>
         <p:nvSpPr>
-          <p:cNvPr id="6" name="四角形吹き出し 5"/>
+          <p:cNvPr id="12" name="正方形/長方形 11">
+            <a:extLst>
+              <a:ext uri="{FF2B5EF4-FFF2-40B4-BE49-F238E27FC236}">
+                <a16:creationId xmlns:a16="http://schemas.microsoft.com/office/drawing/2014/main" id="{40ABF9C2-DF54-4877-A01A-A46FE482F6B4}"/>
+              </a:ext>
+            </a:extLst>
+          </p:cNvPr>
           <p:cNvSpPr/>
           <p:nvPr/>
         </p:nvSpPr>
         <p:spPr>
           <a:xfrm>
-            <a:off x="8473539" y="1749383"/>
-            <a:ext cx="3724894" cy="2997035"/>
+            <a:off x="203201" y="3225800"/>
+            <a:ext cx="3133764" cy="2292248"/>
+          </a:xfrm>
+          <a:prstGeom prst="rect">
+            <a:avLst/>
+          </a:prstGeom>
+          <a:noFill/>
+          <a:ln w="28575">
+            <a:solidFill>
+              <a:srgbClr val="FF0000"/>
+            </a:solidFill>
+          </a:ln>
+        </p:spPr>
+        <p:style>
+          <a:lnRef idx="2">
+            <a:schemeClr val="accent1">
+              <a:shade val="50000"/>
+            </a:schemeClr>
+          </a:lnRef>
+          <a:fillRef idx="1">
+            <a:schemeClr val="accent1"/>
+          </a:fillRef>
+          <a:effectRef idx="0">
+            <a:schemeClr val="accent1"/>
+          </a:effectRef>
+          <a:fontRef idx="minor">
+            <a:schemeClr val="lt1"/>
+          </a:fontRef>
+        </p:style>
+        <p:txBody>
+          <a:bodyPr rtlCol="0" anchor="ctr"/>
+          <a:lstStyle/>
+          <a:p>
+            <a:pPr algn="ctr"/>
+            <a:endParaRPr kumimoji="1" lang="ja-JP" altLang="en-US"/>
+          </a:p>
+        </p:txBody>
+      </p:sp>
+      <p:sp>
+        <p:nvSpPr>
+          <p:cNvPr id="14" name="正方形/長方形 13">
+            <a:extLst>
+              <a:ext uri="{FF2B5EF4-FFF2-40B4-BE49-F238E27FC236}">
+                <a16:creationId xmlns:a16="http://schemas.microsoft.com/office/drawing/2014/main" id="{04C836FE-EE43-45CD-B4BE-F7E0ABEE0088}"/>
+              </a:ext>
+            </a:extLst>
+          </p:cNvPr>
+          <p:cNvSpPr/>
+          <p:nvPr/>
+        </p:nvSpPr>
+        <p:spPr>
+          <a:xfrm>
+            <a:off x="5362536" y="4940244"/>
+            <a:ext cx="2879766" cy="577803"/>
+          </a:xfrm>
+          <a:prstGeom prst="rect">
+            <a:avLst/>
+          </a:prstGeom>
+          <a:noFill/>
+          <a:ln w="28575">
+            <a:solidFill>
+              <a:srgbClr val="FF0000"/>
+            </a:solidFill>
+          </a:ln>
+        </p:spPr>
+        <p:style>
+          <a:lnRef idx="2">
+            <a:schemeClr val="accent1">
+              <a:shade val="50000"/>
+            </a:schemeClr>
+          </a:lnRef>
+          <a:fillRef idx="1">
+            <a:schemeClr val="accent1"/>
+          </a:fillRef>
+          <a:effectRef idx="0">
+            <a:schemeClr val="accent1"/>
+          </a:effectRef>
+          <a:fontRef idx="minor">
+            <a:schemeClr val="lt1"/>
+          </a:fontRef>
+        </p:style>
+        <p:txBody>
+          <a:bodyPr rtlCol="0" anchor="ctr"/>
+          <a:lstStyle/>
+          <a:p>
+            <a:pPr algn="ctr"/>
+            <a:endParaRPr kumimoji="1" lang="ja-JP" altLang="en-US"/>
+          </a:p>
+        </p:txBody>
+      </p:sp>
+      <p:sp>
+        <p:nvSpPr>
+          <p:cNvPr id="16" name="吹き出し: 四角形 15">
+            <a:extLst>
+              <a:ext uri="{FF2B5EF4-FFF2-40B4-BE49-F238E27FC236}">
+                <a16:creationId xmlns:a16="http://schemas.microsoft.com/office/drawing/2014/main" id="{3ECE61CD-6BC4-463C-897C-903CC3F098F0}"/>
+              </a:ext>
+            </a:extLst>
+          </p:cNvPr>
+          <p:cNvSpPr/>
+          <p:nvPr/>
+        </p:nvSpPr>
+        <p:spPr>
+          <a:xfrm>
+            <a:off x="8383978" y="4960491"/>
+            <a:ext cx="3325422" cy="514926"/>
           </a:xfrm>
           <a:prstGeom prst="wedgeRectCallout">
             <a:avLst>
-              <a:gd name="adj1" fmla="val -60491"/>
-              <a:gd name="adj2" fmla="val 14450"/>
+              <a:gd name="adj1" fmla="val -52913"/>
+              <a:gd name="adj2" fmla="val -16424"/>
+            </a:avLst>
+          </a:prstGeom>
+          <a:noFill/>
+          <a:ln>
+            <a:solidFill>
+              <a:schemeClr val="tx1"/>
+            </a:solidFill>
+          </a:ln>
+        </p:spPr>
+        <p:style>
+          <a:lnRef idx="2">
+            <a:schemeClr val="accent1">
+              <a:shade val="50000"/>
+            </a:schemeClr>
+          </a:lnRef>
+          <a:fillRef idx="1">
+            <a:schemeClr val="accent1"/>
+          </a:fillRef>
+          <a:effectRef idx="0">
+            <a:schemeClr val="accent1"/>
+          </a:effectRef>
+          <a:fontRef idx="minor">
+            <a:schemeClr val="lt1"/>
+          </a:fontRef>
+        </p:style>
+        <p:txBody>
+          <a:bodyPr rtlCol="0" anchor="ctr"/>
+          <a:lstStyle/>
+          <a:p>
+            <a:pPr algn="ctr"/>
+            <a:r>
+              <a:rPr kumimoji="1" lang="ja-JP" altLang="en-US" sz="2000" dirty="0">
+                <a:solidFill>
+                  <a:schemeClr val="tx1"/>
+                </a:solidFill>
+                <a:latin typeface="チェックポイント．（ピリオド）" panose="02000600000000000000" pitchFamily="50" charset="-128"/>
+                <a:ea typeface="チェックポイント．（ピリオド）" panose="02000600000000000000" pitchFamily="50" charset="-128"/>
+              </a:rPr>
+              <a:t>現在の残り住人数</a:t>
+            </a:r>
+          </a:p>
+        </p:txBody>
+      </p:sp>
+    </p:spTree>
+    <p:extLst>
+      <p:ext uri="{BB962C8B-B14F-4D97-AF65-F5344CB8AC3E}">
+        <p14:creationId xmlns:p14="http://schemas.microsoft.com/office/powerpoint/2010/main" val="2652714344"/>
+      </p:ext>
+    </p:extLst>
+  </p:cSld>
+  <p:clrMapOvr>
+    <a:masterClrMapping/>
+  </p:clrMapOvr>
+</p:sld>
+</file>
+
+<file path=ppt/slides/slide5.xml><?xml version="1.0" encoding="utf-8"?>
+<p:sld xmlns:a="http://schemas.openxmlformats.org/drawingml/2006/main" xmlns:r="http://schemas.openxmlformats.org/officeDocument/2006/relationships" xmlns:p="http://schemas.openxmlformats.org/presentationml/2006/main">
+  <p:cSld>
+    <p:spTree>
+      <p:nvGrpSpPr>
+        <p:cNvPr id="1" name=""/>
+        <p:cNvGrpSpPr/>
+        <p:nvPr/>
+      </p:nvGrpSpPr>
+      <p:grpSpPr>
+        <a:xfrm>
+          <a:off x="0" y="0"/>
+          <a:ext cx="0" cy="0"/>
+          <a:chOff x="0" y="0"/>
+          <a:chExt cx="0" cy="0"/>
+        </a:xfrm>
+      </p:grpSpPr>
+      <p:pic>
+        <p:nvPicPr>
+          <p:cNvPr id="5" name="図 4">
+            <a:extLst>
+              <a:ext uri="{FF2B5EF4-FFF2-40B4-BE49-F238E27FC236}">
+                <a16:creationId xmlns:a16="http://schemas.microsoft.com/office/drawing/2014/main" id="{165CE0B9-374D-46A3-97C1-E7AFAFB5DEDF}"/>
+              </a:ext>
+            </a:extLst>
+          </p:cNvPr>
+          <p:cNvPicPr>
+            <a:picLocks noChangeAspect="1"/>
+          </p:cNvPicPr>
+          <p:nvPr/>
+        </p:nvPicPr>
+        <p:blipFill rotWithShape="1">
+          <a:blip r:embed="rId2">
+            <a:extLst>
+              <a:ext uri="{28A0092B-C50C-407E-A947-70E740481C1C}">
+                <a14:useLocalDpi xmlns:a14="http://schemas.microsoft.com/office/drawing/2010/main" val="0"/>
+              </a:ext>
+            </a:extLst>
+          </a:blip>
+          <a:srcRect l="22315" t="14250" r="20954" b="45911"/>
+          <a:stretch/>
+        </p:blipFill>
+        <p:spPr>
+          <a:xfrm>
+            <a:off x="3089697" y="1269134"/>
+            <a:ext cx="6012604" cy="2448208"/>
+          </a:xfrm>
+          <a:prstGeom prst="rect">
+            <a:avLst/>
+          </a:prstGeom>
+        </p:spPr>
+      </p:pic>
+      <p:sp>
+        <p:nvSpPr>
+          <p:cNvPr id="6" name="テキスト ボックス 5">
+            <a:extLst>
+              <a:ext uri="{FF2B5EF4-FFF2-40B4-BE49-F238E27FC236}">
+                <a16:creationId xmlns:a16="http://schemas.microsoft.com/office/drawing/2014/main" id="{EEBBDC81-60E0-49FD-9EFB-874F038CCD29}"/>
+              </a:ext>
+            </a:extLst>
+          </p:cNvPr>
+          <p:cNvSpPr txBox="1"/>
+          <p:nvPr/>
+        </p:nvSpPr>
+        <p:spPr>
+          <a:xfrm>
+            <a:off x="2627332" y="58003"/>
+            <a:ext cx="6937335" cy="830997"/>
+          </a:xfrm>
+          <a:prstGeom prst="rect">
+            <a:avLst/>
+          </a:prstGeom>
+          <a:solidFill>
+            <a:schemeClr val="accent4"/>
+          </a:solidFill>
+        </p:spPr>
+        <p:txBody>
+          <a:bodyPr wrap="square" rtlCol="0">
+            <a:spAutoFit/>
+          </a:bodyPr>
+          <a:lstStyle/>
+          <a:p>
+            <a:pPr algn="ctr"/>
+            <a:r>
+              <a:rPr kumimoji="1" lang="ja-JP" altLang="en-US" sz="4800" dirty="0">
+                <a:latin typeface="チェックポイント．（ピリオド）" panose="02000600000000000000" pitchFamily="50" charset="-128"/>
+                <a:ea typeface="チェックポイント．（ピリオド）" panose="02000600000000000000" pitchFamily="50" charset="-128"/>
+              </a:rPr>
+              <a:t>ヘルプ：</a:t>
+            </a:r>
+            <a:r>
+              <a:rPr lang="ja-JP" altLang="en-US" sz="4800" dirty="0">
+                <a:latin typeface="チェックポイント．（ピリオド）" panose="02000600000000000000" pitchFamily="50" charset="-128"/>
+                <a:ea typeface="チェックポイント．（ピリオド）" panose="02000600000000000000" pitchFamily="50" charset="-128"/>
+              </a:rPr>
+              <a:t>コアについて</a:t>
+            </a:r>
+            <a:endParaRPr kumimoji="1" lang="ja-JP" altLang="en-US" dirty="0">
+              <a:latin typeface="チェックポイント．（ピリオド）" panose="02000600000000000000" pitchFamily="50" charset="-128"/>
+              <a:ea typeface="チェックポイント．（ピリオド）" panose="02000600000000000000" pitchFamily="50" charset="-128"/>
+            </a:endParaRPr>
+          </a:p>
+        </p:txBody>
+      </p:sp>
+      <p:grpSp>
+        <p:nvGrpSpPr>
+          <p:cNvPr id="12" name="グループ化 11">
+            <a:extLst>
+              <a:ext uri="{FF2B5EF4-FFF2-40B4-BE49-F238E27FC236}">
+                <a16:creationId xmlns:a16="http://schemas.microsoft.com/office/drawing/2014/main" id="{797C4648-EAB3-4303-9BBE-4050E32CDCAC}"/>
+              </a:ext>
+            </a:extLst>
+          </p:cNvPr>
+          <p:cNvGrpSpPr/>
+          <p:nvPr/>
+        </p:nvGrpSpPr>
+        <p:grpSpPr>
+          <a:xfrm>
+            <a:off x="304800" y="5540342"/>
+            <a:ext cx="7277100" cy="1169551"/>
+            <a:chOff x="381846" y="5121893"/>
+            <a:chExt cx="7277100" cy="1169551"/>
+          </a:xfrm>
+        </p:grpSpPr>
+        <p:sp>
+          <p:nvSpPr>
+            <p:cNvPr id="8" name="テキスト ボックス 7">
+              <a:extLst>
+                <a:ext uri="{FF2B5EF4-FFF2-40B4-BE49-F238E27FC236}">
+                  <a16:creationId xmlns:a16="http://schemas.microsoft.com/office/drawing/2014/main" id="{732F859C-017C-4DF8-8D5C-BAFB7C322941}"/>
+                </a:ext>
+              </a:extLst>
+            </p:cNvPr>
+            <p:cNvSpPr txBox="1"/>
+            <p:nvPr/>
+          </p:nvSpPr>
+          <p:spPr>
+            <a:xfrm>
+              <a:off x="381846" y="5121893"/>
+              <a:ext cx="5904654" cy="523220"/>
+            </a:xfrm>
+            <a:prstGeom prst="rect">
+              <a:avLst/>
+            </a:prstGeom>
+            <a:noFill/>
+          </p:spPr>
+          <p:txBody>
+            <a:bodyPr wrap="square" rtlCol="0">
+              <a:spAutoFit/>
+            </a:bodyPr>
+            <a:lstStyle/>
+            <a:p>
+              <a:r>
+                <a:rPr kumimoji="1" lang="ja-JP" altLang="en-US" sz="2800" dirty="0">
+                  <a:solidFill>
+                    <a:srgbClr val="FF0000"/>
+                  </a:solidFill>
+                  <a:latin typeface="チェックポイント．（ピリオド）" panose="02000600000000000000" pitchFamily="50" charset="-128"/>
+                  <a:ea typeface="チェックポイント．（ピリオド）" panose="02000600000000000000" pitchFamily="50" charset="-128"/>
+                </a:rPr>
+                <a:t>コアのレベルを上げるメリット</a:t>
+              </a:r>
+            </a:p>
+          </p:txBody>
+        </p:sp>
+        <p:sp>
+          <p:nvSpPr>
+            <p:cNvPr id="9" name="テキスト ボックス 8">
+              <a:extLst>
+                <a:ext uri="{FF2B5EF4-FFF2-40B4-BE49-F238E27FC236}">
+                  <a16:creationId xmlns:a16="http://schemas.microsoft.com/office/drawing/2014/main" id="{8712CBD0-DD3F-4A86-9652-7FFA75AD120B}"/>
+                </a:ext>
+              </a:extLst>
+            </p:cNvPr>
+            <p:cNvSpPr txBox="1"/>
+            <p:nvPr/>
+          </p:nvSpPr>
+          <p:spPr>
+            <a:xfrm>
+              <a:off x="577850" y="5645113"/>
+              <a:ext cx="7081096" cy="646331"/>
+            </a:xfrm>
+            <a:prstGeom prst="rect">
+              <a:avLst/>
+            </a:prstGeom>
+            <a:noFill/>
+          </p:spPr>
+          <p:txBody>
+            <a:bodyPr wrap="square" rtlCol="0">
+              <a:spAutoFit/>
+            </a:bodyPr>
+            <a:lstStyle/>
+            <a:p>
+              <a:r>
+                <a:rPr kumimoji="1" lang="ja-JP" altLang="en-US" dirty="0">
+                  <a:latin typeface="チェックポイント．（ピリオド）" panose="02000600000000000000" pitchFamily="50" charset="-128"/>
+                  <a:ea typeface="チェックポイント．（ピリオド）" panose="02000600000000000000" pitchFamily="50" charset="-128"/>
+                </a:rPr>
+                <a:t>コアのレベルを上げることで</a:t>
+              </a:r>
+              <a:r>
+                <a:rPr lang="ja-JP" altLang="en-US" dirty="0">
+                  <a:latin typeface="チェックポイント．（ピリオド）" panose="02000600000000000000" pitchFamily="50" charset="-128"/>
+                  <a:ea typeface="チェックポイント．（ピリオド）" panose="02000600000000000000" pitchFamily="50" charset="-128"/>
+                </a:rPr>
+                <a:t>攻撃力を上げることが出来ます</a:t>
+              </a:r>
+              <a:endParaRPr kumimoji="1" lang="en-US" altLang="ja-JP" dirty="0">
+                <a:latin typeface="チェックポイント．（ピリオド）" panose="02000600000000000000" pitchFamily="50" charset="-128"/>
+                <a:ea typeface="チェックポイント．（ピリオド）" panose="02000600000000000000" pitchFamily="50" charset="-128"/>
+              </a:endParaRPr>
+            </a:p>
+            <a:p>
+              <a:r>
+                <a:rPr lang="ja-JP" altLang="en-US" dirty="0">
+                  <a:latin typeface="チェックポイント．（ピリオド）" panose="02000600000000000000" pitchFamily="50" charset="-128"/>
+                  <a:ea typeface="チェックポイント．（ピリオド）" panose="02000600000000000000" pitchFamily="50" charset="-128"/>
+                </a:rPr>
+                <a:t>コアは四種類あり各属性のレベルを上げて戦闘を有利に進めよう</a:t>
+              </a:r>
+              <a:endParaRPr kumimoji="1" lang="ja-JP" altLang="en-US" dirty="0">
+                <a:latin typeface="チェックポイント．（ピリオド）" panose="02000600000000000000" pitchFamily="50" charset="-128"/>
+                <a:ea typeface="チェックポイント．（ピリオド）" panose="02000600000000000000" pitchFamily="50" charset="-128"/>
+              </a:endParaRPr>
+            </a:p>
+          </p:txBody>
+        </p:sp>
+      </p:grpSp>
+      <p:grpSp>
+        <p:nvGrpSpPr>
+          <p:cNvPr id="13" name="グループ化 12">
+            <a:extLst>
+              <a:ext uri="{FF2B5EF4-FFF2-40B4-BE49-F238E27FC236}">
+                <a16:creationId xmlns:a16="http://schemas.microsoft.com/office/drawing/2014/main" id="{DED0F105-29CA-4D82-BF68-6B4A196F19AA}"/>
+              </a:ext>
+            </a:extLst>
+          </p:cNvPr>
+          <p:cNvGrpSpPr/>
+          <p:nvPr/>
+        </p:nvGrpSpPr>
+        <p:grpSpPr>
+          <a:xfrm>
+            <a:off x="304800" y="3978952"/>
+            <a:ext cx="11887200" cy="2073357"/>
+            <a:chOff x="304800" y="3723372"/>
+            <a:chExt cx="11887200" cy="2073357"/>
+          </a:xfrm>
+        </p:grpSpPr>
+        <p:sp>
+          <p:nvSpPr>
+            <p:cNvPr id="7" name="テキスト ボックス 6">
+              <a:extLst>
+                <a:ext uri="{FF2B5EF4-FFF2-40B4-BE49-F238E27FC236}">
+                  <a16:creationId xmlns:a16="http://schemas.microsoft.com/office/drawing/2014/main" id="{54618E3D-3C8D-4D29-8362-5B6918855191}"/>
+                </a:ext>
+              </a:extLst>
+            </p:cNvPr>
+            <p:cNvSpPr txBox="1"/>
+            <p:nvPr/>
+          </p:nvSpPr>
+          <p:spPr>
+            <a:xfrm>
+              <a:off x="304800" y="3723372"/>
+              <a:ext cx="4664075" cy="523220"/>
+            </a:xfrm>
+            <a:prstGeom prst="rect">
+              <a:avLst/>
+            </a:prstGeom>
+            <a:noFill/>
+          </p:spPr>
+          <p:txBody>
+            <a:bodyPr wrap="square" rtlCol="0">
+              <a:spAutoFit/>
+            </a:bodyPr>
+            <a:lstStyle/>
+            <a:p>
+              <a:r>
+                <a:rPr kumimoji="1" lang="ja-JP" altLang="en-US" sz="2800" dirty="0">
+                  <a:solidFill>
+                    <a:srgbClr val="FF0000"/>
+                  </a:solidFill>
+                  <a:latin typeface="チェックポイント．（ピリオド）" panose="02000600000000000000" pitchFamily="50" charset="-128"/>
+                  <a:ea typeface="チェックポイント．（ピリオド）" panose="02000600000000000000" pitchFamily="50" charset="-128"/>
+                </a:rPr>
+                <a:t>コアについての説明</a:t>
+              </a:r>
+            </a:p>
+          </p:txBody>
+        </p:sp>
+        <p:sp>
+          <p:nvSpPr>
+            <p:cNvPr id="11" name="テキスト ボックス 10">
+              <a:extLst>
+                <a:ext uri="{FF2B5EF4-FFF2-40B4-BE49-F238E27FC236}">
+                  <a16:creationId xmlns:a16="http://schemas.microsoft.com/office/drawing/2014/main" id="{6825228E-EBCE-401A-B0BC-7661792A6F00}"/>
+                </a:ext>
+              </a:extLst>
+            </p:cNvPr>
+            <p:cNvSpPr txBox="1"/>
+            <p:nvPr/>
+          </p:nvSpPr>
+          <p:spPr>
+            <a:xfrm>
+              <a:off x="500804" y="4319401"/>
+              <a:ext cx="11691196" cy="1477328"/>
+            </a:xfrm>
+            <a:prstGeom prst="rect">
+              <a:avLst/>
+            </a:prstGeom>
+            <a:noFill/>
+          </p:spPr>
+          <p:txBody>
+            <a:bodyPr wrap="square" rtlCol="0">
+              <a:spAutoFit/>
+            </a:bodyPr>
+            <a:lstStyle/>
+            <a:p>
+              <a:r>
+                <a:rPr lang="ja-JP" altLang="en-US" dirty="0">
+                  <a:latin typeface="チェックポイント．（ピリオド）" panose="02000600000000000000" pitchFamily="50" charset="-128"/>
+                  <a:ea typeface="チェックポイント．（ピリオド）" panose="02000600000000000000" pitchFamily="50" charset="-128"/>
+                </a:rPr>
+                <a:t>コアにはコスモパワーと、呼ばれているエネルギーが蓄積されています。</a:t>
+              </a:r>
+              <a:endParaRPr lang="en-US" altLang="ja-JP" dirty="0">
+                <a:latin typeface="チェックポイント．（ピリオド）" panose="02000600000000000000" pitchFamily="50" charset="-128"/>
+                <a:ea typeface="チェックポイント．（ピリオド）" panose="02000600000000000000" pitchFamily="50" charset="-128"/>
+              </a:endParaRPr>
+            </a:p>
+            <a:p>
+              <a:r>
+                <a:rPr lang="ja-JP" altLang="en-US" dirty="0">
+                  <a:latin typeface="チェックポイント．（ピリオド）" panose="02000600000000000000" pitchFamily="50" charset="-128"/>
+                  <a:ea typeface="チェックポイント．（ピリオド）" panose="02000600000000000000" pitchFamily="50" charset="-128"/>
+                </a:rPr>
+                <a:t>コアは、ポッドのエンジンとして使われています。</a:t>
+              </a:r>
+              <a:endParaRPr lang="en-US" altLang="ja-JP" dirty="0">
+                <a:latin typeface="チェックポイント．（ピリオド）" panose="02000600000000000000" pitchFamily="50" charset="-128"/>
+                <a:ea typeface="チェックポイント．（ピリオド）" panose="02000600000000000000" pitchFamily="50" charset="-128"/>
+              </a:endParaRPr>
+            </a:p>
+            <a:p>
+              <a:r>
+                <a:rPr kumimoji="1" lang="ja-JP" altLang="en-US" dirty="0">
+                  <a:latin typeface="チェックポイント．（ピリオド）" panose="02000600000000000000" pitchFamily="50" charset="-128"/>
+                  <a:ea typeface="チェックポイント．（ピリオド）" panose="02000600000000000000" pitchFamily="50" charset="-128"/>
+                </a:rPr>
+                <a:t>コアは、コスモパワーを燃料に</a:t>
+              </a:r>
+              <a:r>
+                <a:rPr lang="ja-JP" altLang="en-US" dirty="0">
+                  <a:latin typeface="チェックポイント．（ピリオド）" panose="02000600000000000000" pitchFamily="50" charset="-128"/>
+                  <a:ea typeface="チェックポイント．（ピリオド）" panose="02000600000000000000" pitchFamily="50" charset="-128"/>
+                </a:rPr>
+                <a:t>変換し</a:t>
+              </a:r>
+              <a:r>
+                <a:rPr kumimoji="1" lang="ja-JP" altLang="en-US" dirty="0">
+                  <a:latin typeface="チェックポイント．（ピリオド）" panose="02000600000000000000" pitchFamily="50" charset="-128"/>
+                  <a:ea typeface="チェックポイント．（ピリオド）" panose="02000600000000000000" pitchFamily="50" charset="-128"/>
+                </a:rPr>
+                <a:t>宇宙を飛行したり攻撃する際のエネルギー弾にするなどの機能があります。</a:t>
+              </a:r>
+              <a:endParaRPr kumimoji="1" lang="en-US" altLang="ja-JP" dirty="0">
+                <a:latin typeface="チェックポイント．（ピリオド）" panose="02000600000000000000" pitchFamily="50" charset="-128"/>
+                <a:ea typeface="チェックポイント．（ピリオド）" panose="02000600000000000000" pitchFamily="50" charset="-128"/>
+              </a:endParaRPr>
+            </a:p>
+            <a:p>
+              <a:endParaRPr kumimoji="1" lang="en-US" altLang="ja-JP" dirty="0">
+                <a:latin typeface="チェックポイント．（ピリオド）" panose="02000600000000000000" pitchFamily="50" charset="-128"/>
+                <a:ea typeface="チェックポイント．（ピリオド）" panose="02000600000000000000" pitchFamily="50" charset="-128"/>
+              </a:endParaRPr>
+            </a:p>
+            <a:p>
+              <a:endParaRPr kumimoji="1" lang="ja-JP" altLang="en-US" dirty="0">
+                <a:latin typeface="チェックポイント．（ピリオド）" panose="02000600000000000000" pitchFamily="50" charset="-128"/>
+                <a:ea typeface="チェックポイント．（ピリオド）" panose="02000600000000000000" pitchFamily="50" charset="-128"/>
+              </a:endParaRPr>
+            </a:p>
+          </p:txBody>
+        </p:sp>
+      </p:grpSp>
+    </p:spTree>
+    <p:extLst>
+      <p:ext uri="{BB962C8B-B14F-4D97-AF65-F5344CB8AC3E}">
+        <p14:creationId xmlns:p14="http://schemas.microsoft.com/office/powerpoint/2010/main" val="2154421658"/>
+      </p:ext>
+    </p:extLst>
+  </p:cSld>
+  <p:clrMapOvr>
+    <a:masterClrMapping/>
+  </p:clrMapOvr>
+</p:sld>
+</file>
+
+<file path=ppt/slides/slide6.xml><?xml version="1.0" encoding="utf-8"?>
+<p:sld xmlns:a="http://schemas.openxmlformats.org/drawingml/2006/main" xmlns:r="http://schemas.openxmlformats.org/officeDocument/2006/relationships" xmlns:p="http://schemas.openxmlformats.org/presentationml/2006/main">
+  <p:cSld>
+    <p:spTree>
+      <p:nvGrpSpPr>
+        <p:cNvPr id="1" name=""/>
+        <p:cNvGrpSpPr/>
+        <p:nvPr/>
+      </p:nvGrpSpPr>
+      <p:grpSpPr>
+        <a:xfrm>
+          <a:off x="0" y="0"/>
+          <a:ext cx="0" cy="0"/>
+          <a:chOff x="0" y="0"/>
+          <a:chExt cx="0" cy="0"/>
+        </a:xfrm>
+      </p:grpSpPr>
+      <p:pic>
+        <p:nvPicPr>
+          <p:cNvPr id="4" name="図 3">
+            <a:extLst>
+              <a:ext uri="{FF2B5EF4-FFF2-40B4-BE49-F238E27FC236}">
+                <a16:creationId xmlns:a16="http://schemas.microsoft.com/office/drawing/2014/main" id="{84E4BD2B-BD98-4D0D-BD92-46FAC62B133A}"/>
+              </a:ext>
+            </a:extLst>
+          </p:cNvPr>
+          <p:cNvPicPr>
+            <a:picLocks noChangeAspect="1"/>
+          </p:cNvPicPr>
+          <p:nvPr/>
+        </p:nvPicPr>
+        <p:blipFill rotWithShape="1">
+          <a:blip r:embed="rId2">
+            <a:extLst>
+              <a:ext uri="{28A0092B-C50C-407E-A947-70E740481C1C}">
+                <a14:useLocalDpi xmlns:a14="http://schemas.microsoft.com/office/drawing/2010/main" val="0"/>
+              </a:ext>
+            </a:extLst>
+          </a:blip>
+          <a:srcRect l="78269" t="17579" r="9153" b="46714"/>
+          <a:stretch/>
+        </p:blipFill>
+        <p:spPr>
+          <a:xfrm>
+            <a:off x="881661" y="1586253"/>
+            <a:ext cx="1597024" cy="1805786"/>
+          </a:xfrm>
+          <a:prstGeom prst="rect">
+            <a:avLst/>
+          </a:prstGeom>
+        </p:spPr>
+      </p:pic>
+      <p:sp>
+        <p:nvSpPr>
+          <p:cNvPr id="5" name="テキスト ボックス 4">
+            <a:extLst>
+              <a:ext uri="{FF2B5EF4-FFF2-40B4-BE49-F238E27FC236}">
+                <a16:creationId xmlns:a16="http://schemas.microsoft.com/office/drawing/2014/main" id="{3EEDA683-E7C7-4A3A-9045-88BF1220584E}"/>
+              </a:ext>
+            </a:extLst>
+          </p:cNvPr>
+          <p:cNvSpPr txBox="1"/>
+          <p:nvPr/>
+        </p:nvSpPr>
+        <p:spPr>
+          <a:xfrm>
+            <a:off x="2627332" y="58003"/>
+            <a:ext cx="6937335" cy="830997"/>
+          </a:xfrm>
+          <a:prstGeom prst="rect">
+            <a:avLst/>
+          </a:prstGeom>
+          <a:solidFill>
+            <a:schemeClr val="accent4"/>
+          </a:solidFill>
+        </p:spPr>
+        <p:txBody>
+          <a:bodyPr wrap="square" rtlCol="0">
+            <a:spAutoFit/>
+          </a:bodyPr>
+          <a:lstStyle/>
+          <a:p>
+            <a:pPr algn="ctr"/>
+            <a:r>
+              <a:rPr kumimoji="1" lang="ja-JP" altLang="en-US" sz="4800" dirty="0">
+                <a:latin typeface="チェックポイント．（ピリオド）" panose="02000600000000000000" pitchFamily="50" charset="-128"/>
+                <a:ea typeface="チェックポイント．（ピリオド）" panose="02000600000000000000" pitchFamily="50" charset="-128"/>
+              </a:rPr>
+              <a:t>ヘルプ：ポッド</a:t>
+            </a:r>
+            <a:r>
+              <a:rPr lang="ja-JP" altLang="en-US" sz="4800" dirty="0">
+                <a:latin typeface="チェックポイント．（ピリオド）" panose="02000600000000000000" pitchFamily="50" charset="-128"/>
+                <a:ea typeface="チェックポイント．（ピリオド）" panose="02000600000000000000" pitchFamily="50" charset="-128"/>
+              </a:rPr>
+              <a:t>について</a:t>
+            </a:r>
+            <a:endParaRPr kumimoji="1" lang="ja-JP" altLang="en-US" dirty="0">
+              <a:latin typeface="チェックポイント．（ピリオド）" panose="02000600000000000000" pitchFamily="50" charset="-128"/>
+              <a:ea typeface="チェックポイント．（ピリオド）" panose="02000600000000000000" pitchFamily="50" charset="-128"/>
+            </a:endParaRPr>
+          </a:p>
+        </p:txBody>
+      </p:sp>
+      <p:sp>
+        <p:nvSpPr>
+          <p:cNvPr id="6" name="テキスト ボックス 5">
+            <a:extLst>
+              <a:ext uri="{FF2B5EF4-FFF2-40B4-BE49-F238E27FC236}">
+                <a16:creationId xmlns:a16="http://schemas.microsoft.com/office/drawing/2014/main" id="{C9FCE914-94E5-4B3F-B2D2-96FDE0E6E9D8}"/>
+              </a:ext>
+            </a:extLst>
+          </p:cNvPr>
+          <p:cNvSpPr txBox="1"/>
+          <p:nvPr/>
+        </p:nvSpPr>
+        <p:spPr>
+          <a:xfrm>
+            <a:off x="463949" y="3959004"/>
+            <a:ext cx="5108573" cy="523220"/>
+          </a:xfrm>
+          <a:prstGeom prst="rect">
+            <a:avLst/>
+          </a:prstGeom>
+          <a:noFill/>
+        </p:spPr>
+        <p:txBody>
+          <a:bodyPr wrap="square" rtlCol="0">
+            <a:spAutoFit/>
+          </a:bodyPr>
+          <a:lstStyle/>
+          <a:p>
+            <a:r>
+              <a:rPr kumimoji="1" lang="ja-JP" altLang="en-US" sz="2800" dirty="0">
+                <a:solidFill>
+                  <a:srgbClr val="FF0000"/>
+                </a:solidFill>
+                <a:latin typeface="チェックポイント．（ピリオド）" panose="02000600000000000000" pitchFamily="50" charset="-128"/>
+                <a:ea typeface="チェックポイント．（ピリオド）" panose="02000600000000000000" pitchFamily="50" charset="-128"/>
+              </a:rPr>
+              <a:t>ポッドについての詳しい説明</a:t>
+            </a:r>
+          </a:p>
+        </p:txBody>
+      </p:sp>
+      <p:sp>
+        <p:nvSpPr>
+          <p:cNvPr id="7" name="テキスト ボックス 6">
+            <a:extLst>
+              <a:ext uri="{FF2B5EF4-FFF2-40B4-BE49-F238E27FC236}">
+                <a16:creationId xmlns:a16="http://schemas.microsoft.com/office/drawing/2014/main" id="{1A509F0D-124D-47C4-B5CD-4B9B8064082C}"/>
+              </a:ext>
+            </a:extLst>
+          </p:cNvPr>
+          <p:cNvSpPr txBox="1"/>
+          <p:nvPr/>
+        </p:nvSpPr>
+        <p:spPr>
+          <a:xfrm>
+            <a:off x="463949" y="5258611"/>
+            <a:ext cx="6070600" cy="523220"/>
+          </a:xfrm>
+          <a:prstGeom prst="rect">
+            <a:avLst/>
+          </a:prstGeom>
+          <a:noFill/>
+        </p:spPr>
+        <p:txBody>
+          <a:bodyPr wrap="square" rtlCol="0">
+            <a:spAutoFit/>
+          </a:bodyPr>
+          <a:lstStyle/>
+          <a:p>
+            <a:r>
+              <a:rPr lang="ja-JP" altLang="en-US" sz="2800" dirty="0">
+                <a:solidFill>
+                  <a:srgbClr val="FF0000"/>
+                </a:solidFill>
+                <a:latin typeface="チェックポイント．（ピリオド）" panose="02000600000000000000" pitchFamily="50" charset="-128"/>
+                <a:ea typeface="チェックポイント．（ピリオド）" panose="02000600000000000000" pitchFamily="50" charset="-128"/>
+              </a:rPr>
+              <a:t>ポッド</a:t>
+            </a:r>
+            <a:r>
+              <a:rPr kumimoji="1" lang="ja-JP" altLang="en-US" sz="2800" dirty="0">
+                <a:solidFill>
+                  <a:srgbClr val="FF0000"/>
+                </a:solidFill>
+                <a:latin typeface="チェックポイント．（ピリオド）" panose="02000600000000000000" pitchFamily="50" charset="-128"/>
+                <a:ea typeface="チェックポイント．（ピリオド）" panose="02000600000000000000" pitchFamily="50" charset="-128"/>
+              </a:rPr>
+              <a:t>のレベルを上げるメリット</a:t>
+            </a:r>
+          </a:p>
+        </p:txBody>
+      </p:sp>
+      <p:sp>
+        <p:nvSpPr>
+          <p:cNvPr id="8" name="テキスト ボックス 7">
+            <a:extLst>
+              <a:ext uri="{FF2B5EF4-FFF2-40B4-BE49-F238E27FC236}">
+                <a16:creationId xmlns:a16="http://schemas.microsoft.com/office/drawing/2014/main" id="{5F463387-8D23-460A-80ED-50E81FAAF3D9}"/>
+              </a:ext>
+            </a:extLst>
+          </p:cNvPr>
+          <p:cNvSpPr txBox="1"/>
+          <p:nvPr/>
+        </p:nvSpPr>
+        <p:spPr>
+          <a:xfrm>
+            <a:off x="826622" y="5780958"/>
+            <a:ext cx="7207248" cy="923330"/>
+          </a:xfrm>
+          <a:prstGeom prst="rect">
+            <a:avLst/>
+          </a:prstGeom>
+          <a:noFill/>
+        </p:spPr>
+        <p:txBody>
+          <a:bodyPr wrap="square" rtlCol="0">
+            <a:spAutoFit/>
+          </a:bodyPr>
+          <a:lstStyle/>
+          <a:p>
+            <a:r>
+              <a:rPr kumimoji="1" lang="ja-JP" altLang="en-US" dirty="0">
+                <a:latin typeface="チェックポイント．（ピリオド）" panose="02000600000000000000" pitchFamily="50" charset="-128"/>
+                <a:ea typeface="チェックポイント．（ピリオド）" panose="02000600000000000000" pitchFamily="50" charset="-128"/>
+              </a:rPr>
+              <a:t>ポッドのレベルを上げることでポッドの装甲が強化されて</a:t>
+            </a:r>
+            <a:endParaRPr kumimoji="1" lang="en-US" altLang="ja-JP" dirty="0">
+              <a:latin typeface="チェックポイント．（ピリオド）" panose="02000600000000000000" pitchFamily="50" charset="-128"/>
+              <a:ea typeface="チェックポイント．（ピリオド）" panose="02000600000000000000" pitchFamily="50" charset="-128"/>
+            </a:endParaRPr>
+          </a:p>
+          <a:p>
+            <a:r>
+              <a:rPr kumimoji="1" lang="ja-JP" altLang="en-US" dirty="0">
+                <a:latin typeface="チェックポイント．（ピリオド）" panose="02000600000000000000" pitchFamily="50" charset="-128"/>
+                <a:ea typeface="チェックポイント．（ピリオド）" panose="02000600000000000000" pitchFamily="50" charset="-128"/>
+              </a:rPr>
+              <a:t>戦闘時、敵に破壊されにくくなります。</a:t>
+            </a:r>
+            <a:endParaRPr kumimoji="1" lang="en-US" altLang="ja-JP" dirty="0">
+              <a:latin typeface="チェックポイント．（ピリオド）" panose="02000600000000000000" pitchFamily="50" charset="-128"/>
+              <a:ea typeface="チェックポイント．（ピリオド）" panose="02000600000000000000" pitchFamily="50" charset="-128"/>
+            </a:endParaRPr>
+          </a:p>
+          <a:p>
+            <a:endParaRPr kumimoji="1" lang="ja-JP" altLang="en-US" dirty="0">
+              <a:latin typeface="チェックポイント．（ピリオド）" panose="02000600000000000000" pitchFamily="50" charset="-128"/>
+              <a:ea typeface="チェックポイント．（ピリオド）" panose="02000600000000000000" pitchFamily="50" charset="-128"/>
+            </a:endParaRPr>
+          </a:p>
+        </p:txBody>
+      </p:sp>
+      <p:sp>
+        <p:nvSpPr>
+          <p:cNvPr id="9" name="テキスト ボックス 8">
+            <a:extLst>
+              <a:ext uri="{FF2B5EF4-FFF2-40B4-BE49-F238E27FC236}">
+                <a16:creationId xmlns:a16="http://schemas.microsoft.com/office/drawing/2014/main" id="{3E1D3977-A1EE-4011-94E0-9B60C81CA553}"/>
+              </a:ext>
+            </a:extLst>
+          </p:cNvPr>
+          <p:cNvSpPr txBox="1"/>
+          <p:nvPr/>
+        </p:nvSpPr>
+        <p:spPr>
+          <a:xfrm>
+            <a:off x="827443" y="4482224"/>
+            <a:ext cx="8197848" cy="646331"/>
+          </a:xfrm>
+          <a:prstGeom prst="rect">
+            <a:avLst/>
+          </a:prstGeom>
+          <a:noFill/>
+        </p:spPr>
+        <p:txBody>
+          <a:bodyPr wrap="square" rtlCol="0">
+            <a:spAutoFit/>
+          </a:bodyPr>
+          <a:lstStyle/>
+          <a:p>
+            <a:r>
+              <a:rPr lang="ja-JP" altLang="en-US" dirty="0">
+                <a:latin typeface="チェックポイント．（ピリオド）" panose="02000600000000000000" pitchFamily="50" charset="-128"/>
+                <a:ea typeface="チェックポイント．（ピリオド）" panose="02000600000000000000" pitchFamily="50" charset="-128"/>
+              </a:rPr>
+              <a:t>ポッドは戦闘時に住人を</a:t>
+            </a:r>
+            <a:r>
+              <a:rPr lang="en-US" altLang="ja-JP" dirty="0">
+                <a:latin typeface="チェックポイント．（ピリオド）" panose="02000600000000000000" pitchFamily="50" charset="-128"/>
+                <a:ea typeface="チェックポイント．（ピリオド）" panose="02000600000000000000" pitchFamily="50" charset="-128"/>
+              </a:rPr>
+              <a:t>100</a:t>
+            </a:r>
+            <a:r>
+              <a:rPr lang="ja-JP" altLang="en-US" dirty="0">
+                <a:latin typeface="チェックポイント．（ピリオド）" panose="02000600000000000000" pitchFamily="50" charset="-128"/>
+                <a:ea typeface="チェックポイント．（ピリオド）" panose="02000600000000000000" pitchFamily="50" charset="-128"/>
+              </a:rPr>
+              <a:t>人単位で乗せ発射されます。</a:t>
+            </a:r>
+            <a:endParaRPr lang="en-US" altLang="ja-JP" dirty="0">
+              <a:latin typeface="チェックポイント．（ピリオド）" panose="02000600000000000000" pitchFamily="50" charset="-128"/>
+              <a:ea typeface="チェックポイント．（ピリオド）" panose="02000600000000000000" pitchFamily="50" charset="-128"/>
+            </a:endParaRPr>
+          </a:p>
+          <a:p>
+            <a:r>
+              <a:rPr kumimoji="1" lang="ja-JP" altLang="en-US" dirty="0">
+                <a:latin typeface="チェックポイント．（ピリオド）" panose="02000600000000000000" pitchFamily="50" charset="-128"/>
+                <a:ea typeface="チェックポイント．（ピリオド）" panose="02000600000000000000" pitchFamily="50" charset="-128"/>
+              </a:rPr>
+              <a:t>ポッドは搭載しているコアによって</a:t>
+            </a:r>
+            <a:r>
+              <a:rPr lang="ja-JP" altLang="en-US" dirty="0">
+                <a:latin typeface="チェックポイント．（ピリオド）" panose="02000600000000000000" pitchFamily="50" charset="-128"/>
+                <a:ea typeface="チェックポイント．（ピリオド）" panose="02000600000000000000" pitchFamily="50" charset="-128"/>
+              </a:rPr>
+              <a:t>属性が変わり見た目の色も変更されます。</a:t>
+            </a:r>
+            <a:endParaRPr kumimoji="1" lang="ja-JP" altLang="en-US" dirty="0">
+              <a:latin typeface="チェックポイント．（ピリオド）" panose="02000600000000000000" pitchFamily="50" charset="-128"/>
+              <a:ea typeface="チェックポイント．（ピリオド）" panose="02000600000000000000" pitchFamily="50" charset="-128"/>
+            </a:endParaRPr>
+          </a:p>
+        </p:txBody>
+      </p:sp>
+      <p:grpSp>
+        <p:nvGrpSpPr>
+          <p:cNvPr id="41" name="グループ化 40">
+            <a:extLst>
+              <a:ext uri="{FF2B5EF4-FFF2-40B4-BE49-F238E27FC236}">
+                <a16:creationId xmlns:a16="http://schemas.microsoft.com/office/drawing/2014/main" id="{C42471E9-CEF7-4DD0-B2B9-A37027252951}"/>
+              </a:ext>
+            </a:extLst>
+          </p:cNvPr>
+          <p:cNvGrpSpPr/>
+          <p:nvPr/>
+        </p:nvGrpSpPr>
+        <p:grpSpPr>
+          <a:xfrm>
+            <a:off x="3108852" y="1651876"/>
+            <a:ext cx="5949859" cy="1706674"/>
+            <a:chOff x="3739456" y="1722326"/>
+            <a:chExt cx="5949859" cy="1706674"/>
+          </a:xfrm>
+        </p:grpSpPr>
+        <p:grpSp>
+          <p:nvGrpSpPr>
+            <p:cNvPr id="22" name="グループ化 21">
+              <a:extLst>
+                <a:ext uri="{FF2B5EF4-FFF2-40B4-BE49-F238E27FC236}">
+                  <a16:creationId xmlns:a16="http://schemas.microsoft.com/office/drawing/2014/main" id="{7D6E456E-2E26-4492-9279-169842641548}"/>
+                </a:ext>
+              </a:extLst>
+            </p:cNvPr>
+            <p:cNvGrpSpPr/>
+            <p:nvPr/>
+          </p:nvGrpSpPr>
+          <p:grpSpPr>
+            <a:xfrm>
+              <a:off x="3739456" y="1722326"/>
+              <a:ext cx="1140874" cy="1520830"/>
+              <a:chOff x="3651813" y="1678331"/>
+              <a:chExt cx="1140874" cy="1520830"/>
+            </a:xfrm>
+          </p:grpSpPr>
+          <p:pic>
+            <p:nvPicPr>
+              <p:cNvPr id="11" name="図 10" descr="物体 が含まれている画像&#10;&#10;自動的に生成された説明">
+                <a:extLst>
+                  <a:ext uri="{FF2B5EF4-FFF2-40B4-BE49-F238E27FC236}">
+                    <a16:creationId xmlns:a16="http://schemas.microsoft.com/office/drawing/2014/main" id="{9E2F2156-5A3C-4670-A7BB-42FF8EF7E4F0}"/>
+                  </a:ext>
+                </a:extLst>
+              </p:cNvPr>
+              <p:cNvPicPr>
+                <a:picLocks noChangeAspect="1"/>
+              </p:cNvPicPr>
+              <p:nvPr/>
+            </p:nvPicPr>
+            <p:blipFill>
+              <a:blip r:embed="rId3">
+                <a:extLst>
+                  <a:ext uri="{28A0092B-C50C-407E-A947-70E740481C1C}">
+                    <a14:useLocalDpi xmlns:a14="http://schemas.microsoft.com/office/drawing/2010/main" val="0"/>
+                  </a:ext>
+                </a:extLst>
+              </a:blip>
+              <a:stretch>
+                <a:fillRect/>
+              </a:stretch>
+            </p:blipFill>
+            <p:spPr>
+              <a:xfrm>
+                <a:off x="3651813" y="1678331"/>
+                <a:ext cx="1140874" cy="1140874"/>
+              </a:xfrm>
+              <a:prstGeom prst="rect">
+                <a:avLst/>
+              </a:prstGeom>
+            </p:spPr>
+          </p:pic>
+          <p:sp>
+            <p:nvSpPr>
+              <p:cNvPr id="18" name="テキスト ボックス 17">
+                <a:extLst>
+                  <a:ext uri="{FF2B5EF4-FFF2-40B4-BE49-F238E27FC236}">
+                    <a16:creationId xmlns:a16="http://schemas.microsoft.com/office/drawing/2014/main" id="{85DB17C7-0CA8-4460-8B6A-1BBCF3C5CA75}"/>
+                  </a:ext>
+                </a:extLst>
+              </p:cNvPr>
+              <p:cNvSpPr txBox="1"/>
+              <p:nvPr/>
+            </p:nvSpPr>
+            <p:spPr>
+              <a:xfrm>
+                <a:off x="3945705" y="2829829"/>
+                <a:ext cx="361950" cy="369332"/>
+              </a:xfrm>
+              <a:prstGeom prst="rect">
+                <a:avLst/>
+              </a:prstGeom>
+              <a:noFill/>
+            </p:spPr>
+            <p:txBody>
+              <a:bodyPr wrap="square" rtlCol="0">
+                <a:spAutoFit/>
+              </a:bodyPr>
+              <a:lstStyle/>
+              <a:p>
+                <a:r>
+                  <a:rPr kumimoji="1" lang="ja-JP" altLang="en-US" dirty="0">
+                    <a:latin typeface="チェックポイント．（ピリオド）" panose="02000600000000000000" pitchFamily="50" charset="-128"/>
+                    <a:ea typeface="チェックポイント．（ピリオド）" panose="02000600000000000000" pitchFamily="50" charset="-128"/>
+                  </a:rPr>
+                  <a:t>青</a:t>
+                </a:r>
+              </a:p>
+            </p:txBody>
+          </p:sp>
+        </p:grpSp>
+        <p:grpSp>
+          <p:nvGrpSpPr>
+            <p:cNvPr id="23" name="グループ化 22">
+              <a:extLst>
+                <a:ext uri="{FF2B5EF4-FFF2-40B4-BE49-F238E27FC236}">
+                  <a16:creationId xmlns:a16="http://schemas.microsoft.com/office/drawing/2014/main" id="{8FA97864-B0AC-4C37-AB57-3F511EE9B20A}"/>
+                </a:ext>
+              </a:extLst>
+            </p:cNvPr>
+            <p:cNvGrpSpPr/>
+            <p:nvPr/>
+          </p:nvGrpSpPr>
+          <p:grpSpPr>
+            <a:xfrm>
+              <a:off x="5268431" y="1722326"/>
+              <a:ext cx="1140874" cy="1520743"/>
+              <a:chOff x="4889474" y="1678418"/>
+              <a:chExt cx="1140874" cy="1520743"/>
+            </a:xfrm>
+          </p:grpSpPr>
+          <p:pic>
+            <p:nvPicPr>
+              <p:cNvPr id="13" name="図 12" descr="物体 が含まれている画像&#10;&#10;自動的に生成された説明">
+                <a:extLst>
+                  <a:ext uri="{FF2B5EF4-FFF2-40B4-BE49-F238E27FC236}">
+                    <a16:creationId xmlns:a16="http://schemas.microsoft.com/office/drawing/2014/main" id="{539F0BC8-41E3-4ADD-9459-BE0E2D7ABA27}"/>
+                  </a:ext>
+                </a:extLst>
+              </p:cNvPr>
+              <p:cNvPicPr>
+                <a:picLocks noChangeAspect="1"/>
+              </p:cNvPicPr>
+              <p:nvPr/>
+            </p:nvPicPr>
+            <p:blipFill>
+              <a:blip r:embed="rId4">
+                <a:extLst>
+                  <a:ext uri="{28A0092B-C50C-407E-A947-70E740481C1C}">
+                    <a14:useLocalDpi xmlns:a14="http://schemas.microsoft.com/office/drawing/2010/main" val="0"/>
+                  </a:ext>
+                </a:extLst>
+              </a:blip>
+              <a:stretch>
+                <a:fillRect/>
+              </a:stretch>
+            </p:blipFill>
+            <p:spPr>
+              <a:xfrm>
+                <a:off x="4889474" y="1678418"/>
+                <a:ext cx="1140874" cy="1140874"/>
+              </a:xfrm>
+              <a:prstGeom prst="rect">
+                <a:avLst/>
+              </a:prstGeom>
+            </p:spPr>
+          </p:pic>
+          <p:sp>
+            <p:nvSpPr>
+              <p:cNvPr id="19" name="テキスト ボックス 18">
+                <a:extLst>
+                  <a:ext uri="{FF2B5EF4-FFF2-40B4-BE49-F238E27FC236}">
+                    <a16:creationId xmlns:a16="http://schemas.microsoft.com/office/drawing/2014/main" id="{9D08D78F-597A-41C6-9E61-E721135C20D1}"/>
+                  </a:ext>
+                </a:extLst>
+              </p:cNvPr>
+              <p:cNvSpPr txBox="1"/>
+              <p:nvPr/>
+            </p:nvSpPr>
+            <p:spPr>
+              <a:xfrm>
+                <a:off x="5178014" y="2829829"/>
+                <a:ext cx="361951" cy="369332"/>
+              </a:xfrm>
+              <a:prstGeom prst="rect">
+                <a:avLst/>
+              </a:prstGeom>
+              <a:noFill/>
+            </p:spPr>
+            <p:txBody>
+              <a:bodyPr wrap="square" rtlCol="0">
+                <a:spAutoFit/>
+              </a:bodyPr>
+              <a:lstStyle/>
+              <a:p>
+                <a:r>
+                  <a:rPr kumimoji="1" lang="ja-JP" altLang="en-US" dirty="0">
+                    <a:latin typeface="チェックポイント．（ピリオド）" panose="02000600000000000000" pitchFamily="50" charset="-128"/>
+                    <a:ea typeface="チェックポイント．（ピリオド）" panose="02000600000000000000" pitchFamily="50" charset="-128"/>
+                  </a:rPr>
+                  <a:t>赤</a:t>
+                </a:r>
+              </a:p>
+            </p:txBody>
+          </p:sp>
+        </p:grpSp>
+        <p:grpSp>
+          <p:nvGrpSpPr>
+            <p:cNvPr id="25" name="グループ化 24">
+              <a:extLst>
+                <a:ext uri="{FF2B5EF4-FFF2-40B4-BE49-F238E27FC236}">
+                  <a16:creationId xmlns:a16="http://schemas.microsoft.com/office/drawing/2014/main" id="{8F6624A7-F895-493A-8055-873B48C8C19C}"/>
+                </a:ext>
+              </a:extLst>
+            </p:cNvPr>
+            <p:cNvGrpSpPr/>
+            <p:nvPr/>
+          </p:nvGrpSpPr>
+          <p:grpSpPr>
+            <a:xfrm>
+              <a:off x="6746394" y="1722326"/>
+              <a:ext cx="1140875" cy="1493097"/>
+              <a:chOff x="6122245" y="1669741"/>
+              <a:chExt cx="1140875" cy="1493097"/>
+            </a:xfrm>
+          </p:grpSpPr>
+          <p:pic>
+            <p:nvPicPr>
+              <p:cNvPr id="15" name="図 14" descr="物体, 腕時計 が含まれている画像&#10;&#10;自動的に生成された説明">
+                <a:extLst>
+                  <a:ext uri="{FF2B5EF4-FFF2-40B4-BE49-F238E27FC236}">
+                    <a16:creationId xmlns:a16="http://schemas.microsoft.com/office/drawing/2014/main" id="{53299244-26D0-4173-ACC6-BD241C768849}"/>
+                  </a:ext>
+                </a:extLst>
+              </p:cNvPr>
+              <p:cNvPicPr>
+                <a:picLocks noChangeAspect="1"/>
+              </p:cNvPicPr>
+              <p:nvPr/>
+            </p:nvPicPr>
+            <p:blipFill>
+              <a:blip r:embed="rId5">
+                <a:extLst>
+                  <a:ext uri="{28A0092B-C50C-407E-A947-70E740481C1C}">
+                    <a14:useLocalDpi xmlns:a14="http://schemas.microsoft.com/office/drawing/2010/main" val="0"/>
+                  </a:ext>
+                </a:extLst>
+              </a:blip>
+              <a:stretch>
+                <a:fillRect/>
+              </a:stretch>
+            </p:blipFill>
+            <p:spPr>
+              <a:xfrm>
+                <a:off x="6122245" y="1669741"/>
+                <a:ext cx="1140875" cy="1140875"/>
+              </a:xfrm>
+              <a:prstGeom prst="rect">
+                <a:avLst/>
+              </a:prstGeom>
+            </p:spPr>
+          </p:pic>
+          <p:sp>
+            <p:nvSpPr>
+              <p:cNvPr id="20" name="テキスト ボックス 19">
+                <a:extLst>
+                  <a:ext uri="{FF2B5EF4-FFF2-40B4-BE49-F238E27FC236}">
+                    <a16:creationId xmlns:a16="http://schemas.microsoft.com/office/drawing/2014/main" id="{BF9D5B9B-9876-443A-BE29-B4828D0A5D74}"/>
+                  </a:ext>
+                </a:extLst>
+              </p:cNvPr>
+              <p:cNvSpPr txBox="1"/>
+              <p:nvPr/>
+            </p:nvSpPr>
+            <p:spPr>
+              <a:xfrm>
+                <a:off x="6485460" y="2793506"/>
+                <a:ext cx="361950" cy="369332"/>
+              </a:xfrm>
+              <a:prstGeom prst="rect">
+                <a:avLst/>
+              </a:prstGeom>
+              <a:noFill/>
+            </p:spPr>
+            <p:txBody>
+              <a:bodyPr wrap="square" rtlCol="0">
+                <a:spAutoFit/>
+              </a:bodyPr>
+              <a:lstStyle/>
+              <a:p>
+                <a:r>
+                  <a:rPr kumimoji="1" lang="ja-JP" altLang="en-US" dirty="0">
+                    <a:latin typeface="チェックポイント．（ピリオド）" panose="02000600000000000000" pitchFamily="50" charset="-128"/>
+                    <a:ea typeface="チェックポイント．（ピリオド）" panose="02000600000000000000" pitchFamily="50" charset="-128"/>
+                  </a:rPr>
+                  <a:t>緑</a:t>
+                </a:r>
+              </a:p>
+            </p:txBody>
+          </p:sp>
+        </p:grpSp>
+        <p:grpSp>
+          <p:nvGrpSpPr>
+            <p:cNvPr id="26" name="グループ化 25">
+              <a:extLst>
+                <a:ext uri="{FF2B5EF4-FFF2-40B4-BE49-F238E27FC236}">
+                  <a16:creationId xmlns:a16="http://schemas.microsoft.com/office/drawing/2014/main" id="{D317981A-38A9-4594-9159-8C77F7F6D8B4}"/>
+                </a:ext>
+              </a:extLst>
+            </p:cNvPr>
+            <p:cNvGrpSpPr/>
+            <p:nvPr/>
+          </p:nvGrpSpPr>
+          <p:grpSpPr>
+            <a:xfrm>
+              <a:off x="8548440" y="1741303"/>
+              <a:ext cx="1140875" cy="1455744"/>
+              <a:chOff x="7236873" y="1678331"/>
+              <a:chExt cx="1140875" cy="1455744"/>
+            </a:xfrm>
+          </p:grpSpPr>
+          <p:pic>
+            <p:nvPicPr>
+              <p:cNvPr id="17" name="図 16" descr="物体 が含まれている画像&#10;&#10;自動的に生成された説明">
+                <a:extLst>
+                  <a:ext uri="{FF2B5EF4-FFF2-40B4-BE49-F238E27FC236}">
+                    <a16:creationId xmlns:a16="http://schemas.microsoft.com/office/drawing/2014/main" id="{93CD3867-4A7C-4138-9F28-8B9071FCE1AF}"/>
+                  </a:ext>
+                </a:extLst>
+              </p:cNvPr>
+              <p:cNvPicPr>
+                <a:picLocks noChangeAspect="1"/>
+              </p:cNvPicPr>
+              <p:nvPr/>
+            </p:nvPicPr>
+            <p:blipFill>
+              <a:blip r:embed="rId6">
+                <a:extLst>
+                  <a:ext uri="{28A0092B-C50C-407E-A947-70E740481C1C}">
+                    <a14:useLocalDpi xmlns:a14="http://schemas.microsoft.com/office/drawing/2010/main" val="0"/>
+                  </a:ext>
+                </a:extLst>
+              </a:blip>
+              <a:stretch>
+                <a:fillRect/>
+              </a:stretch>
+            </p:blipFill>
+            <p:spPr>
+              <a:xfrm>
+                <a:off x="7236873" y="1678331"/>
+                <a:ext cx="1140875" cy="1140875"/>
+              </a:xfrm>
+              <a:prstGeom prst="rect">
+                <a:avLst/>
+              </a:prstGeom>
+            </p:spPr>
+          </p:pic>
+          <p:sp>
+            <p:nvSpPr>
+              <p:cNvPr id="21" name="テキスト ボックス 20">
+                <a:extLst>
+                  <a:ext uri="{FF2B5EF4-FFF2-40B4-BE49-F238E27FC236}">
+                    <a16:creationId xmlns:a16="http://schemas.microsoft.com/office/drawing/2014/main" id="{C3C71671-55D6-4E40-BC27-288FCF91D2BB}"/>
+                  </a:ext>
+                </a:extLst>
+              </p:cNvPr>
+              <p:cNvSpPr txBox="1"/>
+              <p:nvPr/>
+            </p:nvSpPr>
+            <p:spPr>
+              <a:xfrm>
+                <a:off x="7573962" y="2764743"/>
+                <a:ext cx="361950" cy="369332"/>
+              </a:xfrm>
+              <a:prstGeom prst="rect">
+                <a:avLst/>
+              </a:prstGeom>
+              <a:noFill/>
+            </p:spPr>
+            <p:txBody>
+              <a:bodyPr wrap="square" rtlCol="0">
+                <a:spAutoFit/>
+              </a:bodyPr>
+              <a:lstStyle/>
+              <a:p>
+                <a:r>
+                  <a:rPr lang="ja-JP" altLang="en-US" dirty="0">
+                    <a:latin typeface="チェックポイント．（ピリオド）" panose="02000600000000000000" pitchFamily="50" charset="-128"/>
+                    <a:ea typeface="チェックポイント．（ピリオド）" panose="02000600000000000000" pitchFamily="50" charset="-128"/>
+                  </a:rPr>
+                  <a:t>白</a:t>
+                </a:r>
+                <a:endParaRPr kumimoji="1" lang="ja-JP" altLang="en-US" dirty="0">
+                  <a:latin typeface="チェックポイント．（ピリオド）" panose="02000600000000000000" pitchFamily="50" charset="-128"/>
+                  <a:ea typeface="チェックポイント．（ピリオド）" panose="02000600000000000000" pitchFamily="50" charset="-128"/>
+                </a:endParaRPr>
+              </a:p>
+            </p:txBody>
+          </p:sp>
+        </p:grpSp>
+        <p:cxnSp>
+          <p:nvCxnSpPr>
+            <p:cNvPr id="28" name="直線矢印コネクタ 27">
+              <a:extLst>
+                <a:ext uri="{FF2B5EF4-FFF2-40B4-BE49-F238E27FC236}">
+                  <a16:creationId xmlns:a16="http://schemas.microsoft.com/office/drawing/2014/main" id="{A84A16DD-57C4-4761-A446-249187106E51}"/>
+                </a:ext>
+              </a:extLst>
+            </p:cNvPr>
+            <p:cNvCxnSpPr>
+              <a:cxnSpLocks/>
+            </p:cNvCxnSpPr>
+            <p:nvPr/>
+          </p:nvCxnSpPr>
+          <p:spPr>
+            <a:xfrm>
+              <a:off x="4880330" y="2502313"/>
+              <a:ext cx="388101" cy="0"/>
+            </a:xfrm>
+            <a:prstGeom prst="straightConnector1">
+              <a:avLst/>
+            </a:prstGeom>
+            <a:ln w="76200">
+              <a:solidFill>
+                <a:srgbClr val="FF0000"/>
+              </a:solidFill>
+              <a:tailEnd type="triangle"/>
+            </a:ln>
+          </p:spPr>
+          <p:style>
+            <a:lnRef idx="1">
+              <a:schemeClr val="accent1"/>
+            </a:lnRef>
+            <a:fillRef idx="0">
+              <a:schemeClr val="accent1"/>
+            </a:fillRef>
+            <a:effectRef idx="0">
+              <a:schemeClr val="accent1"/>
+            </a:effectRef>
+            <a:fontRef idx="minor">
+              <a:schemeClr val="tx1"/>
+            </a:fontRef>
+          </p:style>
+        </p:cxnSp>
+        <p:cxnSp>
+          <p:nvCxnSpPr>
+            <p:cNvPr id="29" name="直線矢印コネクタ 28">
+              <a:extLst>
+                <a:ext uri="{FF2B5EF4-FFF2-40B4-BE49-F238E27FC236}">
+                  <a16:creationId xmlns:a16="http://schemas.microsoft.com/office/drawing/2014/main" id="{CE867472-33BD-4771-A53A-412FDCEAB859}"/>
+                </a:ext>
+              </a:extLst>
+            </p:cNvPr>
+            <p:cNvCxnSpPr>
+              <a:cxnSpLocks/>
+            </p:cNvCxnSpPr>
+            <p:nvPr/>
+          </p:nvCxnSpPr>
+          <p:spPr>
+            <a:xfrm>
+              <a:off x="6409305" y="2502313"/>
+              <a:ext cx="388101" cy="0"/>
+            </a:xfrm>
+            <a:prstGeom prst="straightConnector1">
+              <a:avLst/>
+            </a:prstGeom>
+            <a:ln w="76200">
+              <a:solidFill>
+                <a:srgbClr val="FF0000"/>
+              </a:solidFill>
+              <a:tailEnd type="triangle"/>
+            </a:ln>
+          </p:spPr>
+          <p:style>
+            <a:lnRef idx="1">
+              <a:schemeClr val="accent1"/>
+            </a:lnRef>
+            <a:fillRef idx="0">
+              <a:schemeClr val="accent1"/>
+            </a:fillRef>
+            <a:effectRef idx="0">
+              <a:schemeClr val="accent1"/>
+            </a:effectRef>
+            <a:fontRef idx="minor">
+              <a:schemeClr val="tx1"/>
+            </a:fontRef>
+          </p:style>
+        </p:cxnSp>
+        <p:cxnSp>
+          <p:nvCxnSpPr>
+            <p:cNvPr id="32" name="直線矢印コネクタ 31">
+              <a:extLst>
+                <a:ext uri="{FF2B5EF4-FFF2-40B4-BE49-F238E27FC236}">
+                  <a16:creationId xmlns:a16="http://schemas.microsoft.com/office/drawing/2014/main" id="{2F760955-CE29-4903-BDF0-C0EF1A34CD6F}"/>
+                </a:ext>
+              </a:extLst>
+            </p:cNvPr>
+            <p:cNvCxnSpPr>
+              <a:cxnSpLocks/>
+            </p:cNvCxnSpPr>
+            <p:nvPr/>
+          </p:nvCxnSpPr>
+          <p:spPr>
+            <a:xfrm rot="10800000">
+              <a:off x="4880330" y="2092738"/>
+              <a:ext cx="388101" cy="0"/>
+            </a:xfrm>
+            <a:prstGeom prst="straightConnector1">
+              <a:avLst/>
+            </a:prstGeom>
+            <a:ln w="76200">
+              <a:solidFill>
+                <a:srgbClr val="00B0F0"/>
+              </a:solidFill>
+              <a:tailEnd type="triangle"/>
+            </a:ln>
+          </p:spPr>
+          <p:style>
+            <a:lnRef idx="1">
+              <a:schemeClr val="accent1"/>
+            </a:lnRef>
+            <a:fillRef idx="0">
+              <a:schemeClr val="accent1"/>
+            </a:fillRef>
+            <a:effectRef idx="0">
+              <a:schemeClr val="accent1"/>
+            </a:effectRef>
+            <a:fontRef idx="minor">
+              <a:schemeClr val="tx1"/>
+            </a:fontRef>
+          </p:style>
+        </p:cxnSp>
+        <p:cxnSp>
+          <p:nvCxnSpPr>
+            <p:cNvPr id="33" name="直線矢印コネクタ 32">
+              <a:extLst>
+                <a:ext uri="{FF2B5EF4-FFF2-40B4-BE49-F238E27FC236}">
+                  <a16:creationId xmlns:a16="http://schemas.microsoft.com/office/drawing/2014/main" id="{96E14F16-9B67-48C7-9985-746717E7D2CE}"/>
+                </a:ext>
+              </a:extLst>
+            </p:cNvPr>
+            <p:cNvCxnSpPr>
+              <a:cxnSpLocks/>
+            </p:cNvCxnSpPr>
+            <p:nvPr/>
+          </p:nvCxnSpPr>
+          <p:spPr>
+            <a:xfrm rot="10800000">
+              <a:off x="6409304" y="2092737"/>
+              <a:ext cx="388101" cy="0"/>
+            </a:xfrm>
+            <a:prstGeom prst="straightConnector1">
+              <a:avLst/>
+            </a:prstGeom>
+            <a:ln w="76200">
+              <a:solidFill>
+                <a:srgbClr val="00B0F0"/>
+              </a:solidFill>
+              <a:tailEnd type="triangle"/>
+            </a:ln>
+          </p:spPr>
+          <p:style>
+            <a:lnRef idx="1">
+              <a:schemeClr val="accent1"/>
+            </a:lnRef>
+            <a:fillRef idx="0">
+              <a:schemeClr val="accent1"/>
+            </a:fillRef>
+            <a:effectRef idx="0">
+              <a:schemeClr val="accent1"/>
+            </a:effectRef>
+            <a:fontRef idx="minor">
+              <a:schemeClr val="tx1"/>
+            </a:fontRef>
+          </p:style>
+        </p:cxnSp>
+        <p:sp>
+          <p:nvSpPr>
+            <p:cNvPr id="34" name="正方形/長方形 33">
+              <a:extLst>
+                <a:ext uri="{FF2B5EF4-FFF2-40B4-BE49-F238E27FC236}">
+                  <a16:creationId xmlns:a16="http://schemas.microsoft.com/office/drawing/2014/main" id="{6ADAFCEE-C028-416D-B257-90B41E02042A}"/>
+                </a:ext>
+              </a:extLst>
+            </p:cNvPr>
+            <p:cNvSpPr/>
+            <p:nvPr/>
+          </p:nvSpPr>
+          <p:spPr>
+            <a:xfrm>
+              <a:off x="3739456" y="1741303"/>
+              <a:ext cx="4223444" cy="1687697"/>
+            </a:xfrm>
+            <a:prstGeom prst="rect">
+              <a:avLst/>
+            </a:prstGeom>
+            <a:noFill/>
+            <a:ln w="57150">
+              <a:solidFill>
+                <a:schemeClr val="accent1">
+                  <a:lumMod val="60000"/>
+                  <a:lumOff val="40000"/>
+                </a:schemeClr>
+              </a:solidFill>
+            </a:ln>
+          </p:spPr>
+          <p:style>
+            <a:lnRef idx="2">
+              <a:schemeClr val="accent1">
+                <a:shade val="50000"/>
+              </a:schemeClr>
+            </a:lnRef>
+            <a:fillRef idx="1">
+              <a:schemeClr val="accent1"/>
+            </a:fillRef>
+            <a:effectRef idx="0">
+              <a:schemeClr val="accent1"/>
+            </a:effectRef>
+            <a:fontRef idx="minor">
+              <a:schemeClr val="lt1"/>
+            </a:fontRef>
+          </p:style>
+          <p:txBody>
+            <a:bodyPr rtlCol="0" anchor="ctr"/>
+            <a:lstStyle/>
+            <a:p>
+              <a:pPr algn="ctr"/>
+              <a:endParaRPr kumimoji="1" lang="ja-JP" altLang="en-US"/>
+            </a:p>
+          </p:txBody>
+        </p:sp>
+        <p:cxnSp>
+          <p:nvCxnSpPr>
+            <p:cNvPr id="35" name="直線矢印コネクタ 34">
+              <a:extLst>
+                <a:ext uri="{FF2B5EF4-FFF2-40B4-BE49-F238E27FC236}">
+                  <a16:creationId xmlns:a16="http://schemas.microsoft.com/office/drawing/2014/main" id="{A2A6B62C-1E0E-432C-9BEC-393C34A1C94C}"/>
+                </a:ext>
+              </a:extLst>
+            </p:cNvPr>
+            <p:cNvCxnSpPr>
+              <a:cxnSpLocks/>
+            </p:cNvCxnSpPr>
+            <p:nvPr/>
+          </p:nvCxnSpPr>
+          <p:spPr>
+            <a:xfrm rot="10800000">
+              <a:off x="8057130" y="2625254"/>
+              <a:ext cx="388101" cy="0"/>
+            </a:xfrm>
+            <a:prstGeom prst="straightConnector1">
+              <a:avLst/>
+            </a:prstGeom>
+            <a:ln w="76200">
+              <a:solidFill>
+                <a:srgbClr val="FF0000"/>
+              </a:solidFill>
+              <a:tailEnd type="triangle"/>
+            </a:ln>
+          </p:spPr>
+          <p:style>
+            <a:lnRef idx="1">
+              <a:schemeClr val="accent1"/>
+            </a:lnRef>
+            <a:fillRef idx="0">
+              <a:schemeClr val="accent1"/>
+            </a:fillRef>
+            <a:effectRef idx="0">
+              <a:schemeClr val="accent1"/>
+            </a:effectRef>
+            <a:fontRef idx="minor">
+              <a:schemeClr val="tx1"/>
+            </a:fontRef>
+          </p:style>
+        </p:cxnSp>
+      </p:grpSp>
+      <p:grpSp>
+        <p:nvGrpSpPr>
+          <p:cNvPr id="44" name="グループ化 43">
+            <a:extLst>
+              <a:ext uri="{FF2B5EF4-FFF2-40B4-BE49-F238E27FC236}">
+                <a16:creationId xmlns:a16="http://schemas.microsoft.com/office/drawing/2014/main" id="{7EEE5686-B5B9-4B20-8993-381AFDACF9AB}"/>
+              </a:ext>
+            </a:extLst>
+          </p:cNvPr>
+          <p:cNvGrpSpPr/>
+          <p:nvPr/>
+        </p:nvGrpSpPr>
+        <p:grpSpPr>
+          <a:xfrm>
+            <a:off x="9790429" y="2096050"/>
+            <a:ext cx="1824039" cy="917508"/>
+            <a:chOff x="9883732" y="1911384"/>
+            <a:chExt cx="1824039" cy="917508"/>
+          </a:xfrm>
+        </p:grpSpPr>
+        <p:grpSp>
+          <p:nvGrpSpPr>
+            <p:cNvPr id="40" name="グループ化 39">
+              <a:extLst>
+                <a:ext uri="{FF2B5EF4-FFF2-40B4-BE49-F238E27FC236}">
+                  <a16:creationId xmlns:a16="http://schemas.microsoft.com/office/drawing/2014/main" id="{80B432E5-1E61-4A1C-BB38-CE56CD67DAEC}"/>
+                </a:ext>
+              </a:extLst>
+            </p:cNvPr>
+            <p:cNvGrpSpPr/>
+            <p:nvPr/>
+          </p:nvGrpSpPr>
+          <p:grpSpPr>
+            <a:xfrm>
+              <a:off x="10011300" y="1974116"/>
+              <a:ext cx="1696471" cy="765354"/>
+              <a:chOff x="10124054" y="1537861"/>
+              <a:chExt cx="1696471" cy="765354"/>
+            </a:xfrm>
+          </p:grpSpPr>
+          <p:cxnSp>
+            <p:nvCxnSpPr>
+              <p:cNvPr id="36" name="直線矢印コネクタ 35">
+                <a:extLst>
+                  <a:ext uri="{FF2B5EF4-FFF2-40B4-BE49-F238E27FC236}">
+                    <a16:creationId xmlns:a16="http://schemas.microsoft.com/office/drawing/2014/main" id="{555429FE-F091-46AD-84F7-1B4256D762AB}"/>
+                  </a:ext>
+                </a:extLst>
+              </p:cNvPr>
+              <p:cNvCxnSpPr>
+                <a:cxnSpLocks/>
+              </p:cNvCxnSpPr>
+              <p:nvPr/>
+            </p:nvCxnSpPr>
+            <p:spPr>
+              <a:xfrm>
+                <a:off x="10124055" y="2118549"/>
+                <a:ext cx="388101" cy="0"/>
+              </a:xfrm>
+              <a:prstGeom prst="straightConnector1">
+                <a:avLst/>
+              </a:prstGeom>
+              <a:ln w="76200">
+                <a:solidFill>
+                  <a:srgbClr val="FF0000"/>
+                </a:solidFill>
+                <a:tailEnd type="triangle"/>
+              </a:ln>
+            </p:spPr>
+            <p:style>
+              <a:lnRef idx="1">
+                <a:schemeClr val="accent1"/>
+              </a:lnRef>
+              <a:fillRef idx="0">
+                <a:schemeClr val="accent1"/>
+              </a:fillRef>
+              <a:effectRef idx="0">
+                <a:schemeClr val="accent1"/>
+              </a:effectRef>
+              <a:fontRef idx="minor">
+                <a:schemeClr val="tx1"/>
+              </a:fontRef>
+            </p:style>
+          </p:cxnSp>
+          <p:cxnSp>
+            <p:nvCxnSpPr>
+              <p:cNvPr id="37" name="直線矢印コネクタ 36">
+                <a:extLst>
+                  <a:ext uri="{FF2B5EF4-FFF2-40B4-BE49-F238E27FC236}">
+                    <a16:creationId xmlns:a16="http://schemas.microsoft.com/office/drawing/2014/main" id="{5030B8C7-7BED-40F6-B6D5-A7CD124D67A9}"/>
+                  </a:ext>
+                </a:extLst>
+              </p:cNvPr>
+              <p:cNvCxnSpPr>
+                <a:cxnSpLocks/>
+              </p:cNvCxnSpPr>
+              <p:nvPr/>
+            </p:nvCxnSpPr>
+            <p:spPr>
+              <a:xfrm rot="10800000">
+                <a:off x="10124054" y="1708973"/>
+                <a:ext cx="388101" cy="0"/>
+              </a:xfrm>
+              <a:prstGeom prst="straightConnector1">
+                <a:avLst/>
+              </a:prstGeom>
+              <a:ln w="76200">
+                <a:solidFill>
+                  <a:srgbClr val="00B0F0"/>
+                </a:solidFill>
+                <a:tailEnd type="triangle"/>
+              </a:ln>
+            </p:spPr>
+            <p:style>
+              <a:lnRef idx="1">
+                <a:schemeClr val="accent1"/>
+              </a:lnRef>
+              <a:fillRef idx="0">
+                <a:schemeClr val="accent1"/>
+              </a:fillRef>
+              <a:effectRef idx="0">
+                <a:schemeClr val="accent1"/>
+              </a:effectRef>
+              <a:fontRef idx="minor">
+                <a:schemeClr val="tx1"/>
+              </a:fontRef>
+            </p:style>
+          </p:cxnSp>
+          <p:sp>
+            <p:nvSpPr>
+              <p:cNvPr id="38" name="テキスト ボックス 37">
+                <a:extLst>
+                  <a:ext uri="{FF2B5EF4-FFF2-40B4-BE49-F238E27FC236}">
+                    <a16:creationId xmlns:a16="http://schemas.microsoft.com/office/drawing/2014/main" id="{1BB9FF26-C1AD-43FF-B1A3-3D220E4BC3AA}"/>
+                  </a:ext>
+                </a:extLst>
+              </p:cNvPr>
+              <p:cNvSpPr txBox="1"/>
+              <p:nvPr/>
+            </p:nvSpPr>
+            <p:spPr>
+              <a:xfrm>
+                <a:off x="10763250" y="1537861"/>
+                <a:ext cx="1057275" cy="369332"/>
+              </a:xfrm>
+              <a:prstGeom prst="rect">
+                <a:avLst/>
+              </a:prstGeom>
+              <a:noFill/>
+            </p:spPr>
+            <p:txBody>
+              <a:bodyPr wrap="square" rtlCol="0">
+                <a:spAutoFit/>
+              </a:bodyPr>
+              <a:lstStyle/>
+              <a:p>
+                <a:r>
+                  <a:rPr kumimoji="1" lang="ja-JP" altLang="en-US" dirty="0">
+                    <a:latin typeface="チェックポイント．（ピリオド）" panose="02000600000000000000" pitchFamily="50" charset="-128"/>
+                    <a:ea typeface="チェックポイント．（ピリオド）" panose="02000600000000000000" pitchFamily="50" charset="-128"/>
+                  </a:rPr>
+                  <a:t>不利</a:t>
+                </a:r>
+              </a:p>
+            </p:txBody>
+          </p:sp>
+          <p:sp>
+            <p:nvSpPr>
+              <p:cNvPr id="39" name="テキスト ボックス 38">
+                <a:extLst>
+                  <a:ext uri="{FF2B5EF4-FFF2-40B4-BE49-F238E27FC236}">
+                    <a16:creationId xmlns:a16="http://schemas.microsoft.com/office/drawing/2014/main" id="{127090C9-FA03-47A3-B8E5-5AC843148C0C}"/>
+                  </a:ext>
+                </a:extLst>
+              </p:cNvPr>
+              <p:cNvSpPr txBox="1"/>
+              <p:nvPr/>
+            </p:nvSpPr>
+            <p:spPr>
+              <a:xfrm>
+                <a:off x="10763249" y="1933883"/>
+                <a:ext cx="1057275" cy="369332"/>
+              </a:xfrm>
+              <a:prstGeom prst="rect">
+                <a:avLst/>
+              </a:prstGeom>
+              <a:noFill/>
+            </p:spPr>
+            <p:txBody>
+              <a:bodyPr wrap="square" rtlCol="0">
+                <a:spAutoFit/>
+              </a:bodyPr>
+              <a:lstStyle/>
+              <a:p>
+                <a:r>
+                  <a:rPr lang="ja-JP" altLang="en-US" dirty="0">
+                    <a:latin typeface="チェックポイント．（ピリオド）" panose="02000600000000000000" pitchFamily="50" charset="-128"/>
+                    <a:ea typeface="チェックポイント．（ピリオド）" panose="02000600000000000000" pitchFamily="50" charset="-128"/>
+                  </a:rPr>
+                  <a:t>有理</a:t>
+                </a:r>
+                <a:endParaRPr kumimoji="1" lang="ja-JP" altLang="en-US" dirty="0">
+                  <a:latin typeface="チェックポイント．（ピリオド）" panose="02000600000000000000" pitchFamily="50" charset="-128"/>
+                  <a:ea typeface="チェックポイント．（ピリオド）" panose="02000600000000000000" pitchFamily="50" charset="-128"/>
+                </a:endParaRPr>
+              </a:p>
+            </p:txBody>
+          </p:sp>
+        </p:grpSp>
+        <p:sp>
+          <p:nvSpPr>
+            <p:cNvPr id="42" name="正方形/長方形 41">
+              <a:extLst>
+                <a:ext uri="{FF2B5EF4-FFF2-40B4-BE49-F238E27FC236}">
+                  <a16:creationId xmlns:a16="http://schemas.microsoft.com/office/drawing/2014/main" id="{974D7591-C374-4FE7-98C6-F63D715B2F46}"/>
+                </a:ext>
+              </a:extLst>
+            </p:cNvPr>
+            <p:cNvSpPr/>
+            <p:nvPr/>
+          </p:nvSpPr>
+          <p:spPr>
+            <a:xfrm>
+              <a:off x="9883732" y="1911384"/>
+              <a:ext cx="1533525" cy="917508"/>
+            </a:xfrm>
+            <a:prstGeom prst="rect">
+              <a:avLst/>
+            </a:prstGeom>
+            <a:noFill/>
+            <a:ln w="38100">
+              <a:solidFill>
+                <a:schemeClr val="accent1">
+                  <a:lumMod val="60000"/>
+                  <a:lumOff val="40000"/>
+                </a:schemeClr>
+              </a:solidFill>
+            </a:ln>
+          </p:spPr>
+          <p:style>
+            <a:lnRef idx="2">
+              <a:schemeClr val="accent1">
+                <a:shade val="50000"/>
+              </a:schemeClr>
+            </a:lnRef>
+            <a:fillRef idx="1">
+              <a:schemeClr val="accent1"/>
+            </a:fillRef>
+            <a:effectRef idx="0">
+              <a:schemeClr val="accent1"/>
+            </a:effectRef>
+            <a:fontRef idx="minor">
+              <a:schemeClr val="lt1"/>
+            </a:fontRef>
+          </p:style>
+          <p:txBody>
+            <a:bodyPr rtlCol="0" anchor="ctr"/>
+            <a:lstStyle/>
+            <a:p>
+              <a:pPr algn="ctr"/>
+              <a:endParaRPr kumimoji="1" lang="ja-JP" altLang="en-US"/>
+            </a:p>
+          </p:txBody>
+        </p:sp>
+      </p:grpSp>
+      <p:sp>
+        <p:nvSpPr>
+          <p:cNvPr id="43" name="正方形/長方形 42">
+            <a:extLst>
+              <a:ext uri="{FF2B5EF4-FFF2-40B4-BE49-F238E27FC236}">
+                <a16:creationId xmlns:a16="http://schemas.microsoft.com/office/drawing/2014/main" id="{A98ECFFF-731C-4C54-95F1-02A8CC15EA71}"/>
+              </a:ext>
+            </a:extLst>
+          </p:cNvPr>
+          <p:cNvSpPr/>
+          <p:nvPr/>
+        </p:nvSpPr>
+        <p:spPr>
+          <a:xfrm>
+            <a:off x="7917836" y="1656164"/>
+            <a:ext cx="1140875" cy="1684581"/>
+          </a:xfrm>
+          <a:prstGeom prst="rect">
+            <a:avLst/>
+          </a:prstGeom>
+          <a:noFill/>
+          <a:ln w="38100">
+            <a:solidFill>
+              <a:srgbClr val="FF0000"/>
+            </a:solidFill>
+          </a:ln>
+        </p:spPr>
+        <p:style>
+          <a:lnRef idx="2">
+            <a:schemeClr val="accent1">
+              <a:shade val="50000"/>
+            </a:schemeClr>
+          </a:lnRef>
+          <a:fillRef idx="1">
+            <a:schemeClr val="accent1"/>
+          </a:fillRef>
+          <a:effectRef idx="0">
+            <a:schemeClr val="accent1"/>
+          </a:effectRef>
+          <a:fontRef idx="minor">
+            <a:schemeClr val="lt1"/>
+          </a:fontRef>
+        </p:style>
+        <p:txBody>
+          <a:bodyPr rtlCol="0" anchor="ctr"/>
+          <a:lstStyle/>
+          <a:p>
+            <a:pPr algn="ctr"/>
+            <a:endParaRPr kumimoji="1" lang="ja-JP" altLang="en-US"/>
+          </a:p>
+        </p:txBody>
+      </p:sp>
+    </p:spTree>
+    <p:extLst>
+      <p:ext uri="{BB962C8B-B14F-4D97-AF65-F5344CB8AC3E}">
+        <p14:creationId xmlns:p14="http://schemas.microsoft.com/office/powerpoint/2010/main" val="677193114"/>
+      </p:ext>
+    </p:extLst>
+  </p:cSld>
+  <p:clrMapOvr>
+    <a:masterClrMapping/>
+  </p:clrMapOvr>
+</p:sld>
+</file>
+
+<file path=ppt/slides/slide7.xml><?xml version="1.0" encoding="utf-8"?>
+<p:sld xmlns:a="http://schemas.openxmlformats.org/drawingml/2006/main" xmlns:r="http://schemas.openxmlformats.org/officeDocument/2006/relationships" xmlns:p="http://schemas.openxmlformats.org/presentationml/2006/main">
+  <p:cSld>
+    <p:spTree>
+      <p:nvGrpSpPr>
+        <p:cNvPr id="1" name=""/>
+        <p:cNvGrpSpPr/>
+        <p:nvPr/>
+      </p:nvGrpSpPr>
+      <p:grpSpPr>
+        <a:xfrm>
+          <a:off x="0" y="0"/>
+          <a:ext cx="0" cy="0"/>
+          <a:chOff x="0" y="0"/>
+          <a:chExt cx="0" cy="0"/>
+        </a:xfrm>
+      </p:grpSpPr>
+      <p:pic>
+        <p:nvPicPr>
+          <p:cNvPr id="7" name="図 6" descr="テキスト が含まれている画像&#10;&#10;自動的に生成された説明">
+            <a:extLst>
+              <a:ext uri="{FF2B5EF4-FFF2-40B4-BE49-F238E27FC236}">
+                <a16:creationId xmlns:a16="http://schemas.microsoft.com/office/drawing/2014/main" id="{F72D7A55-A732-4D03-A156-3A4E7C065D7A}"/>
+              </a:ext>
+            </a:extLst>
+          </p:cNvPr>
+          <p:cNvPicPr>
+            <a:picLocks noChangeAspect="1"/>
+          </p:cNvPicPr>
+          <p:nvPr/>
+        </p:nvPicPr>
+        <p:blipFill rotWithShape="1">
+          <a:blip r:embed="rId2">
+            <a:extLst>
+              <a:ext uri="{28A0092B-C50C-407E-A947-70E740481C1C}">
+                <a14:useLocalDpi xmlns:a14="http://schemas.microsoft.com/office/drawing/2010/main" val="0"/>
+              </a:ext>
+            </a:extLst>
+          </a:blip>
+          <a:srcRect t="4493"/>
+          <a:stretch/>
+        </p:blipFill>
+        <p:spPr>
+          <a:xfrm>
+            <a:off x="352424" y="1143001"/>
+            <a:ext cx="7848600" cy="4346410"/>
+          </a:xfrm>
+          <a:prstGeom prst="rect">
+            <a:avLst/>
+          </a:prstGeom>
+        </p:spPr>
+      </p:pic>
+      <p:sp>
+        <p:nvSpPr>
+          <p:cNvPr id="10" name="テキスト ボックス 9">
+            <a:extLst>
+              <a:ext uri="{FF2B5EF4-FFF2-40B4-BE49-F238E27FC236}">
+                <a16:creationId xmlns:a16="http://schemas.microsoft.com/office/drawing/2014/main" id="{D5807289-5F94-4ABF-BB19-A244DE39AAB7}"/>
+              </a:ext>
+            </a:extLst>
+          </p:cNvPr>
+          <p:cNvSpPr txBox="1"/>
+          <p:nvPr/>
+        </p:nvSpPr>
+        <p:spPr>
+          <a:xfrm>
+            <a:off x="2627332" y="58003"/>
+            <a:ext cx="6937335" cy="830997"/>
+          </a:xfrm>
+          <a:prstGeom prst="rect">
+            <a:avLst/>
+          </a:prstGeom>
+          <a:solidFill>
+            <a:schemeClr val="accent4"/>
+          </a:solidFill>
+        </p:spPr>
+        <p:txBody>
+          <a:bodyPr wrap="square" rtlCol="0">
+            <a:spAutoFit/>
+          </a:bodyPr>
+          <a:lstStyle/>
+          <a:p>
+            <a:pPr algn="ctr"/>
+            <a:r>
+              <a:rPr kumimoji="1" lang="ja-JP" altLang="en-US" sz="4800" dirty="0">
+                <a:latin typeface="チェックポイント．（ピリオド）" panose="02000600000000000000" pitchFamily="50" charset="-128"/>
+                <a:ea typeface="チェックポイント．（ピリオド）" panose="02000600000000000000" pitchFamily="50" charset="-128"/>
+              </a:rPr>
+              <a:t>ヘルプ：準備画面</a:t>
+            </a:r>
+            <a:endParaRPr kumimoji="1" lang="ja-JP" altLang="en-US" dirty="0">
+              <a:latin typeface="チェックポイント．（ピリオド）" panose="02000600000000000000" pitchFamily="50" charset="-128"/>
+              <a:ea typeface="チェックポイント．（ピリオド）" panose="02000600000000000000" pitchFamily="50" charset="-128"/>
+            </a:endParaRPr>
+          </a:p>
+        </p:txBody>
+      </p:sp>
+      <p:sp>
+        <p:nvSpPr>
+          <p:cNvPr id="11" name="テキスト ボックス 10">
+            <a:extLst>
+              <a:ext uri="{FF2B5EF4-FFF2-40B4-BE49-F238E27FC236}">
+                <a16:creationId xmlns:a16="http://schemas.microsoft.com/office/drawing/2014/main" id="{6D354EB7-7F73-4490-964D-300A57A3D0C5}"/>
+              </a:ext>
+            </a:extLst>
+          </p:cNvPr>
+          <p:cNvSpPr txBox="1"/>
+          <p:nvPr/>
+        </p:nvSpPr>
+        <p:spPr>
+          <a:xfrm>
+            <a:off x="8353425" y="1064753"/>
+            <a:ext cx="3009900" cy="646331"/>
+          </a:xfrm>
+          <a:prstGeom prst="rect">
+            <a:avLst/>
+          </a:prstGeom>
+          <a:noFill/>
+        </p:spPr>
+        <p:txBody>
+          <a:bodyPr wrap="square" rtlCol="0">
+            <a:spAutoFit/>
+          </a:bodyPr>
+          <a:lstStyle/>
+          <a:p>
+            <a:r>
+              <a:rPr kumimoji="1" lang="ja-JP" altLang="en-US" dirty="0">
+                <a:latin typeface="チェックポイント．（ピリオド）" panose="02000600000000000000" pitchFamily="50" charset="-128"/>
+                <a:ea typeface="チェックポイント．（ピリオド）" panose="02000600000000000000" pitchFamily="50" charset="-128"/>
+              </a:rPr>
+              <a:t>この画面では戦闘前に敵を確認などの準備ができます</a:t>
+            </a:r>
+          </a:p>
+        </p:txBody>
+      </p:sp>
+      <p:sp>
+        <p:nvSpPr>
+          <p:cNvPr id="12" name="楕円 11">
+            <a:extLst>
+              <a:ext uri="{FF2B5EF4-FFF2-40B4-BE49-F238E27FC236}">
+                <a16:creationId xmlns:a16="http://schemas.microsoft.com/office/drawing/2014/main" id="{27BE146F-8491-400F-AB07-2E26102463F2}"/>
+              </a:ext>
+            </a:extLst>
+          </p:cNvPr>
+          <p:cNvSpPr/>
+          <p:nvPr/>
+        </p:nvSpPr>
+        <p:spPr>
+          <a:xfrm>
+            <a:off x="1247775" y="2295525"/>
+            <a:ext cx="1562100" cy="1457325"/>
+          </a:xfrm>
+          <a:prstGeom prst="ellipse">
+            <a:avLst/>
+          </a:prstGeom>
+          <a:noFill/>
+          <a:ln w="38100">
+            <a:solidFill>
+              <a:srgbClr val="FF0000"/>
+            </a:solidFill>
+          </a:ln>
+        </p:spPr>
+        <p:style>
+          <a:lnRef idx="2">
+            <a:schemeClr val="accent1">
+              <a:shade val="50000"/>
+            </a:schemeClr>
+          </a:lnRef>
+          <a:fillRef idx="1">
+            <a:schemeClr val="accent1"/>
+          </a:fillRef>
+          <a:effectRef idx="0">
+            <a:schemeClr val="accent1"/>
+          </a:effectRef>
+          <a:fontRef idx="minor">
+            <a:schemeClr val="lt1"/>
+          </a:fontRef>
+        </p:style>
+        <p:txBody>
+          <a:bodyPr rtlCol="0" anchor="ctr"/>
+          <a:lstStyle/>
+          <a:p>
+            <a:pPr algn="ctr"/>
+            <a:endParaRPr kumimoji="1" lang="ja-JP" altLang="en-US"/>
+          </a:p>
+        </p:txBody>
+      </p:sp>
+      <p:sp>
+        <p:nvSpPr>
+          <p:cNvPr id="13" name="楕円 12">
+            <a:extLst>
+              <a:ext uri="{FF2B5EF4-FFF2-40B4-BE49-F238E27FC236}">
+                <a16:creationId xmlns:a16="http://schemas.microsoft.com/office/drawing/2014/main" id="{AC13EDC5-A927-451C-A8C6-2F68A75D9DB9}"/>
+              </a:ext>
+            </a:extLst>
+          </p:cNvPr>
+          <p:cNvSpPr/>
+          <p:nvPr/>
+        </p:nvSpPr>
+        <p:spPr>
+          <a:xfrm>
+            <a:off x="3181350" y="1996855"/>
+            <a:ext cx="895351" cy="1055907"/>
+          </a:xfrm>
+          <a:prstGeom prst="ellipse">
+            <a:avLst/>
+          </a:prstGeom>
+          <a:noFill/>
+          <a:ln w="38100">
+            <a:solidFill>
+              <a:srgbClr val="FF0000"/>
+            </a:solidFill>
+          </a:ln>
+        </p:spPr>
+        <p:style>
+          <a:lnRef idx="2">
+            <a:schemeClr val="accent1">
+              <a:shade val="50000"/>
+            </a:schemeClr>
+          </a:lnRef>
+          <a:fillRef idx="1">
+            <a:schemeClr val="accent1"/>
+          </a:fillRef>
+          <a:effectRef idx="0">
+            <a:schemeClr val="accent1"/>
+          </a:effectRef>
+          <a:fontRef idx="minor">
+            <a:schemeClr val="lt1"/>
+          </a:fontRef>
+        </p:style>
+        <p:txBody>
+          <a:bodyPr rtlCol="0" anchor="ctr"/>
+          <a:lstStyle/>
+          <a:p>
+            <a:pPr algn="ctr"/>
+            <a:endParaRPr kumimoji="1" lang="ja-JP" altLang="en-US"/>
+          </a:p>
+        </p:txBody>
+      </p:sp>
+      <p:sp>
+        <p:nvSpPr>
+          <p:cNvPr id="14" name="楕円 13">
+            <a:extLst>
+              <a:ext uri="{FF2B5EF4-FFF2-40B4-BE49-F238E27FC236}">
+                <a16:creationId xmlns:a16="http://schemas.microsoft.com/office/drawing/2014/main" id="{A70D7407-0728-49A8-BDE2-7434759F1455}"/>
+              </a:ext>
+            </a:extLst>
+          </p:cNvPr>
+          <p:cNvSpPr/>
+          <p:nvPr/>
+        </p:nvSpPr>
+        <p:spPr>
+          <a:xfrm>
+            <a:off x="5172075" y="1996855"/>
+            <a:ext cx="1562100" cy="1457325"/>
+          </a:xfrm>
+          <a:prstGeom prst="ellipse">
+            <a:avLst/>
+          </a:prstGeom>
+          <a:noFill/>
+          <a:ln w="38100">
+            <a:solidFill>
+              <a:srgbClr val="FF0000"/>
+            </a:solidFill>
+          </a:ln>
+        </p:spPr>
+        <p:style>
+          <a:lnRef idx="2">
+            <a:schemeClr val="accent1">
+              <a:shade val="50000"/>
+            </a:schemeClr>
+          </a:lnRef>
+          <a:fillRef idx="1">
+            <a:schemeClr val="accent1"/>
+          </a:fillRef>
+          <a:effectRef idx="0">
+            <a:schemeClr val="accent1"/>
+          </a:effectRef>
+          <a:fontRef idx="minor">
+            <a:schemeClr val="lt1"/>
+          </a:fontRef>
+        </p:style>
+        <p:txBody>
+          <a:bodyPr rtlCol="0" anchor="ctr"/>
+          <a:lstStyle/>
+          <a:p>
+            <a:pPr algn="ctr"/>
+            <a:endParaRPr kumimoji="1" lang="ja-JP" altLang="en-US"/>
+          </a:p>
+        </p:txBody>
+      </p:sp>
+      <p:sp>
+        <p:nvSpPr>
+          <p:cNvPr id="15" name="楕円 14">
+            <a:extLst>
+              <a:ext uri="{FF2B5EF4-FFF2-40B4-BE49-F238E27FC236}">
+                <a16:creationId xmlns:a16="http://schemas.microsoft.com/office/drawing/2014/main" id="{BA8A41E3-4961-4217-9C31-D8A81A9809A9}"/>
+              </a:ext>
+            </a:extLst>
+          </p:cNvPr>
+          <p:cNvSpPr/>
+          <p:nvPr/>
+        </p:nvSpPr>
+        <p:spPr>
+          <a:xfrm>
+            <a:off x="6267450" y="4029076"/>
+            <a:ext cx="1666876" cy="1581150"/>
+          </a:xfrm>
+          <a:prstGeom prst="ellipse">
+            <a:avLst/>
+          </a:prstGeom>
+          <a:noFill/>
+          <a:ln w="38100">
+            <a:solidFill>
+              <a:srgbClr val="FF0000"/>
+            </a:solidFill>
+          </a:ln>
+        </p:spPr>
+        <p:style>
+          <a:lnRef idx="2">
+            <a:schemeClr val="accent1">
+              <a:shade val="50000"/>
+            </a:schemeClr>
+          </a:lnRef>
+          <a:fillRef idx="1">
+            <a:schemeClr val="accent1"/>
+          </a:fillRef>
+          <a:effectRef idx="0">
+            <a:schemeClr val="accent1"/>
+          </a:effectRef>
+          <a:fontRef idx="minor">
+            <a:schemeClr val="lt1"/>
+          </a:fontRef>
+        </p:style>
+        <p:txBody>
+          <a:bodyPr rtlCol="0" anchor="ctr"/>
+          <a:lstStyle/>
+          <a:p>
+            <a:pPr algn="ctr"/>
+            <a:endParaRPr kumimoji="1" lang="ja-JP" altLang="en-US"/>
+          </a:p>
+        </p:txBody>
+      </p:sp>
+      <p:sp>
+        <p:nvSpPr>
+          <p:cNvPr id="16" name="テキスト ボックス 15">
+            <a:extLst>
+              <a:ext uri="{FF2B5EF4-FFF2-40B4-BE49-F238E27FC236}">
+                <a16:creationId xmlns:a16="http://schemas.microsoft.com/office/drawing/2014/main" id="{FBBAA09C-4BEB-47EA-BC7F-480BCC2226F1}"/>
+              </a:ext>
+            </a:extLst>
+          </p:cNvPr>
+          <p:cNvSpPr txBox="1"/>
+          <p:nvPr/>
+        </p:nvSpPr>
+        <p:spPr>
+          <a:xfrm>
+            <a:off x="8258174" y="2039938"/>
+            <a:ext cx="3962400" cy="1477328"/>
+          </a:xfrm>
+          <a:prstGeom prst="rect">
+            <a:avLst/>
+          </a:prstGeom>
+          <a:noFill/>
+          <a:ln w="38100">
+            <a:solidFill>
+              <a:srgbClr val="FF0000"/>
+            </a:solidFill>
+          </a:ln>
+        </p:spPr>
+        <p:txBody>
+          <a:bodyPr wrap="square" rtlCol="0">
+            <a:spAutoFit/>
+          </a:bodyPr>
+          <a:lstStyle/>
+          <a:p>
+            <a:r>
+              <a:rPr kumimoji="1" lang="ja-JP" altLang="en-US" dirty="0">
+                <a:latin typeface="チェックポイント．（ピリオド）" panose="02000600000000000000" pitchFamily="50" charset="-128"/>
+                <a:ea typeface="チェックポイント．（ピリオド）" panose="02000600000000000000" pitchFamily="50" charset="-128"/>
+              </a:rPr>
+              <a:t>赤枠で囲っているのが敵惑星です。</a:t>
+            </a:r>
+            <a:endParaRPr kumimoji="1" lang="en-US" altLang="ja-JP" dirty="0">
+              <a:latin typeface="チェックポイント．（ピリオド）" panose="02000600000000000000" pitchFamily="50" charset="-128"/>
+              <a:ea typeface="チェックポイント．（ピリオド）" panose="02000600000000000000" pitchFamily="50" charset="-128"/>
+            </a:endParaRPr>
+          </a:p>
+          <a:p>
+            <a:r>
+              <a:rPr lang="ja-JP" altLang="en-US" dirty="0">
+                <a:latin typeface="チェックポイント．（ピリオド）" panose="02000600000000000000" pitchFamily="50" charset="-128"/>
+                <a:ea typeface="チェックポイント．（ピリオド）" panose="02000600000000000000" pitchFamily="50" charset="-128"/>
+              </a:rPr>
+              <a:t>この中のどれかから敵を選び戦うことができ、</a:t>
+            </a:r>
+            <a:endParaRPr lang="en-US" altLang="ja-JP" dirty="0">
+              <a:latin typeface="チェックポイント．（ピリオド）" panose="02000600000000000000" pitchFamily="50" charset="-128"/>
+              <a:ea typeface="チェックポイント．（ピリオド）" panose="02000600000000000000" pitchFamily="50" charset="-128"/>
+            </a:endParaRPr>
+          </a:p>
+          <a:p>
+            <a:r>
+              <a:rPr kumimoji="1" lang="ja-JP" altLang="en-US" dirty="0">
+                <a:latin typeface="チェックポイント．（ピリオド）" panose="02000600000000000000" pitchFamily="50" charset="-128"/>
+                <a:ea typeface="チェックポイント．（ピリオド）" panose="02000600000000000000" pitchFamily="50" charset="-128"/>
+              </a:rPr>
+              <a:t>敵惑星にカーソルを合わすと敵惑星の情報を確認することができます。</a:t>
+            </a:r>
+          </a:p>
+        </p:txBody>
+      </p:sp>
+      <p:sp>
+        <p:nvSpPr>
+          <p:cNvPr id="17" name="正方形/長方形 16">
+            <a:extLst>
+              <a:ext uri="{FF2B5EF4-FFF2-40B4-BE49-F238E27FC236}">
+                <a16:creationId xmlns:a16="http://schemas.microsoft.com/office/drawing/2014/main" id="{A2CF4C31-1025-4708-B374-7F8887320A14}"/>
+              </a:ext>
+            </a:extLst>
+          </p:cNvPr>
+          <p:cNvSpPr/>
+          <p:nvPr/>
+        </p:nvSpPr>
+        <p:spPr>
+          <a:xfrm>
+            <a:off x="1371600" y="1223523"/>
+            <a:ext cx="5657850" cy="565809"/>
+          </a:xfrm>
+          <a:prstGeom prst="rect">
+            <a:avLst/>
+          </a:prstGeom>
+          <a:noFill/>
+          <a:ln w="38100">
+            <a:solidFill>
+              <a:srgbClr val="0070C0"/>
+            </a:solidFill>
+          </a:ln>
+        </p:spPr>
+        <p:style>
+          <a:lnRef idx="2">
+            <a:schemeClr val="accent1">
+              <a:shade val="50000"/>
+            </a:schemeClr>
+          </a:lnRef>
+          <a:fillRef idx="1">
+            <a:schemeClr val="accent1"/>
+          </a:fillRef>
+          <a:effectRef idx="0">
+            <a:schemeClr val="accent1"/>
+          </a:effectRef>
+          <a:fontRef idx="minor">
+            <a:schemeClr val="lt1"/>
+          </a:fontRef>
+        </p:style>
+        <p:txBody>
+          <a:bodyPr rtlCol="0" anchor="ctr"/>
+          <a:lstStyle/>
+          <a:p>
+            <a:pPr algn="ctr"/>
+            <a:endParaRPr kumimoji="1" lang="ja-JP" altLang="en-US"/>
+          </a:p>
+        </p:txBody>
+      </p:sp>
+      <p:sp>
+        <p:nvSpPr>
+          <p:cNvPr id="18" name="テキスト ボックス 17">
+            <a:extLst>
+              <a:ext uri="{FF2B5EF4-FFF2-40B4-BE49-F238E27FC236}">
+                <a16:creationId xmlns:a16="http://schemas.microsoft.com/office/drawing/2014/main" id="{594DFF38-A0BF-4052-92A8-115900A7F03B}"/>
+              </a:ext>
+            </a:extLst>
+          </p:cNvPr>
+          <p:cNvSpPr txBox="1"/>
+          <p:nvPr/>
+        </p:nvSpPr>
+        <p:spPr>
+          <a:xfrm>
+            <a:off x="8220073" y="3752850"/>
+            <a:ext cx="3962400" cy="1477328"/>
+          </a:xfrm>
+          <a:prstGeom prst="rect">
+            <a:avLst/>
+          </a:prstGeom>
+          <a:noFill/>
+          <a:ln w="38100">
+            <a:solidFill>
+              <a:srgbClr val="5B9BD5"/>
+            </a:solidFill>
+          </a:ln>
+        </p:spPr>
+        <p:txBody>
+          <a:bodyPr wrap="square" rtlCol="0">
+            <a:spAutoFit/>
+          </a:bodyPr>
+          <a:lstStyle/>
+          <a:p>
+            <a:r>
+              <a:rPr lang="ja-JP" altLang="en-US" dirty="0">
+                <a:latin typeface="チェックポイント．（ピリオド）" panose="02000600000000000000" pitchFamily="50" charset="-128"/>
+                <a:ea typeface="チェックポイント．（ピリオド）" panose="02000600000000000000" pitchFamily="50" charset="-128"/>
+              </a:rPr>
+              <a:t>青</a:t>
+            </a:r>
+            <a:r>
+              <a:rPr kumimoji="1" lang="ja-JP" altLang="en-US" dirty="0">
+                <a:latin typeface="チェックポイント．（ピリオド）" panose="02000600000000000000" pitchFamily="50" charset="-128"/>
+                <a:ea typeface="チェックポイント．（ピリオド）" panose="02000600000000000000" pitchFamily="50" charset="-128"/>
+              </a:rPr>
+              <a:t>枠で囲っているのが強大な惑星が来るまでのカウントダウンです。</a:t>
+            </a:r>
+            <a:endParaRPr kumimoji="1" lang="en-US" altLang="ja-JP" dirty="0">
+              <a:latin typeface="チェックポイント．（ピリオド）" panose="02000600000000000000" pitchFamily="50" charset="-128"/>
+              <a:ea typeface="チェックポイント．（ピリオド）" panose="02000600000000000000" pitchFamily="50" charset="-128"/>
+            </a:endParaRPr>
+          </a:p>
+          <a:p>
+            <a:r>
+              <a:rPr lang="ja-JP" altLang="en-US" dirty="0">
+                <a:latin typeface="チェックポイント．（ピリオド）" panose="02000600000000000000" pitchFamily="50" charset="-128"/>
+                <a:ea typeface="チェックポイント．（ピリオド）" panose="02000600000000000000" pitchFamily="50" charset="-128"/>
+              </a:rPr>
+              <a:t>敵惑星を倒すとカウントが減っていき０になると強大な惑星が襲い掛かってきます。</a:t>
+            </a:r>
+            <a:endParaRPr kumimoji="1" lang="en-US" altLang="ja-JP" dirty="0">
+              <a:latin typeface="チェックポイント．（ピリオド）" panose="02000600000000000000" pitchFamily="50" charset="-128"/>
+              <a:ea typeface="チェックポイント．（ピリオド）" panose="02000600000000000000" pitchFamily="50" charset="-128"/>
+            </a:endParaRPr>
+          </a:p>
+        </p:txBody>
+      </p:sp>
+      <p:sp>
+        <p:nvSpPr>
+          <p:cNvPr id="19" name="正方形/長方形 18">
+            <a:extLst>
+              <a:ext uri="{FF2B5EF4-FFF2-40B4-BE49-F238E27FC236}">
+                <a16:creationId xmlns:a16="http://schemas.microsoft.com/office/drawing/2014/main" id="{41DDEDAD-B76F-42FC-BD36-C4B4086365F3}"/>
+              </a:ext>
+            </a:extLst>
+          </p:cNvPr>
+          <p:cNvSpPr/>
+          <p:nvPr/>
+        </p:nvSpPr>
+        <p:spPr>
+          <a:xfrm>
+            <a:off x="2627332" y="4259044"/>
+            <a:ext cx="3449617" cy="1230368"/>
+          </a:xfrm>
+          <a:prstGeom prst="rect">
+            <a:avLst/>
+          </a:prstGeom>
+          <a:noFill/>
+          <a:ln w="38100">
+            <a:solidFill>
+              <a:srgbClr val="00B050"/>
+            </a:solidFill>
+          </a:ln>
+        </p:spPr>
+        <p:style>
+          <a:lnRef idx="2">
+            <a:schemeClr val="accent1">
+              <a:shade val="50000"/>
+            </a:schemeClr>
+          </a:lnRef>
+          <a:fillRef idx="1">
+            <a:schemeClr val="accent1"/>
+          </a:fillRef>
+          <a:effectRef idx="0">
+            <a:schemeClr val="accent1"/>
+          </a:effectRef>
+          <a:fontRef idx="minor">
+            <a:schemeClr val="lt1"/>
+          </a:fontRef>
+        </p:style>
+        <p:txBody>
+          <a:bodyPr rtlCol="0" anchor="ctr"/>
+          <a:lstStyle/>
+          <a:p>
+            <a:pPr algn="ctr"/>
+            <a:endParaRPr kumimoji="1" lang="ja-JP" altLang="en-US"/>
+          </a:p>
+        </p:txBody>
+      </p:sp>
+      <p:sp>
+        <p:nvSpPr>
+          <p:cNvPr id="21" name="正方形/長方形 20">
+            <a:extLst>
+              <a:ext uri="{FF2B5EF4-FFF2-40B4-BE49-F238E27FC236}">
+                <a16:creationId xmlns:a16="http://schemas.microsoft.com/office/drawing/2014/main" id="{B89D4E7D-0660-4D0D-912D-DF225C66A1D6}"/>
+              </a:ext>
+            </a:extLst>
+          </p:cNvPr>
+          <p:cNvSpPr/>
+          <p:nvPr/>
+        </p:nvSpPr>
+        <p:spPr>
+          <a:xfrm>
+            <a:off x="6543675" y="5488914"/>
+            <a:ext cx="1114425" cy="242624"/>
+          </a:xfrm>
+          <a:prstGeom prst="rect">
+            <a:avLst/>
+          </a:prstGeom>
+          <a:solidFill>
+            <a:schemeClr val="bg1"/>
+          </a:solidFill>
+          <a:ln>
+            <a:solidFill>
+              <a:schemeClr val="bg1"/>
+            </a:solidFill>
+          </a:ln>
+        </p:spPr>
+        <p:style>
+          <a:lnRef idx="2">
+            <a:schemeClr val="accent1">
+              <a:shade val="50000"/>
+            </a:schemeClr>
+          </a:lnRef>
+          <a:fillRef idx="1">
+            <a:schemeClr val="accent1"/>
+          </a:fillRef>
+          <a:effectRef idx="0">
+            <a:schemeClr val="accent1"/>
+          </a:effectRef>
+          <a:fontRef idx="minor">
+            <a:schemeClr val="lt1"/>
+          </a:fontRef>
+        </p:style>
+        <p:txBody>
+          <a:bodyPr rtlCol="0" anchor="ctr"/>
+          <a:lstStyle/>
+          <a:p>
+            <a:pPr algn="ctr"/>
+            <a:endParaRPr kumimoji="1" lang="ja-JP" altLang="en-US"/>
+          </a:p>
+        </p:txBody>
+      </p:sp>
+      <p:sp>
+        <p:nvSpPr>
+          <p:cNvPr id="20" name="テキスト ボックス 19">
+            <a:extLst>
+              <a:ext uri="{FF2B5EF4-FFF2-40B4-BE49-F238E27FC236}">
+                <a16:creationId xmlns:a16="http://schemas.microsoft.com/office/drawing/2014/main" id="{4588D88C-0F6C-4A95-9191-7AC444B35B14}"/>
+              </a:ext>
+            </a:extLst>
+          </p:cNvPr>
+          <p:cNvSpPr txBox="1"/>
+          <p:nvPr/>
+        </p:nvSpPr>
+        <p:spPr>
+          <a:xfrm>
+            <a:off x="47624" y="5739290"/>
+            <a:ext cx="12096750" cy="1077218"/>
+          </a:xfrm>
+          <a:prstGeom prst="rect">
+            <a:avLst/>
+          </a:prstGeom>
+          <a:noFill/>
+          <a:ln w="38100">
+            <a:solidFill>
+              <a:srgbClr val="92D050"/>
+            </a:solidFill>
+          </a:ln>
+        </p:spPr>
+        <p:txBody>
+          <a:bodyPr wrap="square" rtlCol="0">
+            <a:spAutoFit/>
+          </a:bodyPr>
+          <a:lstStyle/>
+          <a:p>
+            <a:r>
+              <a:rPr kumimoji="1" lang="ja-JP" altLang="en-US" sz="1600" dirty="0">
+                <a:latin typeface="チェックポイント．（ピリオド）" panose="02000600000000000000" pitchFamily="50" charset="-128"/>
+                <a:ea typeface="チェックポイント．（ピリオド）" panose="02000600000000000000" pitchFamily="50" charset="-128"/>
+              </a:rPr>
+              <a:t>緑枠で囲っているのがスペシャル技を選択する場所です。</a:t>
+            </a:r>
+            <a:endParaRPr kumimoji="1" lang="en-US" altLang="ja-JP" sz="1600" dirty="0">
+              <a:latin typeface="チェックポイント．（ピリオド）" panose="02000600000000000000" pitchFamily="50" charset="-128"/>
+              <a:ea typeface="チェックポイント．（ピリオド）" panose="02000600000000000000" pitchFamily="50" charset="-128"/>
+            </a:endParaRPr>
+          </a:p>
+          <a:p>
+            <a:r>
+              <a:rPr lang="ja-JP" altLang="en-US" sz="1600" dirty="0">
+                <a:latin typeface="チェックポイント．（ピリオド）" panose="02000600000000000000" pitchFamily="50" charset="-128"/>
+                <a:ea typeface="チェックポイント．（ピリオド）" panose="02000600000000000000" pitchFamily="50" charset="-128"/>
+              </a:rPr>
+              <a:t>今所持していないスペシャル技は、黒く塗りつぶされます。</a:t>
+            </a:r>
+            <a:endParaRPr lang="en-US" altLang="ja-JP" sz="1600" dirty="0">
+              <a:latin typeface="チェックポイント．（ピリオド）" panose="02000600000000000000" pitchFamily="50" charset="-128"/>
+              <a:ea typeface="チェックポイント．（ピリオド）" panose="02000600000000000000" pitchFamily="50" charset="-128"/>
+            </a:endParaRPr>
+          </a:p>
+          <a:p>
+            <a:r>
+              <a:rPr kumimoji="1" lang="ja-JP" altLang="en-US" sz="1600" dirty="0">
+                <a:latin typeface="チェックポイント．（ピリオド）" panose="02000600000000000000" pitchFamily="50" charset="-128"/>
+                <a:ea typeface="チェックポイント．（ピリオド）" panose="02000600000000000000" pitchFamily="50" charset="-128"/>
+              </a:rPr>
+              <a:t>スペシャル技を装備したい場合は装備したい技のアイコンをクリックしてください。</a:t>
+            </a:r>
+            <a:endParaRPr kumimoji="1" lang="en-US" altLang="ja-JP" sz="1600" dirty="0">
+              <a:latin typeface="チェックポイント．（ピリオド）" panose="02000600000000000000" pitchFamily="50" charset="-128"/>
+              <a:ea typeface="チェックポイント．（ピリオド）" panose="02000600000000000000" pitchFamily="50" charset="-128"/>
+            </a:endParaRPr>
+          </a:p>
+          <a:p>
+            <a:r>
+              <a:rPr lang="ja-JP" altLang="en-US" sz="1600" dirty="0">
+                <a:latin typeface="チェックポイント．（ピリオド）" panose="02000600000000000000" pitchFamily="50" charset="-128"/>
+                <a:ea typeface="チェックポイント．（ピリオド）" panose="02000600000000000000" pitchFamily="50" charset="-128"/>
+              </a:rPr>
+              <a:t>装備を解除したい場合はほかのスペシャル技アイコンをクリックするか装備しているスペシャル技をクリックしてください。</a:t>
+            </a:r>
+            <a:endParaRPr kumimoji="1" lang="en-US" altLang="ja-JP" sz="1600" dirty="0">
+              <a:latin typeface="チェックポイント．（ピリオド）" panose="02000600000000000000" pitchFamily="50" charset="-128"/>
+              <a:ea typeface="チェックポイント．（ピリオド）" panose="02000600000000000000" pitchFamily="50" charset="-128"/>
+            </a:endParaRPr>
+          </a:p>
+        </p:txBody>
+      </p:sp>
+    </p:spTree>
+    <p:extLst>
+      <p:ext uri="{BB962C8B-B14F-4D97-AF65-F5344CB8AC3E}">
+        <p14:creationId xmlns:p14="http://schemas.microsoft.com/office/powerpoint/2010/main" val="472075183"/>
+      </p:ext>
+    </p:extLst>
+  </p:cSld>
+  <p:clrMapOvr>
+    <a:masterClrMapping/>
+  </p:clrMapOvr>
+</p:sld>
+</file>
+
+<file path=ppt/slides/slide8.xml><?xml version="1.0" encoding="utf-8"?>
+<p:sld xmlns:a="http://schemas.openxmlformats.org/drawingml/2006/main" xmlns:r="http://schemas.openxmlformats.org/officeDocument/2006/relationships" xmlns:p="http://schemas.openxmlformats.org/presentationml/2006/main">
+  <p:cSld>
+    <p:spTree>
+      <p:nvGrpSpPr>
+        <p:cNvPr id="1" name=""/>
+        <p:cNvGrpSpPr/>
+        <p:nvPr/>
+      </p:nvGrpSpPr>
+      <p:grpSpPr>
+        <a:xfrm>
+          <a:off x="0" y="0"/>
+          <a:ext cx="0" cy="0"/>
+          <a:chOff x="0" y="0"/>
+          <a:chExt cx="0" cy="0"/>
+        </a:xfrm>
+      </p:grpSpPr>
+      <p:pic>
+        <p:nvPicPr>
+          <p:cNvPr id="5" name="図 4" descr="物体 が含まれている画像&#10;&#10;自動的に生成された説明">
+            <a:extLst>
+              <a:ext uri="{FF2B5EF4-FFF2-40B4-BE49-F238E27FC236}">
+                <a16:creationId xmlns:a16="http://schemas.microsoft.com/office/drawing/2014/main" id="{A8B95791-F64F-423D-B8A7-2C86F56DDB1D}"/>
+              </a:ext>
+            </a:extLst>
+          </p:cNvPr>
+          <p:cNvPicPr>
+            <a:picLocks noChangeAspect="1"/>
+          </p:cNvPicPr>
+          <p:nvPr/>
+        </p:nvPicPr>
+        <p:blipFill rotWithShape="1">
+          <a:blip r:embed="rId2">
+            <a:extLst>
+              <a:ext uri="{28A0092B-C50C-407E-A947-70E740481C1C}">
+                <a14:useLocalDpi xmlns:a14="http://schemas.microsoft.com/office/drawing/2010/main" val="0"/>
+              </a:ext>
+            </a:extLst>
+          </a:blip>
+          <a:srcRect l="5462" t="13624" r="5042" b="3913"/>
+          <a:stretch/>
+        </p:blipFill>
+        <p:spPr>
+          <a:xfrm>
+            <a:off x="36360" y="1042988"/>
+            <a:ext cx="7541238" cy="4029074"/>
+          </a:xfrm>
+          <a:prstGeom prst="rect">
+            <a:avLst/>
+          </a:prstGeom>
+        </p:spPr>
+      </p:pic>
+      <p:sp>
+        <p:nvSpPr>
+          <p:cNvPr id="6" name="テキスト ボックス 5">
+            <a:extLst>
+              <a:ext uri="{FF2B5EF4-FFF2-40B4-BE49-F238E27FC236}">
+                <a16:creationId xmlns:a16="http://schemas.microsoft.com/office/drawing/2014/main" id="{8305E55F-CE22-4A88-A8D4-3E4958510FE7}"/>
+              </a:ext>
+            </a:extLst>
+          </p:cNvPr>
+          <p:cNvSpPr txBox="1"/>
+          <p:nvPr/>
+        </p:nvSpPr>
+        <p:spPr>
+          <a:xfrm>
+            <a:off x="2627332" y="58003"/>
+            <a:ext cx="6937335" cy="830997"/>
+          </a:xfrm>
+          <a:prstGeom prst="rect">
+            <a:avLst/>
+          </a:prstGeom>
+          <a:solidFill>
+            <a:schemeClr val="accent4"/>
+          </a:solidFill>
+        </p:spPr>
+        <p:txBody>
+          <a:bodyPr wrap="square" rtlCol="0">
+            <a:spAutoFit/>
+          </a:bodyPr>
+          <a:lstStyle/>
+          <a:p>
+            <a:pPr algn="ctr"/>
+            <a:r>
+              <a:rPr kumimoji="1" lang="ja-JP" altLang="en-US" sz="4800" dirty="0">
+                <a:latin typeface="チェックポイント．（ピリオド）" panose="02000600000000000000" pitchFamily="50" charset="-128"/>
+                <a:ea typeface="チェックポイント．（ピリオド）" panose="02000600000000000000" pitchFamily="50" charset="-128"/>
+              </a:rPr>
+              <a:t>ヘルプ：ミサイル画面</a:t>
+            </a:r>
+            <a:endParaRPr kumimoji="1" lang="ja-JP" altLang="en-US" dirty="0">
+              <a:latin typeface="チェックポイント．（ピリオド）" panose="02000600000000000000" pitchFamily="50" charset="-128"/>
+              <a:ea typeface="チェックポイント．（ピリオド）" panose="02000600000000000000" pitchFamily="50" charset="-128"/>
+            </a:endParaRPr>
+          </a:p>
+        </p:txBody>
+      </p:sp>
+      <p:sp>
+        <p:nvSpPr>
+          <p:cNvPr id="7" name="吹き出し: 四角形 6">
+            <a:extLst>
+              <a:ext uri="{FF2B5EF4-FFF2-40B4-BE49-F238E27FC236}">
+                <a16:creationId xmlns:a16="http://schemas.microsoft.com/office/drawing/2014/main" id="{EC8402AE-3480-4CC7-905A-0776A28352DA}"/>
+              </a:ext>
+            </a:extLst>
+          </p:cNvPr>
+          <p:cNvSpPr/>
+          <p:nvPr/>
+        </p:nvSpPr>
+        <p:spPr>
+          <a:xfrm>
+            <a:off x="7788888" y="1666875"/>
+            <a:ext cx="4206569" cy="1143000"/>
+          </a:xfrm>
+          <a:prstGeom prst="wedgeRectCallout">
+            <a:avLst>
+              <a:gd name="adj1" fmla="val -48099"/>
+              <a:gd name="adj2" fmla="val -66666"/>
             </a:avLst>
           </a:prstGeom>
           <a:solidFill>
@@ -4857,153 +8891,72 @@
           <a:p>
             <a:pPr algn="ctr"/>
             <a:r>
-              <a:rPr kumimoji="1" lang="ja-JP" altLang="en-US" sz="2000" dirty="0" smtClean="0">
+              <a:rPr kumimoji="1" lang="ja-JP" altLang="en-US" dirty="0">
                 <a:solidFill>
                   <a:schemeClr val="tx1"/>
                 </a:solidFill>
-                <a:latin typeface="HGP創英角ﾎﾟｯﾌﾟ体" panose="040B0A00000000000000" pitchFamily="50" charset="-128"/>
-                <a:ea typeface="HGP創英角ﾎﾟｯﾌﾟ体" panose="040B0A00000000000000" pitchFamily="50" charset="-128"/>
+                <a:latin typeface="チェックポイント．（ピリオド）" panose="02000600000000000000" pitchFamily="50" charset="-128"/>
+                <a:ea typeface="チェックポイント．（ピリオド）" panose="02000600000000000000" pitchFamily="50" charset="-128"/>
               </a:rPr>
-              <a:t>ここでは好きなように住人を</a:t>
-            </a:r>
-            <a:endParaRPr kumimoji="1" lang="en-US" altLang="ja-JP" sz="2000" dirty="0" smtClean="0">
+              <a:t>ここは今配置されている</a:t>
+            </a:r>
+            <a:endParaRPr kumimoji="1" lang="en-US" altLang="ja-JP" dirty="0">
               <a:solidFill>
                 <a:schemeClr val="tx1"/>
               </a:solidFill>
-              <a:latin typeface="HGP創英角ﾎﾟｯﾌﾟ体" panose="040B0A00000000000000" pitchFamily="50" charset="-128"/>
-              <a:ea typeface="HGP創英角ﾎﾟｯﾌﾟ体" panose="040B0A00000000000000" pitchFamily="50" charset="-128"/>
+              <a:latin typeface="チェックポイント．（ピリオド）" panose="02000600000000000000" pitchFamily="50" charset="-128"/>
+              <a:ea typeface="チェックポイント．（ピリオド）" panose="02000600000000000000" pitchFamily="50" charset="-128"/>
             </a:endParaRPr>
           </a:p>
           <a:p>
             <a:pPr algn="ctr"/>
             <a:r>
-              <a:rPr kumimoji="1" lang="ja-JP" altLang="en-US" sz="2000" dirty="0" smtClean="0">
+              <a:rPr lang="ja-JP" altLang="en-US" dirty="0">
                 <a:solidFill>
                   <a:schemeClr val="tx1"/>
                 </a:solidFill>
-                <a:latin typeface="HGP創英角ﾎﾟｯﾌﾟ体" panose="040B0A00000000000000" pitchFamily="50" charset="-128"/>
-                <a:ea typeface="HGP創英角ﾎﾟｯﾌﾟ体" panose="040B0A00000000000000" pitchFamily="50" charset="-128"/>
+                <a:latin typeface="チェックポイント．（ピリオド）" panose="02000600000000000000" pitchFamily="50" charset="-128"/>
+                <a:ea typeface="チェックポイント．（ピリオド）" panose="02000600000000000000" pitchFamily="50" charset="-128"/>
               </a:rPr>
-              <a:t>配置することができる</a:t>
-            </a:r>
-            <a:endParaRPr kumimoji="1" lang="en-US" altLang="ja-JP" sz="2000" dirty="0" smtClean="0">
+              <a:t>研究員の人数が表示されています。</a:t>
+            </a:r>
+            <a:endParaRPr kumimoji="1" lang="ja-JP" altLang="en-US" dirty="0">
               <a:solidFill>
                 <a:schemeClr val="tx1"/>
               </a:solidFill>
-              <a:latin typeface="HGP創英角ﾎﾟｯﾌﾟ体" panose="040B0A00000000000000" pitchFamily="50" charset="-128"/>
-              <a:ea typeface="HGP創英角ﾎﾟｯﾌﾟ体" panose="040B0A00000000000000" pitchFamily="50" charset="-128"/>
+              <a:latin typeface="チェックポイント．（ピリオド）" panose="02000600000000000000" pitchFamily="50" charset="-128"/>
+              <a:ea typeface="チェックポイント．（ピリオド）" panose="02000600000000000000" pitchFamily="50" charset="-128"/>
             </a:endParaRPr>
           </a:p>
-          <a:p>
-            <a:pPr algn="ctr"/>
-            <a:r>
-              <a:rPr kumimoji="1" lang="ja-JP" altLang="en-US" sz="2000" dirty="0" smtClean="0">
-                <a:solidFill>
-                  <a:schemeClr val="tx1"/>
-                </a:solidFill>
-                <a:latin typeface="HGP創英角ﾎﾟｯﾌﾟ体" panose="040B0A00000000000000" pitchFamily="50" charset="-128"/>
-                <a:ea typeface="HGP創英角ﾎﾟｯﾌﾟ体" panose="040B0A00000000000000" pitchFamily="50" charset="-128"/>
-              </a:rPr>
-              <a:t>配置することによってバトル中の</a:t>
-            </a:r>
-            <a:endParaRPr kumimoji="1" lang="en-US" altLang="ja-JP" sz="2000" dirty="0" smtClean="0">
-              <a:solidFill>
-                <a:schemeClr val="tx1"/>
-              </a:solidFill>
-              <a:latin typeface="HGP創英角ﾎﾟｯﾌﾟ体" panose="040B0A00000000000000" pitchFamily="50" charset="-128"/>
-              <a:ea typeface="HGP創英角ﾎﾟｯﾌﾟ体" panose="040B0A00000000000000" pitchFamily="50" charset="-128"/>
-            </a:endParaRPr>
-          </a:p>
-          <a:p>
-            <a:pPr algn="ctr"/>
-            <a:r>
-              <a:rPr kumimoji="1" lang="ja-JP" altLang="en-US" sz="2000" dirty="0" smtClean="0">
-                <a:solidFill>
-                  <a:schemeClr val="tx1"/>
-                </a:solidFill>
-                <a:latin typeface="HGP創英角ﾎﾟｯﾌﾟ体" panose="040B0A00000000000000" pitchFamily="50" charset="-128"/>
-                <a:ea typeface="HGP創英角ﾎﾟｯﾌﾟ体" panose="040B0A00000000000000" pitchFamily="50" charset="-128"/>
-              </a:rPr>
-              <a:t>ポット出撃可能数が増える</a:t>
-            </a:r>
-            <a:endParaRPr kumimoji="1" lang="en-US" altLang="ja-JP" sz="2000" dirty="0" smtClean="0">
-              <a:solidFill>
-                <a:schemeClr val="tx1"/>
-              </a:solidFill>
-              <a:latin typeface="HGP創英角ﾎﾟｯﾌﾟ体" panose="040B0A00000000000000" pitchFamily="50" charset="-128"/>
-              <a:ea typeface="HGP創英角ﾎﾟｯﾌﾟ体" panose="040B0A00000000000000" pitchFamily="50" charset="-128"/>
-            </a:endParaRPr>
-          </a:p>
-          <a:p>
-            <a:pPr algn="ctr"/>
-            <a:r>
-              <a:rPr lang="en-US" altLang="ja-JP" sz="2000" dirty="0" smtClean="0">
-                <a:solidFill>
-                  <a:schemeClr val="tx1"/>
-                </a:solidFill>
-                <a:latin typeface="HGP創英角ﾎﾟｯﾌﾟ体" panose="040B0A00000000000000" pitchFamily="50" charset="-128"/>
-                <a:ea typeface="HGP創英角ﾎﾟｯﾌﾟ体" panose="040B0A00000000000000" pitchFamily="50" charset="-128"/>
-              </a:rPr>
-              <a:t>※</a:t>
-            </a:r>
-            <a:r>
-              <a:rPr lang="ja-JP" altLang="en-US" sz="2000" dirty="0" smtClean="0">
-                <a:solidFill>
-                  <a:schemeClr val="tx1"/>
-                </a:solidFill>
-                <a:latin typeface="HGP創英角ﾎﾟｯﾌﾟ体" panose="040B0A00000000000000" pitchFamily="50" charset="-128"/>
-                <a:ea typeface="HGP創英角ﾎﾟｯﾌﾟ体" panose="040B0A00000000000000" pitchFamily="50" charset="-128"/>
-              </a:rPr>
-              <a:t>バトルに出撃し攻撃した分だけ</a:t>
-            </a:r>
-            <a:endParaRPr lang="en-US" altLang="ja-JP" sz="2000" dirty="0" smtClean="0">
-              <a:solidFill>
-                <a:schemeClr val="tx1"/>
-              </a:solidFill>
-              <a:latin typeface="HGP創英角ﾎﾟｯﾌﾟ体" panose="040B0A00000000000000" pitchFamily="50" charset="-128"/>
-              <a:ea typeface="HGP創英角ﾎﾟｯﾌﾟ体" panose="040B0A00000000000000" pitchFamily="50" charset="-128"/>
-            </a:endParaRPr>
-          </a:p>
-          <a:p>
-            <a:pPr algn="ctr"/>
-            <a:r>
-              <a:rPr lang="ja-JP" altLang="en-US" sz="2000" dirty="0" smtClean="0">
-                <a:solidFill>
-                  <a:schemeClr val="tx1"/>
-                </a:solidFill>
-                <a:latin typeface="HGP創英角ﾎﾟｯﾌﾟ体" panose="040B0A00000000000000" pitchFamily="50" charset="-128"/>
-                <a:ea typeface="HGP創英角ﾎﾟｯﾌﾟ体" panose="040B0A00000000000000" pitchFamily="50" charset="-128"/>
-              </a:rPr>
-              <a:t>住人の数が減ってるので注意</a:t>
-            </a:r>
-            <a:endParaRPr kumimoji="1" lang="ja-JP" altLang="en-US" sz="2000" dirty="0">
-              <a:solidFill>
-                <a:schemeClr val="tx1"/>
-              </a:solidFill>
-              <a:latin typeface="HGP創英角ﾎﾟｯﾌﾟ体" panose="040B0A00000000000000" pitchFamily="50" charset="-128"/>
-              <a:ea typeface="HGP創英角ﾎﾟｯﾌﾟ体" panose="040B0A00000000000000" pitchFamily="50" charset="-128"/>
-            </a:endParaRPr>
-          </a:p>
-        </p:txBody>
-      </p:sp>
-      <p:sp>
-        <p:nvSpPr>
-          <p:cNvPr id="7" name="正方形/長方形 6"/>
+        </p:txBody>
+      </p:sp>
+      <p:sp>
+        <p:nvSpPr>
+          <p:cNvPr id="8" name="吹き出し: 四角形 7">
+            <a:extLst>
+              <a:ext uri="{FF2B5EF4-FFF2-40B4-BE49-F238E27FC236}">
+                <a16:creationId xmlns:a16="http://schemas.microsoft.com/office/drawing/2014/main" id="{12F0A826-4C99-48A7-B36D-03DBE2118E07}"/>
+              </a:ext>
+            </a:extLst>
+          </p:cNvPr>
           <p:cNvSpPr/>
           <p:nvPr/>
         </p:nvSpPr>
         <p:spPr>
           <a:xfrm>
-            <a:off x="125279" y="3468894"/>
-            <a:ext cx="2893228" cy="2109354"/>
-          </a:xfrm>
-          <a:prstGeom prst="rect">
-            <a:avLst/>
+            <a:off x="7577598" y="3057525"/>
+            <a:ext cx="4629150" cy="1143000"/>
+          </a:xfrm>
+          <a:prstGeom prst="wedgeRectCallout">
+            <a:avLst>
+              <a:gd name="adj1" fmla="val -48617"/>
+              <a:gd name="adj2" fmla="val -64166"/>
+            </a:avLst>
           </a:prstGeom>
           <a:noFill/>
-          <a:ln w="76200">
+          <a:ln>
             <a:solidFill>
-              <a:srgbClr val="FF0000"/>
+              <a:schemeClr val="tx1"/>
             </a:solidFill>
           </a:ln>
         </p:spPr>
@@ -5028,25 +8981,60 @@
           <a:lstStyle/>
           <a:p>
             <a:pPr algn="ctr"/>
-            <a:endParaRPr kumimoji="1" lang="ja-JP" altLang="en-US"/>
-          </a:p>
-        </p:txBody>
-      </p:sp>
-      <p:sp>
-        <p:nvSpPr>
-          <p:cNvPr id="9" name="四角形吹き出し 8"/>
+            <a:r>
+              <a:rPr kumimoji="1" lang="ja-JP" altLang="en-US" dirty="0">
+                <a:solidFill>
+                  <a:schemeClr val="tx1"/>
+                </a:solidFill>
+                <a:latin typeface="チェックポイント．（ピリオド）" panose="02000600000000000000" pitchFamily="50" charset="-128"/>
+                <a:ea typeface="チェックポイント．（ピリオド）" panose="02000600000000000000" pitchFamily="50" charset="-128"/>
+              </a:rPr>
+              <a:t>ここは現在のミサイルの</a:t>
+            </a:r>
+            <a:endParaRPr kumimoji="1" lang="en-US" altLang="ja-JP" dirty="0">
+              <a:solidFill>
+                <a:schemeClr val="tx1"/>
+              </a:solidFill>
+              <a:latin typeface="チェックポイント．（ピリオド）" panose="02000600000000000000" pitchFamily="50" charset="-128"/>
+              <a:ea typeface="チェックポイント．（ピリオド）" panose="02000600000000000000" pitchFamily="50" charset="-128"/>
+            </a:endParaRPr>
+          </a:p>
+          <a:p>
+            <a:pPr algn="ctr"/>
+            <a:r>
+              <a:rPr kumimoji="1" lang="ja-JP" altLang="en-US" dirty="0">
+                <a:solidFill>
+                  <a:schemeClr val="tx1"/>
+                </a:solidFill>
+                <a:latin typeface="チェックポイント．（ピリオド）" panose="02000600000000000000" pitchFamily="50" charset="-128"/>
+                <a:ea typeface="チェックポイント．（ピリオド）" panose="02000600000000000000" pitchFamily="50" charset="-128"/>
+              </a:rPr>
+              <a:t>リキャストタイムが表示されています。</a:t>
+            </a:r>
+          </a:p>
+        </p:txBody>
+      </p:sp>
+      <p:sp>
+        <p:nvSpPr>
+          <p:cNvPr id="9" name="吹き出し: 四角形 8">
+            <a:extLst>
+              <a:ext uri="{FF2B5EF4-FFF2-40B4-BE49-F238E27FC236}">
+                <a16:creationId xmlns:a16="http://schemas.microsoft.com/office/drawing/2014/main" id="{B25F11CC-0810-44FB-85E5-6AFA2E713B6D}"/>
+              </a:ext>
+            </a:extLst>
+          </p:cNvPr>
           <p:cNvSpPr/>
           <p:nvPr/>
         </p:nvSpPr>
         <p:spPr>
           <a:xfrm>
-            <a:off x="-1" y="5807034"/>
-            <a:ext cx="10335987" cy="1050966"/>
+            <a:off x="1805447" y="5319712"/>
+            <a:ext cx="5772151" cy="1143000"/>
           </a:xfrm>
           <a:prstGeom prst="wedgeRectCallout">
             <a:avLst>
-              <a:gd name="adj1" fmla="val -32249"/>
-              <a:gd name="adj2" fmla="val -75092"/>
+              <a:gd name="adj1" fmla="val -13615"/>
+              <a:gd name="adj2" fmla="val -74166"/>
             </a:avLst>
           </a:prstGeom>
           <a:solidFill>
@@ -5080,90 +9068,41 @@
           <a:p>
             <a:pPr algn="ctr"/>
             <a:r>
-              <a:rPr kumimoji="1" lang="ja-JP" altLang="en-US" dirty="0" smtClean="0">
-                <a:solidFill>
-                  <a:schemeClr val="tx1"/>
-                </a:solidFill>
-                <a:latin typeface="HGP創英角ﾎﾟｯﾌﾟ体" panose="040B0A00000000000000" pitchFamily="50" charset="-128"/>
-                <a:ea typeface="HGP創英角ﾎﾟｯﾌﾟ体" panose="040B0A00000000000000" pitchFamily="50" charset="-128"/>
-              </a:rPr>
-              <a:t>ここでは兵舎全体のレベルアップができたり次のレベルアップまでの条件を確認することができる</a:t>
-            </a:r>
-            <a:endParaRPr kumimoji="1" lang="en-US" altLang="ja-JP" dirty="0" smtClean="0">
-              <a:solidFill>
-                <a:schemeClr val="tx1"/>
-              </a:solidFill>
-              <a:latin typeface="HGP創英角ﾎﾟｯﾌﾟ体" panose="040B0A00000000000000" pitchFamily="50" charset="-128"/>
-              <a:ea typeface="HGP創英角ﾎﾟｯﾌﾟ体" panose="040B0A00000000000000" pitchFamily="50" charset="-128"/>
-            </a:endParaRPr>
-          </a:p>
-          <a:p>
-            <a:pPr algn="ctr"/>
-            <a:r>
               <a:rPr lang="ja-JP" altLang="en-US" dirty="0">
                 <a:solidFill>
                   <a:schemeClr val="tx1"/>
                 </a:solidFill>
-                <a:latin typeface="HGP創英角ﾎﾟｯﾌﾟ体" panose="040B0A00000000000000" pitchFamily="50" charset="-128"/>
-                <a:ea typeface="HGP創英角ﾎﾟｯﾌﾟ体" panose="040B0A00000000000000" pitchFamily="50" charset="-128"/>
+                <a:latin typeface="チェックポイント．（ピリオド）" panose="02000600000000000000" pitchFamily="50" charset="-128"/>
+                <a:ea typeface="チェックポイント．（ピリオド）" panose="02000600000000000000" pitchFamily="50" charset="-128"/>
               </a:rPr>
-              <a:t>兵舎</a:t>
-            </a:r>
-            <a:r>
-              <a:rPr lang="ja-JP" altLang="en-US" dirty="0" smtClean="0">
+              <a:t>ここは次のレベルアップ条件とレベルアップした際の</a:t>
+            </a:r>
+            <a:endParaRPr lang="en-US" altLang="ja-JP" dirty="0">
+              <a:solidFill>
+                <a:schemeClr val="tx1"/>
+              </a:solidFill>
+              <a:latin typeface="チェックポイント．（ピリオド）" panose="02000600000000000000" pitchFamily="50" charset="-128"/>
+              <a:ea typeface="チェックポイント．（ピリオド）" panose="02000600000000000000" pitchFamily="50" charset="-128"/>
+            </a:endParaRPr>
+          </a:p>
+          <a:p>
+            <a:pPr algn="ctr"/>
+            <a:r>
+              <a:rPr lang="ja-JP" altLang="en-US" dirty="0">
                 <a:solidFill>
                   <a:schemeClr val="tx1"/>
                 </a:solidFill>
-                <a:latin typeface="HGP創英角ﾎﾟｯﾌﾟ体" panose="040B0A00000000000000" pitchFamily="50" charset="-128"/>
-                <a:ea typeface="HGP創英角ﾎﾟｯﾌﾟ体" panose="040B0A00000000000000" pitchFamily="50" charset="-128"/>
+                <a:latin typeface="チェックポイント．（ピリオド）" panose="02000600000000000000" pitchFamily="50" charset="-128"/>
+                <a:ea typeface="チェックポイント．（ピリオド）" panose="02000600000000000000" pitchFamily="50" charset="-128"/>
               </a:rPr>
-              <a:t>をレベルアップすることにより兵士の攻撃力などステータスがアップする</a:t>
+              <a:t>リキャストタイムが表示されています。</a:t>
             </a:r>
             <a:endParaRPr kumimoji="1" lang="ja-JP" altLang="en-US" dirty="0">
               <a:solidFill>
                 <a:schemeClr val="tx1"/>
               </a:solidFill>
-              <a:latin typeface="HGP創英角ﾎﾟｯﾌﾟ体" panose="040B0A00000000000000" pitchFamily="50" charset="-128"/>
-              <a:ea typeface="HGP創英角ﾎﾟｯﾌﾟ体" panose="040B0A00000000000000" pitchFamily="50" charset="-128"/>
-            </a:endParaRPr>
-          </a:p>
-        </p:txBody>
-      </p:sp>
-      <p:sp>
-        <p:nvSpPr>
-          <p:cNvPr id="11" name="テキスト ボックス 10"/>
-          <p:cNvSpPr txBox="1"/>
-          <p:nvPr/>
-        </p:nvSpPr>
-        <p:spPr>
-          <a:xfrm>
-            <a:off x="3336965" y="95278"/>
-            <a:ext cx="5047013" cy="830997"/>
-          </a:xfrm>
-          <a:prstGeom prst="rect">
-            <a:avLst/>
-          </a:prstGeom>
-          <a:solidFill>
-            <a:schemeClr val="accent4"/>
-          </a:solidFill>
-        </p:spPr>
-        <p:txBody>
-          <a:bodyPr wrap="square" rtlCol="0">
-            <a:spAutoFit/>
-          </a:bodyPr>
-          <a:lstStyle/>
-          <a:p>
-            <a:pPr algn="ctr"/>
-            <a:r>
-              <a:rPr kumimoji="1" lang="ja-JP" altLang="en-US" sz="4800" dirty="0" smtClean="0">
-                <a:latin typeface="HGP創英角ﾎﾟｯﾌﾟ体" panose="040B0A00000000000000" pitchFamily="50" charset="-128"/>
-                <a:ea typeface="HGP創英角ﾎﾟｯﾌﾟ体" panose="040B0A00000000000000" pitchFamily="50" charset="-128"/>
-              </a:rPr>
-              <a:t>ヘルプ：兵舎</a:t>
-            </a:r>
-            <a:endParaRPr kumimoji="1" lang="ja-JP" altLang="en-US" dirty="0">
-              <a:latin typeface="HGP創英角ﾎﾟｯﾌﾟ体" panose="040B0A00000000000000" pitchFamily="50" charset="-128"/>
-              <a:ea typeface="HGP創英角ﾎﾟｯﾌﾟ体" panose="040B0A00000000000000" pitchFamily="50" charset="-128"/>
+              <a:latin typeface="チェックポイント．（ピリオド）" panose="02000600000000000000" pitchFamily="50" charset="-128"/>
+              <a:ea typeface="チェックポイント．（ピリオド）" panose="02000600000000000000" pitchFamily="50" charset="-128"/>
             </a:endParaRPr>
           </a:p>
         </p:txBody>
@@ -5171,20 +9110,13 @@
     </p:spTree>
     <p:extLst>
       <p:ext uri="{BB962C8B-B14F-4D97-AF65-F5344CB8AC3E}">
-        <p14:creationId xmlns:p14="http://schemas.microsoft.com/office/powerpoint/2010/main" val="2652714344"/>
+        <p14:creationId xmlns:p14="http://schemas.microsoft.com/office/powerpoint/2010/main" val="2766439778"/>
       </p:ext>
     </p:extLst>
   </p:cSld>
   <p:clrMapOvr>
     <a:masterClrMapping/>
   </p:clrMapOvr>
-  <p:timing>
-    <p:tnLst>
-      <p:par>
-        <p:cTn id="1" dur="indefinite" restart="never" nodeType="tmRoot"/>
-      </p:par>
-    </p:tnLst>
-  </p:timing>
 </p:sld>
 </file>
 
@@ -5447,4 +9379,299 @@
     </a:ext>
   </a:extLst>
 </a:theme>
+</file>
+
+<file path=ppt/theme/theme2.xml><?xml version="1.0" encoding="utf-8"?>
+<a:theme xmlns:a="http://schemas.openxmlformats.org/drawingml/2006/main" name="Office テーマ">
+  <a:themeElements>
+    <a:clrScheme name="Office">
+      <a:dk1>
+        <a:sysClr val="windowText" lastClr="000000"/>
+      </a:dk1>
+      <a:lt1>
+        <a:sysClr val="window" lastClr="FFFFFF"/>
+      </a:lt1>
+      <a:dk2>
+        <a:srgbClr val="44546A"/>
+      </a:dk2>
+      <a:lt2>
+        <a:srgbClr val="E7E6E6"/>
+      </a:lt2>
+      <a:accent1>
+        <a:srgbClr val="4472C4"/>
+      </a:accent1>
+      <a:accent2>
+        <a:srgbClr val="ED7D31"/>
+      </a:accent2>
+      <a:accent3>
+        <a:srgbClr val="A5A5A5"/>
+      </a:accent3>
+      <a:accent4>
+        <a:srgbClr val="FFC000"/>
+      </a:accent4>
+      <a:accent5>
+        <a:srgbClr val="5B9BD5"/>
+      </a:accent5>
+      <a:accent6>
+        <a:srgbClr val="70AD47"/>
+      </a:accent6>
+      <a:hlink>
+        <a:srgbClr val="0563C1"/>
+      </a:hlink>
+      <a:folHlink>
+        <a:srgbClr val="954F72"/>
+      </a:folHlink>
+    </a:clrScheme>
+    <a:fontScheme name="Office">
+      <a:majorFont>
+        <a:latin typeface="游ゴシック Light" panose="020F0302020204030204"/>
+        <a:ea typeface=""/>
+        <a:cs typeface=""/>
+        <a:font script="Jpan" typeface="游ゴシック Light"/>
+        <a:font script="Hang" typeface="맑은 고딕"/>
+        <a:font script="Hans" typeface="等线 Light"/>
+        <a:font script="Hant" typeface="新細明體"/>
+        <a:font script="Arab" typeface="Times New Roman"/>
+        <a:font script="Hebr" typeface="Times New Roman"/>
+        <a:font script="Thai" typeface="Angsana New"/>
+        <a:font script="Ethi" typeface="Nyala"/>
+        <a:font script="Beng" typeface="Vrinda"/>
+        <a:font script="Gujr" typeface="Shruti"/>
+        <a:font script="Khmr" typeface="MoolBoran"/>
+        <a:font script="Knda" typeface="Tunga"/>
+        <a:font script="Guru" typeface="Raavi"/>
+        <a:font script="Cans" typeface="Euphemia"/>
+        <a:font script="Cher" typeface="Plantagenet Cherokee"/>
+        <a:font script="Yiii" typeface="Microsoft Yi Baiti"/>
+        <a:font script="Tibt" typeface="Microsoft Himalaya"/>
+        <a:font script="Thaa" typeface="MV Boli"/>
+        <a:font script="Deva" typeface="Mangal"/>
+        <a:font script="Telu" typeface="Gautami"/>
+        <a:font script="Taml" typeface="Latha"/>
+        <a:font script="Syrc" typeface="Estrangelo Edessa"/>
+        <a:font script="Orya" typeface="Kalinga"/>
+        <a:font script="Mlym" typeface="Kartika"/>
+        <a:font script="Laoo" typeface="DokChampa"/>
+        <a:font script="Sinh" typeface="Iskoola Pota"/>
+        <a:font script="Mong" typeface="Mongolian Baiti"/>
+        <a:font script="Viet" typeface="Times New Roman"/>
+        <a:font script="Uigh" typeface="Microsoft Uighur"/>
+        <a:font script="Geor" typeface="Sylfaen"/>
+        <a:font script="Armn" typeface="Arial"/>
+        <a:font script="Bugi" typeface="Leelawadee UI"/>
+        <a:font script="Bopo" typeface="Microsoft JhengHei"/>
+        <a:font script="Java" typeface="Javanese Text"/>
+        <a:font script="Lisu" typeface="Segoe UI"/>
+        <a:font script="Mymr" typeface="Myanmar Text"/>
+        <a:font script="Nkoo" typeface="Ebrima"/>
+        <a:font script="Olck" typeface="Nirmala UI"/>
+        <a:font script="Osma" typeface="Ebrima"/>
+        <a:font script="Phag" typeface="Phagspa"/>
+        <a:font script="Syrn" typeface="Estrangelo Edessa"/>
+        <a:font script="Syrj" typeface="Estrangelo Edessa"/>
+        <a:font script="Syre" typeface="Estrangelo Edessa"/>
+        <a:font script="Sora" typeface="Nirmala UI"/>
+        <a:font script="Tale" typeface="Microsoft Tai Le"/>
+        <a:font script="Talu" typeface="Microsoft New Tai Lue"/>
+        <a:font script="Tfng" typeface="Ebrima"/>
+      </a:majorFont>
+      <a:minorFont>
+        <a:latin typeface="游ゴシック" panose="020F0502020204030204"/>
+        <a:ea typeface=""/>
+        <a:cs typeface=""/>
+        <a:font script="Jpan" typeface="游ゴシック"/>
+        <a:font script="Hang" typeface="맑은 고딕"/>
+        <a:font script="Hans" typeface="等线"/>
+        <a:font script="Hant" typeface="新細明體"/>
+        <a:font script="Arab" typeface="Arial"/>
+        <a:font script="Hebr" typeface="Arial"/>
+        <a:font script="Thai" typeface="Cordia New"/>
+        <a:font script="Ethi" typeface="Nyala"/>
+        <a:font script="Beng" typeface="Vrinda"/>
+        <a:font script="Gujr" typeface="Shruti"/>
+        <a:font script="Khmr" typeface="DaunPenh"/>
+        <a:font script="Knda" typeface="Tunga"/>
+        <a:font script="Guru" typeface="Raavi"/>
+        <a:font script="Cans" typeface="Euphemia"/>
+        <a:font script="Cher" typeface="Plantagenet Cherokee"/>
+        <a:font script="Yiii" typeface="Microsoft Yi Baiti"/>
+        <a:font script="Tibt" typeface="Microsoft Himalaya"/>
+        <a:font script="Thaa" typeface="MV Boli"/>
+        <a:font script="Deva" typeface="Mangal"/>
+        <a:font script="Telu" typeface="Gautami"/>
+        <a:font script="Taml" typeface="Latha"/>
+        <a:font script="Syrc" typeface="Estrangelo Edessa"/>
+        <a:font script="Orya" typeface="Kalinga"/>
+        <a:font script="Mlym" typeface="Kartika"/>
+        <a:font script="Laoo" typeface="DokChampa"/>
+        <a:font script="Sinh" typeface="Iskoola Pota"/>
+        <a:font script="Mong" typeface="Mongolian Baiti"/>
+        <a:font script="Viet" typeface="Arial"/>
+        <a:font script="Uigh" typeface="Microsoft Uighur"/>
+        <a:font script="Geor" typeface="Sylfaen"/>
+        <a:font script="Armn" typeface="Arial"/>
+        <a:font script="Bugi" typeface="Leelawadee UI"/>
+        <a:font script="Bopo" typeface="Microsoft JhengHei"/>
+        <a:font script="Java" typeface="Javanese Text"/>
+        <a:font script="Lisu" typeface="Segoe UI"/>
+        <a:font script="Mymr" typeface="Myanmar Text"/>
+        <a:font script="Nkoo" typeface="Ebrima"/>
+        <a:font script="Olck" typeface="Nirmala UI"/>
+        <a:font script="Osma" typeface="Ebrima"/>
+        <a:font script="Phag" typeface="Phagspa"/>
+        <a:font script="Syrn" typeface="Estrangelo Edessa"/>
+        <a:font script="Syrj" typeface="Estrangelo Edessa"/>
+        <a:font script="Syre" typeface="Estrangelo Edessa"/>
+        <a:font script="Sora" typeface="Nirmala UI"/>
+        <a:font script="Tale" typeface="Microsoft Tai Le"/>
+        <a:font script="Talu" typeface="Microsoft New Tai Lue"/>
+        <a:font script="Tfng" typeface="Ebrima"/>
+      </a:minorFont>
+    </a:fontScheme>
+    <a:fmtScheme name="Office">
+      <a:fillStyleLst>
+        <a:solidFill>
+          <a:schemeClr val="phClr"/>
+        </a:solidFill>
+        <a:gradFill rotWithShape="1">
+          <a:gsLst>
+            <a:gs pos="0">
+              <a:schemeClr val="phClr">
+                <a:lumMod val="110000"/>
+                <a:satMod val="105000"/>
+                <a:tint val="67000"/>
+              </a:schemeClr>
+            </a:gs>
+            <a:gs pos="50000">
+              <a:schemeClr val="phClr">
+                <a:lumMod val="105000"/>
+                <a:satMod val="103000"/>
+                <a:tint val="73000"/>
+              </a:schemeClr>
+            </a:gs>
+            <a:gs pos="100000">
+              <a:schemeClr val="phClr">
+                <a:lumMod val="105000"/>
+                <a:satMod val="109000"/>
+                <a:tint val="81000"/>
+              </a:schemeClr>
+            </a:gs>
+          </a:gsLst>
+          <a:lin ang="5400000" scaled="0"/>
+        </a:gradFill>
+        <a:gradFill rotWithShape="1">
+          <a:gsLst>
+            <a:gs pos="0">
+              <a:schemeClr val="phClr">
+                <a:satMod val="103000"/>
+                <a:lumMod val="102000"/>
+                <a:tint val="94000"/>
+              </a:schemeClr>
+            </a:gs>
+            <a:gs pos="50000">
+              <a:schemeClr val="phClr">
+                <a:satMod val="110000"/>
+                <a:lumMod val="100000"/>
+                <a:shade val="100000"/>
+              </a:schemeClr>
+            </a:gs>
+            <a:gs pos="100000">
+              <a:schemeClr val="phClr">
+                <a:lumMod val="99000"/>
+                <a:satMod val="120000"/>
+                <a:shade val="78000"/>
+              </a:schemeClr>
+            </a:gs>
+          </a:gsLst>
+          <a:lin ang="5400000" scaled="0"/>
+        </a:gradFill>
+      </a:fillStyleLst>
+      <a:lnStyleLst>
+        <a:ln w="6350" cap="flat" cmpd="sng" algn="ctr">
+          <a:solidFill>
+            <a:schemeClr val="phClr"/>
+          </a:solidFill>
+          <a:prstDash val="solid"/>
+          <a:miter lim="800000"/>
+        </a:ln>
+        <a:ln w="12700" cap="flat" cmpd="sng" algn="ctr">
+          <a:solidFill>
+            <a:schemeClr val="phClr"/>
+          </a:solidFill>
+          <a:prstDash val="solid"/>
+          <a:miter lim="800000"/>
+        </a:ln>
+        <a:ln w="19050" cap="flat" cmpd="sng" algn="ctr">
+          <a:solidFill>
+            <a:schemeClr val="phClr"/>
+          </a:solidFill>
+          <a:prstDash val="solid"/>
+          <a:miter lim="800000"/>
+        </a:ln>
+      </a:lnStyleLst>
+      <a:effectStyleLst>
+        <a:effectStyle>
+          <a:effectLst/>
+        </a:effectStyle>
+        <a:effectStyle>
+          <a:effectLst/>
+        </a:effectStyle>
+        <a:effectStyle>
+          <a:effectLst>
+            <a:outerShdw blurRad="57150" dist="19050" dir="5400000" algn="ctr" rotWithShape="0">
+              <a:srgbClr val="000000">
+                <a:alpha val="63000"/>
+              </a:srgbClr>
+            </a:outerShdw>
+          </a:effectLst>
+        </a:effectStyle>
+      </a:effectStyleLst>
+      <a:bgFillStyleLst>
+        <a:solidFill>
+          <a:schemeClr val="phClr"/>
+        </a:solidFill>
+        <a:solidFill>
+          <a:schemeClr val="phClr">
+            <a:tint val="95000"/>
+            <a:satMod val="170000"/>
+          </a:schemeClr>
+        </a:solidFill>
+        <a:gradFill rotWithShape="1">
+          <a:gsLst>
+            <a:gs pos="0">
+              <a:schemeClr val="phClr">
+                <a:tint val="93000"/>
+                <a:satMod val="150000"/>
+                <a:shade val="98000"/>
+                <a:lumMod val="102000"/>
+              </a:schemeClr>
+            </a:gs>
+            <a:gs pos="50000">
+              <a:schemeClr val="phClr">
+                <a:tint val="98000"/>
+                <a:satMod val="130000"/>
+                <a:shade val="90000"/>
+                <a:lumMod val="103000"/>
+              </a:schemeClr>
+            </a:gs>
+            <a:gs pos="100000">
+              <a:schemeClr val="phClr">
+                <a:shade val="63000"/>
+                <a:satMod val="120000"/>
+              </a:schemeClr>
+            </a:gs>
+          </a:gsLst>
+          <a:lin ang="5400000" scaled="0"/>
+        </a:gradFill>
+      </a:bgFillStyleLst>
+    </a:fmtScheme>
+  </a:themeElements>
+  <a:objectDefaults/>
+  <a:extraClrSchemeLst/>
+  <a:extLst>
+    <a:ext uri="{05A4C25C-085E-4340-85A3-A5531E510DB2}">
+      <thm15:themeFamily xmlns:thm15="http://schemas.microsoft.com/office/thememl/2012/main" name="Office Theme" id="{62F939B6-93AF-4DB8-9C6B-D6C7DFDC589F}" vid="{4A3C46E8-61CC-4603-A589-7422A47A8E4A}"/>
+    </a:ext>
+  </a:extLst>
+</a:theme>
 </file>
--- a/説明文.pptx
+++ b/説明文.pptx
@@ -3632,7 +3632,7 @@
           <p:cNvPr id="4" name="図 3" descr="スクリーンショット が含まれている画像&#10;&#10;自動的に生成された説明">
             <a:extLst>
               <a:ext uri="{FF2B5EF4-FFF2-40B4-BE49-F238E27FC236}">
-                <a16:creationId xmlns:a16="http://schemas.microsoft.com/office/drawing/2014/main" id="{48282D74-7C89-4D68-8F6E-D62AC9485402}"/>
+                <a16:creationId xmlns:a16="http://schemas.microsoft.com/office/drawing/2014/main" xmlns="" id="{48282D74-7C89-4D68-8F6E-D62AC9485402}"/>
               </a:ext>
             </a:extLst>
           </p:cNvPr>
@@ -3967,7 +3967,7 @@
           <p:cNvPr id="6" name="正方形/長方形 5">
             <a:extLst>
               <a:ext uri="{FF2B5EF4-FFF2-40B4-BE49-F238E27FC236}">
-                <a16:creationId xmlns:a16="http://schemas.microsoft.com/office/drawing/2014/main" id="{E239D52D-8A0E-45C2-9D76-49681F4F3023}"/>
+                <a16:creationId xmlns:a16="http://schemas.microsoft.com/office/drawing/2014/main" xmlns="" id="{E239D52D-8A0E-45C2-9D76-49681F4F3023}"/>
               </a:ext>
             </a:extLst>
           </p:cNvPr>
@@ -4019,7 +4019,7 @@
           <p:cNvPr id="12" name="正方形/長方形 11">
             <a:extLst>
               <a:ext uri="{FF2B5EF4-FFF2-40B4-BE49-F238E27FC236}">
-                <a16:creationId xmlns:a16="http://schemas.microsoft.com/office/drawing/2014/main" id="{44B16076-58F3-411C-BA21-CC2F6BFDF2CA}"/>
+                <a16:creationId xmlns:a16="http://schemas.microsoft.com/office/drawing/2014/main" xmlns="" id="{44B16076-58F3-411C-BA21-CC2F6BFDF2CA}"/>
               </a:ext>
             </a:extLst>
           </p:cNvPr>
@@ -4071,7 +4071,7 @@
           <p:cNvPr id="13" name="正方形/長方形 12">
             <a:extLst>
               <a:ext uri="{FF2B5EF4-FFF2-40B4-BE49-F238E27FC236}">
-                <a16:creationId xmlns:a16="http://schemas.microsoft.com/office/drawing/2014/main" id="{48971A5D-F76B-4813-83D2-2D825B6A3202}"/>
+                <a16:creationId xmlns:a16="http://schemas.microsoft.com/office/drawing/2014/main" xmlns="" id="{48971A5D-F76B-4813-83D2-2D825B6A3202}"/>
               </a:ext>
             </a:extLst>
           </p:cNvPr>
@@ -4161,7 +4161,7 @@
           <p:cNvPr id="3" name="図 2" descr="物体 が含まれている画像&#10;&#10;自動的に生成された説明">
             <a:extLst>
               <a:ext uri="{FF2B5EF4-FFF2-40B4-BE49-F238E27FC236}">
-                <a16:creationId xmlns:a16="http://schemas.microsoft.com/office/drawing/2014/main" id="{69BA893B-4907-48D5-8940-A23E267BFE4C}"/>
+                <a16:creationId xmlns:a16="http://schemas.microsoft.com/office/drawing/2014/main" xmlns="" id="{69BA893B-4907-48D5-8940-A23E267BFE4C}"/>
               </a:ext>
             </a:extLst>
           </p:cNvPr>
@@ -4246,7 +4246,47 @@
                 <a:latin typeface="チェックポイント．（ピリオド）" panose="02000600000000000000" pitchFamily="50" charset="-128"/>
                 <a:ea typeface="チェックポイント．（ピリオド）" panose="02000600000000000000" pitchFamily="50" charset="-128"/>
               </a:rPr>
-              <a:t>ここをクリックすると今所持している</a:t>
+              <a:t>ここをクリックする</a:t>
+            </a:r>
+            <a:r>
+              <a:rPr lang="ja-JP" altLang="en-US" dirty="0" smtClean="0">
+                <a:solidFill>
+                  <a:schemeClr val="tx1"/>
+                </a:solidFill>
+                <a:latin typeface="チェックポイント．（ピリオド）" panose="02000600000000000000" pitchFamily="50" charset="-128"/>
+                <a:ea typeface="チェックポイント．（ピリオド）" panose="02000600000000000000" pitchFamily="50" charset="-128"/>
+              </a:rPr>
+              <a:t>と</a:t>
+            </a:r>
+            <a:endParaRPr lang="en-US" altLang="ja-JP" dirty="0" smtClean="0">
+              <a:solidFill>
+                <a:schemeClr val="tx1"/>
+              </a:solidFill>
+              <a:latin typeface="チェックポイント．（ピリオド）" panose="02000600000000000000" pitchFamily="50" charset="-128"/>
+              <a:ea typeface="チェックポイント．（ピリオド）" panose="02000600000000000000" pitchFamily="50" charset="-128"/>
+            </a:endParaRPr>
+          </a:p>
+          <a:p>
+            <a:pPr algn="ctr"/>
+            <a:r>
+              <a:rPr lang="ja-JP" altLang="en-US" dirty="0" smtClean="0">
+                <a:solidFill>
+                  <a:schemeClr val="tx1"/>
+                </a:solidFill>
+                <a:latin typeface="チェックポイント．（ピリオド）" panose="02000600000000000000" pitchFamily="50" charset="-128"/>
+                <a:ea typeface="チェックポイント．（ピリオド）" panose="02000600000000000000" pitchFamily="50" charset="-128"/>
+              </a:rPr>
+              <a:t>今</a:t>
+            </a:r>
+            <a:r>
+              <a:rPr lang="ja-JP" altLang="en-US" dirty="0">
+                <a:solidFill>
+                  <a:schemeClr val="tx1"/>
+                </a:solidFill>
+                <a:latin typeface="チェックポイント．（ピリオド）" panose="02000600000000000000" pitchFamily="50" charset="-128"/>
+                <a:ea typeface="チェックポイント．（ピリオド）" panose="02000600000000000000" pitchFamily="50" charset="-128"/>
+              </a:rPr>
+              <a:t>所持している</a:t>
             </a:r>
             <a:endParaRPr lang="en-US" altLang="ja-JP" dirty="0">
               <a:solidFill>
@@ -4639,7 +4679,7 @@
           <p:cNvPr id="13" name="正方形/長方形 12">
             <a:extLst>
               <a:ext uri="{FF2B5EF4-FFF2-40B4-BE49-F238E27FC236}">
-                <a16:creationId xmlns:a16="http://schemas.microsoft.com/office/drawing/2014/main" id="{A37BEE43-2066-46D6-8830-D8556B22304D}"/>
+                <a16:creationId xmlns:a16="http://schemas.microsoft.com/office/drawing/2014/main" xmlns="" id="{A37BEE43-2066-46D6-8830-D8556B22304D}"/>
               </a:ext>
             </a:extLst>
           </p:cNvPr>
@@ -4691,7 +4731,7 @@
           <p:cNvPr id="14" name="正方形/長方形 13">
             <a:extLst>
               <a:ext uri="{FF2B5EF4-FFF2-40B4-BE49-F238E27FC236}">
-                <a16:creationId xmlns:a16="http://schemas.microsoft.com/office/drawing/2014/main" id="{BA56A8B8-81E8-409C-8A37-384626294E40}"/>
+                <a16:creationId xmlns:a16="http://schemas.microsoft.com/office/drawing/2014/main" xmlns="" id="{BA56A8B8-81E8-409C-8A37-384626294E40}"/>
               </a:ext>
             </a:extLst>
           </p:cNvPr>
@@ -4743,7 +4783,7 @@
           <p:cNvPr id="15" name="正方形/長方形 14">
             <a:extLst>
               <a:ext uri="{FF2B5EF4-FFF2-40B4-BE49-F238E27FC236}">
-                <a16:creationId xmlns:a16="http://schemas.microsoft.com/office/drawing/2014/main" id="{AF0DEFD2-0EA7-416C-9349-A86003C1114B}"/>
+                <a16:creationId xmlns:a16="http://schemas.microsoft.com/office/drawing/2014/main" xmlns="" id="{AF0DEFD2-0EA7-416C-9349-A86003C1114B}"/>
               </a:ext>
             </a:extLst>
           </p:cNvPr>
@@ -4795,7 +4835,7 @@
           <p:cNvPr id="18" name="正方形/長方形 17">
             <a:extLst>
               <a:ext uri="{FF2B5EF4-FFF2-40B4-BE49-F238E27FC236}">
-                <a16:creationId xmlns:a16="http://schemas.microsoft.com/office/drawing/2014/main" id="{DFCE669F-B98A-49D5-9CD8-578BB88718CC}"/>
+                <a16:creationId xmlns:a16="http://schemas.microsoft.com/office/drawing/2014/main" xmlns="" id="{DFCE669F-B98A-49D5-9CD8-578BB88718CC}"/>
               </a:ext>
             </a:extLst>
           </p:cNvPr>
@@ -4877,7 +4917,7 @@
           <p:cNvPr id="3" name="図 2" descr="テキスト, スコアボード, 屋外, 標識 が含まれている画像&#10;&#10;自動的に生成された説明">
             <a:extLst>
               <a:ext uri="{FF2B5EF4-FFF2-40B4-BE49-F238E27FC236}">
-                <a16:creationId xmlns:a16="http://schemas.microsoft.com/office/drawing/2014/main" id="{D1EC1C6B-8E37-484B-BC32-54F28F2C22FE}"/>
+                <a16:creationId xmlns:a16="http://schemas.microsoft.com/office/drawing/2014/main" xmlns="" id="{D1EC1C6B-8E37-484B-BC32-54F28F2C22FE}"/>
               </a:ext>
             </a:extLst>
           </p:cNvPr>
@@ -4982,7 +5022,47 @@
                 <a:latin typeface="チェックポイント．（ピリオド）" panose="02000600000000000000" pitchFamily="50" charset="-128"/>
                 <a:ea typeface="チェックポイント．（ピリオド）" panose="02000600000000000000" pitchFamily="50" charset="-128"/>
               </a:rPr>
-              <a:t>振り分けることで研究所でできることが増える</a:t>
+              <a:t>振り分けること</a:t>
+            </a:r>
+            <a:r>
+              <a:rPr lang="ja-JP" altLang="en-US" dirty="0" smtClean="0">
+                <a:solidFill>
+                  <a:schemeClr val="tx1"/>
+                </a:solidFill>
+                <a:latin typeface="チェックポイント．（ピリオド）" panose="02000600000000000000" pitchFamily="50" charset="-128"/>
+                <a:ea typeface="チェックポイント．（ピリオド）" panose="02000600000000000000" pitchFamily="50" charset="-128"/>
+              </a:rPr>
+              <a:t>で</a:t>
+            </a:r>
+            <a:endParaRPr lang="en-US" altLang="ja-JP" dirty="0" smtClean="0">
+              <a:solidFill>
+                <a:schemeClr val="tx1"/>
+              </a:solidFill>
+              <a:latin typeface="チェックポイント．（ピリオド）" panose="02000600000000000000" pitchFamily="50" charset="-128"/>
+              <a:ea typeface="チェックポイント．（ピリオド）" panose="02000600000000000000" pitchFamily="50" charset="-128"/>
+            </a:endParaRPr>
+          </a:p>
+          <a:p>
+            <a:pPr algn="ctr"/>
+            <a:r>
+              <a:rPr lang="ja-JP" altLang="en-US" dirty="0" smtClean="0">
+                <a:solidFill>
+                  <a:schemeClr val="tx1"/>
+                </a:solidFill>
+                <a:latin typeface="チェックポイント．（ピリオド）" panose="02000600000000000000" pitchFamily="50" charset="-128"/>
+                <a:ea typeface="チェックポイント．（ピリオド）" panose="02000600000000000000" pitchFamily="50" charset="-128"/>
+              </a:rPr>
+              <a:t>研究所</a:t>
+            </a:r>
+            <a:r>
+              <a:rPr lang="ja-JP" altLang="en-US" dirty="0">
+                <a:solidFill>
+                  <a:schemeClr val="tx1"/>
+                </a:solidFill>
+                <a:latin typeface="チェックポイント．（ピリオド）" panose="02000600000000000000" pitchFamily="50" charset="-128"/>
+                <a:ea typeface="チェックポイント．（ピリオド）" panose="02000600000000000000" pitchFamily="50" charset="-128"/>
+              </a:rPr>
+              <a:t>でできることが増える</a:t>
             </a:r>
             <a:endParaRPr kumimoji="1" lang="ja-JP" altLang="en-US" dirty="0">
               <a:solidFill>
@@ -5049,7 +5129,47 @@
                 <a:latin typeface="チェックポイント．（ピリオド）" panose="02000600000000000000" pitchFamily="50" charset="-128"/>
                 <a:ea typeface="チェックポイント．（ピリオド）" panose="02000600000000000000" pitchFamily="50" charset="-128"/>
               </a:rPr>
-              <a:t>クリックするとミサイルのリキャストタイムと</a:t>
+              <a:t>クリックする</a:t>
+            </a:r>
+            <a:r>
+              <a:rPr lang="ja-JP" altLang="en-US" dirty="0" smtClean="0">
+                <a:solidFill>
+                  <a:schemeClr val="tx1"/>
+                </a:solidFill>
+                <a:latin typeface="チェックポイント．（ピリオド）" panose="02000600000000000000" pitchFamily="50" charset="-128"/>
+                <a:ea typeface="チェックポイント．（ピリオド）" panose="02000600000000000000" pitchFamily="50" charset="-128"/>
+              </a:rPr>
+              <a:t>と</a:t>
+            </a:r>
+            <a:endParaRPr lang="en-US" altLang="ja-JP" dirty="0" smtClean="0">
+              <a:solidFill>
+                <a:schemeClr val="tx1"/>
+              </a:solidFill>
+              <a:latin typeface="チェックポイント．（ピリオド）" panose="02000600000000000000" pitchFamily="50" charset="-128"/>
+              <a:ea typeface="チェックポイント．（ピリオド）" panose="02000600000000000000" pitchFamily="50" charset="-128"/>
+            </a:endParaRPr>
+          </a:p>
+          <a:p>
+            <a:pPr algn="ctr"/>
+            <a:r>
+              <a:rPr lang="ja-JP" altLang="en-US" dirty="0" smtClean="0">
+                <a:solidFill>
+                  <a:schemeClr val="tx1"/>
+                </a:solidFill>
+                <a:latin typeface="チェックポイント．（ピリオド）" panose="02000600000000000000" pitchFamily="50" charset="-128"/>
+                <a:ea typeface="チェックポイント．（ピリオド）" panose="02000600000000000000" pitchFamily="50" charset="-128"/>
+              </a:rPr>
+              <a:t>ミサイル</a:t>
+            </a:r>
+            <a:r>
+              <a:rPr lang="ja-JP" altLang="en-US" dirty="0">
+                <a:solidFill>
+                  <a:schemeClr val="tx1"/>
+                </a:solidFill>
+                <a:latin typeface="チェックポイント．（ピリオド）" panose="02000600000000000000" pitchFamily="50" charset="-128"/>
+                <a:ea typeface="チェックポイント．（ピリオド）" panose="02000600000000000000" pitchFamily="50" charset="-128"/>
+              </a:rPr>
+              <a:t>のリキャストタイムと</a:t>
             </a:r>
             <a:endParaRPr lang="en-US" altLang="ja-JP" dirty="0">
               <a:solidFill>
@@ -5069,7 +5189,47 @@
                 <a:latin typeface="チェックポイント．（ピリオド）" panose="02000600000000000000" pitchFamily="50" charset="-128"/>
                 <a:ea typeface="チェックポイント．（ピリオド）" panose="02000600000000000000" pitchFamily="50" charset="-128"/>
               </a:rPr>
-              <a:t>次のレベルアップまでの条件が確認できる</a:t>
+              <a:t>次のレベルアップまでの条件</a:t>
+            </a:r>
+            <a:r>
+              <a:rPr kumimoji="1" lang="ja-JP" altLang="en-US" dirty="0" smtClean="0">
+                <a:solidFill>
+                  <a:schemeClr val="tx1"/>
+                </a:solidFill>
+                <a:latin typeface="チェックポイント．（ピリオド）" panose="02000600000000000000" pitchFamily="50" charset="-128"/>
+                <a:ea typeface="チェックポイント．（ピリオド）" panose="02000600000000000000" pitchFamily="50" charset="-128"/>
+              </a:rPr>
+              <a:t>が</a:t>
+            </a:r>
+            <a:endParaRPr kumimoji="1" lang="en-US" altLang="ja-JP" dirty="0" smtClean="0">
+              <a:solidFill>
+                <a:schemeClr val="tx1"/>
+              </a:solidFill>
+              <a:latin typeface="チェックポイント．（ピリオド）" panose="02000600000000000000" pitchFamily="50" charset="-128"/>
+              <a:ea typeface="チェックポイント．（ピリオド）" panose="02000600000000000000" pitchFamily="50" charset="-128"/>
+            </a:endParaRPr>
+          </a:p>
+          <a:p>
+            <a:pPr algn="ctr"/>
+            <a:r>
+              <a:rPr kumimoji="1" lang="ja-JP" altLang="en-US" dirty="0" smtClean="0">
+                <a:solidFill>
+                  <a:schemeClr val="tx1"/>
+                </a:solidFill>
+                <a:latin typeface="チェックポイント．（ピリオド）" panose="02000600000000000000" pitchFamily="50" charset="-128"/>
+                <a:ea typeface="チェックポイント．（ピリオド）" panose="02000600000000000000" pitchFamily="50" charset="-128"/>
+              </a:rPr>
+              <a:t>確認</a:t>
+            </a:r>
+            <a:r>
+              <a:rPr kumimoji="1" lang="ja-JP" altLang="en-US" dirty="0">
+                <a:solidFill>
+                  <a:schemeClr val="tx1"/>
+                </a:solidFill>
+                <a:latin typeface="チェックポイント．（ピリオド）" panose="02000600000000000000" pitchFamily="50" charset="-128"/>
+                <a:ea typeface="チェックポイント．（ピリオド）" panose="02000600000000000000" pitchFamily="50" charset="-128"/>
+              </a:rPr>
+              <a:t>できる</a:t>
             </a:r>
           </a:p>
         </p:txBody>
@@ -5149,7 +5309,27 @@
                 <a:latin typeface="チェックポイント．（ピリオド）" panose="02000600000000000000" pitchFamily="50" charset="-128"/>
                 <a:ea typeface="チェックポイント．（ピリオド）" panose="02000600000000000000" pitchFamily="50" charset="-128"/>
               </a:rPr>
-              <a:t>作成に必要な資材</a:t>
+              <a:t>作成に必要な</a:t>
+            </a:r>
+            <a:r>
+              <a:rPr lang="ja-JP" altLang="en-US" dirty="0" smtClean="0">
+                <a:solidFill>
+                  <a:schemeClr val="tx1"/>
+                </a:solidFill>
+                <a:latin typeface="チェックポイント．（ピリオド）" panose="02000600000000000000" pitchFamily="50" charset="-128"/>
+                <a:ea typeface="チェックポイント．（ピリオド）" panose="02000600000000000000" pitchFamily="50" charset="-128"/>
+              </a:rPr>
+              <a:t>資材を</a:t>
+            </a:r>
+            <a:r>
+              <a:rPr kumimoji="1" lang="ja-JP" altLang="en-US" dirty="0" smtClean="0">
+                <a:solidFill>
+                  <a:schemeClr val="tx1"/>
+                </a:solidFill>
+                <a:latin typeface="チェックポイント．（ピリオド）" panose="02000600000000000000" pitchFamily="50" charset="-128"/>
+                <a:ea typeface="チェックポイント．（ピリオド）" panose="02000600000000000000" pitchFamily="50" charset="-128"/>
+              </a:rPr>
+              <a:t>確認</a:t>
             </a:r>
             <a:r>
               <a:rPr kumimoji="1" lang="ja-JP" altLang="en-US" dirty="0">
@@ -5159,7 +5339,7 @@
                 <a:latin typeface="チェックポイント．（ピリオド）" panose="02000600000000000000" pitchFamily="50" charset="-128"/>
                 <a:ea typeface="チェックポイント．（ピリオド）" panose="02000600000000000000" pitchFamily="50" charset="-128"/>
               </a:rPr>
-              <a:t>確認できる</a:t>
+              <a:t>できる</a:t>
             </a:r>
             <a:endParaRPr kumimoji="1" lang="en-US" altLang="ja-JP" dirty="0">
               <a:solidFill>
@@ -5266,9 +5446,19 @@
                 <a:latin typeface="チェックポイント．（ピリオド）" panose="02000600000000000000" pitchFamily="50" charset="-128"/>
                 <a:ea typeface="チェックポイント．（ピリオド）" panose="02000600000000000000" pitchFamily="50" charset="-128"/>
               </a:rPr>
-              <a:t>研究所をレベルアップすることにより武器の作成条件達成やミサイルのリキャストタイムが早くなったりポッドの</a:t>
-            </a:r>
-            <a:endParaRPr lang="en-US" altLang="ja-JP" dirty="0">
+              <a:t>研究所をレベルアップすることにより武器の作成条件達成</a:t>
+            </a:r>
+            <a:r>
+              <a:rPr lang="ja-JP" altLang="en-US" dirty="0" smtClean="0">
+                <a:solidFill>
+                  <a:schemeClr val="tx1"/>
+                </a:solidFill>
+                <a:latin typeface="チェックポイント．（ピリオド）" panose="02000600000000000000" pitchFamily="50" charset="-128"/>
+                <a:ea typeface="チェックポイント．（ピリオド）" panose="02000600000000000000" pitchFamily="50" charset="-128"/>
+              </a:rPr>
+              <a:t>や</a:t>
+            </a:r>
+            <a:endParaRPr lang="en-US" altLang="ja-JP" dirty="0" smtClean="0">
               <a:solidFill>
                 <a:schemeClr val="tx1"/>
               </a:solidFill>
@@ -5279,6 +5469,16 @@
           <a:p>
             <a:pPr algn="ctr"/>
             <a:r>
+              <a:rPr lang="ja-JP" altLang="en-US" dirty="0" smtClean="0">
+                <a:solidFill>
+                  <a:schemeClr val="tx1"/>
+                </a:solidFill>
+                <a:latin typeface="チェックポイント．（ピリオド）" panose="02000600000000000000" pitchFamily="50" charset="-128"/>
+                <a:ea typeface="チェックポイント．（ピリオド）" panose="02000600000000000000" pitchFamily="50" charset="-128"/>
+              </a:rPr>
+              <a:t>ミサイル</a:t>
+            </a:r>
+            <a:r>
               <a:rPr lang="ja-JP" altLang="en-US" dirty="0">
                 <a:solidFill>
                   <a:schemeClr val="tx1"/>
@@ -5286,7 +5486,27 @@
                 <a:latin typeface="チェックポイント．（ピリオド）" panose="02000600000000000000" pitchFamily="50" charset="-128"/>
                 <a:ea typeface="チェックポイント．（ピリオド）" panose="02000600000000000000" pitchFamily="50" charset="-128"/>
               </a:rPr>
-              <a:t>耐久力が上がる</a:t>
+              <a:t>のリキャストタイムが早くなったりポッド</a:t>
+            </a:r>
+            <a:r>
+              <a:rPr lang="ja-JP" altLang="en-US" dirty="0" smtClean="0">
+                <a:solidFill>
+                  <a:schemeClr val="tx1"/>
+                </a:solidFill>
+                <a:latin typeface="チェックポイント．（ピリオド）" panose="02000600000000000000" pitchFamily="50" charset="-128"/>
+                <a:ea typeface="チェックポイント．（ピリオド）" panose="02000600000000000000" pitchFamily="50" charset="-128"/>
+              </a:rPr>
+              <a:t>の耐久力</a:t>
+            </a:r>
+            <a:r>
+              <a:rPr lang="ja-JP" altLang="en-US" dirty="0">
+                <a:solidFill>
+                  <a:schemeClr val="tx1"/>
+                </a:solidFill>
+                <a:latin typeface="チェックポイント．（ピリオド）" panose="02000600000000000000" pitchFamily="50" charset="-128"/>
+                <a:ea typeface="チェックポイント．（ピリオド）" panose="02000600000000000000" pitchFamily="50" charset="-128"/>
+              </a:rPr>
+              <a:t>が上がる</a:t>
             </a:r>
             <a:endParaRPr kumimoji="1" lang="ja-JP" altLang="en-US" dirty="0">
               <a:solidFill>
@@ -5342,7 +5562,7 @@
           <p:cNvPr id="10" name="正方形/長方形 9">
             <a:extLst>
               <a:ext uri="{FF2B5EF4-FFF2-40B4-BE49-F238E27FC236}">
-                <a16:creationId xmlns:a16="http://schemas.microsoft.com/office/drawing/2014/main" id="{6FFE011D-710D-4A4F-9825-141048483DC9}"/>
+                <a16:creationId xmlns:a16="http://schemas.microsoft.com/office/drawing/2014/main" xmlns="" id="{6FFE011D-710D-4A4F-9825-141048483DC9}"/>
               </a:ext>
             </a:extLst>
           </p:cNvPr>
@@ -5394,7 +5614,7 @@
           <p:cNvPr id="11" name="正方形/長方形 10">
             <a:extLst>
               <a:ext uri="{FF2B5EF4-FFF2-40B4-BE49-F238E27FC236}">
-                <a16:creationId xmlns:a16="http://schemas.microsoft.com/office/drawing/2014/main" id="{E20945F6-E8A3-4843-8AA8-C3CA375AAF01}"/>
+                <a16:creationId xmlns:a16="http://schemas.microsoft.com/office/drawing/2014/main" xmlns="" id="{E20945F6-E8A3-4843-8AA8-C3CA375AAF01}"/>
               </a:ext>
             </a:extLst>
           </p:cNvPr>
@@ -5446,7 +5666,7 @@
           <p:cNvPr id="12" name="正方形/長方形 11">
             <a:extLst>
               <a:ext uri="{FF2B5EF4-FFF2-40B4-BE49-F238E27FC236}">
-                <a16:creationId xmlns:a16="http://schemas.microsoft.com/office/drawing/2014/main" id="{7A027602-FE49-443B-B979-695A16DF3603}"/>
+                <a16:creationId xmlns:a16="http://schemas.microsoft.com/office/drawing/2014/main" xmlns="" id="{7A027602-FE49-443B-B979-695A16DF3603}"/>
               </a:ext>
             </a:extLst>
           </p:cNvPr>
@@ -5498,7 +5718,7 @@
           <p:cNvPr id="13" name="正方形/長方形 12">
             <a:extLst>
               <a:ext uri="{FF2B5EF4-FFF2-40B4-BE49-F238E27FC236}">
-                <a16:creationId xmlns:a16="http://schemas.microsoft.com/office/drawing/2014/main" id="{6D5653B2-A431-4E41-A84C-D2D0A59D8FFF}"/>
+                <a16:creationId xmlns:a16="http://schemas.microsoft.com/office/drawing/2014/main" xmlns="" id="{6D5653B2-A431-4E41-A84C-D2D0A59D8FFF}"/>
               </a:ext>
             </a:extLst>
           </p:cNvPr>
@@ -5550,7 +5770,7 @@
           <p:cNvPr id="15" name="正方形/長方形 14">
             <a:extLst>
               <a:ext uri="{FF2B5EF4-FFF2-40B4-BE49-F238E27FC236}">
-                <a16:creationId xmlns:a16="http://schemas.microsoft.com/office/drawing/2014/main" id="{E0E6CB0D-AD4F-4358-8DF1-ECAD7B65F9F5}"/>
+                <a16:creationId xmlns:a16="http://schemas.microsoft.com/office/drawing/2014/main" xmlns="" id="{E0E6CB0D-AD4F-4358-8DF1-ECAD7B65F9F5}"/>
               </a:ext>
             </a:extLst>
           </p:cNvPr>
@@ -5602,7 +5822,7 @@
           <p:cNvPr id="16" name="四角形吹き出し 4">
             <a:extLst>
               <a:ext uri="{FF2B5EF4-FFF2-40B4-BE49-F238E27FC236}">
-                <a16:creationId xmlns:a16="http://schemas.microsoft.com/office/drawing/2014/main" id="{63DDAF72-AE4E-4AAC-AC6F-2CCD1ADC7265}"/>
+                <a16:creationId xmlns:a16="http://schemas.microsoft.com/office/drawing/2014/main" xmlns="" id="{63DDAF72-AE4E-4AAC-AC6F-2CCD1ADC7265}"/>
               </a:ext>
             </a:extLst>
           </p:cNvPr>
@@ -5698,7 +5918,7 @@
           <p:cNvPr id="3" name="図 2" descr="テキスト, 標識, 通り, 屋外 が含まれている画像&#10;&#10;自動的に生成された説明">
             <a:extLst>
               <a:ext uri="{FF2B5EF4-FFF2-40B4-BE49-F238E27FC236}">
-                <a16:creationId xmlns:a16="http://schemas.microsoft.com/office/drawing/2014/main" id="{EB877469-AC96-48FE-9472-8035C84EFB97}"/>
+                <a16:creationId xmlns:a16="http://schemas.microsoft.com/office/drawing/2014/main" xmlns="" id="{EB877469-AC96-48FE-9472-8035C84EFB97}"/>
               </a:ext>
             </a:extLst>
           </p:cNvPr>
@@ -5783,7 +6003,47 @@
                 <a:latin typeface="チェックポイント．（ピリオド）" panose="02000600000000000000" pitchFamily="50" charset="-128"/>
                 <a:ea typeface="チェックポイント．（ピリオド）" panose="02000600000000000000" pitchFamily="50" charset="-128"/>
               </a:rPr>
-              <a:t>ここでは好きなように住人を</a:t>
+              <a:t>ここでは好きなよう</a:t>
+            </a:r>
+            <a:r>
+              <a:rPr kumimoji="1" lang="ja-JP" altLang="en-US" sz="2000" dirty="0" smtClean="0">
+                <a:solidFill>
+                  <a:schemeClr val="tx1"/>
+                </a:solidFill>
+                <a:latin typeface="チェックポイント．（ピリオド）" panose="02000600000000000000" pitchFamily="50" charset="-128"/>
+                <a:ea typeface="チェックポイント．（ピリオド）" panose="02000600000000000000" pitchFamily="50" charset="-128"/>
+              </a:rPr>
+              <a:t>に</a:t>
+            </a:r>
+            <a:endParaRPr kumimoji="1" lang="en-US" altLang="ja-JP" sz="2000" dirty="0" smtClean="0">
+              <a:solidFill>
+                <a:schemeClr val="tx1"/>
+              </a:solidFill>
+              <a:latin typeface="チェックポイント．（ピリオド）" panose="02000600000000000000" pitchFamily="50" charset="-128"/>
+              <a:ea typeface="チェックポイント．（ピリオド）" panose="02000600000000000000" pitchFamily="50" charset="-128"/>
+            </a:endParaRPr>
+          </a:p>
+          <a:p>
+            <a:pPr algn="ctr"/>
+            <a:r>
+              <a:rPr kumimoji="1" lang="ja-JP" altLang="en-US" sz="2000" dirty="0" smtClean="0">
+                <a:solidFill>
+                  <a:schemeClr val="tx1"/>
+                </a:solidFill>
+                <a:latin typeface="チェックポイント．（ピリオド）" panose="02000600000000000000" pitchFamily="50" charset="-128"/>
+                <a:ea typeface="チェックポイント．（ピリオド）" panose="02000600000000000000" pitchFamily="50" charset="-128"/>
+              </a:rPr>
+              <a:t>住人を配置</a:t>
+            </a:r>
+            <a:r>
+              <a:rPr kumimoji="1" lang="ja-JP" altLang="en-US" sz="2000" dirty="0">
+                <a:solidFill>
+                  <a:schemeClr val="tx1"/>
+                </a:solidFill>
+                <a:latin typeface="チェックポイント．（ピリオド）" panose="02000600000000000000" pitchFamily="50" charset="-128"/>
+                <a:ea typeface="チェックポイント．（ピリオド）" panose="02000600000000000000" pitchFamily="50" charset="-128"/>
+              </a:rPr>
+              <a:t>することができる</a:t>
             </a:r>
             <a:endParaRPr kumimoji="1" lang="en-US" altLang="ja-JP" sz="2000" dirty="0">
               <a:solidFill>
@@ -5803,7 +6063,67 @@
                 <a:latin typeface="チェックポイント．（ピリオド）" panose="02000600000000000000" pitchFamily="50" charset="-128"/>
                 <a:ea typeface="チェックポイント．（ピリオド）" panose="02000600000000000000" pitchFamily="50" charset="-128"/>
               </a:rPr>
-              <a:t>配置することができる</a:t>
+              <a:t>配置することに</a:t>
+            </a:r>
+            <a:r>
+              <a:rPr kumimoji="1" lang="ja-JP" altLang="en-US" sz="2000" dirty="0" smtClean="0">
+                <a:solidFill>
+                  <a:schemeClr val="tx1"/>
+                </a:solidFill>
+                <a:latin typeface="チェックポイント．（ピリオド）" panose="02000600000000000000" pitchFamily="50" charset="-128"/>
+                <a:ea typeface="チェックポイント．（ピリオド）" panose="02000600000000000000" pitchFamily="50" charset="-128"/>
+              </a:rPr>
+              <a:t>よって</a:t>
+            </a:r>
+            <a:endParaRPr kumimoji="1" lang="en-US" altLang="ja-JP" sz="2000" dirty="0" smtClean="0">
+              <a:solidFill>
+                <a:schemeClr val="tx1"/>
+              </a:solidFill>
+              <a:latin typeface="チェックポイント．（ピリオド）" panose="02000600000000000000" pitchFamily="50" charset="-128"/>
+              <a:ea typeface="チェックポイント．（ピリオド）" panose="02000600000000000000" pitchFamily="50" charset="-128"/>
+            </a:endParaRPr>
+          </a:p>
+          <a:p>
+            <a:pPr algn="ctr"/>
+            <a:r>
+              <a:rPr kumimoji="1" lang="ja-JP" altLang="en-US" sz="2000" dirty="0" smtClean="0">
+                <a:solidFill>
+                  <a:schemeClr val="tx1"/>
+                </a:solidFill>
+                <a:latin typeface="チェックポイント．（ピリオド）" panose="02000600000000000000" pitchFamily="50" charset="-128"/>
+                <a:ea typeface="チェックポイント．（ピリオド）" panose="02000600000000000000" pitchFamily="50" charset="-128"/>
+              </a:rPr>
+              <a:t>バトル中の</a:t>
+            </a:r>
+            <a:endParaRPr lang="en-US" altLang="ja-JP" sz="2000" dirty="0">
+              <a:solidFill>
+                <a:schemeClr val="tx1"/>
+              </a:solidFill>
+              <a:latin typeface="チェックポイント．（ピリオド）" panose="02000600000000000000" pitchFamily="50" charset="-128"/>
+              <a:ea typeface="チェックポイント．（ピリオド）" panose="02000600000000000000" pitchFamily="50" charset="-128"/>
+            </a:endParaRPr>
+          </a:p>
+          <a:p>
+            <a:pPr algn="ctr"/>
+            <a:r>
+              <a:rPr kumimoji="1" lang="ja-JP" altLang="en-US" sz="2000" dirty="0" smtClean="0">
+                <a:solidFill>
+                  <a:schemeClr val="tx1"/>
+                </a:solidFill>
+                <a:latin typeface="チェックポイント．（ピリオド）" panose="02000600000000000000" pitchFamily="50" charset="-128"/>
+                <a:ea typeface="チェックポイント．（ピリオド）" panose="02000600000000000000" pitchFamily="50" charset="-128"/>
+              </a:rPr>
+              <a:t>ポット</a:t>
+            </a:r>
+            <a:r>
+              <a:rPr kumimoji="1" lang="ja-JP" altLang="en-US" sz="2000" dirty="0">
+                <a:solidFill>
+                  <a:schemeClr val="tx1"/>
+                </a:solidFill>
+                <a:latin typeface="チェックポイント．（ピリオド）" panose="02000600000000000000" pitchFamily="50" charset="-128"/>
+                <a:ea typeface="チェックポイント．（ピリオド）" panose="02000600000000000000" pitchFamily="50" charset="-128"/>
+              </a:rPr>
+              <a:t>出撃可能数が増える</a:t>
             </a:r>
             <a:endParaRPr kumimoji="1" lang="en-US" altLang="ja-JP" sz="2000" dirty="0">
               <a:solidFill>
@@ -5816,16 +6136,36 @@
           <a:p>
             <a:pPr algn="ctr"/>
             <a:r>
-              <a:rPr kumimoji="1" lang="ja-JP" altLang="en-US" sz="2000" dirty="0">
+              <a:rPr lang="en-US" altLang="ja-JP" sz="2000" dirty="0">
                 <a:solidFill>
                   <a:schemeClr val="tx1"/>
                 </a:solidFill>
                 <a:latin typeface="チェックポイント．（ピリオド）" panose="02000600000000000000" pitchFamily="50" charset="-128"/>
                 <a:ea typeface="チェックポイント．（ピリオド）" panose="02000600000000000000" pitchFamily="50" charset="-128"/>
               </a:rPr>
-              <a:t>配置することによってバトル中の</a:t>
-            </a:r>
-            <a:endParaRPr kumimoji="1" lang="en-US" altLang="ja-JP" sz="2000" dirty="0">
+              <a:t>※</a:t>
+            </a:r>
+            <a:r>
+              <a:rPr lang="ja-JP" altLang="en-US" sz="2000" dirty="0">
+                <a:solidFill>
+                  <a:schemeClr val="tx1"/>
+                </a:solidFill>
+                <a:latin typeface="チェックポイント．（ピリオド）" panose="02000600000000000000" pitchFamily="50" charset="-128"/>
+                <a:ea typeface="チェックポイント．（ピリオド）" panose="02000600000000000000" pitchFamily="50" charset="-128"/>
+              </a:rPr>
+              <a:t>バトルに出撃</a:t>
+            </a:r>
+            <a:r>
+              <a:rPr lang="ja-JP" altLang="en-US" sz="2000" dirty="0" smtClean="0">
+                <a:solidFill>
+                  <a:schemeClr val="tx1"/>
+                </a:solidFill>
+                <a:latin typeface="チェックポイント．（ピリオド）" panose="02000600000000000000" pitchFamily="50" charset="-128"/>
+                <a:ea typeface="チェックポイント．（ピリオド）" panose="02000600000000000000" pitchFamily="50" charset="-128"/>
+              </a:rPr>
+              <a:t>し</a:t>
+            </a:r>
+            <a:endParaRPr lang="en-US" altLang="ja-JP" sz="2000" dirty="0" smtClean="0">
               <a:solidFill>
                 <a:schemeClr val="tx1"/>
               </a:solidFill>
@@ -5836,34 +6176,14 @@
           <a:p>
             <a:pPr algn="ctr"/>
             <a:r>
-              <a:rPr kumimoji="1" lang="ja-JP" altLang="en-US" sz="2000" dirty="0">
+              <a:rPr lang="ja-JP" altLang="en-US" sz="2000" dirty="0" smtClean="0">
                 <a:solidFill>
                   <a:schemeClr val="tx1"/>
                 </a:solidFill>
                 <a:latin typeface="チェックポイント．（ピリオド）" panose="02000600000000000000" pitchFamily="50" charset="-128"/>
                 <a:ea typeface="チェックポイント．（ピリオド）" panose="02000600000000000000" pitchFamily="50" charset="-128"/>
               </a:rPr>
-              <a:t>ポット出撃可能数が増える</a:t>
-            </a:r>
-            <a:endParaRPr kumimoji="1" lang="en-US" altLang="ja-JP" sz="2000" dirty="0">
-              <a:solidFill>
-                <a:schemeClr val="tx1"/>
-              </a:solidFill>
-              <a:latin typeface="チェックポイント．（ピリオド）" panose="02000600000000000000" pitchFamily="50" charset="-128"/>
-              <a:ea typeface="チェックポイント．（ピリオド）" panose="02000600000000000000" pitchFamily="50" charset="-128"/>
-            </a:endParaRPr>
-          </a:p>
-          <a:p>
-            <a:pPr algn="ctr"/>
-            <a:r>
-              <a:rPr lang="en-US" altLang="ja-JP" sz="2000" dirty="0">
-                <a:solidFill>
-                  <a:schemeClr val="tx1"/>
-                </a:solidFill>
-                <a:latin typeface="チェックポイント．（ピリオド）" panose="02000600000000000000" pitchFamily="50" charset="-128"/>
-                <a:ea typeface="チェックポイント．（ピリオド）" panose="02000600000000000000" pitchFamily="50" charset="-128"/>
-              </a:rPr>
-              <a:t>※</a:t>
+              <a:t>攻撃</a:t>
             </a:r>
             <a:r>
               <a:rPr lang="ja-JP" altLang="en-US" sz="2000" dirty="0">
@@ -5873,7 +6193,7 @@
                 <a:latin typeface="チェックポイント．（ピリオド）" panose="02000600000000000000" pitchFamily="50" charset="-128"/>
                 <a:ea typeface="チェックポイント．（ピリオド）" panose="02000600000000000000" pitchFamily="50" charset="-128"/>
               </a:rPr>
-              <a:t>バトルに出撃し攻撃した分だけ</a:t>
+              <a:t>した分だけ</a:t>
             </a:r>
             <a:endParaRPr lang="en-US" altLang="ja-JP" sz="2000" dirty="0">
               <a:solidFill>
@@ -6036,7 +6356,7 @@
           <p:cNvPr id="8" name="正方形/長方形 7">
             <a:extLst>
               <a:ext uri="{FF2B5EF4-FFF2-40B4-BE49-F238E27FC236}">
-                <a16:creationId xmlns:a16="http://schemas.microsoft.com/office/drawing/2014/main" id="{F7BE2C32-C21E-4467-87D2-8052D2B5FDA7}"/>
+                <a16:creationId xmlns:a16="http://schemas.microsoft.com/office/drawing/2014/main" xmlns="" id="{F7BE2C32-C21E-4467-87D2-8052D2B5FDA7}"/>
               </a:ext>
             </a:extLst>
           </p:cNvPr>
@@ -6088,7 +6408,7 @@
           <p:cNvPr id="12" name="正方形/長方形 11">
             <a:extLst>
               <a:ext uri="{FF2B5EF4-FFF2-40B4-BE49-F238E27FC236}">
-                <a16:creationId xmlns:a16="http://schemas.microsoft.com/office/drawing/2014/main" id="{40ABF9C2-DF54-4877-A01A-A46FE482F6B4}"/>
+                <a16:creationId xmlns:a16="http://schemas.microsoft.com/office/drawing/2014/main" xmlns="" id="{40ABF9C2-DF54-4877-A01A-A46FE482F6B4}"/>
               </a:ext>
             </a:extLst>
           </p:cNvPr>
@@ -6140,7 +6460,7 @@
           <p:cNvPr id="14" name="正方形/長方形 13">
             <a:extLst>
               <a:ext uri="{FF2B5EF4-FFF2-40B4-BE49-F238E27FC236}">
-                <a16:creationId xmlns:a16="http://schemas.microsoft.com/office/drawing/2014/main" id="{04C836FE-EE43-45CD-B4BE-F7E0ABEE0088}"/>
+                <a16:creationId xmlns:a16="http://schemas.microsoft.com/office/drawing/2014/main" xmlns="" id="{04C836FE-EE43-45CD-B4BE-F7E0ABEE0088}"/>
               </a:ext>
             </a:extLst>
           </p:cNvPr>
@@ -6192,7 +6512,7 @@
           <p:cNvPr id="16" name="吹き出し: 四角形 15">
             <a:extLst>
               <a:ext uri="{FF2B5EF4-FFF2-40B4-BE49-F238E27FC236}">
-                <a16:creationId xmlns:a16="http://schemas.microsoft.com/office/drawing/2014/main" id="{3ECE61CD-6BC4-463C-897C-903CC3F098F0}"/>
+                <a16:creationId xmlns:a16="http://schemas.microsoft.com/office/drawing/2014/main" xmlns="" id="{3ECE61CD-6BC4-463C-897C-903CC3F098F0}"/>
               </a:ext>
             </a:extLst>
           </p:cNvPr>
@@ -6286,7 +6606,7 @@
           <p:cNvPr id="5" name="図 4">
             <a:extLst>
               <a:ext uri="{FF2B5EF4-FFF2-40B4-BE49-F238E27FC236}">
-                <a16:creationId xmlns:a16="http://schemas.microsoft.com/office/drawing/2014/main" id="{165CE0B9-374D-46A3-97C1-E7AFAFB5DEDF}"/>
+                <a16:creationId xmlns:a16="http://schemas.microsoft.com/office/drawing/2014/main" xmlns="" id="{165CE0B9-374D-46A3-97C1-E7AFAFB5DEDF}"/>
               </a:ext>
             </a:extLst>
           </p:cNvPr>
@@ -6321,7 +6641,7 @@
           <p:cNvPr id="6" name="テキスト ボックス 5">
             <a:extLst>
               <a:ext uri="{FF2B5EF4-FFF2-40B4-BE49-F238E27FC236}">
-                <a16:creationId xmlns:a16="http://schemas.microsoft.com/office/drawing/2014/main" id="{EEBBDC81-60E0-49FD-9EFB-874F038CCD29}"/>
+                <a16:creationId xmlns:a16="http://schemas.microsoft.com/office/drawing/2014/main" xmlns="" id="{EEBBDC81-60E0-49FD-9EFB-874F038CCD29}"/>
               </a:ext>
             </a:extLst>
           </p:cNvPr>
@@ -6373,7 +6693,7 @@
           <p:cNvPr id="12" name="グループ化 11">
             <a:extLst>
               <a:ext uri="{FF2B5EF4-FFF2-40B4-BE49-F238E27FC236}">
-                <a16:creationId xmlns:a16="http://schemas.microsoft.com/office/drawing/2014/main" id="{797C4648-EAB3-4303-9BBE-4050E32CDCAC}"/>
+                <a16:creationId xmlns:a16="http://schemas.microsoft.com/office/drawing/2014/main" xmlns="" id="{797C4648-EAB3-4303-9BBE-4050E32CDCAC}"/>
               </a:ext>
             </a:extLst>
           </p:cNvPr>
@@ -6393,7 +6713,7 @@
             <p:cNvPr id="8" name="テキスト ボックス 7">
               <a:extLst>
                 <a:ext uri="{FF2B5EF4-FFF2-40B4-BE49-F238E27FC236}">
-                  <a16:creationId xmlns:a16="http://schemas.microsoft.com/office/drawing/2014/main" id="{732F859C-017C-4DF8-8D5C-BAFB7C322941}"/>
+                  <a16:creationId xmlns:a16="http://schemas.microsoft.com/office/drawing/2014/main" xmlns="" id="{732F859C-017C-4DF8-8D5C-BAFB7C322941}"/>
                 </a:ext>
               </a:extLst>
             </p:cNvPr>
@@ -6434,7 +6754,7 @@
             <p:cNvPr id="9" name="テキスト ボックス 8">
               <a:extLst>
                 <a:ext uri="{FF2B5EF4-FFF2-40B4-BE49-F238E27FC236}">
-                  <a16:creationId xmlns:a16="http://schemas.microsoft.com/office/drawing/2014/main" id="{8712CBD0-DD3F-4A86-9652-7FFA75AD120B}"/>
+                  <a16:creationId xmlns:a16="http://schemas.microsoft.com/office/drawing/2014/main" xmlns="" id="{8712CBD0-DD3F-4A86-9652-7FFA75AD120B}"/>
                 </a:ext>
               </a:extLst>
             </p:cNvPr>
@@ -6497,7 +6817,7 @@
           <p:cNvPr id="13" name="グループ化 12">
             <a:extLst>
               <a:ext uri="{FF2B5EF4-FFF2-40B4-BE49-F238E27FC236}">
-                <a16:creationId xmlns:a16="http://schemas.microsoft.com/office/drawing/2014/main" id="{DED0F105-29CA-4D82-BF68-6B4A196F19AA}"/>
+                <a16:creationId xmlns:a16="http://schemas.microsoft.com/office/drawing/2014/main" xmlns="" id="{DED0F105-29CA-4D82-BF68-6B4A196F19AA}"/>
               </a:ext>
             </a:extLst>
           </p:cNvPr>
@@ -6517,7 +6837,7 @@
             <p:cNvPr id="7" name="テキスト ボックス 6">
               <a:extLst>
                 <a:ext uri="{FF2B5EF4-FFF2-40B4-BE49-F238E27FC236}">
-                  <a16:creationId xmlns:a16="http://schemas.microsoft.com/office/drawing/2014/main" id="{54618E3D-3C8D-4D29-8362-5B6918855191}"/>
+                  <a16:creationId xmlns:a16="http://schemas.microsoft.com/office/drawing/2014/main" xmlns="" id="{54618E3D-3C8D-4D29-8362-5B6918855191}"/>
                 </a:ext>
               </a:extLst>
             </p:cNvPr>
@@ -6558,7 +6878,7 @@
             <p:cNvPr id="11" name="テキスト ボックス 10">
               <a:extLst>
                 <a:ext uri="{FF2B5EF4-FFF2-40B4-BE49-F238E27FC236}">
-                  <a16:creationId xmlns:a16="http://schemas.microsoft.com/office/drawing/2014/main" id="{6825228E-EBCE-401A-B0BC-7661792A6F00}"/>
+                  <a16:creationId xmlns:a16="http://schemas.microsoft.com/office/drawing/2014/main" xmlns="" id="{6825228E-EBCE-401A-B0BC-7661792A6F00}"/>
                 </a:ext>
               </a:extLst>
             </p:cNvPr>
@@ -6683,7 +7003,7 @@
           <p:cNvPr id="4" name="図 3">
             <a:extLst>
               <a:ext uri="{FF2B5EF4-FFF2-40B4-BE49-F238E27FC236}">
-                <a16:creationId xmlns:a16="http://schemas.microsoft.com/office/drawing/2014/main" id="{84E4BD2B-BD98-4D0D-BD92-46FAC62B133A}"/>
+                <a16:creationId xmlns:a16="http://schemas.microsoft.com/office/drawing/2014/main" xmlns="" id="{84E4BD2B-BD98-4D0D-BD92-46FAC62B133A}"/>
               </a:ext>
             </a:extLst>
           </p:cNvPr>
@@ -6718,7 +7038,7 @@
           <p:cNvPr id="5" name="テキスト ボックス 4">
             <a:extLst>
               <a:ext uri="{FF2B5EF4-FFF2-40B4-BE49-F238E27FC236}">
-                <a16:creationId xmlns:a16="http://schemas.microsoft.com/office/drawing/2014/main" id="{3EEDA683-E7C7-4A3A-9045-88BF1220584E}"/>
+                <a16:creationId xmlns:a16="http://schemas.microsoft.com/office/drawing/2014/main" xmlns="" id="{3EEDA683-E7C7-4A3A-9045-88BF1220584E}"/>
               </a:ext>
             </a:extLst>
           </p:cNvPr>
@@ -6770,7 +7090,7 @@
           <p:cNvPr id="6" name="テキスト ボックス 5">
             <a:extLst>
               <a:ext uri="{FF2B5EF4-FFF2-40B4-BE49-F238E27FC236}">
-                <a16:creationId xmlns:a16="http://schemas.microsoft.com/office/drawing/2014/main" id="{C9FCE914-94E5-4B3F-B2D2-96FDE0E6E9D8}"/>
+                <a16:creationId xmlns:a16="http://schemas.microsoft.com/office/drawing/2014/main" xmlns="" id="{C9FCE914-94E5-4B3F-B2D2-96FDE0E6E9D8}"/>
               </a:ext>
             </a:extLst>
           </p:cNvPr>
@@ -6811,7 +7131,7 @@
           <p:cNvPr id="7" name="テキスト ボックス 6">
             <a:extLst>
               <a:ext uri="{FF2B5EF4-FFF2-40B4-BE49-F238E27FC236}">
-                <a16:creationId xmlns:a16="http://schemas.microsoft.com/office/drawing/2014/main" id="{1A509F0D-124D-47C4-B5CD-4B9B8064082C}"/>
+                <a16:creationId xmlns:a16="http://schemas.microsoft.com/office/drawing/2014/main" xmlns="" id="{1A509F0D-124D-47C4-B5CD-4B9B8064082C}"/>
               </a:ext>
             </a:extLst>
           </p:cNvPr>
@@ -6862,7 +7182,7 @@
           <p:cNvPr id="8" name="テキスト ボックス 7">
             <a:extLst>
               <a:ext uri="{FF2B5EF4-FFF2-40B4-BE49-F238E27FC236}">
-                <a16:creationId xmlns:a16="http://schemas.microsoft.com/office/drawing/2014/main" id="{5F463387-8D23-460A-80ED-50E81FAAF3D9}"/>
+                <a16:creationId xmlns:a16="http://schemas.microsoft.com/office/drawing/2014/main" xmlns="" id="{5F463387-8D23-460A-80ED-50E81FAAF3D9}"/>
               </a:ext>
             </a:extLst>
           </p:cNvPr>
@@ -6923,7 +7243,7 @@
           <p:cNvPr id="9" name="テキスト ボックス 8">
             <a:extLst>
               <a:ext uri="{FF2B5EF4-FFF2-40B4-BE49-F238E27FC236}">
-                <a16:creationId xmlns:a16="http://schemas.microsoft.com/office/drawing/2014/main" id="{3E1D3977-A1EE-4011-94E0-9B60C81CA553}"/>
+                <a16:creationId xmlns:a16="http://schemas.microsoft.com/office/drawing/2014/main" xmlns="" id="{3E1D3977-A1EE-4011-94E0-9B60C81CA553}"/>
               </a:ext>
             </a:extLst>
           </p:cNvPr>
@@ -6999,7 +7319,7 @@
           <p:cNvPr id="41" name="グループ化 40">
             <a:extLst>
               <a:ext uri="{FF2B5EF4-FFF2-40B4-BE49-F238E27FC236}">
-                <a16:creationId xmlns:a16="http://schemas.microsoft.com/office/drawing/2014/main" id="{C42471E9-CEF7-4DD0-B2B9-A37027252951}"/>
+                <a16:creationId xmlns:a16="http://schemas.microsoft.com/office/drawing/2014/main" xmlns="" id="{C42471E9-CEF7-4DD0-B2B9-A37027252951}"/>
               </a:ext>
             </a:extLst>
           </p:cNvPr>
@@ -7019,7 +7339,7 @@
             <p:cNvPr id="22" name="グループ化 21">
               <a:extLst>
                 <a:ext uri="{FF2B5EF4-FFF2-40B4-BE49-F238E27FC236}">
-                  <a16:creationId xmlns:a16="http://schemas.microsoft.com/office/drawing/2014/main" id="{7D6E456E-2E26-4492-9279-169842641548}"/>
+                  <a16:creationId xmlns:a16="http://schemas.microsoft.com/office/drawing/2014/main" xmlns="" id="{7D6E456E-2E26-4492-9279-169842641548}"/>
                 </a:ext>
               </a:extLst>
             </p:cNvPr>
@@ -7039,7 +7359,7 @@
               <p:cNvPr id="11" name="図 10" descr="物体 が含まれている画像&#10;&#10;自動的に生成された説明">
                 <a:extLst>
                   <a:ext uri="{FF2B5EF4-FFF2-40B4-BE49-F238E27FC236}">
-                    <a16:creationId xmlns:a16="http://schemas.microsoft.com/office/drawing/2014/main" id="{9E2F2156-5A3C-4670-A7BB-42FF8EF7E4F0}"/>
+                    <a16:creationId xmlns:a16="http://schemas.microsoft.com/office/drawing/2014/main" xmlns="" id="{9E2F2156-5A3C-4670-A7BB-42FF8EF7E4F0}"/>
                   </a:ext>
                 </a:extLst>
               </p:cNvPr>
@@ -7075,7 +7395,7 @@
               <p:cNvPr id="18" name="テキスト ボックス 17">
                 <a:extLst>
                   <a:ext uri="{FF2B5EF4-FFF2-40B4-BE49-F238E27FC236}">
-                    <a16:creationId xmlns:a16="http://schemas.microsoft.com/office/drawing/2014/main" id="{85DB17C7-0CA8-4460-8B6A-1BBCF3C5CA75}"/>
+                    <a16:creationId xmlns:a16="http://schemas.microsoft.com/office/drawing/2014/main" xmlns="" id="{85DB17C7-0CA8-4460-8B6A-1BBCF3C5CA75}"/>
                   </a:ext>
                 </a:extLst>
               </p:cNvPr>
@@ -7114,7 +7434,7 @@
             <p:cNvPr id="23" name="グループ化 22">
               <a:extLst>
                 <a:ext uri="{FF2B5EF4-FFF2-40B4-BE49-F238E27FC236}">
-                  <a16:creationId xmlns:a16="http://schemas.microsoft.com/office/drawing/2014/main" id="{8FA97864-B0AC-4C37-AB57-3F511EE9B20A}"/>
+                  <a16:creationId xmlns:a16="http://schemas.microsoft.com/office/drawing/2014/main" xmlns="" id="{8FA97864-B0AC-4C37-AB57-3F511EE9B20A}"/>
                 </a:ext>
               </a:extLst>
             </p:cNvPr>
@@ -7134,7 +7454,7 @@
               <p:cNvPr id="13" name="図 12" descr="物体 が含まれている画像&#10;&#10;自動的に生成された説明">
                 <a:extLst>
                   <a:ext uri="{FF2B5EF4-FFF2-40B4-BE49-F238E27FC236}">
-                    <a16:creationId xmlns:a16="http://schemas.microsoft.com/office/drawing/2014/main" id="{539F0BC8-41E3-4ADD-9459-BE0E2D7ABA27}"/>
+                    <a16:creationId xmlns:a16="http://schemas.microsoft.com/office/drawing/2014/main" xmlns="" id="{539F0BC8-41E3-4ADD-9459-BE0E2D7ABA27}"/>
                   </a:ext>
                 </a:extLst>
               </p:cNvPr>
@@ -7170,7 +7490,7 @@
               <p:cNvPr id="19" name="テキスト ボックス 18">
                 <a:extLst>
                   <a:ext uri="{FF2B5EF4-FFF2-40B4-BE49-F238E27FC236}">
-                    <a16:creationId xmlns:a16="http://schemas.microsoft.com/office/drawing/2014/main" id="{9D08D78F-597A-41C6-9E61-E721135C20D1}"/>
+                    <a16:creationId xmlns:a16="http://schemas.microsoft.com/office/drawing/2014/main" xmlns="" id="{9D08D78F-597A-41C6-9E61-E721135C20D1}"/>
                   </a:ext>
                 </a:extLst>
               </p:cNvPr>
@@ -7209,7 +7529,7 @@
             <p:cNvPr id="25" name="グループ化 24">
               <a:extLst>
                 <a:ext uri="{FF2B5EF4-FFF2-40B4-BE49-F238E27FC236}">
-                  <a16:creationId xmlns:a16="http://schemas.microsoft.com/office/drawing/2014/main" id="{8F6624A7-F895-493A-8055-873B48C8C19C}"/>
+                  <a16:creationId xmlns:a16="http://schemas.microsoft.com/office/drawing/2014/main" xmlns="" id="{8F6624A7-F895-493A-8055-873B48C8C19C}"/>
                 </a:ext>
               </a:extLst>
             </p:cNvPr>
@@ -7229,7 +7549,7 @@
               <p:cNvPr id="15" name="図 14" descr="物体, 腕時計 が含まれている画像&#10;&#10;自動的に生成された説明">
                 <a:extLst>
                   <a:ext uri="{FF2B5EF4-FFF2-40B4-BE49-F238E27FC236}">
-                    <a16:creationId xmlns:a16="http://schemas.microsoft.com/office/drawing/2014/main" id="{53299244-26D0-4173-ACC6-BD241C768849}"/>
+                    <a16:creationId xmlns:a16="http://schemas.microsoft.com/office/drawing/2014/main" xmlns="" id="{53299244-26D0-4173-ACC6-BD241C768849}"/>
                   </a:ext>
                 </a:extLst>
               </p:cNvPr>
@@ -7265,7 +7585,7 @@
               <p:cNvPr id="20" name="テキスト ボックス 19">
                 <a:extLst>
                   <a:ext uri="{FF2B5EF4-FFF2-40B4-BE49-F238E27FC236}">
-                    <a16:creationId xmlns:a16="http://schemas.microsoft.com/office/drawing/2014/main" id="{BF9D5B9B-9876-443A-BE29-B4828D0A5D74}"/>
+                    <a16:creationId xmlns:a16="http://schemas.microsoft.com/office/drawing/2014/main" xmlns="" id="{BF9D5B9B-9876-443A-BE29-B4828D0A5D74}"/>
                   </a:ext>
                 </a:extLst>
               </p:cNvPr>
@@ -7304,7 +7624,7 @@
             <p:cNvPr id="26" name="グループ化 25">
               <a:extLst>
                 <a:ext uri="{FF2B5EF4-FFF2-40B4-BE49-F238E27FC236}">
-                  <a16:creationId xmlns:a16="http://schemas.microsoft.com/office/drawing/2014/main" id="{D317981A-38A9-4594-9159-8C77F7F6D8B4}"/>
+                  <a16:creationId xmlns:a16="http://schemas.microsoft.com/office/drawing/2014/main" xmlns="" id="{D317981A-38A9-4594-9159-8C77F7F6D8B4}"/>
                 </a:ext>
               </a:extLst>
             </p:cNvPr>
@@ -7324,7 +7644,7 @@
               <p:cNvPr id="17" name="図 16" descr="物体 が含まれている画像&#10;&#10;自動的に生成された説明">
                 <a:extLst>
                   <a:ext uri="{FF2B5EF4-FFF2-40B4-BE49-F238E27FC236}">
-                    <a16:creationId xmlns:a16="http://schemas.microsoft.com/office/drawing/2014/main" id="{93CD3867-4A7C-4138-9F28-8B9071FCE1AF}"/>
+                    <a16:creationId xmlns:a16="http://schemas.microsoft.com/office/drawing/2014/main" xmlns="" id="{93CD3867-4A7C-4138-9F28-8B9071FCE1AF}"/>
                   </a:ext>
                 </a:extLst>
               </p:cNvPr>
@@ -7360,7 +7680,7 @@
               <p:cNvPr id="21" name="テキスト ボックス 20">
                 <a:extLst>
                   <a:ext uri="{FF2B5EF4-FFF2-40B4-BE49-F238E27FC236}">
-                    <a16:creationId xmlns:a16="http://schemas.microsoft.com/office/drawing/2014/main" id="{C3C71671-55D6-4E40-BC27-288FCF91D2BB}"/>
+                    <a16:creationId xmlns:a16="http://schemas.microsoft.com/office/drawing/2014/main" xmlns="" id="{C3C71671-55D6-4E40-BC27-288FCF91D2BB}"/>
                   </a:ext>
                 </a:extLst>
               </p:cNvPr>
@@ -7403,7 +7723,7 @@
             <p:cNvPr id="28" name="直線矢印コネクタ 27">
               <a:extLst>
                 <a:ext uri="{FF2B5EF4-FFF2-40B4-BE49-F238E27FC236}">
-                  <a16:creationId xmlns:a16="http://schemas.microsoft.com/office/drawing/2014/main" id="{A84A16DD-57C4-4761-A446-249187106E51}"/>
+                  <a16:creationId xmlns:a16="http://schemas.microsoft.com/office/drawing/2014/main" xmlns="" id="{A84A16DD-57C4-4761-A446-249187106E51}"/>
                 </a:ext>
               </a:extLst>
             </p:cNvPr>
@@ -7447,7 +7767,7 @@
             <p:cNvPr id="29" name="直線矢印コネクタ 28">
               <a:extLst>
                 <a:ext uri="{FF2B5EF4-FFF2-40B4-BE49-F238E27FC236}">
-                  <a16:creationId xmlns:a16="http://schemas.microsoft.com/office/drawing/2014/main" id="{CE867472-33BD-4771-A53A-412FDCEAB859}"/>
+                  <a16:creationId xmlns:a16="http://schemas.microsoft.com/office/drawing/2014/main" xmlns="" id="{CE867472-33BD-4771-A53A-412FDCEAB859}"/>
                 </a:ext>
               </a:extLst>
             </p:cNvPr>
@@ -7491,7 +7811,7 @@
             <p:cNvPr id="32" name="直線矢印コネクタ 31">
               <a:extLst>
                 <a:ext uri="{FF2B5EF4-FFF2-40B4-BE49-F238E27FC236}">
-                  <a16:creationId xmlns:a16="http://schemas.microsoft.com/office/drawing/2014/main" id="{2F760955-CE29-4903-BDF0-C0EF1A34CD6F}"/>
+                  <a16:creationId xmlns:a16="http://schemas.microsoft.com/office/drawing/2014/main" xmlns="" id="{2F760955-CE29-4903-BDF0-C0EF1A34CD6F}"/>
                 </a:ext>
               </a:extLst>
             </p:cNvPr>
@@ -7535,7 +7855,7 @@
             <p:cNvPr id="33" name="直線矢印コネクタ 32">
               <a:extLst>
                 <a:ext uri="{FF2B5EF4-FFF2-40B4-BE49-F238E27FC236}">
-                  <a16:creationId xmlns:a16="http://schemas.microsoft.com/office/drawing/2014/main" id="{96E14F16-9B67-48C7-9985-746717E7D2CE}"/>
+                  <a16:creationId xmlns:a16="http://schemas.microsoft.com/office/drawing/2014/main" xmlns="" id="{96E14F16-9B67-48C7-9985-746717E7D2CE}"/>
                 </a:ext>
               </a:extLst>
             </p:cNvPr>
@@ -7579,7 +7899,7 @@
             <p:cNvPr id="34" name="正方形/長方形 33">
               <a:extLst>
                 <a:ext uri="{FF2B5EF4-FFF2-40B4-BE49-F238E27FC236}">
-                  <a16:creationId xmlns:a16="http://schemas.microsoft.com/office/drawing/2014/main" id="{6ADAFCEE-C028-416D-B257-90B41E02042A}"/>
+                  <a16:creationId xmlns:a16="http://schemas.microsoft.com/office/drawing/2014/main" xmlns="" id="{6ADAFCEE-C028-416D-B257-90B41E02042A}"/>
                 </a:ext>
               </a:extLst>
             </p:cNvPr>
@@ -7634,7 +7954,7 @@
             <p:cNvPr id="35" name="直線矢印コネクタ 34">
               <a:extLst>
                 <a:ext uri="{FF2B5EF4-FFF2-40B4-BE49-F238E27FC236}">
-                  <a16:creationId xmlns:a16="http://schemas.microsoft.com/office/drawing/2014/main" id="{A2A6B62C-1E0E-432C-9BEC-393C34A1C94C}"/>
+                  <a16:creationId xmlns:a16="http://schemas.microsoft.com/office/drawing/2014/main" xmlns="" id="{A2A6B62C-1E0E-432C-9BEC-393C34A1C94C}"/>
                 </a:ext>
               </a:extLst>
             </p:cNvPr>
@@ -7679,7 +7999,7 @@
           <p:cNvPr id="44" name="グループ化 43">
             <a:extLst>
               <a:ext uri="{FF2B5EF4-FFF2-40B4-BE49-F238E27FC236}">
-                <a16:creationId xmlns:a16="http://schemas.microsoft.com/office/drawing/2014/main" id="{7EEE5686-B5B9-4B20-8993-381AFDACF9AB}"/>
+                <a16:creationId xmlns:a16="http://schemas.microsoft.com/office/drawing/2014/main" xmlns="" id="{7EEE5686-B5B9-4B20-8993-381AFDACF9AB}"/>
               </a:ext>
             </a:extLst>
           </p:cNvPr>
@@ -7699,7 +8019,7 @@
             <p:cNvPr id="40" name="グループ化 39">
               <a:extLst>
                 <a:ext uri="{FF2B5EF4-FFF2-40B4-BE49-F238E27FC236}">
-                  <a16:creationId xmlns:a16="http://schemas.microsoft.com/office/drawing/2014/main" id="{80B432E5-1E61-4A1C-BB38-CE56CD67DAEC}"/>
+                  <a16:creationId xmlns:a16="http://schemas.microsoft.com/office/drawing/2014/main" xmlns="" id="{80B432E5-1E61-4A1C-BB38-CE56CD67DAEC}"/>
                 </a:ext>
               </a:extLst>
             </p:cNvPr>
@@ -7719,7 +8039,7 @@
               <p:cNvPr id="36" name="直線矢印コネクタ 35">
                 <a:extLst>
                   <a:ext uri="{FF2B5EF4-FFF2-40B4-BE49-F238E27FC236}">
-                    <a16:creationId xmlns:a16="http://schemas.microsoft.com/office/drawing/2014/main" id="{555429FE-F091-46AD-84F7-1B4256D762AB}"/>
+                    <a16:creationId xmlns:a16="http://schemas.microsoft.com/office/drawing/2014/main" xmlns="" id="{555429FE-F091-46AD-84F7-1B4256D762AB}"/>
                   </a:ext>
                 </a:extLst>
               </p:cNvPr>
@@ -7763,7 +8083,7 @@
               <p:cNvPr id="37" name="直線矢印コネクタ 36">
                 <a:extLst>
                   <a:ext uri="{FF2B5EF4-FFF2-40B4-BE49-F238E27FC236}">
-                    <a16:creationId xmlns:a16="http://schemas.microsoft.com/office/drawing/2014/main" id="{5030B8C7-7BED-40F6-B6D5-A7CD124D67A9}"/>
+                    <a16:creationId xmlns:a16="http://schemas.microsoft.com/office/drawing/2014/main" xmlns="" id="{5030B8C7-7BED-40F6-B6D5-A7CD124D67A9}"/>
                   </a:ext>
                 </a:extLst>
               </p:cNvPr>
@@ -7807,7 +8127,7 @@
               <p:cNvPr id="38" name="テキスト ボックス 37">
                 <a:extLst>
                   <a:ext uri="{FF2B5EF4-FFF2-40B4-BE49-F238E27FC236}">
-                    <a16:creationId xmlns:a16="http://schemas.microsoft.com/office/drawing/2014/main" id="{1BB9FF26-C1AD-43FF-B1A3-3D220E4BC3AA}"/>
+                    <a16:creationId xmlns:a16="http://schemas.microsoft.com/office/drawing/2014/main" xmlns="" id="{1BB9FF26-C1AD-43FF-B1A3-3D220E4BC3AA}"/>
                   </a:ext>
                 </a:extLst>
               </p:cNvPr>
@@ -7845,7 +8165,7 @@
               <p:cNvPr id="39" name="テキスト ボックス 38">
                 <a:extLst>
                   <a:ext uri="{FF2B5EF4-FFF2-40B4-BE49-F238E27FC236}">
-                    <a16:creationId xmlns:a16="http://schemas.microsoft.com/office/drawing/2014/main" id="{127090C9-FA03-47A3-B8E5-5AC843148C0C}"/>
+                    <a16:creationId xmlns:a16="http://schemas.microsoft.com/office/drawing/2014/main" xmlns="" id="{127090C9-FA03-47A3-B8E5-5AC843148C0C}"/>
                   </a:ext>
                 </a:extLst>
               </p:cNvPr>
@@ -7873,7 +8193,7 @@
                     <a:latin typeface="チェックポイント．（ピリオド）" panose="02000600000000000000" pitchFamily="50" charset="-128"/>
                     <a:ea typeface="チェックポイント．（ピリオド）" panose="02000600000000000000" pitchFamily="50" charset="-128"/>
                   </a:rPr>
-                  <a:t>有理</a:t>
+                  <a:t>有利</a:t>
                 </a:r>
                 <a:endParaRPr kumimoji="1" lang="ja-JP" altLang="en-US" dirty="0">
                   <a:latin typeface="チェックポイント．（ピリオド）" panose="02000600000000000000" pitchFamily="50" charset="-128"/>
@@ -7888,7 +8208,7 @@
             <p:cNvPr id="42" name="正方形/長方形 41">
               <a:extLst>
                 <a:ext uri="{FF2B5EF4-FFF2-40B4-BE49-F238E27FC236}">
-                  <a16:creationId xmlns:a16="http://schemas.microsoft.com/office/drawing/2014/main" id="{974D7591-C374-4FE7-98C6-F63D715B2F46}"/>
+                  <a16:creationId xmlns:a16="http://schemas.microsoft.com/office/drawing/2014/main" xmlns="" id="{974D7591-C374-4FE7-98C6-F63D715B2F46}"/>
                 </a:ext>
               </a:extLst>
             </p:cNvPr>
@@ -7944,7 +8264,7 @@
           <p:cNvPr id="43" name="正方形/長方形 42">
             <a:extLst>
               <a:ext uri="{FF2B5EF4-FFF2-40B4-BE49-F238E27FC236}">
-                <a16:creationId xmlns:a16="http://schemas.microsoft.com/office/drawing/2014/main" id="{A98ECFFF-731C-4C54-95F1-02A8CC15EA71}"/>
+                <a16:creationId xmlns:a16="http://schemas.microsoft.com/office/drawing/2014/main" xmlns="" id="{A98ECFFF-731C-4C54-95F1-02A8CC15EA71}"/>
               </a:ext>
             </a:extLst>
           </p:cNvPr>
@@ -8026,7 +8346,7 @@
           <p:cNvPr id="7" name="図 6" descr="テキスト が含まれている画像&#10;&#10;自動的に生成された説明">
             <a:extLst>
               <a:ext uri="{FF2B5EF4-FFF2-40B4-BE49-F238E27FC236}">
-                <a16:creationId xmlns:a16="http://schemas.microsoft.com/office/drawing/2014/main" id="{F72D7A55-A732-4D03-A156-3A4E7C065D7A}"/>
+                <a16:creationId xmlns:a16="http://schemas.microsoft.com/office/drawing/2014/main" xmlns="" id="{F72D7A55-A732-4D03-A156-3A4E7C065D7A}"/>
               </a:ext>
             </a:extLst>
           </p:cNvPr>
@@ -8061,7 +8381,7 @@
           <p:cNvPr id="10" name="テキスト ボックス 9">
             <a:extLst>
               <a:ext uri="{FF2B5EF4-FFF2-40B4-BE49-F238E27FC236}">
-                <a16:creationId xmlns:a16="http://schemas.microsoft.com/office/drawing/2014/main" id="{D5807289-5F94-4ABF-BB19-A244DE39AAB7}"/>
+                <a16:creationId xmlns:a16="http://schemas.microsoft.com/office/drawing/2014/main" xmlns="" id="{D5807289-5F94-4ABF-BB19-A244DE39AAB7}"/>
               </a:ext>
             </a:extLst>
           </p:cNvPr>
@@ -8106,7 +8426,7 @@
           <p:cNvPr id="11" name="テキスト ボックス 10">
             <a:extLst>
               <a:ext uri="{FF2B5EF4-FFF2-40B4-BE49-F238E27FC236}">
-                <a16:creationId xmlns:a16="http://schemas.microsoft.com/office/drawing/2014/main" id="{6D354EB7-7F73-4490-964D-300A57A3D0C5}"/>
+                <a16:creationId xmlns:a16="http://schemas.microsoft.com/office/drawing/2014/main" xmlns="" id="{6D354EB7-7F73-4490-964D-300A57A3D0C5}"/>
               </a:ext>
             </a:extLst>
           </p:cNvPr>
@@ -8144,7 +8464,7 @@
           <p:cNvPr id="12" name="楕円 11">
             <a:extLst>
               <a:ext uri="{FF2B5EF4-FFF2-40B4-BE49-F238E27FC236}">
-                <a16:creationId xmlns:a16="http://schemas.microsoft.com/office/drawing/2014/main" id="{27BE146F-8491-400F-AB07-2E26102463F2}"/>
+                <a16:creationId xmlns:a16="http://schemas.microsoft.com/office/drawing/2014/main" xmlns="" id="{27BE146F-8491-400F-AB07-2E26102463F2}"/>
               </a:ext>
             </a:extLst>
           </p:cNvPr>
@@ -8196,7 +8516,7 @@
           <p:cNvPr id="13" name="楕円 12">
             <a:extLst>
               <a:ext uri="{FF2B5EF4-FFF2-40B4-BE49-F238E27FC236}">
-                <a16:creationId xmlns:a16="http://schemas.microsoft.com/office/drawing/2014/main" id="{AC13EDC5-A927-451C-A8C6-2F68A75D9DB9}"/>
+                <a16:creationId xmlns:a16="http://schemas.microsoft.com/office/drawing/2014/main" xmlns="" id="{AC13EDC5-A927-451C-A8C6-2F68A75D9DB9}"/>
               </a:ext>
             </a:extLst>
           </p:cNvPr>
@@ -8248,7 +8568,7 @@
           <p:cNvPr id="14" name="楕円 13">
             <a:extLst>
               <a:ext uri="{FF2B5EF4-FFF2-40B4-BE49-F238E27FC236}">
-                <a16:creationId xmlns:a16="http://schemas.microsoft.com/office/drawing/2014/main" id="{A70D7407-0728-49A8-BDE2-7434759F1455}"/>
+                <a16:creationId xmlns:a16="http://schemas.microsoft.com/office/drawing/2014/main" xmlns="" id="{A70D7407-0728-49A8-BDE2-7434759F1455}"/>
               </a:ext>
             </a:extLst>
           </p:cNvPr>
@@ -8300,7 +8620,7 @@
           <p:cNvPr id="15" name="楕円 14">
             <a:extLst>
               <a:ext uri="{FF2B5EF4-FFF2-40B4-BE49-F238E27FC236}">
-                <a16:creationId xmlns:a16="http://schemas.microsoft.com/office/drawing/2014/main" id="{BA8A41E3-4961-4217-9C31-D8A81A9809A9}"/>
+                <a16:creationId xmlns:a16="http://schemas.microsoft.com/office/drawing/2014/main" xmlns="" id="{BA8A41E3-4961-4217-9C31-D8A81A9809A9}"/>
               </a:ext>
             </a:extLst>
           </p:cNvPr>
@@ -8352,7 +8672,7 @@
           <p:cNvPr id="16" name="テキスト ボックス 15">
             <a:extLst>
               <a:ext uri="{FF2B5EF4-FFF2-40B4-BE49-F238E27FC236}">
-                <a16:creationId xmlns:a16="http://schemas.microsoft.com/office/drawing/2014/main" id="{FBBAA09C-4BEB-47EA-BC7F-480BCC2226F1}"/>
+                <a16:creationId xmlns:a16="http://schemas.microsoft.com/office/drawing/2014/main" xmlns="" id="{FBBAA09C-4BEB-47EA-BC7F-480BCC2226F1}"/>
               </a:ext>
             </a:extLst>
           </p:cNvPr>
@@ -8361,8 +8681,8 @@
         </p:nvSpPr>
         <p:spPr>
           <a:xfrm>
-            <a:off x="8258174" y="2039938"/>
-            <a:ext cx="3962400" cy="1477328"/>
+            <a:off x="8201024" y="1886837"/>
+            <a:ext cx="3962400" cy="1754326"/>
           </a:xfrm>
           <a:prstGeom prst="rect">
             <a:avLst/>
@@ -8398,7 +8718,34 @@
                 <a:latin typeface="チェックポイント．（ピリオド）" panose="02000600000000000000" pitchFamily="50" charset="-128"/>
                 <a:ea typeface="チェックポイント．（ピリオド）" panose="02000600000000000000" pitchFamily="50" charset="-128"/>
               </a:rPr>
-              <a:t>この中のどれかから敵を選び戦うことができ、</a:t>
+              <a:t>この中のどれか</a:t>
+            </a:r>
+            <a:r>
+              <a:rPr lang="ja-JP" altLang="en-US" dirty="0" smtClean="0">
+                <a:latin typeface="チェックポイント．（ピリオド）" panose="02000600000000000000" pitchFamily="50" charset="-128"/>
+                <a:ea typeface="チェックポイント．（ピリオド）" panose="02000600000000000000" pitchFamily="50" charset="-128"/>
+              </a:rPr>
+              <a:t>から</a:t>
+            </a:r>
+            <a:endParaRPr lang="en-US" altLang="ja-JP" dirty="0" smtClean="0">
+              <a:latin typeface="チェックポイント．（ピリオド）" panose="02000600000000000000" pitchFamily="50" charset="-128"/>
+              <a:ea typeface="チェックポイント．（ピリオド）" panose="02000600000000000000" pitchFamily="50" charset="-128"/>
+            </a:endParaRPr>
+          </a:p>
+          <a:p>
+            <a:r>
+              <a:rPr lang="ja-JP" altLang="en-US" dirty="0" smtClean="0">
+                <a:latin typeface="チェックポイント．（ピリオド）" panose="02000600000000000000" pitchFamily="50" charset="-128"/>
+                <a:ea typeface="チェックポイント．（ピリオド）" panose="02000600000000000000" pitchFamily="50" charset="-128"/>
+              </a:rPr>
+              <a:t>敵</a:t>
+            </a:r>
+            <a:r>
+              <a:rPr lang="ja-JP" altLang="en-US" dirty="0">
+                <a:latin typeface="チェックポイント．（ピリオド）" panose="02000600000000000000" pitchFamily="50" charset="-128"/>
+                <a:ea typeface="チェックポイント．（ピリオド）" panose="02000600000000000000" pitchFamily="50" charset="-128"/>
+              </a:rPr>
+              <a:t>を選び戦うことができ、</a:t>
             </a:r>
             <a:endParaRPr lang="en-US" altLang="ja-JP" dirty="0">
               <a:latin typeface="チェックポイント．（ピリオド）" panose="02000600000000000000" pitchFamily="50" charset="-128"/>
@@ -8411,7 +8758,61 @@
                 <a:latin typeface="チェックポイント．（ピリオド）" panose="02000600000000000000" pitchFamily="50" charset="-128"/>
                 <a:ea typeface="チェックポイント．（ピリオド）" panose="02000600000000000000" pitchFamily="50" charset="-128"/>
               </a:rPr>
-              <a:t>敵惑星にカーソルを合わすと敵惑星の情報を確認することができます。</a:t>
+              <a:t>敵惑星にカーソルを</a:t>
+            </a:r>
+            <a:r>
+              <a:rPr kumimoji="1" lang="ja-JP" altLang="en-US" dirty="0" smtClean="0">
+                <a:latin typeface="チェックポイント．（ピリオド）" panose="02000600000000000000" pitchFamily="50" charset="-128"/>
+                <a:ea typeface="チェックポイント．（ピリオド）" panose="02000600000000000000" pitchFamily="50" charset="-128"/>
+              </a:rPr>
+              <a:t>合わせると</a:t>
+            </a:r>
+            <a:endParaRPr lang="en-US" altLang="ja-JP" dirty="0">
+              <a:latin typeface="チェックポイント．（ピリオド）" panose="02000600000000000000" pitchFamily="50" charset="-128"/>
+              <a:ea typeface="チェックポイント．（ピリオド）" panose="02000600000000000000" pitchFamily="50" charset="-128"/>
+            </a:endParaRPr>
+          </a:p>
+          <a:p>
+            <a:r>
+              <a:rPr kumimoji="1" lang="ja-JP" altLang="en-US" dirty="0" smtClean="0">
+                <a:latin typeface="チェックポイント．（ピリオド）" panose="02000600000000000000" pitchFamily="50" charset="-128"/>
+                <a:ea typeface="チェックポイント．（ピリオド）" panose="02000600000000000000" pitchFamily="50" charset="-128"/>
+              </a:rPr>
+              <a:t>敵</a:t>
+            </a:r>
+            <a:r>
+              <a:rPr kumimoji="1" lang="ja-JP" altLang="en-US" dirty="0">
+                <a:latin typeface="チェックポイント．（ピリオド）" panose="02000600000000000000" pitchFamily="50" charset="-128"/>
+                <a:ea typeface="チェックポイント．（ピリオド）" panose="02000600000000000000" pitchFamily="50" charset="-128"/>
+              </a:rPr>
+              <a:t>惑星の情報</a:t>
+            </a:r>
+            <a:r>
+              <a:rPr kumimoji="1" lang="ja-JP" altLang="en-US" dirty="0" smtClean="0">
+                <a:latin typeface="チェックポイント．（ピリオド）" panose="02000600000000000000" pitchFamily="50" charset="-128"/>
+                <a:ea typeface="チェックポイント．（ピリオド）" panose="02000600000000000000" pitchFamily="50" charset="-128"/>
+              </a:rPr>
+              <a:t>を</a:t>
+            </a:r>
+            <a:endParaRPr kumimoji="1" lang="en-US" altLang="ja-JP" dirty="0" smtClean="0">
+              <a:latin typeface="チェックポイント．（ピリオド）" panose="02000600000000000000" pitchFamily="50" charset="-128"/>
+              <a:ea typeface="チェックポイント．（ピリオド）" panose="02000600000000000000" pitchFamily="50" charset="-128"/>
+            </a:endParaRPr>
+          </a:p>
+          <a:p>
+            <a:r>
+              <a:rPr kumimoji="1" lang="ja-JP" altLang="en-US" dirty="0" smtClean="0">
+                <a:latin typeface="チェックポイント．（ピリオド）" panose="02000600000000000000" pitchFamily="50" charset="-128"/>
+                <a:ea typeface="チェックポイント．（ピリオド）" panose="02000600000000000000" pitchFamily="50" charset="-128"/>
+              </a:rPr>
+              <a:t>確認</a:t>
+            </a:r>
+            <a:r>
+              <a:rPr kumimoji="1" lang="ja-JP" altLang="en-US" dirty="0">
+                <a:latin typeface="チェックポイント．（ピリオド）" panose="02000600000000000000" pitchFamily="50" charset="-128"/>
+                <a:ea typeface="チェックポイント．（ピリオド）" panose="02000600000000000000" pitchFamily="50" charset="-128"/>
+              </a:rPr>
+              <a:t>することができます。</a:t>
             </a:r>
           </a:p>
         </p:txBody>
@@ -8421,7 +8822,7 @@
           <p:cNvPr id="17" name="正方形/長方形 16">
             <a:extLst>
               <a:ext uri="{FF2B5EF4-FFF2-40B4-BE49-F238E27FC236}">
-                <a16:creationId xmlns:a16="http://schemas.microsoft.com/office/drawing/2014/main" id="{A2CF4C31-1025-4708-B374-7F8887320A14}"/>
+                <a16:creationId xmlns:a16="http://schemas.microsoft.com/office/drawing/2014/main" xmlns="" id="{A2CF4C31-1025-4708-B374-7F8887320A14}"/>
               </a:ext>
             </a:extLst>
           </p:cNvPr>
@@ -8473,7 +8874,7 @@
           <p:cNvPr id="18" name="テキスト ボックス 17">
             <a:extLst>
               <a:ext uri="{FF2B5EF4-FFF2-40B4-BE49-F238E27FC236}">
-                <a16:creationId xmlns:a16="http://schemas.microsoft.com/office/drawing/2014/main" id="{594DFF38-A0BF-4052-92A8-115900A7F03B}"/>
+                <a16:creationId xmlns:a16="http://schemas.microsoft.com/office/drawing/2014/main" xmlns="" id="{594DFF38-A0BF-4052-92A8-115900A7F03B}"/>
               </a:ext>
             </a:extLst>
           </p:cNvPr>
@@ -8513,7 +8914,21 @@
                 <a:latin typeface="チェックポイント．（ピリオド）" panose="02000600000000000000" pitchFamily="50" charset="-128"/>
                 <a:ea typeface="チェックポイント．（ピリオド）" panose="02000600000000000000" pitchFamily="50" charset="-128"/>
               </a:rPr>
-              <a:t>枠で囲っているのが強大な惑星が来るまでのカウントダウンです。</a:t>
+              <a:t>枠で囲っているのが強大な惑星が来るまでの</a:t>
+            </a:r>
+            <a:r>
+              <a:rPr kumimoji="1" lang="ja-JP" altLang="en-US" dirty="0" smtClean="0">
+                <a:latin typeface="チェックポイント．（ピリオド）" panose="02000600000000000000" pitchFamily="50" charset="-128"/>
+                <a:ea typeface="チェックポイント．（ピリオド）" panose="02000600000000000000" pitchFamily="50" charset="-128"/>
+              </a:rPr>
+              <a:t>カウントダウン</a:t>
+            </a:r>
+            <a:r>
+              <a:rPr kumimoji="1" lang="ja-JP" altLang="en-US" dirty="0">
+                <a:latin typeface="チェックポイント．（ピリオド）" panose="02000600000000000000" pitchFamily="50" charset="-128"/>
+                <a:ea typeface="チェックポイント．（ピリオド）" panose="02000600000000000000" pitchFamily="50" charset="-128"/>
+              </a:rPr>
+              <a:t>です。</a:t>
             </a:r>
             <a:endParaRPr kumimoji="1" lang="en-US" altLang="ja-JP" dirty="0">
               <a:latin typeface="チェックポイント．（ピリオド）" panose="02000600000000000000" pitchFamily="50" charset="-128"/>
@@ -8526,7 +8941,61 @@
                 <a:latin typeface="チェックポイント．（ピリオド）" panose="02000600000000000000" pitchFamily="50" charset="-128"/>
                 <a:ea typeface="チェックポイント．（ピリオド）" panose="02000600000000000000" pitchFamily="50" charset="-128"/>
               </a:rPr>
-              <a:t>敵惑星を倒すとカウントが減っていき０になると強大な惑星が襲い掛かってきます。</a:t>
+              <a:t>敵惑星を倒す</a:t>
+            </a:r>
+            <a:r>
+              <a:rPr lang="ja-JP" altLang="en-US" dirty="0" smtClean="0">
+                <a:latin typeface="チェックポイント．（ピリオド）" panose="02000600000000000000" pitchFamily="50" charset="-128"/>
+                <a:ea typeface="チェックポイント．（ピリオド）" panose="02000600000000000000" pitchFamily="50" charset="-128"/>
+              </a:rPr>
+              <a:t>と</a:t>
+            </a:r>
+            <a:endParaRPr lang="en-US" altLang="ja-JP" dirty="0" smtClean="0">
+              <a:latin typeface="チェックポイント．（ピリオド）" panose="02000600000000000000" pitchFamily="50" charset="-128"/>
+              <a:ea typeface="チェックポイント．（ピリオド）" panose="02000600000000000000" pitchFamily="50" charset="-128"/>
+            </a:endParaRPr>
+          </a:p>
+          <a:p>
+            <a:r>
+              <a:rPr lang="ja-JP" altLang="en-US" dirty="0" smtClean="0">
+                <a:latin typeface="チェックポイント．（ピリオド）" panose="02000600000000000000" pitchFamily="50" charset="-128"/>
+                <a:ea typeface="チェックポイント．（ピリオド）" panose="02000600000000000000" pitchFamily="50" charset="-128"/>
+              </a:rPr>
+              <a:t>カウントが減って</a:t>
+            </a:r>
+            <a:r>
+              <a:rPr lang="ja-JP" altLang="en-US" dirty="0">
+                <a:latin typeface="チェックポイント．（ピリオド）" panose="02000600000000000000" pitchFamily="50" charset="-128"/>
+                <a:ea typeface="チェックポイント．（ピリオド）" panose="02000600000000000000" pitchFamily="50" charset="-128"/>
+              </a:rPr>
+              <a:t>いき０になる</a:t>
+            </a:r>
+            <a:r>
+              <a:rPr lang="ja-JP" altLang="en-US" dirty="0" smtClean="0">
+                <a:latin typeface="チェックポイント．（ピリオド）" panose="02000600000000000000" pitchFamily="50" charset="-128"/>
+                <a:ea typeface="チェックポイント．（ピリオド）" panose="02000600000000000000" pitchFamily="50" charset="-128"/>
+              </a:rPr>
+              <a:t>と</a:t>
+            </a:r>
+            <a:endParaRPr lang="en-US" altLang="ja-JP" dirty="0" smtClean="0">
+              <a:latin typeface="チェックポイント．（ピリオド）" panose="02000600000000000000" pitchFamily="50" charset="-128"/>
+              <a:ea typeface="チェックポイント．（ピリオド）" panose="02000600000000000000" pitchFamily="50" charset="-128"/>
+            </a:endParaRPr>
+          </a:p>
+          <a:p>
+            <a:r>
+              <a:rPr lang="ja-JP" altLang="en-US" dirty="0" smtClean="0">
+                <a:latin typeface="チェックポイント．（ピリオド）" panose="02000600000000000000" pitchFamily="50" charset="-128"/>
+                <a:ea typeface="チェックポイント．（ピリオド）" panose="02000600000000000000" pitchFamily="50" charset="-128"/>
+              </a:rPr>
+              <a:t>強大</a:t>
+            </a:r>
+            <a:r>
+              <a:rPr lang="ja-JP" altLang="en-US" dirty="0">
+                <a:latin typeface="チェックポイント．（ピリオド）" panose="02000600000000000000" pitchFamily="50" charset="-128"/>
+                <a:ea typeface="チェックポイント．（ピリオド）" panose="02000600000000000000" pitchFamily="50" charset="-128"/>
+              </a:rPr>
+              <a:t>な惑星が襲い掛かってきます。</a:t>
             </a:r>
             <a:endParaRPr kumimoji="1" lang="en-US" altLang="ja-JP" dirty="0">
               <a:latin typeface="チェックポイント．（ピリオド）" panose="02000600000000000000" pitchFamily="50" charset="-128"/>
@@ -8540,7 +9009,7 @@
           <p:cNvPr id="19" name="正方形/長方形 18">
             <a:extLst>
               <a:ext uri="{FF2B5EF4-FFF2-40B4-BE49-F238E27FC236}">
-                <a16:creationId xmlns:a16="http://schemas.microsoft.com/office/drawing/2014/main" id="{41DDEDAD-B76F-42FC-BD36-C4B4086365F3}"/>
+                <a16:creationId xmlns:a16="http://schemas.microsoft.com/office/drawing/2014/main" xmlns="" id="{41DDEDAD-B76F-42FC-BD36-C4B4086365F3}"/>
               </a:ext>
             </a:extLst>
           </p:cNvPr>
@@ -8592,7 +9061,7 @@
           <p:cNvPr id="21" name="正方形/長方形 20">
             <a:extLst>
               <a:ext uri="{FF2B5EF4-FFF2-40B4-BE49-F238E27FC236}">
-                <a16:creationId xmlns:a16="http://schemas.microsoft.com/office/drawing/2014/main" id="{B89D4E7D-0660-4D0D-912D-DF225C66A1D6}"/>
+                <a16:creationId xmlns:a16="http://schemas.microsoft.com/office/drawing/2014/main" xmlns="" id="{B89D4E7D-0660-4D0D-912D-DF225C66A1D6}"/>
               </a:ext>
             </a:extLst>
           </p:cNvPr>
@@ -8646,7 +9115,7 @@
           <p:cNvPr id="20" name="テキスト ボックス 19">
             <a:extLst>
               <a:ext uri="{FF2B5EF4-FFF2-40B4-BE49-F238E27FC236}">
-                <a16:creationId xmlns:a16="http://schemas.microsoft.com/office/drawing/2014/main" id="{4588D88C-0F6C-4A95-9191-7AC444B35B14}"/>
+                <a16:creationId xmlns:a16="http://schemas.microsoft.com/office/drawing/2014/main" xmlns="" id="{4588D88C-0F6C-4A95-9191-7AC444B35B14}"/>
               </a:ext>
             </a:extLst>
           </p:cNvPr>
@@ -8762,7 +9231,7 @@
           <p:cNvPr id="5" name="図 4" descr="物体 が含まれている画像&#10;&#10;自動的に生成された説明">
             <a:extLst>
               <a:ext uri="{FF2B5EF4-FFF2-40B4-BE49-F238E27FC236}">
-                <a16:creationId xmlns:a16="http://schemas.microsoft.com/office/drawing/2014/main" id="{A8B95791-F64F-423D-B8A7-2C86F56DDB1D}"/>
+                <a16:creationId xmlns:a16="http://schemas.microsoft.com/office/drawing/2014/main" xmlns="" id="{A8B95791-F64F-423D-B8A7-2C86F56DDB1D}"/>
               </a:ext>
             </a:extLst>
           </p:cNvPr>
@@ -8797,7 +9266,7 @@
           <p:cNvPr id="6" name="テキスト ボックス 5">
             <a:extLst>
               <a:ext uri="{FF2B5EF4-FFF2-40B4-BE49-F238E27FC236}">
-                <a16:creationId xmlns:a16="http://schemas.microsoft.com/office/drawing/2014/main" id="{8305E55F-CE22-4A88-A8D4-3E4958510FE7}"/>
+                <a16:creationId xmlns:a16="http://schemas.microsoft.com/office/drawing/2014/main" xmlns="" id="{8305E55F-CE22-4A88-A8D4-3E4958510FE7}"/>
               </a:ext>
             </a:extLst>
           </p:cNvPr>
@@ -8842,7 +9311,7 @@
           <p:cNvPr id="7" name="吹き出し: 四角形 6">
             <a:extLst>
               <a:ext uri="{FF2B5EF4-FFF2-40B4-BE49-F238E27FC236}">
-                <a16:creationId xmlns:a16="http://schemas.microsoft.com/office/drawing/2014/main" id="{EC8402AE-3480-4CC7-905A-0776A28352DA}"/>
+                <a16:creationId xmlns:a16="http://schemas.microsoft.com/office/drawing/2014/main" xmlns="" id="{EC8402AE-3480-4CC7-905A-0776A28352DA}"/>
               </a:ext>
             </a:extLst>
           </p:cNvPr>
@@ -8935,7 +9404,7 @@
           <p:cNvPr id="8" name="吹き出し: 四角形 7">
             <a:extLst>
               <a:ext uri="{FF2B5EF4-FFF2-40B4-BE49-F238E27FC236}">
-                <a16:creationId xmlns:a16="http://schemas.microsoft.com/office/drawing/2014/main" id="{12F0A826-4C99-48A7-B36D-03DBE2118E07}"/>
+                <a16:creationId xmlns:a16="http://schemas.microsoft.com/office/drawing/2014/main" xmlns="" id="{12F0A826-4C99-48A7-B36D-03DBE2118E07}"/>
               </a:ext>
             </a:extLst>
           </p:cNvPr>
@@ -9019,7 +9488,7 @@
           <p:cNvPr id="9" name="吹き出し: 四角形 8">
             <a:extLst>
               <a:ext uri="{FF2B5EF4-FFF2-40B4-BE49-F238E27FC236}">
-                <a16:creationId xmlns:a16="http://schemas.microsoft.com/office/drawing/2014/main" id="{B25F11CC-0810-44FB-85E5-6AFA2E713B6D}"/>
+                <a16:creationId xmlns:a16="http://schemas.microsoft.com/office/drawing/2014/main" xmlns="" id="{B25F11CC-0810-44FB-85E5-6AFA2E713B6D}"/>
               </a:ext>
             </a:extLst>
           </p:cNvPr>
@@ -9075,7 +9544,47 @@
                 <a:latin typeface="チェックポイント．（ピリオド）" panose="02000600000000000000" pitchFamily="50" charset="-128"/>
                 <a:ea typeface="チェックポイント．（ピリオド）" panose="02000600000000000000" pitchFamily="50" charset="-128"/>
               </a:rPr>
-              <a:t>ここは次のレベルアップ条件とレベルアップした際の</a:t>
+              <a:t>ここは次のレベルアップ条件</a:t>
+            </a:r>
+            <a:r>
+              <a:rPr lang="ja-JP" altLang="en-US" dirty="0" smtClean="0">
+                <a:solidFill>
+                  <a:schemeClr val="tx1"/>
+                </a:solidFill>
+                <a:latin typeface="チェックポイント．（ピリオド）" panose="02000600000000000000" pitchFamily="50" charset="-128"/>
+                <a:ea typeface="チェックポイント．（ピリオド）" panose="02000600000000000000" pitchFamily="50" charset="-128"/>
+              </a:rPr>
+              <a:t>と</a:t>
+            </a:r>
+            <a:endParaRPr lang="en-US" altLang="ja-JP" dirty="0" smtClean="0">
+              <a:solidFill>
+                <a:schemeClr val="tx1"/>
+              </a:solidFill>
+              <a:latin typeface="チェックポイント．（ピリオド）" panose="02000600000000000000" pitchFamily="50" charset="-128"/>
+              <a:ea typeface="チェックポイント．（ピリオド）" panose="02000600000000000000" pitchFamily="50" charset="-128"/>
+            </a:endParaRPr>
+          </a:p>
+          <a:p>
+            <a:pPr algn="ctr"/>
+            <a:r>
+              <a:rPr lang="ja-JP" altLang="en-US" dirty="0" smtClean="0">
+                <a:solidFill>
+                  <a:schemeClr val="tx1"/>
+                </a:solidFill>
+                <a:latin typeface="チェックポイント．（ピリオド）" panose="02000600000000000000" pitchFamily="50" charset="-128"/>
+                <a:ea typeface="チェックポイント．（ピリオド）" panose="02000600000000000000" pitchFamily="50" charset="-128"/>
+              </a:rPr>
+              <a:t>レベルアップ</a:t>
+            </a:r>
+            <a:r>
+              <a:rPr lang="ja-JP" altLang="en-US" dirty="0">
+                <a:solidFill>
+                  <a:schemeClr val="tx1"/>
+                </a:solidFill>
+                <a:latin typeface="チェックポイント．（ピリオド）" panose="02000600000000000000" pitchFamily="50" charset="-128"/>
+                <a:ea typeface="チェックポイント．（ピリオド）" panose="02000600000000000000" pitchFamily="50" charset="-128"/>
+              </a:rPr>
+              <a:t>した際の</a:t>
             </a:r>
             <a:endParaRPr lang="en-US" altLang="ja-JP" dirty="0">
               <a:solidFill>

--- a/説明文.pptx
+++ b/説明文.pptx
@@ -5,7 +5,7 @@
     <p:sldMasterId id="2147483648" r:id="rId1"/>
   </p:sldMasterIdLst>
   <p:notesMasterIdLst>
-    <p:notesMasterId r:id="rId10"/>
+    <p:notesMasterId r:id="rId11"/>
   </p:notesMasterIdLst>
   <p:sldIdLst>
     <p:sldId id="257" r:id="rId2"/>
@@ -16,6 +16,7 @@
     <p:sldId id="262" r:id="rId7"/>
     <p:sldId id="263" r:id="rId8"/>
     <p:sldId id="264" r:id="rId9"/>
+    <p:sldId id="265" r:id="rId10"/>
   </p:sldIdLst>
   <p:sldSz cx="12192000" cy="6858000"/>
   <p:notesSz cx="6858000" cy="9144000"/>
@@ -204,7 +205,7 @@
           <a:p>
             <a:fld id="{D3517757-E664-4BB3-B78C-0CBDD076F206}" type="datetimeFigureOut">
               <a:rPr kumimoji="1" lang="ja-JP" altLang="en-US" smtClean="0"/>
-              <a:t>2019/7/21</a:t>
+              <a:t>2019/7/22</a:t>
             </a:fld>
             <a:endParaRPr kumimoji="1" lang="ja-JP" altLang="en-US"/>
           </a:p>
@@ -632,7 +633,7 @@
           <a:p>
             <a:fld id="{8F2BA968-46FA-4915-82D5-53748CAAB103}" type="datetimeFigureOut">
               <a:rPr kumimoji="1" lang="ja-JP" altLang="en-US" smtClean="0"/>
-              <a:t>2019/7/21</a:t>
+              <a:t>2019/7/22</a:t>
             </a:fld>
             <a:endParaRPr kumimoji="1" lang="ja-JP" altLang="en-US" dirty="0"/>
           </a:p>
@@ -832,7 +833,7 @@
           <a:p>
             <a:fld id="{8F2BA968-46FA-4915-82D5-53748CAAB103}" type="datetimeFigureOut">
               <a:rPr kumimoji="1" lang="ja-JP" altLang="en-US" smtClean="0"/>
-              <a:t>2019/7/21</a:t>
+              <a:t>2019/7/22</a:t>
             </a:fld>
             <a:endParaRPr kumimoji="1" lang="ja-JP" altLang="en-US" dirty="0"/>
           </a:p>
@@ -1042,7 +1043,7 @@
           <a:p>
             <a:fld id="{8F2BA968-46FA-4915-82D5-53748CAAB103}" type="datetimeFigureOut">
               <a:rPr kumimoji="1" lang="ja-JP" altLang="en-US" smtClean="0"/>
-              <a:t>2019/7/21</a:t>
+              <a:t>2019/7/22</a:t>
             </a:fld>
             <a:endParaRPr kumimoji="1" lang="ja-JP" altLang="en-US" dirty="0"/>
           </a:p>
@@ -1242,7 +1243,7 @@
           <a:p>
             <a:fld id="{8F2BA968-46FA-4915-82D5-53748CAAB103}" type="datetimeFigureOut">
               <a:rPr kumimoji="1" lang="ja-JP" altLang="en-US" smtClean="0"/>
-              <a:t>2019/7/21</a:t>
+              <a:t>2019/7/22</a:t>
             </a:fld>
             <a:endParaRPr kumimoji="1" lang="ja-JP" altLang="en-US" dirty="0"/>
           </a:p>
@@ -1487,7 +1488,7 @@
           <a:p>
             <a:fld id="{8F2BA968-46FA-4915-82D5-53748CAAB103}" type="datetimeFigureOut">
               <a:rPr kumimoji="1" lang="ja-JP" altLang="en-US" smtClean="0"/>
-              <a:t>2019/7/21</a:t>
+              <a:t>2019/7/22</a:t>
             </a:fld>
             <a:endParaRPr kumimoji="1" lang="ja-JP" altLang="en-US" dirty="0"/>
           </a:p>
@@ -1780,7 +1781,7 @@
           <a:p>
             <a:fld id="{8F2BA968-46FA-4915-82D5-53748CAAB103}" type="datetimeFigureOut">
               <a:rPr kumimoji="1" lang="ja-JP" altLang="en-US" smtClean="0"/>
-              <a:t>2019/7/21</a:t>
+              <a:t>2019/7/22</a:t>
             </a:fld>
             <a:endParaRPr kumimoji="1" lang="ja-JP" altLang="en-US" dirty="0"/>
           </a:p>
@@ -2208,7 +2209,7 @@
           <a:p>
             <a:fld id="{8F2BA968-46FA-4915-82D5-53748CAAB103}" type="datetimeFigureOut">
               <a:rPr kumimoji="1" lang="ja-JP" altLang="en-US" smtClean="0"/>
-              <a:t>2019/7/21</a:t>
+              <a:t>2019/7/22</a:t>
             </a:fld>
             <a:endParaRPr kumimoji="1" lang="ja-JP" altLang="en-US" dirty="0"/>
           </a:p>
@@ -2325,7 +2326,7 @@
           <a:p>
             <a:fld id="{8F2BA968-46FA-4915-82D5-53748CAAB103}" type="datetimeFigureOut">
               <a:rPr kumimoji="1" lang="ja-JP" altLang="en-US" smtClean="0"/>
-              <a:t>2019/7/21</a:t>
+              <a:t>2019/7/22</a:t>
             </a:fld>
             <a:endParaRPr kumimoji="1" lang="ja-JP" altLang="en-US" dirty="0"/>
           </a:p>
@@ -2420,7 +2421,7 @@
           <a:p>
             <a:fld id="{8F2BA968-46FA-4915-82D5-53748CAAB103}" type="datetimeFigureOut">
               <a:rPr kumimoji="1" lang="ja-JP" altLang="en-US" smtClean="0"/>
-              <a:t>2019/7/21</a:t>
+              <a:t>2019/7/22</a:t>
             </a:fld>
             <a:endParaRPr kumimoji="1" lang="ja-JP" altLang="en-US" dirty="0"/>
           </a:p>
@@ -2727,7 +2728,7 @@
           <a:p>
             <a:fld id="{8F2BA968-46FA-4915-82D5-53748CAAB103}" type="datetimeFigureOut">
               <a:rPr kumimoji="1" lang="ja-JP" altLang="en-US" smtClean="0"/>
-              <a:t>2019/7/21</a:t>
+              <a:t>2019/7/22</a:t>
             </a:fld>
             <a:endParaRPr kumimoji="1" lang="ja-JP" altLang="en-US" dirty="0"/>
           </a:p>
@@ -2979,7 +2980,7 @@
           <a:p>
             <a:fld id="{8F2BA968-46FA-4915-82D5-53748CAAB103}" type="datetimeFigureOut">
               <a:rPr kumimoji="1" lang="ja-JP" altLang="en-US" smtClean="0"/>
-              <a:t>2019/7/21</a:t>
+              <a:t>2019/7/22</a:t>
             </a:fld>
             <a:endParaRPr kumimoji="1" lang="ja-JP" altLang="en-US" dirty="0"/>
           </a:p>
@@ -3222,7 +3223,7 @@
           <a:p>
             <a:fld id="{8F2BA968-46FA-4915-82D5-53748CAAB103}" type="datetimeFigureOut">
               <a:rPr kumimoji="1" lang="ja-JP" altLang="en-US" smtClean="0"/>
-              <a:t>2019/7/21</a:t>
+              <a:t>2019/7/22</a:t>
             </a:fld>
             <a:endParaRPr kumimoji="1" lang="ja-JP" altLang="en-US" dirty="0"/>
           </a:p>
@@ -3632,7 +3633,7 @@
           <p:cNvPr id="4" name="図 3" descr="スクリーンショット が含まれている画像&#10;&#10;自動的に生成された説明">
             <a:extLst>
               <a:ext uri="{FF2B5EF4-FFF2-40B4-BE49-F238E27FC236}">
-                <a16:creationId xmlns:a16="http://schemas.microsoft.com/office/drawing/2014/main" xmlns="" id="{48282D74-7C89-4D68-8F6E-D62AC9485402}"/>
+                <a16:creationId xmlns="" xmlns:a16="http://schemas.microsoft.com/office/drawing/2014/main" id="{48282D74-7C89-4D68-8F6E-D62AC9485402}"/>
               </a:ext>
             </a:extLst>
           </p:cNvPr>
@@ -3967,7 +3968,7 @@
           <p:cNvPr id="6" name="正方形/長方形 5">
             <a:extLst>
               <a:ext uri="{FF2B5EF4-FFF2-40B4-BE49-F238E27FC236}">
-                <a16:creationId xmlns:a16="http://schemas.microsoft.com/office/drawing/2014/main" xmlns="" id="{E239D52D-8A0E-45C2-9D76-49681F4F3023}"/>
+                <a16:creationId xmlns="" xmlns:a16="http://schemas.microsoft.com/office/drawing/2014/main" id="{E239D52D-8A0E-45C2-9D76-49681F4F3023}"/>
               </a:ext>
             </a:extLst>
           </p:cNvPr>
@@ -4019,7 +4020,7 @@
           <p:cNvPr id="12" name="正方形/長方形 11">
             <a:extLst>
               <a:ext uri="{FF2B5EF4-FFF2-40B4-BE49-F238E27FC236}">
-                <a16:creationId xmlns:a16="http://schemas.microsoft.com/office/drawing/2014/main" xmlns="" id="{44B16076-58F3-411C-BA21-CC2F6BFDF2CA}"/>
+                <a16:creationId xmlns="" xmlns:a16="http://schemas.microsoft.com/office/drawing/2014/main" id="{44B16076-58F3-411C-BA21-CC2F6BFDF2CA}"/>
               </a:ext>
             </a:extLst>
           </p:cNvPr>
@@ -4071,7 +4072,7 @@
           <p:cNvPr id="13" name="正方形/長方形 12">
             <a:extLst>
               <a:ext uri="{FF2B5EF4-FFF2-40B4-BE49-F238E27FC236}">
-                <a16:creationId xmlns:a16="http://schemas.microsoft.com/office/drawing/2014/main" xmlns="" id="{48971A5D-F76B-4813-83D2-2D825B6A3202}"/>
+                <a16:creationId xmlns="" xmlns:a16="http://schemas.microsoft.com/office/drawing/2014/main" id="{48971A5D-F76B-4813-83D2-2D825B6A3202}"/>
               </a:ext>
             </a:extLst>
           </p:cNvPr>
@@ -4161,7 +4162,7 @@
           <p:cNvPr id="3" name="図 2" descr="物体 が含まれている画像&#10;&#10;自動的に生成された説明">
             <a:extLst>
               <a:ext uri="{FF2B5EF4-FFF2-40B4-BE49-F238E27FC236}">
-                <a16:creationId xmlns:a16="http://schemas.microsoft.com/office/drawing/2014/main" xmlns="" id="{69BA893B-4907-48D5-8940-A23E267BFE4C}"/>
+                <a16:creationId xmlns="" xmlns:a16="http://schemas.microsoft.com/office/drawing/2014/main" id="{69BA893B-4907-48D5-8940-A23E267BFE4C}"/>
               </a:ext>
             </a:extLst>
           </p:cNvPr>
@@ -4679,7 +4680,7 @@
           <p:cNvPr id="13" name="正方形/長方形 12">
             <a:extLst>
               <a:ext uri="{FF2B5EF4-FFF2-40B4-BE49-F238E27FC236}">
-                <a16:creationId xmlns:a16="http://schemas.microsoft.com/office/drawing/2014/main" xmlns="" id="{A37BEE43-2066-46D6-8830-D8556B22304D}"/>
+                <a16:creationId xmlns="" xmlns:a16="http://schemas.microsoft.com/office/drawing/2014/main" id="{A37BEE43-2066-46D6-8830-D8556B22304D}"/>
               </a:ext>
             </a:extLst>
           </p:cNvPr>
@@ -4731,7 +4732,7 @@
           <p:cNvPr id="14" name="正方形/長方形 13">
             <a:extLst>
               <a:ext uri="{FF2B5EF4-FFF2-40B4-BE49-F238E27FC236}">
-                <a16:creationId xmlns:a16="http://schemas.microsoft.com/office/drawing/2014/main" xmlns="" id="{BA56A8B8-81E8-409C-8A37-384626294E40}"/>
+                <a16:creationId xmlns="" xmlns:a16="http://schemas.microsoft.com/office/drawing/2014/main" id="{BA56A8B8-81E8-409C-8A37-384626294E40}"/>
               </a:ext>
             </a:extLst>
           </p:cNvPr>
@@ -4783,7 +4784,7 @@
           <p:cNvPr id="15" name="正方形/長方形 14">
             <a:extLst>
               <a:ext uri="{FF2B5EF4-FFF2-40B4-BE49-F238E27FC236}">
-                <a16:creationId xmlns:a16="http://schemas.microsoft.com/office/drawing/2014/main" xmlns="" id="{AF0DEFD2-0EA7-416C-9349-A86003C1114B}"/>
+                <a16:creationId xmlns="" xmlns:a16="http://schemas.microsoft.com/office/drawing/2014/main" id="{AF0DEFD2-0EA7-416C-9349-A86003C1114B}"/>
               </a:ext>
             </a:extLst>
           </p:cNvPr>
@@ -4835,7 +4836,7 @@
           <p:cNvPr id="18" name="正方形/長方形 17">
             <a:extLst>
               <a:ext uri="{FF2B5EF4-FFF2-40B4-BE49-F238E27FC236}">
-                <a16:creationId xmlns:a16="http://schemas.microsoft.com/office/drawing/2014/main" xmlns="" id="{DFCE669F-B98A-49D5-9CD8-578BB88718CC}"/>
+                <a16:creationId xmlns="" xmlns:a16="http://schemas.microsoft.com/office/drawing/2014/main" id="{DFCE669F-B98A-49D5-9CD8-578BB88718CC}"/>
               </a:ext>
             </a:extLst>
           </p:cNvPr>
@@ -4917,7 +4918,7 @@
           <p:cNvPr id="3" name="図 2" descr="テキスト, スコアボード, 屋外, 標識 が含まれている画像&#10;&#10;自動的に生成された説明">
             <a:extLst>
               <a:ext uri="{FF2B5EF4-FFF2-40B4-BE49-F238E27FC236}">
-                <a16:creationId xmlns:a16="http://schemas.microsoft.com/office/drawing/2014/main" xmlns="" id="{D1EC1C6B-8E37-484B-BC32-54F28F2C22FE}"/>
+                <a16:creationId xmlns="" xmlns:a16="http://schemas.microsoft.com/office/drawing/2014/main" id="{D1EC1C6B-8E37-484B-BC32-54F28F2C22FE}"/>
               </a:ext>
             </a:extLst>
           </p:cNvPr>
@@ -5562,7 +5563,7 @@
           <p:cNvPr id="10" name="正方形/長方形 9">
             <a:extLst>
               <a:ext uri="{FF2B5EF4-FFF2-40B4-BE49-F238E27FC236}">
-                <a16:creationId xmlns:a16="http://schemas.microsoft.com/office/drawing/2014/main" xmlns="" id="{6FFE011D-710D-4A4F-9825-141048483DC9}"/>
+                <a16:creationId xmlns="" xmlns:a16="http://schemas.microsoft.com/office/drawing/2014/main" id="{6FFE011D-710D-4A4F-9825-141048483DC9}"/>
               </a:ext>
             </a:extLst>
           </p:cNvPr>
@@ -5614,7 +5615,7 @@
           <p:cNvPr id="11" name="正方形/長方形 10">
             <a:extLst>
               <a:ext uri="{FF2B5EF4-FFF2-40B4-BE49-F238E27FC236}">
-                <a16:creationId xmlns:a16="http://schemas.microsoft.com/office/drawing/2014/main" xmlns="" id="{E20945F6-E8A3-4843-8AA8-C3CA375AAF01}"/>
+                <a16:creationId xmlns="" xmlns:a16="http://schemas.microsoft.com/office/drawing/2014/main" id="{E20945F6-E8A3-4843-8AA8-C3CA375AAF01}"/>
               </a:ext>
             </a:extLst>
           </p:cNvPr>
@@ -5666,7 +5667,7 @@
           <p:cNvPr id="12" name="正方形/長方形 11">
             <a:extLst>
               <a:ext uri="{FF2B5EF4-FFF2-40B4-BE49-F238E27FC236}">
-                <a16:creationId xmlns:a16="http://schemas.microsoft.com/office/drawing/2014/main" xmlns="" id="{7A027602-FE49-443B-B979-695A16DF3603}"/>
+                <a16:creationId xmlns="" xmlns:a16="http://schemas.microsoft.com/office/drawing/2014/main" id="{7A027602-FE49-443B-B979-695A16DF3603}"/>
               </a:ext>
             </a:extLst>
           </p:cNvPr>
@@ -5718,7 +5719,7 @@
           <p:cNvPr id="13" name="正方形/長方形 12">
             <a:extLst>
               <a:ext uri="{FF2B5EF4-FFF2-40B4-BE49-F238E27FC236}">
-                <a16:creationId xmlns:a16="http://schemas.microsoft.com/office/drawing/2014/main" xmlns="" id="{6D5653B2-A431-4E41-A84C-D2D0A59D8FFF}"/>
+                <a16:creationId xmlns="" xmlns:a16="http://schemas.microsoft.com/office/drawing/2014/main" id="{6D5653B2-A431-4E41-A84C-D2D0A59D8FFF}"/>
               </a:ext>
             </a:extLst>
           </p:cNvPr>
@@ -5770,7 +5771,7 @@
           <p:cNvPr id="15" name="正方形/長方形 14">
             <a:extLst>
               <a:ext uri="{FF2B5EF4-FFF2-40B4-BE49-F238E27FC236}">
-                <a16:creationId xmlns:a16="http://schemas.microsoft.com/office/drawing/2014/main" xmlns="" id="{E0E6CB0D-AD4F-4358-8DF1-ECAD7B65F9F5}"/>
+                <a16:creationId xmlns="" xmlns:a16="http://schemas.microsoft.com/office/drawing/2014/main" id="{E0E6CB0D-AD4F-4358-8DF1-ECAD7B65F9F5}"/>
               </a:ext>
             </a:extLst>
           </p:cNvPr>
@@ -5822,7 +5823,7 @@
           <p:cNvPr id="16" name="四角形吹き出し 4">
             <a:extLst>
               <a:ext uri="{FF2B5EF4-FFF2-40B4-BE49-F238E27FC236}">
-                <a16:creationId xmlns:a16="http://schemas.microsoft.com/office/drawing/2014/main" xmlns="" id="{63DDAF72-AE4E-4AAC-AC6F-2CCD1ADC7265}"/>
+                <a16:creationId xmlns="" xmlns:a16="http://schemas.microsoft.com/office/drawing/2014/main" id="{63DDAF72-AE4E-4AAC-AC6F-2CCD1ADC7265}"/>
               </a:ext>
             </a:extLst>
           </p:cNvPr>
@@ -5918,7 +5919,7 @@
           <p:cNvPr id="3" name="図 2" descr="テキスト, 標識, 通り, 屋外 が含まれている画像&#10;&#10;自動的に生成された説明">
             <a:extLst>
               <a:ext uri="{FF2B5EF4-FFF2-40B4-BE49-F238E27FC236}">
-                <a16:creationId xmlns:a16="http://schemas.microsoft.com/office/drawing/2014/main" xmlns="" id="{EB877469-AC96-48FE-9472-8035C84EFB97}"/>
+                <a16:creationId xmlns="" xmlns:a16="http://schemas.microsoft.com/office/drawing/2014/main" id="{EB877469-AC96-48FE-9472-8035C84EFB97}"/>
               </a:ext>
             </a:extLst>
           </p:cNvPr>
@@ -6300,7 +6301,27 @@
                 <a:latin typeface="チェックポイント．（ピリオド）" panose="02000600000000000000" pitchFamily="50" charset="-128"/>
                 <a:ea typeface="チェックポイント．（ピリオド）" panose="02000600000000000000" pitchFamily="50" charset="-128"/>
               </a:rPr>
-              <a:t>兵舎をレベルアップすることにより兵士の攻撃力などステータスがアップする</a:t>
+              <a:t>兵舎をレベルアップすることに</a:t>
+            </a:r>
+            <a:r>
+              <a:rPr lang="ja-JP" altLang="en-US" dirty="0" smtClean="0">
+                <a:solidFill>
+                  <a:schemeClr val="tx1"/>
+                </a:solidFill>
+                <a:latin typeface="チェックポイント．（ピリオド）" panose="02000600000000000000" pitchFamily="50" charset="-128"/>
+                <a:ea typeface="チェックポイント．（ピリオド）" panose="02000600000000000000" pitchFamily="50" charset="-128"/>
+              </a:rPr>
+              <a:t>よりポッドの攻撃力が</a:t>
+            </a:r>
+            <a:r>
+              <a:rPr lang="ja-JP" altLang="en-US" dirty="0">
+                <a:solidFill>
+                  <a:schemeClr val="tx1"/>
+                </a:solidFill>
+                <a:latin typeface="チェックポイント．（ピリオド）" panose="02000600000000000000" pitchFamily="50" charset="-128"/>
+                <a:ea typeface="チェックポイント．（ピリオド）" panose="02000600000000000000" pitchFamily="50" charset="-128"/>
+              </a:rPr>
+              <a:t>アップする</a:t>
             </a:r>
             <a:endParaRPr kumimoji="1" lang="ja-JP" altLang="en-US" dirty="0">
               <a:solidFill>
@@ -6356,7 +6377,7 @@
           <p:cNvPr id="8" name="正方形/長方形 7">
             <a:extLst>
               <a:ext uri="{FF2B5EF4-FFF2-40B4-BE49-F238E27FC236}">
-                <a16:creationId xmlns:a16="http://schemas.microsoft.com/office/drawing/2014/main" xmlns="" id="{F7BE2C32-C21E-4467-87D2-8052D2B5FDA7}"/>
+                <a16:creationId xmlns="" xmlns:a16="http://schemas.microsoft.com/office/drawing/2014/main" id="{F7BE2C32-C21E-4467-87D2-8052D2B5FDA7}"/>
               </a:ext>
             </a:extLst>
           </p:cNvPr>
@@ -6408,7 +6429,7 @@
           <p:cNvPr id="12" name="正方形/長方形 11">
             <a:extLst>
               <a:ext uri="{FF2B5EF4-FFF2-40B4-BE49-F238E27FC236}">
-                <a16:creationId xmlns:a16="http://schemas.microsoft.com/office/drawing/2014/main" xmlns="" id="{40ABF9C2-DF54-4877-A01A-A46FE482F6B4}"/>
+                <a16:creationId xmlns="" xmlns:a16="http://schemas.microsoft.com/office/drawing/2014/main" id="{40ABF9C2-DF54-4877-A01A-A46FE482F6B4}"/>
               </a:ext>
             </a:extLst>
           </p:cNvPr>
@@ -6460,7 +6481,7 @@
           <p:cNvPr id="14" name="正方形/長方形 13">
             <a:extLst>
               <a:ext uri="{FF2B5EF4-FFF2-40B4-BE49-F238E27FC236}">
-                <a16:creationId xmlns:a16="http://schemas.microsoft.com/office/drawing/2014/main" xmlns="" id="{04C836FE-EE43-45CD-B4BE-F7E0ABEE0088}"/>
+                <a16:creationId xmlns="" xmlns:a16="http://schemas.microsoft.com/office/drawing/2014/main" id="{04C836FE-EE43-45CD-B4BE-F7E0ABEE0088}"/>
               </a:ext>
             </a:extLst>
           </p:cNvPr>
@@ -6512,7 +6533,7 @@
           <p:cNvPr id="16" name="吹き出し: 四角形 15">
             <a:extLst>
               <a:ext uri="{FF2B5EF4-FFF2-40B4-BE49-F238E27FC236}">
-                <a16:creationId xmlns:a16="http://schemas.microsoft.com/office/drawing/2014/main" xmlns="" id="{3ECE61CD-6BC4-463C-897C-903CC3F098F0}"/>
+                <a16:creationId xmlns="" xmlns:a16="http://schemas.microsoft.com/office/drawing/2014/main" id="{3ECE61CD-6BC4-463C-897C-903CC3F098F0}"/>
               </a:ext>
             </a:extLst>
           </p:cNvPr>
@@ -6606,7 +6627,7 @@
           <p:cNvPr id="5" name="図 4">
             <a:extLst>
               <a:ext uri="{FF2B5EF4-FFF2-40B4-BE49-F238E27FC236}">
-                <a16:creationId xmlns:a16="http://schemas.microsoft.com/office/drawing/2014/main" xmlns="" id="{165CE0B9-374D-46A3-97C1-E7AFAFB5DEDF}"/>
+                <a16:creationId xmlns="" xmlns:a16="http://schemas.microsoft.com/office/drawing/2014/main" id="{165CE0B9-374D-46A3-97C1-E7AFAFB5DEDF}"/>
               </a:ext>
             </a:extLst>
           </p:cNvPr>
@@ -6641,7 +6662,7 @@
           <p:cNvPr id="6" name="テキスト ボックス 5">
             <a:extLst>
               <a:ext uri="{FF2B5EF4-FFF2-40B4-BE49-F238E27FC236}">
-                <a16:creationId xmlns:a16="http://schemas.microsoft.com/office/drawing/2014/main" xmlns="" id="{EEBBDC81-60E0-49FD-9EFB-874F038CCD29}"/>
+                <a16:creationId xmlns="" xmlns:a16="http://schemas.microsoft.com/office/drawing/2014/main" id="{EEBBDC81-60E0-49FD-9EFB-874F038CCD29}"/>
               </a:ext>
             </a:extLst>
           </p:cNvPr>
@@ -6693,7 +6714,7 @@
           <p:cNvPr id="12" name="グループ化 11">
             <a:extLst>
               <a:ext uri="{FF2B5EF4-FFF2-40B4-BE49-F238E27FC236}">
-                <a16:creationId xmlns:a16="http://schemas.microsoft.com/office/drawing/2014/main" xmlns="" id="{797C4648-EAB3-4303-9BBE-4050E32CDCAC}"/>
+                <a16:creationId xmlns="" xmlns:a16="http://schemas.microsoft.com/office/drawing/2014/main" id="{797C4648-EAB3-4303-9BBE-4050E32CDCAC}"/>
               </a:ext>
             </a:extLst>
           </p:cNvPr>
@@ -6713,7 +6734,7 @@
             <p:cNvPr id="8" name="テキスト ボックス 7">
               <a:extLst>
                 <a:ext uri="{FF2B5EF4-FFF2-40B4-BE49-F238E27FC236}">
-                  <a16:creationId xmlns:a16="http://schemas.microsoft.com/office/drawing/2014/main" xmlns="" id="{732F859C-017C-4DF8-8D5C-BAFB7C322941}"/>
+                  <a16:creationId xmlns="" xmlns:a16="http://schemas.microsoft.com/office/drawing/2014/main" id="{732F859C-017C-4DF8-8D5C-BAFB7C322941}"/>
                 </a:ext>
               </a:extLst>
             </p:cNvPr>
@@ -6754,7 +6775,7 @@
             <p:cNvPr id="9" name="テキスト ボックス 8">
               <a:extLst>
                 <a:ext uri="{FF2B5EF4-FFF2-40B4-BE49-F238E27FC236}">
-                  <a16:creationId xmlns:a16="http://schemas.microsoft.com/office/drawing/2014/main" xmlns="" id="{8712CBD0-DD3F-4A86-9652-7FFA75AD120B}"/>
+                  <a16:creationId xmlns="" xmlns:a16="http://schemas.microsoft.com/office/drawing/2014/main" id="{8712CBD0-DD3F-4A86-9652-7FFA75AD120B}"/>
                 </a:ext>
               </a:extLst>
             </p:cNvPr>
@@ -6817,7 +6838,7 @@
           <p:cNvPr id="13" name="グループ化 12">
             <a:extLst>
               <a:ext uri="{FF2B5EF4-FFF2-40B4-BE49-F238E27FC236}">
-                <a16:creationId xmlns:a16="http://schemas.microsoft.com/office/drawing/2014/main" xmlns="" id="{DED0F105-29CA-4D82-BF68-6B4A196F19AA}"/>
+                <a16:creationId xmlns="" xmlns:a16="http://schemas.microsoft.com/office/drawing/2014/main" id="{DED0F105-29CA-4D82-BF68-6B4A196F19AA}"/>
               </a:ext>
             </a:extLst>
           </p:cNvPr>
@@ -6837,7 +6858,7 @@
             <p:cNvPr id="7" name="テキスト ボックス 6">
               <a:extLst>
                 <a:ext uri="{FF2B5EF4-FFF2-40B4-BE49-F238E27FC236}">
-                  <a16:creationId xmlns:a16="http://schemas.microsoft.com/office/drawing/2014/main" xmlns="" id="{54618E3D-3C8D-4D29-8362-5B6918855191}"/>
+                  <a16:creationId xmlns="" xmlns:a16="http://schemas.microsoft.com/office/drawing/2014/main" id="{54618E3D-3C8D-4D29-8362-5B6918855191}"/>
                 </a:ext>
               </a:extLst>
             </p:cNvPr>
@@ -6878,7 +6899,7 @@
             <p:cNvPr id="11" name="テキスト ボックス 10">
               <a:extLst>
                 <a:ext uri="{FF2B5EF4-FFF2-40B4-BE49-F238E27FC236}">
-                  <a16:creationId xmlns:a16="http://schemas.microsoft.com/office/drawing/2014/main" xmlns="" id="{6825228E-EBCE-401A-B0BC-7661792A6F00}"/>
+                  <a16:creationId xmlns="" xmlns:a16="http://schemas.microsoft.com/office/drawing/2014/main" id="{6825228E-EBCE-401A-B0BC-7661792A6F00}"/>
                 </a:ext>
               </a:extLst>
             </p:cNvPr>
@@ -7003,7 +7024,7 @@
           <p:cNvPr id="4" name="図 3">
             <a:extLst>
               <a:ext uri="{FF2B5EF4-FFF2-40B4-BE49-F238E27FC236}">
-                <a16:creationId xmlns:a16="http://schemas.microsoft.com/office/drawing/2014/main" xmlns="" id="{84E4BD2B-BD98-4D0D-BD92-46FAC62B133A}"/>
+                <a16:creationId xmlns="" xmlns:a16="http://schemas.microsoft.com/office/drawing/2014/main" id="{84E4BD2B-BD98-4D0D-BD92-46FAC62B133A}"/>
               </a:ext>
             </a:extLst>
           </p:cNvPr>
@@ -7038,7 +7059,7 @@
           <p:cNvPr id="5" name="テキスト ボックス 4">
             <a:extLst>
               <a:ext uri="{FF2B5EF4-FFF2-40B4-BE49-F238E27FC236}">
-                <a16:creationId xmlns:a16="http://schemas.microsoft.com/office/drawing/2014/main" xmlns="" id="{3EEDA683-E7C7-4A3A-9045-88BF1220584E}"/>
+                <a16:creationId xmlns="" xmlns:a16="http://schemas.microsoft.com/office/drawing/2014/main" id="{3EEDA683-E7C7-4A3A-9045-88BF1220584E}"/>
               </a:ext>
             </a:extLst>
           </p:cNvPr>
@@ -7090,7 +7111,7 @@
           <p:cNvPr id="6" name="テキスト ボックス 5">
             <a:extLst>
               <a:ext uri="{FF2B5EF4-FFF2-40B4-BE49-F238E27FC236}">
-                <a16:creationId xmlns:a16="http://schemas.microsoft.com/office/drawing/2014/main" xmlns="" id="{C9FCE914-94E5-4B3F-B2D2-96FDE0E6E9D8}"/>
+                <a16:creationId xmlns="" xmlns:a16="http://schemas.microsoft.com/office/drawing/2014/main" id="{C9FCE914-94E5-4B3F-B2D2-96FDE0E6E9D8}"/>
               </a:ext>
             </a:extLst>
           </p:cNvPr>
@@ -7131,7 +7152,7 @@
           <p:cNvPr id="7" name="テキスト ボックス 6">
             <a:extLst>
               <a:ext uri="{FF2B5EF4-FFF2-40B4-BE49-F238E27FC236}">
-                <a16:creationId xmlns:a16="http://schemas.microsoft.com/office/drawing/2014/main" xmlns="" id="{1A509F0D-124D-47C4-B5CD-4B9B8064082C}"/>
+                <a16:creationId xmlns="" xmlns:a16="http://schemas.microsoft.com/office/drawing/2014/main" id="{1A509F0D-124D-47C4-B5CD-4B9B8064082C}"/>
               </a:ext>
             </a:extLst>
           </p:cNvPr>
@@ -7182,7 +7203,7 @@
           <p:cNvPr id="8" name="テキスト ボックス 7">
             <a:extLst>
               <a:ext uri="{FF2B5EF4-FFF2-40B4-BE49-F238E27FC236}">
-                <a16:creationId xmlns:a16="http://schemas.microsoft.com/office/drawing/2014/main" xmlns="" id="{5F463387-8D23-460A-80ED-50E81FAAF3D9}"/>
+                <a16:creationId xmlns="" xmlns:a16="http://schemas.microsoft.com/office/drawing/2014/main" id="{5F463387-8D23-460A-80ED-50E81FAAF3D9}"/>
               </a:ext>
             </a:extLst>
           </p:cNvPr>
@@ -7243,7 +7264,7 @@
           <p:cNvPr id="9" name="テキスト ボックス 8">
             <a:extLst>
               <a:ext uri="{FF2B5EF4-FFF2-40B4-BE49-F238E27FC236}">
-                <a16:creationId xmlns:a16="http://schemas.microsoft.com/office/drawing/2014/main" xmlns="" id="{3E1D3977-A1EE-4011-94E0-9B60C81CA553}"/>
+                <a16:creationId xmlns="" xmlns:a16="http://schemas.microsoft.com/office/drawing/2014/main" id="{3E1D3977-A1EE-4011-94E0-9B60C81CA553}"/>
               </a:ext>
             </a:extLst>
           </p:cNvPr>
@@ -7319,7 +7340,7 @@
           <p:cNvPr id="41" name="グループ化 40">
             <a:extLst>
               <a:ext uri="{FF2B5EF4-FFF2-40B4-BE49-F238E27FC236}">
-                <a16:creationId xmlns:a16="http://schemas.microsoft.com/office/drawing/2014/main" xmlns="" id="{C42471E9-CEF7-4DD0-B2B9-A37027252951}"/>
+                <a16:creationId xmlns="" xmlns:a16="http://schemas.microsoft.com/office/drawing/2014/main" id="{C42471E9-CEF7-4DD0-B2B9-A37027252951}"/>
               </a:ext>
             </a:extLst>
           </p:cNvPr>
@@ -7339,7 +7360,7 @@
             <p:cNvPr id="22" name="グループ化 21">
               <a:extLst>
                 <a:ext uri="{FF2B5EF4-FFF2-40B4-BE49-F238E27FC236}">
-                  <a16:creationId xmlns:a16="http://schemas.microsoft.com/office/drawing/2014/main" xmlns="" id="{7D6E456E-2E26-4492-9279-169842641548}"/>
+                  <a16:creationId xmlns="" xmlns:a16="http://schemas.microsoft.com/office/drawing/2014/main" id="{7D6E456E-2E26-4492-9279-169842641548}"/>
                 </a:ext>
               </a:extLst>
             </p:cNvPr>
@@ -7359,7 +7380,7 @@
               <p:cNvPr id="11" name="図 10" descr="物体 が含まれている画像&#10;&#10;自動的に生成された説明">
                 <a:extLst>
                   <a:ext uri="{FF2B5EF4-FFF2-40B4-BE49-F238E27FC236}">
-                    <a16:creationId xmlns:a16="http://schemas.microsoft.com/office/drawing/2014/main" xmlns="" id="{9E2F2156-5A3C-4670-A7BB-42FF8EF7E4F0}"/>
+                    <a16:creationId xmlns="" xmlns:a16="http://schemas.microsoft.com/office/drawing/2014/main" id="{9E2F2156-5A3C-4670-A7BB-42FF8EF7E4F0}"/>
                   </a:ext>
                 </a:extLst>
               </p:cNvPr>
@@ -7395,7 +7416,7 @@
               <p:cNvPr id="18" name="テキスト ボックス 17">
                 <a:extLst>
                   <a:ext uri="{FF2B5EF4-FFF2-40B4-BE49-F238E27FC236}">
-                    <a16:creationId xmlns:a16="http://schemas.microsoft.com/office/drawing/2014/main" xmlns="" id="{85DB17C7-0CA8-4460-8B6A-1BBCF3C5CA75}"/>
+                    <a16:creationId xmlns="" xmlns:a16="http://schemas.microsoft.com/office/drawing/2014/main" id="{85DB17C7-0CA8-4460-8B6A-1BBCF3C5CA75}"/>
                   </a:ext>
                 </a:extLst>
               </p:cNvPr>
@@ -7434,7 +7455,7 @@
             <p:cNvPr id="23" name="グループ化 22">
               <a:extLst>
                 <a:ext uri="{FF2B5EF4-FFF2-40B4-BE49-F238E27FC236}">
-                  <a16:creationId xmlns:a16="http://schemas.microsoft.com/office/drawing/2014/main" xmlns="" id="{8FA97864-B0AC-4C37-AB57-3F511EE9B20A}"/>
+                  <a16:creationId xmlns="" xmlns:a16="http://schemas.microsoft.com/office/drawing/2014/main" id="{8FA97864-B0AC-4C37-AB57-3F511EE9B20A}"/>
                 </a:ext>
               </a:extLst>
             </p:cNvPr>
@@ -7454,7 +7475,7 @@
               <p:cNvPr id="13" name="図 12" descr="物体 が含まれている画像&#10;&#10;自動的に生成された説明">
                 <a:extLst>
                   <a:ext uri="{FF2B5EF4-FFF2-40B4-BE49-F238E27FC236}">
-                    <a16:creationId xmlns:a16="http://schemas.microsoft.com/office/drawing/2014/main" xmlns="" id="{539F0BC8-41E3-4ADD-9459-BE0E2D7ABA27}"/>
+                    <a16:creationId xmlns="" xmlns:a16="http://schemas.microsoft.com/office/drawing/2014/main" id="{539F0BC8-41E3-4ADD-9459-BE0E2D7ABA27}"/>
                   </a:ext>
                 </a:extLst>
               </p:cNvPr>
@@ -7490,7 +7511,7 @@
               <p:cNvPr id="19" name="テキスト ボックス 18">
                 <a:extLst>
                   <a:ext uri="{FF2B5EF4-FFF2-40B4-BE49-F238E27FC236}">
-                    <a16:creationId xmlns:a16="http://schemas.microsoft.com/office/drawing/2014/main" xmlns="" id="{9D08D78F-597A-41C6-9E61-E721135C20D1}"/>
+                    <a16:creationId xmlns="" xmlns:a16="http://schemas.microsoft.com/office/drawing/2014/main" id="{9D08D78F-597A-41C6-9E61-E721135C20D1}"/>
                   </a:ext>
                 </a:extLst>
               </p:cNvPr>
@@ -7529,7 +7550,7 @@
             <p:cNvPr id="25" name="グループ化 24">
               <a:extLst>
                 <a:ext uri="{FF2B5EF4-FFF2-40B4-BE49-F238E27FC236}">
-                  <a16:creationId xmlns:a16="http://schemas.microsoft.com/office/drawing/2014/main" xmlns="" id="{8F6624A7-F895-493A-8055-873B48C8C19C}"/>
+                  <a16:creationId xmlns="" xmlns:a16="http://schemas.microsoft.com/office/drawing/2014/main" id="{8F6624A7-F895-493A-8055-873B48C8C19C}"/>
                 </a:ext>
               </a:extLst>
             </p:cNvPr>
@@ -7549,7 +7570,7 @@
               <p:cNvPr id="15" name="図 14" descr="物体, 腕時計 が含まれている画像&#10;&#10;自動的に生成された説明">
                 <a:extLst>
                   <a:ext uri="{FF2B5EF4-FFF2-40B4-BE49-F238E27FC236}">
-                    <a16:creationId xmlns:a16="http://schemas.microsoft.com/office/drawing/2014/main" xmlns="" id="{53299244-26D0-4173-ACC6-BD241C768849}"/>
+                    <a16:creationId xmlns="" xmlns:a16="http://schemas.microsoft.com/office/drawing/2014/main" id="{53299244-26D0-4173-ACC6-BD241C768849}"/>
                   </a:ext>
                 </a:extLst>
               </p:cNvPr>
@@ -7585,7 +7606,7 @@
               <p:cNvPr id="20" name="テキスト ボックス 19">
                 <a:extLst>
                   <a:ext uri="{FF2B5EF4-FFF2-40B4-BE49-F238E27FC236}">
-                    <a16:creationId xmlns:a16="http://schemas.microsoft.com/office/drawing/2014/main" xmlns="" id="{BF9D5B9B-9876-443A-BE29-B4828D0A5D74}"/>
+                    <a16:creationId xmlns="" xmlns:a16="http://schemas.microsoft.com/office/drawing/2014/main" id="{BF9D5B9B-9876-443A-BE29-B4828D0A5D74}"/>
                   </a:ext>
                 </a:extLst>
               </p:cNvPr>
@@ -7624,7 +7645,7 @@
             <p:cNvPr id="26" name="グループ化 25">
               <a:extLst>
                 <a:ext uri="{FF2B5EF4-FFF2-40B4-BE49-F238E27FC236}">
-                  <a16:creationId xmlns:a16="http://schemas.microsoft.com/office/drawing/2014/main" xmlns="" id="{D317981A-38A9-4594-9159-8C77F7F6D8B4}"/>
+                  <a16:creationId xmlns="" xmlns:a16="http://schemas.microsoft.com/office/drawing/2014/main" id="{D317981A-38A9-4594-9159-8C77F7F6D8B4}"/>
                 </a:ext>
               </a:extLst>
             </p:cNvPr>
@@ -7644,7 +7665,7 @@
               <p:cNvPr id="17" name="図 16" descr="物体 が含まれている画像&#10;&#10;自動的に生成された説明">
                 <a:extLst>
                   <a:ext uri="{FF2B5EF4-FFF2-40B4-BE49-F238E27FC236}">
-                    <a16:creationId xmlns:a16="http://schemas.microsoft.com/office/drawing/2014/main" xmlns="" id="{93CD3867-4A7C-4138-9F28-8B9071FCE1AF}"/>
+                    <a16:creationId xmlns="" xmlns:a16="http://schemas.microsoft.com/office/drawing/2014/main" id="{93CD3867-4A7C-4138-9F28-8B9071FCE1AF}"/>
                   </a:ext>
                 </a:extLst>
               </p:cNvPr>
@@ -7680,7 +7701,7 @@
               <p:cNvPr id="21" name="テキスト ボックス 20">
                 <a:extLst>
                   <a:ext uri="{FF2B5EF4-FFF2-40B4-BE49-F238E27FC236}">
-                    <a16:creationId xmlns:a16="http://schemas.microsoft.com/office/drawing/2014/main" xmlns="" id="{C3C71671-55D6-4E40-BC27-288FCF91D2BB}"/>
+                    <a16:creationId xmlns="" xmlns:a16="http://schemas.microsoft.com/office/drawing/2014/main" id="{C3C71671-55D6-4E40-BC27-288FCF91D2BB}"/>
                   </a:ext>
                 </a:extLst>
               </p:cNvPr>
@@ -7723,7 +7744,7 @@
             <p:cNvPr id="28" name="直線矢印コネクタ 27">
               <a:extLst>
                 <a:ext uri="{FF2B5EF4-FFF2-40B4-BE49-F238E27FC236}">
-                  <a16:creationId xmlns:a16="http://schemas.microsoft.com/office/drawing/2014/main" xmlns="" id="{A84A16DD-57C4-4761-A446-249187106E51}"/>
+                  <a16:creationId xmlns="" xmlns:a16="http://schemas.microsoft.com/office/drawing/2014/main" id="{A84A16DD-57C4-4761-A446-249187106E51}"/>
                 </a:ext>
               </a:extLst>
             </p:cNvPr>
@@ -7767,7 +7788,7 @@
             <p:cNvPr id="29" name="直線矢印コネクタ 28">
               <a:extLst>
                 <a:ext uri="{FF2B5EF4-FFF2-40B4-BE49-F238E27FC236}">
-                  <a16:creationId xmlns:a16="http://schemas.microsoft.com/office/drawing/2014/main" xmlns="" id="{CE867472-33BD-4771-A53A-412FDCEAB859}"/>
+                  <a16:creationId xmlns="" xmlns:a16="http://schemas.microsoft.com/office/drawing/2014/main" id="{CE867472-33BD-4771-A53A-412FDCEAB859}"/>
                 </a:ext>
               </a:extLst>
             </p:cNvPr>
@@ -7811,7 +7832,7 @@
             <p:cNvPr id="32" name="直線矢印コネクタ 31">
               <a:extLst>
                 <a:ext uri="{FF2B5EF4-FFF2-40B4-BE49-F238E27FC236}">
-                  <a16:creationId xmlns:a16="http://schemas.microsoft.com/office/drawing/2014/main" xmlns="" id="{2F760955-CE29-4903-BDF0-C0EF1A34CD6F}"/>
+                  <a16:creationId xmlns="" xmlns:a16="http://schemas.microsoft.com/office/drawing/2014/main" id="{2F760955-CE29-4903-BDF0-C0EF1A34CD6F}"/>
                 </a:ext>
               </a:extLst>
             </p:cNvPr>
@@ -7855,7 +7876,7 @@
             <p:cNvPr id="33" name="直線矢印コネクタ 32">
               <a:extLst>
                 <a:ext uri="{FF2B5EF4-FFF2-40B4-BE49-F238E27FC236}">
-                  <a16:creationId xmlns:a16="http://schemas.microsoft.com/office/drawing/2014/main" xmlns="" id="{96E14F16-9B67-48C7-9985-746717E7D2CE}"/>
+                  <a16:creationId xmlns="" xmlns:a16="http://schemas.microsoft.com/office/drawing/2014/main" id="{96E14F16-9B67-48C7-9985-746717E7D2CE}"/>
                 </a:ext>
               </a:extLst>
             </p:cNvPr>
@@ -7899,7 +7920,7 @@
             <p:cNvPr id="34" name="正方形/長方形 33">
               <a:extLst>
                 <a:ext uri="{FF2B5EF4-FFF2-40B4-BE49-F238E27FC236}">
-                  <a16:creationId xmlns:a16="http://schemas.microsoft.com/office/drawing/2014/main" xmlns="" id="{6ADAFCEE-C028-416D-B257-90B41E02042A}"/>
+                  <a16:creationId xmlns="" xmlns:a16="http://schemas.microsoft.com/office/drawing/2014/main" id="{6ADAFCEE-C028-416D-B257-90B41E02042A}"/>
                 </a:ext>
               </a:extLst>
             </p:cNvPr>
@@ -7954,7 +7975,7 @@
             <p:cNvPr id="35" name="直線矢印コネクタ 34">
               <a:extLst>
                 <a:ext uri="{FF2B5EF4-FFF2-40B4-BE49-F238E27FC236}">
-                  <a16:creationId xmlns:a16="http://schemas.microsoft.com/office/drawing/2014/main" xmlns="" id="{A2A6B62C-1E0E-432C-9BEC-393C34A1C94C}"/>
+                  <a16:creationId xmlns="" xmlns:a16="http://schemas.microsoft.com/office/drawing/2014/main" id="{A2A6B62C-1E0E-432C-9BEC-393C34A1C94C}"/>
                 </a:ext>
               </a:extLst>
             </p:cNvPr>
@@ -7999,7 +8020,7 @@
           <p:cNvPr id="44" name="グループ化 43">
             <a:extLst>
               <a:ext uri="{FF2B5EF4-FFF2-40B4-BE49-F238E27FC236}">
-                <a16:creationId xmlns:a16="http://schemas.microsoft.com/office/drawing/2014/main" xmlns="" id="{7EEE5686-B5B9-4B20-8993-381AFDACF9AB}"/>
+                <a16:creationId xmlns="" xmlns:a16="http://schemas.microsoft.com/office/drawing/2014/main" id="{7EEE5686-B5B9-4B20-8993-381AFDACF9AB}"/>
               </a:ext>
             </a:extLst>
           </p:cNvPr>
@@ -8019,7 +8040,7 @@
             <p:cNvPr id="40" name="グループ化 39">
               <a:extLst>
                 <a:ext uri="{FF2B5EF4-FFF2-40B4-BE49-F238E27FC236}">
-                  <a16:creationId xmlns:a16="http://schemas.microsoft.com/office/drawing/2014/main" xmlns="" id="{80B432E5-1E61-4A1C-BB38-CE56CD67DAEC}"/>
+                  <a16:creationId xmlns="" xmlns:a16="http://schemas.microsoft.com/office/drawing/2014/main" id="{80B432E5-1E61-4A1C-BB38-CE56CD67DAEC}"/>
                 </a:ext>
               </a:extLst>
             </p:cNvPr>
@@ -8039,7 +8060,7 @@
               <p:cNvPr id="36" name="直線矢印コネクタ 35">
                 <a:extLst>
                   <a:ext uri="{FF2B5EF4-FFF2-40B4-BE49-F238E27FC236}">
-                    <a16:creationId xmlns:a16="http://schemas.microsoft.com/office/drawing/2014/main" xmlns="" id="{555429FE-F091-46AD-84F7-1B4256D762AB}"/>
+                    <a16:creationId xmlns="" xmlns:a16="http://schemas.microsoft.com/office/drawing/2014/main" id="{555429FE-F091-46AD-84F7-1B4256D762AB}"/>
                   </a:ext>
                 </a:extLst>
               </p:cNvPr>
@@ -8083,7 +8104,7 @@
               <p:cNvPr id="37" name="直線矢印コネクタ 36">
                 <a:extLst>
                   <a:ext uri="{FF2B5EF4-FFF2-40B4-BE49-F238E27FC236}">
-                    <a16:creationId xmlns:a16="http://schemas.microsoft.com/office/drawing/2014/main" xmlns="" id="{5030B8C7-7BED-40F6-B6D5-A7CD124D67A9}"/>
+                    <a16:creationId xmlns="" xmlns:a16="http://schemas.microsoft.com/office/drawing/2014/main" id="{5030B8C7-7BED-40F6-B6D5-A7CD124D67A9}"/>
                   </a:ext>
                 </a:extLst>
               </p:cNvPr>
@@ -8127,7 +8148,7 @@
               <p:cNvPr id="38" name="テキスト ボックス 37">
                 <a:extLst>
                   <a:ext uri="{FF2B5EF4-FFF2-40B4-BE49-F238E27FC236}">
-                    <a16:creationId xmlns:a16="http://schemas.microsoft.com/office/drawing/2014/main" xmlns="" id="{1BB9FF26-C1AD-43FF-B1A3-3D220E4BC3AA}"/>
+                    <a16:creationId xmlns="" xmlns:a16="http://schemas.microsoft.com/office/drawing/2014/main" id="{1BB9FF26-C1AD-43FF-B1A3-3D220E4BC3AA}"/>
                   </a:ext>
                 </a:extLst>
               </p:cNvPr>
@@ -8165,7 +8186,7 @@
               <p:cNvPr id="39" name="テキスト ボックス 38">
                 <a:extLst>
                   <a:ext uri="{FF2B5EF4-FFF2-40B4-BE49-F238E27FC236}">
-                    <a16:creationId xmlns:a16="http://schemas.microsoft.com/office/drawing/2014/main" xmlns="" id="{127090C9-FA03-47A3-B8E5-5AC843148C0C}"/>
+                    <a16:creationId xmlns="" xmlns:a16="http://schemas.microsoft.com/office/drawing/2014/main" id="{127090C9-FA03-47A3-B8E5-5AC843148C0C}"/>
                   </a:ext>
                 </a:extLst>
               </p:cNvPr>
@@ -8208,7 +8229,7 @@
             <p:cNvPr id="42" name="正方形/長方形 41">
               <a:extLst>
                 <a:ext uri="{FF2B5EF4-FFF2-40B4-BE49-F238E27FC236}">
-                  <a16:creationId xmlns:a16="http://schemas.microsoft.com/office/drawing/2014/main" xmlns="" id="{974D7591-C374-4FE7-98C6-F63D715B2F46}"/>
+                  <a16:creationId xmlns="" xmlns:a16="http://schemas.microsoft.com/office/drawing/2014/main" id="{974D7591-C374-4FE7-98C6-F63D715B2F46}"/>
                 </a:ext>
               </a:extLst>
             </p:cNvPr>
@@ -8264,7 +8285,7 @@
           <p:cNvPr id="43" name="正方形/長方形 42">
             <a:extLst>
               <a:ext uri="{FF2B5EF4-FFF2-40B4-BE49-F238E27FC236}">
-                <a16:creationId xmlns:a16="http://schemas.microsoft.com/office/drawing/2014/main" xmlns="" id="{A98ECFFF-731C-4C54-95F1-02A8CC15EA71}"/>
+                <a16:creationId xmlns="" xmlns:a16="http://schemas.microsoft.com/office/drawing/2014/main" id="{A98ECFFF-731C-4C54-95F1-02A8CC15EA71}"/>
               </a:ext>
             </a:extLst>
           </p:cNvPr>
@@ -8346,7 +8367,7 @@
           <p:cNvPr id="7" name="図 6" descr="テキスト が含まれている画像&#10;&#10;自動的に生成された説明">
             <a:extLst>
               <a:ext uri="{FF2B5EF4-FFF2-40B4-BE49-F238E27FC236}">
-                <a16:creationId xmlns:a16="http://schemas.microsoft.com/office/drawing/2014/main" xmlns="" id="{F72D7A55-A732-4D03-A156-3A4E7C065D7A}"/>
+                <a16:creationId xmlns="" xmlns:a16="http://schemas.microsoft.com/office/drawing/2014/main" id="{F72D7A55-A732-4D03-A156-3A4E7C065D7A}"/>
               </a:ext>
             </a:extLst>
           </p:cNvPr>
@@ -8381,7 +8402,7 @@
           <p:cNvPr id="10" name="テキスト ボックス 9">
             <a:extLst>
               <a:ext uri="{FF2B5EF4-FFF2-40B4-BE49-F238E27FC236}">
-                <a16:creationId xmlns:a16="http://schemas.microsoft.com/office/drawing/2014/main" xmlns="" id="{D5807289-5F94-4ABF-BB19-A244DE39AAB7}"/>
+                <a16:creationId xmlns="" xmlns:a16="http://schemas.microsoft.com/office/drawing/2014/main" id="{D5807289-5F94-4ABF-BB19-A244DE39AAB7}"/>
               </a:ext>
             </a:extLst>
           </p:cNvPr>
@@ -8426,7 +8447,7 @@
           <p:cNvPr id="11" name="テキスト ボックス 10">
             <a:extLst>
               <a:ext uri="{FF2B5EF4-FFF2-40B4-BE49-F238E27FC236}">
-                <a16:creationId xmlns:a16="http://schemas.microsoft.com/office/drawing/2014/main" xmlns="" id="{6D354EB7-7F73-4490-964D-300A57A3D0C5}"/>
+                <a16:creationId xmlns="" xmlns:a16="http://schemas.microsoft.com/office/drawing/2014/main" id="{6D354EB7-7F73-4490-964D-300A57A3D0C5}"/>
               </a:ext>
             </a:extLst>
           </p:cNvPr>
@@ -8464,7 +8485,7 @@
           <p:cNvPr id="12" name="楕円 11">
             <a:extLst>
               <a:ext uri="{FF2B5EF4-FFF2-40B4-BE49-F238E27FC236}">
-                <a16:creationId xmlns:a16="http://schemas.microsoft.com/office/drawing/2014/main" xmlns="" id="{27BE146F-8491-400F-AB07-2E26102463F2}"/>
+                <a16:creationId xmlns="" xmlns:a16="http://schemas.microsoft.com/office/drawing/2014/main" id="{27BE146F-8491-400F-AB07-2E26102463F2}"/>
               </a:ext>
             </a:extLst>
           </p:cNvPr>
@@ -8516,7 +8537,7 @@
           <p:cNvPr id="13" name="楕円 12">
             <a:extLst>
               <a:ext uri="{FF2B5EF4-FFF2-40B4-BE49-F238E27FC236}">
-                <a16:creationId xmlns:a16="http://schemas.microsoft.com/office/drawing/2014/main" xmlns="" id="{AC13EDC5-A927-451C-A8C6-2F68A75D9DB9}"/>
+                <a16:creationId xmlns="" xmlns:a16="http://schemas.microsoft.com/office/drawing/2014/main" id="{AC13EDC5-A927-451C-A8C6-2F68A75D9DB9}"/>
               </a:ext>
             </a:extLst>
           </p:cNvPr>
@@ -8568,7 +8589,7 @@
           <p:cNvPr id="14" name="楕円 13">
             <a:extLst>
               <a:ext uri="{FF2B5EF4-FFF2-40B4-BE49-F238E27FC236}">
-                <a16:creationId xmlns:a16="http://schemas.microsoft.com/office/drawing/2014/main" xmlns="" id="{A70D7407-0728-49A8-BDE2-7434759F1455}"/>
+                <a16:creationId xmlns="" xmlns:a16="http://schemas.microsoft.com/office/drawing/2014/main" id="{A70D7407-0728-49A8-BDE2-7434759F1455}"/>
               </a:ext>
             </a:extLst>
           </p:cNvPr>
@@ -8620,7 +8641,7 @@
           <p:cNvPr id="15" name="楕円 14">
             <a:extLst>
               <a:ext uri="{FF2B5EF4-FFF2-40B4-BE49-F238E27FC236}">
-                <a16:creationId xmlns:a16="http://schemas.microsoft.com/office/drawing/2014/main" xmlns="" id="{BA8A41E3-4961-4217-9C31-D8A81A9809A9}"/>
+                <a16:creationId xmlns="" xmlns:a16="http://schemas.microsoft.com/office/drawing/2014/main" id="{BA8A41E3-4961-4217-9C31-D8A81A9809A9}"/>
               </a:ext>
             </a:extLst>
           </p:cNvPr>
@@ -8672,7 +8693,7 @@
           <p:cNvPr id="16" name="テキスト ボックス 15">
             <a:extLst>
               <a:ext uri="{FF2B5EF4-FFF2-40B4-BE49-F238E27FC236}">
-                <a16:creationId xmlns:a16="http://schemas.microsoft.com/office/drawing/2014/main" xmlns="" id="{FBBAA09C-4BEB-47EA-BC7F-480BCC2226F1}"/>
+                <a16:creationId xmlns="" xmlns:a16="http://schemas.microsoft.com/office/drawing/2014/main" id="{FBBAA09C-4BEB-47EA-BC7F-480BCC2226F1}"/>
               </a:ext>
             </a:extLst>
           </p:cNvPr>
@@ -8822,7 +8843,7 @@
           <p:cNvPr id="17" name="正方形/長方形 16">
             <a:extLst>
               <a:ext uri="{FF2B5EF4-FFF2-40B4-BE49-F238E27FC236}">
-                <a16:creationId xmlns:a16="http://schemas.microsoft.com/office/drawing/2014/main" xmlns="" id="{A2CF4C31-1025-4708-B374-7F8887320A14}"/>
+                <a16:creationId xmlns="" xmlns:a16="http://schemas.microsoft.com/office/drawing/2014/main" id="{A2CF4C31-1025-4708-B374-7F8887320A14}"/>
               </a:ext>
             </a:extLst>
           </p:cNvPr>
@@ -8874,7 +8895,7 @@
           <p:cNvPr id="18" name="テキスト ボックス 17">
             <a:extLst>
               <a:ext uri="{FF2B5EF4-FFF2-40B4-BE49-F238E27FC236}">
-                <a16:creationId xmlns:a16="http://schemas.microsoft.com/office/drawing/2014/main" xmlns="" id="{594DFF38-A0BF-4052-92A8-115900A7F03B}"/>
+                <a16:creationId xmlns="" xmlns:a16="http://schemas.microsoft.com/office/drawing/2014/main" id="{594DFF38-A0BF-4052-92A8-115900A7F03B}"/>
               </a:ext>
             </a:extLst>
           </p:cNvPr>
@@ -9009,7 +9030,7 @@
           <p:cNvPr id="19" name="正方形/長方形 18">
             <a:extLst>
               <a:ext uri="{FF2B5EF4-FFF2-40B4-BE49-F238E27FC236}">
-                <a16:creationId xmlns:a16="http://schemas.microsoft.com/office/drawing/2014/main" xmlns="" id="{41DDEDAD-B76F-42FC-BD36-C4B4086365F3}"/>
+                <a16:creationId xmlns="" xmlns:a16="http://schemas.microsoft.com/office/drawing/2014/main" id="{41DDEDAD-B76F-42FC-BD36-C4B4086365F3}"/>
               </a:ext>
             </a:extLst>
           </p:cNvPr>
@@ -9061,7 +9082,7 @@
           <p:cNvPr id="21" name="正方形/長方形 20">
             <a:extLst>
               <a:ext uri="{FF2B5EF4-FFF2-40B4-BE49-F238E27FC236}">
-                <a16:creationId xmlns:a16="http://schemas.microsoft.com/office/drawing/2014/main" xmlns="" id="{B89D4E7D-0660-4D0D-912D-DF225C66A1D6}"/>
+                <a16:creationId xmlns="" xmlns:a16="http://schemas.microsoft.com/office/drawing/2014/main" id="{B89D4E7D-0660-4D0D-912D-DF225C66A1D6}"/>
               </a:ext>
             </a:extLst>
           </p:cNvPr>
@@ -9115,7 +9136,7 @@
           <p:cNvPr id="20" name="テキスト ボックス 19">
             <a:extLst>
               <a:ext uri="{FF2B5EF4-FFF2-40B4-BE49-F238E27FC236}">
-                <a16:creationId xmlns:a16="http://schemas.microsoft.com/office/drawing/2014/main" xmlns="" id="{4588D88C-0F6C-4A95-9191-7AC444B35B14}"/>
+                <a16:creationId xmlns="" xmlns:a16="http://schemas.microsoft.com/office/drawing/2014/main" id="{4588D88C-0F6C-4A95-9191-7AC444B35B14}"/>
               </a:ext>
             </a:extLst>
           </p:cNvPr>
@@ -9231,7 +9252,7 @@
           <p:cNvPr id="5" name="図 4" descr="物体 が含まれている画像&#10;&#10;自動的に生成された説明">
             <a:extLst>
               <a:ext uri="{FF2B5EF4-FFF2-40B4-BE49-F238E27FC236}">
-                <a16:creationId xmlns:a16="http://schemas.microsoft.com/office/drawing/2014/main" xmlns="" id="{A8B95791-F64F-423D-B8A7-2C86F56DDB1D}"/>
+                <a16:creationId xmlns="" xmlns:a16="http://schemas.microsoft.com/office/drawing/2014/main" id="{A8B95791-F64F-423D-B8A7-2C86F56DDB1D}"/>
               </a:ext>
             </a:extLst>
           </p:cNvPr>
@@ -9266,7 +9287,7 @@
           <p:cNvPr id="6" name="テキスト ボックス 5">
             <a:extLst>
               <a:ext uri="{FF2B5EF4-FFF2-40B4-BE49-F238E27FC236}">
-                <a16:creationId xmlns:a16="http://schemas.microsoft.com/office/drawing/2014/main" xmlns="" id="{8305E55F-CE22-4A88-A8D4-3E4958510FE7}"/>
+                <a16:creationId xmlns="" xmlns:a16="http://schemas.microsoft.com/office/drawing/2014/main" id="{8305E55F-CE22-4A88-A8D4-3E4958510FE7}"/>
               </a:ext>
             </a:extLst>
           </p:cNvPr>
@@ -9311,7 +9332,7 @@
           <p:cNvPr id="7" name="吹き出し: 四角形 6">
             <a:extLst>
               <a:ext uri="{FF2B5EF4-FFF2-40B4-BE49-F238E27FC236}">
-                <a16:creationId xmlns:a16="http://schemas.microsoft.com/office/drawing/2014/main" xmlns="" id="{EC8402AE-3480-4CC7-905A-0776A28352DA}"/>
+                <a16:creationId xmlns="" xmlns:a16="http://schemas.microsoft.com/office/drawing/2014/main" id="{EC8402AE-3480-4CC7-905A-0776A28352DA}"/>
               </a:ext>
             </a:extLst>
           </p:cNvPr>
@@ -9404,7 +9425,7 @@
           <p:cNvPr id="8" name="吹き出し: 四角形 7">
             <a:extLst>
               <a:ext uri="{FF2B5EF4-FFF2-40B4-BE49-F238E27FC236}">
-                <a16:creationId xmlns:a16="http://schemas.microsoft.com/office/drawing/2014/main" xmlns="" id="{12F0A826-4C99-48A7-B36D-03DBE2118E07}"/>
+                <a16:creationId xmlns="" xmlns:a16="http://schemas.microsoft.com/office/drawing/2014/main" id="{12F0A826-4C99-48A7-B36D-03DBE2118E07}"/>
               </a:ext>
             </a:extLst>
           </p:cNvPr>
@@ -9488,7 +9509,7 @@
           <p:cNvPr id="9" name="吹き出し: 四角形 8">
             <a:extLst>
               <a:ext uri="{FF2B5EF4-FFF2-40B4-BE49-F238E27FC236}">
-                <a16:creationId xmlns:a16="http://schemas.microsoft.com/office/drawing/2014/main" xmlns="" id="{B25F11CC-0810-44FB-85E5-6AFA2E713B6D}"/>
+                <a16:creationId xmlns="" xmlns:a16="http://schemas.microsoft.com/office/drawing/2014/main" id="{B25F11CC-0810-44FB-85E5-6AFA2E713B6D}"/>
               </a:ext>
             </a:extLst>
           </p:cNvPr>
@@ -9620,6 +9641,1604 @@
     <p:extLst>
       <p:ext uri="{BB962C8B-B14F-4D97-AF65-F5344CB8AC3E}">
         <p14:creationId xmlns:p14="http://schemas.microsoft.com/office/powerpoint/2010/main" val="2766439778"/>
+      </p:ext>
+    </p:extLst>
+  </p:cSld>
+  <p:clrMapOvr>
+    <a:masterClrMapping/>
+  </p:clrMapOvr>
+</p:sld>
+</file>
+
+<file path=ppt/slides/slide9.xml><?xml version="1.0" encoding="utf-8"?>
+<p:sld xmlns:a="http://schemas.openxmlformats.org/drawingml/2006/main" xmlns:r="http://schemas.openxmlformats.org/officeDocument/2006/relationships" xmlns:p="http://schemas.openxmlformats.org/presentationml/2006/main">
+  <p:cSld>
+    <p:spTree>
+      <p:nvGrpSpPr>
+        <p:cNvPr id="1" name=""/>
+        <p:cNvGrpSpPr/>
+        <p:nvPr/>
+      </p:nvGrpSpPr>
+      <p:grpSpPr>
+        <a:xfrm>
+          <a:off x="0" y="0"/>
+          <a:ext cx="0" cy="0"/>
+          <a:chOff x="0" y="0"/>
+          <a:chExt cx="0" cy="0"/>
+        </a:xfrm>
+      </p:grpSpPr>
+      <p:sp>
+        <p:nvSpPr>
+          <p:cNvPr id="5" name="テキスト ボックス 4">
+            <a:extLst>
+              <a:ext uri="{FF2B5EF4-FFF2-40B4-BE49-F238E27FC236}">
+                <a16:creationId xmlns="" xmlns:a16="http://schemas.microsoft.com/office/drawing/2014/main" id="{D5807289-5F94-4ABF-BB19-A244DE39AAB7}"/>
+              </a:ext>
+            </a:extLst>
+          </p:cNvPr>
+          <p:cNvSpPr txBox="1"/>
+          <p:nvPr/>
+        </p:nvSpPr>
+        <p:spPr>
+          <a:xfrm>
+            <a:off x="2627332" y="58003"/>
+            <a:ext cx="6937335" cy="830997"/>
+          </a:xfrm>
+          <a:prstGeom prst="rect">
+            <a:avLst/>
+          </a:prstGeom>
+          <a:solidFill>
+            <a:schemeClr val="accent4"/>
+          </a:solidFill>
+        </p:spPr>
+        <p:txBody>
+          <a:bodyPr wrap="square" rtlCol="0">
+            <a:spAutoFit/>
+          </a:bodyPr>
+          <a:lstStyle/>
+          <a:p>
+            <a:pPr algn="ctr"/>
+            <a:r>
+              <a:rPr kumimoji="1" lang="ja-JP" altLang="en-US" sz="4800" dirty="0">
+                <a:latin typeface="チェックポイント．（ピリオド）" panose="02000600000000000000" pitchFamily="50" charset="-128"/>
+                <a:ea typeface="チェックポイント．（ピリオド）" panose="02000600000000000000" pitchFamily="50" charset="-128"/>
+              </a:rPr>
+              <a:t>ヘルプ</a:t>
+            </a:r>
+            <a:r>
+              <a:rPr kumimoji="1" lang="ja-JP" altLang="en-US" sz="4800" dirty="0" smtClean="0">
+                <a:latin typeface="チェックポイント．（ピリオド）" panose="02000600000000000000" pitchFamily="50" charset="-128"/>
+                <a:ea typeface="チェックポイント．（ピリオド）" panose="02000600000000000000" pitchFamily="50" charset="-128"/>
+              </a:rPr>
+              <a:t>：</a:t>
+            </a:r>
+            <a:r>
+              <a:rPr lang="ja-JP" altLang="en-US" sz="4800" dirty="0">
+                <a:latin typeface="チェックポイント．（ピリオド）" panose="02000600000000000000" pitchFamily="50" charset="-128"/>
+                <a:ea typeface="チェックポイント．（ピリオド）" panose="02000600000000000000" pitchFamily="50" charset="-128"/>
+              </a:rPr>
+              <a:t>三竦</a:t>
+            </a:r>
+            <a:r>
+              <a:rPr lang="ja-JP" altLang="en-US" sz="4800" dirty="0" smtClean="0">
+                <a:latin typeface="チェックポイント．（ピリオド）" panose="02000600000000000000" pitchFamily="50" charset="-128"/>
+                <a:ea typeface="チェックポイント．（ピリオド）" panose="02000600000000000000" pitchFamily="50" charset="-128"/>
+              </a:rPr>
+              <a:t>み</a:t>
+            </a:r>
+            <a:endParaRPr kumimoji="1" lang="ja-JP" altLang="en-US" dirty="0">
+              <a:latin typeface="チェックポイント．（ピリオド）" panose="02000600000000000000" pitchFamily="50" charset="-128"/>
+              <a:ea typeface="チェックポイント．（ピリオド）" panose="02000600000000000000" pitchFamily="50" charset="-128"/>
+            </a:endParaRPr>
+          </a:p>
+        </p:txBody>
+      </p:sp>
+      <p:sp>
+        <p:nvSpPr>
+          <p:cNvPr id="7" name="テキスト ボックス 6"/>
+          <p:cNvSpPr txBox="1"/>
+          <p:nvPr/>
+        </p:nvSpPr>
+        <p:spPr>
+          <a:xfrm>
+            <a:off x="305471" y="1405933"/>
+            <a:ext cx="2605345" cy="461665"/>
+          </a:xfrm>
+          <a:prstGeom prst="rect">
+            <a:avLst/>
+          </a:prstGeom>
+          <a:noFill/>
+        </p:spPr>
+        <p:txBody>
+          <a:bodyPr wrap="square" rtlCol="0">
+            <a:spAutoFit/>
+          </a:bodyPr>
+          <a:lstStyle/>
+          <a:p>
+            <a:r>
+              <a:rPr kumimoji="1" lang="ja-JP" altLang="en-US" sz="2400" dirty="0" smtClean="0">
+                <a:latin typeface="チェックポイント．（ピリオド）" panose="02000600000000000000" pitchFamily="50" charset="-128"/>
+                <a:ea typeface="チェックポイント．（ピリオド）" panose="02000600000000000000" pitchFamily="50" charset="-128"/>
+              </a:rPr>
+              <a:t>三竦みについて</a:t>
+            </a:r>
+            <a:endParaRPr kumimoji="1" lang="ja-JP" altLang="en-US" sz="2400" dirty="0">
+              <a:latin typeface="チェックポイント．（ピリオド）" panose="02000600000000000000" pitchFamily="50" charset="-128"/>
+              <a:ea typeface="チェックポイント．（ピリオド）" panose="02000600000000000000" pitchFamily="50" charset="-128"/>
+            </a:endParaRPr>
+          </a:p>
+        </p:txBody>
+      </p:sp>
+      <p:sp>
+        <p:nvSpPr>
+          <p:cNvPr id="8" name="テキスト ボックス 7"/>
+          <p:cNvSpPr txBox="1"/>
+          <p:nvPr/>
+        </p:nvSpPr>
+        <p:spPr>
+          <a:xfrm>
+            <a:off x="139798" y="4091245"/>
+            <a:ext cx="8751554" cy="3139321"/>
+          </a:xfrm>
+          <a:prstGeom prst="rect">
+            <a:avLst/>
+          </a:prstGeom>
+          <a:noFill/>
+        </p:spPr>
+        <p:txBody>
+          <a:bodyPr wrap="square" rtlCol="0">
+            <a:spAutoFit/>
+          </a:bodyPr>
+          <a:lstStyle/>
+          <a:p>
+            <a:r>
+              <a:rPr kumimoji="1" lang="ja-JP" altLang="en-US" dirty="0" smtClean="0">
+                <a:latin typeface="チェックポイント．（ピリオド）" panose="02000600000000000000" pitchFamily="50" charset="-128"/>
+                <a:ea typeface="チェックポイント．（ピリオド）" panose="02000600000000000000" pitchFamily="50" charset="-128"/>
+              </a:rPr>
+              <a:t>ポッドやミサイルには属性があり</a:t>
+            </a:r>
+            <a:endParaRPr lang="en-US" altLang="ja-JP" dirty="0" smtClean="0">
+              <a:latin typeface="チェックポイント．（ピリオド）" panose="02000600000000000000" pitchFamily="50" charset="-128"/>
+              <a:ea typeface="チェックポイント．（ピリオド）" panose="02000600000000000000" pitchFamily="50" charset="-128"/>
+            </a:endParaRPr>
+          </a:p>
+          <a:p>
+            <a:r>
+              <a:rPr kumimoji="1" lang="ja-JP" altLang="en-US" dirty="0">
+                <a:latin typeface="チェックポイント．（ピリオド）" panose="02000600000000000000" pitchFamily="50" charset="-128"/>
+                <a:ea typeface="チェックポイント．（ピリオド）" panose="02000600000000000000" pitchFamily="50" charset="-128"/>
+              </a:rPr>
+              <a:t>属性</a:t>
+            </a:r>
+            <a:r>
+              <a:rPr kumimoji="1" lang="ja-JP" altLang="en-US" dirty="0" smtClean="0">
+                <a:latin typeface="チェックポイント．（ピリオド）" panose="02000600000000000000" pitchFamily="50" charset="-128"/>
+                <a:ea typeface="チェックポイント．（ピリオド）" panose="02000600000000000000" pitchFamily="50" charset="-128"/>
+              </a:rPr>
+              <a:t>によって有利不利があります。</a:t>
+            </a:r>
+            <a:endParaRPr lang="en-US" altLang="ja-JP" dirty="0">
+              <a:latin typeface="チェックポイント．（ピリオド）" panose="02000600000000000000" pitchFamily="50" charset="-128"/>
+              <a:ea typeface="チェックポイント．（ピリオド）" panose="02000600000000000000" pitchFamily="50" charset="-128"/>
+            </a:endParaRPr>
+          </a:p>
+          <a:p>
+            <a:r>
+              <a:rPr kumimoji="1" lang="ja-JP" altLang="en-US" dirty="0" smtClean="0">
+                <a:solidFill>
+                  <a:srgbClr val="0070C0"/>
+                </a:solidFill>
+                <a:latin typeface="チェックポイント．（ピリオド）" panose="02000600000000000000" pitchFamily="50" charset="-128"/>
+                <a:ea typeface="チェックポイント．（ピリオド）" panose="02000600000000000000" pitchFamily="50" charset="-128"/>
+              </a:rPr>
+              <a:t>青</a:t>
+            </a:r>
+            <a:r>
+              <a:rPr kumimoji="1" lang="ja-JP" altLang="en-US" dirty="0" smtClean="0">
+                <a:latin typeface="チェックポイント．（ピリオド）" panose="02000600000000000000" pitchFamily="50" charset="-128"/>
+                <a:ea typeface="チェックポイント．（ピリオド）" panose="02000600000000000000" pitchFamily="50" charset="-128"/>
+              </a:rPr>
+              <a:t>は</a:t>
+            </a:r>
+            <a:r>
+              <a:rPr kumimoji="1" lang="ja-JP" altLang="en-US" dirty="0" smtClean="0">
+                <a:solidFill>
+                  <a:srgbClr val="FF0000"/>
+                </a:solidFill>
+                <a:latin typeface="チェックポイント．（ピリオド）" panose="02000600000000000000" pitchFamily="50" charset="-128"/>
+                <a:ea typeface="チェックポイント．（ピリオド）" panose="02000600000000000000" pitchFamily="50" charset="-128"/>
+              </a:rPr>
+              <a:t>赤</a:t>
+            </a:r>
+            <a:r>
+              <a:rPr kumimoji="1" lang="ja-JP" altLang="en-US" dirty="0" smtClean="0">
+                <a:latin typeface="チェックポイント．（ピリオド）" panose="02000600000000000000" pitchFamily="50" charset="-128"/>
+                <a:ea typeface="チェックポイント．（ピリオド）" panose="02000600000000000000" pitchFamily="50" charset="-128"/>
+              </a:rPr>
+              <a:t>に強く</a:t>
+            </a:r>
+            <a:r>
+              <a:rPr lang="ja-JP" altLang="en-US" dirty="0">
+                <a:solidFill>
+                  <a:srgbClr val="FF0000"/>
+                </a:solidFill>
+                <a:latin typeface="チェックポイント．（ピリオド）" panose="02000600000000000000" pitchFamily="50" charset="-128"/>
+                <a:ea typeface="チェックポイント．（ピリオド）" panose="02000600000000000000" pitchFamily="50" charset="-128"/>
+              </a:rPr>
+              <a:t>赤</a:t>
+            </a:r>
+            <a:r>
+              <a:rPr kumimoji="1" lang="ja-JP" altLang="en-US" dirty="0" smtClean="0">
+                <a:latin typeface="チェックポイント．（ピリオド）" panose="02000600000000000000" pitchFamily="50" charset="-128"/>
+                <a:ea typeface="チェックポイント．（ピリオド）" panose="02000600000000000000" pitchFamily="50" charset="-128"/>
+              </a:rPr>
+              <a:t>は</a:t>
+            </a:r>
+            <a:r>
+              <a:rPr kumimoji="1" lang="ja-JP" altLang="en-US" dirty="0" smtClean="0">
+                <a:solidFill>
+                  <a:srgbClr val="00B050"/>
+                </a:solidFill>
+                <a:latin typeface="チェックポイント．（ピリオド）" panose="02000600000000000000" pitchFamily="50" charset="-128"/>
+                <a:ea typeface="チェックポイント．（ピリオド）" panose="02000600000000000000" pitchFamily="50" charset="-128"/>
+              </a:rPr>
+              <a:t>緑</a:t>
+            </a:r>
+            <a:r>
+              <a:rPr kumimoji="1" lang="ja-JP" altLang="en-US" dirty="0" smtClean="0">
+                <a:latin typeface="チェックポイント．（ピリオド）" panose="02000600000000000000" pitchFamily="50" charset="-128"/>
+                <a:ea typeface="チェックポイント．（ピリオド）" panose="02000600000000000000" pitchFamily="50" charset="-128"/>
+              </a:rPr>
+              <a:t>に強い、</a:t>
+            </a:r>
+            <a:r>
+              <a:rPr lang="ja-JP" altLang="en-US" dirty="0" smtClean="0">
+                <a:latin typeface="チェックポイント．（ピリオド）" panose="02000600000000000000" pitchFamily="50" charset="-128"/>
+                <a:ea typeface="チェックポイント．（ピリオド）" panose="02000600000000000000" pitchFamily="50" charset="-128"/>
+              </a:rPr>
+              <a:t>そして</a:t>
+            </a:r>
+            <a:r>
+              <a:rPr lang="ja-JP" altLang="en-US" dirty="0">
+                <a:solidFill>
+                  <a:srgbClr val="00B050"/>
+                </a:solidFill>
+                <a:latin typeface="チェックポイント．（ピリオド）" panose="02000600000000000000" pitchFamily="50" charset="-128"/>
+                <a:ea typeface="チェックポイント．（ピリオド）" panose="02000600000000000000" pitchFamily="50" charset="-128"/>
+              </a:rPr>
+              <a:t>緑</a:t>
+            </a:r>
+            <a:r>
+              <a:rPr lang="ja-JP" altLang="en-US" dirty="0" smtClean="0">
+                <a:latin typeface="チェックポイント．（ピリオド）" panose="02000600000000000000" pitchFamily="50" charset="-128"/>
+                <a:ea typeface="チェックポイント．（ピリオド）" panose="02000600000000000000" pitchFamily="50" charset="-128"/>
+              </a:rPr>
+              <a:t>は</a:t>
+            </a:r>
+            <a:r>
+              <a:rPr lang="ja-JP" altLang="en-US" dirty="0">
+                <a:solidFill>
+                  <a:srgbClr val="0070C0"/>
+                </a:solidFill>
+                <a:latin typeface="チェックポイント．（ピリオド）" panose="02000600000000000000" pitchFamily="50" charset="-128"/>
+                <a:ea typeface="チェックポイント．（ピリオド）" panose="02000600000000000000" pitchFamily="50" charset="-128"/>
+              </a:rPr>
+              <a:t>青</a:t>
+            </a:r>
+            <a:r>
+              <a:rPr lang="ja-JP" altLang="en-US" dirty="0" smtClean="0">
+                <a:latin typeface="チェックポイント．（ピリオド）" panose="02000600000000000000" pitchFamily="50" charset="-128"/>
+                <a:ea typeface="チェックポイント．（ピリオド）" panose="02000600000000000000" pitchFamily="50" charset="-128"/>
+              </a:rPr>
+              <a:t>に強い関係になっています。</a:t>
+            </a:r>
+            <a:endParaRPr lang="en-US" altLang="ja-JP" dirty="0" smtClean="0">
+              <a:latin typeface="チェックポイント．（ピリオド）" panose="02000600000000000000" pitchFamily="50" charset="-128"/>
+              <a:ea typeface="チェックポイント．（ピリオド）" panose="02000600000000000000" pitchFamily="50" charset="-128"/>
+            </a:endParaRPr>
+          </a:p>
+          <a:p>
+            <a:endParaRPr kumimoji="1" lang="en-US" altLang="ja-JP" dirty="0">
+              <a:latin typeface="チェックポイント．（ピリオド）" panose="02000600000000000000" pitchFamily="50" charset="-128"/>
+              <a:ea typeface="チェックポイント．（ピリオド）" panose="02000600000000000000" pitchFamily="50" charset="-128"/>
+            </a:endParaRPr>
+          </a:p>
+          <a:p>
+            <a:r>
+              <a:rPr kumimoji="1" lang="ja-JP" altLang="en-US" dirty="0" smtClean="0">
+                <a:latin typeface="チェックポイント．（ピリオド）" panose="02000600000000000000" pitchFamily="50" charset="-128"/>
+                <a:ea typeface="チェックポイント．（ピリオド）" panose="02000600000000000000" pitchFamily="50" charset="-128"/>
+              </a:rPr>
+              <a:t>白は属性を持つポッドに対して有利をとれますがミサイルに対して弱いです。</a:t>
+            </a:r>
+            <a:endParaRPr kumimoji="1" lang="en-US" altLang="ja-JP" dirty="0" smtClean="0">
+              <a:latin typeface="チェックポイント．（ピリオド）" panose="02000600000000000000" pitchFamily="50" charset="-128"/>
+              <a:ea typeface="チェックポイント．（ピリオド）" panose="02000600000000000000" pitchFamily="50" charset="-128"/>
+            </a:endParaRPr>
+          </a:p>
+          <a:p>
+            <a:endParaRPr lang="en-US" altLang="ja-JP" dirty="0">
+              <a:latin typeface="チェックポイント．（ピリオド）" panose="02000600000000000000" pitchFamily="50" charset="-128"/>
+              <a:ea typeface="チェックポイント．（ピリオド）" panose="02000600000000000000" pitchFamily="50" charset="-128"/>
+            </a:endParaRPr>
+          </a:p>
+          <a:p>
+            <a:r>
+              <a:rPr kumimoji="1" lang="ja-JP" altLang="en-US" dirty="0" smtClean="0">
+                <a:latin typeface="チェックポイント．（ピリオド）" panose="02000600000000000000" pitchFamily="50" charset="-128"/>
+                <a:ea typeface="チェックポイント．（ピリオド）" panose="02000600000000000000" pitchFamily="50" charset="-128"/>
+              </a:rPr>
+              <a:t>ミサイルは</a:t>
+            </a:r>
+            <a:r>
+              <a:rPr kumimoji="1" lang="ja-JP" altLang="en-US" dirty="0" smtClean="0">
+                <a:solidFill>
+                  <a:srgbClr val="FF0000"/>
+                </a:solidFill>
+                <a:latin typeface="チェックポイント．（ピリオド）" panose="02000600000000000000" pitchFamily="50" charset="-128"/>
+                <a:ea typeface="チェックポイント．（ピリオド）" panose="02000600000000000000" pitchFamily="50" charset="-128"/>
+              </a:rPr>
+              <a:t>赤</a:t>
+            </a:r>
+            <a:r>
+              <a:rPr kumimoji="1" lang="ja-JP" altLang="en-US" dirty="0" smtClean="0">
+                <a:solidFill>
+                  <a:srgbClr val="0070C0"/>
+                </a:solidFill>
+                <a:latin typeface="チェックポイント．（ピリオド）" panose="02000600000000000000" pitchFamily="50" charset="-128"/>
+                <a:ea typeface="チェックポイント．（ピリオド）" panose="02000600000000000000" pitchFamily="50" charset="-128"/>
+              </a:rPr>
+              <a:t>青</a:t>
+            </a:r>
+            <a:r>
+              <a:rPr kumimoji="1" lang="ja-JP" altLang="en-US" dirty="0" smtClean="0">
+                <a:solidFill>
+                  <a:srgbClr val="00B050"/>
+                </a:solidFill>
+                <a:latin typeface="チェックポイント．（ピリオド）" panose="02000600000000000000" pitchFamily="50" charset="-128"/>
+                <a:ea typeface="チェックポイント．（ピリオド）" panose="02000600000000000000" pitchFamily="50" charset="-128"/>
+              </a:rPr>
+              <a:t>緑</a:t>
+            </a:r>
+            <a:r>
+              <a:rPr kumimoji="1" lang="ja-JP" altLang="en-US" dirty="0" smtClean="0">
+                <a:latin typeface="チェックポイント．（ピリオド）" panose="02000600000000000000" pitchFamily="50" charset="-128"/>
+                <a:ea typeface="チェックポイント．（ピリオド）" panose="02000600000000000000" pitchFamily="50" charset="-128"/>
+              </a:rPr>
+              <a:t>のポッドに対して少ししかダメージを与えることができませんが白ポッドに対して大ダメージを与えることができます。</a:t>
+            </a:r>
+            <a:endParaRPr kumimoji="1" lang="en-US" altLang="ja-JP" dirty="0" smtClean="0">
+              <a:latin typeface="チェックポイント．（ピリオド）" panose="02000600000000000000" pitchFamily="50" charset="-128"/>
+              <a:ea typeface="チェックポイント．（ピリオド）" panose="02000600000000000000" pitchFamily="50" charset="-128"/>
+            </a:endParaRPr>
+          </a:p>
+          <a:p>
+            <a:endParaRPr kumimoji="1" lang="en-US" altLang="ja-JP" dirty="0" smtClean="0">
+              <a:latin typeface="チェックポイント．（ピリオド）" panose="02000600000000000000" pitchFamily="50" charset="-128"/>
+              <a:ea typeface="チェックポイント．（ピリオド）" panose="02000600000000000000" pitchFamily="50" charset="-128"/>
+            </a:endParaRPr>
+          </a:p>
+          <a:p>
+            <a:endParaRPr lang="en-US" altLang="ja-JP" dirty="0">
+              <a:latin typeface="チェックポイント．（ピリオド）" panose="02000600000000000000" pitchFamily="50" charset="-128"/>
+              <a:ea typeface="チェックポイント．（ピリオド）" panose="02000600000000000000" pitchFamily="50" charset="-128"/>
+            </a:endParaRPr>
+          </a:p>
+          <a:p>
+            <a:endParaRPr kumimoji="1" lang="en-US" altLang="ja-JP" dirty="0" smtClean="0">
+              <a:latin typeface="チェックポイント．（ピリオド）" panose="02000600000000000000" pitchFamily="50" charset="-128"/>
+              <a:ea typeface="チェックポイント．（ピリオド）" panose="02000600000000000000" pitchFamily="50" charset="-128"/>
+            </a:endParaRPr>
+          </a:p>
+        </p:txBody>
+      </p:sp>
+      <p:grpSp>
+        <p:nvGrpSpPr>
+          <p:cNvPr id="54" name="グループ化 53"/>
+          <p:cNvGrpSpPr/>
+          <p:nvPr/>
+        </p:nvGrpSpPr>
+        <p:grpSpPr>
+          <a:xfrm>
+            <a:off x="3651719" y="1405933"/>
+            <a:ext cx="8091163" cy="3126334"/>
+            <a:chOff x="3856997" y="1973986"/>
+            <a:chExt cx="8505616" cy="3895582"/>
+          </a:xfrm>
+        </p:grpSpPr>
+        <p:grpSp>
+          <p:nvGrpSpPr>
+            <p:cNvPr id="36" name="グループ化 35"/>
+            <p:cNvGrpSpPr/>
+            <p:nvPr/>
+          </p:nvGrpSpPr>
+          <p:grpSpPr>
+            <a:xfrm>
+              <a:off x="3856997" y="1973986"/>
+              <a:ext cx="8505616" cy="1706674"/>
+              <a:chOff x="3963875" y="3884859"/>
+              <a:chExt cx="8505616" cy="1706674"/>
+            </a:xfrm>
+          </p:grpSpPr>
+          <p:grpSp>
+            <p:nvGrpSpPr>
+              <p:cNvPr id="9" name="グループ化 8">
+                <a:extLst>
+                  <a:ext uri="{FF2B5EF4-FFF2-40B4-BE49-F238E27FC236}">
+                    <a16:creationId xmlns="" xmlns:a16="http://schemas.microsoft.com/office/drawing/2014/main" id="{C42471E9-CEF7-4DD0-B2B9-A37027252951}"/>
+                  </a:ext>
+                </a:extLst>
+              </p:cNvPr>
+              <p:cNvGrpSpPr/>
+              <p:nvPr/>
+            </p:nvGrpSpPr>
+            <p:grpSpPr>
+              <a:xfrm>
+                <a:off x="3963875" y="3884859"/>
+                <a:ext cx="5949859" cy="1706674"/>
+                <a:chOff x="3739456" y="1722326"/>
+                <a:chExt cx="5949859" cy="1706674"/>
+              </a:xfrm>
+            </p:grpSpPr>
+            <p:grpSp>
+              <p:nvGrpSpPr>
+                <p:cNvPr id="10" name="グループ化 9">
+                  <a:extLst>
+                    <a:ext uri="{FF2B5EF4-FFF2-40B4-BE49-F238E27FC236}">
+                      <a16:creationId xmlns="" xmlns:a16="http://schemas.microsoft.com/office/drawing/2014/main" id="{7D6E456E-2E26-4492-9279-169842641548}"/>
+                    </a:ext>
+                  </a:extLst>
+                </p:cNvPr>
+                <p:cNvGrpSpPr/>
+                <p:nvPr/>
+              </p:nvGrpSpPr>
+              <p:grpSpPr>
+                <a:xfrm>
+                  <a:off x="3739456" y="1722326"/>
+                  <a:ext cx="1140874" cy="1520830"/>
+                  <a:chOff x="3651813" y="1678331"/>
+                  <a:chExt cx="1140874" cy="1520830"/>
+                </a:xfrm>
+              </p:grpSpPr>
+              <p:pic>
+                <p:nvPicPr>
+                  <p:cNvPr id="26" name="図 25" descr="物体 が含まれている画像&#10;&#10;自動的に生成された説明">
+                    <a:extLst>
+                      <a:ext uri="{FF2B5EF4-FFF2-40B4-BE49-F238E27FC236}">
+                        <a16:creationId xmlns="" xmlns:a16="http://schemas.microsoft.com/office/drawing/2014/main" id="{9E2F2156-5A3C-4670-A7BB-42FF8EF7E4F0}"/>
+                      </a:ext>
+                    </a:extLst>
+                  </p:cNvPr>
+                  <p:cNvPicPr>
+                    <a:picLocks noChangeAspect="1"/>
+                  </p:cNvPicPr>
+                  <p:nvPr/>
+                </p:nvPicPr>
+                <p:blipFill>
+                  <a:blip r:embed="rId2">
+                    <a:extLst>
+                      <a:ext uri="{28A0092B-C50C-407E-A947-70E740481C1C}">
+                        <a14:useLocalDpi xmlns:a14="http://schemas.microsoft.com/office/drawing/2010/main" val="0"/>
+                      </a:ext>
+                    </a:extLst>
+                  </a:blip>
+                  <a:stretch>
+                    <a:fillRect/>
+                  </a:stretch>
+                </p:blipFill>
+                <p:spPr>
+                  <a:xfrm>
+                    <a:off x="3651813" y="1678331"/>
+                    <a:ext cx="1140874" cy="1140874"/>
+                  </a:xfrm>
+                  <a:prstGeom prst="rect">
+                    <a:avLst/>
+                  </a:prstGeom>
+                </p:spPr>
+              </p:pic>
+              <p:sp>
+                <p:nvSpPr>
+                  <p:cNvPr id="27" name="テキスト ボックス 26">
+                    <a:extLst>
+                      <a:ext uri="{FF2B5EF4-FFF2-40B4-BE49-F238E27FC236}">
+                        <a16:creationId xmlns="" xmlns:a16="http://schemas.microsoft.com/office/drawing/2014/main" id="{85DB17C7-0CA8-4460-8B6A-1BBCF3C5CA75}"/>
+                      </a:ext>
+                    </a:extLst>
+                  </p:cNvPr>
+                  <p:cNvSpPr txBox="1"/>
+                  <p:nvPr/>
+                </p:nvSpPr>
+                <p:spPr>
+                  <a:xfrm>
+                    <a:off x="3945705" y="2829829"/>
+                    <a:ext cx="361950" cy="369332"/>
+                  </a:xfrm>
+                  <a:prstGeom prst="rect">
+                    <a:avLst/>
+                  </a:prstGeom>
+                  <a:noFill/>
+                </p:spPr>
+                <p:txBody>
+                  <a:bodyPr wrap="square" rtlCol="0">
+                    <a:spAutoFit/>
+                  </a:bodyPr>
+                  <a:lstStyle/>
+                  <a:p>
+                    <a:r>
+                      <a:rPr kumimoji="1" lang="ja-JP" altLang="en-US" dirty="0">
+                        <a:latin typeface="チェックポイント．（ピリオド）" panose="02000600000000000000" pitchFamily="50" charset="-128"/>
+                        <a:ea typeface="チェックポイント．（ピリオド）" panose="02000600000000000000" pitchFamily="50" charset="-128"/>
+                      </a:rPr>
+                      <a:t>青</a:t>
+                    </a:r>
+                  </a:p>
+                </p:txBody>
+              </p:sp>
+            </p:grpSp>
+            <p:grpSp>
+              <p:nvGrpSpPr>
+                <p:cNvPr id="11" name="グループ化 10">
+                  <a:extLst>
+                    <a:ext uri="{FF2B5EF4-FFF2-40B4-BE49-F238E27FC236}">
+                      <a16:creationId xmlns="" xmlns:a16="http://schemas.microsoft.com/office/drawing/2014/main" id="{8FA97864-B0AC-4C37-AB57-3F511EE9B20A}"/>
+                    </a:ext>
+                  </a:extLst>
+                </p:cNvPr>
+                <p:cNvGrpSpPr/>
+                <p:nvPr/>
+              </p:nvGrpSpPr>
+              <p:grpSpPr>
+                <a:xfrm>
+                  <a:off x="5268431" y="1722326"/>
+                  <a:ext cx="1140874" cy="1520743"/>
+                  <a:chOff x="4889474" y="1678418"/>
+                  <a:chExt cx="1140874" cy="1520743"/>
+                </a:xfrm>
+              </p:grpSpPr>
+              <p:pic>
+                <p:nvPicPr>
+                  <p:cNvPr id="24" name="図 23" descr="物体 が含まれている画像&#10;&#10;自動的に生成された説明">
+                    <a:extLst>
+                      <a:ext uri="{FF2B5EF4-FFF2-40B4-BE49-F238E27FC236}">
+                        <a16:creationId xmlns="" xmlns:a16="http://schemas.microsoft.com/office/drawing/2014/main" id="{539F0BC8-41E3-4ADD-9459-BE0E2D7ABA27}"/>
+                      </a:ext>
+                    </a:extLst>
+                  </p:cNvPr>
+                  <p:cNvPicPr>
+                    <a:picLocks noChangeAspect="1"/>
+                  </p:cNvPicPr>
+                  <p:nvPr/>
+                </p:nvPicPr>
+                <p:blipFill>
+                  <a:blip r:embed="rId3">
+                    <a:extLst>
+                      <a:ext uri="{28A0092B-C50C-407E-A947-70E740481C1C}">
+                        <a14:useLocalDpi xmlns:a14="http://schemas.microsoft.com/office/drawing/2010/main" val="0"/>
+                      </a:ext>
+                    </a:extLst>
+                  </a:blip>
+                  <a:stretch>
+                    <a:fillRect/>
+                  </a:stretch>
+                </p:blipFill>
+                <p:spPr>
+                  <a:xfrm>
+                    <a:off x="4889474" y="1678418"/>
+                    <a:ext cx="1140874" cy="1140874"/>
+                  </a:xfrm>
+                  <a:prstGeom prst="rect">
+                    <a:avLst/>
+                  </a:prstGeom>
+                </p:spPr>
+              </p:pic>
+              <p:sp>
+                <p:nvSpPr>
+                  <p:cNvPr id="25" name="テキスト ボックス 24">
+                    <a:extLst>
+                      <a:ext uri="{FF2B5EF4-FFF2-40B4-BE49-F238E27FC236}">
+                        <a16:creationId xmlns="" xmlns:a16="http://schemas.microsoft.com/office/drawing/2014/main" id="{9D08D78F-597A-41C6-9E61-E721135C20D1}"/>
+                      </a:ext>
+                    </a:extLst>
+                  </p:cNvPr>
+                  <p:cNvSpPr txBox="1"/>
+                  <p:nvPr/>
+                </p:nvSpPr>
+                <p:spPr>
+                  <a:xfrm>
+                    <a:off x="5178014" y="2829829"/>
+                    <a:ext cx="361951" cy="369332"/>
+                  </a:xfrm>
+                  <a:prstGeom prst="rect">
+                    <a:avLst/>
+                  </a:prstGeom>
+                  <a:noFill/>
+                </p:spPr>
+                <p:txBody>
+                  <a:bodyPr wrap="square" rtlCol="0">
+                    <a:spAutoFit/>
+                  </a:bodyPr>
+                  <a:lstStyle/>
+                  <a:p>
+                    <a:r>
+                      <a:rPr kumimoji="1" lang="ja-JP" altLang="en-US" dirty="0">
+                        <a:latin typeface="チェックポイント．（ピリオド）" panose="02000600000000000000" pitchFamily="50" charset="-128"/>
+                        <a:ea typeface="チェックポイント．（ピリオド）" panose="02000600000000000000" pitchFamily="50" charset="-128"/>
+                      </a:rPr>
+                      <a:t>赤</a:t>
+                    </a:r>
+                  </a:p>
+                </p:txBody>
+              </p:sp>
+            </p:grpSp>
+            <p:grpSp>
+              <p:nvGrpSpPr>
+                <p:cNvPr id="12" name="グループ化 11">
+                  <a:extLst>
+                    <a:ext uri="{FF2B5EF4-FFF2-40B4-BE49-F238E27FC236}">
+                      <a16:creationId xmlns="" xmlns:a16="http://schemas.microsoft.com/office/drawing/2014/main" id="{8F6624A7-F895-493A-8055-873B48C8C19C}"/>
+                    </a:ext>
+                  </a:extLst>
+                </p:cNvPr>
+                <p:cNvGrpSpPr/>
+                <p:nvPr/>
+              </p:nvGrpSpPr>
+              <p:grpSpPr>
+                <a:xfrm>
+                  <a:off x="6746394" y="1722326"/>
+                  <a:ext cx="1140875" cy="1493097"/>
+                  <a:chOff x="6122245" y="1669741"/>
+                  <a:chExt cx="1140875" cy="1493097"/>
+                </a:xfrm>
+              </p:grpSpPr>
+              <p:pic>
+                <p:nvPicPr>
+                  <p:cNvPr id="22" name="図 21" descr="物体, 腕時計 が含まれている画像&#10;&#10;自動的に生成された説明">
+                    <a:extLst>
+                      <a:ext uri="{FF2B5EF4-FFF2-40B4-BE49-F238E27FC236}">
+                        <a16:creationId xmlns="" xmlns:a16="http://schemas.microsoft.com/office/drawing/2014/main" id="{53299244-26D0-4173-ACC6-BD241C768849}"/>
+                      </a:ext>
+                    </a:extLst>
+                  </p:cNvPr>
+                  <p:cNvPicPr>
+                    <a:picLocks noChangeAspect="1"/>
+                  </p:cNvPicPr>
+                  <p:nvPr/>
+                </p:nvPicPr>
+                <p:blipFill>
+                  <a:blip r:embed="rId4">
+                    <a:extLst>
+                      <a:ext uri="{28A0092B-C50C-407E-A947-70E740481C1C}">
+                        <a14:useLocalDpi xmlns:a14="http://schemas.microsoft.com/office/drawing/2010/main" val="0"/>
+                      </a:ext>
+                    </a:extLst>
+                  </a:blip>
+                  <a:stretch>
+                    <a:fillRect/>
+                  </a:stretch>
+                </p:blipFill>
+                <p:spPr>
+                  <a:xfrm>
+                    <a:off x="6122245" y="1669741"/>
+                    <a:ext cx="1140875" cy="1140875"/>
+                  </a:xfrm>
+                  <a:prstGeom prst="rect">
+                    <a:avLst/>
+                  </a:prstGeom>
+                </p:spPr>
+              </p:pic>
+              <p:sp>
+                <p:nvSpPr>
+                  <p:cNvPr id="23" name="テキスト ボックス 22">
+                    <a:extLst>
+                      <a:ext uri="{FF2B5EF4-FFF2-40B4-BE49-F238E27FC236}">
+                        <a16:creationId xmlns="" xmlns:a16="http://schemas.microsoft.com/office/drawing/2014/main" id="{BF9D5B9B-9876-443A-BE29-B4828D0A5D74}"/>
+                      </a:ext>
+                    </a:extLst>
+                  </p:cNvPr>
+                  <p:cNvSpPr txBox="1"/>
+                  <p:nvPr/>
+                </p:nvSpPr>
+                <p:spPr>
+                  <a:xfrm>
+                    <a:off x="6485460" y="2793506"/>
+                    <a:ext cx="361950" cy="369332"/>
+                  </a:xfrm>
+                  <a:prstGeom prst="rect">
+                    <a:avLst/>
+                  </a:prstGeom>
+                  <a:noFill/>
+                </p:spPr>
+                <p:txBody>
+                  <a:bodyPr wrap="square" rtlCol="0">
+                    <a:spAutoFit/>
+                  </a:bodyPr>
+                  <a:lstStyle/>
+                  <a:p>
+                    <a:r>
+                      <a:rPr kumimoji="1" lang="ja-JP" altLang="en-US" dirty="0">
+                        <a:latin typeface="チェックポイント．（ピリオド）" panose="02000600000000000000" pitchFamily="50" charset="-128"/>
+                        <a:ea typeface="チェックポイント．（ピリオド）" panose="02000600000000000000" pitchFamily="50" charset="-128"/>
+                      </a:rPr>
+                      <a:t>緑</a:t>
+                    </a:r>
+                  </a:p>
+                </p:txBody>
+              </p:sp>
+            </p:grpSp>
+            <p:grpSp>
+              <p:nvGrpSpPr>
+                <p:cNvPr id="13" name="グループ化 12">
+                  <a:extLst>
+                    <a:ext uri="{FF2B5EF4-FFF2-40B4-BE49-F238E27FC236}">
+                      <a16:creationId xmlns="" xmlns:a16="http://schemas.microsoft.com/office/drawing/2014/main" id="{D317981A-38A9-4594-9159-8C77F7F6D8B4}"/>
+                    </a:ext>
+                  </a:extLst>
+                </p:cNvPr>
+                <p:cNvGrpSpPr/>
+                <p:nvPr/>
+              </p:nvGrpSpPr>
+              <p:grpSpPr>
+                <a:xfrm>
+                  <a:off x="8548440" y="1741303"/>
+                  <a:ext cx="1140875" cy="1455744"/>
+                  <a:chOff x="7236873" y="1678331"/>
+                  <a:chExt cx="1140875" cy="1455744"/>
+                </a:xfrm>
+              </p:grpSpPr>
+              <p:pic>
+                <p:nvPicPr>
+                  <p:cNvPr id="20" name="図 19" descr="物体 が含まれている画像&#10;&#10;自動的に生成された説明">
+                    <a:extLst>
+                      <a:ext uri="{FF2B5EF4-FFF2-40B4-BE49-F238E27FC236}">
+                        <a16:creationId xmlns="" xmlns:a16="http://schemas.microsoft.com/office/drawing/2014/main" id="{93CD3867-4A7C-4138-9F28-8B9071FCE1AF}"/>
+                      </a:ext>
+                    </a:extLst>
+                  </p:cNvPr>
+                  <p:cNvPicPr>
+                    <a:picLocks noChangeAspect="1"/>
+                  </p:cNvPicPr>
+                  <p:nvPr/>
+                </p:nvPicPr>
+                <p:blipFill>
+                  <a:blip r:embed="rId5">
+                    <a:extLst>
+                      <a:ext uri="{28A0092B-C50C-407E-A947-70E740481C1C}">
+                        <a14:useLocalDpi xmlns:a14="http://schemas.microsoft.com/office/drawing/2010/main" val="0"/>
+                      </a:ext>
+                    </a:extLst>
+                  </a:blip>
+                  <a:stretch>
+                    <a:fillRect/>
+                  </a:stretch>
+                </p:blipFill>
+                <p:spPr>
+                  <a:xfrm>
+                    <a:off x="7236873" y="1678331"/>
+                    <a:ext cx="1140875" cy="1140875"/>
+                  </a:xfrm>
+                  <a:prstGeom prst="rect">
+                    <a:avLst/>
+                  </a:prstGeom>
+                </p:spPr>
+              </p:pic>
+              <p:sp>
+                <p:nvSpPr>
+                  <p:cNvPr id="21" name="テキスト ボックス 20">
+                    <a:extLst>
+                      <a:ext uri="{FF2B5EF4-FFF2-40B4-BE49-F238E27FC236}">
+                        <a16:creationId xmlns="" xmlns:a16="http://schemas.microsoft.com/office/drawing/2014/main" id="{C3C71671-55D6-4E40-BC27-288FCF91D2BB}"/>
+                      </a:ext>
+                    </a:extLst>
+                  </p:cNvPr>
+                  <p:cNvSpPr txBox="1"/>
+                  <p:nvPr/>
+                </p:nvSpPr>
+                <p:spPr>
+                  <a:xfrm>
+                    <a:off x="7573962" y="2764743"/>
+                    <a:ext cx="361950" cy="369332"/>
+                  </a:xfrm>
+                  <a:prstGeom prst="rect">
+                    <a:avLst/>
+                  </a:prstGeom>
+                  <a:noFill/>
+                </p:spPr>
+                <p:txBody>
+                  <a:bodyPr wrap="square" rtlCol="0">
+                    <a:spAutoFit/>
+                  </a:bodyPr>
+                  <a:lstStyle/>
+                  <a:p>
+                    <a:r>
+                      <a:rPr lang="ja-JP" altLang="en-US" dirty="0">
+                        <a:latin typeface="チェックポイント．（ピリオド）" panose="02000600000000000000" pitchFamily="50" charset="-128"/>
+                        <a:ea typeface="チェックポイント．（ピリオド）" panose="02000600000000000000" pitchFamily="50" charset="-128"/>
+                      </a:rPr>
+                      <a:t>白</a:t>
+                    </a:r>
+                    <a:endParaRPr kumimoji="1" lang="ja-JP" altLang="en-US" dirty="0">
+                      <a:latin typeface="チェックポイント．（ピリオド）" panose="02000600000000000000" pitchFamily="50" charset="-128"/>
+                      <a:ea typeface="チェックポイント．（ピリオド）" panose="02000600000000000000" pitchFamily="50" charset="-128"/>
+                    </a:endParaRPr>
+                  </a:p>
+                </p:txBody>
+              </p:sp>
+            </p:grpSp>
+            <p:cxnSp>
+              <p:nvCxnSpPr>
+                <p:cNvPr id="14" name="直線矢印コネクタ 13">
+                  <a:extLst>
+                    <a:ext uri="{FF2B5EF4-FFF2-40B4-BE49-F238E27FC236}">
+                      <a16:creationId xmlns="" xmlns:a16="http://schemas.microsoft.com/office/drawing/2014/main" id="{A84A16DD-57C4-4761-A446-249187106E51}"/>
+                    </a:ext>
+                  </a:extLst>
+                </p:cNvPr>
+                <p:cNvCxnSpPr>
+                  <a:cxnSpLocks/>
+                </p:cNvCxnSpPr>
+                <p:nvPr/>
+              </p:nvCxnSpPr>
+              <p:spPr>
+                <a:xfrm>
+                  <a:off x="4880330" y="2502313"/>
+                  <a:ext cx="388101" cy="0"/>
+                </a:xfrm>
+                <a:prstGeom prst="straightConnector1">
+                  <a:avLst/>
+                </a:prstGeom>
+                <a:ln w="76200">
+                  <a:solidFill>
+                    <a:srgbClr val="FF0000"/>
+                  </a:solidFill>
+                  <a:tailEnd type="triangle"/>
+                </a:ln>
+              </p:spPr>
+              <p:style>
+                <a:lnRef idx="1">
+                  <a:schemeClr val="accent1"/>
+                </a:lnRef>
+                <a:fillRef idx="0">
+                  <a:schemeClr val="accent1"/>
+                </a:fillRef>
+                <a:effectRef idx="0">
+                  <a:schemeClr val="accent1"/>
+                </a:effectRef>
+                <a:fontRef idx="minor">
+                  <a:schemeClr val="tx1"/>
+                </a:fontRef>
+              </p:style>
+            </p:cxnSp>
+            <p:cxnSp>
+              <p:nvCxnSpPr>
+                <p:cNvPr id="15" name="直線矢印コネクタ 14">
+                  <a:extLst>
+                    <a:ext uri="{FF2B5EF4-FFF2-40B4-BE49-F238E27FC236}">
+                      <a16:creationId xmlns="" xmlns:a16="http://schemas.microsoft.com/office/drawing/2014/main" id="{CE867472-33BD-4771-A53A-412FDCEAB859}"/>
+                    </a:ext>
+                  </a:extLst>
+                </p:cNvPr>
+                <p:cNvCxnSpPr>
+                  <a:cxnSpLocks/>
+                </p:cNvCxnSpPr>
+                <p:nvPr/>
+              </p:nvCxnSpPr>
+              <p:spPr>
+                <a:xfrm>
+                  <a:off x="6409305" y="2502313"/>
+                  <a:ext cx="388101" cy="0"/>
+                </a:xfrm>
+                <a:prstGeom prst="straightConnector1">
+                  <a:avLst/>
+                </a:prstGeom>
+                <a:ln w="76200">
+                  <a:solidFill>
+                    <a:srgbClr val="FF0000"/>
+                  </a:solidFill>
+                  <a:tailEnd type="triangle"/>
+                </a:ln>
+              </p:spPr>
+              <p:style>
+                <a:lnRef idx="1">
+                  <a:schemeClr val="accent1"/>
+                </a:lnRef>
+                <a:fillRef idx="0">
+                  <a:schemeClr val="accent1"/>
+                </a:fillRef>
+                <a:effectRef idx="0">
+                  <a:schemeClr val="accent1"/>
+                </a:effectRef>
+                <a:fontRef idx="minor">
+                  <a:schemeClr val="tx1"/>
+                </a:fontRef>
+              </p:style>
+            </p:cxnSp>
+            <p:cxnSp>
+              <p:nvCxnSpPr>
+                <p:cNvPr id="16" name="直線矢印コネクタ 15">
+                  <a:extLst>
+                    <a:ext uri="{FF2B5EF4-FFF2-40B4-BE49-F238E27FC236}">
+                      <a16:creationId xmlns="" xmlns:a16="http://schemas.microsoft.com/office/drawing/2014/main" id="{2F760955-CE29-4903-BDF0-C0EF1A34CD6F}"/>
+                    </a:ext>
+                  </a:extLst>
+                </p:cNvPr>
+                <p:cNvCxnSpPr>
+                  <a:cxnSpLocks/>
+                </p:cNvCxnSpPr>
+                <p:nvPr/>
+              </p:nvCxnSpPr>
+              <p:spPr>
+                <a:xfrm rot="10800000">
+                  <a:off x="4880330" y="2092738"/>
+                  <a:ext cx="388101" cy="0"/>
+                </a:xfrm>
+                <a:prstGeom prst="straightConnector1">
+                  <a:avLst/>
+                </a:prstGeom>
+                <a:ln w="76200">
+                  <a:solidFill>
+                    <a:srgbClr val="00B0F0"/>
+                  </a:solidFill>
+                  <a:tailEnd type="triangle"/>
+                </a:ln>
+              </p:spPr>
+              <p:style>
+                <a:lnRef idx="1">
+                  <a:schemeClr val="accent1"/>
+                </a:lnRef>
+                <a:fillRef idx="0">
+                  <a:schemeClr val="accent1"/>
+                </a:fillRef>
+                <a:effectRef idx="0">
+                  <a:schemeClr val="accent1"/>
+                </a:effectRef>
+                <a:fontRef idx="minor">
+                  <a:schemeClr val="tx1"/>
+                </a:fontRef>
+              </p:style>
+            </p:cxnSp>
+            <p:cxnSp>
+              <p:nvCxnSpPr>
+                <p:cNvPr id="17" name="直線矢印コネクタ 16">
+                  <a:extLst>
+                    <a:ext uri="{FF2B5EF4-FFF2-40B4-BE49-F238E27FC236}">
+                      <a16:creationId xmlns="" xmlns:a16="http://schemas.microsoft.com/office/drawing/2014/main" id="{96E14F16-9B67-48C7-9985-746717E7D2CE}"/>
+                    </a:ext>
+                  </a:extLst>
+                </p:cNvPr>
+                <p:cNvCxnSpPr>
+                  <a:cxnSpLocks/>
+                </p:cNvCxnSpPr>
+                <p:nvPr/>
+              </p:nvCxnSpPr>
+              <p:spPr>
+                <a:xfrm rot="10800000">
+                  <a:off x="6409304" y="2092737"/>
+                  <a:ext cx="388101" cy="0"/>
+                </a:xfrm>
+                <a:prstGeom prst="straightConnector1">
+                  <a:avLst/>
+                </a:prstGeom>
+                <a:ln w="76200">
+                  <a:solidFill>
+                    <a:srgbClr val="00B0F0"/>
+                  </a:solidFill>
+                  <a:tailEnd type="triangle"/>
+                </a:ln>
+              </p:spPr>
+              <p:style>
+                <a:lnRef idx="1">
+                  <a:schemeClr val="accent1"/>
+                </a:lnRef>
+                <a:fillRef idx="0">
+                  <a:schemeClr val="accent1"/>
+                </a:fillRef>
+                <a:effectRef idx="0">
+                  <a:schemeClr val="accent1"/>
+                </a:effectRef>
+                <a:fontRef idx="minor">
+                  <a:schemeClr val="tx1"/>
+                </a:fontRef>
+              </p:style>
+            </p:cxnSp>
+            <p:sp>
+              <p:nvSpPr>
+                <p:cNvPr id="18" name="正方形/長方形 17">
+                  <a:extLst>
+                    <a:ext uri="{FF2B5EF4-FFF2-40B4-BE49-F238E27FC236}">
+                      <a16:creationId xmlns="" xmlns:a16="http://schemas.microsoft.com/office/drawing/2014/main" id="{6ADAFCEE-C028-416D-B257-90B41E02042A}"/>
+                    </a:ext>
+                  </a:extLst>
+                </p:cNvPr>
+                <p:cNvSpPr/>
+                <p:nvPr/>
+              </p:nvSpPr>
+              <p:spPr>
+                <a:xfrm>
+                  <a:off x="3739456" y="1741303"/>
+                  <a:ext cx="4223444" cy="1687697"/>
+                </a:xfrm>
+                <a:prstGeom prst="rect">
+                  <a:avLst/>
+                </a:prstGeom>
+                <a:noFill/>
+                <a:ln w="57150">
+                  <a:solidFill>
+                    <a:schemeClr val="accent1">
+                      <a:lumMod val="60000"/>
+                      <a:lumOff val="40000"/>
+                    </a:schemeClr>
+                  </a:solidFill>
+                </a:ln>
+              </p:spPr>
+              <p:style>
+                <a:lnRef idx="2">
+                  <a:schemeClr val="accent1">
+                    <a:shade val="50000"/>
+                  </a:schemeClr>
+                </a:lnRef>
+                <a:fillRef idx="1">
+                  <a:schemeClr val="accent1"/>
+                </a:fillRef>
+                <a:effectRef idx="0">
+                  <a:schemeClr val="accent1"/>
+                </a:effectRef>
+                <a:fontRef idx="minor">
+                  <a:schemeClr val="lt1"/>
+                </a:fontRef>
+              </p:style>
+              <p:txBody>
+                <a:bodyPr rtlCol="0" anchor="ctr"/>
+                <a:lstStyle/>
+                <a:p>
+                  <a:pPr algn="ctr"/>
+                  <a:endParaRPr kumimoji="1" lang="ja-JP" altLang="en-US"/>
+                </a:p>
+              </p:txBody>
+            </p:sp>
+            <p:cxnSp>
+              <p:nvCxnSpPr>
+                <p:cNvPr id="19" name="直線矢印コネクタ 18">
+                  <a:extLst>
+                    <a:ext uri="{FF2B5EF4-FFF2-40B4-BE49-F238E27FC236}">
+                      <a16:creationId xmlns="" xmlns:a16="http://schemas.microsoft.com/office/drawing/2014/main" id="{A2A6B62C-1E0E-432C-9BEC-393C34A1C94C}"/>
+                    </a:ext>
+                  </a:extLst>
+                </p:cNvPr>
+                <p:cNvCxnSpPr>
+                  <a:cxnSpLocks/>
+                </p:cNvCxnSpPr>
+                <p:nvPr/>
+              </p:nvCxnSpPr>
+              <p:spPr>
+                <a:xfrm rot="10800000">
+                  <a:off x="8057130" y="2625254"/>
+                  <a:ext cx="388101" cy="0"/>
+                </a:xfrm>
+                <a:prstGeom prst="straightConnector1">
+                  <a:avLst/>
+                </a:prstGeom>
+                <a:ln w="76200">
+                  <a:solidFill>
+                    <a:srgbClr val="FF0000"/>
+                  </a:solidFill>
+                  <a:tailEnd type="triangle"/>
+                </a:ln>
+              </p:spPr>
+              <p:style>
+                <a:lnRef idx="1">
+                  <a:schemeClr val="accent1"/>
+                </a:lnRef>
+                <a:fillRef idx="0">
+                  <a:schemeClr val="accent1"/>
+                </a:fillRef>
+                <a:effectRef idx="0">
+                  <a:schemeClr val="accent1"/>
+                </a:effectRef>
+                <a:fontRef idx="minor">
+                  <a:schemeClr val="tx1"/>
+                </a:fontRef>
+              </p:style>
+            </p:cxnSp>
+          </p:grpSp>
+          <p:grpSp>
+            <p:nvGrpSpPr>
+              <p:cNvPr id="28" name="グループ化 27">
+                <a:extLst>
+                  <a:ext uri="{FF2B5EF4-FFF2-40B4-BE49-F238E27FC236}">
+                    <a16:creationId xmlns="" xmlns:a16="http://schemas.microsoft.com/office/drawing/2014/main" id="{7EEE5686-B5B9-4B20-8993-381AFDACF9AB}"/>
+                  </a:ext>
+                </a:extLst>
+              </p:cNvPr>
+              <p:cNvGrpSpPr/>
+              <p:nvPr/>
+            </p:nvGrpSpPr>
+            <p:grpSpPr>
+              <a:xfrm>
+                <a:off x="10645452" y="4346838"/>
+                <a:ext cx="1824039" cy="917508"/>
+                <a:chOff x="9883732" y="1911384"/>
+                <a:chExt cx="1824039" cy="917508"/>
+              </a:xfrm>
+            </p:grpSpPr>
+            <p:grpSp>
+              <p:nvGrpSpPr>
+                <p:cNvPr id="29" name="グループ化 28">
+                  <a:extLst>
+                    <a:ext uri="{FF2B5EF4-FFF2-40B4-BE49-F238E27FC236}">
+                      <a16:creationId xmlns="" xmlns:a16="http://schemas.microsoft.com/office/drawing/2014/main" id="{80B432E5-1E61-4A1C-BB38-CE56CD67DAEC}"/>
+                    </a:ext>
+                  </a:extLst>
+                </p:cNvPr>
+                <p:cNvGrpSpPr/>
+                <p:nvPr/>
+              </p:nvGrpSpPr>
+              <p:grpSpPr>
+                <a:xfrm>
+                  <a:off x="10011300" y="1974116"/>
+                  <a:ext cx="1696471" cy="765354"/>
+                  <a:chOff x="10124054" y="1537861"/>
+                  <a:chExt cx="1696471" cy="765354"/>
+                </a:xfrm>
+              </p:grpSpPr>
+              <p:cxnSp>
+                <p:nvCxnSpPr>
+                  <p:cNvPr id="31" name="直線矢印コネクタ 30">
+                    <a:extLst>
+                      <a:ext uri="{FF2B5EF4-FFF2-40B4-BE49-F238E27FC236}">
+                        <a16:creationId xmlns="" xmlns:a16="http://schemas.microsoft.com/office/drawing/2014/main" id="{555429FE-F091-46AD-84F7-1B4256D762AB}"/>
+                      </a:ext>
+                    </a:extLst>
+                  </p:cNvPr>
+                  <p:cNvCxnSpPr>
+                    <a:cxnSpLocks/>
+                  </p:cNvCxnSpPr>
+                  <p:nvPr/>
+                </p:nvCxnSpPr>
+                <p:spPr>
+                  <a:xfrm>
+                    <a:off x="10124055" y="2118549"/>
+                    <a:ext cx="388101" cy="0"/>
+                  </a:xfrm>
+                  <a:prstGeom prst="straightConnector1">
+                    <a:avLst/>
+                  </a:prstGeom>
+                  <a:ln w="76200">
+                    <a:solidFill>
+                      <a:srgbClr val="FF0000"/>
+                    </a:solidFill>
+                    <a:tailEnd type="triangle"/>
+                  </a:ln>
+                </p:spPr>
+                <p:style>
+                  <a:lnRef idx="1">
+                    <a:schemeClr val="accent1"/>
+                  </a:lnRef>
+                  <a:fillRef idx="0">
+                    <a:schemeClr val="accent1"/>
+                  </a:fillRef>
+                  <a:effectRef idx="0">
+                    <a:schemeClr val="accent1"/>
+                  </a:effectRef>
+                  <a:fontRef idx="minor">
+                    <a:schemeClr val="tx1"/>
+                  </a:fontRef>
+                </p:style>
+              </p:cxnSp>
+              <p:cxnSp>
+                <p:nvCxnSpPr>
+                  <p:cNvPr id="32" name="直線矢印コネクタ 31">
+                    <a:extLst>
+                      <a:ext uri="{FF2B5EF4-FFF2-40B4-BE49-F238E27FC236}">
+                        <a16:creationId xmlns="" xmlns:a16="http://schemas.microsoft.com/office/drawing/2014/main" id="{5030B8C7-7BED-40F6-B6D5-A7CD124D67A9}"/>
+                      </a:ext>
+                    </a:extLst>
+                  </p:cNvPr>
+                  <p:cNvCxnSpPr>
+                    <a:cxnSpLocks/>
+                  </p:cNvCxnSpPr>
+                  <p:nvPr/>
+                </p:nvCxnSpPr>
+                <p:spPr>
+                  <a:xfrm rot="10800000">
+                    <a:off x="10124054" y="1708973"/>
+                    <a:ext cx="388101" cy="0"/>
+                  </a:xfrm>
+                  <a:prstGeom prst="straightConnector1">
+                    <a:avLst/>
+                  </a:prstGeom>
+                  <a:ln w="76200">
+                    <a:solidFill>
+                      <a:srgbClr val="00B0F0"/>
+                    </a:solidFill>
+                    <a:tailEnd type="triangle"/>
+                  </a:ln>
+                </p:spPr>
+                <p:style>
+                  <a:lnRef idx="1">
+                    <a:schemeClr val="accent1"/>
+                  </a:lnRef>
+                  <a:fillRef idx="0">
+                    <a:schemeClr val="accent1"/>
+                  </a:fillRef>
+                  <a:effectRef idx="0">
+                    <a:schemeClr val="accent1"/>
+                  </a:effectRef>
+                  <a:fontRef idx="minor">
+                    <a:schemeClr val="tx1"/>
+                  </a:fontRef>
+                </p:style>
+              </p:cxnSp>
+              <p:sp>
+                <p:nvSpPr>
+                  <p:cNvPr id="33" name="テキスト ボックス 32">
+                    <a:extLst>
+                      <a:ext uri="{FF2B5EF4-FFF2-40B4-BE49-F238E27FC236}">
+                        <a16:creationId xmlns="" xmlns:a16="http://schemas.microsoft.com/office/drawing/2014/main" id="{1BB9FF26-C1AD-43FF-B1A3-3D220E4BC3AA}"/>
+                      </a:ext>
+                    </a:extLst>
+                  </p:cNvPr>
+                  <p:cNvSpPr txBox="1"/>
+                  <p:nvPr/>
+                </p:nvSpPr>
+                <p:spPr>
+                  <a:xfrm>
+                    <a:off x="10763250" y="1537861"/>
+                    <a:ext cx="1057275" cy="369332"/>
+                  </a:xfrm>
+                  <a:prstGeom prst="rect">
+                    <a:avLst/>
+                  </a:prstGeom>
+                  <a:noFill/>
+                </p:spPr>
+                <p:txBody>
+                  <a:bodyPr wrap="square" rtlCol="0">
+                    <a:spAutoFit/>
+                  </a:bodyPr>
+                  <a:lstStyle/>
+                  <a:p>
+                    <a:r>
+                      <a:rPr kumimoji="1" lang="ja-JP" altLang="en-US" dirty="0">
+                        <a:latin typeface="チェックポイント．（ピリオド）" panose="02000600000000000000" pitchFamily="50" charset="-128"/>
+                        <a:ea typeface="チェックポイント．（ピリオド）" panose="02000600000000000000" pitchFamily="50" charset="-128"/>
+                      </a:rPr>
+                      <a:t>不利</a:t>
+                    </a:r>
+                  </a:p>
+                </p:txBody>
+              </p:sp>
+              <p:sp>
+                <p:nvSpPr>
+                  <p:cNvPr id="34" name="テキスト ボックス 33">
+                    <a:extLst>
+                      <a:ext uri="{FF2B5EF4-FFF2-40B4-BE49-F238E27FC236}">
+                        <a16:creationId xmlns="" xmlns:a16="http://schemas.microsoft.com/office/drawing/2014/main" id="{127090C9-FA03-47A3-B8E5-5AC843148C0C}"/>
+                      </a:ext>
+                    </a:extLst>
+                  </p:cNvPr>
+                  <p:cNvSpPr txBox="1"/>
+                  <p:nvPr/>
+                </p:nvSpPr>
+                <p:spPr>
+                  <a:xfrm>
+                    <a:off x="10763249" y="1933883"/>
+                    <a:ext cx="1057275" cy="369332"/>
+                  </a:xfrm>
+                  <a:prstGeom prst="rect">
+                    <a:avLst/>
+                  </a:prstGeom>
+                  <a:noFill/>
+                </p:spPr>
+                <p:txBody>
+                  <a:bodyPr wrap="square" rtlCol="0">
+                    <a:spAutoFit/>
+                  </a:bodyPr>
+                  <a:lstStyle/>
+                  <a:p>
+                    <a:r>
+                      <a:rPr lang="ja-JP" altLang="en-US" dirty="0">
+                        <a:latin typeface="チェックポイント．（ピリオド）" panose="02000600000000000000" pitchFamily="50" charset="-128"/>
+                        <a:ea typeface="チェックポイント．（ピリオド）" panose="02000600000000000000" pitchFamily="50" charset="-128"/>
+                      </a:rPr>
+                      <a:t>有利</a:t>
+                    </a:r>
+                    <a:endParaRPr kumimoji="1" lang="ja-JP" altLang="en-US" dirty="0">
+                      <a:latin typeface="チェックポイント．（ピリオド）" panose="02000600000000000000" pitchFamily="50" charset="-128"/>
+                      <a:ea typeface="チェックポイント．（ピリオド）" panose="02000600000000000000" pitchFamily="50" charset="-128"/>
+                    </a:endParaRPr>
+                  </a:p>
+                </p:txBody>
+              </p:sp>
+            </p:grpSp>
+            <p:sp>
+              <p:nvSpPr>
+                <p:cNvPr id="30" name="正方形/長方形 29">
+                  <a:extLst>
+                    <a:ext uri="{FF2B5EF4-FFF2-40B4-BE49-F238E27FC236}">
+                      <a16:creationId xmlns="" xmlns:a16="http://schemas.microsoft.com/office/drawing/2014/main" id="{974D7591-C374-4FE7-98C6-F63D715B2F46}"/>
+                    </a:ext>
+                  </a:extLst>
+                </p:cNvPr>
+                <p:cNvSpPr/>
+                <p:nvPr/>
+              </p:nvSpPr>
+              <p:spPr>
+                <a:xfrm>
+                  <a:off x="9883732" y="1911384"/>
+                  <a:ext cx="1533525" cy="917508"/>
+                </a:xfrm>
+                <a:prstGeom prst="rect">
+                  <a:avLst/>
+                </a:prstGeom>
+                <a:noFill/>
+                <a:ln w="38100">
+                  <a:solidFill>
+                    <a:schemeClr val="accent1">
+                      <a:lumMod val="60000"/>
+                      <a:lumOff val="40000"/>
+                    </a:schemeClr>
+                  </a:solidFill>
+                </a:ln>
+              </p:spPr>
+              <p:style>
+                <a:lnRef idx="2">
+                  <a:schemeClr val="accent1">
+                    <a:shade val="50000"/>
+                  </a:schemeClr>
+                </a:lnRef>
+                <a:fillRef idx="1">
+                  <a:schemeClr val="accent1"/>
+                </a:fillRef>
+                <a:effectRef idx="0">
+                  <a:schemeClr val="accent1"/>
+                </a:effectRef>
+                <a:fontRef idx="minor">
+                  <a:schemeClr val="lt1"/>
+                </a:fontRef>
+              </p:style>
+              <p:txBody>
+                <a:bodyPr rtlCol="0" anchor="ctr"/>
+                <a:lstStyle/>
+                <a:p>
+                  <a:pPr algn="ctr"/>
+                  <a:endParaRPr kumimoji="1" lang="ja-JP" altLang="en-US"/>
+                </a:p>
+              </p:txBody>
+            </p:sp>
+          </p:grpSp>
+          <p:sp>
+            <p:nvSpPr>
+              <p:cNvPr id="35" name="正方形/長方形 34">
+                <a:extLst>
+                  <a:ext uri="{FF2B5EF4-FFF2-40B4-BE49-F238E27FC236}">
+                    <a16:creationId xmlns="" xmlns:a16="http://schemas.microsoft.com/office/drawing/2014/main" id="{A98ECFFF-731C-4C54-95F1-02A8CC15EA71}"/>
+                  </a:ext>
+                </a:extLst>
+              </p:cNvPr>
+              <p:cNvSpPr/>
+              <p:nvPr/>
+            </p:nvSpPr>
+            <p:spPr>
+              <a:xfrm>
+                <a:off x="8772859" y="3906952"/>
+                <a:ext cx="1140875" cy="1684581"/>
+              </a:xfrm>
+              <a:prstGeom prst="rect">
+                <a:avLst/>
+              </a:prstGeom>
+              <a:noFill/>
+              <a:ln w="38100">
+                <a:solidFill>
+                  <a:srgbClr val="FF0000"/>
+                </a:solidFill>
+              </a:ln>
+            </p:spPr>
+            <p:style>
+              <a:lnRef idx="2">
+                <a:schemeClr val="accent1">
+                  <a:shade val="50000"/>
+                </a:schemeClr>
+              </a:lnRef>
+              <a:fillRef idx="1">
+                <a:schemeClr val="accent1"/>
+              </a:fillRef>
+              <a:effectRef idx="0">
+                <a:schemeClr val="accent1"/>
+              </a:effectRef>
+              <a:fontRef idx="minor">
+                <a:schemeClr val="lt1"/>
+              </a:fontRef>
+            </p:style>
+            <p:txBody>
+              <a:bodyPr rtlCol="0" anchor="ctr"/>
+              <a:lstStyle/>
+              <a:p>
+                <a:pPr algn="ctr"/>
+                <a:endParaRPr kumimoji="1" lang="ja-JP" altLang="en-US"/>
+              </a:p>
+            </p:txBody>
+          </p:sp>
+        </p:grpSp>
+        <p:grpSp>
+          <p:nvGrpSpPr>
+            <p:cNvPr id="39" name="グループ化 38"/>
+            <p:cNvGrpSpPr/>
+            <p:nvPr/>
+          </p:nvGrpSpPr>
+          <p:grpSpPr>
+            <a:xfrm>
+              <a:off x="6467236" y="4393106"/>
+              <a:ext cx="2410691" cy="1476462"/>
+              <a:chOff x="6562471" y="4111957"/>
+              <a:chExt cx="2410691" cy="1476462"/>
+            </a:xfrm>
+          </p:grpSpPr>
+          <p:pic>
+            <p:nvPicPr>
+              <p:cNvPr id="37" name="図 36"/>
+              <p:cNvPicPr>
+                <a:picLocks noChangeAspect="1"/>
+              </p:cNvPicPr>
+              <p:nvPr/>
+            </p:nvPicPr>
+            <p:blipFill>
+              <a:blip r:embed="rId6" cstate="print">
+                <a:extLst>
+                  <a:ext uri="{28A0092B-C50C-407E-A947-70E740481C1C}">
+                    <a14:useLocalDpi xmlns:a14="http://schemas.microsoft.com/office/drawing/2010/main" val="0"/>
+                  </a:ext>
+                </a:extLst>
+              </a:blip>
+              <a:stretch>
+                <a:fillRect/>
+              </a:stretch>
+            </p:blipFill>
+            <p:spPr>
+              <a:xfrm rot="18867647">
+                <a:off x="7062260" y="4111957"/>
+                <a:ext cx="1476462" cy="1476462"/>
+              </a:xfrm>
+              <a:prstGeom prst="rect">
+                <a:avLst/>
+              </a:prstGeom>
+            </p:spPr>
+          </p:pic>
+          <p:sp>
+            <p:nvSpPr>
+              <p:cNvPr id="38" name="正方形/長方形 37"/>
+              <p:cNvSpPr/>
+              <p:nvPr/>
+            </p:nvSpPr>
+            <p:spPr>
+              <a:xfrm>
+                <a:off x="6562471" y="4305732"/>
+                <a:ext cx="2410691" cy="1088912"/>
+              </a:xfrm>
+              <a:prstGeom prst="rect">
+                <a:avLst/>
+              </a:prstGeom>
+              <a:noFill/>
+              <a:ln w="57150"/>
+            </p:spPr>
+            <p:style>
+              <a:lnRef idx="2">
+                <a:schemeClr val="accent1">
+                  <a:shade val="50000"/>
+                </a:schemeClr>
+              </a:lnRef>
+              <a:fillRef idx="1">
+                <a:schemeClr val="accent1"/>
+              </a:fillRef>
+              <a:effectRef idx="0">
+                <a:schemeClr val="accent1"/>
+              </a:effectRef>
+              <a:fontRef idx="minor">
+                <a:schemeClr val="lt1"/>
+              </a:fontRef>
+            </p:style>
+            <p:txBody>
+              <a:bodyPr rtlCol="0" anchor="ctr"/>
+              <a:lstStyle/>
+              <a:p>
+                <a:pPr algn="ctr"/>
+                <a:endParaRPr kumimoji="1" lang="ja-JP" altLang="en-US"/>
+              </a:p>
+            </p:txBody>
+          </p:sp>
+        </p:grpSp>
+        <p:cxnSp>
+          <p:nvCxnSpPr>
+            <p:cNvPr id="43" name="直線矢印コネクタ 42">
+              <a:extLst>
+                <a:ext uri="{FF2B5EF4-FFF2-40B4-BE49-F238E27FC236}">
+                  <a16:creationId xmlns="" xmlns:a16="http://schemas.microsoft.com/office/drawing/2014/main" id="{A2A6B62C-1E0E-432C-9BEC-393C34A1C94C}"/>
+                </a:ext>
+              </a:extLst>
+            </p:cNvPr>
+            <p:cNvCxnSpPr>
+              <a:cxnSpLocks/>
+            </p:cNvCxnSpPr>
+            <p:nvPr/>
+          </p:nvCxnSpPr>
+          <p:spPr>
+            <a:xfrm rot="-1800000">
+              <a:off x="7955932" y="4098472"/>
+              <a:ext cx="1280486" cy="0"/>
+            </a:xfrm>
+            <a:prstGeom prst="straightConnector1">
+              <a:avLst/>
+            </a:prstGeom>
+            <a:ln w="76200">
+              <a:solidFill>
+                <a:srgbClr val="FF0000"/>
+              </a:solidFill>
+              <a:tailEnd type="triangle"/>
+            </a:ln>
+          </p:spPr>
+          <p:style>
+            <a:lnRef idx="1">
+              <a:schemeClr val="accent1"/>
+            </a:lnRef>
+            <a:fillRef idx="0">
+              <a:schemeClr val="accent1"/>
+            </a:fillRef>
+            <a:effectRef idx="0">
+              <a:schemeClr val="accent1"/>
+            </a:effectRef>
+            <a:fontRef idx="minor">
+              <a:schemeClr val="tx1"/>
+            </a:fontRef>
+          </p:style>
+        </p:cxnSp>
+        <p:cxnSp>
+          <p:nvCxnSpPr>
+            <p:cNvPr id="53" name="直線矢印コネクタ 52">
+              <a:extLst>
+                <a:ext uri="{FF2B5EF4-FFF2-40B4-BE49-F238E27FC236}">
+                  <a16:creationId xmlns="" xmlns:a16="http://schemas.microsoft.com/office/drawing/2014/main" id="{A2A6B62C-1E0E-432C-9BEC-393C34A1C94C}"/>
+                </a:ext>
+              </a:extLst>
+            </p:cNvPr>
+            <p:cNvCxnSpPr>
+              <a:cxnSpLocks/>
+            </p:cNvCxnSpPr>
+            <p:nvPr/>
+          </p:nvCxnSpPr>
+          <p:spPr>
+            <a:xfrm rot="1800000">
+              <a:off x="6108744" y="4100220"/>
+              <a:ext cx="1280486" cy="0"/>
+            </a:xfrm>
+            <a:prstGeom prst="straightConnector1">
+              <a:avLst/>
+            </a:prstGeom>
+            <a:ln w="76200">
+              <a:solidFill>
+                <a:srgbClr val="FF0000"/>
+              </a:solidFill>
+              <a:tailEnd type="triangle"/>
+            </a:ln>
+          </p:spPr>
+          <p:style>
+            <a:lnRef idx="1">
+              <a:schemeClr val="accent1"/>
+            </a:lnRef>
+            <a:fillRef idx="0">
+              <a:schemeClr val="accent1"/>
+            </a:fillRef>
+            <a:effectRef idx="0">
+              <a:schemeClr val="accent1"/>
+            </a:effectRef>
+            <a:fontRef idx="minor">
+              <a:schemeClr val="tx1"/>
+            </a:fontRef>
+          </p:style>
+        </p:cxnSp>
+      </p:grpSp>
+    </p:spTree>
+    <p:extLst>
+      <p:ext uri="{BB962C8B-B14F-4D97-AF65-F5344CB8AC3E}">
+        <p14:creationId xmlns:p14="http://schemas.microsoft.com/office/powerpoint/2010/main" val="1432715908"/>
       </p:ext>
     </p:extLst>
   </p:cSld>

--- a/説明文.pptx
+++ b/説明文.pptx
@@ -5,7 +5,7 @@
     <p:sldMasterId id="2147483648" r:id="rId1"/>
   </p:sldMasterIdLst>
   <p:notesMasterIdLst>
-    <p:notesMasterId r:id="rId11"/>
+    <p:notesMasterId r:id="rId14"/>
   </p:notesMasterIdLst>
   <p:sldIdLst>
     <p:sldId id="257" r:id="rId2"/>
@@ -17,6 +17,9 @@
     <p:sldId id="263" r:id="rId8"/>
     <p:sldId id="264" r:id="rId9"/>
     <p:sldId id="265" r:id="rId10"/>
+    <p:sldId id="266" r:id="rId11"/>
+    <p:sldId id="267" r:id="rId12"/>
+    <p:sldId id="268" r:id="rId13"/>
   </p:sldIdLst>
   <p:sldSz cx="12192000" cy="6858000"/>
   <p:notesSz cx="6858000" cy="9144000"/>
@@ -205,7 +208,7 @@
           <a:p>
             <a:fld id="{D3517757-E664-4BB3-B78C-0CBDD076F206}" type="datetimeFigureOut">
               <a:rPr kumimoji="1" lang="ja-JP" altLang="en-US" smtClean="0"/>
-              <a:t>2019/7/22</a:t>
+              <a:t>2019/7/24</a:t>
             </a:fld>
             <a:endParaRPr kumimoji="1" lang="ja-JP" altLang="en-US"/>
           </a:p>
@@ -633,7 +636,7 @@
           <a:p>
             <a:fld id="{8F2BA968-46FA-4915-82D5-53748CAAB103}" type="datetimeFigureOut">
               <a:rPr kumimoji="1" lang="ja-JP" altLang="en-US" smtClean="0"/>
-              <a:t>2019/7/22</a:t>
+              <a:t>2019/7/24</a:t>
             </a:fld>
             <a:endParaRPr kumimoji="1" lang="ja-JP" altLang="en-US" dirty="0"/>
           </a:p>
@@ -833,7 +836,7 @@
           <a:p>
             <a:fld id="{8F2BA968-46FA-4915-82D5-53748CAAB103}" type="datetimeFigureOut">
               <a:rPr kumimoji="1" lang="ja-JP" altLang="en-US" smtClean="0"/>
-              <a:t>2019/7/22</a:t>
+              <a:t>2019/7/24</a:t>
             </a:fld>
             <a:endParaRPr kumimoji="1" lang="ja-JP" altLang="en-US" dirty="0"/>
           </a:p>
@@ -1043,7 +1046,7 @@
           <a:p>
             <a:fld id="{8F2BA968-46FA-4915-82D5-53748CAAB103}" type="datetimeFigureOut">
               <a:rPr kumimoji="1" lang="ja-JP" altLang="en-US" smtClean="0"/>
-              <a:t>2019/7/22</a:t>
+              <a:t>2019/7/24</a:t>
             </a:fld>
             <a:endParaRPr kumimoji="1" lang="ja-JP" altLang="en-US" dirty="0"/>
           </a:p>
@@ -1243,7 +1246,7 @@
           <a:p>
             <a:fld id="{8F2BA968-46FA-4915-82D5-53748CAAB103}" type="datetimeFigureOut">
               <a:rPr kumimoji="1" lang="ja-JP" altLang="en-US" smtClean="0"/>
-              <a:t>2019/7/22</a:t>
+              <a:t>2019/7/24</a:t>
             </a:fld>
             <a:endParaRPr kumimoji="1" lang="ja-JP" altLang="en-US" dirty="0"/>
           </a:p>
@@ -1488,7 +1491,7 @@
           <a:p>
             <a:fld id="{8F2BA968-46FA-4915-82D5-53748CAAB103}" type="datetimeFigureOut">
               <a:rPr kumimoji="1" lang="ja-JP" altLang="en-US" smtClean="0"/>
-              <a:t>2019/7/22</a:t>
+              <a:t>2019/7/24</a:t>
             </a:fld>
             <a:endParaRPr kumimoji="1" lang="ja-JP" altLang="en-US" dirty="0"/>
           </a:p>
@@ -1781,7 +1784,7 @@
           <a:p>
             <a:fld id="{8F2BA968-46FA-4915-82D5-53748CAAB103}" type="datetimeFigureOut">
               <a:rPr kumimoji="1" lang="ja-JP" altLang="en-US" smtClean="0"/>
-              <a:t>2019/7/22</a:t>
+              <a:t>2019/7/24</a:t>
             </a:fld>
             <a:endParaRPr kumimoji="1" lang="ja-JP" altLang="en-US" dirty="0"/>
           </a:p>
@@ -2209,7 +2212,7 @@
           <a:p>
             <a:fld id="{8F2BA968-46FA-4915-82D5-53748CAAB103}" type="datetimeFigureOut">
               <a:rPr kumimoji="1" lang="ja-JP" altLang="en-US" smtClean="0"/>
-              <a:t>2019/7/22</a:t>
+              <a:t>2019/7/24</a:t>
             </a:fld>
             <a:endParaRPr kumimoji="1" lang="ja-JP" altLang="en-US" dirty="0"/>
           </a:p>
@@ -2326,7 +2329,7 @@
           <a:p>
             <a:fld id="{8F2BA968-46FA-4915-82D5-53748CAAB103}" type="datetimeFigureOut">
               <a:rPr kumimoji="1" lang="ja-JP" altLang="en-US" smtClean="0"/>
-              <a:t>2019/7/22</a:t>
+              <a:t>2019/7/24</a:t>
             </a:fld>
             <a:endParaRPr kumimoji="1" lang="ja-JP" altLang="en-US" dirty="0"/>
           </a:p>
@@ -2421,7 +2424,7 @@
           <a:p>
             <a:fld id="{8F2BA968-46FA-4915-82D5-53748CAAB103}" type="datetimeFigureOut">
               <a:rPr kumimoji="1" lang="ja-JP" altLang="en-US" smtClean="0"/>
-              <a:t>2019/7/22</a:t>
+              <a:t>2019/7/24</a:t>
             </a:fld>
             <a:endParaRPr kumimoji="1" lang="ja-JP" altLang="en-US" dirty="0"/>
           </a:p>
@@ -2728,7 +2731,7 @@
           <a:p>
             <a:fld id="{8F2BA968-46FA-4915-82D5-53748CAAB103}" type="datetimeFigureOut">
               <a:rPr kumimoji="1" lang="ja-JP" altLang="en-US" smtClean="0"/>
-              <a:t>2019/7/22</a:t>
+              <a:t>2019/7/24</a:t>
             </a:fld>
             <a:endParaRPr kumimoji="1" lang="ja-JP" altLang="en-US" dirty="0"/>
           </a:p>
@@ -2980,7 +2983,7 @@
           <a:p>
             <a:fld id="{8F2BA968-46FA-4915-82D5-53748CAAB103}" type="datetimeFigureOut">
               <a:rPr kumimoji="1" lang="ja-JP" altLang="en-US" smtClean="0"/>
-              <a:t>2019/7/22</a:t>
+              <a:t>2019/7/24</a:t>
             </a:fld>
             <a:endParaRPr kumimoji="1" lang="ja-JP" altLang="en-US" dirty="0"/>
           </a:p>
@@ -3223,7 +3226,7 @@
           <a:p>
             <a:fld id="{8F2BA968-46FA-4915-82D5-53748CAAB103}" type="datetimeFigureOut">
               <a:rPr kumimoji="1" lang="ja-JP" altLang="en-US" smtClean="0"/>
-              <a:t>2019/7/22</a:t>
+              <a:t>2019/7/24</a:t>
             </a:fld>
             <a:endParaRPr kumimoji="1" lang="ja-JP" altLang="en-US" dirty="0"/>
           </a:p>
@@ -3633,7 +3636,7 @@
           <p:cNvPr id="4" name="図 3" descr="スクリーンショット が含まれている画像&#10;&#10;自動的に生成された説明">
             <a:extLst>
               <a:ext uri="{FF2B5EF4-FFF2-40B4-BE49-F238E27FC236}">
-                <a16:creationId xmlns="" xmlns:a16="http://schemas.microsoft.com/office/drawing/2014/main" id="{48282D74-7C89-4D68-8F6E-D62AC9485402}"/>
+                <a16:creationId xmlns:a16="http://schemas.microsoft.com/office/drawing/2014/main" id="{48282D74-7C89-4D68-8F6E-D62AC9485402}"/>
               </a:ext>
             </a:extLst>
           </p:cNvPr>
@@ -3968,7 +3971,7 @@
           <p:cNvPr id="6" name="正方形/長方形 5">
             <a:extLst>
               <a:ext uri="{FF2B5EF4-FFF2-40B4-BE49-F238E27FC236}">
-                <a16:creationId xmlns="" xmlns:a16="http://schemas.microsoft.com/office/drawing/2014/main" id="{E239D52D-8A0E-45C2-9D76-49681F4F3023}"/>
+                <a16:creationId xmlns:a16="http://schemas.microsoft.com/office/drawing/2014/main" id="{E239D52D-8A0E-45C2-9D76-49681F4F3023}"/>
               </a:ext>
             </a:extLst>
           </p:cNvPr>
@@ -4020,7 +4023,7 @@
           <p:cNvPr id="12" name="正方形/長方形 11">
             <a:extLst>
               <a:ext uri="{FF2B5EF4-FFF2-40B4-BE49-F238E27FC236}">
-                <a16:creationId xmlns="" xmlns:a16="http://schemas.microsoft.com/office/drawing/2014/main" id="{44B16076-58F3-411C-BA21-CC2F6BFDF2CA}"/>
+                <a16:creationId xmlns:a16="http://schemas.microsoft.com/office/drawing/2014/main" id="{44B16076-58F3-411C-BA21-CC2F6BFDF2CA}"/>
               </a:ext>
             </a:extLst>
           </p:cNvPr>
@@ -4072,7 +4075,7 @@
           <p:cNvPr id="13" name="正方形/長方形 12">
             <a:extLst>
               <a:ext uri="{FF2B5EF4-FFF2-40B4-BE49-F238E27FC236}">
-                <a16:creationId xmlns="" xmlns:a16="http://schemas.microsoft.com/office/drawing/2014/main" id="{48971A5D-F76B-4813-83D2-2D825B6A3202}"/>
+                <a16:creationId xmlns:a16="http://schemas.microsoft.com/office/drawing/2014/main" id="{48971A5D-F76B-4813-83D2-2D825B6A3202}"/>
               </a:ext>
             </a:extLst>
           </p:cNvPr>
@@ -4123,6 +4126,2258 @@
     <p:extLst>
       <p:ext uri="{BB962C8B-B14F-4D97-AF65-F5344CB8AC3E}">
         <p14:creationId xmlns:p14="http://schemas.microsoft.com/office/powerpoint/2010/main" val="1055460918"/>
+      </p:ext>
+    </p:extLst>
+  </p:cSld>
+  <p:clrMapOvr>
+    <a:masterClrMapping/>
+  </p:clrMapOvr>
+</p:sld>
+</file>
+
+<file path=ppt/slides/slide10.xml><?xml version="1.0" encoding="utf-8"?>
+<p:sld xmlns:a="http://schemas.openxmlformats.org/drawingml/2006/main" xmlns:r="http://schemas.openxmlformats.org/officeDocument/2006/relationships" xmlns:p="http://schemas.openxmlformats.org/presentationml/2006/main">
+  <p:cSld>
+    <p:spTree>
+      <p:nvGrpSpPr>
+        <p:cNvPr id="1" name=""/>
+        <p:cNvGrpSpPr/>
+        <p:nvPr/>
+      </p:nvGrpSpPr>
+      <p:grpSpPr>
+        <a:xfrm>
+          <a:off x="0" y="0"/>
+          <a:ext cx="0" cy="0"/>
+          <a:chOff x="0" y="0"/>
+          <a:chExt cx="0" cy="0"/>
+        </a:xfrm>
+      </p:grpSpPr>
+      <p:sp>
+        <p:nvSpPr>
+          <p:cNvPr id="4" name="テキスト ボックス 3">
+            <a:extLst>
+              <a:ext uri="{FF2B5EF4-FFF2-40B4-BE49-F238E27FC236}">
+                <a16:creationId xmlns:a16="http://schemas.microsoft.com/office/drawing/2014/main" id="{C41C563A-40AB-403A-8661-FE9944DE17B5}"/>
+              </a:ext>
+            </a:extLst>
+          </p:cNvPr>
+          <p:cNvSpPr txBox="1"/>
+          <p:nvPr/>
+        </p:nvSpPr>
+        <p:spPr>
+          <a:xfrm>
+            <a:off x="2627332" y="58003"/>
+            <a:ext cx="6937335" cy="830997"/>
+          </a:xfrm>
+          <a:prstGeom prst="rect">
+            <a:avLst/>
+          </a:prstGeom>
+          <a:solidFill>
+            <a:schemeClr val="accent4"/>
+          </a:solidFill>
+        </p:spPr>
+        <p:txBody>
+          <a:bodyPr wrap="square" rtlCol="0">
+            <a:spAutoFit/>
+          </a:bodyPr>
+          <a:lstStyle/>
+          <a:p>
+            <a:pPr algn="ctr"/>
+            <a:r>
+              <a:rPr kumimoji="1" lang="ja-JP" altLang="en-US" sz="4800" dirty="0">
+                <a:latin typeface="チェックポイント．（ピリオド）" panose="02000600000000000000" pitchFamily="50" charset="-128"/>
+                <a:ea typeface="チェックポイント．（ピリオド）" panose="02000600000000000000" pitchFamily="50" charset="-128"/>
+              </a:rPr>
+              <a:t>ヘルプ：戦闘</a:t>
+            </a:r>
+            <a:endParaRPr kumimoji="1" lang="ja-JP" altLang="en-US" dirty="0">
+              <a:latin typeface="チェックポイント．（ピリオド）" panose="02000600000000000000" pitchFamily="50" charset="-128"/>
+              <a:ea typeface="チェックポイント．（ピリオド）" panose="02000600000000000000" pitchFamily="50" charset="-128"/>
+            </a:endParaRPr>
+          </a:p>
+        </p:txBody>
+      </p:sp>
+      <p:sp>
+        <p:nvSpPr>
+          <p:cNvPr id="5" name="テキスト ボックス 4">
+            <a:extLst>
+              <a:ext uri="{FF2B5EF4-FFF2-40B4-BE49-F238E27FC236}">
+                <a16:creationId xmlns:a16="http://schemas.microsoft.com/office/drawing/2014/main" id="{4942987D-E9F9-4BC9-8090-7DA7D48916EF}"/>
+              </a:ext>
+            </a:extLst>
+          </p:cNvPr>
+          <p:cNvSpPr txBox="1"/>
+          <p:nvPr/>
+        </p:nvSpPr>
+        <p:spPr>
+          <a:xfrm>
+            <a:off x="2065536" y="1226438"/>
+            <a:ext cx="8060926" cy="400110"/>
+          </a:xfrm>
+          <a:prstGeom prst="rect">
+            <a:avLst/>
+          </a:prstGeom>
+          <a:noFill/>
+        </p:spPr>
+        <p:txBody>
+          <a:bodyPr wrap="square" rtlCol="0">
+            <a:spAutoFit/>
+          </a:bodyPr>
+          <a:lstStyle/>
+          <a:p>
+            <a:r>
+              <a:rPr kumimoji="1" lang="ja-JP" altLang="en-US" sz="2000" dirty="0">
+                <a:latin typeface="チェックポイント．（ピリオド）" panose="02000600000000000000" pitchFamily="50" charset="-128"/>
+                <a:ea typeface="チェックポイント．（ピリオド）" panose="02000600000000000000" pitchFamily="50" charset="-128"/>
+              </a:rPr>
+              <a:t>戦闘は基本的にマウスもしくは、キーボードで行うことができます。</a:t>
+            </a:r>
+          </a:p>
+        </p:txBody>
+      </p:sp>
+      <p:sp>
+        <p:nvSpPr>
+          <p:cNvPr id="40" name="テキスト ボックス 39">
+            <a:extLst>
+              <a:ext uri="{FF2B5EF4-FFF2-40B4-BE49-F238E27FC236}">
+                <a16:creationId xmlns:a16="http://schemas.microsoft.com/office/drawing/2014/main" id="{F1EA6A6B-D4D0-463A-A599-CE219946A74B}"/>
+              </a:ext>
+            </a:extLst>
+          </p:cNvPr>
+          <p:cNvSpPr txBox="1"/>
+          <p:nvPr/>
+        </p:nvSpPr>
+        <p:spPr>
+          <a:xfrm>
+            <a:off x="2182579" y="4006218"/>
+            <a:ext cx="7826839" cy="2585323"/>
+          </a:xfrm>
+          <a:prstGeom prst="rect">
+            <a:avLst/>
+          </a:prstGeom>
+          <a:noFill/>
+        </p:spPr>
+        <p:txBody>
+          <a:bodyPr wrap="square" rtlCol="0">
+            <a:spAutoFit/>
+          </a:bodyPr>
+          <a:lstStyle/>
+          <a:p>
+            <a:r>
+              <a:rPr kumimoji="1" lang="en-US" altLang="ja-JP" dirty="0">
+                <a:latin typeface="チェックポイント．（ピリオド）" panose="02000600000000000000" pitchFamily="50" charset="-128"/>
+                <a:ea typeface="チェックポイント．（ピリオド）" panose="02000600000000000000" pitchFamily="50" charset="-128"/>
+              </a:rPr>
+              <a:t>1</a:t>
+            </a:r>
+            <a:r>
+              <a:rPr kumimoji="1" lang="ja-JP" altLang="en-US" dirty="0">
+                <a:latin typeface="チェックポイント．（ピリオド）" panose="02000600000000000000" pitchFamily="50" charset="-128"/>
+                <a:ea typeface="チェックポイント．（ピリオド）" panose="02000600000000000000" pitchFamily="50" charset="-128"/>
+              </a:rPr>
+              <a:t>を押す</a:t>
+            </a:r>
+            <a:r>
+              <a:rPr lang="ja-JP" altLang="en-US" dirty="0">
+                <a:latin typeface="チェックポイント．（ピリオド）" panose="02000600000000000000" pitchFamily="50" charset="-128"/>
+                <a:ea typeface="チェックポイント．（ピリオド）" panose="02000600000000000000" pitchFamily="50" charset="-128"/>
+              </a:rPr>
+              <a:t>または、ミサイルボタンをクリックすると</a:t>
+            </a:r>
+            <a:r>
+              <a:rPr kumimoji="1" lang="ja-JP" altLang="en-US" dirty="0">
+                <a:latin typeface="チェックポイント．（ピリオド）" panose="02000600000000000000" pitchFamily="50" charset="-128"/>
+                <a:ea typeface="チェックポイント．（ピリオド）" panose="02000600000000000000" pitchFamily="50" charset="-128"/>
+              </a:rPr>
+              <a:t>ミサイルが出撃します。</a:t>
+            </a:r>
+            <a:endParaRPr kumimoji="1" lang="en-US" altLang="ja-JP" dirty="0">
+              <a:latin typeface="チェックポイント．（ピリオド）" panose="02000600000000000000" pitchFamily="50" charset="-128"/>
+              <a:ea typeface="チェックポイント．（ピリオド）" panose="02000600000000000000" pitchFamily="50" charset="-128"/>
+            </a:endParaRPr>
+          </a:p>
+          <a:p>
+            <a:endParaRPr kumimoji="1" lang="en-US" altLang="ja-JP" dirty="0">
+              <a:latin typeface="チェックポイント．（ピリオド）" panose="02000600000000000000" pitchFamily="50" charset="-128"/>
+              <a:ea typeface="チェックポイント．（ピリオド）" panose="02000600000000000000" pitchFamily="50" charset="-128"/>
+            </a:endParaRPr>
+          </a:p>
+          <a:p>
+            <a:r>
+              <a:rPr lang="en-US" altLang="ja-JP" dirty="0">
+                <a:latin typeface="チェックポイント．（ピリオド）" panose="02000600000000000000" pitchFamily="50" charset="-128"/>
+                <a:ea typeface="チェックポイント．（ピリオド）" panose="02000600000000000000" pitchFamily="50" charset="-128"/>
+              </a:rPr>
+              <a:t>2</a:t>
+            </a:r>
+            <a:r>
+              <a:rPr lang="ja-JP" altLang="en-US" dirty="0">
+                <a:latin typeface="チェックポイント．（ピリオド）" panose="02000600000000000000" pitchFamily="50" charset="-128"/>
+                <a:ea typeface="チェックポイント．（ピリオド）" panose="02000600000000000000" pitchFamily="50" charset="-128"/>
+              </a:rPr>
+              <a:t>を押すまたは、</a:t>
+            </a:r>
+            <a:r>
+              <a:rPr lang="ja-JP" altLang="en-US" dirty="0">
+                <a:solidFill>
+                  <a:srgbClr val="FF0000"/>
+                </a:solidFill>
+                <a:latin typeface="チェックポイント．（ピリオド）" panose="02000600000000000000" pitchFamily="50" charset="-128"/>
+                <a:ea typeface="チェックポイント．（ピリオド）" panose="02000600000000000000" pitchFamily="50" charset="-128"/>
+              </a:rPr>
+              <a:t>赤ポッドボタン</a:t>
+            </a:r>
+            <a:r>
+              <a:rPr lang="ja-JP" altLang="en-US" dirty="0">
+                <a:latin typeface="チェックポイント．（ピリオド）" panose="02000600000000000000" pitchFamily="50" charset="-128"/>
+                <a:ea typeface="チェックポイント．（ピリオド）" panose="02000600000000000000" pitchFamily="50" charset="-128"/>
+              </a:rPr>
+              <a:t>をクリックすると</a:t>
+            </a:r>
+            <a:r>
+              <a:rPr lang="ja-JP" altLang="en-US" dirty="0">
+                <a:solidFill>
+                  <a:srgbClr val="FF0000"/>
+                </a:solidFill>
+                <a:latin typeface="チェックポイント．（ピリオド）" panose="02000600000000000000" pitchFamily="50" charset="-128"/>
+                <a:ea typeface="チェックポイント．（ピリオド）" panose="02000600000000000000" pitchFamily="50" charset="-128"/>
+              </a:rPr>
+              <a:t>赤ポッド</a:t>
+            </a:r>
+            <a:r>
+              <a:rPr lang="ja-JP" altLang="en-US" dirty="0">
+                <a:latin typeface="チェックポイント．（ピリオド）" panose="02000600000000000000" pitchFamily="50" charset="-128"/>
+                <a:ea typeface="チェックポイント．（ピリオド）" panose="02000600000000000000" pitchFamily="50" charset="-128"/>
+              </a:rPr>
+              <a:t>が出撃します。</a:t>
+            </a:r>
+            <a:endParaRPr lang="en-US" altLang="ja-JP" dirty="0">
+              <a:latin typeface="チェックポイント．（ピリオド）" panose="02000600000000000000" pitchFamily="50" charset="-128"/>
+              <a:ea typeface="チェックポイント．（ピリオド）" panose="02000600000000000000" pitchFamily="50" charset="-128"/>
+            </a:endParaRPr>
+          </a:p>
+          <a:p>
+            <a:endParaRPr lang="en-US" altLang="ja-JP" dirty="0">
+              <a:latin typeface="チェックポイント．（ピリオド）" panose="02000600000000000000" pitchFamily="50" charset="-128"/>
+              <a:ea typeface="チェックポイント．（ピリオド）" panose="02000600000000000000" pitchFamily="50" charset="-128"/>
+            </a:endParaRPr>
+          </a:p>
+          <a:p>
+            <a:r>
+              <a:rPr kumimoji="1" lang="en-US" altLang="ja-JP" dirty="0">
+                <a:latin typeface="チェックポイント．（ピリオド）" panose="02000600000000000000" pitchFamily="50" charset="-128"/>
+                <a:ea typeface="チェックポイント．（ピリオド）" panose="02000600000000000000" pitchFamily="50" charset="-128"/>
+              </a:rPr>
+              <a:t>3</a:t>
+            </a:r>
+            <a:r>
+              <a:rPr kumimoji="1" lang="ja-JP" altLang="en-US" dirty="0">
+                <a:latin typeface="チェックポイント．（ピリオド）" panose="02000600000000000000" pitchFamily="50" charset="-128"/>
+                <a:ea typeface="チェックポイント．（ピリオド）" panose="02000600000000000000" pitchFamily="50" charset="-128"/>
+              </a:rPr>
+              <a:t>を押す</a:t>
+            </a:r>
+            <a:r>
+              <a:rPr lang="ja-JP" altLang="en-US" dirty="0">
+                <a:latin typeface="チェックポイント．（ピリオド）" panose="02000600000000000000" pitchFamily="50" charset="-128"/>
+                <a:ea typeface="チェックポイント．（ピリオド）" panose="02000600000000000000" pitchFamily="50" charset="-128"/>
+              </a:rPr>
+              <a:t>または、</a:t>
+            </a:r>
+            <a:r>
+              <a:rPr lang="ja-JP" altLang="en-US" dirty="0">
+                <a:solidFill>
+                  <a:srgbClr val="5B9BD5"/>
+                </a:solidFill>
+                <a:latin typeface="チェックポイント．（ピリオド）" panose="02000600000000000000" pitchFamily="50" charset="-128"/>
+                <a:ea typeface="チェックポイント．（ピリオド）" panose="02000600000000000000" pitchFamily="50" charset="-128"/>
+              </a:rPr>
+              <a:t>青ポッドボタン</a:t>
+            </a:r>
+            <a:r>
+              <a:rPr lang="ja-JP" altLang="en-US" dirty="0">
+                <a:latin typeface="チェックポイント．（ピリオド）" panose="02000600000000000000" pitchFamily="50" charset="-128"/>
+                <a:ea typeface="チェックポイント．（ピリオド）" panose="02000600000000000000" pitchFamily="50" charset="-128"/>
+              </a:rPr>
+              <a:t>をクリックすると</a:t>
+            </a:r>
+            <a:r>
+              <a:rPr kumimoji="1" lang="ja-JP" altLang="en-US" dirty="0">
+                <a:solidFill>
+                  <a:srgbClr val="5B9BD5"/>
+                </a:solidFill>
+                <a:latin typeface="チェックポイント．（ピリオド）" panose="02000600000000000000" pitchFamily="50" charset="-128"/>
+                <a:ea typeface="チェックポイント．（ピリオド）" panose="02000600000000000000" pitchFamily="50" charset="-128"/>
+              </a:rPr>
+              <a:t>青ポッド</a:t>
+            </a:r>
+            <a:r>
+              <a:rPr kumimoji="1" lang="ja-JP" altLang="en-US" dirty="0">
+                <a:latin typeface="チェックポイント．（ピリオド）" panose="02000600000000000000" pitchFamily="50" charset="-128"/>
+                <a:ea typeface="チェックポイント．（ピリオド）" panose="02000600000000000000" pitchFamily="50" charset="-128"/>
+              </a:rPr>
+              <a:t>が出撃します。</a:t>
+            </a:r>
+            <a:endParaRPr kumimoji="1" lang="en-US" altLang="ja-JP" dirty="0">
+              <a:latin typeface="チェックポイント．（ピリオド）" panose="02000600000000000000" pitchFamily="50" charset="-128"/>
+              <a:ea typeface="チェックポイント．（ピリオド）" panose="02000600000000000000" pitchFamily="50" charset="-128"/>
+            </a:endParaRPr>
+          </a:p>
+          <a:p>
+            <a:endParaRPr kumimoji="1" lang="en-US" altLang="ja-JP" dirty="0">
+              <a:latin typeface="チェックポイント．（ピリオド）" panose="02000600000000000000" pitchFamily="50" charset="-128"/>
+              <a:ea typeface="チェックポイント．（ピリオド）" panose="02000600000000000000" pitchFamily="50" charset="-128"/>
+            </a:endParaRPr>
+          </a:p>
+          <a:p>
+            <a:r>
+              <a:rPr lang="en-US" altLang="ja-JP" dirty="0">
+                <a:latin typeface="チェックポイント．（ピリオド）" panose="02000600000000000000" pitchFamily="50" charset="-128"/>
+                <a:ea typeface="チェックポイント．（ピリオド）" panose="02000600000000000000" pitchFamily="50" charset="-128"/>
+              </a:rPr>
+              <a:t>4</a:t>
+            </a:r>
+            <a:r>
+              <a:rPr lang="ja-JP" altLang="en-US" dirty="0">
+                <a:latin typeface="チェックポイント．（ピリオド）" panose="02000600000000000000" pitchFamily="50" charset="-128"/>
+                <a:ea typeface="チェックポイント．（ピリオド）" panose="02000600000000000000" pitchFamily="50" charset="-128"/>
+              </a:rPr>
+              <a:t>を押すまたは、</a:t>
+            </a:r>
+            <a:r>
+              <a:rPr lang="ja-JP" altLang="en-US" dirty="0">
+                <a:solidFill>
+                  <a:srgbClr val="00B050"/>
+                </a:solidFill>
+                <a:latin typeface="チェックポイント．（ピリオド）" panose="02000600000000000000" pitchFamily="50" charset="-128"/>
+                <a:ea typeface="チェックポイント．（ピリオド）" panose="02000600000000000000" pitchFamily="50" charset="-128"/>
+              </a:rPr>
+              <a:t>緑ポッドボタン</a:t>
+            </a:r>
+            <a:r>
+              <a:rPr lang="ja-JP" altLang="en-US" dirty="0">
+                <a:latin typeface="チェックポイント．（ピリオド）" panose="02000600000000000000" pitchFamily="50" charset="-128"/>
+                <a:ea typeface="チェックポイント．（ピリオド）" panose="02000600000000000000" pitchFamily="50" charset="-128"/>
+              </a:rPr>
+              <a:t>をクリックすると</a:t>
+            </a:r>
+            <a:r>
+              <a:rPr lang="ja-JP" altLang="en-US" dirty="0">
+                <a:solidFill>
+                  <a:srgbClr val="00B050"/>
+                </a:solidFill>
+                <a:latin typeface="チェックポイント．（ピリオド）" panose="02000600000000000000" pitchFamily="50" charset="-128"/>
+                <a:ea typeface="チェックポイント．（ピリオド）" panose="02000600000000000000" pitchFamily="50" charset="-128"/>
+              </a:rPr>
+              <a:t>緑ポッド</a:t>
+            </a:r>
+            <a:r>
+              <a:rPr lang="ja-JP" altLang="en-US" dirty="0">
+                <a:latin typeface="チェックポイント．（ピリオド）" panose="02000600000000000000" pitchFamily="50" charset="-128"/>
+                <a:ea typeface="チェックポイント．（ピリオド）" panose="02000600000000000000" pitchFamily="50" charset="-128"/>
+              </a:rPr>
+              <a:t>が出撃します。</a:t>
+            </a:r>
+            <a:endParaRPr lang="en-US" altLang="ja-JP" dirty="0">
+              <a:latin typeface="チェックポイント．（ピリオド）" panose="02000600000000000000" pitchFamily="50" charset="-128"/>
+              <a:ea typeface="チェックポイント．（ピリオド）" panose="02000600000000000000" pitchFamily="50" charset="-128"/>
+            </a:endParaRPr>
+          </a:p>
+          <a:p>
+            <a:endParaRPr lang="en-US" altLang="ja-JP" dirty="0">
+              <a:latin typeface="チェックポイント．（ピリオド）" panose="02000600000000000000" pitchFamily="50" charset="-128"/>
+              <a:ea typeface="チェックポイント．（ピリオド）" panose="02000600000000000000" pitchFamily="50" charset="-128"/>
+            </a:endParaRPr>
+          </a:p>
+          <a:p>
+            <a:r>
+              <a:rPr kumimoji="1" lang="en-US" altLang="ja-JP" dirty="0">
+                <a:latin typeface="チェックポイント．（ピリオド）" panose="02000600000000000000" pitchFamily="50" charset="-128"/>
+                <a:ea typeface="チェックポイント．（ピリオド）" panose="02000600000000000000" pitchFamily="50" charset="-128"/>
+              </a:rPr>
+              <a:t>5</a:t>
+            </a:r>
+            <a:r>
+              <a:rPr kumimoji="1" lang="ja-JP" altLang="en-US" dirty="0">
+                <a:latin typeface="チェックポイント．（ピリオド）" panose="02000600000000000000" pitchFamily="50" charset="-128"/>
+                <a:ea typeface="チェックポイント．（ピリオド）" panose="02000600000000000000" pitchFamily="50" charset="-128"/>
+              </a:rPr>
+              <a:t>を押すまたは、白</a:t>
+            </a:r>
+            <a:r>
+              <a:rPr lang="ja-JP" altLang="en-US" dirty="0">
+                <a:latin typeface="チェックポイント．（ピリオド）" panose="02000600000000000000" pitchFamily="50" charset="-128"/>
+                <a:ea typeface="チェックポイント．（ピリオド）" panose="02000600000000000000" pitchFamily="50" charset="-128"/>
+              </a:rPr>
+              <a:t>ポッドボタンをクリックすると</a:t>
+            </a:r>
+            <a:r>
+              <a:rPr kumimoji="1" lang="ja-JP" altLang="en-US" dirty="0">
+                <a:latin typeface="チェックポイント．（ピリオド）" panose="02000600000000000000" pitchFamily="50" charset="-128"/>
+                <a:ea typeface="チェックポイント．（ピリオド）" panose="02000600000000000000" pitchFamily="50" charset="-128"/>
+              </a:rPr>
+              <a:t>白ポッドが出撃します。</a:t>
+            </a:r>
+          </a:p>
+        </p:txBody>
+      </p:sp>
+      <p:grpSp>
+        <p:nvGrpSpPr>
+          <p:cNvPr id="47" name="グループ化 46">
+            <a:extLst>
+              <a:ext uri="{FF2B5EF4-FFF2-40B4-BE49-F238E27FC236}">
+                <a16:creationId xmlns:a16="http://schemas.microsoft.com/office/drawing/2014/main" id="{3CB0CBD5-C2FE-46AB-9EAF-C9949E68FDD5}"/>
+              </a:ext>
+            </a:extLst>
+          </p:cNvPr>
+          <p:cNvGrpSpPr/>
+          <p:nvPr/>
+        </p:nvGrpSpPr>
+        <p:grpSpPr>
+          <a:xfrm>
+            <a:off x="2749940" y="2145643"/>
+            <a:ext cx="6692115" cy="1673604"/>
+            <a:chOff x="2198256" y="2154521"/>
+            <a:chExt cx="6692115" cy="1673604"/>
+          </a:xfrm>
+        </p:grpSpPr>
+        <p:grpSp>
+          <p:nvGrpSpPr>
+            <p:cNvPr id="22" name="グループ化 21">
+              <a:extLst>
+                <a:ext uri="{FF2B5EF4-FFF2-40B4-BE49-F238E27FC236}">
+                  <a16:creationId xmlns:a16="http://schemas.microsoft.com/office/drawing/2014/main" id="{2B78E3B8-6F86-4761-8FD3-82445D0604CC}"/>
+                </a:ext>
+              </a:extLst>
+            </p:cNvPr>
+            <p:cNvGrpSpPr/>
+            <p:nvPr/>
+          </p:nvGrpSpPr>
+          <p:grpSpPr>
+            <a:xfrm>
+              <a:off x="5100779" y="2518823"/>
+              <a:ext cx="1085283" cy="1293448"/>
+              <a:chOff x="3651813" y="1678331"/>
+              <a:chExt cx="1140874" cy="1611706"/>
+            </a:xfrm>
+          </p:grpSpPr>
+          <p:pic>
+            <p:nvPicPr>
+              <p:cNvPr id="38" name="図 37" descr="物体 が含まれている画像&#10;&#10;自動的に生成された説明">
+                <a:extLst>
+                  <a:ext uri="{FF2B5EF4-FFF2-40B4-BE49-F238E27FC236}">
+                    <a16:creationId xmlns:a16="http://schemas.microsoft.com/office/drawing/2014/main" id="{479B4DDF-7427-437E-87B7-7994E26E728C}"/>
+                  </a:ext>
+                </a:extLst>
+              </p:cNvPr>
+              <p:cNvPicPr>
+                <a:picLocks noChangeAspect="1"/>
+              </p:cNvPicPr>
+              <p:nvPr/>
+            </p:nvPicPr>
+            <p:blipFill>
+              <a:blip r:embed="rId2">
+                <a:extLst>
+                  <a:ext uri="{28A0092B-C50C-407E-A947-70E740481C1C}">
+                    <a14:useLocalDpi xmlns:a14="http://schemas.microsoft.com/office/drawing/2010/main" val="0"/>
+                  </a:ext>
+                </a:extLst>
+              </a:blip>
+              <a:stretch>
+                <a:fillRect/>
+              </a:stretch>
+            </p:blipFill>
+            <p:spPr>
+              <a:xfrm>
+                <a:off x="3651813" y="1678331"/>
+                <a:ext cx="1140874" cy="1140874"/>
+              </a:xfrm>
+              <a:prstGeom prst="rect">
+                <a:avLst/>
+              </a:prstGeom>
+            </p:spPr>
+          </p:pic>
+          <p:sp>
+            <p:nvSpPr>
+              <p:cNvPr id="39" name="テキスト ボックス 38">
+                <a:extLst>
+                  <a:ext uri="{FF2B5EF4-FFF2-40B4-BE49-F238E27FC236}">
+                    <a16:creationId xmlns:a16="http://schemas.microsoft.com/office/drawing/2014/main" id="{9774E31A-0063-4CE0-A9A1-D45BBB05A9C8}"/>
+                  </a:ext>
+                </a:extLst>
+              </p:cNvPr>
+              <p:cNvSpPr txBox="1"/>
+              <p:nvPr/>
+            </p:nvSpPr>
+            <p:spPr>
+              <a:xfrm>
+                <a:off x="3945705" y="2829829"/>
+                <a:ext cx="361950" cy="460208"/>
+              </a:xfrm>
+              <a:prstGeom prst="rect">
+                <a:avLst/>
+              </a:prstGeom>
+              <a:noFill/>
+            </p:spPr>
+            <p:txBody>
+              <a:bodyPr wrap="square" rtlCol="0">
+                <a:spAutoFit/>
+              </a:bodyPr>
+              <a:lstStyle/>
+              <a:p>
+                <a:pPr algn="ctr"/>
+                <a:r>
+                  <a:rPr kumimoji="1" lang="ja-JP" altLang="en-US" dirty="0">
+                    <a:latin typeface="チェックポイント．（ピリオド）" panose="02000600000000000000" pitchFamily="50" charset="-128"/>
+                    <a:ea typeface="チェックポイント．（ピリオド）" panose="02000600000000000000" pitchFamily="50" charset="-128"/>
+                  </a:rPr>
+                  <a:t>青</a:t>
+                </a:r>
+              </a:p>
+            </p:txBody>
+          </p:sp>
+        </p:grpSp>
+        <p:grpSp>
+          <p:nvGrpSpPr>
+            <p:cNvPr id="23" name="グループ化 22">
+              <a:extLst>
+                <a:ext uri="{FF2B5EF4-FFF2-40B4-BE49-F238E27FC236}">
+                  <a16:creationId xmlns:a16="http://schemas.microsoft.com/office/drawing/2014/main" id="{8CEB5C1D-B949-4327-B495-5272910D5F87}"/>
+                </a:ext>
+              </a:extLst>
+            </p:cNvPr>
+            <p:cNvGrpSpPr/>
+            <p:nvPr/>
+          </p:nvGrpSpPr>
+          <p:grpSpPr>
+            <a:xfrm>
+              <a:off x="3767106" y="2598463"/>
+              <a:ext cx="1085283" cy="1213371"/>
+              <a:chOff x="4889474" y="1678418"/>
+              <a:chExt cx="1140874" cy="1511926"/>
+            </a:xfrm>
+          </p:grpSpPr>
+          <p:pic>
+            <p:nvPicPr>
+              <p:cNvPr id="36" name="図 35" descr="物体 が含まれている画像&#10;&#10;自動的に生成された説明">
+                <a:extLst>
+                  <a:ext uri="{FF2B5EF4-FFF2-40B4-BE49-F238E27FC236}">
+                    <a16:creationId xmlns:a16="http://schemas.microsoft.com/office/drawing/2014/main" id="{FB1C4056-473E-4E06-A623-40D4081C4EAC}"/>
+                  </a:ext>
+                </a:extLst>
+              </p:cNvPr>
+              <p:cNvPicPr>
+                <a:picLocks noChangeAspect="1"/>
+              </p:cNvPicPr>
+              <p:nvPr/>
+            </p:nvPicPr>
+            <p:blipFill>
+              <a:blip r:embed="rId3">
+                <a:extLst>
+                  <a:ext uri="{28A0092B-C50C-407E-A947-70E740481C1C}">
+                    <a14:useLocalDpi xmlns:a14="http://schemas.microsoft.com/office/drawing/2010/main" val="0"/>
+                  </a:ext>
+                </a:extLst>
+              </a:blip>
+              <a:stretch>
+                <a:fillRect/>
+              </a:stretch>
+            </p:blipFill>
+            <p:spPr>
+              <a:xfrm>
+                <a:off x="4889474" y="1678418"/>
+                <a:ext cx="1140874" cy="1140874"/>
+              </a:xfrm>
+              <a:prstGeom prst="rect">
+                <a:avLst/>
+              </a:prstGeom>
+            </p:spPr>
+          </p:pic>
+          <p:sp>
+            <p:nvSpPr>
+              <p:cNvPr id="37" name="テキスト ボックス 36">
+                <a:extLst>
+                  <a:ext uri="{FF2B5EF4-FFF2-40B4-BE49-F238E27FC236}">
+                    <a16:creationId xmlns:a16="http://schemas.microsoft.com/office/drawing/2014/main" id="{A9417AE6-E050-4A1B-991F-46A51E57761E}"/>
+                  </a:ext>
+                </a:extLst>
+              </p:cNvPr>
+              <p:cNvSpPr txBox="1"/>
+              <p:nvPr/>
+            </p:nvSpPr>
+            <p:spPr>
+              <a:xfrm>
+                <a:off x="5243682" y="2730136"/>
+                <a:ext cx="361951" cy="460208"/>
+              </a:xfrm>
+              <a:prstGeom prst="rect">
+                <a:avLst/>
+              </a:prstGeom>
+              <a:noFill/>
+            </p:spPr>
+            <p:txBody>
+              <a:bodyPr wrap="square" rtlCol="0">
+                <a:spAutoFit/>
+              </a:bodyPr>
+              <a:lstStyle/>
+              <a:p>
+                <a:pPr algn="ctr"/>
+                <a:r>
+                  <a:rPr kumimoji="1" lang="ja-JP" altLang="en-US" dirty="0">
+                    <a:latin typeface="チェックポイント．（ピリオド）" panose="02000600000000000000" pitchFamily="50" charset="-128"/>
+                    <a:ea typeface="チェックポイント．（ピリオド）" panose="02000600000000000000" pitchFamily="50" charset="-128"/>
+                  </a:rPr>
+                  <a:t>赤</a:t>
+                </a:r>
+              </a:p>
+            </p:txBody>
+          </p:sp>
+        </p:grpSp>
+        <p:grpSp>
+          <p:nvGrpSpPr>
+            <p:cNvPr id="24" name="グループ化 23">
+              <a:extLst>
+                <a:ext uri="{FF2B5EF4-FFF2-40B4-BE49-F238E27FC236}">
+                  <a16:creationId xmlns:a16="http://schemas.microsoft.com/office/drawing/2014/main" id="{9400590E-D727-4D03-98FF-0ACD12EBC352}"/>
+                </a:ext>
+              </a:extLst>
+            </p:cNvPr>
+            <p:cNvGrpSpPr/>
+            <p:nvPr/>
+          </p:nvGrpSpPr>
+          <p:grpSpPr>
+            <a:xfrm>
+              <a:off x="6481387" y="2523853"/>
+              <a:ext cx="1085284" cy="1271191"/>
+              <a:chOff x="6122245" y="1669741"/>
+              <a:chExt cx="1140875" cy="1583973"/>
+            </a:xfrm>
+          </p:grpSpPr>
+          <p:pic>
+            <p:nvPicPr>
+              <p:cNvPr id="34" name="図 33" descr="物体, 腕時計 が含まれている画像&#10;&#10;自動的に生成された説明">
+                <a:extLst>
+                  <a:ext uri="{FF2B5EF4-FFF2-40B4-BE49-F238E27FC236}">
+                    <a16:creationId xmlns:a16="http://schemas.microsoft.com/office/drawing/2014/main" id="{734930D0-5E47-475F-948D-174F652567D0}"/>
+                  </a:ext>
+                </a:extLst>
+              </p:cNvPr>
+              <p:cNvPicPr>
+                <a:picLocks noChangeAspect="1"/>
+              </p:cNvPicPr>
+              <p:nvPr/>
+            </p:nvPicPr>
+            <p:blipFill>
+              <a:blip r:embed="rId4">
+                <a:extLst>
+                  <a:ext uri="{28A0092B-C50C-407E-A947-70E740481C1C}">
+                    <a14:useLocalDpi xmlns:a14="http://schemas.microsoft.com/office/drawing/2010/main" val="0"/>
+                  </a:ext>
+                </a:extLst>
+              </a:blip>
+              <a:stretch>
+                <a:fillRect/>
+              </a:stretch>
+            </p:blipFill>
+            <p:spPr>
+              <a:xfrm>
+                <a:off x="6122245" y="1669741"/>
+                <a:ext cx="1140875" cy="1140875"/>
+              </a:xfrm>
+              <a:prstGeom prst="rect">
+                <a:avLst/>
+              </a:prstGeom>
+            </p:spPr>
+          </p:pic>
+          <p:sp>
+            <p:nvSpPr>
+              <p:cNvPr id="35" name="テキスト ボックス 34">
+                <a:extLst>
+                  <a:ext uri="{FF2B5EF4-FFF2-40B4-BE49-F238E27FC236}">
+                    <a16:creationId xmlns:a16="http://schemas.microsoft.com/office/drawing/2014/main" id="{99360FF1-7996-43C2-A24E-1DB68F403FE0}"/>
+                  </a:ext>
+                </a:extLst>
+              </p:cNvPr>
+              <p:cNvSpPr txBox="1"/>
+              <p:nvPr/>
+            </p:nvSpPr>
+            <p:spPr>
+              <a:xfrm>
+                <a:off x="6485460" y="2793506"/>
+                <a:ext cx="361950" cy="460208"/>
+              </a:xfrm>
+              <a:prstGeom prst="rect">
+                <a:avLst/>
+              </a:prstGeom>
+              <a:noFill/>
+            </p:spPr>
+            <p:txBody>
+              <a:bodyPr wrap="square" rtlCol="0">
+                <a:spAutoFit/>
+              </a:bodyPr>
+              <a:lstStyle/>
+              <a:p>
+                <a:pPr algn="ctr"/>
+                <a:r>
+                  <a:rPr kumimoji="1" lang="ja-JP" altLang="en-US" dirty="0">
+                    <a:latin typeface="チェックポイント．（ピリオド）" panose="02000600000000000000" pitchFamily="50" charset="-128"/>
+                    <a:ea typeface="チェックポイント．（ピリオド）" panose="02000600000000000000" pitchFamily="50" charset="-128"/>
+                  </a:rPr>
+                  <a:t>緑</a:t>
+                </a:r>
+              </a:p>
+            </p:txBody>
+          </p:sp>
+        </p:grpSp>
+        <p:grpSp>
+          <p:nvGrpSpPr>
+            <p:cNvPr id="25" name="グループ化 24">
+              <a:extLst>
+                <a:ext uri="{FF2B5EF4-FFF2-40B4-BE49-F238E27FC236}">
+                  <a16:creationId xmlns:a16="http://schemas.microsoft.com/office/drawing/2014/main" id="{2DC9847F-77D2-4405-8121-1FE5585768EA}"/>
+                </a:ext>
+              </a:extLst>
+            </p:cNvPr>
+            <p:cNvGrpSpPr/>
+            <p:nvPr/>
+          </p:nvGrpSpPr>
+          <p:grpSpPr>
+            <a:xfrm>
+              <a:off x="7805087" y="2553830"/>
+              <a:ext cx="1085284" cy="1241214"/>
+              <a:chOff x="7236873" y="1678331"/>
+              <a:chExt cx="1140875" cy="1546620"/>
+            </a:xfrm>
+          </p:grpSpPr>
+          <p:pic>
+            <p:nvPicPr>
+              <p:cNvPr id="32" name="図 31" descr="物体 が含まれている画像&#10;&#10;自動的に生成された説明">
+                <a:extLst>
+                  <a:ext uri="{FF2B5EF4-FFF2-40B4-BE49-F238E27FC236}">
+                    <a16:creationId xmlns:a16="http://schemas.microsoft.com/office/drawing/2014/main" id="{275FE74A-218C-4A15-9492-6A63781312F0}"/>
+                  </a:ext>
+                </a:extLst>
+              </p:cNvPr>
+              <p:cNvPicPr>
+                <a:picLocks noChangeAspect="1"/>
+              </p:cNvPicPr>
+              <p:nvPr/>
+            </p:nvPicPr>
+            <p:blipFill>
+              <a:blip r:embed="rId5">
+                <a:extLst>
+                  <a:ext uri="{28A0092B-C50C-407E-A947-70E740481C1C}">
+                    <a14:useLocalDpi xmlns:a14="http://schemas.microsoft.com/office/drawing/2010/main" val="0"/>
+                  </a:ext>
+                </a:extLst>
+              </a:blip>
+              <a:stretch>
+                <a:fillRect/>
+              </a:stretch>
+            </p:blipFill>
+            <p:spPr>
+              <a:xfrm>
+                <a:off x="7236873" y="1678331"/>
+                <a:ext cx="1140875" cy="1140875"/>
+              </a:xfrm>
+              <a:prstGeom prst="rect">
+                <a:avLst/>
+              </a:prstGeom>
+            </p:spPr>
+          </p:pic>
+          <p:sp>
+            <p:nvSpPr>
+              <p:cNvPr id="33" name="テキスト ボックス 32">
+                <a:extLst>
+                  <a:ext uri="{FF2B5EF4-FFF2-40B4-BE49-F238E27FC236}">
+                    <a16:creationId xmlns:a16="http://schemas.microsoft.com/office/drawing/2014/main" id="{7FEA8835-C677-4EFC-9624-2596C7E0A572}"/>
+                  </a:ext>
+                </a:extLst>
+              </p:cNvPr>
+              <p:cNvSpPr txBox="1"/>
+              <p:nvPr/>
+            </p:nvSpPr>
+            <p:spPr>
+              <a:xfrm>
+                <a:off x="7573962" y="2764743"/>
+                <a:ext cx="361950" cy="460208"/>
+              </a:xfrm>
+              <a:prstGeom prst="rect">
+                <a:avLst/>
+              </a:prstGeom>
+              <a:noFill/>
+            </p:spPr>
+            <p:txBody>
+              <a:bodyPr wrap="square" rtlCol="0">
+                <a:spAutoFit/>
+              </a:bodyPr>
+              <a:lstStyle/>
+              <a:p>
+                <a:pPr algn="ctr"/>
+                <a:r>
+                  <a:rPr lang="ja-JP" altLang="en-US" dirty="0">
+                    <a:latin typeface="チェックポイント．（ピリオド）" panose="02000600000000000000" pitchFamily="50" charset="-128"/>
+                    <a:ea typeface="チェックポイント．（ピリオド）" panose="02000600000000000000" pitchFamily="50" charset="-128"/>
+                  </a:rPr>
+                  <a:t>白</a:t>
+                </a:r>
+                <a:endParaRPr kumimoji="1" lang="ja-JP" altLang="en-US" dirty="0">
+                  <a:latin typeface="チェックポイント．（ピリオド）" panose="02000600000000000000" pitchFamily="50" charset="-128"/>
+                  <a:ea typeface="チェックポイント．（ピリオド）" panose="02000600000000000000" pitchFamily="50" charset="-128"/>
+                </a:endParaRPr>
+              </a:p>
+            </p:txBody>
+          </p:sp>
+        </p:grpSp>
+        <p:pic>
+          <p:nvPicPr>
+            <p:cNvPr id="11" name="図 10">
+              <a:extLst>
+                <a:ext uri="{FF2B5EF4-FFF2-40B4-BE49-F238E27FC236}">
+                  <a16:creationId xmlns:a16="http://schemas.microsoft.com/office/drawing/2014/main" id="{49264E83-2EAE-4079-9AD2-AC2D699F0D1F}"/>
+                </a:ext>
+              </a:extLst>
+            </p:cNvPr>
+            <p:cNvPicPr>
+              <a:picLocks noChangeAspect="1"/>
+            </p:cNvPicPr>
+            <p:nvPr/>
+          </p:nvPicPr>
+          <p:blipFill>
+            <a:blip r:embed="rId6" cstate="print">
+              <a:extLst>
+                <a:ext uri="{28A0092B-C50C-407E-A947-70E740481C1C}">
+                  <a14:useLocalDpi xmlns:a14="http://schemas.microsoft.com/office/drawing/2010/main" val="0"/>
+                </a:ext>
+              </a:extLst>
+            </a:blip>
+            <a:stretch>
+              <a:fillRect/>
+            </a:stretch>
+          </p:blipFill>
+          <p:spPr>
+            <a:xfrm rot="18867647">
+              <a:off x="2308060" y="2355233"/>
+              <a:ext cx="1184910" cy="1404518"/>
+            </a:xfrm>
+            <a:prstGeom prst="rect">
+              <a:avLst/>
+            </a:prstGeom>
+          </p:spPr>
+        </p:pic>
+        <p:sp>
+          <p:nvSpPr>
+            <p:cNvPr id="41" name="テキスト ボックス 40">
+              <a:extLst>
+                <a:ext uri="{FF2B5EF4-FFF2-40B4-BE49-F238E27FC236}">
+                  <a16:creationId xmlns:a16="http://schemas.microsoft.com/office/drawing/2014/main" id="{68F9DCC6-82FB-4A75-8F93-BCDF64FFBEFA}"/>
+                </a:ext>
+              </a:extLst>
+            </p:cNvPr>
+            <p:cNvSpPr txBox="1"/>
+            <p:nvPr/>
+          </p:nvSpPr>
+          <p:spPr>
+            <a:xfrm>
+              <a:off x="2705206" y="2154521"/>
+              <a:ext cx="390617" cy="369332"/>
+            </a:xfrm>
+            <a:prstGeom prst="rect">
+              <a:avLst/>
+            </a:prstGeom>
+            <a:solidFill>
+              <a:schemeClr val="tx1"/>
+            </a:solidFill>
+          </p:spPr>
+          <p:txBody>
+            <a:bodyPr wrap="square" rtlCol="0">
+              <a:spAutoFit/>
+            </a:bodyPr>
+            <a:lstStyle/>
+            <a:p>
+              <a:pPr algn="ctr"/>
+              <a:r>
+                <a:rPr kumimoji="1" lang="en-US" altLang="ja-JP" dirty="0">
+                  <a:solidFill>
+                    <a:schemeClr val="bg1"/>
+                  </a:solidFill>
+                  <a:latin typeface="チェックポイント．（ピリオド）" panose="02000600000000000000" pitchFamily="50" charset="-128"/>
+                  <a:ea typeface="チェックポイント．（ピリオド）" panose="02000600000000000000" pitchFamily="50" charset="-128"/>
+                </a:rPr>
+                <a:t>1</a:t>
+              </a:r>
+              <a:endParaRPr kumimoji="1" lang="ja-JP" altLang="en-US" dirty="0">
+                <a:solidFill>
+                  <a:schemeClr val="bg1"/>
+                </a:solidFill>
+                <a:latin typeface="チェックポイント．（ピリオド）" panose="02000600000000000000" pitchFamily="50" charset="-128"/>
+                <a:ea typeface="チェックポイント．（ピリオド）" panose="02000600000000000000" pitchFamily="50" charset="-128"/>
+              </a:endParaRPr>
+            </a:p>
+          </p:txBody>
+        </p:sp>
+        <p:sp>
+          <p:nvSpPr>
+            <p:cNvPr id="42" name="テキスト ボックス 41">
+              <a:extLst>
+                <a:ext uri="{FF2B5EF4-FFF2-40B4-BE49-F238E27FC236}">
+                  <a16:creationId xmlns:a16="http://schemas.microsoft.com/office/drawing/2014/main" id="{5855B3EB-4794-4741-B048-C249D299391F}"/>
+                </a:ext>
+              </a:extLst>
+            </p:cNvPr>
+            <p:cNvSpPr txBox="1"/>
+            <p:nvPr/>
+          </p:nvSpPr>
+          <p:spPr>
+            <a:xfrm>
+              <a:off x="4080904" y="2175318"/>
+              <a:ext cx="390617" cy="369332"/>
+            </a:xfrm>
+            <a:prstGeom prst="rect">
+              <a:avLst/>
+            </a:prstGeom>
+            <a:solidFill>
+              <a:srgbClr val="FF0000"/>
+            </a:solidFill>
+          </p:spPr>
+          <p:txBody>
+            <a:bodyPr wrap="square" rtlCol="0">
+              <a:spAutoFit/>
+            </a:bodyPr>
+            <a:lstStyle/>
+            <a:p>
+              <a:pPr algn="ctr"/>
+              <a:r>
+                <a:rPr lang="en-US" altLang="ja-JP" dirty="0">
+                  <a:solidFill>
+                    <a:schemeClr val="bg1"/>
+                  </a:solidFill>
+                  <a:latin typeface="チェックポイント．（ピリオド）" panose="02000600000000000000" pitchFamily="50" charset="-128"/>
+                  <a:ea typeface="チェックポイント．（ピリオド）" panose="02000600000000000000" pitchFamily="50" charset="-128"/>
+                </a:rPr>
+                <a:t>2</a:t>
+              </a:r>
+              <a:endParaRPr kumimoji="1" lang="ja-JP" altLang="en-US" dirty="0">
+                <a:solidFill>
+                  <a:schemeClr val="bg1"/>
+                </a:solidFill>
+                <a:latin typeface="チェックポイント．（ピリオド）" panose="02000600000000000000" pitchFamily="50" charset="-128"/>
+                <a:ea typeface="チェックポイント．（ピリオド）" panose="02000600000000000000" pitchFamily="50" charset="-128"/>
+              </a:endParaRPr>
+            </a:p>
+          </p:txBody>
+        </p:sp>
+        <p:sp>
+          <p:nvSpPr>
+            <p:cNvPr id="43" name="テキスト ボックス 42">
+              <a:extLst>
+                <a:ext uri="{FF2B5EF4-FFF2-40B4-BE49-F238E27FC236}">
+                  <a16:creationId xmlns:a16="http://schemas.microsoft.com/office/drawing/2014/main" id="{1789448E-9185-4B19-84FC-F56FFD1737E2}"/>
+                </a:ext>
+              </a:extLst>
+            </p:cNvPr>
+            <p:cNvSpPr txBox="1"/>
+            <p:nvPr/>
+          </p:nvSpPr>
+          <p:spPr>
+            <a:xfrm>
+              <a:off x="5361781" y="2157116"/>
+              <a:ext cx="390617" cy="369332"/>
+            </a:xfrm>
+            <a:prstGeom prst="rect">
+              <a:avLst/>
+            </a:prstGeom>
+            <a:solidFill>
+              <a:srgbClr val="5B9BD5"/>
+            </a:solidFill>
+          </p:spPr>
+          <p:txBody>
+            <a:bodyPr wrap="square" rtlCol="0">
+              <a:spAutoFit/>
+            </a:bodyPr>
+            <a:lstStyle/>
+            <a:p>
+              <a:pPr algn="ctr"/>
+              <a:r>
+                <a:rPr lang="en-US" altLang="ja-JP" dirty="0">
+                  <a:solidFill>
+                    <a:schemeClr val="bg1"/>
+                  </a:solidFill>
+                  <a:latin typeface="チェックポイント．（ピリオド）" panose="02000600000000000000" pitchFamily="50" charset="-128"/>
+                  <a:ea typeface="チェックポイント．（ピリオド）" panose="02000600000000000000" pitchFamily="50" charset="-128"/>
+                </a:rPr>
+                <a:t>3</a:t>
+              </a:r>
+              <a:endParaRPr kumimoji="1" lang="ja-JP" altLang="en-US" dirty="0">
+                <a:solidFill>
+                  <a:schemeClr val="bg1"/>
+                </a:solidFill>
+                <a:latin typeface="チェックポイント．（ピリオド）" panose="02000600000000000000" pitchFamily="50" charset="-128"/>
+                <a:ea typeface="チェックポイント．（ピリオド）" panose="02000600000000000000" pitchFamily="50" charset="-128"/>
+              </a:endParaRPr>
+            </a:p>
+          </p:txBody>
+        </p:sp>
+        <p:sp>
+          <p:nvSpPr>
+            <p:cNvPr id="44" name="テキスト ボックス 43">
+              <a:extLst>
+                <a:ext uri="{FF2B5EF4-FFF2-40B4-BE49-F238E27FC236}">
+                  <a16:creationId xmlns:a16="http://schemas.microsoft.com/office/drawing/2014/main" id="{3618E5BF-EA6E-4335-8AE7-B40D785FD078}"/>
+                </a:ext>
+              </a:extLst>
+            </p:cNvPr>
+            <p:cNvSpPr txBox="1"/>
+            <p:nvPr/>
+          </p:nvSpPr>
+          <p:spPr>
+            <a:xfrm>
+              <a:off x="6762764" y="2155506"/>
+              <a:ext cx="390617" cy="369332"/>
+            </a:xfrm>
+            <a:prstGeom prst="rect">
+              <a:avLst/>
+            </a:prstGeom>
+            <a:solidFill>
+              <a:srgbClr val="00B050"/>
+            </a:solidFill>
+          </p:spPr>
+          <p:txBody>
+            <a:bodyPr wrap="square" rtlCol="0">
+              <a:spAutoFit/>
+            </a:bodyPr>
+            <a:lstStyle/>
+            <a:p>
+              <a:pPr algn="ctr"/>
+              <a:r>
+                <a:rPr lang="en-US" altLang="ja-JP" dirty="0">
+                  <a:solidFill>
+                    <a:schemeClr val="bg1"/>
+                  </a:solidFill>
+                  <a:latin typeface="チェックポイント．（ピリオド）" panose="02000600000000000000" pitchFamily="50" charset="-128"/>
+                  <a:ea typeface="チェックポイント．（ピリオド）" panose="02000600000000000000" pitchFamily="50" charset="-128"/>
+                </a:rPr>
+                <a:t>4</a:t>
+              </a:r>
+              <a:endParaRPr kumimoji="1" lang="ja-JP" altLang="en-US" dirty="0">
+                <a:solidFill>
+                  <a:schemeClr val="bg1"/>
+                </a:solidFill>
+                <a:latin typeface="チェックポイント．（ピリオド）" panose="02000600000000000000" pitchFamily="50" charset="-128"/>
+                <a:ea typeface="チェックポイント．（ピリオド）" panose="02000600000000000000" pitchFamily="50" charset="-128"/>
+              </a:endParaRPr>
+            </a:p>
+          </p:txBody>
+        </p:sp>
+        <p:sp>
+          <p:nvSpPr>
+            <p:cNvPr id="45" name="テキスト ボックス 44">
+              <a:extLst>
+                <a:ext uri="{FF2B5EF4-FFF2-40B4-BE49-F238E27FC236}">
+                  <a16:creationId xmlns:a16="http://schemas.microsoft.com/office/drawing/2014/main" id="{861DFEC4-87A7-46BD-A2AA-F24D1B417E3F}"/>
+                </a:ext>
+              </a:extLst>
+            </p:cNvPr>
+            <p:cNvSpPr txBox="1"/>
+            <p:nvPr/>
+          </p:nvSpPr>
+          <p:spPr>
+            <a:xfrm>
+              <a:off x="8108346" y="2157116"/>
+              <a:ext cx="390617" cy="369332"/>
+            </a:xfrm>
+            <a:prstGeom prst="rect">
+              <a:avLst/>
+            </a:prstGeom>
+            <a:solidFill>
+              <a:schemeClr val="bg1"/>
+            </a:solidFill>
+            <a:ln>
+              <a:solidFill>
+                <a:schemeClr val="tx1"/>
+              </a:solidFill>
+            </a:ln>
+          </p:spPr>
+          <p:txBody>
+            <a:bodyPr wrap="square" rtlCol="0">
+              <a:spAutoFit/>
+            </a:bodyPr>
+            <a:lstStyle/>
+            <a:p>
+              <a:pPr algn="ctr"/>
+              <a:r>
+                <a:rPr lang="en-US" altLang="ja-JP" dirty="0">
+                  <a:latin typeface="チェックポイント．（ピリオド）" panose="02000600000000000000" pitchFamily="50" charset="-128"/>
+                  <a:ea typeface="チェックポイント．（ピリオド）" panose="02000600000000000000" pitchFamily="50" charset="-128"/>
+                </a:rPr>
+                <a:t>5</a:t>
+              </a:r>
+              <a:endParaRPr kumimoji="1" lang="ja-JP" altLang="en-US" dirty="0">
+                <a:latin typeface="チェックポイント．（ピリオド）" panose="02000600000000000000" pitchFamily="50" charset="-128"/>
+                <a:ea typeface="チェックポイント．（ピリオド）" panose="02000600000000000000" pitchFamily="50" charset="-128"/>
+              </a:endParaRPr>
+            </a:p>
+          </p:txBody>
+        </p:sp>
+        <p:sp>
+          <p:nvSpPr>
+            <p:cNvPr id="46" name="テキスト ボックス 45">
+              <a:extLst>
+                <a:ext uri="{FF2B5EF4-FFF2-40B4-BE49-F238E27FC236}">
+                  <a16:creationId xmlns:a16="http://schemas.microsoft.com/office/drawing/2014/main" id="{B4B7A388-F763-4A3C-B6C2-124C99BC6F42}"/>
+                </a:ext>
+              </a:extLst>
+            </p:cNvPr>
+            <p:cNvSpPr txBox="1"/>
+            <p:nvPr/>
+          </p:nvSpPr>
+          <p:spPr>
+            <a:xfrm>
+              <a:off x="2342376" y="3458793"/>
+              <a:ext cx="1124874" cy="369332"/>
+            </a:xfrm>
+            <a:prstGeom prst="rect">
+              <a:avLst/>
+            </a:prstGeom>
+            <a:noFill/>
+          </p:spPr>
+          <p:txBody>
+            <a:bodyPr wrap="square" rtlCol="0">
+              <a:spAutoFit/>
+            </a:bodyPr>
+            <a:lstStyle/>
+            <a:p>
+              <a:r>
+                <a:rPr kumimoji="1" lang="ja-JP" altLang="en-US" dirty="0">
+                  <a:latin typeface="チェックポイント．（ピリオド）" panose="02000600000000000000" pitchFamily="50" charset="-128"/>
+                  <a:ea typeface="チェックポイント．（ピリオド）" panose="02000600000000000000" pitchFamily="50" charset="-128"/>
+                </a:rPr>
+                <a:t>ミサイル</a:t>
+              </a:r>
+            </a:p>
+          </p:txBody>
+        </p:sp>
+      </p:grpSp>
+    </p:spTree>
+    <p:extLst>
+      <p:ext uri="{BB962C8B-B14F-4D97-AF65-F5344CB8AC3E}">
+        <p14:creationId xmlns:p14="http://schemas.microsoft.com/office/powerpoint/2010/main" val="3322164402"/>
+      </p:ext>
+    </p:extLst>
+  </p:cSld>
+  <p:clrMapOvr>
+    <a:masterClrMapping/>
+  </p:clrMapOvr>
+</p:sld>
+</file>
+
+<file path=ppt/slides/slide11.xml><?xml version="1.0" encoding="utf-8"?>
+<p:sld xmlns:a="http://schemas.openxmlformats.org/drawingml/2006/main" xmlns:r="http://schemas.openxmlformats.org/officeDocument/2006/relationships" xmlns:p="http://schemas.openxmlformats.org/presentationml/2006/main">
+  <p:cSld>
+    <p:spTree>
+      <p:nvGrpSpPr>
+        <p:cNvPr id="1" name=""/>
+        <p:cNvGrpSpPr/>
+        <p:nvPr/>
+      </p:nvGrpSpPr>
+      <p:grpSpPr>
+        <a:xfrm>
+          <a:off x="0" y="0"/>
+          <a:ext cx="0" cy="0"/>
+          <a:chOff x="0" y="0"/>
+          <a:chExt cx="0" cy="0"/>
+        </a:xfrm>
+      </p:grpSpPr>
+      <p:pic>
+        <p:nvPicPr>
+          <p:cNvPr id="5" name="図 4" descr="電子機器 が含まれている画像&#10;&#10;自動的に生成された説明">
+            <a:extLst>
+              <a:ext uri="{FF2B5EF4-FFF2-40B4-BE49-F238E27FC236}">
+                <a16:creationId xmlns:a16="http://schemas.microsoft.com/office/drawing/2014/main" id="{6CB9A598-CED9-45A4-8DA9-B27BCA36CBEC}"/>
+              </a:ext>
+            </a:extLst>
+          </p:cNvPr>
+          <p:cNvPicPr>
+            <a:picLocks noChangeAspect="1"/>
+          </p:cNvPicPr>
+          <p:nvPr/>
+        </p:nvPicPr>
+        <p:blipFill rotWithShape="1">
+          <a:blip r:embed="rId2">
+            <a:extLst>
+              <a:ext uri="{28A0092B-C50C-407E-A947-70E740481C1C}">
+                <a14:useLocalDpi xmlns:a14="http://schemas.microsoft.com/office/drawing/2010/main" val="0"/>
+              </a:ext>
+            </a:extLst>
+          </a:blip>
+          <a:srcRect t="4361"/>
+          <a:stretch/>
+        </p:blipFill>
+        <p:spPr>
+          <a:xfrm>
+            <a:off x="1743466" y="1015322"/>
+            <a:ext cx="8705067" cy="4827355"/>
+          </a:xfrm>
+          <a:prstGeom prst="rect">
+            <a:avLst/>
+          </a:prstGeom>
+        </p:spPr>
+      </p:pic>
+      <p:sp>
+        <p:nvSpPr>
+          <p:cNvPr id="17" name="楕円 16">
+            <a:extLst>
+              <a:ext uri="{FF2B5EF4-FFF2-40B4-BE49-F238E27FC236}">
+                <a16:creationId xmlns:a16="http://schemas.microsoft.com/office/drawing/2014/main" id="{787DCF27-FE5D-4F5F-93D9-6E5E3F66733B}"/>
+              </a:ext>
+            </a:extLst>
+          </p:cNvPr>
+          <p:cNvSpPr/>
+          <p:nvPr/>
+        </p:nvSpPr>
+        <p:spPr>
+          <a:xfrm>
+            <a:off x="7679184" y="2612710"/>
+            <a:ext cx="1857115" cy="1892116"/>
+          </a:xfrm>
+          <a:prstGeom prst="ellipse">
+            <a:avLst/>
+          </a:prstGeom>
+          <a:noFill/>
+          <a:ln w="38100">
+            <a:solidFill>
+              <a:srgbClr val="FF0000"/>
+            </a:solidFill>
+          </a:ln>
+        </p:spPr>
+        <p:style>
+          <a:lnRef idx="2">
+            <a:schemeClr val="accent1">
+              <a:shade val="50000"/>
+            </a:schemeClr>
+          </a:lnRef>
+          <a:fillRef idx="1">
+            <a:schemeClr val="accent1"/>
+          </a:fillRef>
+          <a:effectRef idx="0">
+            <a:schemeClr val="accent1"/>
+          </a:effectRef>
+          <a:fontRef idx="minor">
+            <a:schemeClr val="lt1"/>
+          </a:fontRef>
+        </p:style>
+        <p:txBody>
+          <a:bodyPr rtlCol="0" anchor="ctr"/>
+          <a:lstStyle/>
+          <a:p>
+            <a:pPr algn="ctr"/>
+            <a:endParaRPr kumimoji="1" lang="ja-JP" altLang="en-US"/>
+          </a:p>
+        </p:txBody>
+      </p:sp>
+      <p:sp>
+        <p:nvSpPr>
+          <p:cNvPr id="15" name="正方形/長方形 14">
+            <a:extLst>
+              <a:ext uri="{FF2B5EF4-FFF2-40B4-BE49-F238E27FC236}">
+                <a16:creationId xmlns:a16="http://schemas.microsoft.com/office/drawing/2014/main" id="{3833953A-B36A-4C17-AEC3-8ED45F7CC897}"/>
+              </a:ext>
+            </a:extLst>
+          </p:cNvPr>
+          <p:cNvSpPr/>
+          <p:nvPr/>
+        </p:nvSpPr>
+        <p:spPr>
+          <a:xfrm>
+            <a:off x="1722752" y="1015322"/>
+            <a:ext cx="1748417" cy="1504148"/>
+          </a:xfrm>
+          <a:prstGeom prst="rect">
+            <a:avLst/>
+          </a:prstGeom>
+          <a:noFill/>
+          <a:ln w="38100">
+            <a:solidFill>
+              <a:srgbClr val="FF0000"/>
+            </a:solidFill>
+          </a:ln>
+        </p:spPr>
+        <p:style>
+          <a:lnRef idx="2">
+            <a:schemeClr val="accent1">
+              <a:shade val="50000"/>
+            </a:schemeClr>
+          </a:lnRef>
+          <a:fillRef idx="1">
+            <a:schemeClr val="accent1"/>
+          </a:fillRef>
+          <a:effectRef idx="0">
+            <a:schemeClr val="accent1"/>
+          </a:effectRef>
+          <a:fontRef idx="minor">
+            <a:schemeClr val="lt1"/>
+          </a:fontRef>
+        </p:style>
+        <p:txBody>
+          <a:bodyPr rtlCol="0" anchor="ctr"/>
+          <a:lstStyle/>
+          <a:p>
+            <a:pPr algn="ctr"/>
+            <a:endParaRPr kumimoji="1" lang="ja-JP" altLang="en-US"/>
+          </a:p>
+        </p:txBody>
+      </p:sp>
+      <p:sp>
+        <p:nvSpPr>
+          <p:cNvPr id="16" name="正方形/長方形 15">
+            <a:extLst>
+              <a:ext uri="{FF2B5EF4-FFF2-40B4-BE49-F238E27FC236}">
+                <a16:creationId xmlns:a16="http://schemas.microsoft.com/office/drawing/2014/main" id="{0A0216B0-C84D-4309-9EC4-75086643960C}"/>
+              </a:ext>
+            </a:extLst>
+          </p:cNvPr>
+          <p:cNvSpPr/>
+          <p:nvPr/>
+        </p:nvSpPr>
+        <p:spPr>
+          <a:xfrm>
+            <a:off x="5330046" y="1278383"/>
+            <a:ext cx="1310452" cy="580317"/>
+          </a:xfrm>
+          <a:prstGeom prst="rect">
+            <a:avLst/>
+          </a:prstGeom>
+          <a:noFill/>
+          <a:ln w="38100">
+            <a:solidFill>
+              <a:srgbClr val="FF0000"/>
+            </a:solidFill>
+          </a:ln>
+        </p:spPr>
+        <p:style>
+          <a:lnRef idx="2">
+            <a:schemeClr val="accent1">
+              <a:shade val="50000"/>
+            </a:schemeClr>
+          </a:lnRef>
+          <a:fillRef idx="1">
+            <a:schemeClr val="accent1"/>
+          </a:fillRef>
+          <a:effectRef idx="0">
+            <a:schemeClr val="accent1"/>
+          </a:effectRef>
+          <a:fontRef idx="minor">
+            <a:schemeClr val="lt1"/>
+          </a:fontRef>
+        </p:style>
+        <p:txBody>
+          <a:bodyPr rtlCol="0" anchor="ctr"/>
+          <a:lstStyle/>
+          <a:p>
+            <a:pPr algn="ctr"/>
+            <a:endParaRPr kumimoji="1" lang="ja-JP" altLang="en-US"/>
+          </a:p>
+        </p:txBody>
+      </p:sp>
+      <p:sp>
+        <p:nvSpPr>
+          <p:cNvPr id="14" name="正方形/長方形 13">
+            <a:extLst>
+              <a:ext uri="{FF2B5EF4-FFF2-40B4-BE49-F238E27FC236}">
+                <a16:creationId xmlns:a16="http://schemas.microsoft.com/office/drawing/2014/main" id="{EAC81C78-DEAA-491D-B85A-42AB767010AE}"/>
+              </a:ext>
+            </a:extLst>
+          </p:cNvPr>
+          <p:cNvSpPr/>
+          <p:nvPr/>
+        </p:nvSpPr>
+        <p:spPr>
+          <a:xfrm>
+            <a:off x="2748634" y="4877109"/>
+            <a:ext cx="6954659" cy="965568"/>
+          </a:xfrm>
+          <a:prstGeom prst="rect">
+            <a:avLst/>
+          </a:prstGeom>
+          <a:noFill/>
+          <a:ln w="38100">
+            <a:solidFill>
+              <a:srgbClr val="FF0000"/>
+            </a:solidFill>
+          </a:ln>
+        </p:spPr>
+        <p:style>
+          <a:lnRef idx="2">
+            <a:schemeClr val="accent1">
+              <a:shade val="50000"/>
+            </a:schemeClr>
+          </a:lnRef>
+          <a:fillRef idx="1">
+            <a:schemeClr val="accent1"/>
+          </a:fillRef>
+          <a:effectRef idx="0">
+            <a:schemeClr val="accent1"/>
+          </a:effectRef>
+          <a:fontRef idx="minor">
+            <a:schemeClr val="lt1"/>
+          </a:fontRef>
+        </p:style>
+        <p:txBody>
+          <a:bodyPr rtlCol="0" anchor="ctr"/>
+          <a:lstStyle/>
+          <a:p>
+            <a:pPr algn="ctr"/>
+            <a:endParaRPr kumimoji="1" lang="ja-JP" altLang="en-US"/>
+          </a:p>
+        </p:txBody>
+      </p:sp>
+      <p:sp>
+        <p:nvSpPr>
+          <p:cNvPr id="6" name="テキスト ボックス 5">
+            <a:extLst>
+              <a:ext uri="{FF2B5EF4-FFF2-40B4-BE49-F238E27FC236}">
+                <a16:creationId xmlns:a16="http://schemas.microsoft.com/office/drawing/2014/main" id="{B35D99F0-6DC1-4BC2-88F1-81631344B7F9}"/>
+              </a:ext>
+            </a:extLst>
+          </p:cNvPr>
+          <p:cNvSpPr txBox="1"/>
+          <p:nvPr/>
+        </p:nvSpPr>
+        <p:spPr>
+          <a:xfrm>
+            <a:off x="2627332" y="58003"/>
+            <a:ext cx="6937335" cy="830997"/>
+          </a:xfrm>
+          <a:prstGeom prst="rect">
+            <a:avLst/>
+          </a:prstGeom>
+          <a:solidFill>
+            <a:schemeClr val="accent4"/>
+          </a:solidFill>
+        </p:spPr>
+        <p:txBody>
+          <a:bodyPr wrap="square" rtlCol="0">
+            <a:spAutoFit/>
+          </a:bodyPr>
+          <a:lstStyle/>
+          <a:p>
+            <a:pPr algn="ctr"/>
+            <a:r>
+              <a:rPr kumimoji="1" lang="ja-JP" altLang="en-US" sz="4800" dirty="0">
+                <a:latin typeface="チェックポイント．（ピリオド）" panose="02000600000000000000" pitchFamily="50" charset="-128"/>
+                <a:ea typeface="チェックポイント．（ピリオド）" panose="02000600000000000000" pitchFamily="50" charset="-128"/>
+              </a:rPr>
+              <a:t>ヘルプ：戦闘</a:t>
+            </a:r>
+            <a:endParaRPr kumimoji="1" lang="ja-JP" altLang="en-US" dirty="0">
+              <a:latin typeface="チェックポイント．（ピリオド）" panose="02000600000000000000" pitchFamily="50" charset="-128"/>
+              <a:ea typeface="チェックポイント．（ピリオド）" panose="02000600000000000000" pitchFamily="50" charset="-128"/>
+            </a:endParaRPr>
+          </a:p>
+        </p:txBody>
+      </p:sp>
+      <p:sp>
+        <p:nvSpPr>
+          <p:cNvPr id="7" name="吹き出し: 四角形 6">
+            <a:extLst>
+              <a:ext uri="{FF2B5EF4-FFF2-40B4-BE49-F238E27FC236}">
+                <a16:creationId xmlns:a16="http://schemas.microsoft.com/office/drawing/2014/main" id="{BA75D2B1-3296-4A6C-97CF-CD76A284141D}"/>
+              </a:ext>
+            </a:extLst>
+          </p:cNvPr>
+          <p:cNvSpPr/>
+          <p:nvPr/>
+        </p:nvSpPr>
+        <p:spPr>
+          <a:xfrm>
+            <a:off x="9433863" y="2324161"/>
+            <a:ext cx="1117106" cy="390618"/>
+          </a:xfrm>
+          <a:prstGeom prst="wedgeRectCallout">
+            <a:avLst>
+              <a:gd name="adj1" fmla="val -54031"/>
+              <a:gd name="adj2" fmla="val 91974"/>
+            </a:avLst>
+          </a:prstGeom>
+        </p:spPr>
+        <p:style>
+          <a:lnRef idx="2">
+            <a:schemeClr val="accent1">
+              <a:shade val="50000"/>
+            </a:schemeClr>
+          </a:lnRef>
+          <a:fillRef idx="1">
+            <a:schemeClr val="accent1"/>
+          </a:fillRef>
+          <a:effectRef idx="0">
+            <a:schemeClr val="accent1"/>
+          </a:effectRef>
+          <a:fontRef idx="minor">
+            <a:schemeClr val="lt1"/>
+          </a:fontRef>
+        </p:style>
+        <p:txBody>
+          <a:bodyPr rtlCol="0" anchor="ctr"/>
+          <a:lstStyle/>
+          <a:p>
+            <a:pPr algn="ctr"/>
+            <a:r>
+              <a:rPr kumimoji="1" lang="ja-JP" altLang="en-US" dirty="0">
+                <a:latin typeface="チェックポイント．（ピリオド）" panose="02000600000000000000" pitchFamily="50" charset="-128"/>
+                <a:ea typeface="チェックポイント．（ピリオド）" panose="02000600000000000000" pitchFamily="50" charset="-128"/>
+              </a:rPr>
+              <a:t>味方惑星</a:t>
+            </a:r>
+          </a:p>
+        </p:txBody>
+      </p:sp>
+      <p:sp>
+        <p:nvSpPr>
+          <p:cNvPr id="8" name="吹き出し: 四角形 7">
+            <a:extLst>
+              <a:ext uri="{FF2B5EF4-FFF2-40B4-BE49-F238E27FC236}">
+                <a16:creationId xmlns:a16="http://schemas.microsoft.com/office/drawing/2014/main" id="{88AD402C-D557-4604-82F7-689D61968750}"/>
+              </a:ext>
+            </a:extLst>
+          </p:cNvPr>
+          <p:cNvSpPr/>
+          <p:nvPr/>
+        </p:nvSpPr>
+        <p:spPr>
+          <a:xfrm>
+            <a:off x="1551653" y="3071674"/>
+            <a:ext cx="1075679" cy="463119"/>
+          </a:xfrm>
+          <a:prstGeom prst="wedgeRectCallout">
+            <a:avLst>
+              <a:gd name="adj1" fmla="val 60139"/>
+              <a:gd name="adj2" fmla="val 8816"/>
+            </a:avLst>
+          </a:prstGeom>
+        </p:spPr>
+        <p:style>
+          <a:lnRef idx="2">
+            <a:schemeClr val="accent1">
+              <a:shade val="50000"/>
+            </a:schemeClr>
+          </a:lnRef>
+          <a:fillRef idx="1">
+            <a:schemeClr val="accent1"/>
+          </a:fillRef>
+          <a:effectRef idx="0">
+            <a:schemeClr val="accent1"/>
+          </a:effectRef>
+          <a:fontRef idx="minor">
+            <a:schemeClr val="lt1"/>
+          </a:fontRef>
+        </p:style>
+        <p:txBody>
+          <a:bodyPr rtlCol="0" anchor="ctr"/>
+          <a:lstStyle/>
+          <a:p>
+            <a:pPr algn="ctr"/>
+            <a:r>
+              <a:rPr lang="ja-JP" altLang="en-US" dirty="0">
+                <a:latin typeface="チェックポイント．（ピリオド）" panose="02000600000000000000" pitchFamily="50" charset="-128"/>
+                <a:ea typeface="チェックポイント．（ピリオド）" panose="02000600000000000000" pitchFamily="50" charset="-128"/>
+              </a:rPr>
+              <a:t>敵</a:t>
+            </a:r>
+            <a:r>
+              <a:rPr kumimoji="1" lang="ja-JP" altLang="en-US" dirty="0">
+                <a:latin typeface="チェックポイント．（ピリオド）" panose="02000600000000000000" pitchFamily="50" charset="-128"/>
+                <a:ea typeface="チェックポイント．（ピリオド）" panose="02000600000000000000" pitchFamily="50" charset="-128"/>
+              </a:rPr>
+              <a:t>惑星</a:t>
+            </a:r>
+          </a:p>
+        </p:txBody>
+      </p:sp>
+      <p:sp>
+        <p:nvSpPr>
+          <p:cNvPr id="9" name="吹き出し: 四角形 8">
+            <a:extLst>
+              <a:ext uri="{FF2B5EF4-FFF2-40B4-BE49-F238E27FC236}">
+                <a16:creationId xmlns:a16="http://schemas.microsoft.com/office/drawing/2014/main" id="{BF8E2C7C-205C-42CA-B382-A5D5630D39B2}"/>
+              </a:ext>
+            </a:extLst>
+          </p:cNvPr>
+          <p:cNvSpPr/>
+          <p:nvPr/>
+        </p:nvSpPr>
+        <p:spPr>
+          <a:xfrm>
+            <a:off x="667787" y="463118"/>
+            <a:ext cx="1075679" cy="470816"/>
+          </a:xfrm>
+          <a:prstGeom prst="wedgeRectCallout">
+            <a:avLst>
+              <a:gd name="adj1" fmla="val 37467"/>
+              <a:gd name="adj2" fmla="val 75132"/>
+            </a:avLst>
+          </a:prstGeom>
+        </p:spPr>
+        <p:style>
+          <a:lnRef idx="2">
+            <a:schemeClr val="accent1">
+              <a:shade val="50000"/>
+            </a:schemeClr>
+          </a:lnRef>
+          <a:fillRef idx="1">
+            <a:schemeClr val="accent1"/>
+          </a:fillRef>
+          <a:effectRef idx="0">
+            <a:schemeClr val="accent1"/>
+          </a:effectRef>
+          <a:fontRef idx="minor">
+            <a:schemeClr val="lt1"/>
+          </a:fontRef>
+        </p:style>
+        <p:txBody>
+          <a:bodyPr rtlCol="0" anchor="ctr"/>
+          <a:lstStyle/>
+          <a:p>
+            <a:pPr algn="ctr"/>
+            <a:r>
+              <a:rPr lang="ja-JP" altLang="en-US" dirty="0">
+                <a:latin typeface="チェックポイント．（ピリオド）" panose="02000600000000000000" pitchFamily="50" charset="-128"/>
+                <a:ea typeface="チェックポイント．（ピリオド）" panose="02000600000000000000" pitchFamily="50" charset="-128"/>
+              </a:rPr>
+              <a:t>三竦み</a:t>
+            </a:r>
+            <a:endParaRPr kumimoji="1" lang="ja-JP" altLang="en-US" dirty="0">
+              <a:latin typeface="チェックポイント．（ピリオド）" panose="02000600000000000000" pitchFamily="50" charset="-128"/>
+              <a:ea typeface="チェックポイント．（ピリオド）" panose="02000600000000000000" pitchFamily="50" charset="-128"/>
+            </a:endParaRPr>
+          </a:p>
+        </p:txBody>
+      </p:sp>
+      <p:sp>
+        <p:nvSpPr>
+          <p:cNvPr id="10" name="吹き出し: 四角形 9">
+            <a:extLst>
+              <a:ext uri="{FF2B5EF4-FFF2-40B4-BE49-F238E27FC236}">
+                <a16:creationId xmlns:a16="http://schemas.microsoft.com/office/drawing/2014/main" id="{1E8E5AAD-2EFF-40AE-87B5-A62E3863DB06}"/>
+              </a:ext>
+            </a:extLst>
+          </p:cNvPr>
+          <p:cNvSpPr/>
+          <p:nvPr/>
+        </p:nvSpPr>
+        <p:spPr>
+          <a:xfrm>
+            <a:off x="2772332" y="6014621"/>
+            <a:ext cx="5324101" cy="843379"/>
+          </a:xfrm>
+          <a:prstGeom prst="wedgeRectCallout">
+            <a:avLst>
+              <a:gd name="adj1" fmla="val 17629"/>
+              <a:gd name="adj2" fmla="val -65921"/>
+            </a:avLst>
+          </a:prstGeom>
+        </p:spPr>
+        <p:style>
+          <a:lnRef idx="2">
+            <a:schemeClr val="accent1">
+              <a:shade val="50000"/>
+            </a:schemeClr>
+          </a:lnRef>
+          <a:fillRef idx="1">
+            <a:schemeClr val="accent1"/>
+          </a:fillRef>
+          <a:effectRef idx="0">
+            <a:schemeClr val="accent1"/>
+          </a:effectRef>
+          <a:fontRef idx="minor">
+            <a:schemeClr val="lt1"/>
+          </a:fontRef>
+        </p:style>
+        <p:txBody>
+          <a:bodyPr rtlCol="0" anchor="ctr"/>
+          <a:lstStyle/>
+          <a:p>
+            <a:pPr algn="ctr"/>
+            <a:r>
+              <a:rPr kumimoji="1" lang="ja-JP" altLang="en-US" dirty="0">
+                <a:latin typeface="チェックポイント．（ピリオド）" panose="02000600000000000000" pitchFamily="50" charset="-128"/>
+                <a:ea typeface="チェックポイント．（ピリオド）" panose="02000600000000000000" pitchFamily="50" charset="-128"/>
+              </a:rPr>
+              <a:t>ミサイルやポッドを出撃させるためのボタン</a:t>
+            </a:r>
+            <a:endParaRPr kumimoji="1" lang="en-US" altLang="ja-JP" dirty="0">
+              <a:latin typeface="チェックポイント．（ピリオド）" panose="02000600000000000000" pitchFamily="50" charset="-128"/>
+              <a:ea typeface="チェックポイント．（ピリオド）" panose="02000600000000000000" pitchFamily="50" charset="-128"/>
+            </a:endParaRPr>
+          </a:p>
+          <a:p>
+            <a:pPr algn="ctr"/>
+            <a:r>
+              <a:rPr kumimoji="1" lang="ja-JP" altLang="en-US" dirty="0">
+                <a:latin typeface="チェックポイント．（ピリオド）" panose="02000600000000000000" pitchFamily="50" charset="-128"/>
+                <a:ea typeface="チェックポイント．（ピリオド）" panose="02000600000000000000" pitchFamily="50" charset="-128"/>
+              </a:rPr>
+              <a:t>ボタンをクリックすると出撃させることができます</a:t>
+            </a:r>
+          </a:p>
+        </p:txBody>
+      </p:sp>
+      <p:sp>
+        <p:nvSpPr>
+          <p:cNvPr id="11" name="吹き出し: 四角形 10">
+            <a:extLst>
+              <a:ext uri="{FF2B5EF4-FFF2-40B4-BE49-F238E27FC236}">
+                <a16:creationId xmlns:a16="http://schemas.microsoft.com/office/drawing/2014/main" id="{0876C132-70D4-4EE9-A059-2EE9BBCFA5AC}"/>
+              </a:ext>
+            </a:extLst>
+          </p:cNvPr>
+          <p:cNvSpPr/>
+          <p:nvPr/>
+        </p:nvSpPr>
+        <p:spPr>
+          <a:xfrm>
+            <a:off x="6885575" y="1284931"/>
+            <a:ext cx="1555072" cy="431430"/>
+          </a:xfrm>
+          <a:prstGeom prst="wedgeRectCallout">
+            <a:avLst>
+              <a:gd name="adj1" fmla="val -57270"/>
+              <a:gd name="adj2" fmla="val 17237"/>
+            </a:avLst>
+          </a:prstGeom>
+        </p:spPr>
+        <p:style>
+          <a:lnRef idx="2">
+            <a:schemeClr val="accent1">
+              <a:shade val="50000"/>
+            </a:schemeClr>
+          </a:lnRef>
+          <a:fillRef idx="1">
+            <a:schemeClr val="accent1"/>
+          </a:fillRef>
+          <a:effectRef idx="0">
+            <a:schemeClr val="accent1"/>
+          </a:effectRef>
+          <a:fontRef idx="minor">
+            <a:schemeClr val="lt1"/>
+          </a:fontRef>
+        </p:style>
+        <p:txBody>
+          <a:bodyPr rtlCol="0" anchor="ctr"/>
+          <a:lstStyle/>
+          <a:p>
+            <a:pPr algn="ctr"/>
+            <a:r>
+              <a:rPr kumimoji="1" lang="ja-JP" altLang="en-US" dirty="0">
+                <a:latin typeface="チェックポイント．（ピリオド）" panose="02000600000000000000" pitchFamily="50" charset="-128"/>
+                <a:ea typeface="チェックポイント．（ピリオド）" panose="02000600000000000000" pitchFamily="50" charset="-128"/>
+              </a:rPr>
+              <a:t>戦闘終了時間</a:t>
+            </a:r>
+          </a:p>
+        </p:txBody>
+      </p:sp>
+      <p:sp>
+        <p:nvSpPr>
+          <p:cNvPr id="12" name="吹き出し: 四角形 11">
+            <a:extLst>
+              <a:ext uri="{FF2B5EF4-FFF2-40B4-BE49-F238E27FC236}">
+                <a16:creationId xmlns:a16="http://schemas.microsoft.com/office/drawing/2014/main" id="{30266963-E240-4012-99DE-6906E5DDC8E7}"/>
+              </a:ext>
+            </a:extLst>
+          </p:cNvPr>
+          <p:cNvSpPr/>
+          <p:nvPr/>
+        </p:nvSpPr>
+        <p:spPr>
+          <a:xfrm>
+            <a:off x="8320610" y="4296816"/>
+            <a:ext cx="3512597" cy="773389"/>
+          </a:xfrm>
+          <a:prstGeom prst="wedgeRectCallout">
+            <a:avLst>
+              <a:gd name="adj1" fmla="val -66522"/>
+              <a:gd name="adj2" fmla="val -22348"/>
+            </a:avLst>
+          </a:prstGeom>
+        </p:spPr>
+        <p:style>
+          <a:lnRef idx="2">
+            <a:schemeClr val="accent1">
+              <a:shade val="50000"/>
+            </a:schemeClr>
+          </a:lnRef>
+          <a:fillRef idx="1">
+            <a:schemeClr val="accent1"/>
+          </a:fillRef>
+          <a:effectRef idx="0">
+            <a:schemeClr val="accent1"/>
+          </a:effectRef>
+          <a:fontRef idx="minor">
+            <a:schemeClr val="lt1"/>
+          </a:fontRef>
+        </p:style>
+        <p:txBody>
+          <a:bodyPr rtlCol="0" anchor="ctr"/>
+          <a:lstStyle/>
+          <a:p>
+            <a:pPr algn="ctr"/>
+            <a:r>
+              <a:rPr kumimoji="1" lang="ja-JP" altLang="en-US" sz="1600" dirty="0">
+                <a:latin typeface="チェックポイント．（ピリオド）" panose="02000600000000000000" pitchFamily="50" charset="-128"/>
+                <a:ea typeface="チェックポイント．（ピリオド）" panose="02000600000000000000" pitchFamily="50" charset="-128"/>
+              </a:rPr>
+              <a:t>レーン</a:t>
+            </a:r>
+            <a:endParaRPr kumimoji="1" lang="en-US" altLang="ja-JP" sz="1600" dirty="0">
+              <a:latin typeface="チェックポイント．（ピリオド）" panose="02000600000000000000" pitchFamily="50" charset="-128"/>
+              <a:ea typeface="チェックポイント．（ピリオド）" panose="02000600000000000000" pitchFamily="50" charset="-128"/>
+            </a:endParaRPr>
+          </a:p>
+          <a:p>
+            <a:pPr algn="ctr"/>
+            <a:r>
+              <a:rPr lang="ja-JP" altLang="en-US" sz="1600" dirty="0">
+                <a:latin typeface="チェックポイント．（ピリオド）" panose="02000600000000000000" pitchFamily="50" charset="-128"/>
+                <a:ea typeface="チェックポイント．（ピリオド）" panose="02000600000000000000" pitchFamily="50" charset="-128"/>
+              </a:rPr>
+              <a:t>レーンはマウスもしくは</a:t>
+            </a:r>
+            <a:endParaRPr lang="en-US" altLang="ja-JP" sz="1600" dirty="0">
+              <a:latin typeface="チェックポイント．（ピリオド）" panose="02000600000000000000" pitchFamily="50" charset="-128"/>
+              <a:ea typeface="チェックポイント．（ピリオド）" panose="02000600000000000000" pitchFamily="50" charset="-128"/>
+            </a:endParaRPr>
+          </a:p>
+          <a:p>
+            <a:pPr algn="ctr"/>
+            <a:r>
+              <a:rPr lang="ja-JP" altLang="en-US" sz="1600" dirty="0">
+                <a:latin typeface="チェックポイント．（ピリオド）" panose="02000600000000000000" pitchFamily="50" charset="-128"/>
+                <a:ea typeface="チェックポイント．（ピリオド）" panose="02000600000000000000" pitchFamily="50" charset="-128"/>
+              </a:rPr>
+              <a:t>十字キーで選択することができます</a:t>
+            </a:r>
+            <a:endParaRPr kumimoji="1" lang="ja-JP" altLang="en-US" sz="1600" dirty="0">
+              <a:latin typeface="チェックポイント．（ピリオド）" panose="02000600000000000000" pitchFamily="50" charset="-128"/>
+              <a:ea typeface="チェックポイント．（ピリオド）" panose="02000600000000000000" pitchFamily="50" charset="-128"/>
+            </a:endParaRPr>
+          </a:p>
+        </p:txBody>
+      </p:sp>
+      <p:sp>
+        <p:nvSpPr>
+          <p:cNvPr id="13" name="正方形/長方形 12">
+            <a:extLst>
+              <a:ext uri="{FF2B5EF4-FFF2-40B4-BE49-F238E27FC236}">
+                <a16:creationId xmlns:a16="http://schemas.microsoft.com/office/drawing/2014/main" id="{C5B52C5E-840D-45E5-8E3C-3E2AD99D4E85}"/>
+              </a:ext>
+            </a:extLst>
+          </p:cNvPr>
+          <p:cNvSpPr/>
+          <p:nvPr/>
+        </p:nvSpPr>
+        <p:spPr>
+          <a:xfrm>
+            <a:off x="4492101" y="2396971"/>
+            <a:ext cx="3187083" cy="2308194"/>
+          </a:xfrm>
+          <a:prstGeom prst="rect">
+            <a:avLst/>
+          </a:prstGeom>
+          <a:noFill/>
+          <a:ln w="38100">
+            <a:solidFill>
+              <a:srgbClr val="FF0000"/>
+            </a:solidFill>
+          </a:ln>
+        </p:spPr>
+        <p:style>
+          <a:lnRef idx="2">
+            <a:schemeClr val="accent1">
+              <a:shade val="50000"/>
+            </a:schemeClr>
+          </a:lnRef>
+          <a:fillRef idx="1">
+            <a:schemeClr val="accent1"/>
+          </a:fillRef>
+          <a:effectRef idx="0">
+            <a:schemeClr val="accent1"/>
+          </a:effectRef>
+          <a:fontRef idx="minor">
+            <a:schemeClr val="lt1"/>
+          </a:fontRef>
+        </p:style>
+        <p:txBody>
+          <a:bodyPr rtlCol="0" anchor="ctr"/>
+          <a:lstStyle/>
+          <a:p>
+            <a:pPr algn="ctr"/>
+            <a:endParaRPr kumimoji="1" lang="ja-JP" altLang="en-US"/>
+          </a:p>
+        </p:txBody>
+      </p:sp>
+      <p:sp>
+        <p:nvSpPr>
+          <p:cNvPr id="18" name="正方形/長方形 17">
+            <a:extLst>
+              <a:ext uri="{FF2B5EF4-FFF2-40B4-BE49-F238E27FC236}">
+                <a16:creationId xmlns:a16="http://schemas.microsoft.com/office/drawing/2014/main" id="{85B86C3D-1D0B-4CA9-A09E-F9104FAC8E9A}"/>
+              </a:ext>
+            </a:extLst>
+          </p:cNvPr>
+          <p:cNvSpPr/>
+          <p:nvPr/>
+        </p:nvSpPr>
+        <p:spPr>
+          <a:xfrm>
+            <a:off x="3025012" y="4285702"/>
+            <a:ext cx="1109709" cy="270177"/>
+          </a:xfrm>
+          <a:prstGeom prst="rect">
+            <a:avLst/>
+          </a:prstGeom>
+          <a:noFill/>
+          <a:ln w="38100">
+            <a:solidFill>
+              <a:srgbClr val="FF0000"/>
+            </a:solidFill>
+          </a:ln>
+        </p:spPr>
+        <p:style>
+          <a:lnRef idx="2">
+            <a:schemeClr val="accent1">
+              <a:shade val="50000"/>
+            </a:schemeClr>
+          </a:lnRef>
+          <a:fillRef idx="1">
+            <a:schemeClr val="accent1"/>
+          </a:fillRef>
+          <a:effectRef idx="0">
+            <a:schemeClr val="accent1"/>
+          </a:effectRef>
+          <a:fontRef idx="minor">
+            <a:schemeClr val="lt1"/>
+          </a:fontRef>
+        </p:style>
+        <p:txBody>
+          <a:bodyPr rtlCol="0" anchor="ctr"/>
+          <a:lstStyle/>
+          <a:p>
+            <a:pPr algn="ctr"/>
+            <a:endParaRPr kumimoji="1" lang="ja-JP" altLang="en-US"/>
+          </a:p>
+        </p:txBody>
+      </p:sp>
+      <p:sp>
+        <p:nvSpPr>
+          <p:cNvPr id="19" name="吹き出し: 四角形 18">
+            <a:extLst>
+              <a:ext uri="{FF2B5EF4-FFF2-40B4-BE49-F238E27FC236}">
+                <a16:creationId xmlns:a16="http://schemas.microsoft.com/office/drawing/2014/main" id="{D2673875-651C-40E4-8256-1F77677989CB}"/>
+              </a:ext>
+            </a:extLst>
+          </p:cNvPr>
+          <p:cNvSpPr/>
+          <p:nvPr/>
+        </p:nvSpPr>
+        <p:spPr>
+          <a:xfrm>
+            <a:off x="1743466" y="4461030"/>
+            <a:ext cx="1075679" cy="334691"/>
+          </a:xfrm>
+          <a:prstGeom prst="wedgeRectCallout">
+            <a:avLst>
+              <a:gd name="adj1" fmla="val 69507"/>
+              <a:gd name="adj2" fmla="val -62167"/>
+            </a:avLst>
+          </a:prstGeom>
+        </p:spPr>
+        <p:style>
+          <a:lnRef idx="2">
+            <a:schemeClr val="accent1">
+              <a:shade val="50000"/>
+            </a:schemeClr>
+          </a:lnRef>
+          <a:fillRef idx="1">
+            <a:schemeClr val="accent1"/>
+          </a:fillRef>
+          <a:effectRef idx="0">
+            <a:schemeClr val="accent1"/>
+          </a:effectRef>
+          <a:fontRef idx="minor">
+            <a:schemeClr val="lt1"/>
+          </a:fontRef>
+        </p:style>
+        <p:txBody>
+          <a:bodyPr rtlCol="0" anchor="ctr"/>
+          <a:lstStyle/>
+          <a:p>
+            <a:pPr algn="ctr"/>
+            <a:r>
+              <a:rPr kumimoji="1" lang="ja-JP" altLang="en-US" sz="1600" dirty="0">
+                <a:latin typeface="チェックポイント．（ピリオド）" panose="02000600000000000000" pitchFamily="50" charset="-128"/>
+                <a:ea typeface="チェックポイント．（ピリオド）" panose="02000600000000000000" pitchFamily="50" charset="-128"/>
+              </a:rPr>
+              <a:t>惑星</a:t>
+            </a:r>
+            <a:r>
+              <a:rPr kumimoji="1" lang="en-US" altLang="ja-JP" sz="1600" dirty="0">
+                <a:latin typeface="チェックポイント．（ピリオド）" panose="02000600000000000000" pitchFamily="50" charset="-128"/>
+                <a:ea typeface="チェックポイント．（ピリオド）" panose="02000600000000000000" pitchFamily="50" charset="-128"/>
+              </a:rPr>
+              <a:t>HP</a:t>
+            </a:r>
+            <a:endParaRPr kumimoji="1" lang="ja-JP" altLang="en-US" sz="1600" dirty="0">
+              <a:latin typeface="チェックポイント．（ピリオド）" panose="02000600000000000000" pitchFamily="50" charset="-128"/>
+              <a:ea typeface="チェックポイント．（ピリオド）" panose="02000600000000000000" pitchFamily="50" charset="-128"/>
+            </a:endParaRPr>
+          </a:p>
+        </p:txBody>
+      </p:sp>
+    </p:spTree>
+    <p:extLst>
+      <p:ext uri="{BB962C8B-B14F-4D97-AF65-F5344CB8AC3E}">
+        <p14:creationId xmlns:p14="http://schemas.microsoft.com/office/powerpoint/2010/main" val="1975795034"/>
+      </p:ext>
+    </p:extLst>
+  </p:cSld>
+  <p:clrMapOvr>
+    <a:masterClrMapping/>
+  </p:clrMapOvr>
+</p:sld>
+</file>
+
+<file path=ppt/slides/slide12.xml><?xml version="1.0" encoding="utf-8"?>
+<p:sld xmlns:a="http://schemas.openxmlformats.org/drawingml/2006/main" xmlns:r="http://schemas.openxmlformats.org/officeDocument/2006/relationships" xmlns:p="http://schemas.openxmlformats.org/presentationml/2006/main">
+  <p:cSld>
+    <p:spTree>
+      <p:nvGrpSpPr>
+        <p:cNvPr id="1" name=""/>
+        <p:cNvGrpSpPr/>
+        <p:nvPr/>
+      </p:nvGrpSpPr>
+      <p:grpSpPr>
+        <a:xfrm>
+          <a:off x="0" y="0"/>
+          <a:ext cx="0" cy="0"/>
+          <a:chOff x="0" y="0"/>
+          <a:chExt cx="0" cy="0"/>
+        </a:xfrm>
+      </p:grpSpPr>
+      <p:sp>
+        <p:nvSpPr>
+          <p:cNvPr id="6" name="テキスト ボックス 5">
+            <a:extLst>
+              <a:ext uri="{FF2B5EF4-FFF2-40B4-BE49-F238E27FC236}">
+                <a16:creationId xmlns:a16="http://schemas.microsoft.com/office/drawing/2014/main" id="{83D9254C-066B-4A30-984B-189E5281BB91}"/>
+              </a:ext>
+            </a:extLst>
+          </p:cNvPr>
+          <p:cNvSpPr txBox="1"/>
+          <p:nvPr/>
+        </p:nvSpPr>
+        <p:spPr>
+          <a:xfrm>
+            <a:off x="2627332" y="58003"/>
+            <a:ext cx="6937335" cy="830997"/>
+          </a:xfrm>
+          <a:prstGeom prst="rect">
+            <a:avLst/>
+          </a:prstGeom>
+          <a:solidFill>
+            <a:schemeClr val="accent4"/>
+          </a:solidFill>
+        </p:spPr>
+        <p:txBody>
+          <a:bodyPr wrap="square" rtlCol="0">
+            <a:spAutoFit/>
+          </a:bodyPr>
+          <a:lstStyle/>
+          <a:p>
+            <a:pPr algn="ctr"/>
+            <a:r>
+              <a:rPr kumimoji="1" lang="ja-JP" altLang="en-US" sz="4800" dirty="0">
+                <a:latin typeface="チェックポイント．（ピリオド）" panose="02000600000000000000" pitchFamily="50" charset="-128"/>
+                <a:ea typeface="チェックポイント．（ピリオド）" panose="02000600000000000000" pitchFamily="50" charset="-128"/>
+              </a:rPr>
+              <a:t>ヘルプ：戦闘デメリット</a:t>
+            </a:r>
+            <a:endParaRPr kumimoji="1" lang="ja-JP" altLang="en-US" dirty="0">
+              <a:latin typeface="チェックポイント．（ピリオド）" panose="02000600000000000000" pitchFamily="50" charset="-128"/>
+              <a:ea typeface="チェックポイント．（ピリオド）" panose="02000600000000000000" pitchFamily="50" charset="-128"/>
+            </a:endParaRPr>
+          </a:p>
+        </p:txBody>
+      </p:sp>
+      <p:sp>
+        <p:nvSpPr>
+          <p:cNvPr id="7" name="テキスト ボックス 6">
+            <a:extLst>
+              <a:ext uri="{FF2B5EF4-FFF2-40B4-BE49-F238E27FC236}">
+                <a16:creationId xmlns:a16="http://schemas.microsoft.com/office/drawing/2014/main" id="{A3B678AB-5F6D-47A2-AC3D-C9904D8B3FE5}"/>
+              </a:ext>
+            </a:extLst>
+          </p:cNvPr>
+          <p:cNvSpPr txBox="1"/>
+          <p:nvPr/>
+        </p:nvSpPr>
+        <p:spPr>
+          <a:xfrm>
+            <a:off x="3278590" y="1217513"/>
+            <a:ext cx="5347775" cy="461665"/>
+          </a:xfrm>
+          <a:prstGeom prst="rect">
+            <a:avLst/>
+          </a:prstGeom>
+          <a:noFill/>
+        </p:spPr>
+        <p:txBody>
+          <a:bodyPr wrap="square" rtlCol="0">
+            <a:spAutoFit/>
+          </a:bodyPr>
+          <a:lstStyle/>
+          <a:p>
+            <a:pPr algn="ctr"/>
+            <a:r>
+              <a:rPr kumimoji="1" lang="ja-JP" altLang="en-US" sz="2400" dirty="0">
+                <a:highlight>
+                  <a:srgbClr val="00FF00"/>
+                </a:highlight>
+                <a:latin typeface="チェックポイント．（ピリオド）" panose="02000600000000000000" pitchFamily="50" charset="-128"/>
+                <a:ea typeface="チェックポイント．（ピリオド）" panose="02000600000000000000" pitchFamily="50" charset="-128"/>
+              </a:rPr>
+              <a:t>戦闘中のデメリットが発生する条件</a:t>
+            </a:r>
+          </a:p>
+        </p:txBody>
+      </p:sp>
+      <p:sp>
+        <p:nvSpPr>
+          <p:cNvPr id="8" name="テキスト ボックス 7">
+            <a:extLst>
+              <a:ext uri="{FF2B5EF4-FFF2-40B4-BE49-F238E27FC236}">
+                <a16:creationId xmlns:a16="http://schemas.microsoft.com/office/drawing/2014/main" id="{81F92070-255F-4692-ABB1-F5486542D8FF}"/>
+              </a:ext>
+            </a:extLst>
+          </p:cNvPr>
+          <p:cNvSpPr txBox="1"/>
+          <p:nvPr/>
+        </p:nvSpPr>
+        <p:spPr>
+          <a:xfrm>
+            <a:off x="381740" y="2469357"/>
+            <a:ext cx="11141477" cy="1200329"/>
+          </a:xfrm>
+          <a:prstGeom prst="rect">
+            <a:avLst/>
+          </a:prstGeom>
+          <a:noFill/>
+        </p:spPr>
+        <p:txBody>
+          <a:bodyPr wrap="square" rtlCol="0">
+            <a:spAutoFit/>
+          </a:bodyPr>
+          <a:lstStyle/>
+          <a:p>
+            <a:r>
+              <a:rPr kumimoji="1" lang="ja-JP" altLang="en-US" dirty="0">
+                <a:latin typeface="チェックポイント．（ピリオド）" panose="02000600000000000000" pitchFamily="50" charset="-128"/>
+                <a:ea typeface="チェックポイント．（ピリオド）" panose="02000600000000000000" pitchFamily="50" charset="-128"/>
+              </a:rPr>
+              <a:t>戦闘中同じレーンでポッドやミサイルを打ち続けると、レーンが徐々に</a:t>
+            </a:r>
+            <a:r>
+              <a:rPr lang="ja-JP" altLang="en-US" dirty="0">
+                <a:latin typeface="チェックポイント．（ピリオド）" panose="02000600000000000000" pitchFamily="50" charset="-128"/>
+                <a:ea typeface="チェックポイント．（ピリオド）" panose="02000600000000000000" pitchFamily="50" charset="-128"/>
+              </a:rPr>
+              <a:t>赤色に染まっていきます。</a:t>
+            </a:r>
+            <a:endParaRPr lang="en-US" altLang="ja-JP" dirty="0">
+              <a:latin typeface="チェックポイント．（ピリオド）" panose="02000600000000000000" pitchFamily="50" charset="-128"/>
+              <a:ea typeface="チェックポイント．（ピリオド）" panose="02000600000000000000" pitchFamily="50" charset="-128"/>
+            </a:endParaRPr>
+          </a:p>
+          <a:p>
+            <a:r>
+              <a:rPr kumimoji="1" lang="ja-JP" altLang="en-US" dirty="0">
+                <a:latin typeface="チェックポイント．（ピリオド）" panose="02000600000000000000" pitchFamily="50" charset="-128"/>
+                <a:ea typeface="チェックポイント．（ピリオド）" panose="02000600000000000000" pitchFamily="50" charset="-128"/>
+              </a:rPr>
+              <a:t>赤色になっていくにつれて住民がオーバーワークになりポッドにコスモパワーを十分に補給できなくなり、ポッドの攻撃力が下がってしまいます。</a:t>
+            </a:r>
+            <a:endParaRPr kumimoji="1" lang="en-US" altLang="ja-JP" dirty="0">
+              <a:latin typeface="チェックポイント．（ピリオド）" panose="02000600000000000000" pitchFamily="50" charset="-128"/>
+              <a:ea typeface="チェックポイント．（ピリオド）" panose="02000600000000000000" pitchFamily="50" charset="-128"/>
+            </a:endParaRPr>
+          </a:p>
+          <a:p>
+            <a:endParaRPr kumimoji="1" lang="en-US" altLang="ja-JP" dirty="0"/>
+          </a:p>
+        </p:txBody>
+      </p:sp>
+      <p:sp>
+        <p:nvSpPr>
+          <p:cNvPr id="10" name="テキスト ボックス 9">
+            <a:extLst>
+              <a:ext uri="{FF2B5EF4-FFF2-40B4-BE49-F238E27FC236}">
+                <a16:creationId xmlns:a16="http://schemas.microsoft.com/office/drawing/2014/main" id="{946FF0DF-B758-41C2-85D3-67DA048E99B2}"/>
+              </a:ext>
+            </a:extLst>
+          </p:cNvPr>
+          <p:cNvSpPr txBox="1"/>
+          <p:nvPr/>
+        </p:nvSpPr>
+        <p:spPr>
+          <a:xfrm>
+            <a:off x="2135079" y="3998200"/>
+            <a:ext cx="7921840" cy="923330"/>
+          </a:xfrm>
+          <a:prstGeom prst="rect">
+            <a:avLst/>
+          </a:prstGeom>
+          <a:noFill/>
+        </p:spPr>
+        <p:txBody>
+          <a:bodyPr wrap="square" rtlCol="0">
+            <a:spAutoFit/>
+          </a:bodyPr>
+          <a:lstStyle/>
+          <a:p>
+            <a:pPr algn="ctr"/>
+            <a:r>
+              <a:rPr lang="ja-JP" altLang="en-US" dirty="0">
+                <a:solidFill>
+                  <a:srgbClr val="FF0000"/>
+                </a:solidFill>
+                <a:latin typeface="チェックポイント．（ピリオド）" panose="02000600000000000000" pitchFamily="50" charset="-128"/>
+                <a:ea typeface="チェックポイント．（ピリオド）" panose="02000600000000000000" pitchFamily="50" charset="-128"/>
+              </a:rPr>
+              <a:t>レーンが赤色から色をもとに戻す方法</a:t>
+            </a:r>
+          </a:p>
+          <a:p>
+            <a:pPr algn="ctr"/>
+            <a:endParaRPr kumimoji="1" lang="en-US" altLang="ja-JP" dirty="0">
+              <a:latin typeface="チェックポイント．（ピリオド）" panose="02000600000000000000" pitchFamily="50" charset="-128"/>
+              <a:ea typeface="チェックポイント．（ピリオド）" panose="02000600000000000000" pitchFamily="50" charset="-128"/>
+            </a:endParaRPr>
+          </a:p>
+          <a:p>
+            <a:pPr algn="ctr"/>
+            <a:r>
+              <a:rPr kumimoji="1" lang="ja-JP" altLang="en-US" dirty="0">
+                <a:latin typeface="チェックポイント．（ピリオド）" panose="02000600000000000000" pitchFamily="50" charset="-128"/>
+                <a:ea typeface="チェックポイント．（ピリオド）" panose="02000600000000000000" pitchFamily="50" charset="-128"/>
+              </a:rPr>
+              <a:t>一定数ほかのレーンでポッドを出撃させることにより回復していきます。</a:t>
+            </a:r>
+          </a:p>
+        </p:txBody>
+      </p:sp>
+    </p:spTree>
+    <p:extLst>
+      <p:ext uri="{BB962C8B-B14F-4D97-AF65-F5344CB8AC3E}">
+        <p14:creationId xmlns:p14="http://schemas.microsoft.com/office/powerpoint/2010/main" val="3804024904"/>
       </p:ext>
     </p:extLst>
   </p:cSld>
@@ -4162,7 +6417,7 @@
           <p:cNvPr id="3" name="図 2" descr="物体 が含まれている画像&#10;&#10;自動的に生成された説明">
             <a:extLst>
               <a:ext uri="{FF2B5EF4-FFF2-40B4-BE49-F238E27FC236}">
-                <a16:creationId xmlns="" xmlns:a16="http://schemas.microsoft.com/office/drawing/2014/main" id="{69BA893B-4907-48D5-8940-A23E267BFE4C}"/>
+                <a16:creationId xmlns:a16="http://schemas.microsoft.com/office/drawing/2014/main" id="{69BA893B-4907-48D5-8940-A23E267BFE4C}"/>
               </a:ext>
             </a:extLst>
           </p:cNvPr>
@@ -4247,19 +6502,9 @@
                 <a:latin typeface="チェックポイント．（ピリオド）" panose="02000600000000000000" pitchFamily="50" charset="-128"/>
                 <a:ea typeface="チェックポイント．（ピリオド）" panose="02000600000000000000" pitchFamily="50" charset="-128"/>
               </a:rPr>
-              <a:t>ここをクリックする</a:t>
-            </a:r>
-            <a:r>
-              <a:rPr lang="ja-JP" altLang="en-US" dirty="0" smtClean="0">
-                <a:solidFill>
-                  <a:schemeClr val="tx1"/>
-                </a:solidFill>
-                <a:latin typeface="チェックポイント．（ピリオド）" panose="02000600000000000000" pitchFamily="50" charset="-128"/>
-                <a:ea typeface="チェックポイント．（ピリオド）" panose="02000600000000000000" pitchFamily="50" charset="-128"/>
-              </a:rPr>
-              <a:t>と</a:t>
-            </a:r>
-            <a:endParaRPr lang="en-US" altLang="ja-JP" dirty="0" smtClean="0">
+              <a:t>ここをクリックすると</a:t>
+            </a:r>
+            <a:endParaRPr lang="en-US" altLang="ja-JP" dirty="0">
               <a:solidFill>
                 <a:schemeClr val="tx1"/>
               </a:solidFill>
@@ -4270,16 +6515,6 @@
           <a:p>
             <a:pPr algn="ctr"/>
             <a:r>
-              <a:rPr lang="ja-JP" altLang="en-US" dirty="0" smtClean="0">
-                <a:solidFill>
-                  <a:schemeClr val="tx1"/>
-                </a:solidFill>
-                <a:latin typeface="チェックポイント．（ピリオド）" panose="02000600000000000000" pitchFamily="50" charset="-128"/>
-                <a:ea typeface="チェックポイント．（ピリオド）" panose="02000600000000000000" pitchFamily="50" charset="-128"/>
-              </a:rPr>
-              <a:t>今</a:t>
-            </a:r>
-            <a:r>
               <a:rPr lang="ja-JP" altLang="en-US" dirty="0">
                 <a:solidFill>
                   <a:schemeClr val="tx1"/>
@@ -4287,7 +6522,7 @@
                 <a:latin typeface="チェックポイント．（ピリオド）" panose="02000600000000000000" pitchFamily="50" charset="-128"/>
                 <a:ea typeface="チェックポイント．（ピリオド）" panose="02000600000000000000" pitchFamily="50" charset="-128"/>
               </a:rPr>
-              <a:t>所持している</a:t>
+              <a:t>今所持している</a:t>
             </a:r>
             <a:endParaRPr lang="en-US" altLang="ja-JP" dirty="0">
               <a:solidFill>
@@ -4680,7 +6915,7 @@
           <p:cNvPr id="13" name="正方形/長方形 12">
             <a:extLst>
               <a:ext uri="{FF2B5EF4-FFF2-40B4-BE49-F238E27FC236}">
-                <a16:creationId xmlns="" xmlns:a16="http://schemas.microsoft.com/office/drawing/2014/main" id="{A37BEE43-2066-46D6-8830-D8556B22304D}"/>
+                <a16:creationId xmlns:a16="http://schemas.microsoft.com/office/drawing/2014/main" id="{A37BEE43-2066-46D6-8830-D8556B22304D}"/>
               </a:ext>
             </a:extLst>
           </p:cNvPr>
@@ -4732,7 +6967,7 @@
           <p:cNvPr id="14" name="正方形/長方形 13">
             <a:extLst>
               <a:ext uri="{FF2B5EF4-FFF2-40B4-BE49-F238E27FC236}">
-                <a16:creationId xmlns="" xmlns:a16="http://schemas.microsoft.com/office/drawing/2014/main" id="{BA56A8B8-81E8-409C-8A37-384626294E40}"/>
+                <a16:creationId xmlns:a16="http://schemas.microsoft.com/office/drawing/2014/main" id="{BA56A8B8-81E8-409C-8A37-384626294E40}"/>
               </a:ext>
             </a:extLst>
           </p:cNvPr>
@@ -4784,7 +7019,7 @@
           <p:cNvPr id="15" name="正方形/長方形 14">
             <a:extLst>
               <a:ext uri="{FF2B5EF4-FFF2-40B4-BE49-F238E27FC236}">
-                <a16:creationId xmlns="" xmlns:a16="http://schemas.microsoft.com/office/drawing/2014/main" id="{AF0DEFD2-0EA7-416C-9349-A86003C1114B}"/>
+                <a16:creationId xmlns:a16="http://schemas.microsoft.com/office/drawing/2014/main" id="{AF0DEFD2-0EA7-416C-9349-A86003C1114B}"/>
               </a:ext>
             </a:extLst>
           </p:cNvPr>
@@ -4836,7 +7071,7 @@
           <p:cNvPr id="18" name="正方形/長方形 17">
             <a:extLst>
               <a:ext uri="{FF2B5EF4-FFF2-40B4-BE49-F238E27FC236}">
-                <a16:creationId xmlns="" xmlns:a16="http://schemas.microsoft.com/office/drawing/2014/main" id="{DFCE669F-B98A-49D5-9CD8-578BB88718CC}"/>
+                <a16:creationId xmlns:a16="http://schemas.microsoft.com/office/drawing/2014/main" id="{DFCE669F-B98A-49D5-9CD8-578BB88718CC}"/>
               </a:ext>
             </a:extLst>
           </p:cNvPr>
@@ -4918,7 +7153,7 @@
           <p:cNvPr id="3" name="図 2" descr="テキスト, スコアボード, 屋外, 標識 が含まれている画像&#10;&#10;自動的に生成された説明">
             <a:extLst>
               <a:ext uri="{FF2B5EF4-FFF2-40B4-BE49-F238E27FC236}">
-                <a16:creationId xmlns="" xmlns:a16="http://schemas.microsoft.com/office/drawing/2014/main" id="{D1EC1C6B-8E37-484B-BC32-54F28F2C22FE}"/>
+                <a16:creationId xmlns:a16="http://schemas.microsoft.com/office/drawing/2014/main" id="{D1EC1C6B-8E37-484B-BC32-54F28F2C22FE}"/>
               </a:ext>
             </a:extLst>
           </p:cNvPr>
@@ -5023,19 +7258,9 @@
                 <a:latin typeface="チェックポイント．（ピリオド）" panose="02000600000000000000" pitchFamily="50" charset="-128"/>
                 <a:ea typeface="チェックポイント．（ピリオド）" panose="02000600000000000000" pitchFamily="50" charset="-128"/>
               </a:rPr>
-              <a:t>振り分けること</a:t>
-            </a:r>
-            <a:r>
-              <a:rPr lang="ja-JP" altLang="en-US" dirty="0" smtClean="0">
-                <a:solidFill>
-                  <a:schemeClr val="tx1"/>
-                </a:solidFill>
-                <a:latin typeface="チェックポイント．（ピリオド）" panose="02000600000000000000" pitchFamily="50" charset="-128"/>
-                <a:ea typeface="チェックポイント．（ピリオド）" panose="02000600000000000000" pitchFamily="50" charset="-128"/>
-              </a:rPr>
-              <a:t>で</a:t>
-            </a:r>
-            <a:endParaRPr lang="en-US" altLang="ja-JP" dirty="0" smtClean="0">
+              <a:t>振り分けることで</a:t>
+            </a:r>
+            <a:endParaRPr lang="en-US" altLang="ja-JP" dirty="0">
               <a:solidFill>
                 <a:schemeClr val="tx1"/>
               </a:solidFill>
@@ -5046,16 +7271,6 @@
           <a:p>
             <a:pPr algn="ctr"/>
             <a:r>
-              <a:rPr lang="ja-JP" altLang="en-US" dirty="0" smtClean="0">
-                <a:solidFill>
-                  <a:schemeClr val="tx1"/>
-                </a:solidFill>
-                <a:latin typeface="チェックポイント．（ピリオド）" panose="02000600000000000000" pitchFamily="50" charset="-128"/>
-                <a:ea typeface="チェックポイント．（ピリオド）" panose="02000600000000000000" pitchFamily="50" charset="-128"/>
-              </a:rPr>
-              <a:t>研究所</a:t>
-            </a:r>
-            <a:r>
               <a:rPr lang="ja-JP" altLang="en-US" dirty="0">
                 <a:solidFill>
                   <a:schemeClr val="tx1"/>
@@ -5063,7 +7278,7 @@
                 <a:latin typeface="チェックポイント．（ピリオド）" panose="02000600000000000000" pitchFamily="50" charset="-128"/>
                 <a:ea typeface="チェックポイント．（ピリオド）" panose="02000600000000000000" pitchFamily="50" charset="-128"/>
               </a:rPr>
-              <a:t>でできることが増える</a:t>
+              <a:t>研究所でできることが増える</a:t>
             </a:r>
             <a:endParaRPr kumimoji="1" lang="ja-JP" altLang="en-US" dirty="0">
               <a:solidFill>
@@ -5130,47 +7345,7 @@
                 <a:latin typeface="チェックポイント．（ピリオド）" panose="02000600000000000000" pitchFamily="50" charset="-128"/>
                 <a:ea typeface="チェックポイント．（ピリオド）" panose="02000600000000000000" pitchFamily="50" charset="-128"/>
               </a:rPr>
-              <a:t>クリックする</a:t>
-            </a:r>
-            <a:r>
-              <a:rPr lang="ja-JP" altLang="en-US" dirty="0" smtClean="0">
-                <a:solidFill>
-                  <a:schemeClr val="tx1"/>
-                </a:solidFill>
-                <a:latin typeface="チェックポイント．（ピリオド）" panose="02000600000000000000" pitchFamily="50" charset="-128"/>
-                <a:ea typeface="チェックポイント．（ピリオド）" panose="02000600000000000000" pitchFamily="50" charset="-128"/>
-              </a:rPr>
-              <a:t>と</a:t>
-            </a:r>
-            <a:endParaRPr lang="en-US" altLang="ja-JP" dirty="0" smtClean="0">
-              <a:solidFill>
-                <a:schemeClr val="tx1"/>
-              </a:solidFill>
-              <a:latin typeface="チェックポイント．（ピリオド）" panose="02000600000000000000" pitchFamily="50" charset="-128"/>
-              <a:ea typeface="チェックポイント．（ピリオド）" panose="02000600000000000000" pitchFamily="50" charset="-128"/>
-            </a:endParaRPr>
-          </a:p>
-          <a:p>
-            <a:pPr algn="ctr"/>
-            <a:r>
-              <a:rPr lang="ja-JP" altLang="en-US" dirty="0" smtClean="0">
-                <a:solidFill>
-                  <a:schemeClr val="tx1"/>
-                </a:solidFill>
-                <a:latin typeface="チェックポイント．（ピリオド）" panose="02000600000000000000" pitchFamily="50" charset="-128"/>
-                <a:ea typeface="チェックポイント．（ピリオド）" panose="02000600000000000000" pitchFamily="50" charset="-128"/>
-              </a:rPr>
-              <a:t>ミサイル</a:t>
-            </a:r>
-            <a:r>
-              <a:rPr lang="ja-JP" altLang="en-US" dirty="0">
-                <a:solidFill>
-                  <a:schemeClr val="tx1"/>
-                </a:solidFill>
-                <a:latin typeface="チェックポイント．（ピリオド）" panose="02000600000000000000" pitchFamily="50" charset="-128"/>
-                <a:ea typeface="チェックポイント．（ピリオド）" panose="02000600000000000000" pitchFamily="50" charset="-128"/>
-              </a:rPr>
-              <a:t>のリキャストタイムと</a:t>
+              <a:t>クリックすると</a:t>
             </a:r>
             <a:endParaRPr lang="en-US" altLang="ja-JP" dirty="0">
               <a:solidFill>
@@ -5183,26 +7358,16 @@
           <a:p>
             <a:pPr algn="ctr"/>
             <a:r>
-              <a:rPr kumimoji="1" lang="ja-JP" altLang="en-US" dirty="0">
+              <a:rPr lang="ja-JP" altLang="en-US" dirty="0">
                 <a:solidFill>
                   <a:schemeClr val="tx1"/>
                 </a:solidFill>
                 <a:latin typeface="チェックポイント．（ピリオド）" panose="02000600000000000000" pitchFamily="50" charset="-128"/>
                 <a:ea typeface="チェックポイント．（ピリオド）" panose="02000600000000000000" pitchFamily="50" charset="-128"/>
               </a:rPr>
-              <a:t>次のレベルアップまでの条件</a:t>
-            </a:r>
-            <a:r>
-              <a:rPr kumimoji="1" lang="ja-JP" altLang="en-US" dirty="0" smtClean="0">
-                <a:solidFill>
-                  <a:schemeClr val="tx1"/>
-                </a:solidFill>
-                <a:latin typeface="チェックポイント．（ピリオド）" panose="02000600000000000000" pitchFamily="50" charset="-128"/>
-                <a:ea typeface="チェックポイント．（ピリオド）" panose="02000600000000000000" pitchFamily="50" charset="-128"/>
-              </a:rPr>
-              <a:t>が</a:t>
-            </a:r>
-            <a:endParaRPr kumimoji="1" lang="en-US" altLang="ja-JP" dirty="0" smtClean="0">
+              <a:t>ミサイルのリキャストタイムと</a:t>
+            </a:r>
+            <a:endParaRPr lang="en-US" altLang="ja-JP" dirty="0">
               <a:solidFill>
                 <a:schemeClr val="tx1"/>
               </a:solidFill>
@@ -5213,16 +7378,6 @@
           <a:p>
             <a:pPr algn="ctr"/>
             <a:r>
-              <a:rPr kumimoji="1" lang="ja-JP" altLang="en-US" dirty="0" smtClean="0">
-                <a:solidFill>
-                  <a:schemeClr val="tx1"/>
-                </a:solidFill>
-                <a:latin typeface="チェックポイント．（ピリオド）" panose="02000600000000000000" pitchFamily="50" charset="-128"/>
-                <a:ea typeface="チェックポイント．（ピリオド）" panose="02000600000000000000" pitchFamily="50" charset="-128"/>
-              </a:rPr>
-              <a:t>確認</a:t>
-            </a:r>
-            <a:r>
               <a:rPr kumimoji="1" lang="ja-JP" altLang="en-US" dirty="0">
                 <a:solidFill>
                   <a:schemeClr val="tx1"/>
@@ -5230,7 +7385,27 @@
                 <a:latin typeface="チェックポイント．（ピリオド）" panose="02000600000000000000" pitchFamily="50" charset="-128"/>
                 <a:ea typeface="チェックポイント．（ピリオド）" panose="02000600000000000000" pitchFamily="50" charset="-128"/>
               </a:rPr>
-              <a:t>できる</a:t>
+              <a:t>次のレベルアップまでの条件が</a:t>
+            </a:r>
+            <a:endParaRPr kumimoji="1" lang="en-US" altLang="ja-JP" dirty="0">
+              <a:solidFill>
+                <a:schemeClr val="tx1"/>
+              </a:solidFill>
+              <a:latin typeface="チェックポイント．（ピリオド）" panose="02000600000000000000" pitchFamily="50" charset="-128"/>
+              <a:ea typeface="チェックポイント．（ピリオド）" panose="02000600000000000000" pitchFamily="50" charset="-128"/>
+            </a:endParaRPr>
+          </a:p>
+          <a:p>
+            <a:pPr algn="ctr"/>
+            <a:r>
+              <a:rPr kumimoji="1" lang="ja-JP" altLang="en-US" dirty="0">
+                <a:solidFill>
+                  <a:schemeClr val="tx1"/>
+                </a:solidFill>
+                <a:latin typeface="チェックポイント．（ピリオド）" panose="02000600000000000000" pitchFamily="50" charset="-128"/>
+                <a:ea typeface="チェックポイント．（ピリオド）" panose="02000600000000000000" pitchFamily="50" charset="-128"/>
+              </a:rPr>
+              <a:t>確認できる</a:t>
             </a:r>
           </a:p>
         </p:txBody>
@@ -5310,27 +7485,7 @@
                 <a:latin typeface="チェックポイント．（ピリオド）" panose="02000600000000000000" pitchFamily="50" charset="-128"/>
                 <a:ea typeface="チェックポイント．（ピリオド）" panose="02000600000000000000" pitchFamily="50" charset="-128"/>
               </a:rPr>
-              <a:t>作成に必要な</a:t>
-            </a:r>
-            <a:r>
-              <a:rPr lang="ja-JP" altLang="en-US" dirty="0" smtClean="0">
-                <a:solidFill>
-                  <a:schemeClr val="tx1"/>
-                </a:solidFill>
-                <a:latin typeface="チェックポイント．（ピリオド）" panose="02000600000000000000" pitchFamily="50" charset="-128"/>
-                <a:ea typeface="チェックポイント．（ピリオド）" panose="02000600000000000000" pitchFamily="50" charset="-128"/>
-              </a:rPr>
-              <a:t>資材を</a:t>
-            </a:r>
-            <a:r>
-              <a:rPr kumimoji="1" lang="ja-JP" altLang="en-US" dirty="0" smtClean="0">
-                <a:solidFill>
-                  <a:schemeClr val="tx1"/>
-                </a:solidFill>
-                <a:latin typeface="チェックポイント．（ピリオド）" panose="02000600000000000000" pitchFamily="50" charset="-128"/>
-                <a:ea typeface="チェックポイント．（ピリオド）" panose="02000600000000000000" pitchFamily="50" charset="-128"/>
-              </a:rPr>
-              <a:t>確認</a:t>
+              <a:t>作成に必要な資材を</a:t>
             </a:r>
             <a:r>
               <a:rPr kumimoji="1" lang="ja-JP" altLang="en-US" dirty="0">
@@ -5340,7 +7495,7 @@
                 <a:latin typeface="チェックポイント．（ピリオド）" panose="02000600000000000000" pitchFamily="50" charset="-128"/>
                 <a:ea typeface="チェックポイント．（ピリオド）" panose="02000600000000000000" pitchFamily="50" charset="-128"/>
               </a:rPr>
-              <a:t>できる</a:t>
+              <a:t>確認できる</a:t>
             </a:r>
             <a:endParaRPr kumimoji="1" lang="en-US" altLang="ja-JP" dirty="0">
               <a:solidFill>
@@ -5447,19 +7602,9 @@
                 <a:latin typeface="チェックポイント．（ピリオド）" panose="02000600000000000000" pitchFamily="50" charset="-128"/>
                 <a:ea typeface="チェックポイント．（ピリオド）" panose="02000600000000000000" pitchFamily="50" charset="-128"/>
               </a:rPr>
-              <a:t>研究所をレベルアップすることにより武器の作成条件達成</a:t>
-            </a:r>
-            <a:r>
-              <a:rPr lang="ja-JP" altLang="en-US" dirty="0" smtClean="0">
-                <a:solidFill>
-                  <a:schemeClr val="tx1"/>
-                </a:solidFill>
-                <a:latin typeface="チェックポイント．（ピリオド）" panose="02000600000000000000" pitchFamily="50" charset="-128"/>
-                <a:ea typeface="チェックポイント．（ピリオド）" panose="02000600000000000000" pitchFamily="50" charset="-128"/>
-              </a:rPr>
-              <a:t>や</a:t>
-            </a:r>
-            <a:endParaRPr lang="en-US" altLang="ja-JP" dirty="0" smtClean="0">
+              <a:t>研究所をレベルアップすることにより武器の作成条件達成や</a:t>
+            </a:r>
+            <a:endParaRPr lang="en-US" altLang="ja-JP" dirty="0">
               <a:solidFill>
                 <a:schemeClr val="tx1"/>
               </a:solidFill>
@@ -5470,16 +7615,6 @@
           <a:p>
             <a:pPr algn="ctr"/>
             <a:r>
-              <a:rPr lang="ja-JP" altLang="en-US" dirty="0" smtClean="0">
-                <a:solidFill>
-                  <a:schemeClr val="tx1"/>
-                </a:solidFill>
-                <a:latin typeface="チェックポイント．（ピリオド）" panose="02000600000000000000" pitchFamily="50" charset="-128"/>
-                <a:ea typeface="チェックポイント．（ピリオド）" panose="02000600000000000000" pitchFamily="50" charset="-128"/>
-              </a:rPr>
-              <a:t>ミサイル</a:t>
-            </a:r>
-            <a:r>
               <a:rPr lang="ja-JP" altLang="en-US" dirty="0">
                 <a:solidFill>
                   <a:schemeClr val="tx1"/>
@@ -5487,27 +7622,7 @@
                 <a:latin typeface="チェックポイント．（ピリオド）" panose="02000600000000000000" pitchFamily="50" charset="-128"/>
                 <a:ea typeface="チェックポイント．（ピリオド）" panose="02000600000000000000" pitchFamily="50" charset="-128"/>
               </a:rPr>
-              <a:t>のリキャストタイムが早くなったりポッド</a:t>
-            </a:r>
-            <a:r>
-              <a:rPr lang="ja-JP" altLang="en-US" dirty="0" smtClean="0">
-                <a:solidFill>
-                  <a:schemeClr val="tx1"/>
-                </a:solidFill>
-                <a:latin typeface="チェックポイント．（ピリオド）" panose="02000600000000000000" pitchFamily="50" charset="-128"/>
-                <a:ea typeface="チェックポイント．（ピリオド）" panose="02000600000000000000" pitchFamily="50" charset="-128"/>
-              </a:rPr>
-              <a:t>の耐久力</a:t>
-            </a:r>
-            <a:r>
-              <a:rPr lang="ja-JP" altLang="en-US" dirty="0">
-                <a:solidFill>
-                  <a:schemeClr val="tx1"/>
-                </a:solidFill>
-                <a:latin typeface="チェックポイント．（ピリオド）" panose="02000600000000000000" pitchFamily="50" charset="-128"/>
-                <a:ea typeface="チェックポイント．（ピリオド）" panose="02000600000000000000" pitchFamily="50" charset="-128"/>
-              </a:rPr>
-              <a:t>が上がる</a:t>
+              <a:t>ミサイルのリキャストタイムが早くなったりポッドの耐久力が上がる</a:t>
             </a:r>
             <a:endParaRPr kumimoji="1" lang="ja-JP" altLang="en-US" dirty="0">
               <a:solidFill>
@@ -5563,7 +7678,7 @@
           <p:cNvPr id="10" name="正方形/長方形 9">
             <a:extLst>
               <a:ext uri="{FF2B5EF4-FFF2-40B4-BE49-F238E27FC236}">
-                <a16:creationId xmlns="" xmlns:a16="http://schemas.microsoft.com/office/drawing/2014/main" id="{6FFE011D-710D-4A4F-9825-141048483DC9}"/>
+                <a16:creationId xmlns:a16="http://schemas.microsoft.com/office/drawing/2014/main" id="{6FFE011D-710D-4A4F-9825-141048483DC9}"/>
               </a:ext>
             </a:extLst>
           </p:cNvPr>
@@ -5615,7 +7730,7 @@
           <p:cNvPr id="11" name="正方形/長方形 10">
             <a:extLst>
               <a:ext uri="{FF2B5EF4-FFF2-40B4-BE49-F238E27FC236}">
-                <a16:creationId xmlns="" xmlns:a16="http://schemas.microsoft.com/office/drawing/2014/main" id="{E20945F6-E8A3-4843-8AA8-C3CA375AAF01}"/>
+                <a16:creationId xmlns:a16="http://schemas.microsoft.com/office/drawing/2014/main" id="{E20945F6-E8A3-4843-8AA8-C3CA375AAF01}"/>
               </a:ext>
             </a:extLst>
           </p:cNvPr>
@@ -5667,7 +7782,7 @@
           <p:cNvPr id="12" name="正方形/長方形 11">
             <a:extLst>
               <a:ext uri="{FF2B5EF4-FFF2-40B4-BE49-F238E27FC236}">
-                <a16:creationId xmlns="" xmlns:a16="http://schemas.microsoft.com/office/drawing/2014/main" id="{7A027602-FE49-443B-B979-695A16DF3603}"/>
+                <a16:creationId xmlns:a16="http://schemas.microsoft.com/office/drawing/2014/main" id="{7A027602-FE49-443B-B979-695A16DF3603}"/>
               </a:ext>
             </a:extLst>
           </p:cNvPr>
@@ -5719,7 +7834,7 @@
           <p:cNvPr id="13" name="正方形/長方形 12">
             <a:extLst>
               <a:ext uri="{FF2B5EF4-FFF2-40B4-BE49-F238E27FC236}">
-                <a16:creationId xmlns="" xmlns:a16="http://schemas.microsoft.com/office/drawing/2014/main" id="{6D5653B2-A431-4E41-A84C-D2D0A59D8FFF}"/>
+                <a16:creationId xmlns:a16="http://schemas.microsoft.com/office/drawing/2014/main" id="{6D5653B2-A431-4E41-A84C-D2D0A59D8FFF}"/>
               </a:ext>
             </a:extLst>
           </p:cNvPr>
@@ -5771,7 +7886,7 @@
           <p:cNvPr id="15" name="正方形/長方形 14">
             <a:extLst>
               <a:ext uri="{FF2B5EF4-FFF2-40B4-BE49-F238E27FC236}">
-                <a16:creationId xmlns="" xmlns:a16="http://schemas.microsoft.com/office/drawing/2014/main" id="{E0E6CB0D-AD4F-4358-8DF1-ECAD7B65F9F5}"/>
+                <a16:creationId xmlns:a16="http://schemas.microsoft.com/office/drawing/2014/main" id="{E0E6CB0D-AD4F-4358-8DF1-ECAD7B65F9F5}"/>
               </a:ext>
             </a:extLst>
           </p:cNvPr>
@@ -5823,7 +7938,7 @@
           <p:cNvPr id="16" name="四角形吹き出し 4">
             <a:extLst>
               <a:ext uri="{FF2B5EF4-FFF2-40B4-BE49-F238E27FC236}">
-                <a16:creationId xmlns="" xmlns:a16="http://schemas.microsoft.com/office/drawing/2014/main" id="{63DDAF72-AE4E-4AAC-AC6F-2CCD1ADC7265}"/>
+                <a16:creationId xmlns:a16="http://schemas.microsoft.com/office/drawing/2014/main" id="{63DDAF72-AE4E-4AAC-AC6F-2CCD1ADC7265}"/>
               </a:ext>
             </a:extLst>
           </p:cNvPr>
@@ -5919,7 +8034,7 @@
           <p:cNvPr id="3" name="図 2" descr="テキスト, 標識, 通り, 屋外 が含まれている画像&#10;&#10;自動的に生成された説明">
             <a:extLst>
               <a:ext uri="{FF2B5EF4-FFF2-40B4-BE49-F238E27FC236}">
-                <a16:creationId xmlns="" xmlns:a16="http://schemas.microsoft.com/office/drawing/2014/main" id="{EB877469-AC96-48FE-9472-8035C84EFB97}"/>
+                <a16:creationId xmlns:a16="http://schemas.microsoft.com/office/drawing/2014/main" id="{EB877469-AC96-48FE-9472-8035C84EFB97}"/>
               </a:ext>
             </a:extLst>
           </p:cNvPr>
@@ -6004,47 +8119,7 @@
                 <a:latin typeface="チェックポイント．（ピリオド）" panose="02000600000000000000" pitchFamily="50" charset="-128"/>
                 <a:ea typeface="チェックポイント．（ピリオド）" panose="02000600000000000000" pitchFamily="50" charset="-128"/>
               </a:rPr>
-              <a:t>ここでは好きなよう</a:t>
-            </a:r>
-            <a:r>
-              <a:rPr kumimoji="1" lang="ja-JP" altLang="en-US" sz="2000" dirty="0" smtClean="0">
-                <a:solidFill>
-                  <a:schemeClr val="tx1"/>
-                </a:solidFill>
-                <a:latin typeface="チェックポイント．（ピリオド）" panose="02000600000000000000" pitchFamily="50" charset="-128"/>
-                <a:ea typeface="チェックポイント．（ピリオド）" panose="02000600000000000000" pitchFamily="50" charset="-128"/>
-              </a:rPr>
-              <a:t>に</a:t>
-            </a:r>
-            <a:endParaRPr kumimoji="1" lang="en-US" altLang="ja-JP" sz="2000" dirty="0" smtClean="0">
-              <a:solidFill>
-                <a:schemeClr val="tx1"/>
-              </a:solidFill>
-              <a:latin typeface="チェックポイント．（ピリオド）" panose="02000600000000000000" pitchFamily="50" charset="-128"/>
-              <a:ea typeface="チェックポイント．（ピリオド）" panose="02000600000000000000" pitchFamily="50" charset="-128"/>
-            </a:endParaRPr>
-          </a:p>
-          <a:p>
-            <a:pPr algn="ctr"/>
-            <a:r>
-              <a:rPr kumimoji="1" lang="ja-JP" altLang="en-US" sz="2000" dirty="0" smtClean="0">
-                <a:solidFill>
-                  <a:schemeClr val="tx1"/>
-                </a:solidFill>
-                <a:latin typeface="チェックポイント．（ピリオド）" panose="02000600000000000000" pitchFamily="50" charset="-128"/>
-                <a:ea typeface="チェックポイント．（ピリオド）" panose="02000600000000000000" pitchFamily="50" charset="-128"/>
-              </a:rPr>
-              <a:t>住人を配置</a:t>
-            </a:r>
-            <a:r>
-              <a:rPr kumimoji="1" lang="ja-JP" altLang="en-US" sz="2000" dirty="0">
-                <a:solidFill>
-                  <a:schemeClr val="tx1"/>
-                </a:solidFill>
-                <a:latin typeface="チェックポイント．（ピリオド）" panose="02000600000000000000" pitchFamily="50" charset="-128"/>
-                <a:ea typeface="チェックポイント．（ピリオド）" panose="02000600000000000000" pitchFamily="50" charset="-128"/>
-              </a:rPr>
-              <a:t>することができる</a:t>
+              <a:t>ここでは好きなように</a:t>
             </a:r>
             <a:endParaRPr kumimoji="1" lang="en-US" altLang="ja-JP" sz="2000" dirty="0">
               <a:solidFill>
@@ -6064,19 +8139,9 @@
                 <a:latin typeface="チェックポイント．（ピリオド）" panose="02000600000000000000" pitchFamily="50" charset="-128"/>
                 <a:ea typeface="チェックポイント．（ピリオド）" panose="02000600000000000000" pitchFamily="50" charset="-128"/>
               </a:rPr>
-              <a:t>配置することに</a:t>
-            </a:r>
-            <a:r>
-              <a:rPr kumimoji="1" lang="ja-JP" altLang="en-US" sz="2000" dirty="0" smtClean="0">
-                <a:solidFill>
-                  <a:schemeClr val="tx1"/>
-                </a:solidFill>
-                <a:latin typeface="チェックポイント．（ピリオド）" panose="02000600000000000000" pitchFamily="50" charset="-128"/>
-                <a:ea typeface="チェックポイント．（ピリオド）" panose="02000600000000000000" pitchFamily="50" charset="-128"/>
-              </a:rPr>
-              <a:t>よって</a:t>
-            </a:r>
-            <a:endParaRPr kumimoji="1" lang="en-US" altLang="ja-JP" sz="2000" dirty="0" smtClean="0">
+              <a:t>住人を配置することができる</a:t>
+            </a:r>
+            <a:endParaRPr kumimoji="1" lang="en-US" altLang="ja-JP" sz="2000" dirty="0">
               <a:solidFill>
                 <a:schemeClr val="tx1"/>
               </a:solidFill>
@@ -6087,7 +8152,27 @@
           <a:p>
             <a:pPr algn="ctr"/>
             <a:r>
-              <a:rPr kumimoji="1" lang="ja-JP" altLang="en-US" sz="2000" dirty="0" smtClean="0">
+              <a:rPr kumimoji="1" lang="ja-JP" altLang="en-US" sz="2000" dirty="0">
+                <a:solidFill>
+                  <a:schemeClr val="tx1"/>
+                </a:solidFill>
+                <a:latin typeface="チェックポイント．（ピリオド）" panose="02000600000000000000" pitchFamily="50" charset="-128"/>
+                <a:ea typeface="チェックポイント．（ピリオド）" panose="02000600000000000000" pitchFamily="50" charset="-128"/>
+              </a:rPr>
+              <a:t>配置することによって</a:t>
+            </a:r>
+            <a:endParaRPr kumimoji="1" lang="en-US" altLang="ja-JP" sz="2000" dirty="0">
+              <a:solidFill>
+                <a:schemeClr val="tx1"/>
+              </a:solidFill>
+              <a:latin typeface="チェックポイント．（ピリオド）" panose="02000600000000000000" pitchFamily="50" charset="-128"/>
+              <a:ea typeface="チェックポイント．（ピリオド）" panose="02000600000000000000" pitchFamily="50" charset="-128"/>
+            </a:endParaRPr>
+          </a:p>
+          <a:p>
+            <a:pPr algn="ctr"/>
+            <a:r>
+              <a:rPr kumimoji="1" lang="ja-JP" altLang="en-US" sz="2000" dirty="0">
                 <a:solidFill>
                   <a:schemeClr val="tx1"/>
                 </a:solidFill>
@@ -6107,16 +8192,6 @@
           <a:p>
             <a:pPr algn="ctr"/>
             <a:r>
-              <a:rPr kumimoji="1" lang="ja-JP" altLang="en-US" sz="2000" dirty="0" smtClean="0">
-                <a:solidFill>
-                  <a:schemeClr val="tx1"/>
-                </a:solidFill>
-                <a:latin typeface="チェックポイント．（ピリオド）" panose="02000600000000000000" pitchFamily="50" charset="-128"/>
-                <a:ea typeface="チェックポイント．（ピリオド）" panose="02000600000000000000" pitchFamily="50" charset="-128"/>
-              </a:rPr>
-              <a:t>ポット</a:t>
-            </a:r>
-            <a:r>
               <a:rPr kumimoji="1" lang="ja-JP" altLang="en-US" sz="2000" dirty="0">
                 <a:solidFill>
                   <a:schemeClr val="tx1"/>
@@ -6124,7 +8199,7 @@
                 <a:latin typeface="チェックポイント．（ピリオド）" panose="02000600000000000000" pitchFamily="50" charset="-128"/>
                 <a:ea typeface="チェックポイント．（ピリオド）" panose="02000600000000000000" pitchFamily="50" charset="-128"/>
               </a:rPr>
-              <a:t>出撃可能数が増える</a:t>
+              <a:t>ポット出撃可能数が増える</a:t>
             </a:r>
             <a:endParaRPr kumimoji="1" lang="en-US" altLang="ja-JP" sz="2000" dirty="0">
               <a:solidFill>
@@ -6154,19 +8229,9 @@
                 <a:latin typeface="チェックポイント．（ピリオド）" panose="02000600000000000000" pitchFamily="50" charset="-128"/>
                 <a:ea typeface="チェックポイント．（ピリオド）" panose="02000600000000000000" pitchFamily="50" charset="-128"/>
               </a:rPr>
-              <a:t>バトルに出撃</a:t>
-            </a:r>
-            <a:r>
-              <a:rPr lang="ja-JP" altLang="en-US" sz="2000" dirty="0" smtClean="0">
-                <a:solidFill>
-                  <a:schemeClr val="tx1"/>
-                </a:solidFill>
-                <a:latin typeface="チェックポイント．（ピリオド）" panose="02000600000000000000" pitchFamily="50" charset="-128"/>
-                <a:ea typeface="チェックポイント．（ピリオド）" panose="02000600000000000000" pitchFamily="50" charset="-128"/>
-              </a:rPr>
-              <a:t>し</a:t>
-            </a:r>
-            <a:endParaRPr lang="en-US" altLang="ja-JP" sz="2000" dirty="0" smtClean="0">
+              <a:t>バトルに出撃し</a:t>
+            </a:r>
+            <a:endParaRPr lang="en-US" altLang="ja-JP" sz="2000" dirty="0">
               <a:solidFill>
                 <a:schemeClr val="tx1"/>
               </a:solidFill>
@@ -6177,16 +8242,6 @@
           <a:p>
             <a:pPr algn="ctr"/>
             <a:r>
-              <a:rPr lang="ja-JP" altLang="en-US" sz="2000" dirty="0" smtClean="0">
-                <a:solidFill>
-                  <a:schemeClr val="tx1"/>
-                </a:solidFill>
-                <a:latin typeface="チェックポイント．（ピリオド）" panose="02000600000000000000" pitchFamily="50" charset="-128"/>
-                <a:ea typeface="チェックポイント．（ピリオド）" panose="02000600000000000000" pitchFamily="50" charset="-128"/>
-              </a:rPr>
-              <a:t>攻撃</a:t>
-            </a:r>
-            <a:r>
               <a:rPr lang="ja-JP" altLang="en-US" sz="2000" dirty="0">
                 <a:solidFill>
                   <a:schemeClr val="tx1"/>
@@ -6194,7 +8249,7 @@
                 <a:latin typeface="チェックポイント．（ピリオド）" panose="02000600000000000000" pitchFamily="50" charset="-128"/>
                 <a:ea typeface="チェックポイント．（ピリオド）" panose="02000600000000000000" pitchFamily="50" charset="-128"/>
               </a:rPr>
-              <a:t>した分だけ</a:t>
+              <a:t>攻撃した分だけ</a:t>
             </a:r>
             <a:endParaRPr lang="en-US" altLang="ja-JP" sz="2000" dirty="0">
               <a:solidFill>
@@ -6301,27 +8356,7 @@
                 <a:latin typeface="チェックポイント．（ピリオド）" panose="02000600000000000000" pitchFamily="50" charset="-128"/>
                 <a:ea typeface="チェックポイント．（ピリオド）" panose="02000600000000000000" pitchFamily="50" charset="-128"/>
               </a:rPr>
-              <a:t>兵舎をレベルアップすることに</a:t>
-            </a:r>
-            <a:r>
-              <a:rPr lang="ja-JP" altLang="en-US" dirty="0" smtClean="0">
-                <a:solidFill>
-                  <a:schemeClr val="tx1"/>
-                </a:solidFill>
-                <a:latin typeface="チェックポイント．（ピリオド）" panose="02000600000000000000" pitchFamily="50" charset="-128"/>
-                <a:ea typeface="チェックポイント．（ピリオド）" panose="02000600000000000000" pitchFamily="50" charset="-128"/>
-              </a:rPr>
-              <a:t>よりポッドの攻撃力が</a:t>
-            </a:r>
-            <a:r>
-              <a:rPr lang="ja-JP" altLang="en-US" dirty="0">
-                <a:solidFill>
-                  <a:schemeClr val="tx1"/>
-                </a:solidFill>
-                <a:latin typeface="チェックポイント．（ピリオド）" panose="02000600000000000000" pitchFamily="50" charset="-128"/>
-                <a:ea typeface="チェックポイント．（ピリオド）" panose="02000600000000000000" pitchFamily="50" charset="-128"/>
-              </a:rPr>
-              <a:t>アップする</a:t>
+              <a:t>兵舎をレベルアップすることによりポッドの攻撃力がアップする</a:t>
             </a:r>
             <a:endParaRPr kumimoji="1" lang="ja-JP" altLang="en-US" dirty="0">
               <a:solidFill>
@@ -6377,7 +8412,7 @@
           <p:cNvPr id="8" name="正方形/長方形 7">
             <a:extLst>
               <a:ext uri="{FF2B5EF4-FFF2-40B4-BE49-F238E27FC236}">
-                <a16:creationId xmlns="" xmlns:a16="http://schemas.microsoft.com/office/drawing/2014/main" id="{F7BE2C32-C21E-4467-87D2-8052D2B5FDA7}"/>
+                <a16:creationId xmlns:a16="http://schemas.microsoft.com/office/drawing/2014/main" id="{F7BE2C32-C21E-4467-87D2-8052D2B5FDA7}"/>
               </a:ext>
             </a:extLst>
           </p:cNvPr>
@@ -6429,7 +8464,7 @@
           <p:cNvPr id="12" name="正方形/長方形 11">
             <a:extLst>
               <a:ext uri="{FF2B5EF4-FFF2-40B4-BE49-F238E27FC236}">
-                <a16:creationId xmlns="" xmlns:a16="http://schemas.microsoft.com/office/drawing/2014/main" id="{40ABF9C2-DF54-4877-A01A-A46FE482F6B4}"/>
+                <a16:creationId xmlns:a16="http://schemas.microsoft.com/office/drawing/2014/main" id="{40ABF9C2-DF54-4877-A01A-A46FE482F6B4}"/>
               </a:ext>
             </a:extLst>
           </p:cNvPr>
@@ -6481,7 +8516,7 @@
           <p:cNvPr id="14" name="正方形/長方形 13">
             <a:extLst>
               <a:ext uri="{FF2B5EF4-FFF2-40B4-BE49-F238E27FC236}">
-                <a16:creationId xmlns="" xmlns:a16="http://schemas.microsoft.com/office/drawing/2014/main" id="{04C836FE-EE43-45CD-B4BE-F7E0ABEE0088}"/>
+                <a16:creationId xmlns:a16="http://schemas.microsoft.com/office/drawing/2014/main" id="{04C836FE-EE43-45CD-B4BE-F7E0ABEE0088}"/>
               </a:ext>
             </a:extLst>
           </p:cNvPr>
@@ -6533,7 +8568,7 @@
           <p:cNvPr id="16" name="吹き出し: 四角形 15">
             <a:extLst>
               <a:ext uri="{FF2B5EF4-FFF2-40B4-BE49-F238E27FC236}">
-                <a16:creationId xmlns="" xmlns:a16="http://schemas.microsoft.com/office/drawing/2014/main" id="{3ECE61CD-6BC4-463C-897C-903CC3F098F0}"/>
+                <a16:creationId xmlns:a16="http://schemas.microsoft.com/office/drawing/2014/main" id="{3ECE61CD-6BC4-463C-897C-903CC3F098F0}"/>
               </a:ext>
             </a:extLst>
           </p:cNvPr>
@@ -6627,7 +8662,7 @@
           <p:cNvPr id="5" name="図 4">
             <a:extLst>
               <a:ext uri="{FF2B5EF4-FFF2-40B4-BE49-F238E27FC236}">
-                <a16:creationId xmlns="" xmlns:a16="http://schemas.microsoft.com/office/drawing/2014/main" id="{165CE0B9-374D-46A3-97C1-E7AFAFB5DEDF}"/>
+                <a16:creationId xmlns:a16="http://schemas.microsoft.com/office/drawing/2014/main" id="{165CE0B9-374D-46A3-97C1-E7AFAFB5DEDF}"/>
               </a:ext>
             </a:extLst>
           </p:cNvPr>
@@ -6662,7 +8697,7 @@
           <p:cNvPr id="6" name="テキスト ボックス 5">
             <a:extLst>
               <a:ext uri="{FF2B5EF4-FFF2-40B4-BE49-F238E27FC236}">
-                <a16:creationId xmlns="" xmlns:a16="http://schemas.microsoft.com/office/drawing/2014/main" id="{EEBBDC81-60E0-49FD-9EFB-874F038CCD29}"/>
+                <a16:creationId xmlns:a16="http://schemas.microsoft.com/office/drawing/2014/main" id="{EEBBDC81-60E0-49FD-9EFB-874F038CCD29}"/>
               </a:ext>
             </a:extLst>
           </p:cNvPr>
@@ -6714,7 +8749,7 @@
           <p:cNvPr id="12" name="グループ化 11">
             <a:extLst>
               <a:ext uri="{FF2B5EF4-FFF2-40B4-BE49-F238E27FC236}">
-                <a16:creationId xmlns="" xmlns:a16="http://schemas.microsoft.com/office/drawing/2014/main" id="{797C4648-EAB3-4303-9BBE-4050E32CDCAC}"/>
+                <a16:creationId xmlns:a16="http://schemas.microsoft.com/office/drawing/2014/main" id="{797C4648-EAB3-4303-9BBE-4050E32CDCAC}"/>
               </a:ext>
             </a:extLst>
           </p:cNvPr>
@@ -6734,7 +8769,7 @@
             <p:cNvPr id="8" name="テキスト ボックス 7">
               <a:extLst>
                 <a:ext uri="{FF2B5EF4-FFF2-40B4-BE49-F238E27FC236}">
-                  <a16:creationId xmlns="" xmlns:a16="http://schemas.microsoft.com/office/drawing/2014/main" id="{732F859C-017C-4DF8-8D5C-BAFB7C322941}"/>
+                  <a16:creationId xmlns:a16="http://schemas.microsoft.com/office/drawing/2014/main" id="{732F859C-017C-4DF8-8D5C-BAFB7C322941}"/>
                 </a:ext>
               </a:extLst>
             </p:cNvPr>
@@ -6775,7 +8810,7 @@
             <p:cNvPr id="9" name="テキスト ボックス 8">
               <a:extLst>
                 <a:ext uri="{FF2B5EF4-FFF2-40B4-BE49-F238E27FC236}">
-                  <a16:creationId xmlns="" xmlns:a16="http://schemas.microsoft.com/office/drawing/2014/main" id="{8712CBD0-DD3F-4A86-9652-7FFA75AD120B}"/>
+                  <a16:creationId xmlns:a16="http://schemas.microsoft.com/office/drawing/2014/main" id="{8712CBD0-DD3F-4A86-9652-7FFA75AD120B}"/>
                 </a:ext>
               </a:extLst>
             </p:cNvPr>
@@ -6838,7 +8873,7 @@
           <p:cNvPr id="13" name="グループ化 12">
             <a:extLst>
               <a:ext uri="{FF2B5EF4-FFF2-40B4-BE49-F238E27FC236}">
-                <a16:creationId xmlns="" xmlns:a16="http://schemas.microsoft.com/office/drawing/2014/main" id="{DED0F105-29CA-4D82-BF68-6B4A196F19AA}"/>
+                <a16:creationId xmlns:a16="http://schemas.microsoft.com/office/drawing/2014/main" id="{DED0F105-29CA-4D82-BF68-6B4A196F19AA}"/>
               </a:ext>
             </a:extLst>
           </p:cNvPr>
@@ -6858,7 +8893,7 @@
             <p:cNvPr id="7" name="テキスト ボックス 6">
               <a:extLst>
                 <a:ext uri="{FF2B5EF4-FFF2-40B4-BE49-F238E27FC236}">
-                  <a16:creationId xmlns="" xmlns:a16="http://schemas.microsoft.com/office/drawing/2014/main" id="{54618E3D-3C8D-4D29-8362-5B6918855191}"/>
+                  <a16:creationId xmlns:a16="http://schemas.microsoft.com/office/drawing/2014/main" id="{54618E3D-3C8D-4D29-8362-5B6918855191}"/>
                 </a:ext>
               </a:extLst>
             </p:cNvPr>
@@ -6899,7 +8934,7 @@
             <p:cNvPr id="11" name="テキスト ボックス 10">
               <a:extLst>
                 <a:ext uri="{FF2B5EF4-FFF2-40B4-BE49-F238E27FC236}">
-                  <a16:creationId xmlns="" xmlns:a16="http://schemas.microsoft.com/office/drawing/2014/main" id="{6825228E-EBCE-401A-B0BC-7661792A6F00}"/>
+                  <a16:creationId xmlns:a16="http://schemas.microsoft.com/office/drawing/2014/main" id="{6825228E-EBCE-401A-B0BC-7661792A6F00}"/>
                 </a:ext>
               </a:extLst>
             </p:cNvPr>
@@ -7024,7 +9059,7 @@
           <p:cNvPr id="4" name="図 3">
             <a:extLst>
               <a:ext uri="{FF2B5EF4-FFF2-40B4-BE49-F238E27FC236}">
-                <a16:creationId xmlns="" xmlns:a16="http://schemas.microsoft.com/office/drawing/2014/main" id="{84E4BD2B-BD98-4D0D-BD92-46FAC62B133A}"/>
+                <a16:creationId xmlns:a16="http://schemas.microsoft.com/office/drawing/2014/main" id="{84E4BD2B-BD98-4D0D-BD92-46FAC62B133A}"/>
               </a:ext>
             </a:extLst>
           </p:cNvPr>
@@ -7059,7 +9094,7 @@
           <p:cNvPr id="5" name="テキスト ボックス 4">
             <a:extLst>
               <a:ext uri="{FF2B5EF4-FFF2-40B4-BE49-F238E27FC236}">
-                <a16:creationId xmlns="" xmlns:a16="http://schemas.microsoft.com/office/drawing/2014/main" id="{3EEDA683-E7C7-4A3A-9045-88BF1220584E}"/>
+                <a16:creationId xmlns:a16="http://schemas.microsoft.com/office/drawing/2014/main" id="{3EEDA683-E7C7-4A3A-9045-88BF1220584E}"/>
               </a:ext>
             </a:extLst>
           </p:cNvPr>
@@ -7111,7 +9146,7 @@
           <p:cNvPr id="6" name="テキスト ボックス 5">
             <a:extLst>
               <a:ext uri="{FF2B5EF4-FFF2-40B4-BE49-F238E27FC236}">
-                <a16:creationId xmlns="" xmlns:a16="http://schemas.microsoft.com/office/drawing/2014/main" id="{C9FCE914-94E5-4B3F-B2D2-96FDE0E6E9D8}"/>
+                <a16:creationId xmlns:a16="http://schemas.microsoft.com/office/drawing/2014/main" id="{C9FCE914-94E5-4B3F-B2D2-96FDE0E6E9D8}"/>
               </a:ext>
             </a:extLst>
           </p:cNvPr>
@@ -7152,7 +9187,7 @@
           <p:cNvPr id="7" name="テキスト ボックス 6">
             <a:extLst>
               <a:ext uri="{FF2B5EF4-FFF2-40B4-BE49-F238E27FC236}">
-                <a16:creationId xmlns="" xmlns:a16="http://schemas.microsoft.com/office/drawing/2014/main" id="{1A509F0D-124D-47C4-B5CD-4B9B8064082C}"/>
+                <a16:creationId xmlns:a16="http://schemas.microsoft.com/office/drawing/2014/main" id="{1A509F0D-124D-47C4-B5CD-4B9B8064082C}"/>
               </a:ext>
             </a:extLst>
           </p:cNvPr>
@@ -7203,7 +9238,7 @@
           <p:cNvPr id="8" name="テキスト ボックス 7">
             <a:extLst>
               <a:ext uri="{FF2B5EF4-FFF2-40B4-BE49-F238E27FC236}">
-                <a16:creationId xmlns="" xmlns:a16="http://schemas.microsoft.com/office/drawing/2014/main" id="{5F463387-8D23-460A-80ED-50E81FAAF3D9}"/>
+                <a16:creationId xmlns:a16="http://schemas.microsoft.com/office/drawing/2014/main" id="{5F463387-8D23-460A-80ED-50E81FAAF3D9}"/>
               </a:ext>
             </a:extLst>
           </p:cNvPr>
@@ -7264,7 +9299,7 @@
           <p:cNvPr id="9" name="テキスト ボックス 8">
             <a:extLst>
               <a:ext uri="{FF2B5EF4-FFF2-40B4-BE49-F238E27FC236}">
-                <a16:creationId xmlns="" xmlns:a16="http://schemas.microsoft.com/office/drawing/2014/main" id="{3E1D3977-A1EE-4011-94E0-9B60C81CA553}"/>
+                <a16:creationId xmlns:a16="http://schemas.microsoft.com/office/drawing/2014/main" id="{3E1D3977-A1EE-4011-94E0-9B60C81CA553}"/>
               </a:ext>
             </a:extLst>
           </p:cNvPr>
@@ -7340,7 +9375,7 @@
           <p:cNvPr id="41" name="グループ化 40">
             <a:extLst>
               <a:ext uri="{FF2B5EF4-FFF2-40B4-BE49-F238E27FC236}">
-                <a16:creationId xmlns="" xmlns:a16="http://schemas.microsoft.com/office/drawing/2014/main" id="{C42471E9-CEF7-4DD0-B2B9-A37027252951}"/>
+                <a16:creationId xmlns:a16="http://schemas.microsoft.com/office/drawing/2014/main" id="{C42471E9-CEF7-4DD0-B2B9-A37027252951}"/>
               </a:ext>
             </a:extLst>
           </p:cNvPr>
@@ -7360,7 +9395,7 @@
             <p:cNvPr id="22" name="グループ化 21">
               <a:extLst>
                 <a:ext uri="{FF2B5EF4-FFF2-40B4-BE49-F238E27FC236}">
-                  <a16:creationId xmlns="" xmlns:a16="http://schemas.microsoft.com/office/drawing/2014/main" id="{7D6E456E-2E26-4492-9279-169842641548}"/>
+                  <a16:creationId xmlns:a16="http://schemas.microsoft.com/office/drawing/2014/main" id="{7D6E456E-2E26-4492-9279-169842641548}"/>
                 </a:ext>
               </a:extLst>
             </p:cNvPr>
@@ -7380,7 +9415,7 @@
               <p:cNvPr id="11" name="図 10" descr="物体 が含まれている画像&#10;&#10;自動的に生成された説明">
                 <a:extLst>
                   <a:ext uri="{FF2B5EF4-FFF2-40B4-BE49-F238E27FC236}">
-                    <a16:creationId xmlns="" xmlns:a16="http://schemas.microsoft.com/office/drawing/2014/main" id="{9E2F2156-5A3C-4670-A7BB-42FF8EF7E4F0}"/>
+                    <a16:creationId xmlns:a16="http://schemas.microsoft.com/office/drawing/2014/main" id="{9E2F2156-5A3C-4670-A7BB-42FF8EF7E4F0}"/>
                   </a:ext>
                 </a:extLst>
               </p:cNvPr>
@@ -7416,7 +9451,7 @@
               <p:cNvPr id="18" name="テキスト ボックス 17">
                 <a:extLst>
                   <a:ext uri="{FF2B5EF4-FFF2-40B4-BE49-F238E27FC236}">
-                    <a16:creationId xmlns="" xmlns:a16="http://schemas.microsoft.com/office/drawing/2014/main" id="{85DB17C7-0CA8-4460-8B6A-1BBCF3C5CA75}"/>
+                    <a16:creationId xmlns:a16="http://schemas.microsoft.com/office/drawing/2014/main" id="{85DB17C7-0CA8-4460-8B6A-1BBCF3C5CA75}"/>
                   </a:ext>
                 </a:extLst>
               </p:cNvPr>
@@ -7455,7 +9490,7 @@
             <p:cNvPr id="23" name="グループ化 22">
               <a:extLst>
                 <a:ext uri="{FF2B5EF4-FFF2-40B4-BE49-F238E27FC236}">
-                  <a16:creationId xmlns="" xmlns:a16="http://schemas.microsoft.com/office/drawing/2014/main" id="{8FA97864-B0AC-4C37-AB57-3F511EE9B20A}"/>
+                  <a16:creationId xmlns:a16="http://schemas.microsoft.com/office/drawing/2014/main" id="{8FA97864-B0AC-4C37-AB57-3F511EE9B20A}"/>
                 </a:ext>
               </a:extLst>
             </p:cNvPr>
@@ -7475,7 +9510,7 @@
               <p:cNvPr id="13" name="図 12" descr="物体 が含まれている画像&#10;&#10;自動的に生成された説明">
                 <a:extLst>
                   <a:ext uri="{FF2B5EF4-FFF2-40B4-BE49-F238E27FC236}">
-                    <a16:creationId xmlns="" xmlns:a16="http://schemas.microsoft.com/office/drawing/2014/main" id="{539F0BC8-41E3-4ADD-9459-BE0E2D7ABA27}"/>
+                    <a16:creationId xmlns:a16="http://schemas.microsoft.com/office/drawing/2014/main" id="{539F0BC8-41E3-4ADD-9459-BE0E2D7ABA27}"/>
                   </a:ext>
                 </a:extLst>
               </p:cNvPr>
@@ -7511,7 +9546,7 @@
               <p:cNvPr id="19" name="テキスト ボックス 18">
                 <a:extLst>
                   <a:ext uri="{FF2B5EF4-FFF2-40B4-BE49-F238E27FC236}">
-                    <a16:creationId xmlns="" xmlns:a16="http://schemas.microsoft.com/office/drawing/2014/main" id="{9D08D78F-597A-41C6-9E61-E721135C20D1}"/>
+                    <a16:creationId xmlns:a16="http://schemas.microsoft.com/office/drawing/2014/main" id="{9D08D78F-597A-41C6-9E61-E721135C20D1}"/>
                   </a:ext>
                 </a:extLst>
               </p:cNvPr>
@@ -7550,7 +9585,7 @@
             <p:cNvPr id="25" name="グループ化 24">
               <a:extLst>
                 <a:ext uri="{FF2B5EF4-FFF2-40B4-BE49-F238E27FC236}">
-                  <a16:creationId xmlns="" xmlns:a16="http://schemas.microsoft.com/office/drawing/2014/main" id="{8F6624A7-F895-493A-8055-873B48C8C19C}"/>
+                  <a16:creationId xmlns:a16="http://schemas.microsoft.com/office/drawing/2014/main" id="{8F6624A7-F895-493A-8055-873B48C8C19C}"/>
                 </a:ext>
               </a:extLst>
             </p:cNvPr>
@@ -7570,7 +9605,7 @@
               <p:cNvPr id="15" name="図 14" descr="物体, 腕時計 が含まれている画像&#10;&#10;自動的に生成された説明">
                 <a:extLst>
                   <a:ext uri="{FF2B5EF4-FFF2-40B4-BE49-F238E27FC236}">
-                    <a16:creationId xmlns="" xmlns:a16="http://schemas.microsoft.com/office/drawing/2014/main" id="{53299244-26D0-4173-ACC6-BD241C768849}"/>
+                    <a16:creationId xmlns:a16="http://schemas.microsoft.com/office/drawing/2014/main" id="{53299244-26D0-4173-ACC6-BD241C768849}"/>
                   </a:ext>
                 </a:extLst>
               </p:cNvPr>
@@ -7606,7 +9641,7 @@
               <p:cNvPr id="20" name="テキスト ボックス 19">
                 <a:extLst>
                   <a:ext uri="{FF2B5EF4-FFF2-40B4-BE49-F238E27FC236}">
-                    <a16:creationId xmlns="" xmlns:a16="http://schemas.microsoft.com/office/drawing/2014/main" id="{BF9D5B9B-9876-443A-BE29-B4828D0A5D74}"/>
+                    <a16:creationId xmlns:a16="http://schemas.microsoft.com/office/drawing/2014/main" id="{BF9D5B9B-9876-443A-BE29-B4828D0A5D74}"/>
                   </a:ext>
                 </a:extLst>
               </p:cNvPr>
@@ -7645,7 +9680,7 @@
             <p:cNvPr id="26" name="グループ化 25">
               <a:extLst>
                 <a:ext uri="{FF2B5EF4-FFF2-40B4-BE49-F238E27FC236}">
-                  <a16:creationId xmlns="" xmlns:a16="http://schemas.microsoft.com/office/drawing/2014/main" id="{D317981A-38A9-4594-9159-8C77F7F6D8B4}"/>
+                  <a16:creationId xmlns:a16="http://schemas.microsoft.com/office/drawing/2014/main" id="{D317981A-38A9-4594-9159-8C77F7F6D8B4}"/>
                 </a:ext>
               </a:extLst>
             </p:cNvPr>
@@ -7665,7 +9700,7 @@
               <p:cNvPr id="17" name="図 16" descr="物体 が含まれている画像&#10;&#10;自動的に生成された説明">
                 <a:extLst>
                   <a:ext uri="{FF2B5EF4-FFF2-40B4-BE49-F238E27FC236}">
-                    <a16:creationId xmlns="" xmlns:a16="http://schemas.microsoft.com/office/drawing/2014/main" id="{93CD3867-4A7C-4138-9F28-8B9071FCE1AF}"/>
+                    <a16:creationId xmlns:a16="http://schemas.microsoft.com/office/drawing/2014/main" id="{93CD3867-4A7C-4138-9F28-8B9071FCE1AF}"/>
                   </a:ext>
                 </a:extLst>
               </p:cNvPr>
@@ -7701,7 +9736,7 @@
               <p:cNvPr id="21" name="テキスト ボックス 20">
                 <a:extLst>
                   <a:ext uri="{FF2B5EF4-FFF2-40B4-BE49-F238E27FC236}">
-                    <a16:creationId xmlns="" xmlns:a16="http://schemas.microsoft.com/office/drawing/2014/main" id="{C3C71671-55D6-4E40-BC27-288FCF91D2BB}"/>
+                    <a16:creationId xmlns:a16="http://schemas.microsoft.com/office/drawing/2014/main" id="{C3C71671-55D6-4E40-BC27-288FCF91D2BB}"/>
                   </a:ext>
                 </a:extLst>
               </p:cNvPr>
@@ -7744,7 +9779,7 @@
             <p:cNvPr id="28" name="直線矢印コネクタ 27">
               <a:extLst>
                 <a:ext uri="{FF2B5EF4-FFF2-40B4-BE49-F238E27FC236}">
-                  <a16:creationId xmlns="" xmlns:a16="http://schemas.microsoft.com/office/drawing/2014/main" id="{A84A16DD-57C4-4761-A446-249187106E51}"/>
+                  <a16:creationId xmlns:a16="http://schemas.microsoft.com/office/drawing/2014/main" id="{A84A16DD-57C4-4761-A446-249187106E51}"/>
                 </a:ext>
               </a:extLst>
             </p:cNvPr>
@@ -7788,7 +9823,7 @@
             <p:cNvPr id="29" name="直線矢印コネクタ 28">
               <a:extLst>
                 <a:ext uri="{FF2B5EF4-FFF2-40B4-BE49-F238E27FC236}">
-                  <a16:creationId xmlns="" xmlns:a16="http://schemas.microsoft.com/office/drawing/2014/main" id="{CE867472-33BD-4771-A53A-412FDCEAB859}"/>
+                  <a16:creationId xmlns:a16="http://schemas.microsoft.com/office/drawing/2014/main" id="{CE867472-33BD-4771-A53A-412FDCEAB859}"/>
                 </a:ext>
               </a:extLst>
             </p:cNvPr>
@@ -7832,7 +9867,7 @@
             <p:cNvPr id="32" name="直線矢印コネクタ 31">
               <a:extLst>
                 <a:ext uri="{FF2B5EF4-FFF2-40B4-BE49-F238E27FC236}">
-                  <a16:creationId xmlns="" xmlns:a16="http://schemas.microsoft.com/office/drawing/2014/main" id="{2F760955-CE29-4903-BDF0-C0EF1A34CD6F}"/>
+                  <a16:creationId xmlns:a16="http://schemas.microsoft.com/office/drawing/2014/main" id="{2F760955-CE29-4903-BDF0-C0EF1A34CD6F}"/>
                 </a:ext>
               </a:extLst>
             </p:cNvPr>
@@ -7876,7 +9911,7 @@
             <p:cNvPr id="33" name="直線矢印コネクタ 32">
               <a:extLst>
                 <a:ext uri="{FF2B5EF4-FFF2-40B4-BE49-F238E27FC236}">
-                  <a16:creationId xmlns="" xmlns:a16="http://schemas.microsoft.com/office/drawing/2014/main" id="{96E14F16-9B67-48C7-9985-746717E7D2CE}"/>
+                  <a16:creationId xmlns:a16="http://schemas.microsoft.com/office/drawing/2014/main" id="{96E14F16-9B67-48C7-9985-746717E7D2CE}"/>
                 </a:ext>
               </a:extLst>
             </p:cNvPr>
@@ -7920,7 +9955,7 @@
             <p:cNvPr id="34" name="正方形/長方形 33">
               <a:extLst>
                 <a:ext uri="{FF2B5EF4-FFF2-40B4-BE49-F238E27FC236}">
-                  <a16:creationId xmlns="" xmlns:a16="http://schemas.microsoft.com/office/drawing/2014/main" id="{6ADAFCEE-C028-416D-B257-90B41E02042A}"/>
+                  <a16:creationId xmlns:a16="http://schemas.microsoft.com/office/drawing/2014/main" id="{6ADAFCEE-C028-416D-B257-90B41E02042A}"/>
                 </a:ext>
               </a:extLst>
             </p:cNvPr>
@@ -7975,7 +10010,7 @@
             <p:cNvPr id="35" name="直線矢印コネクタ 34">
               <a:extLst>
                 <a:ext uri="{FF2B5EF4-FFF2-40B4-BE49-F238E27FC236}">
-                  <a16:creationId xmlns="" xmlns:a16="http://schemas.microsoft.com/office/drawing/2014/main" id="{A2A6B62C-1E0E-432C-9BEC-393C34A1C94C}"/>
+                  <a16:creationId xmlns:a16="http://schemas.microsoft.com/office/drawing/2014/main" id="{A2A6B62C-1E0E-432C-9BEC-393C34A1C94C}"/>
                 </a:ext>
               </a:extLst>
             </p:cNvPr>
@@ -8020,7 +10055,7 @@
           <p:cNvPr id="44" name="グループ化 43">
             <a:extLst>
               <a:ext uri="{FF2B5EF4-FFF2-40B4-BE49-F238E27FC236}">
-                <a16:creationId xmlns="" xmlns:a16="http://schemas.microsoft.com/office/drawing/2014/main" id="{7EEE5686-B5B9-4B20-8993-381AFDACF9AB}"/>
+                <a16:creationId xmlns:a16="http://schemas.microsoft.com/office/drawing/2014/main" id="{7EEE5686-B5B9-4B20-8993-381AFDACF9AB}"/>
               </a:ext>
             </a:extLst>
           </p:cNvPr>
@@ -8040,7 +10075,7 @@
             <p:cNvPr id="40" name="グループ化 39">
               <a:extLst>
                 <a:ext uri="{FF2B5EF4-FFF2-40B4-BE49-F238E27FC236}">
-                  <a16:creationId xmlns="" xmlns:a16="http://schemas.microsoft.com/office/drawing/2014/main" id="{80B432E5-1E61-4A1C-BB38-CE56CD67DAEC}"/>
+                  <a16:creationId xmlns:a16="http://schemas.microsoft.com/office/drawing/2014/main" id="{80B432E5-1E61-4A1C-BB38-CE56CD67DAEC}"/>
                 </a:ext>
               </a:extLst>
             </p:cNvPr>
@@ -8060,7 +10095,7 @@
               <p:cNvPr id="36" name="直線矢印コネクタ 35">
                 <a:extLst>
                   <a:ext uri="{FF2B5EF4-FFF2-40B4-BE49-F238E27FC236}">
-                    <a16:creationId xmlns="" xmlns:a16="http://schemas.microsoft.com/office/drawing/2014/main" id="{555429FE-F091-46AD-84F7-1B4256D762AB}"/>
+                    <a16:creationId xmlns:a16="http://schemas.microsoft.com/office/drawing/2014/main" id="{555429FE-F091-46AD-84F7-1B4256D762AB}"/>
                   </a:ext>
                 </a:extLst>
               </p:cNvPr>
@@ -8104,7 +10139,7 @@
               <p:cNvPr id="37" name="直線矢印コネクタ 36">
                 <a:extLst>
                   <a:ext uri="{FF2B5EF4-FFF2-40B4-BE49-F238E27FC236}">
-                    <a16:creationId xmlns="" xmlns:a16="http://schemas.microsoft.com/office/drawing/2014/main" id="{5030B8C7-7BED-40F6-B6D5-A7CD124D67A9}"/>
+                    <a16:creationId xmlns:a16="http://schemas.microsoft.com/office/drawing/2014/main" id="{5030B8C7-7BED-40F6-B6D5-A7CD124D67A9}"/>
                   </a:ext>
                 </a:extLst>
               </p:cNvPr>
@@ -8148,7 +10183,7 @@
               <p:cNvPr id="38" name="テキスト ボックス 37">
                 <a:extLst>
                   <a:ext uri="{FF2B5EF4-FFF2-40B4-BE49-F238E27FC236}">
-                    <a16:creationId xmlns="" xmlns:a16="http://schemas.microsoft.com/office/drawing/2014/main" id="{1BB9FF26-C1AD-43FF-B1A3-3D220E4BC3AA}"/>
+                    <a16:creationId xmlns:a16="http://schemas.microsoft.com/office/drawing/2014/main" id="{1BB9FF26-C1AD-43FF-B1A3-3D220E4BC3AA}"/>
                   </a:ext>
                 </a:extLst>
               </p:cNvPr>
@@ -8186,7 +10221,7 @@
               <p:cNvPr id="39" name="テキスト ボックス 38">
                 <a:extLst>
                   <a:ext uri="{FF2B5EF4-FFF2-40B4-BE49-F238E27FC236}">
-                    <a16:creationId xmlns="" xmlns:a16="http://schemas.microsoft.com/office/drawing/2014/main" id="{127090C9-FA03-47A3-B8E5-5AC843148C0C}"/>
+                    <a16:creationId xmlns:a16="http://schemas.microsoft.com/office/drawing/2014/main" id="{127090C9-FA03-47A3-B8E5-5AC843148C0C}"/>
                   </a:ext>
                 </a:extLst>
               </p:cNvPr>
@@ -8229,7 +10264,7 @@
             <p:cNvPr id="42" name="正方形/長方形 41">
               <a:extLst>
                 <a:ext uri="{FF2B5EF4-FFF2-40B4-BE49-F238E27FC236}">
-                  <a16:creationId xmlns="" xmlns:a16="http://schemas.microsoft.com/office/drawing/2014/main" id="{974D7591-C374-4FE7-98C6-F63D715B2F46}"/>
+                  <a16:creationId xmlns:a16="http://schemas.microsoft.com/office/drawing/2014/main" id="{974D7591-C374-4FE7-98C6-F63D715B2F46}"/>
                 </a:ext>
               </a:extLst>
             </p:cNvPr>
@@ -8285,7 +10320,7 @@
           <p:cNvPr id="43" name="正方形/長方形 42">
             <a:extLst>
               <a:ext uri="{FF2B5EF4-FFF2-40B4-BE49-F238E27FC236}">
-                <a16:creationId xmlns="" xmlns:a16="http://schemas.microsoft.com/office/drawing/2014/main" id="{A98ECFFF-731C-4C54-95F1-02A8CC15EA71}"/>
+                <a16:creationId xmlns:a16="http://schemas.microsoft.com/office/drawing/2014/main" id="{A98ECFFF-731C-4C54-95F1-02A8CC15EA71}"/>
               </a:ext>
             </a:extLst>
           </p:cNvPr>
@@ -8367,7 +10402,7 @@
           <p:cNvPr id="7" name="図 6" descr="テキスト が含まれている画像&#10;&#10;自動的に生成された説明">
             <a:extLst>
               <a:ext uri="{FF2B5EF4-FFF2-40B4-BE49-F238E27FC236}">
-                <a16:creationId xmlns="" xmlns:a16="http://schemas.microsoft.com/office/drawing/2014/main" id="{F72D7A55-A732-4D03-A156-3A4E7C065D7A}"/>
+                <a16:creationId xmlns:a16="http://schemas.microsoft.com/office/drawing/2014/main" id="{F72D7A55-A732-4D03-A156-3A4E7C065D7A}"/>
               </a:ext>
             </a:extLst>
           </p:cNvPr>
@@ -8402,7 +10437,7 @@
           <p:cNvPr id="10" name="テキスト ボックス 9">
             <a:extLst>
               <a:ext uri="{FF2B5EF4-FFF2-40B4-BE49-F238E27FC236}">
-                <a16:creationId xmlns="" xmlns:a16="http://schemas.microsoft.com/office/drawing/2014/main" id="{D5807289-5F94-4ABF-BB19-A244DE39AAB7}"/>
+                <a16:creationId xmlns:a16="http://schemas.microsoft.com/office/drawing/2014/main" id="{D5807289-5F94-4ABF-BB19-A244DE39AAB7}"/>
               </a:ext>
             </a:extLst>
           </p:cNvPr>
@@ -8447,7 +10482,7 @@
           <p:cNvPr id="11" name="テキスト ボックス 10">
             <a:extLst>
               <a:ext uri="{FF2B5EF4-FFF2-40B4-BE49-F238E27FC236}">
-                <a16:creationId xmlns="" xmlns:a16="http://schemas.microsoft.com/office/drawing/2014/main" id="{6D354EB7-7F73-4490-964D-300A57A3D0C5}"/>
+                <a16:creationId xmlns:a16="http://schemas.microsoft.com/office/drawing/2014/main" id="{6D354EB7-7F73-4490-964D-300A57A3D0C5}"/>
               </a:ext>
             </a:extLst>
           </p:cNvPr>
@@ -8485,7 +10520,7 @@
           <p:cNvPr id="12" name="楕円 11">
             <a:extLst>
               <a:ext uri="{FF2B5EF4-FFF2-40B4-BE49-F238E27FC236}">
-                <a16:creationId xmlns="" xmlns:a16="http://schemas.microsoft.com/office/drawing/2014/main" id="{27BE146F-8491-400F-AB07-2E26102463F2}"/>
+                <a16:creationId xmlns:a16="http://schemas.microsoft.com/office/drawing/2014/main" id="{27BE146F-8491-400F-AB07-2E26102463F2}"/>
               </a:ext>
             </a:extLst>
           </p:cNvPr>
@@ -8537,7 +10572,7 @@
           <p:cNvPr id="13" name="楕円 12">
             <a:extLst>
               <a:ext uri="{FF2B5EF4-FFF2-40B4-BE49-F238E27FC236}">
-                <a16:creationId xmlns="" xmlns:a16="http://schemas.microsoft.com/office/drawing/2014/main" id="{AC13EDC5-A927-451C-A8C6-2F68A75D9DB9}"/>
+                <a16:creationId xmlns:a16="http://schemas.microsoft.com/office/drawing/2014/main" id="{AC13EDC5-A927-451C-A8C6-2F68A75D9DB9}"/>
               </a:ext>
             </a:extLst>
           </p:cNvPr>
@@ -8589,7 +10624,7 @@
           <p:cNvPr id="14" name="楕円 13">
             <a:extLst>
               <a:ext uri="{FF2B5EF4-FFF2-40B4-BE49-F238E27FC236}">
-                <a16:creationId xmlns="" xmlns:a16="http://schemas.microsoft.com/office/drawing/2014/main" id="{A70D7407-0728-49A8-BDE2-7434759F1455}"/>
+                <a16:creationId xmlns:a16="http://schemas.microsoft.com/office/drawing/2014/main" id="{A70D7407-0728-49A8-BDE2-7434759F1455}"/>
               </a:ext>
             </a:extLst>
           </p:cNvPr>
@@ -8641,7 +10676,7 @@
           <p:cNvPr id="15" name="楕円 14">
             <a:extLst>
               <a:ext uri="{FF2B5EF4-FFF2-40B4-BE49-F238E27FC236}">
-                <a16:creationId xmlns="" xmlns:a16="http://schemas.microsoft.com/office/drawing/2014/main" id="{BA8A41E3-4961-4217-9C31-D8A81A9809A9}"/>
+                <a16:creationId xmlns:a16="http://schemas.microsoft.com/office/drawing/2014/main" id="{BA8A41E3-4961-4217-9C31-D8A81A9809A9}"/>
               </a:ext>
             </a:extLst>
           </p:cNvPr>
@@ -8693,7 +10728,7 @@
           <p:cNvPr id="16" name="テキスト ボックス 15">
             <a:extLst>
               <a:ext uri="{FF2B5EF4-FFF2-40B4-BE49-F238E27FC236}">
-                <a16:creationId xmlns="" xmlns:a16="http://schemas.microsoft.com/office/drawing/2014/main" id="{FBBAA09C-4BEB-47EA-BC7F-480BCC2226F1}"/>
+                <a16:creationId xmlns:a16="http://schemas.microsoft.com/office/drawing/2014/main" id="{FBBAA09C-4BEB-47EA-BC7F-480BCC2226F1}"/>
               </a:ext>
             </a:extLst>
           </p:cNvPr>
@@ -8739,34 +10774,7 @@
                 <a:latin typeface="チェックポイント．（ピリオド）" panose="02000600000000000000" pitchFamily="50" charset="-128"/>
                 <a:ea typeface="チェックポイント．（ピリオド）" panose="02000600000000000000" pitchFamily="50" charset="-128"/>
               </a:rPr>
-              <a:t>この中のどれか</a:t>
-            </a:r>
-            <a:r>
-              <a:rPr lang="ja-JP" altLang="en-US" dirty="0" smtClean="0">
-                <a:latin typeface="チェックポイント．（ピリオド）" panose="02000600000000000000" pitchFamily="50" charset="-128"/>
-                <a:ea typeface="チェックポイント．（ピリオド）" panose="02000600000000000000" pitchFamily="50" charset="-128"/>
-              </a:rPr>
-              <a:t>から</a:t>
-            </a:r>
-            <a:endParaRPr lang="en-US" altLang="ja-JP" dirty="0" smtClean="0">
-              <a:latin typeface="チェックポイント．（ピリオド）" panose="02000600000000000000" pitchFamily="50" charset="-128"/>
-              <a:ea typeface="チェックポイント．（ピリオド）" panose="02000600000000000000" pitchFamily="50" charset="-128"/>
-            </a:endParaRPr>
-          </a:p>
-          <a:p>
-            <a:r>
-              <a:rPr lang="ja-JP" altLang="en-US" dirty="0" smtClean="0">
-                <a:latin typeface="チェックポイント．（ピリオド）" panose="02000600000000000000" pitchFamily="50" charset="-128"/>
-                <a:ea typeface="チェックポイント．（ピリオド）" panose="02000600000000000000" pitchFamily="50" charset="-128"/>
-              </a:rPr>
-              <a:t>敵</a:t>
-            </a:r>
-            <a:r>
-              <a:rPr lang="ja-JP" altLang="en-US" dirty="0">
-                <a:latin typeface="チェックポイント．（ピリオド）" panose="02000600000000000000" pitchFamily="50" charset="-128"/>
-                <a:ea typeface="チェックポイント．（ピリオド）" panose="02000600000000000000" pitchFamily="50" charset="-128"/>
-              </a:rPr>
-              <a:t>を選び戦うことができ、</a:t>
+              <a:t>この中のどれかから</a:t>
             </a:r>
             <a:endParaRPr lang="en-US" altLang="ja-JP" dirty="0">
               <a:latin typeface="チェックポイント．（ピリオド）" panose="02000600000000000000" pitchFamily="50" charset="-128"/>
@@ -8775,18 +10783,11 @@
           </a:p>
           <a:p>
             <a:r>
-              <a:rPr kumimoji="1" lang="ja-JP" altLang="en-US" dirty="0">
-                <a:latin typeface="チェックポイント．（ピリオド）" panose="02000600000000000000" pitchFamily="50" charset="-128"/>
-                <a:ea typeface="チェックポイント．（ピリオド）" panose="02000600000000000000" pitchFamily="50" charset="-128"/>
-              </a:rPr>
-              <a:t>敵惑星にカーソルを</a:t>
-            </a:r>
-            <a:r>
-              <a:rPr kumimoji="1" lang="ja-JP" altLang="en-US" dirty="0" smtClean="0">
-                <a:latin typeface="チェックポイント．（ピリオド）" panose="02000600000000000000" pitchFamily="50" charset="-128"/>
-                <a:ea typeface="チェックポイント．（ピリオド）" panose="02000600000000000000" pitchFamily="50" charset="-128"/>
-              </a:rPr>
-              <a:t>合わせると</a:t>
+              <a:rPr lang="ja-JP" altLang="en-US" dirty="0">
+                <a:latin typeface="チェックポイント．（ピリオド）" panose="02000600000000000000" pitchFamily="50" charset="-128"/>
+                <a:ea typeface="チェックポイント．（ピリオド）" panose="02000600000000000000" pitchFamily="50" charset="-128"/>
+              </a:rPr>
+              <a:t>敵を選び戦うことができ、</a:t>
             </a:r>
             <a:endParaRPr lang="en-US" altLang="ja-JP" dirty="0">
               <a:latin typeface="チェックポイント．（ピリオド）" panose="02000600000000000000" pitchFamily="50" charset="-128"/>
@@ -8795,45 +10796,37 @@
           </a:p>
           <a:p>
             <a:r>
-              <a:rPr kumimoji="1" lang="ja-JP" altLang="en-US" dirty="0" smtClean="0">
-                <a:latin typeface="チェックポイント．（ピリオド）" panose="02000600000000000000" pitchFamily="50" charset="-128"/>
-                <a:ea typeface="チェックポイント．（ピリオド）" panose="02000600000000000000" pitchFamily="50" charset="-128"/>
-              </a:rPr>
-              <a:t>敵</a:t>
-            </a:r>
-            <a:r>
               <a:rPr kumimoji="1" lang="ja-JP" altLang="en-US" dirty="0">
                 <a:latin typeface="チェックポイント．（ピリオド）" panose="02000600000000000000" pitchFamily="50" charset="-128"/>
                 <a:ea typeface="チェックポイント．（ピリオド）" panose="02000600000000000000" pitchFamily="50" charset="-128"/>
               </a:rPr>
-              <a:t>惑星の情報</a:t>
-            </a:r>
-            <a:r>
-              <a:rPr kumimoji="1" lang="ja-JP" altLang="en-US" dirty="0" smtClean="0">
-                <a:latin typeface="チェックポイント．（ピリオド）" panose="02000600000000000000" pitchFamily="50" charset="-128"/>
-                <a:ea typeface="チェックポイント．（ピリオド）" panose="02000600000000000000" pitchFamily="50" charset="-128"/>
-              </a:rPr>
-              <a:t>を</a:t>
-            </a:r>
-            <a:endParaRPr kumimoji="1" lang="en-US" altLang="ja-JP" dirty="0" smtClean="0">
+              <a:t>敵惑星にカーソルを合わせると</a:t>
+            </a:r>
+            <a:endParaRPr lang="en-US" altLang="ja-JP" dirty="0">
               <a:latin typeface="チェックポイント．（ピリオド）" panose="02000600000000000000" pitchFamily="50" charset="-128"/>
               <a:ea typeface="チェックポイント．（ピリオド）" panose="02000600000000000000" pitchFamily="50" charset="-128"/>
             </a:endParaRPr>
           </a:p>
           <a:p>
             <a:r>
-              <a:rPr kumimoji="1" lang="ja-JP" altLang="en-US" dirty="0" smtClean="0">
-                <a:latin typeface="チェックポイント．（ピリオド）" panose="02000600000000000000" pitchFamily="50" charset="-128"/>
-                <a:ea typeface="チェックポイント．（ピリオド）" panose="02000600000000000000" pitchFamily="50" charset="-128"/>
-              </a:rPr>
-              <a:t>確認</a:t>
-            </a:r>
-            <a:r>
               <a:rPr kumimoji="1" lang="ja-JP" altLang="en-US" dirty="0">
                 <a:latin typeface="チェックポイント．（ピリオド）" panose="02000600000000000000" pitchFamily="50" charset="-128"/>
                 <a:ea typeface="チェックポイント．（ピリオド）" panose="02000600000000000000" pitchFamily="50" charset="-128"/>
               </a:rPr>
-              <a:t>することができます。</a:t>
+              <a:t>敵惑星の情報を</a:t>
+            </a:r>
+            <a:endParaRPr kumimoji="1" lang="en-US" altLang="ja-JP" dirty="0">
+              <a:latin typeface="チェックポイント．（ピリオド）" panose="02000600000000000000" pitchFamily="50" charset="-128"/>
+              <a:ea typeface="チェックポイント．（ピリオド）" panose="02000600000000000000" pitchFamily="50" charset="-128"/>
+            </a:endParaRPr>
+          </a:p>
+          <a:p>
+            <a:r>
+              <a:rPr kumimoji="1" lang="ja-JP" altLang="en-US" dirty="0">
+                <a:latin typeface="チェックポイント．（ピリオド）" panose="02000600000000000000" pitchFamily="50" charset="-128"/>
+                <a:ea typeface="チェックポイント．（ピリオド）" panose="02000600000000000000" pitchFamily="50" charset="-128"/>
+              </a:rPr>
+              <a:t>確認することができます。</a:t>
             </a:r>
           </a:p>
         </p:txBody>
@@ -8843,7 +10836,7 @@
           <p:cNvPr id="17" name="正方形/長方形 16">
             <a:extLst>
               <a:ext uri="{FF2B5EF4-FFF2-40B4-BE49-F238E27FC236}">
-                <a16:creationId xmlns="" xmlns:a16="http://schemas.microsoft.com/office/drawing/2014/main" id="{A2CF4C31-1025-4708-B374-7F8887320A14}"/>
+                <a16:creationId xmlns:a16="http://schemas.microsoft.com/office/drawing/2014/main" id="{A2CF4C31-1025-4708-B374-7F8887320A14}"/>
               </a:ext>
             </a:extLst>
           </p:cNvPr>
@@ -8895,7 +10888,7 @@
           <p:cNvPr id="18" name="テキスト ボックス 17">
             <a:extLst>
               <a:ext uri="{FF2B5EF4-FFF2-40B4-BE49-F238E27FC236}">
-                <a16:creationId xmlns="" xmlns:a16="http://schemas.microsoft.com/office/drawing/2014/main" id="{594DFF38-A0BF-4052-92A8-115900A7F03B}"/>
+                <a16:creationId xmlns:a16="http://schemas.microsoft.com/office/drawing/2014/main" id="{594DFF38-A0BF-4052-92A8-115900A7F03B}"/>
               </a:ext>
             </a:extLst>
           </p:cNvPr>
@@ -8935,21 +10928,7 @@
                 <a:latin typeface="チェックポイント．（ピリオド）" panose="02000600000000000000" pitchFamily="50" charset="-128"/>
                 <a:ea typeface="チェックポイント．（ピリオド）" panose="02000600000000000000" pitchFamily="50" charset="-128"/>
               </a:rPr>
-              <a:t>枠で囲っているのが強大な惑星が来るまでの</a:t>
-            </a:r>
-            <a:r>
-              <a:rPr kumimoji="1" lang="ja-JP" altLang="en-US" dirty="0" smtClean="0">
-                <a:latin typeface="チェックポイント．（ピリオド）" panose="02000600000000000000" pitchFamily="50" charset="-128"/>
-                <a:ea typeface="チェックポイント．（ピリオド）" panose="02000600000000000000" pitchFamily="50" charset="-128"/>
-              </a:rPr>
-              <a:t>カウントダウン</a:t>
-            </a:r>
-            <a:r>
-              <a:rPr kumimoji="1" lang="ja-JP" altLang="en-US" dirty="0">
-                <a:latin typeface="チェックポイント．（ピリオド）" panose="02000600000000000000" pitchFamily="50" charset="-128"/>
-                <a:ea typeface="チェックポイント．（ピリオド）" panose="02000600000000000000" pitchFamily="50" charset="-128"/>
-              </a:rPr>
-              <a:t>です。</a:t>
+              <a:t>枠で囲っているのが強大な惑星が来るまでのカウントダウンです。</a:t>
             </a:r>
             <a:endParaRPr kumimoji="1" lang="en-US" altLang="ja-JP" dirty="0">
               <a:latin typeface="チェックポイント．（ピリオド）" panose="02000600000000000000" pitchFamily="50" charset="-128"/>
@@ -8962,61 +10941,33 @@
                 <a:latin typeface="チェックポイント．（ピリオド）" panose="02000600000000000000" pitchFamily="50" charset="-128"/>
                 <a:ea typeface="チェックポイント．（ピリオド）" panose="02000600000000000000" pitchFamily="50" charset="-128"/>
               </a:rPr>
-              <a:t>敵惑星を倒す</a:t>
-            </a:r>
-            <a:r>
-              <a:rPr lang="ja-JP" altLang="en-US" dirty="0" smtClean="0">
-                <a:latin typeface="チェックポイント．（ピリオド）" panose="02000600000000000000" pitchFamily="50" charset="-128"/>
-                <a:ea typeface="チェックポイント．（ピリオド）" panose="02000600000000000000" pitchFamily="50" charset="-128"/>
-              </a:rPr>
-              <a:t>と</a:t>
-            </a:r>
-            <a:endParaRPr lang="en-US" altLang="ja-JP" dirty="0" smtClean="0">
+              <a:t>敵惑星を倒すと</a:t>
+            </a:r>
+            <a:endParaRPr lang="en-US" altLang="ja-JP" dirty="0">
               <a:latin typeface="チェックポイント．（ピリオド）" panose="02000600000000000000" pitchFamily="50" charset="-128"/>
               <a:ea typeface="チェックポイント．（ピリオド）" panose="02000600000000000000" pitchFamily="50" charset="-128"/>
             </a:endParaRPr>
           </a:p>
           <a:p>
             <a:r>
-              <a:rPr lang="ja-JP" altLang="en-US" dirty="0" smtClean="0">
-                <a:latin typeface="チェックポイント．（ピリオド）" panose="02000600000000000000" pitchFamily="50" charset="-128"/>
-                <a:ea typeface="チェックポイント．（ピリオド）" panose="02000600000000000000" pitchFamily="50" charset="-128"/>
-              </a:rPr>
-              <a:t>カウントが減って</a:t>
-            </a:r>
-            <a:r>
               <a:rPr lang="ja-JP" altLang="en-US" dirty="0">
                 <a:latin typeface="チェックポイント．（ピリオド）" panose="02000600000000000000" pitchFamily="50" charset="-128"/>
                 <a:ea typeface="チェックポイント．（ピリオド）" panose="02000600000000000000" pitchFamily="50" charset="-128"/>
               </a:rPr>
-              <a:t>いき０になる</a:t>
-            </a:r>
-            <a:r>
-              <a:rPr lang="ja-JP" altLang="en-US" dirty="0" smtClean="0">
-                <a:latin typeface="チェックポイント．（ピリオド）" panose="02000600000000000000" pitchFamily="50" charset="-128"/>
-                <a:ea typeface="チェックポイント．（ピリオド）" panose="02000600000000000000" pitchFamily="50" charset="-128"/>
-              </a:rPr>
-              <a:t>と</a:t>
-            </a:r>
-            <a:endParaRPr lang="en-US" altLang="ja-JP" dirty="0" smtClean="0">
+              <a:t>カウントが減っていき０になると</a:t>
+            </a:r>
+            <a:endParaRPr lang="en-US" altLang="ja-JP" dirty="0">
               <a:latin typeface="チェックポイント．（ピリオド）" panose="02000600000000000000" pitchFamily="50" charset="-128"/>
               <a:ea typeface="チェックポイント．（ピリオド）" panose="02000600000000000000" pitchFamily="50" charset="-128"/>
             </a:endParaRPr>
           </a:p>
           <a:p>
             <a:r>
-              <a:rPr lang="ja-JP" altLang="en-US" dirty="0" smtClean="0">
-                <a:latin typeface="チェックポイント．（ピリオド）" panose="02000600000000000000" pitchFamily="50" charset="-128"/>
-                <a:ea typeface="チェックポイント．（ピリオド）" panose="02000600000000000000" pitchFamily="50" charset="-128"/>
-              </a:rPr>
-              <a:t>強大</a:t>
-            </a:r>
-            <a:r>
               <a:rPr lang="ja-JP" altLang="en-US" dirty="0">
                 <a:latin typeface="チェックポイント．（ピリオド）" panose="02000600000000000000" pitchFamily="50" charset="-128"/>
                 <a:ea typeface="チェックポイント．（ピリオド）" panose="02000600000000000000" pitchFamily="50" charset="-128"/>
               </a:rPr>
-              <a:t>な惑星が襲い掛かってきます。</a:t>
+              <a:t>強大な惑星が襲い掛かってきます。</a:t>
             </a:r>
             <a:endParaRPr kumimoji="1" lang="en-US" altLang="ja-JP" dirty="0">
               <a:latin typeface="チェックポイント．（ピリオド）" panose="02000600000000000000" pitchFamily="50" charset="-128"/>
@@ -9030,7 +10981,7 @@
           <p:cNvPr id="19" name="正方形/長方形 18">
             <a:extLst>
               <a:ext uri="{FF2B5EF4-FFF2-40B4-BE49-F238E27FC236}">
-                <a16:creationId xmlns="" xmlns:a16="http://schemas.microsoft.com/office/drawing/2014/main" id="{41DDEDAD-B76F-42FC-BD36-C4B4086365F3}"/>
+                <a16:creationId xmlns:a16="http://schemas.microsoft.com/office/drawing/2014/main" id="{41DDEDAD-B76F-42FC-BD36-C4B4086365F3}"/>
               </a:ext>
             </a:extLst>
           </p:cNvPr>
@@ -9082,7 +11033,7 @@
           <p:cNvPr id="21" name="正方形/長方形 20">
             <a:extLst>
               <a:ext uri="{FF2B5EF4-FFF2-40B4-BE49-F238E27FC236}">
-                <a16:creationId xmlns="" xmlns:a16="http://schemas.microsoft.com/office/drawing/2014/main" id="{B89D4E7D-0660-4D0D-912D-DF225C66A1D6}"/>
+                <a16:creationId xmlns:a16="http://schemas.microsoft.com/office/drawing/2014/main" id="{B89D4E7D-0660-4D0D-912D-DF225C66A1D6}"/>
               </a:ext>
             </a:extLst>
           </p:cNvPr>
@@ -9136,7 +11087,7 @@
           <p:cNvPr id="20" name="テキスト ボックス 19">
             <a:extLst>
               <a:ext uri="{FF2B5EF4-FFF2-40B4-BE49-F238E27FC236}">
-                <a16:creationId xmlns="" xmlns:a16="http://schemas.microsoft.com/office/drawing/2014/main" id="{4588D88C-0F6C-4A95-9191-7AC444B35B14}"/>
+                <a16:creationId xmlns:a16="http://schemas.microsoft.com/office/drawing/2014/main" id="{4588D88C-0F6C-4A95-9191-7AC444B35B14}"/>
               </a:ext>
             </a:extLst>
           </p:cNvPr>
@@ -9252,7 +11203,7 @@
           <p:cNvPr id="5" name="図 4" descr="物体 が含まれている画像&#10;&#10;自動的に生成された説明">
             <a:extLst>
               <a:ext uri="{FF2B5EF4-FFF2-40B4-BE49-F238E27FC236}">
-                <a16:creationId xmlns="" xmlns:a16="http://schemas.microsoft.com/office/drawing/2014/main" id="{A8B95791-F64F-423D-B8A7-2C86F56DDB1D}"/>
+                <a16:creationId xmlns:a16="http://schemas.microsoft.com/office/drawing/2014/main" id="{A8B95791-F64F-423D-B8A7-2C86F56DDB1D}"/>
               </a:ext>
             </a:extLst>
           </p:cNvPr>
@@ -9287,7 +11238,7 @@
           <p:cNvPr id="6" name="テキスト ボックス 5">
             <a:extLst>
               <a:ext uri="{FF2B5EF4-FFF2-40B4-BE49-F238E27FC236}">
-                <a16:creationId xmlns="" xmlns:a16="http://schemas.microsoft.com/office/drawing/2014/main" id="{8305E55F-CE22-4A88-A8D4-3E4958510FE7}"/>
+                <a16:creationId xmlns:a16="http://schemas.microsoft.com/office/drawing/2014/main" id="{8305E55F-CE22-4A88-A8D4-3E4958510FE7}"/>
               </a:ext>
             </a:extLst>
           </p:cNvPr>
@@ -9332,7 +11283,7 @@
           <p:cNvPr id="7" name="吹き出し: 四角形 6">
             <a:extLst>
               <a:ext uri="{FF2B5EF4-FFF2-40B4-BE49-F238E27FC236}">
-                <a16:creationId xmlns="" xmlns:a16="http://schemas.microsoft.com/office/drawing/2014/main" id="{EC8402AE-3480-4CC7-905A-0776A28352DA}"/>
+                <a16:creationId xmlns:a16="http://schemas.microsoft.com/office/drawing/2014/main" id="{EC8402AE-3480-4CC7-905A-0776A28352DA}"/>
               </a:ext>
             </a:extLst>
           </p:cNvPr>
@@ -9425,7 +11376,7 @@
           <p:cNvPr id="8" name="吹き出し: 四角形 7">
             <a:extLst>
               <a:ext uri="{FF2B5EF4-FFF2-40B4-BE49-F238E27FC236}">
-                <a16:creationId xmlns="" xmlns:a16="http://schemas.microsoft.com/office/drawing/2014/main" id="{12F0A826-4C99-48A7-B36D-03DBE2118E07}"/>
+                <a16:creationId xmlns:a16="http://schemas.microsoft.com/office/drawing/2014/main" id="{12F0A826-4C99-48A7-B36D-03DBE2118E07}"/>
               </a:ext>
             </a:extLst>
           </p:cNvPr>
@@ -9509,7 +11460,7 @@
           <p:cNvPr id="9" name="吹き出し: 四角形 8">
             <a:extLst>
               <a:ext uri="{FF2B5EF4-FFF2-40B4-BE49-F238E27FC236}">
-                <a16:creationId xmlns="" xmlns:a16="http://schemas.microsoft.com/office/drawing/2014/main" id="{B25F11CC-0810-44FB-85E5-6AFA2E713B6D}"/>
+                <a16:creationId xmlns:a16="http://schemas.microsoft.com/office/drawing/2014/main" id="{B25F11CC-0810-44FB-85E5-6AFA2E713B6D}"/>
               </a:ext>
             </a:extLst>
           </p:cNvPr>
@@ -9565,19 +11516,9 @@
                 <a:latin typeface="チェックポイント．（ピリオド）" panose="02000600000000000000" pitchFamily="50" charset="-128"/>
                 <a:ea typeface="チェックポイント．（ピリオド）" panose="02000600000000000000" pitchFamily="50" charset="-128"/>
               </a:rPr>
-              <a:t>ここは次のレベルアップ条件</a:t>
-            </a:r>
-            <a:r>
-              <a:rPr lang="ja-JP" altLang="en-US" dirty="0" smtClean="0">
-                <a:solidFill>
-                  <a:schemeClr val="tx1"/>
-                </a:solidFill>
-                <a:latin typeface="チェックポイント．（ピリオド）" panose="02000600000000000000" pitchFamily="50" charset="-128"/>
-                <a:ea typeface="チェックポイント．（ピリオド）" panose="02000600000000000000" pitchFamily="50" charset="-128"/>
-              </a:rPr>
-              <a:t>と</a:t>
-            </a:r>
-            <a:endParaRPr lang="en-US" altLang="ja-JP" dirty="0" smtClean="0">
+              <a:t>ここは次のレベルアップ条件と</a:t>
+            </a:r>
+            <a:endParaRPr lang="en-US" altLang="ja-JP" dirty="0">
               <a:solidFill>
                 <a:schemeClr val="tx1"/>
               </a:solidFill>
@@ -9588,16 +11529,6 @@
           <a:p>
             <a:pPr algn="ctr"/>
             <a:r>
-              <a:rPr lang="ja-JP" altLang="en-US" dirty="0" smtClean="0">
-                <a:solidFill>
-                  <a:schemeClr val="tx1"/>
-                </a:solidFill>
-                <a:latin typeface="チェックポイント．（ピリオド）" panose="02000600000000000000" pitchFamily="50" charset="-128"/>
-                <a:ea typeface="チェックポイント．（ピリオド）" panose="02000600000000000000" pitchFamily="50" charset="-128"/>
-              </a:rPr>
-              <a:t>レベルアップ</a:t>
-            </a:r>
-            <a:r>
               <a:rPr lang="ja-JP" altLang="en-US" dirty="0">
                 <a:solidFill>
                   <a:schemeClr val="tx1"/>
@@ -9605,7 +11536,7 @@
                 <a:latin typeface="チェックポイント．（ピリオド）" panose="02000600000000000000" pitchFamily="50" charset="-128"/>
                 <a:ea typeface="チェックポイント．（ピリオド）" panose="02000600000000000000" pitchFamily="50" charset="-128"/>
               </a:rPr>
-              <a:t>した際の</a:t>
+              <a:t>レベルアップした際の</a:t>
             </a:r>
             <a:endParaRPr lang="en-US" altLang="ja-JP" dirty="0">
               <a:solidFill>
@@ -9672,7 +11603,7 @@
           <p:cNvPr id="5" name="テキスト ボックス 4">
             <a:extLst>
               <a:ext uri="{FF2B5EF4-FFF2-40B4-BE49-F238E27FC236}">
-                <a16:creationId xmlns="" xmlns:a16="http://schemas.microsoft.com/office/drawing/2014/main" id="{D5807289-5F94-4ABF-BB19-A244DE39AAB7}"/>
+                <a16:creationId xmlns:a16="http://schemas.microsoft.com/office/drawing/2014/main" id="{D5807289-5F94-4ABF-BB19-A244DE39AAB7}"/>
               </a:ext>
             </a:extLst>
           </p:cNvPr>
@@ -9703,28 +11634,14 @@
                 <a:latin typeface="チェックポイント．（ピリオド）" panose="02000600000000000000" pitchFamily="50" charset="-128"/>
                 <a:ea typeface="チェックポイント．（ピリオド）" panose="02000600000000000000" pitchFamily="50" charset="-128"/>
               </a:rPr>
-              <a:t>ヘルプ</a:t>
-            </a:r>
-            <a:r>
-              <a:rPr kumimoji="1" lang="ja-JP" altLang="en-US" sz="4800" dirty="0" smtClean="0">
-                <a:latin typeface="チェックポイント．（ピリオド）" panose="02000600000000000000" pitchFamily="50" charset="-128"/>
-                <a:ea typeface="チェックポイント．（ピリオド）" panose="02000600000000000000" pitchFamily="50" charset="-128"/>
-              </a:rPr>
-              <a:t>：</a:t>
+              <a:t>ヘルプ：</a:t>
             </a:r>
             <a:r>
               <a:rPr lang="ja-JP" altLang="en-US" sz="4800" dirty="0">
                 <a:latin typeface="チェックポイント．（ピリオド）" panose="02000600000000000000" pitchFamily="50" charset="-128"/>
                 <a:ea typeface="チェックポイント．（ピリオド）" panose="02000600000000000000" pitchFamily="50" charset="-128"/>
               </a:rPr>
-              <a:t>三竦</a:t>
-            </a:r>
-            <a:r>
-              <a:rPr lang="ja-JP" altLang="en-US" sz="4800" dirty="0" smtClean="0">
-                <a:latin typeface="チェックポイント．（ピリオド）" panose="02000600000000000000" pitchFamily="50" charset="-128"/>
-                <a:ea typeface="チェックポイント．（ピリオド）" panose="02000600000000000000" pitchFamily="50" charset="-128"/>
-              </a:rPr>
-              <a:t>み</a:t>
+              <a:t>三竦み</a:t>
             </a:r>
             <a:endParaRPr kumimoji="1" lang="ja-JP" altLang="en-US" dirty="0">
               <a:latin typeface="チェックポイント．（ピリオド）" panose="02000600000000000000" pitchFamily="50" charset="-128"/>
@@ -9756,16 +11673,12 @@
           <a:lstStyle/>
           <a:p>
             <a:r>
-              <a:rPr kumimoji="1" lang="ja-JP" altLang="en-US" sz="2400" dirty="0" smtClean="0">
+              <a:rPr kumimoji="1" lang="ja-JP" altLang="en-US" sz="2400" dirty="0">
                 <a:latin typeface="チェックポイント．（ピリオド）" panose="02000600000000000000" pitchFamily="50" charset="-128"/>
                 <a:ea typeface="チェックポイント．（ピリオド）" panose="02000600000000000000" pitchFamily="50" charset="-128"/>
               </a:rPr>
               <a:t>三竦みについて</a:t>
             </a:r>
-            <a:endParaRPr kumimoji="1" lang="ja-JP" altLang="en-US" sz="2400" dirty="0">
-              <a:latin typeface="チェックポイント．（ピリオド）" panose="02000600000000000000" pitchFamily="50" charset="-128"/>
-              <a:ea typeface="チェックポイント．（ピリオド）" panose="02000600000000000000" pitchFamily="50" charset="-128"/>
-            </a:endParaRPr>
           </a:p>
         </p:txBody>
       </p:sp>
@@ -9792,31 +11705,11 @@
           <a:lstStyle/>
           <a:p>
             <a:r>
-              <a:rPr kumimoji="1" lang="ja-JP" altLang="en-US" dirty="0" smtClean="0">
+              <a:rPr kumimoji="1" lang="ja-JP" altLang="en-US" dirty="0">
                 <a:latin typeface="チェックポイント．（ピリオド）" panose="02000600000000000000" pitchFamily="50" charset="-128"/>
                 <a:ea typeface="チェックポイント．（ピリオド）" panose="02000600000000000000" pitchFamily="50" charset="-128"/>
               </a:rPr>
               <a:t>ポッドやミサイルには属性があり</a:t>
-            </a:r>
-            <a:endParaRPr lang="en-US" altLang="ja-JP" dirty="0" smtClean="0">
-              <a:latin typeface="チェックポイント．（ピリオド）" panose="02000600000000000000" pitchFamily="50" charset="-128"/>
-              <a:ea typeface="チェックポイント．（ピリオド）" panose="02000600000000000000" pitchFamily="50" charset="-128"/>
-            </a:endParaRPr>
-          </a:p>
-          <a:p>
-            <a:r>
-              <a:rPr kumimoji="1" lang="ja-JP" altLang="en-US" dirty="0">
-                <a:latin typeface="チェックポイント．（ピリオド）" panose="02000600000000000000" pitchFamily="50" charset="-128"/>
-                <a:ea typeface="チェックポイント．（ピリオド）" panose="02000600000000000000" pitchFamily="50" charset="-128"/>
-              </a:rPr>
-              <a:t>属性</a:t>
-            </a:r>
-            <a:r>
-              <a:rPr kumimoji="1" lang="ja-JP" altLang="en-US" dirty="0" smtClean="0">
-                <a:latin typeface="チェックポイント．（ピリオド）" panose="02000600000000000000" pitchFamily="50" charset="-128"/>
-                <a:ea typeface="チェックポイント．（ピリオド）" panose="02000600000000000000" pitchFamily="50" charset="-128"/>
-              </a:rPr>
-              <a:t>によって有利不利があります。</a:t>
             </a:r>
             <a:endParaRPr lang="en-US" altLang="ja-JP" dirty="0">
               <a:latin typeface="チェックポイント．（ピリオド）" panose="02000600000000000000" pitchFamily="50" charset="-128"/>
@@ -9825,7 +11718,20 @@
           </a:p>
           <a:p>
             <a:r>
-              <a:rPr kumimoji="1" lang="ja-JP" altLang="en-US" dirty="0" smtClean="0">
+              <a:rPr kumimoji="1" lang="ja-JP" altLang="en-US" dirty="0">
+                <a:latin typeface="チェックポイント．（ピリオド）" panose="02000600000000000000" pitchFamily="50" charset="-128"/>
+                <a:ea typeface="チェックポイント．（ピリオド）" panose="02000600000000000000" pitchFamily="50" charset="-128"/>
+              </a:rPr>
+              <a:t>属性によって有利不利があります。</a:t>
+            </a:r>
+            <a:endParaRPr lang="en-US" altLang="ja-JP" dirty="0">
+              <a:latin typeface="チェックポイント．（ピリオド）" panose="02000600000000000000" pitchFamily="50" charset="-128"/>
+              <a:ea typeface="チェックポイント．（ピリオド）" panose="02000600000000000000" pitchFamily="50" charset="-128"/>
+            </a:endParaRPr>
+          </a:p>
+          <a:p>
+            <a:r>
+              <a:rPr kumimoji="1" lang="ja-JP" altLang="en-US" dirty="0">
                 <a:solidFill>
                   <a:srgbClr val="0070C0"/>
                 </a:solidFill>
@@ -9835,14 +11741,14 @@
               <a:t>青</a:t>
             </a:r>
             <a:r>
-              <a:rPr kumimoji="1" lang="ja-JP" altLang="en-US" dirty="0" smtClean="0">
+              <a:rPr kumimoji="1" lang="ja-JP" altLang="en-US" dirty="0">
                 <a:latin typeface="チェックポイント．（ピリオド）" panose="02000600000000000000" pitchFamily="50" charset="-128"/>
                 <a:ea typeface="チェックポイント．（ピリオド）" panose="02000600000000000000" pitchFamily="50" charset="-128"/>
               </a:rPr>
               <a:t>は</a:t>
             </a:r>
             <a:r>
-              <a:rPr kumimoji="1" lang="ja-JP" altLang="en-US" dirty="0" smtClean="0">
+              <a:rPr kumimoji="1" lang="ja-JP" altLang="en-US" dirty="0">
                 <a:solidFill>
                   <a:srgbClr val="FF0000"/>
                 </a:solidFill>
@@ -9852,7 +11758,7 @@
               <a:t>赤</a:t>
             </a:r>
             <a:r>
-              <a:rPr kumimoji="1" lang="ja-JP" altLang="en-US" dirty="0" smtClean="0">
+              <a:rPr kumimoji="1" lang="ja-JP" altLang="en-US" dirty="0">
                 <a:latin typeface="チェックポイント．（ピリオド）" panose="02000600000000000000" pitchFamily="50" charset="-128"/>
                 <a:ea typeface="チェックポイント．（ピリオド）" panose="02000600000000000000" pitchFamily="50" charset="-128"/>
               </a:rPr>
@@ -9869,14 +11775,14 @@
               <a:t>赤</a:t>
             </a:r>
             <a:r>
-              <a:rPr kumimoji="1" lang="ja-JP" altLang="en-US" dirty="0" smtClean="0">
+              <a:rPr kumimoji="1" lang="ja-JP" altLang="en-US" dirty="0">
                 <a:latin typeface="チェックポイント．（ピリオド）" panose="02000600000000000000" pitchFamily="50" charset="-128"/>
                 <a:ea typeface="チェックポイント．（ピリオド）" panose="02000600000000000000" pitchFamily="50" charset="-128"/>
               </a:rPr>
               <a:t>は</a:t>
             </a:r>
             <a:r>
-              <a:rPr kumimoji="1" lang="ja-JP" altLang="en-US" dirty="0" smtClean="0">
+              <a:rPr kumimoji="1" lang="ja-JP" altLang="en-US" dirty="0">
                 <a:solidFill>
                   <a:srgbClr val="00B050"/>
                 </a:solidFill>
@@ -9886,14 +11792,14 @@
               <a:t>緑</a:t>
             </a:r>
             <a:r>
-              <a:rPr kumimoji="1" lang="ja-JP" altLang="en-US" dirty="0" smtClean="0">
+              <a:rPr kumimoji="1" lang="ja-JP" altLang="en-US" dirty="0">
                 <a:latin typeface="チェックポイント．（ピリオド）" panose="02000600000000000000" pitchFamily="50" charset="-128"/>
                 <a:ea typeface="チェックポイント．（ピリオド）" panose="02000600000000000000" pitchFamily="50" charset="-128"/>
               </a:rPr>
               <a:t>に強い、</a:t>
             </a:r>
             <a:r>
-              <a:rPr lang="ja-JP" altLang="en-US" dirty="0" smtClean="0">
+              <a:rPr lang="ja-JP" altLang="en-US" dirty="0">
                 <a:latin typeface="チェックポイント．（ピリオド）" panose="02000600000000000000" pitchFamily="50" charset="-128"/>
                 <a:ea typeface="チェックポイント．（ピリオド）" panose="02000600000000000000" pitchFamily="50" charset="-128"/>
               </a:rPr>
@@ -9910,7 +11816,7 @@
               <a:t>緑</a:t>
             </a:r>
             <a:r>
-              <a:rPr lang="ja-JP" altLang="en-US" dirty="0" smtClean="0">
+              <a:rPr lang="ja-JP" altLang="en-US" dirty="0">
                 <a:latin typeface="チェックポイント．（ピリオド）" panose="02000600000000000000" pitchFamily="50" charset="-128"/>
                 <a:ea typeface="チェックポイント．（ピリオド）" panose="02000600000000000000" pitchFamily="50" charset="-128"/>
               </a:rPr>
@@ -9927,13 +11833,13 @@
               <a:t>青</a:t>
             </a:r>
             <a:r>
-              <a:rPr lang="ja-JP" altLang="en-US" dirty="0" smtClean="0">
+              <a:rPr lang="ja-JP" altLang="en-US" dirty="0">
                 <a:latin typeface="チェックポイント．（ピリオド）" panose="02000600000000000000" pitchFamily="50" charset="-128"/>
                 <a:ea typeface="チェックポイント．（ピリオド）" panose="02000600000000000000" pitchFamily="50" charset="-128"/>
               </a:rPr>
               <a:t>に強い関係になっています。</a:t>
             </a:r>
-            <a:endParaRPr lang="en-US" altLang="ja-JP" dirty="0" smtClean="0">
+            <a:endParaRPr lang="en-US" altLang="ja-JP" dirty="0">
               <a:latin typeface="チェックポイント．（ピリオド）" panose="02000600000000000000" pitchFamily="50" charset="-128"/>
               <a:ea typeface="チェックポイント．（ピリオド）" panose="02000600000000000000" pitchFamily="50" charset="-128"/>
             </a:endParaRPr>
@@ -9946,13 +11852,13 @@
           </a:p>
           <a:p>
             <a:r>
-              <a:rPr kumimoji="1" lang="ja-JP" altLang="en-US" dirty="0" smtClean="0">
+              <a:rPr kumimoji="1" lang="ja-JP" altLang="en-US" dirty="0">
                 <a:latin typeface="チェックポイント．（ピリオド）" panose="02000600000000000000" pitchFamily="50" charset="-128"/>
                 <a:ea typeface="チェックポイント．（ピリオド）" panose="02000600000000000000" pitchFamily="50" charset="-128"/>
               </a:rPr>
               <a:t>白は属性を持つポッドに対して有利をとれますがミサイルに対して弱いです。</a:t>
             </a:r>
-            <a:endParaRPr kumimoji="1" lang="en-US" altLang="ja-JP" dirty="0" smtClean="0">
+            <a:endParaRPr kumimoji="1" lang="en-US" altLang="ja-JP" dirty="0">
               <a:latin typeface="チェックポイント．（ピリオド）" panose="02000600000000000000" pitchFamily="50" charset="-128"/>
               <a:ea typeface="チェックポイント．（ピリオド）" panose="02000600000000000000" pitchFamily="50" charset="-128"/>
             </a:endParaRPr>
@@ -9965,14 +11871,14 @@
           </a:p>
           <a:p>
             <a:r>
-              <a:rPr kumimoji="1" lang="ja-JP" altLang="en-US" dirty="0" smtClean="0">
+              <a:rPr kumimoji="1" lang="ja-JP" altLang="en-US" dirty="0">
                 <a:latin typeface="チェックポイント．（ピリオド）" panose="02000600000000000000" pitchFamily="50" charset="-128"/>
                 <a:ea typeface="チェックポイント．（ピリオド）" panose="02000600000000000000" pitchFamily="50" charset="-128"/>
               </a:rPr>
               <a:t>ミサイルは</a:t>
             </a:r>
             <a:r>
-              <a:rPr kumimoji="1" lang="ja-JP" altLang="en-US" dirty="0" smtClean="0">
+              <a:rPr kumimoji="1" lang="ja-JP" altLang="en-US" dirty="0">
                 <a:solidFill>
                   <a:srgbClr val="FF0000"/>
                 </a:solidFill>
@@ -9982,7 +11888,7 @@
               <a:t>赤</a:t>
             </a:r>
             <a:r>
-              <a:rPr kumimoji="1" lang="ja-JP" altLang="en-US" dirty="0" smtClean="0">
+              <a:rPr kumimoji="1" lang="ja-JP" altLang="en-US" dirty="0">
                 <a:solidFill>
                   <a:srgbClr val="0070C0"/>
                 </a:solidFill>
@@ -9992,7 +11898,7 @@
               <a:t>青</a:t>
             </a:r>
             <a:r>
-              <a:rPr kumimoji="1" lang="ja-JP" altLang="en-US" dirty="0" smtClean="0">
+              <a:rPr kumimoji="1" lang="ja-JP" altLang="en-US" dirty="0">
                 <a:solidFill>
                   <a:srgbClr val="00B050"/>
                 </a:solidFill>
@@ -10002,19 +11908,19 @@
               <a:t>緑</a:t>
             </a:r>
             <a:r>
-              <a:rPr kumimoji="1" lang="ja-JP" altLang="en-US" dirty="0" smtClean="0">
+              <a:rPr kumimoji="1" lang="ja-JP" altLang="en-US" dirty="0">
                 <a:latin typeface="チェックポイント．（ピリオド）" panose="02000600000000000000" pitchFamily="50" charset="-128"/>
                 <a:ea typeface="チェックポイント．（ピリオド）" panose="02000600000000000000" pitchFamily="50" charset="-128"/>
               </a:rPr>
               <a:t>のポッドに対して少ししかダメージを与えることができませんが白ポッドに対して大ダメージを与えることができます。</a:t>
             </a:r>
-            <a:endParaRPr kumimoji="1" lang="en-US" altLang="ja-JP" dirty="0" smtClean="0">
+            <a:endParaRPr kumimoji="1" lang="en-US" altLang="ja-JP" dirty="0">
               <a:latin typeface="チェックポイント．（ピリオド）" panose="02000600000000000000" pitchFamily="50" charset="-128"/>
               <a:ea typeface="チェックポイント．（ピリオド）" panose="02000600000000000000" pitchFamily="50" charset="-128"/>
             </a:endParaRPr>
           </a:p>
           <a:p>
-            <a:endParaRPr kumimoji="1" lang="en-US" altLang="ja-JP" dirty="0" smtClean="0">
+            <a:endParaRPr kumimoji="1" lang="en-US" altLang="ja-JP" dirty="0">
               <a:latin typeface="チェックポイント．（ピリオド）" panose="02000600000000000000" pitchFamily="50" charset="-128"/>
               <a:ea typeface="チェックポイント．（ピリオド）" panose="02000600000000000000" pitchFamily="50" charset="-128"/>
             </a:endParaRPr>
@@ -10026,7 +11932,7 @@
             </a:endParaRPr>
           </a:p>
           <a:p>
-            <a:endParaRPr kumimoji="1" lang="en-US" altLang="ja-JP" dirty="0" smtClean="0">
+            <a:endParaRPr kumimoji="1" lang="en-US" altLang="ja-JP" dirty="0">
               <a:latin typeface="チェックポイント．（ピリオド）" panose="02000600000000000000" pitchFamily="50" charset="-128"/>
               <a:ea typeface="チェックポイント．（ピリオド）" panose="02000600000000000000" pitchFamily="50" charset="-128"/>
             </a:endParaRPr>
@@ -10066,7 +11972,7 @@
               <p:cNvPr id="9" name="グループ化 8">
                 <a:extLst>
                   <a:ext uri="{FF2B5EF4-FFF2-40B4-BE49-F238E27FC236}">
-                    <a16:creationId xmlns="" xmlns:a16="http://schemas.microsoft.com/office/drawing/2014/main" id="{C42471E9-CEF7-4DD0-B2B9-A37027252951}"/>
+                    <a16:creationId xmlns:a16="http://schemas.microsoft.com/office/drawing/2014/main" id="{C42471E9-CEF7-4DD0-B2B9-A37027252951}"/>
                   </a:ext>
                 </a:extLst>
               </p:cNvPr>
@@ -10086,7 +11992,7 @@
                 <p:cNvPr id="10" name="グループ化 9">
                   <a:extLst>
                     <a:ext uri="{FF2B5EF4-FFF2-40B4-BE49-F238E27FC236}">
-                      <a16:creationId xmlns="" xmlns:a16="http://schemas.microsoft.com/office/drawing/2014/main" id="{7D6E456E-2E26-4492-9279-169842641548}"/>
+                      <a16:creationId xmlns:a16="http://schemas.microsoft.com/office/drawing/2014/main" id="{7D6E456E-2E26-4492-9279-169842641548}"/>
                     </a:ext>
                   </a:extLst>
                 </p:cNvPr>
@@ -10106,7 +12012,7 @@
                   <p:cNvPr id="26" name="図 25" descr="物体 が含まれている画像&#10;&#10;自動的に生成された説明">
                     <a:extLst>
                       <a:ext uri="{FF2B5EF4-FFF2-40B4-BE49-F238E27FC236}">
-                        <a16:creationId xmlns="" xmlns:a16="http://schemas.microsoft.com/office/drawing/2014/main" id="{9E2F2156-5A3C-4670-A7BB-42FF8EF7E4F0}"/>
+                        <a16:creationId xmlns:a16="http://schemas.microsoft.com/office/drawing/2014/main" id="{9E2F2156-5A3C-4670-A7BB-42FF8EF7E4F0}"/>
                       </a:ext>
                     </a:extLst>
                   </p:cNvPr>
@@ -10142,7 +12048,7 @@
                   <p:cNvPr id="27" name="テキスト ボックス 26">
                     <a:extLst>
                       <a:ext uri="{FF2B5EF4-FFF2-40B4-BE49-F238E27FC236}">
-                        <a16:creationId xmlns="" xmlns:a16="http://schemas.microsoft.com/office/drawing/2014/main" id="{85DB17C7-0CA8-4460-8B6A-1BBCF3C5CA75}"/>
+                        <a16:creationId xmlns:a16="http://schemas.microsoft.com/office/drawing/2014/main" id="{85DB17C7-0CA8-4460-8B6A-1BBCF3C5CA75}"/>
                       </a:ext>
                     </a:extLst>
                   </p:cNvPr>
@@ -10181,7 +12087,7 @@
                 <p:cNvPr id="11" name="グループ化 10">
                   <a:extLst>
                     <a:ext uri="{FF2B5EF4-FFF2-40B4-BE49-F238E27FC236}">
-                      <a16:creationId xmlns="" xmlns:a16="http://schemas.microsoft.com/office/drawing/2014/main" id="{8FA97864-B0AC-4C37-AB57-3F511EE9B20A}"/>
+                      <a16:creationId xmlns:a16="http://schemas.microsoft.com/office/drawing/2014/main" id="{8FA97864-B0AC-4C37-AB57-3F511EE9B20A}"/>
                     </a:ext>
                   </a:extLst>
                 </p:cNvPr>
@@ -10201,7 +12107,7 @@
                   <p:cNvPr id="24" name="図 23" descr="物体 が含まれている画像&#10;&#10;自動的に生成された説明">
                     <a:extLst>
                       <a:ext uri="{FF2B5EF4-FFF2-40B4-BE49-F238E27FC236}">
-                        <a16:creationId xmlns="" xmlns:a16="http://schemas.microsoft.com/office/drawing/2014/main" id="{539F0BC8-41E3-4ADD-9459-BE0E2D7ABA27}"/>
+                        <a16:creationId xmlns:a16="http://schemas.microsoft.com/office/drawing/2014/main" id="{539F0BC8-41E3-4ADD-9459-BE0E2D7ABA27}"/>
                       </a:ext>
                     </a:extLst>
                   </p:cNvPr>
@@ -10237,7 +12143,7 @@
                   <p:cNvPr id="25" name="テキスト ボックス 24">
                     <a:extLst>
                       <a:ext uri="{FF2B5EF4-FFF2-40B4-BE49-F238E27FC236}">
-                        <a16:creationId xmlns="" xmlns:a16="http://schemas.microsoft.com/office/drawing/2014/main" id="{9D08D78F-597A-41C6-9E61-E721135C20D1}"/>
+                        <a16:creationId xmlns:a16="http://schemas.microsoft.com/office/drawing/2014/main" id="{9D08D78F-597A-41C6-9E61-E721135C20D1}"/>
                       </a:ext>
                     </a:extLst>
                   </p:cNvPr>
@@ -10276,7 +12182,7 @@
                 <p:cNvPr id="12" name="グループ化 11">
                   <a:extLst>
                     <a:ext uri="{FF2B5EF4-FFF2-40B4-BE49-F238E27FC236}">
-                      <a16:creationId xmlns="" xmlns:a16="http://schemas.microsoft.com/office/drawing/2014/main" id="{8F6624A7-F895-493A-8055-873B48C8C19C}"/>
+                      <a16:creationId xmlns:a16="http://schemas.microsoft.com/office/drawing/2014/main" id="{8F6624A7-F895-493A-8055-873B48C8C19C}"/>
                     </a:ext>
                   </a:extLst>
                 </p:cNvPr>
@@ -10296,7 +12202,7 @@
                   <p:cNvPr id="22" name="図 21" descr="物体, 腕時計 が含まれている画像&#10;&#10;自動的に生成された説明">
                     <a:extLst>
                       <a:ext uri="{FF2B5EF4-FFF2-40B4-BE49-F238E27FC236}">
-                        <a16:creationId xmlns="" xmlns:a16="http://schemas.microsoft.com/office/drawing/2014/main" id="{53299244-26D0-4173-ACC6-BD241C768849}"/>
+                        <a16:creationId xmlns:a16="http://schemas.microsoft.com/office/drawing/2014/main" id="{53299244-26D0-4173-ACC6-BD241C768849}"/>
                       </a:ext>
                     </a:extLst>
                   </p:cNvPr>
@@ -10332,7 +12238,7 @@
                   <p:cNvPr id="23" name="テキスト ボックス 22">
                     <a:extLst>
                       <a:ext uri="{FF2B5EF4-FFF2-40B4-BE49-F238E27FC236}">
-                        <a16:creationId xmlns="" xmlns:a16="http://schemas.microsoft.com/office/drawing/2014/main" id="{BF9D5B9B-9876-443A-BE29-B4828D0A5D74}"/>
+                        <a16:creationId xmlns:a16="http://schemas.microsoft.com/office/drawing/2014/main" id="{BF9D5B9B-9876-443A-BE29-B4828D0A5D74}"/>
                       </a:ext>
                     </a:extLst>
                   </p:cNvPr>
@@ -10371,7 +12277,7 @@
                 <p:cNvPr id="13" name="グループ化 12">
                   <a:extLst>
                     <a:ext uri="{FF2B5EF4-FFF2-40B4-BE49-F238E27FC236}">
-                      <a16:creationId xmlns="" xmlns:a16="http://schemas.microsoft.com/office/drawing/2014/main" id="{D317981A-38A9-4594-9159-8C77F7F6D8B4}"/>
+                      <a16:creationId xmlns:a16="http://schemas.microsoft.com/office/drawing/2014/main" id="{D317981A-38A9-4594-9159-8C77F7F6D8B4}"/>
                     </a:ext>
                   </a:extLst>
                 </p:cNvPr>
@@ -10391,7 +12297,7 @@
                   <p:cNvPr id="20" name="図 19" descr="物体 が含まれている画像&#10;&#10;自動的に生成された説明">
                     <a:extLst>
                       <a:ext uri="{FF2B5EF4-FFF2-40B4-BE49-F238E27FC236}">
-                        <a16:creationId xmlns="" xmlns:a16="http://schemas.microsoft.com/office/drawing/2014/main" id="{93CD3867-4A7C-4138-9F28-8B9071FCE1AF}"/>
+                        <a16:creationId xmlns:a16="http://schemas.microsoft.com/office/drawing/2014/main" id="{93CD3867-4A7C-4138-9F28-8B9071FCE1AF}"/>
                       </a:ext>
                     </a:extLst>
                   </p:cNvPr>
@@ -10427,7 +12333,7 @@
                   <p:cNvPr id="21" name="テキスト ボックス 20">
                     <a:extLst>
                       <a:ext uri="{FF2B5EF4-FFF2-40B4-BE49-F238E27FC236}">
-                        <a16:creationId xmlns="" xmlns:a16="http://schemas.microsoft.com/office/drawing/2014/main" id="{C3C71671-55D6-4E40-BC27-288FCF91D2BB}"/>
+                        <a16:creationId xmlns:a16="http://schemas.microsoft.com/office/drawing/2014/main" id="{C3C71671-55D6-4E40-BC27-288FCF91D2BB}"/>
                       </a:ext>
                     </a:extLst>
                   </p:cNvPr>
@@ -10470,7 +12376,7 @@
                 <p:cNvPr id="14" name="直線矢印コネクタ 13">
                   <a:extLst>
                     <a:ext uri="{FF2B5EF4-FFF2-40B4-BE49-F238E27FC236}">
-                      <a16:creationId xmlns="" xmlns:a16="http://schemas.microsoft.com/office/drawing/2014/main" id="{A84A16DD-57C4-4761-A446-249187106E51}"/>
+                      <a16:creationId xmlns:a16="http://schemas.microsoft.com/office/drawing/2014/main" id="{A84A16DD-57C4-4761-A446-249187106E51}"/>
                     </a:ext>
                   </a:extLst>
                 </p:cNvPr>
@@ -10514,7 +12420,7 @@
                 <p:cNvPr id="15" name="直線矢印コネクタ 14">
                   <a:extLst>
                     <a:ext uri="{FF2B5EF4-FFF2-40B4-BE49-F238E27FC236}">
-                      <a16:creationId xmlns="" xmlns:a16="http://schemas.microsoft.com/office/drawing/2014/main" id="{CE867472-33BD-4771-A53A-412FDCEAB859}"/>
+                      <a16:creationId xmlns:a16="http://schemas.microsoft.com/office/drawing/2014/main" id="{CE867472-33BD-4771-A53A-412FDCEAB859}"/>
                     </a:ext>
                   </a:extLst>
                 </p:cNvPr>
@@ -10558,7 +12464,7 @@
                 <p:cNvPr id="16" name="直線矢印コネクタ 15">
                   <a:extLst>
                     <a:ext uri="{FF2B5EF4-FFF2-40B4-BE49-F238E27FC236}">
-                      <a16:creationId xmlns="" xmlns:a16="http://schemas.microsoft.com/office/drawing/2014/main" id="{2F760955-CE29-4903-BDF0-C0EF1A34CD6F}"/>
+                      <a16:creationId xmlns:a16="http://schemas.microsoft.com/office/drawing/2014/main" id="{2F760955-CE29-4903-BDF0-C0EF1A34CD6F}"/>
                     </a:ext>
                   </a:extLst>
                 </p:cNvPr>
@@ -10602,7 +12508,7 @@
                 <p:cNvPr id="17" name="直線矢印コネクタ 16">
                   <a:extLst>
                     <a:ext uri="{FF2B5EF4-FFF2-40B4-BE49-F238E27FC236}">
-                      <a16:creationId xmlns="" xmlns:a16="http://schemas.microsoft.com/office/drawing/2014/main" id="{96E14F16-9B67-48C7-9985-746717E7D2CE}"/>
+                      <a16:creationId xmlns:a16="http://schemas.microsoft.com/office/drawing/2014/main" id="{96E14F16-9B67-48C7-9985-746717E7D2CE}"/>
                     </a:ext>
                   </a:extLst>
                 </p:cNvPr>
@@ -10646,7 +12552,7 @@
                 <p:cNvPr id="18" name="正方形/長方形 17">
                   <a:extLst>
                     <a:ext uri="{FF2B5EF4-FFF2-40B4-BE49-F238E27FC236}">
-                      <a16:creationId xmlns="" xmlns:a16="http://schemas.microsoft.com/office/drawing/2014/main" id="{6ADAFCEE-C028-416D-B257-90B41E02042A}"/>
+                      <a16:creationId xmlns:a16="http://schemas.microsoft.com/office/drawing/2014/main" id="{6ADAFCEE-C028-416D-B257-90B41E02042A}"/>
                     </a:ext>
                   </a:extLst>
                 </p:cNvPr>
@@ -10701,7 +12607,7 @@
                 <p:cNvPr id="19" name="直線矢印コネクタ 18">
                   <a:extLst>
                     <a:ext uri="{FF2B5EF4-FFF2-40B4-BE49-F238E27FC236}">
-                      <a16:creationId xmlns="" xmlns:a16="http://schemas.microsoft.com/office/drawing/2014/main" id="{A2A6B62C-1E0E-432C-9BEC-393C34A1C94C}"/>
+                      <a16:creationId xmlns:a16="http://schemas.microsoft.com/office/drawing/2014/main" id="{A2A6B62C-1E0E-432C-9BEC-393C34A1C94C}"/>
                     </a:ext>
                   </a:extLst>
                 </p:cNvPr>
@@ -10746,7 +12652,7 @@
               <p:cNvPr id="28" name="グループ化 27">
                 <a:extLst>
                   <a:ext uri="{FF2B5EF4-FFF2-40B4-BE49-F238E27FC236}">
-                    <a16:creationId xmlns="" xmlns:a16="http://schemas.microsoft.com/office/drawing/2014/main" id="{7EEE5686-B5B9-4B20-8993-381AFDACF9AB}"/>
+                    <a16:creationId xmlns:a16="http://schemas.microsoft.com/office/drawing/2014/main" id="{7EEE5686-B5B9-4B20-8993-381AFDACF9AB}"/>
                   </a:ext>
                 </a:extLst>
               </p:cNvPr>
@@ -10766,7 +12672,7 @@
                 <p:cNvPr id="29" name="グループ化 28">
                   <a:extLst>
                     <a:ext uri="{FF2B5EF4-FFF2-40B4-BE49-F238E27FC236}">
-                      <a16:creationId xmlns="" xmlns:a16="http://schemas.microsoft.com/office/drawing/2014/main" id="{80B432E5-1E61-4A1C-BB38-CE56CD67DAEC}"/>
+                      <a16:creationId xmlns:a16="http://schemas.microsoft.com/office/drawing/2014/main" id="{80B432E5-1E61-4A1C-BB38-CE56CD67DAEC}"/>
                     </a:ext>
                   </a:extLst>
                 </p:cNvPr>
@@ -10786,7 +12692,7 @@
                   <p:cNvPr id="31" name="直線矢印コネクタ 30">
                     <a:extLst>
                       <a:ext uri="{FF2B5EF4-FFF2-40B4-BE49-F238E27FC236}">
-                        <a16:creationId xmlns="" xmlns:a16="http://schemas.microsoft.com/office/drawing/2014/main" id="{555429FE-F091-46AD-84F7-1B4256D762AB}"/>
+                        <a16:creationId xmlns:a16="http://schemas.microsoft.com/office/drawing/2014/main" id="{555429FE-F091-46AD-84F7-1B4256D762AB}"/>
                       </a:ext>
                     </a:extLst>
                   </p:cNvPr>
@@ -10830,7 +12736,7 @@
                   <p:cNvPr id="32" name="直線矢印コネクタ 31">
                     <a:extLst>
                       <a:ext uri="{FF2B5EF4-FFF2-40B4-BE49-F238E27FC236}">
-                        <a16:creationId xmlns="" xmlns:a16="http://schemas.microsoft.com/office/drawing/2014/main" id="{5030B8C7-7BED-40F6-B6D5-A7CD124D67A9}"/>
+                        <a16:creationId xmlns:a16="http://schemas.microsoft.com/office/drawing/2014/main" id="{5030B8C7-7BED-40F6-B6D5-A7CD124D67A9}"/>
                       </a:ext>
                     </a:extLst>
                   </p:cNvPr>
@@ -10874,7 +12780,7 @@
                   <p:cNvPr id="33" name="テキスト ボックス 32">
                     <a:extLst>
                       <a:ext uri="{FF2B5EF4-FFF2-40B4-BE49-F238E27FC236}">
-                        <a16:creationId xmlns="" xmlns:a16="http://schemas.microsoft.com/office/drawing/2014/main" id="{1BB9FF26-C1AD-43FF-B1A3-3D220E4BC3AA}"/>
+                        <a16:creationId xmlns:a16="http://schemas.microsoft.com/office/drawing/2014/main" id="{1BB9FF26-C1AD-43FF-B1A3-3D220E4BC3AA}"/>
                       </a:ext>
                     </a:extLst>
                   </p:cNvPr>
@@ -10912,7 +12818,7 @@
                   <p:cNvPr id="34" name="テキスト ボックス 33">
                     <a:extLst>
                       <a:ext uri="{FF2B5EF4-FFF2-40B4-BE49-F238E27FC236}">
-                        <a16:creationId xmlns="" xmlns:a16="http://schemas.microsoft.com/office/drawing/2014/main" id="{127090C9-FA03-47A3-B8E5-5AC843148C0C}"/>
+                        <a16:creationId xmlns:a16="http://schemas.microsoft.com/office/drawing/2014/main" id="{127090C9-FA03-47A3-B8E5-5AC843148C0C}"/>
                       </a:ext>
                     </a:extLst>
                   </p:cNvPr>
@@ -10955,7 +12861,7 @@
                 <p:cNvPr id="30" name="正方形/長方形 29">
                   <a:extLst>
                     <a:ext uri="{FF2B5EF4-FFF2-40B4-BE49-F238E27FC236}">
-                      <a16:creationId xmlns="" xmlns:a16="http://schemas.microsoft.com/office/drawing/2014/main" id="{974D7591-C374-4FE7-98C6-F63D715B2F46}"/>
+                      <a16:creationId xmlns:a16="http://schemas.microsoft.com/office/drawing/2014/main" id="{974D7591-C374-4FE7-98C6-F63D715B2F46}"/>
                     </a:ext>
                   </a:extLst>
                 </p:cNvPr>
@@ -11011,7 +12917,7 @@
               <p:cNvPr id="35" name="正方形/長方形 34">
                 <a:extLst>
                   <a:ext uri="{FF2B5EF4-FFF2-40B4-BE49-F238E27FC236}">
-                    <a16:creationId xmlns="" xmlns:a16="http://schemas.microsoft.com/office/drawing/2014/main" id="{A98ECFFF-731C-4C54-95F1-02A8CC15EA71}"/>
+                    <a16:creationId xmlns:a16="http://schemas.microsoft.com/office/drawing/2014/main" id="{A98ECFFF-731C-4C54-95F1-02A8CC15EA71}"/>
                   </a:ext>
                 </a:extLst>
               </p:cNvPr>
@@ -11151,7 +13057,7 @@
             <p:cNvPr id="43" name="直線矢印コネクタ 42">
               <a:extLst>
                 <a:ext uri="{FF2B5EF4-FFF2-40B4-BE49-F238E27FC236}">
-                  <a16:creationId xmlns="" xmlns:a16="http://schemas.microsoft.com/office/drawing/2014/main" id="{A2A6B62C-1E0E-432C-9BEC-393C34A1C94C}"/>
+                  <a16:creationId xmlns:a16="http://schemas.microsoft.com/office/drawing/2014/main" id="{A2A6B62C-1E0E-432C-9BEC-393C34A1C94C}"/>
                 </a:ext>
               </a:extLst>
             </p:cNvPr>
@@ -11195,7 +13101,7 @@
             <p:cNvPr id="53" name="直線矢印コネクタ 52">
               <a:extLst>
                 <a:ext uri="{FF2B5EF4-FFF2-40B4-BE49-F238E27FC236}">
-                  <a16:creationId xmlns="" xmlns:a16="http://schemas.microsoft.com/office/drawing/2014/main" id="{A2A6B62C-1E0E-432C-9BEC-393C34A1C94C}"/>
+                  <a16:creationId xmlns:a16="http://schemas.microsoft.com/office/drawing/2014/main" id="{A2A6B62C-1E0E-432C-9BEC-393C34A1C94C}"/>
                 </a:ext>
               </a:extLst>
             </p:cNvPr>

--- a/説明文.pptx
+++ b/説明文.pptx
@@ -208,7 +208,7 @@
           <a:p>
             <a:fld id="{D3517757-E664-4BB3-B78C-0CBDD076F206}" type="datetimeFigureOut">
               <a:rPr kumimoji="1" lang="ja-JP" altLang="en-US" smtClean="0"/>
-              <a:t>2019/7/24</a:t>
+              <a:t>2019/7/25</a:t>
             </a:fld>
             <a:endParaRPr kumimoji="1" lang="ja-JP" altLang="en-US"/>
           </a:p>
@@ -636,7 +636,7 @@
           <a:p>
             <a:fld id="{8F2BA968-46FA-4915-82D5-53748CAAB103}" type="datetimeFigureOut">
               <a:rPr kumimoji="1" lang="ja-JP" altLang="en-US" smtClean="0"/>
-              <a:t>2019/7/24</a:t>
+              <a:t>2019/7/25</a:t>
             </a:fld>
             <a:endParaRPr kumimoji="1" lang="ja-JP" altLang="en-US" dirty="0"/>
           </a:p>
@@ -836,7 +836,7 @@
           <a:p>
             <a:fld id="{8F2BA968-46FA-4915-82D5-53748CAAB103}" type="datetimeFigureOut">
               <a:rPr kumimoji="1" lang="ja-JP" altLang="en-US" smtClean="0"/>
-              <a:t>2019/7/24</a:t>
+              <a:t>2019/7/25</a:t>
             </a:fld>
             <a:endParaRPr kumimoji="1" lang="ja-JP" altLang="en-US" dirty="0"/>
           </a:p>
@@ -1046,7 +1046,7 @@
           <a:p>
             <a:fld id="{8F2BA968-46FA-4915-82D5-53748CAAB103}" type="datetimeFigureOut">
               <a:rPr kumimoji="1" lang="ja-JP" altLang="en-US" smtClean="0"/>
-              <a:t>2019/7/24</a:t>
+              <a:t>2019/7/25</a:t>
             </a:fld>
             <a:endParaRPr kumimoji="1" lang="ja-JP" altLang="en-US" dirty="0"/>
           </a:p>
@@ -1246,7 +1246,7 @@
           <a:p>
             <a:fld id="{8F2BA968-46FA-4915-82D5-53748CAAB103}" type="datetimeFigureOut">
               <a:rPr kumimoji="1" lang="ja-JP" altLang="en-US" smtClean="0"/>
-              <a:t>2019/7/24</a:t>
+              <a:t>2019/7/25</a:t>
             </a:fld>
             <a:endParaRPr kumimoji="1" lang="ja-JP" altLang="en-US" dirty="0"/>
           </a:p>
@@ -1491,7 +1491,7 @@
           <a:p>
             <a:fld id="{8F2BA968-46FA-4915-82D5-53748CAAB103}" type="datetimeFigureOut">
               <a:rPr kumimoji="1" lang="ja-JP" altLang="en-US" smtClean="0"/>
-              <a:t>2019/7/24</a:t>
+              <a:t>2019/7/25</a:t>
             </a:fld>
             <a:endParaRPr kumimoji="1" lang="ja-JP" altLang="en-US" dirty="0"/>
           </a:p>
@@ -1784,7 +1784,7 @@
           <a:p>
             <a:fld id="{8F2BA968-46FA-4915-82D5-53748CAAB103}" type="datetimeFigureOut">
               <a:rPr kumimoji="1" lang="ja-JP" altLang="en-US" smtClean="0"/>
-              <a:t>2019/7/24</a:t>
+              <a:t>2019/7/25</a:t>
             </a:fld>
             <a:endParaRPr kumimoji="1" lang="ja-JP" altLang="en-US" dirty="0"/>
           </a:p>
@@ -2212,7 +2212,7 @@
           <a:p>
             <a:fld id="{8F2BA968-46FA-4915-82D5-53748CAAB103}" type="datetimeFigureOut">
               <a:rPr kumimoji="1" lang="ja-JP" altLang="en-US" smtClean="0"/>
-              <a:t>2019/7/24</a:t>
+              <a:t>2019/7/25</a:t>
             </a:fld>
             <a:endParaRPr kumimoji="1" lang="ja-JP" altLang="en-US" dirty="0"/>
           </a:p>
@@ -2329,7 +2329,7 @@
           <a:p>
             <a:fld id="{8F2BA968-46FA-4915-82D5-53748CAAB103}" type="datetimeFigureOut">
               <a:rPr kumimoji="1" lang="ja-JP" altLang="en-US" smtClean="0"/>
-              <a:t>2019/7/24</a:t>
+              <a:t>2019/7/25</a:t>
             </a:fld>
             <a:endParaRPr kumimoji="1" lang="ja-JP" altLang="en-US" dirty="0"/>
           </a:p>
@@ -2424,7 +2424,7 @@
           <a:p>
             <a:fld id="{8F2BA968-46FA-4915-82D5-53748CAAB103}" type="datetimeFigureOut">
               <a:rPr kumimoji="1" lang="ja-JP" altLang="en-US" smtClean="0"/>
-              <a:t>2019/7/24</a:t>
+              <a:t>2019/7/25</a:t>
             </a:fld>
             <a:endParaRPr kumimoji="1" lang="ja-JP" altLang="en-US" dirty="0"/>
           </a:p>
@@ -2731,7 +2731,7 @@
           <a:p>
             <a:fld id="{8F2BA968-46FA-4915-82D5-53748CAAB103}" type="datetimeFigureOut">
               <a:rPr kumimoji="1" lang="ja-JP" altLang="en-US" smtClean="0"/>
-              <a:t>2019/7/24</a:t>
+              <a:t>2019/7/25</a:t>
             </a:fld>
             <a:endParaRPr kumimoji="1" lang="ja-JP" altLang="en-US" dirty="0"/>
           </a:p>
@@ -2983,7 +2983,7 @@
           <a:p>
             <a:fld id="{8F2BA968-46FA-4915-82D5-53748CAAB103}" type="datetimeFigureOut">
               <a:rPr kumimoji="1" lang="ja-JP" altLang="en-US" smtClean="0"/>
-              <a:t>2019/7/24</a:t>
+              <a:t>2019/7/25</a:t>
             </a:fld>
             <a:endParaRPr kumimoji="1" lang="ja-JP" altLang="en-US" dirty="0"/>
           </a:p>
@@ -3226,7 +3226,7 @@
           <a:p>
             <a:fld id="{8F2BA968-46FA-4915-82D5-53748CAAB103}" type="datetimeFigureOut">
               <a:rPr kumimoji="1" lang="ja-JP" altLang="en-US" smtClean="0"/>
-              <a:t>2019/7/24</a:t>
+              <a:t>2019/7/25</a:t>
             </a:fld>
             <a:endParaRPr kumimoji="1" lang="ja-JP" altLang="en-US" dirty="0"/>
           </a:p>
@@ -6303,7 +6303,56 @@
                 <a:latin typeface="チェックポイント．（ピリオド）" panose="02000600000000000000" pitchFamily="50" charset="-128"/>
                 <a:ea typeface="チェックポイント．（ピリオド）" panose="02000600000000000000" pitchFamily="50" charset="-128"/>
               </a:rPr>
-              <a:t>赤色になっていくにつれて住民がオーバーワークになりポッドにコスモパワーを十分に補給できなくなり、ポッドの攻撃力が下がってしまいます。</a:t>
+              <a:t>赤色になっていくにつれて住民がオーバーワーク</a:t>
+            </a:r>
+            <a:r>
+              <a:rPr kumimoji="1" lang="ja-JP" altLang="en-US">
+                <a:latin typeface="チェックポイント．（ピリオド）" panose="02000600000000000000" pitchFamily="50" charset="-128"/>
+                <a:ea typeface="チェックポイント．（ピリオド）" panose="02000600000000000000" pitchFamily="50" charset="-128"/>
+              </a:rPr>
+              <a:t>になりポッド</a:t>
+            </a:r>
+            <a:r>
+              <a:rPr kumimoji="1" lang="ja-JP" altLang="en-US" dirty="0">
+                <a:latin typeface="チェックポイント．（ピリオド）" panose="02000600000000000000" pitchFamily="50" charset="-128"/>
+                <a:ea typeface="チェックポイント．（ピリオド）" panose="02000600000000000000" pitchFamily="50" charset="-128"/>
+              </a:rPr>
+              <a:t>にコスモパワーを十分に</a:t>
+            </a:r>
+            <a:r>
+              <a:rPr kumimoji="1" lang="ja-JP" altLang="en-US">
+                <a:latin typeface="チェックポイント．（ピリオド）" panose="02000600000000000000" pitchFamily="50" charset="-128"/>
+                <a:ea typeface="チェックポイント．（ピリオド）" panose="02000600000000000000" pitchFamily="50" charset="-128"/>
+              </a:rPr>
+              <a:t>補給できなく</a:t>
+            </a:r>
+            <a:r>
+              <a:rPr lang="ja-JP" altLang="en-US">
+                <a:latin typeface="チェックポイント．（ピリオド）" panose="02000600000000000000" pitchFamily="50" charset="-128"/>
+                <a:ea typeface="チェックポイント．（ピリオド）" panose="02000600000000000000" pitchFamily="50" charset="-128"/>
+              </a:rPr>
+              <a:t>なって</a:t>
+            </a:r>
+            <a:r>
+              <a:rPr kumimoji="1" lang="ja-JP" altLang="en-US">
+                <a:latin typeface="チェックポイント．（ピリオド）" panose="02000600000000000000" pitchFamily="50" charset="-128"/>
+                <a:ea typeface="チェックポイント．（ピリオド）" panose="02000600000000000000" pitchFamily="50" charset="-128"/>
+              </a:rPr>
+              <a:t>、ポッドの耐久力が下がってしまい、</a:t>
+            </a:r>
+            <a:r>
+              <a:rPr lang="ja-JP" altLang="en-US">
+                <a:latin typeface="チェックポイント．（ピリオド）" panose="02000600000000000000" pitchFamily="50" charset="-128"/>
+                <a:ea typeface="チェックポイント．（ピリオド）" panose="02000600000000000000" pitchFamily="50" charset="-128"/>
+              </a:rPr>
+              <a:t>受けるダメージが増えます</a:t>
+            </a:r>
+            <a:r>
+              <a:rPr kumimoji="1" lang="ja-JP" altLang="en-US">
+                <a:latin typeface="チェックポイント．（ピリオド）" panose="02000600000000000000" pitchFamily="50" charset="-128"/>
+                <a:ea typeface="チェックポイント．（ピリオド）" panose="02000600000000000000" pitchFamily="50" charset="-128"/>
+              </a:rPr>
+              <a:t>。</a:t>
             </a:r>
             <a:endParaRPr kumimoji="1" lang="en-US" altLang="ja-JP" dirty="0">
               <a:latin typeface="チェックポイント．（ピリオド）" panose="02000600000000000000" pitchFamily="50" charset="-128"/>

--- a/説明文.pptx
+++ b/説明文.pptx
@@ -208,7 +208,7 @@
           <a:p>
             <a:fld id="{D3517757-E664-4BB3-B78C-0CBDD076F206}" type="datetimeFigureOut">
               <a:rPr kumimoji="1" lang="ja-JP" altLang="en-US" smtClean="0"/>
-              <a:t>2019/7/25</a:t>
+              <a:t>2019/7/26</a:t>
             </a:fld>
             <a:endParaRPr kumimoji="1" lang="ja-JP" altLang="en-US"/>
           </a:p>
@@ -636,7 +636,7 @@
           <a:p>
             <a:fld id="{8F2BA968-46FA-4915-82D5-53748CAAB103}" type="datetimeFigureOut">
               <a:rPr kumimoji="1" lang="ja-JP" altLang="en-US" smtClean="0"/>
-              <a:t>2019/7/25</a:t>
+              <a:t>2019/7/26</a:t>
             </a:fld>
             <a:endParaRPr kumimoji="1" lang="ja-JP" altLang="en-US" dirty="0"/>
           </a:p>
@@ -836,7 +836,7 @@
           <a:p>
             <a:fld id="{8F2BA968-46FA-4915-82D5-53748CAAB103}" type="datetimeFigureOut">
               <a:rPr kumimoji="1" lang="ja-JP" altLang="en-US" smtClean="0"/>
-              <a:t>2019/7/25</a:t>
+              <a:t>2019/7/26</a:t>
             </a:fld>
             <a:endParaRPr kumimoji="1" lang="ja-JP" altLang="en-US" dirty="0"/>
           </a:p>
@@ -1046,7 +1046,7 @@
           <a:p>
             <a:fld id="{8F2BA968-46FA-4915-82D5-53748CAAB103}" type="datetimeFigureOut">
               <a:rPr kumimoji="1" lang="ja-JP" altLang="en-US" smtClean="0"/>
-              <a:t>2019/7/25</a:t>
+              <a:t>2019/7/26</a:t>
             </a:fld>
             <a:endParaRPr kumimoji="1" lang="ja-JP" altLang="en-US" dirty="0"/>
           </a:p>
@@ -1246,7 +1246,7 @@
           <a:p>
             <a:fld id="{8F2BA968-46FA-4915-82D5-53748CAAB103}" type="datetimeFigureOut">
               <a:rPr kumimoji="1" lang="ja-JP" altLang="en-US" smtClean="0"/>
-              <a:t>2019/7/25</a:t>
+              <a:t>2019/7/26</a:t>
             </a:fld>
             <a:endParaRPr kumimoji="1" lang="ja-JP" altLang="en-US" dirty="0"/>
           </a:p>
@@ -1491,7 +1491,7 @@
           <a:p>
             <a:fld id="{8F2BA968-46FA-4915-82D5-53748CAAB103}" type="datetimeFigureOut">
               <a:rPr kumimoji="1" lang="ja-JP" altLang="en-US" smtClean="0"/>
-              <a:t>2019/7/25</a:t>
+              <a:t>2019/7/26</a:t>
             </a:fld>
             <a:endParaRPr kumimoji="1" lang="ja-JP" altLang="en-US" dirty="0"/>
           </a:p>
@@ -1784,7 +1784,7 @@
           <a:p>
             <a:fld id="{8F2BA968-46FA-4915-82D5-53748CAAB103}" type="datetimeFigureOut">
               <a:rPr kumimoji="1" lang="ja-JP" altLang="en-US" smtClean="0"/>
-              <a:t>2019/7/25</a:t>
+              <a:t>2019/7/26</a:t>
             </a:fld>
             <a:endParaRPr kumimoji="1" lang="ja-JP" altLang="en-US" dirty="0"/>
           </a:p>
@@ -2212,7 +2212,7 @@
           <a:p>
             <a:fld id="{8F2BA968-46FA-4915-82D5-53748CAAB103}" type="datetimeFigureOut">
               <a:rPr kumimoji="1" lang="ja-JP" altLang="en-US" smtClean="0"/>
-              <a:t>2019/7/25</a:t>
+              <a:t>2019/7/26</a:t>
             </a:fld>
             <a:endParaRPr kumimoji="1" lang="ja-JP" altLang="en-US" dirty="0"/>
           </a:p>
@@ -2329,7 +2329,7 @@
           <a:p>
             <a:fld id="{8F2BA968-46FA-4915-82D5-53748CAAB103}" type="datetimeFigureOut">
               <a:rPr kumimoji="1" lang="ja-JP" altLang="en-US" smtClean="0"/>
-              <a:t>2019/7/25</a:t>
+              <a:t>2019/7/26</a:t>
             </a:fld>
             <a:endParaRPr kumimoji="1" lang="ja-JP" altLang="en-US" dirty="0"/>
           </a:p>
@@ -2424,7 +2424,7 @@
           <a:p>
             <a:fld id="{8F2BA968-46FA-4915-82D5-53748CAAB103}" type="datetimeFigureOut">
               <a:rPr kumimoji="1" lang="ja-JP" altLang="en-US" smtClean="0"/>
-              <a:t>2019/7/25</a:t>
+              <a:t>2019/7/26</a:t>
             </a:fld>
             <a:endParaRPr kumimoji="1" lang="ja-JP" altLang="en-US" dirty="0"/>
           </a:p>
@@ -2731,7 +2731,7 @@
           <a:p>
             <a:fld id="{8F2BA968-46FA-4915-82D5-53748CAAB103}" type="datetimeFigureOut">
               <a:rPr kumimoji="1" lang="ja-JP" altLang="en-US" smtClean="0"/>
-              <a:t>2019/7/25</a:t>
+              <a:t>2019/7/26</a:t>
             </a:fld>
             <a:endParaRPr kumimoji="1" lang="ja-JP" altLang="en-US" dirty="0"/>
           </a:p>
@@ -2983,7 +2983,7 @@
           <a:p>
             <a:fld id="{8F2BA968-46FA-4915-82D5-53748CAAB103}" type="datetimeFigureOut">
               <a:rPr kumimoji="1" lang="ja-JP" altLang="en-US" smtClean="0"/>
-              <a:t>2019/7/25</a:t>
+              <a:t>2019/7/26</a:t>
             </a:fld>
             <a:endParaRPr kumimoji="1" lang="ja-JP" altLang="en-US" dirty="0"/>
           </a:p>
@@ -3226,7 +3226,7 @@
           <a:p>
             <a:fld id="{8F2BA968-46FA-4915-82D5-53748CAAB103}" type="datetimeFigureOut">
               <a:rPr kumimoji="1" lang="ja-JP" altLang="en-US" smtClean="0"/>
-              <a:t>2019/7/25</a:t>
+              <a:t>2019/7/26</a:t>
             </a:fld>
             <a:endParaRPr kumimoji="1" lang="ja-JP" altLang="en-US" dirty="0"/>
           </a:p>
@@ -3636,7 +3636,7 @@
           <p:cNvPr id="4" name="図 3" descr="スクリーンショット が含まれている画像&#10;&#10;自動的に生成された説明">
             <a:extLst>
               <a:ext uri="{FF2B5EF4-FFF2-40B4-BE49-F238E27FC236}">
-                <a16:creationId xmlns:a16="http://schemas.microsoft.com/office/drawing/2014/main" id="{48282D74-7C89-4D68-8F6E-D62AC9485402}"/>
+                <a16:creationId xmlns:a16="http://schemas.microsoft.com/office/drawing/2014/main" xmlns="" id="{48282D74-7C89-4D68-8F6E-D62AC9485402}"/>
               </a:ext>
             </a:extLst>
           </p:cNvPr>
@@ -3971,7 +3971,7 @@
           <p:cNvPr id="6" name="正方形/長方形 5">
             <a:extLst>
               <a:ext uri="{FF2B5EF4-FFF2-40B4-BE49-F238E27FC236}">
-                <a16:creationId xmlns:a16="http://schemas.microsoft.com/office/drawing/2014/main" id="{E239D52D-8A0E-45C2-9D76-49681F4F3023}"/>
+                <a16:creationId xmlns:a16="http://schemas.microsoft.com/office/drawing/2014/main" xmlns="" id="{E239D52D-8A0E-45C2-9D76-49681F4F3023}"/>
               </a:ext>
             </a:extLst>
           </p:cNvPr>
@@ -4023,7 +4023,7 @@
           <p:cNvPr id="12" name="正方形/長方形 11">
             <a:extLst>
               <a:ext uri="{FF2B5EF4-FFF2-40B4-BE49-F238E27FC236}">
-                <a16:creationId xmlns:a16="http://schemas.microsoft.com/office/drawing/2014/main" id="{44B16076-58F3-411C-BA21-CC2F6BFDF2CA}"/>
+                <a16:creationId xmlns:a16="http://schemas.microsoft.com/office/drawing/2014/main" xmlns="" id="{44B16076-58F3-411C-BA21-CC2F6BFDF2CA}"/>
               </a:ext>
             </a:extLst>
           </p:cNvPr>
@@ -4075,7 +4075,7 @@
           <p:cNvPr id="13" name="正方形/長方形 12">
             <a:extLst>
               <a:ext uri="{FF2B5EF4-FFF2-40B4-BE49-F238E27FC236}">
-                <a16:creationId xmlns:a16="http://schemas.microsoft.com/office/drawing/2014/main" id="{48971A5D-F76B-4813-83D2-2D825B6A3202}"/>
+                <a16:creationId xmlns:a16="http://schemas.microsoft.com/office/drawing/2014/main" xmlns="" id="{48971A5D-F76B-4813-83D2-2D825B6A3202}"/>
               </a:ext>
             </a:extLst>
           </p:cNvPr>
@@ -4157,7 +4157,7 @@
           <p:cNvPr id="4" name="テキスト ボックス 3">
             <a:extLst>
               <a:ext uri="{FF2B5EF4-FFF2-40B4-BE49-F238E27FC236}">
-                <a16:creationId xmlns:a16="http://schemas.microsoft.com/office/drawing/2014/main" id="{C41C563A-40AB-403A-8661-FE9944DE17B5}"/>
+                <a16:creationId xmlns:a16="http://schemas.microsoft.com/office/drawing/2014/main" xmlns="" id="{C41C563A-40AB-403A-8661-FE9944DE17B5}"/>
               </a:ext>
             </a:extLst>
           </p:cNvPr>
@@ -4202,7 +4202,7 @@
           <p:cNvPr id="5" name="テキスト ボックス 4">
             <a:extLst>
               <a:ext uri="{FF2B5EF4-FFF2-40B4-BE49-F238E27FC236}">
-                <a16:creationId xmlns:a16="http://schemas.microsoft.com/office/drawing/2014/main" id="{4942987D-E9F9-4BC9-8090-7DA7D48916EF}"/>
+                <a16:creationId xmlns:a16="http://schemas.microsoft.com/office/drawing/2014/main" xmlns="" id="{4942987D-E9F9-4BC9-8090-7DA7D48916EF}"/>
               </a:ext>
             </a:extLst>
           </p:cNvPr>
@@ -4240,7 +4240,7 @@
           <p:cNvPr id="40" name="テキスト ボックス 39">
             <a:extLst>
               <a:ext uri="{FF2B5EF4-FFF2-40B4-BE49-F238E27FC236}">
-                <a16:creationId xmlns:a16="http://schemas.microsoft.com/office/drawing/2014/main" id="{F1EA6A6B-D4D0-463A-A599-CE219946A74B}"/>
+                <a16:creationId xmlns:a16="http://schemas.microsoft.com/office/drawing/2014/main" xmlns="" id="{F1EA6A6B-D4D0-463A-A599-CE219946A74B}"/>
               </a:ext>
             </a:extLst>
           </p:cNvPr>
@@ -4526,7 +4526,7 @@
           <p:cNvPr id="47" name="グループ化 46">
             <a:extLst>
               <a:ext uri="{FF2B5EF4-FFF2-40B4-BE49-F238E27FC236}">
-                <a16:creationId xmlns:a16="http://schemas.microsoft.com/office/drawing/2014/main" id="{3CB0CBD5-C2FE-46AB-9EAF-C9949E68FDD5}"/>
+                <a16:creationId xmlns:a16="http://schemas.microsoft.com/office/drawing/2014/main" xmlns="" id="{3CB0CBD5-C2FE-46AB-9EAF-C9949E68FDD5}"/>
               </a:ext>
             </a:extLst>
           </p:cNvPr>
@@ -4546,7 +4546,7 @@
             <p:cNvPr id="22" name="グループ化 21">
               <a:extLst>
                 <a:ext uri="{FF2B5EF4-FFF2-40B4-BE49-F238E27FC236}">
-                  <a16:creationId xmlns:a16="http://schemas.microsoft.com/office/drawing/2014/main" id="{2B78E3B8-6F86-4761-8FD3-82445D0604CC}"/>
+                  <a16:creationId xmlns:a16="http://schemas.microsoft.com/office/drawing/2014/main" xmlns="" id="{2B78E3B8-6F86-4761-8FD3-82445D0604CC}"/>
                 </a:ext>
               </a:extLst>
             </p:cNvPr>
@@ -4566,7 +4566,7 @@
               <p:cNvPr id="38" name="図 37" descr="物体 が含まれている画像&#10;&#10;自動的に生成された説明">
                 <a:extLst>
                   <a:ext uri="{FF2B5EF4-FFF2-40B4-BE49-F238E27FC236}">
-                    <a16:creationId xmlns:a16="http://schemas.microsoft.com/office/drawing/2014/main" id="{479B4DDF-7427-437E-87B7-7994E26E728C}"/>
+                    <a16:creationId xmlns:a16="http://schemas.microsoft.com/office/drawing/2014/main" xmlns="" id="{479B4DDF-7427-437E-87B7-7994E26E728C}"/>
                   </a:ext>
                 </a:extLst>
               </p:cNvPr>
@@ -4602,7 +4602,7 @@
               <p:cNvPr id="39" name="テキスト ボックス 38">
                 <a:extLst>
                   <a:ext uri="{FF2B5EF4-FFF2-40B4-BE49-F238E27FC236}">
-                    <a16:creationId xmlns:a16="http://schemas.microsoft.com/office/drawing/2014/main" id="{9774E31A-0063-4CE0-A9A1-D45BBB05A9C8}"/>
+                    <a16:creationId xmlns:a16="http://schemas.microsoft.com/office/drawing/2014/main" xmlns="" id="{9774E31A-0063-4CE0-A9A1-D45BBB05A9C8}"/>
                   </a:ext>
                 </a:extLst>
               </p:cNvPr>
@@ -4642,7 +4642,7 @@
             <p:cNvPr id="23" name="グループ化 22">
               <a:extLst>
                 <a:ext uri="{FF2B5EF4-FFF2-40B4-BE49-F238E27FC236}">
-                  <a16:creationId xmlns:a16="http://schemas.microsoft.com/office/drawing/2014/main" id="{8CEB5C1D-B949-4327-B495-5272910D5F87}"/>
+                  <a16:creationId xmlns:a16="http://schemas.microsoft.com/office/drawing/2014/main" xmlns="" id="{8CEB5C1D-B949-4327-B495-5272910D5F87}"/>
                 </a:ext>
               </a:extLst>
             </p:cNvPr>
@@ -4662,7 +4662,7 @@
               <p:cNvPr id="36" name="図 35" descr="物体 が含まれている画像&#10;&#10;自動的に生成された説明">
                 <a:extLst>
                   <a:ext uri="{FF2B5EF4-FFF2-40B4-BE49-F238E27FC236}">
-                    <a16:creationId xmlns:a16="http://schemas.microsoft.com/office/drawing/2014/main" id="{FB1C4056-473E-4E06-A623-40D4081C4EAC}"/>
+                    <a16:creationId xmlns:a16="http://schemas.microsoft.com/office/drawing/2014/main" xmlns="" id="{FB1C4056-473E-4E06-A623-40D4081C4EAC}"/>
                   </a:ext>
                 </a:extLst>
               </p:cNvPr>
@@ -4698,7 +4698,7 @@
               <p:cNvPr id="37" name="テキスト ボックス 36">
                 <a:extLst>
                   <a:ext uri="{FF2B5EF4-FFF2-40B4-BE49-F238E27FC236}">
-                    <a16:creationId xmlns:a16="http://schemas.microsoft.com/office/drawing/2014/main" id="{A9417AE6-E050-4A1B-991F-46A51E57761E}"/>
+                    <a16:creationId xmlns:a16="http://schemas.microsoft.com/office/drawing/2014/main" xmlns="" id="{A9417AE6-E050-4A1B-991F-46A51E57761E}"/>
                   </a:ext>
                 </a:extLst>
               </p:cNvPr>
@@ -4738,7 +4738,7 @@
             <p:cNvPr id="24" name="グループ化 23">
               <a:extLst>
                 <a:ext uri="{FF2B5EF4-FFF2-40B4-BE49-F238E27FC236}">
-                  <a16:creationId xmlns:a16="http://schemas.microsoft.com/office/drawing/2014/main" id="{9400590E-D727-4D03-98FF-0ACD12EBC352}"/>
+                  <a16:creationId xmlns:a16="http://schemas.microsoft.com/office/drawing/2014/main" xmlns="" id="{9400590E-D727-4D03-98FF-0ACD12EBC352}"/>
                 </a:ext>
               </a:extLst>
             </p:cNvPr>
@@ -4758,7 +4758,7 @@
               <p:cNvPr id="34" name="図 33" descr="物体, 腕時計 が含まれている画像&#10;&#10;自動的に生成された説明">
                 <a:extLst>
                   <a:ext uri="{FF2B5EF4-FFF2-40B4-BE49-F238E27FC236}">
-                    <a16:creationId xmlns:a16="http://schemas.microsoft.com/office/drawing/2014/main" id="{734930D0-5E47-475F-948D-174F652567D0}"/>
+                    <a16:creationId xmlns:a16="http://schemas.microsoft.com/office/drawing/2014/main" xmlns="" id="{734930D0-5E47-475F-948D-174F652567D0}"/>
                   </a:ext>
                 </a:extLst>
               </p:cNvPr>
@@ -4794,7 +4794,7 @@
               <p:cNvPr id="35" name="テキスト ボックス 34">
                 <a:extLst>
                   <a:ext uri="{FF2B5EF4-FFF2-40B4-BE49-F238E27FC236}">
-                    <a16:creationId xmlns:a16="http://schemas.microsoft.com/office/drawing/2014/main" id="{99360FF1-7996-43C2-A24E-1DB68F403FE0}"/>
+                    <a16:creationId xmlns:a16="http://schemas.microsoft.com/office/drawing/2014/main" xmlns="" id="{99360FF1-7996-43C2-A24E-1DB68F403FE0}"/>
                   </a:ext>
                 </a:extLst>
               </p:cNvPr>
@@ -4834,7 +4834,7 @@
             <p:cNvPr id="25" name="グループ化 24">
               <a:extLst>
                 <a:ext uri="{FF2B5EF4-FFF2-40B4-BE49-F238E27FC236}">
-                  <a16:creationId xmlns:a16="http://schemas.microsoft.com/office/drawing/2014/main" id="{2DC9847F-77D2-4405-8121-1FE5585768EA}"/>
+                  <a16:creationId xmlns:a16="http://schemas.microsoft.com/office/drawing/2014/main" xmlns="" id="{2DC9847F-77D2-4405-8121-1FE5585768EA}"/>
                 </a:ext>
               </a:extLst>
             </p:cNvPr>
@@ -4854,7 +4854,7 @@
               <p:cNvPr id="32" name="図 31" descr="物体 が含まれている画像&#10;&#10;自動的に生成された説明">
                 <a:extLst>
                   <a:ext uri="{FF2B5EF4-FFF2-40B4-BE49-F238E27FC236}">
-                    <a16:creationId xmlns:a16="http://schemas.microsoft.com/office/drawing/2014/main" id="{275FE74A-218C-4A15-9492-6A63781312F0}"/>
+                    <a16:creationId xmlns:a16="http://schemas.microsoft.com/office/drawing/2014/main" xmlns="" id="{275FE74A-218C-4A15-9492-6A63781312F0}"/>
                   </a:ext>
                 </a:extLst>
               </p:cNvPr>
@@ -4890,7 +4890,7 @@
               <p:cNvPr id="33" name="テキスト ボックス 32">
                 <a:extLst>
                   <a:ext uri="{FF2B5EF4-FFF2-40B4-BE49-F238E27FC236}">
-                    <a16:creationId xmlns:a16="http://schemas.microsoft.com/office/drawing/2014/main" id="{7FEA8835-C677-4EFC-9624-2596C7E0A572}"/>
+                    <a16:creationId xmlns:a16="http://schemas.microsoft.com/office/drawing/2014/main" xmlns="" id="{7FEA8835-C677-4EFC-9624-2596C7E0A572}"/>
                   </a:ext>
                 </a:extLst>
               </p:cNvPr>
@@ -4934,7 +4934,7 @@
             <p:cNvPr id="11" name="図 10">
               <a:extLst>
                 <a:ext uri="{FF2B5EF4-FFF2-40B4-BE49-F238E27FC236}">
-                  <a16:creationId xmlns:a16="http://schemas.microsoft.com/office/drawing/2014/main" id="{49264E83-2EAE-4079-9AD2-AC2D699F0D1F}"/>
+                  <a16:creationId xmlns:a16="http://schemas.microsoft.com/office/drawing/2014/main" xmlns="" id="{49264E83-2EAE-4079-9AD2-AC2D699F0D1F}"/>
                 </a:ext>
               </a:extLst>
             </p:cNvPr>
@@ -4970,7 +4970,7 @@
             <p:cNvPr id="41" name="テキスト ボックス 40">
               <a:extLst>
                 <a:ext uri="{FF2B5EF4-FFF2-40B4-BE49-F238E27FC236}">
-                  <a16:creationId xmlns:a16="http://schemas.microsoft.com/office/drawing/2014/main" id="{68F9DCC6-82FB-4A75-8F93-BCDF64FFBEFA}"/>
+                  <a16:creationId xmlns:a16="http://schemas.microsoft.com/office/drawing/2014/main" xmlns="" id="{68F9DCC6-82FB-4A75-8F93-BCDF64FFBEFA}"/>
                 </a:ext>
               </a:extLst>
             </p:cNvPr>
@@ -5021,7 +5021,7 @@
             <p:cNvPr id="42" name="テキスト ボックス 41">
               <a:extLst>
                 <a:ext uri="{FF2B5EF4-FFF2-40B4-BE49-F238E27FC236}">
-                  <a16:creationId xmlns:a16="http://schemas.microsoft.com/office/drawing/2014/main" id="{5855B3EB-4794-4741-B048-C249D299391F}"/>
+                  <a16:creationId xmlns:a16="http://schemas.microsoft.com/office/drawing/2014/main" xmlns="" id="{5855B3EB-4794-4741-B048-C249D299391F}"/>
                 </a:ext>
               </a:extLst>
             </p:cNvPr>
@@ -5072,7 +5072,7 @@
             <p:cNvPr id="43" name="テキスト ボックス 42">
               <a:extLst>
                 <a:ext uri="{FF2B5EF4-FFF2-40B4-BE49-F238E27FC236}">
-                  <a16:creationId xmlns:a16="http://schemas.microsoft.com/office/drawing/2014/main" id="{1789448E-9185-4B19-84FC-F56FFD1737E2}"/>
+                  <a16:creationId xmlns:a16="http://schemas.microsoft.com/office/drawing/2014/main" xmlns="" id="{1789448E-9185-4B19-84FC-F56FFD1737E2}"/>
                 </a:ext>
               </a:extLst>
             </p:cNvPr>
@@ -5123,7 +5123,7 @@
             <p:cNvPr id="44" name="テキスト ボックス 43">
               <a:extLst>
                 <a:ext uri="{FF2B5EF4-FFF2-40B4-BE49-F238E27FC236}">
-                  <a16:creationId xmlns:a16="http://schemas.microsoft.com/office/drawing/2014/main" id="{3618E5BF-EA6E-4335-8AE7-B40D785FD078}"/>
+                  <a16:creationId xmlns:a16="http://schemas.microsoft.com/office/drawing/2014/main" xmlns="" id="{3618E5BF-EA6E-4335-8AE7-B40D785FD078}"/>
                 </a:ext>
               </a:extLst>
             </p:cNvPr>
@@ -5174,7 +5174,7 @@
             <p:cNvPr id="45" name="テキスト ボックス 44">
               <a:extLst>
                 <a:ext uri="{FF2B5EF4-FFF2-40B4-BE49-F238E27FC236}">
-                  <a16:creationId xmlns:a16="http://schemas.microsoft.com/office/drawing/2014/main" id="{861DFEC4-87A7-46BD-A2AA-F24D1B417E3F}"/>
+                  <a16:creationId xmlns:a16="http://schemas.microsoft.com/office/drawing/2014/main" xmlns="" id="{861DFEC4-87A7-46BD-A2AA-F24D1B417E3F}"/>
                 </a:ext>
               </a:extLst>
             </p:cNvPr>
@@ -5224,7 +5224,7 @@
             <p:cNvPr id="46" name="テキスト ボックス 45">
               <a:extLst>
                 <a:ext uri="{FF2B5EF4-FFF2-40B4-BE49-F238E27FC236}">
-                  <a16:creationId xmlns:a16="http://schemas.microsoft.com/office/drawing/2014/main" id="{B4B7A388-F763-4A3C-B6C2-124C99BC6F42}"/>
+                  <a16:creationId xmlns:a16="http://schemas.microsoft.com/office/drawing/2014/main" xmlns="" id="{B4B7A388-F763-4A3C-B6C2-124C99BC6F42}"/>
                 </a:ext>
               </a:extLst>
             </p:cNvPr>
@@ -5293,7 +5293,7 @@
           <p:cNvPr id="5" name="図 4" descr="電子機器 が含まれている画像&#10;&#10;自動的に生成された説明">
             <a:extLst>
               <a:ext uri="{FF2B5EF4-FFF2-40B4-BE49-F238E27FC236}">
-                <a16:creationId xmlns:a16="http://schemas.microsoft.com/office/drawing/2014/main" id="{6CB9A598-CED9-45A4-8DA9-B27BCA36CBEC}"/>
+                <a16:creationId xmlns:a16="http://schemas.microsoft.com/office/drawing/2014/main" xmlns="" id="{6CB9A598-CED9-45A4-8DA9-B27BCA36CBEC}"/>
               </a:ext>
             </a:extLst>
           </p:cNvPr>
@@ -5328,7 +5328,7 @@
           <p:cNvPr id="17" name="楕円 16">
             <a:extLst>
               <a:ext uri="{FF2B5EF4-FFF2-40B4-BE49-F238E27FC236}">
-                <a16:creationId xmlns:a16="http://schemas.microsoft.com/office/drawing/2014/main" id="{787DCF27-FE5D-4F5F-93D9-6E5E3F66733B}"/>
+                <a16:creationId xmlns:a16="http://schemas.microsoft.com/office/drawing/2014/main" xmlns="" id="{787DCF27-FE5D-4F5F-93D9-6E5E3F66733B}"/>
               </a:ext>
             </a:extLst>
           </p:cNvPr>
@@ -5380,7 +5380,7 @@
           <p:cNvPr id="15" name="正方形/長方形 14">
             <a:extLst>
               <a:ext uri="{FF2B5EF4-FFF2-40B4-BE49-F238E27FC236}">
-                <a16:creationId xmlns:a16="http://schemas.microsoft.com/office/drawing/2014/main" id="{3833953A-B36A-4C17-AEC3-8ED45F7CC897}"/>
+                <a16:creationId xmlns:a16="http://schemas.microsoft.com/office/drawing/2014/main" xmlns="" id="{3833953A-B36A-4C17-AEC3-8ED45F7CC897}"/>
               </a:ext>
             </a:extLst>
           </p:cNvPr>
@@ -5432,7 +5432,7 @@
           <p:cNvPr id="16" name="正方形/長方形 15">
             <a:extLst>
               <a:ext uri="{FF2B5EF4-FFF2-40B4-BE49-F238E27FC236}">
-                <a16:creationId xmlns:a16="http://schemas.microsoft.com/office/drawing/2014/main" id="{0A0216B0-C84D-4309-9EC4-75086643960C}"/>
+                <a16:creationId xmlns:a16="http://schemas.microsoft.com/office/drawing/2014/main" xmlns="" id="{0A0216B0-C84D-4309-9EC4-75086643960C}"/>
               </a:ext>
             </a:extLst>
           </p:cNvPr>
@@ -5484,7 +5484,7 @@
           <p:cNvPr id="14" name="正方形/長方形 13">
             <a:extLst>
               <a:ext uri="{FF2B5EF4-FFF2-40B4-BE49-F238E27FC236}">
-                <a16:creationId xmlns:a16="http://schemas.microsoft.com/office/drawing/2014/main" id="{EAC81C78-DEAA-491D-B85A-42AB767010AE}"/>
+                <a16:creationId xmlns:a16="http://schemas.microsoft.com/office/drawing/2014/main" xmlns="" id="{EAC81C78-DEAA-491D-B85A-42AB767010AE}"/>
               </a:ext>
             </a:extLst>
           </p:cNvPr>
@@ -5536,7 +5536,7 @@
           <p:cNvPr id="6" name="テキスト ボックス 5">
             <a:extLst>
               <a:ext uri="{FF2B5EF4-FFF2-40B4-BE49-F238E27FC236}">
-                <a16:creationId xmlns:a16="http://schemas.microsoft.com/office/drawing/2014/main" id="{B35D99F0-6DC1-4BC2-88F1-81631344B7F9}"/>
+                <a16:creationId xmlns:a16="http://schemas.microsoft.com/office/drawing/2014/main" xmlns="" id="{B35D99F0-6DC1-4BC2-88F1-81631344B7F9}"/>
               </a:ext>
             </a:extLst>
           </p:cNvPr>
@@ -5581,7 +5581,7 @@
           <p:cNvPr id="7" name="吹き出し: 四角形 6">
             <a:extLst>
               <a:ext uri="{FF2B5EF4-FFF2-40B4-BE49-F238E27FC236}">
-                <a16:creationId xmlns:a16="http://schemas.microsoft.com/office/drawing/2014/main" id="{BA75D2B1-3296-4A6C-97CF-CD76A284141D}"/>
+                <a16:creationId xmlns:a16="http://schemas.microsoft.com/office/drawing/2014/main" xmlns="" id="{BA75D2B1-3296-4A6C-97CF-CD76A284141D}"/>
               </a:ext>
             </a:extLst>
           </p:cNvPr>
@@ -5636,7 +5636,7 @@
           <p:cNvPr id="8" name="吹き出し: 四角形 7">
             <a:extLst>
               <a:ext uri="{FF2B5EF4-FFF2-40B4-BE49-F238E27FC236}">
-                <a16:creationId xmlns:a16="http://schemas.microsoft.com/office/drawing/2014/main" id="{88AD402C-D557-4604-82F7-689D61968750}"/>
+                <a16:creationId xmlns:a16="http://schemas.microsoft.com/office/drawing/2014/main" xmlns="" id="{88AD402C-D557-4604-82F7-689D61968750}"/>
               </a:ext>
             </a:extLst>
           </p:cNvPr>
@@ -5698,7 +5698,7 @@
           <p:cNvPr id="9" name="吹き出し: 四角形 8">
             <a:extLst>
               <a:ext uri="{FF2B5EF4-FFF2-40B4-BE49-F238E27FC236}">
-                <a16:creationId xmlns:a16="http://schemas.microsoft.com/office/drawing/2014/main" id="{BF8E2C7C-205C-42CA-B382-A5D5630D39B2}"/>
+                <a16:creationId xmlns:a16="http://schemas.microsoft.com/office/drawing/2014/main" xmlns="" id="{BF8E2C7C-205C-42CA-B382-A5D5630D39B2}"/>
               </a:ext>
             </a:extLst>
           </p:cNvPr>
@@ -5757,7 +5757,7 @@
           <p:cNvPr id="10" name="吹き出し: 四角形 9">
             <a:extLst>
               <a:ext uri="{FF2B5EF4-FFF2-40B4-BE49-F238E27FC236}">
-                <a16:creationId xmlns:a16="http://schemas.microsoft.com/office/drawing/2014/main" id="{1E8E5AAD-2EFF-40AE-87B5-A62E3863DB06}"/>
+                <a16:creationId xmlns:a16="http://schemas.microsoft.com/office/drawing/2014/main" xmlns="" id="{1E8E5AAD-2EFF-40AE-87B5-A62E3863DB06}"/>
               </a:ext>
             </a:extLst>
           </p:cNvPr>
@@ -5767,7 +5767,7 @@
         <p:spPr>
           <a:xfrm>
             <a:off x="2772332" y="6014621"/>
-            <a:ext cx="5324101" cy="843379"/>
+            <a:ext cx="5784814" cy="843379"/>
           </a:xfrm>
           <a:prstGeom prst="wedgeRectCallout">
             <a:avLst>
@@ -5826,7 +5826,7 @@
           <p:cNvPr id="11" name="吹き出し: 四角形 10">
             <a:extLst>
               <a:ext uri="{FF2B5EF4-FFF2-40B4-BE49-F238E27FC236}">
-                <a16:creationId xmlns:a16="http://schemas.microsoft.com/office/drawing/2014/main" id="{0876C132-70D4-4EE9-A059-2EE9BBCFA5AC}"/>
+                <a16:creationId xmlns:a16="http://schemas.microsoft.com/office/drawing/2014/main" xmlns="" id="{0876C132-70D4-4EE9-A059-2EE9BBCFA5AC}"/>
               </a:ext>
             </a:extLst>
           </p:cNvPr>
@@ -5881,7 +5881,7 @@
           <p:cNvPr id="12" name="吹き出し: 四角形 11">
             <a:extLst>
               <a:ext uri="{FF2B5EF4-FFF2-40B4-BE49-F238E27FC236}">
-                <a16:creationId xmlns:a16="http://schemas.microsoft.com/office/drawing/2014/main" id="{30266963-E240-4012-99DE-6906E5DDC8E7}"/>
+                <a16:creationId xmlns:a16="http://schemas.microsoft.com/office/drawing/2014/main" xmlns="" id="{30266963-E240-4012-99DE-6906E5DDC8E7}"/>
               </a:ext>
             </a:extLst>
           </p:cNvPr>
@@ -5950,11 +5950,18 @@
           <a:p>
             <a:pPr algn="ctr"/>
             <a:r>
+              <a:rPr lang="ja-JP" altLang="en-US" sz="1600" dirty="0" smtClean="0">
+                <a:latin typeface="チェックポイント．（ピリオド）" panose="02000600000000000000" pitchFamily="50" charset="-128"/>
+                <a:ea typeface="チェックポイント．（ピリオド）" panose="02000600000000000000" pitchFamily="50" charset="-128"/>
+              </a:rPr>
+              <a:t>方向キー</a:t>
+            </a:r>
+            <a:r>
               <a:rPr lang="ja-JP" altLang="en-US" sz="1600" dirty="0">
                 <a:latin typeface="チェックポイント．（ピリオド）" panose="02000600000000000000" pitchFamily="50" charset="-128"/>
                 <a:ea typeface="チェックポイント．（ピリオド）" panose="02000600000000000000" pitchFamily="50" charset="-128"/>
               </a:rPr>
-              <a:t>十字キーで選択することができます</a:t>
+              <a:t>で選択することができます</a:t>
             </a:r>
             <a:endParaRPr kumimoji="1" lang="ja-JP" altLang="en-US" sz="1600" dirty="0">
               <a:latin typeface="チェックポイント．（ピリオド）" panose="02000600000000000000" pitchFamily="50" charset="-128"/>
@@ -5968,7 +5975,7 @@
           <p:cNvPr id="13" name="正方形/長方形 12">
             <a:extLst>
               <a:ext uri="{FF2B5EF4-FFF2-40B4-BE49-F238E27FC236}">
-                <a16:creationId xmlns:a16="http://schemas.microsoft.com/office/drawing/2014/main" id="{C5B52C5E-840D-45E5-8E3C-3E2AD99D4E85}"/>
+                <a16:creationId xmlns:a16="http://schemas.microsoft.com/office/drawing/2014/main" xmlns="" id="{C5B52C5E-840D-45E5-8E3C-3E2AD99D4E85}"/>
               </a:ext>
             </a:extLst>
           </p:cNvPr>
@@ -6020,7 +6027,7 @@
           <p:cNvPr id="18" name="正方形/長方形 17">
             <a:extLst>
               <a:ext uri="{FF2B5EF4-FFF2-40B4-BE49-F238E27FC236}">
-                <a16:creationId xmlns:a16="http://schemas.microsoft.com/office/drawing/2014/main" id="{85B86C3D-1D0B-4CA9-A09E-F9104FAC8E9A}"/>
+                <a16:creationId xmlns:a16="http://schemas.microsoft.com/office/drawing/2014/main" xmlns="" id="{85B86C3D-1D0B-4CA9-A09E-F9104FAC8E9A}"/>
               </a:ext>
             </a:extLst>
           </p:cNvPr>
@@ -6072,7 +6079,7 @@
           <p:cNvPr id="19" name="吹き出し: 四角形 18">
             <a:extLst>
               <a:ext uri="{FF2B5EF4-FFF2-40B4-BE49-F238E27FC236}">
-                <a16:creationId xmlns:a16="http://schemas.microsoft.com/office/drawing/2014/main" id="{D2673875-651C-40E4-8256-1F77677989CB}"/>
+                <a16:creationId xmlns:a16="http://schemas.microsoft.com/office/drawing/2014/main" xmlns="" id="{D2673875-651C-40E4-8256-1F77677989CB}"/>
               </a:ext>
             </a:extLst>
           </p:cNvPr>
@@ -6168,7 +6175,7 @@
           <p:cNvPr id="6" name="テキスト ボックス 5">
             <a:extLst>
               <a:ext uri="{FF2B5EF4-FFF2-40B4-BE49-F238E27FC236}">
-                <a16:creationId xmlns:a16="http://schemas.microsoft.com/office/drawing/2014/main" id="{83D9254C-066B-4A30-984B-189E5281BB91}"/>
+                <a16:creationId xmlns:a16="http://schemas.microsoft.com/office/drawing/2014/main" xmlns="" id="{83D9254C-066B-4A30-984B-189E5281BB91}"/>
               </a:ext>
             </a:extLst>
           </p:cNvPr>
@@ -6213,7 +6220,7 @@
           <p:cNvPr id="7" name="テキスト ボックス 6">
             <a:extLst>
               <a:ext uri="{FF2B5EF4-FFF2-40B4-BE49-F238E27FC236}">
-                <a16:creationId xmlns:a16="http://schemas.microsoft.com/office/drawing/2014/main" id="{A3B678AB-5F6D-47A2-AC3D-C9904D8B3FE5}"/>
+                <a16:creationId xmlns:a16="http://schemas.microsoft.com/office/drawing/2014/main" xmlns="" id="{A3B678AB-5F6D-47A2-AC3D-C9904D8B3FE5}"/>
               </a:ext>
             </a:extLst>
           </p:cNvPr>
@@ -6255,7 +6262,7 @@
           <p:cNvPr id="8" name="テキスト ボックス 7">
             <a:extLst>
               <a:ext uri="{FF2B5EF4-FFF2-40B4-BE49-F238E27FC236}">
-                <a16:creationId xmlns:a16="http://schemas.microsoft.com/office/drawing/2014/main" id="{81F92070-255F-4692-ABB1-F5486542D8FF}"/>
+                <a16:creationId xmlns:a16="http://schemas.microsoft.com/office/drawing/2014/main" xmlns="" id="{81F92070-255F-4692-ABB1-F5486542D8FF}"/>
               </a:ext>
             </a:extLst>
           </p:cNvPr>
@@ -6264,8 +6271,8 @@
         </p:nvSpPr>
         <p:spPr>
           <a:xfrm>
-            <a:off x="381740" y="2469357"/>
-            <a:ext cx="11141477" cy="1200329"/>
+            <a:off x="1050523" y="2222855"/>
+            <a:ext cx="11141477" cy="1477328"/>
           </a:xfrm>
           <a:prstGeom prst="rect">
             <a:avLst/>
@@ -6303,52 +6310,78 @@
                 <a:latin typeface="チェックポイント．（ピリオド）" panose="02000600000000000000" pitchFamily="50" charset="-128"/>
                 <a:ea typeface="チェックポイント．（ピリオド）" panose="02000600000000000000" pitchFamily="50" charset="-128"/>
               </a:rPr>
-              <a:t>赤色になっていくにつれて住民がオーバーワーク</a:t>
-            </a:r>
-            <a:r>
-              <a:rPr kumimoji="1" lang="ja-JP" altLang="en-US">
-                <a:latin typeface="チェックポイント．（ピリオド）" panose="02000600000000000000" pitchFamily="50" charset="-128"/>
-                <a:ea typeface="チェックポイント．（ピリオド）" panose="02000600000000000000" pitchFamily="50" charset="-128"/>
-              </a:rPr>
-              <a:t>になりポッド</a:t>
+              <a:t>赤色になっていくにつれて住民がオーバーワークに</a:t>
+            </a:r>
+            <a:r>
+              <a:rPr kumimoji="1" lang="ja-JP" altLang="en-US" dirty="0" smtClean="0">
+                <a:latin typeface="チェックポイント．（ピリオド）" panose="02000600000000000000" pitchFamily="50" charset="-128"/>
+                <a:ea typeface="チェックポイント．（ピリオド）" panose="02000600000000000000" pitchFamily="50" charset="-128"/>
+              </a:rPr>
+              <a:t>なり</a:t>
+            </a:r>
+            <a:endParaRPr lang="en-US" altLang="ja-JP" dirty="0">
+              <a:latin typeface="チェックポイント．（ピリオド）" panose="02000600000000000000" pitchFamily="50" charset="-128"/>
+              <a:ea typeface="チェックポイント．（ピリオド）" panose="02000600000000000000" pitchFamily="50" charset="-128"/>
+            </a:endParaRPr>
+          </a:p>
+          <a:p>
+            <a:r>
+              <a:rPr kumimoji="1" lang="ja-JP" altLang="en-US" dirty="0" smtClean="0">
+                <a:latin typeface="チェックポイント．（ピリオド）" panose="02000600000000000000" pitchFamily="50" charset="-128"/>
+                <a:ea typeface="チェックポイント．（ピリオド）" panose="02000600000000000000" pitchFamily="50" charset="-128"/>
+              </a:rPr>
+              <a:t>ポッド</a:t>
             </a:r>
             <a:r>
               <a:rPr kumimoji="1" lang="ja-JP" altLang="en-US" dirty="0">
                 <a:latin typeface="チェックポイント．（ピリオド）" panose="02000600000000000000" pitchFamily="50" charset="-128"/>
                 <a:ea typeface="チェックポイント．（ピリオド）" panose="02000600000000000000" pitchFamily="50" charset="-128"/>
               </a:rPr>
-              <a:t>にコスモパワーを十分に</a:t>
-            </a:r>
-            <a:r>
-              <a:rPr kumimoji="1" lang="ja-JP" altLang="en-US">
-                <a:latin typeface="チェックポイント．（ピリオド）" panose="02000600000000000000" pitchFamily="50" charset="-128"/>
-                <a:ea typeface="チェックポイント．（ピリオド）" panose="02000600000000000000" pitchFamily="50" charset="-128"/>
-              </a:rPr>
-              <a:t>補給できなく</a:t>
-            </a:r>
-            <a:r>
-              <a:rPr lang="ja-JP" altLang="en-US">
+              <a:t>にコスモパワーを十分に補給できなく</a:t>
+            </a:r>
+            <a:r>
+              <a:rPr lang="ja-JP" altLang="en-US" dirty="0">
                 <a:latin typeface="チェックポイント．（ピリオド）" panose="02000600000000000000" pitchFamily="50" charset="-128"/>
                 <a:ea typeface="チェックポイント．（ピリオド）" panose="02000600000000000000" pitchFamily="50" charset="-128"/>
               </a:rPr>
               <a:t>なって</a:t>
             </a:r>
             <a:r>
-              <a:rPr kumimoji="1" lang="ja-JP" altLang="en-US">
-                <a:latin typeface="チェックポイント．（ピリオド）" panose="02000600000000000000" pitchFamily="50" charset="-128"/>
-                <a:ea typeface="チェックポイント．（ピリオド）" panose="02000600000000000000" pitchFamily="50" charset="-128"/>
-              </a:rPr>
-              <a:t>、ポッドの耐久力が下がってしまい、</a:t>
-            </a:r>
-            <a:r>
-              <a:rPr lang="ja-JP" altLang="en-US">
+              <a:rPr kumimoji="1" lang="ja-JP" altLang="en-US" dirty="0" smtClean="0">
+                <a:latin typeface="チェックポイント．（ピリオド）" panose="02000600000000000000" pitchFamily="50" charset="-128"/>
+                <a:ea typeface="チェックポイント．（ピリオド）" panose="02000600000000000000" pitchFamily="50" charset="-128"/>
+              </a:rPr>
+              <a:t>、</a:t>
+            </a:r>
+            <a:endParaRPr kumimoji="1" lang="en-US" altLang="ja-JP" dirty="0" smtClean="0">
+              <a:latin typeface="チェックポイント．（ピリオド）" panose="02000600000000000000" pitchFamily="50" charset="-128"/>
+              <a:ea typeface="チェックポイント．（ピリオド）" panose="02000600000000000000" pitchFamily="50" charset="-128"/>
+            </a:endParaRPr>
+          </a:p>
+          <a:p>
+            <a:r>
+              <a:rPr kumimoji="1" lang="ja-JP" altLang="en-US" dirty="0" smtClean="0">
+                <a:latin typeface="チェックポイント．（ピリオド）" panose="02000600000000000000" pitchFamily="50" charset="-128"/>
+                <a:ea typeface="チェックポイント．（ピリオド）" panose="02000600000000000000" pitchFamily="50" charset="-128"/>
+              </a:rPr>
+              <a:t>ポッド</a:t>
+            </a:r>
+            <a:r>
+              <a:rPr kumimoji="1" lang="ja-JP" altLang="en-US" dirty="0">
+                <a:latin typeface="チェックポイント．（ピリオド）" panose="02000600000000000000" pitchFamily="50" charset="-128"/>
+                <a:ea typeface="チェックポイント．（ピリオド）" panose="02000600000000000000" pitchFamily="50" charset="-128"/>
+              </a:rPr>
+              <a:t>の耐久力が下がってしまい、</a:t>
+            </a:r>
+            <a:r>
+              <a:rPr lang="ja-JP" altLang="en-US" dirty="0">
                 <a:latin typeface="チェックポイント．（ピリオド）" panose="02000600000000000000" pitchFamily="50" charset="-128"/>
                 <a:ea typeface="チェックポイント．（ピリオド）" panose="02000600000000000000" pitchFamily="50" charset="-128"/>
               </a:rPr>
               <a:t>受けるダメージが増えます</a:t>
             </a:r>
             <a:r>
-              <a:rPr kumimoji="1" lang="ja-JP" altLang="en-US">
+              <a:rPr kumimoji="1" lang="ja-JP" altLang="en-US" dirty="0">
                 <a:latin typeface="チェックポイント．（ピリオド）" panose="02000600000000000000" pitchFamily="50" charset="-128"/>
                 <a:ea typeface="チェックポイント．（ピリオド）" panose="02000600000000000000" pitchFamily="50" charset="-128"/>
               </a:rPr>
@@ -6369,7 +6402,7 @@
           <p:cNvPr id="10" name="テキスト ボックス 9">
             <a:extLst>
               <a:ext uri="{FF2B5EF4-FFF2-40B4-BE49-F238E27FC236}">
-                <a16:creationId xmlns:a16="http://schemas.microsoft.com/office/drawing/2014/main" id="{946FF0DF-B758-41C2-85D3-67DA048E99B2}"/>
+                <a16:creationId xmlns:a16="http://schemas.microsoft.com/office/drawing/2014/main" xmlns="" id="{946FF0DF-B758-41C2-85D3-67DA048E99B2}"/>
               </a:ext>
             </a:extLst>
           </p:cNvPr>
@@ -6466,7 +6499,7 @@
           <p:cNvPr id="3" name="図 2" descr="物体 が含まれている画像&#10;&#10;自動的に生成された説明">
             <a:extLst>
               <a:ext uri="{FF2B5EF4-FFF2-40B4-BE49-F238E27FC236}">
-                <a16:creationId xmlns:a16="http://schemas.microsoft.com/office/drawing/2014/main" id="{69BA893B-4907-48D5-8940-A23E267BFE4C}"/>
+                <a16:creationId xmlns:a16="http://schemas.microsoft.com/office/drawing/2014/main" xmlns="" id="{69BA893B-4907-48D5-8940-A23E267BFE4C}"/>
               </a:ext>
             </a:extLst>
           </p:cNvPr>
@@ -6964,7 +6997,7 @@
           <p:cNvPr id="13" name="正方形/長方形 12">
             <a:extLst>
               <a:ext uri="{FF2B5EF4-FFF2-40B4-BE49-F238E27FC236}">
-                <a16:creationId xmlns:a16="http://schemas.microsoft.com/office/drawing/2014/main" id="{A37BEE43-2066-46D6-8830-D8556B22304D}"/>
+                <a16:creationId xmlns:a16="http://schemas.microsoft.com/office/drawing/2014/main" xmlns="" id="{A37BEE43-2066-46D6-8830-D8556B22304D}"/>
               </a:ext>
             </a:extLst>
           </p:cNvPr>
@@ -7016,7 +7049,7 @@
           <p:cNvPr id="14" name="正方形/長方形 13">
             <a:extLst>
               <a:ext uri="{FF2B5EF4-FFF2-40B4-BE49-F238E27FC236}">
-                <a16:creationId xmlns:a16="http://schemas.microsoft.com/office/drawing/2014/main" id="{BA56A8B8-81E8-409C-8A37-384626294E40}"/>
+                <a16:creationId xmlns:a16="http://schemas.microsoft.com/office/drawing/2014/main" xmlns="" id="{BA56A8B8-81E8-409C-8A37-384626294E40}"/>
               </a:ext>
             </a:extLst>
           </p:cNvPr>
@@ -7068,7 +7101,7 @@
           <p:cNvPr id="15" name="正方形/長方形 14">
             <a:extLst>
               <a:ext uri="{FF2B5EF4-FFF2-40B4-BE49-F238E27FC236}">
-                <a16:creationId xmlns:a16="http://schemas.microsoft.com/office/drawing/2014/main" id="{AF0DEFD2-0EA7-416C-9349-A86003C1114B}"/>
+                <a16:creationId xmlns:a16="http://schemas.microsoft.com/office/drawing/2014/main" xmlns="" id="{AF0DEFD2-0EA7-416C-9349-A86003C1114B}"/>
               </a:ext>
             </a:extLst>
           </p:cNvPr>
@@ -7120,7 +7153,7 @@
           <p:cNvPr id="18" name="正方形/長方形 17">
             <a:extLst>
               <a:ext uri="{FF2B5EF4-FFF2-40B4-BE49-F238E27FC236}">
-                <a16:creationId xmlns:a16="http://schemas.microsoft.com/office/drawing/2014/main" id="{DFCE669F-B98A-49D5-9CD8-578BB88718CC}"/>
+                <a16:creationId xmlns:a16="http://schemas.microsoft.com/office/drawing/2014/main" xmlns="" id="{DFCE669F-B98A-49D5-9CD8-578BB88718CC}"/>
               </a:ext>
             </a:extLst>
           </p:cNvPr>
@@ -7202,7 +7235,7 @@
           <p:cNvPr id="3" name="図 2" descr="テキスト, スコアボード, 屋外, 標識 が含まれている画像&#10;&#10;自動的に生成された説明">
             <a:extLst>
               <a:ext uri="{FF2B5EF4-FFF2-40B4-BE49-F238E27FC236}">
-                <a16:creationId xmlns:a16="http://schemas.microsoft.com/office/drawing/2014/main" id="{D1EC1C6B-8E37-484B-BC32-54F28F2C22FE}"/>
+                <a16:creationId xmlns:a16="http://schemas.microsoft.com/office/drawing/2014/main" xmlns="" id="{D1EC1C6B-8E37-484B-BC32-54F28F2C22FE}"/>
               </a:ext>
             </a:extLst>
           </p:cNvPr>
@@ -7727,7 +7760,7 @@
           <p:cNvPr id="10" name="正方形/長方形 9">
             <a:extLst>
               <a:ext uri="{FF2B5EF4-FFF2-40B4-BE49-F238E27FC236}">
-                <a16:creationId xmlns:a16="http://schemas.microsoft.com/office/drawing/2014/main" id="{6FFE011D-710D-4A4F-9825-141048483DC9}"/>
+                <a16:creationId xmlns:a16="http://schemas.microsoft.com/office/drawing/2014/main" xmlns="" id="{6FFE011D-710D-4A4F-9825-141048483DC9}"/>
               </a:ext>
             </a:extLst>
           </p:cNvPr>
@@ -7779,7 +7812,7 @@
           <p:cNvPr id="11" name="正方形/長方形 10">
             <a:extLst>
               <a:ext uri="{FF2B5EF4-FFF2-40B4-BE49-F238E27FC236}">
-                <a16:creationId xmlns:a16="http://schemas.microsoft.com/office/drawing/2014/main" id="{E20945F6-E8A3-4843-8AA8-C3CA375AAF01}"/>
+                <a16:creationId xmlns:a16="http://schemas.microsoft.com/office/drawing/2014/main" xmlns="" id="{E20945F6-E8A3-4843-8AA8-C3CA375AAF01}"/>
               </a:ext>
             </a:extLst>
           </p:cNvPr>
@@ -7831,7 +7864,7 @@
           <p:cNvPr id="12" name="正方形/長方形 11">
             <a:extLst>
               <a:ext uri="{FF2B5EF4-FFF2-40B4-BE49-F238E27FC236}">
-                <a16:creationId xmlns:a16="http://schemas.microsoft.com/office/drawing/2014/main" id="{7A027602-FE49-443B-B979-695A16DF3603}"/>
+                <a16:creationId xmlns:a16="http://schemas.microsoft.com/office/drawing/2014/main" xmlns="" id="{7A027602-FE49-443B-B979-695A16DF3603}"/>
               </a:ext>
             </a:extLst>
           </p:cNvPr>
@@ -7883,7 +7916,7 @@
           <p:cNvPr id="13" name="正方形/長方形 12">
             <a:extLst>
               <a:ext uri="{FF2B5EF4-FFF2-40B4-BE49-F238E27FC236}">
-                <a16:creationId xmlns:a16="http://schemas.microsoft.com/office/drawing/2014/main" id="{6D5653B2-A431-4E41-A84C-D2D0A59D8FFF}"/>
+                <a16:creationId xmlns:a16="http://schemas.microsoft.com/office/drawing/2014/main" xmlns="" id="{6D5653B2-A431-4E41-A84C-D2D0A59D8FFF}"/>
               </a:ext>
             </a:extLst>
           </p:cNvPr>
@@ -7935,7 +7968,7 @@
           <p:cNvPr id="15" name="正方形/長方形 14">
             <a:extLst>
               <a:ext uri="{FF2B5EF4-FFF2-40B4-BE49-F238E27FC236}">
-                <a16:creationId xmlns:a16="http://schemas.microsoft.com/office/drawing/2014/main" id="{E0E6CB0D-AD4F-4358-8DF1-ECAD7B65F9F5}"/>
+                <a16:creationId xmlns:a16="http://schemas.microsoft.com/office/drawing/2014/main" xmlns="" id="{E0E6CB0D-AD4F-4358-8DF1-ECAD7B65F9F5}"/>
               </a:ext>
             </a:extLst>
           </p:cNvPr>
@@ -7987,7 +8020,7 @@
           <p:cNvPr id="16" name="四角形吹き出し 4">
             <a:extLst>
               <a:ext uri="{FF2B5EF4-FFF2-40B4-BE49-F238E27FC236}">
-                <a16:creationId xmlns:a16="http://schemas.microsoft.com/office/drawing/2014/main" id="{63DDAF72-AE4E-4AAC-AC6F-2CCD1ADC7265}"/>
+                <a16:creationId xmlns:a16="http://schemas.microsoft.com/office/drawing/2014/main" xmlns="" id="{63DDAF72-AE4E-4AAC-AC6F-2CCD1ADC7265}"/>
               </a:ext>
             </a:extLst>
           </p:cNvPr>
@@ -8083,7 +8116,7 @@
           <p:cNvPr id="3" name="図 2" descr="テキスト, 標識, 通り, 屋外 が含まれている画像&#10;&#10;自動的に生成された説明">
             <a:extLst>
               <a:ext uri="{FF2B5EF4-FFF2-40B4-BE49-F238E27FC236}">
-                <a16:creationId xmlns:a16="http://schemas.microsoft.com/office/drawing/2014/main" id="{EB877469-AC96-48FE-9472-8035C84EFB97}"/>
+                <a16:creationId xmlns:a16="http://schemas.microsoft.com/office/drawing/2014/main" xmlns="" id="{EB877469-AC96-48FE-9472-8035C84EFB97}"/>
               </a:ext>
             </a:extLst>
           </p:cNvPr>
@@ -8461,7 +8494,7 @@
           <p:cNvPr id="8" name="正方形/長方形 7">
             <a:extLst>
               <a:ext uri="{FF2B5EF4-FFF2-40B4-BE49-F238E27FC236}">
-                <a16:creationId xmlns:a16="http://schemas.microsoft.com/office/drawing/2014/main" id="{F7BE2C32-C21E-4467-87D2-8052D2B5FDA7}"/>
+                <a16:creationId xmlns:a16="http://schemas.microsoft.com/office/drawing/2014/main" xmlns="" id="{F7BE2C32-C21E-4467-87D2-8052D2B5FDA7}"/>
               </a:ext>
             </a:extLst>
           </p:cNvPr>
@@ -8513,7 +8546,7 @@
           <p:cNvPr id="12" name="正方形/長方形 11">
             <a:extLst>
               <a:ext uri="{FF2B5EF4-FFF2-40B4-BE49-F238E27FC236}">
-                <a16:creationId xmlns:a16="http://schemas.microsoft.com/office/drawing/2014/main" id="{40ABF9C2-DF54-4877-A01A-A46FE482F6B4}"/>
+                <a16:creationId xmlns:a16="http://schemas.microsoft.com/office/drawing/2014/main" xmlns="" id="{40ABF9C2-DF54-4877-A01A-A46FE482F6B4}"/>
               </a:ext>
             </a:extLst>
           </p:cNvPr>
@@ -8565,7 +8598,7 @@
           <p:cNvPr id="14" name="正方形/長方形 13">
             <a:extLst>
               <a:ext uri="{FF2B5EF4-FFF2-40B4-BE49-F238E27FC236}">
-                <a16:creationId xmlns:a16="http://schemas.microsoft.com/office/drawing/2014/main" id="{04C836FE-EE43-45CD-B4BE-F7E0ABEE0088}"/>
+                <a16:creationId xmlns:a16="http://schemas.microsoft.com/office/drawing/2014/main" xmlns="" id="{04C836FE-EE43-45CD-B4BE-F7E0ABEE0088}"/>
               </a:ext>
             </a:extLst>
           </p:cNvPr>
@@ -8617,7 +8650,7 @@
           <p:cNvPr id="16" name="吹き出し: 四角形 15">
             <a:extLst>
               <a:ext uri="{FF2B5EF4-FFF2-40B4-BE49-F238E27FC236}">
-                <a16:creationId xmlns:a16="http://schemas.microsoft.com/office/drawing/2014/main" id="{3ECE61CD-6BC4-463C-897C-903CC3F098F0}"/>
+                <a16:creationId xmlns:a16="http://schemas.microsoft.com/office/drawing/2014/main" xmlns="" id="{3ECE61CD-6BC4-463C-897C-903CC3F098F0}"/>
               </a:ext>
             </a:extLst>
           </p:cNvPr>
@@ -8711,7 +8744,7 @@
           <p:cNvPr id="5" name="図 4">
             <a:extLst>
               <a:ext uri="{FF2B5EF4-FFF2-40B4-BE49-F238E27FC236}">
-                <a16:creationId xmlns:a16="http://schemas.microsoft.com/office/drawing/2014/main" id="{165CE0B9-374D-46A3-97C1-E7AFAFB5DEDF}"/>
+                <a16:creationId xmlns:a16="http://schemas.microsoft.com/office/drawing/2014/main" xmlns="" id="{165CE0B9-374D-46A3-97C1-E7AFAFB5DEDF}"/>
               </a:ext>
             </a:extLst>
           </p:cNvPr>
@@ -8746,7 +8779,7 @@
           <p:cNvPr id="6" name="テキスト ボックス 5">
             <a:extLst>
               <a:ext uri="{FF2B5EF4-FFF2-40B4-BE49-F238E27FC236}">
-                <a16:creationId xmlns:a16="http://schemas.microsoft.com/office/drawing/2014/main" id="{EEBBDC81-60E0-49FD-9EFB-874F038CCD29}"/>
+                <a16:creationId xmlns:a16="http://schemas.microsoft.com/office/drawing/2014/main" xmlns="" id="{EEBBDC81-60E0-49FD-9EFB-874F038CCD29}"/>
               </a:ext>
             </a:extLst>
           </p:cNvPr>
@@ -8798,7 +8831,7 @@
           <p:cNvPr id="12" name="グループ化 11">
             <a:extLst>
               <a:ext uri="{FF2B5EF4-FFF2-40B4-BE49-F238E27FC236}">
-                <a16:creationId xmlns:a16="http://schemas.microsoft.com/office/drawing/2014/main" id="{797C4648-EAB3-4303-9BBE-4050E32CDCAC}"/>
+                <a16:creationId xmlns:a16="http://schemas.microsoft.com/office/drawing/2014/main" xmlns="" id="{797C4648-EAB3-4303-9BBE-4050E32CDCAC}"/>
               </a:ext>
             </a:extLst>
           </p:cNvPr>
@@ -8818,7 +8851,7 @@
             <p:cNvPr id="8" name="テキスト ボックス 7">
               <a:extLst>
                 <a:ext uri="{FF2B5EF4-FFF2-40B4-BE49-F238E27FC236}">
-                  <a16:creationId xmlns:a16="http://schemas.microsoft.com/office/drawing/2014/main" id="{732F859C-017C-4DF8-8D5C-BAFB7C322941}"/>
+                  <a16:creationId xmlns:a16="http://schemas.microsoft.com/office/drawing/2014/main" xmlns="" id="{732F859C-017C-4DF8-8D5C-BAFB7C322941}"/>
                 </a:ext>
               </a:extLst>
             </p:cNvPr>
@@ -8859,7 +8892,7 @@
             <p:cNvPr id="9" name="テキスト ボックス 8">
               <a:extLst>
                 <a:ext uri="{FF2B5EF4-FFF2-40B4-BE49-F238E27FC236}">
-                  <a16:creationId xmlns:a16="http://schemas.microsoft.com/office/drawing/2014/main" id="{8712CBD0-DD3F-4A86-9652-7FFA75AD120B}"/>
+                  <a16:creationId xmlns:a16="http://schemas.microsoft.com/office/drawing/2014/main" xmlns="" id="{8712CBD0-DD3F-4A86-9652-7FFA75AD120B}"/>
                 </a:ext>
               </a:extLst>
             </p:cNvPr>
@@ -8922,7 +8955,7 @@
           <p:cNvPr id="13" name="グループ化 12">
             <a:extLst>
               <a:ext uri="{FF2B5EF4-FFF2-40B4-BE49-F238E27FC236}">
-                <a16:creationId xmlns:a16="http://schemas.microsoft.com/office/drawing/2014/main" id="{DED0F105-29CA-4D82-BF68-6B4A196F19AA}"/>
+                <a16:creationId xmlns:a16="http://schemas.microsoft.com/office/drawing/2014/main" xmlns="" id="{DED0F105-29CA-4D82-BF68-6B4A196F19AA}"/>
               </a:ext>
             </a:extLst>
           </p:cNvPr>
@@ -8942,7 +8975,7 @@
             <p:cNvPr id="7" name="テキスト ボックス 6">
               <a:extLst>
                 <a:ext uri="{FF2B5EF4-FFF2-40B4-BE49-F238E27FC236}">
-                  <a16:creationId xmlns:a16="http://schemas.microsoft.com/office/drawing/2014/main" id="{54618E3D-3C8D-4D29-8362-5B6918855191}"/>
+                  <a16:creationId xmlns:a16="http://schemas.microsoft.com/office/drawing/2014/main" xmlns="" id="{54618E3D-3C8D-4D29-8362-5B6918855191}"/>
                 </a:ext>
               </a:extLst>
             </p:cNvPr>
@@ -8983,7 +9016,7 @@
             <p:cNvPr id="11" name="テキスト ボックス 10">
               <a:extLst>
                 <a:ext uri="{FF2B5EF4-FFF2-40B4-BE49-F238E27FC236}">
-                  <a16:creationId xmlns:a16="http://schemas.microsoft.com/office/drawing/2014/main" id="{6825228E-EBCE-401A-B0BC-7661792A6F00}"/>
+                  <a16:creationId xmlns:a16="http://schemas.microsoft.com/office/drawing/2014/main" xmlns="" id="{6825228E-EBCE-401A-B0BC-7661792A6F00}"/>
                 </a:ext>
               </a:extLst>
             </p:cNvPr>
@@ -9108,7 +9141,7 @@
           <p:cNvPr id="4" name="図 3">
             <a:extLst>
               <a:ext uri="{FF2B5EF4-FFF2-40B4-BE49-F238E27FC236}">
-                <a16:creationId xmlns:a16="http://schemas.microsoft.com/office/drawing/2014/main" id="{84E4BD2B-BD98-4D0D-BD92-46FAC62B133A}"/>
+                <a16:creationId xmlns:a16="http://schemas.microsoft.com/office/drawing/2014/main" xmlns="" id="{84E4BD2B-BD98-4D0D-BD92-46FAC62B133A}"/>
               </a:ext>
             </a:extLst>
           </p:cNvPr>
@@ -9143,7 +9176,7 @@
           <p:cNvPr id="5" name="テキスト ボックス 4">
             <a:extLst>
               <a:ext uri="{FF2B5EF4-FFF2-40B4-BE49-F238E27FC236}">
-                <a16:creationId xmlns:a16="http://schemas.microsoft.com/office/drawing/2014/main" id="{3EEDA683-E7C7-4A3A-9045-88BF1220584E}"/>
+                <a16:creationId xmlns:a16="http://schemas.microsoft.com/office/drawing/2014/main" xmlns="" id="{3EEDA683-E7C7-4A3A-9045-88BF1220584E}"/>
               </a:ext>
             </a:extLst>
           </p:cNvPr>
@@ -9195,7 +9228,7 @@
           <p:cNvPr id="6" name="テキスト ボックス 5">
             <a:extLst>
               <a:ext uri="{FF2B5EF4-FFF2-40B4-BE49-F238E27FC236}">
-                <a16:creationId xmlns:a16="http://schemas.microsoft.com/office/drawing/2014/main" id="{C9FCE914-94E5-4B3F-B2D2-96FDE0E6E9D8}"/>
+                <a16:creationId xmlns:a16="http://schemas.microsoft.com/office/drawing/2014/main" xmlns="" id="{C9FCE914-94E5-4B3F-B2D2-96FDE0E6E9D8}"/>
               </a:ext>
             </a:extLst>
           </p:cNvPr>
@@ -9236,7 +9269,7 @@
           <p:cNvPr id="7" name="テキスト ボックス 6">
             <a:extLst>
               <a:ext uri="{FF2B5EF4-FFF2-40B4-BE49-F238E27FC236}">
-                <a16:creationId xmlns:a16="http://schemas.microsoft.com/office/drawing/2014/main" id="{1A509F0D-124D-47C4-B5CD-4B9B8064082C}"/>
+                <a16:creationId xmlns:a16="http://schemas.microsoft.com/office/drawing/2014/main" xmlns="" id="{1A509F0D-124D-47C4-B5CD-4B9B8064082C}"/>
               </a:ext>
             </a:extLst>
           </p:cNvPr>
@@ -9287,7 +9320,7 @@
           <p:cNvPr id="8" name="テキスト ボックス 7">
             <a:extLst>
               <a:ext uri="{FF2B5EF4-FFF2-40B4-BE49-F238E27FC236}">
-                <a16:creationId xmlns:a16="http://schemas.microsoft.com/office/drawing/2014/main" id="{5F463387-8D23-460A-80ED-50E81FAAF3D9}"/>
+                <a16:creationId xmlns:a16="http://schemas.microsoft.com/office/drawing/2014/main" xmlns="" id="{5F463387-8D23-460A-80ED-50E81FAAF3D9}"/>
               </a:ext>
             </a:extLst>
           </p:cNvPr>
@@ -9348,7 +9381,7 @@
           <p:cNvPr id="9" name="テキスト ボックス 8">
             <a:extLst>
               <a:ext uri="{FF2B5EF4-FFF2-40B4-BE49-F238E27FC236}">
-                <a16:creationId xmlns:a16="http://schemas.microsoft.com/office/drawing/2014/main" id="{3E1D3977-A1EE-4011-94E0-9B60C81CA553}"/>
+                <a16:creationId xmlns:a16="http://schemas.microsoft.com/office/drawing/2014/main" xmlns="" id="{3E1D3977-A1EE-4011-94E0-9B60C81CA553}"/>
               </a:ext>
             </a:extLst>
           </p:cNvPr>
@@ -9424,7 +9457,7 @@
           <p:cNvPr id="41" name="グループ化 40">
             <a:extLst>
               <a:ext uri="{FF2B5EF4-FFF2-40B4-BE49-F238E27FC236}">
-                <a16:creationId xmlns:a16="http://schemas.microsoft.com/office/drawing/2014/main" id="{C42471E9-CEF7-4DD0-B2B9-A37027252951}"/>
+                <a16:creationId xmlns:a16="http://schemas.microsoft.com/office/drawing/2014/main" xmlns="" id="{C42471E9-CEF7-4DD0-B2B9-A37027252951}"/>
               </a:ext>
             </a:extLst>
           </p:cNvPr>
@@ -9444,7 +9477,7 @@
             <p:cNvPr id="22" name="グループ化 21">
               <a:extLst>
                 <a:ext uri="{FF2B5EF4-FFF2-40B4-BE49-F238E27FC236}">
-                  <a16:creationId xmlns:a16="http://schemas.microsoft.com/office/drawing/2014/main" id="{7D6E456E-2E26-4492-9279-169842641548}"/>
+                  <a16:creationId xmlns:a16="http://schemas.microsoft.com/office/drawing/2014/main" xmlns="" id="{7D6E456E-2E26-4492-9279-169842641548}"/>
                 </a:ext>
               </a:extLst>
             </p:cNvPr>
@@ -9464,7 +9497,7 @@
               <p:cNvPr id="11" name="図 10" descr="物体 が含まれている画像&#10;&#10;自動的に生成された説明">
                 <a:extLst>
                   <a:ext uri="{FF2B5EF4-FFF2-40B4-BE49-F238E27FC236}">
-                    <a16:creationId xmlns:a16="http://schemas.microsoft.com/office/drawing/2014/main" id="{9E2F2156-5A3C-4670-A7BB-42FF8EF7E4F0}"/>
+                    <a16:creationId xmlns:a16="http://schemas.microsoft.com/office/drawing/2014/main" xmlns="" id="{9E2F2156-5A3C-4670-A7BB-42FF8EF7E4F0}"/>
                   </a:ext>
                 </a:extLst>
               </p:cNvPr>
@@ -9500,7 +9533,7 @@
               <p:cNvPr id="18" name="テキスト ボックス 17">
                 <a:extLst>
                   <a:ext uri="{FF2B5EF4-FFF2-40B4-BE49-F238E27FC236}">
-                    <a16:creationId xmlns:a16="http://schemas.microsoft.com/office/drawing/2014/main" id="{85DB17C7-0CA8-4460-8B6A-1BBCF3C5CA75}"/>
+                    <a16:creationId xmlns:a16="http://schemas.microsoft.com/office/drawing/2014/main" xmlns="" id="{85DB17C7-0CA8-4460-8B6A-1BBCF3C5CA75}"/>
                   </a:ext>
                 </a:extLst>
               </p:cNvPr>
@@ -9539,7 +9572,7 @@
             <p:cNvPr id="23" name="グループ化 22">
               <a:extLst>
                 <a:ext uri="{FF2B5EF4-FFF2-40B4-BE49-F238E27FC236}">
-                  <a16:creationId xmlns:a16="http://schemas.microsoft.com/office/drawing/2014/main" id="{8FA97864-B0AC-4C37-AB57-3F511EE9B20A}"/>
+                  <a16:creationId xmlns:a16="http://schemas.microsoft.com/office/drawing/2014/main" xmlns="" id="{8FA97864-B0AC-4C37-AB57-3F511EE9B20A}"/>
                 </a:ext>
               </a:extLst>
             </p:cNvPr>
@@ -9559,7 +9592,7 @@
               <p:cNvPr id="13" name="図 12" descr="物体 が含まれている画像&#10;&#10;自動的に生成された説明">
                 <a:extLst>
                   <a:ext uri="{FF2B5EF4-FFF2-40B4-BE49-F238E27FC236}">
-                    <a16:creationId xmlns:a16="http://schemas.microsoft.com/office/drawing/2014/main" id="{539F0BC8-41E3-4ADD-9459-BE0E2D7ABA27}"/>
+                    <a16:creationId xmlns:a16="http://schemas.microsoft.com/office/drawing/2014/main" xmlns="" id="{539F0BC8-41E3-4ADD-9459-BE0E2D7ABA27}"/>
                   </a:ext>
                 </a:extLst>
               </p:cNvPr>
@@ -9595,7 +9628,7 @@
               <p:cNvPr id="19" name="テキスト ボックス 18">
                 <a:extLst>
                   <a:ext uri="{FF2B5EF4-FFF2-40B4-BE49-F238E27FC236}">
-                    <a16:creationId xmlns:a16="http://schemas.microsoft.com/office/drawing/2014/main" id="{9D08D78F-597A-41C6-9E61-E721135C20D1}"/>
+                    <a16:creationId xmlns:a16="http://schemas.microsoft.com/office/drawing/2014/main" xmlns="" id="{9D08D78F-597A-41C6-9E61-E721135C20D1}"/>
                   </a:ext>
                 </a:extLst>
               </p:cNvPr>
@@ -9634,7 +9667,7 @@
             <p:cNvPr id="25" name="グループ化 24">
               <a:extLst>
                 <a:ext uri="{FF2B5EF4-FFF2-40B4-BE49-F238E27FC236}">
-                  <a16:creationId xmlns:a16="http://schemas.microsoft.com/office/drawing/2014/main" id="{8F6624A7-F895-493A-8055-873B48C8C19C}"/>
+                  <a16:creationId xmlns:a16="http://schemas.microsoft.com/office/drawing/2014/main" xmlns="" id="{8F6624A7-F895-493A-8055-873B48C8C19C}"/>
                 </a:ext>
               </a:extLst>
             </p:cNvPr>
@@ -9654,7 +9687,7 @@
               <p:cNvPr id="15" name="図 14" descr="物体, 腕時計 が含まれている画像&#10;&#10;自動的に生成された説明">
                 <a:extLst>
                   <a:ext uri="{FF2B5EF4-FFF2-40B4-BE49-F238E27FC236}">
-                    <a16:creationId xmlns:a16="http://schemas.microsoft.com/office/drawing/2014/main" id="{53299244-26D0-4173-ACC6-BD241C768849}"/>
+                    <a16:creationId xmlns:a16="http://schemas.microsoft.com/office/drawing/2014/main" xmlns="" id="{53299244-26D0-4173-ACC6-BD241C768849}"/>
                   </a:ext>
                 </a:extLst>
               </p:cNvPr>
@@ -9690,7 +9723,7 @@
               <p:cNvPr id="20" name="テキスト ボックス 19">
                 <a:extLst>
                   <a:ext uri="{FF2B5EF4-FFF2-40B4-BE49-F238E27FC236}">
-                    <a16:creationId xmlns:a16="http://schemas.microsoft.com/office/drawing/2014/main" id="{BF9D5B9B-9876-443A-BE29-B4828D0A5D74}"/>
+                    <a16:creationId xmlns:a16="http://schemas.microsoft.com/office/drawing/2014/main" xmlns="" id="{BF9D5B9B-9876-443A-BE29-B4828D0A5D74}"/>
                   </a:ext>
                 </a:extLst>
               </p:cNvPr>
@@ -9729,7 +9762,7 @@
             <p:cNvPr id="26" name="グループ化 25">
               <a:extLst>
                 <a:ext uri="{FF2B5EF4-FFF2-40B4-BE49-F238E27FC236}">
-                  <a16:creationId xmlns:a16="http://schemas.microsoft.com/office/drawing/2014/main" id="{D317981A-38A9-4594-9159-8C77F7F6D8B4}"/>
+                  <a16:creationId xmlns:a16="http://schemas.microsoft.com/office/drawing/2014/main" xmlns="" id="{D317981A-38A9-4594-9159-8C77F7F6D8B4}"/>
                 </a:ext>
               </a:extLst>
             </p:cNvPr>
@@ -9749,7 +9782,7 @@
               <p:cNvPr id="17" name="図 16" descr="物体 が含まれている画像&#10;&#10;自動的に生成された説明">
                 <a:extLst>
                   <a:ext uri="{FF2B5EF4-FFF2-40B4-BE49-F238E27FC236}">
-                    <a16:creationId xmlns:a16="http://schemas.microsoft.com/office/drawing/2014/main" id="{93CD3867-4A7C-4138-9F28-8B9071FCE1AF}"/>
+                    <a16:creationId xmlns:a16="http://schemas.microsoft.com/office/drawing/2014/main" xmlns="" id="{93CD3867-4A7C-4138-9F28-8B9071FCE1AF}"/>
                   </a:ext>
                 </a:extLst>
               </p:cNvPr>
@@ -9785,7 +9818,7 @@
               <p:cNvPr id="21" name="テキスト ボックス 20">
                 <a:extLst>
                   <a:ext uri="{FF2B5EF4-FFF2-40B4-BE49-F238E27FC236}">
-                    <a16:creationId xmlns:a16="http://schemas.microsoft.com/office/drawing/2014/main" id="{C3C71671-55D6-4E40-BC27-288FCF91D2BB}"/>
+                    <a16:creationId xmlns:a16="http://schemas.microsoft.com/office/drawing/2014/main" xmlns="" id="{C3C71671-55D6-4E40-BC27-288FCF91D2BB}"/>
                   </a:ext>
                 </a:extLst>
               </p:cNvPr>
@@ -9828,7 +9861,7 @@
             <p:cNvPr id="28" name="直線矢印コネクタ 27">
               <a:extLst>
                 <a:ext uri="{FF2B5EF4-FFF2-40B4-BE49-F238E27FC236}">
-                  <a16:creationId xmlns:a16="http://schemas.microsoft.com/office/drawing/2014/main" id="{A84A16DD-57C4-4761-A446-249187106E51}"/>
+                  <a16:creationId xmlns:a16="http://schemas.microsoft.com/office/drawing/2014/main" xmlns="" id="{A84A16DD-57C4-4761-A446-249187106E51}"/>
                 </a:ext>
               </a:extLst>
             </p:cNvPr>
@@ -9872,7 +9905,7 @@
             <p:cNvPr id="29" name="直線矢印コネクタ 28">
               <a:extLst>
                 <a:ext uri="{FF2B5EF4-FFF2-40B4-BE49-F238E27FC236}">
-                  <a16:creationId xmlns:a16="http://schemas.microsoft.com/office/drawing/2014/main" id="{CE867472-33BD-4771-A53A-412FDCEAB859}"/>
+                  <a16:creationId xmlns:a16="http://schemas.microsoft.com/office/drawing/2014/main" xmlns="" id="{CE867472-33BD-4771-A53A-412FDCEAB859}"/>
                 </a:ext>
               </a:extLst>
             </p:cNvPr>
@@ -9916,7 +9949,7 @@
             <p:cNvPr id="32" name="直線矢印コネクタ 31">
               <a:extLst>
                 <a:ext uri="{FF2B5EF4-FFF2-40B4-BE49-F238E27FC236}">
-                  <a16:creationId xmlns:a16="http://schemas.microsoft.com/office/drawing/2014/main" id="{2F760955-CE29-4903-BDF0-C0EF1A34CD6F}"/>
+                  <a16:creationId xmlns:a16="http://schemas.microsoft.com/office/drawing/2014/main" xmlns="" id="{2F760955-CE29-4903-BDF0-C0EF1A34CD6F}"/>
                 </a:ext>
               </a:extLst>
             </p:cNvPr>
@@ -9960,7 +9993,7 @@
             <p:cNvPr id="33" name="直線矢印コネクタ 32">
               <a:extLst>
                 <a:ext uri="{FF2B5EF4-FFF2-40B4-BE49-F238E27FC236}">
-                  <a16:creationId xmlns:a16="http://schemas.microsoft.com/office/drawing/2014/main" id="{96E14F16-9B67-48C7-9985-746717E7D2CE}"/>
+                  <a16:creationId xmlns:a16="http://schemas.microsoft.com/office/drawing/2014/main" xmlns="" id="{96E14F16-9B67-48C7-9985-746717E7D2CE}"/>
                 </a:ext>
               </a:extLst>
             </p:cNvPr>
@@ -10004,7 +10037,7 @@
             <p:cNvPr id="34" name="正方形/長方形 33">
               <a:extLst>
                 <a:ext uri="{FF2B5EF4-FFF2-40B4-BE49-F238E27FC236}">
-                  <a16:creationId xmlns:a16="http://schemas.microsoft.com/office/drawing/2014/main" id="{6ADAFCEE-C028-416D-B257-90B41E02042A}"/>
+                  <a16:creationId xmlns:a16="http://schemas.microsoft.com/office/drawing/2014/main" xmlns="" id="{6ADAFCEE-C028-416D-B257-90B41E02042A}"/>
                 </a:ext>
               </a:extLst>
             </p:cNvPr>
@@ -10059,7 +10092,7 @@
             <p:cNvPr id="35" name="直線矢印コネクタ 34">
               <a:extLst>
                 <a:ext uri="{FF2B5EF4-FFF2-40B4-BE49-F238E27FC236}">
-                  <a16:creationId xmlns:a16="http://schemas.microsoft.com/office/drawing/2014/main" id="{A2A6B62C-1E0E-432C-9BEC-393C34A1C94C}"/>
+                  <a16:creationId xmlns:a16="http://schemas.microsoft.com/office/drawing/2014/main" xmlns="" id="{A2A6B62C-1E0E-432C-9BEC-393C34A1C94C}"/>
                 </a:ext>
               </a:extLst>
             </p:cNvPr>
@@ -10104,7 +10137,7 @@
           <p:cNvPr id="44" name="グループ化 43">
             <a:extLst>
               <a:ext uri="{FF2B5EF4-FFF2-40B4-BE49-F238E27FC236}">
-                <a16:creationId xmlns:a16="http://schemas.microsoft.com/office/drawing/2014/main" id="{7EEE5686-B5B9-4B20-8993-381AFDACF9AB}"/>
+                <a16:creationId xmlns:a16="http://schemas.microsoft.com/office/drawing/2014/main" xmlns="" id="{7EEE5686-B5B9-4B20-8993-381AFDACF9AB}"/>
               </a:ext>
             </a:extLst>
           </p:cNvPr>
@@ -10124,7 +10157,7 @@
             <p:cNvPr id="40" name="グループ化 39">
               <a:extLst>
                 <a:ext uri="{FF2B5EF4-FFF2-40B4-BE49-F238E27FC236}">
-                  <a16:creationId xmlns:a16="http://schemas.microsoft.com/office/drawing/2014/main" id="{80B432E5-1E61-4A1C-BB38-CE56CD67DAEC}"/>
+                  <a16:creationId xmlns:a16="http://schemas.microsoft.com/office/drawing/2014/main" xmlns="" id="{80B432E5-1E61-4A1C-BB38-CE56CD67DAEC}"/>
                 </a:ext>
               </a:extLst>
             </p:cNvPr>
@@ -10144,7 +10177,7 @@
               <p:cNvPr id="36" name="直線矢印コネクタ 35">
                 <a:extLst>
                   <a:ext uri="{FF2B5EF4-FFF2-40B4-BE49-F238E27FC236}">
-                    <a16:creationId xmlns:a16="http://schemas.microsoft.com/office/drawing/2014/main" id="{555429FE-F091-46AD-84F7-1B4256D762AB}"/>
+                    <a16:creationId xmlns:a16="http://schemas.microsoft.com/office/drawing/2014/main" xmlns="" id="{555429FE-F091-46AD-84F7-1B4256D762AB}"/>
                   </a:ext>
                 </a:extLst>
               </p:cNvPr>
@@ -10188,7 +10221,7 @@
               <p:cNvPr id="37" name="直線矢印コネクタ 36">
                 <a:extLst>
                   <a:ext uri="{FF2B5EF4-FFF2-40B4-BE49-F238E27FC236}">
-                    <a16:creationId xmlns:a16="http://schemas.microsoft.com/office/drawing/2014/main" id="{5030B8C7-7BED-40F6-B6D5-A7CD124D67A9}"/>
+                    <a16:creationId xmlns:a16="http://schemas.microsoft.com/office/drawing/2014/main" xmlns="" id="{5030B8C7-7BED-40F6-B6D5-A7CD124D67A9}"/>
                   </a:ext>
                 </a:extLst>
               </p:cNvPr>
@@ -10232,7 +10265,7 @@
               <p:cNvPr id="38" name="テキスト ボックス 37">
                 <a:extLst>
                   <a:ext uri="{FF2B5EF4-FFF2-40B4-BE49-F238E27FC236}">
-                    <a16:creationId xmlns:a16="http://schemas.microsoft.com/office/drawing/2014/main" id="{1BB9FF26-C1AD-43FF-B1A3-3D220E4BC3AA}"/>
+                    <a16:creationId xmlns:a16="http://schemas.microsoft.com/office/drawing/2014/main" xmlns="" id="{1BB9FF26-C1AD-43FF-B1A3-3D220E4BC3AA}"/>
                   </a:ext>
                 </a:extLst>
               </p:cNvPr>
@@ -10270,7 +10303,7 @@
               <p:cNvPr id="39" name="テキスト ボックス 38">
                 <a:extLst>
                   <a:ext uri="{FF2B5EF4-FFF2-40B4-BE49-F238E27FC236}">
-                    <a16:creationId xmlns:a16="http://schemas.microsoft.com/office/drawing/2014/main" id="{127090C9-FA03-47A3-B8E5-5AC843148C0C}"/>
+                    <a16:creationId xmlns:a16="http://schemas.microsoft.com/office/drawing/2014/main" xmlns="" id="{127090C9-FA03-47A3-B8E5-5AC843148C0C}"/>
                   </a:ext>
                 </a:extLst>
               </p:cNvPr>
@@ -10313,7 +10346,7 @@
             <p:cNvPr id="42" name="正方形/長方形 41">
               <a:extLst>
                 <a:ext uri="{FF2B5EF4-FFF2-40B4-BE49-F238E27FC236}">
-                  <a16:creationId xmlns:a16="http://schemas.microsoft.com/office/drawing/2014/main" id="{974D7591-C374-4FE7-98C6-F63D715B2F46}"/>
+                  <a16:creationId xmlns:a16="http://schemas.microsoft.com/office/drawing/2014/main" xmlns="" id="{974D7591-C374-4FE7-98C6-F63D715B2F46}"/>
                 </a:ext>
               </a:extLst>
             </p:cNvPr>
@@ -10369,7 +10402,7 @@
           <p:cNvPr id="43" name="正方形/長方形 42">
             <a:extLst>
               <a:ext uri="{FF2B5EF4-FFF2-40B4-BE49-F238E27FC236}">
-                <a16:creationId xmlns:a16="http://schemas.microsoft.com/office/drawing/2014/main" id="{A98ECFFF-731C-4C54-95F1-02A8CC15EA71}"/>
+                <a16:creationId xmlns:a16="http://schemas.microsoft.com/office/drawing/2014/main" xmlns="" id="{A98ECFFF-731C-4C54-95F1-02A8CC15EA71}"/>
               </a:ext>
             </a:extLst>
           </p:cNvPr>
@@ -10451,7 +10484,7 @@
           <p:cNvPr id="7" name="図 6" descr="テキスト が含まれている画像&#10;&#10;自動的に生成された説明">
             <a:extLst>
               <a:ext uri="{FF2B5EF4-FFF2-40B4-BE49-F238E27FC236}">
-                <a16:creationId xmlns:a16="http://schemas.microsoft.com/office/drawing/2014/main" id="{F72D7A55-A732-4D03-A156-3A4E7C065D7A}"/>
+                <a16:creationId xmlns:a16="http://schemas.microsoft.com/office/drawing/2014/main" xmlns="" id="{F72D7A55-A732-4D03-A156-3A4E7C065D7A}"/>
               </a:ext>
             </a:extLst>
           </p:cNvPr>
@@ -10486,7 +10519,7 @@
           <p:cNvPr id="10" name="テキスト ボックス 9">
             <a:extLst>
               <a:ext uri="{FF2B5EF4-FFF2-40B4-BE49-F238E27FC236}">
-                <a16:creationId xmlns:a16="http://schemas.microsoft.com/office/drawing/2014/main" id="{D5807289-5F94-4ABF-BB19-A244DE39AAB7}"/>
+                <a16:creationId xmlns:a16="http://schemas.microsoft.com/office/drawing/2014/main" xmlns="" id="{D5807289-5F94-4ABF-BB19-A244DE39AAB7}"/>
               </a:ext>
             </a:extLst>
           </p:cNvPr>
@@ -10531,7 +10564,7 @@
           <p:cNvPr id="11" name="テキスト ボックス 10">
             <a:extLst>
               <a:ext uri="{FF2B5EF4-FFF2-40B4-BE49-F238E27FC236}">
-                <a16:creationId xmlns:a16="http://schemas.microsoft.com/office/drawing/2014/main" id="{6D354EB7-7F73-4490-964D-300A57A3D0C5}"/>
+                <a16:creationId xmlns:a16="http://schemas.microsoft.com/office/drawing/2014/main" xmlns="" id="{6D354EB7-7F73-4490-964D-300A57A3D0C5}"/>
               </a:ext>
             </a:extLst>
           </p:cNvPr>
@@ -10569,7 +10602,7 @@
           <p:cNvPr id="12" name="楕円 11">
             <a:extLst>
               <a:ext uri="{FF2B5EF4-FFF2-40B4-BE49-F238E27FC236}">
-                <a16:creationId xmlns:a16="http://schemas.microsoft.com/office/drawing/2014/main" id="{27BE146F-8491-400F-AB07-2E26102463F2}"/>
+                <a16:creationId xmlns:a16="http://schemas.microsoft.com/office/drawing/2014/main" xmlns="" id="{27BE146F-8491-400F-AB07-2E26102463F2}"/>
               </a:ext>
             </a:extLst>
           </p:cNvPr>
@@ -10621,7 +10654,7 @@
           <p:cNvPr id="13" name="楕円 12">
             <a:extLst>
               <a:ext uri="{FF2B5EF4-FFF2-40B4-BE49-F238E27FC236}">
-                <a16:creationId xmlns:a16="http://schemas.microsoft.com/office/drawing/2014/main" id="{AC13EDC5-A927-451C-A8C6-2F68A75D9DB9}"/>
+                <a16:creationId xmlns:a16="http://schemas.microsoft.com/office/drawing/2014/main" xmlns="" id="{AC13EDC5-A927-451C-A8C6-2F68A75D9DB9}"/>
               </a:ext>
             </a:extLst>
           </p:cNvPr>
@@ -10673,7 +10706,7 @@
           <p:cNvPr id="14" name="楕円 13">
             <a:extLst>
               <a:ext uri="{FF2B5EF4-FFF2-40B4-BE49-F238E27FC236}">
-                <a16:creationId xmlns:a16="http://schemas.microsoft.com/office/drawing/2014/main" id="{A70D7407-0728-49A8-BDE2-7434759F1455}"/>
+                <a16:creationId xmlns:a16="http://schemas.microsoft.com/office/drawing/2014/main" xmlns="" id="{A70D7407-0728-49A8-BDE2-7434759F1455}"/>
               </a:ext>
             </a:extLst>
           </p:cNvPr>
@@ -10725,7 +10758,7 @@
           <p:cNvPr id="15" name="楕円 14">
             <a:extLst>
               <a:ext uri="{FF2B5EF4-FFF2-40B4-BE49-F238E27FC236}">
-                <a16:creationId xmlns:a16="http://schemas.microsoft.com/office/drawing/2014/main" id="{BA8A41E3-4961-4217-9C31-D8A81A9809A9}"/>
+                <a16:creationId xmlns:a16="http://schemas.microsoft.com/office/drawing/2014/main" xmlns="" id="{BA8A41E3-4961-4217-9C31-D8A81A9809A9}"/>
               </a:ext>
             </a:extLst>
           </p:cNvPr>
@@ -10777,7 +10810,7 @@
           <p:cNvPr id="16" name="テキスト ボックス 15">
             <a:extLst>
               <a:ext uri="{FF2B5EF4-FFF2-40B4-BE49-F238E27FC236}">
-                <a16:creationId xmlns:a16="http://schemas.microsoft.com/office/drawing/2014/main" id="{FBBAA09C-4BEB-47EA-BC7F-480BCC2226F1}"/>
+                <a16:creationId xmlns:a16="http://schemas.microsoft.com/office/drawing/2014/main" xmlns="" id="{FBBAA09C-4BEB-47EA-BC7F-480BCC2226F1}"/>
               </a:ext>
             </a:extLst>
           </p:cNvPr>
@@ -10885,7 +10918,7 @@
           <p:cNvPr id="17" name="正方形/長方形 16">
             <a:extLst>
               <a:ext uri="{FF2B5EF4-FFF2-40B4-BE49-F238E27FC236}">
-                <a16:creationId xmlns:a16="http://schemas.microsoft.com/office/drawing/2014/main" id="{A2CF4C31-1025-4708-B374-7F8887320A14}"/>
+                <a16:creationId xmlns:a16="http://schemas.microsoft.com/office/drawing/2014/main" xmlns="" id="{A2CF4C31-1025-4708-B374-7F8887320A14}"/>
               </a:ext>
             </a:extLst>
           </p:cNvPr>
@@ -10937,7 +10970,7 @@
           <p:cNvPr id="18" name="テキスト ボックス 17">
             <a:extLst>
               <a:ext uri="{FF2B5EF4-FFF2-40B4-BE49-F238E27FC236}">
-                <a16:creationId xmlns:a16="http://schemas.microsoft.com/office/drawing/2014/main" id="{594DFF38-A0BF-4052-92A8-115900A7F03B}"/>
+                <a16:creationId xmlns:a16="http://schemas.microsoft.com/office/drawing/2014/main" xmlns="" id="{594DFF38-A0BF-4052-92A8-115900A7F03B}"/>
               </a:ext>
             </a:extLst>
           </p:cNvPr>
@@ -11030,7 +11063,7 @@
           <p:cNvPr id="19" name="正方形/長方形 18">
             <a:extLst>
               <a:ext uri="{FF2B5EF4-FFF2-40B4-BE49-F238E27FC236}">
-                <a16:creationId xmlns:a16="http://schemas.microsoft.com/office/drawing/2014/main" id="{41DDEDAD-B76F-42FC-BD36-C4B4086365F3}"/>
+                <a16:creationId xmlns:a16="http://schemas.microsoft.com/office/drawing/2014/main" xmlns="" id="{41DDEDAD-B76F-42FC-BD36-C4B4086365F3}"/>
               </a:ext>
             </a:extLst>
           </p:cNvPr>
@@ -11082,7 +11115,7 @@
           <p:cNvPr id="21" name="正方形/長方形 20">
             <a:extLst>
               <a:ext uri="{FF2B5EF4-FFF2-40B4-BE49-F238E27FC236}">
-                <a16:creationId xmlns:a16="http://schemas.microsoft.com/office/drawing/2014/main" id="{B89D4E7D-0660-4D0D-912D-DF225C66A1D6}"/>
+                <a16:creationId xmlns:a16="http://schemas.microsoft.com/office/drawing/2014/main" xmlns="" id="{B89D4E7D-0660-4D0D-912D-DF225C66A1D6}"/>
               </a:ext>
             </a:extLst>
           </p:cNvPr>
@@ -11136,7 +11169,7 @@
           <p:cNvPr id="20" name="テキスト ボックス 19">
             <a:extLst>
               <a:ext uri="{FF2B5EF4-FFF2-40B4-BE49-F238E27FC236}">
-                <a16:creationId xmlns:a16="http://schemas.microsoft.com/office/drawing/2014/main" id="{4588D88C-0F6C-4A95-9191-7AC444B35B14}"/>
+                <a16:creationId xmlns:a16="http://schemas.microsoft.com/office/drawing/2014/main" xmlns="" id="{4588D88C-0F6C-4A95-9191-7AC444B35B14}"/>
               </a:ext>
             </a:extLst>
           </p:cNvPr>
@@ -11252,7 +11285,7 @@
           <p:cNvPr id="5" name="図 4" descr="物体 が含まれている画像&#10;&#10;自動的に生成された説明">
             <a:extLst>
               <a:ext uri="{FF2B5EF4-FFF2-40B4-BE49-F238E27FC236}">
-                <a16:creationId xmlns:a16="http://schemas.microsoft.com/office/drawing/2014/main" id="{A8B95791-F64F-423D-B8A7-2C86F56DDB1D}"/>
+                <a16:creationId xmlns:a16="http://schemas.microsoft.com/office/drawing/2014/main" xmlns="" id="{A8B95791-F64F-423D-B8A7-2C86F56DDB1D}"/>
               </a:ext>
             </a:extLst>
           </p:cNvPr>
@@ -11287,7 +11320,7 @@
           <p:cNvPr id="6" name="テキスト ボックス 5">
             <a:extLst>
               <a:ext uri="{FF2B5EF4-FFF2-40B4-BE49-F238E27FC236}">
-                <a16:creationId xmlns:a16="http://schemas.microsoft.com/office/drawing/2014/main" id="{8305E55F-CE22-4A88-A8D4-3E4958510FE7}"/>
+                <a16:creationId xmlns:a16="http://schemas.microsoft.com/office/drawing/2014/main" xmlns="" id="{8305E55F-CE22-4A88-A8D4-3E4958510FE7}"/>
               </a:ext>
             </a:extLst>
           </p:cNvPr>
@@ -11332,7 +11365,7 @@
           <p:cNvPr id="7" name="吹き出し: 四角形 6">
             <a:extLst>
               <a:ext uri="{FF2B5EF4-FFF2-40B4-BE49-F238E27FC236}">
-                <a16:creationId xmlns:a16="http://schemas.microsoft.com/office/drawing/2014/main" id="{EC8402AE-3480-4CC7-905A-0776A28352DA}"/>
+                <a16:creationId xmlns:a16="http://schemas.microsoft.com/office/drawing/2014/main" xmlns="" id="{EC8402AE-3480-4CC7-905A-0776A28352DA}"/>
               </a:ext>
             </a:extLst>
           </p:cNvPr>
@@ -11425,7 +11458,7 @@
           <p:cNvPr id="8" name="吹き出し: 四角形 7">
             <a:extLst>
               <a:ext uri="{FF2B5EF4-FFF2-40B4-BE49-F238E27FC236}">
-                <a16:creationId xmlns:a16="http://schemas.microsoft.com/office/drawing/2014/main" id="{12F0A826-4C99-48A7-B36D-03DBE2118E07}"/>
+                <a16:creationId xmlns:a16="http://schemas.microsoft.com/office/drawing/2014/main" xmlns="" id="{12F0A826-4C99-48A7-B36D-03DBE2118E07}"/>
               </a:ext>
             </a:extLst>
           </p:cNvPr>
@@ -11509,7 +11542,7 @@
           <p:cNvPr id="9" name="吹き出し: 四角形 8">
             <a:extLst>
               <a:ext uri="{FF2B5EF4-FFF2-40B4-BE49-F238E27FC236}">
-                <a16:creationId xmlns:a16="http://schemas.microsoft.com/office/drawing/2014/main" id="{B25F11CC-0810-44FB-85E5-6AFA2E713B6D}"/>
+                <a16:creationId xmlns:a16="http://schemas.microsoft.com/office/drawing/2014/main" xmlns="" id="{B25F11CC-0810-44FB-85E5-6AFA2E713B6D}"/>
               </a:ext>
             </a:extLst>
           </p:cNvPr>
@@ -11652,7 +11685,7 @@
           <p:cNvPr id="5" name="テキスト ボックス 4">
             <a:extLst>
               <a:ext uri="{FF2B5EF4-FFF2-40B4-BE49-F238E27FC236}">
-                <a16:creationId xmlns:a16="http://schemas.microsoft.com/office/drawing/2014/main" id="{D5807289-5F94-4ABF-BB19-A244DE39AAB7}"/>
+                <a16:creationId xmlns:a16="http://schemas.microsoft.com/office/drawing/2014/main" xmlns="" id="{D5807289-5F94-4ABF-BB19-A244DE39AAB7}"/>
               </a:ext>
             </a:extLst>
           </p:cNvPr>
@@ -12021,7 +12054,7 @@
               <p:cNvPr id="9" name="グループ化 8">
                 <a:extLst>
                   <a:ext uri="{FF2B5EF4-FFF2-40B4-BE49-F238E27FC236}">
-                    <a16:creationId xmlns:a16="http://schemas.microsoft.com/office/drawing/2014/main" id="{C42471E9-CEF7-4DD0-B2B9-A37027252951}"/>
+                    <a16:creationId xmlns:a16="http://schemas.microsoft.com/office/drawing/2014/main" xmlns="" id="{C42471E9-CEF7-4DD0-B2B9-A37027252951}"/>
                   </a:ext>
                 </a:extLst>
               </p:cNvPr>
@@ -12041,7 +12074,7 @@
                 <p:cNvPr id="10" name="グループ化 9">
                   <a:extLst>
                     <a:ext uri="{FF2B5EF4-FFF2-40B4-BE49-F238E27FC236}">
-                      <a16:creationId xmlns:a16="http://schemas.microsoft.com/office/drawing/2014/main" id="{7D6E456E-2E26-4492-9279-169842641548}"/>
+                      <a16:creationId xmlns:a16="http://schemas.microsoft.com/office/drawing/2014/main" xmlns="" id="{7D6E456E-2E26-4492-9279-169842641548}"/>
                     </a:ext>
                   </a:extLst>
                 </p:cNvPr>
@@ -12061,7 +12094,7 @@
                   <p:cNvPr id="26" name="図 25" descr="物体 が含まれている画像&#10;&#10;自動的に生成された説明">
                     <a:extLst>
                       <a:ext uri="{FF2B5EF4-FFF2-40B4-BE49-F238E27FC236}">
-                        <a16:creationId xmlns:a16="http://schemas.microsoft.com/office/drawing/2014/main" id="{9E2F2156-5A3C-4670-A7BB-42FF8EF7E4F0}"/>
+                        <a16:creationId xmlns:a16="http://schemas.microsoft.com/office/drawing/2014/main" xmlns="" id="{9E2F2156-5A3C-4670-A7BB-42FF8EF7E4F0}"/>
                       </a:ext>
                     </a:extLst>
                   </p:cNvPr>
@@ -12097,7 +12130,7 @@
                   <p:cNvPr id="27" name="テキスト ボックス 26">
                     <a:extLst>
                       <a:ext uri="{FF2B5EF4-FFF2-40B4-BE49-F238E27FC236}">
-                        <a16:creationId xmlns:a16="http://schemas.microsoft.com/office/drawing/2014/main" id="{85DB17C7-0CA8-4460-8B6A-1BBCF3C5CA75}"/>
+                        <a16:creationId xmlns:a16="http://schemas.microsoft.com/office/drawing/2014/main" xmlns="" id="{85DB17C7-0CA8-4460-8B6A-1BBCF3C5CA75}"/>
                       </a:ext>
                     </a:extLst>
                   </p:cNvPr>
@@ -12136,7 +12169,7 @@
                 <p:cNvPr id="11" name="グループ化 10">
                   <a:extLst>
                     <a:ext uri="{FF2B5EF4-FFF2-40B4-BE49-F238E27FC236}">
-                      <a16:creationId xmlns:a16="http://schemas.microsoft.com/office/drawing/2014/main" id="{8FA97864-B0AC-4C37-AB57-3F511EE9B20A}"/>
+                      <a16:creationId xmlns:a16="http://schemas.microsoft.com/office/drawing/2014/main" xmlns="" id="{8FA97864-B0AC-4C37-AB57-3F511EE9B20A}"/>
                     </a:ext>
                   </a:extLst>
                 </p:cNvPr>
@@ -12156,7 +12189,7 @@
                   <p:cNvPr id="24" name="図 23" descr="物体 が含まれている画像&#10;&#10;自動的に生成された説明">
                     <a:extLst>
                       <a:ext uri="{FF2B5EF4-FFF2-40B4-BE49-F238E27FC236}">
-                        <a16:creationId xmlns:a16="http://schemas.microsoft.com/office/drawing/2014/main" id="{539F0BC8-41E3-4ADD-9459-BE0E2D7ABA27}"/>
+                        <a16:creationId xmlns:a16="http://schemas.microsoft.com/office/drawing/2014/main" xmlns="" id="{539F0BC8-41E3-4ADD-9459-BE0E2D7ABA27}"/>
                       </a:ext>
                     </a:extLst>
                   </p:cNvPr>
@@ -12192,7 +12225,7 @@
                   <p:cNvPr id="25" name="テキスト ボックス 24">
                     <a:extLst>
                       <a:ext uri="{FF2B5EF4-FFF2-40B4-BE49-F238E27FC236}">
-                        <a16:creationId xmlns:a16="http://schemas.microsoft.com/office/drawing/2014/main" id="{9D08D78F-597A-41C6-9E61-E721135C20D1}"/>
+                        <a16:creationId xmlns:a16="http://schemas.microsoft.com/office/drawing/2014/main" xmlns="" id="{9D08D78F-597A-41C6-9E61-E721135C20D1}"/>
                       </a:ext>
                     </a:extLst>
                   </p:cNvPr>
@@ -12231,7 +12264,7 @@
                 <p:cNvPr id="12" name="グループ化 11">
                   <a:extLst>
                     <a:ext uri="{FF2B5EF4-FFF2-40B4-BE49-F238E27FC236}">
-                      <a16:creationId xmlns:a16="http://schemas.microsoft.com/office/drawing/2014/main" id="{8F6624A7-F895-493A-8055-873B48C8C19C}"/>
+                      <a16:creationId xmlns:a16="http://schemas.microsoft.com/office/drawing/2014/main" xmlns="" id="{8F6624A7-F895-493A-8055-873B48C8C19C}"/>
                     </a:ext>
                   </a:extLst>
                 </p:cNvPr>
@@ -12251,7 +12284,7 @@
                   <p:cNvPr id="22" name="図 21" descr="物体, 腕時計 が含まれている画像&#10;&#10;自動的に生成された説明">
                     <a:extLst>
                       <a:ext uri="{FF2B5EF4-FFF2-40B4-BE49-F238E27FC236}">
-                        <a16:creationId xmlns:a16="http://schemas.microsoft.com/office/drawing/2014/main" id="{53299244-26D0-4173-ACC6-BD241C768849}"/>
+                        <a16:creationId xmlns:a16="http://schemas.microsoft.com/office/drawing/2014/main" xmlns="" id="{53299244-26D0-4173-ACC6-BD241C768849}"/>
                       </a:ext>
                     </a:extLst>
                   </p:cNvPr>
@@ -12287,7 +12320,7 @@
                   <p:cNvPr id="23" name="テキスト ボックス 22">
                     <a:extLst>
                       <a:ext uri="{FF2B5EF4-FFF2-40B4-BE49-F238E27FC236}">
-                        <a16:creationId xmlns:a16="http://schemas.microsoft.com/office/drawing/2014/main" id="{BF9D5B9B-9876-443A-BE29-B4828D0A5D74}"/>
+                        <a16:creationId xmlns:a16="http://schemas.microsoft.com/office/drawing/2014/main" xmlns="" id="{BF9D5B9B-9876-443A-BE29-B4828D0A5D74}"/>
                       </a:ext>
                     </a:extLst>
                   </p:cNvPr>
@@ -12326,7 +12359,7 @@
                 <p:cNvPr id="13" name="グループ化 12">
                   <a:extLst>
                     <a:ext uri="{FF2B5EF4-FFF2-40B4-BE49-F238E27FC236}">
-                      <a16:creationId xmlns:a16="http://schemas.microsoft.com/office/drawing/2014/main" id="{D317981A-38A9-4594-9159-8C77F7F6D8B4}"/>
+                      <a16:creationId xmlns:a16="http://schemas.microsoft.com/office/drawing/2014/main" xmlns="" id="{D317981A-38A9-4594-9159-8C77F7F6D8B4}"/>
                     </a:ext>
                   </a:extLst>
                 </p:cNvPr>
@@ -12346,7 +12379,7 @@
                   <p:cNvPr id="20" name="図 19" descr="物体 が含まれている画像&#10;&#10;自動的に生成された説明">
                     <a:extLst>
                       <a:ext uri="{FF2B5EF4-FFF2-40B4-BE49-F238E27FC236}">
-                        <a16:creationId xmlns:a16="http://schemas.microsoft.com/office/drawing/2014/main" id="{93CD3867-4A7C-4138-9F28-8B9071FCE1AF}"/>
+                        <a16:creationId xmlns:a16="http://schemas.microsoft.com/office/drawing/2014/main" xmlns="" id="{93CD3867-4A7C-4138-9F28-8B9071FCE1AF}"/>
                       </a:ext>
                     </a:extLst>
                   </p:cNvPr>
@@ -12382,7 +12415,7 @@
                   <p:cNvPr id="21" name="テキスト ボックス 20">
                     <a:extLst>
                       <a:ext uri="{FF2B5EF4-FFF2-40B4-BE49-F238E27FC236}">
-                        <a16:creationId xmlns:a16="http://schemas.microsoft.com/office/drawing/2014/main" id="{C3C71671-55D6-4E40-BC27-288FCF91D2BB}"/>
+                        <a16:creationId xmlns:a16="http://schemas.microsoft.com/office/drawing/2014/main" xmlns="" id="{C3C71671-55D6-4E40-BC27-288FCF91D2BB}"/>
                       </a:ext>
                     </a:extLst>
                   </p:cNvPr>
@@ -12425,7 +12458,7 @@
                 <p:cNvPr id="14" name="直線矢印コネクタ 13">
                   <a:extLst>
                     <a:ext uri="{FF2B5EF4-FFF2-40B4-BE49-F238E27FC236}">
-                      <a16:creationId xmlns:a16="http://schemas.microsoft.com/office/drawing/2014/main" id="{A84A16DD-57C4-4761-A446-249187106E51}"/>
+                      <a16:creationId xmlns:a16="http://schemas.microsoft.com/office/drawing/2014/main" xmlns="" id="{A84A16DD-57C4-4761-A446-249187106E51}"/>
                     </a:ext>
                   </a:extLst>
                 </p:cNvPr>
@@ -12469,7 +12502,7 @@
                 <p:cNvPr id="15" name="直線矢印コネクタ 14">
                   <a:extLst>
                     <a:ext uri="{FF2B5EF4-FFF2-40B4-BE49-F238E27FC236}">
-                      <a16:creationId xmlns:a16="http://schemas.microsoft.com/office/drawing/2014/main" id="{CE867472-33BD-4771-A53A-412FDCEAB859}"/>
+                      <a16:creationId xmlns:a16="http://schemas.microsoft.com/office/drawing/2014/main" xmlns="" id="{CE867472-33BD-4771-A53A-412FDCEAB859}"/>
                     </a:ext>
                   </a:extLst>
                 </p:cNvPr>
@@ -12513,7 +12546,7 @@
                 <p:cNvPr id="16" name="直線矢印コネクタ 15">
                   <a:extLst>
                     <a:ext uri="{FF2B5EF4-FFF2-40B4-BE49-F238E27FC236}">
-                      <a16:creationId xmlns:a16="http://schemas.microsoft.com/office/drawing/2014/main" id="{2F760955-CE29-4903-BDF0-C0EF1A34CD6F}"/>
+                      <a16:creationId xmlns:a16="http://schemas.microsoft.com/office/drawing/2014/main" xmlns="" id="{2F760955-CE29-4903-BDF0-C0EF1A34CD6F}"/>
                     </a:ext>
                   </a:extLst>
                 </p:cNvPr>
@@ -12557,7 +12590,7 @@
                 <p:cNvPr id="17" name="直線矢印コネクタ 16">
                   <a:extLst>
                     <a:ext uri="{FF2B5EF4-FFF2-40B4-BE49-F238E27FC236}">
-                      <a16:creationId xmlns:a16="http://schemas.microsoft.com/office/drawing/2014/main" id="{96E14F16-9B67-48C7-9985-746717E7D2CE}"/>
+                      <a16:creationId xmlns:a16="http://schemas.microsoft.com/office/drawing/2014/main" xmlns="" id="{96E14F16-9B67-48C7-9985-746717E7D2CE}"/>
                     </a:ext>
                   </a:extLst>
                 </p:cNvPr>
@@ -12601,7 +12634,7 @@
                 <p:cNvPr id="18" name="正方形/長方形 17">
                   <a:extLst>
                     <a:ext uri="{FF2B5EF4-FFF2-40B4-BE49-F238E27FC236}">
-                      <a16:creationId xmlns:a16="http://schemas.microsoft.com/office/drawing/2014/main" id="{6ADAFCEE-C028-416D-B257-90B41E02042A}"/>
+                      <a16:creationId xmlns:a16="http://schemas.microsoft.com/office/drawing/2014/main" xmlns="" id="{6ADAFCEE-C028-416D-B257-90B41E02042A}"/>
                     </a:ext>
                   </a:extLst>
                 </p:cNvPr>
@@ -12656,7 +12689,7 @@
                 <p:cNvPr id="19" name="直線矢印コネクタ 18">
                   <a:extLst>
                     <a:ext uri="{FF2B5EF4-FFF2-40B4-BE49-F238E27FC236}">
-                      <a16:creationId xmlns:a16="http://schemas.microsoft.com/office/drawing/2014/main" id="{A2A6B62C-1E0E-432C-9BEC-393C34A1C94C}"/>
+                      <a16:creationId xmlns:a16="http://schemas.microsoft.com/office/drawing/2014/main" xmlns="" id="{A2A6B62C-1E0E-432C-9BEC-393C34A1C94C}"/>
                     </a:ext>
                   </a:extLst>
                 </p:cNvPr>
@@ -12701,7 +12734,7 @@
               <p:cNvPr id="28" name="グループ化 27">
                 <a:extLst>
                   <a:ext uri="{FF2B5EF4-FFF2-40B4-BE49-F238E27FC236}">
-                    <a16:creationId xmlns:a16="http://schemas.microsoft.com/office/drawing/2014/main" id="{7EEE5686-B5B9-4B20-8993-381AFDACF9AB}"/>
+                    <a16:creationId xmlns:a16="http://schemas.microsoft.com/office/drawing/2014/main" xmlns="" id="{7EEE5686-B5B9-4B20-8993-381AFDACF9AB}"/>
                   </a:ext>
                 </a:extLst>
               </p:cNvPr>
@@ -12721,7 +12754,7 @@
                 <p:cNvPr id="29" name="グループ化 28">
                   <a:extLst>
                     <a:ext uri="{FF2B5EF4-FFF2-40B4-BE49-F238E27FC236}">
-                      <a16:creationId xmlns:a16="http://schemas.microsoft.com/office/drawing/2014/main" id="{80B432E5-1E61-4A1C-BB38-CE56CD67DAEC}"/>
+                      <a16:creationId xmlns:a16="http://schemas.microsoft.com/office/drawing/2014/main" xmlns="" id="{80B432E5-1E61-4A1C-BB38-CE56CD67DAEC}"/>
                     </a:ext>
                   </a:extLst>
                 </p:cNvPr>
@@ -12741,7 +12774,7 @@
                   <p:cNvPr id="31" name="直線矢印コネクタ 30">
                     <a:extLst>
                       <a:ext uri="{FF2B5EF4-FFF2-40B4-BE49-F238E27FC236}">
-                        <a16:creationId xmlns:a16="http://schemas.microsoft.com/office/drawing/2014/main" id="{555429FE-F091-46AD-84F7-1B4256D762AB}"/>
+                        <a16:creationId xmlns:a16="http://schemas.microsoft.com/office/drawing/2014/main" xmlns="" id="{555429FE-F091-46AD-84F7-1B4256D762AB}"/>
                       </a:ext>
                     </a:extLst>
                   </p:cNvPr>
@@ -12785,7 +12818,7 @@
                   <p:cNvPr id="32" name="直線矢印コネクタ 31">
                     <a:extLst>
                       <a:ext uri="{FF2B5EF4-FFF2-40B4-BE49-F238E27FC236}">
-                        <a16:creationId xmlns:a16="http://schemas.microsoft.com/office/drawing/2014/main" id="{5030B8C7-7BED-40F6-B6D5-A7CD124D67A9}"/>
+                        <a16:creationId xmlns:a16="http://schemas.microsoft.com/office/drawing/2014/main" xmlns="" id="{5030B8C7-7BED-40F6-B6D5-A7CD124D67A9}"/>
                       </a:ext>
                     </a:extLst>
                   </p:cNvPr>
@@ -12829,7 +12862,7 @@
                   <p:cNvPr id="33" name="テキスト ボックス 32">
                     <a:extLst>
                       <a:ext uri="{FF2B5EF4-FFF2-40B4-BE49-F238E27FC236}">
-                        <a16:creationId xmlns:a16="http://schemas.microsoft.com/office/drawing/2014/main" id="{1BB9FF26-C1AD-43FF-B1A3-3D220E4BC3AA}"/>
+                        <a16:creationId xmlns:a16="http://schemas.microsoft.com/office/drawing/2014/main" xmlns="" id="{1BB9FF26-C1AD-43FF-B1A3-3D220E4BC3AA}"/>
                       </a:ext>
                     </a:extLst>
                   </p:cNvPr>
@@ -12867,7 +12900,7 @@
                   <p:cNvPr id="34" name="テキスト ボックス 33">
                     <a:extLst>
                       <a:ext uri="{FF2B5EF4-FFF2-40B4-BE49-F238E27FC236}">
-                        <a16:creationId xmlns:a16="http://schemas.microsoft.com/office/drawing/2014/main" id="{127090C9-FA03-47A3-B8E5-5AC843148C0C}"/>
+                        <a16:creationId xmlns:a16="http://schemas.microsoft.com/office/drawing/2014/main" xmlns="" id="{127090C9-FA03-47A3-B8E5-5AC843148C0C}"/>
                       </a:ext>
                     </a:extLst>
                   </p:cNvPr>
@@ -12910,7 +12943,7 @@
                 <p:cNvPr id="30" name="正方形/長方形 29">
                   <a:extLst>
                     <a:ext uri="{FF2B5EF4-FFF2-40B4-BE49-F238E27FC236}">
-                      <a16:creationId xmlns:a16="http://schemas.microsoft.com/office/drawing/2014/main" id="{974D7591-C374-4FE7-98C6-F63D715B2F46}"/>
+                      <a16:creationId xmlns:a16="http://schemas.microsoft.com/office/drawing/2014/main" xmlns="" id="{974D7591-C374-4FE7-98C6-F63D715B2F46}"/>
                     </a:ext>
                   </a:extLst>
                 </p:cNvPr>
@@ -12966,7 +12999,7 @@
               <p:cNvPr id="35" name="正方形/長方形 34">
                 <a:extLst>
                   <a:ext uri="{FF2B5EF4-FFF2-40B4-BE49-F238E27FC236}">
-                    <a16:creationId xmlns:a16="http://schemas.microsoft.com/office/drawing/2014/main" id="{A98ECFFF-731C-4C54-95F1-02A8CC15EA71}"/>
+                    <a16:creationId xmlns:a16="http://schemas.microsoft.com/office/drawing/2014/main" xmlns="" id="{A98ECFFF-731C-4C54-95F1-02A8CC15EA71}"/>
                   </a:ext>
                 </a:extLst>
               </p:cNvPr>
@@ -13106,7 +13139,7 @@
             <p:cNvPr id="43" name="直線矢印コネクタ 42">
               <a:extLst>
                 <a:ext uri="{FF2B5EF4-FFF2-40B4-BE49-F238E27FC236}">
-                  <a16:creationId xmlns:a16="http://schemas.microsoft.com/office/drawing/2014/main" id="{A2A6B62C-1E0E-432C-9BEC-393C34A1C94C}"/>
+                  <a16:creationId xmlns:a16="http://schemas.microsoft.com/office/drawing/2014/main" xmlns="" id="{A2A6B62C-1E0E-432C-9BEC-393C34A1C94C}"/>
                 </a:ext>
               </a:extLst>
             </p:cNvPr>
@@ -13150,7 +13183,7 @@
             <p:cNvPr id="53" name="直線矢印コネクタ 52">
               <a:extLst>
                 <a:ext uri="{FF2B5EF4-FFF2-40B4-BE49-F238E27FC236}">
-                  <a16:creationId xmlns:a16="http://schemas.microsoft.com/office/drawing/2014/main" id="{A2A6B62C-1E0E-432C-9BEC-393C34A1C94C}"/>
+                  <a16:creationId xmlns:a16="http://schemas.microsoft.com/office/drawing/2014/main" xmlns="" id="{A2A6B62C-1E0E-432C-9BEC-393C34A1C94C}"/>
                 </a:ext>
               </a:extLst>
             </p:cNvPr>

--- a/説明文.pptx
+++ b/説明文.pptx
@@ -5,7 +5,7 @@
     <p:sldMasterId id="2147483648" r:id="rId1"/>
   </p:sldMasterIdLst>
   <p:notesMasterIdLst>
-    <p:notesMasterId r:id="rId14"/>
+    <p:notesMasterId r:id="rId15"/>
   </p:notesMasterIdLst>
   <p:sldIdLst>
     <p:sldId id="257" r:id="rId2"/>
@@ -20,6 +20,7 @@
     <p:sldId id="266" r:id="rId11"/>
     <p:sldId id="267" r:id="rId12"/>
     <p:sldId id="268" r:id="rId13"/>
+    <p:sldId id="269" r:id="rId14"/>
   </p:sldIdLst>
   <p:sldSz cx="12192000" cy="6858000"/>
   <p:notesSz cx="6858000" cy="9144000"/>
@@ -3636,7 +3637,7 @@
           <p:cNvPr id="4" name="図 3" descr="スクリーンショット が含まれている画像&#10;&#10;自動的に生成された説明">
             <a:extLst>
               <a:ext uri="{FF2B5EF4-FFF2-40B4-BE49-F238E27FC236}">
-                <a16:creationId xmlns:a16="http://schemas.microsoft.com/office/drawing/2014/main" xmlns="" id="{48282D74-7C89-4D68-8F6E-D62AC9485402}"/>
+                <a16:creationId xmlns="" xmlns:a16="http://schemas.microsoft.com/office/drawing/2014/main" id="{48282D74-7C89-4D68-8F6E-D62AC9485402}"/>
               </a:ext>
             </a:extLst>
           </p:cNvPr>
@@ -3971,7 +3972,7 @@
           <p:cNvPr id="6" name="正方形/長方形 5">
             <a:extLst>
               <a:ext uri="{FF2B5EF4-FFF2-40B4-BE49-F238E27FC236}">
-                <a16:creationId xmlns:a16="http://schemas.microsoft.com/office/drawing/2014/main" xmlns="" id="{E239D52D-8A0E-45C2-9D76-49681F4F3023}"/>
+                <a16:creationId xmlns="" xmlns:a16="http://schemas.microsoft.com/office/drawing/2014/main" id="{E239D52D-8A0E-45C2-9D76-49681F4F3023}"/>
               </a:ext>
             </a:extLst>
           </p:cNvPr>
@@ -4023,7 +4024,7 @@
           <p:cNvPr id="12" name="正方形/長方形 11">
             <a:extLst>
               <a:ext uri="{FF2B5EF4-FFF2-40B4-BE49-F238E27FC236}">
-                <a16:creationId xmlns:a16="http://schemas.microsoft.com/office/drawing/2014/main" xmlns="" id="{44B16076-58F3-411C-BA21-CC2F6BFDF2CA}"/>
+                <a16:creationId xmlns="" xmlns:a16="http://schemas.microsoft.com/office/drawing/2014/main" id="{44B16076-58F3-411C-BA21-CC2F6BFDF2CA}"/>
               </a:ext>
             </a:extLst>
           </p:cNvPr>
@@ -4075,7 +4076,7 @@
           <p:cNvPr id="13" name="正方形/長方形 12">
             <a:extLst>
               <a:ext uri="{FF2B5EF4-FFF2-40B4-BE49-F238E27FC236}">
-                <a16:creationId xmlns:a16="http://schemas.microsoft.com/office/drawing/2014/main" xmlns="" id="{48971A5D-F76B-4813-83D2-2D825B6A3202}"/>
+                <a16:creationId xmlns="" xmlns:a16="http://schemas.microsoft.com/office/drawing/2014/main" id="{48971A5D-F76B-4813-83D2-2D825B6A3202}"/>
               </a:ext>
             </a:extLst>
           </p:cNvPr>
@@ -4157,7 +4158,7 @@
           <p:cNvPr id="4" name="テキスト ボックス 3">
             <a:extLst>
               <a:ext uri="{FF2B5EF4-FFF2-40B4-BE49-F238E27FC236}">
-                <a16:creationId xmlns:a16="http://schemas.microsoft.com/office/drawing/2014/main" xmlns="" id="{C41C563A-40AB-403A-8661-FE9944DE17B5}"/>
+                <a16:creationId xmlns="" xmlns:a16="http://schemas.microsoft.com/office/drawing/2014/main" id="{C41C563A-40AB-403A-8661-FE9944DE17B5}"/>
               </a:ext>
             </a:extLst>
           </p:cNvPr>
@@ -4202,7 +4203,7 @@
           <p:cNvPr id="5" name="テキスト ボックス 4">
             <a:extLst>
               <a:ext uri="{FF2B5EF4-FFF2-40B4-BE49-F238E27FC236}">
-                <a16:creationId xmlns:a16="http://schemas.microsoft.com/office/drawing/2014/main" xmlns="" id="{4942987D-E9F9-4BC9-8090-7DA7D48916EF}"/>
+                <a16:creationId xmlns="" xmlns:a16="http://schemas.microsoft.com/office/drawing/2014/main" id="{4942987D-E9F9-4BC9-8090-7DA7D48916EF}"/>
               </a:ext>
             </a:extLst>
           </p:cNvPr>
@@ -4240,7 +4241,7 @@
           <p:cNvPr id="40" name="テキスト ボックス 39">
             <a:extLst>
               <a:ext uri="{FF2B5EF4-FFF2-40B4-BE49-F238E27FC236}">
-                <a16:creationId xmlns:a16="http://schemas.microsoft.com/office/drawing/2014/main" xmlns="" id="{F1EA6A6B-D4D0-463A-A599-CE219946A74B}"/>
+                <a16:creationId xmlns="" xmlns:a16="http://schemas.microsoft.com/office/drawing/2014/main" id="{F1EA6A6B-D4D0-463A-A599-CE219946A74B}"/>
               </a:ext>
             </a:extLst>
           </p:cNvPr>
@@ -4526,7 +4527,7 @@
           <p:cNvPr id="47" name="グループ化 46">
             <a:extLst>
               <a:ext uri="{FF2B5EF4-FFF2-40B4-BE49-F238E27FC236}">
-                <a16:creationId xmlns:a16="http://schemas.microsoft.com/office/drawing/2014/main" xmlns="" id="{3CB0CBD5-C2FE-46AB-9EAF-C9949E68FDD5}"/>
+                <a16:creationId xmlns="" xmlns:a16="http://schemas.microsoft.com/office/drawing/2014/main" id="{3CB0CBD5-C2FE-46AB-9EAF-C9949E68FDD5}"/>
               </a:ext>
             </a:extLst>
           </p:cNvPr>
@@ -4546,7 +4547,7 @@
             <p:cNvPr id="22" name="グループ化 21">
               <a:extLst>
                 <a:ext uri="{FF2B5EF4-FFF2-40B4-BE49-F238E27FC236}">
-                  <a16:creationId xmlns:a16="http://schemas.microsoft.com/office/drawing/2014/main" xmlns="" id="{2B78E3B8-6F86-4761-8FD3-82445D0604CC}"/>
+                  <a16:creationId xmlns="" xmlns:a16="http://schemas.microsoft.com/office/drawing/2014/main" id="{2B78E3B8-6F86-4761-8FD3-82445D0604CC}"/>
                 </a:ext>
               </a:extLst>
             </p:cNvPr>
@@ -4566,7 +4567,7 @@
               <p:cNvPr id="38" name="図 37" descr="物体 が含まれている画像&#10;&#10;自動的に生成された説明">
                 <a:extLst>
                   <a:ext uri="{FF2B5EF4-FFF2-40B4-BE49-F238E27FC236}">
-                    <a16:creationId xmlns:a16="http://schemas.microsoft.com/office/drawing/2014/main" xmlns="" id="{479B4DDF-7427-437E-87B7-7994E26E728C}"/>
+                    <a16:creationId xmlns="" xmlns:a16="http://schemas.microsoft.com/office/drawing/2014/main" id="{479B4DDF-7427-437E-87B7-7994E26E728C}"/>
                   </a:ext>
                 </a:extLst>
               </p:cNvPr>
@@ -4602,7 +4603,7 @@
               <p:cNvPr id="39" name="テキスト ボックス 38">
                 <a:extLst>
                   <a:ext uri="{FF2B5EF4-FFF2-40B4-BE49-F238E27FC236}">
-                    <a16:creationId xmlns:a16="http://schemas.microsoft.com/office/drawing/2014/main" xmlns="" id="{9774E31A-0063-4CE0-A9A1-D45BBB05A9C8}"/>
+                    <a16:creationId xmlns="" xmlns:a16="http://schemas.microsoft.com/office/drawing/2014/main" id="{9774E31A-0063-4CE0-A9A1-D45BBB05A9C8}"/>
                   </a:ext>
                 </a:extLst>
               </p:cNvPr>
@@ -4642,7 +4643,7 @@
             <p:cNvPr id="23" name="グループ化 22">
               <a:extLst>
                 <a:ext uri="{FF2B5EF4-FFF2-40B4-BE49-F238E27FC236}">
-                  <a16:creationId xmlns:a16="http://schemas.microsoft.com/office/drawing/2014/main" xmlns="" id="{8CEB5C1D-B949-4327-B495-5272910D5F87}"/>
+                  <a16:creationId xmlns="" xmlns:a16="http://schemas.microsoft.com/office/drawing/2014/main" id="{8CEB5C1D-B949-4327-B495-5272910D5F87}"/>
                 </a:ext>
               </a:extLst>
             </p:cNvPr>
@@ -4662,7 +4663,7 @@
               <p:cNvPr id="36" name="図 35" descr="物体 が含まれている画像&#10;&#10;自動的に生成された説明">
                 <a:extLst>
                   <a:ext uri="{FF2B5EF4-FFF2-40B4-BE49-F238E27FC236}">
-                    <a16:creationId xmlns:a16="http://schemas.microsoft.com/office/drawing/2014/main" xmlns="" id="{FB1C4056-473E-4E06-A623-40D4081C4EAC}"/>
+                    <a16:creationId xmlns="" xmlns:a16="http://schemas.microsoft.com/office/drawing/2014/main" id="{FB1C4056-473E-4E06-A623-40D4081C4EAC}"/>
                   </a:ext>
                 </a:extLst>
               </p:cNvPr>
@@ -4698,7 +4699,7 @@
               <p:cNvPr id="37" name="テキスト ボックス 36">
                 <a:extLst>
                   <a:ext uri="{FF2B5EF4-FFF2-40B4-BE49-F238E27FC236}">
-                    <a16:creationId xmlns:a16="http://schemas.microsoft.com/office/drawing/2014/main" xmlns="" id="{A9417AE6-E050-4A1B-991F-46A51E57761E}"/>
+                    <a16:creationId xmlns="" xmlns:a16="http://schemas.microsoft.com/office/drawing/2014/main" id="{A9417AE6-E050-4A1B-991F-46A51E57761E}"/>
                   </a:ext>
                 </a:extLst>
               </p:cNvPr>
@@ -4738,7 +4739,7 @@
             <p:cNvPr id="24" name="グループ化 23">
               <a:extLst>
                 <a:ext uri="{FF2B5EF4-FFF2-40B4-BE49-F238E27FC236}">
-                  <a16:creationId xmlns:a16="http://schemas.microsoft.com/office/drawing/2014/main" xmlns="" id="{9400590E-D727-4D03-98FF-0ACD12EBC352}"/>
+                  <a16:creationId xmlns="" xmlns:a16="http://schemas.microsoft.com/office/drawing/2014/main" id="{9400590E-D727-4D03-98FF-0ACD12EBC352}"/>
                 </a:ext>
               </a:extLst>
             </p:cNvPr>
@@ -4758,7 +4759,7 @@
               <p:cNvPr id="34" name="図 33" descr="物体, 腕時計 が含まれている画像&#10;&#10;自動的に生成された説明">
                 <a:extLst>
                   <a:ext uri="{FF2B5EF4-FFF2-40B4-BE49-F238E27FC236}">
-                    <a16:creationId xmlns:a16="http://schemas.microsoft.com/office/drawing/2014/main" xmlns="" id="{734930D0-5E47-475F-948D-174F652567D0}"/>
+                    <a16:creationId xmlns="" xmlns:a16="http://schemas.microsoft.com/office/drawing/2014/main" id="{734930D0-5E47-475F-948D-174F652567D0}"/>
                   </a:ext>
                 </a:extLst>
               </p:cNvPr>
@@ -4794,7 +4795,7 @@
               <p:cNvPr id="35" name="テキスト ボックス 34">
                 <a:extLst>
                   <a:ext uri="{FF2B5EF4-FFF2-40B4-BE49-F238E27FC236}">
-                    <a16:creationId xmlns:a16="http://schemas.microsoft.com/office/drawing/2014/main" xmlns="" id="{99360FF1-7996-43C2-A24E-1DB68F403FE0}"/>
+                    <a16:creationId xmlns="" xmlns:a16="http://schemas.microsoft.com/office/drawing/2014/main" id="{99360FF1-7996-43C2-A24E-1DB68F403FE0}"/>
                   </a:ext>
                 </a:extLst>
               </p:cNvPr>
@@ -4834,7 +4835,7 @@
             <p:cNvPr id="25" name="グループ化 24">
               <a:extLst>
                 <a:ext uri="{FF2B5EF4-FFF2-40B4-BE49-F238E27FC236}">
-                  <a16:creationId xmlns:a16="http://schemas.microsoft.com/office/drawing/2014/main" xmlns="" id="{2DC9847F-77D2-4405-8121-1FE5585768EA}"/>
+                  <a16:creationId xmlns="" xmlns:a16="http://schemas.microsoft.com/office/drawing/2014/main" id="{2DC9847F-77D2-4405-8121-1FE5585768EA}"/>
                 </a:ext>
               </a:extLst>
             </p:cNvPr>
@@ -4854,7 +4855,7 @@
               <p:cNvPr id="32" name="図 31" descr="物体 が含まれている画像&#10;&#10;自動的に生成された説明">
                 <a:extLst>
                   <a:ext uri="{FF2B5EF4-FFF2-40B4-BE49-F238E27FC236}">
-                    <a16:creationId xmlns:a16="http://schemas.microsoft.com/office/drawing/2014/main" xmlns="" id="{275FE74A-218C-4A15-9492-6A63781312F0}"/>
+                    <a16:creationId xmlns="" xmlns:a16="http://schemas.microsoft.com/office/drawing/2014/main" id="{275FE74A-218C-4A15-9492-6A63781312F0}"/>
                   </a:ext>
                 </a:extLst>
               </p:cNvPr>
@@ -4890,7 +4891,7 @@
               <p:cNvPr id="33" name="テキスト ボックス 32">
                 <a:extLst>
                   <a:ext uri="{FF2B5EF4-FFF2-40B4-BE49-F238E27FC236}">
-                    <a16:creationId xmlns:a16="http://schemas.microsoft.com/office/drawing/2014/main" xmlns="" id="{7FEA8835-C677-4EFC-9624-2596C7E0A572}"/>
+                    <a16:creationId xmlns="" xmlns:a16="http://schemas.microsoft.com/office/drawing/2014/main" id="{7FEA8835-C677-4EFC-9624-2596C7E0A572}"/>
                   </a:ext>
                 </a:extLst>
               </p:cNvPr>
@@ -4934,7 +4935,7 @@
             <p:cNvPr id="11" name="図 10">
               <a:extLst>
                 <a:ext uri="{FF2B5EF4-FFF2-40B4-BE49-F238E27FC236}">
-                  <a16:creationId xmlns:a16="http://schemas.microsoft.com/office/drawing/2014/main" xmlns="" id="{49264E83-2EAE-4079-9AD2-AC2D699F0D1F}"/>
+                  <a16:creationId xmlns="" xmlns:a16="http://schemas.microsoft.com/office/drawing/2014/main" id="{49264E83-2EAE-4079-9AD2-AC2D699F0D1F}"/>
                 </a:ext>
               </a:extLst>
             </p:cNvPr>
@@ -4970,7 +4971,7 @@
             <p:cNvPr id="41" name="テキスト ボックス 40">
               <a:extLst>
                 <a:ext uri="{FF2B5EF4-FFF2-40B4-BE49-F238E27FC236}">
-                  <a16:creationId xmlns:a16="http://schemas.microsoft.com/office/drawing/2014/main" xmlns="" id="{68F9DCC6-82FB-4A75-8F93-BCDF64FFBEFA}"/>
+                  <a16:creationId xmlns="" xmlns:a16="http://schemas.microsoft.com/office/drawing/2014/main" id="{68F9DCC6-82FB-4A75-8F93-BCDF64FFBEFA}"/>
                 </a:ext>
               </a:extLst>
             </p:cNvPr>
@@ -5021,7 +5022,7 @@
             <p:cNvPr id="42" name="テキスト ボックス 41">
               <a:extLst>
                 <a:ext uri="{FF2B5EF4-FFF2-40B4-BE49-F238E27FC236}">
-                  <a16:creationId xmlns:a16="http://schemas.microsoft.com/office/drawing/2014/main" xmlns="" id="{5855B3EB-4794-4741-B048-C249D299391F}"/>
+                  <a16:creationId xmlns="" xmlns:a16="http://schemas.microsoft.com/office/drawing/2014/main" id="{5855B3EB-4794-4741-B048-C249D299391F}"/>
                 </a:ext>
               </a:extLst>
             </p:cNvPr>
@@ -5072,7 +5073,7 @@
             <p:cNvPr id="43" name="テキスト ボックス 42">
               <a:extLst>
                 <a:ext uri="{FF2B5EF4-FFF2-40B4-BE49-F238E27FC236}">
-                  <a16:creationId xmlns:a16="http://schemas.microsoft.com/office/drawing/2014/main" xmlns="" id="{1789448E-9185-4B19-84FC-F56FFD1737E2}"/>
+                  <a16:creationId xmlns="" xmlns:a16="http://schemas.microsoft.com/office/drawing/2014/main" id="{1789448E-9185-4B19-84FC-F56FFD1737E2}"/>
                 </a:ext>
               </a:extLst>
             </p:cNvPr>
@@ -5123,7 +5124,7 @@
             <p:cNvPr id="44" name="テキスト ボックス 43">
               <a:extLst>
                 <a:ext uri="{FF2B5EF4-FFF2-40B4-BE49-F238E27FC236}">
-                  <a16:creationId xmlns:a16="http://schemas.microsoft.com/office/drawing/2014/main" xmlns="" id="{3618E5BF-EA6E-4335-8AE7-B40D785FD078}"/>
+                  <a16:creationId xmlns="" xmlns:a16="http://schemas.microsoft.com/office/drawing/2014/main" id="{3618E5BF-EA6E-4335-8AE7-B40D785FD078}"/>
                 </a:ext>
               </a:extLst>
             </p:cNvPr>
@@ -5174,7 +5175,7 @@
             <p:cNvPr id="45" name="テキスト ボックス 44">
               <a:extLst>
                 <a:ext uri="{FF2B5EF4-FFF2-40B4-BE49-F238E27FC236}">
-                  <a16:creationId xmlns:a16="http://schemas.microsoft.com/office/drawing/2014/main" xmlns="" id="{861DFEC4-87A7-46BD-A2AA-F24D1B417E3F}"/>
+                  <a16:creationId xmlns="" xmlns:a16="http://schemas.microsoft.com/office/drawing/2014/main" id="{861DFEC4-87A7-46BD-A2AA-F24D1B417E3F}"/>
                 </a:ext>
               </a:extLst>
             </p:cNvPr>
@@ -5224,7 +5225,7 @@
             <p:cNvPr id="46" name="テキスト ボックス 45">
               <a:extLst>
                 <a:ext uri="{FF2B5EF4-FFF2-40B4-BE49-F238E27FC236}">
-                  <a16:creationId xmlns:a16="http://schemas.microsoft.com/office/drawing/2014/main" xmlns="" id="{B4B7A388-F763-4A3C-B6C2-124C99BC6F42}"/>
+                  <a16:creationId xmlns="" xmlns:a16="http://schemas.microsoft.com/office/drawing/2014/main" id="{B4B7A388-F763-4A3C-B6C2-124C99BC6F42}"/>
                 </a:ext>
               </a:extLst>
             </p:cNvPr>
@@ -5293,7 +5294,7 @@
           <p:cNvPr id="5" name="図 4" descr="電子機器 が含まれている画像&#10;&#10;自動的に生成された説明">
             <a:extLst>
               <a:ext uri="{FF2B5EF4-FFF2-40B4-BE49-F238E27FC236}">
-                <a16:creationId xmlns:a16="http://schemas.microsoft.com/office/drawing/2014/main" xmlns="" id="{6CB9A598-CED9-45A4-8DA9-B27BCA36CBEC}"/>
+                <a16:creationId xmlns="" xmlns:a16="http://schemas.microsoft.com/office/drawing/2014/main" id="{6CB9A598-CED9-45A4-8DA9-B27BCA36CBEC}"/>
               </a:ext>
             </a:extLst>
           </p:cNvPr>
@@ -5328,7 +5329,7 @@
           <p:cNvPr id="17" name="楕円 16">
             <a:extLst>
               <a:ext uri="{FF2B5EF4-FFF2-40B4-BE49-F238E27FC236}">
-                <a16:creationId xmlns:a16="http://schemas.microsoft.com/office/drawing/2014/main" xmlns="" id="{787DCF27-FE5D-4F5F-93D9-6E5E3F66733B}"/>
+                <a16:creationId xmlns="" xmlns:a16="http://schemas.microsoft.com/office/drawing/2014/main" id="{787DCF27-FE5D-4F5F-93D9-6E5E3F66733B}"/>
               </a:ext>
             </a:extLst>
           </p:cNvPr>
@@ -5380,7 +5381,7 @@
           <p:cNvPr id="15" name="正方形/長方形 14">
             <a:extLst>
               <a:ext uri="{FF2B5EF4-FFF2-40B4-BE49-F238E27FC236}">
-                <a16:creationId xmlns:a16="http://schemas.microsoft.com/office/drawing/2014/main" xmlns="" id="{3833953A-B36A-4C17-AEC3-8ED45F7CC897}"/>
+                <a16:creationId xmlns="" xmlns:a16="http://schemas.microsoft.com/office/drawing/2014/main" id="{3833953A-B36A-4C17-AEC3-8ED45F7CC897}"/>
               </a:ext>
             </a:extLst>
           </p:cNvPr>
@@ -5432,7 +5433,7 @@
           <p:cNvPr id="16" name="正方形/長方形 15">
             <a:extLst>
               <a:ext uri="{FF2B5EF4-FFF2-40B4-BE49-F238E27FC236}">
-                <a16:creationId xmlns:a16="http://schemas.microsoft.com/office/drawing/2014/main" xmlns="" id="{0A0216B0-C84D-4309-9EC4-75086643960C}"/>
+                <a16:creationId xmlns="" xmlns:a16="http://schemas.microsoft.com/office/drawing/2014/main" id="{0A0216B0-C84D-4309-9EC4-75086643960C}"/>
               </a:ext>
             </a:extLst>
           </p:cNvPr>
@@ -5484,7 +5485,7 @@
           <p:cNvPr id="14" name="正方形/長方形 13">
             <a:extLst>
               <a:ext uri="{FF2B5EF4-FFF2-40B4-BE49-F238E27FC236}">
-                <a16:creationId xmlns:a16="http://schemas.microsoft.com/office/drawing/2014/main" xmlns="" id="{EAC81C78-DEAA-491D-B85A-42AB767010AE}"/>
+                <a16:creationId xmlns="" xmlns:a16="http://schemas.microsoft.com/office/drawing/2014/main" id="{EAC81C78-DEAA-491D-B85A-42AB767010AE}"/>
               </a:ext>
             </a:extLst>
           </p:cNvPr>
@@ -5536,7 +5537,7 @@
           <p:cNvPr id="6" name="テキスト ボックス 5">
             <a:extLst>
               <a:ext uri="{FF2B5EF4-FFF2-40B4-BE49-F238E27FC236}">
-                <a16:creationId xmlns:a16="http://schemas.microsoft.com/office/drawing/2014/main" xmlns="" id="{B35D99F0-6DC1-4BC2-88F1-81631344B7F9}"/>
+                <a16:creationId xmlns="" xmlns:a16="http://schemas.microsoft.com/office/drawing/2014/main" id="{B35D99F0-6DC1-4BC2-88F1-81631344B7F9}"/>
               </a:ext>
             </a:extLst>
           </p:cNvPr>
@@ -5581,7 +5582,7 @@
           <p:cNvPr id="7" name="吹き出し: 四角形 6">
             <a:extLst>
               <a:ext uri="{FF2B5EF4-FFF2-40B4-BE49-F238E27FC236}">
-                <a16:creationId xmlns:a16="http://schemas.microsoft.com/office/drawing/2014/main" xmlns="" id="{BA75D2B1-3296-4A6C-97CF-CD76A284141D}"/>
+                <a16:creationId xmlns="" xmlns:a16="http://schemas.microsoft.com/office/drawing/2014/main" id="{BA75D2B1-3296-4A6C-97CF-CD76A284141D}"/>
               </a:ext>
             </a:extLst>
           </p:cNvPr>
@@ -5636,7 +5637,7 @@
           <p:cNvPr id="8" name="吹き出し: 四角形 7">
             <a:extLst>
               <a:ext uri="{FF2B5EF4-FFF2-40B4-BE49-F238E27FC236}">
-                <a16:creationId xmlns:a16="http://schemas.microsoft.com/office/drawing/2014/main" xmlns="" id="{88AD402C-D557-4604-82F7-689D61968750}"/>
+                <a16:creationId xmlns="" xmlns:a16="http://schemas.microsoft.com/office/drawing/2014/main" id="{88AD402C-D557-4604-82F7-689D61968750}"/>
               </a:ext>
             </a:extLst>
           </p:cNvPr>
@@ -5698,7 +5699,7 @@
           <p:cNvPr id="9" name="吹き出し: 四角形 8">
             <a:extLst>
               <a:ext uri="{FF2B5EF4-FFF2-40B4-BE49-F238E27FC236}">
-                <a16:creationId xmlns:a16="http://schemas.microsoft.com/office/drawing/2014/main" xmlns="" id="{BF8E2C7C-205C-42CA-B382-A5D5630D39B2}"/>
+                <a16:creationId xmlns="" xmlns:a16="http://schemas.microsoft.com/office/drawing/2014/main" id="{BF8E2C7C-205C-42CA-B382-A5D5630D39B2}"/>
               </a:ext>
             </a:extLst>
           </p:cNvPr>
@@ -5757,7 +5758,7 @@
           <p:cNvPr id="10" name="吹き出し: 四角形 9">
             <a:extLst>
               <a:ext uri="{FF2B5EF4-FFF2-40B4-BE49-F238E27FC236}">
-                <a16:creationId xmlns:a16="http://schemas.microsoft.com/office/drawing/2014/main" xmlns="" id="{1E8E5AAD-2EFF-40AE-87B5-A62E3863DB06}"/>
+                <a16:creationId xmlns="" xmlns:a16="http://schemas.microsoft.com/office/drawing/2014/main" id="{1E8E5AAD-2EFF-40AE-87B5-A62E3863DB06}"/>
               </a:ext>
             </a:extLst>
           </p:cNvPr>
@@ -5826,7 +5827,7 @@
           <p:cNvPr id="11" name="吹き出し: 四角形 10">
             <a:extLst>
               <a:ext uri="{FF2B5EF4-FFF2-40B4-BE49-F238E27FC236}">
-                <a16:creationId xmlns:a16="http://schemas.microsoft.com/office/drawing/2014/main" xmlns="" id="{0876C132-70D4-4EE9-A059-2EE9BBCFA5AC}"/>
+                <a16:creationId xmlns="" xmlns:a16="http://schemas.microsoft.com/office/drawing/2014/main" id="{0876C132-70D4-4EE9-A059-2EE9BBCFA5AC}"/>
               </a:ext>
             </a:extLst>
           </p:cNvPr>
@@ -5881,7 +5882,7 @@
           <p:cNvPr id="12" name="吹き出し: 四角形 11">
             <a:extLst>
               <a:ext uri="{FF2B5EF4-FFF2-40B4-BE49-F238E27FC236}">
-                <a16:creationId xmlns:a16="http://schemas.microsoft.com/office/drawing/2014/main" xmlns="" id="{30266963-E240-4012-99DE-6906E5DDC8E7}"/>
+                <a16:creationId xmlns="" xmlns:a16="http://schemas.microsoft.com/office/drawing/2014/main" id="{30266963-E240-4012-99DE-6906E5DDC8E7}"/>
               </a:ext>
             </a:extLst>
           </p:cNvPr>
@@ -5975,7 +5976,7 @@
           <p:cNvPr id="13" name="正方形/長方形 12">
             <a:extLst>
               <a:ext uri="{FF2B5EF4-FFF2-40B4-BE49-F238E27FC236}">
-                <a16:creationId xmlns:a16="http://schemas.microsoft.com/office/drawing/2014/main" xmlns="" id="{C5B52C5E-840D-45E5-8E3C-3E2AD99D4E85}"/>
+                <a16:creationId xmlns="" xmlns:a16="http://schemas.microsoft.com/office/drawing/2014/main" id="{C5B52C5E-840D-45E5-8E3C-3E2AD99D4E85}"/>
               </a:ext>
             </a:extLst>
           </p:cNvPr>
@@ -6027,7 +6028,7 @@
           <p:cNvPr id="18" name="正方形/長方形 17">
             <a:extLst>
               <a:ext uri="{FF2B5EF4-FFF2-40B4-BE49-F238E27FC236}">
-                <a16:creationId xmlns:a16="http://schemas.microsoft.com/office/drawing/2014/main" xmlns="" id="{85B86C3D-1D0B-4CA9-A09E-F9104FAC8E9A}"/>
+                <a16:creationId xmlns="" xmlns:a16="http://schemas.microsoft.com/office/drawing/2014/main" id="{85B86C3D-1D0B-4CA9-A09E-F9104FAC8E9A}"/>
               </a:ext>
             </a:extLst>
           </p:cNvPr>
@@ -6079,7 +6080,7 @@
           <p:cNvPr id="19" name="吹き出し: 四角形 18">
             <a:extLst>
               <a:ext uri="{FF2B5EF4-FFF2-40B4-BE49-F238E27FC236}">
-                <a16:creationId xmlns:a16="http://schemas.microsoft.com/office/drawing/2014/main" xmlns="" id="{D2673875-651C-40E4-8256-1F77677989CB}"/>
+                <a16:creationId xmlns="" xmlns:a16="http://schemas.microsoft.com/office/drawing/2014/main" id="{D2673875-651C-40E4-8256-1F77677989CB}"/>
               </a:ext>
             </a:extLst>
           </p:cNvPr>
@@ -6175,7 +6176,7 @@
           <p:cNvPr id="6" name="テキスト ボックス 5">
             <a:extLst>
               <a:ext uri="{FF2B5EF4-FFF2-40B4-BE49-F238E27FC236}">
-                <a16:creationId xmlns:a16="http://schemas.microsoft.com/office/drawing/2014/main" xmlns="" id="{83D9254C-066B-4A30-984B-189E5281BB91}"/>
+                <a16:creationId xmlns="" xmlns:a16="http://schemas.microsoft.com/office/drawing/2014/main" id="{83D9254C-066B-4A30-984B-189E5281BB91}"/>
               </a:ext>
             </a:extLst>
           </p:cNvPr>
@@ -6220,7 +6221,7 @@
           <p:cNvPr id="7" name="テキスト ボックス 6">
             <a:extLst>
               <a:ext uri="{FF2B5EF4-FFF2-40B4-BE49-F238E27FC236}">
-                <a16:creationId xmlns:a16="http://schemas.microsoft.com/office/drawing/2014/main" xmlns="" id="{A3B678AB-5F6D-47A2-AC3D-C9904D8B3FE5}"/>
+                <a16:creationId xmlns="" xmlns:a16="http://schemas.microsoft.com/office/drawing/2014/main" id="{A3B678AB-5F6D-47A2-AC3D-C9904D8B3FE5}"/>
               </a:ext>
             </a:extLst>
           </p:cNvPr>
@@ -6262,7 +6263,7 @@
           <p:cNvPr id="8" name="テキスト ボックス 7">
             <a:extLst>
               <a:ext uri="{FF2B5EF4-FFF2-40B4-BE49-F238E27FC236}">
-                <a16:creationId xmlns:a16="http://schemas.microsoft.com/office/drawing/2014/main" xmlns="" id="{81F92070-255F-4692-ABB1-F5486542D8FF}"/>
+                <a16:creationId xmlns="" xmlns:a16="http://schemas.microsoft.com/office/drawing/2014/main" id="{81F92070-255F-4692-ABB1-F5486542D8FF}"/>
               </a:ext>
             </a:extLst>
           </p:cNvPr>
@@ -6402,7 +6403,7 @@
           <p:cNvPr id="10" name="テキスト ボックス 9">
             <a:extLst>
               <a:ext uri="{FF2B5EF4-FFF2-40B4-BE49-F238E27FC236}">
-                <a16:creationId xmlns:a16="http://schemas.microsoft.com/office/drawing/2014/main" xmlns="" id="{946FF0DF-B758-41C2-85D3-67DA048E99B2}"/>
+                <a16:creationId xmlns="" xmlns:a16="http://schemas.microsoft.com/office/drawing/2014/main" id="{946FF0DF-B758-41C2-85D3-67DA048E99B2}"/>
               </a:ext>
             </a:extLst>
           </p:cNvPr>
@@ -6460,6 +6461,439 @@
     <p:extLst>
       <p:ext uri="{BB962C8B-B14F-4D97-AF65-F5344CB8AC3E}">
         <p14:creationId xmlns:p14="http://schemas.microsoft.com/office/powerpoint/2010/main" val="3804024904"/>
+      </p:ext>
+    </p:extLst>
+  </p:cSld>
+  <p:clrMapOvr>
+    <a:masterClrMapping/>
+  </p:clrMapOvr>
+</p:sld>
+</file>
+
+<file path=ppt/slides/slide13.xml><?xml version="1.0" encoding="utf-8"?>
+<p:sld xmlns:a="http://schemas.openxmlformats.org/drawingml/2006/main" xmlns:r="http://schemas.openxmlformats.org/officeDocument/2006/relationships" xmlns:p="http://schemas.openxmlformats.org/presentationml/2006/main">
+  <p:cSld>
+    <p:spTree>
+      <p:nvGrpSpPr>
+        <p:cNvPr id="1" name=""/>
+        <p:cNvGrpSpPr/>
+        <p:nvPr/>
+      </p:nvGrpSpPr>
+      <p:grpSpPr>
+        <a:xfrm>
+          <a:off x="0" y="0"/>
+          <a:ext cx="0" cy="0"/>
+          <a:chOff x="0" y="0"/>
+          <a:chExt cx="0" cy="0"/>
+        </a:xfrm>
+      </p:grpSpPr>
+      <p:sp>
+        <p:nvSpPr>
+          <p:cNvPr id="4" name="テキスト ボックス 3">
+            <a:extLst>
+              <a:ext uri="{FF2B5EF4-FFF2-40B4-BE49-F238E27FC236}">
+                <a16:creationId xmlns="" xmlns:a16="http://schemas.microsoft.com/office/drawing/2014/main" id="{83D9254C-066B-4A30-984B-189E5281BB91}"/>
+              </a:ext>
+            </a:extLst>
+          </p:cNvPr>
+          <p:cNvSpPr txBox="1"/>
+          <p:nvPr/>
+        </p:nvSpPr>
+        <p:spPr>
+          <a:xfrm>
+            <a:off x="2627332" y="58003"/>
+            <a:ext cx="6937335" cy="830997"/>
+          </a:xfrm>
+          <a:prstGeom prst="rect">
+            <a:avLst/>
+          </a:prstGeom>
+          <a:solidFill>
+            <a:schemeClr val="accent4"/>
+          </a:solidFill>
+        </p:spPr>
+        <p:txBody>
+          <a:bodyPr wrap="square" rtlCol="0">
+            <a:spAutoFit/>
+          </a:bodyPr>
+          <a:lstStyle/>
+          <a:p>
+            <a:r>
+              <a:rPr kumimoji="1" lang="ja-JP" altLang="en-US" sz="4800" dirty="0">
+                <a:latin typeface="チェックポイント．（ピリオド）" panose="02000600000000000000" pitchFamily="50" charset="-128"/>
+                <a:ea typeface="チェックポイント．（ピリオド）" panose="02000600000000000000" pitchFamily="50" charset="-128"/>
+              </a:rPr>
+              <a:t>ヘルプ</a:t>
+            </a:r>
+            <a:r>
+              <a:rPr kumimoji="1" lang="ja-JP" altLang="en-US" sz="4800" dirty="0" smtClean="0">
+                <a:latin typeface="チェックポイント．（ピリオド）" panose="02000600000000000000" pitchFamily="50" charset="-128"/>
+                <a:ea typeface="チェックポイント．（ピリオド）" panose="02000600000000000000" pitchFamily="50" charset="-128"/>
+              </a:rPr>
+              <a:t>：</a:t>
+            </a:r>
+            <a:r>
+              <a:rPr lang="ja-JP" altLang="en-US" sz="4800" dirty="0">
+                <a:latin typeface="チェックポイント．（ピリオド）" panose="02000600000000000000" pitchFamily="50" charset="-128"/>
+                <a:ea typeface="チェックポイント．（ピリオド）" panose="02000600000000000000" pitchFamily="50" charset="-128"/>
+              </a:rPr>
+              <a:t>スペシャル技</a:t>
+            </a:r>
+            <a:endParaRPr lang="ja-JP" altLang="en-US" sz="4800" dirty="0">
+              <a:latin typeface="チェックポイント．（ピリオド）" panose="02000600000000000000" pitchFamily="50" charset="-128"/>
+              <a:ea typeface="チェックポイント．（ピリオド）" panose="02000600000000000000" pitchFamily="50" charset="-128"/>
+            </a:endParaRPr>
+          </a:p>
+        </p:txBody>
+      </p:sp>
+      <p:sp>
+        <p:nvSpPr>
+          <p:cNvPr id="5" name="テキスト ボックス 4"/>
+          <p:cNvSpPr txBox="1"/>
+          <p:nvPr/>
+        </p:nvSpPr>
+        <p:spPr>
+          <a:xfrm>
+            <a:off x="1768885" y="1163338"/>
+            <a:ext cx="8654226" cy="738664"/>
+          </a:xfrm>
+          <a:prstGeom prst="rect">
+            <a:avLst/>
+          </a:prstGeom>
+          <a:noFill/>
+        </p:spPr>
+        <p:txBody>
+          <a:bodyPr wrap="square" rtlCol="0">
+            <a:spAutoFit/>
+          </a:bodyPr>
+          <a:lstStyle/>
+          <a:p>
+            <a:r>
+              <a:rPr kumimoji="1" lang="ja-JP" altLang="en-US" sz="2400" dirty="0" smtClean="0">
+                <a:latin typeface="チェックポイント．（ピリオド）" panose="02000600000000000000" pitchFamily="50" charset="-128"/>
+                <a:ea typeface="チェックポイント．（ピリオド）" panose="02000600000000000000" pitchFamily="50" charset="-128"/>
+              </a:rPr>
+              <a:t>スペシャル技は、戦闘中に一度だけ発動することが可能です。</a:t>
+            </a:r>
+            <a:endParaRPr kumimoji="1" lang="en-US" altLang="ja-JP" sz="2400" dirty="0" smtClean="0">
+              <a:latin typeface="チェックポイント．（ピリオド）" panose="02000600000000000000" pitchFamily="50" charset="-128"/>
+              <a:ea typeface="チェックポイント．（ピリオド）" panose="02000600000000000000" pitchFamily="50" charset="-128"/>
+            </a:endParaRPr>
+          </a:p>
+          <a:p>
+            <a:endParaRPr lang="en-US" altLang="ja-JP" dirty="0"/>
+          </a:p>
+        </p:txBody>
+      </p:sp>
+      <p:pic>
+        <p:nvPicPr>
+          <p:cNvPr id="6" name="図 5"/>
+          <p:cNvPicPr>
+            <a:picLocks noChangeAspect="1"/>
+          </p:cNvPicPr>
+          <p:nvPr/>
+        </p:nvPicPr>
+        <p:blipFill>
+          <a:blip r:embed="rId2" cstate="print">
+            <a:extLst>
+              <a:ext uri="{28A0092B-C50C-407E-A947-70E740481C1C}">
+                <a14:useLocalDpi xmlns:a14="http://schemas.microsoft.com/office/drawing/2010/main" val="0"/>
+              </a:ext>
+            </a:extLst>
+          </a:blip>
+          <a:stretch>
+            <a:fillRect/>
+          </a:stretch>
+        </p:blipFill>
+        <p:spPr>
+          <a:xfrm>
+            <a:off x="1171429" y="2201417"/>
+            <a:ext cx="1363121" cy="908747"/>
+          </a:xfrm>
+          <a:prstGeom prst="rect">
+            <a:avLst/>
+          </a:prstGeom>
+        </p:spPr>
+      </p:pic>
+      <p:sp>
+        <p:nvSpPr>
+          <p:cNvPr id="7" name="テキスト ボックス 6"/>
+          <p:cNvSpPr txBox="1"/>
+          <p:nvPr/>
+        </p:nvSpPr>
+        <p:spPr>
+          <a:xfrm>
+            <a:off x="2627331" y="2301847"/>
+            <a:ext cx="8182098" cy="707886"/>
+          </a:xfrm>
+          <a:prstGeom prst="rect">
+            <a:avLst/>
+          </a:prstGeom>
+          <a:noFill/>
+        </p:spPr>
+        <p:txBody>
+          <a:bodyPr wrap="square" rtlCol="0">
+            <a:spAutoFit/>
+          </a:bodyPr>
+          <a:lstStyle/>
+          <a:p>
+            <a:r>
+              <a:rPr kumimoji="1" lang="ja-JP" altLang="en-US" sz="2000" dirty="0" smtClean="0">
+                <a:latin typeface="チェックポイント．（ピリオド）" panose="02000600000000000000" pitchFamily="50" charset="-128"/>
+                <a:ea typeface="チェックポイント．（ピリオド）" panose="02000600000000000000" pitchFamily="50" charset="-128"/>
+              </a:rPr>
+              <a:t>戦闘中にこのボタンをクリックするか</a:t>
+            </a:r>
+            <a:endParaRPr kumimoji="1" lang="en-US" altLang="ja-JP" sz="2000" dirty="0" smtClean="0">
+              <a:latin typeface="チェックポイント．（ピリオド）" panose="02000600000000000000" pitchFamily="50" charset="-128"/>
+              <a:ea typeface="チェックポイント．（ピリオド）" panose="02000600000000000000" pitchFamily="50" charset="-128"/>
+            </a:endParaRPr>
+          </a:p>
+          <a:p>
+            <a:r>
+              <a:rPr lang="ja-JP" altLang="en-US" sz="2000" dirty="0" smtClean="0">
+                <a:latin typeface="チェックポイント．（ピリオド）" panose="02000600000000000000" pitchFamily="50" charset="-128"/>
+                <a:ea typeface="チェックポイント．（ピリオド）" panose="02000600000000000000" pitchFamily="50" charset="-128"/>
+              </a:rPr>
+              <a:t>もしくは</a:t>
+            </a:r>
+            <a:r>
+              <a:rPr lang="en-US" altLang="ja-JP" sz="2000" dirty="0" smtClean="0">
+                <a:latin typeface="チェックポイント．（ピリオド）" panose="02000600000000000000" pitchFamily="50" charset="-128"/>
+                <a:ea typeface="チェックポイント．（ピリオド）" panose="02000600000000000000" pitchFamily="50" charset="-128"/>
+              </a:rPr>
+              <a:t>S</a:t>
+            </a:r>
+            <a:r>
+              <a:rPr lang="ja-JP" altLang="en-US" sz="2000" dirty="0" smtClean="0">
+                <a:latin typeface="チェックポイント．（ピリオド）" panose="02000600000000000000" pitchFamily="50" charset="-128"/>
+                <a:ea typeface="チェックポイント．（ピリオド）" panose="02000600000000000000" pitchFamily="50" charset="-128"/>
+              </a:rPr>
+              <a:t>キーを押すことでスペシャル技を発動することが可能です。</a:t>
+            </a:r>
+            <a:endParaRPr kumimoji="1" lang="ja-JP" altLang="en-US" sz="2000" dirty="0">
+              <a:latin typeface="チェックポイント．（ピリオド）" panose="02000600000000000000" pitchFamily="50" charset="-128"/>
+              <a:ea typeface="チェックポイント．（ピリオド）" panose="02000600000000000000" pitchFamily="50" charset="-128"/>
+            </a:endParaRPr>
+          </a:p>
+        </p:txBody>
+      </p:sp>
+      <p:sp>
+        <p:nvSpPr>
+          <p:cNvPr id="8" name="テキスト ボックス 7"/>
+          <p:cNvSpPr txBox="1"/>
+          <p:nvPr/>
+        </p:nvSpPr>
+        <p:spPr>
+          <a:xfrm>
+            <a:off x="423417" y="5176685"/>
+            <a:ext cx="10573135" cy="1200329"/>
+          </a:xfrm>
+          <a:prstGeom prst="rect">
+            <a:avLst/>
+          </a:prstGeom>
+          <a:noFill/>
+        </p:spPr>
+        <p:txBody>
+          <a:bodyPr wrap="square" rtlCol="0">
+            <a:spAutoFit/>
+          </a:bodyPr>
+          <a:lstStyle/>
+          <a:p>
+            <a:r>
+              <a:rPr kumimoji="1" lang="ja-JP" altLang="en-US" sz="2400" dirty="0" smtClean="0">
+                <a:latin typeface="チェックポイント．（ピリオド）" panose="02000600000000000000" pitchFamily="50" charset="-128"/>
+                <a:ea typeface="チェックポイント．（ピリオド）" panose="02000600000000000000" pitchFamily="50" charset="-128"/>
+              </a:rPr>
+              <a:t>スペシャル技は</a:t>
+            </a:r>
+            <a:r>
+              <a:rPr kumimoji="1" lang="en-US" altLang="ja-JP" sz="2400" dirty="0" smtClean="0">
+                <a:latin typeface="チェックポイント．（ピリオド）" panose="02000600000000000000" pitchFamily="50" charset="-128"/>
+                <a:ea typeface="チェックポイント．（ピリオド）" panose="02000600000000000000" pitchFamily="50" charset="-128"/>
+              </a:rPr>
+              <a:t>5</a:t>
+            </a:r>
+            <a:r>
+              <a:rPr kumimoji="1" lang="ja-JP" altLang="en-US" sz="2400" dirty="0" smtClean="0">
+                <a:latin typeface="チェックポイント．（ピリオド）" panose="02000600000000000000" pitchFamily="50" charset="-128"/>
+                <a:ea typeface="チェックポイント．（ピリオド）" panose="02000600000000000000" pitchFamily="50" charset="-128"/>
+              </a:rPr>
+              <a:t>種類あり、敵を捕食することで獲得することができます。</a:t>
+            </a:r>
+            <a:endParaRPr kumimoji="1" lang="en-US" altLang="ja-JP" sz="2400" dirty="0" smtClean="0">
+              <a:latin typeface="チェックポイント．（ピリオド）" panose="02000600000000000000" pitchFamily="50" charset="-128"/>
+              <a:ea typeface="チェックポイント．（ピリオド）" panose="02000600000000000000" pitchFamily="50" charset="-128"/>
+            </a:endParaRPr>
+          </a:p>
+          <a:p>
+            <a:r>
+              <a:rPr kumimoji="1" lang="ja-JP" altLang="en-US" sz="2400" dirty="0" smtClean="0">
+                <a:latin typeface="チェックポイント．（ピリオド）" panose="02000600000000000000" pitchFamily="50" charset="-128"/>
+                <a:ea typeface="チェックポイント．（ピリオド）" panose="02000600000000000000" pitchFamily="50" charset="-128"/>
+              </a:rPr>
+              <a:t>惑星ごとに獲得できるスペシャル技が違うので自分に合ったスペシャル技を獲得してください。</a:t>
+            </a:r>
+            <a:endParaRPr kumimoji="1" lang="ja-JP" altLang="en-US" dirty="0">
+              <a:latin typeface="チェックポイント．（ピリオド）" panose="02000600000000000000" pitchFamily="50" charset="-128"/>
+              <a:ea typeface="チェックポイント．（ピリオド）" panose="02000600000000000000" pitchFamily="50" charset="-128"/>
+            </a:endParaRPr>
+          </a:p>
+        </p:txBody>
+      </p:sp>
+      <p:pic>
+        <p:nvPicPr>
+          <p:cNvPr id="9" name="図 8"/>
+          <p:cNvPicPr>
+            <a:picLocks noChangeAspect="1"/>
+          </p:cNvPicPr>
+          <p:nvPr/>
+        </p:nvPicPr>
+        <p:blipFill>
+          <a:blip r:embed="rId3" cstate="print">
+            <a:extLst>
+              <a:ext uri="{28A0092B-C50C-407E-A947-70E740481C1C}">
+                <a14:useLocalDpi xmlns:a14="http://schemas.microsoft.com/office/drawing/2010/main" val="0"/>
+              </a:ext>
+            </a:extLst>
+          </a:blip>
+          <a:stretch>
+            <a:fillRect/>
+          </a:stretch>
+        </p:blipFill>
+        <p:spPr>
+          <a:xfrm>
+            <a:off x="6165527" y="3852993"/>
+            <a:ext cx="1043196" cy="1043196"/>
+          </a:xfrm>
+          <a:prstGeom prst="rect">
+            <a:avLst/>
+          </a:prstGeom>
+        </p:spPr>
+      </p:pic>
+      <p:pic>
+        <p:nvPicPr>
+          <p:cNvPr id="10" name="図 9"/>
+          <p:cNvPicPr>
+            <a:picLocks noChangeAspect="1"/>
+          </p:cNvPicPr>
+          <p:nvPr/>
+        </p:nvPicPr>
+        <p:blipFill>
+          <a:blip r:embed="rId4" cstate="print">
+            <a:extLst>
+              <a:ext uri="{28A0092B-C50C-407E-A947-70E740481C1C}">
+                <a14:useLocalDpi xmlns:a14="http://schemas.microsoft.com/office/drawing/2010/main" val="0"/>
+              </a:ext>
+            </a:extLst>
+          </a:blip>
+          <a:stretch>
+            <a:fillRect/>
+          </a:stretch>
+        </p:blipFill>
+        <p:spPr>
+          <a:xfrm>
+            <a:off x="7448430" y="3890394"/>
+            <a:ext cx="968394" cy="968394"/>
+          </a:xfrm>
+          <a:prstGeom prst="rect">
+            <a:avLst/>
+          </a:prstGeom>
+        </p:spPr>
+      </p:pic>
+      <p:pic>
+        <p:nvPicPr>
+          <p:cNvPr id="11" name="図 10"/>
+          <p:cNvPicPr>
+            <a:picLocks noChangeAspect="1"/>
+          </p:cNvPicPr>
+          <p:nvPr/>
+        </p:nvPicPr>
+        <p:blipFill>
+          <a:blip r:embed="rId5" cstate="print">
+            <a:extLst>
+              <a:ext uri="{28A0092B-C50C-407E-A947-70E740481C1C}">
+                <a14:useLocalDpi xmlns:a14="http://schemas.microsoft.com/office/drawing/2010/main" val="0"/>
+              </a:ext>
+            </a:extLst>
+          </a:blip>
+          <a:stretch>
+            <a:fillRect/>
+          </a:stretch>
+        </p:blipFill>
+        <p:spPr>
+          <a:xfrm>
+            <a:off x="2092942" y="3840205"/>
+            <a:ext cx="1068779" cy="1068779"/>
+          </a:xfrm>
+          <a:prstGeom prst="rect">
+            <a:avLst/>
+          </a:prstGeom>
+        </p:spPr>
+      </p:pic>
+      <p:pic>
+        <p:nvPicPr>
+          <p:cNvPr id="12" name="図 11"/>
+          <p:cNvPicPr>
+            <a:picLocks noChangeAspect="1"/>
+          </p:cNvPicPr>
+          <p:nvPr/>
+        </p:nvPicPr>
+        <p:blipFill>
+          <a:blip r:embed="rId6" cstate="print">
+            <a:extLst>
+              <a:ext uri="{28A0092B-C50C-407E-A947-70E740481C1C}">
+                <a14:useLocalDpi xmlns:a14="http://schemas.microsoft.com/office/drawing/2010/main" val="0"/>
+              </a:ext>
+            </a:extLst>
+          </a:blip>
+          <a:stretch>
+            <a:fillRect/>
+          </a:stretch>
+        </p:blipFill>
+        <p:spPr>
+          <a:xfrm>
+            <a:off x="4796248" y="3828198"/>
+            <a:ext cx="1017655" cy="1092787"/>
+          </a:xfrm>
+          <a:prstGeom prst="rect">
+            <a:avLst/>
+          </a:prstGeom>
+        </p:spPr>
+      </p:pic>
+      <p:pic>
+        <p:nvPicPr>
+          <p:cNvPr id="13" name="図 12"/>
+          <p:cNvPicPr>
+            <a:picLocks noChangeAspect="1"/>
+          </p:cNvPicPr>
+          <p:nvPr/>
+        </p:nvPicPr>
+        <p:blipFill>
+          <a:blip r:embed="rId7" cstate="print">
+            <a:extLst>
+              <a:ext uri="{28A0092B-C50C-407E-A947-70E740481C1C}">
+                <a14:useLocalDpi xmlns:a14="http://schemas.microsoft.com/office/drawing/2010/main" val="0"/>
+              </a:ext>
+            </a:extLst>
+          </a:blip>
+          <a:stretch>
+            <a:fillRect/>
+          </a:stretch>
+        </p:blipFill>
+        <p:spPr>
+          <a:xfrm>
+            <a:off x="3436023" y="3870293"/>
+            <a:ext cx="1008601" cy="1008601"/>
+          </a:xfrm>
+          <a:prstGeom prst="rect">
+            <a:avLst/>
+          </a:prstGeom>
+        </p:spPr>
+      </p:pic>
+    </p:spTree>
+    <p:extLst>
+      <p:ext uri="{BB962C8B-B14F-4D97-AF65-F5344CB8AC3E}">
+        <p14:creationId xmlns:p14="http://schemas.microsoft.com/office/powerpoint/2010/main" val="2003598650"/>
       </p:ext>
     </p:extLst>
   </p:cSld>
@@ -6499,7 +6933,7 @@
           <p:cNvPr id="3" name="図 2" descr="物体 が含まれている画像&#10;&#10;自動的に生成された説明">
             <a:extLst>
               <a:ext uri="{FF2B5EF4-FFF2-40B4-BE49-F238E27FC236}">
-                <a16:creationId xmlns:a16="http://schemas.microsoft.com/office/drawing/2014/main" xmlns="" id="{69BA893B-4907-48D5-8940-A23E267BFE4C}"/>
+                <a16:creationId xmlns="" xmlns:a16="http://schemas.microsoft.com/office/drawing/2014/main" id="{69BA893B-4907-48D5-8940-A23E267BFE4C}"/>
               </a:ext>
             </a:extLst>
           </p:cNvPr>
@@ -6997,7 +7431,7 @@
           <p:cNvPr id="13" name="正方形/長方形 12">
             <a:extLst>
               <a:ext uri="{FF2B5EF4-FFF2-40B4-BE49-F238E27FC236}">
-                <a16:creationId xmlns:a16="http://schemas.microsoft.com/office/drawing/2014/main" xmlns="" id="{A37BEE43-2066-46D6-8830-D8556B22304D}"/>
+                <a16:creationId xmlns="" xmlns:a16="http://schemas.microsoft.com/office/drawing/2014/main" id="{A37BEE43-2066-46D6-8830-D8556B22304D}"/>
               </a:ext>
             </a:extLst>
           </p:cNvPr>
@@ -7049,7 +7483,7 @@
           <p:cNvPr id="14" name="正方形/長方形 13">
             <a:extLst>
               <a:ext uri="{FF2B5EF4-FFF2-40B4-BE49-F238E27FC236}">
-                <a16:creationId xmlns:a16="http://schemas.microsoft.com/office/drawing/2014/main" xmlns="" id="{BA56A8B8-81E8-409C-8A37-384626294E40}"/>
+                <a16:creationId xmlns="" xmlns:a16="http://schemas.microsoft.com/office/drawing/2014/main" id="{BA56A8B8-81E8-409C-8A37-384626294E40}"/>
               </a:ext>
             </a:extLst>
           </p:cNvPr>
@@ -7101,7 +7535,7 @@
           <p:cNvPr id="15" name="正方形/長方形 14">
             <a:extLst>
               <a:ext uri="{FF2B5EF4-FFF2-40B4-BE49-F238E27FC236}">
-                <a16:creationId xmlns:a16="http://schemas.microsoft.com/office/drawing/2014/main" xmlns="" id="{AF0DEFD2-0EA7-416C-9349-A86003C1114B}"/>
+                <a16:creationId xmlns="" xmlns:a16="http://schemas.microsoft.com/office/drawing/2014/main" id="{AF0DEFD2-0EA7-416C-9349-A86003C1114B}"/>
               </a:ext>
             </a:extLst>
           </p:cNvPr>
@@ -7153,7 +7587,7 @@
           <p:cNvPr id="18" name="正方形/長方形 17">
             <a:extLst>
               <a:ext uri="{FF2B5EF4-FFF2-40B4-BE49-F238E27FC236}">
-                <a16:creationId xmlns:a16="http://schemas.microsoft.com/office/drawing/2014/main" xmlns="" id="{DFCE669F-B98A-49D5-9CD8-578BB88718CC}"/>
+                <a16:creationId xmlns="" xmlns:a16="http://schemas.microsoft.com/office/drawing/2014/main" id="{DFCE669F-B98A-49D5-9CD8-578BB88718CC}"/>
               </a:ext>
             </a:extLst>
           </p:cNvPr>
@@ -7235,7 +7669,7 @@
           <p:cNvPr id="3" name="図 2" descr="テキスト, スコアボード, 屋外, 標識 が含まれている画像&#10;&#10;自動的に生成された説明">
             <a:extLst>
               <a:ext uri="{FF2B5EF4-FFF2-40B4-BE49-F238E27FC236}">
-                <a16:creationId xmlns:a16="http://schemas.microsoft.com/office/drawing/2014/main" xmlns="" id="{D1EC1C6B-8E37-484B-BC32-54F28F2C22FE}"/>
+                <a16:creationId xmlns="" xmlns:a16="http://schemas.microsoft.com/office/drawing/2014/main" id="{D1EC1C6B-8E37-484B-BC32-54F28F2C22FE}"/>
               </a:ext>
             </a:extLst>
           </p:cNvPr>
@@ -7760,7 +8194,7 @@
           <p:cNvPr id="10" name="正方形/長方形 9">
             <a:extLst>
               <a:ext uri="{FF2B5EF4-FFF2-40B4-BE49-F238E27FC236}">
-                <a16:creationId xmlns:a16="http://schemas.microsoft.com/office/drawing/2014/main" xmlns="" id="{6FFE011D-710D-4A4F-9825-141048483DC9}"/>
+                <a16:creationId xmlns="" xmlns:a16="http://schemas.microsoft.com/office/drawing/2014/main" id="{6FFE011D-710D-4A4F-9825-141048483DC9}"/>
               </a:ext>
             </a:extLst>
           </p:cNvPr>
@@ -7812,7 +8246,7 @@
           <p:cNvPr id="11" name="正方形/長方形 10">
             <a:extLst>
               <a:ext uri="{FF2B5EF4-FFF2-40B4-BE49-F238E27FC236}">
-                <a16:creationId xmlns:a16="http://schemas.microsoft.com/office/drawing/2014/main" xmlns="" id="{E20945F6-E8A3-4843-8AA8-C3CA375AAF01}"/>
+                <a16:creationId xmlns="" xmlns:a16="http://schemas.microsoft.com/office/drawing/2014/main" id="{E20945F6-E8A3-4843-8AA8-C3CA375AAF01}"/>
               </a:ext>
             </a:extLst>
           </p:cNvPr>
@@ -7864,7 +8298,7 @@
           <p:cNvPr id="12" name="正方形/長方形 11">
             <a:extLst>
               <a:ext uri="{FF2B5EF4-FFF2-40B4-BE49-F238E27FC236}">
-                <a16:creationId xmlns:a16="http://schemas.microsoft.com/office/drawing/2014/main" xmlns="" id="{7A027602-FE49-443B-B979-695A16DF3603}"/>
+                <a16:creationId xmlns="" xmlns:a16="http://schemas.microsoft.com/office/drawing/2014/main" id="{7A027602-FE49-443B-B979-695A16DF3603}"/>
               </a:ext>
             </a:extLst>
           </p:cNvPr>
@@ -7916,7 +8350,7 @@
           <p:cNvPr id="13" name="正方形/長方形 12">
             <a:extLst>
               <a:ext uri="{FF2B5EF4-FFF2-40B4-BE49-F238E27FC236}">
-                <a16:creationId xmlns:a16="http://schemas.microsoft.com/office/drawing/2014/main" xmlns="" id="{6D5653B2-A431-4E41-A84C-D2D0A59D8FFF}"/>
+                <a16:creationId xmlns="" xmlns:a16="http://schemas.microsoft.com/office/drawing/2014/main" id="{6D5653B2-A431-4E41-A84C-D2D0A59D8FFF}"/>
               </a:ext>
             </a:extLst>
           </p:cNvPr>
@@ -7968,7 +8402,7 @@
           <p:cNvPr id="15" name="正方形/長方形 14">
             <a:extLst>
               <a:ext uri="{FF2B5EF4-FFF2-40B4-BE49-F238E27FC236}">
-                <a16:creationId xmlns:a16="http://schemas.microsoft.com/office/drawing/2014/main" xmlns="" id="{E0E6CB0D-AD4F-4358-8DF1-ECAD7B65F9F5}"/>
+                <a16:creationId xmlns="" xmlns:a16="http://schemas.microsoft.com/office/drawing/2014/main" id="{E0E6CB0D-AD4F-4358-8DF1-ECAD7B65F9F5}"/>
               </a:ext>
             </a:extLst>
           </p:cNvPr>
@@ -8020,7 +8454,7 @@
           <p:cNvPr id="16" name="四角形吹き出し 4">
             <a:extLst>
               <a:ext uri="{FF2B5EF4-FFF2-40B4-BE49-F238E27FC236}">
-                <a16:creationId xmlns:a16="http://schemas.microsoft.com/office/drawing/2014/main" xmlns="" id="{63DDAF72-AE4E-4AAC-AC6F-2CCD1ADC7265}"/>
+                <a16:creationId xmlns="" xmlns:a16="http://schemas.microsoft.com/office/drawing/2014/main" id="{63DDAF72-AE4E-4AAC-AC6F-2CCD1ADC7265}"/>
               </a:ext>
             </a:extLst>
           </p:cNvPr>
@@ -8116,7 +8550,7 @@
           <p:cNvPr id="3" name="図 2" descr="テキスト, 標識, 通り, 屋外 が含まれている画像&#10;&#10;自動的に生成された説明">
             <a:extLst>
               <a:ext uri="{FF2B5EF4-FFF2-40B4-BE49-F238E27FC236}">
-                <a16:creationId xmlns:a16="http://schemas.microsoft.com/office/drawing/2014/main" xmlns="" id="{EB877469-AC96-48FE-9472-8035C84EFB97}"/>
+                <a16:creationId xmlns="" xmlns:a16="http://schemas.microsoft.com/office/drawing/2014/main" id="{EB877469-AC96-48FE-9472-8035C84EFB97}"/>
               </a:ext>
             </a:extLst>
           </p:cNvPr>
@@ -8494,7 +8928,7 @@
           <p:cNvPr id="8" name="正方形/長方形 7">
             <a:extLst>
               <a:ext uri="{FF2B5EF4-FFF2-40B4-BE49-F238E27FC236}">
-                <a16:creationId xmlns:a16="http://schemas.microsoft.com/office/drawing/2014/main" xmlns="" id="{F7BE2C32-C21E-4467-87D2-8052D2B5FDA7}"/>
+                <a16:creationId xmlns="" xmlns:a16="http://schemas.microsoft.com/office/drawing/2014/main" id="{F7BE2C32-C21E-4467-87D2-8052D2B5FDA7}"/>
               </a:ext>
             </a:extLst>
           </p:cNvPr>
@@ -8546,7 +8980,7 @@
           <p:cNvPr id="12" name="正方形/長方形 11">
             <a:extLst>
               <a:ext uri="{FF2B5EF4-FFF2-40B4-BE49-F238E27FC236}">
-                <a16:creationId xmlns:a16="http://schemas.microsoft.com/office/drawing/2014/main" xmlns="" id="{40ABF9C2-DF54-4877-A01A-A46FE482F6B4}"/>
+                <a16:creationId xmlns="" xmlns:a16="http://schemas.microsoft.com/office/drawing/2014/main" id="{40ABF9C2-DF54-4877-A01A-A46FE482F6B4}"/>
               </a:ext>
             </a:extLst>
           </p:cNvPr>
@@ -8598,7 +9032,7 @@
           <p:cNvPr id="14" name="正方形/長方形 13">
             <a:extLst>
               <a:ext uri="{FF2B5EF4-FFF2-40B4-BE49-F238E27FC236}">
-                <a16:creationId xmlns:a16="http://schemas.microsoft.com/office/drawing/2014/main" xmlns="" id="{04C836FE-EE43-45CD-B4BE-F7E0ABEE0088}"/>
+                <a16:creationId xmlns="" xmlns:a16="http://schemas.microsoft.com/office/drawing/2014/main" id="{04C836FE-EE43-45CD-B4BE-F7E0ABEE0088}"/>
               </a:ext>
             </a:extLst>
           </p:cNvPr>
@@ -8650,7 +9084,7 @@
           <p:cNvPr id="16" name="吹き出し: 四角形 15">
             <a:extLst>
               <a:ext uri="{FF2B5EF4-FFF2-40B4-BE49-F238E27FC236}">
-                <a16:creationId xmlns:a16="http://schemas.microsoft.com/office/drawing/2014/main" xmlns="" id="{3ECE61CD-6BC4-463C-897C-903CC3F098F0}"/>
+                <a16:creationId xmlns="" xmlns:a16="http://schemas.microsoft.com/office/drawing/2014/main" id="{3ECE61CD-6BC4-463C-897C-903CC3F098F0}"/>
               </a:ext>
             </a:extLst>
           </p:cNvPr>
@@ -8744,7 +9178,7 @@
           <p:cNvPr id="5" name="図 4">
             <a:extLst>
               <a:ext uri="{FF2B5EF4-FFF2-40B4-BE49-F238E27FC236}">
-                <a16:creationId xmlns:a16="http://schemas.microsoft.com/office/drawing/2014/main" xmlns="" id="{165CE0B9-374D-46A3-97C1-E7AFAFB5DEDF}"/>
+                <a16:creationId xmlns="" xmlns:a16="http://schemas.microsoft.com/office/drawing/2014/main" id="{165CE0B9-374D-46A3-97C1-E7AFAFB5DEDF}"/>
               </a:ext>
             </a:extLst>
           </p:cNvPr>
@@ -8779,7 +9213,7 @@
           <p:cNvPr id="6" name="テキスト ボックス 5">
             <a:extLst>
               <a:ext uri="{FF2B5EF4-FFF2-40B4-BE49-F238E27FC236}">
-                <a16:creationId xmlns:a16="http://schemas.microsoft.com/office/drawing/2014/main" xmlns="" id="{EEBBDC81-60E0-49FD-9EFB-874F038CCD29}"/>
+                <a16:creationId xmlns="" xmlns:a16="http://schemas.microsoft.com/office/drawing/2014/main" id="{EEBBDC81-60E0-49FD-9EFB-874F038CCD29}"/>
               </a:ext>
             </a:extLst>
           </p:cNvPr>
@@ -8831,7 +9265,7 @@
           <p:cNvPr id="12" name="グループ化 11">
             <a:extLst>
               <a:ext uri="{FF2B5EF4-FFF2-40B4-BE49-F238E27FC236}">
-                <a16:creationId xmlns:a16="http://schemas.microsoft.com/office/drawing/2014/main" xmlns="" id="{797C4648-EAB3-4303-9BBE-4050E32CDCAC}"/>
+                <a16:creationId xmlns="" xmlns:a16="http://schemas.microsoft.com/office/drawing/2014/main" id="{797C4648-EAB3-4303-9BBE-4050E32CDCAC}"/>
               </a:ext>
             </a:extLst>
           </p:cNvPr>
@@ -8851,7 +9285,7 @@
             <p:cNvPr id="8" name="テキスト ボックス 7">
               <a:extLst>
                 <a:ext uri="{FF2B5EF4-FFF2-40B4-BE49-F238E27FC236}">
-                  <a16:creationId xmlns:a16="http://schemas.microsoft.com/office/drawing/2014/main" xmlns="" id="{732F859C-017C-4DF8-8D5C-BAFB7C322941}"/>
+                  <a16:creationId xmlns="" xmlns:a16="http://schemas.microsoft.com/office/drawing/2014/main" id="{732F859C-017C-4DF8-8D5C-BAFB7C322941}"/>
                 </a:ext>
               </a:extLst>
             </p:cNvPr>
@@ -8892,7 +9326,7 @@
             <p:cNvPr id="9" name="テキスト ボックス 8">
               <a:extLst>
                 <a:ext uri="{FF2B5EF4-FFF2-40B4-BE49-F238E27FC236}">
-                  <a16:creationId xmlns:a16="http://schemas.microsoft.com/office/drawing/2014/main" xmlns="" id="{8712CBD0-DD3F-4A86-9652-7FFA75AD120B}"/>
+                  <a16:creationId xmlns="" xmlns:a16="http://schemas.microsoft.com/office/drawing/2014/main" id="{8712CBD0-DD3F-4A86-9652-7FFA75AD120B}"/>
                 </a:ext>
               </a:extLst>
             </p:cNvPr>
@@ -8955,7 +9389,7 @@
           <p:cNvPr id="13" name="グループ化 12">
             <a:extLst>
               <a:ext uri="{FF2B5EF4-FFF2-40B4-BE49-F238E27FC236}">
-                <a16:creationId xmlns:a16="http://schemas.microsoft.com/office/drawing/2014/main" xmlns="" id="{DED0F105-29CA-4D82-BF68-6B4A196F19AA}"/>
+                <a16:creationId xmlns="" xmlns:a16="http://schemas.microsoft.com/office/drawing/2014/main" id="{DED0F105-29CA-4D82-BF68-6B4A196F19AA}"/>
               </a:ext>
             </a:extLst>
           </p:cNvPr>
@@ -8975,7 +9409,7 @@
             <p:cNvPr id="7" name="テキスト ボックス 6">
               <a:extLst>
                 <a:ext uri="{FF2B5EF4-FFF2-40B4-BE49-F238E27FC236}">
-                  <a16:creationId xmlns:a16="http://schemas.microsoft.com/office/drawing/2014/main" xmlns="" id="{54618E3D-3C8D-4D29-8362-5B6918855191}"/>
+                  <a16:creationId xmlns="" xmlns:a16="http://schemas.microsoft.com/office/drawing/2014/main" id="{54618E3D-3C8D-4D29-8362-5B6918855191}"/>
                 </a:ext>
               </a:extLst>
             </p:cNvPr>
@@ -9016,7 +9450,7 @@
             <p:cNvPr id="11" name="テキスト ボックス 10">
               <a:extLst>
                 <a:ext uri="{FF2B5EF4-FFF2-40B4-BE49-F238E27FC236}">
-                  <a16:creationId xmlns:a16="http://schemas.microsoft.com/office/drawing/2014/main" xmlns="" id="{6825228E-EBCE-401A-B0BC-7661792A6F00}"/>
+                  <a16:creationId xmlns="" xmlns:a16="http://schemas.microsoft.com/office/drawing/2014/main" id="{6825228E-EBCE-401A-B0BC-7661792A6F00}"/>
                 </a:ext>
               </a:extLst>
             </p:cNvPr>
@@ -9141,7 +9575,7 @@
           <p:cNvPr id="4" name="図 3">
             <a:extLst>
               <a:ext uri="{FF2B5EF4-FFF2-40B4-BE49-F238E27FC236}">
-                <a16:creationId xmlns:a16="http://schemas.microsoft.com/office/drawing/2014/main" xmlns="" id="{84E4BD2B-BD98-4D0D-BD92-46FAC62B133A}"/>
+                <a16:creationId xmlns="" xmlns:a16="http://schemas.microsoft.com/office/drawing/2014/main" id="{84E4BD2B-BD98-4D0D-BD92-46FAC62B133A}"/>
               </a:ext>
             </a:extLst>
           </p:cNvPr>
@@ -9176,7 +9610,7 @@
           <p:cNvPr id="5" name="テキスト ボックス 4">
             <a:extLst>
               <a:ext uri="{FF2B5EF4-FFF2-40B4-BE49-F238E27FC236}">
-                <a16:creationId xmlns:a16="http://schemas.microsoft.com/office/drawing/2014/main" xmlns="" id="{3EEDA683-E7C7-4A3A-9045-88BF1220584E}"/>
+                <a16:creationId xmlns="" xmlns:a16="http://schemas.microsoft.com/office/drawing/2014/main" id="{3EEDA683-E7C7-4A3A-9045-88BF1220584E}"/>
               </a:ext>
             </a:extLst>
           </p:cNvPr>
@@ -9228,7 +9662,7 @@
           <p:cNvPr id="6" name="テキスト ボックス 5">
             <a:extLst>
               <a:ext uri="{FF2B5EF4-FFF2-40B4-BE49-F238E27FC236}">
-                <a16:creationId xmlns:a16="http://schemas.microsoft.com/office/drawing/2014/main" xmlns="" id="{C9FCE914-94E5-4B3F-B2D2-96FDE0E6E9D8}"/>
+                <a16:creationId xmlns="" xmlns:a16="http://schemas.microsoft.com/office/drawing/2014/main" id="{C9FCE914-94E5-4B3F-B2D2-96FDE0E6E9D8}"/>
               </a:ext>
             </a:extLst>
           </p:cNvPr>
@@ -9269,7 +9703,7 @@
           <p:cNvPr id="7" name="テキスト ボックス 6">
             <a:extLst>
               <a:ext uri="{FF2B5EF4-FFF2-40B4-BE49-F238E27FC236}">
-                <a16:creationId xmlns:a16="http://schemas.microsoft.com/office/drawing/2014/main" xmlns="" id="{1A509F0D-124D-47C4-B5CD-4B9B8064082C}"/>
+                <a16:creationId xmlns="" xmlns:a16="http://schemas.microsoft.com/office/drawing/2014/main" id="{1A509F0D-124D-47C4-B5CD-4B9B8064082C}"/>
               </a:ext>
             </a:extLst>
           </p:cNvPr>
@@ -9320,7 +9754,7 @@
           <p:cNvPr id="8" name="テキスト ボックス 7">
             <a:extLst>
               <a:ext uri="{FF2B5EF4-FFF2-40B4-BE49-F238E27FC236}">
-                <a16:creationId xmlns:a16="http://schemas.microsoft.com/office/drawing/2014/main" xmlns="" id="{5F463387-8D23-460A-80ED-50E81FAAF3D9}"/>
+                <a16:creationId xmlns="" xmlns:a16="http://schemas.microsoft.com/office/drawing/2014/main" id="{5F463387-8D23-460A-80ED-50E81FAAF3D9}"/>
               </a:ext>
             </a:extLst>
           </p:cNvPr>
@@ -9381,7 +9815,7 @@
           <p:cNvPr id="9" name="テキスト ボックス 8">
             <a:extLst>
               <a:ext uri="{FF2B5EF4-FFF2-40B4-BE49-F238E27FC236}">
-                <a16:creationId xmlns:a16="http://schemas.microsoft.com/office/drawing/2014/main" xmlns="" id="{3E1D3977-A1EE-4011-94E0-9B60C81CA553}"/>
+                <a16:creationId xmlns="" xmlns:a16="http://schemas.microsoft.com/office/drawing/2014/main" id="{3E1D3977-A1EE-4011-94E0-9B60C81CA553}"/>
               </a:ext>
             </a:extLst>
           </p:cNvPr>
@@ -9457,7 +9891,7 @@
           <p:cNvPr id="41" name="グループ化 40">
             <a:extLst>
               <a:ext uri="{FF2B5EF4-FFF2-40B4-BE49-F238E27FC236}">
-                <a16:creationId xmlns:a16="http://schemas.microsoft.com/office/drawing/2014/main" xmlns="" id="{C42471E9-CEF7-4DD0-B2B9-A37027252951}"/>
+                <a16:creationId xmlns="" xmlns:a16="http://schemas.microsoft.com/office/drawing/2014/main" id="{C42471E9-CEF7-4DD0-B2B9-A37027252951}"/>
               </a:ext>
             </a:extLst>
           </p:cNvPr>
@@ -9477,7 +9911,7 @@
             <p:cNvPr id="22" name="グループ化 21">
               <a:extLst>
                 <a:ext uri="{FF2B5EF4-FFF2-40B4-BE49-F238E27FC236}">
-                  <a16:creationId xmlns:a16="http://schemas.microsoft.com/office/drawing/2014/main" xmlns="" id="{7D6E456E-2E26-4492-9279-169842641548}"/>
+                  <a16:creationId xmlns="" xmlns:a16="http://schemas.microsoft.com/office/drawing/2014/main" id="{7D6E456E-2E26-4492-9279-169842641548}"/>
                 </a:ext>
               </a:extLst>
             </p:cNvPr>
@@ -9497,7 +9931,7 @@
               <p:cNvPr id="11" name="図 10" descr="物体 が含まれている画像&#10;&#10;自動的に生成された説明">
                 <a:extLst>
                   <a:ext uri="{FF2B5EF4-FFF2-40B4-BE49-F238E27FC236}">
-                    <a16:creationId xmlns:a16="http://schemas.microsoft.com/office/drawing/2014/main" xmlns="" id="{9E2F2156-5A3C-4670-A7BB-42FF8EF7E4F0}"/>
+                    <a16:creationId xmlns="" xmlns:a16="http://schemas.microsoft.com/office/drawing/2014/main" id="{9E2F2156-5A3C-4670-A7BB-42FF8EF7E4F0}"/>
                   </a:ext>
                 </a:extLst>
               </p:cNvPr>
@@ -9533,7 +9967,7 @@
               <p:cNvPr id="18" name="テキスト ボックス 17">
                 <a:extLst>
                   <a:ext uri="{FF2B5EF4-FFF2-40B4-BE49-F238E27FC236}">
-                    <a16:creationId xmlns:a16="http://schemas.microsoft.com/office/drawing/2014/main" xmlns="" id="{85DB17C7-0CA8-4460-8B6A-1BBCF3C5CA75}"/>
+                    <a16:creationId xmlns="" xmlns:a16="http://schemas.microsoft.com/office/drawing/2014/main" id="{85DB17C7-0CA8-4460-8B6A-1BBCF3C5CA75}"/>
                   </a:ext>
                 </a:extLst>
               </p:cNvPr>
@@ -9572,7 +10006,7 @@
             <p:cNvPr id="23" name="グループ化 22">
               <a:extLst>
                 <a:ext uri="{FF2B5EF4-FFF2-40B4-BE49-F238E27FC236}">
-                  <a16:creationId xmlns:a16="http://schemas.microsoft.com/office/drawing/2014/main" xmlns="" id="{8FA97864-B0AC-4C37-AB57-3F511EE9B20A}"/>
+                  <a16:creationId xmlns="" xmlns:a16="http://schemas.microsoft.com/office/drawing/2014/main" id="{8FA97864-B0AC-4C37-AB57-3F511EE9B20A}"/>
                 </a:ext>
               </a:extLst>
             </p:cNvPr>
@@ -9592,7 +10026,7 @@
               <p:cNvPr id="13" name="図 12" descr="物体 が含まれている画像&#10;&#10;自動的に生成された説明">
                 <a:extLst>
                   <a:ext uri="{FF2B5EF4-FFF2-40B4-BE49-F238E27FC236}">
-                    <a16:creationId xmlns:a16="http://schemas.microsoft.com/office/drawing/2014/main" xmlns="" id="{539F0BC8-41E3-4ADD-9459-BE0E2D7ABA27}"/>
+                    <a16:creationId xmlns="" xmlns:a16="http://schemas.microsoft.com/office/drawing/2014/main" id="{539F0BC8-41E3-4ADD-9459-BE0E2D7ABA27}"/>
                   </a:ext>
                 </a:extLst>
               </p:cNvPr>
@@ -9628,7 +10062,7 @@
               <p:cNvPr id="19" name="テキスト ボックス 18">
                 <a:extLst>
                   <a:ext uri="{FF2B5EF4-FFF2-40B4-BE49-F238E27FC236}">
-                    <a16:creationId xmlns:a16="http://schemas.microsoft.com/office/drawing/2014/main" xmlns="" id="{9D08D78F-597A-41C6-9E61-E721135C20D1}"/>
+                    <a16:creationId xmlns="" xmlns:a16="http://schemas.microsoft.com/office/drawing/2014/main" id="{9D08D78F-597A-41C6-9E61-E721135C20D1}"/>
                   </a:ext>
                 </a:extLst>
               </p:cNvPr>
@@ -9667,7 +10101,7 @@
             <p:cNvPr id="25" name="グループ化 24">
               <a:extLst>
                 <a:ext uri="{FF2B5EF4-FFF2-40B4-BE49-F238E27FC236}">
-                  <a16:creationId xmlns:a16="http://schemas.microsoft.com/office/drawing/2014/main" xmlns="" id="{8F6624A7-F895-493A-8055-873B48C8C19C}"/>
+                  <a16:creationId xmlns="" xmlns:a16="http://schemas.microsoft.com/office/drawing/2014/main" id="{8F6624A7-F895-493A-8055-873B48C8C19C}"/>
                 </a:ext>
               </a:extLst>
             </p:cNvPr>
@@ -9687,7 +10121,7 @@
               <p:cNvPr id="15" name="図 14" descr="物体, 腕時計 が含まれている画像&#10;&#10;自動的に生成された説明">
                 <a:extLst>
                   <a:ext uri="{FF2B5EF4-FFF2-40B4-BE49-F238E27FC236}">
-                    <a16:creationId xmlns:a16="http://schemas.microsoft.com/office/drawing/2014/main" xmlns="" id="{53299244-26D0-4173-ACC6-BD241C768849}"/>
+                    <a16:creationId xmlns="" xmlns:a16="http://schemas.microsoft.com/office/drawing/2014/main" id="{53299244-26D0-4173-ACC6-BD241C768849}"/>
                   </a:ext>
                 </a:extLst>
               </p:cNvPr>
@@ -9723,7 +10157,7 @@
               <p:cNvPr id="20" name="テキスト ボックス 19">
                 <a:extLst>
                   <a:ext uri="{FF2B5EF4-FFF2-40B4-BE49-F238E27FC236}">
-                    <a16:creationId xmlns:a16="http://schemas.microsoft.com/office/drawing/2014/main" xmlns="" id="{BF9D5B9B-9876-443A-BE29-B4828D0A5D74}"/>
+                    <a16:creationId xmlns="" xmlns:a16="http://schemas.microsoft.com/office/drawing/2014/main" id="{BF9D5B9B-9876-443A-BE29-B4828D0A5D74}"/>
                   </a:ext>
                 </a:extLst>
               </p:cNvPr>
@@ -9762,7 +10196,7 @@
             <p:cNvPr id="26" name="グループ化 25">
               <a:extLst>
                 <a:ext uri="{FF2B5EF4-FFF2-40B4-BE49-F238E27FC236}">
-                  <a16:creationId xmlns:a16="http://schemas.microsoft.com/office/drawing/2014/main" xmlns="" id="{D317981A-38A9-4594-9159-8C77F7F6D8B4}"/>
+                  <a16:creationId xmlns="" xmlns:a16="http://schemas.microsoft.com/office/drawing/2014/main" id="{D317981A-38A9-4594-9159-8C77F7F6D8B4}"/>
                 </a:ext>
               </a:extLst>
             </p:cNvPr>
@@ -9782,7 +10216,7 @@
               <p:cNvPr id="17" name="図 16" descr="物体 が含まれている画像&#10;&#10;自動的に生成された説明">
                 <a:extLst>
                   <a:ext uri="{FF2B5EF4-FFF2-40B4-BE49-F238E27FC236}">
-                    <a16:creationId xmlns:a16="http://schemas.microsoft.com/office/drawing/2014/main" xmlns="" id="{93CD3867-4A7C-4138-9F28-8B9071FCE1AF}"/>
+                    <a16:creationId xmlns="" xmlns:a16="http://schemas.microsoft.com/office/drawing/2014/main" id="{93CD3867-4A7C-4138-9F28-8B9071FCE1AF}"/>
                   </a:ext>
                 </a:extLst>
               </p:cNvPr>
@@ -9818,7 +10252,7 @@
               <p:cNvPr id="21" name="テキスト ボックス 20">
                 <a:extLst>
                   <a:ext uri="{FF2B5EF4-FFF2-40B4-BE49-F238E27FC236}">
-                    <a16:creationId xmlns:a16="http://schemas.microsoft.com/office/drawing/2014/main" xmlns="" id="{C3C71671-55D6-4E40-BC27-288FCF91D2BB}"/>
+                    <a16:creationId xmlns="" xmlns:a16="http://schemas.microsoft.com/office/drawing/2014/main" id="{C3C71671-55D6-4E40-BC27-288FCF91D2BB}"/>
                   </a:ext>
                 </a:extLst>
               </p:cNvPr>
@@ -9861,7 +10295,7 @@
             <p:cNvPr id="28" name="直線矢印コネクタ 27">
               <a:extLst>
                 <a:ext uri="{FF2B5EF4-FFF2-40B4-BE49-F238E27FC236}">
-                  <a16:creationId xmlns:a16="http://schemas.microsoft.com/office/drawing/2014/main" xmlns="" id="{A84A16DD-57C4-4761-A446-249187106E51}"/>
+                  <a16:creationId xmlns="" xmlns:a16="http://schemas.microsoft.com/office/drawing/2014/main" id="{A84A16DD-57C4-4761-A446-249187106E51}"/>
                 </a:ext>
               </a:extLst>
             </p:cNvPr>
@@ -9905,7 +10339,7 @@
             <p:cNvPr id="29" name="直線矢印コネクタ 28">
               <a:extLst>
                 <a:ext uri="{FF2B5EF4-FFF2-40B4-BE49-F238E27FC236}">
-                  <a16:creationId xmlns:a16="http://schemas.microsoft.com/office/drawing/2014/main" xmlns="" id="{CE867472-33BD-4771-A53A-412FDCEAB859}"/>
+                  <a16:creationId xmlns="" xmlns:a16="http://schemas.microsoft.com/office/drawing/2014/main" id="{CE867472-33BD-4771-A53A-412FDCEAB859}"/>
                 </a:ext>
               </a:extLst>
             </p:cNvPr>
@@ -9949,7 +10383,7 @@
             <p:cNvPr id="32" name="直線矢印コネクタ 31">
               <a:extLst>
                 <a:ext uri="{FF2B5EF4-FFF2-40B4-BE49-F238E27FC236}">
-                  <a16:creationId xmlns:a16="http://schemas.microsoft.com/office/drawing/2014/main" xmlns="" id="{2F760955-CE29-4903-BDF0-C0EF1A34CD6F}"/>
+                  <a16:creationId xmlns="" xmlns:a16="http://schemas.microsoft.com/office/drawing/2014/main" id="{2F760955-CE29-4903-BDF0-C0EF1A34CD6F}"/>
                 </a:ext>
               </a:extLst>
             </p:cNvPr>
@@ -9993,7 +10427,7 @@
             <p:cNvPr id="33" name="直線矢印コネクタ 32">
               <a:extLst>
                 <a:ext uri="{FF2B5EF4-FFF2-40B4-BE49-F238E27FC236}">
-                  <a16:creationId xmlns:a16="http://schemas.microsoft.com/office/drawing/2014/main" xmlns="" id="{96E14F16-9B67-48C7-9985-746717E7D2CE}"/>
+                  <a16:creationId xmlns="" xmlns:a16="http://schemas.microsoft.com/office/drawing/2014/main" id="{96E14F16-9B67-48C7-9985-746717E7D2CE}"/>
                 </a:ext>
               </a:extLst>
             </p:cNvPr>
@@ -10037,7 +10471,7 @@
             <p:cNvPr id="34" name="正方形/長方形 33">
               <a:extLst>
                 <a:ext uri="{FF2B5EF4-FFF2-40B4-BE49-F238E27FC236}">
-                  <a16:creationId xmlns:a16="http://schemas.microsoft.com/office/drawing/2014/main" xmlns="" id="{6ADAFCEE-C028-416D-B257-90B41E02042A}"/>
+                  <a16:creationId xmlns="" xmlns:a16="http://schemas.microsoft.com/office/drawing/2014/main" id="{6ADAFCEE-C028-416D-B257-90B41E02042A}"/>
                 </a:ext>
               </a:extLst>
             </p:cNvPr>
@@ -10092,7 +10526,7 @@
             <p:cNvPr id="35" name="直線矢印コネクタ 34">
               <a:extLst>
                 <a:ext uri="{FF2B5EF4-FFF2-40B4-BE49-F238E27FC236}">
-                  <a16:creationId xmlns:a16="http://schemas.microsoft.com/office/drawing/2014/main" xmlns="" id="{A2A6B62C-1E0E-432C-9BEC-393C34A1C94C}"/>
+                  <a16:creationId xmlns="" xmlns:a16="http://schemas.microsoft.com/office/drawing/2014/main" id="{A2A6B62C-1E0E-432C-9BEC-393C34A1C94C}"/>
                 </a:ext>
               </a:extLst>
             </p:cNvPr>
@@ -10137,7 +10571,7 @@
           <p:cNvPr id="44" name="グループ化 43">
             <a:extLst>
               <a:ext uri="{FF2B5EF4-FFF2-40B4-BE49-F238E27FC236}">
-                <a16:creationId xmlns:a16="http://schemas.microsoft.com/office/drawing/2014/main" xmlns="" id="{7EEE5686-B5B9-4B20-8993-381AFDACF9AB}"/>
+                <a16:creationId xmlns="" xmlns:a16="http://schemas.microsoft.com/office/drawing/2014/main" id="{7EEE5686-B5B9-4B20-8993-381AFDACF9AB}"/>
               </a:ext>
             </a:extLst>
           </p:cNvPr>
@@ -10157,7 +10591,7 @@
             <p:cNvPr id="40" name="グループ化 39">
               <a:extLst>
                 <a:ext uri="{FF2B5EF4-FFF2-40B4-BE49-F238E27FC236}">
-                  <a16:creationId xmlns:a16="http://schemas.microsoft.com/office/drawing/2014/main" xmlns="" id="{80B432E5-1E61-4A1C-BB38-CE56CD67DAEC}"/>
+                  <a16:creationId xmlns="" xmlns:a16="http://schemas.microsoft.com/office/drawing/2014/main" id="{80B432E5-1E61-4A1C-BB38-CE56CD67DAEC}"/>
                 </a:ext>
               </a:extLst>
             </p:cNvPr>
@@ -10177,7 +10611,7 @@
               <p:cNvPr id="36" name="直線矢印コネクタ 35">
                 <a:extLst>
                   <a:ext uri="{FF2B5EF4-FFF2-40B4-BE49-F238E27FC236}">
-                    <a16:creationId xmlns:a16="http://schemas.microsoft.com/office/drawing/2014/main" xmlns="" id="{555429FE-F091-46AD-84F7-1B4256D762AB}"/>
+                    <a16:creationId xmlns="" xmlns:a16="http://schemas.microsoft.com/office/drawing/2014/main" id="{555429FE-F091-46AD-84F7-1B4256D762AB}"/>
                   </a:ext>
                 </a:extLst>
               </p:cNvPr>
@@ -10221,7 +10655,7 @@
               <p:cNvPr id="37" name="直線矢印コネクタ 36">
                 <a:extLst>
                   <a:ext uri="{FF2B5EF4-FFF2-40B4-BE49-F238E27FC236}">
-                    <a16:creationId xmlns:a16="http://schemas.microsoft.com/office/drawing/2014/main" xmlns="" id="{5030B8C7-7BED-40F6-B6D5-A7CD124D67A9}"/>
+                    <a16:creationId xmlns="" xmlns:a16="http://schemas.microsoft.com/office/drawing/2014/main" id="{5030B8C7-7BED-40F6-B6D5-A7CD124D67A9}"/>
                   </a:ext>
                 </a:extLst>
               </p:cNvPr>
@@ -10265,7 +10699,7 @@
               <p:cNvPr id="38" name="テキスト ボックス 37">
                 <a:extLst>
                   <a:ext uri="{FF2B5EF4-FFF2-40B4-BE49-F238E27FC236}">
-                    <a16:creationId xmlns:a16="http://schemas.microsoft.com/office/drawing/2014/main" xmlns="" id="{1BB9FF26-C1AD-43FF-B1A3-3D220E4BC3AA}"/>
+                    <a16:creationId xmlns="" xmlns:a16="http://schemas.microsoft.com/office/drawing/2014/main" id="{1BB9FF26-C1AD-43FF-B1A3-3D220E4BC3AA}"/>
                   </a:ext>
                 </a:extLst>
               </p:cNvPr>
@@ -10303,7 +10737,7 @@
               <p:cNvPr id="39" name="テキスト ボックス 38">
                 <a:extLst>
                   <a:ext uri="{FF2B5EF4-FFF2-40B4-BE49-F238E27FC236}">
-                    <a16:creationId xmlns:a16="http://schemas.microsoft.com/office/drawing/2014/main" xmlns="" id="{127090C9-FA03-47A3-B8E5-5AC843148C0C}"/>
+                    <a16:creationId xmlns="" xmlns:a16="http://schemas.microsoft.com/office/drawing/2014/main" id="{127090C9-FA03-47A3-B8E5-5AC843148C0C}"/>
                   </a:ext>
                 </a:extLst>
               </p:cNvPr>
@@ -10346,7 +10780,7 @@
             <p:cNvPr id="42" name="正方形/長方形 41">
               <a:extLst>
                 <a:ext uri="{FF2B5EF4-FFF2-40B4-BE49-F238E27FC236}">
-                  <a16:creationId xmlns:a16="http://schemas.microsoft.com/office/drawing/2014/main" xmlns="" id="{974D7591-C374-4FE7-98C6-F63D715B2F46}"/>
+                  <a16:creationId xmlns="" xmlns:a16="http://schemas.microsoft.com/office/drawing/2014/main" id="{974D7591-C374-4FE7-98C6-F63D715B2F46}"/>
                 </a:ext>
               </a:extLst>
             </p:cNvPr>
@@ -10402,7 +10836,7 @@
           <p:cNvPr id="43" name="正方形/長方形 42">
             <a:extLst>
               <a:ext uri="{FF2B5EF4-FFF2-40B4-BE49-F238E27FC236}">
-                <a16:creationId xmlns:a16="http://schemas.microsoft.com/office/drawing/2014/main" xmlns="" id="{A98ECFFF-731C-4C54-95F1-02A8CC15EA71}"/>
+                <a16:creationId xmlns="" xmlns:a16="http://schemas.microsoft.com/office/drawing/2014/main" id="{A98ECFFF-731C-4C54-95F1-02A8CC15EA71}"/>
               </a:ext>
             </a:extLst>
           </p:cNvPr>
@@ -10484,7 +10918,7 @@
           <p:cNvPr id="7" name="図 6" descr="テキスト が含まれている画像&#10;&#10;自動的に生成された説明">
             <a:extLst>
               <a:ext uri="{FF2B5EF4-FFF2-40B4-BE49-F238E27FC236}">
-                <a16:creationId xmlns:a16="http://schemas.microsoft.com/office/drawing/2014/main" xmlns="" id="{F72D7A55-A732-4D03-A156-3A4E7C065D7A}"/>
+                <a16:creationId xmlns="" xmlns:a16="http://schemas.microsoft.com/office/drawing/2014/main" id="{F72D7A55-A732-4D03-A156-3A4E7C065D7A}"/>
               </a:ext>
             </a:extLst>
           </p:cNvPr>
@@ -10519,7 +10953,7 @@
           <p:cNvPr id="10" name="テキスト ボックス 9">
             <a:extLst>
               <a:ext uri="{FF2B5EF4-FFF2-40B4-BE49-F238E27FC236}">
-                <a16:creationId xmlns:a16="http://schemas.microsoft.com/office/drawing/2014/main" xmlns="" id="{D5807289-5F94-4ABF-BB19-A244DE39AAB7}"/>
+                <a16:creationId xmlns="" xmlns:a16="http://schemas.microsoft.com/office/drawing/2014/main" id="{D5807289-5F94-4ABF-BB19-A244DE39AAB7}"/>
               </a:ext>
             </a:extLst>
           </p:cNvPr>
@@ -10564,7 +10998,7 @@
           <p:cNvPr id="11" name="テキスト ボックス 10">
             <a:extLst>
               <a:ext uri="{FF2B5EF4-FFF2-40B4-BE49-F238E27FC236}">
-                <a16:creationId xmlns:a16="http://schemas.microsoft.com/office/drawing/2014/main" xmlns="" id="{6D354EB7-7F73-4490-964D-300A57A3D0C5}"/>
+                <a16:creationId xmlns="" xmlns:a16="http://schemas.microsoft.com/office/drawing/2014/main" id="{6D354EB7-7F73-4490-964D-300A57A3D0C5}"/>
               </a:ext>
             </a:extLst>
           </p:cNvPr>
@@ -10602,7 +11036,7 @@
           <p:cNvPr id="12" name="楕円 11">
             <a:extLst>
               <a:ext uri="{FF2B5EF4-FFF2-40B4-BE49-F238E27FC236}">
-                <a16:creationId xmlns:a16="http://schemas.microsoft.com/office/drawing/2014/main" xmlns="" id="{27BE146F-8491-400F-AB07-2E26102463F2}"/>
+                <a16:creationId xmlns="" xmlns:a16="http://schemas.microsoft.com/office/drawing/2014/main" id="{27BE146F-8491-400F-AB07-2E26102463F2}"/>
               </a:ext>
             </a:extLst>
           </p:cNvPr>
@@ -10654,7 +11088,7 @@
           <p:cNvPr id="13" name="楕円 12">
             <a:extLst>
               <a:ext uri="{FF2B5EF4-FFF2-40B4-BE49-F238E27FC236}">
-                <a16:creationId xmlns:a16="http://schemas.microsoft.com/office/drawing/2014/main" xmlns="" id="{AC13EDC5-A927-451C-A8C6-2F68A75D9DB9}"/>
+                <a16:creationId xmlns="" xmlns:a16="http://schemas.microsoft.com/office/drawing/2014/main" id="{AC13EDC5-A927-451C-A8C6-2F68A75D9DB9}"/>
               </a:ext>
             </a:extLst>
           </p:cNvPr>
@@ -10706,7 +11140,7 @@
           <p:cNvPr id="14" name="楕円 13">
             <a:extLst>
               <a:ext uri="{FF2B5EF4-FFF2-40B4-BE49-F238E27FC236}">
-                <a16:creationId xmlns:a16="http://schemas.microsoft.com/office/drawing/2014/main" xmlns="" id="{A70D7407-0728-49A8-BDE2-7434759F1455}"/>
+                <a16:creationId xmlns="" xmlns:a16="http://schemas.microsoft.com/office/drawing/2014/main" id="{A70D7407-0728-49A8-BDE2-7434759F1455}"/>
               </a:ext>
             </a:extLst>
           </p:cNvPr>
@@ -10758,7 +11192,7 @@
           <p:cNvPr id="15" name="楕円 14">
             <a:extLst>
               <a:ext uri="{FF2B5EF4-FFF2-40B4-BE49-F238E27FC236}">
-                <a16:creationId xmlns:a16="http://schemas.microsoft.com/office/drawing/2014/main" xmlns="" id="{BA8A41E3-4961-4217-9C31-D8A81A9809A9}"/>
+                <a16:creationId xmlns="" xmlns:a16="http://schemas.microsoft.com/office/drawing/2014/main" id="{BA8A41E3-4961-4217-9C31-D8A81A9809A9}"/>
               </a:ext>
             </a:extLst>
           </p:cNvPr>
@@ -10810,7 +11244,7 @@
           <p:cNvPr id="16" name="テキスト ボックス 15">
             <a:extLst>
               <a:ext uri="{FF2B5EF4-FFF2-40B4-BE49-F238E27FC236}">
-                <a16:creationId xmlns:a16="http://schemas.microsoft.com/office/drawing/2014/main" xmlns="" id="{FBBAA09C-4BEB-47EA-BC7F-480BCC2226F1}"/>
+                <a16:creationId xmlns="" xmlns:a16="http://schemas.microsoft.com/office/drawing/2014/main" id="{FBBAA09C-4BEB-47EA-BC7F-480BCC2226F1}"/>
               </a:ext>
             </a:extLst>
           </p:cNvPr>
@@ -10918,7 +11352,7 @@
           <p:cNvPr id="17" name="正方形/長方形 16">
             <a:extLst>
               <a:ext uri="{FF2B5EF4-FFF2-40B4-BE49-F238E27FC236}">
-                <a16:creationId xmlns:a16="http://schemas.microsoft.com/office/drawing/2014/main" xmlns="" id="{A2CF4C31-1025-4708-B374-7F8887320A14}"/>
+                <a16:creationId xmlns="" xmlns:a16="http://schemas.microsoft.com/office/drawing/2014/main" id="{A2CF4C31-1025-4708-B374-7F8887320A14}"/>
               </a:ext>
             </a:extLst>
           </p:cNvPr>
@@ -10970,7 +11404,7 @@
           <p:cNvPr id="18" name="テキスト ボックス 17">
             <a:extLst>
               <a:ext uri="{FF2B5EF4-FFF2-40B4-BE49-F238E27FC236}">
-                <a16:creationId xmlns:a16="http://schemas.microsoft.com/office/drawing/2014/main" xmlns="" id="{594DFF38-A0BF-4052-92A8-115900A7F03B}"/>
+                <a16:creationId xmlns="" xmlns:a16="http://schemas.microsoft.com/office/drawing/2014/main" id="{594DFF38-A0BF-4052-92A8-115900A7F03B}"/>
               </a:ext>
             </a:extLst>
           </p:cNvPr>
@@ -11063,7 +11497,7 @@
           <p:cNvPr id="19" name="正方形/長方形 18">
             <a:extLst>
               <a:ext uri="{FF2B5EF4-FFF2-40B4-BE49-F238E27FC236}">
-                <a16:creationId xmlns:a16="http://schemas.microsoft.com/office/drawing/2014/main" xmlns="" id="{41DDEDAD-B76F-42FC-BD36-C4B4086365F3}"/>
+                <a16:creationId xmlns="" xmlns:a16="http://schemas.microsoft.com/office/drawing/2014/main" id="{41DDEDAD-B76F-42FC-BD36-C4B4086365F3}"/>
               </a:ext>
             </a:extLst>
           </p:cNvPr>
@@ -11115,7 +11549,7 @@
           <p:cNvPr id="21" name="正方形/長方形 20">
             <a:extLst>
               <a:ext uri="{FF2B5EF4-FFF2-40B4-BE49-F238E27FC236}">
-                <a16:creationId xmlns:a16="http://schemas.microsoft.com/office/drawing/2014/main" xmlns="" id="{B89D4E7D-0660-4D0D-912D-DF225C66A1D6}"/>
+                <a16:creationId xmlns="" xmlns:a16="http://schemas.microsoft.com/office/drawing/2014/main" id="{B89D4E7D-0660-4D0D-912D-DF225C66A1D6}"/>
               </a:ext>
             </a:extLst>
           </p:cNvPr>
@@ -11169,7 +11603,7 @@
           <p:cNvPr id="20" name="テキスト ボックス 19">
             <a:extLst>
               <a:ext uri="{FF2B5EF4-FFF2-40B4-BE49-F238E27FC236}">
-                <a16:creationId xmlns:a16="http://schemas.microsoft.com/office/drawing/2014/main" xmlns="" id="{4588D88C-0F6C-4A95-9191-7AC444B35B14}"/>
+                <a16:creationId xmlns="" xmlns:a16="http://schemas.microsoft.com/office/drawing/2014/main" id="{4588D88C-0F6C-4A95-9191-7AC444B35B14}"/>
               </a:ext>
             </a:extLst>
           </p:cNvPr>
@@ -11285,7 +11719,7 @@
           <p:cNvPr id="5" name="図 4" descr="物体 が含まれている画像&#10;&#10;自動的に生成された説明">
             <a:extLst>
               <a:ext uri="{FF2B5EF4-FFF2-40B4-BE49-F238E27FC236}">
-                <a16:creationId xmlns:a16="http://schemas.microsoft.com/office/drawing/2014/main" xmlns="" id="{A8B95791-F64F-423D-B8A7-2C86F56DDB1D}"/>
+                <a16:creationId xmlns="" xmlns:a16="http://schemas.microsoft.com/office/drawing/2014/main" id="{A8B95791-F64F-423D-B8A7-2C86F56DDB1D}"/>
               </a:ext>
             </a:extLst>
           </p:cNvPr>
@@ -11320,7 +11754,7 @@
           <p:cNvPr id="6" name="テキスト ボックス 5">
             <a:extLst>
               <a:ext uri="{FF2B5EF4-FFF2-40B4-BE49-F238E27FC236}">
-                <a16:creationId xmlns:a16="http://schemas.microsoft.com/office/drawing/2014/main" xmlns="" id="{8305E55F-CE22-4A88-A8D4-3E4958510FE7}"/>
+                <a16:creationId xmlns="" xmlns:a16="http://schemas.microsoft.com/office/drawing/2014/main" id="{8305E55F-CE22-4A88-A8D4-3E4958510FE7}"/>
               </a:ext>
             </a:extLst>
           </p:cNvPr>
@@ -11365,7 +11799,7 @@
           <p:cNvPr id="7" name="吹き出し: 四角形 6">
             <a:extLst>
               <a:ext uri="{FF2B5EF4-FFF2-40B4-BE49-F238E27FC236}">
-                <a16:creationId xmlns:a16="http://schemas.microsoft.com/office/drawing/2014/main" xmlns="" id="{EC8402AE-3480-4CC7-905A-0776A28352DA}"/>
+                <a16:creationId xmlns="" xmlns:a16="http://schemas.microsoft.com/office/drawing/2014/main" id="{EC8402AE-3480-4CC7-905A-0776A28352DA}"/>
               </a:ext>
             </a:extLst>
           </p:cNvPr>
@@ -11458,7 +11892,7 @@
           <p:cNvPr id="8" name="吹き出し: 四角形 7">
             <a:extLst>
               <a:ext uri="{FF2B5EF4-FFF2-40B4-BE49-F238E27FC236}">
-                <a16:creationId xmlns:a16="http://schemas.microsoft.com/office/drawing/2014/main" xmlns="" id="{12F0A826-4C99-48A7-B36D-03DBE2118E07}"/>
+                <a16:creationId xmlns="" xmlns:a16="http://schemas.microsoft.com/office/drawing/2014/main" id="{12F0A826-4C99-48A7-B36D-03DBE2118E07}"/>
               </a:ext>
             </a:extLst>
           </p:cNvPr>
@@ -11542,7 +11976,7 @@
           <p:cNvPr id="9" name="吹き出し: 四角形 8">
             <a:extLst>
               <a:ext uri="{FF2B5EF4-FFF2-40B4-BE49-F238E27FC236}">
-                <a16:creationId xmlns:a16="http://schemas.microsoft.com/office/drawing/2014/main" xmlns="" id="{B25F11CC-0810-44FB-85E5-6AFA2E713B6D}"/>
+                <a16:creationId xmlns="" xmlns:a16="http://schemas.microsoft.com/office/drawing/2014/main" id="{B25F11CC-0810-44FB-85E5-6AFA2E713B6D}"/>
               </a:ext>
             </a:extLst>
           </p:cNvPr>
@@ -11685,7 +12119,7 @@
           <p:cNvPr id="5" name="テキスト ボックス 4">
             <a:extLst>
               <a:ext uri="{FF2B5EF4-FFF2-40B4-BE49-F238E27FC236}">
-                <a16:creationId xmlns:a16="http://schemas.microsoft.com/office/drawing/2014/main" xmlns="" id="{D5807289-5F94-4ABF-BB19-A244DE39AAB7}"/>
+                <a16:creationId xmlns="" xmlns:a16="http://schemas.microsoft.com/office/drawing/2014/main" id="{D5807289-5F94-4ABF-BB19-A244DE39AAB7}"/>
               </a:ext>
             </a:extLst>
           </p:cNvPr>
@@ -12054,7 +12488,7 @@
               <p:cNvPr id="9" name="グループ化 8">
                 <a:extLst>
                   <a:ext uri="{FF2B5EF4-FFF2-40B4-BE49-F238E27FC236}">
-                    <a16:creationId xmlns:a16="http://schemas.microsoft.com/office/drawing/2014/main" xmlns="" id="{C42471E9-CEF7-4DD0-B2B9-A37027252951}"/>
+                    <a16:creationId xmlns="" xmlns:a16="http://schemas.microsoft.com/office/drawing/2014/main" id="{C42471E9-CEF7-4DD0-B2B9-A37027252951}"/>
                   </a:ext>
                 </a:extLst>
               </p:cNvPr>
@@ -12074,7 +12508,7 @@
                 <p:cNvPr id="10" name="グループ化 9">
                   <a:extLst>
                     <a:ext uri="{FF2B5EF4-FFF2-40B4-BE49-F238E27FC236}">
-                      <a16:creationId xmlns:a16="http://schemas.microsoft.com/office/drawing/2014/main" xmlns="" id="{7D6E456E-2E26-4492-9279-169842641548}"/>
+                      <a16:creationId xmlns="" xmlns:a16="http://schemas.microsoft.com/office/drawing/2014/main" id="{7D6E456E-2E26-4492-9279-169842641548}"/>
                     </a:ext>
                   </a:extLst>
                 </p:cNvPr>
@@ -12094,7 +12528,7 @@
                   <p:cNvPr id="26" name="図 25" descr="物体 が含まれている画像&#10;&#10;自動的に生成された説明">
                     <a:extLst>
                       <a:ext uri="{FF2B5EF4-FFF2-40B4-BE49-F238E27FC236}">
-                        <a16:creationId xmlns:a16="http://schemas.microsoft.com/office/drawing/2014/main" xmlns="" id="{9E2F2156-5A3C-4670-A7BB-42FF8EF7E4F0}"/>
+                        <a16:creationId xmlns="" xmlns:a16="http://schemas.microsoft.com/office/drawing/2014/main" id="{9E2F2156-5A3C-4670-A7BB-42FF8EF7E4F0}"/>
                       </a:ext>
                     </a:extLst>
                   </p:cNvPr>
@@ -12130,7 +12564,7 @@
                   <p:cNvPr id="27" name="テキスト ボックス 26">
                     <a:extLst>
                       <a:ext uri="{FF2B5EF4-FFF2-40B4-BE49-F238E27FC236}">
-                        <a16:creationId xmlns:a16="http://schemas.microsoft.com/office/drawing/2014/main" xmlns="" id="{85DB17C7-0CA8-4460-8B6A-1BBCF3C5CA75}"/>
+                        <a16:creationId xmlns="" xmlns:a16="http://schemas.microsoft.com/office/drawing/2014/main" id="{85DB17C7-0CA8-4460-8B6A-1BBCF3C5CA75}"/>
                       </a:ext>
                     </a:extLst>
                   </p:cNvPr>
@@ -12169,7 +12603,7 @@
                 <p:cNvPr id="11" name="グループ化 10">
                   <a:extLst>
                     <a:ext uri="{FF2B5EF4-FFF2-40B4-BE49-F238E27FC236}">
-                      <a16:creationId xmlns:a16="http://schemas.microsoft.com/office/drawing/2014/main" xmlns="" id="{8FA97864-B0AC-4C37-AB57-3F511EE9B20A}"/>
+                      <a16:creationId xmlns="" xmlns:a16="http://schemas.microsoft.com/office/drawing/2014/main" id="{8FA97864-B0AC-4C37-AB57-3F511EE9B20A}"/>
                     </a:ext>
                   </a:extLst>
                 </p:cNvPr>
@@ -12189,7 +12623,7 @@
                   <p:cNvPr id="24" name="図 23" descr="物体 が含まれている画像&#10;&#10;自動的に生成された説明">
                     <a:extLst>
                       <a:ext uri="{FF2B5EF4-FFF2-40B4-BE49-F238E27FC236}">
-                        <a16:creationId xmlns:a16="http://schemas.microsoft.com/office/drawing/2014/main" xmlns="" id="{539F0BC8-41E3-4ADD-9459-BE0E2D7ABA27}"/>
+                        <a16:creationId xmlns="" xmlns:a16="http://schemas.microsoft.com/office/drawing/2014/main" id="{539F0BC8-41E3-4ADD-9459-BE0E2D7ABA27}"/>
                       </a:ext>
                     </a:extLst>
                   </p:cNvPr>
@@ -12225,7 +12659,7 @@
                   <p:cNvPr id="25" name="テキスト ボックス 24">
                     <a:extLst>
                       <a:ext uri="{FF2B5EF4-FFF2-40B4-BE49-F238E27FC236}">
-                        <a16:creationId xmlns:a16="http://schemas.microsoft.com/office/drawing/2014/main" xmlns="" id="{9D08D78F-597A-41C6-9E61-E721135C20D1}"/>
+                        <a16:creationId xmlns="" xmlns:a16="http://schemas.microsoft.com/office/drawing/2014/main" id="{9D08D78F-597A-41C6-9E61-E721135C20D1}"/>
                       </a:ext>
                     </a:extLst>
                   </p:cNvPr>
@@ -12264,7 +12698,7 @@
                 <p:cNvPr id="12" name="グループ化 11">
                   <a:extLst>
                     <a:ext uri="{FF2B5EF4-FFF2-40B4-BE49-F238E27FC236}">
-                      <a16:creationId xmlns:a16="http://schemas.microsoft.com/office/drawing/2014/main" xmlns="" id="{8F6624A7-F895-493A-8055-873B48C8C19C}"/>
+                      <a16:creationId xmlns="" xmlns:a16="http://schemas.microsoft.com/office/drawing/2014/main" id="{8F6624A7-F895-493A-8055-873B48C8C19C}"/>
                     </a:ext>
                   </a:extLst>
                 </p:cNvPr>
@@ -12284,7 +12718,7 @@
                   <p:cNvPr id="22" name="図 21" descr="物体, 腕時計 が含まれている画像&#10;&#10;自動的に生成された説明">
                     <a:extLst>
                       <a:ext uri="{FF2B5EF4-FFF2-40B4-BE49-F238E27FC236}">
-                        <a16:creationId xmlns:a16="http://schemas.microsoft.com/office/drawing/2014/main" xmlns="" id="{53299244-26D0-4173-ACC6-BD241C768849}"/>
+                        <a16:creationId xmlns="" xmlns:a16="http://schemas.microsoft.com/office/drawing/2014/main" id="{53299244-26D0-4173-ACC6-BD241C768849}"/>
                       </a:ext>
                     </a:extLst>
                   </p:cNvPr>
@@ -12320,7 +12754,7 @@
                   <p:cNvPr id="23" name="テキスト ボックス 22">
                     <a:extLst>
                       <a:ext uri="{FF2B5EF4-FFF2-40B4-BE49-F238E27FC236}">
-                        <a16:creationId xmlns:a16="http://schemas.microsoft.com/office/drawing/2014/main" xmlns="" id="{BF9D5B9B-9876-443A-BE29-B4828D0A5D74}"/>
+                        <a16:creationId xmlns="" xmlns:a16="http://schemas.microsoft.com/office/drawing/2014/main" id="{BF9D5B9B-9876-443A-BE29-B4828D0A5D74}"/>
                       </a:ext>
                     </a:extLst>
                   </p:cNvPr>
@@ -12359,7 +12793,7 @@
                 <p:cNvPr id="13" name="グループ化 12">
                   <a:extLst>
                     <a:ext uri="{FF2B5EF4-FFF2-40B4-BE49-F238E27FC236}">
-                      <a16:creationId xmlns:a16="http://schemas.microsoft.com/office/drawing/2014/main" xmlns="" id="{D317981A-38A9-4594-9159-8C77F7F6D8B4}"/>
+                      <a16:creationId xmlns="" xmlns:a16="http://schemas.microsoft.com/office/drawing/2014/main" id="{D317981A-38A9-4594-9159-8C77F7F6D8B4}"/>
                     </a:ext>
                   </a:extLst>
                 </p:cNvPr>
@@ -12379,7 +12813,7 @@
                   <p:cNvPr id="20" name="図 19" descr="物体 が含まれている画像&#10;&#10;自動的に生成された説明">
                     <a:extLst>
                       <a:ext uri="{FF2B5EF4-FFF2-40B4-BE49-F238E27FC236}">
-                        <a16:creationId xmlns:a16="http://schemas.microsoft.com/office/drawing/2014/main" xmlns="" id="{93CD3867-4A7C-4138-9F28-8B9071FCE1AF}"/>
+                        <a16:creationId xmlns="" xmlns:a16="http://schemas.microsoft.com/office/drawing/2014/main" id="{93CD3867-4A7C-4138-9F28-8B9071FCE1AF}"/>
                       </a:ext>
                     </a:extLst>
                   </p:cNvPr>
@@ -12415,7 +12849,7 @@
                   <p:cNvPr id="21" name="テキスト ボックス 20">
                     <a:extLst>
                       <a:ext uri="{FF2B5EF4-FFF2-40B4-BE49-F238E27FC236}">
-                        <a16:creationId xmlns:a16="http://schemas.microsoft.com/office/drawing/2014/main" xmlns="" id="{C3C71671-55D6-4E40-BC27-288FCF91D2BB}"/>
+                        <a16:creationId xmlns="" xmlns:a16="http://schemas.microsoft.com/office/drawing/2014/main" id="{C3C71671-55D6-4E40-BC27-288FCF91D2BB}"/>
                       </a:ext>
                     </a:extLst>
                   </p:cNvPr>
@@ -12458,7 +12892,7 @@
                 <p:cNvPr id="14" name="直線矢印コネクタ 13">
                   <a:extLst>
                     <a:ext uri="{FF2B5EF4-FFF2-40B4-BE49-F238E27FC236}">
-                      <a16:creationId xmlns:a16="http://schemas.microsoft.com/office/drawing/2014/main" xmlns="" id="{A84A16DD-57C4-4761-A446-249187106E51}"/>
+                      <a16:creationId xmlns="" xmlns:a16="http://schemas.microsoft.com/office/drawing/2014/main" id="{A84A16DD-57C4-4761-A446-249187106E51}"/>
                     </a:ext>
                   </a:extLst>
                 </p:cNvPr>
@@ -12502,7 +12936,7 @@
                 <p:cNvPr id="15" name="直線矢印コネクタ 14">
                   <a:extLst>
                     <a:ext uri="{FF2B5EF4-FFF2-40B4-BE49-F238E27FC236}">
-                      <a16:creationId xmlns:a16="http://schemas.microsoft.com/office/drawing/2014/main" xmlns="" id="{CE867472-33BD-4771-A53A-412FDCEAB859}"/>
+                      <a16:creationId xmlns="" xmlns:a16="http://schemas.microsoft.com/office/drawing/2014/main" id="{CE867472-33BD-4771-A53A-412FDCEAB859}"/>
                     </a:ext>
                   </a:extLst>
                 </p:cNvPr>
@@ -12546,7 +12980,7 @@
                 <p:cNvPr id="16" name="直線矢印コネクタ 15">
                   <a:extLst>
                     <a:ext uri="{FF2B5EF4-FFF2-40B4-BE49-F238E27FC236}">
-                      <a16:creationId xmlns:a16="http://schemas.microsoft.com/office/drawing/2014/main" xmlns="" id="{2F760955-CE29-4903-BDF0-C0EF1A34CD6F}"/>
+                      <a16:creationId xmlns="" xmlns:a16="http://schemas.microsoft.com/office/drawing/2014/main" id="{2F760955-CE29-4903-BDF0-C0EF1A34CD6F}"/>
                     </a:ext>
                   </a:extLst>
                 </p:cNvPr>
@@ -12590,7 +13024,7 @@
                 <p:cNvPr id="17" name="直線矢印コネクタ 16">
                   <a:extLst>
                     <a:ext uri="{FF2B5EF4-FFF2-40B4-BE49-F238E27FC236}">
-                      <a16:creationId xmlns:a16="http://schemas.microsoft.com/office/drawing/2014/main" xmlns="" id="{96E14F16-9B67-48C7-9985-746717E7D2CE}"/>
+                      <a16:creationId xmlns="" xmlns:a16="http://schemas.microsoft.com/office/drawing/2014/main" id="{96E14F16-9B67-48C7-9985-746717E7D2CE}"/>
                     </a:ext>
                   </a:extLst>
                 </p:cNvPr>
@@ -12634,7 +13068,7 @@
                 <p:cNvPr id="18" name="正方形/長方形 17">
                   <a:extLst>
                     <a:ext uri="{FF2B5EF4-FFF2-40B4-BE49-F238E27FC236}">
-                      <a16:creationId xmlns:a16="http://schemas.microsoft.com/office/drawing/2014/main" xmlns="" id="{6ADAFCEE-C028-416D-B257-90B41E02042A}"/>
+                      <a16:creationId xmlns="" xmlns:a16="http://schemas.microsoft.com/office/drawing/2014/main" id="{6ADAFCEE-C028-416D-B257-90B41E02042A}"/>
                     </a:ext>
                   </a:extLst>
                 </p:cNvPr>
@@ -12689,7 +13123,7 @@
                 <p:cNvPr id="19" name="直線矢印コネクタ 18">
                   <a:extLst>
                     <a:ext uri="{FF2B5EF4-FFF2-40B4-BE49-F238E27FC236}">
-                      <a16:creationId xmlns:a16="http://schemas.microsoft.com/office/drawing/2014/main" xmlns="" id="{A2A6B62C-1E0E-432C-9BEC-393C34A1C94C}"/>
+                      <a16:creationId xmlns="" xmlns:a16="http://schemas.microsoft.com/office/drawing/2014/main" id="{A2A6B62C-1E0E-432C-9BEC-393C34A1C94C}"/>
                     </a:ext>
                   </a:extLst>
                 </p:cNvPr>
@@ -12734,7 +13168,7 @@
               <p:cNvPr id="28" name="グループ化 27">
                 <a:extLst>
                   <a:ext uri="{FF2B5EF4-FFF2-40B4-BE49-F238E27FC236}">
-                    <a16:creationId xmlns:a16="http://schemas.microsoft.com/office/drawing/2014/main" xmlns="" id="{7EEE5686-B5B9-4B20-8993-381AFDACF9AB}"/>
+                    <a16:creationId xmlns="" xmlns:a16="http://schemas.microsoft.com/office/drawing/2014/main" id="{7EEE5686-B5B9-4B20-8993-381AFDACF9AB}"/>
                   </a:ext>
                 </a:extLst>
               </p:cNvPr>
@@ -12754,7 +13188,7 @@
                 <p:cNvPr id="29" name="グループ化 28">
                   <a:extLst>
                     <a:ext uri="{FF2B5EF4-FFF2-40B4-BE49-F238E27FC236}">
-                      <a16:creationId xmlns:a16="http://schemas.microsoft.com/office/drawing/2014/main" xmlns="" id="{80B432E5-1E61-4A1C-BB38-CE56CD67DAEC}"/>
+                      <a16:creationId xmlns="" xmlns:a16="http://schemas.microsoft.com/office/drawing/2014/main" id="{80B432E5-1E61-4A1C-BB38-CE56CD67DAEC}"/>
                     </a:ext>
                   </a:extLst>
                 </p:cNvPr>
@@ -12774,7 +13208,7 @@
                   <p:cNvPr id="31" name="直線矢印コネクタ 30">
                     <a:extLst>
                       <a:ext uri="{FF2B5EF4-FFF2-40B4-BE49-F238E27FC236}">
-                        <a16:creationId xmlns:a16="http://schemas.microsoft.com/office/drawing/2014/main" xmlns="" id="{555429FE-F091-46AD-84F7-1B4256D762AB}"/>
+                        <a16:creationId xmlns="" xmlns:a16="http://schemas.microsoft.com/office/drawing/2014/main" id="{555429FE-F091-46AD-84F7-1B4256D762AB}"/>
                       </a:ext>
                     </a:extLst>
                   </p:cNvPr>
@@ -12818,7 +13252,7 @@
                   <p:cNvPr id="32" name="直線矢印コネクタ 31">
                     <a:extLst>
                       <a:ext uri="{FF2B5EF4-FFF2-40B4-BE49-F238E27FC236}">
-                        <a16:creationId xmlns:a16="http://schemas.microsoft.com/office/drawing/2014/main" xmlns="" id="{5030B8C7-7BED-40F6-B6D5-A7CD124D67A9}"/>
+                        <a16:creationId xmlns="" xmlns:a16="http://schemas.microsoft.com/office/drawing/2014/main" id="{5030B8C7-7BED-40F6-B6D5-A7CD124D67A9}"/>
                       </a:ext>
                     </a:extLst>
                   </p:cNvPr>
@@ -12862,7 +13296,7 @@
                   <p:cNvPr id="33" name="テキスト ボックス 32">
                     <a:extLst>
                       <a:ext uri="{FF2B5EF4-FFF2-40B4-BE49-F238E27FC236}">
-                        <a16:creationId xmlns:a16="http://schemas.microsoft.com/office/drawing/2014/main" xmlns="" id="{1BB9FF26-C1AD-43FF-B1A3-3D220E4BC3AA}"/>
+                        <a16:creationId xmlns="" xmlns:a16="http://schemas.microsoft.com/office/drawing/2014/main" id="{1BB9FF26-C1AD-43FF-B1A3-3D220E4BC3AA}"/>
                       </a:ext>
                     </a:extLst>
                   </p:cNvPr>
@@ -12900,7 +13334,7 @@
                   <p:cNvPr id="34" name="テキスト ボックス 33">
                     <a:extLst>
                       <a:ext uri="{FF2B5EF4-FFF2-40B4-BE49-F238E27FC236}">
-                        <a16:creationId xmlns:a16="http://schemas.microsoft.com/office/drawing/2014/main" xmlns="" id="{127090C9-FA03-47A3-B8E5-5AC843148C0C}"/>
+                        <a16:creationId xmlns="" xmlns:a16="http://schemas.microsoft.com/office/drawing/2014/main" id="{127090C9-FA03-47A3-B8E5-5AC843148C0C}"/>
                       </a:ext>
                     </a:extLst>
                   </p:cNvPr>
@@ -12943,7 +13377,7 @@
                 <p:cNvPr id="30" name="正方形/長方形 29">
                   <a:extLst>
                     <a:ext uri="{FF2B5EF4-FFF2-40B4-BE49-F238E27FC236}">
-                      <a16:creationId xmlns:a16="http://schemas.microsoft.com/office/drawing/2014/main" xmlns="" id="{974D7591-C374-4FE7-98C6-F63D715B2F46}"/>
+                      <a16:creationId xmlns="" xmlns:a16="http://schemas.microsoft.com/office/drawing/2014/main" id="{974D7591-C374-4FE7-98C6-F63D715B2F46}"/>
                     </a:ext>
                   </a:extLst>
                 </p:cNvPr>
@@ -12999,7 +13433,7 @@
               <p:cNvPr id="35" name="正方形/長方形 34">
                 <a:extLst>
                   <a:ext uri="{FF2B5EF4-FFF2-40B4-BE49-F238E27FC236}">
-                    <a16:creationId xmlns:a16="http://schemas.microsoft.com/office/drawing/2014/main" xmlns="" id="{A98ECFFF-731C-4C54-95F1-02A8CC15EA71}"/>
+                    <a16:creationId xmlns="" xmlns:a16="http://schemas.microsoft.com/office/drawing/2014/main" id="{A98ECFFF-731C-4C54-95F1-02A8CC15EA71}"/>
                   </a:ext>
                 </a:extLst>
               </p:cNvPr>
@@ -13139,7 +13573,7 @@
             <p:cNvPr id="43" name="直線矢印コネクタ 42">
               <a:extLst>
                 <a:ext uri="{FF2B5EF4-FFF2-40B4-BE49-F238E27FC236}">
-                  <a16:creationId xmlns:a16="http://schemas.microsoft.com/office/drawing/2014/main" xmlns="" id="{A2A6B62C-1E0E-432C-9BEC-393C34A1C94C}"/>
+                  <a16:creationId xmlns="" xmlns:a16="http://schemas.microsoft.com/office/drawing/2014/main" id="{A2A6B62C-1E0E-432C-9BEC-393C34A1C94C}"/>
                 </a:ext>
               </a:extLst>
             </p:cNvPr>
@@ -13183,7 +13617,7 @@
             <p:cNvPr id="53" name="直線矢印コネクタ 52">
               <a:extLst>
                 <a:ext uri="{FF2B5EF4-FFF2-40B4-BE49-F238E27FC236}">
-                  <a16:creationId xmlns:a16="http://schemas.microsoft.com/office/drawing/2014/main" xmlns="" id="{A2A6B62C-1E0E-432C-9BEC-393C34A1C94C}"/>
+                  <a16:creationId xmlns="" xmlns:a16="http://schemas.microsoft.com/office/drawing/2014/main" id="{A2A6B62C-1E0E-432C-9BEC-393C34A1C94C}"/>
                 </a:ext>
               </a:extLst>
             </p:cNvPr>

--- a/説明文.pptx
+++ b/説明文.pptx
@@ -14,8 +14,8 @@
     <p:sldId id="260" r:id="rId5"/>
     <p:sldId id="261" r:id="rId6"/>
     <p:sldId id="262" r:id="rId7"/>
-    <p:sldId id="263" r:id="rId8"/>
-    <p:sldId id="264" r:id="rId9"/>
+    <p:sldId id="264" r:id="rId8"/>
+    <p:sldId id="263" r:id="rId9"/>
     <p:sldId id="265" r:id="rId10"/>
     <p:sldId id="266" r:id="rId11"/>
     <p:sldId id="267" r:id="rId12"/>
@@ -3636,7 +3636,7 @@
           <p:cNvPr id="4" name="図 3" descr="スクリーンショット が含まれている画像&#10;&#10;自動的に生成された説明">
             <a:extLst>
               <a:ext uri="{FF2B5EF4-FFF2-40B4-BE49-F238E27FC236}">
-                <a16:creationId xmlns:a16="http://schemas.microsoft.com/office/drawing/2014/main" xmlns="" id="{48282D74-7C89-4D68-8F6E-D62AC9485402}"/>
+                <a16:creationId xmlns="" xmlns:a16="http://schemas.microsoft.com/office/drawing/2014/main" id="{48282D74-7C89-4D68-8F6E-D62AC9485402}"/>
               </a:ext>
             </a:extLst>
           </p:cNvPr>
@@ -3971,7 +3971,7 @@
           <p:cNvPr id="6" name="正方形/長方形 5">
             <a:extLst>
               <a:ext uri="{FF2B5EF4-FFF2-40B4-BE49-F238E27FC236}">
-                <a16:creationId xmlns:a16="http://schemas.microsoft.com/office/drawing/2014/main" xmlns="" id="{E239D52D-8A0E-45C2-9D76-49681F4F3023}"/>
+                <a16:creationId xmlns="" xmlns:a16="http://schemas.microsoft.com/office/drawing/2014/main" id="{E239D52D-8A0E-45C2-9D76-49681F4F3023}"/>
               </a:ext>
             </a:extLst>
           </p:cNvPr>
@@ -4023,7 +4023,7 @@
           <p:cNvPr id="12" name="正方形/長方形 11">
             <a:extLst>
               <a:ext uri="{FF2B5EF4-FFF2-40B4-BE49-F238E27FC236}">
-                <a16:creationId xmlns:a16="http://schemas.microsoft.com/office/drawing/2014/main" xmlns="" id="{44B16076-58F3-411C-BA21-CC2F6BFDF2CA}"/>
+                <a16:creationId xmlns="" xmlns:a16="http://schemas.microsoft.com/office/drawing/2014/main" id="{44B16076-58F3-411C-BA21-CC2F6BFDF2CA}"/>
               </a:ext>
             </a:extLst>
           </p:cNvPr>
@@ -4075,7 +4075,7 @@
           <p:cNvPr id="13" name="正方形/長方形 12">
             <a:extLst>
               <a:ext uri="{FF2B5EF4-FFF2-40B4-BE49-F238E27FC236}">
-                <a16:creationId xmlns:a16="http://schemas.microsoft.com/office/drawing/2014/main" xmlns="" id="{48971A5D-F76B-4813-83D2-2D825B6A3202}"/>
+                <a16:creationId xmlns="" xmlns:a16="http://schemas.microsoft.com/office/drawing/2014/main" id="{48971A5D-F76B-4813-83D2-2D825B6A3202}"/>
               </a:ext>
             </a:extLst>
           </p:cNvPr>
@@ -4132,6 +4132,13 @@
   <p:clrMapOvr>
     <a:masterClrMapping/>
   </p:clrMapOvr>
+  <p:timing>
+    <p:tnLst>
+      <p:par>
+        <p:cTn id="1" dur="indefinite" restart="never" nodeType="tmRoot"/>
+      </p:par>
+    </p:tnLst>
+  </p:timing>
 </p:sld>
 </file>
 
@@ -4157,7 +4164,7 @@
           <p:cNvPr id="4" name="テキスト ボックス 3">
             <a:extLst>
               <a:ext uri="{FF2B5EF4-FFF2-40B4-BE49-F238E27FC236}">
-                <a16:creationId xmlns:a16="http://schemas.microsoft.com/office/drawing/2014/main" xmlns="" id="{C41C563A-40AB-403A-8661-FE9944DE17B5}"/>
+                <a16:creationId xmlns="" xmlns:a16="http://schemas.microsoft.com/office/drawing/2014/main" id="{C41C563A-40AB-403A-8661-FE9944DE17B5}"/>
               </a:ext>
             </a:extLst>
           </p:cNvPr>
@@ -4202,7 +4209,7 @@
           <p:cNvPr id="5" name="テキスト ボックス 4">
             <a:extLst>
               <a:ext uri="{FF2B5EF4-FFF2-40B4-BE49-F238E27FC236}">
-                <a16:creationId xmlns:a16="http://schemas.microsoft.com/office/drawing/2014/main" xmlns="" id="{4942987D-E9F9-4BC9-8090-7DA7D48916EF}"/>
+                <a16:creationId xmlns="" xmlns:a16="http://schemas.microsoft.com/office/drawing/2014/main" id="{4942987D-E9F9-4BC9-8090-7DA7D48916EF}"/>
               </a:ext>
             </a:extLst>
           </p:cNvPr>
@@ -4240,7 +4247,7 @@
           <p:cNvPr id="40" name="テキスト ボックス 39">
             <a:extLst>
               <a:ext uri="{FF2B5EF4-FFF2-40B4-BE49-F238E27FC236}">
-                <a16:creationId xmlns:a16="http://schemas.microsoft.com/office/drawing/2014/main" xmlns="" id="{F1EA6A6B-D4D0-463A-A599-CE219946A74B}"/>
+                <a16:creationId xmlns="" xmlns:a16="http://schemas.microsoft.com/office/drawing/2014/main" id="{F1EA6A6B-D4D0-463A-A599-CE219946A74B}"/>
               </a:ext>
             </a:extLst>
           </p:cNvPr>
@@ -4526,7 +4533,7 @@
           <p:cNvPr id="47" name="グループ化 46">
             <a:extLst>
               <a:ext uri="{FF2B5EF4-FFF2-40B4-BE49-F238E27FC236}">
-                <a16:creationId xmlns:a16="http://schemas.microsoft.com/office/drawing/2014/main" xmlns="" id="{3CB0CBD5-C2FE-46AB-9EAF-C9949E68FDD5}"/>
+                <a16:creationId xmlns="" xmlns:a16="http://schemas.microsoft.com/office/drawing/2014/main" id="{3CB0CBD5-C2FE-46AB-9EAF-C9949E68FDD5}"/>
               </a:ext>
             </a:extLst>
           </p:cNvPr>
@@ -4546,7 +4553,7 @@
             <p:cNvPr id="22" name="グループ化 21">
               <a:extLst>
                 <a:ext uri="{FF2B5EF4-FFF2-40B4-BE49-F238E27FC236}">
-                  <a16:creationId xmlns:a16="http://schemas.microsoft.com/office/drawing/2014/main" xmlns="" id="{2B78E3B8-6F86-4761-8FD3-82445D0604CC}"/>
+                  <a16:creationId xmlns="" xmlns:a16="http://schemas.microsoft.com/office/drawing/2014/main" id="{2B78E3B8-6F86-4761-8FD3-82445D0604CC}"/>
                 </a:ext>
               </a:extLst>
             </p:cNvPr>
@@ -4566,7 +4573,7 @@
               <p:cNvPr id="38" name="図 37" descr="物体 が含まれている画像&#10;&#10;自動的に生成された説明">
                 <a:extLst>
                   <a:ext uri="{FF2B5EF4-FFF2-40B4-BE49-F238E27FC236}">
-                    <a16:creationId xmlns:a16="http://schemas.microsoft.com/office/drawing/2014/main" xmlns="" id="{479B4DDF-7427-437E-87B7-7994E26E728C}"/>
+                    <a16:creationId xmlns="" xmlns:a16="http://schemas.microsoft.com/office/drawing/2014/main" id="{479B4DDF-7427-437E-87B7-7994E26E728C}"/>
                   </a:ext>
                 </a:extLst>
               </p:cNvPr>
@@ -4602,7 +4609,7 @@
               <p:cNvPr id="39" name="テキスト ボックス 38">
                 <a:extLst>
                   <a:ext uri="{FF2B5EF4-FFF2-40B4-BE49-F238E27FC236}">
-                    <a16:creationId xmlns:a16="http://schemas.microsoft.com/office/drawing/2014/main" xmlns="" id="{9774E31A-0063-4CE0-A9A1-D45BBB05A9C8}"/>
+                    <a16:creationId xmlns="" xmlns:a16="http://schemas.microsoft.com/office/drawing/2014/main" id="{9774E31A-0063-4CE0-A9A1-D45BBB05A9C8}"/>
                   </a:ext>
                 </a:extLst>
               </p:cNvPr>
@@ -4642,7 +4649,7 @@
             <p:cNvPr id="23" name="グループ化 22">
               <a:extLst>
                 <a:ext uri="{FF2B5EF4-FFF2-40B4-BE49-F238E27FC236}">
-                  <a16:creationId xmlns:a16="http://schemas.microsoft.com/office/drawing/2014/main" xmlns="" id="{8CEB5C1D-B949-4327-B495-5272910D5F87}"/>
+                  <a16:creationId xmlns="" xmlns:a16="http://schemas.microsoft.com/office/drawing/2014/main" id="{8CEB5C1D-B949-4327-B495-5272910D5F87}"/>
                 </a:ext>
               </a:extLst>
             </p:cNvPr>
@@ -4662,7 +4669,7 @@
               <p:cNvPr id="36" name="図 35" descr="物体 が含まれている画像&#10;&#10;自動的に生成された説明">
                 <a:extLst>
                   <a:ext uri="{FF2B5EF4-FFF2-40B4-BE49-F238E27FC236}">
-                    <a16:creationId xmlns:a16="http://schemas.microsoft.com/office/drawing/2014/main" xmlns="" id="{FB1C4056-473E-4E06-A623-40D4081C4EAC}"/>
+                    <a16:creationId xmlns="" xmlns:a16="http://schemas.microsoft.com/office/drawing/2014/main" id="{FB1C4056-473E-4E06-A623-40D4081C4EAC}"/>
                   </a:ext>
                 </a:extLst>
               </p:cNvPr>
@@ -4698,7 +4705,7 @@
               <p:cNvPr id="37" name="テキスト ボックス 36">
                 <a:extLst>
                   <a:ext uri="{FF2B5EF4-FFF2-40B4-BE49-F238E27FC236}">
-                    <a16:creationId xmlns:a16="http://schemas.microsoft.com/office/drawing/2014/main" xmlns="" id="{A9417AE6-E050-4A1B-991F-46A51E57761E}"/>
+                    <a16:creationId xmlns="" xmlns:a16="http://schemas.microsoft.com/office/drawing/2014/main" id="{A9417AE6-E050-4A1B-991F-46A51E57761E}"/>
                   </a:ext>
                 </a:extLst>
               </p:cNvPr>
@@ -4738,7 +4745,7 @@
             <p:cNvPr id="24" name="グループ化 23">
               <a:extLst>
                 <a:ext uri="{FF2B5EF4-FFF2-40B4-BE49-F238E27FC236}">
-                  <a16:creationId xmlns:a16="http://schemas.microsoft.com/office/drawing/2014/main" xmlns="" id="{9400590E-D727-4D03-98FF-0ACD12EBC352}"/>
+                  <a16:creationId xmlns="" xmlns:a16="http://schemas.microsoft.com/office/drawing/2014/main" id="{9400590E-D727-4D03-98FF-0ACD12EBC352}"/>
                 </a:ext>
               </a:extLst>
             </p:cNvPr>
@@ -4758,7 +4765,7 @@
               <p:cNvPr id="34" name="図 33" descr="物体, 腕時計 が含まれている画像&#10;&#10;自動的に生成された説明">
                 <a:extLst>
                   <a:ext uri="{FF2B5EF4-FFF2-40B4-BE49-F238E27FC236}">
-                    <a16:creationId xmlns:a16="http://schemas.microsoft.com/office/drawing/2014/main" xmlns="" id="{734930D0-5E47-475F-948D-174F652567D0}"/>
+                    <a16:creationId xmlns="" xmlns:a16="http://schemas.microsoft.com/office/drawing/2014/main" id="{734930D0-5E47-475F-948D-174F652567D0}"/>
                   </a:ext>
                 </a:extLst>
               </p:cNvPr>
@@ -4794,7 +4801,7 @@
               <p:cNvPr id="35" name="テキスト ボックス 34">
                 <a:extLst>
                   <a:ext uri="{FF2B5EF4-FFF2-40B4-BE49-F238E27FC236}">
-                    <a16:creationId xmlns:a16="http://schemas.microsoft.com/office/drawing/2014/main" xmlns="" id="{99360FF1-7996-43C2-A24E-1DB68F403FE0}"/>
+                    <a16:creationId xmlns="" xmlns:a16="http://schemas.microsoft.com/office/drawing/2014/main" id="{99360FF1-7996-43C2-A24E-1DB68F403FE0}"/>
                   </a:ext>
                 </a:extLst>
               </p:cNvPr>
@@ -4834,7 +4841,7 @@
             <p:cNvPr id="25" name="グループ化 24">
               <a:extLst>
                 <a:ext uri="{FF2B5EF4-FFF2-40B4-BE49-F238E27FC236}">
-                  <a16:creationId xmlns:a16="http://schemas.microsoft.com/office/drawing/2014/main" xmlns="" id="{2DC9847F-77D2-4405-8121-1FE5585768EA}"/>
+                  <a16:creationId xmlns="" xmlns:a16="http://schemas.microsoft.com/office/drawing/2014/main" id="{2DC9847F-77D2-4405-8121-1FE5585768EA}"/>
                 </a:ext>
               </a:extLst>
             </p:cNvPr>
@@ -4854,7 +4861,7 @@
               <p:cNvPr id="32" name="図 31" descr="物体 が含まれている画像&#10;&#10;自動的に生成された説明">
                 <a:extLst>
                   <a:ext uri="{FF2B5EF4-FFF2-40B4-BE49-F238E27FC236}">
-                    <a16:creationId xmlns:a16="http://schemas.microsoft.com/office/drawing/2014/main" xmlns="" id="{275FE74A-218C-4A15-9492-6A63781312F0}"/>
+                    <a16:creationId xmlns="" xmlns:a16="http://schemas.microsoft.com/office/drawing/2014/main" id="{275FE74A-218C-4A15-9492-6A63781312F0}"/>
                   </a:ext>
                 </a:extLst>
               </p:cNvPr>
@@ -4890,7 +4897,7 @@
               <p:cNvPr id="33" name="テキスト ボックス 32">
                 <a:extLst>
                   <a:ext uri="{FF2B5EF4-FFF2-40B4-BE49-F238E27FC236}">
-                    <a16:creationId xmlns:a16="http://schemas.microsoft.com/office/drawing/2014/main" xmlns="" id="{7FEA8835-C677-4EFC-9624-2596C7E0A572}"/>
+                    <a16:creationId xmlns="" xmlns:a16="http://schemas.microsoft.com/office/drawing/2014/main" id="{7FEA8835-C677-4EFC-9624-2596C7E0A572}"/>
                   </a:ext>
                 </a:extLst>
               </p:cNvPr>
@@ -4934,7 +4941,7 @@
             <p:cNvPr id="11" name="図 10">
               <a:extLst>
                 <a:ext uri="{FF2B5EF4-FFF2-40B4-BE49-F238E27FC236}">
-                  <a16:creationId xmlns:a16="http://schemas.microsoft.com/office/drawing/2014/main" xmlns="" id="{49264E83-2EAE-4079-9AD2-AC2D699F0D1F}"/>
+                  <a16:creationId xmlns="" xmlns:a16="http://schemas.microsoft.com/office/drawing/2014/main" id="{49264E83-2EAE-4079-9AD2-AC2D699F0D1F}"/>
                 </a:ext>
               </a:extLst>
             </p:cNvPr>
@@ -4970,7 +4977,7 @@
             <p:cNvPr id="41" name="テキスト ボックス 40">
               <a:extLst>
                 <a:ext uri="{FF2B5EF4-FFF2-40B4-BE49-F238E27FC236}">
-                  <a16:creationId xmlns:a16="http://schemas.microsoft.com/office/drawing/2014/main" xmlns="" id="{68F9DCC6-82FB-4A75-8F93-BCDF64FFBEFA}"/>
+                  <a16:creationId xmlns="" xmlns:a16="http://schemas.microsoft.com/office/drawing/2014/main" id="{68F9DCC6-82FB-4A75-8F93-BCDF64FFBEFA}"/>
                 </a:ext>
               </a:extLst>
             </p:cNvPr>
@@ -5021,7 +5028,7 @@
             <p:cNvPr id="42" name="テキスト ボックス 41">
               <a:extLst>
                 <a:ext uri="{FF2B5EF4-FFF2-40B4-BE49-F238E27FC236}">
-                  <a16:creationId xmlns:a16="http://schemas.microsoft.com/office/drawing/2014/main" xmlns="" id="{5855B3EB-4794-4741-B048-C249D299391F}"/>
+                  <a16:creationId xmlns="" xmlns:a16="http://schemas.microsoft.com/office/drawing/2014/main" id="{5855B3EB-4794-4741-B048-C249D299391F}"/>
                 </a:ext>
               </a:extLst>
             </p:cNvPr>
@@ -5072,7 +5079,7 @@
             <p:cNvPr id="43" name="テキスト ボックス 42">
               <a:extLst>
                 <a:ext uri="{FF2B5EF4-FFF2-40B4-BE49-F238E27FC236}">
-                  <a16:creationId xmlns:a16="http://schemas.microsoft.com/office/drawing/2014/main" xmlns="" id="{1789448E-9185-4B19-84FC-F56FFD1737E2}"/>
+                  <a16:creationId xmlns="" xmlns:a16="http://schemas.microsoft.com/office/drawing/2014/main" id="{1789448E-9185-4B19-84FC-F56FFD1737E2}"/>
                 </a:ext>
               </a:extLst>
             </p:cNvPr>
@@ -5123,7 +5130,7 @@
             <p:cNvPr id="44" name="テキスト ボックス 43">
               <a:extLst>
                 <a:ext uri="{FF2B5EF4-FFF2-40B4-BE49-F238E27FC236}">
-                  <a16:creationId xmlns:a16="http://schemas.microsoft.com/office/drawing/2014/main" xmlns="" id="{3618E5BF-EA6E-4335-8AE7-B40D785FD078}"/>
+                  <a16:creationId xmlns="" xmlns:a16="http://schemas.microsoft.com/office/drawing/2014/main" id="{3618E5BF-EA6E-4335-8AE7-B40D785FD078}"/>
                 </a:ext>
               </a:extLst>
             </p:cNvPr>
@@ -5174,7 +5181,7 @@
             <p:cNvPr id="45" name="テキスト ボックス 44">
               <a:extLst>
                 <a:ext uri="{FF2B5EF4-FFF2-40B4-BE49-F238E27FC236}">
-                  <a16:creationId xmlns:a16="http://schemas.microsoft.com/office/drawing/2014/main" xmlns="" id="{861DFEC4-87A7-46BD-A2AA-F24D1B417E3F}"/>
+                  <a16:creationId xmlns="" xmlns:a16="http://schemas.microsoft.com/office/drawing/2014/main" id="{861DFEC4-87A7-46BD-A2AA-F24D1B417E3F}"/>
                 </a:ext>
               </a:extLst>
             </p:cNvPr>
@@ -5224,7 +5231,7 @@
             <p:cNvPr id="46" name="テキスト ボックス 45">
               <a:extLst>
                 <a:ext uri="{FF2B5EF4-FFF2-40B4-BE49-F238E27FC236}">
-                  <a16:creationId xmlns:a16="http://schemas.microsoft.com/office/drawing/2014/main" xmlns="" id="{B4B7A388-F763-4A3C-B6C2-124C99BC6F42}"/>
+                  <a16:creationId xmlns="" xmlns:a16="http://schemas.microsoft.com/office/drawing/2014/main" id="{B4B7A388-F763-4A3C-B6C2-124C99BC6F42}"/>
                 </a:ext>
               </a:extLst>
             </p:cNvPr>
@@ -5268,6 +5275,13 @@
   <p:clrMapOvr>
     <a:masterClrMapping/>
   </p:clrMapOvr>
+  <p:timing>
+    <p:tnLst>
+      <p:par>
+        <p:cTn id="1" dur="indefinite" restart="never" nodeType="tmRoot"/>
+      </p:par>
+    </p:tnLst>
+  </p:timing>
 </p:sld>
 </file>
 
@@ -5290,33 +5304,21 @@
       </p:grpSpPr>
       <p:pic>
         <p:nvPicPr>
-          <p:cNvPr id="5" name="図 4" descr="電子機器 が含まれている画像&#10;&#10;自動的に生成された説明">
-            <a:extLst>
-              <a:ext uri="{FF2B5EF4-FFF2-40B4-BE49-F238E27FC236}">
-                <a16:creationId xmlns:a16="http://schemas.microsoft.com/office/drawing/2014/main" xmlns="" id="{6CB9A598-CED9-45A4-8DA9-B27BCA36CBEC}"/>
-              </a:ext>
-            </a:extLst>
-          </p:cNvPr>
+          <p:cNvPr id="21" name="図 20"/>
           <p:cNvPicPr>
             <a:picLocks noChangeAspect="1"/>
           </p:cNvPicPr>
           <p:nvPr/>
         </p:nvPicPr>
         <p:blipFill rotWithShape="1">
-          <a:blip r:embed="rId2">
-            <a:extLst>
-              <a:ext uri="{28A0092B-C50C-407E-A947-70E740481C1C}">
-                <a14:useLocalDpi xmlns:a14="http://schemas.microsoft.com/office/drawing/2010/main" val="0"/>
-              </a:ext>
-            </a:extLst>
-          </a:blip>
-          <a:srcRect t="4361"/>
+          <a:blip r:embed="rId2"/>
+          <a:srcRect t="4502"/>
           <a:stretch/>
         </p:blipFill>
         <p:spPr>
           <a:xfrm>
-            <a:off x="1743466" y="1015322"/>
-            <a:ext cx="8705067" cy="4827355"/>
+            <a:off x="1706833" y="999598"/>
+            <a:ext cx="8741699" cy="5015023"/>
           </a:xfrm>
           <a:prstGeom prst="rect">
             <a:avLst/>
@@ -5328,7 +5330,7 @@
           <p:cNvPr id="17" name="楕円 16">
             <a:extLst>
               <a:ext uri="{FF2B5EF4-FFF2-40B4-BE49-F238E27FC236}">
-                <a16:creationId xmlns:a16="http://schemas.microsoft.com/office/drawing/2014/main" xmlns="" id="{787DCF27-FE5D-4F5F-93D9-6E5E3F66733B}"/>
+                <a16:creationId xmlns="" xmlns:a16="http://schemas.microsoft.com/office/drawing/2014/main" id="{787DCF27-FE5D-4F5F-93D9-6E5E3F66733B}"/>
               </a:ext>
             </a:extLst>
           </p:cNvPr>
@@ -5337,7 +5339,7 @@
         </p:nvSpPr>
         <p:spPr>
           <a:xfrm>
-            <a:off x="7679184" y="2612710"/>
+            <a:off x="7692968" y="2539833"/>
             <a:ext cx="1857115" cy="1892116"/>
           </a:xfrm>
           <a:prstGeom prst="ellipse">
@@ -5380,7 +5382,7 @@
           <p:cNvPr id="15" name="正方形/長方形 14">
             <a:extLst>
               <a:ext uri="{FF2B5EF4-FFF2-40B4-BE49-F238E27FC236}">
-                <a16:creationId xmlns:a16="http://schemas.microsoft.com/office/drawing/2014/main" xmlns="" id="{3833953A-B36A-4C17-AEC3-8ED45F7CC897}"/>
+                <a16:creationId xmlns="" xmlns:a16="http://schemas.microsoft.com/office/drawing/2014/main" id="{3833953A-B36A-4C17-AEC3-8ED45F7CC897}"/>
               </a:ext>
             </a:extLst>
           </p:cNvPr>
@@ -5432,7 +5434,7 @@
           <p:cNvPr id="16" name="正方形/長方形 15">
             <a:extLst>
               <a:ext uri="{FF2B5EF4-FFF2-40B4-BE49-F238E27FC236}">
-                <a16:creationId xmlns:a16="http://schemas.microsoft.com/office/drawing/2014/main" xmlns="" id="{0A0216B0-C84D-4309-9EC4-75086643960C}"/>
+                <a16:creationId xmlns="" xmlns:a16="http://schemas.microsoft.com/office/drawing/2014/main" id="{0A0216B0-C84D-4309-9EC4-75086643960C}"/>
               </a:ext>
             </a:extLst>
           </p:cNvPr>
@@ -5484,7 +5486,7 @@
           <p:cNvPr id="14" name="正方形/長方形 13">
             <a:extLst>
               <a:ext uri="{FF2B5EF4-FFF2-40B4-BE49-F238E27FC236}">
-                <a16:creationId xmlns:a16="http://schemas.microsoft.com/office/drawing/2014/main" xmlns="" id="{EAC81C78-DEAA-491D-B85A-42AB767010AE}"/>
+                <a16:creationId xmlns="" xmlns:a16="http://schemas.microsoft.com/office/drawing/2014/main" id="{EAC81C78-DEAA-491D-B85A-42AB767010AE}"/>
               </a:ext>
             </a:extLst>
           </p:cNvPr>
@@ -5494,7 +5496,7 @@
         <p:spPr>
           <a:xfrm>
             <a:off x="2748634" y="4877109"/>
-            <a:ext cx="6954659" cy="965568"/>
+            <a:ext cx="6954659" cy="1026914"/>
           </a:xfrm>
           <a:prstGeom prst="rect">
             <a:avLst/>
@@ -5536,7 +5538,7 @@
           <p:cNvPr id="6" name="テキスト ボックス 5">
             <a:extLst>
               <a:ext uri="{FF2B5EF4-FFF2-40B4-BE49-F238E27FC236}">
-                <a16:creationId xmlns:a16="http://schemas.microsoft.com/office/drawing/2014/main" xmlns="" id="{B35D99F0-6DC1-4BC2-88F1-81631344B7F9}"/>
+                <a16:creationId xmlns="" xmlns:a16="http://schemas.microsoft.com/office/drawing/2014/main" id="{B35D99F0-6DC1-4BC2-88F1-81631344B7F9}"/>
               </a:ext>
             </a:extLst>
           </p:cNvPr>
@@ -5581,7 +5583,7 @@
           <p:cNvPr id="7" name="吹き出し: 四角形 6">
             <a:extLst>
               <a:ext uri="{FF2B5EF4-FFF2-40B4-BE49-F238E27FC236}">
-                <a16:creationId xmlns:a16="http://schemas.microsoft.com/office/drawing/2014/main" xmlns="" id="{BA75D2B1-3296-4A6C-97CF-CD76A284141D}"/>
+                <a16:creationId xmlns="" xmlns:a16="http://schemas.microsoft.com/office/drawing/2014/main" id="{BA75D2B1-3296-4A6C-97CF-CD76A284141D}"/>
               </a:ext>
             </a:extLst>
           </p:cNvPr>
@@ -5636,7 +5638,7 @@
           <p:cNvPr id="8" name="吹き出し: 四角形 7">
             <a:extLst>
               <a:ext uri="{FF2B5EF4-FFF2-40B4-BE49-F238E27FC236}">
-                <a16:creationId xmlns:a16="http://schemas.microsoft.com/office/drawing/2014/main" xmlns="" id="{88AD402C-D557-4604-82F7-689D61968750}"/>
+                <a16:creationId xmlns="" xmlns:a16="http://schemas.microsoft.com/office/drawing/2014/main" id="{88AD402C-D557-4604-82F7-689D61968750}"/>
               </a:ext>
             </a:extLst>
           </p:cNvPr>
@@ -5698,7 +5700,7 @@
           <p:cNvPr id="9" name="吹き出し: 四角形 8">
             <a:extLst>
               <a:ext uri="{FF2B5EF4-FFF2-40B4-BE49-F238E27FC236}">
-                <a16:creationId xmlns:a16="http://schemas.microsoft.com/office/drawing/2014/main" xmlns="" id="{BF8E2C7C-205C-42CA-B382-A5D5630D39B2}"/>
+                <a16:creationId xmlns="" xmlns:a16="http://schemas.microsoft.com/office/drawing/2014/main" id="{BF8E2C7C-205C-42CA-B382-A5D5630D39B2}"/>
               </a:ext>
             </a:extLst>
           </p:cNvPr>
@@ -5757,7 +5759,7 @@
           <p:cNvPr id="10" name="吹き出し: 四角形 9">
             <a:extLst>
               <a:ext uri="{FF2B5EF4-FFF2-40B4-BE49-F238E27FC236}">
-                <a16:creationId xmlns:a16="http://schemas.microsoft.com/office/drawing/2014/main" xmlns="" id="{1E8E5AAD-2EFF-40AE-87B5-A62E3863DB06}"/>
+                <a16:creationId xmlns="" xmlns:a16="http://schemas.microsoft.com/office/drawing/2014/main" id="{1E8E5AAD-2EFF-40AE-87B5-A62E3863DB06}"/>
               </a:ext>
             </a:extLst>
           </p:cNvPr>
@@ -5771,8 +5773,8 @@
           </a:xfrm>
           <a:prstGeom prst="wedgeRectCallout">
             <a:avLst>
-              <a:gd name="adj1" fmla="val 17629"/>
-              <a:gd name="adj2" fmla="val -65921"/>
+              <a:gd name="adj1" fmla="val 26456"/>
+              <a:gd name="adj2" fmla="val -58881"/>
             </a:avLst>
           </a:prstGeom>
         </p:spPr>
@@ -5826,7 +5828,7 @@
           <p:cNvPr id="11" name="吹き出し: 四角形 10">
             <a:extLst>
               <a:ext uri="{FF2B5EF4-FFF2-40B4-BE49-F238E27FC236}">
-                <a16:creationId xmlns:a16="http://schemas.microsoft.com/office/drawing/2014/main" xmlns="" id="{0876C132-70D4-4EE9-A059-2EE9BBCFA5AC}"/>
+                <a16:creationId xmlns="" xmlns:a16="http://schemas.microsoft.com/office/drawing/2014/main" id="{0876C132-70D4-4EE9-A059-2EE9BBCFA5AC}"/>
               </a:ext>
             </a:extLst>
           </p:cNvPr>
@@ -5881,7 +5883,7 @@
           <p:cNvPr id="12" name="吹き出し: 四角形 11">
             <a:extLst>
               <a:ext uri="{FF2B5EF4-FFF2-40B4-BE49-F238E27FC236}">
-                <a16:creationId xmlns:a16="http://schemas.microsoft.com/office/drawing/2014/main" xmlns="" id="{30266963-E240-4012-99DE-6906E5DDC8E7}"/>
+                <a16:creationId xmlns="" xmlns:a16="http://schemas.microsoft.com/office/drawing/2014/main" id="{30266963-E240-4012-99DE-6906E5DDC8E7}"/>
               </a:ext>
             </a:extLst>
           </p:cNvPr>
@@ -5895,8 +5897,8 @@
           </a:xfrm>
           <a:prstGeom prst="wedgeRectCallout">
             <a:avLst>
-              <a:gd name="adj1" fmla="val -66522"/>
-              <a:gd name="adj2" fmla="val -22348"/>
+              <a:gd name="adj1" fmla="val -70917"/>
+              <a:gd name="adj2" fmla="val -51522"/>
             </a:avLst>
           </a:prstGeom>
         </p:spPr>
@@ -5975,7 +5977,7 @@
           <p:cNvPr id="13" name="正方形/長方形 12">
             <a:extLst>
               <a:ext uri="{FF2B5EF4-FFF2-40B4-BE49-F238E27FC236}">
-                <a16:creationId xmlns:a16="http://schemas.microsoft.com/office/drawing/2014/main" xmlns="" id="{C5B52C5E-840D-45E5-8E3C-3E2AD99D4E85}"/>
+                <a16:creationId xmlns="" xmlns:a16="http://schemas.microsoft.com/office/drawing/2014/main" id="{C5B52C5E-840D-45E5-8E3C-3E2AD99D4E85}"/>
               </a:ext>
             </a:extLst>
           </p:cNvPr>
@@ -5984,7 +5986,7 @@
         </p:nvSpPr>
         <p:spPr>
           <a:xfrm>
-            <a:off x="4492101" y="2396971"/>
+            <a:off x="4476028" y="2324161"/>
             <a:ext cx="3187083" cy="2308194"/>
           </a:xfrm>
           <a:prstGeom prst="rect">
@@ -6027,7 +6029,7 @@
           <p:cNvPr id="18" name="正方形/長方形 17">
             <a:extLst>
               <a:ext uri="{FF2B5EF4-FFF2-40B4-BE49-F238E27FC236}">
-                <a16:creationId xmlns:a16="http://schemas.microsoft.com/office/drawing/2014/main" xmlns="" id="{85B86C3D-1D0B-4CA9-A09E-F9104FAC8E9A}"/>
+                <a16:creationId xmlns="" xmlns:a16="http://schemas.microsoft.com/office/drawing/2014/main" id="{85B86C3D-1D0B-4CA9-A09E-F9104FAC8E9A}"/>
               </a:ext>
             </a:extLst>
           </p:cNvPr>
@@ -6036,7 +6038,7 @@
         </p:nvSpPr>
         <p:spPr>
           <a:xfrm>
-            <a:off x="3025012" y="4285702"/>
+            <a:off x="2990244" y="4190853"/>
             <a:ext cx="1109709" cy="270177"/>
           </a:xfrm>
           <a:prstGeom prst="rect">
@@ -6079,7 +6081,7 @@
           <p:cNvPr id="19" name="吹き出し: 四角形 18">
             <a:extLst>
               <a:ext uri="{FF2B5EF4-FFF2-40B4-BE49-F238E27FC236}">
-                <a16:creationId xmlns:a16="http://schemas.microsoft.com/office/drawing/2014/main" xmlns="" id="{D2673875-651C-40E4-8256-1F77677989CB}"/>
+                <a16:creationId xmlns="" xmlns:a16="http://schemas.microsoft.com/office/drawing/2014/main" id="{D2673875-651C-40E4-8256-1F77677989CB}"/>
               </a:ext>
             </a:extLst>
           </p:cNvPr>
@@ -6093,8 +6095,8 @@
           </a:xfrm>
           <a:prstGeom prst="wedgeRectCallout">
             <a:avLst>
-              <a:gd name="adj1" fmla="val 69507"/>
-              <a:gd name="adj2" fmla="val -62167"/>
+              <a:gd name="adj1" fmla="val 73923"/>
+              <a:gd name="adj2" fmla="val -72811"/>
             </a:avLst>
           </a:prstGeom>
         </p:spPr>
@@ -6140,6 +6142,65 @@
           </a:p>
         </p:txBody>
       </p:sp>
+      <p:sp>
+        <p:nvSpPr>
+          <p:cNvPr id="20" name="吹き出し: 四角形 8">
+            <a:extLst>
+              <a:ext uri="{FF2B5EF4-FFF2-40B4-BE49-F238E27FC236}">
+                <a16:creationId xmlns="" xmlns:a16="http://schemas.microsoft.com/office/drawing/2014/main" id="{BF8E2C7C-205C-42CA-B382-A5D5630D39B2}"/>
+              </a:ext>
+            </a:extLst>
+          </p:cNvPr>
+          <p:cNvSpPr/>
+          <p:nvPr/>
+        </p:nvSpPr>
+        <p:spPr>
+          <a:xfrm>
+            <a:off x="9809018" y="418184"/>
+            <a:ext cx="2161309" cy="470816"/>
+          </a:xfrm>
+          <a:prstGeom prst="wedgeRectCallout">
+            <a:avLst>
+              <a:gd name="adj1" fmla="val -34649"/>
+              <a:gd name="adj2" fmla="val 100356"/>
+            </a:avLst>
+          </a:prstGeom>
+        </p:spPr>
+        <p:style>
+          <a:lnRef idx="2">
+            <a:schemeClr val="accent1">
+              <a:shade val="50000"/>
+            </a:schemeClr>
+          </a:lnRef>
+          <a:fillRef idx="1">
+            <a:schemeClr val="accent1"/>
+          </a:fillRef>
+          <a:effectRef idx="0">
+            <a:schemeClr val="accent1"/>
+          </a:effectRef>
+          <a:fontRef idx="minor">
+            <a:schemeClr val="lt1"/>
+          </a:fontRef>
+        </p:style>
+        <p:txBody>
+          <a:bodyPr rtlCol="0" anchor="ctr"/>
+          <a:lstStyle/>
+          <a:p>
+            <a:pPr algn="ctr"/>
+            <a:r>
+              <a:rPr lang="ja-JP" altLang="en-US" dirty="0" smtClean="0">
+                <a:latin typeface="チェックポイント．（ピリオド）" panose="02000600000000000000" pitchFamily="50" charset="-128"/>
+                <a:ea typeface="チェックポイント．（ピリオド）" panose="02000600000000000000" pitchFamily="50" charset="-128"/>
+              </a:rPr>
+              <a:t>スペシャルボタン</a:t>
+            </a:r>
+            <a:endParaRPr kumimoji="1" lang="ja-JP" altLang="en-US" dirty="0">
+              <a:latin typeface="チェックポイント．（ピリオド）" panose="02000600000000000000" pitchFamily="50" charset="-128"/>
+              <a:ea typeface="チェックポイント．（ピリオド）" panose="02000600000000000000" pitchFamily="50" charset="-128"/>
+            </a:endParaRPr>
+          </a:p>
+        </p:txBody>
+      </p:sp>
     </p:spTree>
     <p:extLst>
       <p:ext uri="{BB962C8B-B14F-4D97-AF65-F5344CB8AC3E}">
@@ -6150,6 +6211,13 @@
   <p:clrMapOvr>
     <a:masterClrMapping/>
   </p:clrMapOvr>
+  <p:timing>
+    <p:tnLst>
+      <p:par>
+        <p:cTn id="1" dur="indefinite" restart="never" nodeType="tmRoot"/>
+      </p:par>
+    </p:tnLst>
+  </p:timing>
 </p:sld>
 </file>
 
@@ -6175,7 +6243,7 @@
           <p:cNvPr id="6" name="テキスト ボックス 5">
             <a:extLst>
               <a:ext uri="{FF2B5EF4-FFF2-40B4-BE49-F238E27FC236}">
-                <a16:creationId xmlns:a16="http://schemas.microsoft.com/office/drawing/2014/main" xmlns="" id="{83D9254C-066B-4A30-984B-189E5281BB91}"/>
+                <a16:creationId xmlns="" xmlns:a16="http://schemas.microsoft.com/office/drawing/2014/main" id="{83D9254C-066B-4A30-984B-189E5281BB91}"/>
               </a:ext>
             </a:extLst>
           </p:cNvPr>
@@ -6220,7 +6288,7 @@
           <p:cNvPr id="7" name="テキスト ボックス 6">
             <a:extLst>
               <a:ext uri="{FF2B5EF4-FFF2-40B4-BE49-F238E27FC236}">
-                <a16:creationId xmlns:a16="http://schemas.microsoft.com/office/drawing/2014/main" xmlns="" id="{A3B678AB-5F6D-47A2-AC3D-C9904D8B3FE5}"/>
+                <a16:creationId xmlns="" xmlns:a16="http://schemas.microsoft.com/office/drawing/2014/main" id="{A3B678AB-5F6D-47A2-AC3D-C9904D8B3FE5}"/>
               </a:ext>
             </a:extLst>
           </p:cNvPr>
@@ -6262,7 +6330,7 @@
           <p:cNvPr id="8" name="テキスト ボックス 7">
             <a:extLst>
               <a:ext uri="{FF2B5EF4-FFF2-40B4-BE49-F238E27FC236}">
-                <a16:creationId xmlns:a16="http://schemas.microsoft.com/office/drawing/2014/main" xmlns="" id="{81F92070-255F-4692-ABB1-F5486542D8FF}"/>
+                <a16:creationId xmlns="" xmlns:a16="http://schemas.microsoft.com/office/drawing/2014/main" id="{81F92070-255F-4692-ABB1-F5486542D8FF}"/>
               </a:ext>
             </a:extLst>
           </p:cNvPr>
@@ -6402,7 +6470,7 @@
           <p:cNvPr id="10" name="テキスト ボックス 9">
             <a:extLst>
               <a:ext uri="{FF2B5EF4-FFF2-40B4-BE49-F238E27FC236}">
-                <a16:creationId xmlns:a16="http://schemas.microsoft.com/office/drawing/2014/main" xmlns="" id="{946FF0DF-B758-41C2-85D3-67DA048E99B2}"/>
+                <a16:creationId xmlns="" xmlns:a16="http://schemas.microsoft.com/office/drawing/2014/main" id="{946FF0DF-B758-41C2-85D3-67DA048E99B2}"/>
               </a:ext>
             </a:extLst>
           </p:cNvPr>
@@ -6466,6 +6534,13 @@
   <p:clrMapOvr>
     <a:masterClrMapping/>
   </p:clrMapOvr>
+  <p:timing>
+    <p:tnLst>
+      <p:par>
+        <p:cTn id="1" dur="indefinite" restart="never" nodeType="tmRoot"/>
+      </p:par>
+    </p:tnLst>
+  </p:timing>
 </p:sld>
 </file>
 
@@ -6499,7 +6574,7 @@
           <p:cNvPr id="3" name="図 2" descr="物体 が含まれている画像&#10;&#10;自動的に生成された説明">
             <a:extLst>
               <a:ext uri="{FF2B5EF4-FFF2-40B4-BE49-F238E27FC236}">
-                <a16:creationId xmlns:a16="http://schemas.microsoft.com/office/drawing/2014/main" xmlns="" id="{69BA893B-4907-48D5-8940-A23E267BFE4C}"/>
+                <a16:creationId xmlns="" xmlns:a16="http://schemas.microsoft.com/office/drawing/2014/main" id="{69BA893B-4907-48D5-8940-A23E267BFE4C}"/>
               </a:ext>
             </a:extLst>
           </p:cNvPr>
@@ -6997,7 +7072,7 @@
           <p:cNvPr id="13" name="正方形/長方形 12">
             <a:extLst>
               <a:ext uri="{FF2B5EF4-FFF2-40B4-BE49-F238E27FC236}">
-                <a16:creationId xmlns:a16="http://schemas.microsoft.com/office/drawing/2014/main" xmlns="" id="{A37BEE43-2066-46D6-8830-D8556B22304D}"/>
+                <a16:creationId xmlns="" xmlns:a16="http://schemas.microsoft.com/office/drawing/2014/main" id="{A37BEE43-2066-46D6-8830-D8556B22304D}"/>
               </a:ext>
             </a:extLst>
           </p:cNvPr>
@@ -7049,7 +7124,7 @@
           <p:cNvPr id="14" name="正方形/長方形 13">
             <a:extLst>
               <a:ext uri="{FF2B5EF4-FFF2-40B4-BE49-F238E27FC236}">
-                <a16:creationId xmlns:a16="http://schemas.microsoft.com/office/drawing/2014/main" xmlns="" id="{BA56A8B8-81E8-409C-8A37-384626294E40}"/>
+                <a16:creationId xmlns="" xmlns:a16="http://schemas.microsoft.com/office/drawing/2014/main" id="{BA56A8B8-81E8-409C-8A37-384626294E40}"/>
               </a:ext>
             </a:extLst>
           </p:cNvPr>
@@ -7101,7 +7176,7 @@
           <p:cNvPr id="15" name="正方形/長方形 14">
             <a:extLst>
               <a:ext uri="{FF2B5EF4-FFF2-40B4-BE49-F238E27FC236}">
-                <a16:creationId xmlns:a16="http://schemas.microsoft.com/office/drawing/2014/main" xmlns="" id="{AF0DEFD2-0EA7-416C-9349-A86003C1114B}"/>
+                <a16:creationId xmlns="" xmlns:a16="http://schemas.microsoft.com/office/drawing/2014/main" id="{AF0DEFD2-0EA7-416C-9349-A86003C1114B}"/>
               </a:ext>
             </a:extLst>
           </p:cNvPr>
@@ -7153,7 +7228,7 @@
           <p:cNvPr id="18" name="正方形/長方形 17">
             <a:extLst>
               <a:ext uri="{FF2B5EF4-FFF2-40B4-BE49-F238E27FC236}">
-                <a16:creationId xmlns:a16="http://schemas.microsoft.com/office/drawing/2014/main" xmlns="" id="{DFCE669F-B98A-49D5-9CD8-578BB88718CC}"/>
+                <a16:creationId xmlns="" xmlns:a16="http://schemas.microsoft.com/office/drawing/2014/main" id="{DFCE669F-B98A-49D5-9CD8-578BB88718CC}"/>
               </a:ext>
             </a:extLst>
           </p:cNvPr>
@@ -7210,6 +7285,13 @@
   <p:clrMapOvr>
     <a:masterClrMapping/>
   </p:clrMapOvr>
+  <p:timing>
+    <p:tnLst>
+      <p:par>
+        <p:cTn id="1" dur="indefinite" restart="never" nodeType="tmRoot"/>
+      </p:par>
+    </p:tnLst>
+  </p:timing>
 </p:sld>
 </file>
 
@@ -7232,33 +7314,21 @@
       </p:grpSpPr>
       <p:pic>
         <p:nvPicPr>
-          <p:cNvPr id="3" name="図 2" descr="テキスト, スコアボード, 屋外, 標識 が含まれている画像&#10;&#10;自動的に生成された説明">
-            <a:extLst>
-              <a:ext uri="{FF2B5EF4-FFF2-40B4-BE49-F238E27FC236}">
-                <a16:creationId xmlns:a16="http://schemas.microsoft.com/office/drawing/2014/main" xmlns="" id="{D1EC1C6B-8E37-484B-BC32-54F28F2C22FE}"/>
-              </a:ext>
-            </a:extLst>
-          </p:cNvPr>
+          <p:cNvPr id="2" name="図 1"/>
           <p:cNvPicPr>
             <a:picLocks noChangeAspect="1"/>
           </p:cNvPicPr>
           <p:nvPr/>
         </p:nvPicPr>
         <p:blipFill rotWithShape="1">
-          <a:blip r:embed="rId2">
-            <a:extLst>
-              <a:ext uri="{28A0092B-C50C-407E-A947-70E740481C1C}">
-                <a14:useLocalDpi xmlns:a14="http://schemas.microsoft.com/office/drawing/2010/main" val="0"/>
-              </a:ext>
-            </a:extLst>
-          </a:blip>
-          <a:srcRect l="3501" t="10193" r="2829"/>
+          <a:blip r:embed="rId2"/>
+          <a:srcRect l="3461" t="9697" r="3257" b="5108"/>
           <a:stretch/>
         </p:blipFill>
         <p:spPr>
           <a:xfrm>
-            <a:off x="67952" y="1155700"/>
-            <a:ext cx="7658880" cy="4743111"/>
+            <a:off x="55253" y="1162879"/>
+            <a:ext cx="7671579" cy="4730650"/>
           </a:xfrm>
           <a:prstGeom prst="rect">
             <a:avLst/>
@@ -7760,7 +7830,7 @@
           <p:cNvPr id="10" name="正方形/長方形 9">
             <a:extLst>
               <a:ext uri="{FF2B5EF4-FFF2-40B4-BE49-F238E27FC236}">
-                <a16:creationId xmlns:a16="http://schemas.microsoft.com/office/drawing/2014/main" xmlns="" id="{6FFE011D-710D-4A4F-9825-141048483DC9}"/>
+                <a16:creationId xmlns="" xmlns:a16="http://schemas.microsoft.com/office/drawing/2014/main" id="{6FFE011D-710D-4A4F-9825-141048483DC9}"/>
               </a:ext>
             </a:extLst>
           </p:cNvPr>
@@ -7812,7 +7882,7 @@
           <p:cNvPr id="11" name="正方形/長方形 10">
             <a:extLst>
               <a:ext uri="{FF2B5EF4-FFF2-40B4-BE49-F238E27FC236}">
-                <a16:creationId xmlns:a16="http://schemas.microsoft.com/office/drawing/2014/main" xmlns="" id="{E20945F6-E8A3-4843-8AA8-C3CA375AAF01}"/>
+                <a16:creationId xmlns="" xmlns:a16="http://schemas.microsoft.com/office/drawing/2014/main" id="{E20945F6-E8A3-4843-8AA8-C3CA375AAF01}"/>
               </a:ext>
             </a:extLst>
           </p:cNvPr>
@@ -7864,7 +7934,7 @@
           <p:cNvPr id="12" name="正方形/長方形 11">
             <a:extLst>
               <a:ext uri="{FF2B5EF4-FFF2-40B4-BE49-F238E27FC236}">
-                <a16:creationId xmlns:a16="http://schemas.microsoft.com/office/drawing/2014/main" xmlns="" id="{7A027602-FE49-443B-B979-695A16DF3603}"/>
+                <a16:creationId xmlns="" xmlns:a16="http://schemas.microsoft.com/office/drawing/2014/main" id="{7A027602-FE49-443B-B979-695A16DF3603}"/>
               </a:ext>
             </a:extLst>
           </p:cNvPr>
@@ -7916,7 +7986,7 @@
           <p:cNvPr id="13" name="正方形/長方形 12">
             <a:extLst>
               <a:ext uri="{FF2B5EF4-FFF2-40B4-BE49-F238E27FC236}">
-                <a16:creationId xmlns:a16="http://schemas.microsoft.com/office/drawing/2014/main" xmlns="" id="{6D5653B2-A431-4E41-A84C-D2D0A59D8FFF}"/>
+                <a16:creationId xmlns="" xmlns:a16="http://schemas.microsoft.com/office/drawing/2014/main" id="{6D5653B2-A431-4E41-A84C-D2D0A59D8FFF}"/>
               </a:ext>
             </a:extLst>
           </p:cNvPr>
@@ -7968,7 +8038,7 @@
           <p:cNvPr id="15" name="正方形/長方形 14">
             <a:extLst>
               <a:ext uri="{FF2B5EF4-FFF2-40B4-BE49-F238E27FC236}">
-                <a16:creationId xmlns:a16="http://schemas.microsoft.com/office/drawing/2014/main" xmlns="" id="{E0E6CB0D-AD4F-4358-8DF1-ECAD7B65F9F5}"/>
+                <a16:creationId xmlns="" xmlns:a16="http://schemas.microsoft.com/office/drawing/2014/main" id="{E0E6CB0D-AD4F-4358-8DF1-ECAD7B65F9F5}"/>
               </a:ext>
             </a:extLst>
           </p:cNvPr>
@@ -8020,7 +8090,7 @@
           <p:cNvPr id="16" name="四角形吹き出し 4">
             <a:extLst>
               <a:ext uri="{FF2B5EF4-FFF2-40B4-BE49-F238E27FC236}">
-                <a16:creationId xmlns:a16="http://schemas.microsoft.com/office/drawing/2014/main" xmlns="" id="{63DDAF72-AE4E-4AAC-AC6F-2CCD1ADC7265}"/>
+                <a16:creationId xmlns="" xmlns:a16="http://schemas.microsoft.com/office/drawing/2014/main" id="{63DDAF72-AE4E-4AAC-AC6F-2CCD1ADC7265}"/>
               </a:ext>
             </a:extLst>
           </p:cNvPr>
@@ -8091,6 +8161,13 @@
   <p:clrMapOvr>
     <a:masterClrMapping/>
   </p:clrMapOvr>
+  <p:timing>
+    <p:tnLst>
+      <p:par>
+        <p:cTn id="1" dur="indefinite" restart="never" nodeType="tmRoot"/>
+      </p:par>
+    </p:tnLst>
+  </p:timing>
 </p:sld>
 </file>
 
@@ -8113,33 +8190,21 @@
       </p:grpSpPr>
       <p:pic>
         <p:nvPicPr>
-          <p:cNvPr id="3" name="図 2" descr="テキスト, 標識, 通り, 屋外 が含まれている画像&#10;&#10;自動的に生成された説明">
-            <a:extLst>
-              <a:ext uri="{FF2B5EF4-FFF2-40B4-BE49-F238E27FC236}">
-                <a16:creationId xmlns:a16="http://schemas.microsoft.com/office/drawing/2014/main" xmlns="" id="{EB877469-AC96-48FE-9472-8035C84EFB97}"/>
-              </a:ext>
-            </a:extLst>
-          </p:cNvPr>
+          <p:cNvPr id="2" name="図 1"/>
           <p:cNvPicPr>
             <a:picLocks noChangeAspect="1"/>
           </p:cNvPicPr>
           <p:nvPr/>
         </p:nvPicPr>
         <p:blipFill rotWithShape="1">
-          <a:blip r:embed="rId2">
-            <a:extLst>
-              <a:ext uri="{28A0092B-C50C-407E-A947-70E740481C1C}">
-                <a14:useLocalDpi xmlns:a14="http://schemas.microsoft.com/office/drawing/2010/main" val="0"/>
-              </a:ext>
-            </a:extLst>
-          </a:blip>
-          <a:srcRect l="3391" t="9807" r="4509" b="1690"/>
+          <a:blip r:embed="rId2"/>
+          <a:srcRect l="3082" t="9177" r="3047" b="4762"/>
           <a:stretch/>
         </p:blipFill>
         <p:spPr>
           <a:xfrm>
             <a:off x="203201" y="1041399"/>
-            <a:ext cx="8039100" cy="4479207"/>
+            <a:ext cx="8061570" cy="4476648"/>
           </a:xfrm>
           <a:prstGeom prst="rect">
             <a:avLst/>
@@ -8494,7 +8559,7 @@
           <p:cNvPr id="8" name="正方形/長方形 7">
             <a:extLst>
               <a:ext uri="{FF2B5EF4-FFF2-40B4-BE49-F238E27FC236}">
-                <a16:creationId xmlns:a16="http://schemas.microsoft.com/office/drawing/2014/main" xmlns="" id="{F7BE2C32-C21E-4467-87D2-8052D2B5FDA7}"/>
+                <a16:creationId xmlns="" xmlns:a16="http://schemas.microsoft.com/office/drawing/2014/main" id="{F7BE2C32-C21E-4467-87D2-8052D2B5FDA7}"/>
               </a:ext>
             </a:extLst>
           </p:cNvPr>
@@ -8546,7 +8611,7 @@
           <p:cNvPr id="12" name="正方形/長方形 11">
             <a:extLst>
               <a:ext uri="{FF2B5EF4-FFF2-40B4-BE49-F238E27FC236}">
-                <a16:creationId xmlns:a16="http://schemas.microsoft.com/office/drawing/2014/main" xmlns="" id="{40ABF9C2-DF54-4877-A01A-A46FE482F6B4}"/>
+                <a16:creationId xmlns="" xmlns:a16="http://schemas.microsoft.com/office/drawing/2014/main" id="{40ABF9C2-DF54-4877-A01A-A46FE482F6B4}"/>
               </a:ext>
             </a:extLst>
           </p:cNvPr>
@@ -8598,7 +8663,7 @@
           <p:cNvPr id="14" name="正方形/長方形 13">
             <a:extLst>
               <a:ext uri="{FF2B5EF4-FFF2-40B4-BE49-F238E27FC236}">
-                <a16:creationId xmlns:a16="http://schemas.microsoft.com/office/drawing/2014/main" xmlns="" id="{04C836FE-EE43-45CD-B4BE-F7E0ABEE0088}"/>
+                <a16:creationId xmlns="" xmlns:a16="http://schemas.microsoft.com/office/drawing/2014/main" id="{04C836FE-EE43-45CD-B4BE-F7E0ABEE0088}"/>
               </a:ext>
             </a:extLst>
           </p:cNvPr>
@@ -8607,8 +8672,8 @@
         </p:nvSpPr>
         <p:spPr>
           <a:xfrm>
-            <a:off x="5362536" y="4940244"/>
-            <a:ext cx="2879766" cy="577803"/>
+            <a:off x="5272644" y="4845132"/>
+            <a:ext cx="2838203" cy="630285"/>
           </a:xfrm>
           <a:prstGeom prst="rect">
             <a:avLst/>
@@ -8650,7 +8715,7 @@
           <p:cNvPr id="16" name="吹き出し: 四角形 15">
             <a:extLst>
               <a:ext uri="{FF2B5EF4-FFF2-40B4-BE49-F238E27FC236}">
-                <a16:creationId xmlns:a16="http://schemas.microsoft.com/office/drawing/2014/main" xmlns="" id="{3ECE61CD-6BC4-463C-897C-903CC3F098F0}"/>
+                <a16:creationId xmlns="" xmlns:a16="http://schemas.microsoft.com/office/drawing/2014/main" id="{3ECE61CD-6BC4-463C-897C-903CC3F098F0}"/>
               </a:ext>
             </a:extLst>
           </p:cNvPr>
@@ -8664,8 +8729,8 @@
           </a:xfrm>
           <a:prstGeom prst="wedgeRectCallout">
             <a:avLst>
-              <a:gd name="adj1" fmla="val -52913"/>
-              <a:gd name="adj2" fmla="val -16424"/>
+              <a:gd name="adj1" fmla="val -56127"/>
+              <a:gd name="adj2" fmla="val -14118"/>
             </a:avLst>
           </a:prstGeom>
           <a:noFill/>
@@ -8719,6 +8784,13 @@
   <p:clrMapOvr>
     <a:masterClrMapping/>
   </p:clrMapOvr>
+  <p:timing>
+    <p:tnLst>
+      <p:par>
+        <p:cTn id="1" dur="indefinite" restart="never" nodeType="tmRoot"/>
+      </p:par>
+    </p:tnLst>
+  </p:timing>
 </p:sld>
 </file>
 
@@ -8744,7 +8816,7 @@
           <p:cNvPr id="5" name="図 4">
             <a:extLst>
               <a:ext uri="{FF2B5EF4-FFF2-40B4-BE49-F238E27FC236}">
-                <a16:creationId xmlns:a16="http://schemas.microsoft.com/office/drawing/2014/main" xmlns="" id="{165CE0B9-374D-46A3-97C1-E7AFAFB5DEDF}"/>
+                <a16:creationId xmlns="" xmlns:a16="http://schemas.microsoft.com/office/drawing/2014/main" id="{165CE0B9-374D-46A3-97C1-E7AFAFB5DEDF}"/>
               </a:ext>
             </a:extLst>
           </p:cNvPr>
@@ -8779,7 +8851,7 @@
           <p:cNvPr id="6" name="テキスト ボックス 5">
             <a:extLst>
               <a:ext uri="{FF2B5EF4-FFF2-40B4-BE49-F238E27FC236}">
-                <a16:creationId xmlns:a16="http://schemas.microsoft.com/office/drawing/2014/main" xmlns="" id="{EEBBDC81-60E0-49FD-9EFB-874F038CCD29}"/>
+                <a16:creationId xmlns="" xmlns:a16="http://schemas.microsoft.com/office/drawing/2014/main" id="{EEBBDC81-60E0-49FD-9EFB-874F038CCD29}"/>
               </a:ext>
             </a:extLst>
           </p:cNvPr>
@@ -8831,7 +8903,7 @@
           <p:cNvPr id="12" name="グループ化 11">
             <a:extLst>
               <a:ext uri="{FF2B5EF4-FFF2-40B4-BE49-F238E27FC236}">
-                <a16:creationId xmlns:a16="http://schemas.microsoft.com/office/drawing/2014/main" xmlns="" id="{797C4648-EAB3-4303-9BBE-4050E32CDCAC}"/>
+                <a16:creationId xmlns="" xmlns:a16="http://schemas.microsoft.com/office/drawing/2014/main" id="{797C4648-EAB3-4303-9BBE-4050E32CDCAC}"/>
               </a:ext>
             </a:extLst>
           </p:cNvPr>
@@ -8851,7 +8923,7 @@
             <p:cNvPr id="8" name="テキスト ボックス 7">
               <a:extLst>
                 <a:ext uri="{FF2B5EF4-FFF2-40B4-BE49-F238E27FC236}">
-                  <a16:creationId xmlns:a16="http://schemas.microsoft.com/office/drawing/2014/main" xmlns="" id="{732F859C-017C-4DF8-8D5C-BAFB7C322941}"/>
+                  <a16:creationId xmlns="" xmlns:a16="http://schemas.microsoft.com/office/drawing/2014/main" id="{732F859C-017C-4DF8-8D5C-BAFB7C322941}"/>
                 </a:ext>
               </a:extLst>
             </p:cNvPr>
@@ -8892,7 +8964,7 @@
             <p:cNvPr id="9" name="テキスト ボックス 8">
               <a:extLst>
                 <a:ext uri="{FF2B5EF4-FFF2-40B4-BE49-F238E27FC236}">
-                  <a16:creationId xmlns:a16="http://schemas.microsoft.com/office/drawing/2014/main" xmlns="" id="{8712CBD0-DD3F-4A86-9652-7FFA75AD120B}"/>
+                  <a16:creationId xmlns="" xmlns:a16="http://schemas.microsoft.com/office/drawing/2014/main" id="{8712CBD0-DD3F-4A86-9652-7FFA75AD120B}"/>
                 </a:ext>
               </a:extLst>
             </p:cNvPr>
@@ -8955,7 +9027,7 @@
           <p:cNvPr id="13" name="グループ化 12">
             <a:extLst>
               <a:ext uri="{FF2B5EF4-FFF2-40B4-BE49-F238E27FC236}">
-                <a16:creationId xmlns:a16="http://schemas.microsoft.com/office/drawing/2014/main" xmlns="" id="{DED0F105-29CA-4D82-BF68-6B4A196F19AA}"/>
+                <a16:creationId xmlns="" xmlns:a16="http://schemas.microsoft.com/office/drawing/2014/main" id="{DED0F105-29CA-4D82-BF68-6B4A196F19AA}"/>
               </a:ext>
             </a:extLst>
           </p:cNvPr>
@@ -8975,7 +9047,7 @@
             <p:cNvPr id="7" name="テキスト ボックス 6">
               <a:extLst>
                 <a:ext uri="{FF2B5EF4-FFF2-40B4-BE49-F238E27FC236}">
-                  <a16:creationId xmlns:a16="http://schemas.microsoft.com/office/drawing/2014/main" xmlns="" id="{54618E3D-3C8D-4D29-8362-5B6918855191}"/>
+                  <a16:creationId xmlns="" xmlns:a16="http://schemas.microsoft.com/office/drawing/2014/main" id="{54618E3D-3C8D-4D29-8362-5B6918855191}"/>
                 </a:ext>
               </a:extLst>
             </p:cNvPr>
@@ -9016,7 +9088,7 @@
             <p:cNvPr id="11" name="テキスト ボックス 10">
               <a:extLst>
                 <a:ext uri="{FF2B5EF4-FFF2-40B4-BE49-F238E27FC236}">
-                  <a16:creationId xmlns:a16="http://schemas.microsoft.com/office/drawing/2014/main" xmlns="" id="{6825228E-EBCE-401A-B0BC-7661792A6F00}"/>
+                  <a16:creationId xmlns="" xmlns:a16="http://schemas.microsoft.com/office/drawing/2014/main" id="{6825228E-EBCE-401A-B0BC-7661792A6F00}"/>
                 </a:ext>
               </a:extLst>
             </p:cNvPr>
@@ -9116,6 +9188,13 @@
   <p:clrMapOvr>
     <a:masterClrMapping/>
   </p:clrMapOvr>
+  <p:timing>
+    <p:tnLst>
+      <p:par>
+        <p:cTn id="1" dur="indefinite" restart="never" nodeType="tmRoot"/>
+      </p:par>
+    </p:tnLst>
+  </p:timing>
 </p:sld>
 </file>
 
@@ -9141,7 +9220,7 @@
           <p:cNvPr id="4" name="図 3">
             <a:extLst>
               <a:ext uri="{FF2B5EF4-FFF2-40B4-BE49-F238E27FC236}">
-                <a16:creationId xmlns:a16="http://schemas.microsoft.com/office/drawing/2014/main" xmlns="" id="{84E4BD2B-BD98-4D0D-BD92-46FAC62B133A}"/>
+                <a16:creationId xmlns="" xmlns:a16="http://schemas.microsoft.com/office/drawing/2014/main" id="{84E4BD2B-BD98-4D0D-BD92-46FAC62B133A}"/>
               </a:ext>
             </a:extLst>
           </p:cNvPr>
@@ -9176,7 +9255,7 @@
           <p:cNvPr id="5" name="テキスト ボックス 4">
             <a:extLst>
               <a:ext uri="{FF2B5EF4-FFF2-40B4-BE49-F238E27FC236}">
-                <a16:creationId xmlns:a16="http://schemas.microsoft.com/office/drawing/2014/main" xmlns="" id="{3EEDA683-E7C7-4A3A-9045-88BF1220584E}"/>
+                <a16:creationId xmlns="" xmlns:a16="http://schemas.microsoft.com/office/drawing/2014/main" id="{3EEDA683-E7C7-4A3A-9045-88BF1220584E}"/>
               </a:ext>
             </a:extLst>
           </p:cNvPr>
@@ -9228,7 +9307,7 @@
           <p:cNvPr id="6" name="テキスト ボックス 5">
             <a:extLst>
               <a:ext uri="{FF2B5EF4-FFF2-40B4-BE49-F238E27FC236}">
-                <a16:creationId xmlns:a16="http://schemas.microsoft.com/office/drawing/2014/main" xmlns="" id="{C9FCE914-94E5-4B3F-B2D2-96FDE0E6E9D8}"/>
+                <a16:creationId xmlns="" xmlns:a16="http://schemas.microsoft.com/office/drawing/2014/main" id="{C9FCE914-94E5-4B3F-B2D2-96FDE0E6E9D8}"/>
               </a:ext>
             </a:extLst>
           </p:cNvPr>
@@ -9269,7 +9348,7 @@
           <p:cNvPr id="7" name="テキスト ボックス 6">
             <a:extLst>
               <a:ext uri="{FF2B5EF4-FFF2-40B4-BE49-F238E27FC236}">
-                <a16:creationId xmlns:a16="http://schemas.microsoft.com/office/drawing/2014/main" xmlns="" id="{1A509F0D-124D-47C4-B5CD-4B9B8064082C}"/>
+                <a16:creationId xmlns="" xmlns:a16="http://schemas.microsoft.com/office/drawing/2014/main" id="{1A509F0D-124D-47C4-B5CD-4B9B8064082C}"/>
               </a:ext>
             </a:extLst>
           </p:cNvPr>
@@ -9320,7 +9399,7 @@
           <p:cNvPr id="8" name="テキスト ボックス 7">
             <a:extLst>
               <a:ext uri="{FF2B5EF4-FFF2-40B4-BE49-F238E27FC236}">
-                <a16:creationId xmlns:a16="http://schemas.microsoft.com/office/drawing/2014/main" xmlns="" id="{5F463387-8D23-460A-80ED-50E81FAAF3D9}"/>
+                <a16:creationId xmlns="" xmlns:a16="http://schemas.microsoft.com/office/drawing/2014/main" id="{5F463387-8D23-460A-80ED-50E81FAAF3D9}"/>
               </a:ext>
             </a:extLst>
           </p:cNvPr>
@@ -9381,7 +9460,7 @@
           <p:cNvPr id="9" name="テキスト ボックス 8">
             <a:extLst>
               <a:ext uri="{FF2B5EF4-FFF2-40B4-BE49-F238E27FC236}">
-                <a16:creationId xmlns:a16="http://schemas.microsoft.com/office/drawing/2014/main" xmlns="" id="{3E1D3977-A1EE-4011-94E0-9B60C81CA553}"/>
+                <a16:creationId xmlns="" xmlns:a16="http://schemas.microsoft.com/office/drawing/2014/main" id="{3E1D3977-A1EE-4011-94E0-9B60C81CA553}"/>
               </a:ext>
             </a:extLst>
           </p:cNvPr>
@@ -9457,7 +9536,7 @@
           <p:cNvPr id="41" name="グループ化 40">
             <a:extLst>
               <a:ext uri="{FF2B5EF4-FFF2-40B4-BE49-F238E27FC236}">
-                <a16:creationId xmlns:a16="http://schemas.microsoft.com/office/drawing/2014/main" xmlns="" id="{C42471E9-CEF7-4DD0-B2B9-A37027252951}"/>
+                <a16:creationId xmlns="" xmlns:a16="http://schemas.microsoft.com/office/drawing/2014/main" id="{C42471E9-CEF7-4DD0-B2B9-A37027252951}"/>
               </a:ext>
             </a:extLst>
           </p:cNvPr>
@@ -9477,7 +9556,7 @@
             <p:cNvPr id="22" name="グループ化 21">
               <a:extLst>
                 <a:ext uri="{FF2B5EF4-FFF2-40B4-BE49-F238E27FC236}">
-                  <a16:creationId xmlns:a16="http://schemas.microsoft.com/office/drawing/2014/main" xmlns="" id="{7D6E456E-2E26-4492-9279-169842641548}"/>
+                  <a16:creationId xmlns="" xmlns:a16="http://schemas.microsoft.com/office/drawing/2014/main" id="{7D6E456E-2E26-4492-9279-169842641548}"/>
                 </a:ext>
               </a:extLst>
             </p:cNvPr>
@@ -9497,7 +9576,7 @@
               <p:cNvPr id="11" name="図 10" descr="物体 が含まれている画像&#10;&#10;自動的に生成された説明">
                 <a:extLst>
                   <a:ext uri="{FF2B5EF4-FFF2-40B4-BE49-F238E27FC236}">
-                    <a16:creationId xmlns:a16="http://schemas.microsoft.com/office/drawing/2014/main" xmlns="" id="{9E2F2156-5A3C-4670-A7BB-42FF8EF7E4F0}"/>
+                    <a16:creationId xmlns="" xmlns:a16="http://schemas.microsoft.com/office/drawing/2014/main" id="{9E2F2156-5A3C-4670-A7BB-42FF8EF7E4F0}"/>
                   </a:ext>
                 </a:extLst>
               </p:cNvPr>
@@ -9533,7 +9612,7 @@
               <p:cNvPr id="18" name="テキスト ボックス 17">
                 <a:extLst>
                   <a:ext uri="{FF2B5EF4-FFF2-40B4-BE49-F238E27FC236}">
-                    <a16:creationId xmlns:a16="http://schemas.microsoft.com/office/drawing/2014/main" xmlns="" id="{85DB17C7-0CA8-4460-8B6A-1BBCF3C5CA75}"/>
+                    <a16:creationId xmlns="" xmlns:a16="http://schemas.microsoft.com/office/drawing/2014/main" id="{85DB17C7-0CA8-4460-8B6A-1BBCF3C5CA75}"/>
                   </a:ext>
                 </a:extLst>
               </p:cNvPr>
@@ -9572,7 +9651,7 @@
             <p:cNvPr id="23" name="グループ化 22">
               <a:extLst>
                 <a:ext uri="{FF2B5EF4-FFF2-40B4-BE49-F238E27FC236}">
-                  <a16:creationId xmlns:a16="http://schemas.microsoft.com/office/drawing/2014/main" xmlns="" id="{8FA97864-B0AC-4C37-AB57-3F511EE9B20A}"/>
+                  <a16:creationId xmlns="" xmlns:a16="http://schemas.microsoft.com/office/drawing/2014/main" id="{8FA97864-B0AC-4C37-AB57-3F511EE9B20A}"/>
                 </a:ext>
               </a:extLst>
             </p:cNvPr>
@@ -9592,7 +9671,7 @@
               <p:cNvPr id="13" name="図 12" descr="物体 が含まれている画像&#10;&#10;自動的に生成された説明">
                 <a:extLst>
                   <a:ext uri="{FF2B5EF4-FFF2-40B4-BE49-F238E27FC236}">
-                    <a16:creationId xmlns:a16="http://schemas.microsoft.com/office/drawing/2014/main" xmlns="" id="{539F0BC8-41E3-4ADD-9459-BE0E2D7ABA27}"/>
+                    <a16:creationId xmlns="" xmlns:a16="http://schemas.microsoft.com/office/drawing/2014/main" id="{539F0BC8-41E3-4ADD-9459-BE0E2D7ABA27}"/>
                   </a:ext>
                 </a:extLst>
               </p:cNvPr>
@@ -9628,7 +9707,7 @@
               <p:cNvPr id="19" name="テキスト ボックス 18">
                 <a:extLst>
                   <a:ext uri="{FF2B5EF4-FFF2-40B4-BE49-F238E27FC236}">
-                    <a16:creationId xmlns:a16="http://schemas.microsoft.com/office/drawing/2014/main" xmlns="" id="{9D08D78F-597A-41C6-9E61-E721135C20D1}"/>
+                    <a16:creationId xmlns="" xmlns:a16="http://schemas.microsoft.com/office/drawing/2014/main" id="{9D08D78F-597A-41C6-9E61-E721135C20D1}"/>
                   </a:ext>
                 </a:extLst>
               </p:cNvPr>
@@ -9667,7 +9746,7 @@
             <p:cNvPr id="25" name="グループ化 24">
               <a:extLst>
                 <a:ext uri="{FF2B5EF4-FFF2-40B4-BE49-F238E27FC236}">
-                  <a16:creationId xmlns:a16="http://schemas.microsoft.com/office/drawing/2014/main" xmlns="" id="{8F6624A7-F895-493A-8055-873B48C8C19C}"/>
+                  <a16:creationId xmlns="" xmlns:a16="http://schemas.microsoft.com/office/drawing/2014/main" id="{8F6624A7-F895-493A-8055-873B48C8C19C}"/>
                 </a:ext>
               </a:extLst>
             </p:cNvPr>
@@ -9687,7 +9766,7 @@
               <p:cNvPr id="15" name="図 14" descr="物体, 腕時計 が含まれている画像&#10;&#10;自動的に生成された説明">
                 <a:extLst>
                   <a:ext uri="{FF2B5EF4-FFF2-40B4-BE49-F238E27FC236}">
-                    <a16:creationId xmlns:a16="http://schemas.microsoft.com/office/drawing/2014/main" xmlns="" id="{53299244-26D0-4173-ACC6-BD241C768849}"/>
+                    <a16:creationId xmlns="" xmlns:a16="http://schemas.microsoft.com/office/drawing/2014/main" id="{53299244-26D0-4173-ACC6-BD241C768849}"/>
                   </a:ext>
                 </a:extLst>
               </p:cNvPr>
@@ -9723,7 +9802,7 @@
               <p:cNvPr id="20" name="テキスト ボックス 19">
                 <a:extLst>
                   <a:ext uri="{FF2B5EF4-FFF2-40B4-BE49-F238E27FC236}">
-                    <a16:creationId xmlns:a16="http://schemas.microsoft.com/office/drawing/2014/main" xmlns="" id="{BF9D5B9B-9876-443A-BE29-B4828D0A5D74}"/>
+                    <a16:creationId xmlns="" xmlns:a16="http://schemas.microsoft.com/office/drawing/2014/main" id="{BF9D5B9B-9876-443A-BE29-B4828D0A5D74}"/>
                   </a:ext>
                 </a:extLst>
               </p:cNvPr>
@@ -9762,7 +9841,7 @@
             <p:cNvPr id="26" name="グループ化 25">
               <a:extLst>
                 <a:ext uri="{FF2B5EF4-FFF2-40B4-BE49-F238E27FC236}">
-                  <a16:creationId xmlns:a16="http://schemas.microsoft.com/office/drawing/2014/main" xmlns="" id="{D317981A-38A9-4594-9159-8C77F7F6D8B4}"/>
+                  <a16:creationId xmlns="" xmlns:a16="http://schemas.microsoft.com/office/drawing/2014/main" id="{D317981A-38A9-4594-9159-8C77F7F6D8B4}"/>
                 </a:ext>
               </a:extLst>
             </p:cNvPr>
@@ -9782,7 +9861,7 @@
               <p:cNvPr id="17" name="図 16" descr="物体 が含まれている画像&#10;&#10;自動的に生成された説明">
                 <a:extLst>
                   <a:ext uri="{FF2B5EF4-FFF2-40B4-BE49-F238E27FC236}">
-                    <a16:creationId xmlns:a16="http://schemas.microsoft.com/office/drawing/2014/main" xmlns="" id="{93CD3867-4A7C-4138-9F28-8B9071FCE1AF}"/>
+                    <a16:creationId xmlns="" xmlns:a16="http://schemas.microsoft.com/office/drawing/2014/main" id="{93CD3867-4A7C-4138-9F28-8B9071FCE1AF}"/>
                   </a:ext>
                 </a:extLst>
               </p:cNvPr>
@@ -9818,7 +9897,7 @@
               <p:cNvPr id="21" name="テキスト ボックス 20">
                 <a:extLst>
                   <a:ext uri="{FF2B5EF4-FFF2-40B4-BE49-F238E27FC236}">
-                    <a16:creationId xmlns:a16="http://schemas.microsoft.com/office/drawing/2014/main" xmlns="" id="{C3C71671-55D6-4E40-BC27-288FCF91D2BB}"/>
+                    <a16:creationId xmlns="" xmlns:a16="http://schemas.microsoft.com/office/drawing/2014/main" id="{C3C71671-55D6-4E40-BC27-288FCF91D2BB}"/>
                   </a:ext>
                 </a:extLst>
               </p:cNvPr>
@@ -9861,7 +9940,7 @@
             <p:cNvPr id="28" name="直線矢印コネクタ 27">
               <a:extLst>
                 <a:ext uri="{FF2B5EF4-FFF2-40B4-BE49-F238E27FC236}">
-                  <a16:creationId xmlns:a16="http://schemas.microsoft.com/office/drawing/2014/main" xmlns="" id="{A84A16DD-57C4-4761-A446-249187106E51}"/>
+                  <a16:creationId xmlns="" xmlns:a16="http://schemas.microsoft.com/office/drawing/2014/main" id="{A84A16DD-57C4-4761-A446-249187106E51}"/>
                 </a:ext>
               </a:extLst>
             </p:cNvPr>
@@ -9905,7 +9984,7 @@
             <p:cNvPr id="29" name="直線矢印コネクタ 28">
               <a:extLst>
                 <a:ext uri="{FF2B5EF4-FFF2-40B4-BE49-F238E27FC236}">
-                  <a16:creationId xmlns:a16="http://schemas.microsoft.com/office/drawing/2014/main" xmlns="" id="{CE867472-33BD-4771-A53A-412FDCEAB859}"/>
+                  <a16:creationId xmlns="" xmlns:a16="http://schemas.microsoft.com/office/drawing/2014/main" id="{CE867472-33BD-4771-A53A-412FDCEAB859}"/>
                 </a:ext>
               </a:extLst>
             </p:cNvPr>
@@ -9949,7 +10028,7 @@
             <p:cNvPr id="32" name="直線矢印コネクタ 31">
               <a:extLst>
                 <a:ext uri="{FF2B5EF4-FFF2-40B4-BE49-F238E27FC236}">
-                  <a16:creationId xmlns:a16="http://schemas.microsoft.com/office/drawing/2014/main" xmlns="" id="{2F760955-CE29-4903-BDF0-C0EF1A34CD6F}"/>
+                  <a16:creationId xmlns="" xmlns:a16="http://schemas.microsoft.com/office/drawing/2014/main" id="{2F760955-CE29-4903-BDF0-C0EF1A34CD6F}"/>
                 </a:ext>
               </a:extLst>
             </p:cNvPr>
@@ -9993,7 +10072,7 @@
             <p:cNvPr id="33" name="直線矢印コネクタ 32">
               <a:extLst>
                 <a:ext uri="{FF2B5EF4-FFF2-40B4-BE49-F238E27FC236}">
-                  <a16:creationId xmlns:a16="http://schemas.microsoft.com/office/drawing/2014/main" xmlns="" id="{96E14F16-9B67-48C7-9985-746717E7D2CE}"/>
+                  <a16:creationId xmlns="" xmlns:a16="http://schemas.microsoft.com/office/drawing/2014/main" id="{96E14F16-9B67-48C7-9985-746717E7D2CE}"/>
                 </a:ext>
               </a:extLst>
             </p:cNvPr>
@@ -10037,7 +10116,7 @@
             <p:cNvPr id="34" name="正方形/長方形 33">
               <a:extLst>
                 <a:ext uri="{FF2B5EF4-FFF2-40B4-BE49-F238E27FC236}">
-                  <a16:creationId xmlns:a16="http://schemas.microsoft.com/office/drawing/2014/main" xmlns="" id="{6ADAFCEE-C028-416D-B257-90B41E02042A}"/>
+                  <a16:creationId xmlns="" xmlns:a16="http://schemas.microsoft.com/office/drawing/2014/main" id="{6ADAFCEE-C028-416D-B257-90B41E02042A}"/>
                 </a:ext>
               </a:extLst>
             </p:cNvPr>
@@ -10092,7 +10171,7 @@
             <p:cNvPr id="35" name="直線矢印コネクタ 34">
               <a:extLst>
                 <a:ext uri="{FF2B5EF4-FFF2-40B4-BE49-F238E27FC236}">
-                  <a16:creationId xmlns:a16="http://schemas.microsoft.com/office/drawing/2014/main" xmlns="" id="{A2A6B62C-1E0E-432C-9BEC-393C34A1C94C}"/>
+                  <a16:creationId xmlns="" xmlns:a16="http://schemas.microsoft.com/office/drawing/2014/main" id="{A2A6B62C-1E0E-432C-9BEC-393C34A1C94C}"/>
                 </a:ext>
               </a:extLst>
             </p:cNvPr>
@@ -10137,7 +10216,7 @@
           <p:cNvPr id="44" name="グループ化 43">
             <a:extLst>
               <a:ext uri="{FF2B5EF4-FFF2-40B4-BE49-F238E27FC236}">
-                <a16:creationId xmlns:a16="http://schemas.microsoft.com/office/drawing/2014/main" xmlns="" id="{7EEE5686-B5B9-4B20-8993-381AFDACF9AB}"/>
+                <a16:creationId xmlns="" xmlns:a16="http://schemas.microsoft.com/office/drawing/2014/main" id="{7EEE5686-B5B9-4B20-8993-381AFDACF9AB}"/>
               </a:ext>
             </a:extLst>
           </p:cNvPr>
@@ -10157,7 +10236,7 @@
             <p:cNvPr id="40" name="グループ化 39">
               <a:extLst>
                 <a:ext uri="{FF2B5EF4-FFF2-40B4-BE49-F238E27FC236}">
-                  <a16:creationId xmlns:a16="http://schemas.microsoft.com/office/drawing/2014/main" xmlns="" id="{80B432E5-1E61-4A1C-BB38-CE56CD67DAEC}"/>
+                  <a16:creationId xmlns="" xmlns:a16="http://schemas.microsoft.com/office/drawing/2014/main" id="{80B432E5-1E61-4A1C-BB38-CE56CD67DAEC}"/>
                 </a:ext>
               </a:extLst>
             </p:cNvPr>
@@ -10177,7 +10256,7 @@
               <p:cNvPr id="36" name="直線矢印コネクタ 35">
                 <a:extLst>
                   <a:ext uri="{FF2B5EF4-FFF2-40B4-BE49-F238E27FC236}">
-                    <a16:creationId xmlns:a16="http://schemas.microsoft.com/office/drawing/2014/main" xmlns="" id="{555429FE-F091-46AD-84F7-1B4256D762AB}"/>
+                    <a16:creationId xmlns="" xmlns:a16="http://schemas.microsoft.com/office/drawing/2014/main" id="{555429FE-F091-46AD-84F7-1B4256D762AB}"/>
                   </a:ext>
                 </a:extLst>
               </p:cNvPr>
@@ -10221,7 +10300,7 @@
               <p:cNvPr id="37" name="直線矢印コネクタ 36">
                 <a:extLst>
                   <a:ext uri="{FF2B5EF4-FFF2-40B4-BE49-F238E27FC236}">
-                    <a16:creationId xmlns:a16="http://schemas.microsoft.com/office/drawing/2014/main" xmlns="" id="{5030B8C7-7BED-40F6-B6D5-A7CD124D67A9}"/>
+                    <a16:creationId xmlns="" xmlns:a16="http://schemas.microsoft.com/office/drawing/2014/main" id="{5030B8C7-7BED-40F6-B6D5-A7CD124D67A9}"/>
                   </a:ext>
                 </a:extLst>
               </p:cNvPr>
@@ -10265,7 +10344,7 @@
               <p:cNvPr id="38" name="テキスト ボックス 37">
                 <a:extLst>
                   <a:ext uri="{FF2B5EF4-FFF2-40B4-BE49-F238E27FC236}">
-                    <a16:creationId xmlns:a16="http://schemas.microsoft.com/office/drawing/2014/main" xmlns="" id="{1BB9FF26-C1AD-43FF-B1A3-3D220E4BC3AA}"/>
+                    <a16:creationId xmlns="" xmlns:a16="http://schemas.microsoft.com/office/drawing/2014/main" id="{1BB9FF26-C1AD-43FF-B1A3-3D220E4BC3AA}"/>
                   </a:ext>
                 </a:extLst>
               </p:cNvPr>
@@ -10303,7 +10382,7 @@
               <p:cNvPr id="39" name="テキスト ボックス 38">
                 <a:extLst>
                   <a:ext uri="{FF2B5EF4-FFF2-40B4-BE49-F238E27FC236}">
-                    <a16:creationId xmlns:a16="http://schemas.microsoft.com/office/drawing/2014/main" xmlns="" id="{127090C9-FA03-47A3-B8E5-5AC843148C0C}"/>
+                    <a16:creationId xmlns="" xmlns:a16="http://schemas.microsoft.com/office/drawing/2014/main" id="{127090C9-FA03-47A3-B8E5-5AC843148C0C}"/>
                   </a:ext>
                 </a:extLst>
               </p:cNvPr>
@@ -10346,7 +10425,7 @@
             <p:cNvPr id="42" name="正方形/長方形 41">
               <a:extLst>
                 <a:ext uri="{FF2B5EF4-FFF2-40B4-BE49-F238E27FC236}">
-                  <a16:creationId xmlns:a16="http://schemas.microsoft.com/office/drawing/2014/main" xmlns="" id="{974D7591-C374-4FE7-98C6-F63D715B2F46}"/>
+                  <a16:creationId xmlns="" xmlns:a16="http://schemas.microsoft.com/office/drawing/2014/main" id="{974D7591-C374-4FE7-98C6-F63D715B2F46}"/>
                 </a:ext>
               </a:extLst>
             </p:cNvPr>
@@ -10402,7 +10481,7 @@
           <p:cNvPr id="43" name="正方形/長方形 42">
             <a:extLst>
               <a:ext uri="{FF2B5EF4-FFF2-40B4-BE49-F238E27FC236}">
-                <a16:creationId xmlns:a16="http://schemas.microsoft.com/office/drawing/2014/main" xmlns="" id="{A98ECFFF-731C-4C54-95F1-02A8CC15EA71}"/>
+                <a16:creationId xmlns="" xmlns:a16="http://schemas.microsoft.com/office/drawing/2014/main" id="{A98ECFFF-731C-4C54-95F1-02A8CC15EA71}"/>
               </a:ext>
             </a:extLst>
           </p:cNvPr>
@@ -10459,6 +10538,13 @@
   <p:clrMapOvr>
     <a:masterClrMapping/>
   </p:clrMapOvr>
+  <p:timing>
+    <p:tnLst>
+      <p:par>
+        <p:cTn id="1" dur="indefinite" restart="never" nodeType="tmRoot"/>
+      </p:par>
+    </p:tnLst>
+  </p:timing>
 </p:sld>
 </file>
 
@@ -10481,33 +10567,21 @@
       </p:grpSpPr>
       <p:pic>
         <p:nvPicPr>
-          <p:cNvPr id="7" name="図 6" descr="テキスト が含まれている画像&#10;&#10;自動的に生成された説明">
-            <a:extLst>
-              <a:ext uri="{FF2B5EF4-FFF2-40B4-BE49-F238E27FC236}">
-                <a16:creationId xmlns:a16="http://schemas.microsoft.com/office/drawing/2014/main" xmlns="" id="{F72D7A55-A732-4D03-A156-3A4E7C065D7A}"/>
-              </a:ext>
-            </a:extLst>
-          </p:cNvPr>
+          <p:cNvPr id="2" name="図 1"/>
           <p:cNvPicPr>
             <a:picLocks noChangeAspect="1"/>
           </p:cNvPicPr>
           <p:nvPr/>
         </p:nvPicPr>
         <p:blipFill rotWithShape="1">
-          <a:blip r:embed="rId2">
-            <a:extLst>
-              <a:ext uri="{28A0092B-C50C-407E-A947-70E740481C1C}">
-                <a14:useLocalDpi xmlns:a14="http://schemas.microsoft.com/office/drawing/2010/main" val="0"/>
-              </a:ext>
-            </a:extLst>
-          </a:blip>
-          <a:srcRect t="4493"/>
+          <a:blip r:embed="rId2"/>
+          <a:srcRect l="5495" t="13159" r="4829" b="8052"/>
           <a:stretch/>
         </p:blipFill>
         <p:spPr>
           <a:xfrm>
-            <a:off x="352424" y="1143001"/>
-            <a:ext cx="7848600" cy="4346410"/>
+            <a:off x="36360" y="1097769"/>
+            <a:ext cx="7541238" cy="4013174"/>
           </a:xfrm>
           <a:prstGeom prst="rect">
             <a:avLst/>
@@ -10516,10 +10590,10 @@
       </p:pic>
       <p:sp>
         <p:nvSpPr>
-          <p:cNvPr id="10" name="テキスト ボックス 9">
+          <p:cNvPr id="6" name="テキスト ボックス 5">
             <a:extLst>
               <a:ext uri="{FF2B5EF4-FFF2-40B4-BE49-F238E27FC236}">
-                <a16:creationId xmlns:a16="http://schemas.microsoft.com/office/drawing/2014/main" xmlns="" id="{D5807289-5F94-4ABF-BB19-A244DE39AAB7}"/>
+                <a16:creationId xmlns="" xmlns:a16="http://schemas.microsoft.com/office/drawing/2014/main" id="{8305E55F-CE22-4A88-A8D4-3E4958510FE7}"/>
               </a:ext>
             </a:extLst>
           </p:cNvPr>
@@ -10550,7 +10624,7 @@
                 <a:latin typeface="チェックポイント．（ピリオド）" panose="02000600000000000000" pitchFamily="50" charset="-128"/>
                 <a:ea typeface="チェックポイント．（ピリオド）" panose="02000600000000000000" pitchFamily="50" charset="-128"/>
               </a:rPr>
-              <a:t>ヘルプ：準備画面</a:t>
+              <a:t>ヘルプ：ミサイル画面</a:t>
             </a:r>
             <a:endParaRPr kumimoji="1" lang="ja-JP" altLang="en-US" dirty="0">
               <a:latin typeface="チェックポイント．（ピリオド）" panose="02000600000000000000" pitchFamily="50" charset="-128"/>
@@ -10561,48 +10635,10 @@
       </p:sp>
       <p:sp>
         <p:nvSpPr>
-          <p:cNvPr id="11" name="テキスト ボックス 10">
+          <p:cNvPr id="7" name="吹き出し: 四角形 6">
             <a:extLst>
               <a:ext uri="{FF2B5EF4-FFF2-40B4-BE49-F238E27FC236}">
-                <a16:creationId xmlns:a16="http://schemas.microsoft.com/office/drawing/2014/main" xmlns="" id="{6D354EB7-7F73-4490-964D-300A57A3D0C5}"/>
-              </a:ext>
-            </a:extLst>
-          </p:cNvPr>
-          <p:cNvSpPr txBox="1"/>
-          <p:nvPr/>
-        </p:nvSpPr>
-        <p:spPr>
-          <a:xfrm>
-            <a:off x="8353425" y="1064753"/>
-            <a:ext cx="3009900" cy="646331"/>
-          </a:xfrm>
-          <a:prstGeom prst="rect">
-            <a:avLst/>
-          </a:prstGeom>
-          <a:noFill/>
-        </p:spPr>
-        <p:txBody>
-          <a:bodyPr wrap="square" rtlCol="0">
-            <a:spAutoFit/>
-          </a:bodyPr>
-          <a:lstStyle/>
-          <a:p>
-            <a:r>
-              <a:rPr kumimoji="1" lang="ja-JP" altLang="en-US" dirty="0">
-                <a:latin typeface="チェックポイント．（ピリオド）" panose="02000600000000000000" pitchFamily="50" charset="-128"/>
-                <a:ea typeface="チェックポイント．（ピリオド）" panose="02000600000000000000" pitchFamily="50" charset="-128"/>
-              </a:rPr>
-              <a:t>この画面では戦闘前に敵を確認などの準備ができます</a:t>
-            </a:r>
-          </a:p>
-        </p:txBody>
-      </p:sp>
-      <p:sp>
-        <p:nvSpPr>
-          <p:cNvPr id="12" name="楕円 11">
-            <a:extLst>
-              <a:ext uri="{FF2B5EF4-FFF2-40B4-BE49-F238E27FC236}">
-                <a16:creationId xmlns:a16="http://schemas.microsoft.com/office/drawing/2014/main" xmlns="" id="{27BE146F-8491-400F-AB07-2E26102463F2}"/>
+                <a16:creationId xmlns="" xmlns:a16="http://schemas.microsoft.com/office/drawing/2014/main" id="{EC8402AE-3480-4CC7-905A-0776A28352DA}"/>
               </a:ext>
             </a:extLst>
           </p:cNvPr>
@@ -10611,776 +10647,13 @@
         </p:nvSpPr>
         <p:spPr>
           <a:xfrm>
-            <a:off x="1247775" y="2295525"/>
-            <a:ext cx="1562100" cy="1457325"/>
-          </a:xfrm>
-          <a:prstGeom prst="ellipse">
-            <a:avLst/>
-          </a:prstGeom>
-          <a:noFill/>
-          <a:ln w="38100">
-            <a:solidFill>
-              <a:srgbClr val="FF0000"/>
-            </a:solidFill>
-          </a:ln>
-        </p:spPr>
-        <p:style>
-          <a:lnRef idx="2">
-            <a:schemeClr val="accent1">
-              <a:shade val="50000"/>
-            </a:schemeClr>
-          </a:lnRef>
-          <a:fillRef idx="1">
-            <a:schemeClr val="accent1"/>
-          </a:fillRef>
-          <a:effectRef idx="0">
-            <a:schemeClr val="accent1"/>
-          </a:effectRef>
-          <a:fontRef idx="minor">
-            <a:schemeClr val="lt1"/>
-          </a:fontRef>
-        </p:style>
-        <p:txBody>
-          <a:bodyPr rtlCol="0" anchor="ctr"/>
-          <a:lstStyle/>
-          <a:p>
-            <a:pPr algn="ctr"/>
-            <a:endParaRPr kumimoji="1" lang="ja-JP" altLang="en-US"/>
-          </a:p>
-        </p:txBody>
-      </p:sp>
-      <p:sp>
-        <p:nvSpPr>
-          <p:cNvPr id="13" name="楕円 12">
-            <a:extLst>
-              <a:ext uri="{FF2B5EF4-FFF2-40B4-BE49-F238E27FC236}">
-                <a16:creationId xmlns:a16="http://schemas.microsoft.com/office/drawing/2014/main" xmlns="" id="{AC13EDC5-A927-451C-A8C6-2F68A75D9DB9}"/>
-              </a:ext>
-            </a:extLst>
-          </p:cNvPr>
-          <p:cNvSpPr/>
-          <p:nvPr/>
-        </p:nvSpPr>
-        <p:spPr>
-          <a:xfrm>
-            <a:off x="3181350" y="1996855"/>
-            <a:ext cx="895351" cy="1055907"/>
-          </a:xfrm>
-          <a:prstGeom prst="ellipse">
-            <a:avLst/>
-          </a:prstGeom>
-          <a:noFill/>
-          <a:ln w="38100">
-            <a:solidFill>
-              <a:srgbClr val="FF0000"/>
-            </a:solidFill>
-          </a:ln>
-        </p:spPr>
-        <p:style>
-          <a:lnRef idx="2">
-            <a:schemeClr val="accent1">
-              <a:shade val="50000"/>
-            </a:schemeClr>
-          </a:lnRef>
-          <a:fillRef idx="1">
-            <a:schemeClr val="accent1"/>
-          </a:fillRef>
-          <a:effectRef idx="0">
-            <a:schemeClr val="accent1"/>
-          </a:effectRef>
-          <a:fontRef idx="minor">
-            <a:schemeClr val="lt1"/>
-          </a:fontRef>
-        </p:style>
-        <p:txBody>
-          <a:bodyPr rtlCol="0" anchor="ctr"/>
-          <a:lstStyle/>
-          <a:p>
-            <a:pPr algn="ctr"/>
-            <a:endParaRPr kumimoji="1" lang="ja-JP" altLang="en-US"/>
-          </a:p>
-        </p:txBody>
-      </p:sp>
-      <p:sp>
-        <p:nvSpPr>
-          <p:cNvPr id="14" name="楕円 13">
-            <a:extLst>
-              <a:ext uri="{FF2B5EF4-FFF2-40B4-BE49-F238E27FC236}">
-                <a16:creationId xmlns:a16="http://schemas.microsoft.com/office/drawing/2014/main" xmlns="" id="{A70D7407-0728-49A8-BDE2-7434759F1455}"/>
-              </a:ext>
-            </a:extLst>
-          </p:cNvPr>
-          <p:cNvSpPr/>
-          <p:nvPr/>
-        </p:nvSpPr>
-        <p:spPr>
-          <a:xfrm>
-            <a:off x="5172075" y="1996855"/>
-            <a:ext cx="1562100" cy="1457325"/>
-          </a:xfrm>
-          <a:prstGeom prst="ellipse">
-            <a:avLst/>
-          </a:prstGeom>
-          <a:noFill/>
-          <a:ln w="38100">
-            <a:solidFill>
-              <a:srgbClr val="FF0000"/>
-            </a:solidFill>
-          </a:ln>
-        </p:spPr>
-        <p:style>
-          <a:lnRef idx="2">
-            <a:schemeClr val="accent1">
-              <a:shade val="50000"/>
-            </a:schemeClr>
-          </a:lnRef>
-          <a:fillRef idx="1">
-            <a:schemeClr val="accent1"/>
-          </a:fillRef>
-          <a:effectRef idx="0">
-            <a:schemeClr val="accent1"/>
-          </a:effectRef>
-          <a:fontRef idx="minor">
-            <a:schemeClr val="lt1"/>
-          </a:fontRef>
-        </p:style>
-        <p:txBody>
-          <a:bodyPr rtlCol="0" anchor="ctr"/>
-          <a:lstStyle/>
-          <a:p>
-            <a:pPr algn="ctr"/>
-            <a:endParaRPr kumimoji="1" lang="ja-JP" altLang="en-US"/>
-          </a:p>
-        </p:txBody>
-      </p:sp>
-      <p:sp>
-        <p:nvSpPr>
-          <p:cNvPr id="15" name="楕円 14">
-            <a:extLst>
-              <a:ext uri="{FF2B5EF4-FFF2-40B4-BE49-F238E27FC236}">
-                <a16:creationId xmlns:a16="http://schemas.microsoft.com/office/drawing/2014/main" xmlns="" id="{BA8A41E3-4961-4217-9C31-D8A81A9809A9}"/>
-              </a:ext>
-            </a:extLst>
-          </p:cNvPr>
-          <p:cNvSpPr/>
-          <p:nvPr/>
-        </p:nvSpPr>
-        <p:spPr>
-          <a:xfrm>
-            <a:off x="6267450" y="4029076"/>
-            <a:ext cx="1666876" cy="1581150"/>
-          </a:xfrm>
-          <a:prstGeom prst="ellipse">
-            <a:avLst/>
-          </a:prstGeom>
-          <a:noFill/>
-          <a:ln w="38100">
-            <a:solidFill>
-              <a:srgbClr val="FF0000"/>
-            </a:solidFill>
-          </a:ln>
-        </p:spPr>
-        <p:style>
-          <a:lnRef idx="2">
-            <a:schemeClr val="accent1">
-              <a:shade val="50000"/>
-            </a:schemeClr>
-          </a:lnRef>
-          <a:fillRef idx="1">
-            <a:schemeClr val="accent1"/>
-          </a:fillRef>
-          <a:effectRef idx="0">
-            <a:schemeClr val="accent1"/>
-          </a:effectRef>
-          <a:fontRef idx="minor">
-            <a:schemeClr val="lt1"/>
-          </a:fontRef>
-        </p:style>
-        <p:txBody>
-          <a:bodyPr rtlCol="0" anchor="ctr"/>
-          <a:lstStyle/>
-          <a:p>
-            <a:pPr algn="ctr"/>
-            <a:endParaRPr kumimoji="1" lang="ja-JP" altLang="en-US"/>
-          </a:p>
-        </p:txBody>
-      </p:sp>
-      <p:sp>
-        <p:nvSpPr>
-          <p:cNvPr id="16" name="テキスト ボックス 15">
-            <a:extLst>
-              <a:ext uri="{FF2B5EF4-FFF2-40B4-BE49-F238E27FC236}">
-                <a16:creationId xmlns:a16="http://schemas.microsoft.com/office/drawing/2014/main" xmlns="" id="{FBBAA09C-4BEB-47EA-BC7F-480BCC2226F1}"/>
-              </a:ext>
-            </a:extLst>
-          </p:cNvPr>
-          <p:cNvSpPr txBox="1"/>
-          <p:nvPr/>
-        </p:nvSpPr>
-        <p:spPr>
-          <a:xfrm>
-            <a:off x="8201024" y="1886837"/>
-            <a:ext cx="3962400" cy="1754326"/>
-          </a:xfrm>
-          <a:prstGeom prst="rect">
-            <a:avLst/>
-          </a:prstGeom>
-          <a:noFill/>
-          <a:ln w="38100">
-            <a:solidFill>
-              <a:srgbClr val="FF0000"/>
-            </a:solidFill>
-          </a:ln>
-        </p:spPr>
-        <p:txBody>
-          <a:bodyPr wrap="square" rtlCol="0">
-            <a:spAutoFit/>
-          </a:bodyPr>
-          <a:lstStyle/>
-          <a:p>
-            <a:r>
-              <a:rPr kumimoji="1" lang="ja-JP" altLang="en-US" dirty="0">
-                <a:latin typeface="チェックポイント．（ピリオド）" panose="02000600000000000000" pitchFamily="50" charset="-128"/>
-                <a:ea typeface="チェックポイント．（ピリオド）" panose="02000600000000000000" pitchFamily="50" charset="-128"/>
-              </a:rPr>
-              <a:t>赤枠で囲っているのが敵惑星です。</a:t>
-            </a:r>
-            <a:endParaRPr kumimoji="1" lang="en-US" altLang="ja-JP" dirty="0">
-              <a:latin typeface="チェックポイント．（ピリオド）" panose="02000600000000000000" pitchFamily="50" charset="-128"/>
-              <a:ea typeface="チェックポイント．（ピリオド）" panose="02000600000000000000" pitchFamily="50" charset="-128"/>
-            </a:endParaRPr>
-          </a:p>
-          <a:p>
-            <a:r>
-              <a:rPr lang="ja-JP" altLang="en-US" dirty="0">
-                <a:latin typeface="チェックポイント．（ピリオド）" panose="02000600000000000000" pitchFamily="50" charset="-128"/>
-                <a:ea typeface="チェックポイント．（ピリオド）" panose="02000600000000000000" pitchFamily="50" charset="-128"/>
-              </a:rPr>
-              <a:t>この中のどれかから</a:t>
-            </a:r>
-            <a:endParaRPr lang="en-US" altLang="ja-JP" dirty="0">
-              <a:latin typeface="チェックポイント．（ピリオド）" panose="02000600000000000000" pitchFamily="50" charset="-128"/>
-              <a:ea typeface="チェックポイント．（ピリオド）" panose="02000600000000000000" pitchFamily="50" charset="-128"/>
-            </a:endParaRPr>
-          </a:p>
-          <a:p>
-            <a:r>
-              <a:rPr lang="ja-JP" altLang="en-US" dirty="0">
-                <a:latin typeface="チェックポイント．（ピリオド）" panose="02000600000000000000" pitchFamily="50" charset="-128"/>
-                <a:ea typeface="チェックポイント．（ピリオド）" panose="02000600000000000000" pitchFamily="50" charset="-128"/>
-              </a:rPr>
-              <a:t>敵を選び戦うことができ、</a:t>
-            </a:r>
-            <a:endParaRPr lang="en-US" altLang="ja-JP" dirty="0">
-              <a:latin typeface="チェックポイント．（ピリオド）" panose="02000600000000000000" pitchFamily="50" charset="-128"/>
-              <a:ea typeface="チェックポイント．（ピリオド）" panose="02000600000000000000" pitchFamily="50" charset="-128"/>
-            </a:endParaRPr>
-          </a:p>
-          <a:p>
-            <a:r>
-              <a:rPr kumimoji="1" lang="ja-JP" altLang="en-US" dirty="0">
-                <a:latin typeface="チェックポイント．（ピリオド）" panose="02000600000000000000" pitchFamily="50" charset="-128"/>
-                <a:ea typeface="チェックポイント．（ピリオド）" panose="02000600000000000000" pitchFamily="50" charset="-128"/>
-              </a:rPr>
-              <a:t>敵惑星にカーソルを合わせると</a:t>
-            </a:r>
-            <a:endParaRPr lang="en-US" altLang="ja-JP" dirty="0">
-              <a:latin typeface="チェックポイント．（ピリオド）" panose="02000600000000000000" pitchFamily="50" charset="-128"/>
-              <a:ea typeface="チェックポイント．（ピリオド）" panose="02000600000000000000" pitchFamily="50" charset="-128"/>
-            </a:endParaRPr>
-          </a:p>
-          <a:p>
-            <a:r>
-              <a:rPr kumimoji="1" lang="ja-JP" altLang="en-US" dirty="0">
-                <a:latin typeface="チェックポイント．（ピリオド）" panose="02000600000000000000" pitchFamily="50" charset="-128"/>
-                <a:ea typeface="チェックポイント．（ピリオド）" panose="02000600000000000000" pitchFamily="50" charset="-128"/>
-              </a:rPr>
-              <a:t>敵惑星の情報を</a:t>
-            </a:r>
-            <a:endParaRPr kumimoji="1" lang="en-US" altLang="ja-JP" dirty="0">
-              <a:latin typeface="チェックポイント．（ピリオド）" panose="02000600000000000000" pitchFamily="50" charset="-128"/>
-              <a:ea typeface="チェックポイント．（ピリオド）" panose="02000600000000000000" pitchFamily="50" charset="-128"/>
-            </a:endParaRPr>
-          </a:p>
-          <a:p>
-            <a:r>
-              <a:rPr kumimoji="1" lang="ja-JP" altLang="en-US" dirty="0">
-                <a:latin typeface="チェックポイント．（ピリオド）" panose="02000600000000000000" pitchFamily="50" charset="-128"/>
-                <a:ea typeface="チェックポイント．（ピリオド）" panose="02000600000000000000" pitchFamily="50" charset="-128"/>
-              </a:rPr>
-              <a:t>確認することができます。</a:t>
-            </a:r>
-          </a:p>
-        </p:txBody>
-      </p:sp>
-      <p:sp>
-        <p:nvSpPr>
-          <p:cNvPr id="17" name="正方形/長方形 16">
-            <a:extLst>
-              <a:ext uri="{FF2B5EF4-FFF2-40B4-BE49-F238E27FC236}">
-                <a16:creationId xmlns:a16="http://schemas.microsoft.com/office/drawing/2014/main" xmlns="" id="{A2CF4C31-1025-4708-B374-7F8887320A14}"/>
-              </a:ext>
-            </a:extLst>
-          </p:cNvPr>
-          <p:cNvSpPr/>
-          <p:nvPr/>
-        </p:nvSpPr>
-        <p:spPr>
-          <a:xfrm>
-            <a:off x="1371600" y="1223523"/>
-            <a:ext cx="5657850" cy="565809"/>
-          </a:xfrm>
-          <a:prstGeom prst="rect">
-            <a:avLst/>
-          </a:prstGeom>
-          <a:noFill/>
-          <a:ln w="38100">
-            <a:solidFill>
-              <a:srgbClr val="0070C0"/>
-            </a:solidFill>
-          </a:ln>
-        </p:spPr>
-        <p:style>
-          <a:lnRef idx="2">
-            <a:schemeClr val="accent1">
-              <a:shade val="50000"/>
-            </a:schemeClr>
-          </a:lnRef>
-          <a:fillRef idx="1">
-            <a:schemeClr val="accent1"/>
-          </a:fillRef>
-          <a:effectRef idx="0">
-            <a:schemeClr val="accent1"/>
-          </a:effectRef>
-          <a:fontRef idx="minor">
-            <a:schemeClr val="lt1"/>
-          </a:fontRef>
-        </p:style>
-        <p:txBody>
-          <a:bodyPr rtlCol="0" anchor="ctr"/>
-          <a:lstStyle/>
-          <a:p>
-            <a:pPr algn="ctr"/>
-            <a:endParaRPr kumimoji="1" lang="ja-JP" altLang="en-US"/>
-          </a:p>
-        </p:txBody>
-      </p:sp>
-      <p:sp>
-        <p:nvSpPr>
-          <p:cNvPr id="18" name="テキスト ボックス 17">
-            <a:extLst>
-              <a:ext uri="{FF2B5EF4-FFF2-40B4-BE49-F238E27FC236}">
-                <a16:creationId xmlns:a16="http://schemas.microsoft.com/office/drawing/2014/main" xmlns="" id="{594DFF38-A0BF-4052-92A8-115900A7F03B}"/>
-              </a:ext>
-            </a:extLst>
-          </p:cNvPr>
-          <p:cNvSpPr txBox="1"/>
-          <p:nvPr/>
-        </p:nvSpPr>
-        <p:spPr>
-          <a:xfrm>
-            <a:off x="8220073" y="3752850"/>
-            <a:ext cx="3962400" cy="1477328"/>
-          </a:xfrm>
-          <a:prstGeom prst="rect">
-            <a:avLst/>
-          </a:prstGeom>
-          <a:noFill/>
-          <a:ln w="38100">
-            <a:solidFill>
-              <a:srgbClr val="5B9BD5"/>
-            </a:solidFill>
-          </a:ln>
-        </p:spPr>
-        <p:txBody>
-          <a:bodyPr wrap="square" rtlCol="0">
-            <a:spAutoFit/>
-          </a:bodyPr>
-          <a:lstStyle/>
-          <a:p>
-            <a:r>
-              <a:rPr lang="ja-JP" altLang="en-US" dirty="0">
-                <a:latin typeface="チェックポイント．（ピリオド）" panose="02000600000000000000" pitchFamily="50" charset="-128"/>
-                <a:ea typeface="チェックポイント．（ピリオド）" panose="02000600000000000000" pitchFamily="50" charset="-128"/>
-              </a:rPr>
-              <a:t>青</a:t>
-            </a:r>
-            <a:r>
-              <a:rPr kumimoji="1" lang="ja-JP" altLang="en-US" dirty="0">
-                <a:latin typeface="チェックポイント．（ピリオド）" panose="02000600000000000000" pitchFamily="50" charset="-128"/>
-                <a:ea typeface="チェックポイント．（ピリオド）" panose="02000600000000000000" pitchFamily="50" charset="-128"/>
-              </a:rPr>
-              <a:t>枠で囲っているのが強大な惑星が来るまでのカウントダウンです。</a:t>
-            </a:r>
-            <a:endParaRPr kumimoji="1" lang="en-US" altLang="ja-JP" dirty="0">
-              <a:latin typeface="チェックポイント．（ピリオド）" panose="02000600000000000000" pitchFamily="50" charset="-128"/>
-              <a:ea typeface="チェックポイント．（ピリオド）" panose="02000600000000000000" pitchFamily="50" charset="-128"/>
-            </a:endParaRPr>
-          </a:p>
-          <a:p>
-            <a:r>
-              <a:rPr lang="ja-JP" altLang="en-US" dirty="0">
-                <a:latin typeface="チェックポイント．（ピリオド）" panose="02000600000000000000" pitchFamily="50" charset="-128"/>
-                <a:ea typeface="チェックポイント．（ピリオド）" panose="02000600000000000000" pitchFamily="50" charset="-128"/>
-              </a:rPr>
-              <a:t>敵惑星を倒すと</a:t>
-            </a:r>
-            <a:endParaRPr lang="en-US" altLang="ja-JP" dirty="0">
-              <a:latin typeface="チェックポイント．（ピリオド）" panose="02000600000000000000" pitchFamily="50" charset="-128"/>
-              <a:ea typeface="チェックポイント．（ピリオド）" panose="02000600000000000000" pitchFamily="50" charset="-128"/>
-            </a:endParaRPr>
-          </a:p>
-          <a:p>
-            <a:r>
-              <a:rPr lang="ja-JP" altLang="en-US" dirty="0">
-                <a:latin typeface="チェックポイント．（ピリオド）" panose="02000600000000000000" pitchFamily="50" charset="-128"/>
-                <a:ea typeface="チェックポイント．（ピリオド）" panose="02000600000000000000" pitchFamily="50" charset="-128"/>
-              </a:rPr>
-              <a:t>カウントが減っていき０になると</a:t>
-            </a:r>
-            <a:endParaRPr lang="en-US" altLang="ja-JP" dirty="0">
-              <a:latin typeface="チェックポイント．（ピリオド）" panose="02000600000000000000" pitchFamily="50" charset="-128"/>
-              <a:ea typeface="チェックポイント．（ピリオド）" panose="02000600000000000000" pitchFamily="50" charset="-128"/>
-            </a:endParaRPr>
-          </a:p>
-          <a:p>
-            <a:r>
-              <a:rPr lang="ja-JP" altLang="en-US" dirty="0">
-                <a:latin typeface="チェックポイント．（ピリオド）" panose="02000600000000000000" pitchFamily="50" charset="-128"/>
-                <a:ea typeface="チェックポイント．（ピリオド）" panose="02000600000000000000" pitchFamily="50" charset="-128"/>
-              </a:rPr>
-              <a:t>強大な惑星が襲い掛かってきます。</a:t>
-            </a:r>
-            <a:endParaRPr kumimoji="1" lang="en-US" altLang="ja-JP" dirty="0">
-              <a:latin typeface="チェックポイント．（ピリオド）" panose="02000600000000000000" pitchFamily="50" charset="-128"/>
-              <a:ea typeface="チェックポイント．（ピリオド）" panose="02000600000000000000" pitchFamily="50" charset="-128"/>
-            </a:endParaRPr>
-          </a:p>
-        </p:txBody>
-      </p:sp>
-      <p:sp>
-        <p:nvSpPr>
-          <p:cNvPr id="19" name="正方形/長方形 18">
-            <a:extLst>
-              <a:ext uri="{FF2B5EF4-FFF2-40B4-BE49-F238E27FC236}">
-                <a16:creationId xmlns:a16="http://schemas.microsoft.com/office/drawing/2014/main" xmlns="" id="{41DDEDAD-B76F-42FC-BD36-C4B4086365F3}"/>
-              </a:ext>
-            </a:extLst>
-          </p:cNvPr>
-          <p:cNvSpPr/>
-          <p:nvPr/>
-        </p:nvSpPr>
-        <p:spPr>
-          <a:xfrm>
-            <a:off x="2627332" y="4259044"/>
-            <a:ext cx="3449617" cy="1230368"/>
-          </a:xfrm>
-          <a:prstGeom prst="rect">
-            <a:avLst/>
-          </a:prstGeom>
-          <a:noFill/>
-          <a:ln w="38100">
-            <a:solidFill>
-              <a:srgbClr val="00B050"/>
-            </a:solidFill>
-          </a:ln>
-        </p:spPr>
-        <p:style>
-          <a:lnRef idx="2">
-            <a:schemeClr val="accent1">
-              <a:shade val="50000"/>
-            </a:schemeClr>
-          </a:lnRef>
-          <a:fillRef idx="1">
-            <a:schemeClr val="accent1"/>
-          </a:fillRef>
-          <a:effectRef idx="0">
-            <a:schemeClr val="accent1"/>
-          </a:effectRef>
-          <a:fontRef idx="minor">
-            <a:schemeClr val="lt1"/>
-          </a:fontRef>
-        </p:style>
-        <p:txBody>
-          <a:bodyPr rtlCol="0" anchor="ctr"/>
-          <a:lstStyle/>
-          <a:p>
-            <a:pPr algn="ctr"/>
-            <a:endParaRPr kumimoji="1" lang="ja-JP" altLang="en-US"/>
-          </a:p>
-        </p:txBody>
-      </p:sp>
-      <p:sp>
-        <p:nvSpPr>
-          <p:cNvPr id="21" name="正方形/長方形 20">
-            <a:extLst>
-              <a:ext uri="{FF2B5EF4-FFF2-40B4-BE49-F238E27FC236}">
-                <a16:creationId xmlns:a16="http://schemas.microsoft.com/office/drawing/2014/main" xmlns="" id="{B89D4E7D-0660-4D0D-912D-DF225C66A1D6}"/>
-              </a:ext>
-            </a:extLst>
-          </p:cNvPr>
-          <p:cNvSpPr/>
-          <p:nvPr/>
-        </p:nvSpPr>
-        <p:spPr>
-          <a:xfrm>
-            <a:off x="6543675" y="5488914"/>
-            <a:ext cx="1114425" cy="242624"/>
-          </a:xfrm>
-          <a:prstGeom prst="rect">
-            <a:avLst/>
-          </a:prstGeom>
-          <a:solidFill>
-            <a:schemeClr val="bg1"/>
-          </a:solidFill>
-          <a:ln>
-            <a:solidFill>
-              <a:schemeClr val="bg1"/>
-            </a:solidFill>
-          </a:ln>
-        </p:spPr>
-        <p:style>
-          <a:lnRef idx="2">
-            <a:schemeClr val="accent1">
-              <a:shade val="50000"/>
-            </a:schemeClr>
-          </a:lnRef>
-          <a:fillRef idx="1">
-            <a:schemeClr val="accent1"/>
-          </a:fillRef>
-          <a:effectRef idx="0">
-            <a:schemeClr val="accent1"/>
-          </a:effectRef>
-          <a:fontRef idx="minor">
-            <a:schemeClr val="lt1"/>
-          </a:fontRef>
-        </p:style>
-        <p:txBody>
-          <a:bodyPr rtlCol="0" anchor="ctr"/>
-          <a:lstStyle/>
-          <a:p>
-            <a:pPr algn="ctr"/>
-            <a:endParaRPr kumimoji="1" lang="ja-JP" altLang="en-US"/>
-          </a:p>
-        </p:txBody>
-      </p:sp>
-      <p:sp>
-        <p:nvSpPr>
-          <p:cNvPr id="20" name="テキスト ボックス 19">
-            <a:extLst>
-              <a:ext uri="{FF2B5EF4-FFF2-40B4-BE49-F238E27FC236}">
-                <a16:creationId xmlns:a16="http://schemas.microsoft.com/office/drawing/2014/main" xmlns="" id="{4588D88C-0F6C-4A95-9191-7AC444B35B14}"/>
-              </a:ext>
-            </a:extLst>
-          </p:cNvPr>
-          <p:cNvSpPr txBox="1"/>
-          <p:nvPr/>
-        </p:nvSpPr>
-        <p:spPr>
-          <a:xfrm>
-            <a:off x="47624" y="5739290"/>
-            <a:ext cx="12096750" cy="1077218"/>
-          </a:xfrm>
-          <a:prstGeom prst="rect">
-            <a:avLst/>
-          </a:prstGeom>
-          <a:noFill/>
-          <a:ln w="38100">
-            <a:solidFill>
-              <a:srgbClr val="92D050"/>
-            </a:solidFill>
-          </a:ln>
-        </p:spPr>
-        <p:txBody>
-          <a:bodyPr wrap="square" rtlCol="0">
-            <a:spAutoFit/>
-          </a:bodyPr>
-          <a:lstStyle/>
-          <a:p>
-            <a:r>
-              <a:rPr kumimoji="1" lang="ja-JP" altLang="en-US" sz="1600" dirty="0">
-                <a:latin typeface="チェックポイント．（ピリオド）" panose="02000600000000000000" pitchFamily="50" charset="-128"/>
-                <a:ea typeface="チェックポイント．（ピリオド）" panose="02000600000000000000" pitchFamily="50" charset="-128"/>
-              </a:rPr>
-              <a:t>緑枠で囲っているのがスペシャル技を選択する場所です。</a:t>
-            </a:r>
-            <a:endParaRPr kumimoji="1" lang="en-US" altLang="ja-JP" sz="1600" dirty="0">
-              <a:latin typeface="チェックポイント．（ピリオド）" panose="02000600000000000000" pitchFamily="50" charset="-128"/>
-              <a:ea typeface="チェックポイント．（ピリオド）" panose="02000600000000000000" pitchFamily="50" charset="-128"/>
-            </a:endParaRPr>
-          </a:p>
-          <a:p>
-            <a:r>
-              <a:rPr lang="ja-JP" altLang="en-US" sz="1600" dirty="0">
-                <a:latin typeface="チェックポイント．（ピリオド）" panose="02000600000000000000" pitchFamily="50" charset="-128"/>
-                <a:ea typeface="チェックポイント．（ピリオド）" panose="02000600000000000000" pitchFamily="50" charset="-128"/>
-              </a:rPr>
-              <a:t>今所持していないスペシャル技は、黒く塗りつぶされます。</a:t>
-            </a:r>
-            <a:endParaRPr lang="en-US" altLang="ja-JP" sz="1600" dirty="0">
-              <a:latin typeface="チェックポイント．（ピリオド）" panose="02000600000000000000" pitchFamily="50" charset="-128"/>
-              <a:ea typeface="チェックポイント．（ピリオド）" panose="02000600000000000000" pitchFamily="50" charset="-128"/>
-            </a:endParaRPr>
-          </a:p>
-          <a:p>
-            <a:r>
-              <a:rPr kumimoji="1" lang="ja-JP" altLang="en-US" sz="1600" dirty="0">
-                <a:latin typeface="チェックポイント．（ピリオド）" panose="02000600000000000000" pitchFamily="50" charset="-128"/>
-                <a:ea typeface="チェックポイント．（ピリオド）" panose="02000600000000000000" pitchFamily="50" charset="-128"/>
-              </a:rPr>
-              <a:t>スペシャル技を装備したい場合は装備したい技のアイコンをクリックしてください。</a:t>
-            </a:r>
-            <a:endParaRPr kumimoji="1" lang="en-US" altLang="ja-JP" sz="1600" dirty="0">
-              <a:latin typeface="チェックポイント．（ピリオド）" panose="02000600000000000000" pitchFamily="50" charset="-128"/>
-              <a:ea typeface="チェックポイント．（ピリオド）" panose="02000600000000000000" pitchFamily="50" charset="-128"/>
-            </a:endParaRPr>
-          </a:p>
-          <a:p>
-            <a:r>
-              <a:rPr lang="ja-JP" altLang="en-US" sz="1600" dirty="0">
-                <a:latin typeface="チェックポイント．（ピリオド）" panose="02000600000000000000" pitchFamily="50" charset="-128"/>
-                <a:ea typeface="チェックポイント．（ピリオド）" panose="02000600000000000000" pitchFamily="50" charset="-128"/>
-              </a:rPr>
-              <a:t>装備を解除したい場合はほかのスペシャル技アイコンをクリックするか装備しているスペシャル技をクリックしてください。</a:t>
-            </a:r>
-            <a:endParaRPr kumimoji="1" lang="en-US" altLang="ja-JP" sz="1600" dirty="0">
-              <a:latin typeface="チェックポイント．（ピリオド）" panose="02000600000000000000" pitchFamily="50" charset="-128"/>
-              <a:ea typeface="チェックポイント．（ピリオド）" panose="02000600000000000000" pitchFamily="50" charset="-128"/>
-            </a:endParaRPr>
-          </a:p>
-        </p:txBody>
-      </p:sp>
-    </p:spTree>
-    <p:extLst>
-      <p:ext uri="{BB962C8B-B14F-4D97-AF65-F5344CB8AC3E}">
-        <p14:creationId xmlns:p14="http://schemas.microsoft.com/office/powerpoint/2010/main" val="472075183"/>
-      </p:ext>
-    </p:extLst>
-  </p:cSld>
-  <p:clrMapOvr>
-    <a:masterClrMapping/>
-  </p:clrMapOvr>
-</p:sld>
-</file>
-
-<file path=ppt/slides/slide8.xml><?xml version="1.0" encoding="utf-8"?>
-<p:sld xmlns:a="http://schemas.openxmlformats.org/drawingml/2006/main" xmlns:r="http://schemas.openxmlformats.org/officeDocument/2006/relationships" xmlns:p="http://schemas.openxmlformats.org/presentationml/2006/main">
-  <p:cSld>
-    <p:spTree>
-      <p:nvGrpSpPr>
-        <p:cNvPr id="1" name=""/>
-        <p:cNvGrpSpPr/>
-        <p:nvPr/>
-      </p:nvGrpSpPr>
-      <p:grpSpPr>
-        <a:xfrm>
-          <a:off x="0" y="0"/>
-          <a:ext cx="0" cy="0"/>
-          <a:chOff x="0" y="0"/>
-          <a:chExt cx="0" cy="0"/>
-        </a:xfrm>
-      </p:grpSpPr>
-      <p:pic>
-        <p:nvPicPr>
-          <p:cNvPr id="5" name="図 4" descr="物体 が含まれている画像&#10;&#10;自動的に生成された説明">
-            <a:extLst>
-              <a:ext uri="{FF2B5EF4-FFF2-40B4-BE49-F238E27FC236}">
-                <a16:creationId xmlns:a16="http://schemas.microsoft.com/office/drawing/2014/main" xmlns="" id="{A8B95791-F64F-423D-B8A7-2C86F56DDB1D}"/>
-              </a:ext>
-            </a:extLst>
-          </p:cNvPr>
-          <p:cNvPicPr>
-            <a:picLocks noChangeAspect="1"/>
-          </p:cNvPicPr>
-          <p:nvPr/>
-        </p:nvPicPr>
-        <p:blipFill rotWithShape="1">
-          <a:blip r:embed="rId2">
-            <a:extLst>
-              <a:ext uri="{28A0092B-C50C-407E-A947-70E740481C1C}">
-                <a14:useLocalDpi xmlns:a14="http://schemas.microsoft.com/office/drawing/2010/main" val="0"/>
-              </a:ext>
-            </a:extLst>
-          </a:blip>
-          <a:srcRect l="5462" t="13624" r="5042" b="3913"/>
-          <a:stretch/>
-        </p:blipFill>
-        <p:spPr>
-          <a:xfrm>
-            <a:off x="36360" y="1042988"/>
-            <a:ext cx="7541238" cy="4029074"/>
-          </a:xfrm>
-          <a:prstGeom prst="rect">
-            <a:avLst/>
-          </a:prstGeom>
-        </p:spPr>
-      </p:pic>
-      <p:sp>
-        <p:nvSpPr>
-          <p:cNvPr id="6" name="テキスト ボックス 5">
-            <a:extLst>
-              <a:ext uri="{FF2B5EF4-FFF2-40B4-BE49-F238E27FC236}">
-                <a16:creationId xmlns:a16="http://schemas.microsoft.com/office/drawing/2014/main" xmlns="" id="{8305E55F-CE22-4A88-A8D4-3E4958510FE7}"/>
-              </a:ext>
-            </a:extLst>
-          </p:cNvPr>
-          <p:cNvSpPr txBox="1"/>
-          <p:nvPr/>
-        </p:nvSpPr>
-        <p:spPr>
-          <a:xfrm>
-            <a:off x="2627332" y="58003"/>
-            <a:ext cx="6937335" cy="830997"/>
-          </a:xfrm>
-          <a:prstGeom prst="rect">
-            <a:avLst/>
-          </a:prstGeom>
-          <a:solidFill>
-            <a:schemeClr val="accent4"/>
-          </a:solidFill>
-        </p:spPr>
-        <p:txBody>
-          <a:bodyPr wrap="square" rtlCol="0">
-            <a:spAutoFit/>
-          </a:bodyPr>
-          <a:lstStyle/>
-          <a:p>
-            <a:pPr algn="ctr"/>
-            <a:r>
-              <a:rPr kumimoji="1" lang="ja-JP" altLang="en-US" sz="4800" dirty="0">
-                <a:latin typeface="チェックポイント．（ピリオド）" panose="02000600000000000000" pitchFamily="50" charset="-128"/>
-                <a:ea typeface="チェックポイント．（ピリオド）" panose="02000600000000000000" pitchFamily="50" charset="-128"/>
-              </a:rPr>
-              <a:t>ヘルプ：ミサイル画面</a:t>
-            </a:r>
-            <a:endParaRPr kumimoji="1" lang="ja-JP" altLang="en-US" dirty="0">
-              <a:latin typeface="チェックポイント．（ピリオド）" panose="02000600000000000000" pitchFamily="50" charset="-128"/>
-              <a:ea typeface="チェックポイント．（ピリオド）" panose="02000600000000000000" pitchFamily="50" charset="-128"/>
-            </a:endParaRPr>
-          </a:p>
-        </p:txBody>
-      </p:sp>
-      <p:sp>
-        <p:nvSpPr>
-          <p:cNvPr id="7" name="吹き出し: 四角形 6">
-            <a:extLst>
-              <a:ext uri="{FF2B5EF4-FFF2-40B4-BE49-F238E27FC236}">
-                <a16:creationId xmlns:a16="http://schemas.microsoft.com/office/drawing/2014/main" xmlns="" id="{EC8402AE-3480-4CC7-905A-0776A28352DA}"/>
-              </a:ext>
-            </a:extLst>
-          </p:cNvPr>
-          <p:cNvSpPr/>
-          <p:nvPr/>
-        </p:nvSpPr>
-        <p:spPr>
-          <a:xfrm>
-            <a:off x="7788888" y="1666875"/>
+            <a:off x="7788888" y="1961356"/>
             <a:ext cx="4206569" cy="1143000"/>
           </a:xfrm>
           <a:prstGeom prst="wedgeRectCallout">
             <a:avLst>
-              <a:gd name="adj1" fmla="val -48099"/>
-              <a:gd name="adj2" fmla="val -66666"/>
+              <a:gd name="adj1" fmla="val -60238"/>
+              <a:gd name="adj2" fmla="val -69783"/>
             </a:avLst>
           </a:prstGeom>
           <a:solidFill>
@@ -11458,7 +10731,7 @@
           <p:cNvPr id="8" name="吹き出し: 四角形 7">
             <a:extLst>
               <a:ext uri="{FF2B5EF4-FFF2-40B4-BE49-F238E27FC236}">
-                <a16:creationId xmlns:a16="http://schemas.microsoft.com/office/drawing/2014/main" xmlns="" id="{12F0A826-4C99-48A7-B36D-03DBE2118E07}"/>
+                <a16:creationId xmlns="" xmlns:a16="http://schemas.microsoft.com/office/drawing/2014/main" id="{12F0A826-4C99-48A7-B36D-03DBE2118E07}"/>
               </a:ext>
             </a:extLst>
           </p:cNvPr>
@@ -11467,13 +10740,13 @@
         </p:nvSpPr>
         <p:spPr>
           <a:xfrm>
-            <a:off x="7577598" y="3057525"/>
+            <a:off x="7788888" y="3604522"/>
             <a:ext cx="4629150" cy="1143000"/>
           </a:xfrm>
           <a:prstGeom prst="wedgeRectCallout">
             <a:avLst>
-              <a:gd name="adj1" fmla="val -48617"/>
-              <a:gd name="adj2" fmla="val -64166"/>
+              <a:gd name="adj1" fmla="val -60417"/>
+              <a:gd name="adj2" fmla="val -87023"/>
             </a:avLst>
           </a:prstGeom>
           <a:noFill/>
@@ -11542,7 +10815,7 @@
           <p:cNvPr id="9" name="吹き出し: 四角形 8">
             <a:extLst>
               <a:ext uri="{FF2B5EF4-FFF2-40B4-BE49-F238E27FC236}">
-                <a16:creationId xmlns:a16="http://schemas.microsoft.com/office/drawing/2014/main" xmlns="" id="{B25F11CC-0810-44FB-85E5-6AFA2E713B6D}"/>
+                <a16:creationId xmlns="" xmlns:a16="http://schemas.microsoft.com/office/drawing/2014/main" id="{B25F11CC-0810-44FB-85E5-6AFA2E713B6D}"/>
               </a:ext>
             </a:extLst>
           </p:cNvPr>
@@ -11660,6 +10933,821 @@
   <p:clrMapOvr>
     <a:masterClrMapping/>
   </p:clrMapOvr>
+  <p:timing>
+    <p:tnLst>
+      <p:par>
+        <p:cTn id="1" dur="indefinite" restart="never" nodeType="tmRoot"/>
+      </p:par>
+    </p:tnLst>
+  </p:timing>
+</p:sld>
+</file>
+
+<file path=ppt/slides/slide8.xml><?xml version="1.0" encoding="utf-8"?>
+<p:sld xmlns:a="http://schemas.openxmlformats.org/drawingml/2006/main" xmlns:r="http://schemas.openxmlformats.org/officeDocument/2006/relationships" xmlns:p="http://schemas.openxmlformats.org/presentationml/2006/main">
+  <p:cSld>
+    <p:spTree>
+      <p:nvGrpSpPr>
+        <p:cNvPr id="1" name=""/>
+        <p:cNvGrpSpPr/>
+        <p:nvPr/>
+      </p:nvGrpSpPr>
+      <p:grpSpPr>
+        <a:xfrm>
+          <a:off x="0" y="0"/>
+          <a:ext cx="0" cy="0"/>
+          <a:chOff x="0" y="0"/>
+          <a:chExt cx="0" cy="0"/>
+        </a:xfrm>
+      </p:grpSpPr>
+      <p:pic>
+        <p:nvPicPr>
+          <p:cNvPr id="7" name="図 6" descr="テキスト が含まれている画像&#10;&#10;自動的に生成された説明">
+            <a:extLst>
+              <a:ext uri="{FF2B5EF4-FFF2-40B4-BE49-F238E27FC236}">
+                <a16:creationId xmlns="" xmlns:a16="http://schemas.microsoft.com/office/drawing/2014/main" id="{F72D7A55-A732-4D03-A156-3A4E7C065D7A}"/>
+              </a:ext>
+            </a:extLst>
+          </p:cNvPr>
+          <p:cNvPicPr>
+            <a:picLocks noChangeAspect="1"/>
+          </p:cNvPicPr>
+          <p:nvPr/>
+        </p:nvPicPr>
+        <p:blipFill rotWithShape="1">
+          <a:blip r:embed="rId2">
+            <a:extLst>
+              <a:ext uri="{28A0092B-C50C-407E-A947-70E740481C1C}">
+                <a14:useLocalDpi xmlns:a14="http://schemas.microsoft.com/office/drawing/2010/main" val="0"/>
+              </a:ext>
+            </a:extLst>
+          </a:blip>
+          <a:srcRect t="4493"/>
+          <a:stretch/>
+        </p:blipFill>
+        <p:spPr>
+          <a:xfrm>
+            <a:off x="352424" y="1143001"/>
+            <a:ext cx="7848600" cy="4346410"/>
+          </a:xfrm>
+          <a:prstGeom prst="rect">
+            <a:avLst/>
+          </a:prstGeom>
+        </p:spPr>
+      </p:pic>
+      <p:sp>
+        <p:nvSpPr>
+          <p:cNvPr id="10" name="テキスト ボックス 9">
+            <a:extLst>
+              <a:ext uri="{FF2B5EF4-FFF2-40B4-BE49-F238E27FC236}">
+                <a16:creationId xmlns="" xmlns:a16="http://schemas.microsoft.com/office/drawing/2014/main" id="{D5807289-5F94-4ABF-BB19-A244DE39AAB7}"/>
+              </a:ext>
+            </a:extLst>
+          </p:cNvPr>
+          <p:cNvSpPr txBox="1"/>
+          <p:nvPr/>
+        </p:nvSpPr>
+        <p:spPr>
+          <a:xfrm>
+            <a:off x="2627332" y="58003"/>
+            <a:ext cx="6937335" cy="830997"/>
+          </a:xfrm>
+          <a:prstGeom prst="rect">
+            <a:avLst/>
+          </a:prstGeom>
+          <a:solidFill>
+            <a:schemeClr val="accent4"/>
+          </a:solidFill>
+        </p:spPr>
+        <p:txBody>
+          <a:bodyPr wrap="square" rtlCol="0">
+            <a:spAutoFit/>
+          </a:bodyPr>
+          <a:lstStyle/>
+          <a:p>
+            <a:pPr algn="ctr"/>
+            <a:r>
+              <a:rPr kumimoji="1" lang="ja-JP" altLang="en-US" sz="4800" dirty="0">
+                <a:latin typeface="チェックポイント．（ピリオド）" panose="02000600000000000000" pitchFamily="50" charset="-128"/>
+                <a:ea typeface="チェックポイント．（ピリオド）" panose="02000600000000000000" pitchFamily="50" charset="-128"/>
+              </a:rPr>
+              <a:t>ヘルプ：準備画面</a:t>
+            </a:r>
+            <a:endParaRPr kumimoji="1" lang="ja-JP" altLang="en-US" dirty="0">
+              <a:latin typeface="チェックポイント．（ピリオド）" panose="02000600000000000000" pitchFamily="50" charset="-128"/>
+              <a:ea typeface="チェックポイント．（ピリオド）" panose="02000600000000000000" pitchFamily="50" charset="-128"/>
+            </a:endParaRPr>
+          </a:p>
+        </p:txBody>
+      </p:sp>
+      <p:sp>
+        <p:nvSpPr>
+          <p:cNvPr id="11" name="テキスト ボックス 10">
+            <a:extLst>
+              <a:ext uri="{FF2B5EF4-FFF2-40B4-BE49-F238E27FC236}">
+                <a16:creationId xmlns="" xmlns:a16="http://schemas.microsoft.com/office/drawing/2014/main" id="{6D354EB7-7F73-4490-964D-300A57A3D0C5}"/>
+              </a:ext>
+            </a:extLst>
+          </p:cNvPr>
+          <p:cNvSpPr txBox="1"/>
+          <p:nvPr/>
+        </p:nvSpPr>
+        <p:spPr>
+          <a:xfrm>
+            <a:off x="8353425" y="1064753"/>
+            <a:ext cx="3009900" cy="646331"/>
+          </a:xfrm>
+          <a:prstGeom prst="rect">
+            <a:avLst/>
+          </a:prstGeom>
+          <a:noFill/>
+        </p:spPr>
+        <p:txBody>
+          <a:bodyPr wrap="square" rtlCol="0">
+            <a:spAutoFit/>
+          </a:bodyPr>
+          <a:lstStyle/>
+          <a:p>
+            <a:r>
+              <a:rPr kumimoji="1" lang="ja-JP" altLang="en-US" dirty="0">
+                <a:latin typeface="チェックポイント．（ピリオド）" panose="02000600000000000000" pitchFamily="50" charset="-128"/>
+                <a:ea typeface="チェックポイント．（ピリオド）" panose="02000600000000000000" pitchFamily="50" charset="-128"/>
+              </a:rPr>
+              <a:t>この画面では戦闘前に敵を確認などの準備ができます</a:t>
+            </a:r>
+          </a:p>
+        </p:txBody>
+      </p:sp>
+      <p:sp>
+        <p:nvSpPr>
+          <p:cNvPr id="12" name="楕円 11">
+            <a:extLst>
+              <a:ext uri="{FF2B5EF4-FFF2-40B4-BE49-F238E27FC236}">
+                <a16:creationId xmlns="" xmlns:a16="http://schemas.microsoft.com/office/drawing/2014/main" id="{27BE146F-8491-400F-AB07-2E26102463F2}"/>
+              </a:ext>
+            </a:extLst>
+          </p:cNvPr>
+          <p:cNvSpPr/>
+          <p:nvPr/>
+        </p:nvSpPr>
+        <p:spPr>
+          <a:xfrm>
+            <a:off x="1247775" y="2295525"/>
+            <a:ext cx="1562100" cy="1457325"/>
+          </a:xfrm>
+          <a:prstGeom prst="ellipse">
+            <a:avLst/>
+          </a:prstGeom>
+          <a:noFill/>
+          <a:ln w="38100">
+            <a:solidFill>
+              <a:srgbClr val="FF0000"/>
+            </a:solidFill>
+          </a:ln>
+        </p:spPr>
+        <p:style>
+          <a:lnRef idx="2">
+            <a:schemeClr val="accent1">
+              <a:shade val="50000"/>
+            </a:schemeClr>
+          </a:lnRef>
+          <a:fillRef idx="1">
+            <a:schemeClr val="accent1"/>
+          </a:fillRef>
+          <a:effectRef idx="0">
+            <a:schemeClr val="accent1"/>
+          </a:effectRef>
+          <a:fontRef idx="minor">
+            <a:schemeClr val="lt1"/>
+          </a:fontRef>
+        </p:style>
+        <p:txBody>
+          <a:bodyPr rtlCol="0" anchor="ctr"/>
+          <a:lstStyle/>
+          <a:p>
+            <a:pPr algn="ctr"/>
+            <a:endParaRPr kumimoji="1" lang="ja-JP" altLang="en-US"/>
+          </a:p>
+        </p:txBody>
+      </p:sp>
+      <p:sp>
+        <p:nvSpPr>
+          <p:cNvPr id="13" name="楕円 12">
+            <a:extLst>
+              <a:ext uri="{FF2B5EF4-FFF2-40B4-BE49-F238E27FC236}">
+                <a16:creationId xmlns="" xmlns:a16="http://schemas.microsoft.com/office/drawing/2014/main" id="{AC13EDC5-A927-451C-A8C6-2F68A75D9DB9}"/>
+              </a:ext>
+            </a:extLst>
+          </p:cNvPr>
+          <p:cNvSpPr/>
+          <p:nvPr/>
+        </p:nvSpPr>
+        <p:spPr>
+          <a:xfrm>
+            <a:off x="3181350" y="1996855"/>
+            <a:ext cx="895351" cy="1055907"/>
+          </a:xfrm>
+          <a:prstGeom prst="ellipse">
+            <a:avLst/>
+          </a:prstGeom>
+          <a:noFill/>
+          <a:ln w="38100">
+            <a:solidFill>
+              <a:srgbClr val="FF0000"/>
+            </a:solidFill>
+          </a:ln>
+        </p:spPr>
+        <p:style>
+          <a:lnRef idx="2">
+            <a:schemeClr val="accent1">
+              <a:shade val="50000"/>
+            </a:schemeClr>
+          </a:lnRef>
+          <a:fillRef idx="1">
+            <a:schemeClr val="accent1"/>
+          </a:fillRef>
+          <a:effectRef idx="0">
+            <a:schemeClr val="accent1"/>
+          </a:effectRef>
+          <a:fontRef idx="minor">
+            <a:schemeClr val="lt1"/>
+          </a:fontRef>
+        </p:style>
+        <p:txBody>
+          <a:bodyPr rtlCol="0" anchor="ctr"/>
+          <a:lstStyle/>
+          <a:p>
+            <a:pPr algn="ctr"/>
+            <a:endParaRPr kumimoji="1" lang="ja-JP" altLang="en-US"/>
+          </a:p>
+        </p:txBody>
+      </p:sp>
+      <p:sp>
+        <p:nvSpPr>
+          <p:cNvPr id="14" name="楕円 13">
+            <a:extLst>
+              <a:ext uri="{FF2B5EF4-FFF2-40B4-BE49-F238E27FC236}">
+                <a16:creationId xmlns="" xmlns:a16="http://schemas.microsoft.com/office/drawing/2014/main" id="{A70D7407-0728-49A8-BDE2-7434759F1455}"/>
+              </a:ext>
+            </a:extLst>
+          </p:cNvPr>
+          <p:cNvSpPr/>
+          <p:nvPr/>
+        </p:nvSpPr>
+        <p:spPr>
+          <a:xfrm>
+            <a:off x="5172075" y="1996855"/>
+            <a:ext cx="1562100" cy="1457325"/>
+          </a:xfrm>
+          <a:prstGeom prst="ellipse">
+            <a:avLst/>
+          </a:prstGeom>
+          <a:noFill/>
+          <a:ln w="38100">
+            <a:solidFill>
+              <a:srgbClr val="FF0000"/>
+            </a:solidFill>
+          </a:ln>
+        </p:spPr>
+        <p:style>
+          <a:lnRef idx="2">
+            <a:schemeClr val="accent1">
+              <a:shade val="50000"/>
+            </a:schemeClr>
+          </a:lnRef>
+          <a:fillRef idx="1">
+            <a:schemeClr val="accent1"/>
+          </a:fillRef>
+          <a:effectRef idx="0">
+            <a:schemeClr val="accent1"/>
+          </a:effectRef>
+          <a:fontRef idx="minor">
+            <a:schemeClr val="lt1"/>
+          </a:fontRef>
+        </p:style>
+        <p:txBody>
+          <a:bodyPr rtlCol="0" anchor="ctr"/>
+          <a:lstStyle/>
+          <a:p>
+            <a:pPr algn="ctr"/>
+            <a:endParaRPr kumimoji="1" lang="ja-JP" altLang="en-US"/>
+          </a:p>
+        </p:txBody>
+      </p:sp>
+      <p:sp>
+        <p:nvSpPr>
+          <p:cNvPr id="15" name="楕円 14">
+            <a:extLst>
+              <a:ext uri="{FF2B5EF4-FFF2-40B4-BE49-F238E27FC236}">
+                <a16:creationId xmlns="" xmlns:a16="http://schemas.microsoft.com/office/drawing/2014/main" id="{BA8A41E3-4961-4217-9C31-D8A81A9809A9}"/>
+              </a:ext>
+            </a:extLst>
+          </p:cNvPr>
+          <p:cNvSpPr/>
+          <p:nvPr/>
+        </p:nvSpPr>
+        <p:spPr>
+          <a:xfrm>
+            <a:off x="6267450" y="4029076"/>
+            <a:ext cx="1666876" cy="1581150"/>
+          </a:xfrm>
+          <a:prstGeom prst="ellipse">
+            <a:avLst/>
+          </a:prstGeom>
+          <a:noFill/>
+          <a:ln w="38100">
+            <a:solidFill>
+              <a:srgbClr val="FF0000"/>
+            </a:solidFill>
+          </a:ln>
+        </p:spPr>
+        <p:style>
+          <a:lnRef idx="2">
+            <a:schemeClr val="accent1">
+              <a:shade val="50000"/>
+            </a:schemeClr>
+          </a:lnRef>
+          <a:fillRef idx="1">
+            <a:schemeClr val="accent1"/>
+          </a:fillRef>
+          <a:effectRef idx="0">
+            <a:schemeClr val="accent1"/>
+          </a:effectRef>
+          <a:fontRef idx="minor">
+            <a:schemeClr val="lt1"/>
+          </a:fontRef>
+        </p:style>
+        <p:txBody>
+          <a:bodyPr rtlCol="0" anchor="ctr"/>
+          <a:lstStyle/>
+          <a:p>
+            <a:pPr algn="ctr"/>
+            <a:endParaRPr kumimoji="1" lang="ja-JP" altLang="en-US"/>
+          </a:p>
+        </p:txBody>
+      </p:sp>
+      <p:sp>
+        <p:nvSpPr>
+          <p:cNvPr id="16" name="テキスト ボックス 15">
+            <a:extLst>
+              <a:ext uri="{FF2B5EF4-FFF2-40B4-BE49-F238E27FC236}">
+                <a16:creationId xmlns="" xmlns:a16="http://schemas.microsoft.com/office/drawing/2014/main" id="{FBBAA09C-4BEB-47EA-BC7F-480BCC2226F1}"/>
+              </a:ext>
+            </a:extLst>
+          </p:cNvPr>
+          <p:cNvSpPr txBox="1"/>
+          <p:nvPr/>
+        </p:nvSpPr>
+        <p:spPr>
+          <a:xfrm>
+            <a:off x="8201024" y="1886837"/>
+            <a:ext cx="3962400" cy="1754326"/>
+          </a:xfrm>
+          <a:prstGeom prst="rect">
+            <a:avLst/>
+          </a:prstGeom>
+          <a:noFill/>
+          <a:ln w="38100">
+            <a:solidFill>
+              <a:srgbClr val="FF0000"/>
+            </a:solidFill>
+          </a:ln>
+        </p:spPr>
+        <p:txBody>
+          <a:bodyPr wrap="square" rtlCol="0">
+            <a:spAutoFit/>
+          </a:bodyPr>
+          <a:lstStyle/>
+          <a:p>
+            <a:r>
+              <a:rPr kumimoji="1" lang="ja-JP" altLang="en-US" dirty="0">
+                <a:latin typeface="チェックポイント．（ピリオド）" panose="02000600000000000000" pitchFamily="50" charset="-128"/>
+                <a:ea typeface="チェックポイント．（ピリオド）" panose="02000600000000000000" pitchFamily="50" charset="-128"/>
+              </a:rPr>
+              <a:t>赤枠で囲っているのが敵惑星です。</a:t>
+            </a:r>
+            <a:endParaRPr kumimoji="1" lang="en-US" altLang="ja-JP" dirty="0">
+              <a:latin typeface="チェックポイント．（ピリオド）" panose="02000600000000000000" pitchFamily="50" charset="-128"/>
+              <a:ea typeface="チェックポイント．（ピリオド）" panose="02000600000000000000" pitchFamily="50" charset="-128"/>
+            </a:endParaRPr>
+          </a:p>
+          <a:p>
+            <a:r>
+              <a:rPr lang="ja-JP" altLang="en-US" dirty="0">
+                <a:latin typeface="チェックポイント．（ピリオド）" panose="02000600000000000000" pitchFamily="50" charset="-128"/>
+                <a:ea typeface="チェックポイント．（ピリオド）" panose="02000600000000000000" pitchFamily="50" charset="-128"/>
+              </a:rPr>
+              <a:t>この中のどれかから</a:t>
+            </a:r>
+            <a:endParaRPr lang="en-US" altLang="ja-JP" dirty="0">
+              <a:latin typeface="チェックポイント．（ピリオド）" panose="02000600000000000000" pitchFamily="50" charset="-128"/>
+              <a:ea typeface="チェックポイント．（ピリオド）" panose="02000600000000000000" pitchFamily="50" charset="-128"/>
+            </a:endParaRPr>
+          </a:p>
+          <a:p>
+            <a:r>
+              <a:rPr lang="ja-JP" altLang="en-US" dirty="0">
+                <a:latin typeface="チェックポイント．（ピリオド）" panose="02000600000000000000" pitchFamily="50" charset="-128"/>
+                <a:ea typeface="チェックポイント．（ピリオド）" panose="02000600000000000000" pitchFamily="50" charset="-128"/>
+              </a:rPr>
+              <a:t>敵を選び戦うことができ、</a:t>
+            </a:r>
+            <a:endParaRPr lang="en-US" altLang="ja-JP" dirty="0">
+              <a:latin typeface="チェックポイント．（ピリオド）" panose="02000600000000000000" pitchFamily="50" charset="-128"/>
+              <a:ea typeface="チェックポイント．（ピリオド）" panose="02000600000000000000" pitchFamily="50" charset="-128"/>
+            </a:endParaRPr>
+          </a:p>
+          <a:p>
+            <a:r>
+              <a:rPr kumimoji="1" lang="ja-JP" altLang="en-US" dirty="0">
+                <a:latin typeface="チェックポイント．（ピリオド）" panose="02000600000000000000" pitchFamily="50" charset="-128"/>
+                <a:ea typeface="チェックポイント．（ピリオド）" panose="02000600000000000000" pitchFamily="50" charset="-128"/>
+              </a:rPr>
+              <a:t>敵惑星にカーソルを合わせると</a:t>
+            </a:r>
+            <a:endParaRPr lang="en-US" altLang="ja-JP" dirty="0">
+              <a:latin typeface="チェックポイント．（ピリオド）" panose="02000600000000000000" pitchFamily="50" charset="-128"/>
+              <a:ea typeface="チェックポイント．（ピリオド）" panose="02000600000000000000" pitchFamily="50" charset="-128"/>
+            </a:endParaRPr>
+          </a:p>
+          <a:p>
+            <a:r>
+              <a:rPr kumimoji="1" lang="ja-JP" altLang="en-US" dirty="0">
+                <a:latin typeface="チェックポイント．（ピリオド）" panose="02000600000000000000" pitchFamily="50" charset="-128"/>
+                <a:ea typeface="チェックポイント．（ピリオド）" panose="02000600000000000000" pitchFamily="50" charset="-128"/>
+              </a:rPr>
+              <a:t>敵惑星の情報を</a:t>
+            </a:r>
+            <a:endParaRPr kumimoji="1" lang="en-US" altLang="ja-JP" dirty="0">
+              <a:latin typeface="チェックポイント．（ピリオド）" panose="02000600000000000000" pitchFamily="50" charset="-128"/>
+              <a:ea typeface="チェックポイント．（ピリオド）" panose="02000600000000000000" pitchFamily="50" charset="-128"/>
+            </a:endParaRPr>
+          </a:p>
+          <a:p>
+            <a:r>
+              <a:rPr kumimoji="1" lang="ja-JP" altLang="en-US" dirty="0">
+                <a:latin typeface="チェックポイント．（ピリオド）" panose="02000600000000000000" pitchFamily="50" charset="-128"/>
+                <a:ea typeface="チェックポイント．（ピリオド）" panose="02000600000000000000" pitchFamily="50" charset="-128"/>
+              </a:rPr>
+              <a:t>確認することができます。</a:t>
+            </a:r>
+          </a:p>
+        </p:txBody>
+      </p:sp>
+      <p:sp>
+        <p:nvSpPr>
+          <p:cNvPr id="17" name="正方形/長方形 16">
+            <a:extLst>
+              <a:ext uri="{FF2B5EF4-FFF2-40B4-BE49-F238E27FC236}">
+                <a16:creationId xmlns="" xmlns:a16="http://schemas.microsoft.com/office/drawing/2014/main" id="{A2CF4C31-1025-4708-B374-7F8887320A14}"/>
+              </a:ext>
+            </a:extLst>
+          </p:cNvPr>
+          <p:cNvSpPr/>
+          <p:nvPr/>
+        </p:nvSpPr>
+        <p:spPr>
+          <a:xfrm>
+            <a:off x="1371600" y="1223523"/>
+            <a:ext cx="5657850" cy="565809"/>
+          </a:xfrm>
+          <a:prstGeom prst="rect">
+            <a:avLst/>
+          </a:prstGeom>
+          <a:noFill/>
+          <a:ln w="38100">
+            <a:solidFill>
+              <a:srgbClr val="0070C0"/>
+            </a:solidFill>
+          </a:ln>
+        </p:spPr>
+        <p:style>
+          <a:lnRef idx="2">
+            <a:schemeClr val="accent1">
+              <a:shade val="50000"/>
+            </a:schemeClr>
+          </a:lnRef>
+          <a:fillRef idx="1">
+            <a:schemeClr val="accent1"/>
+          </a:fillRef>
+          <a:effectRef idx="0">
+            <a:schemeClr val="accent1"/>
+          </a:effectRef>
+          <a:fontRef idx="minor">
+            <a:schemeClr val="lt1"/>
+          </a:fontRef>
+        </p:style>
+        <p:txBody>
+          <a:bodyPr rtlCol="0" anchor="ctr"/>
+          <a:lstStyle/>
+          <a:p>
+            <a:pPr algn="ctr"/>
+            <a:endParaRPr kumimoji="1" lang="ja-JP" altLang="en-US"/>
+          </a:p>
+        </p:txBody>
+      </p:sp>
+      <p:sp>
+        <p:nvSpPr>
+          <p:cNvPr id="18" name="テキスト ボックス 17">
+            <a:extLst>
+              <a:ext uri="{FF2B5EF4-FFF2-40B4-BE49-F238E27FC236}">
+                <a16:creationId xmlns="" xmlns:a16="http://schemas.microsoft.com/office/drawing/2014/main" id="{594DFF38-A0BF-4052-92A8-115900A7F03B}"/>
+              </a:ext>
+            </a:extLst>
+          </p:cNvPr>
+          <p:cNvSpPr txBox="1"/>
+          <p:nvPr/>
+        </p:nvSpPr>
+        <p:spPr>
+          <a:xfrm>
+            <a:off x="8220073" y="3752850"/>
+            <a:ext cx="3962400" cy="1477328"/>
+          </a:xfrm>
+          <a:prstGeom prst="rect">
+            <a:avLst/>
+          </a:prstGeom>
+          <a:noFill/>
+          <a:ln w="38100">
+            <a:solidFill>
+              <a:srgbClr val="5B9BD5"/>
+            </a:solidFill>
+          </a:ln>
+        </p:spPr>
+        <p:txBody>
+          <a:bodyPr wrap="square" rtlCol="0">
+            <a:spAutoFit/>
+          </a:bodyPr>
+          <a:lstStyle/>
+          <a:p>
+            <a:r>
+              <a:rPr lang="ja-JP" altLang="en-US" dirty="0">
+                <a:latin typeface="チェックポイント．（ピリオド）" panose="02000600000000000000" pitchFamily="50" charset="-128"/>
+                <a:ea typeface="チェックポイント．（ピリオド）" panose="02000600000000000000" pitchFamily="50" charset="-128"/>
+              </a:rPr>
+              <a:t>青</a:t>
+            </a:r>
+            <a:r>
+              <a:rPr kumimoji="1" lang="ja-JP" altLang="en-US" dirty="0">
+                <a:latin typeface="チェックポイント．（ピリオド）" panose="02000600000000000000" pitchFamily="50" charset="-128"/>
+                <a:ea typeface="チェックポイント．（ピリオド）" panose="02000600000000000000" pitchFamily="50" charset="-128"/>
+              </a:rPr>
+              <a:t>枠で囲っているのが強大な惑星が来るまでのカウントダウンです。</a:t>
+            </a:r>
+            <a:endParaRPr kumimoji="1" lang="en-US" altLang="ja-JP" dirty="0">
+              <a:latin typeface="チェックポイント．（ピリオド）" panose="02000600000000000000" pitchFamily="50" charset="-128"/>
+              <a:ea typeface="チェックポイント．（ピリオド）" panose="02000600000000000000" pitchFamily="50" charset="-128"/>
+            </a:endParaRPr>
+          </a:p>
+          <a:p>
+            <a:r>
+              <a:rPr lang="ja-JP" altLang="en-US" dirty="0">
+                <a:latin typeface="チェックポイント．（ピリオド）" panose="02000600000000000000" pitchFamily="50" charset="-128"/>
+                <a:ea typeface="チェックポイント．（ピリオド）" panose="02000600000000000000" pitchFamily="50" charset="-128"/>
+              </a:rPr>
+              <a:t>敵惑星を倒すと</a:t>
+            </a:r>
+            <a:endParaRPr lang="en-US" altLang="ja-JP" dirty="0">
+              <a:latin typeface="チェックポイント．（ピリオド）" panose="02000600000000000000" pitchFamily="50" charset="-128"/>
+              <a:ea typeface="チェックポイント．（ピリオド）" panose="02000600000000000000" pitchFamily="50" charset="-128"/>
+            </a:endParaRPr>
+          </a:p>
+          <a:p>
+            <a:r>
+              <a:rPr lang="ja-JP" altLang="en-US" dirty="0">
+                <a:latin typeface="チェックポイント．（ピリオド）" panose="02000600000000000000" pitchFamily="50" charset="-128"/>
+                <a:ea typeface="チェックポイント．（ピリオド）" panose="02000600000000000000" pitchFamily="50" charset="-128"/>
+              </a:rPr>
+              <a:t>カウントが減っていき０になると</a:t>
+            </a:r>
+            <a:endParaRPr lang="en-US" altLang="ja-JP" dirty="0">
+              <a:latin typeface="チェックポイント．（ピリオド）" panose="02000600000000000000" pitchFamily="50" charset="-128"/>
+              <a:ea typeface="チェックポイント．（ピリオド）" panose="02000600000000000000" pitchFamily="50" charset="-128"/>
+            </a:endParaRPr>
+          </a:p>
+          <a:p>
+            <a:r>
+              <a:rPr lang="ja-JP" altLang="en-US" dirty="0">
+                <a:latin typeface="チェックポイント．（ピリオド）" panose="02000600000000000000" pitchFamily="50" charset="-128"/>
+                <a:ea typeface="チェックポイント．（ピリオド）" panose="02000600000000000000" pitchFamily="50" charset="-128"/>
+              </a:rPr>
+              <a:t>強大な惑星が襲い掛かってきます。</a:t>
+            </a:r>
+            <a:endParaRPr kumimoji="1" lang="en-US" altLang="ja-JP" dirty="0">
+              <a:latin typeface="チェックポイント．（ピリオド）" panose="02000600000000000000" pitchFamily="50" charset="-128"/>
+              <a:ea typeface="チェックポイント．（ピリオド）" panose="02000600000000000000" pitchFamily="50" charset="-128"/>
+            </a:endParaRPr>
+          </a:p>
+        </p:txBody>
+      </p:sp>
+      <p:sp>
+        <p:nvSpPr>
+          <p:cNvPr id="19" name="正方形/長方形 18">
+            <a:extLst>
+              <a:ext uri="{FF2B5EF4-FFF2-40B4-BE49-F238E27FC236}">
+                <a16:creationId xmlns="" xmlns:a16="http://schemas.microsoft.com/office/drawing/2014/main" id="{41DDEDAD-B76F-42FC-BD36-C4B4086365F3}"/>
+              </a:ext>
+            </a:extLst>
+          </p:cNvPr>
+          <p:cNvSpPr/>
+          <p:nvPr/>
+        </p:nvSpPr>
+        <p:spPr>
+          <a:xfrm>
+            <a:off x="2627332" y="4259044"/>
+            <a:ext cx="3449617" cy="1230368"/>
+          </a:xfrm>
+          <a:prstGeom prst="rect">
+            <a:avLst/>
+          </a:prstGeom>
+          <a:noFill/>
+          <a:ln w="38100">
+            <a:solidFill>
+              <a:srgbClr val="00B050"/>
+            </a:solidFill>
+          </a:ln>
+        </p:spPr>
+        <p:style>
+          <a:lnRef idx="2">
+            <a:schemeClr val="accent1">
+              <a:shade val="50000"/>
+            </a:schemeClr>
+          </a:lnRef>
+          <a:fillRef idx="1">
+            <a:schemeClr val="accent1"/>
+          </a:fillRef>
+          <a:effectRef idx="0">
+            <a:schemeClr val="accent1"/>
+          </a:effectRef>
+          <a:fontRef idx="minor">
+            <a:schemeClr val="lt1"/>
+          </a:fontRef>
+        </p:style>
+        <p:txBody>
+          <a:bodyPr rtlCol="0" anchor="ctr"/>
+          <a:lstStyle/>
+          <a:p>
+            <a:pPr algn="ctr"/>
+            <a:endParaRPr kumimoji="1" lang="ja-JP" altLang="en-US"/>
+          </a:p>
+        </p:txBody>
+      </p:sp>
+      <p:sp>
+        <p:nvSpPr>
+          <p:cNvPr id="21" name="正方形/長方形 20">
+            <a:extLst>
+              <a:ext uri="{FF2B5EF4-FFF2-40B4-BE49-F238E27FC236}">
+                <a16:creationId xmlns="" xmlns:a16="http://schemas.microsoft.com/office/drawing/2014/main" id="{B89D4E7D-0660-4D0D-912D-DF225C66A1D6}"/>
+              </a:ext>
+            </a:extLst>
+          </p:cNvPr>
+          <p:cNvSpPr/>
+          <p:nvPr/>
+        </p:nvSpPr>
+        <p:spPr>
+          <a:xfrm>
+            <a:off x="6543675" y="5488914"/>
+            <a:ext cx="1114425" cy="242624"/>
+          </a:xfrm>
+          <a:prstGeom prst="rect">
+            <a:avLst/>
+          </a:prstGeom>
+          <a:solidFill>
+            <a:schemeClr val="bg1"/>
+          </a:solidFill>
+          <a:ln>
+            <a:solidFill>
+              <a:schemeClr val="bg1"/>
+            </a:solidFill>
+          </a:ln>
+        </p:spPr>
+        <p:style>
+          <a:lnRef idx="2">
+            <a:schemeClr val="accent1">
+              <a:shade val="50000"/>
+            </a:schemeClr>
+          </a:lnRef>
+          <a:fillRef idx="1">
+            <a:schemeClr val="accent1"/>
+          </a:fillRef>
+          <a:effectRef idx="0">
+            <a:schemeClr val="accent1"/>
+          </a:effectRef>
+          <a:fontRef idx="minor">
+            <a:schemeClr val="lt1"/>
+          </a:fontRef>
+        </p:style>
+        <p:txBody>
+          <a:bodyPr rtlCol="0" anchor="ctr"/>
+          <a:lstStyle/>
+          <a:p>
+            <a:pPr algn="ctr"/>
+            <a:endParaRPr kumimoji="1" lang="ja-JP" altLang="en-US"/>
+          </a:p>
+        </p:txBody>
+      </p:sp>
+      <p:sp>
+        <p:nvSpPr>
+          <p:cNvPr id="20" name="テキスト ボックス 19">
+            <a:extLst>
+              <a:ext uri="{FF2B5EF4-FFF2-40B4-BE49-F238E27FC236}">
+                <a16:creationId xmlns="" xmlns:a16="http://schemas.microsoft.com/office/drawing/2014/main" id="{4588D88C-0F6C-4A95-9191-7AC444B35B14}"/>
+              </a:ext>
+            </a:extLst>
+          </p:cNvPr>
+          <p:cNvSpPr txBox="1"/>
+          <p:nvPr/>
+        </p:nvSpPr>
+        <p:spPr>
+          <a:xfrm>
+            <a:off x="47624" y="5739290"/>
+            <a:ext cx="12096750" cy="1077218"/>
+          </a:xfrm>
+          <a:prstGeom prst="rect">
+            <a:avLst/>
+          </a:prstGeom>
+          <a:noFill/>
+          <a:ln w="38100">
+            <a:solidFill>
+              <a:srgbClr val="92D050"/>
+            </a:solidFill>
+          </a:ln>
+        </p:spPr>
+        <p:txBody>
+          <a:bodyPr wrap="square" rtlCol="0">
+            <a:spAutoFit/>
+          </a:bodyPr>
+          <a:lstStyle/>
+          <a:p>
+            <a:r>
+              <a:rPr kumimoji="1" lang="ja-JP" altLang="en-US" sz="1600" dirty="0">
+                <a:latin typeface="チェックポイント．（ピリオド）" panose="02000600000000000000" pitchFamily="50" charset="-128"/>
+                <a:ea typeface="チェックポイント．（ピリオド）" panose="02000600000000000000" pitchFamily="50" charset="-128"/>
+              </a:rPr>
+              <a:t>緑枠で囲っているのがスペシャル技を選択する場所です。</a:t>
+            </a:r>
+            <a:endParaRPr kumimoji="1" lang="en-US" altLang="ja-JP" sz="1600" dirty="0">
+              <a:latin typeface="チェックポイント．（ピリオド）" panose="02000600000000000000" pitchFamily="50" charset="-128"/>
+              <a:ea typeface="チェックポイント．（ピリオド）" panose="02000600000000000000" pitchFamily="50" charset="-128"/>
+            </a:endParaRPr>
+          </a:p>
+          <a:p>
+            <a:r>
+              <a:rPr lang="ja-JP" altLang="en-US" sz="1600" dirty="0">
+                <a:latin typeface="チェックポイント．（ピリオド）" panose="02000600000000000000" pitchFamily="50" charset="-128"/>
+                <a:ea typeface="チェックポイント．（ピリオド）" panose="02000600000000000000" pitchFamily="50" charset="-128"/>
+              </a:rPr>
+              <a:t>今所持していないスペシャル技は、黒く塗りつぶされます。</a:t>
+            </a:r>
+            <a:endParaRPr lang="en-US" altLang="ja-JP" sz="1600" dirty="0">
+              <a:latin typeface="チェックポイント．（ピリオド）" panose="02000600000000000000" pitchFamily="50" charset="-128"/>
+              <a:ea typeface="チェックポイント．（ピリオド）" panose="02000600000000000000" pitchFamily="50" charset="-128"/>
+            </a:endParaRPr>
+          </a:p>
+          <a:p>
+            <a:r>
+              <a:rPr kumimoji="1" lang="ja-JP" altLang="en-US" sz="1600" dirty="0">
+                <a:latin typeface="チェックポイント．（ピリオド）" panose="02000600000000000000" pitchFamily="50" charset="-128"/>
+                <a:ea typeface="チェックポイント．（ピリオド）" panose="02000600000000000000" pitchFamily="50" charset="-128"/>
+              </a:rPr>
+              <a:t>スペシャル技を装備したい場合は装備したい技のアイコンをクリックしてください。</a:t>
+            </a:r>
+            <a:endParaRPr kumimoji="1" lang="en-US" altLang="ja-JP" sz="1600" dirty="0">
+              <a:latin typeface="チェックポイント．（ピリオド）" panose="02000600000000000000" pitchFamily="50" charset="-128"/>
+              <a:ea typeface="チェックポイント．（ピリオド）" panose="02000600000000000000" pitchFamily="50" charset="-128"/>
+            </a:endParaRPr>
+          </a:p>
+          <a:p>
+            <a:r>
+              <a:rPr lang="ja-JP" altLang="en-US" sz="1600" dirty="0">
+                <a:latin typeface="チェックポイント．（ピリオド）" panose="02000600000000000000" pitchFamily="50" charset="-128"/>
+                <a:ea typeface="チェックポイント．（ピリオド）" panose="02000600000000000000" pitchFamily="50" charset="-128"/>
+              </a:rPr>
+              <a:t>装備を解除したい場合はほかのスペシャル技アイコンをクリックするか装備しているスペシャル技をクリックしてください。</a:t>
+            </a:r>
+            <a:endParaRPr kumimoji="1" lang="en-US" altLang="ja-JP" sz="1600" dirty="0">
+              <a:latin typeface="チェックポイント．（ピリオド）" panose="02000600000000000000" pitchFamily="50" charset="-128"/>
+              <a:ea typeface="チェックポイント．（ピリオド）" panose="02000600000000000000" pitchFamily="50" charset="-128"/>
+            </a:endParaRPr>
+          </a:p>
+        </p:txBody>
+      </p:sp>
+    </p:spTree>
+    <p:extLst>
+      <p:ext uri="{BB962C8B-B14F-4D97-AF65-F5344CB8AC3E}">
+        <p14:creationId xmlns:p14="http://schemas.microsoft.com/office/powerpoint/2010/main" val="472075183"/>
+      </p:ext>
+    </p:extLst>
+  </p:cSld>
+  <p:clrMapOvr>
+    <a:masterClrMapping/>
+  </p:clrMapOvr>
+  <p:timing>
+    <p:tnLst>
+      <p:par>
+        <p:cTn id="1" dur="indefinite" restart="never" nodeType="tmRoot"/>
+      </p:par>
+    </p:tnLst>
+  </p:timing>
 </p:sld>
 </file>
 
@@ -11685,7 +11773,7 @@
           <p:cNvPr id="5" name="テキスト ボックス 4">
             <a:extLst>
               <a:ext uri="{FF2B5EF4-FFF2-40B4-BE49-F238E27FC236}">
-                <a16:creationId xmlns:a16="http://schemas.microsoft.com/office/drawing/2014/main" xmlns="" id="{D5807289-5F94-4ABF-BB19-A244DE39AAB7}"/>
+                <a16:creationId xmlns="" xmlns:a16="http://schemas.microsoft.com/office/drawing/2014/main" id="{D5807289-5F94-4ABF-BB19-A244DE39AAB7}"/>
               </a:ext>
             </a:extLst>
           </p:cNvPr>
@@ -12054,7 +12142,7 @@
               <p:cNvPr id="9" name="グループ化 8">
                 <a:extLst>
                   <a:ext uri="{FF2B5EF4-FFF2-40B4-BE49-F238E27FC236}">
-                    <a16:creationId xmlns:a16="http://schemas.microsoft.com/office/drawing/2014/main" xmlns="" id="{C42471E9-CEF7-4DD0-B2B9-A37027252951}"/>
+                    <a16:creationId xmlns="" xmlns:a16="http://schemas.microsoft.com/office/drawing/2014/main" id="{C42471E9-CEF7-4DD0-B2B9-A37027252951}"/>
                   </a:ext>
                 </a:extLst>
               </p:cNvPr>
@@ -12074,7 +12162,7 @@
                 <p:cNvPr id="10" name="グループ化 9">
                   <a:extLst>
                     <a:ext uri="{FF2B5EF4-FFF2-40B4-BE49-F238E27FC236}">
-                      <a16:creationId xmlns:a16="http://schemas.microsoft.com/office/drawing/2014/main" xmlns="" id="{7D6E456E-2E26-4492-9279-169842641548}"/>
+                      <a16:creationId xmlns="" xmlns:a16="http://schemas.microsoft.com/office/drawing/2014/main" id="{7D6E456E-2E26-4492-9279-169842641548}"/>
                     </a:ext>
                   </a:extLst>
                 </p:cNvPr>
@@ -12094,7 +12182,7 @@
                   <p:cNvPr id="26" name="図 25" descr="物体 が含まれている画像&#10;&#10;自動的に生成された説明">
                     <a:extLst>
                       <a:ext uri="{FF2B5EF4-FFF2-40B4-BE49-F238E27FC236}">
-                        <a16:creationId xmlns:a16="http://schemas.microsoft.com/office/drawing/2014/main" xmlns="" id="{9E2F2156-5A3C-4670-A7BB-42FF8EF7E4F0}"/>
+                        <a16:creationId xmlns="" xmlns:a16="http://schemas.microsoft.com/office/drawing/2014/main" id="{9E2F2156-5A3C-4670-A7BB-42FF8EF7E4F0}"/>
                       </a:ext>
                     </a:extLst>
                   </p:cNvPr>
@@ -12130,7 +12218,7 @@
                   <p:cNvPr id="27" name="テキスト ボックス 26">
                     <a:extLst>
                       <a:ext uri="{FF2B5EF4-FFF2-40B4-BE49-F238E27FC236}">
-                        <a16:creationId xmlns:a16="http://schemas.microsoft.com/office/drawing/2014/main" xmlns="" id="{85DB17C7-0CA8-4460-8B6A-1BBCF3C5CA75}"/>
+                        <a16:creationId xmlns="" xmlns:a16="http://schemas.microsoft.com/office/drawing/2014/main" id="{85DB17C7-0CA8-4460-8B6A-1BBCF3C5CA75}"/>
                       </a:ext>
                     </a:extLst>
                   </p:cNvPr>
@@ -12169,7 +12257,7 @@
                 <p:cNvPr id="11" name="グループ化 10">
                   <a:extLst>
                     <a:ext uri="{FF2B5EF4-FFF2-40B4-BE49-F238E27FC236}">
-                      <a16:creationId xmlns:a16="http://schemas.microsoft.com/office/drawing/2014/main" xmlns="" id="{8FA97864-B0AC-4C37-AB57-3F511EE9B20A}"/>
+                      <a16:creationId xmlns="" xmlns:a16="http://schemas.microsoft.com/office/drawing/2014/main" id="{8FA97864-B0AC-4C37-AB57-3F511EE9B20A}"/>
                     </a:ext>
                   </a:extLst>
                 </p:cNvPr>
@@ -12189,7 +12277,7 @@
                   <p:cNvPr id="24" name="図 23" descr="物体 が含まれている画像&#10;&#10;自動的に生成された説明">
                     <a:extLst>
                       <a:ext uri="{FF2B5EF4-FFF2-40B4-BE49-F238E27FC236}">
-                        <a16:creationId xmlns:a16="http://schemas.microsoft.com/office/drawing/2014/main" xmlns="" id="{539F0BC8-41E3-4ADD-9459-BE0E2D7ABA27}"/>
+                        <a16:creationId xmlns="" xmlns:a16="http://schemas.microsoft.com/office/drawing/2014/main" id="{539F0BC8-41E3-4ADD-9459-BE0E2D7ABA27}"/>
                       </a:ext>
                     </a:extLst>
                   </p:cNvPr>
@@ -12225,7 +12313,7 @@
                   <p:cNvPr id="25" name="テキスト ボックス 24">
                     <a:extLst>
                       <a:ext uri="{FF2B5EF4-FFF2-40B4-BE49-F238E27FC236}">
-                        <a16:creationId xmlns:a16="http://schemas.microsoft.com/office/drawing/2014/main" xmlns="" id="{9D08D78F-597A-41C6-9E61-E721135C20D1}"/>
+                        <a16:creationId xmlns="" xmlns:a16="http://schemas.microsoft.com/office/drawing/2014/main" id="{9D08D78F-597A-41C6-9E61-E721135C20D1}"/>
                       </a:ext>
                     </a:extLst>
                   </p:cNvPr>
@@ -12264,7 +12352,7 @@
                 <p:cNvPr id="12" name="グループ化 11">
                   <a:extLst>
                     <a:ext uri="{FF2B5EF4-FFF2-40B4-BE49-F238E27FC236}">
-                      <a16:creationId xmlns:a16="http://schemas.microsoft.com/office/drawing/2014/main" xmlns="" id="{8F6624A7-F895-493A-8055-873B48C8C19C}"/>
+                      <a16:creationId xmlns="" xmlns:a16="http://schemas.microsoft.com/office/drawing/2014/main" id="{8F6624A7-F895-493A-8055-873B48C8C19C}"/>
                     </a:ext>
                   </a:extLst>
                 </p:cNvPr>
@@ -12284,7 +12372,7 @@
                   <p:cNvPr id="22" name="図 21" descr="物体, 腕時計 が含まれている画像&#10;&#10;自動的に生成された説明">
                     <a:extLst>
                       <a:ext uri="{FF2B5EF4-FFF2-40B4-BE49-F238E27FC236}">
-                        <a16:creationId xmlns:a16="http://schemas.microsoft.com/office/drawing/2014/main" xmlns="" id="{53299244-26D0-4173-ACC6-BD241C768849}"/>
+                        <a16:creationId xmlns="" xmlns:a16="http://schemas.microsoft.com/office/drawing/2014/main" id="{53299244-26D0-4173-ACC6-BD241C768849}"/>
                       </a:ext>
                     </a:extLst>
                   </p:cNvPr>
@@ -12320,7 +12408,7 @@
                   <p:cNvPr id="23" name="テキスト ボックス 22">
                     <a:extLst>
                       <a:ext uri="{FF2B5EF4-FFF2-40B4-BE49-F238E27FC236}">
-                        <a16:creationId xmlns:a16="http://schemas.microsoft.com/office/drawing/2014/main" xmlns="" id="{BF9D5B9B-9876-443A-BE29-B4828D0A5D74}"/>
+                        <a16:creationId xmlns="" xmlns:a16="http://schemas.microsoft.com/office/drawing/2014/main" id="{BF9D5B9B-9876-443A-BE29-B4828D0A5D74}"/>
                       </a:ext>
                     </a:extLst>
                   </p:cNvPr>
@@ -12359,7 +12447,7 @@
                 <p:cNvPr id="13" name="グループ化 12">
                   <a:extLst>
                     <a:ext uri="{FF2B5EF4-FFF2-40B4-BE49-F238E27FC236}">
-                      <a16:creationId xmlns:a16="http://schemas.microsoft.com/office/drawing/2014/main" xmlns="" id="{D317981A-38A9-4594-9159-8C77F7F6D8B4}"/>
+                      <a16:creationId xmlns="" xmlns:a16="http://schemas.microsoft.com/office/drawing/2014/main" id="{D317981A-38A9-4594-9159-8C77F7F6D8B4}"/>
                     </a:ext>
                   </a:extLst>
                 </p:cNvPr>
@@ -12379,7 +12467,7 @@
                   <p:cNvPr id="20" name="図 19" descr="物体 が含まれている画像&#10;&#10;自動的に生成された説明">
                     <a:extLst>
                       <a:ext uri="{FF2B5EF4-FFF2-40B4-BE49-F238E27FC236}">
-                        <a16:creationId xmlns:a16="http://schemas.microsoft.com/office/drawing/2014/main" xmlns="" id="{93CD3867-4A7C-4138-9F28-8B9071FCE1AF}"/>
+                        <a16:creationId xmlns="" xmlns:a16="http://schemas.microsoft.com/office/drawing/2014/main" id="{93CD3867-4A7C-4138-9F28-8B9071FCE1AF}"/>
                       </a:ext>
                     </a:extLst>
                   </p:cNvPr>
@@ -12415,7 +12503,7 @@
                   <p:cNvPr id="21" name="テキスト ボックス 20">
                     <a:extLst>
                       <a:ext uri="{FF2B5EF4-FFF2-40B4-BE49-F238E27FC236}">
-                        <a16:creationId xmlns:a16="http://schemas.microsoft.com/office/drawing/2014/main" xmlns="" id="{C3C71671-55D6-4E40-BC27-288FCF91D2BB}"/>
+                        <a16:creationId xmlns="" xmlns:a16="http://schemas.microsoft.com/office/drawing/2014/main" id="{C3C71671-55D6-4E40-BC27-288FCF91D2BB}"/>
                       </a:ext>
                     </a:extLst>
                   </p:cNvPr>
@@ -12458,7 +12546,7 @@
                 <p:cNvPr id="14" name="直線矢印コネクタ 13">
                   <a:extLst>
                     <a:ext uri="{FF2B5EF4-FFF2-40B4-BE49-F238E27FC236}">
-                      <a16:creationId xmlns:a16="http://schemas.microsoft.com/office/drawing/2014/main" xmlns="" id="{A84A16DD-57C4-4761-A446-249187106E51}"/>
+                      <a16:creationId xmlns="" xmlns:a16="http://schemas.microsoft.com/office/drawing/2014/main" id="{A84A16DD-57C4-4761-A446-249187106E51}"/>
                     </a:ext>
                   </a:extLst>
                 </p:cNvPr>
@@ -12502,7 +12590,7 @@
                 <p:cNvPr id="15" name="直線矢印コネクタ 14">
                   <a:extLst>
                     <a:ext uri="{FF2B5EF4-FFF2-40B4-BE49-F238E27FC236}">
-                      <a16:creationId xmlns:a16="http://schemas.microsoft.com/office/drawing/2014/main" xmlns="" id="{CE867472-33BD-4771-A53A-412FDCEAB859}"/>
+                      <a16:creationId xmlns="" xmlns:a16="http://schemas.microsoft.com/office/drawing/2014/main" id="{CE867472-33BD-4771-A53A-412FDCEAB859}"/>
                     </a:ext>
                   </a:extLst>
                 </p:cNvPr>
@@ -12546,7 +12634,7 @@
                 <p:cNvPr id="16" name="直線矢印コネクタ 15">
                   <a:extLst>
                     <a:ext uri="{FF2B5EF4-FFF2-40B4-BE49-F238E27FC236}">
-                      <a16:creationId xmlns:a16="http://schemas.microsoft.com/office/drawing/2014/main" xmlns="" id="{2F760955-CE29-4903-BDF0-C0EF1A34CD6F}"/>
+                      <a16:creationId xmlns="" xmlns:a16="http://schemas.microsoft.com/office/drawing/2014/main" id="{2F760955-CE29-4903-BDF0-C0EF1A34CD6F}"/>
                     </a:ext>
                   </a:extLst>
                 </p:cNvPr>
@@ -12590,7 +12678,7 @@
                 <p:cNvPr id="17" name="直線矢印コネクタ 16">
                   <a:extLst>
                     <a:ext uri="{FF2B5EF4-FFF2-40B4-BE49-F238E27FC236}">
-                      <a16:creationId xmlns:a16="http://schemas.microsoft.com/office/drawing/2014/main" xmlns="" id="{96E14F16-9B67-48C7-9985-746717E7D2CE}"/>
+                      <a16:creationId xmlns="" xmlns:a16="http://schemas.microsoft.com/office/drawing/2014/main" id="{96E14F16-9B67-48C7-9985-746717E7D2CE}"/>
                     </a:ext>
                   </a:extLst>
                 </p:cNvPr>
@@ -12634,7 +12722,7 @@
                 <p:cNvPr id="18" name="正方形/長方形 17">
                   <a:extLst>
                     <a:ext uri="{FF2B5EF4-FFF2-40B4-BE49-F238E27FC236}">
-                      <a16:creationId xmlns:a16="http://schemas.microsoft.com/office/drawing/2014/main" xmlns="" id="{6ADAFCEE-C028-416D-B257-90B41E02042A}"/>
+                      <a16:creationId xmlns="" xmlns:a16="http://schemas.microsoft.com/office/drawing/2014/main" id="{6ADAFCEE-C028-416D-B257-90B41E02042A}"/>
                     </a:ext>
                   </a:extLst>
                 </p:cNvPr>
@@ -12689,7 +12777,7 @@
                 <p:cNvPr id="19" name="直線矢印コネクタ 18">
                   <a:extLst>
                     <a:ext uri="{FF2B5EF4-FFF2-40B4-BE49-F238E27FC236}">
-                      <a16:creationId xmlns:a16="http://schemas.microsoft.com/office/drawing/2014/main" xmlns="" id="{A2A6B62C-1E0E-432C-9BEC-393C34A1C94C}"/>
+                      <a16:creationId xmlns="" xmlns:a16="http://schemas.microsoft.com/office/drawing/2014/main" id="{A2A6B62C-1E0E-432C-9BEC-393C34A1C94C}"/>
                     </a:ext>
                   </a:extLst>
                 </p:cNvPr>
@@ -12734,7 +12822,7 @@
               <p:cNvPr id="28" name="グループ化 27">
                 <a:extLst>
                   <a:ext uri="{FF2B5EF4-FFF2-40B4-BE49-F238E27FC236}">
-                    <a16:creationId xmlns:a16="http://schemas.microsoft.com/office/drawing/2014/main" xmlns="" id="{7EEE5686-B5B9-4B20-8993-381AFDACF9AB}"/>
+                    <a16:creationId xmlns="" xmlns:a16="http://schemas.microsoft.com/office/drawing/2014/main" id="{7EEE5686-B5B9-4B20-8993-381AFDACF9AB}"/>
                   </a:ext>
                 </a:extLst>
               </p:cNvPr>
@@ -12754,7 +12842,7 @@
                 <p:cNvPr id="29" name="グループ化 28">
                   <a:extLst>
                     <a:ext uri="{FF2B5EF4-FFF2-40B4-BE49-F238E27FC236}">
-                      <a16:creationId xmlns:a16="http://schemas.microsoft.com/office/drawing/2014/main" xmlns="" id="{80B432E5-1E61-4A1C-BB38-CE56CD67DAEC}"/>
+                      <a16:creationId xmlns="" xmlns:a16="http://schemas.microsoft.com/office/drawing/2014/main" id="{80B432E5-1E61-4A1C-BB38-CE56CD67DAEC}"/>
                     </a:ext>
                   </a:extLst>
                 </p:cNvPr>
@@ -12774,7 +12862,7 @@
                   <p:cNvPr id="31" name="直線矢印コネクタ 30">
                     <a:extLst>
                       <a:ext uri="{FF2B5EF4-FFF2-40B4-BE49-F238E27FC236}">
-                        <a16:creationId xmlns:a16="http://schemas.microsoft.com/office/drawing/2014/main" xmlns="" id="{555429FE-F091-46AD-84F7-1B4256D762AB}"/>
+                        <a16:creationId xmlns="" xmlns:a16="http://schemas.microsoft.com/office/drawing/2014/main" id="{555429FE-F091-46AD-84F7-1B4256D762AB}"/>
                       </a:ext>
                     </a:extLst>
                   </p:cNvPr>
@@ -12818,7 +12906,7 @@
                   <p:cNvPr id="32" name="直線矢印コネクタ 31">
                     <a:extLst>
                       <a:ext uri="{FF2B5EF4-FFF2-40B4-BE49-F238E27FC236}">
-                        <a16:creationId xmlns:a16="http://schemas.microsoft.com/office/drawing/2014/main" xmlns="" id="{5030B8C7-7BED-40F6-B6D5-A7CD124D67A9}"/>
+                        <a16:creationId xmlns="" xmlns:a16="http://schemas.microsoft.com/office/drawing/2014/main" id="{5030B8C7-7BED-40F6-B6D5-A7CD124D67A9}"/>
                       </a:ext>
                     </a:extLst>
                   </p:cNvPr>
@@ -12862,7 +12950,7 @@
                   <p:cNvPr id="33" name="テキスト ボックス 32">
                     <a:extLst>
                       <a:ext uri="{FF2B5EF4-FFF2-40B4-BE49-F238E27FC236}">
-                        <a16:creationId xmlns:a16="http://schemas.microsoft.com/office/drawing/2014/main" xmlns="" id="{1BB9FF26-C1AD-43FF-B1A3-3D220E4BC3AA}"/>
+                        <a16:creationId xmlns="" xmlns:a16="http://schemas.microsoft.com/office/drawing/2014/main" id="{1BB9FF26-C1AD-43FF-B1A3-3D220E4BC3AA}"/>
                       </a:ext>
                     </a:extLst>
                   </p:cNvPr>
@@ -12900,7 +12988,7 @@
                   <p:cNvPr id="34" name="テキスト ボックス 33">
                     <a:extLst>
                       <a:ext uri="{FF2B5EF4-FFF2-40B4-BE49-F238E27FC236}">
-                        <a16:creationId xmlns:a16="http://schemas.microsoft.com/office/drawing/2014/main" xmlns="" id="{127090C9-FA03-47A3-B8E5-5AC843148C0C}"/>
+                        <a16:creationId xmlns="" xmlns:a16="http://schemas.microsoft.com/office/drawing/2014/main" id="{127090C9-FA03-47A3-B8E5-5AC843148C0C}"/>
                       </a:ext>
                     </a:extLst>
                   </p:cNvPr>
@@ -12943,7 +13031,7 @@
                 <p:cNvPr id="30" name="正方形/長方形 29">
                   <a:extLst>
                     <a:ext uri="{FF2B5EF4-FFF2-40B4-BE49-F238E27FC236}">
-                      <a16:creationId xmlns:a16="http://schemas.microsoft.com/office/drawing/2014/main" xmlns="" id="{974D7591-C374-4FE7-98C6-F63D715B2F46}"/>
+                      <a16:creationId xmlns="" xmlns:a16="http://schemas.microsoft.com/office/drawing/2014/main" id="{974D7591-C374-4FE7-98C6-F63D715B2F46}"/>
                     </a:ext>
                   </a:extLst>
                 </p:cNvPr>
@@ -12999,7 +13087,7 @@
               <p:cNvPr id="35" name="正方形/長方形 34">
                 <a:extLst>
                   <a:ext uri="{FF2B5EF4-FFF2-40B4-BE49-F238E27FC236}">
-                    <a16:creationId xmlns:a16="http://schemas.microsoft.com/office/drawing/2014/main" xmlns="" id="{A98ECFFF-731C-4C54-95F1-02A8CC15EA71}"/>
+                    <a16:creationId xmlns="" xmlns:a16="http://schemas.microsoft.com/office/drawing/2014/main" id="{A98ECFFF-731C-4C54-95F1-02A8CC15EA71}"/>
                   </a:ext>
                 </a:extLst>
               </p:cNvPr>
@@ -13139,7 +13227,7 @@
             <p:cNvPr id="43" name="直線矢印コネクタ 42">
               <a:extLst>
                 <a:ext uri="{FF2B5EF4-FFF2-40B4-BE49-F238E27FC236}">
-                  <a16:creationId xmlns:a16="http://schemas.microsoft.com/office/drawing/2014/main" xmlns="" id="{A2A6B62C-1E0E-432C-9BEC-393C34A1C94C}"/>
+                  <a16:creationId xmlns="" xmlns:a16="http://schemas.microsoft.com/office/drawing/2014/main" id="{A2A6B62C-1E0E-432C-9BEC-393C34A1C94C}"/>
                 </a:ext>
               </a:extLst>
             </p:cNvPr>
@@ -13183,7 +13271,7 @@
             <p:cNvPr id="53" name="直線矢印コネクタ 52">
               <a:extLst>
                 <a:ext uri="{FF2B5EF4-FFF2-40B4-BE49-F238E27FC236}">
-                  <a16:creationId xmlns:a16="http://schemas.microsoft.com/office/drawing/2014/main" xmlns="" id="{A2A6B62C-1E0E-432C-9BEC-393C34A1C94C}"/>
+                  <a16:creationId xmlns="" xmlns:a16="http://schemas.microsoft.com/office/drawing/2014/main" id="{A2A6B62C-1E0E-432C-9BEC-393C34A1C94C}"/>
                 </a:ext>
               </a:extLst>
             </p:cNvPr>
@@ -13233,6 +13321,13 @@
   <p:clrMapOvr>
     <a:masterClrMapping/>
   </p:clrMapOvr>
+  <p:timing>
+    <p:tnLst>
+      <p:par>
+        <p:cTn id="1" dur="indefinite" restart="never" nodeType="tmRoot"/>
+      </p:par>
+    </p:tnLst>
+  </p:timing>
 </p:sld>
 </file>
 

--- a/説明文.pptx
+++ b/説明文.pptx
@@ -209,7 +209,7 @@
           <a:p>
             <a:fld id="{D3517757-E664-4BB3-B78C-0CBDD076F206}" type="datetimeFigureOut">
               <a:rPr kumimoji="1" lang="ja-JP" altLang="en-US" smtClean="0"/>
-              <a:t>2019/7/26</a:t>
+              <a:t>2019/7/29</a:t>
             </a:fld>
             <a:endParaRPr kumimoji="1" lang="ja-JP" altLang="en-US"/>
           </a:p>
@@ -637,7 +637,7 @@
           <a:p>
             <a:fld id="{8F2BA968-46FA-4915-82D5-53748CAAB103}" type="datetimeFigureOut">
               <a:rPr kumimoji="1" lang="ja-JP" altLang="en-US" smtClean="0"/>
-              <a:t>2019/7/26</a:t>
+              <a:t>2019/7/29</a:t>
             </a:fld>
             <a:endParaRPr kumimoji="1" lang="ja-JP" altLang="en-US" dirty="0"/>
           </a:p>
@@ -837,7 +837,7 @@
           <a:p>
             <a:fld id="{8F2BA968-46FA-4915-82D5-53748CAAB103}" type="datetimeFigureOut">
               <a:rPr kumimoji="1" lang="ja-JP" altLang="en-US" smtClean="0"/>
-              <a:t>2019/7/26</a:t>
+              <a:t>2019/7/29</a:t>
             </a:fld>
             <a:endParaRPr kumimoji="1" lang="ja-JP" altLang="en-US" dirty="0"/>
           </a:p>
@@ -1047,7 +1047,7 @@
           <a:p>
             <a:fld id="{8F2BA968-46FA-4915-82D5-53748CAAB103}" type="datetimeFigureOut">
               <a:rPr kumimoji="1" lang="ja-JP" altLang="en-US" smtClean="0"/>
-              <a:t>2019/7/26</a:t>
+              <a:t>2019/7/29</a:t>
             </a:fld>
             <a:endParaRPr kumimoji="1" lang="ja-JP" altLang="en-US" dirty="0"/>
           </a:p>
@@ -1247,7 +1247,7 @@
           <a:p>
             <a:fld id="{8F2BA968-46FA-4915-82D5-53748CAAB103}" type="datetimeFigureOut">
               <a:rPr kumimoji="1" lang="ja-JP" altLang="en-US" smtClean="0"/>
-              <a:t>2019/7/26</a:t>
+              <a:t>2019/7/29</a:t>
             </a:fld>
             <a:endParaRPr kumimoji="1" lang="ja-JP" altLang="en-US" dirty="0"/>
           </a:p>
@@ -1492,7 +1492,7 @@
           <a:p>
             <a:fld id="{8F2BA968-46FA-4915-82D5-53748CAAB103}" type="datetimeFigureOut">
               <a:rPr kumimoji="1" lang="ja-JP" altLang="en-US" smtClean="0"/>
-              <a:t>2019/7/26</a:t>
+              <a:t>2019/7/29</a:t>
             </a:fld>
             <a:endParaRPr kumimoji="1" lang="ja-JP" altLang="en-US" dirty="0"/>
           </a:p>
@@ -1785,7 +1785,7 @@
           <a:p>
             <a:fld id="{8F2BA968-46FA-4915-82D5-53748CAAB103}" type="datetimeFigureOut">
               <a:rPr kumimoji="1" lang="ja-JP" altLang="en-US" smtClean="0"/>
-              <a:t>2019/7/26</a:t>
+              <a:t>2019/7/29</a:t>
             </a:fld>
             <a:endParaRPr kumimoji="1" lang="ja-JP" altLang="en-US" dirty="0"/>
           </a:p>
@@ -2213,7 +2213,7 @@
           <a:p>
             <a:fld id="{8F2BA968-46FA-4915-82D5-53748CAAB103}" type="datetimeFigureOut">
               <a:rPr kumimoji="1" lang="ja-JP" altLang="en-US" smtClean="0"/>
-              <a:t>2019/7/26</a:t>
+              <a:t>2019/7/29</a:t>
             </a:fld>
             <a:endParaRPr kumimoji="1" lang="ja-JP" altLang="en-US" dirty="0"/>
           </a:p>
@@ -2330,7 +2330,7 @@
           <a:p>
             <a:fld id="{8F2BA968-46FA-4915-82D5-53748CAAB103}" type="datetimeFigureOut">
               <a:rPr kumimoji="1" lang="ja-JP" altLang="en-US" smtClean="0"/>
-              <a:t>2019/7/26</a:t>
+              <a:t>2019/7/29</a:t>
             </a:fld>
             <a:endParaRPr kumimoji="1" lang="ja-JP" altLang="en-US" dirty="0"/>
           </a:p>
@@ -2425,7 +2425,7 @@
           <a:p>
             <a:fld id="{8F2BA968-46FA-4915-82D5-53748CAAB103}" type="datetimeFigureOut">
               <a:rPr kumimoji="1" lang="ja-JP" altLang="en-US" smtClean="0"/>
-              <a:t>2019/7/26</a:t>
+              <a:t>2019/7/29</a:t>
             </a:fld>
             <a:endParaRPr kumimoji="1" lang="ja-JP" altLang="en-US" dirty="0"/>
           </a:p>
@@ -2732,7 +2732,7 @@
           <a:p>
             <a:fld id="{8F2BA968-46FA-4915-82D5-53748CAAB103}" type="datetimeFigureOut">
               <a:rPr kumimoji="1" lang="ja-JP" altLang="en-US" smtClean="0"/>
-              <a:t>2019/7/26</a:t>
+              <a:t>2019/7/29</a:t>
             </a:fld>
             <a:endParaRPr kumimoji="1" lang="ja-JP" altLang="en-US" dirty="0"/>
           </a:p>
@@ -2984,7 +2984,7 @@
           <a:p>
             <a:fld id="{8F2BA968-46FA-4915-82D5-53748CAAB103}" type="datetimeFigureOut">
               <a:rPr kumimoji="1" lang="ja-JP" altLang="en-US" smtClean="0"/>
-              <a:t>2019/7/26</a:t>
+              <a:t>2019/7/29</a:t>
             </a:fld>
             <a:endParaRPr kumimoji="1" lang="ja-JP" altLang="en-US" dirty="0"/>
           </a:p>
@@ -3227,7 +3227,7 @@
           <a:p>
             <a:fld id="{8F2BA968-46FA-4915-82D5-53748CAAB103}" type="datetimeFigureOut">
               <a:rPr kumimoji="1" lang="ja-JP" altLang="en-US" smtClean="0"/>
-              <a:t>2019/7/26</a:t>
+              <a:t>2019/7/29</a:t>
             </a:fld>
             <a:endParaRPr kumimoji="1" lang="ja-JP" altLang="en-US" dirty="0"/>
           </a:p>
@@ -3637,7 +3637,7 @@
           <p:cNvPr id="4" name="図 3" descr="スクリーンショット が含まれている画像&#10;&#10;自動的に生成された説明">
             <a:extLst>
               <a:ext uri="{FF2B5EF4-FFF2-40B4-BE49-F238E27FC236}">
-                <a16:creationId xmlns="" xmlns:a16="http://schemas.microsoft.com/office/drawing/2014/main" id="{48282D74-7C89-4D68-8F6E-D62AC9485402}"/>
+                <a16:creationId xmlns:a16="http://schemas.microsoft.com/office/drawing/2014/main" xmlns="" id="{48282D74-7C89-4D68-8F6E-D62AC9485402}"/>
               </a:ext>
             </a:extLst>
           </p:cNvPr>
@@ -3972,7 +3972,7 @@
           <p:cNvPr id="6" name="正方形/長方形 5">
             <a:extLst>
               <a:ext uri="{FF2B5EF4-FFF2-40B4-BE49-F238E27FC236}">
-                <a16:creationId xmlns="" xmlns:a16="http://schemas.microsoft.com/office/drawing/2014/main" id="{E239D52D-8A0E-45C2-9D76-49681F4F3023}"/>
+                <a16:creationId xmlns:a16="http://schemas.microsoft.com/office/drawing/2014/main" xmlns="" id="{E239D52D-8A0E-45C2-9D76-49681F4F3023}"/>
               </a:ext>
             </a:extLst>
           </p:cNvPr>
@@ -4024,7 +4024,7 @@
           <p:cNvPr id="12" name="正方形/長方形 11">
             <a:extLst>
               <a:ext uri="{FF2B5EF4-FFF2-40B4-BE49-F238E27FC236}">
-                <a16:creationId xmlns="" xmlns:a16="http://schemas.microsoft.com/office/drawing/2014/main" id="{44B16076-58F3-411C-BA21-CC2F6BFDF2CA}"/>
+                <a16:creationId xmlns:a16="http://schemas.microsoft.com/office/drawing/2014/main" xmlns="" id="{44B16076-58F3-411C-BA21-CC2F6BFDF2CA}"/>
               </a:ext>
             </a:extLst>
           </p:cNvPr>
@@ -4076,7 +4076,7 @@
           <p:cNvPr id="13" name="正方形/長方形 12">
             <a:extLst>
               <a:ext uri="{FF2B5EF4-FFF2-40B4-BE49-F238E27FC236}">
-                <a16:creationId xmlns="" xmlns:a16="http://schemas.microsoft.com/office/drawing/2014/main" id="{48971A5D-F76B-4813-83D2-2D825B6A3202}"/>
+                <a16:creationId xmlns:a16="http://schemas.microsoft.com/office/drawing/2014/main" xmlns="" id="{48971A5D-F76B-4813-83D2-2D825B6A3202}"/>
               </a:ext>
             </a:extLst>
           </p:cNvPr>
@@ -4133,6 +4133,13 @@
   <p:clrMapOvr>
     <a:masterClrMapping/>
   </p:clrMapOvr>
+  <p:timing>
+    <p:tnLst>
+      <p:par>
+        <p:cTn id="1" dur="indefinite" restart="never" nodeType="tmRoot"/>
+      </p:par>
+    </p:tnLst>
+  </p:timing>
 </p:sld>
 </file>
 
@@ -4158,7 +4165,7 @@
           <p:cNvPr id="4" name="テキスト ボックス 3">
             <a:extLst>
               <a:ext uri="{FF2B5EF4-FFF2-40B4-BE49-F238E27FC236}">
-                <a16:creationId xmlns="" xmlns:a16="http://schemas.microsoft.com/office/drawing/2014/main" id="{C41C563A-40AB-403A-8661-FE9944DE17B5}"/>
+                <a16:creationId xmlns:a16="http://schemas.microsoft.com/office/drawing/2014/main" xmlns="" id="{C41C563A-40AB-403A-8661-FE9944DE17B5}"/>
               </a:ext>
             </a:extLst>
           </p:cNvPr>
@@ -4203,7 +4210,7 @@
           <p:cNvPr id="5" name="テキスト ボックス 4">
             <a:extLst>
               <a:ext uri="{FF2B5EF4-FFF2-40B4-BE49-F238E27FC236}">
-                <a16:creationId xmlns="" xmlns:a16="http://schemas.microsoft.com/office/drawing/2014/main" id="{4942987D-E9F9-4BC9-8090-7DA7D48916EF}"/>
+                <a16:creationId xmlns:a16="http://schemas.microsoft.com/office/drawing/2014/main" xmlns="" id="{4942987D-E9F9-4BC9-8090-7DA7D48916EF}"/>
               </a:ext>
             </a:extLst>
           </p:cNvPr>
@@ -4241,7 +4248,7 @@
           <p:cNvPr id="40" name="テキスト ボックス 39">
             <a:extLst>
               <a:ext uri="{FF2B5EF4-FFF2-40B4-BE49-F238E27FC236}">
-                <a16:creationId xmlns="" xmlns:a16="http://schemas.microsoft.com/office/drawing/2014/main" id="{F1EA6A6B-D4D0-463A-A599-CE219946A74B}"/>
+                <a16:creationId xmlns:a16="http://schemas.microsoft.com/office/drawing/2014/main" xmlns="" id="{F1EA6A6B-D4D0-463A-A599-CE219946A74B}"/>
               </a:ext>
             </a:extLst>
           </p:cNvPr>
@@ -4527,7 +4534,7 @@
           <p:cNvPr id="47" name="グループ化 46">
             <a:extLst>
               <a:ext uri="{FF2B5EF4-FFF2-40B4-BE49-F238E27FC236}">
-                <a16:creationId xmlns="" xmlns:a16="http://schemas.microsoft.com/office/drawing/2014/main" id="{3CB0CBD5-C2FE-46AB-9EAF-C9949E68FDD5}"/>
+                <a16:creationId xmlns:a16="http://schemas.microsoft.com/office/drawing/2014/main" xmlns="" id="{3CB0CBD5-C2FE-46AB-9EAF-C9949E68FDD5}"/>
               </a:ext>
             </a:extLst>
           </p:cNvPr>
@@ -4547,7 +4554,7 @@
             <p:cNvPr id="22" name="グループ化 21">
               <a:extLst>
                 <a:ext uri="{FF2B5EF4-FFF2-40B4-BE49-F238E27FC236}">
-                  <a16:creationId xmlns="" xmlns:a16="http://schemas.microsoft.com/office/drawing/2014/main" id="{2B78E3B8-6F86-4761-8FD3-82445D0604CC}"/>
+                  <a16:creationId xmlns:a16="http://schemas.microsoft.com/office/drawing/2014/main" xmlns="" id="{2B78E3B8-6F86-4761-8FD3-82445D0604CC}"/>
                 </a:ext>
               </a:extLst>
             </p:cNvPr>
@@ -4567,7 +4574,7 @@
               <p:cNvPr id="38" name="図 37" descr="物体 が含まれている画像&#10;&#10;自動的に生成された説明">
                 <a:extLst>
                   <a:ext uri="{FF2B5EF4-FFF2-40B4-BE49-F238E27FC236}">
-                    <a16:creationId xmlns="" xmlns:a16="http://schemas.microsoft.com/office/drawing/2014/main" id="{479B4DDF-7427-437E-87B7-7994E26E728C}"/>
+                    <a16:creationId xmlns:a16="http://schemas.microsoft.com/office/drawing/2014/main" xmlns="" id="{479B4DDF-7427-437E-87B7-7994E26E728C}"/>
                   </a:ext>
                 </a:extLst>
               </p:cNvPr>
@@ -4603,7 +4610,7 @@
               <p:cNvPr id="39" name="テキスト ボックス 38">
                 <a:extLst>
                   <a:ext uri="{FF2B5EF4-FFF2-40B4-BE49-F238E27FC236}">
-                    <a16:creationId xmlns="" xmlns:a16="http://schemas.microsoft.com/office/drawing/2014/main" id="{9774E31A-0063-4CE0-A9A1-D45BBB05A9C8}"/>
+                    <a16:creationId xmlns:a16="http://schemas.microsoft.com/office/drawing/2014/main" xmlns="" id="{9774E31A-0063-4CE0-A9A1-D45BBB05A9C8}"/>
                   </a:ext>
                 </a:extLst>
               </p:cNvPr>
@@ -4643,7 +4650,7 @@
             <p:cNvPr id="23" name="グループ化 22">
               <a:extLst>
                 <a:ext uri="{FF2B5EF4-FFF2-40B4-BE49-F238E27FC236}">
-                  <a16:creationId xmlns="" xmlns:a16="http://schemas.microsoft.com/office/drawing/2014/main" id="{8CEB5C1D-B949-4327-B495-5272910D5F87}"/>
+                  <a16:creationId xmlns:a16="http://schemas.microsoft.com/office/drawing/2014/main" xmlns="" id="{8CEB5C1D-B949-4327-B495-5272910D5F87}"/>
                 </a:ext>
               </a:extLst>
             </p:cNvPr>
@@ -4663,7 +4670,7 @@
               <p:cNvPr id="36" name="図 35" descr="物体 が含まれている画像&#10;&#10;自動的に生成された説明">
                 <a:extLst>
                   <a:ext uri="{FF2B5EF4-FFF2-40B4-BE49-F238E27FC236}">
-                    <a16:creationId xmlns="" xmlns:a16="http://schemas.microsoft.com/office/drawing/2014/main" id="{FB1C4056-473E-4E06-A623-40D4081C4EAC}"/>
+                    <a16:creationId xmlns:a16="http://schemas.microsoft.com/office/drawing/2014/main" xmlns="" id="{FB1C4056-473E-4E06-A623-40D4081C4EAC}"/>
                   </a:ext>
                 </a:extLst>
               </p:cNvPr>
@@ -4699,7 +4706,7 @@
               <p:cNvPr id="37" name="テキスト ボックス 36">
                 <a:extLst>
                   <a:ext uri="{FF2B5EF4-FFF2-40B4-BE49-F238E27FC236}">
-                    <a16:creationId xmlns="" xmlns:a16="http://schemas.microsoft.com/office/drawing/2014/main" id="{A9417AE6-E050-4A1B-991F-46A51E57761E}"/>
+                    <a16:creationId xmlns:a16="http://schemas.microsoft.com/office/drawing/2014/main" xmlns="" id="{A9417AE6-E050-4A1B-991F-46A51E57761E}"/>
                   </a:ext>
                 </a:extLst>
               </p:cNvPr>
@@ -4739,7 +4746,7 @@
             <p:cNvPr id="24" name="グループ化 23">
               <a:extLst>
                 <a:ext uri="{FF2B5EF4-FFF2-40B4-BE49-F238E27FC236}">
-                  <a16:creationId xmlns="" xmlns:a16="http://schemas.microsoft.com/office/drawing/2014/main" id="{9400590E-D727-4D03-98FF-0ACD12EBC352}"/>
+                  <a16:creationId xmlns:a16="http://schemas.microsoft.com/office/drawing/2014/main" xmlns="" id="{9400590E-D727-4D03-98FF-0ACD12EBC352}"/>
                 </a:ext>
               </a:extLst>
             </p:cNvPr>
@@ -4759,7 +4766,7 @@
               <p:cNvPr id="34" name="図 33" descr="物体, 腕時計 が含まれている画像&#10;&#10;自動的に生成された説明">
                 <a:extLst>
                   <a:ext uri="{FF2B5EF4-FFF2-40B4-BE49-F238E27FC236}">
-                    <a16:creationId xmlns="" xmlns:a16="http://schemas.microsoft.com/office/drawing/2014/main" id="{734930D0-5E47-475F-948D-174F652567D0}"/>
+                    <a16:creationId xmlns:a16="http://schemas.microsoft.com/office/drawing/2014/main" xmlns="" id="{734930D0-5E47-475F-948D-174F652567D0}"/>
                   </a:ext>
                 </a:extLst>
               </p:cNvPr>
@@ -4795,7 +4802,7 @@
               <p:cNvPr id="35" name="テキスト ボックス 34">
                 <a:extLst>
                   <a:ext uri="{FF2B5EF4-FFF2-40B4-BE49-F238E27FC236}">
-                    <a16:creationId xmlns="" xmlns:a16="http://schemas.microsoft.com/office/drawing/2014/main" id="{99360FF1-7996-43C2-A24E-1DB68F403FE0}"/>
+                    <a16:creationId xmlns:a16="http://schemas.microsoft.com/office/drawing/2014/main" xmlns="" id="{99360FF1-7996-43C2-A24E-1DB68F403FE0}"/>
                   </a:ext>
                 </a:extLst>
               </p:cNvPr>
@@ -4835,7 +4842,7 @@
             <p:cNvPr id="25" name="グループ化 24">
               <a:extLst>
                 <a:ext uri="{FF2B5EF4-FFF2-40B4-BE49-F238E27FC236}">
-                  <a16:creationId xmlns="" xmlns:a16="http://schemas.microsoft.com/office/drawing/2014/main" id="{2DC9847F-77D2-4405-8121-1FE5585768EA}"/>
+                  <a16:creationId xmlns:a16="http://schemas.microsoft.com/office/drawing/2014/main" xmlns="" id="{2DC9847F-77D2-4405-8121-1FE5585768EA}"/>
                 </a:ext>
               </a:extLst>
             </p:cNvPr>
@@ -4855,7 +4862,7 @@
               <p:cNvPr id="32" name="図 31" descr="物体 が含まれている画像&#10;&#10;自動的に生成された説明">
                 <a:extLst>
                   <a:ext uri="{FF2B5EF4-FFF2-40B4-BE49-F238E27FC236}">
-                    <a16:creationId xmlns="" xmlns:a16="http://schemas.microsoft.com/office/drawing/2014/main" id="{275FE74A-218C-4A15-9492-6A63781312F0}"/>
+                    <a16:creationId xmlns:a16="http://schemas.microsoft.com/office/drawing/2014/main" xmlns="" id="{275FE74A-218C-4A15-9492-6A63781312F0}"/>
                   </a:ext>
                 </a:extLst>
               </p:cNvPr>
@@ -4891,7 +4898,7 @@
               <p:cNvPr id="33" name="テキスト ボックス 32">
                 <a:extLst>
                   <a:ext uri="{FF2B5EF4-FFF2-40B4-BE49-F238E27FC236}">
-                    <a16:creationId xmlns="" xmlns:a16="http://schemas.microsoft.com/office/drawing/2014/main" id="{7FEA8835-C677-4EFC-9624-2596C7E0A572}"/>
+                    <a16:creationId xmlns:a16="http://schemas.microsoft.com/office/drawing/2014/main" xmlns="" id="{7FEA8835-C677-4EFC-9624-2596C7E0A572}"/>
                   </a:ext>
                 </a:extLst>
               </p:cNvPr>
@@ -4935,7 +4942,7 @@
             <p:cNvPr id="11" name="図 10">
               <a:extLst>
                 <a:ext uri="{FF2B5EF4-FFF2-40B4-BE49-F238E27FC236}">
-                  <a16:creationId xmlns="" xmlns:a16="http://schemas.microsoft.com/office/drawing/2014/main" id="{49264E83-2EAE-4079-9AD2-AC2D699F0D1F}"/>
+                  <a16:creationId xmlns:a16="http://schemas.microsoft.com/office/drawing/2014/main" xmlns="" id="{49264E83-2EAE-4079-9AD2-AC2D699F0D1F}"/>
                 </a:ext>
               </a:extLst>
             </p:cNvPr>
@@ -4971,7 +4978,7 @@
             <p:cNvPr id="41" name="テキスト ボックス 40">
               <a:extLst>
                 <a:ext uri="{FF2B5EF4-FFF2-40B4-BE49-F238E27FC236}">
-                  <a16:creationId xmlns="" xmlns:a16="http://schemas.microsoft.com/office/drawing/2014/main" id="{68F9DCC6-82FB-4A75-8F93-BCDF64FFBEFA}"/>
+                  <a16:creationId xmlns:a16="http://schemas.microsoft.com/office/drawing/2014/main" xmlns="" id="{68F9DCC6-82FB-4A75-8F93-BCDF64FFBEFA}"/>
                 </a:ext>
               </a:extLst>
             </p:cNvPr>
@@ -5022,7 +5029,7 @@
             <p:cNvPr id="42" name="テキスト ボックス 41">
               <a:extLst>
                 <a:ext uri="{FF2B5EF4-FFF2-40B4-BE49-F238E27FC236}">
-                  <a16:creationId xmlns="" xmlns:a16="http://schemas.microsoft.com/office/drawing/2014/main" id="{5855B3EB-4794-4741-B048-C249D299391F}"/>
+                  <a16:creationId xmlns:a16="http://schemas.microsoft.com/office/drawing/2014/main" xmlns="" id="{5855B3EB-4794-4741-B048-C249D299391F}"/>
                 </a:ext>
               </a:extLst>
             </p:cNvPr>
@@ -5073,7 +5080,7 @@
             <p:cNvPr id="43" name="テキスト ボックス 42">
               <a:extLst>
                 <a:ext uri="{FF2B5EF4-FFF2-40B4-BE49-F238E27FC236}">
-                  <a16:creationId xmlns="" xmlns:a16="http://schemas.microsoft.com/office/drawing/2014/main" id="{1789448E-9185-4B19-84FC-F56FFD1737E2}"/>
+                  <a16:creationId xmlns:a16="http://schemas.microsoft.com/office/drawing/2014/main" xmlns="" id="{1789448E-9185-4B19-84FC-F56FFD1737E2}"/>
                 </a:ext>
               </a:extLst>
             </p:cNvPr>
@@ -5124,7 +5131,7 @@
             <p:cNvPr id="44" name="テキスト ボックス 43">
               <a:extLst>
                 <a:ext uri="{FF2B5EF4-FFF2-40B4-BE49-F238E27FC236}">
-                  <a16:creationId xmlns="" xmlns:a16="http://schemas.microsoft.com/office/drawing/2014/main" id="{3618E5BF-EA6E-4335-8AE7-B40D785FD078}"/>
+                  <a16:creationId xmlns:a16="http://schemas.microsoft.com/office/drawing/2014/main" xmlns="" id="{3618E5BF-EA6E-4335-8AE7-B40D785FD078}"/>
                 </a:ext>
               </a:extLst>
             </p:cNvPr>
@@ -5175,7 +5182,7 @@
             <p:cNvPr id="45" name="テキスト ボックス 44">
               <a:extLst>
                 <a:ext uri="{FF2B5EF4-FFF2-40B4-BE49-F238E27FC236}">
-                  <a16:creationId xmlns="" xmlns:a16="http://schemas.microsoft.com/office/drawing/2014/main" id="{861DFEC4-87A7-46BD-A2AA-F24D1B417E3F}"/>
+                  <a16:creationId xmlns:a16="http://schemas.microsoft.com/office/drawing/2014/main" xmlns="" id="{861DFEC4-87A7-46BD-A2AA-F24D1B417E3F}"/>
                 </a:ext>
               </a:extLst>
             </p:cNvPr>
@@ -5225,7 +5232,7 @@
             <p:cNvPr id="46" name="テキスト ボックス 45">
               <a:extLst>
                 <a:ext uri="{FF2B5EF4-FFF2-40B4-BE49-F238E27FC236}">
-                  <a16:creationId xmlns="" xmlns:a16="http://schemas.microsoft.com/office/drawing/2014/main" id="{B4B7A388-F763-4A3C-B6C2-124C99BC6F42}"/>
+                  <a16:creationId xmlns:a16="http://schemas.microsoft.com/office/drawing/2014/main" xmlns="" id="{B4B7A388-F763-4A3C-B6C2-124C99BC6F42}"/>
                 </a:ext>
               </a:extLst>
             </p:cNvPr>
@@ -5294,7 +5301,7 @@
           <p:cNvPr id="5" name="図 4" descr="電子機器 が含まれている画像&#10;&#10;自動的に生成された説明">
             <a:extLst>
               <a:ext uri="{FF2B5EF4-FFF2-40B4-BE49-F238E27FC236}">
-                <a16:creationId xmlns="" xmlns:a16="http://schemas.microsoft.com/office/drawing/2014/main" id="{6CB9A598-CED9-45A4-8DA9-B27BCA36CBEC}"/>
+                <a16:creationId xmlns:a16="http://schemas.microsoft.com/office/drawing/2014/main" xmlns="" id="{6CB9A598-CED9-45A4-8DA9-B27BCA36CBEC}"/>
               </a:ext>
             </a:extLst>
           </p:cNvPr>
@@ -5329,7 +5336,7 @@
           <p:cNvPr id="17" name="楕円 16">
             <a:extLst>
               <a:ext uri="{FF2B5EF4-FFF2-40B4-BE49-F238E27FC236}">
-                <a16:creationId xmlns="" xmlns:a16="http://schemas.microsoft.com/office/drawing/2014/main" id="{787DCF27-FE5D-4F5F-93D9-6E5E3F66733B}"/>
+                <a16:creationId xmlns:a16="http://schemas.microsoft.com/office/drawing/2014/main" xmlns="" id="{787DCF27-FE5D-4F5F-93D9-6E5E3F66733B}"/>
               </a:ext>
             </a:extLst>
           </p:cNvPr>
@@ -5381,7 +5388,7 @@
           <p:cNvPr id="15" name="正方形/長方形 14">
             <a:extLst>
               <a:ext uri="{FF2B5EF4-FFF2-40B4-BE49-F238E27FC236}">
-                <a16:creationId xmlns="" xmlns:a16="http://schemas.microsoft.com/office/drawing/2014/main" id="{3833953A-B36A-4C17-AEC3-8ED45F7CC897}"/>
+                <a16:creationId xmlns:a16="http://schemas.microsoft.com/office/drawing/2014/main" xmlns="" id="{3833953A-B36A-4C17-AEC3-8ED45F7CC897}"/>
               </a:ext>
             </a:extLst>
           </p:cNvPr>
@@ -5433,7 +5440,7 @@
           <p:cNvPr id="16" name="正方形/長方形 15">
             <a:extLst>
               <a:ext uri="{FF2B5EF4-FFF2-40B4-BE49-F238E27FC236}">
-                <a16:creationId xmlns="" xmlns:a16="http://schemas.microsoft.com/office/drawing/2014/main" id="{0A0216B0-C84D-4309-9EC4-75086643960C}"/>
+                <a16:creationId xmlns:a16="http://schemas.microsoft.com/office/drawing/2014/main" xmlns="" id="{0A0216B0-C84D-4309-9EC4-75086643960C}"/>
               </a:ext>
             </a:extLst>
           </p:cNvPr>
@@ -5485,7 +5492,7 @@
           <p:cNvPr id="14" name="正方形/長方形 13">
             <a:extLst>
               <a:ext uri="{FF2B5EF4-FFF2-40B4-BE49-F238E27FC236}">
-                <a16:creationId xmlns="" xmlns:a16="http://schemas.microsoft.com/office/drawing/2014/main" id="{EAC81C78-DEAA-491D-B85A-42AB767010AE}"/>
+                <a16:creationId xmlns:a16="http://schemas.microsoft.com/office/drawing/2014/main" xmlns="" id="{EAC81C78-DEAA-491D-B85A-42AB767010AE}"/>
               </a:ext>
             </a:extLst>
           </p:cNvPr>
@@ -5537,7 +5544,7 @@
           <p:cNvPr id="6" name="テキスト ボックス 5">
             <a:extLst>
               <a:ext uri="{FF2B5EF4-FFF2-40B4-BE49-F238E27FC236}">
-                <a16:creationId xmlns="" xmlns:a16="http://schemas.microsoft.com/office/drawing/2014/main" id="{B35D99F0-6DC1-4BC2-88F1-81631344B7F9}"/>
+                <a16:creationId xmlns:a16="http://schemas.microsoft.com/office/drawing/2014/main" xmlns="" id="{B35D99F0-6DC1-4BC2-88F1-81631344B7F9}"/>
               </a:ext>
             </a:extLst>
           </p:cNvPr>
@@ -5582,7 +5589,7 @@
           <p:cNvPr id="7" name="吹き出し: 四角形 6">
             <a:extLst>
               <a:ext uri="{FF2B5EF4-FFF2-40B4-BE49-F238E27FC236}">
-                <a16:creationId xmlns="" xmlns:a16="http://schemas.microsoft.com/office/drawing/2014/main" id="{BA75D2B1-3296-4A6C-97CF-CD76A284141D}"/>
+                <a16:creationId xmlns:a16="http://schemas.microsoft.com/office/drawing/2014/main" xmlns="" id="{BA75D2B1-3296-4A6C-97CF-CD76A284141D}"/>
               </a:ext>
             </a:extLst>
           </p:cNvPr>
@@ -5637,7 +5644,7 @@
           <p:cNvPr id="8" name="吹き出し: 四角形 7">
             <a:extLst>
               <a:ext uri="{FF2B5EF4-FFF2-40B4-BE49-F238E27FC236}">
-                <a16:creationId xmlns="" xmlns:a16="http://schemas.microsoft.com/office/drawing/2014/main" id="{88AD402C-D557-4604-82F7-689D61968750}"/>
+                <a16:creationId xmlns:a16="http://schemas.microsoft.com/office/drawing/2014/main" xmlns="" id="{88AD402C-D557-4604-82F7-689D61968750}"/>
               </a:ext>
             </a:extLst>
           </p:cNvPr>
@@ -5699,7 +5706,7 @@
           <p:cNvPr id="9" name="吹き出し: 四角形 8">
             <a:extLst>
               <a:ext uri="{FF2B5EF4-FFF2-40B4-BE49-F238E27FC236}">
-                <a16:creationId xmlns="" xmlns:a16="http://schemas.microsoft.com/office/drawing/2014/main" id="{BF8E2C7C-205C-42CA-B382-A5D5630D39B2}"/>
+                <a16:creationId xmlns:a16="http://schemas.microsoft.com/office/drawing/2014/main" xmlns="" id="{BF8E2C7C-205C-42CA-B382-A5D5630D39B2}"/>
               </a:ext>
             </a:extLst>
           </p:cNvPr>
@@ -5758,7 +5765,7 @@
           <p:cNvPr id="10" name="吹き出し: 四角形 9">
             <a:extLst>
               <a:ext uri="{FF2B5EF4-FFF2-40B4-BE49-F238E27FC236}">
-                <a16:creationId xmlns="" xmlns:a16="http://schemas.microsoft.com/office/drawing/2014/main" id="{1E8E5AAD-2EFF-40AE-87B5-A62E3863DB06}"/>
+                <a16:creationId xmlns:a16="http://schemas.microsoft.com/office/drawing/2014/main" xmlns="" id="{1E8E5AAD-2EFF-40AE-87B5-A62E3863DB06}"/>
               </a:ext>
             </a:extLst>
           </p:cNvPr>
@@ -5827,7 +5834,7 @@
           <p:cNvPr id="11" name="吹き出し: 四角形 10">
             <a:extLst>
               <a:ext uri="{FF2B5EF4-FFF2-40B4-BE49-F238E27FC236}">
-                <a16:creationId xmlns="" xmlns:a16="http://schemas.microsoft.com/office/drawing/2014/main" id="{0876C132-70D4-4EE9-A059-2EE9BBCFA5AC}"/>
+                <a16:creationId xmlns:a16="http://schemas.microsoft.com/office/drawing/2014/main" xmlns="" id="{0876C132-70D4-4EE9-A059-2EE9BBCFA5AC}"/>
               </a:ext>
             </a:extLst>
           </p:cNvPr>
@@ -5882,7 +5889,7 @@
           <p:cNvPr id="12" name="吹き出し: 四角形 11">
             <a:extLst>
               <a:ext uri="{FF2B5EF4-FFF2-40B4-BE49-F238E27FC236}">
-                <a16:creationId xmlns="" xmlns:a16="http://schemas.microsoft.com/office/drawing/2014/main" id="{30266963-E240-4012-99DE-6906E5DDC8E7}"/>
+                <a16:creationId xmlns:a16="http://schemas.microsoft.com/office/drawing/2014/main" xmlns="" id="{30266963-E240-4012-99DE-6906E5DDC8E7}"/>
               </a:ext>
             </a:extLst>
           </p:cNvPr>
@@ -5976,7 +5983,7 @@
           <p:cNvPr id="13" name="正方形/長方形 12">
             <a:extLst>
               <a:ext uri="{FF2B5EF4-FFF2-40B4-BE49-F238E27FC236}">
-                <a16:creationId xmlns="" xmlns:a16="http://schemas.microsoft.com/office/drawing/2014/main" id="{C5B52C5E-840D-45E5-8E3C-3E2AD99D4E85}"/>
+                <a16:creationId xmlns:a16="http://schemas.microsoft.com/office/drawing/2014/main" xmlns="" id="{C5B52C5E-840D-45E5-8E3C-3E2AD99D4E85}"/>
               </a:ext>
             </a:extLst>
           </p:cNvPr>
@@ -6028,7 +6035,7 @@
           <p:cNvPr id="18" name="正方形/長方形 17">
             <a:extLst>
               <a:ext uri="{FF2B5EF4-FFF2-40B4-BE49-F238E27FC236}">
-                <a16:creationId xmlns="" xmlns:a16="http://schemas.microsoft.com/office/drawing/2014/main" id="{85B86C3D-1D0B-4CA9-A09E-F9104FAC8E9A}"/>
+                <a16:creationId xmlns:a16="http://schemas.microsoft.com/office/drawing/2014/main" xmlns="" id="{85B86C3D-1D0B-4CA9-A09E-F9104FAC8E9A}"/>
               </a:ext>
             </a:extLst>
           </p:cNvPr>
@@ -6080,7 +6087,7 @@
           <p:cNvPr id="19" name="吹き出し: 四角形 18">
             <a:extLst>
               <a:ext uri="{FF2B5EF4-FFF2-40B4-BE49-F238E27FC236}">
-                <a16:creationId xmlns="" xmlns:a16="http://schemas.microsoft.com/office/drawing/2014/main" id="{D2673875-651C-40E4-8256-1F77677989CB}"/>
+                <a16:creationId xmlns:a16="http://schemas.microsoft.com/office/drawing/2014/main" xmlns="" id="{D2673875-651C-40E4-8256-1F77677989CB}"/>
               </a:ext>
             </a:extLst>
           </p:cNvPr>
@@ -6176,7 +6183,7 @@
           <p:cNvPr id="6" name="テキスト ボックス 5">
             <a:extLst>
               <a:ext uri="{FF2B5EF4-FFF2-40B4-BE49-F238E27FC236}">
-                <a16:creationId xmlns="" xmlns:a16="http://schemas.microsoft.com/office/drawing/2014/main" id="{83D9254C-066B-4A30-984B-189E5281BB91}"/>
+                <a16:creationId xmlns:a16="http://schemas.microsoft.com/office/drawing/2014/main" xmlns="" id="{83D9254C-066B-4A30-984B-189E5281BB91}"/>
               </a:ext>
             </a:extLst>
           </p:cNvPr>
@@ -6221,7 +6228,7 @@
           <p:cNvPr id="7" name="テキスト ボックス 6">
             <a:extLst>
               <a:ext uri="{FF2B5EF4-FFF2-40B4-BE49-F238E27FC236}">
-                <a16:creationId xmlns="" xmlns:a16="http://schemas.microsoft.com/office/drawing/2014/main" id="{A3B678AB-5F6D-47A2-AC3D-C9904D8B3FE5}"/>
+                <a16:creationId xmlns:a16="http://schemas.microsoft.com/office/drawing/2014/main" xmlns="" id="{A3B678AB-5F6D-47A2-AC3D-C9904D8B3FE5}"/>
               </a:ext>
             </a:extLst>
           </p:cNvPr>
@@ -6263,7 +6270,7 @@
           <p:cNvPr id="8" name="テキスト ボックス 7">
             <a:extLst>
               <a:ext uri="{FF2B5EF4-FFF2-40B4-BE49-F238E27FC236}">
-                <a16:creationId xmlns="" xmlns:a16="http://schemas.microsoft.com/office/drawing/2014/main" id="{81F92070-255F-4692-ABB1-F5486542D8FF}"/>
+                <a16:creationId xmlns:a16="http://schemas.microsoft.com/office/drawing/2014/main" xmlns="" id="{81F92070-255F-4692-ABB1-F5486542D8FF}"/>
               </a:ext>
             </a:extLst>
           </p:cNvPr>
@@ -6403,7 +6410,7 @@
           <p:cNvPr id="10" name="テキスト ボックス 9">
             <a:extLst>
               <a:ext uri="{FF2B5EF4-FFF2-40B4-BE49-F238E27FC236}">
-                <a16:creationId xmlns="" xmlns:a16="http://schemas.microsoft.com/office/drawing/2014/main" id="{946FF0DF-B758-41C2-85D3-67DA048E99B2}"/>
+                <a16:creationId xmlns:a16="http://schemas.microsoft.com/office/drawing/2014/main" xmlns="" id="{946FF0DF-B758-41C2-85D3-67DA048E99B2}"/>
               </a:ext>
             </a:extLst>
           </p:cNvPr>
@@ -6492,7 +6499,7 @@
           <p:cNvPr id="4" name="テキスト ボックス 3">
             <a:extLst>
               <a:ext uri="{FF2B5EF4-FFF2-40B4-BE49-F238E27FC236}">
-                <a16:creationId xmlns="" xmlns:a16="http://schemas.microsoft.com/office/drawing/2014/main" id="{83D9254C-066B-4A30-984B-189E5281BB91}"/>
+                <a16:creationId xmlns:a16="http://schemas.microsoft.com/office/drawing/2014/main" xmlns="" id="{83D9254C-066B-4A30-984B-189E5281BB91}"/>
               </a:ext>
             </a:extLst>
           </p:cNvPr>
@@ -6538,10 +6545,6 @@
               </a:rPr>
               <a:t>スペシャル技</a:t>
             </a:r>
-            <a:endParaRPr lang="ja-JP" altLang="en-US" sz="4800" dirty="0">
-              <a:latin typeface="チェックポイント．（ピリオド）" panose="02000600000000000000" pitchFamily="50" charset="-128"/>
-              <a:ea typeface="チェックポイント．（ピリオド）" panose="02000600000000000000" pitchFamily="50" charset="-128"/>
-            </a:endParaRPr>
           </a:p>
         </p:txBody>
       </p:sp>
@@ -6933,7 +6936,7 @@
           <p:cNvPr id="3" name="図 2" descr="物体 が含まれている画像&#10;&#10;自動的に生成された説明">
             <a:extLst>
               <a:ext uri="{FF2B5EF4-FFF2-40B4-BE49-F238E27FC236}">
-                <a16:creationId xmlns="" xmlns:a16="http://schemas.microsoft.com/office/drawing/2014/main" id="{69BA893B-4907-48D5-8940-A23E267BFE4C}"/>
+                <a16:creationId xmlns:a16="http://schemas.microsoft.com/office/drawing/2014/main" xmlns="" id="{69BA893B-4907-48D5-8940-A23E267BFE4C}"/>
               </a:ext>
             </a:extLst>
           </p:cNvPr>
@@ -7431,7 +7434,7 @@
           <p:cNvPr id="13" name="正方形/長方形 12">
             <a:extLst>
               <a:ext uri="{FF2B5EF4-FFF2-40B4-BE49-F238E27FC236}">
-                <a16:creationId xmlns="" xmlns:a16="http://schemas.microsoft.com/office/drawing/2014/main" id="{A37BEE43-2066-46D6-8830-D8556B22304D}"/>
+                <a16:creationId xmlns:a16="http://schemas.microsoft.com/office/drawing/2014/main" xmlns="" id="{A37BEE43-2066-46D6-8830-D8556B22304D}"/>
               </a:ext>
             </a:extLst>
           </p:cNvPr>
@@ -7483,7 +7486,7 @@
           <p:cNvPr id="14" name="正方形/長方形 13">
             <a:extLst>
               <a:ext uri="{FF2B5EF4-FFF2-40B4-BE49-F238E27FC236}">
-                <a16:creationId xmlns="" xmlns:a16="http://schemas.microsoft.com/office/drawing/2014/main" id="{BA56A8B8-81E8-409C-8A37-384626294E40}"/>
+                <a16:creationId xmlns:a16="http://schemas.microsoft.com/office/drawing/2014/main" xmlns="" id="{BA56A8B8-81E8-409C-8A37-384626294E40}"/>
               </a:ext>
             </a:extLst>
           </p:cNvPr>
@@ -7535,7 +7538,7 @@
           <p:cNvPr id="15" name="正方形/長方形 14">
             <a:extLst>
               <a:ext uri="{FF2B5EF4-FFF2-40B4-BE49-F238E27FC236}">
-                <a16:creationId xmlns="" xmlns:a16="http://schemas.microsoft.com/office/drawing/2014/main" id="{AF0DEFD2-0EA7-416C-9349-A86003C1114B}"/>
+                <a16:creationId xmlns:a16="http://schemas.microsoft.com/office/drawing/2014/main" xmlns="" id="{AF0DEFD2-0EA7-416C-9349-A86003C1114B}"/>
               </a:ext>
             </a:extLst>
           </p:cNvPr>
@@ -7587,7 +7590,7 @@
           <p:cNvPr id="18" name="正方形/長方形 17">
             <a:extLst>
               <a:ext uri="{FF2B5EF4-FFF2-40B4-BE49-F238E27FC236}">
-                <a16:creationId xmlns="" xmlns:a16="http://schemas.microsoft.com/office/drawing/2014/main" id="{DFCE669F-B98A-49D5-9CD8-578BB88718CC}"/>
+                <a16:creationId xmlns:a16="http://schemas.microsoft.com/office/drawing/2014/main" xmlns="" id="{DFCE669F-B98A-49D5-9CD8-578BB88718CC}"/>
               </a:ext>
             </a:extLst>
           </p:cNvPr>
@@ -7644,6 +7647,13 @@
   <p:clrMapOvr>
     <a:masterClrMapping/>
   </p:clrMapOvr>
+  <p:timing>
+    <p:tnLst>
+      <p:par>
+        <p:cTn id="1" dur="indefinite" restart="never" nodeType="tmRoot"/>
+      </p:par>
+    </p:tnLst>
+  </p:timing>
 </p:sld>
 </file>
 
@@ -7669,7 +7679,7 @@
           <p:cNvPr id="3" name="図 2" descr="テキスト, スコアボード, 屋外, 標識 が含まれている画像&#10;&#10;自動的に生成された説明">
             <a:extLst>
               <a:ext uri="{FF2B5EF4-FFF2-40B4-BE49-F238E27FC236}">
-                <a16:creationId xmlns="" xmlns:a16="http://schemas.microsoft.com/office/drawing/2014/main" id="{D1EC1C6B-8E37-484B-BC32-54F28F2C22FE}"/>
+                <a16:creationId xmlns:a16="http://schemas.microsoft.com/office/drawing/2014/main" xmlns="" id="{D1EC1C6B-8E37-484B-BC32-54F28F2C22FE}"/>
               </a:ext>
             </a:extLst>
           </p:cNvPr>
@@ -8194,7 +8204,7 @@
           <p:cNvPr id="10" name="正方形/長方形 9">
             <a:extLst>
               <a:ext uri="{FF2B5EF4-FFF2-40B4-BE49-F238E27FC236}">
-                <a16:creationId xmlns="" xmlns:a16="http://schemas.microsoft.com/office/drawing/2014/main" id="{6FFE011D-710D-4A4F-9825-141048483DC9}"/>
+                <a16:creationId xmlns:a16="http://schemas.microsoft.com/office/drawing/2014/main" xmlns="" id="{6FFE011D-710D-4A4F-9825-141048483DC9}"/>
               </a:ext>
             </a:extLst>
           </p:cNvPr>
@@ -8246,7 +8256,7 @@
           <p:cNvPr id="11" name="正方形/長方形 10">
             <a:extLst>
               <a:ext uri="{FF2B5EF4-FFF2-40B4-BE49-F238E27FC236}">
-                <a16:creationId xmlns="" xmlns:a16="http://schemas.microsoft.com/office/drawing/2014/main" id="{E20945F6-E8A3-4843-8AA8-C3CA375AAF01}"/>
+                <a16:creationId xmlns:a16="http://schemas.microsoft.com/office/drawing/2014/main" xmlns="" id="{E20945F6-E8A3-4843-8AA8-C3CA375AAF01}"/>
               </a:ext>
             </a:extLst>
           </p:cNvPr>
@@ -8298,7 +8308,7 @@
           <p:cNvPr id="12" name="正方形/長方形 11">
             <a:extLst>
               <a:ext uri="{FF2B5EF4-FFF2-40B4-BE49-F238E27FC236}">
-                <a16:creationId xmlns="" xmlns:a16="http://schemas.microsoft.com/office/drawing/2014/main" id="{7A027602-FE49-443B-B979-695A16DF3603}"/>
+                <a16:creationId xmlns:a16="http://schemas.microsoft.com/office/drawing/2014/main" xmlns="" id="{7A027602-FE49-443B-B979-695A16DF3603}"/>
               </a:ext>
             </a:extLst>
           </p:cNvPr>
@@ -8350,7 +8360,7 @@
           <p:cNvPr id="13" name="正方形/長方形 12">
             <a:extLst>
               <a:ext uri="{FF2B5EF4-FFF2-40B4-BE49-F238E27FC236}">
-                <a16:creationId xmlns="" xmlns:a16="http://schemas.microsoft.com/office/drawing/2014/main" id="{6D5653B2-A431-4E41-A84C-D2D0A59D8FFF}"/>
+                <a16:creationId xmlns:a16="http://schemas.microsoft.com/office/drawing/2014/main" xmlns="" id="{6D5653B2-A431-4E41-A84C-D2D0A59D8FFF}"/>
               </a:ext>
             </a:extLst>
           </p:cNvPr>
@@ -8402,7 +8412,7 @@
           <p:cNvPr id="15" name="正方形/長方形 14">
             <a:extLst>
               <a:ext uri="{FF2B5EF4-FFF2-40B4-BE49-F238E27FC236}">
-                <a16:creationId xmlns="" xmlns:a16="http://schemas.microsoft.com/office/drawing/2014/main" id="{E0E6CB0D-AD4F-4358-8DF1-ECAD7B65F9F5}"/>
+                <a16:creationId xmlns:a16="http://schemas.microsoft.com/office/drawing/2014/main" xmlns="" id="{E0E6CB0D-AD4F-4358-8DF1-ECAD7B65F9F5}"/>
               </a:ext>
             </a:extLst>
           </p:cNvPr>
@@ -8454,7 +8464,7 @@
           <p:cNvPr id="16" name="四角形吹き出し 4">
             <a:extLst>
               <a:ext uri="{FF2B5EF4-FFF2-40B4-BE49-F238E27FC236}">
-                <a16:creationId xmlns="" xmlns:a16="http://schemas.microsoft.com/office/drawing/2014/main" id="{63DDAF72-AE4E-4AAC-AC6F-2CCD1ADC7265}"/>
+                <a16:creationId xmlns:a16="http://schemas.microsoft.com/office/drawing/2014/main" xmlns="" id="{63DDAF72-AE4E-4AAC-AC6F-2CCD1ADC7265}"/>
               </a:ext>
             </a:extLst>
           </p:cNvPr>
@@ -8525,6 +8535,13 @@
   <p:clrMapOvr>
     <a:masterClrMapping/>
   </p:clrMapOvr>
+  <p:timing>
+    <p:tnLst>
+      <p:par>
+        <p:cTn id="1" dur="indefinite" restart="never" nodeType="tmRoot"/>
+      </p:par>
+    </p:tnLst>
+  </p:timing>
 </p:sld>
 </file>
 
@@ -8550,7 +8567,7 @@
           <p:cNvPr id="3" name="図 2" descr="テキスト, 標識, 通り, 屋外 が含まれている画像&#10;&#10;自動的に生成された説明">
             <a:extLst>
               <a:ext uri="{FF2B5EF4-FFF2-40B4-BE49-F238E27FC236}">
-                <a16:creationId xmlns="" xmlns:a16="http://schemas.microsoft.com/office/drawing/2014/main" id="{EB877469-AC96-48FE-9472-8035C84EFB97}"/>
+                <a16:creationId xmlns:a16="http://schemas.microsoft.com/office/drawing/2014/main" xmlns="" id="{EB877469-AC96-48FE-9472-8035C84EFB97}"/>
               </a:ext>
             </a:extLst>
           </p:cNvPr>
@@ -8928,7 +8945,7 @@
           <p:cNvPr id="8" name="正方形/長方形 7">
             <a:extLst>
               <a:ext uri="{FF2B5EF4-FFF2-40B4-BE49-F238E27FC236}">
-                <a16:creationId xmlns="" xmlns:a16="http://schemas.microsoft.com/office/drawing/2014/main" id="{F7BE2C32-C21E-4467-87D2-8052D2B5FDA7}"/>
+                <a16:creationId xmlns:a16="http://schemas.microsoft.com/office/drawing/2014/main" xmlns="" id="{F7BE2C32-C21E-4467-87D2-8052D2B5FDA7}"/>
               </a:ext>
             </a:extLst>
           </p:cNvPr>
@@ -8980,7 +8997,7 @@
           <p:cNvPr id="12" name="正方形/長方形 11">
             <a:extLst>
               <a:ext uri="{FF2B5EF4-FFF2-40B4-BE49-F238E27FC236}">
-                <a16:creationId xmlns="" xmlns:a16="http://schemas.microsoft.com/office/drawing/2014/main" id="{40ABF9C2-DF54-4877-A01A-A46FE482F6B4}"/>
+                <a16:creationId xmlns:a16="http://schemas.microsoft.com/office/drawing/2014/main" xmlns="" id="{40ABF9C2-DF54-4877-A01A-A46FE482F6B4}"/>
               </a:ext>
             </a:extLst>
           </p:cNvPr>
@@ -9032,7 +9049,7 @@
           <p:cNvPr id="14" name="正方形/長方形 13">
             <a:extLst>
               <a:ext uri="{FF2B5EF4-FFF2-40B4-BE49-F238E27FC236}">
-                <a16:creationId xmlns="" xmlns:a16="http://schemas.microsoft.com/office/drawing/2014/main" id="{04C836FE-EE43-45CD-B4BE-F7E0ABEE0088}"/>
+                <a16:creationId xmlns:a16="http://schemas.microsoft.com/office/drawing/2014/main" xmlns="" id="{04C836FE-EE43-45CD-B4BE-F7E0ABEE0088}"/>
               </a:ext>
             </a:extLst>
           </p:cNvPr>
@@ -9084,7 +9101,7 @@
           <p:cNvPr id="16" name="吹き出し: 四角形 15">
             <a:extLst>
               <a:ext uri="{FF2B5EF4-FFF2-40B4-BE49-F238E27FC236}">
-                <a16:creationId xmlns="" xmlns:a16="http://schemas.microsoft.com/office/drawing/2014/main" id="{3ECE61CD-6BC4-463C-897C-903CC3F098F0}"/>
+                <a16:creationId xmlns:a16="http://schemas.microsoft.com/office/drawing/2014/main" xmlns="" id="{3ECE61CD-6BC4-463C-897C-903CC3F098F0}"/>
               </a:ext>
             </a:extLst>
           </p:cNvPr>
@@ -9153,6 +9170,13 @@
   <p:clrMapOvr>
     <a:masterClrMapping/>
   </p:clrMapOvr>
+  <p:timing>
+    <p:tnLst>
+      <p:par>
+        <p:cTn id="1" dur="indefinite" restart="never" nodeType="tmRoot"/>
+      </p:par>
+    </p:tnLst>
+  </p:timing>
 </p:sld>
 </file>
 
@@ -9178,7 +9202,7 @@
           <p:cNvPr id="5" name="図 4">
             <a:extLst>
               <a:ext uri="{FF2B5EF4-FFF2-40B4-BE49-F238E27FC236}">
-                <a16:creationId xmlns="" xmlns:a16="http://schemas.microsoft.com/office/drawing/2014/main" id="{165CE0B9-374D-46A3-97C1-E7AFAFB5DEDF}"/>
+                <a16:creationId xmlns:a16="http://schemas.microsoft.com/office/drawing/2014/main" xmlns="" id="{165CE0B9-374D-46A3-97C1-E7AFAFB5DEDF}"/>
               </a:ext>
             </a:extLst>
           </p:cNvPr>
@@ -9213,7 +9237,7 @@
           <p:cNvPr id="6" name="テキスト ボックス 5">
             <a:extLst>
               <a:ext uri="{FF2B5EF4-FFF2-40B4-BE49-F238E27FC236}">
-                <a16:creationId xmlns="" xmlns:a16="http://schemas.microsoft.com/office/drawing/2014/main" id="{EEBBDC81-60E0-49FD-9EFB-874F038CCD29}"/>
+                <a16:creationId xmlns:a16="http://schemas.microsoft.com/office/drawing/2014/main" xmlns="" id="{EEBBDC81-60E0-49FD-9EFB-874F038CCD29}"/>
               </a:ext>
             </a:extLst>
           </p:cNvPr>
@@ -9265,7 +9289,7 @@
           <p:cNvPr id="12" name="グループ化 11">
             <a:extLst>
               <a:ext uri="{FF2B5EF4-FFF2-40B4-BE49-F238E27FC236}">
-                <a16:creationId xmlns="" xmlns:a16="http://schemas.microsoft.com/office/drawing/2014/main" id="{797C4648-EAB3-4303-9BBE-4050E32CDCAC}"/>
+                <a16:creationId xmlns:a16="http://schemas.microsoft.com/office/drawing/2014/main" xmlns="" id="{797C4648-EAB3-4303-9BBE-4050E32CDCAC}"/>
               </a:ext>
             </a:extLst>
           </p:cNvPr>
@@ -9285,7 +9309,7 @@
             <p:cNvPr id="8" name="テキスト ボックス 7">
               <a:extLst>
                 <a:ext uri="{FF2B5EF4-FFF2-40B4-BE49-F238E27FC236}">
-                  <a16:creationId xmlns="" xmlns:a16="http://schemas.microsoft.com/office/drawing/2014/main" id="{732F859C-017C-4DF8-8D5C-BAFB7C322941}"/>
+                  <a16:creationId xmlns:a16="http://schemas.microsoft.com/office/drawing/2014/main" xmlns="" id="{732F859C-017C-4DF8-8D5C-BAFB7C322941}"/>
                 </a:ext>
               </a:extLst>
             </p:cNvPr>
@@ -9326,7 +9350,7 @@
             <p:cNvPr id="9" name="テキスト ボックス 8">
               <a:extLst>
                 <a:ext uri="{FF2B5EF4-FFF2-40B4-BE49-F238E27FC236}">
-                  <a16:creationId xmlns="" xmlns:a16="http://schemas.microsoft.com/office/drawing/2014/main" id="{8712CBD0-DD3F-4A86-9652-7FFA75AD120B}"/>
+                  <a16:creationId xmlns:a16="http://schemas.microsoft.com/office/drawing/2014/main" xmlns="" id="{8712CBD0-DD3F-4A86-9652-7FFA75AD120B}"/>
                 </a:ext>
               </a:extLst>
             </p:cNvPr>
@@ -9389,7 +9413,7 @@
           <p:cNvPr id="13" name="グループ化 12">
             <a:extLst>
               <a:ext uri="{FF2B5EF4-FFF2-40B4-BE49-F238E27FC236}">
-                <a16:creationId xmlns="" xmlns:a16="http://schemas.microsoft.com/office/drawing/2014/main" id="{DED0F105-29CA-4D82-BF68-6B4A196F19AA}"/>
+                <a16:creationId xmlns:a16="http://schemas.microsoft.com/office/drawing/2014/main" xmlns="" id="{DED0F105-29CA-4D82-BF68-6B4A196F19AA}"/>
               </a:ext>
             </a:extLst>
           </p:cNvPr>
@@ -9409,7 +9433,7 @@
             <p:cNvPr id="7" name="テキスト ボックス 6">
               <a:extLst>
                 <a:ext uri="{FF2B5EF4-FFF2-40B4-BE49-F238E27FC236}">
-                  <a16:creationId xmlns="" xmlns:a16="http://schemas.microsoft.com/office/drawing/2014/main" id="{54618E3D-3C8D-4D29-8362-5B6918855191}"/>
+                  <a16:creationId xmlns:a16="http://schemas.microsoft.com/office/drawing/2014/main" xmlns="" id="{54618E3D-3C8D-4D29-8362-5B6918855191}"/>
                 </a:ext>
               </a:extLst>
             </p:cNvPr>
@@ -9450,7 +9474,7 @@
             <p:cNvPr id="11" name="テキスト ボックス 10">
               <a:extLst>
                 <a:ext uri="{FF2B5EF4-FFF2-40B4-BE49-F238E27FC236}">
-                  <a16:creationId xmlns="" xmlns:a16="http://schemas.microsoft.com/office/drawing/2014/main" id="{6825228E-EBCE-401A-B0BC-7661792A6F00}"/>
+                  <a16:creationId xmlns:a16="http://schemas.microsoft.com/office/drawing/2014/main" xmlns="" id="{6825228E-EBCE-401A-B0BC-7661792A6F00}"/>
                 </a:ext>
               </a:extLst>
             </p:cNvPr>
@@ -9550,6 +9574,13 @@
   <p:clrMapOvr>
     <a:masterClrMapping/>
   </p:clrMapOvr>
+  <p:timing>
+    <p:tnLst>
+      <p:par>
+        <p:cTn id="1" dur="indefinite" restart="never" nodeType="tmRoot"/>
+      </p:par>
+    </p:tnLst>
+  </p:timing>
 </p:sld>
 </file>
 
@@ -9575,7 +9606,7 @@
           <p:cNvPr id="4" name="図 3">
             <a:extLst>
               <a:ext uri="{FF2B5EF4-FFF2-40B4-BE49-F238E27FC236}">
-                <a16:creationId xmlns="" xmlns:a16="http://schemas.microsoft.com/office/drawing/2014/main" id="{84E4BD2B-BD98-4D0D-BD92-46FAC62B133A}"/>
+                <a16:creationId xmlns:a16="http://schemas.microsoft.com/office/drawing/2014/main" xmlns="" id="{84E4BD2B-BD98-4D0D-BD92-46FAC62B133A}"/>
               </a:ext>
             </a:extLst>
           </p:cNvPr>
@@ -9610,7 +9641,7 @@
           <p:cNvPr id="5" name="テキスト ボックス 4">
             <a:extLst>
               <a:ext uri="{FF2B5EF4-FFF2-40B4-BE49-F238E27FC236}">
-                <a16:creationId xmlns="" xmlns:a16="http://schemas.microsoft.com/office/drawing/2014/main" id="{3EEDA683-E7C7-4A3A-9045-88BF1220584E}"/>
+                <a16:creationId xmlns:a16="http://schemas.microsoft.com/office/drawing/2014/main" xmlns="" id="{3EEDA683-E7C7-4A3A-9045-88BF1220584E}"/>
               </a:ext>
             </a:extLst>
           </p:cNvPr>
@@ -9662,7 +9693,7 @@
           <p:cNvPr id="6" name="テキスト ボックス 5">
             <a:extLst>
               <a:ext uri="{FF2B5EF4-FFF2-40B4-BE49-F238E27FC236}">
-                <a16:creationId xmlns="" xmlns:a16="http://schemas.microsoft.com/office/drawing/2014/main" id="{C9FCE914-94E5-4B3F-B2D2-96FDE0E6E9D8}"/>
+                <a16:creationId xmlns:a16="http://schemas.microsoft.com/office/drawing/2014/main" xmlns="" id="{C9FCE914-94E5-4B3F-B2D2-96FDE0E6E9D8}"/>
               </a:ext>
             </a:extLst>
           </p:cNvPr>
@@ -9703,7 +9734,7 @@
           <p:cNvPr id="7" name="テキスト ボックス 6">
             <a:extLst>
               <a:ext uri="{FF2B5EF4-FFF2-40B4-BE49-F238E27FC236}">
-                <a16:creationId xmlns="" xmlns:a16="http://schemas.microsoft.com/office/drawing/2014/main" id="{1A509F0D-124D-47C4-B5CD-4B9B8064082C}"/>
+                <a16:creationId xmlns:a16="http://schemas.microsoft.com/office/drawing/2014/main" xmlns="" id="{1A509F0D-124D-47C4-B5CD-4B9B8064082C}"/>
               </a:ext>
             </a:extLst>
           </p:cNvPr>
@@ -9754,7 +9785,7 @@
           <p:cNvPr id="8" name="テキスト ボックス 7">
             <a:extLst>
               <a:ext uri="{FF2B5EF4-FFF2-40B4-BE49-F238E27FC236}">
-                <a16:creationId xmlns="" xmlns:a16="http://schemas.microsoft.com/office/drawing/2014/main" id="{5F463387-8D23-460A-80ED-50E81FAAF3D9}"/>
+                <a16:creationId xmlns:a16="http://schemas.microsoft.com/office/drawing/2014/main" xmlns="" id="{5F463387-8D23-460A-80ED-50E81FAAF3D9}"/>
               </a:ext>
             </a:extLst>
           </p:cNvPr>
@@ -9815,7 +9846,7 @@
           <p:cNvPr id="9" name="テキスト ボックス 8">
             <a:extLst>
               <a:ext uri="{FF2B5EF4-FFF2-40B4-BE49-F238E27FC236}">
-                <a16:creationId xmlns="" xmlns:a16="http://schemas.microsoft.com/office/drawing/2014/main" id="{3E1D3977-A1EE-4011-94E0-9B60C81CA553}"/>
+                <a16:creationId xmlns:a16="http://schemas.microsoft.com/office/drawing/2014/main" xmlns="" id="{3E1D3977-A1EE-4011-94E0-9B60C81CA553}"/>
               </a:ext>
             </a:extLst>
           </p:cNvPr>
@@ -9891,7 +9922,7 @@
           <p:cNvPr id="41" name="グループ化 40">
             <a:extLst>
               <a:ext uri="{FF2B5EF4-FFF2-40B4-BE49-F238E27FC236}">
-                <a16:creationId xmlns="" xmlns:a16="http://schemas.microsoft.com/office/drawing/2014/main" id="{C42471E9-CEF7-4DD0-B2B9-A37027252951}"/>
+                <a16:creationId xmlns:a16="http://schemas.microsoft.com/office/drawing/2014/main" xmlns="" id="{C42471E9-CEF7-4DD0-B2B9-A37027252951}"/>
               </a:ext>
             </a:extLst>
           </p:cNvPr>
@@ -9911,7 +9942,7 @@
             <p:cNvPr id="22" name="グループ化 21">
               <a:extLst>
                 <a:ext uri="{FF2B5EF4-FFF2-40B4-BE49-F238E27FC236}">
-                  <a16:creationId xmlns="" xmlns:a16="http://schemas.microsoft.com/office/drawing/2014/main" id="{7D6E456E-2E26-4492-9279-169842641548}"/>
+                  <a16:creationId xmlns:a16="http://schemas.microsoft.com/office/drawing/2014/main" xmlns="" id="{7D6E456E-2E26-4492-9279-169842641548}"/>
                 </a:ext>
               </a:extLst>
             </p:cNvPr>
@@ -9931,7 +9962,7 @@
               <p:cNvPr id="11" name="図 10" descr="物体 が含まれている画像&#10;&#10;自動的に生成された説明">
                 <a:extLst>
                   <a:ext uri="{FF2B5EF4-FFF2-40B4-BE49-F238E27FC236}">
-                    <a16:creationId xmlns="" xmlns:a16="http://schemas.microsoft.com/office/drawing/2014/main" id="{9E2F2156-5A3C-4670-A7BB-42FF8EF7E4F0}"/>
+                    <a16:creationId xmlns:a16="http://schemas.microsoft.com/office/drawing/2014/main" xmlns="" id="{9E2F2156-5A3C-4670-A7BB-42FF8EF7E4F0}"/>
                   </a:ext>
                 </a:extLst>
               </p:cNvPr>
@@ -9967,7 +9998,7 @@
               <p:cNvPr id="18" name="テキスト ボックス 17">
                 <a:extLst>
                   <a:ext uri="{FF2B5EF4-FFF2-40B4-BE49-F238E27FC236}">
-                    <a16:creationId xmlns="" xmlns:a16="http://schemas.microsoft.com/office/drawing/2014/main" id="{85DB17C7-0CA8-4460-8B6A-1BBCF3C5CA75}"/>
+                    <a16:creationId xmlns:a16="http://schemas.microsoft.com/office/drawing/2014/main" xmlns="" id="{85DB17C7-0CA8-4460-8B6A-1BBCF3C5CA75}"/>
                   </a:ext>
                 </a:extLst>
               </p:cNvPr>
@@ -10006,7 +10037,7 @@
             <p:cNvPr id="23" name="グループ化 22">
               <a:extLst>
                 <a:ext uri="{FF2B5EF4-FFF2-40B4-BE49-F238E27FC236}">
-                  <a16:creationId xmlns="" xmlns:a16="http://schemas.microsoft.com/office/drawing/2014/main" id="{8FA97864-B0AC-4C37-AB57-3F511EE9B20A}"/>
+                  <a16:creationId xmlns:a16="http://schemas.microsoft.com/office/drawing/2014/main" xmlns="" id="{8FA97864-B0AC-4C37-AB57-3F511EE9B20A}"/>
                 </a:ext>
               </a:extLst>
             </p:cNvPr>
@@ -10026,7 +10057,7 @@
               <p:cNvPr id="13" name="図 12" descr="物体 が含まれている画像&#10;&#10;自動的に生成された説明">
                 <a:extLst>
                   <a:ext uri="{FF2B5EF4-FFF2-40B4-BE49-F238E27FC236}">
-                    <a16:creationId xmlns="" xmlns:a16="http://schemas.microsoft.com/office/drawing/2014/main" id="{539F0BC8-41E3-4ADD-9459-BE0E2D7ABA27}"/>
+                    <a16:creationId xmlns:a16="http://schemas.microsoft.com/office/drawing/2014/main" xmlns="" id="{539F0BC8-41E3-4ADD-9459-BE0E2D7ABA27}"/>
                   </a:ext>
                 </a:extLst>
               </p:cNvPr>
@@ -10062,7 +10093,7 @@
               <p:cNvPr id="19" name="テキスト ボックス 18">
                 <a:extLst>
                   <a:ext uri="{FF2B5EF4-FFF2-40B4-BE49-F238E27FC236}">
-                    <a16:creationId xmlns="" xmlns:a16="http://schemas.microsoft.com/office/drawing/2014/main" id="{9D08D78F-597A-41C6-9E61-E721135C20D1}"/>
+                    <a16:creationId xmlns:a16="http://schemas.microsoft.com/office/drawing/2014/main" xmlns="" id="{9D08D78F-597A-41C6-9E61-E721135C20D1}"/>
                   </a:ext>
                 </a:extLst>
               </p:cNvPr>
@@ -10101,7 +10132,7 @@
             <p:cNvPr id="25" name="グループ化 24">
               <a:extLst>
                 <a:ext uri="{FF2B5EF4-FFF2-40B4-BE49-F238E27FC236}">
-                  <a16:creationId xmlns="" xmlns:a16="http://schemas.microsoft.com/office/drawing/2014/main" id="{8F6624A7-F895-493A-8055-873B48C8C19C}"/>
+                  <a16:creationId xmlns:a16="http://schemas.microsoft.com/office/drawing/2014/main" xmlns="" id="{8F6624A7-F895-493A-8055-873B48C8C19C}"/>
                 </a:ext>
               </a:extLst>
             </p:cNvPr>
@@ -10121,7 +10152,7 @@
               <p:cNvPr id="15" name="図 14" descr="物体, 腕時計 が含まれている画像&#10;&#10;自動的に生成された説明">
                 <a:extLst>
                   <a:ext uri="{FF2B5EF4-FFF2-40B4-BE49-F238E27FC236}">
-                    <a16:creationId xmlns="" xmlns:a16="http://schemas.microsoft.com/office/drawing/2014/main" id="{53299244-26D0-4173-ACC6-BD241C768849}"/>
+                    <a16:creationId xmlns:a16="http://schemas.microsoft.com/office/drawing/2014/main" xmlns="" id="{53299244-26D0-4173-ACC6-BD241C768849}"/>
                   </a:ext>
                 </a:extLst>
               </p:cNvPr>
@@ -10157,7 +10188,7 @@
               <p:cNvPr id="20" name="テキスト ボックス 19">
                 <a:extLst>
                   <a:ext uri="{FF2B5EF4-FFF2-40B4-BE49-F238E27FC236}">
-                    <a16:creationId xmlns="" xmlns:a16="http://schemas.microsoft.com/office/drawing/2014/main" id="{BF9D5B9B-9876-443A-BE29-B4828D0A5D74}"/>
+                    <a16:creationId xmlns:a16="http://schemas.microsoft.com/office/drawing/2014/main" xmlns="" id="{BF9D5B9B-9876-443A-BE29-B4828D0A5D74}"/>
                   </a:ext>
                 </a:extLst>
               </p:cNvPr>
@@ -10196,7 +10227,7 @@
             <p:cNvPr id="26" name="グループ化 25">
               <a:extLst>
                 <a:ext uri="{FF2B5EF4-FFF2-40B4-BE49-F238E27FC236}">
-                  <a16:creationId xmlns="" xmlns:a16="http://schemas.microsoft.com/office/drawing/2014/main" id="{D317981A-38A9-4594-9159-8C77F7F6D8B4}"/>
+                  <a16:creationId xmlns:a16="http://schemas.microsoft.com/office/drawing/2014/main" xmlns="" id="{D317981A-38A9-4594-9159-8C77F7F6D8B4}"/>
                 </a:ext>
               </a:extLst>
             </p:cNvPr>
@@ -10216,7 +10247,7 @@
               <p:cNvPr id="17" name="図 16" descr="物体 が含まれている画像&#10;&#10;自動的に生成された説明">
                 <a:extLst>
                   <a:ext uri="{FF2B5EF4-FFF2-40B4-BE49-F238E27FC236}">
-                    <a16:creationId xmlns="" xmlns:a16="http://schemas.microsoft.com/office/drawing/2014/main" id="{93CD3867-4A7C-4138-9F28-8B9071FCE1AF}"/>
+                    <a16:creationId xmlns:a16="http://schemas.microsoft.com/office/drawing/2014/main" xmlns="" id="{93CD3867-4A7C-4138-9F28-8B9071FCE1AF}"/>
                   </a:ext>
                 </a:extLst>
               </p:cNvPr>
@@ -10252,7 +10283,7 @@
               <p:cNvPr id="21" name="テキスト ボックス 20">
                 <a:extLst>
                   <a:ext uri="{FF2B5EF4-FFF2-40B4-BE49-F238E27FC236}">
-                    <a16:creationId xmlns="" xmlns:a16="http://schemas.microsoft.com/office/drawing/2014/main" id="{C3C71671-55D6-4E40-BC27-288FCF91D2BB}"/>
+                    <a16:creationId xmlns:a16="http://schemas.microsoft.com/office/drawing/2014/main" xmlns="" id="{C3C71671-55D6-4E40-BC27-288FCF91D2BB}"/>
                   </a:ext>
                 </a:extLst>
               </p:cNvPr>
@@ -10295,7 +10326,7 @@
             <p:cNvPr id="28" name="直線矢印コネクタ 27">
               <a:extLst>
                 <a:ext uri="{FF2B5EF4-FFF2-40B4-BE49-F238E27FC236}">
-                  <a16:creationId xmlns="" xmlns:a16="http://schemas.microsoft.com/office/drawing/2014/main" id="{A84A16DD-57C4-4761-A446-249187106E51}"/>
+                  <a16:creationId xmlns:a16="http://schemas.microsoft.com/office/drawing/2014/main" xmlns="" id="{A84A16DD-57C4-4761-A446-249187106E51}"/>
                 </a:ext>
               </a:extLst>
             </p:cNvPr>
@@ -10339,7 +10370,7 @@
             <p:cNvPr id="29" name="直線矢印コネクタ 28">
               <a:extLst>
                 <a:ext uri="{FF2B5EF4-FFF2-40B4-BE49-F238E27FC236}">
-                  <a16:creationId xmlns="" xmlns:a16="http://schemas.microsoft.com/office/drawing/2014/main" id="{CE867472-33BD-4771-A53A-412FDCEAB859}"/>
+                  <a16:creationId xmlns:a16="http://schemas.microsoft.com/office/drawing/2014/main" xmlns="" id="{CE867472-33BD-4771-A53A-412FDCEAB859}"/>
                 </a:ext>
               </a:extLst>
             </p:cNvPr>
@@ -10383,7 +10414,7 @@
             <p:cNvPr id="32" name="直線矢印コネクタ 31">
               <a:extLst>
                 <a:ext uri="{FF2B5EF4-FFF2-40B4-BE49-F238E27FC236}">
-                  <a16:creationId xmlns="" xmlns:a16="http://schemas.microsoft.com/office/drawing/2014/main" id="{2F760955-CE29-4903-BDF0-C0EF1A34CD6F}"/>
+                  <a16:creationId xmlns:a16="http://schemas.microsoft.com/office/drawing/2014/main" xmlns="" id="{2F760955-CE29-4903-BDF0-C0EF1A34CD6F}"/>
                 </a:ext>
               </a:extLst>
             </p:cNvPr>
@@ -10427,7 +10458,7 @@
             <p:cNvPr id="33" name="直線矢印コネクタ 32">
               <a:extLst>
                 <a:ext uri="{FF2B5EF4-FFF2-40B4-BE49-F238E27FC236}">
-                  <a16:creationId xmlns="" xmlns:a16="http://schemas.microsoft.com/office/drawing/2014/main" id="{96E14F16-9B67-48C7-9985-746717E7D2CE}"/>
+                  <a16:creationId xmlns:a16="http://schemas.microsoft.com/office/drawing/2014/main" xmlns="" id="{96E14F16-9B67-48C7-9985-746717E7D2CE}"/>
                 </a:ext>
               </a:extLst>
             </p:cNvPr>
@@ -10471,7 +10502,7 @@
             <p:cNvPr id="34" name="正方形/長方形 33">
               <a:extLst>
                 <a:ext uri="{FF2B5EF4-FFF2-40B4-BE49-F238E27FC236}">
-                  <a16:creationId xmlns="" xmlns:a16="http://schemas.microsoft.com/office/drawing/2014/main" id="{6ADAFCEE-C028-416D-B257-90B41E02042A}"/>
+                  <a16:creationId xmlns:a16="http://schemas.microsoft.com/office/drawing/2014/main" xmlns="" id="{6ADAFCEE-C028-416D-B257-90B41E02042A}"/>
                 </a:ext>
               </a:extLst>
             </p:cNvPr>
@@ -10526,7 +10557,7 @@
             <p:cNvPr id="35" name="直線矢印コネクタ 34">
               <a:extLst>
                 <a:ext uri="{FF2B5EF4-FFF2-40B4-BE49-F238E27FC236}">
-                  <a16:creationId xmlns="" xmlns:a16="http://schemas.microsoft.com/office/drawing/2014/main" id="{A2A6B62C-1E0E-432C-9BEC-393C34A1C94C}"/>
+                  <a16:creationId xmlns:a16="http://schemas.microsoft.com/office/drawing/2014/main" xmlns="" id="{A2A6B62C-1E0E-432C-9BEC-393C34A1C94C}"/>
                 </a:ext>
               </a:extLst>
             </p:cNvPr>
@@ -10571,7 +10602,7 @@
           <p:cNvPr id="44" name="グループ化 43">
             <a:extLst>
               <a:ext uri="{FF2B5EF4-FFF2-40B4-BE49-F238E27FC236}">
-                <a16:creationId xmlns="" xmlns:a16="http://schemas.microsoft.com/office/drawing/2014/main" id="{7EEE5686-B5B9-4B20-8993-381AFDACF9AB}"/>
+                <a16:creationId xmlns:a16="http://schemas.microsoft.com/office/drawing/2014/main" xmlns="" id="{7EEE5686-B5B9-4B20-8993-381AFDACF9AB}"/>
               </a:ext>
             </a:extLst>
           </p:cNvPr>
@@ -10591,7 +10622,7 @@
             <p:cNvPr id="40" name="グループ化 39">
               <a:extLst>
                 <a:ext uri="{FF2B5EF4-FFF2-40B4-BE49-F238E27FC236}">
-                  <a16:creationId xmlns="" xmlns:a16="http://schemas.microsoft.com/office/drawing/2014/main" id="{80B432E5-1E61-4A1C-BB38-CE56CD67DAEC}"/>
+                  <a16:creationId xmlns:a16="http://schemas.microsoft.com/office/drawing/2014/main" xmlns="" id="{80B432E5-1E61-4A1C-BB38-CE56CD67DAEC}"/>
                 </a:ext>
               </a:extLst>
             </p:cNvPr>
@@ -10611,7 +10642,7 @@
               <p:cNvPr id="36" name="直線矢印コネクタ 35">
                 <a:extLst>
                   <a:ext uri="{FF2B5EF4-FFF2-40B4-BE49-F238E27FC236}">
-                    <a16:creationId xmlns="" xmlns:a16="http://schemas.microsoft.com/office/drawing/2014/main" id="{555429FE-F091-46AD-84F7-1B4256D762AB}"/>
+                    <a16:creationId xmlns:a16="http://schemas.microsoft.com/office/drawing/2014/main" xmlns="" id="{555429FE-F091-46AD-84F7-1B4256D762AB}"/>
                   </a:ext>
                 </a:extLst>
               </p:cNvPr>
@@ -10655,7 +10686,7 @@
               <p:cNvPr id="37" name="直線矢印コネクタ 36">
                 <a:extLst>
                   <a:ext uri="{FF2B5EF4-FFF2-40B4-BE49-F238E27FC236}">
-                    <a16:creationId xmlns="" xmlns:a16="http://schemas.microsoft.com/office/drawing/2014/main" id="{5030B8C7-7BED-40F6-B6D5-A7CD124D67A9}"/>
+                    <a16:creationId xmlns:a16="http://schemas.microsoft.com/office/drawing/2014/main" xmlns="" id="{5030B8C7-7BED-40F6-B6D5-A7CD124D67A9}"/>
                   </a:ext>
                 </a:extLst>
               </p:cNvPr>
@@ -10699,7 +10730,7 @@
               <p:cNvPr id="38" name="テキスト ボックス 37">
                 <a:extLst>
                   <a:ext uri="{FF2B5EF4-FFF2-40B4-BE49-F238E27FC236}">
-                    <a16:creationId xmlns="" xmlns:a16="http://schemas.microsoft.com/office/drawing/2014/main" id="{1BB9FF26-C1AD-43FF-B1A3-3D220E4BC3AA}"/>
+                    <a16:creationId xmlns:a16="http://schemas.microsoft.com/office/drawing/2014/main" xmlns="" id="{1BB9FF26-C1AD-43FF-B1A3-3D220E4BC3AA}"/>
                   </a:ext>
                 </a:extLst>
               </p:cNvPr>
@@ -10737,7 +10768,7 @@
               <p:cNvPr id="39" name="テキスト ボックス 38">
                 <a:extLst>
                   <a:ext uri="{FF2B5EF4-FFF2-40B4-BE49-F238E27FC236}">
-                    <a16:creationId xmlns="" xmlns:a16="http://schemas.microsoft.com/office/drawing/2014/main" id="{127090C9-FA03-47A3-B8E5-5AC843148C0C}"/>
+                    <a16:creationId xmlns:a16="http://schemas.microsoft.com/office/drawing/2014/main" xmlns="" id="{127090C9-FA03-47A3-B8E5-5AC843148C0C}"/>
                   </a:ext>
                 </a:extLst>
               </p:cNvPr>
@@ -10780,7 +10811,7 @@
             <p:cNvPr id="42" name="正方形/長方形 41">
               <a:extLst>
                 <a:ext uri="{FF2B5EF4-FFF2-40B4-BE49-F238E27FC236}">
-                  <a16:creationId xmlns="" xmlns:a16="http://schemas.microsoft.com/office/drawing/2014/main" id="{974D7591-C374-4FE7-98C6-F63D715B2F46}"/>
+                  <a16:creationId xmlns:a16="http://schemas.microsoft.com/office/drawing/2014/main" xmlns="" id="{974D7591-C374-4FE7-98C6-F63D715B2F46}"/>
                 </a:ext>
               </a:extLst>
             </p:cNvPr>
@@ -10836,7 +10867,7 @@
           <p:cNvPr id="43" name="正方形/長方形 42">
             <a:extLst>
               <a:ext uri="{FF2B5EF4-FFF2-40B4-BE49-F238E27FC236}">
-                <a16:creationId xmlns="" xmlns:a16="http://schemas.microsoft.com/office/drawing/2014/main" id="{A98ECFFF-731C-4C54-95F1-02A8CC15EA71}"/>
+                <a16:creationId xmlns:a16="http://schemas.microsoft.com/office/drawing/2014/main" xmlns="" id="{A98ECFFF-731C-4C54-95F1-02A8CC15EA71}"/>
               </a:ext>
             </a:extLst>
           </p:cNvPr>
@@ -10893,6 +10924,13 @@
   <p:clrMapOvr>
     <a:masterClrMapping/>
   </p:clrMapOvr>
+  <p:timing>
+    <p:tnLst>
+      <p:par>
+        <p:cTn id="1" dur="indefinite" restart="never" nodeType="tmRoot"/>
+      </p:par>
+    </p:tnLst>
+  </p:timing>
 </p:sld>
 </file>
 
@@ -10915,33 +10953,21 @@
       </p:grpSpPr>
       <p:pic>
         <p:nvPicPr>
-          <p:cNvPr id="7" name="図 6" descr="テキスト が含まれている画像&#10;&#10;自動的に生成された説明">
-            <a:extLst>
-              <a:ext uri="{FF2B5EF4-FFF2-40B4-BE49-F238E27FC236}">
-                <a16:creationId xmlns="" xmlns:a16="http://schemas.microsoft.com/office/drawing/2014/main" id="{F72D7A55-A732-4D03-A156-3A4E7C065D7A}"/>
-              </a:ext>
-            </a:extLst>
-          </p:cNvPr>
+          <p:cNvPr id="2" name="図 1"/>
           <p:cNvPicPr>
             <a:picLocks noChangeAspect="1"/>
           </p:cNvPicPr>
           <p:nvPr/>
         </p:nvPicPr>
         <p:blipFill rotWithShape="1">
-          <a:blip r:embed="rId2">
-            <a:extLst>
-              <a:ext uri="{28A0092B-C50C-407E-A947-70E740481C1C}">
-                <a14:useLocalDpi xmlns:a14="http://schemas.microsoft.com/office/drawing/2010/main" val="0"/>
-              </a:ext>
-            </a:extLst>
-          </a:blip>
-          <a:srcRect t="4493"/>
+          <a:blip r:embed="rId2"/>
+          <a:srcRect t="4675"/>
           <a:stretch/>
         </p:blipFill>
         <p:spPr>
           <a:xfrm>
-            <a:off x="352424" y="1143001"/>
-            <a:ext cx="7848600" cy="4346410"/>
+            <a:off x="352424" y="1143000"/>
+            <a:ext cx="7848599" cy="4338162"/>
           </a:xfrm>
           <a:prstGeom prst="rect">
             <a:avLst/>
@@ -10953,7 +10979,7 @@
           <p:cNvPr id="10" name="テキスト ボックス 9">
             <a:extLst>
               <a:ext uri="{FF2B5EF4-FFF2-40B4-BE49-F238E27FC236}">
-                <a16:creationId xmlns="" xmlns:a16="http://schemas.microsoft.com/office/drawing/2014/main" id="{D5807289-5F94-4ABF-BB19-A244DE39AAB7}"/>
+                <a16:creationId xmlns:a16="http://schemas.microsoft.com/office/drawing/2014/main" xmlns="" id="{D5807289-5F94-4ABF-BB19-A244DE39AAB7}"/>
               </a:ext>
             </a:extLst>
           </p:cNvPr>
@@ -10998,7 +11024,7 @@
           <p:cNvPr id="11" name="テキスト ボックス 10">
             <a:extLst>
               <a:ext uri="{FF2B5EF4-FFF2-40B4-BE49-F238E27FC236}">
-                <a16:creationId xmlns="" xmlns:a16="http://schemas.microsoft.com/office/drawing/2014/main" id="{6D354EB7-7F73-4490-964D-300A57A3D0C5}"/>
+                <a16:creationId xmlns:a16="http://schemas.microsoft.com/office/drawing/2014/main" xmlns="" id="{6D354EB7-7F73-4490-964D-300A57A3D0C5}"/>
               </a:ext>
             </a:extLst>
           </p:cNvPr>
@@ -11036,7 +11062,7 @@
           <p:cNvPr id="12" name="楕円 11">
             <a:extLst>
               <a:ext uri="{FF2B5EF4-FFF2-40B4-BE49-F238E27FC236}">
-                <a16:creationId xmlns="" xmlns:a16="http://schemas.microsoft.com/office/drawing/2014/main" id="{27BE146F-8491-400F-AB07-2E26102463F2}"/>
+                <a16:creationId xmlns:a16="http://schemas.microsoft.com/office/drawing/2014/main" xmlns="" id="{27BE146F-8491-400F-AB07-2E26102463F2}"/>
               </a:ext>
             </a:extLst>
           </p:cNvPr>
@@ -11045,7 +11071,7 @@
         </p:nvSpPr>
         <p:spPr>
           <a:xfrm>
-            <a:off x="1247775" y="2295525"/>
+            <a:off x="1283401" y="2153366"/>
             <a:ext cx="1562100" cy="1457325"/>
           </a:xfrm>
           <a:prstGeom prst="ellipse">
@@ -11088,7 +11114,7 @@
           <p:cNvPr id="13" name="楕円 12">
             <a:extLst>
               <a:ext uri="{FF2B5EF4-FFF2-40B4-BE49-F238E27FC236}">
-                <a16:creationId xmlns="" xmlns:a16="http://schemas.microsoft.com/office/drawing/2014/main" id="{AC13EDC5-A927-451C-A8C6-2F68A75D9DB9}"/>
+                <a16:creationId xmlns:a16="http://schemas.microsoft.com/office/drawing/2014/main" xmlns="" id="{AC13EDC5-A927-451C-A8C6-2F68A75D9DB9}"/>
               </a:ext>
             </a:extLst>
           </p:cNvPr>
@@ -11097,7 +11123,7 @@
         </p:nvSpPr>
         <p:spPr>
           <a:xfrm>
-            <a:off x="3181350" y="1996855"/>
+            <a:off x="3210049" y="1886837"/>
             <a:ext cx="895351" cy="1055907"/>
           </a:xfrm>
           <a:prstGeom prst="ellipse">
@@ -11140,7 +11166,7 @@
           <p:cNvPr id="14" name="楕円 13">
             <a:extLst>
               <a:ext uri="{FF2B5EF4-FFF2-40B4-BE49-F238E27FC236}">
-                <a16:creationId xmlns="" xmlns:a16="http://schemas.microsoft.com/office/drawing/2014/main" id="{A70D7407-0728-49A8-BDE2-7434759F1455}"/>
+                <a16:creationId xmlns:a16="http://schemas.microsoft.com/office/drawing/2014/main" xmlns="" id="{A70D7407-0728-49A8-BDE2-7434759F1455}"/>
               </a:ext>
             </a:extLst>
           </p:cNvPr>
@@ -11149,7 +11175,7 @@
         </p:nvSpPr>
         <p:spPr>
           <a:xfrm>
-            <a:off x="5172075" y="1996855"/>
+            <a:off x="5148324" y="1937478"/>
             <a:ext cx="1562100" cy="1457325"/>
           </a:xfrm>
           <a:prstGeom prst="ellipse">
@@ -11192,7 +11218,7 @@
           <p:cNvPr id="15" name="楕円 14">
             <a:extLst>
               <a:ext uri="{FF2B5EF4-FFF2-40B4-BE49-F238E27FC236}">
-                <a16:creationId xmlns="" xmlns:a16="http://schemas.microsoft.com/office/drawing/2014/main" id="{BA8A41E3-4961-4217-9C31-D8A81A9809A9}"/>
+                <a16:creationId xmlns:a16="http://schemas.microsoft.com/office/drawing/2014/main" xmlns="" id="{BA8A41E3-4961-4217-9C31-D8A81A9809A9}"/>
               </a:ext>
             </a:extLst>
           </p:cNvPr>
@@ -11201,7 +11227,7 @@
         </p:nvSpPr>
         <p:spPr>
           <a:xfrm>
-            <a:off x="6267450" y="4029076"/>
+            <a:off x="6243699" y="3874696"/>
             <a:ext cx="1666876" cy="1581150"/>
           </a:xfrm>
           <a:prstGeom prst="ellipse">
@@ -11244,7 +11270,7 @@
           <p:cNvPr id="16" name="テキスト ボックス 15">
             <a:extLst>
               <a:ext uri="{FF2B5EF4-FFF2-40B4-BE49-F238E27FC236}">
-                <a16:creationId xmlns="" xmlns:a16="http://schemas.microsoft.com/office/drawing/2014/main" id="{FBBAA09C-4BEB-47EA-BC7F-480BCC2226F1}"/>
+                <a16:creationId xmlns:a16="http://schemas.microsoft.com/office/drawing/2014/main" xmlns="" id="{FBBAA09C-4BEB-47EA-BC7F-480BCC2226F1}"/>
               </a:ext>
             </a:extLst>
           </p:cNvPr>
@@ -11352,7 +11378,7 @@
           <p:cNvPr id="17" name="正方形/長方形 16">
             <a:extLst>
               <a:ext uri="{FF2B5EF4-FFF2-40B4-BE49-F238E27FC236}">
-                <a16:creationId xmlns="" xmlns:a16="http://schemas.microsoft.com/office/drawing/2014/main" id="{A2CF4C31-1025-4708-B374-7F8887320A14}"/>
+                <a16:creationId xmlns:a16="http://schemas.microsoft.com/office/drawing/2014/main" xmlns="" id="{A2CF4C31-1025-4708-B374-7F8887320A14}"/>
               </a:ext>
             </a:extLst>
           </p:cNvPr>
@@ -11361,7 +11387,7 @@
         </p:nvSpPr>
         <p:spPr>
           <a:xfrm>
-            <a:off x="1371600" y="1223523"/>
+            <a:off x="1401845" y="1166647"/>
             <a:ext cx="5657850" cy="565809"/>
           </a:xfrm>
           <a:prstGeom prst="rect">
@@ -11404,7 +11430,7 @@
           <p:cNvPr id="18" name="テキスト ボックス 17">
             <a:extLst>
               <a:ext uri="{FF2B5EF4-FFF2-40B4-BE49-F238E27FC236}">
-                <a16:creationId xmlns="" xmlns:a16="http://schemas.microsoft.com/office/drawing/2014/main" id="{594DFF38-A0BF-4052-92A8-115900A7F03B}"/>
+                <a16:creationId xmlns:a16="http://schemas.microsoft.com/office/drawing/2014/main" xmlns="" id="{594DFF38-A0BF-4052-92A8-115900A7F03B}"/>
               </a:ext>
             </a:extLst>
           </p:cNvPr>
@@ -11497,7 +11523,7 @@
           <p:cNvPr id="19" name="正方形/長方形 18">
             <a:extLst>
               <a:ext uri="{FF2B5EF4-FFF2-40B4-BE49-F238E27FC236}">
-                <a16:creationId xmlns="" xmlns:a16="http://schemas.microsoft.com/office/drawing/2014/main" id="{41DDEDAD-B76F-42FC-BD36-C4B4086365F3}"/>
+                <a16:creationId xmlns:a16="http://schemas.microsoft.com/office/drawing/2014/main" xmlns="" id="{41DDEDAD-B76F-42FC-BD36-C4B4086365F3}"/>
               </a:ext>
             </a:extLst>
           </p:cNvPr>
@@ -11506,8 +11532,8 @@
         </p:nvSpPr>
         <p:spPr>
           <a:xfrm>
-            <a:off x="2627332" y="4259044"/>
-            <a:ext cx="3449617" cy="1230368"/>
+            <a:off x="2627332" y="4205287"/>
+            <a:ext cx="3449617" cy="1284125"/>
           </a:xfrm>
           <a:prstGeom prst="rect">
             <a:avLst/>
@@ -11549,7 +11575,7 @@
           <p:cNvPr id="21" name="正方形/長方形 20">
             <a:extLst>
               <a:ext uri="{FF2B5EF4-FFF2-40B4-BE49-F238E27FC236}">
-                <a16:creationId xmlns="" xmlns:a16="http://schemas.microsoft.com/office/drawing/2014/main" id="{B89D4E7D-0660-4D0D-912D-DF225C66A1D6}"/>
+                <a16:creationId xmlns:a16="http://schemas.microsoft.com/office/drawing/2014/main" xmlns="" id="{B89D4E7D-0660-4D0D-912D-DF225C66A1D6}"/>
               </a:ext>
             </a:extLst>
           </p:cNvPr>
@@ -11603,7 +11629,7 @@
           <p:cNvPr id="20" name="テキスト ボックス 19">
             <a:extLst>
               <a:ext uri="{FF2B5EF4-FFF2-40B4-BE49-F238E27FC236}">
-                <a16:creationId xmlns="" xmlns:a16="http://schemas.microsoft.com/office/drawing/2014/main" id="{4588D88C-0F6C-4A95-9191-7AC444B35B14}"/>
+                <a16:creationId xmlns:a16="http://schemas.microsoft.com/office/drawing/2014/main" xmlns="" id="{4588D88C-0F6C-4A95-9191-7AC444B35B14}"/>
               </a:ext>
             </a:extLst>
           </p:cNvPr>
@@ -11694,6 +11720,13 @@
   <p:clrMapOvr>
     <a:masterClrMapping/>
   </p:clrMapOvr>
+  <p:timing>
+    <p:tnLst>
+      <p:par>
+        <p:cTn id="1" dur="indefinite" restart="never" nodeType="tmRoot"/>
+      </p:par>
+    </p:tnLst>
+  </p:timing>
 </p:sld>
 </file>
 
@@ -11719,7 +11752,7 @@
           <p:cNvPr id="5" name="図 4" descr="物体 が含まれている画像&#10;&#10;自動的に生成された説明">
             <a:extLst>
               <a:ext uri="{FF2B5EF4-FFF2-40B4-BE49-F238E27FC236}">
-                <a16:creationId xmlns="" xmlns:a16="http://schemas.microsoft.com/office/drawing/2014/main" id="{A8B95791-F64F-423D-B8A7-2C86F56DDB1D}"/>
+                <a16:creationId xmlns:a16="http://schemas.microsoft.com/office/drawing/2014/main" xmlns="" id="{A8B95791-F64F-423D-B8A7-2C86F56DDB1D}"/>
               </a:ext>
             </a:extLst>
           </p:cNvPr>
@@ -11754,7 +11787,7 @@
           <p:cNvPr id="6" name="テキスト ボックス 5">
             <a:extLst>
               <a:ext uri="{FF2B5EF4-FFF2-40B4-BE49-F238E27FC236}">
-                <a16:creationId xmlns="" xmlns:a16="http://schemas.microsoft.com/office/drawing/2014/main" id="{8305E55F-CE22-4A88-A8D4-3E4958510FE7}"/>
+                <a16:creationId xmlns:a16="http://schemas.microsoft.com/office/drawing/2014/main" xmlns="" id="{8305E55F-CE22-4A88-A8D4-3E4958510FE7}"/>
               </a:ext>
             </a:extLst>
           </p:cNvPr>
@@ -11799,7 +11832,7 @@
           <p:cNvPr id="7" name="吹き出し: 四角形 6">
             <a:extLst>
               <a:ext uri="{FF2B5EF4-FFF2-40B4-BE49-F238E27FC236}">
-                <a16:creationId xmlns="" xmlns:a16="http://schemas.microsoft.com/office/drawing/2014/main" id="{EC8402AE-3480-4CC7-905A-0776A28352DA}"/>
+                <a16:creationId xmlns:a16="http://schemas.microsoft.com/office/drawing/2014/main" xmlns="" id="{EC8402AE-3480-4CC7-905A-0776A28352DA}"/>
               </a:ext>
             </a:extLst>
           </p:cNvPr>
@@ -11892,7 +11925,7 @@
           <p:cNvPr id="8" name="吹き出し: 四角形 7">
             <a:extLst>
               <a:ext uri="{FF2B5EF4-FFF2-40B4-BE49-F238E27FC236}">
-                <a16:creationId xmlns="" xmlns:a16="http://schemas.microsoft.com/office/drawing/2014/main" id="{12F0A826-4C99-48A7-B36D-03DBE2118E07}"/>
+                <a16:creationId xmlns:a16="http://schemas.microsoft.com/office/drawing/2014/main" xmlns="" id="{12F0A826-4C99-48A7-B36D-03DBE2118E07}"/>
               </a:ext>
             </a:extLst>
           </p:cNvPr>
@@ -11976,7 +12009,7 @@
           <p:cNvPr id="9" name="吹き出し: 四角形 8">
             <a:extLst>
               <a:ext uri="{FF2B5EF4-FFF2-40B4-BE49-F238E27FC236}">
-                <a16:creationId xmlns="" xmlns:a16="http://schemas.microsoft.com/office/drawing/2014/main" id="{B25F11CC-0810-44FB-85E5-6AFA2E713B6D}"/>
+                <a16:creationId xmlns:a16="http://schemas.microsoft.com/office/drawing/2014/main" xmlns="" id="{B25F11CC-0810-44FB-85E5-6AFA2E713B6D}"/>
               </a:ext>
             </a:extLst>
           </p:cNvPr>
@@ -12094,6 +12127,13 @@
   <p:clrMapOvr>
     <a:masterClrMapping/>
   </p:clrMapOvr>
+  <p:timing>
+    <p:tnLst>
+      <p:par>
+        <p:cTn id="1" dur="indefinite" restart="never" nodeType="tmRoot"/>
+      </p:par>
+    </p:tnLst>
+  </p:timing>
 </p:sld>
 </file>
 
@@ -12119,7 +12159,7 @@
           <p:cNvPr id="5" name="テキスト ボックス 4">
             <a:extLst>
               <a:ext uri="{FF2B5EF4-FFF2-40B4-BE49-F238E27FC236}">
-                <a16:creationId xmlns="" xmlns:a16="http://schemas.microsoft.com/office/drawing/2014/main" id="{D5807289-5F94-4ABF-BB19-A244DE39AAB7}"/>
+                <a16:creationId xmlns:a16="http://schemas.microsoft.com/office/drawing/2014/main" xmlns="" id="{D5807289-5F94-4ABF-BB19-A244DE39AAB7}"/>
               </a:ext>
             </a:extLst>
           </p:cNvPr>
@@ -12488,7 +12528,7 @@
               <p:cNvPr id="9" name="グループ化 8">
                 <a:extLst>
                   <a:ext uri="{FF2B5EF4-FFF2-40B4-BE49-F238E27FC236}">
-                    <a16:creationId xmlns="" xmlns:a16="http://schemas.microsoft.com/office/drawing/2014/main" id="{C42471E9-CEF7-4DD0-B2B9-A37027252951}"/>
+                    <a16:creationId xmlns:a16="http://schemas.microsoft.com/office/drawing/2014/main" xmlns="" id="{C42471E9-CEF7-4DD0-B2B9-A37027252951}"/>
                   </a:ext>
                 </a:extLst>
               </p:cNvPr>
@@ -12508,7 +12548,7 @@
                 <p:cNvPr id="10" name="グループ化 9">
                   <a:extLst>
                     <a:ext uri="{FF2B5EF4-FFF2-40B4-BE49-F238E27FC236}">
-                      <a16:creationId xmlns="" xmlns:a16="http://schemas.microsoft.com/office/drawing/2014/main" id="{7D6E456E-2E26-4492-9279-169842641548}"/>
+                      <a16:creationId xmlns:a16="http://schemas.microsoft.com/office/drawing/2014/main" xmlns="" id="{7D6E456E-2E26-4492-9279-169842641548}"/>
                     </a:ext>
                   </a:extLst>
                 </p:cNvPr>
@@ -12528,7 +12568,7 @@
                   <p:cNvPr id="26" name="図 25" descr="物体 が含まれている画像&#10;&#10;自動的に生成された説明">
                     <a:extLst>
                       <a:ext uri="{FF2B5EF4-FFF2-40B4-BE49-F238E27FC236}">
-                        <a16:creationId xmlns="" xmlns:a16="http://schemas.microsoft.com/office/drawing/2014/main" id="{9E2F2156-5A3C-4670-A7BB-42FF8EF7E4F0}"/>
+                        <a16:creationId xmlns:a16="http://schemas.microsoft.com/office/drawing/2014/main" xmlns="" id="{9E2F2156-5A3C-4670-A7BB-42FF8EF7E4F0}"/>
                       </a:ext>
                     </a:extLst>
                   </p:cNvPr>
@@ -12564,7 +12604,7 @@
                   <p:cNvPr id="27" name="テキスト ボックス 26">
                     <a:extLst>
                       <a:ext uri="{FF2B5EF4-FFF2-40B4-BE49-F238E27FC236}">
-                        <a16:creationId xmlns="" xmlns:a16="http://schemas.microsoft.com/office/drawing/2014/main" id="{85DB17C7-0CA8-4460-8B6A-1BBCF3C5CA75}"/>
+                        <a16:creationId xmlns:a16="http://schemas.microsoft.com/office/drawing/2014/main" xmlns="" id="{85DB17C7-0CA8-4460-8B6A-1BBCF3C5CA75}"/>
                       </a:ext>
                     </a:extLst>
                   </p:cNvPr>
@@ -12603,7 +12643,7 @@
                 <p:cNvPr id="11" name="グループ化 10">
                   <a:extLst>
                     <a:ext uri="{FF2B5EF4-FFF2-40B4-BE49-F238E27FC236}">
-                      <a16:creationId xmlns="" xmlns:a16="http://schemas.microsoft.com/office/drawing/2014/main" id="{8FA97864-B0AC-4C37-AB57-3F511EE9B20A}"/>
+                      <a16:creationId xmlns:a16="http://schemas.microsoft.com/office/drawing/2014/main" xmlns="" id="{8FA97864-B0AC-4C37-AB57-3F511EE9B20A}"/>
                     </a:ext>
                   </a:extLst>
                 </p:cNvPr>
@@ -12623,7 +12663,7 @@
                   <p:cNvPr id="24" name="図 23" descr="物体 が含まれている画像&#10;&#10;自動的に生成された説明">
                     <a:extLst>
                       <a:ext uri="{FF2B5EF4-FFF2-40B4-BE49-F238E27FC236}">
-                        <a16:creationId xmlns="" xmlns:a16="http://schemas.microsoft.com/office/drawing/2014/main" id="{539F0BC8-41E3-4ADD-9459-BE0E2D7ABA27}"/>
+                        <a16:creationId xmlns:a16="http://schemas.microsoft.com/office/drawing/2014/main" xmlns="" id="{539F0BC8-41E3-4ADD-9459-BE0E2D7ABA27}"/>
                       </a:ext>
                     </a:extLst>
                   </p:cNvPr>
@@ -12659,7 +12699,7 @@
                   <p:cNvPr id="25" name="テキスト ボックス 24">
                     <a:extLst>
                       <a:ext uri="{FF2B5EF4-FFF2-40B4-BE49-F238E27FC236}">
-                        <a16:creationId xmlns="" xmlns:a16="http://schemas.microsoft.com/office/drawing/2014/main" id="{9D08D78F-597A-41C6-9E61-E721135C20D1}"/>
+                        <a16:creationId xmlns:a16="http://schemas.microsoft.com/office/drawing/2014/main" xmlns="" id="{9D08D78F-597A-41C6-9E61-E721135C20D1}"/>
                       </a:ext>
                     </a:extLst>
                   </p:cNvPr>
@@ -12698,7 +12738,7 @@
                 <p:cNvPr id="12" name="グループ化 11">
                   <a:extLst>
                     <a:ext uri="{FF2B5EF4-FFF2-40B4-BE49-F238E27FC236}">
-                      <a16:creationId xmlns="" xmlns:a16="http://schemas.microsoft.com/office/drawing/2014/main" id="{8F6624A7-F895-493A-8055-873B48C8C19C}"/>
+                      <a16:creationId xmlns:a16="http://schemas.microsoft.com/office/drawing/2014/main" xmlns="" id="{8F6624A7-F895-493A-8055-873B48C8C19C}"/>
                     </a:ext>
                   </a:extLst>
                 </p:cNvPr>
@@ -12718,7 +12758,7 @@
                   <p:cNvPr id="22" name="図 21" descr="物体, 腕時計 が含まれている画像&#10;&#10;自動的に生成された説明">
                     <a:extLst>
                       <a:ext uri="{FF2B5EF4-FFF2-40B4-BE49-F238E27FC236}">
-                        <a16:creationId xmlns="" xmlns:a16="http://schemas.microsoft.com/office/drawing/2014/main" id="{53299244-26D0-4173-ACC6-BD241C768849}"/>
+                        <a16:creationId xmlns:a16="http://schemas.microsoft.com/office/drawing/2014/main" xmlns="" id="{53299244-26D0-4173-ACC6-BD241C768849}"/>
                       </a:ext>
                     </a:extLst>
                   </p:cNvPr>
@@ -12754,7 +12794,7 @@
                   <p:cNvPr id="23" name="テキスト ボックス 22">
                     <a:extLst>
                       <a:ext uri="{FF2B5EF4-FFF2-40B4-BE49-F238E27FC236}">
-                        <a16:creationId xmlns="" xmlns:a16="http://schemas.microsoft.com/office/drawing/2014/main" id="{BF9D5B9B-9876-443A-BE29-B4828D0A5D74}"/>
+                        <a16:creationId xmlns:a16="http://schemas.microsoft.com/office/drawing/2014/main" xmlns="" id="{BF9D5B9B-9876-443A-BE29-B4828D0A5D74}"/>
                       </a:ext>
                     </a:extLst>
                   </p:cNvPr>
@@ -12793,7 +12833,7 @@
                 <p:cNvPr id="13" name="グループ化 12">
                   <a:extLst>
                     <a:ext uri="{FF2B5EF4-FFF2-40B4-BE49-F238E27FC236}">
-                      <a16:creationId xmlns="" xmlns:a16="http://schemas.microsoft.com/office/drawing/2014/main" id="{D317981A-38A9-4594-9159-8C77F7F6D8B4}"/>
+                      <a16:creationId xmlns:a16="http://schemas.microsoft.com/office/drawing/2014/main" xmlns="" id="{D317981A-38A9-4594-9159-8C77F7F6D8B4}"/>
                     </a:ext>
                   </a:extLst>
                 </p:cNvPr>
@@ -12813,7 +12853,7 @@
                   <p:cNvPr id="20" name="図 19" descr="物体 が含まれている画像&#10;&#10;自動的に生成された説明">
                     <a:extLst>
                       <a:ext uri="{FF2B5EF4-FFF2-40B4-BE49-F238E27FC236}">
-                        <a16:creationId xmlns="" xmlns:a16="http://schemas.microsoft.com/office/drawing/2014/main" id="{93CD3867-4A7C-4138-9F28-8B9071FCE1AF}"/>
+                        <a16:creationId xmlns:a16="http://schemas.microsoft.com/office/drawing/2014/main" xmlns="" id="{93CD3867-4A7C-4138-9F28-8B9071FCE1AF}"/>
                       </a:ext>
                     </a:extLst>
                   </p:cNvPr>
@@ -12849,7 +12889,7 @@
                   <p:cNvPr id="21" name="テキスト ボックス 20">
                     <a:extLst>
                       <a:ext uri="{FF2B5EF4-FFF2-40B4-BE49-F238E27FC236}">
-                        <a16:creationId xmlns="" xmlns:a16="http://schemas.microsoft.com/office/drawing/2014/main" id="{C3C71671-55D6-4E40-BC27-288FCF91D2BB}"/>
+                        <a16:creationId xmlns:a16="http://schemas.microsoft.com/office/drawing/2014/main" xmlns="" id="{C3C71671-55D6-4E40-BC27-288FCF91D2BB}"/>
                       </a:ext>
                     </a:extLst>
                   </p:cNvPr>
@@ -12892,7 +12932,7 @@
                 <p:cNvPr id="14" name="直線矢印コネクタ 13">
                   <a:extLst>
                     <a:ext uri="{FF2B5EF4-FFF2-40B4-BE49-F238E27FC236}">
-                      <a16:creationId xmlns="" xmlns:a16="http://schemas.microsoft.com/office/drawing/2014/main" id="{A84A16DD-57C4-4761-A446-249187106E51}"/>
+                      <a16:creationId xmlns:a16="http://schemas.microsoft.com/office/drawing/2014/main" xmlns="" id="{A84A16DD-57C4-4761-A446-249187106E51}"/>
                     </a:ext>
                   </a:extLst>
                 </p:cNvPr>
@@ -12936,7 +12976,7 @@
                 <p:cNvPr id="15" name="直線矢印コネクタ 14">
                   <a:extLst>
                     <a:ext uri="{FF2B5EF4-FFF2-40B4-BE49-F238E27FC236}">
-                      <a16:creationId xmlns="" xmlns:a16="http://schemas.microsoft.com/office/drawing/2014/main" id="{CE867472-33BD-4771-A53A-412FDCEAB859}"/>
+                      <a16:creationId xmlns:a16="http://schemas.microsoft.com/office/drawing/2014/main" xmlns="" id="{CE867472-33BD-4771-A53A-412FDCEAB859}"/>
                     </a:ext>
                   </a:extLst>
                 </p:cNvPr>
@@ -12980,7 +13020,7 @@
                 <p:cNvPr id="16" name="直線矢印コネクタ 15">
                   <a:extLst>
                     <a:ext uri="{FF2B5EF4-FFF2-40B4-BE49-F238E27FC236}">
-                      <a16:creationId xmlns="" xmlns:a16="http://schemas.microsoft.com/office/drawing/2014/main" id="{2F760955-CE29-4903-BDF0-C0EF1A34CD6F}"/>
+                      <a16:creationId xmlns:a16="http://schemas.microsoft.com/office/drawing/2014/main" xmlns="" id="{2F760955-CE29-4903-BDF0-C0EF1A34CD6F}"/>
                     </a:ext>
                   </a:extLst>
                 </p:cNvPr>
@@ -13024,7 +13064,7 @@
                 <p:cNvPr id="17" name="直線矢印コネクタ 16">
                   <a:extLst>
                     <a:ext uri="{FF2B5EF4-FFF2-40B4-BE49-F238E27FC236}">
-                      <a16:creationId xmlns="" xmlns:a16="http://schemas.microsoft.com/office/drawing/2014/main" id="{96E14F16-9B67-48C7-9985-746717E7D2CE}"/>
+                      <a16:creationId xmlns:a16="http://schemas.microsoft.com/office/drawing/2014/main" xmlns="" id="{96E14F16-9B67-48C7-9985-746717E7D2CE}"/>
                     </a:ext>
                   </a:extLst>
                 </p:cNvPr>
@@ -13068,7 +13108,7 @@
                 <p:cNvPr id="18" name="正方形/長方形 17">
                   <a:extLst>
                     <a:ext uri="{FF2B5EF4-FFF2-40B4-BE49-F238E27FC236}">
-                      <a16:creationId xmlns="" xmlns:a16="http://schemas.microsoft.com/office/drawing/2014/main" id="{6ADAFCEE-C028-416D-B257-90B41E02042A}"/>
+                      <a16:creationId xmlns:a16="http://schemas.microsoft.com/office/drawing/2014/main" xmlns="" id="{6ADAFCEE-C028-416D-B257-90B41E02042A}"/>
                     </a:ext>
                   </a:extLst>
                 </p:cNvPr>
@@ -13123,7 +13163,7 @@
                 <p:cNvPr id="19" name="直線矢印コネクタ 18">
                   <a:extLst>
                     <a:ext uri="{FF2B5EF4-FFF2-40B4-BE49-F238E27FC236}">
-                      <a16:creationId xmlns="" xmlns:a16="http://schemas.microsoft.com/office/drawing/2014/main" id="{A2A6B62C-1E0E-432C-9BEC-393C34A1C94C}"/>
+                      <a16:creationId xmlns:a16="http://schemas.microsoft.com/office/drawing/2014/main" xmlns="" id="{A2A6B62C-1E0E-432C-9BEC-393C34A1C94C}"/>
                     </a:ext>
                   </a:extLst>
                 </p:cNvPr>
@@ -13168,7 +13208,7 @@
               <p:cNvPr id="28" name="グループ化 27">
                 <a:extLst>
                   <a:ext uri="{FF2B5EF4-FFF2-40B4-BE49-F238E27FC236}">
-                    <a16:creationId xmlns="" xmlns:a16="http://schemas.microsoft.com/office/drawing/2014/main" id="{7EEE5686-B5B9-4B20-8993-381AFDACF9AB}"/>
+                    <a16:creationId xmlns:a16="http://schemas.microsoft.com/office/drawing/2014/main" xmlns="" id="{7EEE5686-B5B9-4B20-8993-381AFDACF9AB}"/>
                   </a:ext>
                 </a:extLst>
               </p:cNvPr>
@@ -13188,7 +13228,7 @@
                 <p:cNvPr id="29" name="グループ化 28">
                   <a:extLst>
                     <a:ext uri="{FF2B5EF4-FFF2-40B4-BE49-F238E27FC236}">
-                      <a16:creationId xmlns="" xmlns:a16="http://schemas.microsoft.com/office/drawing/2014/main" id="{80B432E5-1E61-4A1C-BB38-CE56CD67DAEC}"/>
+                      <a16:creationId xmlns:a16="http://schemas.microsoft.com/office/drawing/2014/main" xmlns="" id="{80B432E5-1E61-4A1C-BB38-CE56CD67DAEC}"/>
                     </a:ext>
                   </a:extLst>
                 </p:cNvPr>
@@ -13208,7 +13248,7 @@
                   <p:cNvPr id="31" name="直線矢印コネクタ 30">
                     <a:extLst>
                       <a:ext uri="{FF2B5EF4-FFF2-40B4-BE49-F238E27FC236}">
-                        <a16:creationId xmlns="" xmlns:a16="http://schemas.microsoft.com/office/drawing/2014/main" id="{555429FE-F091-46AD-84F7-1B4256D762AB}"/>
+                        <a16:creationId xmlns:a16="http://schemas.microsoft.com/office/drawing/2014/main" xmlns="" id="{555429FE-F091-46AD-84F7-1B4256D762AB}"/>
                       </a:ext>
                     </a:extLst>
                   </p:cNvPr>
@@ -13252,7 +13292,7 @@
                   <p:cNvPr id="32" name="直線矢印コネクタ 31">
                     <a:extLst>
                       <a:ext uri="{FF2B5EF4-FFF2-40B4-BE49-F238E27FC236}">
-                        <a16:creationId xmlns="" xmlns:a16="http://schemas.microsoft.com/office/drawing/2014/main" id="{5030B8C7-7BED-40F6-B6D5-A7CD124D67A9}"/>
+                        <a16:creationId xmlns:a16="http://schemas.microsoft.com/office/drawing/2014/main" xmlns="" id="{5030B8C7-7BED-40F6-B6D5-A7CD124D67A9}"/>
                       </a:ext>
                     </a:extLst>
                   </p:cNvPr>
@@ -13296,7 +13336,7 @@
                   <p:cNvPr id="33" name="テキスト ボックス 32">
                     <a:extLst>
                       <a:ext uri="{FF2B5EF4-FFF2-40B4-BE49-F238E27FC236}">
-                        <a16:creationId xmlns="" xmlns:a16="http://schemas.microsoft.com/office/drawing/2014/main" id="{1BB9FF26-C1AD-43FF-B1A3-3D220E4BC3AA}"/>
+                        <a16:creationId xmlns:a16="http://schemas.microsoft.com/office/drawing/2014/main" xmlns="" id="{1BB9FF26-C1AD-43FF-B1A3-3D220E4BC3AA}"/>
                       </a:ext>
                     </a:extLst>
                   </p:cNvPr>
@@ -13334,7 +13374,7 @@
                   <p:cNvPr id="34" name="テキスト ボックス 33">
                     <a:extLst>
                       <a:ext uri="{FF2B5EF4-FFF2-40B4-BE49-F238E27FC236}">
-                        <a16:creationId xmlns="" xmlns:a16="http://schemas.microsoft.com/office/drawing/2014/main" id="{127090C9-FA03-47A3-B8E5-5AC843148C0C}"/>
+                        <a16:creationId xmlns:a16="http://schemas.microsoft.com/office/drawing/2014/main" xmlns="" id="{127090C9-FA03-47A3-B8E5-5AC843148C0C}"/>
                       </a:ext>
                     </a:extLst>
                   </p:cNvPr>
@@ -13377,7 +13417,7 @@
                 <p:cNvPr id="30" name="正方形/長方形 29">
                   <a:extLst>
                     <a:ext uri="{FF2B5EF4-FFF2-40B4-BE49-F238E27FC236}">
-                      <a16:creationId xmlns="" xmlns:a16="http://schemas.microsoft.com/office/drawing/2014/main" id="{974D7591-C374-4FE7-98C6-F63D715B2F46}"/>
+                      <a16:creationId xmlns:a16="http://schemas.microsoft.com/office/drawing/2014/main" xmlns="" id="{974D7591-C374-4FE7-98C6-F63D715B2F46}"/>
                     </a:ext>
                   </a:extLst>
                 </p:cNvPr>
@@ -13433,7 +13473,7 @@
               <p:cNvPr id="35" name="正方形/長方形 34">
                 <a:extLst>
                   <a:ext uri="{FF2B5EF4-FFF2-40B4-BE49-F238E27FC236}">
-                    <a16:creationId xmlns="" xmlns:a16="http://schemas.microsoft.com/office/drawing/2014/main" id="{A98ECFFF-731C-4C54-95F1-02A8CC15EA71}"/>
+                    <a16:creationId xmlns:a16="http://schemas.microsoft.com/office/drawing/2014/main" xmlns="" id="{A98ECFFF-731C-4C54-95F1-02A8CC15EA71}"/>
                   </a:ext>
                 </a:extLst>
               </p:cNvPr>
@@ -13573,7 +13613,7 @@
             <p:cNvPr id="43" name="直線矢印コネクタ 42">
               <a:extLst>
                 <a:ext uri="{FF2B5EF4-FFF2-40B4-BE49-F238E27FC236}">
-                  <a16:creationId xmlns="" xmlns:a16="http://schemas.microsoft.com/office/drawing/2014/main" id="{A2A6B62C-1E0E-432C-9BEC-393C34A1C94C}"/>
+                  <a16:creationId xmlns:a16="http://schemas.microsoft.com/office/drawing/2014/main" xmlns="" id="{A2A6B62C-1E0E-432C-9BEC-393C34A1C94C}"/>
                 </a:ext>
               </a:extLst>
             </p:cNvPr>
@@ -13617,7 +13657,7 @@
             <p:cNvPr id="53" name="直線矢印コネクタ 52">
               <a:extLst>
                 <a:ext uri="{FF2B5EF4-FFF2-40B4-BE49-F238E27FC236}">
-                  <a16:creationId xmlns="" xmlns:a16="http://schemas.microsoft.com/office/drawing/2014/main" id="{A2A6B62C-1E0E-432C-9BEC-393C34A1C94C}"/>
+                  <a16:creationId xmlns:a16="http://schemas.microsoft.com/office/drawing/2014/main" xmlns="" id="{A2A6B62C-1E0E-432C-9BEC-393C34A1C94C}"/>
                 </a:ext>
               </a:extLst>
             </p:cNvPr>

--- a/説明文.pptx
+++ b/説明文.pptx
@@ -209,7 +209,7 @@
           <a:p>
             <a:fld id="{D3517757-E664-4BB3-B78C-0CBDD076F206}" type="datetimeFigureOut">
               <a:rPr kumimoji="1" lang="ja-JP" altLang="en-US" smtClean="0"/>
-              <a:t>2019/7/29</a:t>
+              <a:t>2019/8/9</a:t>
             </a:fld>
             <a:endParaRPr kumimoji="1" lang="ja-JP" altLang="en-US"/>
           </a:p>
@@ -637,7 +637,7 @@
           <a:p>
             <a:fld id="{8F2BA968-46FA-4915-82D5-53748CAAB103}" type="datetimeFigureOut">
               <a:rPr kumimoji="1" lang="ja-JP" altLang="en-US" smtClean="0"/>
-              <a:t>2019/7/29</a:t>
+              <a:t>2019/8/9</a:t>
             </a:fld>
             <a:endParaRPr kumimoji="1" lang="ja-JP" altLang="en-US" dirty="0"/>
           </a:p>
@@ -837,7 +837,7 @@
           <a:p>
             <a:fld id="{8F2BA968-46FA-4915-82D5-53748CAAB103}" type="datetimeFigureOut">
               <a:rPr kumimoji="1" lang="ja-JP" altLang="en-US" smtClean="0"/>
-              <a:t>2019/7/29</a:t>
+              <a:t>2019/8/9</a:t>
             </a:fld>
             <a:endParaRPr kumimoji="1" lang="ja-JP" altLang="en-US" dirty="0"/>
           </a:p>
@@ -1047,7 +1047,7 @@
           <a:p>
             <a:fld id="{8F2BA968-46FA-4915-82D5-53748CAAB103}" type="datetimeFigureOut">
               <a:rPr kumimoji="1" lang="ja-JP" altLang="en-US" smtClean="0"/>
-              <a:t>2019/7/29</a:t>
+              <a:t>2019/8/9</a:t>
             </a:fld>
             <a:endParaRPr kumimoji="1" lang="ja-JP" altLang="en-US" dirty="0"/>
           </a:p>
@@ -1247,7 +1247,7 @@
           <a:p>
             <a:fld id="{8F2BA968-46FA-4915-82D5-53748CAAB103}" type="datetimeFigureOut">
               <a:rPr kumimoji="1" lang="ja-JP" altLang="en-US" smtClean="0"/>
-              <a:t>2019/7/29</a:t>
+              <a:t>2019/8/9</a:t>
             </a:fld>
             <a:endParaRPr kumimoji="1" lang="ja-JP" altLang="en-US" dirty="0"/>
           </a:p>
@@ -1492,7 +1492,7 @@
           <a:p>
             <a:fld id="{8F2BA968-46FA-4915-82D5-53748CAAB103}" type="datetimeFigureOut">
               <a:rPr kumimoji="1" lang="ja-JP" altLang="en-US" smtClean="0"/>
-              <a:t>2019/7/29</a:t>
+              <a:t>2019/8/9</a:t>
             </a:fld>
             <a:endParaRPr kumimoji="1" lang="ja-JP" altLang="en-US" dirty="0"/>
           </a:p>
@@ -1785,7 +1785,7 @@
           <a:p>
             <a:fld id="{8F2BA968-46FA-4915-82D5-53748CAAB103}" type="datetimeFigureOut">
               <a:rPr kumimoji="1" lang="ja-JP" altLang="en-US" smtClean="0"/>
-              <a:t>2019/7/29</a:t>
+              <a:t>2019/8/9</a:t>
             </a:fld>
             <a:endParaRPr kumimoji="1" lang="ja-JP" altLang="en-US" dirty="0"/>
           </a:p>
@@ -2213,7 +2213,7 @@
           <a:p>
             <a:fld id="{8F2BA968-46FA-4915-82D5-53748CAAB103}" type="datetimeFigureOut">
               <a:rPr kumimoji="1" lang="ja-JP" altLang="en-US" smtClean="0"/>
-              <a:t>2019/7/29</a:t>
+              <a:t>2019/8/9</a:t>
             </a:fld>
             <a:endParaRPr kumimoji="1" lang="ja-JP" altLang="en-US" dirty="0"/>
           </a:p>
@@ -2330,7 +2330,7 @@
           <a:p>
             <a:fld id="{8F2BA968-46FA-4915-82D5-53748CAAB103}" type="datetimeFigureOut">
               <a:rPr kumimoji="1" lang="ja-JP" altLang="en-US" smtClean="0"/>
-              <a:t>2019/7/29</a:t>
+              <a:t>2019/8/9</a:t>
             </a:fld>
             <a:endParaRPr kumimoji="1" lang="ja-JP" altLang="en-US" dirty="0"/>
           </a:p>
@@ -2425,7 +2425,7 @@
           <a:p>
             <a:fld id="{8F2BA968-46FA-4915-82D5-53748CAAB103}" type="datetimeFigureOut">
               <a:rPr kumimoji="1" lang="ja-JP" altLang="en-US" smtClean="0"/>
-              <a:t>2019/7/29</a:t>
+              <a:t>2019/8/9</a:t>
             </a:fld>
             <a:endParaRPr kumimoji="1" lang="ja-JP" altLang="en-US" dirty="0"/>
           </a:p>
@@ -2732,7 +2732,7 @@
           <a:p>
             <a:fld id="{8F2BA968-46FA-4915-82D5-53748CAAB103}" type="datetimeFigureOut">
               <a:rPr kumimoji="1" lang="ja-JP" altLang="en-US" smtClean="0"/>
-              <a:t>2019/7/29</a:t>
+              <a:t>2019/8/9</a:t>
             </a:fld>
             <a:endParaRPr kumimoji="1" lang="ja-JP" altLang="en-US" dirty="0"/>
           </a:p>
@@ -2984,7 +2984,7 @@
           <a:p>
             <a:fld id="{8F2BA968-46FA-4915-82D5-53748CAAB103}" type="datetimeFigureOut">
               <a:rPr kumimoji="1" lang="ja-JP" altLang="en-US" smtClean="0"/>
-              <a:t>2019/7/29</a:t>
+              <a:t>2019/8/9</a:t>
             </a:fld>
             <a:endParaRPr kumimoji="1" lang="ja-JP" altLang="en-US" dirty="0"/>
           </a:p>
@@ -3227,7 +3227,7 @@
           <a:p>
             <a:fld id="{8F2BA968-46FA-4915-82D5-53748CAAB103}" type="datetimeFigureOut">
               <a:rPr kumimoji="1" lang="ja-JP" altLang="en-US" smtClean="0"/>
-              <a:t>2019/7/29</a:t>
+              <a:t>2019/8/9</a:t>
             </a:fld>
             <a:endParaRPr kumimoji="1" lang="ja-JP" altLang="en-US" dirty="0"/>
           </a:p>
@@ -3637,7 +3637,7 @@
           <p:cNvPr id="4" name="図 3" descr="スクリーンショット が含まれている画像&#10;&#10;自動的に生成された説明">
             <a:extLst>
               <a:ext uri="{FF2B5EF4-FFF2-40B4-BE49-F238E27FC236}">
-                <a16:creationId xmlns:a16="http://schemas.microsoft.com/office/drawing/2014/main" xmlns="" id="{48282D74-7C89-4D68-8F6E-D62AC9485402}"/>
+                <a16:creationId xmlns="" xmlns:a16="http://schemas.microsoft.com/office/drawing/2014/main" id="{48282D74-7C89-4D68-8F6E-D62AC9485402}"/>
               </a:ext>
             </a:extLst>
           </p:cNvPr>
@@ -3717,7 +3717,7 @@
             <a:r>
               <a:rPr lang="ja-JP" altLang="en-US" dirty="0">
                 <a:solidFill>
-                  <a:schemeClr val="tx1"/>
+                  <a:srgbClr val="FF0000"/>
                 </a:solidFill>
                 <a:latin typeface="チェックポイント．（ピリオド）" panose="02000600000000000000" pitchFamily="50" charset="-128"/>
                 <a:ea typeface="チェックポイント．（ピリオド）" panose="02000600000000000000" pitchFamily="50" charset="-128"/>
@@ -3726,7 +3726,7 @@
             </a:r>
             <a:endParaRPr lang="en-US" altLang="ja-JP" dirty="0">
               <a:solidFill>
-                <a:schemeClr val="tx1"/>
+                <a:srgbClr val="FF0000"/>
               </a:solidFill>
               <a:latin typeface="チェックポイント．（ピリオド）" panose="02000600000000000000" pitchFamily="50" charset="-128"/>
               <a:ea typeface="チェックポイント．（ピリオド）" panose="02000600000000000000" pitchFamily="50" charset="-128"/>
@@ -3735,6 +3735,16 @@
           <a:p>
             <a:pPr algn="ctr"/>
             <a:r>
+              <a:rPr lang="ja-JP" altLang="en-US" dirty="0" smtClean="0">
+                <a:solidFill>
+                  <a:schemeClr val="tx1"/>
+                </a:solidFill>
+                <a:latin typeface="チェックポイント．（ピリオド）" panose="02000600000000000000" pitchFamily="50" charset="-128"/>
+                <a:ea typeface="チェックポイント．（ピリオド）" panose="02000600000000000000" pitchFamily="50" charset="-128"/>
+              </a:rPr>
+              <a:t>クリック</a:t>
+            </a:r>
+            <a:r>
               <a:rPr lang="ja-JP" altLang="en-US" dirty="0">
                 <a:solidFill>
                   <a:schemeClr val="tx1"/>
@@ -3742,7 +3752,17 @@
                 <a:latin typeface="チェックポイント．（ピリオド）" panose="02000600000000000000" pitchFamily="50" charset="-128"/>
                 <a:ea typeface="チェックポイント．（ピリオド）" panose="02000600000000000000" pitchFamily="50" charset="-128"/>
               </a:rPr>
-              <a:t>ここをクリックすると倉庫が開ける</a:t>
+              <a:t>すると倉庫が</a:t>
+            </a:r>
+            <a:r>
+              <a:rPr lang="ja-JP" altLang="en-US" dirty="0" smtClean="0">
+                <a:solidFill>
+                  <a:schemeClr val="tx1"/>
+                </a:solidFill>
+                <a:latin typeface="チェックポイント．（ピリオド）" panose="02000600000000000000" pitchFamily="50" charset="-128"/>
+                <a:ea typeface="チェックポイント．（ピリオド）" panose="02000600000000000000" pitchFamily="50" charset="-128"/>
+              </a:rPr>
+              <a:t>開けます。</a:t>
             </a:r>
             <a:endParaRPr lang="en-US" altLang="ja-JP" dirty="0">
               <a:solidFill>
@@ -3804,7 +3824,7 @@
             <a:r>
               <a:rPr lang="ja-JP" altLang="en-US" dirty="0">
                 <a:solidFill>
-                  <a:schemeClr val="tx1"/>
+                  <a:srgbClr val="FF0000"/>
                 </a:solidFill>
                 <a:latin typeface="チェックポイント．（ピリオド）" panose="02000600000000000000" pitchFamily="50" charset="-128"/>
                 <a:ea typeface="チェックポイント．（ピリオド）" panose="02000600000000000000" pitchFamily="50" charset="-128"/>
@@ -3813,7 +3833,7 @@
             </a:r>
             <a:endParaRPr lang="en-US" altLang="ja-JP" dirty="0">
               <a:solidFill>
-                <a:schemeClr val="tx1"/>
+                <a:srgbClr val="FF0000"/>
               </a:solidFill>
               <a:latin typeface="チェックポイント．（ピリオド）" panose="02000600000000000000" pitchFamily="50" charset="-128"/>
               <a:ea typeface="チェックポイント．（ピリオド）" panose="02000600000000000000" pitchFamily="50" charset="-128"/>
@@ -3822,6 +3842,16 @@
           <a:p>
             <a:pPr algn="ctr"/>
             <a:r>
+              <a:rPr lang="ja-JP" altLang="en-US" dirty="0" smtClean="0">
+                <a:solidFill>
+                  <a:schemeClr val="tx1"/>
+                </a:solidFill>
+                <a:latin typeface="チェックポイント．（ピリオド）" panose="02000600000000000000" pitchFamily="50" charset="-128"/>
+                <a:ea typeface="チェックポイント．（ピリオド）" panose="02000600000000000000" pitchFamily="50" charset="-128"/>
+              </a:rPr>
+              <a:t>クリック</a:t>
+            </a:r>
+            <a:r>
               <a:rPr lang="ja-JP" altLang="en-US" dirty="0">
                 <a:solidFill>
                   <a:schemeClr val="tx1"/>
@@ -3829,7 +3859,17 @@
                 <a:latin typeface="チェックポイント．（ピリオド）" panose="02000600000000000000" pitchFamily="50" charset="-128"/>
                 <a:ea typeface="チェックポイント．（ピリオド）" panose="02000600000000000000" pitchFamily="50" charset="-128"/>
               </a:rPr>
-              <a:t>ここをクリックすると研究所が開ける</a:t>
+              <a:t>すると研究所が</a:t>
+            </a:r>
+            <a:r>
+              <a:rPr lang="ja-JP" altLang="en-US" dirty="0" smtClean="0">
+                <a:solidFill>
+                  <a:schemeClr val="tx1"/>
+                </a:solidFill>
+                <a:latin typeface="チェックポイント．（ピリオド）" panose="02000600000000000000" pitchFamily="50" charset="-128"/>
+                <a:ea typeface="チェックポイント．（ピリオド）" panose="02000600000000000000" pitchFamily="50" charset="-128"/>
+              </a:rPr>
+              <a:t>開けます。</a:t>
             </a:r>
             <a:endParaRPr lang="en-US" altLang="ja-JP" dirty="0">
               <a:solidFill>
@@ -3891,7 +3931,7 @@
             <a:r>
               <a:rPr lang="ja-JP" altLang="en-US" dirty="0">
                 <a:solidFill>
-                  <a:schemeClr val="tx1"/>
+                  <a:srgbClr val="FF0000"/>
                 </a:solidFill>
                 <a:latin typeface="チェックポイント．（ピリオド）" panose="02000600000000000000" pitchFamily="50" charset="-128"/>
                 <a:ea typeface="チェックポイント．（ピリオド）" panose="02000600000000000000" pitchFamily="50" charset="-128"/>
@@ -3900,7 +3940,7 @@
             </a:r>
             <a:endParaRPr lang="en-US" altLang="ja-JP" dirty="0">
               <a:solidFill>
-                <a:schemeClr val="tx1"/>
+                <a:srgbClr val="FF0000"/>
               </a:solidFill>
               <a:latin typeface="チェックポイント．（ピリオド）" panose="02000600000000000000" pitchFamily="50" charset="-128"/>
               <a:ea typeface="チェックポイント．（ピリオド）" panose="02000600000000000000" pitchFamily="50" charset="-128"/>
@@ -3909,6 +3949,16 @@
           <a:p>
             <a:pPr algn="ctr"/>
             <a:r>
+              <a:rPr lang="ja-JP" altLang="en-US" dirty="0" smtClean="0">
+                <a:solidFill>
+                  <a:schemeClr val="tx1"/>
+                </a:solidFill>
+                <a:latin typeface="チェックポイント．（ピリオド）" panose="02000600000000000000" pitchFamily="50" charset="-128"/>
+                <a:ea typeface="チェックポイント．（ピリオド）" panose="02000600000000000000" pitchFamily="50" charset="-128"/>
+              </a:rPr>
+              <a:t>クリック</a:t>
+            </a:r>
+            <a:r>
               <a:rPr lang="ja-JP" altLang="en-US" dirty="0">
                 <a:solidFill>
                   <a:schemeClr val="tx1"/>
@@ -3916,7 +3966,17 @@
                 <a:latin typeface="チェックポイント．（ピリオド）" panose="02000600000000000000" pitchFamily="50" charset="-128"/>
                 <a:ea typeface="チェックポイント．（ピリオド）" panose="02000600000000000000" pitchFamily="50" charset="-128"/>
               </a:rPr>
-              <a:t>ここをクリックすると兵舎が開ける</a:t>
+              <a:t>すると兵舎が</a:t>
+            </a:r>
+            <a:r>
+              <a:rPr lang="ja-JP" altLang="en-US" dirty="0" smtClean="0">
+                <a:solidFill>
+                  <a:schemeClr val="tx1"/>
+                </a:solidFill>
+                <a:latin typeface="チェックポイント．（ピリオド）" panose="02000600000000000000" pitchFamily="50" charset="-128"/>
+                <a:ea typeface="チェックポイント．（ピリオド）" panose="02000600000000000000" pitchFamily="50" charset="-128"/>
+              </a:rPr>
+              <a:t>開けます。</a:t>
             </a:r>
             <a:endParaRPr lang="en-US" altLang="ja-JP" dirty="0">
               <a:solidFill>
@@ -3972,7 +4032,7 @@
           <p:cNvPr id="6" name="正方形/長方形 5">
             <a:extLst>
               <a:ext uri="{FF2B5EF4-FFF2-40B4-BE49-F238E27FC236}">
-                <a16:creationId xmlns:a16="http://schemas.microsoft.com/office/drawing/2014/main" xmlns="" id="{E239D52D-8A0E-45C2-9D76-49681F4F3023}"/>
+                <a16:creationId xmlns="" xmlns:a16="http://schemas.microsoft.com/office/drawing/2014/main" id="{E239D52D-8A0E-45C2-9D76-49681F4F3023}"/>
               </a:ext>
             </a:extLst>
           </p:cNvPr>
@@ -4024,7 +4084,7 @@
           <p:cNvPr id="12" name="正方形/長方形 11">
             <a:extLst>
               <a:ext uri="{FF2B5EF4-FFF2-40B4-BE49-F238E27FC236}">
-                <a16:creationId xmlns:a16="http://schemas.microsoft.com/office/drawing/2014/main" xmlns="" id="{44B16076-58F3-411C-BA21-CC2F6BFDF2CA}"/>
+                <a16:creationId xmlns="" xmlns:a16="http://schemas.microsoft.com/office/drawing/2014/main" id="{44B16076-58F3-411C-BA21-CC2F6BFDF2CA}"/>
               </a:ext>
             </a:extLst>
           </p:cNvPr>
@@ -4076,7 +4136,7 @@
           <p:cNvPr id="13" name="正方形/長方形 12">
             <a:extLst>
               <a:ext uri="{FF2B5EF4-FFF2-40B4-BE49-F238E27FC236}">
-                <a16:creationId xmlns:a16="http://schemas.microsoft.com/office/drawing/2014/main" xmlns="" id="{48971A5D-F76B-4813-83D2-2D825B6A3202}"/>
+                <a16:creationId xmlns="" xmlns:a16="http://schemas.microsoft.com/office/drawing/2014/main" id="{48971A5D-F76B-4813-83D2-2D825B6A3202}"/>
               </a:ext>
             </a:extLst>
           </p:cNvPr>
@@ -4165,7 +4225,7 @@
           <p:cNvPr id="4" name="テキスト ボックス 3">
             <a:extLst>
               <a:ext uri="{FF2B5EF4-FFF2-40B4-BE49-F238E27FC236}">
-                <a16:creationId xmlns:a16="http://schemas.microsoft.com/office/drawing/2014/main" xmlns="" id="{C41C563A-40AB-403A-8661-FE9944DE17B5}"/>
+                <a16:creationId xmlns="" xmlns:a16="http://schemas.microsoft.com/office/drawing/2014/main" id="{C41C563A-40AB-403A-8661-FE9944DE17B5}"/>
               </a:ext>
             </a:extLst>
           </p:cNvPr>
@@ -4210,7 +4270,7 @@
           <p:cNvPr id="5" name="テキスト ボックス 4">
             <a:extLst>
               <a:ext uri="{FF2B5EF4-FFF2-40B4-BE49-F238E27FC236}">
-                <a16:creationId xmlns:a16="http://schemas.microsoft.com/office/drawing/2014/main" xmlns="" id="{4942987D-E9F9-4BC9-8090-7DA7D48916EF}"/>
+                <a16:creationId xmlns="" xmlns:a16="http://schemas.microsoft.com/office/drawing/2014/main" id="{4942987D-E9F9-4BC9-8090-7DA7D48916EF}"/>
               </a:ext>
             </a:extLst>
           </p:cNvPr>
@@ -4219,8 +4279,8 @@
         </p:nvSpPr>
         <p:spPr>
           <a:xfrm>
-            <a:off x="2065536" y="1226438"/>
-            <a:ext cx="8060926" cy="400110"/>
+            <a:off x="1519780" y="1128434"/>
+            <a:ext cx="9350648" cy="523220"/>
           </a:xfrm>
           <a:prstGeom prst="rect">
             <a:avLst/>
@@ -4234,12 +4294,44 @@
           <a:lstStyle/>
           <a:p>
             <a:r>
-              <a:rPr kumimoji="1" lang="ja-JP" altLang="en-US" sz="2000" dirty="0">
-                <a:latin typeface="チェックポイント．（ピリオド）" panose="02000600000000000000" pitchFamily="50" charset="-128"/>
-                <a:ea typeface="チェックポイント．（ピリオド）" panose="02000600000000000000" pitchFamily="50" charset="-128"/>
-              </a:rPr>
-              <a:t>戦闘は基本的にマウスもしくは、キーボードで行うことができます。</a:t>
-            </a:r>
+              <a:rPr kumimoji="1" lang="ja-JP" altLang="en-US" sz="2800" dirty="0">
+                <a:latin typeface="チェックポイント．（ピリオド）" panose="02000600000000000000" pitchFamily="50" charset="-128"/>
+                <a:ea typeface="チェックポイント．（ピリオド）" panose="02000600000000000000" pitchFamily="50" charset="-128"/>
+              </a:rPr>
+              <a:t>戦闘は基本的にマウスもしくは、キーボード</a:t>
+            </a:r>
+            <a:r>
+              <a:rPr kumimoji="1" lang="ja-JP" altLang="en-US" sz="2800" dirty="0" smtClean="0">
+                <a:latin typeface="チェックポイント．（ピリオド）" panose="02000600000000000000" pitchFamily="50" charset="-128"/>
+                <a:ea typeface="チェックポイント．（ピリオド）" panose="02000600000000000000" pitchFamily="50" charset="-128"/>
+              </a:rPr>
+              <a:t>で</a:t>
+            </a:r>
+            <a:r>
+              <a:rPr lang="ja-JP" altLang="en-US" sz="2800" dirty="0">
+                <a:latin typeface="チェックポイント．（ピリオド）" panose="02000600000000000000" pitchFamily="50" charset="-128"/>
+                <a:ea typeface="チェックポイント．（ピリオド）" panose="02000600000000000000" pitchFamily="50" charset="-128"/>
+              </a:rPr>
+              <a:t>行</a:t>
+            </a:r>
+            <a:r>
+              <a:rPr lang="ja-JP" altLang="en-US" sz="2800" dirty="0" smtClean="0">
+                <a:latin typeface="チェックポイント．（ピリオド）" panose="02000600000000000000" pitchFamily="50" charset="-128"/>
+                <a:ea typeface="チェックポイント．（ピリオド）" panose="02000600000000000000" pitchFamily="50" charset="-128"/>
+              </a:rPr>
+              <a:t>います</a:t>
+            </a:r>
+            <a:r>
+              <a:rPr kumimoji="1" lang="ja-JP" altLang="en-US" sz="2800" dirty="0" smtClean="0">
+                <a:latin typeface="チェックポイント．（ピリオド）" panose="02000600000000000000" pitchFamily="50" charset="-128"/>
+                <a:ea typeface="チェックポイント．（ピリオド）" panose="02000600000000000000" pitchFamily="50" charset="-128"/>
+              </a:rPr>
+              <a:t>。</a:t>
+            </a:r>
+            <a:endParaRPr kumimoji="1" lang="ja-JP" altLang="en-US" sz="2800" dirty="0">
+              <a:latin typeface="チェックポイント．（ピリオド）" panose="02000600000000000000" pitchFamily="50" charset="-128"/>
+              <a:ea typeface="チェックポイント．（ピリオド）" panose="02000600000000000000" pitchFamily="50" charset="-128"/>
+            </a:endParaRPr>
           </a:p>
         </p:txBody>
       </p:sp>
@@ -4248,7 +4340,7 @@
           <p:cNvPr id="40" name="テキスト ボックス 39">
             <a:extLst>
               <a:ext uri="{FF2B5EF4-FFF2-40B4-BE49-F238E27FC236}">
-                <a16:creationId xmlns:a16="http://schemas.microsoft.com/office/drawing/2014/main" xmlns="" id="{F1EA6A6B-D4D0-463A-A599-CE219946A74B}"/>
+                <a16:creationId xmlns="" xmlns:a16="http://schemas.microsoft.com/office/drawing/2014/main" id="{F1EA6A6B-D4D0-463A-A599-CE219946A74B}"/>
               </a:ext>
             </a:extLst>
           </p:cNvPr>
@@ -4272,32 +4364,69 @@
           <a:lstStyle/>
           <a:p>
             <a:r>
-              <a:rPr kumimoji="1" lang="en-US" altLang="ja-JP" dirty="0">
-                <a:latin typeface="チェックポイント．（ピリオド）" panose="02000600000000000000" pitchFamily="50" charset="-128"/>
-                <a:ea typeface="チェックポイント．（ピリオド）" panose="02000600000000000000" pitchFamily="50" charset="-128"/>
-              </a:rPr>
-              <a:t>1</a:t>
+              <a:rPr lang="en-US" altLang="ja-JP" dirty="0">
+                <a:solidFill>
+                  <a:srgbClr val="002060"/>
+                </a:solidFill>
+                <a:latin typeface="チェックポイント．（ピリオド）" panose="02000600000000000000" pitchFamily="50" charset="-128"/>
+                <a:ea typeface="チェックポイント．（ピリオド）" panose="02000600000000000000" pitchFamily="50" charset="-128"/>
+              </a:rPr>
+              <a:t>Z</a:t>
+            </a:r>
+            <a:r>
+              <a:rPr kumimoji="1" lang="ja-JP" altLang="en-US" dirty="0" smtClean="0">
+                <a:latin typeface="チェックポイント．（ピリオド）" panose="02000600000000000000" pitchFamily="50" charset="-128"/>
+                <a:ea typeface="チェックポイント．（ピリオド）" panose="02000600000000000000" pitchFamily="50" charset="-128"/>
+              </a:rPr>
+              <a:t>を</a:t>
             </a:r>
             <a:r>
               <a:rPr kumimoji="1" lang="ja-JP" altLang="en-US" dirty="0">
                 <a:latin typeface="チェックポイント．（ピリオド）" panose="02000600000000000000" pitchFamily="50" charset="-128"/>
                 <a:ea typeface="チェックポイント．（ピリオド）" panose="02000600000000000000" pitchFamily="50" charset="-128"/>
               </a:rPr>
-              <a:t>を押す</a:t>
+              <a:t>押す</a:t>
             </a:r>
             <a:r>
               <a:rPr lang="ja-JP" altLang="en-US" dirty="0">
                 <a:latin typeface="チェックポイント．（ピリオド）" panose="02000600000000000000" pitchFamily="50" charset="-128"/>
                 <a:ea typeface="チェックポイント．（ピリオド）" panose="02000600000000000000" pitchFamily="50" charset="-128"/>
               </a:rPr>
-              <a:t>または、ミサイルボタンをクリックすると</a:t>
+              <a:t>または、</a:t>
+            </a:r>
+            <a:r>
+              <a:rPr lang="ja-JP" altLang="en-US" dirty="0">
+                <a:solidFill>
+                  <a:srgbClr val="002060"/>
+                </a:solidFill>
+                <a:latin typeface="チェックポイント．（ピリオド）" panose="02000600000000000000" pitchFamily="50" charset="-128"/>
+                <a:ea typeface="チェックポイント．（ピリオド）" panose="02000600000000000000" pitchFamily="50" charset="-128"/>
+              </a:rPr>
+              <a:t>ミサイルボタン</a:t>
+            </a:r>
+            <a:r>
+              <a:rPr lang="ja-JP" altLang="en-US" dirty="0">
+                <a:latin typeface="チェックポイント．（ピリオド）" panose="02000600000000000000" pitchFamily="50" charset="-128"/>
+                <a:ea typeface="チェックポイント．（ピリオド）" panose="02000600000000000000" pitchFamily="50" charset="-128"/>
+              </a:rPr>
+              <a:t>をクリックすると</a:t>
             </a:r>
             <a:r>
               <a:rPr kumimoji="1" lang="ja-JP" altLang="en-US" dirty="0">
-                <a:latin typeface="チェックポイント．（ピリオド）" panose="02000600000000000000" pitchFamily="50" charset="-128"/>
-                <a:ea typeface="チェックポイント．（ピリオド）" panose="02000600000000000000" pitchFamily="50" charset="-128"/>
-              </a:rPr>
-              <a:t>ミサイルが出撃します。</a:t>
+                <a:solidFill>
+                  <a:srgbClr val="002060"/>
+                </a:solidFill>
+                <a:latin typeface="チェックポイント．（ピリオド）" panose="02000600000000000000" pitchFamily="50" charset="-128"/>
+                <a:ea typeface="チェックポイント．（ピリオド）" panose="02000600000000000000" pitchFamily="50" charset="-128"/>
+              </a:rPr>
+              <a:t>ミサイル</a:t>
+            </a:r>
+            <a:r>
+              <a:rPr kumimoji="1" lang="ja-JP" altLang="en-US" dirty="0">
+                <a:latin typeface="チェックポイント．（ピリオド）" panose="02000600000000000000" pitchFamily="50" charset="-128"/>
+                <a:ea typeface="チェックポイント．（ピリオド）" panose="02000600000000000000" pitchFamily="50" charset="-128"/>
+              </a:rPr>
+              <a:t>が出撃します。</a:t>
             </a:r>
             <a:endParaRPr kumimoji="1" lang="en-US" altLang="ja-JP" dirty="0">
               <a:latin typeface="チェックポイント．（ピリオド）" panose="02000600000000000000" pitchFamily="50" charset="-128"/>
@@ -4313,17 +4442,27 @@
           <a:p>
             <a:r>
               <a:rPr lang="en-US" altLang="ja-JP" dirty="0">
-                <a:latin typeface="チェックポイント．（ピリオド）" panose="02000600000000000000" pitchFamily="50" charset="-128"/>
-                <a:ea typeface="チェックポイント．（ピリオド）" panose="02000600000000000000" pitchFamily="50" charset="-128"/>
-              </a:rPr>
-              <a:t>2</a:t>
+                <a:solidFill>
+                  <a:srgbClr val="FF0000"/>
+                </a:solidFill>
+                <a:latin typeface="チェックポイント．（ピリオド）" panose="02000600000000000000" pitchFamily="50" charset="-128"/>
+                <a:ea typeface="チェックポイント．（ピリオド）" panose="02000600000000000000" pitchFamily="50" charset="-128"/>
+              </a:rPr>
+              <a:t>X</a:t>
+            </a:r>
+            <a:r>
+              <a:rPr lang="ja-JP" altLang="en-US" dirty="0" smtClean="0">
+                <a:latin typeface="チェックポイント．（ピリオド）" panose="02000600000000000000" pitchFamily="50" charset="-128"/>
+                <a:ea typeface="チェックポイント．（ピリオド）" panose="02000600000000000000" pitchFamily="50" charset="-128"/>
+              </a:rPr>
+              <a:t>を</a:t>
             </a:r>
             <a:r>
               <a:rPr lang="ja-JP" altLang="en-US" dirty="0">
                 <a:latin typeface="チェックポイント．（ピリオド）" panose="02000600000000000000" pitchFamily="50" charset="-128"/>
                 <a:ea typeface="チェックポイント．（ピリオド）" panose="02000600000000000000" pitchFamily="50" charset="-128"/>
               </a:rPr>
-              <a:t>を押すまたは、</a:t>
+              <a:t>押すまたは、</a:t>
             </a:r>
             <a:r>
               <a:rPr lang="ja-JP" altLang="en-US" dirty="0">
@@ -4372,18 +4511,28 @@
           </a:p>
           <a:p>
             <a:r>
-              <a:rPr kumimoji="1" lang="en-US" altLang="ja-JP" dirty="0">
-                <a:latin typeface="チェックポイント．（ピリオド）" panose="02000600000000000000" pitchFamily="50" charset="-128"/>
-                <a:ea typeface="チェックポイント．（ピリオド）" panose="02000600000000000000" pitchFamily="50" charset="-128"/>
-              </a:rPr>
-              <a:t>3</a:t>
+              <a:rPr lang="en-US" altLang="ja-JP" dirty="0">
+                <a:solidFill>
+                  <a:srgbClr val="00B0F0"/>
+                </a:solidFill>
+                <a:latin typeface="チェックポイント．（ピリオド）" panose="02000600000000000000" pitchFamily="50" charset="-128"/>
+                <a:ea typeface="チェックポイント．（ピリオド）" panose="02000600000000000000" pitchFamily="50" charset="-128"/>
+              </a:rPr>
+              <a:t>C</a:t>
+            </a:r>
+            <a:r>
+              <a:rPr kumimoji="1" lang="ja-JP" altLang="en-US" dirty="0" smtClean="0">
+                <a:latin typeface="チェックポイント．（ピリオド）" panose="02000600000000000000" pitchFamily="50" charset="-128"/>
+                <a:ea typeface="チェックポイント．（ピリオド）" panose="02000600000000000000" pitchFamily="50" charset="-128"/>
+              </a:rPr>
+              <a:t>を</a:t>
             </a:r>
             <a:r>
               <a:rPr kumimoji="1" lang="ja-JP" altLang="en-US" dirty="0">
                 <a:latin typeface="チェックポイント．（ピリオド）" panose="02000600000000000000" pitchFamily="50" charset="-128"/>
                 <a:ea typeface="チェックポイント．（ピリオド）" panose="02000600000000000000" pitchFamily="50" charset="-128"/>
               </a:rPr>
-              <a:t>を押す</a:t>
+              <a:t>押す</a:t>
             </a:r>
             <a:r>
               <a:rPr lang="ja-JP" altLang="en-US" dirty="0">
@@ -4440,17 +4589,27 @@
           <a:p>
             <a:r>
               <a:rPr lang="en-US" altLang="ja-JP" dirty="0">
-                <a:latin typeface="チェックポイント．（ピリオド）" panose="02000600000000000000" pitchFamily="50" charset="-128"/>
-                <a:ea typeface="チェックポイント．（ピリオド）" panose="02000600000000000000" pitchFamily="50" charset="-128"/>
-              </a:rPr>
-              <a:t>4</a:t>
+                <a:solidFill>
+                  <a:srgbClr val="00B050"/>
+                </a:solidFill>
+                <a:latin typeface="チェックポイント．（ピリオド）" panose="02000600000000000000" pitchFamily="50" charset="-128"/>
+                <a:ea typeface="チェックポイント．（ピリオド）" panose="02000600000000000000" pitchFamily="50" charset="-128"/>
+              </a:rPr>
+              <a:t>V</a:t>
+            </a:r>
+            <a:r>
+              <a:rPr lang="ja-JP" altLang="en-US" dirty="0" smtClean="0">
+                <a:latin typeface="チェックポイント．（ピリオド）" panose="02000600000000000000" pitchFamily="50" charset="-128"/>
+                <a:ea typeface="チェックポイント．（ピリオド）" panose="02000600000000000000" pitchFamily="50" charset="-128"/>
+              </a:rPr>
+              <a:t>を</a:t>
             </a:r>
             <a:r>
               <a:rPr lang="ja-JP" altLang="en-US" dirty="0">
                 <a:latin typeface="チェックポイント．（ピリオド）" panose="02000600000000000000" pitchFamily="50" charset="-128"/>
                 <a:ea typeface="チェックポイント．（ピリオド）" panose="02000600000000000000" pitchFamily="50" charset="-128"/>
               </a:rPr>
-              <a:t>を押すまたは、</a:t>
+              <a:t>押すまたは、</a:t>
             </a:r>
             <a:r>
               <a:rPr lang="ja-JP" altLang="en-US" dirty="0">
@@ -4499,82 +4658,506 @@
           </a:p>
           <a:p>
             <a:r>
-              <a:rPr kumimoji="1" lang="en-US" altLang="ja-JP" dirty="0">
-                <a:latin typeface="チェックポイント．（ピリオド）" panose="02000600000000000000" pitchFamily="50" charset="-128"/>
-                <a:ea typeface="チェックポイント．（ピリオド）" panose="02000600000000000000" pitchFamily="50" charset="-128"/>
-              </a:rPr>
-              <a:t>5</a:t>
+              <a:rPr lang="en-US" altLang="ja-JP" dirty="0">
+                <a:solidFill>
+                  <a:schemeClr val="accent4">
+                    <a:lumMod val="75000"/>
+                  </a:schemeClr>
+                </a:solidFill>
+                <a:latin typeface="チェックポイント．（ピリオド）" panose="02000600000000000000" pitchFamily="50" charset="-128"/>
+                <a:ea typeface="チェックポイント．（ピリオド）" panose="02000600000000000000" pitchFamily="50" charset="-128"/>
+              </a:rPr>
+              <a:t>B</a:t>
+            </a:r>
+            <a:r>
+              <a:rPr kumimoji="1" lang="ja-JP" altLang="en-US" dirty="0" smtClean="0">
+                <a:latin typeface="チェックポイント．（ピリオド）" panose="02000600000000000000" pitchFamily="50" charset="-128"/>
+                <a:ea typeface="チェックポイント．（ピリオド）" panose="02000600000000000000" pitchFamily="50" charset="-128"/>
+              </a:rPr>
+              <a:t>を</a:t>
             </a:r>
             <a:r>
               <a:rPr kumimoji="1" lang="ja-JP" altLang="en-US" dirty="0">
                 <a:latin typeface="チェックポイント．（ピリオド）" panose="02000600000000000000" pitchFamily="50" charset="-128"/>
                 <a:ea typeface="チェックポイント．（ピリオド）" panose="02000600000000000000" pitchFamily="50" charset="-128"/>
               </a:rPr>
-              <a:t>を押すまたは、白</a:t>
+              <a:t>押すまたは、</a:t>
+            </a:r>
+            <a:r>
+              <a:rPr kumimoji="1" lang="ja-JP" altLang="en-US" dirty="0">
+                <a:solidFill>
+                  <a:schemeClr val="accent4">
+                    <a:lumMod val="75000"/>
+                  </a:schemeClr>
+                </a:solidFill>
+                <a:latin typeface="チェックポイント．（ピリオド）" panose="02000600000000000000" pitchFamily="50" charset="-128"/>
+                <a:ea typeface="チェックポイント．（ピリオド）" panose="02000600000000000000" pitchFamily="50" charset="-128"/>
+              </a:rPr>
+              <a:t>白</a:t>
             </a:r>
             <a:r>
               <a:rPr lang="ja-JP" altLang="en-US" dirty="0">
-                <a:latin typeface="チェックポイント．（ピリオド）" panose="02000600000000000000" pitchFamily="50" charset="-128"/>
-                <a:ea typeface="チェックポイント．（ピリオド）" panose="02000600000000000000" pitchFamily="50" charset="-128"/>
-              </a:rPr>
-              <a:t>ポッドボタンをクリックすると</a:t>
+                <a:solidFill>
+                  <a:schemeClr val="accent4">
+                    <a:lumMod val="75000"/>
+                  </a:schemeClr>
+                </a:solidFill>
+                <a:latin typeface="チェックポイント．（ピリオド）" panose="02000600000000000000" pitchFamily="50" charset="-128"/>
+                <a:ea typeface="チェックポイント．（ピリオド）" panose="02000600000000000000" pitchFamily="50" charset="-128"/>
+              </a:rPr>
+              <a:t>ポッドボタン</a:t>
+            </a:r>
+            <a:r>
+              <a:rPr lang="ja-JP" altLang="en-US" dirty="0">
+                <a:latin typeface="チェックポイント．（ピリオド）" panose="02000600000000000000" pitchFamily="50" charset="-128"/>
+                <a:ea typeface="チェックポイント．（ピリオド）" panose="02000600000000000000" pitchFamily="50" charset="-128"/>
+              </a:rPr>
+              <a:t>をクリックすると</a:t>
             </a:r>
             <a:r>
               <a:rPr kumimoji="1" lang="ja-JP" altLang="en-US" dirty="0">
-                <a:latin typeface="チェックポイント．（ピリオド）" panose="02000600000000000000" pitchFamily="50" charset="-128"/>
-                <a:ea typeface="チェックポイント．（ピリオド）" panose="02000600000000000000" pitchFamily="50" charset="-128"/>
-              </a:rPr>
-              <a:t>白ポッドが出撃します。</a:t>
+                <a:solidFill>
+                  <a:schemeClr val="accent4">
+                    <a:lumMod val="75000"/>
+                  </a:schemeClr>
+                </a:solidFill>
+                <a:latin typeface="チェックポイント．（ピリオド）" panose="02000600000000000000" pitchFamily="50" charset="-128"/>
+                <a:ea typeface="チェックポイント．（ピリオド）" panose="02000600000000000000" pitchFamily="50" charset="-128"/>
+              </a:rPr>
+              <a:t>白ポッド</a:t>
+            </a:r>
+            <a:r>
+              <a:rPr kumimoji="1" lang="ja-JP" altLang="en-US" dirty="0">
+                <a:latin typeface="チェックポイント．（ピリオド）" panose="02000600000000000000" pitchFamily="50" charset="-128"/>
+                <a:ea typeface="チェックポイント．（ピリオド）" panose="02000600000000000000" pitchFamily="50" charset="-128"/>
+              </a:rPr>
+              <a:t>が出撃します。</a:t>
             </a:r>
           </a:p>
         </p:txBody>
       </p:sp>
       <p:grpSp>
         <p:nvGrpSpPr>
-          <p:cNvPr id="47" name="グループ化 46">
-            <a:extLst>
-              <a:ext uri="{FF2B5EF4-FFF2-40B4-BE49-F238E27FC236}">
-                <a16:creationId xmlns:a16="http://schemas.microsoft.com/office/drawing/2014/main" xmlns="" id="{3CB0CBD5-C2FE-46AB-9EAF-C9949E68FDD5}"/>
-              </a:ext>
-            </a:extLst>
-          </p:cNvPr>
+          <p:cNvPr id="12" name="グループ化 11"/>
           <p:cNvGrpSpPr/>
           <p:nvPr/>
         </p:nvGrpSpPr>
         <p:grpSpPr>
           <a:xfrm>
-            <a:off x="2749940" y="2145643"/>
-            <a:ext cx="6692115" cy="1673604"/>
-            <a:chOff x="2198256" y="2154521"/>
-            <a:chExt cx="6692115" cy="1673604"/>
+            <a:off x="2749940" y="2133504"/>
+            <a:ext cx="6692115" cy="1685743"/>
+            <a:chOff x="2749940" y="2133504"/>
+            <a:chExt cx="6692115" cy="1685743"/>
           </a:xfrm>
         </p:grpSpPr>
         <p:grpSp>
           <p:nvGrpSpPr>
-            <p:cNvPr id="22" name="グループ化 21">
-              <a:extLst>
-                <a:ext uri="{FF2B5EF4-FFF2-40B4-BE49-F238E27FC236}">
-                  <a16:creationId xmlns:a16="http://schemas.microsoft.com/office/drawing/2014/main" xmlns="" id="{2B78E3B8-6F86-4761-8FD3-82445D0604CC}"/>
-                </a:ext>
-              </a:extLst>
-            </p:cNvPr>
+            <p:cNvPr id="2" name="グループ化 1"/>
             <p:cNvGrpSpPr/>
             <p:nvPr/>
           </p:nvGrpSpPr>
           <p:grpSpPr>
             <a:xfrm>
-              <a:off x="5100779" y="2518823"/>
-              <a:ext cx="1085283" cy="1293448"/>
-              <a:chOff x="3651813" y="1678331"/>
-              <a:chExt cx="1140874" cy="1611706"/>
+              <a:off x="2749940" y="2456159"/>
+              <a:ext cx="6692115" cy="1363088"/>
+              <a:chOff x="2749940" y="2456159"/>
+              <a:chExt cx="6692115" cy="1363088"/>
             </a:xfrm>
           </p:grpSpPr>
+          <p:grpSp>
+            <p:nvGrpSpPr>
+              <p:cNvPr id="22" name="グループ化 21">
+                <a:extLst>
+                  <a:ext uri="{FF2B5EF4-FFF2-40B4-BE49-F238E27FC236}">
+                    <a16:creationId xmlns="" xmlns:a16="http://schemas.microsoft.com/office/drawing/2014/main" id="{2B78E3B8-6F86-4761-8FD3-82445D0604CC}"/>
+                  </a:ext>
+                </a:extLst>
+              </p:cNvPr>
+              <p:cNvGrpSpPr/>
+              <p:nvPr/>
+            </p:nvGrpSpPr>
+            <p:grpSpPr>
+              <a:xfrm>
+                <a:off x="5652463" y="2509945"/>
+                <a:ext cx="1085283" cy="1293448"/>
+                <a:chOff x="3651813" y="1678331"/>
+                <a:chExt cx="1140874" cy="1611706"/>
+              </a:xfrm>
+            </p:grpSpPr>
+            <p:pic>
+              <p:nvPicPr>
+                <p:cNvPr id="38" name="図 37" descr="物体 が含まれている画像&#10;&#10;自動的に生成された説明">
+                  <a:extLst>
+                    <a:ext uri="{FF2B5EF4-FFF2-40B4-BE49-F238E27FC236}">
+                      <a16:creationId xmlns="" xmlns:a16="http://schemas.microsoft.com/office/drawing/2014/main" id="{479B4DDF-7427-437E-87B7-7994E26E728C}"/>
+                    </a:ext>
+                  </a:extLst>
+                </p:cNvPr>
+                <p:cNvPicPr>
+                  <a:picLocks noChangeAspect="1"/>
+                </p:cNvPicPr>
+                <p:nvPr/>
+              </p:nvPicPr>
+              <p:blipFill>
+                <a:blip r:embed="rId2">
+                  <a:extLst>
+                    <a:ext uri="{28A0092B-C50C-407E-A947-70E740481C1C}">
+                      <a14:useLocalDpi xmlns:a14="http://schemas.microsoft.com/office/drawing/2010/main" val="0"/>
+                    </a:ext>
+                  </a:extLst>
+                </a:blip>
+                <a:stretch>
+                  <a:fillRect/>
+                </a:stretch>
+              </p:blipFill>
+              <p:spPr>
+                <a:xfrm>
+                  <a:off x="3651813" y="1678331"/>
+                  <a:ext cx="1140874" cy="1140874"/>
+                </a:xfrm>
+                <a:prstGeom prst="rect">
+                  <a:avLst/>
+                </a:prstGeom>
+              </p:spPr>
+            </p:pic>
+            <p:sp>
+              <p:nvSpPr>
+                <p:cNvPr id="39" name="テキスト ボックス 38">
+                  <a:extLst>
+                    <a:ext uri="{FF2B5EF4-FFF2-40B4-BE49-F238E27FC236}">
+                      <a16:creationId xmlns="" xmlns:a16="http://schemas.microsoft.com/office/drawing/2014/main" id="{9774E31A-0063-4CE0-A9A1-D45BBB05A9C8}"/>
+                    </a:ext>
+                  </a:extLst>
+                </p:cNvPr>
+                <p:cNvSpPr txBox="1"/>
+                <p:nvPr/>
+              </p:nvSpPr>
+              <p:spPr>
+                <a:xfrm>
+                  <a:off x="3945705" y="2829829"/>
+                  <a:ext cx="361950" cy="460208"/>
+                </a:xfrm>
+                <a:prstGeom prst="rect">
+                  <a:avLst/>
+                </a:prstGeom>
+                <a:noFill/>
+              </p:spPr>
+              <p:txBody>
+                <a:bodyPr wrap="square" rtlCol="0">
+                  <a:spAutoFit/>
+                </a:bodyPr>
+                <a:lstStyle/>
+                <a:p>
+                  <a:pPr algn="ctr"/>
+                  <a:r>
+                    <a:rPr kumimoji="1" lang="ja-JP" altLang="en-US" dirty="0">
+                      <a:latin typeface="チェックポイント．（ピリオド）" panose="02000600000000000000" pitchFamily="50" charset="-128"/>
+                      <a:ea typeface="チェックポイント．（ピリオド）" panose="02000600000000000000" pitchFamily="50" charset="-128"/>
+                    </a:rPr>
+                    <a:t>青</a:t>
+                  </a:r>
+                </a:p>
+              </p:txBody>
+            </p:sp>
+          </p:grpSp>
+          <p:grpSp>
+            <p:nvGrpSpPr>
+              <p:cNvPr id="23" name="グループ化 22">
+                <a:extLst>
+                  <a:ext uri="{FF2B5EF4-FFF2-40B4-BE49-F238E27FC236}">
+                    <a16:creationId xmlns="" xmlns:a16="http://schemas.microsoft.com/office/drawing/2014/main" id="{8CEB5C1D-B949-4327-B495-5272910D5F87}"/>
+                  </a:ext>
+                </a:extLst>
+              </p:cNvPr>
+              <p:cNvGrpSpPr/>
+              <p:nvPr/>
+            </p:nvGrpSpPr>
+            <p:grpSpPr>
+              <a:xfrm>
+                <a:off x="4318790" y="2589585"/>
+                <a:ext cx="1085283" cy="1213371"/>
+                <a:chOff x="4889474" y="1678418"/>
+                <a:chExt cx="1140874" cy="1511926"/>
+              </a:xfrm>
+            </p:grpSpPr>
+            <p:pic>
+              <p:nvPicPr>
+                <p:cNvPr id="36" name="図 35" descr="物体 が含まれている画像&#10;&#10;自動的に生成された説明">
+                  <a:extLst>
+                    <a:ext uri="{FF2B5EF4-FFF2-40B4-BE49-F238E27FC236}">
+                      <a16:creationId xmlns="" xmlns:a16="http://schemas.microsoft.com/office/drawing/2014/main" id="{FB1C4056-473E-4E06-A623-40D4081C4EAC}"/>
+                    </a:ext>
+                  </a:extLst>
+                </p:cNvPr>
+                <p:cNvPicPr>
+                  <a:picLocks noChangeAspect="1"/>
+                </p:cNvPicPr>
+                <p:nvPr/>
+              </p:nvPicPr>
+              <p:blipFill>
+                <a:blip r:embed="rId3">
+                  <a:extLst>
+                    <a:ext uri="{28A0092B-C50C-407E-A947-70E740481C1C}">
+                      <a14:useLocalDpi xmlns:a14="http://schemas.microsoft.com/office/drawing/2010/main" val="0"/>
+                    </a:ext>
+                  </a:extLst>
+                </a:blip>
+                <a:stretch>
+                  <a:fillRect/>
+                </a:stretch>
+              </p:blipFill>
+              <p:spPr>
+                <a:xfrm>
+                  <a:off x="4889474" y="1678418"/>
+                  <a:ext cx="1140874" cy="1140874"/>
+                </a:xfrm>
+                <a:prstGeom prst="rect">
+                  <a:avLst/>
+                </a:prstGeom>
+              </p:spPr>
+            </p:pic>
+            <p:sp>
+              <p:nvSpPr>
+                <p:cNvPr id="37" name="テキスト ボックス 36">
+                  <a:extLst>
+                    <a:ext uri="{FF2B5EF4-FFF2-40B4-BE49-F238E27FC236}">
+                      <a16:creationId xmlns="" xmlns:a16="http://schemas.microsoft.com/office/drawing/2014/main" id="{A9417AE6-E050-4A1B-991F-46A51E57761E}"/>
+                    </a:ext>
+                  </a:extLst>
+                </p:cNvPr>
+                <p:cNvSpPr txBox="1"/>
+                <p:nvPr/>
+              </p:nvSpPr>
+              <p:spPr>
+                <a:xfrm>
+                  <a:off x="5243682" y="2730136"/>
+                  <a:ext cx="361951" cy="460208"/>
+                </a:xfrm>
+                <a:prstGeom prst="rect">
+                  <a:avLst/>
+                </a:prstGeom>
+                <a:noFill/>
+              </p:spPr>
+              <p:txBody>
+                <a:bodyPr wrap="square" rtlCol="0">
+                  <a:spAutoFit/>
+                </a:bodyPr>
+                <a:lstStyle/>
+                <a:p>
+                  <a:pPr algn="ctr"/>
+                  <a:r>
+                    <a:rPr kumimoji="1" lang="ja-JP" altLang="en-US" dirty="0">
+                      <a:latin typeface="チェックポイント．（ピリオド）" panose="02000600000000000000" pitchFamily="50" charset="-128"/>
+                      <a:ea typeface="チェックポイント．（ピリオド）" panose="02000600000000000000" pitchFamily="50" charset="-128"/>
+                    </a:rPr>
+                    <a:t>赤</a:t>
+                  </a:r>
+                </a:p>
+              </p:txBody>
+            </p:sp>
+          </p:grpSp>
+          <p:grpSp>
+            <p:nvGrpSpPr>
+              <p:cNvPr id="24" name="グループ化 23">
+                <a:extLst>
+                  <a:ext uri="{FF2B5EF4-FFF2-40B4-BE49-F238E27FC236}">
+                    <a16:creationId xmlns="" xmlns:a16="http://schemas.microsoft.com/office/drawing/2014/main" id="{9400590E-D727-4D03-98FF-0ACD12EBC352}"/>
+                  </a:ext>
+                </a:extLst>
+              </p:cNvPr>
+              <p:cNvGrpSpPr/>
+              <p:nvPr/>
+            </p:nvGrpSpPr>
+            <p:grpSpPr>
+              <a:xfrm>
+                <a:off x="7033071" y="2514975"/>
+                <a:ext cx="1085284" cy="1271191"/>
+                <a:chOff x="6122245" y="1669741"/>
+                <a:chExt cx="1140875" cy="1583973"/>
+              </a:xfrm>
+            </p:grpSpPr>
+            <p:pic>
+              <p:nvPicPr>
+                <p:cNvPr id="34" name="図 33" descr="物体, 腕時計 が含まれている画像&#10;&#10;自動的に生成された説明">
+                  <a:extLst>
+                    <a:ext uri="{FF2B5EF4-FFF2-40B4-BE49-F238E27FC236}">
+                      <a16:creationId xmlns="" xmlns:a16="http://schemas.microsoft.com/office/drawing/2014/main" id="{734930D0-5E47-475F-948D-174F652567D0}"/>
+                    </a:ext>
+                  </a:extLst>
+                </p:cNvPr>
+                <p:cNvPicPr>
+                  <a:picLocks noChangeAspect="1"/>
+                </p:cNvPicPr>
+                <p:nvPr/>
+              </p:nvPicPr>
+              <p:blipFill>
+                <a:blip r:embed="rId4">
+                  <a:extLst>
+                    <a:ext uri="{28A0092B-C50C-407E-A947-70E740481C1C}">
+                      <a14:useLocalDpi xmlns:a14="http://schemas.microsoft.com/office/drawing/2010/main" val="0"/>
+                    </a:ext>
+                  </a:extLst>
+                </a:blip>
+                <a:stretch>
+                  <a:fillRect/>
+                </a:stretch>
+              </p:blipFill>
+              <p:spPr>
+                <a:xfrm>
+                  <a:off x="6122245" y="1669741"/>
+                  <a:ext cx="1140875" cy="1140875"/>
+                </a:xfrm>
+                <a:prstGeom prst="rect">
+                  <a:avLst/>
+                </a:prstGeom>
+              </p:spPr>
+            </p:pic>
+            <p:sp>
+              <p:nvSpPr>
+                <p:cNvPr id="35" name="テキスト ボックス 34">
+                  <a:extLst>
+                    <a:ext uri="{FF2B5EF4-FFF2-40B4-BE49-F238E27FC236}">
+                      <a16:creationId xmlns="" xmlns:a16="http://schemas.microsoft.com/office/drawing/2014/main" id="{99360FF1-7996-43C2-A24E-1DB68F403FE0}"/>
+                    </a:ext>
+                  </a:extLst>
+                </p:cNvPr>
+                <p:cNvSpPr txBox="1"/>
+                <p:nvPr/>
+              </p:nvSpPr>
+              <p:spPr>
+                <a:xfrm>
+                  <a:off x="6485460" y="2793506"/>
+                  <a:ext cx="361950" cy="460208"/>
+                </a:xfrm>
+                <a:prstGeom prst="rect">
+                  <a:avLst/>
+                </a:prstGeom>
+                <a:noFill/>
+              </p:spPr>
+              <p:txBody>
+                <a:bodyPr wrap="square" rtlCol="0">
+                  <a:spAutoFit/>
+                </a:bodyPr>
+                <a:lstStyle/>
+                <a:p>
+                  <a:pPr algn="ctr"/>
+                  <a:r>
+                    <a:rPr kumimoji="1" lang="ja-JP" altLang="en-US" dirty="0">
+                      <a:latin typeface="チェックポイント．（ピリオド）" panose="02000600000000000000" pitchFamily="50" charset="-128"/>
+                      <a:ea typeface="チェックポイント．（ピリオド）" panose="02000600000000000000" pitchFamily="50" charset="-128"/>
+                    </a:rPr>
+                    <a:t>緑</a:t>
+                  </a:r>
+                </a:p>
+              </p:txBody>
+            </p:sp>
+          </p:grpSp>
+          <p:grpSp>
+            <p:nvGrpSpPr>
+              <p:cNvPr id="25" name="グループ化 24">
+                <a:extLst>
+                  <a:ext uri="{FF2B5EF4-FFF2-40B4-BE49-F238E27FC236}">
+                    <a16:creationId xmlns="" xmlns:a16="http://schemas.microsoft.com/office/drawing/2014/main" id="{2DC9847F-77D2-4405-8121-1FE5585768EA}"/>
+                  </a:ext>
+                </a:extLst>
+              </p:cNvPr>
+              <p:cNvGrpSpPr/>
+              <p:nvPr/>
+            </p:nvGrpSpPr>
+            <p:grpSpPr>
+              <a:xfrm>
+                <a:off x="8356771" y="2544952"/>
+                <a:ext cx="1085284" cy="1241214"/>
+                <a:chOff x="7236873" y="1678331"/>
+                <a:chExt cx="1140875" cy="1546620"/>
+              </a:xfrm>
+            </p:grpSpPr>
+            <p:pic>
+              <p:nvPicPr>
+                <p:cNvPr id="32" name="図 31" descr="物体 が含まれている画像&#10;&#10;自動的に生成された説明">
+                  <a:extLst>
+                    <a:ext uri="{FF2B5EF4-FFF2-40B4-BE49-F238E27FC236}">
+                      <a16:creationId xmlns="" xmlns:a16="http://schemas.microsoft.com/office/drawing/2014/main" id="{275FE74A-218C-4A15-9492-6A63781312F0}"/>
+                    </a:ext>
+                  </a:extLst>
+                </p:cNvPr>
+                <p:cNvPicPr>
+                  <a:picLocks noChangeAspect="1"/>
+                </p:cNvPicPr>
+                <p:nvPr/>
+              </p:nvPicPr>
+              <p:blipFill>
+                <a:blip r:embed="rId5">
+                  <a:extLst>
+                    <a:ext uri="{28A0092B-C50C-407E-A947-70E740481C1C}">
+                      <a14:useLocalDpi xmlns:a14="http://schemas.microsoft.com/office/drawing/2010/main" val="0"/>
+                    </a:ext>
+                  </a:extLst>
+                </a:blip>
+                <a:stretch>
+                  <a:fillRect/>
+                </a:stretch>
+              </p:blipFill>
+              <p:spPr>
+                <a:xfrm>
+                  <a:off x="7236873" y="1678331"/>
+                  <a:ext cx="1140875" cy="1140875"/>
+                </a:xfrm>
+                <a:prstGeom prst="rect">
+                  <a:avLst/>
+                </a:prstGeom>
+              </p:spPr>
+            </p:pic>
+            <p:sp>
+              <p:nvSpPr>
+                <p:cNvPr id="33" name="テキスト ボックス 32">
+                  <a:extLst>
+                    <a:ext uri="{FF2B5EF4-FFF2-40B4-BE49-F238E27FC236}">
+                      <a16:creationId xmlns="" xmlns:a16="http://schemas.microsoft.com/office/drawing/2014/main" id="{7FEA8835-C677-4EFC-9624-2596C7E0A572}"/>
+                    </a:ext>
+                  </a:extLst>
+                </p:cNvPr>
+                <p:cNvSpPr txBox="1"/>
+                <p:nvPr/>
+              </p:nvSpPr>
+              <p:spPr>
+                <a:xfrm>
+                  <a:off x="7573962" y="2764743"/>
+                  <a:ext cx="361950" cy="460208"/>
+                </a:xfrm>
+                <a:prstGeom prst="rect">
+                  <a:avLst/>
+                </a:prstGeom>
+                <a:noFill/>
+              </p:spPr>
+              <p:txBody>
+                <a:bodyPr wrap="square" rtlCol="0">
+                  <a:spAutoFit/>
+                </a:bodyPr>
+                <a:lstStyle/>
+                <a:p>
+                  <a:pPr algn="ctr"/>
+                  <a:r>
+                    <a:rPr lang="ja-JP" altLang="en-US" dirty="0">
+                      <a:latin typeface="チェックポイント．（ピリオド）" panose="02000600000000000000" pitchFamily="50" charset="-128"/>
+                      <a:ea typeface="チェックポイント．（ピリオド）" panose="02000600000000000000" pitchFamily="50" charset="-128"/>
+                    </a:rPr>
+                    <a:t>白</a:t>
+                  </a:r>
+                  <a:endParaRPr kumimoji="1" lang="ja-JP" altLang="en-US" dirty="0">
+                    <a:latin typeface="チェックポイント．（ピリオド）" panose="02000600000000000000" pitchFamily="50" charset="-128"/>
+                    <a:ea typeface="チェックポイント．（ピリオド）" panose="02000600000000000000" pitchFamily="50" charset="-128"/>
+                  </a:endParaRPr>
+                </a:p>
+              </p:txBody>
+            </p:sp>
+          </p:grpSp>
           <p:pic>
             <p:nvPicPr>
-              <p:cNvPr id="38" name="図 37" descr="物体 が含まれている画像&#10;&#10;自動的に生成された説明">
+              <p:cNvPr id="11" name="図 10">
                 <a:extLst>
                   <a:ext uri="{FF2B5EF4-FFF2-40B4-BE49-F238E27FC236}">
-                    <a16:creationId xmlns:a16="http://schemas.microsoft.com/office/drawing/2014/main" xmlns="" id="{479B4DDF-7427-437E-87B7-7994E26E728C}"/>
+                    <a16:creationId xmlns="" xmlns:a16="http://schemas.microsoft.com/office/drawing/2014/main" id="{49264E83-2EAE-4079-9AD2-AC2D699F0D1F}"/>
                   </a:ext>
                 </a:extLst>
               </p:cNvPr>
@@ -4584,7 +5167,7 @@
               <p:nvPr/>
             </p:nvPicPr>
             <p:blipFill>
-              <a:blip r:embed="rId2">
+              <a:blip r:embed="rId6" cstate="print">
                 <a:extLst>
                   <a:ext uri="{28A0092B-C50C-407E-A947-70E740481C1C}">
                     <a14:useLocalDpi xmlns:a14="http://schemas.microsoft.com/office/drawing/2010/main" val="0"/>
@@ -4596,9 +5179,9 @@
               </a:stretch>
             </p:blipFill>
             <p:spPr>
-              <a:xfrm>
-                <a:off x="3651813" y="1678331"/>
-                <a:ext cx="1140874" cy="1140874"/>
+              <a:xfrm rot="18867647">
+                <a:off x="2859744" y="2346355"/>
+                <a:ext cx="1184910" cy="1404518"/>
               </a:xfrm>
               <a:prstGeom prst="rect">
                 <a:avLst/>
@@ -4607,10 +5190,10 @@
           </p:pic>
           <p:sp>
             <p:nvSpPr>
-              <p:cNvPr id="39" name="テキスト ボックス 38">
+              <p:cNvPr id="46" name="テキスト ボックス 45">
                 <a:extLst>
                   <a:ext uri="{FF2B5EF4-FFF2-40B4-BE49-F238E27FC236}">
-                    <a16:creationId xmlns:a16="http://schemas.microsoft.com/office/drawing/2014/main" xmlns="" id="{9774E31A-0063-4CE0-A9A1-D45BBB05A9C8}"/>
+                    <a16:creationId xmlns="" xmlns:a16="http://schemas.microsoft.com/office/drawing/2014/main" id="{B4B7A388-F763-4A3C-B6C2-124C99BC6F42}"/>
                   </a:ext>
                 </a:extLst>
               </p:cNvPr>
@@ -4619,8 +5202,8 @@
             </p:nvSpPr>
             <p:spPr>
               <a:xfrm>
-                <a:off x="3945705" y="2829829"/>
-                <a:ext cx="361950" cy="460208"/>
+                <a:off x="2894060" y="3449915"/>
+                <a:ext cx="1124874" cy="369332"/>
               </a:xfrm>
               <a:prstGeom prst="rect">
                 <a:avLst/>
@@ -4633,326 +5216,27 @@
               </a:bodyPr>
               <a:lstStyle/>
               <a:p>
-                <a:pPr algn="ctr"/>
                 <a:r>
                   <a:rPr kumimoji="1" lang="ja-JP" altLang="en-US" dirty="0">
                     <a:latin typeface="チェックポイント．（ピリオド）" panose="02000600000000000000" pitchFamily="50" charset="-128"/>
                     <a:ea typeface="チェックポイント．（ピリオド）" panose="02000600000000000000" pitchFamily="50" charset="-128"/>
                   </a:rPr>
-                  <a:t>青</a:t>
+                  <a:t>ミサイル</a:t>
                 </a:r>
-              </a:p>
-            </p:txBody>
-          </p:sp>
-        </p:grpSp>
-        <p:grpSp>
-          <p:nvGrpSpPr>
-            <p:cNvPr id="23" name="グループ化 22">
-              <a:extLst>
-                <a:ext uri="{FF2B5EF4-FFF2-40B4-BE49-F238E27FC236}">
-                  <a16:creationId xmlns:a16="http://schemas.microsoft.com/office/drawing/2014/main" xmlns="" id="{8CEB5C1D-B949-4327-B495-5272910D5F87}"/>
-                </a:ext>
-              </a:extLst>
-            </p:cNvPr>
-            <p:cNvGrpSpPr/>
-            <p:nvPr/>
-          </p:nvGrpSpPr>
-          <p:grpSpPr>
-            <a:xfrm>
-              <a:off x="3767106" y="2598463"/>
-              <a:ext cx="1085283" cy="1213371"/>
-              <a:chOff x="4889474" y="1678418"/>
-              <a:chExt cx="1140874" cy="1511926"/>
-            </a:xfrm>
-          </p:grpSpPr>
-          <p:pic>
-            <p:nvPicPr>
-              <p:cNvPr id="36" name="図 35" descr="物体 が含まれている画像&#10;&#10;自動的に生成された説明">
-                <a:extLst>
-                  <a:ext uri="{FF2B5EF4-FFF2-40B4-BE49-F238E27FC236}">
-                    <a16:creationId xmlns:a16="http://schemas.microsoft.com/office/drawing/2014/main" xmlns="" id="{FB1C4056-473E-4E06-A623-40D4081C4EAC}"/>
-                  </a:ext>
-                </a:extLst>
-              </p:cNvPr>
-              <p:cNvPicPr>
-                <a:picLocks noChangeAspect="1"/>
-              </p:cNvPicPr>
-              <p:nvPr/>
-            </p:nvPicPr>
-            <p:blipFill>
-              <a:blip r:embed="rId3">
-                <a:extLst>
-                  <a:ext uri="{28A0092B-C50C-407E-A947-70E740481C1C}">
-                    <a14:useLocalDpi xmlns:a14="http://schemas.microsoft.com/office/drawing/2010/main" val="0"/>
-                  </a:ext>
-                </a:extLst>
-              </a:blip>
-              <a:stretch>
-                <a:fillRect/>
-              </a:stretch>
-            </p:blipFill>
-            <p:spPr>
-              <a:xfrm>
-                <a:off x="4889474" y="1678418"/>
-                <a:ext cx="1140874" cy="1140874"/>
-              </a:xfrm>
-              <a:prstGeom prst="rect">
-                <a:avLst/>
-              </a:prstGeom>
-            </p:spPr>
-          </p:pic>
-          <p:sp>
-            <p:nvSpPr>
-              <p:cNvPr id="37" name="テキスト ボックス 36">
-                <a:extLst>
-                  <a:ext uri="{FF2B5EF4-FFF2-40B4-BE49-F238E27FC236}">
-                    <a16:creationId xmlns:a16="http://schemas.microsoft.com/office/drawing/2014/main" xmlns="" id="{A9417AE6-E050-4A1B-991F-46A51E57761E}"/>
-                  </a:ext>
-                </a:extLst>
-              </p:cNvPr>
-              <p:cNvSpPr txBox="1"/>
-              <p:nvPr/>
-            </p:nvSpPr>
-            <p:spPr>
-              <a:xfrm>
-                <a:off x="5243682" y="2730136"/>
-                <a:ext cx="361951" cy="460208"/>
-              </a:xfrm>
-              <a:prstGeom prst="rect">
-                <a:avLst/>
-              </a:prstGeom>
-              <a:noFill/>
-            </p:spPr>
-            <p:txBody>
-              <a:bodyPr wrap="square" rtlCol="0">
-                <a:spAutoFit/>
-              </a:bodyPr>
-              <a:lstStyle/>
-              <a:p>
-                <a:pPr algn="ctr"/>
-                <a:r>
-                  <a:rPr kumimoji="1" lang="ja-JP" altLang="en-US" dirty="0">
-                    <a:latin typeface="チェックポイント．（ピリオド）" panose="02000600000000000000" pitchFamily="50" charset="-128"/>
-                    <a:ea typeface="チェックポイント．（ピリオド）" panose="02000600000000000000" pitchFamily="50" charset="-128"/>
-                  </a:rPr>
-                  <a:t>赤</a:t>
-                </a:r>
-              </a:p>
-            </p:txBody>
-          </p:sp>
-        </p:grpSp>
-        <p:grpSp>
-          <p:nvGrpSpPr>
-            <p:cNvPr id="24" name="グループ化 23">
-              <a:extLst>
-                <a:ext uri="{FF2B5EF4-FFF2-40B4-BE49-F238E27FC236}">
-                  <a16:creationId xmlns:a16="http://schemas.microsoft.com/office/drawing/2014/main" xmlns="" id="{9400590E-D727-4D03-98FF-0ACD12EBC352}"/>
-                </a:ext>
-              </a:extLst>
-            </p:cNvPr>
-            <p:cNvGrpSpPr/>
-            <p:nvPr/>
-          </p:nvGrpSpPr>
-          <p:grpSpPr>
-            <a:xfrm>
-              <a:off x="6481387" y="2523853"/>
-              <a:ext cx="1085284" cy="1271191"/>
-              <a:chOff x="6122245" y="1669741"/>
-              <a:chExt cx="1140875" cy="1583973"/>
-            </a:xfrm>
-          </p:grpSpPr>
-          <p:pic>
-            <p:nvPicPr>
-              <p:cNvPr id="34" name="図 33" descr="物体, 腕時計 が含まれている画像&#10;&#10;自動的に生成された説明">
-                <a:extLst>
-                  <a:ext uri="{FF2B5EF4-FFF2-40B4-BE49-F238E27FC236}">
-                    <a16:creationId xmlns:a16="http://schemas.microsoft.com/office/drawing/2014/main" xmlns="" id="{734930D0-5E47-475F-948D-174F652567D0}"/>
-                  </a:ext>
-                </a:extLst>
-              </p:cNvPr>
-              <p:cNvPicPr>
-                <a:picLocks noChangeAspect="1"/>
-              </p:cNvPicPr>
-              <p:nvPr/>
-            </p:nvPicPr>
-            <p:blipFill>
-              <a:blip r:embed="rId4">
-                <a:extLst>
-                  <a:ext uri="{28A0092B-C50C-407E-A947-70E740481C1C}">
-                    <a14:useLocalDpi xmlns:a14="http://schemas.microsoft.com/office/drawing/2010/main" val="0"/>
-                  </a:ext>
-                </a:extLst>
-              </a:blip>
-              <a:stretch>
-                <a:fillRect/>
-              </a:stretch>
-            </p:blipFill>
-            <p:spPr>
-              <a:xfrm>
-                <a:off x="6122245" y="1669741"/>
-                <a:ext cx="1140875" cy="1140875"/>
-              </a:xfrm>
-              <a:prstGeom prst="rect">
-                <a:avLst/>
-              </a:prstGeom>
-            </p:spPr>
-          </p:pic>
-          <p:sp>
-            <p:nvSpPr>
-              <p:cNvPr id="35" name="テキスト ボックス 34">
-                <a:extLst>
-                  <a:ext uri="{FF2B5EF4-FFF2-40B4-BE49-F238E27FC236}">
-                    <a16:creationId xmlns:a16="http://schemas.microsoft.com/office/drawing/2014/main" xmlns="" id="{99360FF1-7996-43C2-A24E-1DB68F403FE0}"/>
-                  </a:ext>
-                </a:extLst>
-              </p:cNvPr>
-              <p:cNvSpPr txBox="1"/>
-              <p:nvPr/>
-            </p:nvSpPr>
-            <p:spPr>
-              <a:xfrm>
-                <a:off x="6485460" y="2793506"/>
-                <a:ext cx="361950" cy="460208"/>
-              </a:xfrm>
-              <a:prstGeom prst="rect">
-                <a:avLst/>
-              </a:prstGeom>
-              <a:noFill/>
-            </p:spPr>
-            <p:txBody>
-              <a:bodyPr wrap="square" rtlCol="0">
-                <a:spAutoFit/>
-              </a:bodyPr>
-              <a:lstStyle/>
-              <a:p>
-                <a:pPr algn="ctr"/>
-                <a:r>
-                  <a:rPr kumimoji="1" lang="ja-JP" altLang="en-US" dirty="0">
-                    <a:latin typeface="チェックポイント．（ピリオド）" panose="02000600000000000000" pitchFamily="50" charset="-128"/>
-                    <a:ea typeface="チェックポイント．（ピリオド）" panose="02000600000000000000" pitchFamily="50" charset="-128"/>
-                  </a:rPr>
-                  <a:t>緑</a:t>
-                </a:r>
-              </a:p>
-            </p:txBody>
-          </p:sp>
-        </p:grpSp>
-        <p:grpSp>
-          <p:nvGrpSpPr>
-            <p:cNvPr id="25" name="グループ化 24">
-              <a:extLst>
-                <a:ext uri="{FF2B5EF4-FFF2-40B4-BE49-F238E27FC236}">
-                  <a16:creationId xmlns:a16="http://schemas.microsoft.com/office/drawing/2014/main" xmlns="" id="{2DC9847F-77D2-4405-8121-1FE5585768EA}"/>
-                </a:ext>
-              </a:extLst>
-            </p:cNvPr>
-            <p:cNvGrpSpPr/>
-            <p:nvPr/>
-          </p:nvGrpSpPr>
-          <p:grpSpPr>
-            <a:xfrm>
-              <a:off x="7805087" y="2553830"/>
-              <a:ext cx="1085284" cy="1241214"/>
-              <a:chOff x="7236873" y="1678331"/>
-              <a:chExt cx="1140875" cy="1546620"/>
-            </a:xfrm>
-          </p:grpSpPr>
-          <p:pic>
-            <p:nvPicPr>
-              <p:cNvPr id="32" name="図 31" descr="物体 が含まれている画像&#10;&#10;自動的に生成された説明">
-                <a:extLst>
-                  <a:ext uri="{FF2B5EF4-FFF2-40B4-BE49-F238E27FC236}">
-                    <a16:creationId xmlns:a16="http://schemas.microsoft.com/office/drawing/2014/main" xmlns="" id="{275FE74A-218C-4A15-9492-6A63781312F0}"/>
-                  </a:ext>
-                </a:extLst>
-              </p:cNvPr>
-              <p:cNvPicPr>
-                <a:picLocks noChangeAspect="1"/>
-              </p:cNvPicPr>
-              <p:nvPr/>
-            </p:nvPicPr>
-            <p:blipFill>
-              <a:blip r:embed="rId5">
-                <a:extLst>
-                  <a:ext uri="{28A0092B-C50C-407E-A947-70E740481C1C}">
-                    <a14:useLocalDpi xmlns:a14="http://schemas.microsoft.com/office/drawing/2010/main" val="0"/>
-                  </a:ext>
-                </a:extLst>
-              </a:blip>
-              <a:stretch>
-                <a:fillRect/>
-              </a:stretch>
-            </p:blipFill>
-            <p:spPr>
-              <a:xfrm>
-                <a:off x="7236873" y="1678331"/>
-                <a:ext cx="1140875" cy="1140875"/>
-              </a:xfrm>
-              <a:prstGeom prst="rect">
-                <a:avLst/>
-              </a:prstGeom>
-            </p:spPr>
-          </p:pic>
-          <p:sp>
-            <p:nvSpPr>
-              <p:cNvPr id="33" name="テキスト ボックス 32">
-                <a:extLst>
-                  <a:ext uri="{FF2B5EF4-FFF2-40B4-BE49-F238E27FC236}">
-                    <a16:creationId xmlns:a16="http://schemas.microsoft.com/office/drawing/2014/main" xmlns="" id="{7FEA8835-C677-4EFC-9624-2596C7E0A572}"/>
-                  </a:ext>
-                </a:extLst>
-              </p:cNvPr>
-              <p:cNvSpPr txBox="1"/>
-              <p:nvPr/>
-            </p:nvSpPr>
-            <p:spPr>
-              <a:xfrm>
-                <a:off x="7573962" y="2764743"/>
-                <a:ext cx="361950" cy="460208"/>
-              </a:xfrm>
-              <a:prstGeom prst="rect">
-                <a:avLst/>
-              </a:prstGeom>
-              <a:noFill/>
-            </p:spPr>
-            <p:txBody>
-              <a:bodyPr wrap="square" rtlCol="0">
-                <a:spAutoFit/>
-              </a:bodyPr>
-              <a:lstStyle/>
-              <a:p>
-                <a:pPr algn="ctr"/>
-                <a:r>
-                  <a:rPr lang="ja-JP" altLang="en-US" dirty="0">
-                    <a:latin typeface="チェックポイント．（ピリオド）" panose="02000600000000000000" pitchFamily="50" charset="-128"/>
-                    <a:ea typeface="チェックポイント．（ピリオド）" panose="02000600000000000000" pitchFamily="50" charset="-128"/>
-                  </a:rPr>
-                  <a:t>白</a:t>
-                </a:r>
-                <a:endParaRPr kumimoji="1" lang="ja-JP" altLang="en-US" dirty="0">
-                  <a:latin typeface="チェックポイント．（ピリオド）" panose="02000600000000000000" pitchFamily="50" charset="-128"/>
-                  <a:ea typeface="チェックポイント．（ピリオド）" panose="02000600000000000000" pitchFamily="50" charset="-128"/>
-                </a:endParaRPr>
               </a:p>
             </p:txBody>
           </p:sp>
         </p:grpSp>
         <p:pic>
           <p:nvPicPr>
-            <p:cNvPr id="11" name="図 10">
-              <a:extLst>
-                <a:ext uri="{FF2B5EF4-FFF2-40B4-BE49-F238E27FC236}">
-                  <a16:creationId xmlns:a16="http://schemas.microsoft.com/office/drawing/2014/main" xmlns="" id="{49264E83-2EAE-4079-9AD2-AC2D699F0D1F}"/>
-                </a:ext>
-              </a:extLst>
-            </p:cNvPr>
+            <p:cNvPr id="3" name="図 2"/>
             <p:cNvPicPr>
               <a:picLocks noChangeAspect="1"/>
             </p:cNvPicPr>
             <p:nvPr/>
           </p:nvPicPr>
           <p:blipFill>
-            <a:blip r:embed="rId6" cstate="print">
+            <a:blip r:embed="rId7" cstate="print">
               <a:extLst>
                 <a:ext uri="{28A0092B-C50C-407E-A947-70E740481C1C}">
                   <a14:useLocalDpi xmlns:a14="http://schemas.microsoft.com/office/drawing/2010/main" val="0"/>
@@ -4964,307 +5248,135 @@
             </a:stretch>
           </p:blipFill>
           <p:spPr>
-            <a:xfrm rot="18867647">
-              <a:off x="2308060" y="2355233"/>
-              <a:ext cx="1184910" cy="1404518"/>
+            <a:xfrm>
+              <a:off x="8657558" y="2158859"/>
+              <a:ext cx="384066" cy="384066"/>
             </a:xfrm>
             <a:prstGeom prst="rect">
               <a:avLst/>
             </a:prstGeom>
           </p:spPr>
         </p:pic>
-        <p:sp>
-          <p:nvSpPr>
-            <p:cNvPr id="41" name="テキスト ボックス 40">
+        <p:pic>
+          <p:nvPicPr>
+            <p:cNvPr id="6" name="図 5"/>
+            <p:cNvPicPr>
+              <a:picLocks noChangeAspect="1"/>
+            </p:cNvPicPr>
+            <p:nvPr/>
+          </p:nvPicPr>
+          <p:blipFill>
+            <a:blip r:embed="rId8" cstate="print">
               <a:extLst>
-                <a:ext uri="{FF2B5EF4-FFF2-40B4-BE49-F238E27FC236}">
-                  <a16:creationId xmlns:a16="http://schemas.microsoft.com/office/drawing/2014/main" xmlns="" id="{68F9DCC6-82FB-4A75-8F93-BCDF64FFBEFA}"/>
+                <a:ext uri="{28A0092B-C50C-407E-A947-70E740481C1C}">
+                  <a14:useLocalDpi xmlns:a14="http://schemas.microsoft.com/office/drawing/2010/main" val="0"/>
                 </a:ext>
               </a:extLst>
-            </p:cNvPr>
-            <p:cNvSpPr txBox="1"/>
-            <p:nvPr/>
-          </p:nvSpPr>
+            </a:blip>
+            <a:stretch>
+              <a:fillRect/>
+            </a:stretch>
+          </p:blipFill>
           <p:spPr>
             <a:xfrm>
-              <a:off x="2705206" y="2154521"/>
-              <a:ext cx="390617" cy="369332"/>
+              <a:off x="5912158" y="2151520"/>
+              <a:ext cx="384066" cy="384066"/>
             </a:xfrm>
             <a:prstGeom prst="rect">
               <a:avLst/>
             </a:prstGeom>
-            <a:solidFill>
-              <a:schemeClr val="tx1"/>
-            </a:solidFill>
           </p:spPr>
-          <p:txBody>
-            <a:bodyPr wrap="square" rtlCol="0">
-              <a:spAutoFit/>
-            </a:bodyPr>
-            <a:lstStyle/>
-            <a:p>
-              <a:pPr algn="ctr"/>
-              <a:r>
-                <a:rPr kumimoji="1" lang="en-US" altLang="ja-JP" dirty="0">
-                  <a:solidFill>
-                    <a:schemeClr val="bg1"/>
-                  </a:solidFill>
-                  <a:latin typeface="チェックポイント．（ピリオド）" panose="02000600000000000000" pitchFamily="50" charset="-128"/>
-                  <a:ea typeface="チェックポイント．（ピリオド）" panose="02000600000000000000" pitchFamily="50" charset="-128"/>
-                </a:rPr>
-                <a:t>1</a:t>
-              </a:r>
-              <a:endParaRPr kumimoji="1" lang="ja-JP" altLang="en-US" dirty="0">
-                <a:solidFill>
-                  <a:schemeClr val="bg1"/>
-                </a:solidFill>
-                <a:latin typeface="チェックポイント．（ピリオド）" panose="02000600000000000000" pitchFamily="50" charset="-128"/>
-                <a:ea typeface="チェックポイント．（ピリオド）" panose="02000600000000000000" pitchFamily="50" charset="-128"/>
-              </a:endParaRPr>
-            </a:p>
-          </p:txBody>
-        </p:sp>
-        <p:sp>
-          <p:nvSpPr>
-            <p:cNvPr id="42" name="テキスト ボックス 41">
+        </p:pic>
+        <p:pic>
+          <p:nvPicPr>
+            <p:cNvPr id="8" name="図 7"/>
+            <p:cNvPicPr>
+              <a:picLocks noChangeAspect="1"/>
+            </p:cNvPicPr>
+            <p:nvPr/>
+          </p:nvPicPr>
+          <p:blipFill>
+            <a:blip r:embed="rId9" cstate="print">
               <a:extLst>
-                <a:ext uri="{FF2B5EF4-FFF2-40B4-BE49-F238E27FC236}">
-                  <a16:creationId xmlns:a16="http://schemas.microsoft.com/office/drawing/2014/main" xmlns="" id="{5855B3EB-4794-4741-B048-C249D299391F}"/>
+                <a:ext uri="{28A0092B-C50C-407E-A947-70E740481C1C}">
+                  <a14:useLocalDpi xmlns:a14="http://schemas.microsoft.com/office/drawing/2010/main" val="0"/>
                 </a:ext>
               </a:extLst>
-            </p:cNvPr>
-            <p:cNvSpPr txBox="1"/>
-            <p:nvPr/>
-          </p:nvSpPr>
+            </a:blip>
+            <a:stretch>
+              <a:fillRect/>
+            </a:stretch>
+          </p:blipFill>
           <p:spPr>
             <a:xfrm>
-              <a:off x="4080904" y="2175318"/>
-              <a:ext cx="390617" cy="369332"/>
+              <a:off x="7338835" y="2133504"/>
+              <a:ext cx="384066" cy="384066"/>
             </a:xfrm>
             <a:prstGeom prst="rect">
               <a:avLst/>
             </a:prstGeom>
-            <a:solidFill>
-              <a:srgbClr val="FF0000"/>
-            </a:solidFill>
           </p:spPr>
-          <p:txBody>
-            <a:bodyPr wrap="square" rtlCol="0">
-              <a:spAutoFit/>
-            </a:bodyPr>
-            <a:lstStyle/>
-            <a:p>
-              <a:pPr algn="ctr"/>
-              <a:r>
-                <a:rPr lang="en-US" altLang="ja-JP" dirty="0">
-                  <a:solidFill>
-                    <a:schemeClr val="bg1"/>
-                  </a:solidFill>
-                  <a:latin typeface="チェックポイント．（ピリオド）" panose="02000600000000000000" pitchFamily="50" charset="-128"/>
-                  <a:ea typeface="チェックポイント．（ピリオド）" panose="02000600000000000000" pitchFamily="50" charset="-128"/>
-                </a:rPr>
-                <a:t>2</a:t>
-              </a:r>
-              <a:endParaRPr kumimoji="1" lang="ja-JP" altLang="en-US" dirty="0">
-                <a:solidFill>
-                  <a:schemeClr val="bg1"/>
-                </a:solidFill>
-                <a:latin typeface="チェックポイント．（ピリオド）" panose="02000600000000000000" pitchFamily="50" charset="-128"/>
-                <a:ea typeface="チェックポイント．（ピリオド）" panose="02000600000000000000" pitchFamily="50" charset="-128"/>
-              </a:endParaRPr>
-            </a:p>
-          </p:txBody>
-        </p:sp>
-        <p:sp>
-          <p:nvSpPr>
-            <p:cNvPr id="43" name="テキスト ボックス 42">
+        </p:pic>
+        <p:pic>
+          <p:nvPicPr>
+            <p:cNvPr id="9" name="図 8"/>
+            <p:cNvPicPr>
+              <a:picLocks noChangeAspect="1"/>
+            </p:cNvPicPr>
+            <p:nvPr/>
+          </p:nvPicPr>
+          <p:blipFill>
+            <a:blip r:embed="rId10" cstate="print">
               <a:extLst>
-                <a:ext uri="{FF2B5EF4-FFF2-40B4-BE49-F238E27FC236}">
-                  <a16:creationId xmlns:a16="http://schemas.microsoft.com/office/drawing/2014/main" xmlns="" id="{1789448E-9185-4B19-84FC-F56FFD1737E2}"/>
+                <a:ext uri="{28A0092B-C50C-407E-A947-70E740481C1C}">
+                  <a14:useLocalDpi xmlns:a14="http://schemas.microsoft.com/office/drawing/2010/main" val="0"/>
                 </a:ext>
               </a:extLst>
-            </p:cNvPr>
-            <p:cNvSpPr txBox="1"/>
-            <p:nvPr/>
-          </p:nvSpPr>
+            </a:blip>
+            <a:stretch>
+              <a:fillRect/>
+            </a:stretch>
+          </p:blipFill>
           <p:spPr>
             <a:xfrm>
-              <a:off x="5361781" y="2157116"/>
-              <a:ext cx="390617" cy="369332"/>
+              <a:off x="4639350" y="2150431"/>
+              <a:ext cx="386244" cy="386244"/>
             </a:xfrm>
             <a:prstGeom prst="rect">
               <a:avLst/>
             </a:prstGeom>
-            <a:solidFill>
-              <a:srgbClr val="5B9BD5"/>
-            </a:solidFill>
           </p:spPr>
-          <p:txBody>
-            <a:bodyPr wrap="square" rtlCol="0">
-              <a:spAutoFit/>
-            </a:bodyPr>
-            <a:lstStyle/>
-            <a:p>
-              <a:pPr algn="ctr"/>
-              <a:r>
-                <a:rPr lang="en-US" altLang="ja-JP" dirty="0">
-                  <a:solidFill>
-                    <a:schemeClr val="bg1"/>
-                  </a:solidFill>
-                  <a:latin typeface="チェックポイント．（ピリオド）" panose="02000600000000000000" pitchFamily="50" charset="-128"/>
-                  <a:ea typeface="チェックポイント．（ピリオド）" panose="02000600000000000000" pitchFamily="50" charset="-128"/>
-                </a:rPr>
-                <a:t>3</a:t>
-              </a:r>
-              <a:endParaRPr kumimoji="1" lang="ja-JP" altLang="en-US" dirty="0">
-                <a:solidFill>
-                  <a:schemeClr val="bg1"/>
-                </a:solidFill>
-                <a:latin typeface="チェックポイント．（ピリオド）" panose="02000600000000000000" pitchFamily="50" charset="-128"/>
-                <a:ea typeface="チェックポイント．（ピリオド）" panose="02000600000000000000" pitchFamily="50" charset="-128"/>
-              </a:endParaRPr>
-            </a:p>
-          </p:txBody>
-        </p:sp>
-        <p:sp>
-          <p:nvSpPr>
-            <p:cNvPr id="44" name="テキスト ボックス 43">
+        </p:pic>
+        <p:pic>
+          <p:nvPicPr>
+            <p:cNvPr id="10" name="図 9"/>
+            <p:cNvPicPr>
+              <a:picLocks noChangeAspect="1"/>
+            </p:cNvPicPr>
+            <p:nvPr/>
+          </p:nvPicPr>
+          <p:blipFill>
+            <a:blip r:embed="rId11" cstate="print">
               <a:extLst>
-                <a:ext uri="{FF2B5EF4-FFF2-40B4-BE49-F238E27FC236}">
-                  <a16:creationId xmlns:a16="http://schemas.microsoft.com/office/drawing/2014/main" xmlns="" id="{3618E5BF-EA6E-4335-8AE7-B40D785FD078}"/>
+                <a:ext uri="{28A0092B-C50C-407E-A947-70E740481C1C}">
+                  <a14:useLocalDpi xmlns:a14="http://schemas.microsoft.com/office/drawing/2010/main" val="0"/>
                 </a:ext>
               </a:extLst>
-            </p:cNvPr>
-            <p:cNvSpPr txBox="1"/>
-            <p:nvPr/>
-          </p:nvSpPr>
+            </a:blip>
+            <a:stretch>
+              <a:fillRect/>
+            </a:stretch>
+          </p:blipFill>
           <p:spPr>
             <a:xfrm>
-              <a:off x="6762764" y="2155506"/>
-              <a:ext cx="390617" cy="369332"/>
+              <a:off x="3265788" y="2159287"/>
+              <a:ext cx="383638" cy="383638"/>
             </a:xfrm>
             <a:prstGeom prst="rect">
               <a:avLst/>
             </a:prstGeom>
-            <a:solidFill>
-              <a:srgbClr val="00B050"/>
-            </a:solidFill>
           </p:spPr>
-          <p:txBody>
-            <a:bodyPr wrap="square" rtlCol="0">
-              <a:spAutoFit/>
-            </a:bodyPr>
-            <a:lstStyle/>
-            <a:p>
-              <a:pPr algn="ctr"/>
-              <a:r>
-                <a:rPr lang="en-US" altLang="ja-JP" dirty="0">
-                  <a:solidFill>
-                    <a:schemeClr val="bg1"/>
-                  </a:solidFill>
-                  <a:latin typeface="チェックポイント．（ピリオド）" panose="02000600000000000000" pitchFamily="50" charset="-128"/>
-                  <a:ea typeface="チェックポイント．（ピリオド）" panose="02000600000000000000" pitchFamily="50" charset="-128"/>
-                </a:rPr>
-                <a:t>4</a:t>
-              </a:r>
-              <a:endParaRPr kumimoji="1" lang="ja-JP" altLang="en-US" dirty="0">
-                <a:solidFill>
-                  <a:schemeClr val="bg1"/>
-                </a:solidFill>
-                <a:latin typeface="チェックポイント．（ピリオド）" panose="02000600000000000000" pitchFamily="50" charset="-128"/>
-                <a:ea typeface="チェックポイント．（ピリオド）" panose="02000600000000000000" pitchFamily="50" charset="-128"/>
-              </a:endParaRPr>
-            </a:p>
-          </p:txBody>
-        </p:sp>
-        <p:sp>
-          <p:nvSpPr>
-            <p:cNvPr id="45" name="テキスト ボックス 44">
-              <a:extLst>
-                <a:ext uri="{FF2B5EF4-FFF2-40B4-BE49-F238E27FC236}">
-                  <a16:creationId xmlns:a16="http://schemas.microsoft.com/office/drawing/2014/main" xmlns="" id="{861DFEC4-87A7-46BD-A2AA-F24D1B417E3F}"/>
-                </a:ext>
-              </a:extLst>
-            </p:cNvPr>
-            <p:cNvSpPr txBox="1"/>
-            <p:nvPr/>
-          </p:nvSpPr>
-          <p:spPr>
-            <a:xfrm>
-              <a:off x="8108346" y="2157116"/>
-              <a:ext cx="390617" cy="369332"/>
-            </a:xfrm>
-            <a:prstGeom prst="rect">
-              <a:avLst/>
-            </a:prstGeom>
-            <a:solidFill>
-              <a:schemeClr val="bg1"/>
-            </a:solidFill>
-            <a:ln>
-              <a:solidFill>
-                <a:schemeClr val="tx1"/>
-              </a:solidFill>
-            </a:ln>
-          </p:spPr>
-          <p:txBody>
-            <a:bodyPr wrap="square" rtlCol="0">
-              <a:spAutoFit/>
-            </a:bodyPr>
-            <a:lstStyle/>
-            <a:p>
-              <a:pPr algn="ctr"/>
-              <a:r>
-                <a:rPr lang="en-US" altLang="ja-JP" dirty="0">
-                  <a:latin typeface="チェックポイント．（ピリオド）" panose="02000600000000000000" pitchFamily="50" charset="-128"/>
-                  <a:ea typeface="チェックポイント．（ピリオド）" panose="02000600000000000000" pitchFamily="50" charset="-128"/>
-                </a:rPr>
-                <a:t>5</a:t>
-              </a:r>
-              <a:endParaRPr kumimoji="1" lang="ja-JP" altLang="en-US" dirty="0">
-                <a:latin typeface="チェックポイント．（ピリオド）" panose="02000600000000000000" pitchFamily="50" charset="-128"/>
-                <a:ea typeface="チェックポイント．（ピリオド）" panose="02000600000000000000" pitchFamily="50" charset="-128"/>
-              </a:endParaRPr>
-            </a:p>
-          </p:txBody>
-        </p:sp>
-        <p:sp>
-          <p:nvSpPr>
-            <p:cNvPr id="46" name="テキスト ボックス 45">
-              <a:extLst>
-                <a:ext uri="{FF2B5EF4-FFF2-40B4-BE49-F238E27FC236}">
-                  <a16:creationId xmlns:a16="http://schemas.microsoft.com/office/drawing/2014/main" xmlns="" id="{B4B7A388-F763-4A3C-B6C2-124C99BC6F42}"/>
-                </a:ext>
-              </a:extLst>
-            </p:cNvPr>
-            <p:cNvSpPr txBox="1"/>
-            <p:nvPr/>
-          </p:nvSpPr>
-          <p:spPr>
-            <a:xfrm>
-              <a:off x="2342376" y="3458793"/>
-              <a:ext cx="1124874" cy="369332"/>
-            </a:xfrm>
-            <a:prstGeom prst="rect">
-              <a:avLst/>
-            </a:prstGeom>
-            <a:noFill/>
-          </p:spPr>
-          <p:txBody>
-            <a:bodyPr wrap="square" rtlCol="0">
-              <a:spAutoFit/>
-            </a:bodyPr>
-            <a:lstStyle/>
-            <a:p>
-              <a:r>
-                <a:rPr kumimoji="1" lang="ja-JP" altLang="en-US" dirty="0">
-                  <a:latin typeface="チェックポイント．（ピリオド）" panose="02000600000000000000" pitchFamily="50" charset="-128"/>
-                  <a:ea typeface="チェックポイント．（ピリオド）" panose="02000600000000000000" pitchFamily="50" charset="-128"/>
-                </a:rPr>
-                <a:t>ミサイル</a:t>
-              </a:r>
-            </a:p>
-          </p:txBody>
-        </p:sp>
+        </p:pic>
       </p:grpSp>
     </p:spTree>
     <p:extLst>
@@ -5301,7 +5413,7 @@
           <p:cNvPr id="5" name="図 4" descr="電子機器 が含まれている画像&#10;&#10;自動的に生成された説明">
             <a:extLst>
               <a:ext uri="{FF2B5EF4-FFF2-40B4-BE49-F238E27FC236}">
-                <a16:creationId xmlns:a16="http://schemas.microsoft.com/office/drawing/2014/main" xmlns="" id="{6CB9A598-CED9-45A4-8DA9-B27BCA36CBEC}"/>
+                <a16:creationId xmlns="" xmlns:a16="http://schemas.microsoft.com/office/drawing/2014/main" id="{6CB9A598-CED9-45A4-8DA9-B27BCA36CBEC}"/>
               </a:ext>
             </a:extLst>
           </p:cNvPr>
@@ -5336,7 +5448,7 @@
           <p:cNvPr id="17" name="楕円 16">
             <a:extLst>
               <a:ext uri="{FF2B5EF4-FFF2-40B4-BE49-F238E27FC236}">
-                <a16:creationId xmlns:a16="http://schemas.microsoft.com/office/drawing/2014/main" xmlns="" id="{787DCF27-FE5D-4F5F-93D9-6E5E3F66733B}"/>
+                <a16:creationId xmlns="" xmlns:a16="http://schemas.microsoft.com/office/drawing/2014/main" id="{787DCF27-FE5D-4F5F-93D9-6E5E3F66733B}"/>
               </a:ext>
             </a:extLst>
           </p:cNvPr>
@@ -5388,7 +5500,7 @@
           <p:cNvPr id="15" name="正方形/長方形 14">
             <a:extLst>
               <a:ext uri="{FF2B5EF4-FFF2-40B4-BE49-F238E27FC236}">
-                <a16:creationId xmlns:a16="http://schemas.microsoft.com/office/drawing/2014/main" xmlns="" id="{3833953A-B36A-4C17-AEC3-8ED45F7CC897}"/>
+                <a16:creationId xmlns="" xmlns:a16="http://schemas.microsoft.com/office/drawing/2014/main" id="{3833953A-B36A-4C17-AEC3-8ED45F7CC897}"/>
               </a:ext>
             </a:extLst>
           </p:cNvPr>
@@ -5440,7 +5552,7 @@
           <p:cNvPr id="16" name="正方形/長方形 15">
             <a:extLst>
               <a:ext uri="{FF2B5EF4-FFF2-40B4-BE49-F238E27FC236}">
-                <a16:creationId xmlns:a16="http://schemas.microsoft.com/office/drawing/2014/main" xmlns="" id="{0A0216B0-C84D-4309-9EC4-75086643960C}"/>
+                <a16:creationId xmlns="" xmlns:a16="http://schemas.microsoft.com/office/drawing/2014/main" id="{0A0216B0-C84D-4309-9EC4-75086643960C}"/>
               </a:ext>
             </a:extLst>
           </p:cNvPr>
@@ -5492,7 +5604,7 @@
           <p:cNvPr id="14" name="正方形/長方形 13">
             <a:extLst>
               <a:ext uri="{FF2B5EF4-FFF2-40B4-BE49-F238E27FC236}">
-                <a16:creationId xmlns:a16="http://schemas.microsoft.com/office/drawing/2014/main" xmlns="" id="{EAC81C78-DEAA-491D-B85A-42AB767010AE}"/>
+                <a16:creationId xmlns="" xmlns:a16="http://schemas.microsoft.com/office/drawing/2014/main" id="{EAC81C78-DEAA-491D-B85A-42AB767010AE}"/>
               </a:ext>
             </a:extLst>
           </p:cNvPr>
@@ -5544,7 +5656,7 @@
           <p:cNvPr id="6" name="テキスト ボックス 5">
             <a:extLst>
               <a:ext uri="{FF2B5EF4-FFF2-40B4-BE49-F238E27FC236}">
-                <a16:creationId xmlns:a16="http://schemas.microsoft.com/office/drawing/2014/main" xmlns="" id="{B35D99F0-6DC1-4BC2-88F1-81631344B7F9}"/>
+                <a16:creationId xmlns="" xmlns:a16="http://schemas.microsoft.com/office/drawing/2014/main" id="{B35D99F0-6DC1-4BC2-88F1-81631344B7F9}"/>
               </a:ext>
             </a:extLst>
           </p:cNvPr>
@@ -5589,7 +5701,7 @@
           <p:cNvPr id="7" name="吹き出し: 四角形 6">
             <a:extLst>
               <a:ext uri="{FF2B5EF4-FFF2-40B4-BE49-F238E27FC236}">
-                <a16:creationId xmlns:a16="http://schemas.microsoft.com/office/drawing/2014/main" xmlns="" id="{BA75D2B1-3296-4A6C-97CF-CD76A284141D}"/>
+                <a16:creationId xmlns="" xmlns:a16="http://schemas.microsoft.com/office/drawing/2014/main" id="{BA75D2B1-3296-4A6C-97CF-CD76A284141D}"/>
               </a:ext>
             </a:extLst>
           </p:cNvPr>
@@ -5644,7 +5756,7 @@
           <p:cNvPr id="8" name="吹き出し: 四角形 7">
             <a:extLst>
               <a:ext uri="{FF2B5EF4-FFF2-40B4-BE49-F238E27FC236}">
-                <a16:creationId xmlns:a16="http://schemas.microsoft.com/office/drawing/2014/main" xmlns="" id="{88AD402C-D557-4604-82F7-689D61968750}"/>
+                <a16:creationId xmlns="" xmlns:a16="http://schemas.microsoft.com/office/drawing/2014/main" id="{88AD402C-D557-4604-82F7-689D61968750}"/>
               </a:ext>
             </a:extLst>
           </p:cNvPr>
@@ -5706,7 +5818,7 @@
           <p:cNvPr id="9" name="吹き出し: 四角形 8">
             <a:extLst>
               <a:ext uri="{FF2B5EF4-FFF2-40B4-BE49-F238E27FC236}">
-                <a16:creationId xmlns:a16="http://schemas.microsoft.com/office/drawing/2014/main" xmlns="" id="{BF8E2C7C-205C-42CA-B382-A5D5630D39B2}"/>
+                <a16:creationId xmlns="" xmlns:a16="http://schemas.microsoft.com/office/drawing/2014/main" id="{BF8E2C7C-205C-42CA-B382-A5D5630D39B2}"/>
               </a:ext>
             </a:extLst>
           </p:cNvPr>
@@ -5765,7 +5877,7 @@
           <p:cNvPr id="10" name="吹き出し: 四角形 9">
             <a:extLst>
               <a:ext uri="{FF2B5EF4-FFF2-40B4-BE49-F238E27FC236}">
-                <a16:creationId xmlns:a16="http://schemas.microsoft.com/office/drawing/2014/main" xmlns="" id="{1E8E5AAD-2EFF-40AE-87B5-A62E3863DB06}"/>
+                <a16:creationId xmlns="" xmlns:a16="http://schemas.microsoft.com/office/drawing/2014/main" id="{1E8E5AAD-2EFF-40AE-87B5-A62E3863DB06}"/>
               </a:ext>
             </a:extLst>
           </p:cNvPr>
@@ -5821,10 +5933,20 @@
             <a:pPr algn="ctr"/>
             <a:r>
               <a:rPr kumimoji="1" lang="ja-JP" altLang="en-US" dirty="0">
-                <a:latin typeface="チェックポイント．（ピリオド）" panose="02000600000000000000" pitchFamily="50" charset="-128"/>
-                <a:ea typeface="チェックポイント．（ピリオド）" panose="02000600000000000000" pitchFamily="50" charset="-128"/>
-              </a:rPr>
-              <a:t>ボタンをクリックすると出撃させることができます</a:t>
+                <a:solidFill>
+                  <a:srgbClr val="FF0000"/>
+                </a:solidFill>
+                <a:latin typeface="チェックポイント．（ピリオド）" panose="02000600000000000000" pitchFamily="50" charset="-128"/>
+                <a:ea typeface="チェックポイント．（ピリオド）" panose="02000600000000000000" pitchFamily="50" charset="-128"/>
+              </a:rPr>
+              <a:t>ボタンをクリックすると出撃させる</a:t>
+            </a:r>
+            <a:r>
+              <a:rPr kumimoji="1" lang="ja-JP" altLang="en-US" dirty="0">
+                <a:latin typeface="チェックポイント．（ピリオド）" panose="02000600000000000000" pitchFamily="50" charset="-128"/>
+                <a:ea typeface="チェックポイント．（ピリオド）" panose="02000600000000000000" pitchFamily="50" charset="-128"/>
+              </a:rPr>
+              <a:t>ことができます</a:t>
             </a:r>
           </a:p>
         </p:txBody>
@@ -5834,7 +5956,7 @@
           <p:cNvPr id="11" name="吹き出し: 四角形 10">
             <a:extLst>
               <a:ext uri="{FF2B5EF4-FFF2-40B4-BE49-F238E27FC236}">
-                <a16:creationId xmlns:a16="http://schemas.microsoft.com/office/drawing/2014/main" xmlns="" id="{0876C132-70D4-4EE9-A059-2EE9BBCFA5AC}"/>
+                <a16:creationId xmlns="" xmlns:a16="http://schemas.microsoft.com/office/drawing/2014/main" id="{0876C132-70D4-4EE9-A059-2EE9BBCFA5AC}"/>
               </a:ext>
             </a:extLst>
           </p:cNvPr>
@@ -5889,7 +6011,7 @@
           <p:cNvPr id="12" name="吹き出し: 四角形 11">
             <a:extLst>
               <a:ext uri="{FF2B5EF4-FFF2-40B4-BE49-F238E27FC236}">
-                <a16:creationId xmlns:a16="http://schemas.microsoft.com/office/drawing/2014/main" xmlns="" id="{30266963-E240-4012-99DE-6906E5DDC8E7}"/>
+                <a16:creationId xmlns="" xmlns:a16="http://schemas.microsoft.com/office/drawing/2014/main" id="{30266963-E240-4012-99DE-6906E5DDC8E7}"/>
               </a:ext>
             </a:extLst>
           </p:cNvPr>
@@ -5959,6 +6081,9 @@
             <a:pPr algn="ctr"/>
             <a:r>
               <a:rPr lang="ja-JP" altLang="en-US" sz="1600" dirty="0" smtClean="0">
+                <a:solidFill>
+                  <a:srgbClr val="FF0000"/>
+                </a:solidFill>
                 <a:latin typeface="チェックポイント．（ピリオド）" panose="02000600000000000000" pitchFamily="50" charset="-128"/>
                 <a:ea typeface="チェックポイント．（ピリオド）" panose="02000600000000000000" pitchFamily="50" charset="-128"/>
               </a:rPr>
@@ -5983,7 +6108,7 @@
           <p:cNvPr id="13" name="正方形/長方形 12">
             <a:extLst>
               <a:ext uri="{FF2B5EF4-FFF2-40B4-BE49-F238E27FC236}">
-                <a16:creationId xmlns:a16="http://schemas.microsoft.com/office/drawing/2014/main" xmlns="" id="{C5B52C5E-840D-45E5-8E3C-3E2AD99D4E85}"/>
+                <a16:creationId xmlns="" xmlns:a16="http://schemas.microsoft.com/office/drawing/2014/main" id="{C5B52C5E-840D-45E5-8E3C-3E2AD99D4E85}"/>
               </a:ext>
             </a:extLst>
           </p:cNvPr>
@@ -6035,7 +6160,7 @@
           <p:cNvPr id="18" name="正方形/長方形 17">
             <a:extLst>
               <a:ext uri="{FF2B5EF4-FFF2-40B4-BE49-F238E27FC236}">
-                <a16:creationId xmlns:a16="http://schemas.microsoft.com/office/drawing/2014/main" xmlns="" id="{85B86C3D-1D0B-4CA9-A09E-F9104FAC8E9A}"/>
+                <a16:creationId xmlns="" xmlns:a16="http://schemas.microsoft.com/office/drawing/2014/main" id="{85B86C3D-1D0B-4CA9-A09E-F9104FAC8E9A}"/>
               </a:ext>
             </a:extLst>
           </p:cNvPr>
@@ -6087,7 +6212,7 @@
           <p:cNvPr id="19" name="吹き出し: 四角形 18">
             <a:extLst>
               <a:ext uri="{FF2B5EF4-FFF2-40B4-BE49-F238E27FC236}">
-                <a16:creationId xmlns:a16="http://schemas.microsoft.com/office/drawing/2014/main" xmlns="" id="{D2673875-651C-40E4-8256-1F77677989CB}"/>
+                <a16:creationId xmlns="" xmlns:a16="http://schemas.microsoft.com/office/drawing/2014/main" id="{D2673875-651C-40E4-8256-1F77677989CB}"/>
               </a:ext>
             </a:extLst>
           </p:cNvPr>
@@ -6183,7 +6308,7 @@
           <p:cNvPr id="6" name="テキスト ボックス 5">
             <a:extLst>
               <a:ext uri="{FF2B5EF4-FFF2-40B4-BE49-F238E27FC236}">
-                <a16:creationId xmlns:a16="http://schemas.microsoft.com/office/drawing/2014/main" xmlns="" id="{83D9254C-066B-4A30-984B-189E5281BB91}"/>
+                <a16:creationId xmlns="" xmlns:a16="http://schemas.microsoft.com/office/drawing/2014/main" id="{83D9254C-066B-4A30-984B-189E5281BB91}"/>
               </a:ext>
             </a:extLst>
           </p:cNvPr>
@@ -6192,7 +6317,7 @@
         </p:nvSpPr>
         <p:spPr>
           <a:xfrm>
-            <a:off x="2627332" y="58003"/>
+            <a:off x="2484827" y="58003"/>
             <a:ext cx="6937335" cy="830997"/>
           </a:xfrm>
           <a:prstGeom prst="rect">
@@ -6228,7 +6353,7 @@
           <p:cNvPr id="7" name="テキスト ボックス 6">
             <a:extLst>
               <a:ext uri="{FF2B5EF4-FFF2-40B4-BE49-F238E27FC236}">
-                <a16:creationId xmlns:a16="http://schemas.microsoft.com/office/drawing/2014/main" xmlns="" id="{A3B678AB-5F6D-47A2-AC3D-C9904D8B3FE5}"/>
+                <a16:creationId xmlns="" xmlns:a16="http://schemas.microsoft.com/office/drawing/2014/main" id="{A3B678AB-5F6D-47A2-AC3D-C9904D8B3FE5}"/>
               </a:ext>
             </a:extLst>
           </p:cNvPr>
@@ -6237,8 +6362,8 @@
         </p:nvSpPr>
         <p:spPr>
           <a:xfrm>
-            <a:off x="3278590" y="1217513"/>
-            <a:ext cx="5347775" cy="461665"/>
+            <a:off x="1963886" y="1187017"/>
+            <a:ext cx="7979218" cy="584775"/>
           </a:xfrm>
           <a:prstGeom prst="rect">
             <a:avLst/>
@@ -6253,7 +6378,7 @@
           <a:p>
             <a:pPr algn="ctr"/>
             <a:r>
-              <a:rPr kumimoji="1" lang="ja-JP" altLang="en-US" sz="2400" dirty="0">
+              <a:rPr kumimoji="1" lang="ja-JP" altLang="en-US" sz="3200" dirty="0">
                 <a:highlight>
                   <a:srgbClr val="00FF00"/>
                 </a:highlight>
@@ -6270,7 +6395,7 @@
           <p:cNvPr id="8" name="テキスト ボックス 7">
             <a:extLst>
               <a:ext uri="{FF2B5EF4-FFF2-40B4-BE49-F238E27FC236}">
-                <a16:creationId xmlns:a16="http://schemas.microsoft.com/office/drawing/2014/main" xmlns="" id="{81F92070-255F-4692-ABB1-F5486542D8FF}"/>
+                <a16:creationId xmlns="" xmlns:a16="http://schemas.microsoft.com/office/drawing/2014/main" id="{81F92070-255F-4692-ABB1-F5486542D8FF}"/>
               </a:ext>
             </a:extLst>
           </p:cNvPr>
@@ -6279,8 +6404,8 @@
         </p:nvSpPr>
         <p:spPr>
           <a:xfrm>
-            <a:off x="1050523" y="2222855"/>
-            <a:ext cx="11141477" cy="1477328"/>
+            <a:off x="938916" y="2258481"/>
+            <a:ext cx="10029155" cy="1477328"/>
           </a:xfrm>
           <a:prstGeom prst="rect">
             <a:avLst/>
@@ -6383,6 +6508,9 @@
             </a:r>
             <a:r>
               <a:rPr lang="ja-JP" altLang="en-US" dirty="0">
+                <a:solidFill>
+                  <a:srgbClr val="FF0000"/>
+                </a:solidFill>
                 <a:latin typeface="チェックポイント．（ピリオド）" panose="02000600000000000000" pitchFamily="50" charset="-128"/>
                 <a:ea typeface="チェックポイント．（ピリオド）" panose="02000600000000000000" pitchFamily="50" charset="-128"/>
               </a:rPr>
@@ -6410,7 +6538,7 @@
           <p:cNvPr id="10" name="テキスト ボックス 9">
             <a:extLst>
               <a:ext uri="{FF2B5EF4-FFF2-40B4-BE49-F238E27FC236}">
-                <a16:creationId xmlns:a16="http://schemas.microsoft.com/office/drawing/2014/main" xmlns="" id="{946FF0DF-B758-41C2-85D3-67DA048E99B2}"/>
+                <a16:creationId xmlns="" xmlns:a16="http://schemas.microsoft.com/office/drawing/2014/main" id="{946FF0DF-B758-41C2-85D3-67DA048E99B2}"/>
               </a:ext>
             </a:extLst>
           </p:cNvPr>
@@ -6419,7 +6547,7 @@
         </p:nvSpPr>
         <p:spPr>
           <a:xfrm>
-            <a:off x="2135079" y="3998200"/>
+            <a:off x="1992573" y="3998200"/>
             <a:ext cx="7921840" cy="923330"/>
           </a:xfrm>
           <a:prstGeom prst="rect">
@@ -6499,7 +6627,7 @@
           <p:cNvPr id="4" name="テキスト ボックス 3">
             <a:extLst>
               <a:ext uri="{FF2B5EF4-FFF2-40B4-BE49-F238E27FC236}">
-                <a16:creationId xmlns:a16="http://schemas.microsoft.com/office/drawing/2014/main" xmlns="" id="{83D9254C-066B-4A30-984B-189E5281BB91}"/>
+                <a16:creationId xmlns="" xmlns:a16="http://schemas.microsoft.com/office/drawing/2014/main" id="{83D9254C-066B-4A30-984B-189E5281BB91}"/>
               </a:ext>
             </a:extLst>
           </p:cNvPr>
@@ -6609,7 +6737,7 @@
         </p:blipFill>
         <p:spPr>
           <a:xfrm>
-            <a:off x="1171429" y="2201417"/>
+            <a:off x="1171428" y="2184700"/>
             <a:ext cx="1363121" cy="908747"/>
           </a:xfrm>
           <a:prstGeom prst="rect">
@@ -6625,8 +6753,8 @@
         </p:nvSpPr>
         <p:spPr>
           <a:xfrm>
-            <a:off x="2627331" y="2301847"/>
-            <a:ext cx="8182098" cy="707886"/>
+            <a:off x="2627330" y="2301847"/>
+            <a:ext cx="8650269" cy="707886"/>
           </a:xfrm>
           <a:prstGeom prst="rect">
             <a:avLst/>
@@ -6657,21 +6785,38 @@
                 <a:latin typeface="チェックポイント．（ピリオド）" panose="02000600000000000000" pitchFamily="50" charset="-128"/>
                 <a:ea typeface="チェックポイント．（ピリオド）" panose="02000600000000000000" pitchFamily="50" charset="-128"/>
               </a:rPr>
-              <a:t>もしくは</a:t>
+              <a:t>もしく</a:t>
+            </a:r>
+            <a:r>
+              <a:rPr lang="ja-JP" altLang="en-US" sz="2000" dirty="0" smtClean="0">
+                <a:latin typeface="チェックポイント．（ピリオド）" panose="02000600000000000000" pitchFamily="50" charset="-128"/>
+                <a:ea typeface="チェックポイント．（ピリオド）" panose="02000600000000000000" pitchFamily="50" charset="-128"/>
+              </a:rPr>
+              <a:t>は</a:t>
             </a:r>
             <a:r>
               <a:rPr lang="en-US" altLang="ja-JP" sz="2000" dirty="0" smtClean="0">
-                <a:latin typeface="チェックポイント．（ピリオド）" panose="02000600000000000000" pitchFamily="50" charset="-128"/>
-                <a:ea typeface="チェックポイント．（ピリオド）" panose="02000600000000000000" pitchFamily="50" charset="-128"/>
-              </a:rPr>
-              <a:t>S</a:t>
+                <a:solidFill>
+                  <a:srgbClr val="FF0000"/>
+                </a:solidFill>
+                <a:latin typeface="チェックポイント．（ピリオド）" panose="02000600000000000000" pitchFamily="50" charset="-128"/>
+                <a:ea typeface="チェックポイント．（ピリオド）" panose="02000600000000000000" pitchFamily="50" charset="-128"/>
+              </a:rPr>
+              <a:t>Enter</a:t>
             </a:r>
             <a:r>
               <a:rPr lang="ja-JP" altLang="en-US" sz="2000" dirty="0" smtClean="0">
                 <a:latin typeface="チェックポイント．（ピリオド）" panose="02000600000000000000" pitchFamily="50" charset="-128"/>
                 <a:ea typeface="チェックポイント．（ピリオド）" panose="02000600000000000000" pitchFamily="50" charset="-128"/>
               </a:rPr>
-              <a:t>キーを押すことでスペシャル技を発動することが可能です。</a:t>
+              <a:t>キー</a:t>
+            </a:r>
+            <a:r>
+              <a:rPr lang="ja-JP" altLang="en-US" sz="2000" dirty="0" smtClean="0">
+                <a:latin typeface="チェックポイント．（ピリオド）" panose="02000600000000000000" pitchFamily="50" charset="-128"/>
+                <a:ea typeface="チェックポイント．（ピリオド）" panose="02000600000000000000" pitchFamily="50" charset="-128"/>
+              </a:rPr>
+              <a:t>を押すことでスペシャル技を発動することが可能です。</a:t>
             </a:r>
             <a:endParaRPr kumimoji="1" lang="ja-JP" altLang="en-US" sz="2000" dirty="0">
               <a:latin typeface="チェックポイント．（ピリオド）" panose="02000600000000000000" pitchFamily="50" charset="-128"/>
@@ -6734,7 +6879,34 @@
                 <a:latin typeface="チェックポイント．（ピリオド）" panose="02000600000000000000" pitchFamily="50" charset="-128"/>
                 <a:ea typeface="チェックポイント．（ピリオド）" panose="02000600000000000000" pitchFamily="50" charset="-128"/>
               </a:rPr>
-              <a:t>惑星ごとに獲得できるスペシャル技が違うので自分に合ったスペシャル技を獲得してください。</a:t>
+              <a:t>惑星ごとに獲得できるスペシャル技が違う</a:t>
+            </a:r>
+            <a:r>
+              <a:rPr kumimoji="1" lang="ja-JP" altLang="en-US" sz="2400" dirty="0" smtClean="0">
+                <a:latin typeface="チェックポイント．（ピリオド）" panose="02000600000000000000" pitchFamily="50" charset="-128"/>
+                <a:ea typeface="チェックポイント．（ピリオド）" panose="02000600000000000000" pitchFamily="50" charset="-128"/>
+              </a:rPr>
+              <a:t>ので</a:t>
+            </a:r>
+            <a:endParaRPr kumimoji="1" lang="en-US" altLang="ja-JP" sz="2400" dirty="0" smtClean="0">
+              <a:latin typeface="チェックポイント．（ピリオド）" panose="02000600000000000000" pitchFamily="50" charset="-128"/>
+              <a:ea typeface="チェックポイント．（ピリオド）" panose="02000600000000000000" pitchFamily="50" charset="-128"/>
+            </a:endParaRPr>
+          </a:p>
+          <a:p>
+            <a:r>
+              <a:rPr kumimoji="1" lang="ja-JP" altLang="en-US" sz="2400" dirty="0" smtClean="0">
+                <a:latin typeface="チェックポイント．（ピリオド）" panose="02000600000000000000" pitchFamily="50" charset="-128"/>
+                <a:ea typeface="チェックポイント．（ピリオド）" panose="02000600000000000000" pitchFamily="50" charset="-128"/>
+              </a:rPr>
+              <a:t>自分</a:t>
+            </a:r>
+            <a:r>
+              <a:rPr kumimoji="1" lang="ja-JP" altLang="en-US" sz="2400" dirty="0" smtClean="0">
+                <a:latin typeface="チェックポイント．（ピリオド）" panose="02000600000000000000" pitchFamily="50" charset="-128"/>
+                <a:ea typeface="チェックポイント．（ピリオド）" panose="02000600000000000000" pitchFamily="50" charset="-128"/>
+              </a:rPr>
+              <a:t>に合ったスペシャル技を獲得してください。</a:t>
             </a:r>
             <a:endParaRPr kumimoji="1" lang="ja-JP" altLang="en-US" dirty="0">
               <a:latin typeface="チェックポイント．（ピリオド）" panose="02000600000000000000" pitchFamily="50" charset="-128"/>
@@ -6936,7 +7108,7 @@
           <p:cNvPr id="3" name="図 2" descr="物体 が含まれている画像&#10;&#10;自動的に生成された説明">
             <a:extLst>
               <a:ext uri="{FF2B5EF4-FFF2-40B4-BE49-F238E27FC236}">
-                <a16:creationId xmlns:a16="http://schemas.microsoft.com/office/drawing/2014/main" xmlns="" id="{69BA893B-4907-48D5-8940-A23E267BFE4C}"/>
+                <a16:creationId xmlns="" xmlns:a16="http://schemas.microsoft.com/office/drawing/2014/main" id="{69BA893B-4907-48D5-8940-A23E267BFE4C}"/>
               </a:ext>
             </a:extLst>
           </p:cNvPr>
@@ -6974,13 +7146,13 @@
         </p:nvSpPr>
         <p:spPr>
           <a:xfrm>
-            <a:off x="0" y="-11877"/>
-            <a:ext cx="3320249" cy="1461476"/>
+            <a:off x="0" y="15325"/>
+            <a:ext cx="3557674" cy="1461476"/>
           </a:xfrm>
           <a:prstGeom prst="wedgeRectCallout">
             <a:avLst>
-              <a:gd name="adj1" fmla="val 35309"/>
-              <a:gd name="adj2" fmla="val 72942"/>
+              <a:gd name="adj1" fmla="val 33306"/>
+              <a:gd name="adj2" fmla="val 76192"/>
             </a:avLst>
           </a:prstGeom>
           <a:solidFill>
@@ -7056,13 +7228,40 @@
             <a:r>
               <a:rPr kumimoji="1" lang="ja-JP" altLang="en-US" dirty="0">
                 <a:solidFill>
+                  <a:srgbClr val="FF0000"/>
+                </a:solidFill>
+                <a:latin typeface="チェックポイント．（ピリオド）" panose="02000600000000000000" pitchFamily="50" charset="-128"/>
+                <a:ea typeface="チェックポイント．（ピリオド）" panose="02000600000000000000" pitchFamily="50" charset="-128"/>
+              </a:rPr>
+              <a:t>資材</a:t>
+            </a:r>
+            <a:r>
+              <a:rPr kumimoji="1" lang="ja-JP" altLang="en-US" dirty="0">
+                <a:solidFill>
                   <a:schemeClr val="tx1"/>
                 </a:solidFill>
                 <a:latin typeface="チェックポイント．（ピリオド）" panose="02000600000000000000" pitchFamily="50" charset="-128"/>
                 <a:ea typeface="チェックポイント．（ピリオド）" panose="02000600000000000000" pitchFamily="50" charset="-128"/>
               </a:rPr>
-              <a:t>資材を確認することができる</a:t>
-            </a:r>
+              <a:t>を確認することが</a:t>
+            </a:r>
+            <a:r>
+              <a:rPr kumimoji="1" lang="ja-JP" altLang="en-US" dirty="0" smtClean="0">
+                <a:solidFill>
+                  <a:schemeClr val="tx1"/>
+                </a:solidFill>
+                <a:latin typeface="チェックポイント．（ピリオド）" panose="02000600000000000000" pitchFamily="50" charset="-128"/>
+                <a:ea typeface="チェックポイント．（ピリオド）" panose="02000600000000000000" pitchFamily="50" charset="-128"/>
+              </a:rPr>
+              <a:t>できます。</a:t>
+            </a:r>
+            <a:endParaRPr kumimoji="1" lang="ja-JP" altLang="en-US" dirty="0">
+              <a:solidFill>
+                <a:schemeClr val="tx1"/>
+              </a:solidFill>
+              <a:latin typeface="チェックポイント．（ピリオド）" panose="02000600000000000000" pitchFamily="50" charset="-128"/>
+              <a:ea typeface="チェックポイント．（ピリオド）" panose="02000600000000000000" pitchFamily="50" charset="-128"/>
+            </a:endParaRPr>
           </a:p>
         </p:txBody>
       </p:sp>
@@ -7136,12 +7335,22 @@
             <a:r>
               <a:rPr lang="ja-JP" altLang="en-US" dirty="0">
                 <a:solidFill>
+                  <a:srgbClr val="FF0000"/>
+                </a:solidFill>
+                <a:latin typeface="チェックポイント．（ピリオド）" panose="02000600000000000000" pitchFamily="50" charset="-128"/>
+                <a:ea typeface="チェックポイント．（ピリオド）" panose="02000600000000000000" pitchFamily="50" charset="-128"/>
+              </a:rPr>
+              <a:t>スペシャル技</a:t>
+            </a:r>
+            <a:r>
+              <a:rPr lang="ja-JP" altLang="en-US" dirty="0">
+                <a:solidFill>
                   <a:schemeClr val="tx1"/>
                 </a:solidFill>
                 <a:latin typeface="チェックポイント．（ピリオド）" panose="02000600000000000000" pitchFamily="50" charset="-128"/>
                 <a:ea typeface="チェックポイント．（ピリオド）" panose="02000600000000000000" pitchFamily="50" charset="-128"/>
               </a:rPr>
-              <a:t>スペシャル技を確認することができる</a:t>
+              <a:t>を確認することができる</a:t>
             </a:r>
             <a:endParaRPr lang="en-US" altLang="ja-JP" dirty="0">
               <a:solidFill>
@@ -7184,8 +7393,8 @@
         </p:nvSpPr>
         <p:spPr>
           <a:xfrm>
-            <a:off x="7895208" y="5532058"/>
-            <a:ext cx="4296791" cy="1324099"/>
+            <a:off x="7766462" y="5532058"/>
+            <a:ext cx="4425537" cy="1324099"/>
           </a:xfrm>
           <a:prstGeom prst="wedgeRectCallout">
             <a:avLst>
@@ -7246,12 +7455,42 @@
             <a:r>
               <a:rPr lang="ja-JP" altLang="en-US" dirty="0">
                 <a:solidFill>
+                  <a:srgbClr val="FF0000"/>
+                </a:solidFill>
+                <a:latin typeface="チェックポイント．（ピリオド）" panose="02000600000000000000" pitchFamily="50" charset="-128"/>
+                <a:ea typeface="チェックポイント．（ピリオド）" panose="02000600000000000000" pitchFamily="50" charset="-128"/>
+              </a:rPr>
+              <a:t>コア</a:t>
+            </a:r>
+            <a:r>
+              <a:rPr lang="ja-JP" altLang="en-US" dirty="0" smtClean="0">
+                <a:solidFill>
+                  <a:srgbClr val="FF0000"/>
+                </a:solidFill>
+                <a:latin typeface="チェックポイント．（ピリオド）" panose="02000600000000000000" pitchFamily="50" charset="-128"/>
+                <a:ea typeface="チェックポイント．（ピリオド）" panose="02000600000000000000" pitchFamily="50" charset="-128"/>
+              </a:rPr>
+              <a:t>によるポッドのステータス</a:t>
+            </a:r>
+            <a:r>
+              <a:rPr lang="ja-JP" altLang="en-US" dirty="0">
+                <a:solidFill>
+                  <a:srgbClr val="FF0000"/>
+                </a:solidFill>
+                <a:latin typeface="チェックポイント．（ピリオド）" panose="02000600000000000000" pitchFamily="50" charset="-128"/>
+                <a:ea typeface="チェックポイント．（ピリオド）" panose="02000600000000000000" pitchFamily="50" charset="-128"/>
+              </a:rPr>
+              <a:t>補正値</a:t>
+            </a:r>
+            <a:r>
+              <a:rPr lang="ja-JP" altLang="en-US" dirty="0">
+                <a:solidFill>
                   <a:schemeClr val="tx1"/>
                 </a:solidFill>
                 <a:latin typeface="チェックポイント．（ピリオド）" panose="02000600000000000000" pitchFamily="50" charset="-128"/>
                 <a:ea typeface="チェックポイント．（ピリオド）" panose="02000600000000000000" pitchFamily="50" charset="-128"/>
               </a:rPr>
-              <a:t>武器によるステータス補正値を</a:t>
+              <a:t>を</a:t>
             </a:r>
             <a:endParaRPr lang="en-US" altLang="ja-JP" dirty="0">
               <a:solidFill>
@@ -7353,12 +7592,22 @@
             <a:r>
               <a:rPr lang="ja-JP" altLang="en-US" dirty="0">
                 <a:solidFill>
+                  <a:srgbClr val="FF0000"/>
+                </a:solidFill>
+                <a:latin typeface="チェックポイント．（ピリオド）" panose="02000600000000000000" pitchFamily="50" charset="-128"/>
+                <a:ea typeface="チェックポイント．（ピリオド）" panose="02000600000000000000" pitchFamily="50" charset="-128"/>
+              </a:rPr>
+              <a:t>住人のステータス補正値</a:t>
+            </a:r>
+            <a:r>
+              <a:rPr lang="ja-JP" altLang="en-US" dirty="0">
+                <a:solidFill>
                   <a:schemeClr val="tx1"/>
                 </a:solidFill>
                 <a:latin typeface="チェックポイント．（ピリオド）" panose="02000600000000000000" pitchFamily="50" charset="-128"/>
                 <a:ea typeface="チェックポイント．（ピリオド）" panose="02000600000000000000" pitchFamily="50" charset="-128"/>
               </a:rPr>
-              <a:t>住人のステータス補正値を</a:t>
+              <a:t>を</a:t>
             </a:r>
             <a:endParaRPr lang="en-US" altLang="ja-JP" dirty="0">
               <a:solidFill>
@@ -7434,7 +7683,7 @@
           <p:cNvPr id="13" name="正方形/長方形 12">
             <a:extLst>
               <a:ext uri="{FF2B5EF4-FFF2-40B4-BE49-F238E27FC236}">
-                <a16:creationId xmlns:a16="http://schemas.microsoft.com/office/drawing/2014/main" xmlns="" id="{A37BEE43-2066-46D6-8830-D8556B22304D}"/>
+                <a16:creationId xmlns="" xmlns:a16="http://schemas.microsoft.com/office/drawing/2014/main" id="{A37BEE43-2066-46D6-8830-D8556B22304D}"/>
               </a:ext>
             </a:extLst>
           </p:cNvPr>
@@ -7443,8 +7692,8 @@
         </p:nvSpPr>
         <p:spPr>
           <a:xfrm>
-            <a:off x="2687782" y="1879116"/>
-            <a:ext cx="3343562" cy="1650858"/>
+            <a:off x="2687782" y="1885435"/>
+            <a:ext cx="3343562" cy="1645548"/>
           </a:xfrm>
           <a:prstGeom prst="rect">
             <a:avLst/>
@@ -7486,7 +7735,7 @@
           <p:cNvPr id="14" name="正方形/長方形 13">
             <a:extLst>
               <a:ext uri="{FF2B5EF4-FFF2-40B4-BE49-F238E27FC236}">
-                <a16:creationId xmlns:a16="http://schemas.microsoft.com/office/drawing/2014/main" xmlns="" id="{BA56A8B8-81E8-409C-8A37-384626294E40}"/>
+                <a16:creationId xmlns="" xmlns:a16="http://schemas.microsoft.com/office/drawing/2014/main" id="{BA56A8B8-81E8-409C-8A37-384626294E40}"/>
               </a:ext>
             </a:extLst>
           </p:cNvPr>
@@ -7495,7 +7744,7 @@
         </p:nvSpPr>
         <p:spPr>
           <a:xfrm>
-            <a:off x="2687782" y="3528911"/>
+            <a:off x="2687782" y="3563730"/>
             <a:ext cx="3343562" cy="1650858"/>
           </a:xfrm>
           <a:prstGeom prst="rect">
@@ -7504,7 +7753,7 @@
           <a:noFill/>
           <a:ln w="28575">
             <a:solidFill>
-              <a:srgbClr val="FF0000"/>
+              <a:srgbClr val="0070C0"/>
             </a:solidFill>
           </a:ln>
         </p:spPr>
@@ -7538,7 +7787,7 @@
           <p:cNvPr id="15" name="正方形/長方形 14">
             <a:extLst>
               <a:ext uri="{FF2B5EF4-FFF2-40B4-BE49-F238E27FC236}">
-                <a16:creationId xmlns:a16="http://schemas.microsoft.com/office/drawing/2014/main" xmlns="" id="{AF0DEFD2-0EA7-416C-9349-A86003C1114B}"/>
+                <a16:creationId xmlns="" xmlns:a16="http://schemas.microsoft.com/office/drawing/2014/main" id="{AF0DEFD2-0EA7-416C-9349-A86003C1114B}"/>
               </a:ext>
             </a:extLst>
           </p:cNvPr>
@@ -7547,7 +7796,7 @@
         </p:nvSpPr>
         <p:spPr>
           <a:xfrm>
-            <a:off x="6031344" y="1881188"/>
+            <a:off x="6031344" y="1882940"/>
             <a:ext cx="3343562" cy="1648786"/>
           </a:xfrm>
           <a:prstGeom prst="rect">
@@ -7556,7 +7805,7 @@
           <a:noFill/>
           <a:ln w="28575">
             <a:solidFill>
-              <a:srgbClr val="FF0000"/>
+              <a:srgbClr val="FFFF00"/>
             </a:solidFill>
           </a:ln>
         </p:spPr>
@@ -7590,7 +7839,7 @@
           <p:cNvPr id="18" name="正方形/長方形 17">
             <a:extLst>
               <a:ext uri="{FF2B5EF4-FFF2-40B4-BE49-F238E27FC236}">
-                <a16:creationId xmlns:a16="http://schemas.microsoft.com/office/drawing/2014/main" xmlns="" id="{DFCE669F-B98A-49D5-9CD8-578BB88718CC}"/>
+                <a16:creationId xmlns="" xmlns:a16="http://schemas.microsoft.com/office/drawing/2014/main" id="{DFCE669F-B98A-49D5-9CD8-578BB88718CC}"/>
               </a:ext>
             </a:extLst>
           </p:cNvPr>
@@ -7599,7 +7848,7 @@
         </p:nvSpPr>
         <p:spPr>
           <a:xfrm>
-            <a:off x="6031344" y="3530983"/>
+            <a:off x="6031344" y="3552046"/>
             <a:ext cx="3343562" cy="1648786"/>
           </a:xfrm>
           <a:prstGeom prst="rect">
@@ -7608,7 +7857,7 @@
           <a:noFill/>
           <a:ln w="28575">
             <a:solidFill>
-              <a:srgbClr val="FF0000"/>
+              <a:srgbClr val="00B050"/>
             </a:solidFill>
           </a:ln>
         </p:spPr>
@@ -7679,7 +7928,7 @@
           <p:cNvPr id="3" name="図 2" descr="テキスト, スコアボード, 屋外, 標識 が含まれている画像&#10;&#10;自動的に生成された説明">
             <a:extLst>
               <a:ext uri="{FF2B5EF4-FFF2-40B4-BE49-F238E27FC236}">
-                <a16:creationId xmlns:a16="http://schemas.microsoft.com/office/drawing/2014/main" xmlns="" id="{D1EC1C6B-8E37-484B-BC32-54F28F2C22FE}"/>
+                <a16:creationId xmlns="" xmlns:a16="http://schemas.microsoft.com/office/drawing/2014/main" id="{D1EC1C6B-8E37-484B-BC32-54F28F2C22FE}"/>
               </a:ext>
             </a:extLst>
           </p:cNvPr>
@@ -7717,13 +7966,13 @@
         </p:nvSpPr>
         <p:spPr>
           <a:xfrm>
-            <a:off x="7988298" y="1484306"/>
+            <a:off x="7853831" y="1516716"/>
             <a:ext cx="4203701" cy="1056904"/>
           </a:xfrm>
           <a:prstGeom prst="wedgeRectCallout">
             <a:avLst>
-              <a:gd name="adj1" fmla="val -56029"/>
-              <a:gd name="adj2" fmla="val -10256"/>
+              <a:gd name="adj1" fmla="val -52921"/>
+              <a:gd name="adj2" fmla="val -12503"/>
             </a:avLst>
           </a:prstGeom>
           <a:solidFill>
@@ -7824,13 +8073,13 @@
         </p:nvSpPr>
         <p:spPr>
           <a:xfrm>
-            <a:off x="7988300" y="3227418"/>
+            <a:off x="7853832" y="3219030"/>
             <a:ext cx="4203700" cy="1056904"/>
           </a:xfrm>
           <a:prstGeom prst="wedgeRectCallout">
             <a:avLst>
-              <a:gd name="adj1" fmla="val -56815"/>
-              <a:gd name="adj2" fmla="val -18979"/>
+              <a:gd name="adj1" fmla="val -52861"/>
+              <a:gd name="adj2" fmla="val -20103"/>
             </a:avLst>
           </a:prstGeom>
           <a:solidFill>
@@ -7944,12 +8193,12 @@
         </p:nvSpPr>
         <p:spPr>
           <a:xfrm>
-            <a:off x="7988299" y="4587136"/>
+            <a:off x="7853831" y="4587136"/>
             <a:ext cx="4203699" cy="1280264"/>
           </a:xfrm>
           <a:prstGeom prst="wedgeRectCallout">
             <a:avLst>
-              <a:gd name="adj1" fmla="val -55587"/>
+              <a:gd name="adj1" fmla="val -52197"/>
               <a:gd name="adj2" fmla="val -22206"/>
             </a:avLst>
           </a:prstGeom>
@@ -8061,7 +8310,7 @@
         </p:nvSpPr>
         <p:spPr>
           <a:xfrm>
-            <a:off x="-3" y="6010659"/>
+            <a:off x="-2" y="5959542"/>
             <a:ext cx="12192001" cy="850764"/>
           </a:xfrm>
           <a:prstGeom prst="wedgeRectCallout">
@@ -8204,7 +8453,7 @@
           <p:cNvPr id="10" name="正方形/長方形 9">
             <a:extLst>
               <a:ext uri="{FF2B5EF4-FFF2-40B4-BE49-F238E27FC236}">
-                <a16:creationId xmlns:a16="http://schemas.microsoft.com/office/drawing/2014/main" xmlns="" id="{6FFE011D-710D-4A4F-9825-141048483DC9}"/>
+                <a16:creationId xmlns="" xmlns:a16="http://schemas.microsoft.com/office/drawing/2014/main" id="{6FFE011D-710D-4A4F-9825-141048483DC9}"/>
               </a:ext>
             </a:extLst>
           </p:cNvPr>
@@ -8256,7 +8505,7 @@
           <p:cNvPr id="11" name="正方形/長方形 10">
             <a:extLst>
               <a:ext uri="{FF2B5EF4-FFF2-40B4-BE49-F238E27FC236}">
-                <a16:creationId xmlns:a16="http://schemas.microsoft.com/office/drawing/2014/main" xmlns="" id="{E20945F6-E8A3-4843-8AA8-C3CA375AAF01}"/>
+                <a16:creationId xmlns="" xmlns:a16="http://schemas.microsoft.com/office/drawing/2014/main" id="{E20945F6-E8A3-4843-8AA8-C3CA375AAF01}"/>
               </a:ext>
             </a:extLst>
           </p:cNvPr>
@@ -8308,7 +8557,7 @@
           <p:cNvPr id="12" name="正方形/長方形 11">
             <a:extLst>
               <a:ext uri="{FF2B5EF4-FFF2-40B4-BE49-F238E27FC236}">
-                <a16:creationId xmlns:a16="http://schemas.microsoft.com/office/drawing/2014/main" xmlns="" id="{7A027602-FE49-443B-B979-695A16DF3603}"/>
+                <a16:creationId xmlns="" xmlns:a16="http://schemas.microsoft.com/office/drawing/2014/main" id="{7A027602-FE49-443B-B979-695A16DF3603}"/>
               </a:ext>
             </a:extLst>
           </p:cNvPr>
@@ -8360,7 +8609,7 @@
           <p:cNvPr id="13" name="正方形/長方形 12">
             <a:extLst>
               <a:ext uri="{FF2B5EF4-FFF2-40B4-BE49-F238E27FC236}">
-                <a16:creationId xmlns:a16="http://schemas.microsoft.com/office/drawing/2014/main" xmlns="" id="{6D5653B2-A431-4E41-A84C-D2D0A59D8FFF}"/>
+                <a16:creationId xmlns="" xmlns:a16="http://schemas.microsoft.com/office/drawing/2014/main" id="{6D5653B2-A431-4E41-A84C-D2D0A59D8FFF}"/>
               </a:ext>
             </a:extLst>
           </p:cNvPr>
@@ -8412,7 +8661,7 @@
           <p:cNvPr id="15" name="正方形/長方形 14">
             <a:extLst>
               <a:ext uri="{FF2B5EF4-FFF2-40B4-BE49-F238E27FC236}">
-                <a16:creationId xmlns:a16="http://schemas.microsoft.com/office/drawing/2014/main" xmlns="" id="{E0E6CB0D-AD4F-4358-8DF1-ECAD7B65F9F5}"/>
+                <a16:creationId xmlns="" xmlns:a16="http://schemas.microsoft.com/office/drawing/2014/main" id="{E0E6CB0D-AD4F-4358-8DF1-ECAD7B65F9F5}"/>
               </a:ext>
             </a:extLst>
           </p:cNvPr>
@@ -8464,7 +8713,7 @@
           <p:cNvPr id="16" name="四角形吹き出し 4">
             <a:extLst>
               <a:ext uri="{FF2B5EF4-FFF2-40B4-BE49-F238E27FC236}">
-                <a16:creationId xmlns:a16="http://schemas.microsoft.com/office/drawing/2014/main" xmlns="" id="{63DDAF72-AE4E-4AAC-AC6F-2CCD1ADC7265}"/>
+                <a16:creationId xmlns="" xmlns:a16="http://schemas.microsoft.com/office/drawing/2014/main" id="{63DDAF72-AE4E-4AAC-AC6F-2CCD1ADC7265}"/>
               </a:ext>
             </a:extLst>
           </p:cNvPr>
@@ -8567,7 +8816,7 @@
           <p:cNvPr id="3" name="図 2" descr="テキスト, 標識, 通り, 屋外 が含まれている画像&#10;&#10;自動的に生成された説明">
             <a:extLst>
               <a:ext uri="{FF2B5EF4-FFF2-40B4-BE49-F238E27FC236}">
-                <a16:creationId xmlns:a16="http://schemas.microsoft.com/office/drawing/2014/main" xmlns="" id="{EB877469-AC96-48FE-9472-8035C84EFB97}"/>
+                <a16:creationId xmlns="" xmlns:a16="http://schemas.microsoft.com/office/drawing/2014/main" id="{EB877469-AC96-48FE-9472-8035C84EFB97}"/>
               </a:ext>
             </a:extLst>
           </p:cNvPr>
@@ -8605,13 +8854,13 @@
         </p:nvSpPr>
         <p:spPr>
           <a:xfrm>
-            <a:off x="8383979" y="1749383"/>
+            <a:off x="8383978" y="473944"/>
             <a:ext cx="3808022" cy="2997035"/>
           </a:xfrm>
           <a:prstGeom prst="wedgeRectCallout">
             <a:avLst>
-              <a:gd name="adj1" fmla="val -52964"/>
-              <a:gd name="adj2" fmla="val 15298"/>
+              <a:gd name="adj1" fmla="val -52340"/>
+              <a:gd name="adj2" fmla="val 66809"/>
             </a:avLst>
           </a:prstGeom>
           <a:solidFill>
@@ -8797,12 +9046,22 @@
             <a:r>
               <a:rPr lang="ja-JP" altLang="en-US" sz="2000" dirty="0">
                 <a:solidFill>
+                  <a:srgbClr val="FF0000"/>
+                </a:solidFill>
+                <a:latin typeface="チェックポイント．（ピリオド）" panose="02000600000000000000" pitchFamily="50" charset="-128"/>
+                <a:ea typeface="チェックポイント．（ピリオド）" panose="02000600000000000000" pitchFamily="50" charset="-128"/>
+              </a:rPr>
+              <a:t>住人の数が減ってる</a:t>
+            </a:r>
+            <a:r>
+              <a:rPr lang="ja-JP" altLang="en-US" sz="2000" dirty="0">
+                <a:solidFill>
                   <a:schemeClr val="tx1"/>
                 </a:solidFill>
                 <a:latin typeface="チェックポイント．（ピリオド）" panose="02000600000000000000" pitchFamily="50" charset="-128"/>
                 <a:ea typeface="チェックポイント．（ピリオド）" panose="02000600000000000000" pitchFamily="50" charset="-128"/>
               </a:rPr>
-              <a:t>住人の数が減ってるので注意</a:t>
+              <a:t>ので注意</a:t>
             </a:r>
             <a:endParaRPr kumimoji="1" lang="ja-JP" altLang="en-US" sz="2000" dirty="0">
               <a:solidFill>
@@ -8889,7 +9148,37 @@
                 <a:latin typeface="チェックポイント．（ピリオド）" panose="02000600000000000000" pitchFamily="50" charset="-128"/>
                 <a:ea typeface="チェックポイント．（ピリオド）" panose="02000600000000000000" pitchFamily="50" charset="-128"/>
               </a:rPr>
-              <a:t>兵舎をレベルアップすることによりポッドの攻撃力がアップする</a:t>
+              <a:t>兵舎をレベルアップすることによりポッドの</a:t>
+            </a:r>
+            <a:r>
+              <a:rPr lang="ja-JP" altLang="en-US" dirty="0">
+                <a:solidFill>
+                  <a:srgbClr val="FF0000"/>
+                </a:solidFill>
+                <a:latin typeface="チェックポイント．（ピリオド）" panose="02000600000000000000" pitchFamily="50" charset="-128"/>
+                <a:ea typeface="チェックポイント．（ピリオド）" panose="02000600000000000000" pitchFamily="50" charset="-128"/>
+              </a:rPr>
+              <a:t>攻撃力が</a:t>
+            </a:r>
+            <a:r>
+              <a:rPr lang="ja-JP" altLang="en-US" dirty="0" smtClean="0">
+                <a:solidFill>
+                  <a:srgbClr val="FF0000"/>
+                </a:solidFill>
+                <a:latin typeface="チェックポイント．（ピリオド）" panose="02000600000000000000" pitchFamily="50" charset="-128"/>
+                <a:ea typeface="チェックポイント．（ピリオド）" panose="02000600000000000000" pitchFamily="50" charset="-128"/>
+              </a:rPr>
+              <a:t>アップ</a:t>
+            </a:r>
+            <a:r>
+              <a:rPr lang="ja-JP" altLang="en-US" dirty="0" smtClean="0">
+                <a:solidFill>
+                  <a:schemeClr val="tx1"/>
+                </a:solidFill>
+                <a:latin typeface="チェックポイント．（ピリオド）" panose="02000600000000000000" pitchFamily="50" charset="-128"/>
+                <a:ea typeface="チェックポイント．（ピリオド）" panose="02000600000000000000" pitchFamily="50" charset="-128"/>
+              </a:rPr>
+              <a:t>します。</a:t>
             </a:r>
             <a:endParaRPr kumimoji="1" lang="ja-JP" altLang="en-US" dirty="0">
               <a:solidFill>
@@ -8945,7 +9234,7 @@
           <p:cNvPr id="8" name="正方形/長方形 7">
             <a:extLst>
               <a:ext uri="{FF2B5EF4-FFF2-40B4-BE49-F238E27FC236}">
-                <a16:creationId xmlns:a16="http://schemas.microsoft.com/office/drawing/2014/main" xmlns="" id="{F7BE2C32-C21E-4467-87D2-8052D2B5FDA7}"/>
+                <a16:creationId xmlns="" xmlns:a16="http://schemas.microsoft.com/office/drawing/2014/main" id="{F7BE2C32-C21E-4467-87D2-8052D2B5FDA7}"/>
               </a:ext>
             </a:extLst>
           </p:cNvPr>
@@ -8997,7 +9286,7 @@
           <p:cNvPr id="12" name="正方形/長方形 11">
             <a:extLst>
               <a:ext uri="{FF2B5EF4-FFF2-40B4-BE49-F238E27FC236}">
-                <a16:creationId xmlns:a16="http://schemas.microsoft.com/office/drawing/2014/main" xmlns="" id="{40ABF9C2-DF54-4877-A01A-A46FE482F6B4}"/>
+                <a16:creationId xmlns="" xmlns:a16="http://schemas.microsoft.com/office/drawing/2014/main" id="{40ABF9C2-DF54-4877-A01A-A46FE482F6B4}"/>
               </a:ext>
             </a:extLst>
           </p:cNvPr>
@@ -9049,7 +9338,7 @@
           <p:cNvPr id="14" name="正方形/長方形 13">
             <a:extLst>
               <a:ext uri="{FF2B5EF4-FFF2-40B4-BE49-F238E27FC236}">
-                <a16:creationId xmlns:a16="http://schemas.microsoft.com/office/drawing/2014/main" xmlns="" id="{04C836FE-EE43-45CD-B4BE-F7E0ABEE0088}"/>
+                <a16:creationId xmlns="" xmlns:a16="http://schemas.microsoft.com/office/drawing/2014/main" id="{04C836FE-EE43-45CD-B4BE-F7E0ABEE0088}"/>
               </a:ext>
             </a:extLst>
           </p:cNvPr>
@@ -9101,7 +9390,7 @@
           <p:cNvPr id="16" name="吹き出し: 四角形 15">
             <a:extLst>
               <a:ext uri="{FF2B5EF4-FFF2-40B4-BE49-F238E27FC236}">
-                <a16:creationId xmlns:a16="http://schemas.microsoft.com/office/drawing/2014/main" xmlns="" id="{3ECE61CD-6BC4-463C-897C-903CC3F098F0}"/>
+                <a16:creationId xmlns="" xmlns:a16="http://schemas.microsoft.com/office/drawing/2014/main" id="{3ECE61CD-6BC4-463C-897C-903CC3F098F0}"/>
               </a:ext>
             </a:extLst>
           </p:cNvPr>
@@ -9202,7 +9491,7 @@
           <p:cNvPr id="5" name="図 4">
             <a:extLst>
               <a:ext uri="{FF2B5EF4-FFF2-40B4-BE49-F238E27FC236}">
-                <a16:creationId xmlns:a16="http://schemas.microsoft.com/office/drawing/2014/main" xmlns="" id="{165CE0B9-374D-46A3-97C1-E7AFAFB5DEDF}"/>
+                <a16:creationId xmlns="" xmlns:a16="http://schemas.microsoft.com/office/drawing/2014/main" id="{165CE0B9-374D-46A3-97C1-E7AFAFB5DEDF}"/>
               </a:ext>
             </a:extLst>
           </p:cNvPr>
@@ -9237,7 +9526,7 @@
           <p:cNvPr id="6" name="テキスト ボックス 5">
             <a:extLst>
               <a:ext uri="{FF2B5EF4-FFF2-40B4-BE49-F238E27FC236}">
-                <a16:creationId xmlns:a16="http://schemas.microsoft.com/office/drawing/2014/main" xmlns="" id="{EEBBDC81-60E0-49FD-9EFB-874F038CCD29}"/>
+                <a16:creationId xmlns="" xmlns:a16="http://schemas.microsoft.com/office/drawing/2014/main" id="{EEBBDC81-60E0-49FD-9EFB-874F038CCD29}"/>
               </a:ext>
             </a:extLst>
           </p:cNvPr>
@@ -9289,7 +9578,7 @@
           <p:cNvPr id="12" name="グループ化 11">
             <a:extLst>
               <a:ext uri="{FF2B5EF4-FFF2-40B4-BE49-F238E27FC236}">
-                <a16:creationId xmlns:a16="http://schemas.microsoft.com/office/drawing/2014/main" xmlns="" id="{797C4648-EAB3-4303-9BBE-4050E32CDCAC}"/>
+                <a16:creationId xmlns="" xmlns:a16="http://schemas.microsoft.com/office/drawing/2014/main" id="{797C4648-EAB3-4303-9BBE-4050E32CDCAC}"/>
               </a:ext>
             </a:extLst>
           </p:cNvPr>
@@ -9299,7 +9588,7 @@
         <p:grpSpPr>
           <a:xfrm>
             <a:off x="304800" y="5540342"/>
-            <a:ext cx="7277100" cy="1169551"/>
+            <a:ext cx="7746670" cy="1169551"/>
             <a:chOff x="381846" y="5121893"/>
             <a:chExt cx="7277100" cy="1169551"/>
           </a:xfrm>
@@ -9309,7 +9598,7 @@
             <p:cNvPr id="8" name="テキスト ボックス 7">
               <a:extLst>
                 <a:ext uri="{FF2B5EF4-FFF2-40B4-BE49-F238E27FC236}">
-                  <a16:creationId xmlns:a16="http://schemas.microsoft.com/office/drawing/2014/main" xmlns="" id="{732F859C-017C-4DF8-8D5C-BAFB7C322941}"/>
+                  <a16:creationId xmlns="" xmlns:a16="http://schemas.microsoft.com/office/drawing/2014/main" id="{732F859C-017C-4DF8-8D5C-BAFB7C322941}"/>
                 </a:ext>
               </a:extLst>
             </p:cNvPr>
@@ -9350,7 +9639,7 @@
             <p:cNvPr id="9" name="テキスト ボックス 8">
               <a:extLst>
                 <a:ext uri="{FF2B5EF4-FFF2-40B4-BE49-F238E27FC236}">
-                  <a16:creationId xmlns:a16="http://schemas.microsoft.com/office/drawing/2014/main" xmlns="" id="{8712CBD0-DD3F-4A86-9652-7FFA75AD120B}"/>
+                  <a16:creationId xmlns="" xmlns:a16="http://schemas.microsoft.com/office/drawing/2014/main" id="{8712CBD0-DD3F-4A86-9652-7FFA75AD120B}"/>
                 </a:ext>
               </a:extLst>
             </p:cNvPr>
@@ -9385,7 +9674,14 @@
                   <a:latin typeface="チェックポイント．（ピリオド）" panose="02000600000000000000" pitchFamily="50" charset="-128"/>
                   <a:ea typeface="チェックポイント．（ピリオド）" panose="02000600000000000000" pitchFamily="50" charset="-128"/>
                 </a:rPr>
-                <a:t>攻撃力を上げることが出来ます</a:t>
+                <a:t>攻撃力を上げることが</a:t>
+              </a:r>
+              <a:r>
+                <a:rPr lang="ja-JP" altLang="en-US" dirty="0" smtClean="0">
+                  <a:latin typeface="チェックポイント．（ピリオド）" panose="02000600000000000000" pitchFamily="50" charset="-128"/>
+                  <a:ea typeface="チェックポイント．（ピリオド）" panose="02000600000000000000" pitchFamily="50" charset="-128"/>
+                </a:rPr>
+                <a:t>出来ます。</a:t>
               </a:r>
               <a:endParaRPr kumimoji="1" lang="en-US" altLang="ja-JP" dirty="0">
                 <a:latin typeface="チェックポイント．（ピリオド）" panose="02000600000000000000" pitchFamily="50" charset="-128"/>
@@ -9398,7 +9694,14 @@
                   <a:latin typeface="チェックポイント．（ピリオド）" panose="02000600000000000000" pitchFamily="50" charset="-128"/>
                   <a:ea typeface="チェックポイント．（ピリオド）" panose="02000600000000000000" pitchFamily="50" charset="-128"/>
                 </a:rPr>
-                <a:t>コアは四種類あり各属性のレベルを上げて戦闘を有利に進めよう</a:t>
+                <a:t>コアは四種類あり各属性のレベルを上げて戦闘を有利に</a:t>
+              </a:r>
+              <a:r>
+                <a:rPr lang="ja-JP" altLang="en-US" dirty="0" smtClean="0">
+                  <a:latin typeface="チェックポイント．（ピリオド）" panose="02000600000000000000" pitchFamily="50" charset="-128"/>
+                  <a:ea typeface="チェックポイント．（ピリオド）" panose="02000600000000000000" pitchFamily="50" charset="-128"/>
+                </a:rPr>
+                <a:t>進めてください。</a:t>
               </a:r>
               <a:endParaRPr kumimoji="1" lang="ja-JP" altLang="en-US" dirty="0">
                 <a:latin typeface="チェックポイント．（ピリオド）" panose="02000600000000000000" pitchFamily="50" charset="-128"/>
@@ -9413,7 +9716,7 @@
           <p:cNvPr id="13" name="グループ化 12">
             <a:extLst>
               <a:ext uri="{FF2B5EF4-FFF2-40B4-BE49-F238E27FC236}">
-                <a16:creationId xmlns:a16="http://schemas.microsoft.com/office/drawing/2014/main" xmlns="" id="{DED0F105-29CA-4D82-BF68-6B4A196F19AA}"/>
+                <a16:creationId xmlns="" xmlns:a16="http://schemas.microsoft.com/office/drawing/2014/main" id="{DED0F105-29CA-4D82-BF68-6B4A196F19AA}"/>
               </a:ext>
             </a:extLst>
           </p:cNvPr>
@@ -9433,7 +9736,7 @@
             <p:cNvPr id="7" name="テキスト ボックス 6">
               <a:extLst>
                 <a:ext uri="{FF2B5EF4-FFF2-40B4-BE49-F238E27FC236}">
-                  <a16:creationId xmlns:a16="http://schemas.microsoft.com/office/drawing/2014/main" xmlns="" id="{54618E3D-3C8D-4D29-8362-5B6918855191}"/>
+                  <a16:creationId xmlns="" xmlns:a16="http://schemas.microsoft.com/office/drawing/2014/main" id="{54618E3D-3C8D-4D29-8362-5B6918855191}"/>
                 </a:ext>
               </a:extLst>
             </p:cNvPr>
@@ -9474,7 +9777,7 @@
             <p:cNvPr id="11" name="テキスト ボックス 10">
               <a:extLst>
                 <a:ext uri="{FF2B5EF4-FFF2-40B4-BE49-F238E27FC236}">
-                  <a16:creationId xmlns:a16="http://schemas.microsoft.com/office/drawing/2014/main" xmlns="" id="{6825228E-EBCE-401A-B0BC-7661792A6F00}"/>
+                  <a16:creationId xmlns="" xmlns:a16="http://schemas.microsoft.com/office/drawing/2014/main" id="{6825228E-EBCE-401A-B0BC-7661792A6F00}"/>
                 </a:ext>
               </a:extLst>
             </p:cNvPr>
@@ -9502,7 +9805,24 @@
                   <a:latin typeface="チェックポイント．（ピリオド）" panose="02000600000000000000" pitchFamily="50" charset="-128"/>
                   <a:ea typeface="チェックポイント．（ピリオド）" panose="02000600000000000000" pitchFamily="50" charset="-128"/>
                 </a:rPr>
-                <a:t>コアにはコスモパワーと、呼ばれているエネルギーが蓄積されています。</a:t>
+                <a:t>コアには</a:t>
+              </a:r>
+              <a:r>
+                <a:rPr lang="ja-JP" altLang="en-US" dirty="0">
+                  <a:solidFill>
+                    <a:srgbClr val="FF0000"/>
+                  </a:solidFill>
+                  <a:latin typeface="チェックポイント．（ピリオド）" panose="02000600000000000000" pitchFamily="50" charset="-128"/>
+                  <a:ea typeface="チェックポイント．（ピリオド）" panose="02000600000000000000" pitchFamily="50" charset="-128"/>
+                </a:rPr>
+                <a:t>コスモパワー</a:t>
+              </a:r>
+              <a:r>
+                <a:rPr lang="ja-JP" altLang="en-US" dirty="0">
+                  <a:latin typeface="チェックポイント．（ピリオド）" panose="02000600000000000000" pitchFamily="50" charset="-128"/>
+                  <a:ea typeface="チェックポイント．（ピリオド）" panose="02000600000000000000" pitchFamily="50" charset="-128"/>
+                </a:rPr>
+                <a:t>と、呼ばれているエネルギーが蓄積されています。</a:t>
               </a:r>
               <a:endParaRPr lang="en-US" altLang="ja-JP" dirty="0">
                 <a:latin typeface="チェックポイント．（ピリオド）" panose="02000600000000000000" pitchFamily="50" charset="-128"/>
@@ -9606,7 +9926,7 @@
           <p:cNvPr id="4" name="図 3">
             <a:extLst>
               <a:ext uri="{FF2B5EF4-FFF2-40B4-BE49-F238E27FC236}">
-                <a16:creationId xmlns:a16="http://schemas.microsoft.com/office/drawing/2014/main" xmlns="" id="{84E4BD2B-BD98-4D0D-BD92-46FAC62B133A}"/>
+                <a16:creationId xmlns="" xmlns:a16="http://schemas.microsoft.com/office/drawing/2014/main" id="{84E4BD2B-BD98-4D0D-BD92-46FAC62B133A}"/>
               </a:ext>
             </a:extLst>
           </p:cNvPr>
@@ -9641,7 +9961,7 @@
           <p:cNvPr id="5" name="テキスト ボックス 4">
             <a:extLst>
               <a:ext uri="{FF2B5EF4-FFF2-40B4-BE49-F238E27FC236}">
-                <a16:creationId xmlns:a16="http://schemas.microsoft.com/office/drawing/2014/main" xmlns="" id="{3EEDA683-E7C7-4A3A-9045-88BF1220584E}"/>
+                <a16:creationId xmlns="" xmlns:a16="http://schemas.microsoft.com/office/drawing/2014/main" id="{3EEDA683-E7C7-4A3A-9045-88BF1220584E}"/>
               </a:ext>
             </a:extLst>
           </p:cNvPr>
@@ -9693,7 +10013,7 @@
           <p:cNvPr id="6" name="テキスト ボックス 5">
             <a:extLst>
               <a:ext uri="{FF2B5EF4-FFF2-40B4-BE49-F238E27FC236}">
-                <a16:creationId xmlns:a16="http://schemas.microsoft.com/office/drawing/2014/main" xmlns="" id="{C9FCE914-94E5-4B3F-B2D2-96FDE0E6E9D8}"/>
+                <a16:creationId xmlns="" xmlns:a16="http://schemas.microsoft.com/office/drawing/2014/main" id="{C9FCE914-94E5-4B3F-B2D2-96FDE0E6E9D8}"/>
               </a:ext>
             </a:extLst>
           </p:cNvPr>
@@ -9734,7 +10054,7 @@
           <p:cNvPr id="7" name="テキスト ボックス 6">
             <a:extLst>
               <a:ext uri="{FF2B5EF4-FFF2-40B4-BE49-F238E27FC236}">
-                <a16:creationId xmlns:a16="http://schemas.microsoft.com/office/drawing/2014/main" xmlns="" id="{1A509F0D-124D-47C4-B5CD-4B9B8064082C}"/>
+                <a16:creationId xmlns="" xmlns:a16="http://schemas.microsoft.com/office/drawing/2014/main" id="{1A509F0D-124D-47C4-B5CD-4B9B8064082C}"/>
               </a:ext>
             </a:extLst>
           </p:cNvPr>
@@ -9785,7 +10105,7 @@
           <p:cNvPr id="8" name="テキスト ボックス 7">
             <a:extLst>
               <a:ext uri="{FF2B5EF4-FFF2-40B4-BE49-F238E27FC236}">
-                <a16:creationId xmlns:a16="http://schemas.microsoft.com/office/drawing/2014/main" xmlns="" id="{5F463387-8D23-460A-80ED-50E81FAAF3D9}"/>
+                <a16:creationId xmlns="" xmlns:a16="http://schemas.microsoft.com/office/drawing/2014/main" id="{5F463387-8D23-460A-80ED-50E81FAAF3D9}"/>
               </a:ext>
             </a:extLst>
           </p:cNvPr>
@@ -9846,7 +10166,7 @@
           <p:cNvPr id="9" name="テキスト ボックス 8">
             <a:extLst>
               <a:ext uri="{FF2B5EF4-FFF2-40B4-BE49-F238E27FC236}">
-                <a16:creationId xmlns:a16="http://schemas.microsoft.com/office/drawing/2014/main" xmlns="" id="{3E1D3977-A1EE-4011-94E0-9B60C81CA553}"/>
+                <a16:creationId xmlns="" xmlns:a16="http://schemas.microsoft.com/office/drawing/2014/main" id="{3E1D3977-A1EE-4011-94E0-9B60C81CA553}"/>
               </a:ext>
             </a:extLst>
           </p:cNvPr>
@@ -9878,6 +10198,9 @@
             </a:r>
             <a:r>
               <a:rPr lang="en-US" altLang="ja-JP" dirty="0">
+                <a:solidFill>
+                  <a:srgbClr val="FF0000"/>
+                </a:solidFill>
                 <a:latin typeface="チェックポイント．（ピリオド）" panose="02000600000000000000" pitchFamily="50" charset="-128"/>
                 <a:ea typeface="チェックポイント．（ピリオド）" panose="02000600000000000000" pitchFamily="50" charset="-128"/>
               </a:rPr>
@@ -9885,10 +10208,20 @@
             </a:r>
             <a:r>
               <a:rPr lang="ja-JP" altLang="en-US" dirty="0">
-                <a:latin typeface="チェックポイント．（ピリオド）" panose="02000600000000000000" pitchFamily="50" charset="-128"/>
-                <a:ea typeface="チェックポイント．（ピリオド）" panose="02000600000000000000" pitchFamily="50" charset="-128"/>
-              </a:rPr>
-              <a:t>人単位で乗せ発射されます。</a:t>
+                <a:solidFill>
+                  <a:srgbClr val="FF0000"/>
+                </a:solidFill>
+                <a:latin typeface="チェックポイント．（ピリオド）" panose="02000600000000000000" pitchFamily="50" charset="-128"/>
+                <a:ea typeface="チェックポイント．（ピリオド）" panose="02000600000000000000" pitchFamily="50" charset="-128"/>
+              </a:rPr>
+              <a:t>人単位</a:t>
+            </a:r>
+            <a:r>
+              <a:rPr lang="ja-JP" altLang="en-US" dirty="0">
+                <a:latin typeface="チェックポイント．（ピリオド）" panose="02000600000000000000" pitchFamily="50" charset="-128"/>
+                <a:ea typeface="チェックポイント．（ピリオド）" panose="02000600000000000000" pitchFamily="50" charset="-128"/>
+              </a:rPr>
+              <a:t>で乗せ発射されます。</a:t>
             </a:r>
             <a:endParaRPr lang="en-US" altLang="ja-JP" dirty="0">
               <a:latin typeface="チェックポイント．（ピリオド）" panose="02000600000000000000" pitchFamily="50" charset="-128"/>
@@ -9922,7 +10255,7 @@
           <p:cNvPr id="41" name="グループ化 40">
             <a:extLst>
               <a:ext uri="{FF2B5EF4-FFF2-40B4-BE49-F238E27FC236}">
-                <a16:creationId xmlns:a16="http://schemas.microsoft.com/office/drawing/2014/main" xmlns="" id="{C42471E9-CEF7-4DD0-B2B9-A37027252951}"/>
+                <a16:creationId xmlns="" xmlns:a16="http://schemas.microsoft.com/office/drawing/2014/main" id="{C42471E9-CEF7-4DD0-B2B9-A37027252951}"/>
               </a:ext>
             </a:extLst>
           </p:cNvPr>
@@ -9942,7 +10275,7 @@
             <p:cNvPr id="22" name="グループ化 21">
               <a:extLst>
                 <a:ext uri="{FF2B5EF4-FFF2-40B4-BE49-F238E27FC236}">
-                  <a16:creationId xmlns:a16="http://schemas.microsoft.com/office/drawing/2014/main" xmlns="" id="{7D6E456E-2E26-4492-9279-169842641548}"/>
+                  <a16:creationId xmlns="" xmlns:a16="http://schemas.microsoft.com/office/drawing/2014/main" id="{7D6E456E-2E26-4492-9279-169842641548}"/>
                 </a:ext>
               </a:extLst>
             </p:cNvPr>
@@ -9962,7 +10295,7 @@
               <p:cNvPr id="11" name="図 10" descr="物体 が含まれている画像&#10;&#10;自動的に生成された説明">
                 <a:extLst>
                   <a:ext uri="{FF2B5EF4-FFF2-40B4-BE49-F238E27FC236}">
-                    <a16:creationId xmlns:a16="http://schemas.microsoft.com/office/drawing/2014/main" xmlns="" id="{9E2F2156-5A3C-4670-A7BB-42FF8EF7E4F0}"/>
+                    <a16:creationId xmlns="" xmlns:a16="http://schemas.microsoft.com/office/drawing/2014/main" id="{9E2F2156-5A3C-4670-A7BB-42FF8EF7E4F0}"/>
                   </a:ext>
                 </a:extLst>
               </p:cNvPr>
@@ -9998,7 +10331,7 @@
               <p:cNvPr id="18" name="テキスト ボックス 17">
                 <a:extLst>
                   <a:ext uri="{FF2B5EF4-FFF2-40B4-BE49-F238E27FC236}">
-                    <a16:creationId xmlns:a16="http://schemas.microsoft.com/office/drawing/2014/main" xmlns="" id="{85DB17C7-0CA8-4460-8B6A-1BBCF3C5CA75}"/>
+                    <a16:creationId xmlns="" xmlns:a16="http://schemas.microsoft.com/office/drawing/2014/main" id="{85DB17C7-0CA8-4460-8B6A-1BBCF3C5CA75}"/>
                   </a:ext>
                 </a:extLst>
               </p:cNvPr>
@@ -10037,7 +10370,7 @@
             <p:cNvPr id="23" name="グループ化 22">
               <a:extLst>
                 <a:ext uri="{FF2B5EF4-FFF2-40B4-BE49-F238E27FC236}">
-                  <a16:creationId xmlns:a16="http://schemas.microsoft.com/office/drawing/2014/main" xmlns="" id="{8FA97864-B0AC-4C37-AB57-3F511EE9B20A}"/>
+                  <a16:creationId xmlns="" xmlns:a16="http://schemas.microsoft.com/office/drawing/2014/main" id="{8FA97864-B0AC-4C37-AB57-3F511EE9B20A}"/>
                 </a:ext>
               </a:extLst>
             </p:cNvPr>
@@ -10057,7 +10390,7 @@
               <p:cNvPr id="13" name="図 12" descr="物体 が含まれている画像&#10;&#10;自動的に生成された説明">
                 <a:extLst>
                   <a:ext uri="{FF2B5EF4-FFF2-40B4-BE49-F238E27FC236}">
-                    <a16:creationId xmlns:a16="http://schemas.microsoft.com/office/drawing/2014/main" xmlns="" id="{539F0BC8-41E3-4ADD-9459-BE0E2D7ABA27}"/>
+                    <a16:creationId xmlns="" xmlns:a16="http://schemas.microsoft.com/office/drawing/2014/main" id="{539F0BC8-41E3-4ADD-9459-BE0E2D7ABA27}"/>
                   </a:ext>
                 </a:extLst>
               </p:cNvPr>
@@ -10093,7 +10426,7 @@
               <p:cNvPr id="19" name="テキスト ボックス 18">
                 <a:extLst>
                   <a:ext uri="{FF2B5EF4-FFF2-40B4-BE49-F238E27FC236}">
-                    <a16:creationId xmlns:a16="http://schemas.microsoft.com/office/drawing/2014/main" xmlns="" id="{9D08D78F-597A-41C6-9E61-E721135C20D1}"/>
+                    <a16:creationId xmlns="" xmlns:a16="http://schemas.microsoft.com/office/drawing/2014/main" id="{9D08D78F-597A-41C6-9E61-E721135C20D1}"/>
                   </a:ext>
                 </a:extLst>
               </p:cNvPr>
@@ -10132,7 +10465,7 @@
             <p:cNvPr id="25" name="グループ化 24">
               <a:extLst>
                 <a:ext uri="{FF2B5EF4-FFF2-40B4-BE49-F238E27FC236}">
-                  <a16:creationId xmlns:a16="http://schemas.microsoft.com/office/drawing/2014/main" xmlns="" id="{8F6624A7-F895-493A-8055-873B48C8C19C}"/>
+                  <a16:creationId xmlns="" xmlns:a16="http://schemas.microsoft.com/office/drawing/2014/main" id="{8F6624A7-F895-493A-8055-873B48C8C19C}"/>
                 </a:ext>
               </a:extLst>
             </p:cNvPr>
@@ -10152,7 +10485,7 @@
               <p:cNvPr id="15" name="図 14" descr="物体, 腕時計 が含まれている画像&#10;&#10;自動的に生成された説明">
                 <a:extLst>
                   <a:ext uri="{FF2B5EF4-FFF2-40B4-BE49-F238E27FC236}">
-                    <a16:creationId xmlns:a16="http://schemas.microsoft.com/office/drawing/2014/main" xmlns="" id="{53299244-26D0-4173-ACC6-BD241C768849}"/>
+                    <a16:creationId xmlns="" xmlns:a16="http://schemas.microsoft.com/office/drawing/2014/main" id="{53299244-26D0-4173-ACC6-BD241C768849}"/>
                   </a:ext>
                 </a:extLst>
               </p:cNvPr>
@@ -10188,7 +10521,7 @@
               <p:cNvPr id="20" name="テキスト ボックス 19">
                 <a:extLst>
                   <a:ext uri="{FF2B5EF4-FFF2-40B4-BE49-F238E27FC236}">
-                    <a16:creationId xmlns:a16="http://schemas.microsoft.com/office/drawing/2014/main" xmlns="" id="{BF9D5B9B-9876-443A-BE29-B4828D0A5D74}"/>
+                    <a16:creationId xmlns="" xmlns:a16="http://schemas.microsoft.com/office/drawing/2014/main" id="{BF9D5B9B-9876-443A-BE29-B4828D0A5D74}"/>
                   </a:ext>
                 </a:extLst>
               </p:cNvPr>
@@ -10227,7 +10560,7 @@
             <p:cNvPr id="26" name="グループ化 25">
               <a:extLst>
                 <a:ext uri="{FF2B5EF4-FFF2-40B4-BE49-F238E27FC236}">
-                  <a16:creationId xmlns:a16="http://schemas.microsoft.com/office/drawing/2014/main" xmlns="" id="{D317981A-38A9-4594-9159-8C77F7F6D8B4}"/>
+                  <a16:creationId xmlns="" xmlns:a16="http://schemas.microsoft.com/office/drawing/2014/main" id="{D317981A-38A9-4594-9159-8C77F7F6D8B4}"/>
                 </a:ext>
               </a:extLst>
             </p:cNvPr>
@@ -10247,7 +10580,7 @@
               <p:cNvPr id="17" name="図 16" descr="物体 が含まれている画像&#10;&#10;自動的に生成された説明">
                 <a:extLst>
                   <a:ext uri="{FF2B5EF4-FFF2-40B4-BE49-F238E27FC236}">
-                    <a16:creationId xmlns:a16="http://schemas.microsoft.com/office/drawing/2014/main" xmlns="" id="{93CD3867-4A7C-4138-9F28-8B9071FCE1AF}"/>
+                    <a16:creationId xmlns="" xmlns:a16="http://schemas.microsoft.com/office/drawing/2014/main" id="{93CD3867-4A7C-4138-9F28-8B9071FCE1AF}"/>
                   </a:ext>
                 </a:extLst>
               </p:cNvPr>
@@ -10283,7 +10616,7 @@
               <p:cNvPr id="21" name="テキスト ボックス 20">
                 <a:extLst>
                   <a:ext uri="{FF2B5EF4-FFF2-40B4-BE49-F238E27FC236}">
-                    <a16:creationId xmlns:a16="http://schemas.microsoft.com/office/drawing/2014/main" xmlns="" id="{C3C71671-55D6-4E40-BC27-288FCF91D2BB}"/>
+                    <a16:creationId xmlns="" xmlns:a16="http://schemas.microsoft.com/office/drawing/2014/main" id="{C3C71671-55D6-4E40-BC27-288FCF91D2BB}"/>
                   </a:ext>
                 </a:extLst>
               </p:cNvPr>
@@ -10326,7 +10659,7 @@
             <p:cNvPr id="28" name="直線矢印コネクタ 27">
               <a:extLst>
                 <a:ext uri="{FF2B5EF4-FFF2-40B4-BE49-F238E27FC236}">
-                  <a16:creationId xmlns:a16="http://schemas.microsoft.com/office/drawing/2014/main" xmlns="" id="{A84A16DD-57C4-4761-A446-249187106E51}"/>
+                  <a16:creationId xmlns="" xmlns:a16="http://schemas.microsoft.com/office/drawing/2014/main" id="{A84A16DD-57C4-4761-A446-249187106E51}"/>
                 </a:ext>
               </a:extLst>
             </p:cNvPr>
@@ -10370,7 +10703,7 @@
             <p:cNvPr id="29" name="直線矢印コネクタ 28">
               <a:extLst>
                 <a:ext uri="{FF2B5EF4-FFF2-40B4-BE49-F238E27FC236}">
-                  <a16:creationId xmlns:a16="http://schemas.microsoft.com/office/drawing/2014/main" xmlns="" id="{CE867472-33BD-4771-A53A-412FDCEAB859}"/>
+                  <a16:creationId xmlns="" xmlns:a16="http://schemas.microsoft.com/office/drawing/2014/main" id="{CE867472-33BD-4771-A53A-412FDCEAB859}"/>
                 </a:ext>
               </a:extLst>
             </p:cNvPr>
@@ -10414,7 +10747,7 @@
             <p:cNvPr id="32" name="直線矢印コネクタ 31">
               <a:extLst>
                 <a:ext uri="{FF2B5EF4-FFF2-40B4-BE49-F238E27FC236}">
-                  <a16:creationId xmlns:a16="http://schemas.microsoft.com/office/drawing/2014/main" xmlns="" id="{2F760955-CE29-4903-BDF0-C0EF1A34CD6F}"/>
+                  <a16:creationId xmlns="" xmlns:a16="http://schemas.microsoft.com/office/drawing/2014/main" id="{2F760955-CE29-4903-BDF0-C0EF1A34CD6F}"/>
                 </a:ext>
               </a:extLst>
             </p:cNvPr>
@@ -10458,7 +10791,7 @@
             <p:cNvPr id="33" name="直線矢印コネクタ 32">
               <a:extLst>
                 <a:ext uri="{FF2B5EF4-FFF2-40B4-BE49-F238E27FC236}">
-                  <a16:creationId xmlns:a16="http://schemas.microsoft.com/office/drawing/2014/main" xmlns="" id="{96E14F16-9B67-48C7-9985-746717E7D2CE}"/>
+                  <a16:creationId xmlns="" xmlns:a16="http://schemas.microsoft.com/office/drawing/2014/main" id="{96E14F16-9B67-48C7-9985-746717E7D2CE}"/>
                 </a:ext>
               </a:extLst>
             </p:cNvPr>
@@ -10502,7 +10835,7 @@
             <p:cNvPr id="34" name="正方形/長方形 33">
               <a:extLst>
                 <a:ext uri="{FF2B5EF4-FFF2-40B4-BE49-F238E27FC236}">
-                  <a16:creationId xmlns:a16="http://schemas.microsoft.com/office/drawing/2014/main" xmlns="" id="{6ADAFCEE-C028-416D-B257-90B41E02042A}"/>
+                  <a16:creationId xmlns="" xmlns:a16="http://schemas.microsoft.com/office/drawing/2014/main" id="{6ADAFCEE-C028-416D-B257-90B41E02042A}"/>
                 </a:ext>
               </a:extLst>
             </p:cNvPr>
@@ -10557,7 +10890,7 @@
             <p:cNvPr id="35" name="直線矢印コネクタ 34">
               <a:extLst>
                 <a:ext uri="{FF2B5EF4-FFF2-40B4-BE49-F238E27FC236}">
-                  <a16:creationId xmlns:a16="http://schemas.microsoft.com/office/drawing/2014/main" xmlns="" id="{A2A6B62C-1E0E-432C-9BEC-393C34A1C94C}"/>
+                  <a16:creationId xmlns="" xmlns:a16="http://schemas.microsoft.com/office/drawing/2014/main" id="{A2A6B62C-1E0E-432C-9BEC-393C34A1C94C}"/>
                 </a:ext>
               </a:extLst>
             </p:cNvPr>
@@ -10602,7 +10935,7 @@
           <p:cNvPr id="44" name="グループ化 43">
             <a:extLst>
               <a:ext uri="{FF2B5EF4-FFF2-40B4-BE49-F238E27FC236}">
-                <a16:creationId xmlns:a16="http://schemas.microsoft.com/office/drawing/2014/main" xmlns="" id="{7EEE5686-B5B9-4B20-8993-381AFDACF9AB}"/>
+                <a16:creationId xmlns="" xmlns:a16="http://schemas.microsoft.com/office/drawing/2014/main" id="{7EEE5686-B5B9-4B20-8993-381AFDACF9AB}"/>
               </a:ext>
             </a:extLst>
           </p:cNvPr>
@@ -10622,7 +10955,7 @@
             <p:cNvPr id="40" name="グループ化 39">
               <a:extLst>
                 <a:ext uri="{FF2B5EF4-FFF2-40B4-BE49-F238E27FC236}">
-                  <a16:creationId xmlns:a16="http://schemas.microsoft.com/office/drawing/2014/main" xmlns="" id="{80B432E5-1E61-4A1C-BB38-CE56CD67DAEC}"/>
+                  <a16:creationId xmlns="" xmlns:a16="http://schemas.microsoft.com/office/drawing/2014/main" id="{80B432E5-1E61-4A1C-BB38-CE56CD67DAEC}"/>
                 </a:ext>
               </a:extLst>
             </p:cNvPr>
@@ -10642,7 +10975,7 @@
               <p:cNvPr id="36" name="直線矢印コネクタ 35">
                 <a:extLst>
                   <a:ext uri="{FF2B5EF4-FFF2-40B4-BE49-F238E27FC236}">
-                    <a16:creationId xmlns:a16="http://schemas.microsoft.com/office/drawing/2014/main" xmlns="" id="{555429FE-F091-46AD-84F7-1B4256D762AB}"/>
+                    <a16:creationId xmlns="" xmlns:a16="http://schemas.microsoft.com/office/drawing/2014/main" id="{555429FE-F091-46AD-84F7-1B4256D762AB}"/>
                   </a:ext>
                 </a:extLst>
               </p:cNvPr>
@@ -10686,7 +11019,7 @@
               <p:cNvPr id="37" name="直線矢印コネクタ 36">
                 <a:extLst>
                   <a:ext uri="{FF2B5EF4-FFF2-40B4-BE49-F238E27FC236}">
-                    <a16:creationId xmlns:a16="http://schemas.microsoft.com/office/drawing/2014/main" xmlns="" id="{5030B8C7-7BED-40F6-B6D5-A7CD124D67A9}"/>
+                    <a16:creationId xmlns="" xmlns:a16="http://schemas.microsoft.com/office/drawing/2014/main" id="{5030B8C7-7BED-40F6-B6D5-A7CD124D67A9}"/>
                   </a:ext>
                 </a:extLst>
               </p:cNvPr>
@@ -10730,7 +11063,7 @@
               <p:cNvPr id="38" name="テキスト ボックス 37">
                 <a:extLst>
                   <a:ext uri="{FF2B5EF4-FFF2-40B4-BE49-F238E27FC236}">
-                    <a16:creationId xmlns:a16="http://schemas.microsoft.com/office/drawing/2014/main" xmlns="" id="{1BB9FF26-C1AD-43FF-B1A3-3D220E4BC3AA}"/>
+                    <a16:creationId xmlns="" xmlns:a16="http://schemas.microsoft.com/office/drawing/2014/main" id="{1BB9FF26-C1AD-43FF-B1A3-3D220E4BC3AA}"/>
                   </a:ext>
                 </a:extLst>
               </p:cNvPr>
@@ -10768,7 +11101,7 @@
               <p:cNvPr id="39" name="テキスト ボックス 38">
                 <a:extLst>
                   <a:ext uri="{FF2B5EF4-FFF2-40B4-BE49-F238E27FC236}">
-                    <a16:creationId xmlns:a16="http://schemas.microsoft.com/office/drawing/2014/main" xmlns="" id="{127090C9-FA03-47A3-B8E5-5AC843148C0C}"/>
+                    <a16:creationId xmlns="" xmlns:a16="http://schemas.microsoft.com/office/drawing/2014/main" id="{127090C9-FA03-47A3-B8E5-5AC843148C0C}"/>
                   </a:ext>
                 </a:extLst>
               </p:cNvPr>
@@ -10811,7 +11144,7 @@
             <p:cNvPr id="42" name="正方形/長方形 41">
               <a:extLst>
                 <a:ext uri="{FF2B5EF4-FFF2-40B4-BE49-F238E27FC236}">
-                  <a16:creationId xmlns:a16="http://schemas.microsoft.com/office/drawing/2014/main" xmlns="" id="{974D7591-C374-4FE7-98C6-F63D715B2F46}"/>
+                  <a16:creationId xmlns="" xmlns:a16="http://schemas.microsoft.com/office/drawing/2014/main" id="{974D7591-C374-4FE7-98C6-F63D715B2F46}"/>
                 </a:ext>
               </a:extLst>
             </p:cNvPr>
@@ -10867,7 +11200,7 @@
           <p:cNvPr id="43" name="正方形/長方形 42">
             <a:extLst>
               <a:ext uri="{FF2B5EF4-FFF2-40B4-BE49-F238E27FC236}">
-                <a16:creationId xmlns:a16="http://schemas.microsoft.com/office/drawing/2014/main" xmlns="" id="{A98ECFFF-731C-4C54-95F1-02A8CC15EA71}"/>
+                <a16:creationId xmlns="" xmlns:a16="http://schemas.microsoft.com/office/drawing/2014/main" id="{A98ECFFF-731C-4C54-95F1-02A8CC15EA71}"/>
               </a:ext>
             </a:extLst>
           </p:cNvPr>
@@ -10979,7 +11312,7 @@
           <p:cNvPr id="10" name="テキスト ボックス 9">
             <a:extLst>
               <a:ext uri="{FF2B5EF4-FFF2-40B4-BE49-F238E27FC236}">
-                <a16:creationId xmlns:a16="http://schemas.microsoft.com/office/drawing/2014/main" xmlns="" id="{D5807289-5F94-4ABF-BB19-A244DE39AAB7}"/>
+                <a16:creationId xmlns="" xmlns:a16="http://schemas.microsoft.com/office/drawing/2014/main" id="{D5807289-5F94-4ABF-BB19-A244DE39AAB7}"/>
               </a:ext>
             </a:extLst>
           </p:cNvPr>
@@ -11024,7 +11357,7 @@
           <p:cNvPr id="11" name="テキスト ボックス 10">
             <a:extLst>
               <a:ext uri="{FF2B5EF4-FFF2-40B4-BE49-F238E27FC236}">
-                <a16:creationId xmlns:a16="http://schemas.microsoft.com/office/drawing/2014/main" xmlns="" id="{6D354EB7-7F73-4490-964D-300A57A3D0C5}"/>
+                <a16:creationId xmlns="" xmlns:a16="http://schemas.microsoft.com/office/drawing/2014/main" id="{6D354EB7-7F73-4490-964D-300A57A3D0C5}"/>
               </a:ext>
             </a:extLst>
           </p:cNvPr>
@@ -11062,7 +11395,7 @@
           <p:cNvPr id="12" name="楕円 11">
             <a:extLst>
               <a:ext uri="{FF2B5EF4-FFF2-40B4-BE49-F238E27FC236}">
-                <a16:creationId xmlns:a16="http://schemas.microsoft.com/office/drawing/2014/main" xmlns="" id="{27BE146F-8491-400F-AB07-2E26102463F2}"/>
+                <a16:creationId xmlns="" xmlns:a16="http://schemas.microsoft.com/office/drawing/2014/main" id="{27BE146F-8491-400F-AB07-2E26102463F2}"/>
               </a:ext>
             </a:extLst>
           </p:cNvPr>
@@ -11114,7 +11447,7 @@
           <p:cNvPr id="13" name="楕円 12">
             <a:extLst>
               <a:ext uri="{FF2B5EF4-FFF2-40B4-BE49-F238E27FC236}">
-                <a16:creationId xmlns:a16="http://schemas.microsoft.com/office/drawing/2014/main" xmlns="" id="{AC13EDC5-A927-451C-A8C6-2F68A75D9DB9}"/>
+                <a16:creationId xmlns="" xmlns:a16="http://schemas.microsoft.com/office/drawing/2014/main" id="{AC13EDC5-A927-451C-A8C6-2F68A75D9DB9}"/>
               </a:ext>
             </a:extLst>
           </p:cNvPr>
@@ -11166,7 +11499,7 @@
           <p:cNvPr id="14" name="楕円 13">
             <a:extLst>
               <a:ext uri="{FF2B5EF4-FFF2-40B4-BE49-F238E27FC236}">
-                <a16:creationId xmlns:a16="http://schemas.microsoft.com/office/drawing/2014/main" xmlns="" id="{A70D7407-0728-49A8-BDE2-7434759F1455}"/>
+                <a16:creationId xmlns="" xmlns:a16="http://schemas.microsoft.com/office/drawing/2014/main" id="{A70D7407-0728-49A8-BDE2-7434759F1455}"/>
               </a:ext>
             </a:extLst>
           </p:cNvPr>
@@ -11218,7 +11551,7 @@
           <p:cNvPr id="15" name="楕円 14">
             <a:extLst>
               <a:ext uri="{FF2B5EF4-FFF2-40B4-BE49-F238E27FC236}">
-                <a16:creationId xmlns:a16="http://schemas.microsoft.com/office/drawing/2014/main" xmlns="" id="{BA8A41E3-4961-4217-9C31-D8A81A9809A9}"/>
+                <a16:creationId xmlns="" xmlns:a16="http://schemas.microsoft.com/office/drawing/2014/main" id="{BA8A41E3-4961-4217-9C31-D8A81A9809A9}"/>
               </a:ext>
             </a:extLst>
           </p:cNvPr>
@@ -11270,7 +11603,7 @@
           <p:cNvPr id="16" name="テキスト ボックス 15">
             <a:extLst>
               <a:ext uri="{FF2B5EF4-FFF2-40B4-BE49-F238E27FC236}">
-                <a16:creationId xmlns:a16="http://schemas.microsoft.com/office/drawing/2014/main" xmlns="" id="{FBBAA09C-4BEB-47EA-BC7F-480BCC2226F1}"/>
+                <a16:creationId xmlns="" xmlns:a16="http://schemas.microsoft.com/office/drawing/2014/main" id="{FBBAA09C-4BEB-47EA-BC7F-480BCC2226F1}"/>
               </a:ext>
             </a:extLst>
           </p:cNvPr>
@@ -11352,10 +11685,20 @@
           <a:p>
             <a:r>
               <a:rPr kumimoji="1" lang="ja-JP" altLang="en-US" dirty="0">
-                <a:latin typeface="チェックポイント．（ピリオド）" panose="02000600000000000000" pitchFamily="50" charset="-128"/>
-                <a:ea typeface="チェックポイント．（ピリオド）" panose="02000600000000000000" pitchFamily="50" charset="-128"/>
-              </a:rPr>
-              <a:t>敵惑星の情報を</a:t>
+                <a:solidFill>
+                  <a:srgbClr val="FF0000"/>
+                </a:solidFill>
+                <a:latin typeface="チェックポイント．（ピリオド）" panose="02000600000000000000" pitchFamily="50" charset="-128"/>
+                <a:ea typeface="チェックポイント．（ピリオド）" panose="02000600000000000000" pitchFamily="50" charset="-128"/>
+              </a:rPr>
+              <a:t>敵惑星の情報</a:t>
+            </a:r>
+            <a:r>
+              <a:rPr kumimoji="1" lang="ja-JP" altLang="en-US" dirty="0">
+                <a:latin typeface="チェックポイント．（ピリオド）" panose="02000600000000000000" pitchFamily="50" charset="-128"/>
+                <a:ea typeface="チェックポイント．（ピリオド）" panose="02000600000000000000" pitchFamily="50" charset="-128"/>
+              </a:rPr>
+              <a:t>を</a:t>
             </a:r>
             <a:endParaRPr kumimoji="1" lang="en-US" altLang="ja-JP" dirty="0">
               <a:latin typeface="チェックポイント．（ピリオド）" panose="02000600000000000000" pitchFamily="50" charset="-128"/>
@@ -11378,7 +11721,7 @@
           <p:cNvPr id="17" name="正方形/長方形 16">
             <a:extLst>
               <a:ext uri="{FF2B5EF4-FFF2-40B4-BE49-F238E27FC236}">
-                <a16:creationId xmlns:a16="http://schemas.microsoft.com/office/drawing/2014/main" xmlns="" id="{A2CF4C31-1025-4708-B374-7F8887320A14}"/>
+                <a16:creationId xmlns="" xmlns:a16="http://schemas.microsoft.com/office/drawing/2014/main" id="{A2CF4C31-1025-4708-B374-7F8887320A14}"/>
               </a:ext>
             </a:extLst>
           </p:cNvPr>
@@ -11430,7 +11773,7 @@
           <p:cNvPr id="18" name="テキスト ボックス 17">
             <a:extLst>
               <a:ext uri="{FF2B5EF4-FFF2-40B4-BE49-F238E27FC236}">
-                <a16:creationId xmlns:a16="http://schemas.microsoft.com/office/drawing/2014/main" xmlns="" id="{594DFF38-A0BF-4052-92A8-115900A7F03B}"/>
+                <a16:creationId xmlns="" xmlns:a16="http://schemas.microsoft.com/office/drawing/2014/main" id="{594DFF38-A0BF-4052-92A8-115900A7F03B}"/>
               </a:ext>
             </a:extLst>
           </p:cNvPr>
@@ -11506,10 +11849,20 @@
           <a:p>
             <a:r>
               <a:rPr lang="ja-JP" altLang="en-US" dirty="0">
-                <a:latin typeface="チェックポイント．（ピリオド）" panose="02000600000000000000" pitchFamily="50" charset="-128"/>
-                <a:ea typeface="チェックポイント．（ピリオド）" panose="02000600000000000000" pitchFamily="50" charset="-128"/>
-              </a:rPr>
-              <a:t>強大な惑星が襲い掛かってきます。</a:t>
+                <a:solidFill>
+                  <a:srgbClr val="FF0000"/>
+                </a:solidFill>
+                <a:latin typeface="チェックポイント．（ピリオド）" panose="02000600000000000000" pitchFamily="50" charset="-128"/>
+                <a:ea typeface="チェックポイント．（ピリオド）" panose="02000600000000000000" pitchFamily="50" charset="-128"/>
+              </a:rPr>
+              <a:t>強大な惑星</a:t>
+            </a:r>
+            <a:r>
+              <a:rPr lang="ja-JP" altLang="en-US" dirty="0">
+                <a:latin typeface="チェックポイント．（ピリオド）" panose="02000600000000000000" pitchFamily="50" charset="-128"/>
+                <a:ea typeface="チェックポイント．（ピリオド）" panose="02000600000000000000" pitchFamily="50" charset="-128"/>
+              </a:rPr>
+              <a:t>が襲い掛かってきます。</a:t>
             </a:r>
             <a:endParaRPr kumimoji="1" lang="en-US" altLang="ja-JP" dirty="0">
               <a:latin typeface="チェックポイント．（ピリオド）" panose="02000600000000000000" pitchFamily="50" charset="-128"/>
@@ -11523,7 +11876,7 @@
           <p:cNvPr id="19" name="正方形/長方形 18">
             <a:extLst>
               <a:ext uri="{FF2B5EF4-FFF2-40B4-BE49-F238E27FC236}">
-                <a16:creationId xmlns:a16="http://schemas.microsoft.com/office/drawing/2014/main" xmlns="" id="{41DDEDAD-B76F-42FC-BD36-C4B4086365F3}"/>
+                <a16:creationId xmlns="" xmlns:a16="http://schemas.microsoft.com/office/drawing/2014/main" id="{41DDEDAD-B76F-42FC-BD36-C4B4086365F3}"/>
               </a:ext>
             </a:extLst>
           </p:cNvPr>
@@ -11575,7 +11928,7 @@
           <p:cNvPr id="21" name="正方形/長方形 20">
             <a:extLst>
               <a:ext uri="{FF2B5EF4-FFF2-40B4-BE49-F238E27FC236}">
-                <a16:creationId xmlns:a16="http://schemas.microsoft.com/office/drawing/2014/main" xmlns="" id="{B89D4E7D-0660-4D0D-912D-DF225C66A1D6}"/>
+                <a16:creationId xmlns="" xmlns:a16="http://schemas.microsoft.com/office/drawing/2014/main" id="{B89D4E7D-0660-4D0D-912D-DF225C66A1D6}"/>
               </a:ext>
             </a:extLst>
           </p:cNvPr>
@@ -11629,7 +11982,7 @@
           <p:cNvPr id="20" name="テキスト ボックス 19">
             <a:extLst>
               <a:ext uri="{FF2B5EF4-FFF2-40B4-BE49-F238E27FC236}">
-                <a16:creationId xmlns:a16="http://schemas.microsoft.com/office/drawing/2014/main" xmlns="" id="{4588D88C-0F6C-4A95-9191-7AC444B35B14}"/>
+                <a16:creationId xmlns="" xmlns:a16="http://schemas.microsoft.com/office/drawing/2014/main" id="{4588D88C-0F6C-4A95-9191-7AC444B35B14}"/>
               </a:ext>
             </a:extLst>
           </p:cNvPr>
@@ -11672,10 +12025,20 @@
           <a:p>
             <a:r>
               <a:rPr lang="ja-JP" altLang="en-US" sz="1600" dirty="0">
-                <a:latin typeface="チェックポイント．（ピリオド）" panose="02000600000000000000" pitchFamily="50" charset="-128"/>
-                <a:ea typeface="チェックポイント．（ピリオド）" panose="02000600000000000000" pitchFamily="50" charset="-128"/>
-              </a:rPr>
-              <a:t>今所持していないスペシャル技は、黒く塗りつぶされます。</a:t>
+                <a:solidFill>
+                  <a:srgbClr val="FF0000"/>
+                </a:solidFill>
+                <a:latin typeface="チェックポイント．（ピリオド）" panose="02000600000000000000" pitchFamily="50" charset="-128"/>
+                <a:ea typeface="チェックポイント．（ピリオド）" panose="02000600000000000000" pitchFamily="50" charset="-128"/>
+              </a:rPr>
+              <a:t>今所持していないスペシャル技は、黒く塗りつぶされます</a:t>
+            </a:r>
+            <a:r>
+              <a:rPr lang="ja-JP" altLang="en-US" sz="1600" dirty="0">
+                <a:latin typeface="チェックポイント．（ピリオド）" panose="02000600000000000000" pitchFamily="50" charset="-128"/>
+                <a:ea typeface="チェックポイント．（ピリオド）" panose="02000600000000000000" pitchFamily="50" charset="-128"/>
+              </a:rPr>
+              <a:t>。</a:t>
             </a:r>
             <a:endParaRPr lang="en-US" altLang="ja-JP" sz="1600" dirty="0">
               <a:latin typeface="チェックポイント．（ピリオド）" panose="02000600000000000000" pitchFamily="50" charset="-128"/>
@@ -11688,7 +12051,24 @@
                 <a:latin typeface="チェックポイント．（ピリオド）" panose="02000600000000000000" pitchFamily="50" charset="-128"/>
                 <a:ea typeface="チェックポイント．（ピリオド）" panose="02000600000000000000" pitchFamily="50" charset="-128"/>
               </a:rPr>
-              <a:t>スペシャル技を装備したい場合は装備したい技のアイコンをクリックしてください。</a:t>
+              <a:t>スペシャル技を装備したい場合は</a:t>
+            </a:r>
+            <a:r>
+              <a:rPr kumimoji="1" lang="ja-JP" altLang="en-US" sz="1600" dirty="0">
+                <a:solidFill>
+                  <a:srgbClr val="FF0000"/>
+                </a:solidFill>
+                <a:latin typeface="チェックポイント．（ピリオド）" panose="02000600000000000000" pitchFamily="50" charset="-128"/>
+                <a:ea typeface="チェックポイント．（ピリオド）" panose="02000600000000000000" pitchFamily="50" charset="-128"/>
+              </a:rPr>
+              <a:t>装備したい技のアイコンをクリック</a:t>
+            </a:r>
+            <a:r>
+              <a:rPr kumimoji="1" lang="ja-JP" altLang="en-US" sz="1600" dirty="0">
+                <a:latin typeface="チェックポイント．（ピリオド）" panose="02000600000000000000" pitchFamily="50" charset="-128"/>
+                <a:ea typeface="チェックポイント．（ピリオド）" panose="02000600000000000000" pitchFamily="50" charset="-128"/>
+              </a:rPr>
+              <a:t>してください。</a:t>
             </a:r>
             <a:endParaRPr kumimoji="1" lang="en-US" altLang="ja-JP" sz="1600" dirty="0">
               <a:latin typeface="チェックポイント．（ピリオド）" panose="02000600000000000000" pitchFamily="50" charset="-128"/>
@@ -11752,7 +12132,7 @@
           <p:cNvPr id="5" name="図 4" descr="物体 が含まれている画像&#10;&#10;自動的に生成された説明">
             <a:extLst>
               <a:ext uri="{FF2B5EF4-FFF2-40B4-BE49-F238E27FC236}">
-                <a16:creationId xmlns:a16="http://schemas.microsoft.com/office/drawing/2014/main" xmlns="" id="{A8B95791-F64F-423D-B8A7-2C86F56DDB1D}"/>
+                <a16:creationId xmlns="" xmlns:a16="http://schemas.microsoft.com/office/drawing/2014/main" id="{A8B95791-F64F-423D-B8A7-2C86F56DDB1D}"/>
               </a:ext>
             </a:extLst>
           </p:cNvPr>
@@ -11787,7 +12167,7 @@
           <p:cNvPr id="6" name="テキスト ボックス 5">
             <a:extLst>
               <a:ext uri="{FF2B5EF4-FFF2-40B4-BE49-F238E27FC236}">
-                <a16:creationId xmlns:a16="http://schemas.microsoft.com/office/drawing/2014/main" xmlns="" id="{8305E55F-CE22-4A88-A8D4-3E4958510FE7}"/>
+                <a16:creationId xmlns="" xmlns:a16="http://schemas.microsoft.com/office/drawing/2014/main" id="{8305E55F-CE22-4A88-A8D4-3E4958510FE7}"/>
               </a:ext>
             </a:extLst>
           </p:cNvPr>
@@ -11832,7 +12212,7 @@
           <p:cNvPr id="7" name="吹き出し: 四角形 6">
             <a:extLst>
               <a:ext uri="{FF2B5EF4-FFF2-40B4-BE49-F238E27FC236}">
-                <a16:creationId xmlns:a16="http://schemas.microsoft.com/office/drawing/2014/main" xmlns="" id="{EC8402AE-3480-4CC7-905A-0776A28352DA}"/>
+                <a16:creationId xmlns="" xmlns:a16="http://schemas.microsoft.com/office/drawing/2014/main" id="{EC8402AE-3480-4CC7-905A-0776A28352DA}"/>
               </a:ext>
             </a:extLst>
           </p:cNvPr>
@@ -11925,7 +12305,7 @@
           <p:cNvPr id="8" name="吹き出し: 四角形 7">
             <a:extLst>
               <a:ext uri="{FF2B5EF4-FFF2-40B4-BE49-F238E27FC236}">
-                <a16:creationId xmlns:a16="http://schemas.microsoft.com/office/drawing/2014/main" xmlns="" id="{12F0A826-4C99-48A7-B36D-03DBE2118E07}"/>
+                <a16:creationId xmlns="" xmlns:a16="http://schemas.microsoft.com/office/drawing/2014/main" id="{12F0A826-4C99-48A7-B36D-03DBE2118E07}"/>
               </a:ext>
             </a:extLst>
           </p:cNvPr>
@@ -11994,12 +12374,22 @@
             <a:r>
               <a:rPr kumimoji="1" lang="ja-JP" altLang="en-US" dirty="0">
                 <a:solidFill>
+                  <a:srgbClr val="FF0000"/>
+                </a:solidFill>
+                <a:latin typeface="チェックポイント．（ピリオド）" panose="02000600000000000000" pitchFamily="50" charset="-128"/>
+                <a:ea typeface="チェックポイント．（ピリオド）" panose="02000600000000000000" pitchFamily="50" charset="-128"/>
+              </a:rPr>
+              <a:t>リキャストタイム</a:t>
+            </a:r>
+            <a:r>
+              <a:rPr kumimoji="1" lang="ja-JP" altLang="en-US" dirty="0">
+                <a:solidFill>
                   <a:schemeClr val="tx1"/>
                 </a:solidFill>
                 <a:latin typeface="チェックポイント．（ピリオド）" panose="02000600000000000000" pitchFamily="50" charset="-128"/>
                 <a:ea typeface="チェックポイント．（ピリオド）" panose="02000600000000000000" pitchFamily="50" charset="-128"/>
               </a:rPr>
-              <a:t>リキャストタイムが表示されています。</a:t>
+              <a:t>が表示されています。</a:t>
             </a:r>
           </a:p>
         </p:txBody>
@@ -12009,7 +12399,7 @@
           <p:cNvPr id="9" name="吹き出し: 四角形 8">
             <a:extLst>
               <a:ext uri="{FF2B5EF4-FFF2-40B4-BE49-F238E27FC236}">
-                <a16:creationId xmlns:a16="http://schemas.microsoft.com/office/drawing/2014/main" xmlns="" id="{B25F11CC-0810-44FB-85E5-6AFA2E713B6D}"/>
+                <a16:creationId xmlns="" xmlns:a16="http://schemas.microsoft.com/office/drawing/2014/main" id="{B25F11CC-0810-44FB-85E5-6AFA2E713B6D}"/>
               </a:ext>
             </a:extLst>
           </p:cNvPr>
@@ -12100,12 +12490,22 @@
             <a:r>
               <a:rPr lang="ja-JP" altLang="en-US" dirty="0">
                 <a:solidFill>
+                  <a:srgbClr val="FF0000"/>
+                </a:solidFill>
+                <a:latin typeface="チェックポイント．（ピリオド）" panose="02000600000000000000" pitchFamily="50" charset="-128"/>
+                <a:ea typeface="チェックポイント．（ピリオド）" panose="02000600000000000000" pitchFamily="50" charset="-128"/>
+              </a:rPr>
+              <a:t>リキャストタイム</a:t>
+            </a:r>
+            <a:r>
+              <a:rPr lang="ja-JP" altLang="en-US" dirty="0">
+                <a:solidFill>
                   <a:schemeClr val="tx1"/>
                 </a:solidFill>
                 <a:latin typeface="チェックポイント．（ピリオド）" panose="02000600000000000000" pitchFamily="50" charset="-128"/>
                 <a:ea typeface="チェックポイント．（ピリオド）" panose="02000600000000000000" pitchFamily="50" charset="-128"/>
               </a:rPr>
-              <a:t>リキャストタイムが表示されています。</a:t>
+              <a:t>が表示されています。</a:t>
             </a:r>
             <a:endParaRPr kumimoji="1" lang="ja-JP" altLang="en-US" dirty="0">
               <a:solidFill>
@@ -12159,7 +12559,7 @@
           <p:cNvPr id="5" name="テキスト ボックス 4">
             <a:extLst>
               <a:ext uri="{FF2B5EF4-FFF2-40B4-BE49-F238E27FC236}">
-                <a16:creationId xmlns:a16="http://schemas.microsoft.com/office/drawing/2014/main" xmlns="" id="{D5807289-5F94-4ABF-BB19-A244DE39AAB7}"/>
+                <a16:creationId xmlns="" xmlns:a16="http://schemas.microsoft.com/office/drawing/2014/main" id="{D5807289-5F94-4ABF-BB19-A244DE39AAB7}"/>
               </a:ext>
             </a:extLst>
           </p:cNvPr>
@@ -12528,7 +12928,7 @@
               <p:cNvPr id="9" name="グループ化 8">
                 <a:extLst>
                   <a:ext uri="{FF2B5EF4-FFF2-40B4-BE49-F238E27FC236}">
-                    <a16:creationId xmlns:a16="http://schemas.microsoft.com/office/drawing/2014/main" xmlns="" id="{C42471E9-CEF7-4DD0-B2B9-A37027252951}"/>
+                    <a16:creationId xmlns="" xmlns:a16="http://schemas.microsoft.com/office/drawing/2014/main" id="{C42471E9-CEF7-4DD0-B2B9-A37027252951}"/>
                   </a:ext>
                 </a:extLst>
               </p:cNvPr>
@@ -12548,7 +12948,7 @@
                 <p:cNvPr id="10" name="グループ化 9">
                   <a:extLst>
                     <a:ext uri="{FF2B5EF4-FFF2-40B4-BE49-F238E27FC236}">
-                      <a16:creationId xmlns:a16="http://schemas.microsoft.com/office/drawing/2014/main" xmlns="" id="{7D6E456E-2E26-4492-9279-169842641548}"/>
+                      <a16:creationId xmlns="" xmlns:a16="http://schemas.microsoft.com/office/drawing/2014/main" id="{7D6E456E-2E26-4492-9279-169842641548}"/>
                     </a:ext>
                   </a:extLst>
                 </p:cNvPr>
@@ -12568,7 +12968,7 @@
                   <p:cNvPr id="26" name="図 25" descr="物体 が含まれている画像&#10;&#10;自動的に生成された説明">
                     <a:extLst>
                       <a:ext uri="{FF2B5EF4-FFF2-40B4-BE49-F238E27FC236}">
-                        <a16:creationId xmlns:a16="http://schemas.microsoft.com/office/drawing/2014/main" xmlns="" id="{9E2F2156-5A3C-4670-A7BB-42FF8EF7E4F0}"/>
+                        <a16:creationId xmlns="" xmlns:a16="http://schemas.microsoft.com/office/drawing/2014/main" id="{9E2F2156-5A3C-4670-A7BB-42FF8EF7E4F0}"/>
                       </a:ext>
                     </a:extLst>
                   </p:cNvPr>
@@ -12604,7 +13004,7 @@
                   <p:cNvPr id="27" name="テキスト ボックス 26">
                     <a:extLst>
                       <a:ext uri="{FF2B5EF4-FFF2-40B4-BE49-F238E27FC236}">
-                        <a16:creationId xmlns:a16="http://schemas.microsoft.com/office/drawing/2014/main" xmlns="" id="{85DB17C7-0CA8-4460-8B6A-1BBCF3C5CA75}"/>
+                        <a16:creationId xmlns="" xmlns:a16="http://schemas.microsoft.com/office/drawing/2014/main" id="{85DB17C7-0CA8-4460-8B6A-1BBCF3C5CA75}"/>
                       </a:ext>
                     </a:extLst>
                   </p:cNvPr>
@@ -12643,7 +13043,7 @@
                 <p:cNvPr id="11" name="グループ化 10">
                   <a:extLst>
                     <a:ext uri="{FF2B5EF4-FFF2-40B4-BE49-F238E27FC236}">
-                      <a16:creationId xmlns:a16="http://schemas.microsoft.com/office/drawing/2014/main" xmlns="" id="{8FA97864-B0AC-4C37-AB57-3F511EE9B20A}"/>
+                      <a16:creationId xmlns="" xmlns:a16="http://schemas.microsoft.com/office/drawing/2014/main" id="{8FA97864-B0AC-4C37-AB57-3F511EE9B20A}"/>
                     </a:ext>
                   </a:extLst>
                 </p:cNvPr>
@@ -12663,7 +13063,7 @@
                   <p:cNvPr id="24" name="図 23" descr="物体 が含まれている画像&#10;&#10;自動的に生成された説明">
                     <a:extLst>
                       <a:ext uri="{FF2B5EF4-FFF2-40B4-BE49-F238E27FC236}">
-                        <a16:creationId xmlns:a16="http://schemas.microsoft.com/office/drawing/2014/main" xmlns="" id="{539F0BC8-41E3-4ADD-9459-BE0E2D7ABA27}"/>
+                        <a16:creationId xmlns="" xmlns:a16="http://schemas.microsoft.com/office/drawing/2014/main" id="{539F0BC8-41E3-4ADD-9459-BE0E2D7ABA27}"/>
                       </a:ext>
                     </a:extLst>
                   </p:cNvPr>
@@ -12699,7 +13099,7 @@
                   <p:cNvPr id="25" name="テキスト ボックス 24">
                     <a:extLst>
                       <a:ext uri="{FF2B5EF4-FFF2-40B4-BE49-F238E27FC236}">
-                        <a16:creationId xmlns:a16="http://schemas.microsoft.com/office/drawing/2014/main" xmlns="" id="{9D08D78F-597A-41C6-9E61-E721135C20D1}"/>
+                        <a16:creationId xmlns="" xmlns:a16="http://schemas.microsoft.com/office/drawing/2014/main" id="{9D08D78F-597A-41C6-9E61-E721135C20D1}"/>
                       </a:ext>
                     </a:extLst>
                   </p:cNvPr>
@@ -12738,7 +13138,7 @@
                 <p:cNvPr id="12" name="グループ化 11">
                   <a:extLst>
                     <a:ext uri="{FF2B5EF4-FFF2-40B4-BE49-F238E27FC236}">
-                      <a16:creationId xmlns:a16="http://schemas.microsoft.com/office/drawing/2014/main" xmlns="" id="{8F6624A7-F895-493A-8055-873B48C8C19C}"/>
+                      <a16:creationId xmlns="" xmlns:a16="http://schemas.microsoft.com/office/drawing/2014/main" id="{8F6624A7-F895-493A-8055-873B48C8C19C}"/>
                     </a:ext>
                   </a:extLst>
                 </p:cNvPr>
@@ -12758,7 +13158,7 @@
                   <p:cNvPr id="22" name="図 21" descr="物体, 腕時計 が含まれている画像&#10;&#10;自動的に生成された説明">
                     <a:extLst>
                       <a:ext uri="{FF2B5EF4-FFF2-40B4-BE49-F238E27FC236}">
-                        <a16:creationId xmlns:a16="http://schemas.microsoft.com/office/drawing/2014/main" xmlns="" id="{53299244-26D0-4173-ACC6-BD241C768849}"/>
+                        <a16:creationId xmlns="" xmlns:a16="http://schemas.microsoft.com/office/drawing/2014/main" id="{53299244-26D0-4173-ACC6-BD241C768849}"/>
                       </a:ext>
                     </a:extLst>
                   </p:cNvPr>
@@ -12794,7 +13194,7 @@
                   <p:cNvPr id="23" name="テキスト ボックス 22">
                     <a:extLst>
                       <a:ext uri="{FF2B5EF4-FFF2-40B4-BE49-F238E27FC236}">
-                        <a16:creationId xmlns:a16="http://schemas.microsoft.com/office/drawing/2014/main" xmlns="" id="{BF9D5B9B-9876-443A-BE29-B4828D0A5D74}"/>
+                        <a16:creationId xmlns="" xmlns:a16="http://schemas.microsoft.com/office/drawing/2014/main" id="{BF9D5B9B-9876-443A-BE29-B4828D0A5D74}"/>
                       </a:ext>
                     </a:extLst>
                   </p:cNvPr>
@@ -12833,7 +13233,7 @@
                 <p:cNvPr id="13" name="グループ化 12">
                   <a:extLst>
                     <a:ext uri="{FF2B5EF4-FFF2-40B4-BE49-F238E27FC236}">
-                      <a16:creationId xmlns:a16="http://schemas.microsoft.com/office/drawing/2014/main" xmlns="" id="{D317981A-38A9-4594-9159-8C77F7F6D8B4}"/>
+                      <a16:creationId xmlns="" xmlns:a16="http://schemas.microsoft.com/office/drawing/2014/main" id="{D317981A-38A9-4594-9159-8C77F7F6D8B4}"/>
                     </a:ext>
                   </a:extLst>
                 </p:cNvPr>
@@ -12853,7 +13253,7 @@
                   <p:cNvPr id="20" name="図 19" descr="物体 が含まれている画像&#10;&#10;自動的に生成された説明">
                     <a:extLst>
                       <a:ext uri="{FF2B5EF4-FFF2-40B4-BE49-F238E27FC236}">
-                        <a16:creationId xmlns:a16="http://schemas.microsoft.com/office/drawing/2014/main" xmlns="" id="{93CD3867-4A7C-4138-9F28-8B9071FCE1AF}"/>
+                        <a16:creationId xmlns="" xmlns:a16="http://schemas.microsoft.com/office/drawing/2014/main" id="{93CD3867-4A7C-4138-9F28-8B9071FCE1AF}"/>
                       </a:ext>
                     </a:extLst>
                   </p:cNvPr>
@@ -12889,7 +13289,7 @@
                   <p:cNvPr id="21" name="テキスト ボックス 20">
                     <a:extLst>
                       <a:ext uri="{FF2B5EF4-FFF2-40B4-BE49-F238E27FC236}">
-                        <a16:creationId xmlns:a16="http://schemas.microsoft.com/office/drawing/2014/main" xmlns="" id="{C3C71671-55D6-4E40-BC27-288FCF91D2BB}"/>
+                        <a16:creationId xmlns="" xmlns:a16="http://schemas.microsoft.com/office/drawing/2014/main" id="{C3C71671-55D6-4E40-BC27-288FCF91D2BB}"/>
                       </a:ext>
                     </a:extLst>
                   </p:cNvPr>
@@ -12932,7 +13332,7 @@
                 <p:cNvPr id="14" name="直線矢印コネクタ 13">
                   <a:extLst>
                     <a:ext uri="{FF2B5EF4-FFF2-40B4-BE49-F238E27FC236}">
-                      <a16:creationId xmlns:a16="http://schemas.microsoft.com/office/drawing/2014/main" xmlns="" id="{A84A16DD-57C4-4761-A446-249187106E51}"/>
+                      <a16:creationId xmlns="" xmlns:a16="http://schemas.microsoft.com/office/drawing/2014/main" id="{A84A16DD-57C4-4761-A446-249187106E51}"/>
                     </a:ext>
                   </a:extLst>
                 </p:cNvPr>
@@ -12976,7 +13376,7 @@
                 <p:cNvPr id="15" name="直線矢印コネクタ 14">
                   <a:extLst>
                     <a:ext uri="{FF2B5EF4-FFF2-40B4-BE49-F238E27FC236}">
-                      <a16:creationId xmlns:a16="http://schemas.microsoft.com/office/drawing/2014/main" xmlns="" id="{CE867472-33BD-4771-A53A-412FDCEAB859}"/>
+                      <a16:creationId xmlns="" xmlns:a16="http://schemas.microsoft.com/office/drawing/2014/main" id="{CE867472-33BD-4771-A53A-412FDCEAB859}"/>
                     </a:ext>
                   </a:extLst>
                 </p:cNvPr>
@@ -13020,7 +13420,7 @@
                 <p:cNvPr id="16" name="直線矢印コネクタ 15">
                   <a:extLst>
                     <a:ext uri="{FF2B5EF4-FFF2-40B4-BE49-F238E27FC236}">
-                      <a16:creationId xmlns:a16="http://schemas.microsoft.com/office/drawing/2014/main" xmlns="" id="{2F760955-CE29-4903-BDF0-C0EF1A34CD6F}"/>
+                      <a16:creationId xmlns="" xmlns:a16="http://schemas.microsoft.com/office/drawing/2014/main" id="{2F760955-CE29-4903-BDF0-C0EF1A34CD6F}"/>
                     </a:ext>
                   </a:extLst>
                 </p:cNvPr>
@@ -13064,7 +13464,7 @@
                 <p:cNvPr id="17" name="直線矢印コネクタ 16">
                   <a:extLst>
                     <a:ext uri="{FF2B5EF4-FFF2-40B4-BE49-F238E27FC236}">
-                      <a16:creationId xmlns:a16="http://schemas.microsoft.com/office/drawing/2014/main" xmlns="" id="{96E14F16-9B67-48C7-9985-746717E7D2CE}"/>
+                      <a16:creationId xmlns="" xmlns:a16="http://schemas.microsoft.com/office/drawing/2014/main" id="{96E14F16-9B67-48C7-9985-746717E7D2CE}"/>
                     </a:ext>
                   </a:extLst>
                 </p:cNvPr>
@@ -13108,7 +13508,7 @@
                 <p:cNvPr id="18" name="正方形/長方形 17">
                   <a:extLst>
                     <a:ext uri="{FF2B5EF4-FFF2-40B4-BE49-F238E27FC236}">
-                      <a16:creationId xmlns:a16="http://schemas.microsoft.com/office/drawing/2014/main" xmlns="" id="{6ADAFCEE-C028-416D-B257-90B41E02042A}"/>
+                      <a16:creationId xmlns="" xmlns:a16="http://schemas.microsoft.com/office/drawing/2014/main" id="{6ADAFCEE-C028-416D-B257-90B41E02042A}"/>
                     </a:ext>
                   </a:extLst>
                 </p:cNvPr>
@@ -13163,7 +13563,7 @@
                 <p:cNvPr id="19" name="直線矢印コネクタ 18">
                   <a:extLst>
                     <a:ext uri="{FF2B5EF4-FFF2-40B4-BE49-F238E27FC236}">
-                      <a16:creationId xmlns:a16="http://schemas.microsoft.com/office/drawing/2014/main" xmlns="" id="{A2A6B62C-1E0E-432C-9BEC-393C34A1C94C}"/>
+                      <a16:creationId xmlns="" xmlns:a16="http://schemas.microsoft.com/office/drawing/2014/main" id="{A2A6B62C-1E0E-432C-9BEC-393C34A1C94C}"/>
                     </a:ext>
                   </a:extLst>
                 </p:cNvPr>
@@ -13208,7 +13608,7 @@
               <p:cNvPr id="28" name="グループ化 27">
                 <a:extLst>
                   <a:ext uri="{FF2B5EF4-FFF2-40B4-BE49-F238E27FC236}">
-                    <a16:creationId xmlns:a16="http://schemas.microsoft.com/office/drawing/2014/main" xmlns="" id="{7EEE5686-B5B9-4B20-8993-381AFDACF9AB}"/>
+                    <a16:creationId xmlns="" xmlns:a16="http://schemas.microsoft.com/office/drawing/2014/main" id="{7EEE5686-B5B9-4B20-8993-381AFDACF9AB}"/>
                   </a:ext>
                 </a:extLst>
               </p:cNvPr>
@@ -13228,7 +13628,7 @@
                 <p:cNvPr id="29" name="グループ化 28">
                   <a:extLst>
                     <a:ext uri="{FF2B5EF4-FFF2-40B4-BE49-F238E27FC236}">
-                      <a16:creationId xmlns:a16="http://schemas.microsoft.com/office/drawing/2014/main" xmlns="" id="{80B432E5-1E61-4A1C-BB38-CE56CD67DAEC}"/>
+                      <a16:creationId xmlns="" xmlns:a16="http://schemas.microsoft.com/office/drawing/2014/main" id="{80B432E5-1E61-4A1C-BB38-CE56CD67DAEC}"/>
                     </a:ext>
                   </a:extLst>
                 </p:cNvPr>
@@ -13248,7 +13648,7 @@
                   <p:cNvPr id="31" name="直線矢印コネクタ 30">
                     <a:extLst>
                       <a:ext uri="{FF2B5EF4-FFF2-40B4-BE49-F238E27FC236}">
-                        <a16:creationId xmlns:a16="http://schemas.microsoft.com/office/drawing/2014/main" xmlns="" id="{555429FE-F091-46AD-84F7-1B4256D762AB}"/>
+                        <a16:creationId xmlns="" xmlns:a16="http://schemas.microsoft.com/office/drawing/2014/main" id="{555429FE-F091-46AD-84F7-1B4256D762AB}"/>
                       </a:ext>
                     </a:extLst>
                   </p:cNvPr>
@@ -13292,7 +13692,7 @@
                   <p:cNvPr id="32" name="直線矢印コネクタ 31">
                     <a:extLst>
                       <a:ext uri="{FF2B5EF4-FFF2-40B4-BE49-F238E27FC236}">
-                        <a16:creationId xmlns:a16="http://schemas.microsoft.com/office/drawing/2014/main" xmlns="" id="{5030B8C7-7BED-40F6-B6D5-A7CD124D67A9}"/>
+                        <a16:creationId xmlns="" xmlns:a16="http://schemas.microsoft.com/office/drawing/2014/main" id="{5030B8C7-7BED-40F6-B6D5-A7CD124D67A9}"/>
                       </a:ext>
                     </a:extLst>
                   </p:cNvPr>
@@ -13336,7 +13736,7 @@
                   <p:cNvPr id="33" name="テキスト ボックス 32">
                     <a:extLst>
                       <a:ext uri="{FF2B5EF4-FFF2-40B4-BE49-F238E27FC236}">
-                        <a16:creationId xmlns:a16="http://schemas.microsoft.com/office/drawing/2014/main" xmlns="" id="{1BB9FF26-C1AD-43FF-B1A3-3D220E4BC3AA}"/>
+                        <a16:creationId xmlns="" xmlns:a16="http://schemas.microsoft.com/office/drawing/2014/main" id="{1BB9FF26-C1AD-43FF-B1A3-3D220E4BC3AA}"/>
                       </a:ext>
                     </a:extLst>
                   </p:cNvPr>
@@ -13374,7 +13774,7 @@
                   <p:cNvPr id="34" name="テキスト ボックス 33">
                     <a:extLst>
                       <a:ext uri="{FF2B5EF4-FFF2-40B4-BE49-F238E27FC236}">
-                        <a16:creationId xmlns:a16="http://schemas.microsoft.com/office/drawing/2014/main" xmlns="" id="{127090C9-FA03-47A3-B8E5-5AC843148C0C}"/>
+                        <a16:creationId xmlns="" xmlns:a16="http://schemas.microsoft.com/office/drawing/2014/main" id="{127090C9-FA03-47A3-B8E5-5AC843148C0C}"/>
                       </a:ext>
                     </a:extLst>
                   </p:cNvPr>
@@ -13417,7 +13817,7 @@
                 <p:cNvPr id="30" name="正方形/長方形 29">
                   <a:extLst>
                     <a:ext uri="{FF2B5EF4-FFF2-40B4-BE49-F238E27FC236}">
-                      <a16:creationId xmlns:a16="http://schemas.microsoft.com/office/drawing/2014/main" xmlns="" id="{974D7591-C374-4FE7-98C6-F63D715B2F46}"/>
+                      <a16:creationId xmlns="" xmlns:a16="http://schemas.microsoft.com/office/drawing/2014/main" id="{974D7591-C374-4FE7-98C6-F63D715B2F46}"/>
                     </a:ext>
                   </a:extLst>
                 </p:cNvPr>
@@ -13473,7 +13873,7 @@
               <p:cNvPr id="35" name="正方形/長方形 34">
                 <a:extLst>
                   <a:ext uri="{FF2B5EF4-FFF2-40B4-BE49-F238E27FC236}">
-                    <a16:creationId xmlns:a16="http://schemas.microsoft.com/office/drawing/2014/main" xmlns="" id="{A98ECFFF-731C-4C54-95F1-02A8CC15EA71}"/>
+                    <a16:creationId xmlns="" xmlns:a16="http://schemas.microsoft.com/office/drawing/2014/main" id="{A98ECFFF-731C-4C54-95F1-02A8CC15EA71}"/>
                   </a:ext>
                 </a:extLst>
               </p:cNvPr>
@@ -13613,7 +14013,7 @@
             <p:cNvPr id="43" name="直線矢印コネクタ 42">
               <a:extLst>
                 <a:ext uri="{FF2B5EF4-FFF2-40B4-BE49-F238E27FC236}">
-                  <a16:creationId xmlns:a16="http://schemas.microsoft.com/office/drawing/2014/main" xmlns="" id="{A2A6B62C-1E0E-432C-9BEC-393C34A1C94C}"/>
+                  <a16:creationId xmlns="" xmlns:a16="http://schemas.microsoft.com/office/drawing/2014/main" id="{A2A6B62C-1E0E-432C-9BEC-393C34A1C94C}"/>
                 </a:ext>
               </a:extLst>
             </p:cNvPr>
@@ -13657,7 +14057,7 @@
             <p:cNvPr id="53" name="直線矢印コネクタ 52">
               <a:extLst>
                 <a:ext uri="{FF2B5EF4-FFF2-40B4-BE49-F238E27FC236}">
-                  <a16:creationId xmlns:a16="http://schemas.microsoft.com/office/drawing/2014/main" xmlns="" id="{A2A6B62C-1E0E-432C-9BEC-393C34A1C94C}"/>
+                  <a16:creationId xmlns="" xmlns:a16="http://schemas.microsoft.com/office/drawing/2014/main" id="{A2A6B62C-1E0E-432C-9BEC-393C34A1C94C}"/>
                 </a:ext>
               </a:extLst>
             </p:cNvPr>

--- a/説明文.pptx
+++ b/説明文.pptx
@@ -506,6 +506,90 @@
     </a:lvl9pPr>
   </p:notesStyle>
 </p:notesMaster>
+</file>
+
+<file path=ppt/notesSlides/notesSlide1.xml><?xml version="1.0" encoding="utf-8"?>
+<p:notes xmlns:a="http://schemas.openxmlformats.org/drawingml/2006/main" xmlns:r="http://schemas.openxmlformats.org/officeDocument/2006/relationships" xmlns:p="http://schemas.openxmlformats.org/presentationml/2006/main">
+  <p:cSld>
+    <p:spTree>
+      <p:nvGrpSpPr>
+        <p:cNvPr id="1" name=""/>
+        <p:cNvGrpSpPr/>
+        <p:nvPr/>
+      </p:nvGrpSpPr>
+      <p:grpSpPr>
+        <a:xfrm>
+          <a:off x="0" y="0"/>
+          <a:ext cx="0" cy="0"/>
+          <a:chOff x="0" y="0"/>
+          <a:chExt cx="0" cy="0"/>
+        </a:xfrm>
+      </p:grpSpPr>
+      <p:sp>
+        <p:nvSpPr>
+          <p:cNvPr id="2" name="スライド イメージ プレースホルダー 1"/>
+          <p:cNvSpPr>
+            <a:spLocks noGrp="1" noRot="1" noChangeAspect="1"/>
+          </p:cNvSpPr>
+          <p:nvPr>
+            <p:ph type="sldImg"/>
+          </p:nvPr>
+        </p:nvSpPr>
+        <p:spPr/>
+      </p:sp>
+      <p:sp>
+        <p:nvSpPr>
+          <p:cNvPr id="3" name="ノート プレースホルダー 2"/>
+          <p:cNvSpPr>
+            <a:spLocks noGrp="1"/>
+          </p:cNvSpPr>
+          <p:nvPr>
+            <p:ph type="body" idx="1"/>
+          </p:nvPr>
+        </p:nvSpPr>
+        <p:spPr/>
+        <p:txBody>
+          <a:bodyPr/>
+          <a:lstStyle/>
+          <a:p>
+            <a:endParaRPr kumimoji="1" lang="ja-JP" altLang="en-US" dirty="0"/>
+          </a:p>
+        </p:txBody>
+      </p:sp>
+      <p:sp>
+        <p:nvSpPr>
+          <p:cNvPr id="4" name="スライド番号プレースホルダー 3"/>
+          <p:cNvSpPr>
+            <a:spLocks noGrp="1"/>
+          </p:cNvSpPr>
+          <p:nvPr>
+            <p:ph type="sldNum" sz="quarter" idx="10"/>
+          </p:nvPr>
+        </p:nvSpPr>
+        <p:spPr/>
+        <p:txBody>
+          <a:bodyPr/>
+          <a:lstStyle/>
+          <a:p>
+            <a:fld id="{C2725F18-E9C8-4CF5-AEFE-8868BD40D51E}" type="slidenum">
+              <a:rPr kumimoji="1" lang="ja-JP" altLang="en-US" smtClean="0"/>
+              <a:t>9</a:t>
+            </a:fld>
+            <a:endParaRPr kumimoji="1" lang="ja-JP" altLang="en-US"/>
+          </a:p>
+        </p:txBody>
+      </p:sp>
+    </p:spTree>
+    <p:extLst>
+      <p:ext uri="{BB962C8B-B14F-4D97-AF65-F5344CB8AC3E}">
+        <p14:creationId xmlns:p14="http://schemas.microsoft.com/office/powerpoint/2010/main" val="3542889477"/>
+      </p:ext>
+    </p:extLst>
+  </p:cSld>
+  <p:clrMapOvr>
+    <a:masterClrMapping/>
+  </p:clrMapOvr>
+</p:notes>
 </file>
 
 <file path=ppt/slideLayouts/slideLayout1.xml><?xml version="1.0" encoding="utf-8"?>
@@ -3637,7 +3721,7 @@
           <p:cNvPr id="4" name="図 3" descr="スクリーンショット が含まれている画像&#10;&#10;自動的に生成された説明">
             <a:extLst>
               <a:ext uri="{FF2B5EF4-FFF2-40B4-BE49-F238E27FC236}">
-                <a16:creationId xmlns="" xmlns:a16="http://schemas.microsoft.com/office/drawing/2014/main" id="{48282D74-7C89-4D68-8F6E-D62AC9485402}"/>
+                <a16:creationId xmlns:a16="http://schemas.microsoft.com/office/drawing/2014/main" xmlns="" id="{48282D74-7C89-4D68-8F6E-D62AC9485402}"/>
               </a:ext>
             </a:extLst>
           </p:cNvPr>
@@ -3996,7 +4080,7 @@
         </p:nvSpPr>
         <p:spPr>
           <a:xfrm>
-            <a:off x="3351071" y="628753"/>
+            <a:off x="3232317" y="262169"/>
             <a:ext cx="5371106" cy="830997"/>
           </a:xfrm>
           <a:prstGeom prst="rect">
@@ -4032,7 +4116,7 @@
           <p:cNvPr id="6" name="正方形/長方形 5">
             <a:extLst>
               <a:ext uri="{FF2B5EF4-FFF2-40B4-BE49-F238E27FC236}">
-                <a16:creationId xmlns="" xmlns:a16="http://schemas.microsoft.com/office/drawing/2014/main" id="{E239D52D-8A0E-45C2-9D76-49681F4F3023}"/>
+                <a16:creationId xmlns:a16="http://schemas.microsoft.com/office/drawing/2014/main" xmlns="" id="{E239D52D-8A0E-45C2-9D76-49681F4F3023}"/>
               </a:ext>
             </a:extLst>
           </p:cNvPr>
@@ -4084,7 +4168,7 @@
           <p:cNvPr id="12" name="正方形/長方形 11">
             <a:extLst>
               <a:ext uri="{FF2B5EF4-FFF2-40B4-BE49-F238E27FC236}">
-                <a16:creationId xmlns="" xmlns:a16="http://schemas.microsoft.com/office/drawing/2014/main" id="{44B16076-58F3-411C-BA21-CC2F6BFDF2CA}"/>
+                <a16:creationId xmlns:a16="http://schemas.microsoft.com/office/drawing/2014/main" xmlns="" id="{44B16076-58F3-411C-BA21-CC2F6BFDF2CA}"/>
               </a:ext>
             </a:extLst>
           </p:cNvPr>
@@ -4136,7 +4220,7 @@
           <p:cNvPr id="13" name="正方形/長方形 12">
             <a:extLst>
               <a:ext uri="{FF2B5EF4-FFF2-40B4-BE49-F238E27FC236}">
-                <a16:creationId xmlns="" xmlns:a16="http://schemas.microsoft.com/office/drawing/2014/main" id="{48971A5D-F76B-4813-83D2-2D825B6A3202}"/>
+                <a16:creationId xmlns:a16="http://schemas.microsoft.com/office/drawing/2014/main" xmlns="" id="{48971A5D-F76B-4813-83D2-2D825B6A3202}"/>
               </a:ext>
             </a:extLst>
           </p:cNvPr>
@@ -4225,7 +4309,7 @@
           <p:cNvPr id="4" name="テキスト ボックス 3">
             <a:extLst>
               <a:ext uri="{FF2B5EF4-FFF2-40B4-BE49-F238E27FC236}">
-                <a16:creationId xmlns="" xmlns:a16="http://schemas.microsoft.com/office/drawing/2014/main" id="{C41C563A-40AB-403A-8661-FE9944DE17B5}"/>
+                <a16:creationId xmlns:a16="http://schemas.microsoft.com/office/drawing/2014/main" xmlns="" id="{C41C563A-40AB-403A-8661-FE9944DE17B5}"/>
               </a:ext>
             </a:extLst>
           </p:cNvPr>
@@ -4270,7 +4354,7 @@
           <p:cNvPr id="5" name="テキスト ボックス 4">
             <a:extLst>
               <a:ext uri="{FF2B5EF4-FFF2-40B4-BE49-F238E27FC236}">
-                <a16:creationId xmlns="" xmlns:a16="http://schemas.microsoft.com/office/drawing/2014/main" id="{4942987D-E9F9-4BC9-8090-7DA7D48916EF}"/>
+                <a16:creationId xmlns:a16="http://schemas.microsoft.com/office/drawing/2014/main" xmlns="" id="{4942987D-E9F9-4BC9-8090-7DA7D48916EF}"/>
               </a:ext>
             </a:extLst>
           </p:cNvPr>
@@ -4340,7 +4424,7 @@
           <p:cNvPr id="40" name="テキスト ボックス 39">
             <a:extLst>
               <a:ext uri="{FF2B5EF4-FFF2-40B4-BE49-F238E27FC236}">
-                <a16:creationId xmlns="" xmlns:a16="http://schemas.microsoft.com/office/drawing/2014/main" id="{F1EA6A6B-D4D0-463A-A599-CE219946A74B}"/>
+                <a16:creationId xmlns:a16="http://schemas.microsoft.com/office/drawing/2014/main" xmlns="" id="{F1EA6A6B-D4D0-463A-A599-CE219946A74B}"/>
               </a:ext>
             </a:extLst>
           </p:cNvPr>
@@ -4769,7 +4853,7 @@
               <p:cNvPr id="22" name="グループ化 21">
                 <a:extLst>
                   <a:ext uri="{FF2B5EF4-FFF2-40B4-BE49-F238E27FC236}">
-                    <a16:creationId xmlns="" xmlns:a16="http://schemas.microsoft.com/office/drawing/2014/main" id="{2B78E3B8-6F86-4761-8FD3-82445D0604CC}"/>
+                    <a16:creationId xmlns:a16="http://schemas.microsoft.com/office/drawing/2014/main" xmlns="" id="{2B78E3B8-6F86-4761-8FD3-82445D0604CC}"/>
                   </a:ext>
                 </a:extLst>
               </p:cNvPr>
@@ -4789,7 +4873,7 @@
                 <p:cNvPr id="38" name="図 37" descr="物体 が含まれている画像&#10;&#10;自動的に生成された説明">
                   <a:extLst>
                     <a:ext uri="{FF2B5EF4-FFF2-40B4-BE49-F238E27FC236}">
-                      <a16:creationId xmlns="" xmlns:a16="http://schemas.microsoft.com/office/drawing/2014/main" id="{479B4DDF-7427-437E-87B7-7994E26E728C}"/>
+                      <a16:creationId xmlns:a16="http://schemas.microsoft.com/office/drawing/2014/main" xmlns="" id="{479B4DDF-7427-437E-87B7-7994E26E728C}"/>
                     </a:ext>
                   </a:extLst>
                 </p:cNvPr>
@@ -4825,7 +4909,7 @@
                 <p:cNvPr id="39" name="テキスト ボックス 38">
                   <a:extLst>
                     <a:ext uri="{FF2B5EF4-FFF2-40B4-BE49-F238E27FC236}">
-                      <a16:creationId xmlns="" xmlns:a16="http://schemas.microsoft.com/office/drawing/2014/main" id="{9774E31A-0063-4CE0-A9A1-D45BBB05A9C8}"/>
+                      <a16:creationId xmlns:a16="http://schemas.microsoft.com/office/drawing/2014/main" xmlns="" id="{9774E31A-0063-4CE0-A9A1-D45BBB05A9C8}"/>
                     </a:ext>
                   </a:extLst>
                 </p:cNvPr>
@@ -4865,7 +4949,7 @@
               <p:cNvPr id="23" name="グループ化 22">
                 <a:extLst>
                   <a:ext uri="{FF2B5EF4-FFF2-40B4-BE49-F238E27FC236}">
-                    <a16:creationId xmlns="" xmlns:a16="http://schemas.microsoft.com/office/drawing/2014/main" id="{8CEB5C1D-B949-4327-B495-5272910D5F87}"/>
+                    <a16:creationId xmlns:a16="http://schemas.microsoft.com/office/drawing/2014/main" xmlns="" id="{8CEB5C1D-B949-4327-B495-5272910D5F87}"/>
                   </a:ext>
                 </a:extLst>
               </p:cNvPr>
@@ -4885,7 +4969,7 @@
                 <p:cNvPr id="36" name="図 35" descr="物体 が含まれている画像&#10;&#10;自動的に生成された説明">
                   <a:extLst>
                     <a:ext uri="{FF2B5EF4-FFF2-40B4-BE49-F238E27FC236}">
-                      <a16:creationId xmlns="" xmlns:a16="http://schemas.microsoft.com/office/drawing/2014/main" id="{FB1C4056-473E-4E06-A623-40D4081C4EAC}"/>
+                      <a16:creationId xmlns:a16="http://schemas.microsoft.com/office/drawing/2014/main" xmlns="" id="{FB1C4056-473E-4E06-A623-40D4081C4EAC}"/>
                     </a:ext>
                   </a:extLst>
                 </p:cNvPr>
@@ -4921,7 +5005,7 @@
                 <p:cNvPr id="37" name="テキスト ボックス 36">
                   <a:extLst>
                     <a:ext uri="{FF2B5EF4-FFF2-40B4-BE49-F238E27FC236}">
-                      <a16:creationId xmlns="" xmlns:a16="http://schemas.microsoft.com/office/drawing/2014/main" id="{A9417AE6-E050-4A1B-991F-46A51E57761E}"/>
+                      <a16:creationId xmlns:a16="http://schemas.microsoft.com/office/drawing/2014/main" xmlns="" id="{A9417AE6-E050-4A1B-991F-46A51E57761E}"/>
                     </a:ext>
                   </a:extLst>
                 </p:cNvPr>
@@ -4961,7 +5045,7 @@
               <p:cNvPr id="24" name="グループ化 23">
                 <a:extLst>
                   <a:ext uri="{FF2B5EF4-FFF2-40B4-BE49-F238E27FC236}">
-                    <a16:creationId xmlns="" xmlns:a16="http://schemas.microsoft.com/office/drawing/2014/main" id="{9400590E-D727-4D03-98FF-0ACD12EBC352}"/>
+                    <a16:creationId xmlns:a16="http://schemas.microsoft.com/office/drawing/2014/main" xmlns="" id="{9400590E-D727-4D03-98FF-0ACD12EBC352}"/>
                   </a:ext>
                 </a:extLst>
               </p:cNvPr>
@@ -4981,7 +5065,7 @@
                 <p:cNvPr id="34" name="図 33" descr="物体, 腕時計 が含まれている画像&#10;&#10;自動的に生成された説明">
                   <a:extLst>
                     <a:ext uri="{FF2B5EF4-FFF2-40B4-BE49-F238E27FC236}">
-                      <a16:creationId xmlns="" xmlns:a16="http://schemas.microsoft.com/office/drawing/2014/main" id="{734930D0-5E47-475F-948D-174F652567D0}"/>
+                      <a16:creationId xmlns:a16="http://schemas.microsoft.com/office/drawing/2014/main" xmlns="" id="{734930D0-5E47-475F-948D-174F652567D0}"/>
                     </a:ext>
                   </a:extLst>
                 </p:cNvPr>
@@ -5017,7 +5101,7 @@
                 <p:cNvPr id="35" name="テキスト ボックス 34">
                   <a:extLst>
                     <a:ext uri="{FF2B5EF4-FFF2-40B4-BE49-F238E27FC236}">
-                      <a16:creationId xmlns="" xmlns:a16="http://schemas.microsoft.com/office/drawing/2014/main" id="{99360FF1-7996-43C2-A24E-1DB68F403FE0}"/>
+                      <a16:creationId xmlns:a16="http://schemas.microsoft.com/office/drawing/2014/main" xmlns="" id="{99360FF1-7996-43C2-A24E-1DB68F403FE0}"/>
                     </a:ext>
                   </a:extLst>
                 </p:cNvPr>
@@ -5057,7 +5141,7 @@
               <p:cNvPr id="25" name="グループ化 24">
                 <a:extLst>
                   <a:ext uri="{FF2B5EF4-FFF2-40B4-BE49-F238E27FC236}">
-                    <a16:creationId xmlns="" xmlns:a16="http://schemas.microsoft.com/office/drawing/2014/main" id="{2DC9847F-77D2-4405-8121-1FE5585768EA}"/>
+                    <a16:creationId xmlns:a16="http://schemas.microsoft.com/office/drawing/2014/main" xmlns="" id="{2DC9847F-77D2-4405-8121-1FE5585768EA}"/>
                   </a:ext>
                 </a:extLst>
               </p:cNvPr>
@@ -5077,7 +5161,7 @@
                 <p:cNvPr id="32" name="図 31" descr="物体 が含まれている画像&#10;&#10;自動的に生成された説明">
                   <a:extLst>
                     <a:ext uri="{FF2B5EF4-FFF2-40B4-BE49-F238E27FC236}">
-                      <a16:creationId xmlns="" xmlns:a16="http://schemas.microsoft.com/office/drawing/2014/main" id="{275FE74A-218C-4A15-9492-6A63781312F0}"/>
+                      <a16:creationId xmlns:a16="http://schemas.microsoft.com/office/drawing/2014/main" xmlns="" id="{275FE74A-218C-4A15-9492-6A63781312F0}"/>
                     </a:ext>
                   </a:extLst>
                 </p:cNvPr>
@@ -5113,7 +5197,7 @@
                 <p:cNvPr id="33" name="テキスト ボックス 32">
                   <a:extLst>
                     <a:ext uri="{FF2B5EF4-FFF2-40B4-BE49-F238E27FC236}">
-                      <a16:creationId xmlns="" xmlns:a16="http://schemas.microsoft.com/office/drawing/2014/main" id="{7FEA8835-C677-4EFC-9624-2596C7E0A572}"/>
+                      <a16:creationId xmlns:a16="http://schemas.microsoft.com/office/drawing/2014/main" xmlns="" id="{7FEA8835-C677-4EFC-9624-2596C7E0A572}"/>
                     </a:ext>
                   </a:extLst>
                 </p:cNvPr>
@@ -5157,7 +5241,7 @@
               <p:cNvPr id="11" name="図 10">
                 <a:extLst>
                   <a:ext uri="{FF2B5EF4-FFF2-40B4-BE49-F238E27FC236}">
-                    <a16:creationId xmlns="" xmlns:a16="http://schemas.microsoft.com/office/drawing/2014/main" id="{49264E83-2EAE-4079-9AD2-AC2D699F0D1F}"/>
+                    <a16:creationId xmlns:a16="http://schemas.microsoft.com/office/drawing/2014/main" xmlns="" id="{49264E83-2EAE-4079-9AD2-AC2D699F0D1F}"/>
                   </a:ext>
                 </a:extLst>
               </p:cNvPr>
@@ -5193,7 +5277,7 @@
               <p:cNvPr id="46" name="テキスト ボックス 45">
                 <a:extLst>
                   <a:ext uri="{FF2B5EF4-FFF2-40B4-BE49-F238E27FC236}">
-                    <a16:creationId xmlns="" xmlns:a16="http://schemas.microsoft.com/office/drawing/2014/main" id="{B4B7A388-F763-4A3C-B6C2-124C99BC6F42}"/>
+                    <a16:creationId xmlns:a16="http://schemas.microsoft.com/office/drawing/2014/main" xmlns="" id="{B4B7A388-F763-4A3C-B6C2-124C99BC6F42}"/>
                   </a:ext>
                 </a:extLst>
               </p:cNvPr>
@@ -5388,6 +5472,13 @@
   <p:clrMapOvr>
     <a:masterClrMapping/>
   </p:clrMapOvr>
+  <p:timing>
+    <p:tnLst>
+      <p:par>
+        <p:cTn id="1" dur="indefinite" restart="never" nodeType="tmRoot"/>
+      </p:par>
+    </p:tnLst>
+  </p:timing>
 </p:sld>
 </file>
 
@@ -5413,7 +5504,7 @@
           <p:cNvPr id="5" name="図 4" descr="電子機器 が含まれている画像&#10;&#10;自動的に生成された説明">
             <a:extLst>
               <a:ext uri="{FF2B5EF4-FFF2-40B4-BE49-F238E27FC236}">
-                <a16:creationId xmlns="" xmlns:a16="http://schemas.microsoft.com/office/drawing/2014/main" id="{6CB9A598-CED9-45A4-8DA9-B27BCA36CBEC}"/>
+                <a16:creationId xmlns:a16="http://schemas.microsoft.com/office/drawing/2014/main" xmlns="" id="{6CB9A598-CED9-45A4-8DA9-B27BCA36CBEC}"/>
               </a:ext>
             </a:extLst>
           </p:cNvPr>
@@ -5448,7 +5539,7 @@
           <p:cNvPr id="17" name="楕円 16">
             <a:extLst>
               <a:ext uri="{FF2B5EF4-FFF2-40B4-BE49-F238E27FC236}">
-                <a16:creationId xmlns="" xmlns:a16="http://schemas.microsoft.com/office/drawing/2014/main" id="{787DCF27-FE5D-4F5F-93D9-6E5E3F66733B}"/>
+                <a16:creationId xmlns:a16="http://schemas.microsoft.com/office/drawing/2014/main" xmlns="" id="{787DCF27-FE5D-4F5F-93D9-6E5E3F66733B}"/>
               </a:ext>
             </a:extLst>
           </p:cNvPr>
@@ -5500,7 +5591,7 @@
           <p:cNvPr id="15" name="正方形/長方形 14">
             <a:extLst>
               <a:ext uri="{FF2B5EF4-FFF2-40B4-BE49-F238E27FC236}">
-                <a16:creationId xmlns="" xmlns:a16="http://schemas.microsoft.com/office/drawing/2014/main" id="{3833953A-B36A-4C17-AEC3-8ED45F7CC897}"/>
+                <a16:creationId xmlns:a16="http://schemas.microsoft.com/office/drawing/2014/main" xmlns="" id="{3833953A-B36A-4C17-AEC3-8ED45F7CC897}"/>
               </a:ext>
             </a:extLst>
           </p:cNvPr>
@@ -5552,7 +5643,7 @@
           <p:cNvPr id="16" name="正方形/長方形 15">
             <a:extLst>
               <a:ext uri="{FF2B5EF4-FFF2-40B4-BE49-F238E27FC236}">
-                <a16:creationId xmlns="" xmlns:a16="http://schemas.microsoft.com/office/drawing/2014/main" id="{0A0216B0-C84D-4309-9EC4-75086643960C}"/>
+                <a16:creationId xmlns:a16="http://schemas.microsoft.com/office/drawing/2014/main" xmlns="" id="{0A0216B0-C84D-4309-9EC4-75086643960C}"/>
               </a:ext>
             </a:extLst>
           </p:cNvPr>
@@ -5604,7 +5695,7 @@
           <p:cNvPr id="14" name="正方形/長方形 13">
             <a:extLst>
               <a:ext uri="{FF2B5EF4-FFF2-40B4-BE49-F238E27FC236}">
-                <a16:creationId xmlns="" xmlns:a16="http://schemas.microsoft.com/office/drawing/2014/main" id="{EAC81C78-DEAA-491D-B85A-42AB767010AE}"/>
+                <a16:creationId xmlns:a16="http://schemas.microsoft.com/office/drawing/2014/main" xmlns="" id="{EAC81C78-DEAA-491D-B85A-42AB767010AE}"/>
               </a:ext>
             </a:extLst>
           </p:cNvPr>
@@ -5656,7 +5747,7 @@
           <p:cNvPr id="6" name="テキスト ボックス 5">
             <a:extLst>
               <a:ext uri="{FF2B5EF4-FFF2-40B4-BE49-F238E27FC236}">
-                <a16:creationId xmlns="" xmlns:a16="http://schemas.microsoft.com/office/drawing/2014/main" id="{B35D99F0-6DC1-4BC2-88F1-81631344B7F9}"/>
+                <a16:creationId xmlns:a16="http://schemas.microsoft.com/office/drawing/2014/main" xmlns="" id="{B35D99F0-6DC1-4BC2-88F1-81631344B7F9}"/>
               </a:ext>
             </a:extLst>
           </p:cNvPr>
@@ -5701,7 +5792,7 @@
           <p:cNvPr id="7" name="吹き出し: 四角形 6">
             <a:extLst>
               <a:ext uri="{FF2B5EF4-FFF2-40B4-BE49-F238E27FC236}">
-                <a16:creationId xmlns="" xmlns:a16="http://schemas.microsoft.com/office/drawing/2014/main" id="{BA75D2B1-3296-4A6C-97CF-CD76A284141D}"/>
+                <a16:creationId xmlns:a16="http://schemas.microsoft.com/office/drawing/2014/main" xmlns="" id="{BA75D2B1-3296-4A6C-97CF-CD76A284141D}"/>
               </a:ext>
             </a:extLst>
           </p:cNvPr>
@@ -5756,7 +5847,7 @@
           <p:cNvPr id="8" name="吹き出し: 四角形 7">
             <a:extLst>
               <a:ext uri="{FF2B5EF4-FFF2-40B4-BE49-F238E27FC236}">
-                <a16:creationId xmlns="" xmlns:a16="http://schemas.microsoft.com/office/drawing/2014/main" id="{88AD402C-D557-4604-82F7-689D61968750}"/>
+                <a16:creationId xmlns:a16="http://schemas.microsoft.com/office/drawing/2014/main" xmlns="" id="{88AD402C-D557-4604-82F7-689D61968750}"/>
               </a:ext>
             </a:extLst>
           </p:cNvPr>
@@ -5818,7 +5909,7 @@
           <p:cNvPr id="9" name="吹き出し: 四角形 8">
             <a:extLst>
               <a:ext uri="{FF2B5EF4-FFF2-40B4-BE49-F238E27FC236}">
-                <a16:creationId xmlns="" xmlns:a16="http://schemas.microsoft.com/office/drawing/2014/main" id="{BF8E2C7C-205C-42CA-B382-A5D5630D39B2}"/>
+                <a16:creationId xmlns:a16="http://schemas.microsoft.com/office/drawing/2014/main" xmlns="" id="{BF8E2C7C-205C-42CA-B382-A5D5630D39B2}"/>
               </a:ext>
             </a:extLst>
           </p:cNvPr>
@@ -5877,7 +5968,7 @@
           <p:cNvPr id="10" name="吹き出し: 四角形 9">
             <a:extLst>
               <a:ext uri="{FF2B5EF4-FFF2-40B4-BE49-F238E27FC236}">
-                <a16:creationId xmlns="" xmlns:a16="http://schemas.microsoft.com/office/drawing/2014/main" id="{1E8E5AAD-2EFF-40AE-87B5-A62E3863DB06}"/>
+                <a16:creationId xmlns:a16="http://schemas.microsoft.com/office/drawing/2014/main" xmlns="" id="{1E8E5AAD-2EFF-40AE-87B5-A62E3863DB06}"/>
               </a:ext>
             </a:extLst>
           </p:cNvPr>
@@ -5956,7 +6047,7 @@
           <p:cNvPr id="11" name="吹き出し: 四角形 10">
             <a:extLst>
               <a:ext uri="{FF2B5EF4-FFF2-40B4-BE49-F238E27FC236}">
-                <a16:creationId xmlns="" xmlns:a16="http://schemas.microsoft.com/office/drawing/2014/main" id="{0876C132-70D4-4EE9-A059-2EE9BBCFA5AC}"/>
+                <a16:creationId xmlns:a16="http://schemas.microsoft.com/office/drawing/2014/main" xmlns="" id="{0876C132-70D4-4EE9-A059-2EE9BBCFA5AC}"/>
               </a:ext>
             </a:extLst>
           </p:cNvPr>
@@ -6011,7 +6102,7 @@
           <p:cNvPr id="12" name="吹き出し: 四角形 11">
             <a:extLst>
               <a:ext uri="{FF2B5EF4-FFF2-40B4-BE49-F238E27FC236}">
-                <a16:creationId xmlns="" xmlns:a16="http://schemas.microsoft.com/office/drawing/2014/main" id="{30266963-E240-4012-99DE-6906E5DDC8E7}"/>
+                <a16:creationId xmlns:a16="http://schemas.microsoft.com/office/drawing/2014/main" xmlns="" id="{30266963-E240-4012-99DE-6906E5DDC8E7}"/>
               </a:ext>
             </a:extLst>
           </p:cNvPr>
@@ -6108,7 +6199,7 @@
           <p:cNvPr id="13" name="正方形/長方形 12">
             <a:extLst>
               <a:ext uri="{FF2B5EF4-FFF2-40B4-BE49-F238E27FC236}">
-                <a16:creationId xmlns="" xmlns:a16="http://schemas.microsoft.com/office/drawing/2014/main" id="{C5B52C5E-840D-45E5-8E3C-3E2AD99D4E85}"/>
+                <a16:creationId xmlns:a16="http://schemas.microsoft.com/office/drawing/2014/main" xmlns="" id="{C5B52C5E-840D-45E5-8E3C-3E2AD99D4E85}"/>
               </a:ext>
             </a:extLst>
           </p:cNvPr>
@@ -6160,7 +6251,7 @@
           <p:cNvPr id="18" name="正方形/長方形 17">
             <a:extLst>
               <a:ext uri="{FF2B5EF4-FFF2-40B4-BE49-F238E27FC236}">
-                <a16:creationId xmlns="" xmlns:a16="http://schemas.microsoft.com/office/drawing/2014/main" id="{85B86C3D-1D0B-4CA9-A09E-F9104FAC8E9A}"/>
+                <a16:creationId xmlns:a16="http://schemas.microsoft.com/office/drawing/2014/main" xmlns="" id="{85B86C3D-1D0B-4CA9-A09E-F9104FAC8E9A}"/>
               </a:ext>
             </a:extLst>
           </p:cNvPr>
@@ -6212,7 +6303,7 @@
           <p:cNvPr id="19" name="吹き出し: 四角形 18">
             <a:extLst>
               <a:ext uri="{FF2B5EF4-FFF2-40B4-BE49-F238E27FC236}">
-                <a16:creationId xmlns="" xmlns:a16="http://schemas.microsoft.com/office/drawing/2014/main" id="{D2673875-651C-40E4-8256-1F77677989CB}"/>
+                <a16:creationId xmlns:a16="http://schemas.microsoft.com/office/drawing/2014/main" xmlns="" id="{D2673875-651C-40E4-8256-1F77677989CB}"/>
               </a:ext>
             </a:extLst>
           </p:cNvPr>
@@ -6283,6 +6374,13 @@
   <p:clrMapOvr>
     <a:masterClrMapping/>
   </p:clrMapOvr>
+  <p:timing>
+    <p:tnLst>
+      <p:par>
+        <p:cTn id="1" dur="indefinite" restart="never" nodeType="tmRoot"/>
+      </p:par>
+    </p:tnLst>
+  </p:timing>
 </p:sld>
 </file>
 
@@ -6308,7 +6406,7 @@
           <p:cNvPr id="6" name="テキスト ボックス 5">
             <a:extLst>
               <a:ext uri="{FF2B5EF4-FFF2-40B4-BE49-F238E27FC236}">
-                <a16:creationId xmlns="" xmlns:a16="http://schemas.microsoft.com/office/drawing/2014/main" id="{83D9254C-066B-4A30-984B-189E5281BB91}"/>
+                <a16:creationId xmlns:a16="http://schemas.microsoft.com/office/drawing/2014/main" xmlns="" id="{83D9254C-066B-4A30-984B-189E5281BB91}"/>
               </a:ext>
             </a:extLst>
           </p:cNvPr>
@@ -6353,7 +6451,7 @@
           <p:cNvPr id="7" name="テキスト ボックス 6">
             <a:extLst>
               <a:ext uri="{FF2B5EF4-FFF2-40B4-BE49-F238E27FC236}">
-                <a16:creationId xmlns="" xmlns:a16="http://schemas.microsoft.com/office/drawing/2014/main" id="{A3B678AB-5F6D-47A2-AC3D-C9904D8B3FE5}"/>
+                <a16:creationId xmlns:a16="http://schemas.microsoft.com/office/drawing/2014/main" xmlns="" id="{A3B678AB-5F6D-47A2-AC3D-C9904D8B3FE5}"/>
               </a:ext>
             </a:extLst>
           </p:cNvPr>
@@ -6395,7 +6493,7 @@
           <p:cNvPr id="8" name="テキスト ボックス 7">
             <a:extLst>
               <a:ext uri="{FF2B5EF4-FFF2-40B4-BE49-F238E27FC236}">
-                <a16:creationId xmlns="" xmlns:a16="http://schemas.microsoft.com/office/drawing/2014/main" id="{81F92070-255F-4692-ABB1-F5486542D8FF}"/>
+                <a16:creationId xmlns:a16="http://schemas.microsoft.com/office/drawing/2014/main" xmlns="" id="{81F92070-255F-4692-ABB1-F5486542D8FF}"/>
               </a:ext>
             </a:extLst>
           </p:cNvPr>
@@ -6538,7 +6636,7 @@
           <p:cNvPr id="10" name="テキスト ボックス 9">
             <a:extLst>
               <a:ext uri="{FF2B5EF4-FFF2-40B4-BE49-F238E27FC236}">
-                <a16:creationId xmlns="" xmlns:a16="http://schemas.microsoft.com/office/drawing/2014/main" id="{946FF0DF-B758-41C2-85D3-67DA048E99B2}"/>
+                <a16:creationId xmlns:a16="http://schemas.microsoft.com/office/drawing/2014/main" xmlns="" id="{946FF0DF-B758-41C2-85D3-67DA048E99B2}"/>
               </a:ext>
             </a:extLst>
           </p:cNvPr>
@@ -6602,6 +6700,13 @@
   <p:clrMapOvr>
     <a:masterClrMapping/>
   </p:clrMapOvr>
+  <p:timing>
+    <p:tnLst>
+      <p:par>
+        <p:cTn id="1" dur="indefinite" restart="never" nodeType="tmRoot"/>
+      </p:par>
+    </p:tnLst>
+  </p:timing>
 </p:sld>
 </file>
 
@@ -6627,7 +6732,7 @@
           <p:cNvPr id="4" name="テキスト ボックス 3">
             <a:extLst>
               <a:ext uri="{FF2B5EF4-FFF2-40B4-BE49-F238E27FC236}">
-                <a16:creationId xmlns="" xmlns:a16="http://schemas.microsoft.com/office/drawing/2014/main" id="{83D9254C-066B-4A30-984B-189E5281BB91}"/>
+                <a16:creationId xmlns:a16="http://schemas.microsoft.com/office/drawing/2014/main" xmlns="" id="{83D9254C-066B-4A30-984B-189E5281BB91}"/>
               </a:ext>
             </a:extLst>
           </p:cNvPr>
@@ -6785,14 +6890,7 @@
                 <a:latin typeface="チェックポイント．（ピリオド）" panose="02000600000000000000" pitchFamily="50" charset="-128"/>
                 <a:ea typeface="チェックポイント．（ピリオド）" panose="02000600000000000000" pitchFamily="50" charset="-128"/>
               </a:rPr>
-              <a:t>もしく</a:t>
-            </a:r>
-            <a:r>
-              <a:rPr lang="ja-JP" altLang="en-US" sz="2000" dirty="0" smtClean="0">
-                <a:latin typeface="チェックポイント．（ピリオド）" panose="02000600000000000000" pitchFamily="50" charset="-128"/>
-                <a:ea typeface="チェックポイント．（ピリオド）" panose="02000600000000000000" pitchFamily="50" charset="-128"/>
-              </a:rPr>
-              <a:t>は</a:t>
+              <a:t>もしくは</a:t>
             </a:r>
             <a:r>
               <a:rPr lang="en-US" altLang="ja-JP" sz="2000" dirty="0" smtClean="0">
@@ -6809,14 +6907,7 @@
                 <a:latin typeface="チェックポイント．（ピリオド）" panose="02000600000000000000" pitchFamily="50" charset="-128"/>
                 <a:ea typeface="チェックポイント．（ピリオド）" panose="02000600000000000000" pitchFamily="50" charset="-128"/>
               </a:rPr>
-              <a:t>キー</a:t>
-            </a:r>
-            <a:r>
-              <a:rPr lang="ja-JP" altLang="en-US" sz="2000" dirty="0" smtClean="0">
-                <a:latin typeface="チェックポイント．（ピリオド）" panose="02000600000000000000" pitchFamily="50" charset="-128"/>
-                <a:ea typeface="チェックポイント．（ピリオド）" panose="02000600000000000000" pitchFamily="50" charset="-128"/>
-              </a:rPr>
-              <a:t>を押すことでスペシャル技を発動することが可能です。</a:t>
+              <a:t>キーを押すことでスペシャル技を発動することが可能です。</a:t>
             </a:r>
             <a:endParaRPr kumimoji="1" lang="ja-JP" altLang="en-US" sz="2000" dirty="0">
               <a:latin typeface="チェックポイント．（ピリオド）" panose="02000600000000000000" pitchFamily="50" charset="-128"/>
@@ -6879,14 +6970,7 @@
                 <a:latin typeface="チェックポイント．（ピリオド）" panose="02000600000000000000" pitchFamily="50" charset="-128"/>
                 <a:ea typeface="チェックポイント．（ピリオド）" panose="02000600000000000000" pitchFamily="50" charset="-128"/>
               </a:rPr>
-              <a:t>惑星ごとに獲得できるスペシャル技が違う</a:t>
-            </a:r>
-            <a:r>
-              <a:rPr kumimoji="1" lang="ja-JP" altLang="en-US" sz="2400" dirty="0" smtClean="0">
-                <a:latin typeface="チェックポイント．（ピリオド）" panose="02000600000000000000" pitchFamily="50" charset="-128"/>
-                <a:ea typeface="チェックポイント．（ピリオド）" panose="02000600000000000000" pitchFamily="50" charset="-128"/>
-              </a:rPr>
-              <a:t>ので</a:t>
+              <a:t>惑星ごとに獲得できるスペシャル技が違うので</a:t>
             </a:r>
             <a:endParaRPr kumimoji="1" lang="en-US" altLang="ja-JP" sz="2400" dirty="0" smtClean="0">
               <a:latin typeface="チェックポイント．（ピリオド）" panose="02000600000000000000" pitchFamily="50" charset="-128"/>
@@ -6899,14 +6983,7 @@
                 <a:latin typeface="チェックポイント．（ピリオド）" panose="02000600000000000000" pitchFamily="50" charset="-128"/>
                 <a:ea typeface="チェックポイント．（ピリオド）" panose="02000600000000000000" pitchFamily="50" charset="-128"/>
               </a:rPr>
-              <a:t>自分</a:t>
-            </a:r>
-            <a:r>
-              <a:rPr kumimoji="1" lang="ja-JP" altLang="en-US" sz="2400" dirty="0" smtClean="0">
-                <a:latin typeface="チェックポイント．（ピリオド）" panose="02000600000000000000" pitchFamily="50" charset="-128"/>
-                <a:ea typeface="チェックポイント．（ピリオド）" panose="02000600000000000000" pitchFamily="50" charset="-128"/>
-              </a:rPr>
-              <a:t>に合ったスペシャル技を獲得してください。</a:t>
+              <a:t>自分に合ったスペシャル技を獲得してください。</a:t>
             </a:r>
             <a:endParaRPr kumimoji="1" lang="ja-JP" altLang="en-US" dirty="0">
               <a:latin typeface="チェックポイント．（ピリオド）" panose="02000600000000000000" pitchFamily="50" charset="-128"/>
@@ -7108,7 +7185,7 @@
           <p:cNvPr id="3" name="図 2" descr="物体 が含まれている画像&#10;&#10;自動的に生成された説明">
             <a:extLst>
               <a:ext uri="{FF2B5EF4-FFF2-40B4-BE49-F238E27FC236}">
-                <a16:creationId xmlns="" xmlns:a16="http://schemas.microsoft.com/office/drawing/2014/main" id="{69BA893B-4907-48D5-8940-A23E267BFE4C}"/>
+                <a16:creationId xmlns:a16="http://schemas.microsoft.com/office/drawing/2014/main" xmlns="" id="{69BA893B-4907-48D5-8940-A23E267BFE4C}"/>
               </a:ext>
             </a:extLst>
           </p:cNvPr>
@@ -7683,7 +7760,7 @@
           <p:cNvPr id="13" name="正方形/長方形 12">
             <a:extLst>
               <a:ext uri="{FF2B5EF4-FFF2-40B4-BE49-F238E27FC236}">
-                <a16:creationId xmlns="" xmlns:a16="http://schemas.microsoft.com/office/drawing/2014/main" id="{A37BEE43-2066-46D6-8830-D8556B22304D}"/>
+                <a16:creationId xmlns:a16="http://schemas.microsoft.com/office/drawing/2014/main" xmlns="" id="{A37BEE43-2066-46D6-8830-D8556B22304D}"/>
               </a:ext>
             </a:extLst>
           </p:cNvPr>
@@ -7735,7 +7812,7 @@
           <p:cNvPr id="14" name="正方形/長方形 13">
             <a:extLst>
               <a:ext uri="{FF2B5EF4-FFF2-40B4-BE49-F238E27FC236}">
-                <a16:creationId xmlns="" xmlns:a16="http://schemas.microsoft.com/office/drawing/2014/main" id="{BA56A8B8-81E8-409C-8A37-384626294E40}"/>
+                <a16:creationId xmlns:a16="http://schemas.microsoft.com/office/drawing/2014/main" xmlns="" id="{BA56A8B8-81E8-409C-8A37-384626294E40}"/>
               </a:ext>
             </a:extLst>
           </p:cNvPr>
@@ -7787,7 +7864,7 @@
           <p:cNvPr id="15" name="正方形/長方形 14">
             <a:extLst>
               <a:ext uri="{FF2B5EF4-FFF2-40B4-BE49-F238E27FC236}">
-                <a16:creationId xmlns="" xmlns:a16="http://schemas.microsoft.com/office/drawing/2014/main" id="{AF0DEFD2-0EA7-416C-9349-A86003C1114B}"/>
+                <a16:creationId xmlns:a16="http://schemas.microsoft.com/office/drawing/2014/main" xmlns="" id="{AF0DEFD2-0EA7-416C-9349-A86003C1114B}"/>
               </a:ext>
             </a:extLst>
           </p:cNvPr>
@@ -7839,7 +7916,7 @@
           <p:cNvPr id="18" name="正方形/長方形 17">
             <a:extLst>
               <a:ext uri="{FF2B5EF4-FFF2-40B4-BE49-F238E27FC236}">
-                <a16:creationId xmlns="" xmlns:a16="http://schemas.microsoft.com/office/drawing/2014/main" id="{DFCE669F-B98A-49D5-9CD8-578BB88718CC}"/>
+                <a16:creationId xmlns:a16="http://schemas.microsoft.com/office/drawing/2014/main" xmlns="" id="{DFCE669F-B98A-49D5-9CD8-578BB88718CC}"/>
               </a:ext>
             </a:extLst>
           </p:cNvPr>
@@ -7928,7 +8005,7 @@
           <p:cNvPr id="3" name="図 2" descr="テキスト, スコアボード, 屋外, 標識 が含まれている画像&#10;&#10;自動的に生成された説明">
             <a:extLst>
               <a:ext uri="{FF2B5EF4-FFF2-40B4-BE49-F238E27FC236}">
-                <a16:creationId xmlns="" xmlns:a16="http://schemas.microsoft.com/office/drawing/2014/main" id="{D1EC1C6B-8E37-484B-BC32-54F28F2C22FE}"/>
+                <a16:creationId xmlns:a16="http://schemas.microsoft.com/office/drawing/2014/main" xmlns="" id="{D1EC1C6B-8E37-484B-BC32-54F28F2C22FE}"/>
               </a:ext>
             </a:extLst>
           </p:cNvPr>
@@ -8453,7 +8530,7 @@
           <p:cNvPr id="10" name="正方形/長方形 9">
             <a:extLst>
               <a:ext uri="{FF2B5EF4-FFF2-40B4-BE49-F238E27FC236}">
-                <a16:creationId xmlns="" xmlns:a16="http://schemas.microsoft.com/office/drawing/2014/main" id="{6FFE011D-710D-4A4F-9825-141048483DC9}"/>
+                <a16:creationId xmlns:a16="http://schemas.microsoft.com/office/drawing/2014/main" xmlns="" id="{6FFE011D-710D-4A4F-9825-141048483DC9}"/>
               </a:ext>
             </a:extLst>
           </p:cNvPr>
@@ -8505,7 +8582,7 @@
           <p:cNvPr id="11" name="正方形/長方形 10">
             <a:extLst>
               <a:ext uri="{FF2B5EF4-FFF2-40B4-BE49-F238E27FC236}">
-                <a16:creationId xmlns="" xmlns:a16="http://schemas.microsoft.com/office/drawing/2014/main" id="{E20945F6-E8A3-4843-8AA8-C3CA375AAF01}"/>
+                <a16:creationId xmlns:a16="http://schemas.microsoft.com/office/drawing/2014/main" xmlns="" id="{E20945F6-E8A3-4843-8AA8-C3CA375AAF01}"/>
               </a:ext>
             </a:extLst>
           </p:cNvPr>
@@ -8557,7 +8634,7 @@
           <p:cNvPr id="12" name="正方形/長方形 11">
             <a:extLst>
               <a:ext uri="{FF2B5EF4-FFF2-40B4-BE49-F238E27FC236}">
-                <a16:creationId xmlns="" xmlns:a16="http://schemas.microsoft.com/office/drawing/2014/main" id="{7A027602-FE49-443B-B979-695A16DF3603}"/>
+                <a16:creationId xmlns:a16="http://schemas.microsoft.com/office/drawing/2014/main" xmlns="" id="{7A027602-FE49-443B-B979-695A16DF3603}"/>
               </a:ext>
             </a:extLst>
           </p:cNvPr>
@@ -8609,7 +8686,7 @@
           <p:cNvPr id="13" name="正方形/長方形 12">
             <a:extLst>
               <a:ext uri="{FF2B5EF4-FFF2-40B4-BE49-F238E27FC236}">
-                <a16:creationId xmlns="" xmlns:a16="http://schemas.microsoft.com/office/drawing/2014/main" id="{6D5653B2-A431-4E41-A84C-D2D0A59D8FFF}"/>
+                <a16:creationId xmlns:a16="http://schemas.microsoft.com/office/drawing/2014/main" xmlns="" id="{6D5653B2-A431-4E41-A84C-D2D0A59D8FFF}"/>
               </a:ext>
             </a:extLst>
           </p:cNvPr>
@@ -8661,7 +8738,7 @@
           <p:cNvPr id="15" name="正方形/長方形 14">
             <a:extLst>
               <a:ext uri="{FF2B5EF4-FFF2-40B4-BE49-F238E27FC236}">
-                <a16:creationId xmlns="" xmlns:a16="http://schemas.microsoft.com/office/drawing/2014/main" id="{E0E6CB0D-AD4F-4358-8DF1-ECAD7B65F9F5}"/>
+                <a16:creationId xmlns:a16="http://schemas.microsoft.com/office/drawing/2014/main" xmlns="" id="{E0E6CB0D-AD4F-4358-8DF1-ECAD7B65F9F5}"/>
               </a:ext>
             </a:extLst>
           </p:cNvPr>
@@ -8713,7 +8790,7 @@
           <p:cNvPr id="16" name="四角形吹き出し 4">
             <a:extLst>
               <a:ext uri="{FF2B5EF4-FFF2-40B4-BE49-F238E27FC236}">
-                <a16:creationId xmlns="" xmlns:a16="http://schemas.microsoft.com/office/drawing/2014/main" id="{63DDAF72-AE4E-4AAC-AC6F-2CCD1ADC7265}"/>
+                <a16:creationId xmlns:a16="http://schemas.microsoft.com/office/drawing/2014/main" xmlns="" id="{63DDAF72-AE4E-4AAC-AC6F-2CCD1ADC7265}"/>
               </a:ext>
             </a:extLst>
           </p:cNvPr>
@@ -8816,7 +8893,7 @@
           <p:cNvPr id="3" name="図 2" descr="テキスト, 標識, 通り, 屋外 が含まれている画像&#10;&#10;自動的に生成された説明">
             <a:extLst>
               <a:ext uri="{FF2B5EF4-FFF2-40B4-BE49-F238E27FC236}">
-                <a16:creationId xmlns="" xmlns:a16="http://schemas.microsoft.com/office/drawing/2014/main" id="{EB877469-AC96-48FE-9472-8035C84EFB97}"/>
+                <a16:creationId xmlns:a16="http://schemas.microsoft.com/office/drawing/2014/main" xmlns="" id="{EB877469-AC96-48FE-9472-8035C84EFB97}"/>
               </a:ext>
             </a:extLst>
           </p:cNvPr>
@@ -9234,7 +9311,7 @@
           <p:cNvPr id="8" name="正方形/長方形 7">
             <a:extLst>
               <a:ext uri="{FF2B5EF4-FFF2-40B4-BE49-F238E27FC236}">
-                <a16:creationId xmlns="" xmlns:a16="http://schemas.microsoft.com/office/drawing/2014/main" id="{F7BE2C32-C21E-4467-87D2-8052D2B5FDA7}"/>
+                <a16:creationId xmlns:a16="http://schemas.microsoft.com/office/drawing/2014/main" xmlns="" id="{F7BE2C32-C21E-4467-87D2-8052D2B5FDA7}"/>
               </a:ext>
             </a:extLst>
           </p:cNvPr>
@@ -9286,7 +9363,7 @@
           <p:cNvPr id="12" name="正方形/長方形 11">
             <a:extLst>
               <a:ext uri="{FF2B5EF4-FFF2-40B4-BE49-F238E27FC236}">
-                <a16:creationId xmlns="" xmlns:a16="http://schemas.microsoft.com/office/drawing/2014/main" id="{40ABF9C2-DF54-4877-A01A-A46FE482F6B4}"/>
+                <a16:creationId xmlns:a16="http://schemas.microsoft.com/office/drawing/2014/main" xmlns="" id="{40ABF9C2-DF54-4877-A01A-A46FE482F6B4}"/>
               </a:ext>
             </a:extLst>
           </p:cNvPr>
@@ -9338,7 +9415,7 @@
           <p:cNvPr id="14" name="正方形/長方形 13">
             <a:extLst>
               <a:ext uri="{FF2B5EF4-FFF2-40B4-BE49-F238E27FC236}">
-                <a16:creationId xmlns="" xmlns:a16="http://schemas.microsoft.com/office/drawing/2014/main" id="{04C836FE-EE43-45CD-B4BE-F7E0ABEE0088}"/>
+                <a16:creationId xmlns:a16="http://schemas.microsoft.com/office/drawing/2014/main" xmlns="" id="{04C836FE-EE43-45CD-B4BE-F7E0ABEE0088}"/>
               </a:ext>
             </a:extLst>
           </p:cNvPr>
@@ -9390,7 +9467,7 @@
           <p:cNvPr id="16" name="吹き出し: 四角形 15">
             <a:extLst>
               <a:ext uri="{FF2B5EF4-FFF2-40B4-BE49-F238E27FC236}">
-                <a16:creationId xmlns="" xmlns:a16="http://schemas.microsoft.com/office/drawing/2014/main" id="{3ECE61CD-6BC4-463C-897C-903CC3F098F0}"/>
+                <a16:creationId xmlns:a16="http://schemas.microsoft.com/office/drawing/2014/main" xmlns="" id="{3ECE61CD-6BC4-463C-897C-903CC3F098F0}"/>
               </a:ext>
             </a:extLst>
           </p:cNvPr>
@@ -9491,7 +9568,7 @@
           <p:cNvPr id="5" name="図 4">
             <a:extLst>
               <a:ext uri="{FF2B5EF4-FFF2-40B4-BE49-F238E27FC236}">
-                <a16:creationId xmlns="" xmlns:a16="http://schemas.microsoft.com/office/drawing/2014/main" id="{165CE0B9-374D-46A3-97C1-E7AFAFB5DEDF}"/>
+                <a16:creationId xmlns:a16="http://schemas.microsoft.com/office/drawing/2014/main" xmlns="" id="{165CE0B9-374D-46A3-97C1-E7AFAFB5DEDF}"/>
               </a:ext>
             </a:extLst>
           </p:cNvPr>
@@ -9526,7 +9603,7 @@
           <p:cNvPr id="6" name="テキスト ボックス 5">
             <a:extLst>
               <a:ext uri="{FF2B5EF4-FFF2-40B4-BE49-F238E27FC236}">
-                <a16:creationId xmlns="" xmlns:a16="http://schemas.microsoft.com/office/drawing/2014/main" id="{EEBBDC81-60E0-49FD-9EFB-874F038CCD29}"/>
+                <a16:creationId xmlns:a16="http://schemas.microsoft.com/office/drawing/2014/main" xmlns="" id="{EEBBDC81-60E0-49FD-9EFB-874F038CCD29}"/>
               </a:ext>
             </a:extLst>
           </p:cNvPr>
@@ -9578,7 +9655,7 @@
           <p:cNvPr id="12" name="グループ化 11">
             <a:extLst>
               <a:ext uri="{FF2B5EF4-FFF2-40B4-BE49-F238E27FC236}">
-                <a16:creationId xmlns="" xmlns:a16="http://schemas.microsoft.com/office/drawing/2014/main" id="{797C4648-EAB3-4303-9BBE-4050E32CDCAC}"/>
+                <a16:creationId xmlns:a16="http://schemas.microsoft.com/office/drawing/2014/main" xmlns="" id="{797C4648-EAB3-4303-9BBE-4050E32CDCAC}"/>
               </a:ext>
             </a:extLst>
           </p:cNvPr>
@@ -9598,7 +9675,7 @@
             <p:cNvPr id="8" name="テキスト ボックス 7">
               <a:extLst>
                 <a:ext uri="{FF2B5EF4-FFF2-40B4-BE49-F238E27FC236}">
-                  <a16:creationId xmlns="" xmlns:a16="http://schemas.microsoft.com/office/drawing/2014/main" id="{732F859C-017C-4DF8-8D5C-BAFB7C322941}"/>
+                  <a16:creationId xmlns:a16="http://schemas.microsoft.com/office/drawing/2014/main" xmlns="" id="{732F859C-017C-4DF8-8D5C-BAFB7C322941}"/>
                 </a:ext>
               </a:extLst>
             </p:cNvPr>
@@ -9639,7 +9716,7 @@
             <p:cNvPr id="9" name="テキスト ボックス 8">
               <a:extLst>
                 <a:ext uri="{FF2B5EF4-FFF2-40B4-BE49-F238E27FC236}">
-                  <a16:creationId xmlns="" xmlns:a16="http://schemas.microsoft.com/office/drawing/2014/main" id="{8712CBD0-DD3F-4A86-9652-7FFA75AD120B}"/>
+                  <a16:creationId xmlns:a16="http://schemas.microsoft.com/office/drawing/2014/main" xmlns="" id="{8712CBD0-DD3F-4A86-9652-7FFA75AD120B}"/>
                 </a:ext>
               </a:extLst>
             </p:cNvPr>
@@ -9716,7 +9793,7 @@
           <p:cNvPr id="13" name="グループ化 12">
             <a:extLst>
               <a:ext uri="{FF2B5EF4-FFF2-40B4-BE49-F238E27FC236}">
-                <a16:creationId xmlns="" xmlns:a16="http://schemas.microsoft.com/office/drawing/2014/main" id="{DED0F105-29CA-4D82-BF68-6B4A196F19AA}"/>
+                <a16:creationId xmlns:a16="http://schemas.microsoft.com/office/drawing/2014/main" xmlns="" id="{DED0F105-29CA-4D82-BF68-6B4A196F19AA}"/>
               </a:ext>
             </a:extLst>
           </p:cNvPr>
@@ -9736,7 +9813,7 @@
             <p:cNvPr id="7" name="テキスト ボックス 6">
               <a:extLst>
                 <a:ext uri="{FF2B5EF4-FFF2-40B4-BE49-F238E27FC236}">
-                  <a16:creationId xmlns="" xmlns:a16="http://schemas.microsoft.com/office/drawing/2014/main" id="{54618E3D-3C8D-4D29-8362-5B6918855191}"/>
+                  <a16:creationId xmlns:a16="http://schemas.microsoft.com/office/drawing/2014/main" xmlns="" id="{54618E3D-3C8D-4D29-8362-5B6918855191}"/>
                 </a:ext>
               </a:extLst>
             </p:cNvPr>
@@ -9777,7 +9854,7 @@
             <p:cNvPr id="11" name="テキスト ボックス 10">
               <a:extLst>
                 <a:ext uri="{FF2B5EF4-FFF2-40B4-BE49-F238E27FC236}">
-                  <a16:creationId xmlns="" xmlns:a16="http://schemas.microsoft.com/office/drawing/2014/main" id="{6825228E-EBCE-401A-B0BC-7661792A6F00}"/>
+                  <a16:creationId xmlns:a16="http://schemas.microsoft.com/office/drawing/2014/main" xmlns="" id="{6825228E-EBCE-401A-B0BC-7661792A6F00}"/>
                 </a:ext>
               </a:extLst>
             </p:cNvPr>
@@ -9921,47 +9998,12 @@
           <a:chExt cx="0" cy="0"/>
         </a:xfrm>
       </p:grpSpPr>
-      <p:pic>
-        <p:nvPicPr>
-          <p:cNvPr id="4" name="図 3">
-            <a:extLst>
-              <a:ext uri="{FF2B5EF4-FFF2-40B4-BE49-F238E27FC236}">
-                <a16:creationId xmlns="" xmlns:a16="http://schemas.microsoft.com/office/drawing/2014/main" id="{84E4BD2B-BD98-4D0D-BD92-46FAC62B133A}"/>
-              </a:ext>
-            </a:extLst>
-          </p:cNvPr>
-          <p:cNvPicPr>
-            <a:picLocks noChangeAspect="1"/>
-          </p:cNvPicPr>
-          <p:nvPr/>
-        </p:nvPicPr>
-        <p:blipFill rotWithShape="1">
-          <a:blip r:embed="rId2">
-            <a:extLst>
-              <a:ext uri="{28A0092B-C50C-407E-A947-70E740481C1C}">
-                <a14:useLocalDpi xmlns:a14="http://schemas.microsoft.com/office/drawing/2010/main" val="0"/>
-              </a:ext>
-            </a:extLst>
-          </a:blip>
-          <a:srcRect l="78269" t="17579" r="9153" b="46714"/>
-          <a:stretch/>
-        </p:blipFill>
-        <p:spPr>
-          <a:xfrm>
-            <a:off x="881661" y="1586253"/>
-            <a:ext cx="1597024" cy="1805786"/>
-          </a:xfrm>
-          <a:prstGeom prst="rect">
-            <a:avLst/>
-          </a:prstGeom>
-        </p:spPr>
-      </p:pic>
       <p:sp>
         <p:nvSpPr>
           <p:cNvPr id="5" name="テキスト ボックス 4">
             <a:extLst>
               <a:ext uri="{FF2B5EF4-FFF2-40B4-BE49-F238E27FC236}">
-                <a16:creationId xmlns="" xmlns:a16="http://schemas.microsoft.com/office/drawing/2014/main" id="{3EEDA683-E7C7-4A3A-9045-88BF1220584E}"/>
+                <a16:creationId xmlns:a16="http://schemas.microsoft.com/office/drawing/2014/main" xmlns="" id="{3EEDA683-E7C7-4A3A-9045-88BF1220584E}"/>
               </a:ext>
             </a:extLst>
           </p:cNvPr>
@@ -10013,7 +10055,7 @@
           <p:cNvPr id="6" name="テキスト ボックス 5">
             <a:extLst>
               <a:ext uri="{FF2B5EF4-FFF2-40B4-BE49-F238E27FC236}">
-                <a16:creationId xmlns="" xmlns:a16="http://schemas.microsoft.com/office/drawing/2014/main" id="{C9FCE914-94E5-4B3F-B2D2-96FDE0E6E9D8}"/>
+                <a16:creationId xmlns:a16="http://schemas.microsoft.com/office/drawing/2014/main" xmlns="" id="{C9FCE914-94E5-4B3F-B2D2-96FDE0E6E9D8}"/>
               </a:ext>
             </a:extLst>
           </p:cNvPr>
@@ -10022,8 +10064,8 @@
         </p:nvSpPr>
         <p:spPr>
           <a:xfrm>
-            <a:off x="463949" y="3959004"/>
-            <a:ext cx="5108573" cy="523220"/>
+            <a:off x="463950" y="3959004"/>
+            <a:ext cx="2754264" cy="523220"/>
           </a:xfrm>
           <a:prstGeom prst="rect">
             <a:avLst/>
@@ -10044,8 +10086,25 @@
                 <a:latin typeface="チェックポイント．（ピリオド）" panose="02000600000000000000" pitchFamily="50" charset="-128"/>
                 <a:ea typeface="チェックポイント．（ピリオド）" panose="02000600000000000000" pitchFamily="50" charset="-128"/>
               </a:rPr>
-              <a:t>ポッドについての詳しい説明</a:t>
-            </a:r>
+              <a:t>ポッドに</a:t>
+            </a:r>
+            <a:r>
+              <a:rPr kumimoji="1" lang="ja-JP" altLang="en-US" sz="2800" dirty="0" smtClean="0">
+                <a:solidFill>
+                  <a:srgbClr val="FF0000"/>
+                </a:solidFill>
+                <a:latin typeface="チェックポイント．（ピリオド）" panose="02000600000000000000" pitchFamily="50" charset="-128"/>
+                <a:ea typeface="チェックポイント．（ピリオド）" panose="02000600000000000000" pitchFamily="50" charset="-128"/>
+              </a:rPr>
+              <a:t>ついて</a:t>
+            </a:r>
+            <a:endParaRPr kumimoji="1" lang="ja-JP" altLang="en-US" sz="2800" dirty="0">
+              <a:solidFill>
+                <a:srgbClr val="FF0000"/>
+              </a:solidFill>
+              <a:latin typeface="チェックポイント．（ピリオド）" panose="02000600000000000000" pitchFamily="50" charset="-128"/>
+              <a:ea typeface="チェックポイント．（ピリオド）" panose="02000600000000000000" pitchFamily="50" charset="-128"/>
+            </a:endParaRPr>
           </a:p>
         </p:txBody>
       </p:sp>
@@ -10054,7 +10113,7 @@
           <p:cNvPr id="7" name="テキスト ボックス 6">
             <a:extLst>
               <a:ext uri="{FF2B5EF4-FFF2-40B4-BE49-F238E27FC236}">
-                <a16:creationId xmlns="" xmlns:a16="http://schemas.microsoft.com/office/drawing/2014/main" id="{1A509F0D-124D-47C4-B5CD-4B9B8064082C}"/>
+                <a16:creationId xmlns:a16="http://schemas.microsoft.com/office/drawing/2014/main" xmlns="" id="{1A509F0D-124D-47C4-B5CD-4B9B8064082C}"/>
               </a:ext>
             </a:extLst>
           </p:cNvPr>
@@ -10105,7 +10164,7 @@
           <p:cNvPr id="8" name="テキスト ボックス 7">
             <a:extLst>
               <a:ext uri="{FF2B5EF4-FFF2-40B4-BE49-F238E27FC236}">
-                <a16:creationId xmlns="" xmlns:a16="http://schemas.microsoft.com/office/drawing/2014/main" id="{5F463387-8D23-460A-80ED-50E81FAAF3D9}"/>
+                <a16:creationId xmlns:a16="http://schemas.microsoft.com/office/drawing/2014/main" xmlns="" id="{5F463387-8D23-460A-80ED-50E81FAAF3D9}"/>
               </a:ext>
             </a:extLst>
           </p:cNvPr>
@@ -10166,7 +10225,7 @@
           <p:cNvPr id="9" name="テキスト ボックス 8">
             <a:extLst>
               <a:ext uri="{FF2B5EF4-FFF2-40B4-BE49-F238E27FC236}">
-                <a16:creationId xmlns="" xmlns:a16="http://schemas.microsoft.com/office/drawing/2014/main" id="{3E1D3977-A1EE-4011-94E0-9B60C81CA553}"/>
+                <a16:creationId xmlns:a16="http://schemas.microsoft.com/office/drawing/2014/main" xmlns="" id="{3E1D3977-A1EE-4011-94E0-9B60C81CA553}"/>
               </a:ext>
             </a:extLst>
           </p:cNvPr>
@@ -10255,7 +10314,7 @@
           <p:cNvPr id="41" name="グループ化 40">
             <a:extLst>
               <a:ext uri="{FF2B5EF4-FFF2-40B4-BE49-F238E27FC236}">
-                <a16:creationId xmlns="" xmlns:a16="http://schemas.microsoft.com/office/drawing/2014/main" id="{C42471E9-CEF7-4DD0-B2B9-A37027252951}"/>
+                <a16:creationId xmlns:a16="http://schemas.microsoft.com/office/drawing/2014/main" xmlns="" id="{C42471E9-CEF7-4DD0-B2B9-A37027252951}"/>
               </a:ext>
             </a:extLst>
           </p:cNvPr>
@@ -10275,7 +10334,7 @@
             <p:cNvPr id="22" name="グループ化 21">
               <a:extLst>
                 <a:ext uri="{FF2B5EF4-FFF2-40B4-BE49-F238E27FC236}">
-                  <a16:creationId xmlns="" xmlns:a16="http://schemas.microsoft.com/office/drawing/2014/main" id="{7D6E456E-2E26-4492-9279-169842641548}"/>
+                  <a16:creationId xmlns:a16="http://schemas.microsoft.com/office/drawing/2014/main" xmlns="" id="{7D6E456E-2E26-4492-9279-169842641548}"/>
                 </a:ext>
               </a:extLst>
             </p:cNvPr>
@@ -10295,7 +10354,7 @@
               <p:cNvPr id="11" name="図 10" descr="物体 が含まれている画像&#10;&#10;自動的に生成された説明">
                 <a:extLst>
                   <a:ext uri="{FF2B5EF4-FFF2-40B4-BE49-F238E27FC236}">
-                    <a16:creationId xmlns="" xmlns:a16="http://schemas.microsoft.com/office/drawing/2014/main" id="{9E2F2156-5A3C-4670-A7BB-42FF8EF7E4F0}"/>
+                    <a16:creationId xmlns:a16="http://schemas.microsoft.com/office/drawing/2014/main" xmlns="" id="{9E2F2156-5A3C-4670-A7BB-42FF8EF7E4F0}"/>
                   </a:ext>
                 </a:extLst>
               </p:cNvPr>
@@ -10305,7 +10364,7 @@
               <p:nvPr/>
             </p:nvPicPr>
             <p:blipFill>
-              <a:blip r:embed="rId3">
+              <a:blip r:embed="rId2">
                 <a:extLst>
                   <a:ext uri="{28A0092B-C50C-407E-A947-70E740481C1C}">
                     <a14:useLocalDpi xmlns:a14="http://schemas.microsoft.com/office/drawing/2010/main" val="0"/>
@@ -10331,7 +10390,7 @@
               <p:cNvPr id="18" name="テキスト ボックス 17">
                 <a:extLst>
                   <a:ext uri="{FF2B5EF4-FFF2-40B4-BE49-F238E27FC236}">
-                    <a16:creationId xmlns="" xmlns:a16="http://schemas.microsoft.com/office/drawing/2014/main" id="{85DB17C7-0CA8-4460-8B6A-1BBCF3C5CA75}"/>
+                    <a16:creationId xmlns:a16="http://schemas.microsoft.com/office/drawing/2014/main" xmlns="" id="{85DB17C7-0CA8-4460-8B6A-1BBCF3C5CA75}"/>
                   </a:ext>
                 </a:extLst>
               </p:cNvPr>
@@ -10370,7 +10429,7 @@
             <p:cNvPr id="23" name="グループ化 22">
               <a:extLst>
                 <a:ext uri="{FF2B5EF4-FFF2-40B4-BE49-F238E27FC236}">
-                  <a16:creationId xmlns="" xmlns:a16="http://schemas.microsoft.com/office/drawing/2014/main" id="{8FA97864-B0AC-4C37-AB57-3F511EE9B20A}"/>
+                  <a16:creationId xmlns:a16="http://schemas.microsoft.com/office/drawing/2014/main" xmlns="" id="{8FA97864-B0AC-4C37-AB57-3F511EE9B20A}"/>
                 </a:ext>
               </a:extLst>
             </p:cNvPr>
@@ -10390,7 +10449,7 @@
               <p:cNvPr id="13" name="図 12" descr="物体 が含まれている画像&#10;&#10;自動的に生成された説明">
                 <a:extLst>
                   <a:ext uri="{FF2B5EF4-FFF2-40B4-BE49-F238E27FC236}">
-                    <a16:creationId xmlns="" xmlns:a16="http://schemas.microsoft.com/office/drawing/2014/main" id="{539F0BC8-41E3-4ADD-9459-BE0E2D7ABA27}"/>
+                    <a16:creationId xmlns:a16="http://schemas.microsoft.com/office/drawing/2014/main" xmlns="" id="{539F0BC8-41E3-4ADD-9459-BE0E2D7ABA27}"/>
                   </a:ext>
                 </a:extLst>
               </p:cNvPr>
@@ -10400,7 +10459,7 @@
               <p:nvPr/>
             </p:nvPicPr>
             <p:blipFill>
-              <a:blip r:embed="rId4">
+              <a:blip r:embed="rId3">
                 <a:extLst>
                   <a:ext uri="{28A0092B-C50C-407E-A947-70E740481C1C}">
                     <a14:useLocalDpi xmlns:a14="http://schemas.microsoft.com/office/drawing/2010/main" val="0"/>
@@ -10426,7 +10485,7 @@
               <p:cNvPr id="19" name="テキスト ボックス 18">
                 <a:extLst>
                   <a:ext uri="{FF2B5EF4-FFF2-40B4-BE49-F238E27FC236}">
-                    <a16:creationId xmlns="" xmlns:a16="http://schemas.microsoft.com/office/drawing/2014/main" id="{9D08D78F-597A-41C6-9E61-E721135C20D1}"/>
+                    <a16:creationId xmlns:a16="http://schemas.microsoft.com/office/drawing/2014/main" xmlns="" id="{9D08D78F-597A-41C6-9E61-E721135C20D1}"/>
                   </a:ext>
                 </a:extLst>
               </p:cNvPr>
@@ -10465,7 +10524,7 @@
             <p:cNvPr id="25" name="グループ化 24">
               <a:extLst>
                 <a:ext uri="{FF2B5EF4-FFF2-40B4-BE49-F238E27FC236}">
-                  <a16:creationId xmlns="" xmlns:a16="http://schemas.microsoft.com/office/drawing/2014/main" id="{8F6624A7-F895-493A-8055-873B48C8C19C}"/>
+                  <a16:creationId xmlns:a16="http://schemas.microsoft.com/office/drawing/2014/main" xmlns="" id="{8F6624A7-F895-493A-8055-873B48C8C19C}"/>
                 </a:ext>
               </a:extLst>
             </p:cNvPr>
@@ -10485,7 +10544,7 @@
               <p:cNvPr id="15" name="図 14" descr="物体, 腕時計 が含まれている画像&#10;&#10;自動的に生成された説明">
                 <a:extLst>
                   <a:ext uri="{FF2B5EF4-FFF2-40B4-BE49-F238E27FC236}">
-                    <a16:creationId xmlns="" xmlns:a16="http://schemas.microsoft.com/office/drawing/2014/main" id="{53299244-26D0-4173-ACC6-BD241C768849}"/>
+                    <a16:creationId xmlns:a16="http://schemas.microsoft.com/office/drawing/2014/main" xmlns="" id="{53299244-26D0-4173-ACC6-BD241C768849}"/>
                   </a:ext>
                 </a:extLst>
               </p:cNvPr>
@@ -10495,7 +10554,7 @@
               <p:nvPr/>
             </p:nvPicPr>
             <p:blipFill>
-              <a:blip r:embed="rId5">
+              <a:blip r:embed="rId4">
                 <a:extLst>
                   <a:ext uri="{28A0092B-C50C-407E-A947-70E740481C1C}">
                     <a14:useLocalDpi xmlns:a14="http://schemas.microsoft.com/office/drawing/2010/main" val="0"/>
@@ -10521,7 +10580,7 @@
               <p:cNvPr id="20" name="テキスト ボックス 19">
                 <a:extLst>
                   <a:ext uri="{FF2B5EF4-FFF2-40B4-BE49-F238E27FC236}">
-                    <a16:creationId xmlns="" xmlns:a16="http://schemas.microsoft.com/office/drawing/2014/main" id="{BF9D5B9B-9876-443A-BE29-B4828D0A5D74}"/>
+                    <a16:creationId xmlns:a16="http://schemas.microsoft.com/office/drawing/2014/main" xmlns="" id="{BF9D5B9B-9876-443A-BE29-B4828D0A5D74}"/>
                   </a:ext>
                 </a:extLst>
               </p:cNvPr>
@@ -10560,7 +10619,7 @@
             <p:cNvPr id="26" name="グループ化 25">
               <a:extLst>
                 <a:ext uri="{FF2B5EF4-FFF2-40B4-BE49-F238E27FC236}">
-                  <a16:creationId xmlns="" xmlns:a16="http://schemas.microsoft.com/office/drawing/2014/main" id="{D317981A-38A9-4594-9159-8C77F7F6D8B4}"/>
+                  <a16:creationId xmlns:a16="http://schemas.microsoft.com/office/drawing/2014/main" xmlns="" id="{D317981A-38A9-4594-9159-8C77F7F6D8B4}"/>
                 </a:ext>
               </a:extLst>
             </p:cNvPr>
@@ -10580,7 +10639,7 @@
               <p:cNvPr id="17" name="図 16" descr="物体 が含まれている画像&#10;&#10;自動的に生成された説明">
                 <a:extLst>
                   <a:ext uri="{FF2B5EF4-FFF2-40B4-BE49-F238E27FC236}">
-                    <a16:creationId xmlns="" xmlns:a16="http://schemas.microsoft.com/office/drawing/2014/main" id="{93CD3867-4A7C-4138-9F28-8B9071FCE1AF}"/>
+                    <a16:creationId xmlns:a16="http://schemas.microsoft.com/office/drawing/2014/main" xmlns="" id="{93CD3867-4A7C-4138-9F28-8B9071FCE1AF}"/>
                   </a:ext>
                 </a:extLst>
               </p:cNvPr>
@@ -10590,7 +10649,7 @@
               <p:nvPr/>
             </p:nvPicPr>
             <p:blipFill>
-              <a:blip r:embed="rId6">
+              <a:blip r:embed="rId5">
                 <a:extLst>
                   <a:ext uri="{28A0092B-C50C-407E-A947-70E740481C1C}">
                     <a14:useLocalDpi xmlns:a14="http://schemas.microsoft.com/office/drawing/2010/main" val="0"/>
@@ -10616,7 +10675,7 @@
               <p:cNvPr id="21" name="テキスト ボックス 20">
                 <a:extLst>
                   <a:ext uri="{FF2B5EF4-FFF2-40B4-BE49-F238E27FC236}">
-                    <a16:creationId xmlns="" xmlns:a16="http://schemas.microsoft.com/office/drawing/2014/main" id="{C3C71671-55D6-4E40-BC27-288FCF91D2BB}"/>
+                    <a16:creationId xmlns:a16="http://schemas.microsoft.com/office/drawing/2014/main" xmlns="" id="{C3C71671-55D6-4E40-BC27-288FCF91D2BB}"/>
                   </a:ext>
                 </a:extLst>
               </p:cNvPr>
@@ -10659,7 +10718,7 @@
             <p:cNvPr id="28" name="直線矢印コネクタ 27">
               <a:extLst>
                 <a:ext uri="{FF2B5EF4-FFF2-40B4-BE49-F238E27FC236}">
-                  <a16:creationId xmlns="" xmlns:a16="http://schemas.microsoft.com/office/drawing/2014/main" id="{A84A16DD-57C4-4761-A446-249187106E51}"/>
+                  <a16:creationId xmlns:a16="http://schemas.microsoft.com/office/drawing/2014/main" xmlns="" id="{A84A16DD-57C4-4761-A446-249187106E51}"/>
                 </a:ext>
               </a:extLst>
             </p:cNvPr>
@@ -10703,7 +10762,7 @@
             <p:cNvPr id="29" name="直線矢印コネクタ 28">
               <a:extLst>
                 <a:ext uri="{FF2B5EF4-FFF2-40B4-BE49-F238E27FC236}">
-                  <a16:creationId xmlns="" xmlns:a16="http://schemas.microsoft.com/office/drawing/2014/main" id="{CE867472-33BD-4771-A53A-412FDCEAB859}"/>
+                  <a16:creationId xmlns:a16="http://schemas.microsoft.com/office/drawing/2014/main" xmlns="" id="{CE867472-33BD-4771-A53A-412FDCEAB859}"/>
                 </a:ext>
               </a:extLst>
             </p:cNvPr>
@@ -10747,7 +10806,7 @@
             <p:cNvPr id="32" name="直線矢印コネクタ 31">
               <a:extLst>
                 <a:ext uri="{FF2B5EF4-FFF2-40B4-BE49-F238E27FC236}">
-                  <a16:creationId xmlns="" xmlns:a16="http://schemas.microsoft.com/office/drawing/2014/main" id="{2F760955-CE29-4903-BDF0-C0EF1A34CD6F}"/>
+                  <a16:creationId xmlns:a16="http://schemas.microsoft.com/office/drawing/2014/main" xmlns="" id="{2F760955-CE29-4903-BDF0-C0EF1A34CD6F}"/>
                 </a:ext>
               </a:extLst>
             </p:cNvPr>
@@ -10791,7 +10850,7 @@
             <p:cNvPr id="33" name="直線矢印コネクタ 32">
               <a:extLst>
                 <a:ext uri="{FF2B5EF4-FFF2-40B4-BE49-F238E27FC236}">
-                  <a16:creationId xmlns="" xmlns:a16="http://schemas.microsoft.com/office/drawing/2014/main" id="{96E14F16-9B67-48C7-9985-746717E7D2CE}"/>
+                  <a16:creationId xmlns:a16="http://schemas.microsoft.com/office/drawing/2014/main" xmlns="" id="{96E14F16-9B67-48C7-9985-746717E7D2CE}"/>
                 </a:ext>
               </a:extLst>
             </p:cNvPr>
@@ -10835,7 +10894,7 @@
             <p:cNvPr id="34" name="正方形/長方形 33">
               <a:extLst>
                 <a:ext uri="{FF2B5EF4-FFF2-40B4-BE49-F238E27FC236}">
-                  <a16:creationId xmlns="" xmlns:a16="http://schemas.microsoft.com/office/drawing/2014/main" id="{6ADAFCEE-C028-416D-B257-90B41E02042A}"/>
+                  <a16:creationId xmlns:a16="http://schemas.microsoft.com/office/drawing/2014/main" xmlns="" id="{6ADAFCEE-C028-416D-B257-90B41E02042A}"/>
                 </a:ext>
               </a:extLst>
             </p:cNvPr>
@@ -10890,7 +10949,7 @@
             <p:cNvPr id="35" name="直線矢印コネクタ 34">
               <a:extLst>
                 <a:ext uri="{FF2B5EF4-FFF2-40B4-BE49-F238E27FC236}">
-                  <a16:creationId xmlns="" xmlns:a16="http://schemas.microsoft.com/office/drawing/2014/main" id="{A2A6B62C-1E0E-432C-9BEC-393C34A1C94C}"/>
+                  <a16:creationId xmlns:a16="http://schemas.microsoft.com/office/drawing/2014/main" xmlns="" id="{A2A6B62C-1E0E-432C-9BEC-393C34A1C94C}"/>
                 </a:ext>
               </a:extLst>
             </p:cNvPr>
@@ -10935,7 +10994,7 @@
           <p:cNvPr id="44" name="グループ化 43">
             <a:extLst>
               <a:ext uri="{FF2B5EF4-FFF2-40B4-BE49-F238E27FC236}">
-                <a16:creationId xmlns="" xmlns:a16="http://schemas.microsoft.com/office/drawing/2014/main" id="{7EEE5686-B5B9-4B20-8993-381AFDACF9AB}"/>
+                <a16:creationId xmlns:a16="http://schemas.microsoft.com/office/drawing/2014/main" xmlns="" id="{7EEE5686-B5B9-4B20-8993-381AFDACF9AB}"/>
               </a:ext>
             </a:extLst>
           </p:cNvPr>
@@ -10955,7 +11014,7 @@
             <p:cNvPr id="40" name="グループ化 39">
               <a:extLst>
                 <a:ext uri="{FF2B5EF4-FFF2-40B4-BE49-F238E27FC236}">
-                  <a16:creationId xmlns="" xmlns:a16="http://schemas.microsoft.com/office/drawing/2014/main" id="{80B432E5-1E61-4A1C-BB38-CE56CD67DAEC}"/>
+                  <a16:creationId xmlns:a16="http://schemas.microsoft.com/office/drawing/2014/main" xmlns="" id="{80B432E5-1E61-4A1C-BB38-CE56CD67DAEC}"/>
                 </a:ext>
               </a:extLst>
             </p:cNvPr>
@@ -10975,7 +11034,7 @@
               <p:cNvPr id="36" name="直線矢印コネクタ 35">
                 <a:extLst>
                   <a:ext uri="{FF2B5EF4-FFF2-40B4-BE49-F238E27FC236}">
-                    <a16:creationId xmlns="" xmlns:a16="http://schemas.microsoft.com/office/drawing/2014/main" id="{555429FE-F091-46AD-84F7-1B4256D762AB}"/>
+                    <a16:creationId xmlns:a16="http://schemas.microsoft.com/office/drawing/2014/main" xmlns="" id="{555429FE-F091-46AD-84F7-1B4256D762AB}"/>
                   </a:ext>
                 </a:extLst>
               </p:cNvPr>
@@ -11019,7 +11078,7 @@
               <p:cNvPr id="37" name="直線矢印コネクタ 36">
                 <a:extLst>
                   <a:ext uri="{FF2B5EF4-FFF2-40B4-BE49-F238E27FC236}">
-                    <a16:creationId xmlns="" xmlns:a16="http://schemas.microsoft.com/office/drawing/2014/main" id="{5030B8C7-7BED-40F6-B6D5-A7CD124D67A9}"/>
+                    <a16:creationId xmlns:a16="http://schemas.microsoft.com/office/drawing/2014/main" xmlns="" id="{5030B8C7-7BED-40F6-B6D5-A7CD124D67A9}"/>
                   </a:ext>
                 </a:extLst>
               </p:cNvPr>
@@ -11063,7 +11122,7 @@
               <p:cNvPr id="38" name="テキスト ボックス 37">
                 <a:extLst>
                   <a:ext uri="{FF2B5EF4-FFF2-40B4-BE49-F238E27FC236}">
-                    <a16:creationId xmlns="" xmlns:a16="http://schemas.microsoft.com/office/drawing/2014/main" id="{1BB9FF26-C1AD-43FF-B1A3-3D220E4BC3AA}"/>
+                    <a16:creationId xmlns:a16="http://schemas.microsoft.com/office/drawing/2014/main" xmlns="" id="{1BB9FF26-C1AD-43FF-B1A3-3D220E4BC3AA}"/>
                   </a:ext>
                 </a:extLst>
               </p:cNvPr>
@@ -11101,7 +11160,7 @@
               <p:cNvPr id="39" name="テキスト ボックス 38">
                 <a:extLst>
                   <a:ext uri="{FF2B5EF4-FFF2-40B4-BE49-F238E27FC236}">
-                    <a16:creationId xmlns="" xmlns:a16="http://schemas.microsoft.com/office/drawing/2014/main" id="{127090C9-FA03-47A3-B8E5-5AC843148C0C}"/>
+                    <a16:creationId xmlns:a16="http://schemas.microsoft.com/office/drawing/2014/main" xmlns="" id="{127090C9-FA03-47A3-B8E5-5AC843148C0C}"/>
                   </a:ext>
                 </a:extLst>
               </p:cNvPr>
@@ -11144,7 +11203,7 @@
             <p:cNvPr id="42" name="正方形/長方形 41">
               <a:extLst>
                 <a:ext uri="{FF2B5EF4-FFF2-40B4-BE49-F238E27FC236}">
-                  <a16:creationId xmlns="" xmlns:a16="http://schemas.microsoft.com/office/drawing/2014/main" id="{974D7591-C374-4FE7-98C6-F63D715B2F46}"/>
+                  <a16:creationId xmlns:a16="http://schemas.microsoft.com/office/drawing/2014/main" xmlns="" id="{974D7591-C374-4FE7-98C6-F63D715B2F46}"/>
                 </a:ext>
               </a:extLst>
             </p:cNvPr>
@@ -11200,7 +11259,7 @@
           <p:cNvPr id="43" name="正方形/長方形 42">
             <a:extLst>
               <a:ext uri="{FF2B5EF4-FFF2-40B4-BE49-F238E27FC236}">
-                <a16:creationId xmlns="" xmlns:a16="http://schemas.microsoft.com/office/drawing/2014/main" id="{A98ECFFF-731C-4C54-95F1-02A8CC15EA71}"/>
+                <a16:creationId xmlns:a16="http://schemas.microsoft.com/office/drawing/2014/main" xmlns="" id="{A98ECFFF-731C-4C54-95F1-02A8CC15EA71}"/>
               </a:ext>
             </a:extLst>
           </p:cNvPr>
@@ -11247,6 +11306,91 @@
           </a:p>
         </p:txBody>
       </p:sp>
+      <p:grpSp>
+        <p:nvGrpSpPr>
+          <p:cNvPr id="2" name="グループ化 1"/>
+          <p:cNvGrpSpPr/>
+          <p:nvPr/>
+        </p:nvGrpSpPr>
+        <p:grpSpPr>
+          <a:xfrm>
+            <a:off x="845755" y="1472160"/>
+            <a:ext cx="1597024" cy="1886390"/>
+            <a:chOff x="881661" y="1150157"/>
+            <a:chExt cx="1597024" cy="1886390"/>
+          </a:xfrm>
+        </p:grpSpPr>
+        <p:pic>
+          <p:nvPicPr>
+            <p:cNvPr id="4" name="図 3">
+              <a:extLst>
+                <a:ext uri="{FF2B5EF4-FFF2-40B4-BE49-F238E27FC236}">
+                  <a16:creationId xmlns:a16="http://schemas.microsoft.com/office/drawing/2014/main" xmlns="" id="{84E4BD2B-BD98-4D0D-BD92-46FAC62B133A}"/>
+                </a:ext>
+              </a:extLst>
+            </p:cNvPr>
+            <p:cNvPicPr>
+              <a:picLocks noChangeAspect="1"/>
+            </p:cNvPicPr>
+            <p:nvPr/>
+          </p:nvPicPr>
+          <p:blipFill rotWithShape="1">
+            <a:blip r:embed="rId6">
+              <a:extLst>
+                <a:ext uri="{28A0092B-C50C-407E-A947-70E740481C1C}">
+                  <a14:useLocalDpi xmlns:a14="http://schemas.microsoft.com/office/drawing/2010/main" val="0"/>
+                </a:ext>
+              </a:extLst>
+            </a:blip>
+            <a:srcRect l="78269" t="31166" r="9153" b="46714"/>
+            <a:stretch/>
+          </p:blipFill>
+          <p:spPr>
+            <a:xfrm>
+              <a:off x="881661" y="1496291"/>
+              <a:ext cx="1597024" cy="1540256"/>
+            </a:xfrm>
+            <a:prstGeom prst="rect">
+              <a:avLst/>
+            </a:prstGeom>
+          </p:spPr>
+        </p:pic>
+        <p:pic>
+          <p:nvPicPr>
+            <p:cNvPr id="45" name="図 44">
+              <a:extLst>
+                <a:ext uri="{FF2B5EF4-FFF2-40B4-BE49-F238E27FC236}">
+                  <a16:creationId xmlns:a16="http://schemas.microsoft.com/office/drawing/2014/main" xmlns="" id="{84E4BD2B-BD98-4D0D-BD92-46FAC62B133A}"/>
+                </a:ext>
+              </a:extLst>
+            </p:cNvPr>
+            <p:cNvPicPr>
+              <a:picLocks noChangeAspect="1"/>
+            </p:cNvPicPr>
+            <p:nvPr/>
+          </p:nvPicPr>
+          <p:blipFill rotWithShape="1">
+            <a:blip r:embed="rId6">
+              <a:extLst>
+                <a:ext uri="{28A0092B-C50C-407E-A947-70E740481C1C}">
+                  <a14:useLocalDpi xmlns:a14="http://schemas.microsoft.com/office/drawing/2010/main" val="0"/>
+                </a:ext>
+              </a:extLst>
+            </a:blip>
+            <a:srcRect l="78269" t="17579" r="9153" b="74943"/>
+            <a:stretch/>
+          </p:blipFill>
+          <p:spPr>
+            <a:xfrm>
+              <a:off x="881661" y="1150157"/>
+              <a:ext cx="1597024" cy="520696"/>
+            </a:xfrm>
+            <a:prstGeom prst="rect">
+              <a:avLst/>
+            </a:prstGeom>
+          </p:spPr>
+        </p:pic>
+      </p:grpSp>
     </p:spTree>
     <p:extLst>
       <p:ext uri="{BB962C8B-B14F-4D97-AF65-F5344CB8AC3E}">
@@ -11312,7 +11456,7 @@
           <p:cNvPr id="10" name="テキスト ボックス 9">
             <a:extLst>
               <a:ext uri="{FF2B5EF4-FFF2-40B4-BE49-F238E27FC236}">
-                <a16:creationId xmlns="" xmlns:a16="http://schemas.microsoft.com/office/drawing/2014/main" id="{D5807289-5F94-4ABF-BB19-A244DE39AAB7}"/>
+                <a16:creationId xmlns:a16="http://schemas.microsoft.com/office/drawing/2014/main" xmlns="" id="{D5807289-5F94-4ABF-BB19-A244DE39AAB7}"/>
               </a:ext>
             </a:extLst>
           </p:cNvPr>
@@ -11357,7 +11501,7 @@
           <p:cNvPr id="11" name="テキスト ボックス 10">
             <a:extLst>
               <a:ext uri="{FF2B5EF4-FFF2-40B4-BE49-F238E27FC236}">
-                <a16:creationId xmlns="" xmlns:a16="http://schemas.microsoft.com/office/drawing/2014/main" id="{6D354EB7-7F73-4490-964D-300A57A3D0C5}"/>
+                <a16:creationId xmlns:a16="http://schemas.microsoft.com/office/drawing/2014/main" xmlns="" id="{6D354EB7-7F73-4490-964D-300A57A3D0C5}"/>
               </a:ext>
             </a:extLst>
           </p:cNvPr>
@@ -11395,7 +11539,7 @@
           <p:cNvPr id="12" name="楕円 11">
             <a:extLst>
               <a:ext uri="{FF2B5EF4-FFF2-40B4-BE49-F238E27FC236}">
-                <a16:creationId xmlns="" xmlns:a16="http://schemas.microsoft.com/office/drawing/2014/main" id="{27BE146F-8491-400F-AB07-2E26102463F2}"/>
+                <a16:creationId xmlns:a16="http://schemas.microsoft.com/office/drawing/2014/main" xmlns="" id="{27BE146F-8491-400F-AB07-2E26102463F2}"/>
               </a:ext>
             </a:extLst>
           </p:cNvPr>
@@ -11447,7 +11591,7 @@
           <p:cNvPr id="13" name="楕円 12">
             <a:extLst>
               <a:ext uri="{FF2B5EF4-FFF2-40B4-BE49-F238E27FC236}">
-                <a16:creationId xmlns="" xmlns:a16="http://schemas.microsoft.com/office/drawing/2014/main" id="{AC13EDC5-A927-451C-A8C6-2F68A75D9DB9}"/>
+                <a16:creationId xmlns:a16="http://schemas.microsoft.com/office/drawing/2014/main" xmlns="" id="{AC13EDC5-A927-451C-A8C6-2F68A75D9DB9}"/>
               </a:ext>
             </a:extLst>
           </p:cNvPr>
@@ -11499,7 +11643,7 @@
           <p:cNvPr id="14" name="楕円 13">
             <a:extLst>
               <a:ext uri="{FF2B5EF4-FFF2-40B4-BE49-F238E27FC236}">
-                <a16:creationId xmlns="" xmlns:a16="http://schemas.microsoft.com/office/drawing/2014/main" id="{A70D7407-0728-49A8-BDE2-7434759F1455}"/>
+                <a16:creationId xmlns:a16="http://schemas.microsoft.com/office/drawing/2014/main" xmlns="" id="{A70D7407-0728-49A8-BDE2-7434759F1455}"/>
               </a:ext>
             </a:extLst>
           </p:cNvPr>
@@ -11551,7 +11695,7 @@
           <p:cNvPr id="15" name="楕円 14">
             <a:extLst>
               <a:ext uri="{FF2B5EF4-FFF2-40B4-BE49-F238E27FC236}">
-                <a16:creationId xmlns="" xmlns:a16="http://schemas.microsoft.com/office/drawing/2014/main" id="{BA8A41E3-4961-4217-9C31-D8A81A9809A9}"/>
+                <a16:creationId xmlns:a16="http://schemas.microsoft.com/office/drawing/2014/main" xmlns="" id="{BA8A41E3-4961-4217-9C31-D8A81A9809A9}"/>
               </a:ext>
             </a:extLst>
           </p:cNvPr>
@@ -11603,7 +11747,7 @@
           <p:cNvPr id="16" name="テキスト ボックス 15">
             <a:extLst>
               <a:ext uri="{FF2B5EF4-FFF2-40B4-BE49-F238E27FC236}">
-                <a16:creationId xmlns="" xmlns:a16="http://schemas.microsoft.com/office/drawing/2014/main" id="{FBBAA09C-4BEB-47EA-BC7F-480BCC2226F1}"/>
+                <a16:creationId xmlns:a16="http://schemas.microsoft.com/office/drawing/2014/main" xmlns="" id="{FBBAA09C-4BEB-47EA-BC7F-480BCC2226F1}"/>
               </a:ext>
             </a:extLst>
           </p:cNvPr>
@@ -11721,7 +11865,7 @@
           <p:cNvPr id="17" name="正方形/長方形 16">
             <a:extLst>
               <a:ext uri="{FF2B5EF4-FFF2-40B4-BE49-F238E27FC236}">
-                <a16:creationId xmlns="" xmlns:a16="http://schemas.microsoft.com/office/drawing/2014/main" id="{A2CF4C31-1025-4708-B374-7F8887320A14}"/>
+                <a16:creationId xmlns:a16="http://schemas.microsoft.com/office/drawing/2014/main" xmlns="" id="{A2CF4C31-1025-4708-B374-7F8887320A14}"/>
               </a:ext>
             </a:extLst>
           </p:cNvPr>
@@ -11773,7 +11917,7 @@
           <p:cNvPr id="18" name="テキスト ボックス 17">
             <a:extLst>
               <a:ext uri="{FF2B5EF4-FFF2-40B4-BE49-F238E27FC236}">
-                <a16:creationId xmlns="" xmlns:a16="http://schemas.microsoft.com/office/drawing/2014/main" id="{594DFF38-A0BF-4052-92A8-115900A7F03B}"/>
+                <a16:creationId xmlns:a16="http://schemas.microsoft.com/office/drawing/2014/main" xmlns="" id="{594DFF38-A0BF-4052-92A8-115900A7F03B}"/>
               </a:ext>
             </a:extLst>
           </p:cNvPr>
@@ -11876,7 +12020,7 @@
           <p:cNvPr id="19" name="正方形/長方形 18">
             <a:extLst>
               <a:ext uri="{FF2B5EF4-FFF2-40B4-BE49-F238E27FC236}">
-                <a16:creationId xmlns="" xmlns:a16="http://schemas.microsoft.com/office/drawing/2014/main" id="{41DDEDAD-B76F-42FC-BD36-C4B4086365F3}"/>
+                <a16:creationId xmlns:a16="http://schemas.microsoft.com/office/drawing/2014/main" xmlns="" id="{41DDEDAD-B76F-42FC-BD36-C4B4086365F3}"/>
               </a:ext>
             </a:extLst>
           </p:cNvPr>
@@ -11928,7 +12072,7 @@
           <p:cNvPr id="21" name="正方形/長方形 20">
             <a:extLst>
               <a:ext uri="{FF2B5EF4-FFF2-40B4-BE49-F238E27FC236}">
-                <a16:creationId xmlns="" xmlns:a16="http://schemas.microsoft.com/office/drawing/2014/main" id="{B89D4E7D-0660-4D0D-912D-DF225C66A1D6}"/>
+                <a16:creationId xmlns:a16="http://schemas.microsoft.com/office/drawing/2014/main" xmlns="" id="{B89D4E7D-0660-4D0D-912D-DF225C66A1D6}"/>
               </a:ext>
             </a:extLst>
           </p:cNvPr>
@@ -11982,7 +12126,7 @@
           <p:cNvPr id="20" name="テキスト ボックス 19">
             <a:extLst>
               <a:ext uri="{FF2B5EF4-FFF2-40B4-BE49-F238E27FC236}">
-                <a16:creationId xmlns="" xmlns:a16="http://schemas.microsoft.com/office/drawing/2014/main" id="{4588D88C-0F6C-4A95-9191-7AC444B35B14}"/>
+                <a16:creationId xmlns:a16="http://schemas.microsoft.com/office/drawing/2014/main" xmlns="" id="{4588D88C-0F6C-4A95-9191-7AC444B35B14}"/>
               </a:ext>
             </a:extLst>
           </p:cNvPr>
@@ -12132,7 +12276,7 @@
           <p:cNvPr id="5" name="図 4" descr="物体 が含まれている画像&#10;&#10;自動的に生成された説明">
             <a:extLst>
               <a:ext uri="{FF2B5EF4-FFF2-40B4-BE49-F238E27FC236}">
-                <a16:creationId xmlns="" xmlns:a16="http://schemas.microsoft.com/office/drawing/2014/main" id="{A8B95791-F64F-423D-B8A7-2C86F56DDB1D}"/>
+                <a16:creationId xmlns:a16="http://schemas.microsoft.com/office/drawing/2014/main" xmlns="" id="{A8B95791-F64F-423D-B8A7-2C86F56DDB1D}"/>
               </a:ext>
             </a:extLst>
           </p:cNvPr>
@@ -12167,7 +12311,7 @@
           <p:cNvPr id="6" name="テキスト ボックス 5">
             <a:extLst>
               <a:ext uri="{FF2B5EF4-FFF2-40B4-BE49-F238E27FC236}">
-                <a16:creationId xmlns="" xmlns:a16="http://schemas.microsoft.com/office/drawing/2014/main" id="{8305E55F-CE22-4A88-A8D4-3E4958510FE7}"/>
+                <a16:creationId xmlns:a16="http://schemas.microsoft.com/office/drawing/2014/main" xmlns="" id="{8305E55F-CE22-4A88-A8D4-3E4958510FE7}"/>
               </a:ext>
             </a:extLst>
           </p:cNvPr>
@@ -12212,7 +12356,7 @@
           <p:cNvPr id="7" name="吹き出し: 四角形 6">
             <a:extLst>
               <a:ext uri="{FF2B5EF4-FFF2-40B4-BE49-F238E27FC236}">
-                <a16:creationId xmlns="" xmlns:a16="http://schemas.microsoft.com/office/drawing/2014/main" id="{EC8402AE-3480-4CC7-905A-0776A28352DA}"/>
+                <a16:creationId xmlns:a16="http://schemas.microsoft.com/office/drawing/2014/main" xmlns="" id="{EC8402AE-3480-4CC7-905A-0776A28352DA}"/>
               </a:ext>
             </a:extLst>
           </p:cNvPr>
@@ -12305,7 +12449,7 @@
           <p:cNvPr id="8" name="吹き出し: 四角形 7">
             <a:extLst>
               <a:ext uri="{FF2B5EF4-FFF2-40B4-BE49-F238E27FC236}">
-                <a16:creationId xmlns="" xmlns:a16="http://schemas.microsoft.com/office/drawing/2014/main" id="{12F0A826-4C99-48A7-B36D-03DBE2118E07}"/>
+                <a16:creationId xmlns:a16="http://schemas.microsoft.com/office/drawing/2014/main" xmlns="" id="{12F0A826-4C99-48A7-B36D-03DBE2118E07}"/>
               </a:ext>
             </a:extLst>
           </p:cNvPr>
@@ -12399,7 +12543,7 @@
           <p:cNvPr id="9" name="吹き出し: 四角形 8">
             <a:extLst>
               <a:ext uri="{FF2B5EF4-FFF2-40B4-BE49-F238E27FC236}">
-                <a16:creationId xmlns="" xmlns:a16="http://schemas.microsoft.com/office/drawing/2014/main" id="{B25F11CC-0810-44FB-85E5-6AFA2E713B6D}"/>
+                <a16:creationId xmlns:a16="http://schemas.microsoft.com/office/drawing/2014/main" xmlns="" id="{B25F11CC-0810-44FB-85E5-6AFA2E713B6D}"/>
               </a:ext>
             </a:extLst>
           </p:cNvPr>
@@ -12559,7 +12703,7 @@
           <p:cNvPr id="5" name="テキスト ボックス 4">
             <a:extLst>
               <a:ext uri="{FF2B5EF4-FFF2-40B4-BE49-F238E27FC236}">
-                <a16:creationId xmlns="" xmlns:a16="http://schemas.microsoft.com/office/drawing/2014/main" id="{D5807289-5F94-4ABF-BB19-A244DE39AAB7}"/>
+                <a16:creationId xmlns:a16="http://schemas.microsoft.com/office/drawing/2014/main" xmlns="" id="{D5807289-5F94-4ABF-BB19-A244DE39AAB7}"/>
               </a:ext>
             </a:extLst>
           </p:cNvPr>
@@ -12615,7 +12759,7 @@
         <p:spPr>
           <a:xfrm>
             <a:off x="305471" y="1405933"/>
-            <a:ext cx="2605345" cy="461665"/>
+            <a:ext cx="2321861" cy="461665"/>
           </a:xfrm>
           <a:prstGeom prst="rect">
             <a:avLst/>
@@ -12646,8 +12790,8 @@
         </p:nvSpPr>
         <p:spPr>
           <a:xfrm>
-            <a:off x="139798" y="4091245"/>
-            <a:ext cx="8751554" cy="3139321"/>
+            <a:off x="305471" y="2384531"/>
+            <a:ext cx="8751554" cy="4247317"/>
           </a:xfrm>
           <a:prstGeom prst="rect">
             <a:avLst/>
@@ -12665,8 +12809,48 @@
                 <a:latin typeface="チェックポイント．（ピリオド）" panose="02000600000000000000" pitchFamily="50" charset="-128"/>
                 <a:ea typeface="チェックポイント．（ピリオド）" panose="02000600000000000000" pitchFamily="50" charset="-128"/>
               </a:rPr>
-              <a:t>ポッドやミサイルには属性があり</a:t>
-            </a:r>
+              <a:t>ポッドやミサイルには属性が</a:t>
+            </a:r>
+            <a:r>
+              <a:rPr kumimoji="1" lang="ja-JP" altLang="en-US" dirty="0" smtClean="0">
+                <a:latin typeface="チェックポイント．（ピリオド）" panose="02000600000000000000" pitchFamily="50" charset="-128"/>
+                <a:ea typeface="チェックポイント．（ピリオド）" panose="02000600000000000000" pitchFamily="50" charset="-128"/>
+              </a:rPr>
+              <a:t>あり</a:t>
+            </a:r>
+            <a:endParaRPr kumimoji="1" lang="en-US" altLang="ja-JP" dirty="0" smtClean="0">
+              <a:latin typeface="チェックポイント．（ピリオド）" panose="02000600000000000000" pitchFamily="50" charset="-128"/>
+              <a:ea typeface="チェックポイント．（ピリオド）" panose="02000600000000000000" pitchFamily="50" charset="-128"/>
+            </a:endParaRPr>
+          </a:p>
+          <a:p>
+            <a:r>
+              <a:rPr kumimoji="1" lang="ja-JP" altLang="en-US" dirty="0" smtClean="0">
+                <a:latin typeface="チェックポイント．（ピリオド）" panose="02000600000000000000" pitchFamily="50" charset="-128"/>
+                <a:ea typeface="チェックポイント．（ピリオド）" panose="02000600000000000000" pitchFamily="50" charset="-128"/>
+              </a:rPr>
+              <a:t>属性</a:t>
+            </a:r>
+            <a:r>
+              <a:rPr kumimoji="1" lang="ja-JP" altLang="en-US" dirty="0">
+                <a:latin typeface="チェックポイント．（ピリオド）" panose="02000600000000000000" pitchFamily="50" charset="-128"/>
+                <a:ea typeface="チェックポイント．（ピリオド）" panose="02000600000000000000" pitchFamily="50" charset="-128"/>
+              </a:rPr>
+              <a:t>によって有利不利があります</a:t>
+            </a:r>
+            <a:r>
+              <a:rPr kumimoji="1" lang="ja-JP" altLang="en-US" dirty="0" smtClean="0">
+                <a:latin typeface="チェックポイント．（ピリオド）" panose="02000600000000000000" pitchFamily="50" charset="-128"/>
+                <a:ea typeface="チェックポイント．（ピリオド）" panose="02000600000000000000" pitchFamily="50" charset="-128"/>
+              </a:rPr>
+              <a:t>。</a:t>
+            </a:r>
+            <a:endParaRPr kumimoji="1" lang="en-US" altLang="ja-JP" dirty="0" smtClean="0">
+              <a:latin typeface="チェックポイント．（ピリオド）" panose="02000600000000000000" pitchFamily="50" charset="-128"/>
+              <a:ea typeface="チェックポイント．（ピリオド）" panose="02000600000000000000" pitchFamily="50" charset="-128"/>
+            </a:endParaRPr>
+          </a:p>
+          <a:p>
             <a:endParaRPr lang="en-US" altLang="ja-JP" dirty="0">
               <a:latin typeface="チェックポイント．（ピリオド）" panose="02000600000000000000" pitchFamily="50" charset="-128"/>
               <a:ea typeface="チェックポイント．（ピリオド）" panose="02000600000000000000" pitchFamily="50" charset="-128"/>
@@ -12675,10 +12859,125 @@
           <a:p>
             <a:r>
               <a:rPr kumimoji="1" lang="ja-JP" altLang="en-US" dirty="0">
-                <a:latin typeface="チェックポイント．（ピリオド）" panose="02000600000000000000" pitchFamily="50" charset="-128"/>
-                <a:ea typeface="チェックポイント．（ピリオド）" panose="02000600000000000000" pitchFamily="50" charset="-128"/>
-              </a:rPr>
-              <a:t>属性によって有利不利があります。</a:t>
+                <a:solidFill>
+                  <a:srgbClr val="0070C0"/>
+                </a:solidFill>
+                <a:latin typeface="チェックポイント．（ピリオド）" panose="02000600000000000000" pitchFamily="50" charset="-128"/>
+                <a:ea typeface="チェックポイント．（ピリオド）" panose="02000600000000000000" pitchFamily="50" charset="-128"/>
+              </a:rPr>
+              <a:t>青</a:t>
+            </a:r>
+            <a:r>
+              <a:rPr kumimoji="1" lang="ja-JP" altLang="en-US" dirty="0">
+                <a:latin typeface="チェックポイント．（ピリオド）" panose="02000600000000000000" pitchFamily="50" charset="-128"/>
+                <a:ea typeface="チェックポイント．（ピリオド）" panose="02000600000000000000" pitchFamily="50" charset="-128"/>
+              </a:rPr>
+              <a:t>は</a:t>
+            </a:r>
+            <a:r>
+              <a:rPr kumimoji="1" lang="ja-JP" altLang="en-US" dirty="0">
+                <a:solidFill>
+                  <a:srgbClr val="FF0000"/>
+                </a:solidFill>
+                <a:latin typeface="チェックポイント．（ピリオド）" panose="02000600000000000000" pitchFamily="50" charset="-128"/>
+                <a:ea typeface="チェックポイント．（ピリオド）" panose="02000600000000000000" pitchFamily="50" charset="-128"/>
+              </a:rPr>
+              <a:t>赤</a:t>
+            </a:r>
+            <a:r>
+              <a:rPr kumimoji="1" lang="ja-JP" altLang="en-US" dirty="0">
+                <a:latin typeface="チェックポイント．（ピリオド）" panose="02000600000000000000" pitchFamily="50" charset="-128"/>
+                <a:ea typeface="チェックポイント．（ピリオド）" panose="02000600000000000000" pitchFamily="50" charset="-128"/>
+              </a:rPr>
+              <a:t>に強く</a:t>
+            </a:r>
+            <a:r>
+              <a:rPr lang="ja-JP" altLang="en-US" dirty="0">
+                <a:solidFill>
+                  <a:srgbClr val="FF0000"/>
+                </a:solidFill>
+                <a:latin typeface="チェックポイント．（ピリオド）" panose="02000600000000000000" pitchFamily="50" charset="-128"/>
+                <a:ea typeface="チェックポイント．（ピリオド）" panose="02000600000000000000" pitchFamily="50" charset="-128"/>
+              </a:rPr>
+              <a:t>赤</a:t>
+            </a:r>
+            <a:r>
+              <a:rPr kumimoji="1" lang="ja-JP" altLang="en-US" dirty="0">
+                <a:latin typeface="チェックポイント．（ピリオド）" panose="02000600000000000000" pitchFamily="50" charset="-128"/>
+                <a:ea typeface="チェックポイント．（ピリオド）" panose="02000600000000000000" pitchFamily="50" charset="-128"/>
+              </a:rPr>
+              <a:t>は</a:t>
+            </a:r>
+            <a:r>
+              <a:rPr kumimoji="1" lang="ja-JP" altLang="en-US" dirty="0">
+                <a:solidFill>
+                  <a:srgbClr val="00B050"/>
+                </a:solidFill>
+                <a:latin typeface="チェックポイント．（ピリオド）" panose="02000600000000000000" pitchFamily="50" charset="-128"/>
+                <a:ea typeface="チェックポイント．（ピリオド）" panose="02000600000000000000" pitchFamily="50" charset="-128"/>
+              </a:rPr>
+              <a:t>緑</a:t>
+            </a:r>
+            <a:r>
+              <a:rPr kumimoji="1" lang="ja-JP" altLang="en-US" dirty="0">
+                <a:latin typeface="チェックポイント．（ピリオド）" panose="02000600000000000000" pitchFamily="50" charset="-128"/>
+                <a:ea typeface="チェックポイント．（ピリオド）" panose="02000600000000000000" pitchFamily="50" charset="-128"/>
+              </a:rPr>
+              <a:t>に強い</a:t>
+            </a:r>
+            <a:r>
+              <a:rPr kumimoji="1" lang="ja-JP" altLang="en-US" dirty="0" smtClean="0">
+                <a:latin typeface="チェックポイント．（ピリオド）" panose="02000600000000000000" pitchFamily="50" charset="-128"/>
+                <a:ea typeface="チェックポイント．（ピリオド）" panose="02000600000000000000" pitchFamily="50" charset="-128"/>
+              </a:rPr>
+              <a:t>、</a:t>
+            </a:r>
+            <a:endParaRPr kumimoji="1" lang="en-US" altLang="ja-JP" dirty="0" smtClean="0">
+              <a:latin typeface="チェックポイント．（ピリオド）" panose="02000600000000000000" pitchFamily="50" charset="-128"/>
+              <a:ea typeface="チェックポイント．（ピリオド）" panose="02000600000000000000" pitchFamily="50" charset="-128"/>
+            </a:endParaRPr>
+          </a:p>
+          <a:p>
+            <a:r>
+              <a:rPr lang="ja-JP" altLang="en-US" dirty="0" smtClean="0">
+                <a:latin typeface="チェックポイント．（ピリオド）" panose="02000600000000000000" pitchFamily="50" charset="-128"/>
+                <a:ea typeface="チェックポイント．（ピリオド）" panose="02000600000000000000" pitchFamily="50" charset="-128"/>
+              </a:rPr>
+              <a:t>そして</a:t>
+            </a:r>
+            <a:r>
+              <a:rPr lang="ja-JP" altLang="en-US" dirty="0">
+                <a:solidFill>
+                  <a:srgbClr val="00B050"/>
+                </a:solidFill>
+                <a:latin typeface="チェックポイント．（ピリオド）" panose="02000600000000000000" pitchFamily="50" charset="-128"/>
+                <a:ea typeface="チェックポイント．（ピリオド）" panose="02000600000000000000" pitchFamily="50" charset="-128"/>
+              </a:rPr>
+              <a:t>緑</a:t>
+            </a:r>
+            <a:r>
+              <a:rPr lang="ja-JP" altLang="en-US" dirty="0">
+                <a:latin typeface="チェックポイント．（ピリオド）" panose="02000600000000000000" pitchFamily="50" charset="-128"/>
+                <a:ea typeface="チェックポイント．（ピリオド）" panose="02000600000000000000" pitchFamily="50" charset="-128"/>
+              </a:rPr>
+              <a:t>は</a:t>
+            </a:r>
+            <a:r>
+              <a:rPr lang="ja-JP" altLang="en-US" dirty="0">
+                <a:solidFill>
+                  <a:srgbClr val="0070C0"/>
+                </a:solidFill>
+                <a:latin typeface="チェックポイント．（ピリオド）" panose="02000600000000000000" pitchFamily="50" charset="-128"/>
+                <a:ea typeface="チェックポイント．（ピリオド）" panose="02000600000000000000" pitchFamily="50" charset="-128"/>
+              </a:rPr>
+              <a:t>青</a:t>
+            </a:r>
+            <a:r>
+              <a:rPr lang="ja-JP" altLang="en-US" dirty="0">
+                <a:latin typeface="チェックポイント．（ピリオド）" panose="02000600000000000000" pitchFamily="50" charset="-128"/>
+                <a:ea typeface="チェックポイント．（ピリオド）" panose="02000600000000000000" pitchFamily="50" charset="-128"/>
+              </a:rPr>
+              <a:t>に強い関係になっています。</a:t>
             </a:r>
             <a:endParaRPr lang="en-US" altLang="ja-JP" dirty="0">
               <a:latin typeface="チェックポイント．（ピリオド）" panose="02000600000000000000" pitchFamily="50" charset="-128"/>
@@ -12686,6 +12985,75 @@
             </a:endParaRPr>
           </a:p>
           <a:p>
+            <a:endParaRPr kumimoji="1" lang="en-US" altLang="ja-JP" dirty="0">
+              <a:latin typeface="チェックポイント．（ピリオド）" panose="02000600000000000000" pitchFamily="50" charset="-128"/>
+              <a:ea typeface="チェックポイント．（ピリオド）" panose="02000600000000000000" pitchFamily="50" charset="-128"/>
+            </a:endParaRPr>
+          </a:p>
+          <a:p>
+            <a:r>
+              <a:rPr kumimoji="1" lang="ja-JP" altLang="en-US" dirty="0">
+                <a:latin typeface="チェックポイント．（ピリオド）" panose="02000600000000000000" pitchFamily="50" charset="-128"/>
+                <a:ea typeface="チェックポイント．（ピリオド）" panose="02000600000000000000" pitchFamily="50" charset="-128"/>
+              </a:rPr>
+              <a:t>白は属性を持つポッドに対して有利をとれます</a:t>
+            </a:r>
+            <a:r>
+              <a:rPr kumimoji="1" lang="ja-JP" altLang="en-US" dirty="0" smtClean="0">
+                <a:latin typeface="チェックポイント．（ピリオド）" panose="02000600000000000000" pitchFamily="50" charset="-128"/>
+                <a:ea typeface="チェックポイント．（ピリオド）" panose="02000600000000000000" pitchFamily="50" charset="-128"/>
+              </a:rPr>
+              <a:t>が</a:t>
+            </a:r>
+            <a:endParaRPr kumimoji="1" lang="en-US" altLang="ja-JP" dirty="0" smtClean="0">
+              <a:latin typeface="チェックポイント．（ピリオド）" panose="02000600000000000000" pitchFamily="50" charset="-128"/>
+              <a:ea typeface="チェックポイント．（ピリオド）" panose="02000600000000000000" pitchFamily="50" charset="-128"/>
+            </a:endParaRPr>
+          </a:p>
+          <a:p>
+            <a:r>
+              <a:rPr kumimoji="1" lang="ja-JP" altLang="en-US" dirty="0" smtClean="0">
+                <a:latin typeface="チェックポイント．（ピリオド）" panose="02000600000000000000" pitchFamily="50" charset="-128"/>
+                <a:ea typeface="チェックポイント．（ピリオド）" panose="02000600000000000000" pitchFamily="50" charset="-128"/>
+              </a:rPr>
+              <a:t>ミサイル</a:t>
+            </a:r>
+            <a:r>
+              <a:rPr kumimoji="1" lang="ja-JP" altLang="en-US" dirty="0">
+                <a:latin typeface="チェックポイント．（ピリオド）" panose="02000600000000000000" pitchFamily="50" charset="-128"/>
+                <a:ea typeface="チェックポイント．（ピリオド）" panose="02000600000000000000" pitchFamily="50" charset="-128"/>
+              </a:rPr>
+              <a:t>に対して弱いです。</a:t>
+            </a:r>
+            <a:endParaRPr kumimoji="1" lang="en-US" altLang="ja-JP" dirty="0">
+              <a:latin typeface="チェックポイント．（ピリオド）" panose="02000600000000000000" pitchFamily="50" charset="-128"/>
+              <a:ea typeface="チェックポイント．（ピリオド）" panose="02000600000000000000" pitchFamily="50" charset="-128"/>
+            </a:endParaRPr>
+          </a:p>
+          <a:p>
+            <a:endParaRPr lang="en-US" altLang="ja-JP" dirty="0">
+              <a:latin typeface="チェックポイント．（ピリオド）" panose="02000600000000000000" pitchFamily="50" charset="-128"/>
+              <a:ea typeface="チェックポイント．（ピリオド）" panose="02000600000000000000" pitchFamily="50" charset="-128"/>
+            </a:endParaRPr>
+          </a:p>
+          <a:p>
+            <a:r>
+              <a:rPr kumimoji="1" lang="ja-JP" altLang="en-US" dirty="0">
+                <a:latin typeface="チェックポイント．（ピリオド）" panose="02000600000000000000" pitchFamily="50" charset="-128"/>
+                <a:ea typeface="チェックポイント．（ピリオド）" panose="02000600000000000000" pitchFamily="50" charset="-128"/>
+              </a:rPr>
+              <a:t>ミサイルは</a:t>
+            </a:r>
+            <a:r>
+              <a:rPr kumimoji="1" lang="ja-JP" altLang="en-US" dirty="0">
+                <a:solidFill>
+                  <a:srgbClr val="FF0000"/>
+                </a:solidFill>
+                <a:latin typeface="チェックポイント．（ピリオド）" panose="02000600000000000000" pitchFamily="50" charset="-128"/>
+                <a:ea typeface="チェックポイント．（ピリオド）" panose="02000600000000000000" pitchFamily="50" charset="-128"/>
+              </a:rPr>
+              <a:t>赤</a:t>
+            </a:r>
             <a:r>
               <a:rPr kumimoji="1" lang="ja-JP" altLang="en-US" dirty="0">
                 <a:solidFill>
@@ -12698,47 +13066,6 @@
             </a:r>
             <a:r>
               <a:rPr kumimoji="1" lang="ja-JP" altLang="en-US" dirty="0">
-                <a:latin typeface="チェックポイント．（ピリオド）" panose="02000600000000000000" pitchFamily="50" charset="-128"/>
-                <a:ea typeface="チェックポイント．（ピリオド）" panose="02000600000000000000" pitchFamily="50" charset="-128"/>
-              </a:rPr>
-              <a:t>は</a:t>
-            </a:r>
-            <a:r>
-              <a:rPr kumimoji="1" lang="ja-JP" altLang="en-US" dirty="0">
-                <a:solidFill>
-                  <a:srgbClr val="FF0000"/>
-                </a:solidFill>
-                <a:latin typeface="チェックポイント．（ピリオド）" panose="02000600000000000000" pitchFamily="50" charset="-128"/>
-                <a:ea typeface="チェックポイント．（ピリオド）" panose="02000600000000000000" pitchFamily="50" charset="-128"/>
-              </a:rPr>
-              <a:t>赤</a:t>
-            </a:r>
-            <a:r>
-              <a:rPr kumimoji="1" lang="ja-JP" altLang="en-US" dirty="0">
-                <a:latin typeface="チェックポイント．（ピリオド）" panose="02000600000000000000" pitchFamily="50" charset="-128"/>
-                <a:ea typeface="チェックポイント．（ピリオド）" panose="02000600000000000000" pitchFamily="50" charset="-128"/>
-              </a:rPr>
-              <a:t>に強く</a:t>
-            </a:r>
-            <a:r>
-              <a:rPr lang="ja-JP" altLang="en-US" dirty="0">
-                <a:solidFill>
-                  <a:srgbClr val="FF0000"/>
-                </a:solidFill>
-                <a:latin typeface="チェックポイント．（ピリオド）" panose="02000600000000000000" pitchFamily="50" charset="-128"/>
-                <a:ea typeface="チェックポイント．（ピリオド）" panose="02000600000000000000" pitchFamily="50" charset="-128"/>
-              </a:rPr>
-              <a:t>赤</a:t>
-            </a:r>
-            <a:r>
-              <a:rPr kumimoji="1" lang="ja-JP" altLang="en-US" dirty="0">
-                <a:latin typeface="チェックポイント．（ピリオド）" panose="02000600000000000000" pitchFamily="50" charset="-128"/>
-                <a:ea typeface="チェックポイント．（ピリオド）" panose="02000600000000000000" pitchFamily="50" charset="-128"/>
-              </a:rPr>
-              <a:t>は</a:t>
-            </a:r>
-            <a:r>
-              <a:rPr kumimoji="1" lang="ja-JP" altLang="en-US" dirty="0">
                 <a:solidFill>
                   <a:srgbClr val="00B050"/>
                 </a:solidFill>
@@ -12752,49 +13079,74 @@
                 <a:latin typeface="チェックポイント．（ピリオド）" panose="02000600000000000000" pitchFamily="50" charset="-128"/>
                 <a:ea typeface="チェックポイント．（ピリオド）" panose="02000600000000000000" pitchFamily="50" charset="-128"/>
               </a:rPr>
-              <a:t>に強い、</a:t>
-            </a:r>
-            <a:r>
-              <a:rPr lang="ja-JP" altLang="en-US" dirty="0">
-                <a:latin typeface="チェックポイント．（ピリオド）" panose="02000600000000000000" pitchFamily="50" charset="-128"/>
-                <a:ea typeface="チェックポイント．（ピリオド）" panose="02000600000000000000" pitchFamily="50" charset="-128"/>
-              </a:rPr>
-              <a:t>そして</a:t>
-            </a:r>
-            <a:r>
-              <a:rPr lang="ja-JP" altLang="en-US" dirty="0">
-                <a:solidFill>
-                  <a:srgbClr val="00B050"/>
-                </a:solidFill>
-                <a:latin typeface="チェックポイント．（ピリオド）" panose="02000600000000000000" pitchFamily="50" charset="-128"/>
-                <a:ea typeface="チェックポイント．（ピリオド）" panose="02000600000000000000" pitchFamily="50" charset="-128"/>
-              </a:rPr>
-              <a:t>緑</a:t>
-            </a:r>
-            <a:r>
-              <a:rPr lang="ja-JP" altLang="en-US" dirty="0">
-                <a:latin typeface="チェックポイント．（ピリオド）" panose="02000600000000000000" pitchFamily="50" charset="-128"/>
-                <a:ea typeface="チェックポイント．（ピリオド）" panose="02000600000000000000" pitchFamily="50" charset="-128"/>
-              </a:rPr>
-              <a:t>は</a:t>
-            </a:r>
-            <a:r>
-              <a:rPr lang="ja-JP" altLang="en-US" dirty="0">
-                <a:solidFill>
-                  <a:srgbClr val="0070C0"/>
-                </a:solidFill>
-                <a:latin typeface="チェックポイント．（ピリオド）" panose="02000600000000000000" pitchFamily="50" charset="-128"/>
-                <a:ea typeface="チェックポイント．（ピリオド）" panose="02000600000000000000" pitchFamily="50" charset="-128"/>
-              </a:rPr>
-              <a:t>青</a:t>
-            </a:r>
-            <a:r>
-              <a:rPr lang="ja-JP" altLang="en-US" dirty="0">
-                <a:latin typeface="チェックポイント．（ピリオド）" panose="02000600000000000000" pitchFamily="50" charset="-128"/>
-                <a:ea typeface="チェックポイント．（ピリオド）" panose="02000600000000000000" pitchFamily="50" charset="-128"/>
-              </a:rPr>
-              <a:t>に強い関係になっています。</a:t>
-            </a:r>
+              <a:t>のポッドに対して少し</a:t>
+            </a:r>
+            <a:r>
+              <a:rPr kumimoji="1" lang="ja-JP" altLang="en-US" dirty="0" smtClean="0">
+                <a:latin typeface="チェックポイント．（ピリオド）" panose="02000600000000000000" pitchFamily="50" charset="-128"/>
+                <a:ea typeface="チェックポイント．（ピリオド）" panose="02000600000000000000" pitchFamily="50" charset="-128"/>
+              </a:rPr>
+              <a:t>しか</a:t>
+            </a:r>
+            <a:endParaRPr kumimoji="1" lang="en-US" altLang="ja-JP" dirty="0" smtClean="0">
+              <a:latin typeface="チェックポイント．（ピリオド）" panose="02000600000000000000" pitchFamily="50" charset="-128"/>
+              <a:ea typeface="チェックポイント．（ピリオド）" panose="02000600000000000000" pitchFamily="50" charset="-128"/>
+            </a:endParaRPr>
+          </a:p>
+          <a:p>
+            <a:r>
+              <a:rPr kumimoji="1" lang="ja-JP" altLang="en-US" dirty="0" smtClean="0">
+                <a:latin typeface="チェックポイント．（ピリオド）" panose="02000600000000000000" pitchFamily="50" charset="-128"/>
+                <a:ea typeface="チェックポイント．（ピリオド）" panose="02000600000000000000" pitchFamily="50" charset="-128"/>
+              </a:rPr>
+              <a:t>ダメージ</a:t>
+            </a:r>
+            <a:r>
+              <a:rPr kumimoji="1" lang="ja-JP" altLang="en-US" dirty="0">
+                <a:latin typeface="チェックポイント．（ピリオド）" panose="02000600000000000000" pitchFamily="50" charset="-128"/>
+                <a:ea typeface="チェックポイント．（ピリオド）" panose="02000600000000000000" pitchFamily="50" charset="-128"/>
+              </a:rPr>
+              <a:t>を与えることができません</a:t>
+            </a:r>
+            <a:r>
+              <a:rPr kumimoji="1" lang="ja-JP" altLang="en-US" dirty="0" smtClean="0">
+                <a:latin typeface="チェックポイント．（ピリオド）" panose="02000600000000000000" pitchFamily="50" charset="-128"/>
+                <a:ea typeface="チェックポイント．（ピリオド）" panose="02000600000000000000" pitchFamily="50" charset="-128"/>
+              </a:rPr>
+              <a:t>が</a:t>
+            </a:r>
+            <a:endParaRPr kumimoji="1" lang="en-US" altLang="ja-JP" dirty="0" smtClean="0">
+              <a:latin typeface="チェックポイント．（ピリオド）" panose="02000600000000000000" pitchFamily="50" charset="-128"/>
+              <a:ea typeface="チェックポイント．（ピリオド）" panose="02000600000000000000" pitchFamily="50" charset="-128"/>
+            </a:endParaRPr>
+          </a:p>
+          <a:p>
+            <a:r>
+              <a:rPr kumimoji="1" lang="ja-JP" altLang="en-US" dirty="0" smtClean="0">
+                <a:latin typeface="チェックポイント．（ピリオド）" panose="02000600000000000000" pitchFamily="50" charset="-128"/>
+                <a:ea typeface="チェックポイント．（ピリオド）" panose="02000600000000000000" pitchFamily="50" charset="-128"/>
+              </a:rPr>
+              <a:t>白</a:t>
+            </a:r>
+            <a:r>
+              <a:rPr kumimoji="1" lang="ja-JP" altLang="en-US" dirty="0">
+                <a:latin typeface="チェックポイント．（ピリオド）" panose="02000600000000000000" pitchFamily="50" charset="-128"/>
+                <a:ea typeface="チェックポイント．（ピリオド）" panose="02000600000000000000" pitchFamily="50" charset="-128"/>
+              </a:rPr>
+              <a:t>ポッドに対して大ダメージを与えることができます。</a:t>
+            </a:r>
+            <a:endParaRPr kumimoji="1" lang="en-US" altLang="ja-JP" dirty="0">
+              <a:latin typeface="チェックポイント．（ピリオド）" panose="02000600000000000000" pitchFamily="50" charset="-128"/>
+              <a:ea typeface="チェックポイント．（ピリオド）" panose="02000600000000000000" pitchFamily="50" charset="-128"/>
+            </a:endParaRPr>
+          </a:p>
+          <a:p>
+            <a:endParaRPr kumimoji="1" lang="en-US" altLang="ja-JP" dirty="0">
+              <a:latin typeface="チェックポイント．（ピリオド）" panose="02000600000000000000" pitchFamily="50" charset="-128"/>
+              <a:ea typeface="チェックポイント．（ピリオド）" panose="02000600000000000000" pitchFamily="50" charset="-128"/>
+            </a:endParaRPr>
+          </a:p>
+          <a:p>
             <a:endParaRPr lang="en-US" altLang="ja-JP" dirty="0">
               <a:latin typeface="チェックポイント．（ピリオド）" panose="02000600000000000000" pitchFamily="50" charset="-128"/>
               <a:ea typeface="チェックポイント．（ピリオド）" panose="02000600000000000000" pitchFamily="50" charset="-128"/>
@@ -12806,1297 +13158,38 @@
               <a:ea typeface="チェックポイント．（ピリオド）" panose="02000600000000000000" pitchFamily="50" charset="-128"/>
             </a:endParaRPr>
           </a:p>
-          <a:p>
-            <a:r>
-              <a:rPr kumimoji="1" lang="ja-JP" altLang="en-US" dirty="0">
-                <a:latin typeface="チェックポイント．（ピリオド）" panose="02000600000000000000" pitchFamily="50" charset="-128"/>
-                <a:ea typeface="チェックポイント．（ピリオド）" panose="02000600000000000000" pitchFamily="50" charset="-128"/>
-              </a:rPr>
-              <a:t>白は属性を持つポッドに対して有利をとれますがミサイルに対して弱いです。</a:t>
-            </a:r>
-            <a:endParaRPr kumimoji="1" lang="en-US" altLang="ja-JP" dirty="0">
-              <a:latin typeface="チェックポイント．（ピリオド）" panose="02000600000000000000" pitchFamily="50" charset="-128"/>
-              <a:ea typeface="チェックポイント．（ピリオド）" panose="02000600000000000000" pitchFamily="50" charset="-128"/>
-            </a:endParaRPr>
-          </a:p>
-          <a:p>
-            <a:endParaRPr lang="en-US" altLang="ja-JP" dirty="0">
-              <a:latin typeface="チェックポイント．（ピリオド）" panose="02000600000000000000" pitchFamily="50" charset="-128"/>
-              <a:ea typeface="チェックポイント．（ピリオド）" panose="02000600000000000000" pitchFamily="50" charset="-128"/>
-            </a:endParaRPr>
-          </a:p>
-          <a:p>
-            <a:r>
-              <a:rPr kumimoji="1" lang="ja-JP" altLang="en-US" dirty="0">
-                <a:latin typeface="チェックポイント．（ピリオド）" panose="02000600000000000000" pitchFamily="50" charset="-128"/>
-                <a:ea typeface="チェックポイント．（ピリオド）" panose="02000600000000000000" pitchFamily="50" charset="-128"/>
-              </a:rPr>
-              <a:t>ミサイルは</a:t>
-            </a:r>
-            <a:r>
-              <a:rPr kumimoji="1" lang="ja-JP" altLang="en-US" dirty="0">
-                <a:solidFill>
-                  <a:srgbClr val="FF0000"/>
-                </a:solidFill>
-                <a:latin typeface="チェックポイント．（ピリオド）" panose="02000600000000000000" pitchFamily="50" charset="-128"/>
-                <a:ea typeface="チェックポイント．（ピリオド）" panose="02000600000000000000" pitchFamily="50" charset="-128"/>
-              </a:rPr>
-              <a:t>赤</a:t>
-            </a:r>
-            <a:r>
-              <a:rPr kumimoji="1" lang="ja-JP" altLang="en-US" dirty="0">
-                <a:solidFill>
-                  <a:srgbClr val="0070C0"/>
-                </a:solidFill>
-                <a:latin typeface="チェックポイント．（ピリオド）" panose="02000600000000000000" pitchFamily="50" charset="-128"/>
-                <a:ea typeface="チェックポイント．（ピリオド）" panose="02000600000000000000" pitchFamily="50" charset="-128"/>
-              </a:rPr>
-              <a:t>青</a:t>
-            </a:r>
-            <a:r>
-              <a:rPr kumimoji="1" lang="ja-JP" altLang="en-US" dirty="0">
-                <a:solidFill>
-                  <a:srgbClr val="00B050"/>
-                </a:solidFill>
-                <a:latin typeface="チェックポイント．（ピリオド）" panose="02000600000000000000" pitchFamily="50" charset="-128"/>
-                <a:ea typeface="チェックポイント．（ピリオド）" panose="02000600000000000000" pitchFamily="50" charset="-128"/>
-              </a:rPr>
-              <a:t>緑</a:t>
-            </a:r>
-            <a:r>
-              <a:rPr kumimoji="1" lang="ja-JP" altLang="en-US" dirty="0">
-                <a:latin typeface="チェックポイント．（ピリオド）" panose="02000600000000000000" pitchFamily="50" charset="-128"/>
-                <a:ea typeface="チェックポイント．（ピリオド）" panose="02000600000000000000" pitchFamily="50" charset="-128"/>
-              </a:rPr>
-              <a:t>のポッドに対して少ししかダメージを与えることができませんが白ポッドに対して大ダメージを与えることができます。</a:t>
-            </a:r>
-            <a:endParaRPr kumimoji="1" lang="en-US" altLang="ja-JP" dirty="0">
-              <a:latin typeface="チェックポイント．（ピリオド）" panose="02000600000000000000" pitchFamily="50" charset="-128"/>
-              <a:ea typeface="チェックポイント．（ピリオド）" panose="02000600000000000000" pitchFamily="50" charset="-128"/>
-            </a:endParaRPr>
-          </a:p>
-          <a:p>
-            <a:endParaRPr kumimoji="1" lang="en-US" altLang="ja-JP" dirty="0">
-              <a:latin typeface="チェックポイント．（ピリオド）" panose="02000600000000000000" pitchFamily="50" charset="-128"/>
-              <a:ea typeface="チェックポイント．（ピリオド）" panose="02000600000000000000" pitchFamily="50" charset="-128"/>
-            </a:endParaRPr>
-          </a:p>
-          <a:p>
-            <a:endParaRPr lang="en-US" altLang="ja-JP" dirty="0">
-              <a:latin typeface="チェックポイント．（ピリオド）" panose="02000600000000000000" pitchFamily="50" charset="-128"/>
-              <a:ea typeface="チェックポイント．（ピリオド）" panose="02000600000000000000" pitchFamily="50" charset="-128"/>
-            </a:endParaRPr>
-          </a:p>
-          <a:p>
-            <a:endParaRPr kumimoji="1" lang="en-US" altLang="ja-JP" dirty="0">
-              <a:latin typeface="チェックポイント．（ピリオド）" panose="02000600000000000000" pitchFamily="50" charset="-128"/>
-              <a:ea typeface="チェックポイント．（ピリオド）" panose="02000600000000000000" pitchFamily="50" charset="-128"/>
-            </a:endParaRPr>
-          </a:p>
-        </p:txBody>
-      </p:sp>
-      <p:grpSp>
-        <p:nvGrpSpPr>
-          <p:cNvPr id="54" name="グループ化 53"/>
-          <p:cNvGrpSpPr/>
+        </p:txBody>
+      </p:sp>
+      <p:pic>
+        <p:nvPicPr>
+          <p:cNvPr id="3" name="図 2"/>
+          <p:cNvPicPr>
+            <a:picLocks noChangeAspect="1"/>
+          </p:cNvPicPr>
           <p:nvPr/>
-        </p:nvGrpSpPr>
-        <p:grpSpPr>
+        </p:nvPicPr>
+        <p:blipFill>
+          <a:blip r:embed="rId3" cstate="print">
+            <a:extLst>
+              <a:ext uri="{28A0092B-C50C-407E-A947-70E740481C1C}">
+                <a14:useLocalDpi xmlns:a14="http://schemas.microsoft.com/office/drawing/2010/main" val="0"/>
+              </a:ext>
+            </a:extLst>
+          </a:blip>
+          <a:stretch>
+            <a:fillRect/>
+          </a:stretch>
+        </p:blipFill>
+        <p:spPr>
           <a:xfrm>
-            <a:off x="3651719" y="1405933"/>
-            <a:ext cx="8091163" cy="3126334"/>
-            <a:chOff x="3856997" y="1973986"/>
-            <a:chExt cx="8505616" cy="3895582"/>
+            <a:off x="5157848" y="1405933"/>
+            <a:ext cx="6266214" cy="4862916"/>
           </a:xfrm>
-        </p:grpSpPr>
-        <p:grpSp>
-          <p:nvGrpSpPr>
-            <p:cNvPr id="36" name="グループ化 35"/>
-            <p:cNvGrpSpPr/>
-            <p:nvPr/>
-          </p:nvGrpSpPr>
-          <p:grpSpPr>
-            <a:xfrm>
-              <a:off x="3856997" y="1973986"/>
-              <a:ext cx="8505616" cy="1706674"/>
-              <a:chOff x="3963875" y="3884859"/>
-              <a:chExt cx="8505616" cy="1706674"/>
-            </a:xfrm>
-          </p:grpSpPr>
-          <p:grpSp>
-            <p:nvGrpSpPr>
-              <p:cNvPr id="9" name="グループ化 8">
-                <a:extLst>
-                  <a:ext uri="{FF2B5EF4-FFF2-40B4-BE49-F238E27FC236}">
-                    <a16:creationId xmlns="" xmlns:a16="http://schemas.microsoft.com/office/drawing/2014/main" id="{C42471E9-CEF7-4DD0-B2B9-A37027252951}"/>
-                  </a:ext>
-                </a:extLst>
-              </p:cNvPr>
-              <p:cNvGrpSpPr/>
-              <p:nvPr/>
-            </p:nvGrpSpPr>
-            <p:grpSpPr>
-              <a:xfrm>
-                <a:off x="3963875" y="3884859"/>
-                <a:ext cx="5949859" cy="1706674"/>
-                <a:chOff x="3739456" y="1722326"/>
-                <a:chExt cx="5949859" cy="1706674"/>
-              </a:xfrm>
-            </p:grpSpPr>
-            <p:grpSp>
-              <p:nvGrpSpPr>
-                <p:cNvPr id="10" name="グループ化 9">
-                  <a:extLst>
-                    <a:ext uri="{FF2B5EF4-FFF2-40B4-BE49-F238E27FC236}">
-                      <a16:creationId xmlns="" xmlns:a16="http://schemas.microsoft.com/office/drawing/2014/main" id="{7D6E456E-2E26-4492-9279-169842641548}"/>
-                    </a:ext>
-                  </a:extLst>
-                </p:cNvPr>
-                <p:cNvGrpSpPr/>
-                <p:nvPr/>
-              </p:nvGrpSpPr>
-              <p:grpSpPr>
-                <a:xfrm>
-                  <a:off x="3739456" y="1722326"/>
-                  <a:ext cx="1140874" cy="1520830"/>
-                  <a:chOff x="3651813" y="1678331"/>
-                  <a:chExt cx="1140874" cy="1520830"/>
-                </a:xfrm>
-              </p:grpSpPr>
-              <p:pic>
-                <p:nvPicPr>
-                  <p:cNvPr id="26" name="図 25" descr="物体 が含まれている画像&#10;&#10;自動的に生成された説明">
-                    <a:extLst>
-                      <a:ext uri="{FF2B5EF4-FFF2-40B4-BE49-F238E27FC236}">
-                        <a16:creationId xmlns="" xmlns:a16="http://schemas.microsoft.com/office/drawing/2014/main" id="{9E2F2156-5A3C-4670-A7BB-42FF8EF7E4F0}"/>
-                      </a:ext>
-                    </a:extLst>
-                  </p:cNvPr>
-                  <p:cNvPicPr>
-                    <a:picLocks noChangeAspect="1"/>
-                  </p:cNvPicPr>
-                  <p:nvPr/>
-                </p:nvPicPr>
-                <p:blipFill>
-                  <a:blip r:embed="rId2">
-                    <a:extLst>
-                      <a:ext uri="{28A0092B-C50C-407E-A947-70E740481C1C}">
-                        <a14:useLocalDpi xmlns:a14="http://schemas.microsoft.com/office/drawing/2010/main" val="0"/>
-                      </a:ext>
-                    </a:extLst>
-                  </a:blip>
-                  <a:stretch>
-                    <a:fillRect/>
-                  </a:stretch>
-                </p:blipFill>
-                <p:spPr>
-                  <a:xfrm>
-                    <a:off x="3651813" y="1678331"/>
-                    <a:ext cx="1140874" cy="1140874"/>
-                  </a:xfrm>
-                  <a:prstGeom prst="rect">
-                    <a:avLst/>
-                  </a:prstGeom>
-                </p:spPr>
-              </p:pic>
-              <p:sp>
-                <p:nvSpPr>
-                  <p:cNvPr id="27" name="テキスト ボックス 26">
-                    <a:extLst>
-                      <a:ext uri="{FF2B5EF4-FFF2-40B4-BE49-F238E27FC236}">
-                        <a16:creationId xmlns="" xmlns:a16="http://schemas.microsoft.com/office/drawing/2014/main" id="{85DB17C7-0CA8-4460-8B6A-1BBCF3C5CA75}"/>
-                      </a:ext>
-                    </a:extLst>
-                  </p:cNvPr>
-                  <p:cNvSpPr txBox="1"/>
-                  <p:nvPr/>
-                </p:nvSpPr>
-                <p:spPr>
-                  <a:xfrm>
-                    <a:off x="3945705" y="2829829"/>
-                    <a:ext cx="361950" cy="369332"/>
-                  </a:xfrm>
-                  <a:prstGeom prst="rect">
-                    <a:avLst/>
-                  </a:prstGeom>
-                  <a:noFill/>
-                </p:spPr>
-                <p:txBody>
-                  <a:bodyPr wrap="square" rtlCol="0">
-                    <a:spAutoFit/>
-                  </a:bodyPr>
-                  <a:lstStyle/>
-                  <a:p>
-                    <a:r>
-                      <a:rPr kumimoji="1" lang="ja-JP" altLang="en-US" dirty="0">
-                        <a:latin typeface="チェックポイント．（ピリオド）" panose="02000600000000000000" pitchFamily="50" charset="-128"/>
-                        <a:ea typeface="チェックポイント．（ピリオド）" panose="02000600000000000000" pitchFamily="50" charset="-128"/>
-                      </a:rPr>
-                      <a:t>青</a:t>
-                    </a:r>
-                  </a:p>
-                </p:txBody>
-              </p:sp>
-            </p:grpSp>
-            <p:grpSp>
-              <p:nvGrpSpPr>
-                <p:cNvPr id="11" name="グループ化 10">
-                  <a:extLst>
-                    <a:ext uri="{FF2B5EF4-FFF2-40B4-BE49-F238E27FC236}">
-                      <a16:creationId xmlns="" xmlns:a16="http://schemas.microsoft.com/office/drawing/2014/main" id="{8FA97864-B0AC-4C37-AB57-3F511EE9B20A}"/>
-                    </a:ext>
-                  </a:extLst>
-                </p:cNvPr>
-                <p:cNvGrpSpPr/>
-                <p:nvPr/>
-              </p:nvGrpSpPr>
-              <p:grpSpPr>
-                <a:xfrm>
-                  <a:off x="5268431" y="1722326"/>
-                  <a:ext cx="1140874" cy="1520743"/>
-                  <a:chOff x="4889474" y="1678418"/>
-                  <a:chExt cx="1140874" cy="1520743"/>
-                </a:xfrm>
-              </p:grpSpPr>
-              <p:pic>
-                <p:nvPicPr>
-                  <p:cNvPr id="24" name="図 23" descr="物体 が含まれている画像&#10;&#10;自動的に生成された説明">
-                    <a:extLst>
-                      <a:ext uri="{FF2B5EF4-FFF2-40B4-BE49-F238E27FC236}">
-                        <a16:creationId xmlns="" xmlns:a16="http://schemas.microsoft.com/office/drawing/2014/main" id="{539F0BC8-41E3-4ADD-9459-BE0E2D7ABA27}"/>
-                      </a:ext>
-                    </a:extLst>
-                  </p:cNvPr>
-                  <p:cNvPicPr>
-                    <a:picLocks noChangeAspect="1"/>
-                  </p:cNvPicPr>
-                  <p:nvPr/>
-                </p:nvPicPr>
-                <p:blipFill>
-                  <a:blip r:embed="rId3">
-                    <a:extLst>
-                      <a:ext uri="{28A0092B-C50C-407E-A947-70E740481C1C}">
-                        <a14:useLocalDpi xmlns:a14="http://schemas.microsoft.com/office/drawing/2010/main" val="0"/>
-                      </a:ext>
-                    </a:extLst>
-                  </a:blip>
-                  <a:stretch>
-                    <a:fillRect/>
-                  </a:stretch>
-                </p:blipFill>
-                <p:spPr>
-                  <a:xfrm>
-                    <a:off x="4889474" y="1678418"/>
-                    <a:ext cx="1140874" cy="1140874"/>
-                  </a:xfrm>
-                  <a:prstGeom prst="rect">
-                    <a:avLst/>
-                  </a:prstGeom>
-                </p:spPr>
-              </p:pic>
-              <p:sp>
-                <p:nvSpPr>
-                  <p:cNvPr id="25" name="テキスト ボックス 24">
-                    <a:extLst>
-                      <a:ext uri="{FF2B5EF4-FFF2-40B4-BE49-F238E27FC236}">
-                        <a16:creationId xmlns="" xmlns:a16="http://schemas.microsoft.com/office/drawing/2014/main" id="{9D08D78F-597A-41C6-9E61-E721135C20D1}"/>
-                      </a:ext>
-                    </a:extLst>
-                  </p:cNvPr>
-                  <p:cNvSpPr txBox="1"/>
-                  <p:nvPr/>
-                </p:nvSpPr>
-                <p:spPr>
-                  <a:xfrm>
-                    <a:off x="5178014" y="2829829"/>
-                    <a:ext cx="361951" cy="369332"/>
-                  </a:xfrm>
-                  <a:prstGeom prst="rect">
-                    <a:avLst/>
-                  </a:prstGeom>
-                  <a:noFill/>
-                </p:spPr>
-                <p:txBody>
-                  <a:bodyPr wrap="square" rtlCol="0">
-                    <a:spAutoFit/>
-                  </a:bodyPr>
-                  <a:lstStyle/>
-                  <a:p>
-                    <a:r>
-                      <a:rPr kumimoji="1" lang="ja-JP" altLang="en-US" dirty="0">
-                        <a:latin typeface="チェックポイント．（ピリオド）" panose="02000600000000000000" pitchFamily="50" charset="-128"/>
-                        <a:ea typeface="チェックポイント．（ピリオド）" panose="02000600000000000000" pitchFamily="50" charset="-128"/>
-                      </a:rPr>
-                      <a:t>赤</a:t>
-                    </a:r>
-                  </a:p>
-                </p:txBody>
-              </p:sp>
-            </p:grpSp>
-            <p:grpSp>
-              <p:nvGrpSpPr>
-                <p:cNvPr id="12" name="グループ化 11">
-                  <a:extLst>
-                    <a:ext uri="{FF2B5EF4-FFF2-40B4-BE49-F238E27FC236}">
-                      <a16:creationId xmlns="" xmlns:a16="http://schemas.microsoft.com/office/drawing/2014/main" id="{8F6624A7-F895-493A-8055-873B48C8C19C}"/>
-                    </a:ext>
-                  </a:extLst>
-                </p:cNvPr>
-                <p:cNvGrpSpPr/>
-                <p:nvPr/>
-              </p:nvGrpSpPr>
-              <p:grpSpPr>
-                <a:xfrm>
-                  <a:off x="6746394" y="1722326"/>
-                  <a:ext cx="1140875" cy="1493097"/>
-                  <a:chOff x="6122245" y="1669741"/>
-                  <a:chExt cx="1140875" cy="1493097"/>
-                </a:xfrm>
-              </p:grpSpPr>
-              <p:pic>
-                <p:nvPicPr>
-                  <p:cNvPr id="22" name="図 21" descr="物体, 腕時計 が含まれている画像&#10;&#10;自動的に生成された説明">
-                    <a:extLst>
-                      <a:ext uri="{FF2B5EF4-FFF2-40B4-BE49-F238E27FC236}">
-                        <a16:creationId xmlns="" xmlns:a16="http://schemas.microsoft.com/office/drawing/2014/main" id="{53299244-26D0-4173-ACC6-BD241C768849}"/>
-                      </a:ext>
-                    </a:extLst>
-                  </p:cNvPr>
-                  <p:cNvPicPr>
-                    <a:picLocks noChangeAspect="1"/>
-                  </p:cNvPicPr>
-                  <p:nvPr/>
-                </p:nvPicPr>
-                <p:blipFill>
-                  <a:blip r:embed="rId4">
-                    <a:extLst>
-                      <a:ext uri="{28A0092B-C50C-407E-A947-70E740481C1C}">
-                        <a14:useLocalDpi xmlns:a14="http://schemas.microsoft.com/office/drawing/2010/main" val="0"/>
-                      </a:ext>
-                    </a:extLst>
-                  </a:blip>
-                  <a:stretch>
-                    <a:fillRect/>
-                  </a:stretch>
-                </p:blipFill>
-                <p:spPr>
-                  <a:xfrm>
-                    <a:off x="6122245" y="1669741"/>
-                    <a:ext cx="1140875" cy="1140875"/>
-                  </a:xfrm>
-                  <a:prstGeom prst="rect">
-                    <a:avLst/>
-                  </a:prstGeom>
-                </p:spPr>
-              </p:pic>
-              <p:sp>
-                <p:nvSpPr>
-                  <p:cNvPr id="23" name="テキスト ボックス 22">
-                    <a:extLst>
-                      <a:ext uri="{FF2B5EF4-FFF2-40B4-BE49-F238E27FC236}">
-                        <a16:creationId xmlns="" xmlns:a16="http://schemas.microsoft.com/office/drawing/2014/main" id="{BF9D5B9B-9876-443A-BE29-B4828D0A5D74}"/>
-                      </a:ext>
-                    </a:extLst>
-                  </p:cNvPr>
-                  <p:cNvSpPr txBox="1"/>
-                  <p:nvPr/>
-                </p:nvSpPr>
-                <p:spPr>
-                  <a:xfrm>
-                    <a:off x="6485460" y="2793506"/>
-                    <a:ext cx="361950" cy="369332"/>
-                  </a:xfrm>
-                  <a:prstGeom prst="rect">
-                    <a:avLst/>
-                  </a:prstGeom>
-                  <a:noFill/>
-                </p:spPr>
-                <p:txBody>
-                  <a:bodyPr wrap="square" rtlCol="0">
-                    <a:spAutoFit/>
-                  </a:bodyPr>
-                  <a:lstStyle/>
-                  <a:p>
-                    <a:r>
-                      <a:rPr kumimoji="1" lang="ja-JP" altLang="en-US" dirty="0">
-                        <a:latin typeface="チェックポイント．（ピリオド）" panose="02000600000000000000" pitchFamily="50" charset="-128"/>
-                        <a:ea typeface="チェックポイント．（ピリオド）" panose="02000600000000000000" pitchFamily="50" charset="-128"/>
-                      </a:rPr>
-                      <a:t>緑</a:t>
-                    </a:r>
-                  </a:p>
-                </p:txBody>
-              </p:sp>
-            </p:grpSp>
-            <p:grpSp>
-              <p:nvGrpSpPr>
-                <p:cNvPr id="13" name="グループ化 12">
-                  <a:extLst>
-                    <a:ext uri="{FF2B5EF4-FFF2-40B4-BE49-F238E27FC236}">
-                      <a16:creationId xmlns="" xmlns:a16="http://schemas.microsoft.com/office/drawing/2014/main" id="{D317981A-38A9-4594-9159-8C77F7F6D8B4}"/>
-                    </a:ext>
-                  </a:extLst>
-                </p:cNvPr>
-                <p:cNvGrpSpPr/>
-                <p:nvPr/>
-              </p:nvGrpSpPr>
-              <p:grpSpPr>
-                <a:xfrm>
-                  <a:off x="8548440" y="1741303"/>
-                  <a:ext cx="1140875" cy="1455744"/>
-                  <a:chOff x="7236873" y="1678331"/>
-                  <a:chExt cx="1140875" cy="1455744"/>
-                </a:xfrm>
-              </p:grpSpPr>
-              <p:pic>
-                <p:nvPicPr>
-                  <p:cNvPr id="20" name="図 19" descr="物体 が含まれている画像&#10;&#10;自動的に生成された説明">
-                    <a:extLst>
-                      <a:ext uri="{FF2B5EF4-FFF2-40B4-BE49-F238E27FC236}">
-                        <a16:creationId xmlns="" xmlns:a16="http://schemas.microsoft.com/office/drawing/2014/main" id="{93CD3867-4A7C-4138-9F28-8B9071FCE1AF}"/>
-                      </a:ext>
-                    </a:extLst>
-                  </p:cNvPr>
-                  <p:cNvPicPr>
-                    <a:picLocks noChangeAspect="1"/>
-                  </p:cNvPicPr>
-                  <p:nvPr/>
-                </p:nvPicPr>
-                <p:blipFill>
-                  <a:blip r:embed="rId5">
-                    <a:extLst>
-                      <a:ext uri="{28A0092B-C50C-407E-A947-70E740481C1C}">
-                        <a14:useLocalDpi xmlns:a14="http://schemas.microsoft.com/office/drawing/2010/main" val="0"/>
-                      </a:ext>
-                    </a:extLst>
-                  </a:blip>
-                  <a:stretch>
-                    <a:fillRect/>
-                  </a:stretch>
-                </p:blipFill>
-                <p:spPr>
-                  <a:xfrm>
-                    <a:off x="7236873" y="1678331"/>
-                    <a:ext cx="1140875" cy="1140875"/>
-                  </a:xfrm>
-                  <a:prstGeom prst="rect">
-                    <a:avLst/>
-                  </a:prstGeom>
-                </p:spPr>
-              </p:pic>
-              <p:sp>
-                <p:nvSpPr>
-                  <p:cNvPr id="21" name="テキスト ボックス 20">
-                    <a:extLst>
-                      <a:ext uri="{FF2B5EF4-FFF2-40B4-BE49-F238E27FC236}">
-                        <a16:creationId xmlns="" xmlns:a16="http://schemas.microsoft.com/office/drawing/2014/main" id="{C3C71671-55D6-4E40-BC27-288FCF91D2BB}"/>
-                      </a:ext>
-                    </a:extLst>
-                  </p:cNvPr>
-                  <p:cNvSpPr txBox="1"/>
-                  <p:nvPr/>
-                </p:nvSpPr>
-                <p:spPr>
-                  <a:xfrm>
-                    <a:off x="7573962" y="2764743"/>
-                    <a:ext cx="361950" cy="369332"/>
-                  </a:xfrm>
-                  <a:prstGeom prst="rect">
-                    <a:avLst/>
-                  </a:prstGeom>
-                  <a:noFill/>
-                </p:spPr>
-                <p:txBody>
-                  <a:bodyPr wrap="square" rtlCol="0">
-                    <a:spAutoFit/>
-                  </a:bodyPr>
-                  <a:lstStyle/>
-                  <a:p>
-                    <a:r>
-                      <a:rPr lang="ja-JP" altLang="en-US" dirty="0">
-                        <a:latin typeface="チェックポイント．（ピリオド）" panose="02000600000000000000" pitchFamily="50" charset="-128"/>
-                        <a:ea typeface="チェックポイント．（ピリオド）" panose="02000600000000000000" pitchFamily="50" charset="-128"/>
-                      </a:rPr>
-                      <a:t>白</a:t>
-                    </a:r>
-                    <a:endParaRPr kumimoji="1" lang="ja-JP" altLang="en-US" dirty="0">
-                      <a:latin typeface="チェックポイント．（ピリオド）" panose="02000600000000000000" pitchFamily="50" charset="-128"/>
-                      <a:ea typeface="チェックポイント．（ピリオド）" panose="02000600000000000000" pitchFamily="50" charset="-128"/>
-                    </a:endParaRPr>
-                  </a:p>
-                </p:txBody>
-              </p:sp>
-            </p:grpSp>
-            <p:cxnSp>
-              <p:nvCxnSpPr>
-                <p:cNvPr id="14" name="直線矢印コネクタ 13">
-                  <a:extLst>
-                    <a:ext uri="{FF2B5EF4-FFF2-40B4-BE49-F238E27FC236}">
-                      <a16:creationId xmlns="" xmlns:a16="http://schemas.microsoft.com/office/drawing/2014/main" id="{A84A16DD-57C4-4761-A446-249187106E51}"/>
-                    </a:ext>
-                  </a:extLst>
-                </p:cNvPr>
-                <p:cNvCxnSpPr>
-                  <a:cxnSpLocks/>
-                </p:cNvCxnSpPr>
-                <p:nvPr/>
-              </p:nvCxnSpPr>
-              <p:spPr>
-                <a:xfrm>
-                  <a:off x="4880330" y="2502313"/>
-                  <a:ext cx="388101" cy="0"/>
-                </a:xfrm>
-                <a:prstGeom prst="straightConnector1">
-                  <a:avLst/>
-                </a:prstGeom>
-                <a:ln w="76200">
-                  <a:solidFill>
-                    <a:srgbClr val="FF0000"/>
-                  </a:solidFill>
-                  <a:tailEnd type="triangle"/>
-                </a:ln>
-              </p:spPr>
-              <p:style>
-                <a:lnRef idx="1">
-                  <a:schemeClr val="accent1"/>
-                </a:lnRef>
-                <a:fillRef idx="0">
-                  <a:schemeClr val="accent1"/>
-                </a:fillRef>
-                <a:effectRef idx="0">
-                  <a:schemeClr val="accent1"/>
-                </a:effectRef>
-                <a:fontRef idx="minor">
-                  <a:schemeClr val="tx1"/>
-                </a:fontRef>
-              </p:style>
-            </p:cxnSp>
-            <p:cxnSp>
-              <p:nvCxnSpPr>
-                <p:cNvPr id="15" name="直線矢印コネクタ 14">
-                  <a:extLst>
-                    <a:ext uri="{FF2B5EF4-FFF2-40B4-BE49-F238E27FC236}">
-                      <a16:creationId xmlns="" xmlns:a16="http://schemas.microsoft.com/office/drawing/2014/main" id="{CE867472-33BD-4771-A53A-412FDCEAB859}"/>
-                    </a:ext>
-                  </a:extLst>
-                </p:cNvPr>
-                <p:cNvCxnSpPr>
-                  <a:cxnSpLocks/>
-                </p:cNvCxnSpPr>
-                <p:nvPr/>
-              </p:nvCxnSpPr>
-              <p:spPr>
-                <a:xfrm>
-                  <a:off x="6409305" y="2502313"/>
-                  <a:ext cx="388101" cy="0"/>
-                </a:xfrm>
-                <a:prstGeom prst="straightConnector1">
-                  <a:avLst/>
-                </a:prstGeom>
-                <a:ln w="76200">
-                  <a:solidFill>
-                    <a:srgbClr val="FF0000"/>
-                  </a:solidFill>
-                  <a:tailEnd type="triangle"/>
-                </a:ln>
-              </p:spPr>
-              <p:style>
-                <a:lnRef idx="1">
-                  <a:schemeClr val="accent1"/>
-                </a:lnRef>
-                <a:fillRef idx="0">
-                  <a:schemeClr val="accent1"/>
-                </a:fillRef>
-                <a:effectRef idx="0">
-                  <a:schemeClr val="accent1"/>
-                </a:effectRef>
-                <a:fontRef idx="minor">
-                  <a:schemeClr val="tx1"/>
-                </a:fontRef>
-              </p:style>
-            </p:cxnSp>
-            <p:cxnSp>
-              <p:nvCxnSpPr>
-                <p:cNvPr id="16" name="直線矢印コネクタ 15">
-                  <a:extLst>
-                    <a:ext uri="{FF2B5EF4-FFF2-40B4-BE49-F238E27FC236}">
-                      <a16:creationId xmlns="" xmlns:a16="http://schemas.microsoft.com/office/drawing/2014/main" id="{2F760955-CE29-4903-BDF0-C0EF1A34CD6F}"/>
-                    </a:ext>
-                  </a:extLst>
-                </p:cNvPr>
-                <p:cNvCxnSpPr>
-                  <a:cxnSpLocks/>
-                </p:cNvCxnSpPr>
-                <p:nvPr/>
-              </p:nvCxnSpPr>
-              <p:spPr>
-                <a:xfrm rot="10800000">
-                  <a:off x="4880330" y="2092738"/>
-                  <a:ext cx="388101" cy="0"/>
-                </a:xfrm>
-                <a:prstGeom prst="straightConnector1">
-                  <a:avLst/>
-                </a:prstGeom>
-                <a:ln w="76200">
-                  <a:solidFill>
-                    <a:srgbClr val="00B0F0"/>
-                  </a:solidFill>
-                  <a:tailEnd type="triangle"/>
-                </a:ln>
-              </p:spPr>
-              <p:style>
-                <a:lnRef idx="1">
-                  <a:schemeClr val="accent1"/>
-                </a:lnRef>
-                <a:fillRef idx="0">
-                  <a:schemeClr val="accent1"/>
-                </a:fillRef>
-                <a:effectRef idx="0">
-                  <a:schemeClr val="accent1"/>
-                </a:effectRef>
-                <a:fontRef idx="minor">
-                  <a:schemeClr val="tx1"/>
-                </a:fontRef>
-              </p:style>
-            </p:cxnSp>
-            <p:cxnSp>
-              <p:nvCxnSpPr>
-                <p:cNvPr id="17" name="直線矢印コネクタ 16">
-                  <a:extLst>
-                    <a:ext uri="{FF2B5EF4-FFF2-40B4-BE49-F238E27FC236}">
-                      <a16:creationId xmlns="" xmlns:a16="http://schemas.microsoft.com/office/drawing/2014/main" id="{96E14F16-9B67-48C7-9985-746717E7D2CE}"/>
-                    </a:ext>
-                  </a:extLst>
-                </p:cNvPr>
-                <p:cNvCxnSpPr>
-                  <a:cxnSpLocks/>
-                </p:cNvCxnSpPr>
-                <p:nvPr/>
-              </p:nvCxnSpPr>
-              <p:spPr>
-                <a:xfrm rot="10800000">
-                  <a:off x="6409304" y="2092737"/>
-                  <a:ext cx="388101" cy="0"/>
-                </a:xfrm>
-                <a:prstGeom prst="straightConnector1">
-                  <a:avLst/>
-                </a:prstGeom>
-                <a:ln w="76200">
-                  <a:solidFill>
-                    <a:srgbClr val="00B0F0"/>
-                  </a:solidFill>
-                  <a:tailEnd type="triangle"/>
-                </a:ln>
-              </p:spPr>
-              <p:style>
-                <a:lnRef idx="1">
-                  <a:schemeClr val="accent1"/>
-                </a:lnRef>
-                <a:fillRef idx="0">
-                  <a:schemeClr val="accent1"/>
-                </a:fillRef>
-                <a:effectRef idx="0">
-                  <a:schemeClr val="accent1"/>
-                </a:effectRef>
-                <a:fontRef idx="minor">
-                  <a:schemeClr val="tx1"/>
-                </a:fontRef>
-              </p:style>
-            </p:cxnSp>
-            <p:sp>
-              <p:nvSpPr>
-                <p:cNvPr id="18" name="正方形/長方形 17">
-                  <a:extLst>
-                    <a:ext uri="{FF2B5EF4-FFF2-40B4-BE49-F238E27FC236}">
-                      <a16:creationId xmlns="" xmlns:a16="http://schemas.microsoft.com/office/drawing/2014/main" id="{6ADAFCEE-C028-416D-B257-90B41E02042A}"/>
-                    </a:ext>
-                  </a:extLst>
-                </p:cNvPr>
-                <p:cNvSpPr/>
-                <p:nvPr/>
-              </p:nvSpPr>
-              <p:spPr>
-                <a:xfrm>
-                  <a:off x="3739456" y="1741303"/>
-                  <a:ext cx="4223444" cy="1687697"/>
-                </a:xfrm>
-                <a:prstGeom prst="rect">
-                  <a:avLst/>
-                </a:prstGeom>
-                <a:noFill/>
-                <a:ln w="57150">
-                  <a:solidFill>
-                    <a:schemeClr val="accent1">
-                      <a:lumMod val="60000"/>
-                      <a:lumOff val="40000"/>
-                    </a:schemeClr>
-                  </a:solidFill>
-                </a:ln>
-              </p:spPr>
-              <p:style>
-                <a:lnRef idx="2">
-                  <a:schemeClr val="accent1">
-                    <a:shade val="50000"/>
-                  </a:schemeClr>
-                </a:lnRef>
-                <a:fillRef idx="1">
-                  <a:schemeClr val="accent1"/>
-                </a:fillRef>
-                <a:effectRef idx="0">
-                  <a:schemeClr val="accent1"/>
-                </a:effectRef>
-                <a:fontRef idx="minor">
-                  <a:schemeClr val="lt1"/>
-                </a:fontRef>
-              </p:style>
-              <p:txBody>
-                <a:bodyPr rtlCol="0" anchor="ctr"/>
-                <a:lstStyle/>
-                <a:p>
-                  <a:pPr algn="ctr"/>
-                  <a:endParaRPr kumimoji="1" lang="ja-JP" altLang="en-US"/>
-                </a:p>
-              </p:txBody>
-            </p:sp>
-            <p:cxnSp>
-              <p:nvCxnSpPr>
-                <p:cNvPr id="19" name="直線矢印コネクタ 18">
-                  <a:extLst>
-                    <a:ext uri="{FF2B5EF4-FFF2-40B4-BE49-F238E27FC236}">
-                      <a16:creationId xmlns="" xmlns:a16="http://schemas.microsoft.com/office/drawing/2014/main" id="{A2A6B62C-1E0E-432C-9BEC-393C34A1C94C}"/>
-                    </a:ext>
-                  </a:extLst>
-                </p:cNvPr>
-                <p:cNvCxnSpPr>
-                  <a:cxnSpLocks/>
-                </p:cNvCxnSpPr>
-                <p:nvPr/>
-              </p:nvCxnSpPr>
-              <p:spPr>
-                <a:xfrm rot="10800000">
-                  <a:off x="8057130" y="2625254"/>
-                  <a:ext cx="388101" cy="0"/>
-                </a:xfrm>
-                <a:prstGeom prst="straightConnector1">
-                  <a:avLst/>
-                </a:prstGeom>
-                <a:ln w="76200">
-                  <a:solidFill>
-                    <a:srgbClr val="FF0000"/>
-                  </a:solidFill>
-                  <a:tailEnd type="triangle"/>
-                </a:ln>
-              </p:spPr>
-              <p:style>
-                <a:lnRef idx="1">
-                  <a:schemeClr val="accent1"/>
-                </a:lnRef>
-                <a:fillRef idx="0">
-                  <a:schemeClr val="accent1"/>
-                </a:fillRef>
-                <a:effectRef idx="0">
-                  <a:schemeClr val="accent1"/>
-                </a:effectRef>
-                <a:fontRef idx="minor">
-                  <a:schemeClr val="tx1"/>
-                </a:fontRef>
-              </p:style>
-            </p:cxnSp>
-          </p:grpSp>
-          <p:grpSp>
-            <p:nvGrpSpPr>
-              <p:cNvPr id="28" name="グループ化 27">
-                <a:extLst>
-                  <a:ext uri="{FF2B5EF4-FFF2-40B4-BE49-F238E27FC236}">
-                    <a16:creationId xmlns="" xmlns:a16="http://schemas.microsoft.com/office/drawing/2014/main" id="{7EEE5686-B5B9-4B20-8993-381AFDACF9AB}"/>
-                  </a:ext>
-                </a:extLst>
-              </p:cNvPr>
-              <p:cNvGrpSpPr/>
-              <p:nvPr/>
-            </p:nvGrpSpPr>
-            <p:grpSpPr>
-              <a:xfrm>
-                <a:off x="10645452" y="4346838"/>
-                <a:ext cx="1824039" cy="917508"/>
-                <a:chOff x="9883732" y="1911384"/>
-                <a:chExt cx="1824039" cy="917508"/>
-              </a:xfrm>
-            </p:grpSpPr>
-            <p:grpSp>
-              <p:nvGrpSpPr>
-                <p:cNvPr id="29" name="グループ化 28">
-                  <a:extLst>
-                    <a:ext uri="{FF2B5EF4-FFF2-40B4-BE49-F238E27FC236}">
-                      <a16:creationId xmlns="" xmlns:a16="http://schemas.microsoft.com/office/drawing/2014/main" id="{80B432E5-1E61-4A1C-BB38-CE56CD67DAEC}"/>
-                    </a:ext>
-                  </a:extLst>
-                </p:cNvPr>
-                <p:cNvGrpSpPr/>
-                <p:nvPr/>
-              </p:nvGrpSpPr>
-              <p:grpSpPr>
-                <a:xfrm>
-                  <a:off x="10011300" y="1974116"/>
-                  <a:ext cx="1696471" cy="765354"/>
-                  <a:chOff x="10124054" y="1537861"/>
-                  <a:chExt cx="1696471" cy="765354"/>
-                </a:xfrm>
-              </p:grpSpPr>
-              <p:cxnSp>
-                <p:nvCxnSpPr>
-                  <p:cNvPr id="31" name="直線矢印コネクタ 30">
-                    <a:extLst>
-                      <a:ext uri="{FF2B5EF4-FFF2-40B4-BE49-F238E27FC236}">
-                        <a16:creationId xmlns="" xmlns:a16="http://schemas.microsoft.com/office/drawing/2014/main" id="{555429FE-F091-46AD-84F7-1B4256D762AB}"/>
-                      </a:ext>
-                    </a:extLst>
-                  </p:cNvPr>
-                  <p:cNvCxnSpPr>
-                    <a:cxnSpLocks/>
-                  </p:cNvCxnSpPr>
-                  <p:nvPr/>
-                </p:nvCxnSpPr>
-                <p:spPr>
-                  <a:xfrm>
-                    <a:off x="10124055" y="2118549"/>
-                    <a:ext cx="388101" cy="0"/>
-                  </a:xfrm>
-                  <a:prstGeom prst="straightConnector1">
-                    <a:avLst/>
-                  </a:prstGeom>
-                  <a:ln w="76200">
-                    <a:solidFill>
-                      <a:srgbClr val="FF0000"/>
-                    </a:solidFill>
-                    <a:tailEnd type="triangle"/>
-                  </a:ln>
-                </p:spPr>
-                <p:style>
-                  <a:lnRef idx="1">
-                    <a:schemeClr val="accent1"/>
-                  </a:lnRef>
-                  <a:fillRef idx="0">
-                    <a:schemeClr val="accent1"/>
-                  </a:fillRef>
-                  <a:effectRef idx="0">
-                    <a:schemeClr val="accent1"/>
-                  </a:effectRef>
-                  <a:fontRef idx="minor">
-                    <a:schemeClr val="tx1"/>
-                  </a:fontRef>
-                </p:style>
-              </p:cxnSp>
-              <p:cxnSp>
-                <p:nvCxnSpPr>
-                  <p:cNvPr id="32" name="直線矢印コネクタ 31">
-                    <a:extLst>
-                      <a:ext uri="{FF2B5EF4-FFF2-40B4-BE49-F238E27FC236}">
-                        <a16:creationId xmlns="" xmlns:a16="http://schemas.microsoft.com/office/drawing/2014/main" id="{5030B8C7-7BED-40F6-B6D5-A7CD124D67A9}"/>
-                      </a:ext>
-                    </a:extLst>
-                  </p:cNvPr>
-                  <p:cNvCxnSpPr>
-                    <a:cxnSpLocks/>
-                  </p:cNvCxnSpPr>
-                  <p:nvPr/>
-                </p:nvCxnSpPr>
-                <p:spPr>
-                  <a:xfrm rot="10800000">
-                    <a:off x="10124054" y="1708973"/>
-                    <a:ext cx="388101" cy="0"/>
-                  </a:xfrm>
-                  <a:prstGeom prst="straightConnector1">
-                    <a:avLst/>
-                  </a:prstGeom>
-                  <a:ln w="76200">
-                    <a:solidFill>
-                      <a:srgbClr val="00B0F0"/>
-                    </a:solidFill>
-                    <a:tailEnd type="triangle"/>
-                  </a:ln>
-                </p:spPr>
-                <p:style>
-                  <a:lnRef idx="1">
-                    <a:schemeClr val="accent1"/>
-                  </a:lnRef>
-                  <a:fillRef idx="0">
-                    <a:schemeClr val="accent1"/>
-                  </a:fillRef>
-                  <a:effectRef idx="0">
-                    <a:schemeClr val="accent1"/>
-                  </a:effectRef>
-                  <a:fontRef idx="minor">
-                    <a:schemeClr val="tx1"/>
-                  </a:fontRef>
-                </p:style>
-              </p:cxnSp>
-              <p:sp>
-                <p:nvSpPr>
-                  <p:cNvPr id="33" name="テキスト ボックス 32">
-                    <a:extLst>
-                      <a:ext uri="{FF2B5EF4-FFF2-40B4-BE49-F238E27FC236}">
-                        <a16:creationId xmlns="" xmlns:a16="http://schemas.microsoft.com/office/drawing/2014/main" id="{1BB9FF26-C1AD-43FF-B1A3-3D220E4BC3AA}"/>
-                      </a:ext>
-                    </a:extLst>
-                  </p:cNvPr>
-                  <p:cNvSpPr txBox="1"/>
-                  <p:nvPr/>
-                </p:nvSpPr>
-                <p:spPr>
-                  <a:xfrm>
-                    <a:off x="10763250" y="1537861"/>
-                    <a:ext cx="1057275" cy="369332"/>
-                  </a:xfrm>
-                  <a:prstGeom prst="rect">
-                    <a:avLst/>
-                  </a:prstGeom>
-                  <a:noFill/>
-                </p:spPr>
-                <p:txBody>
-                  <a:bodyPr wrap="square" rtlCol="0">
-                    <a:spAutoFit/>
-                  </a:bodyPr>
-                  <a:lstStyle/>
-                  <a:p>
-                    <a:r>
-                      <a:rPr kumimoji="1" lang="ja-JP" altLang="en-US" dirty="0">
-                        <a:latin typeface="チェックポイント．（ピリオド）" panose="02000600000000000000" pitchFamily="50" charset="-128"/>
-                        <a:ea typeface="チェックポイント．（ピリオド）" panose="02000600000000000000" pitchFamily="50" charset="-128"/>
-                      </a:rPr>
-                      <a:t>不利</a:t>
-                    </a:r>
-                  </a:p>
-                </p:txBody>
-              </p:sp>
-              <p:sp>
-                <p:nvSpPr>
-                  <p:cNvPr id="34" name="テキスト ボックス 33">
-                    <a:extLst>
-                      <a:ext uri="{FF2B5EF4-FFF2-40B4-BE49-F238E27FC236}">
-                        <a16:creationId xmlns="" xmlns:a16="http://schemas.microsoft.com/office/drawing/2014/main" id="{127090C9-FA03-47A3-B8E5-5AC843148C0C}"/>
-                      </a:ext>
-                    </a:extLst>
-                  </p:cNvPr>
-                  <p:cNvSpPr txBox="1"/>
-                  <p:nvPr/>
-                </p:nvSpPr>
-                <p:spPr>
-                  <a:xfrm>
-                    <a:off x="10763249" y="1933883"/>
-                    <a:ext cx="1057275" cy="369332"/>
-                  </a:xfrm>
-                  <a:prstGeom prst="rect">
-                    <a:avLst/>
-                  </a:prstGeom>
-                  <a:noFill/>
-                </p:spPr>
-                <p:txBody>
-                  <a:bodyPr wrap="square" rtlCol="0">
-                    <a:spAutoFit/>
-                  </a:bodyPr>
-                  <a:lstStyle/>
-                  <a:p>
-                    <a:r>
-                      <a:rPr lang="ja-JP" altLang="en-US" dirty="0">
-                        <a:latin typeface="チェックポイント．（ピリオド）" panose="02000600000000000000" pitchFamily="50" charset="-128"/>
-                        <a:ea typeface="チェックポイント．（ピリオド）" panose="02000600000000000000" pitchFamily="50" charset="-128"/>
-                      </a:rPr>
-                      <a:t>有利</a:t>
-                    </a:r>
-                    <a:endParaRPr kumimoji="1" lang="ja-JP" altLang="en-US" dirty="0">
-                      <a:latin typeface="チェックポイント．（ピリオド）" panose="02000600000000000000" pitchFamily="50" charset="-128"/>
-                      <a:ea typeface="チェックポイント．（ピリオド）" panose="02000600000000000000" pitchFamily="50" charset="-128"/>
-                    </a:endParaRPr>
-                  </a:p>
-                </p:txBody>
-              </p:sp>
-            </p:grpSp>
-            <p:sp>
-              <p:nvSpPr>
-                <p:cNvPr id="30" name="正方形/長方形 29">
-                  <a:extLst>
-                    <a:ext uri="{FF2B5EF4-FFF2-40B4-BE49-F238E27FC236}">
-                      <a16:creationId xmlns="" xmlns:a16="http://schemas.microsoft.com/office/drawing/2014/main" id="{974D7591-C374-4FE7-98C6-F63D715B2F46}"/>
-                    </a:ext>
-                  </a:extLst>
-                </p:cNvPr>
-                <p:cNvSpPr/>
-                <p:nvPr/>
-              </p:nvSpPr>
-              <p:spPr>
-                <a:xfrm>
-                  <a:off x="9883732" y="1911384"/>
-                  <a:ext cx="1533525" cy="917508"/>
-                </a:xfrm>
-                <a:prstGeom prst="rect">
-                  <a:avLst/>
-                </a:prstGeom>
-                <a:noFill/>
-                <a:ln w="38100">
-                  <a:solidFill>
-                    <a:schemeClr val="accent1">
-                      <a:lumMod val="60000"/>
-                      <a:lumOff val="40000"/>
-                    </a:schemeClr>
-                  </a:solidFill>
-                </a:ln>
-              </p:spPr>
-              <p:style>
-                <a:lnRef idx="2">
-                  <a:schemeClr val="accent1">
-                    <a:shade val="50000"/>
-                  </a:schemeClr>
-                </a:lnRef>
-                <a:fillRef idx="1">
-                  <a:schemeClr val="accent1"/>
-                </a:fillRef>
-                <a:effectRef idx="0">
-                  <a:schemeClr val="accent1"/>
-                </a:effectRef>
-                <a:fontRef idx="minor">
-                  <a:schemeClr val="lt1"/>
-                </a:fontRef>
-              </p:style>
-              <p:txBody>
-                <a:bodyPr rtlCol="0" anchor="ctr"/>
-                <a:lstStyle/>
-                <a:p>
-                  <a:pPr algn="ctr"/>
-                  <a:endParaRPr kumimoji="1" lang="ja-JP" altLang="en-US"/>
-                </a:p>
-              </p:txBody>
-            </p:sp>
-          </p:grpSp>
-          <p:sp>
-            <p:nvSpPr>
-              <p:cNvPr id="35" name="正方形/長方形 34">
-                <a:extLst>
-                  <a:ext uri="{FF2B5EF4-FFF2-40B4-BE49-F238E27FC236}">
-                    <a16:creationId xmlns="" xmlns:a16="http://schemas.microsoft.com/office/drawing/2014/main" id="{A98ECFFF-731C-4C54-95F1-02A8CC15EA71}"/>
-                  </a:ext>
-                </a:extLst>
-              </p:cNvPr>
-              <p:cNvSpPr/>
-              <p:nvPr/>
-            </p:nvSpPr>
-            <p:spPr>
-              <a:xfrm>
-                <a:off x="8772859" y="3906952"/>
-                <a:ext cx="1140875" cy="1684581"/>
-              </a:xfrm>
-              <a:prstGeom prst="rect">
-                <a:avLst/>
-              </a:prstGeom>
-              <a:noFill/>
-              <a:ln w="38100">
-                <a:solidFill>
-                  <a:srgbClr val="FF0000"/>
-                </a:solidFill>
-              </a:ln>
-            </p:spPr>
-            <p:style>
-              <a:lnRef idx="2">
-                <a:schemeClr val="accent1">
-                  <a:shade val="50000"/>
-                </a:schemeClr>
-              </a:lnRef>
-              <a:fillRef idx="1">
-                <a:schemeClr val="accent1"/>
-              </a:fillRef>
-              <a:effectRef idx="0">
-                <a:schemeClr val="accent1"/>
-              </a:effectRef>
-              <a:fontRef idx="minor">
-                <a:schemeClr val="lt1"/>
-              </a:fontRef>
-            </p:style>
-            <p:txBody>
-              <a:bodyPr rtlCol="0" anchor="ctr"/>
-              <a:lstStyle/>
-              <a:p>
-                <a:pPr algn="ctr"/>
-                <a:endParaRPr kumimoji="1" lang="ja-JP" altLang="en-US"/>
-              </a:p>
-            </p:txBody>
-          </p:sp>
-        </p:grpSp>
-        <p:grpSp>
-          <p:nvGrpSpPr>
-            <p:cNvPr id="39" name="グループ化 38"/>
-            <p:cNvGrpSpPr/>
-            <p:nvPr/>
-          </p:nvGrpSpPr>
-          <p:grpSpPr>
-            <a:xfrm>
-              <a:off x="6467236" y="4393106"/>
-              <a:ext cx="2410691" cy="1476462"/>
-              <a:chOff x="6562471" y="4111957"/>
-              <a:chExt cx="2410691" cy="1476462"/>
-            </a:xfrm>
-          </p:grpSpPr>
-          <p:pic>
-            <p:nvPicPr>
-              <p:cNvPr id="37" name="図 36"/>
-              <p:cNvPicPr>
-                <a:picLocks noChangeAspect="1"/>
-              </p:cNvPicPr>
-              <p:nvPr/>
-            </p:nvPicPr>
-            <p:blipFill>
-              <a:blip r:embed="rId6" cstate="print">
-                <a:extLst>
-                  <a:ext uri="{28A0092B-C50C-407E-A947-70E740481C1C}">
-                    <a14:useLocalDpi xmlns:a14="http://schemas.microsoft.com/office/drawing/2010/main" val="0"/>
-                  </a:ext>
-                </a:extLst>
-              </a:blip>
-              <a:stretch>
-                <a:fillRect/>
-              </a:stretch>
-            </p:blipFill>
-            <p:spPr>
-              <a:xfrm rot="18867647">
-                <a:off x="7062260" y="4111957"/>
-                <a:ext cx="1476462" cy="1476462"/>
-              </a:xfrm>
-              <a:prstGeom prst="rect">
-                <a:avLst/>
-              </a:prstGeom>
-            </p:spPr>
-          </p:pic>
-          <p:sp>
-            <p:nvSpPr>
-              <p:cNvPr id="38" name="正方形/長方形 37"/>
-              <p:cNvSpPr/>
-              <p:nvPr/>
-            </p:nvSpPr>
-            <p:spPr>
-              <a:xfrm>
-                <a:off x="6562471" y="4305732"/>
-                <a:ext cx="2410691" cy="1088912"/>
-              </a:xfrm>
-              <a:prstGeom prst="rect">
-                <a:avLst/>
-              </a:prstGeom>
-              <a:noFill/>
-              <a:ln w="57150"/>
-            </p:spPr>
-            <p:style>
-              <a:lnRef idx="2">
-                <a:schemeClr val="accent1">
-                  <a:shade val="50000"/>
-                </a:schemeClr>
-              </a:lnRef>
-              <a:fillRef idx="1">
-                <a:schemeClr val="accent1"/>
-              </a:fillRef>
-              <a:effectRef idx="0">
-                <a:schemeClr val="accent1"/>
-              </a:effectRef>
-              <a:fontRef idx="minor">
-                <a:schemeClr val="lt1"/>
-              </a:fontRef>
-            </p:style>
-            <p:txBody>
-              <a:bodyPr rtlCol="0" anchor="ctr"/>
-              <a:lstStyle/>
-              <a:p>
-                <a:pPr algn="ctr"/>
-                <a:endParaRPr kumimoji="1" lang="ja-JP" altLang="en-US"/>
-              </a:p>
-            </p:txBody>
-          </p:sp>
-        </p:grpSp>
-        <p:cxnSp>
-          <p:nvCxnSpPr>
-            <p:cNvPr id="43" name="直線矢印コネクタ 42">
-              <a:extLst>
-                <a:ext uri="{FF2B5EF4-FFF2-40B4-BE49-F238E27FC236}">
-                  <a16:creationId xmlns="" xmlns:a16="http://schemas.microsoft.com/office/drawing/2014/main" id="{A2A6B62C-1E0E-432C-9BEC-393C34A1C94C}"/>
-                </a:ext>
-              </a:extLst>
-            </p:cNvPr>
-            <p:cNvCxnSpPr>
-              <a:cxnSpLocks/>
-            </p:cNvCxnSpPr>
-            <p:nvPr/>
-          </p:nvCxnSpPr>
-          <p:spPr>
-            <a:xfrm rot="-1800000">
-              <a:off x="7955932" y="4098472"/>
-              <a:ext cx="1280486" cy="0"/>
-            </a:xfrm>
-            <a:prstGeom prst="straightConnector1">
-              <a:avLst/>
-            </a:prstGeom>
-            <a:ln w="76200">
-              <a:solidFill>
-                <a:srgbClr val="FF0000"/>
-              </a:solidFill>
-              <a:tailEnd type="triangle"/>
-            </a:ln>
-          </p:spPr>
-          <p:style>
-            <a:lnRef idx="1">
-              <a:schemeClr val="accent1"/>
-            </a:lnRef>
-            <a:fillRef idx="0">
-              <a:schemeClr val="accent1"/>
-            </a:fillRef>
-            <a:effectRef idx="0">
-              <a:schemeClr val="accent1"/>
-            </a:effectRef>
-            <a:fontRef idx="minor">
-              <a:schemeClr val="tx1"/>
-            </a:fontRef>
-          </p:style>
-        </p:cxnSp>
-        <p:cxnSp>
-          <p:nvCxnSpPr>
-            <p:cNvPr id="53" name="直線矢印コネクタ 52">
-              <a:extLst>
-                <a:ext uri="{FF2B5EF4-FFF2-40B4-BE49-F238E27FC236}">
-                  <a16:creationId xmlns="" xmlns:a16="http://schemas.microsoft.com/office/drawing/2014/main" id="{A2A6B62C-1E0E-432C-9BEC-393C34A1C94C}"/>
-                </a:ext>
-              </a:extLst>
-            </p:cNvPr>
-            <p:cNvCxnSpPr>
-              <a:cxnSpLocks/>
-            </p:cNvCxnSpPr>
-            <p:nvPr/>
-          </p:nvCxnSpPr>
-          <p:spPr>
-            <a:xfrm rot="1800000">
-              <a:off x="6108744" y="4100220"/>
-              <a:ext cx="1280486" cy="0"/>
-            </a:xfrm>
-            <a:prstGeom prst="straightConnector1">
-              <a:avLst/>
-            </a:prstGeom>
-            <a:ln w="76200">
-              <a:solidFill>
-                <a:srgbClr val="FF0000"/>
-              </a:solidFill>
-              <a:tailEnd type="triangle"/>
-            </a:ln>
-          </p:spPr>
-          <p:style>
-            <a:lnRef idx="1">
-              <a:schemeClr val="accent1"/>
-            </a:lnRef>
-            <a:fillRef idx="0">
-              <a:schemeClr val="accent1"/>
-            </a:fillRef>
-            <a:effectRef idx="0">
-              <a:schemeClr val="accent1"/>
-            </a:effectRef>
-            <a:fontRef idx="minor">
-              <a:schemeClr val="tx1"/>
-            </a:fontRef>
-          </p:style>
-        </p:cxnSp>
-      </p:grpSp>
+          <a:prstGeom prst="rect">
+            <a:avLst/>
+          </a:prstGeom>
+        </p:spPr>
+      </p:pic>
     </p:spTree>
     <p:extLst>
       <p:ext uri="{BB962C8B-B14F-4D97-AF65-F5344CB8AC3E}">
@@ -14107,6 +13200,13 @@
   <p:clrMapOvr>
     <a:masterClrMapping/>
   </p:clrMapOvr>
+  <p:timing>
+    <p:tnLst>
+      <p:par>
+        <p:cTn id="1" dur="indefinite" restart="never" nodeType="tmRoot"/>
+      </p:par>
+    </p:tnLst>
+  </p:timing>
 </p:sld>
 </file>
 

--- a/説明文.pptx
+++ b/説明文.pptx
@@ -5,7 +5,7 @@
     <p:sldMasterId id="2147483648" r:id="rId1"/>
   </p:sldMasterIdLst>
   <p:notesMasterIdLst>
-    <p:notesMasterId r:id="rId15"/>
+    <p:notesMasterId r:id="rId16"/>
   </p:notesMasterIdLst>
   <p:sldIdLst>
     <p:sldId id="257" r:id="rId2"/>
@@ -21,6 +21,7 @@
     <p:sldId id="267" r:id="rId12"/>
     <p:sldId id="268" r:id="rId13"/>
     <p:sldId id="269" r:id="rId14"/>
+    <p:sldId id="270" r:id="rId15"/>
   </p:sldIdLst>
   <p:sldSz cx="12192000" cy="6858000"/>
   <p:notesSz cx="6858000" cy="9144000"/>
@@ -209,7 +210,7 @@
           <a:p>
             <a:fld id="{D3517757-E664-4BB3-B78C-0CBDD076F206}" type="datetimeFigureOut">
               <a:rPr kumimoji="1" lang="ja-JP" altLang="en-US" smtClean="0"/>
-              <a:t>2019/8/9</a:t>
+              <a:t>2019/8/16</a:t>
             </a:fld>
             <a:endParaRPr kumimoji="1" lang="ja-JP" altLang="en-US"/>
           </a:p>
@@ -721,7 +722,7 @@
           <a:p>
             <a:fld id="{8F2BA968-46FA-4915-82D5-53748CAAB103}" type="datetimeFigureOut">
               <a:rPr kumimoji="1" lang="ja-JP" altLang="en-US" smtClean="0"/>
-              <a:t>2019/8/9</a:t>
+              <a:t>2019/8/16</a:t>
             </a:fld>
             <a:endParaRPr kumimoji="1" lang="ja-JP" altLang="en-US" dirty="0"/>
           </a:p>
@@ -921,7 +922,7 @@
           <a:p>
             <a:fld id="{8F2BA968-46FA-4915-82D5-53748CAAB103}" type="datetimeFigureOut">
               <a:rPr kumimoji="1" lang="ja-JP" altLang="en-US" smtClean="0"/>
-              <a:t>2019/8/9</a:t>
+              <a:t>2019/8/16</a:t>
             </a:fld>
             <a:endParaRPr kumimoji="1" lang="ja-JP" altLang="en-US" dirty="0"/>
           </a:p>
@@ -1131,7 +1132,7 @@
           <a:p>
             <a:fld id="{8F2BA968-46FA-4915-82D5-53748CAAB103}" type="datetimeFigureOut">
               <a:rPr kumimoji="1" lang="ja-JP" altLang="en-US" smtClean="0"/>
-              <a:t>2019/8/9</a:t>
+              <a:t>2019/8/16</a:t>
             </a:fld>
             <a:endParaRPr kumimoji="1" lang="ja-JP" altLang="en-US" dirty="0"/>
           </a:p>
@@ -1331,7 +1332,7 @@
           <a:p>
             <a:fld id="{8F2BA968-46FA-4915-82D5-53748CAAB103}" type="datetimeFigureOut">
               <a:rPr kumimoji="1" lang="ja-JP" altLang="en-US" smtClean="0"/>
-              <a:t>2019/8/9</a:t>
+              <a:t>2019/8/16</a:t>
             </a:fld>
             <a:endParaRPr kumimoji="1" lang="ja-JP" altLang="en-US" dirty="0"/>
           </a:p>
@@ -1576,7 +1577,7 @@
           <a:p>
             <a:fld id="{8F2BA968-46FA-4915-82D5-53748CAAB103}" type="datetimeFigureOut">
               <a:rPr kumimoji="1" lang="ja-JP" altLang="en-US" smtClean="0"/>
-              <a:t>2019/8/9</a:t>
+              <a:t>2019/8/16</a:t>
             </a:fld>
             <a:endParaRPr kumimoji="1" lang="ja-JP" altLang="en-US" dirty="0"/>
           </a:p>
@@ -1869,7 +1870,7 @@
           <a:p>
             <a:fld id="{8F2BA968-46FA-4915-82D5-53748CAAB103}" type="datetimeFigureOut">
               <a:rPr kumimoji="1" lang="ja-JP" altLang="en-US" smtClean="0"/>
-              <a:t>2019/8/9</a:t>
+              <a:t>2019/8/16</a:t>
             </a:fld>
             <a:endParaRPr kumimoji="1" lang="ja-JP" altLang="en-US" dirty="0"/>
           </a:p>
@@ -2297,7 +2298,7 @@
           <a:p>
             <a:fld id="{8F2BA968-46FA-4915-82D5-53748CAAB103}" type="datetimeFigureOut">
               <a:rPr kumimoji="1" lang="ja-JP" altLang="en-US" smtClean="0"/>
-              <a:t>2019/8/9</a:t>
+              <a:t>2019/8/16</a:t>
             </a:fld>
             <a:endParaRPr kumimoji="1" lang="ja-JP" altLang="en-US" dirty="0"/>
           </a:p>
@@ -2414,7 +2415,7 @@
           <a:p>
             <a:fld id="{8F2BA968-46FA-4915-82D5-53748CAAB103}" type="datetimeFigureOut">
               <a:rPr kumimoji="1" lang="ja-JP" altLang="en-US" smtClean="0"/>
-              <a:t>2019/8/9</a:t>
+              <a:t>2019/8/16</a:t>
             </a:fld>
             <a:endParaRPr kumimoji="1" lang="ja-JP" altLang="en-US" dirty="0"/>
           </a:p>
@@ -2509,7 +2510,7 @@
           <a:p>
             <a:fld id="{8F2BA968-46FA-4915-82D5-53748CAAB103}" type="datetimeFigureOut">
               <a:rPr kumimoji="1" lang="ja-JP" altLang="en-US" smtClean="0"/>
-              <a:t>2019/8/9</a:t>
+              <a:t>2019/8/16</a:t>
             </a:fld>
             <a:endParaRPr kumimoji="1" lang="ja-JP" altLang="en-US" dirty="0"/>
           </a:p>
@@ -2816,7 +2817,7 @@
           <a:p>
             <a:fld id="{8F2BA968-46FA-4915-82D5-53748CAAB103}" type="datetimeFigureOut">
               <a:rPr kumimoji="1" lang="ja-JP" altLang="en-US" smtClean="0"/>
-              <a:t>2019/8/9</a:t>
+              <a:t>2019/8/16</a:t>
             </a:fld>
             <a:endParaRPr kumimoji="1" lang="ja-JP" altLang="en-US" dirty="0"/>
           </a:p>
@@ -3068,7 +3069,7 @@
           <a:p>
             <a:fld id="{8F2BA968-46FA-4915-82D5-53748CAAB103}" type="datetimeFigureOut">
               <a:rPr kumimoji="1" lang="ja-JP" altLang="en-US" smtClean="0"/>
-              <a:t>2019/8/9</a:t>
+              <a:t>2019/8/16</a:t>
             </a:fld>
             <a:endParaRPr kumimoji="1" lang="ja-JP" altLang="en-US" dirty="0"/>
           </a:p>
@@ -3311,7 +3312,7 @@
           <a:p>
             <a:fld id="{8F2BA968-46FA-4915-82D5-53748CAAB103}" type="datetimeFigureOut">
               <a:rPr kumimoji="1" lang="ja-JP" altLang="en-US" smtClean="0"/>
-              <a:t>2019/8/9</a:t>
+              <a:t>2019/8/16</a:t>
             </a:fld>
             <a:endParaRPr kumimoji="1" lang="ja-JP" altLang="en-US" dirty="0"/>
           </a:p>
@@ -3721,7 +3722,7 @@
           <p:cNvPr id="4" name="図 3" descr="スクリーンショット が含まれている画像&#10;&#10;自動的に生成された説明">
             <a:extLst>
               <a:ext uri="{FF2B5EF4-FFF2-40B4-BE49-F238E27FC236}">
-                <a16:creationId xmlns:a16="http://schemas.microsoft.com/office/drawing/2014/main" xmlns="" id="{48282D74-7C89-4D68-8F6E-D62AC9485402}"/>
+                <a16:creationId xmlns:a16="http://schemas.microsoft.com/office/drawing/2014/main" id="{48282D74-7C89-4D68-8F6E-D62AC9485402}"/>
               </a:ext>
             </a:extLst>
           </p:cNvPr>
@@ -3819,16 +3820,6 @@
           <a:p>
             <a:pPr algn="ctr"/>
             <a:r>
-              <a:rPr lang="ja-JP" altLang="en-US" dirty="0" smtClean="0">
-                <a:solidFill>
-                  <a:schemeClr val="tx1"/>
-                </a:solidFill>
-                <a:latin typeface="チェックポイント．（ピリオド）" panose="02000600000000000000" pitchFamily="50" charset="-128"/>
-                <a:ea typeface="チェックポイント．（ピリオド）" panose="02000600000000000000" pitchFamily="50" charset="-128"/>
-              </a:rPr>
-              <a:t>クリック</a:t>
-            </a:r>
-            <a:r>
               <a:rPr lang="ja-JP" altLang="en-US" dirty="0">
                 <a:solidFill>
                   <a:schemeClr val="tx1"/>
@@ -3836,17 +3827,7 @@
                 <a:latin typeface="チェックポイント．（ピリオド）" panose="02000600000000000000" pitchFamily="50" charset="-128"/>
                 <a:ea typeface="チェックポイント．（ピリオド）" panose="02000600000000000000" pitchFamily="50" charset="-128"/>
               </a:rPr>
-              <a:t>すると倉庫が</a:t>
-            </a:r>
-            <a:r>
-              <a:rPr lang="ja-JP" altLang="en-US" dirty="0" smtClean="0">
-                <a:solidFill>
-                  <a:schemeClr val="tx1"/>
-                </a:solidFill>
-                <a:latin typeface="チェックポイント．（ピリオド）" panose="02000600000000000000" pitchFamily="50" charset="-128"/>
-                <a:ea typeface="チェックポイント．（ピリオド）" panose="02000600000000000000" pitchFamily="50" charset="-128"/>
-              </a:rPr>
-              <a:t>開けます。</a:t>
+              <a:t>クリックすると倉庫が開けます。</a:t>
             </a:r>
             <a:endParaRPr lang="en-US" altLang="ja-JP" dirty="0">
               <a:solidFill>
@@ -3926,16 +3907,6 @@
           <a:p>
             <a:pPr algn="ctr"/>
             <a:r>
-              <a:rPr lang="ja-JP" altLang="en-US" dirty="0" smtClean="0">
-                <a:solidFill>
-                  <a:schemeClr val="tx1"/>
-                </a:solidFill>
-                <a:latin typeface="チェックポイント．（ピリオド）" panose="02000600000000000000" pitchFamily="50" charset="-128"/>
-                <a:ea typeface="チェックポイント．（ピリオド）" panose="02000600000000000000" pitchFamily="50" charset="-128"/>
-              </a:rPr>
-              <a:t>クリック</a:t>
-            </a:r>
-            <a:r>
               <a:rPr lang="ja-JP" altLang="en-US" dirty="0">
                 <a:solidFill>
                   <a:schemeClr val="tx1"/>
@@ -3943,17 +3914,7 @@
                 <a:latin typeface="チェックポイント．（ピリオド）" panose="02000600000000000000" pitchFamily="50" charset="-128"/>
                 <a:ea typeface="チェックポイント．（ピリオド）" panose="02000600000000000000" pitchFamily="50" charset="-128"/>
               </a:rPr>
-              <a:t>すると研究所が</a:t>
-            </a:r>
-            <a:r>
-              <a:rPr lang="ja-JP" altLang="en-US" dirty="0" smtClean="0">
-                <a:solidFill>
-                  <a:schemeClr val="tx1"/>
-                </a:solidFill>
-                <a:latin typeface="チェックポイント．（ピリオド）" panose="02000600000000000000" pitchFamily="50" charset="-128"/>
-                <a:ea typeface="チェックポイント．（ピリオド）" panose="02000600000000000000" pitchFamily="50" charset="-128"/>
-              </a:rPr>
-              <a:t>開けます。</a:t>
+              <a:t>クリックすると研究所が開けます。</a:t>
             </a:r>
             <a:endParaRPr lang="en-US" altLang="ja-JP" dirty="0">
               <a:solidFill>
@@ -4033,16 +3994,6 @@
           <a:p>
             <a:pPr algn="ctr"/>
             <a:r>
-              <a:rPr lang="ja-JP" altLang="en-US" dirty="0" smtClean="0">
-                <a:solidFill>
-                  <a:schemeClr val="tx1"/>
-                </a:solidFill>
-                <a:latin typeface="チェックポイント．（ピリオド）" panose="02000600000000000000" pitchFamily="50" charset="-128"/>
-                <a:ea typeface="チェックポイント．（ピリオド）" panose="02000600000000000000" pitchFamily="50" charset="-128"/>
-              </a:rPr>
-              <a:t>クリック</a:t>
-            </a:r>
-            <a:r>
               <a:rPr lang="ja-JP" altLang="en-US" dirty="0">
                 <a:solidFill>
                   <a:schemeClr val="tx1"/>
@@ -4050,17 +4001,7 @@
                 <a:latin typeface="チェックポイント．（ピリオド）" panose="02000600000000000000" pitchFamily="50" charset="-128"/>
                 <a:ea typeface="チェックポイント．（ピリオド）" panose="02000600000000000000" pitchFamily="50" charset="-128"/>
               </a:rPr>
-              <a:t>すると兵舎が</a:t>
-            </a:r>
-            <a:r>
-              <a:rPr lang="ja-JP" altLang="en-US" dirty="0" smtClean="0">
-                <a:solidFill>
-                  <a:schemeClr val="tx1"/>
-                </a:solidFill>
-                <a:latin typeface="チェックポイント．（ピリオド）" panose="02000600000000000000" pitchFamily="50" charset="-128"/>
-                <a:ea typeface="チェックポイント．（ピリオド）" panose="02000600000000000000" pitchFamily="50" charset="-128"/>
-              </a:rPr>
-              <a:t>開けます。</a:t>
+              <a:t>クリックすると兵舎が開けます。</a:t>
             </a:r>
             <a:endParaRPr lang="en-US" altLang="ja-JP" dirty="0">
               <a:solidFill>
@@ -4116,7 +4057,7 @@
           <p:cNvPr id="6" name="正方形/長方形 5">
             <a:extLst>
               <a:ext uri="{FF2B5EF4-FFF2-40B4-BE49-F238E27FC236}">
-                <a16:creationId xmlns:a16="http://schemas.microsoft.com/office/drawing/2014/main" xmlns="" id="{E239D52D-8A0E-45C2-9D76-49681F4F3023}"/>
+                <a16:creationId xmlns:a16="http://schemas.microsoft.com/office/drawing/2014/main" id="{E239D52D-8A0E-45C2-9D76-49681F4F3023}"/>
               </a:ext>
             </a:extLst>
           </p:cNvPr>
@@ -4168,7 +4109,7 @@
           <p:cNvPr id="12" name="正方形/長方形 11">
             <a:extLst>
               <a:ext uri="{FF2B5EF4-FFF2-40B4-BE49-F238E27FC236}">
-                <a16:creationId xmlns:a16="http://schemas.microsoft.com/office/drawing/2014/main" xmlns="" id="{44B16076-58F3-411C-BA21-CC2F6BFDF2CA}"/>
+                <a16:creationId xmlns:a16="http://schemas.microsoft.com/office/drawing/2014/main" id="{44B16076-58F3-411C-BA21-CC2F6BFDF2CA}"/>
               </a:ext>
             </a:extLst>
           </p:cNvPr>
@@ -4220,7 +4161,7 @@
           <p:cNvPr id="13" name="正方形/長方形 12">
             <a:extLst>
               <a:ext uri="{FF2B5EF4-FFF2-40B4-BE49-F238E27FC236}">
-                <a16:creationId xmlns:a16="http://schemas.microsoft.com/office/drawing/2014/main" xmlns="" id="{48971A5D-F76B-4813-83D2-2D825B6A3202}"/>
+                <a16:creationId xmlns:a16="http://schemas.microsoft.com/office/drawing/2014/main" id="{48971A5D-F76B-4813-83D2-2D825B6A3202}"/>
               </a:ext>
             </a:extLst>
           </p:cNvPr>
@@ -4277,13 +4218,6 @@
   <p:clrMapOvr>
     <a:masterClrMapping/>
   </p:clrMapOvr>
-  <p:timing>
-    <p:tnLst>
-      <p:par>
-        <p:cTn id="1" dur="indefinite" restart="never" nodeType="tmRoot"/>
-      </p:par>
-    </p:tnLst>
-  </p:timing>
 </p:sld>
 </file>
 
@@ -4309,7 +4243,7 @@
           <p:cNvPr id="4" name="テキスト ボックス 3">
             <a:extLst>
               <a:ext uri="{FF2B5EF4-FFF2-40B4-BE49-F238E27FC236}">
-                <a16:creationId xmlns:a16="http://schemas.microsoft.com/office/drawing/2014/main" xmlns="" id="{C41C563A-40AB-403A-8661-FE9944DE17B5}"/>
+                <a16:creationId xmlns:a16="http://schemas.microsoft.com/office/drawing/2014/main" id="{C41C563A-40AB-403A-8661-FE9944DE17B5}"/>
               </a:ext>
             </a:extLst>
           </p:cNvPr>
@@ -4354,7 +4288,7 @@
           <p:cNvPr id="5" name="テキスト ボックス 4">
             <a:extLst>
               <a:ext uri="{FF2B5EF4-FFF2-40B4-BE49-F238E27FC236}">
-                <a16:creationId xmlns:a16="http://schemas.microsoft.com/office/drawing/2014/main" xmlns="" id="{4942987D-E9F9-4BC9-8090-7DA7D48916EF}"/>
+                <a16:creationId xmlns:a16="http://schemas.microsoft.com/office/drawing/2014/main" id="{4942987D-E9F9-4BC9-8090-7DA7D48916EF}"/>
               </a:ext>
             </a:extLst>
           </p:cNvPr>
@@ -4382,40 +4316,22 @@
                 <a:latin typeface="チェックポイント．（ピリオド）" panose="02000600000000000000" pitchFamily="50" charset="-128"/>
                 <a:ea typeface="チェックポイント．（ピリオド）" panose="02000600000000000000" pitchFamily="50" charset="-128"/>
               </a:rPr>
-              <a:t>戦闘は基本的にマウスもしくは、キーボード</a:t>
-            </a:r>
-            <a:r>
-              <a:rPr kumimoji="1" lang="ja-JP" altLang="en-US" sz="2800" dirty="0" smtClean="0">
-                <a:latin typeface="チェックポイント．（ピリオド）" panose="02000600000000000000" pitchFamily="50" charset="-128"/>
-                <a:ea typeface="チェックポイント．（ピリオド）" panose="02000600000000000000" pitchFamily="50" charset="-128"/>
-              </a:rPr>
-              <a:t>で</a:t>
+              <a:t>戦闘は基本的にマウスもしくは、キーボードで</a:t>
             </a:r>
             <a:r>
               <a:rPr lang="ja-JP" altLang="en-US" sz="2800" dirty="0">
                 <a:latin typeface="チェックポイント．（ピリオド）" panose="02000600000000000000" pitchFamily="50" charset="-128"/>
                 <a:ea typeface="チェックポイント．（ピリオド）" panose="02000600000000000000" pitchFamily="50" charset="-128"/>
               </a:rPr>
-              <a:t>行</a:t>
-            </a:r>
-            <a:r>
-              <a:rPr lang="ja-JP" altLang="en-US" sz="2800" dirty="0" smtClean="0">
-                <a:latin typeface="チェックポイント．（ピリオド）" panose="02000600000000000000" pitchFamily="50" charset="-128"/>
-                <a:ea typeface="チェックポイント．（ピリオド）" panose="02000600000000000000" pitchFamily="50" charset="-128"/>
-              </a:rPr>
-              <a:t>います</a:t>
-            </a:r>
-            <a:r>
-              <a:rPr kumimoji="1" lang="ja-JP" altLang="en-US" sz="2800" dirty="0" smtClean="0">
+              <a:t>行います</a:t>
+            </a:r>
+            <a:r>
+              <a:rPr kumimoji="1" lang="ja-JP" altLang="en-US" sz="2800" dirty="0">
                 <a:latin typeface="チェックポイント．（ピリオド）" panose="02000600000000000000" pitchFamily="50" charset="-128"/>
                 <a:ea typeface="チェックポイント．（ピリオド）" panose="02000600000000000000" pitchFamily="50" charset="-128"/>
               </a:rPr>
               <a:t>。</a:t>
             </a:r>
-            <a:endParaRPr kumimoji="1" lang="ja-JP" altLang="en-US" sz="2800" dirty="0">
-              <a:latin typeface="チェックポイント．（ピリオド）" panose="02000600000000000000" pitchFamily="50" charset="-128"/>
-              <a:ea typeface="チェックポイント．（ピリオド）" panose="02000600000000000000" pitchFamily="50" charset="-128"/>
-            </a:endParaRPr>
           </a:p>
         </p:txBody>
       </p:sp>
@@ -4424,7 +4340,7 @@
           <p:cNvPr id="40" name="テキスト ボックス 39">
             <a:extLst>
               <a:ext uri="{FF2B5EF4-FFF2-40B4-BE49-F238E27FC236}">
-                <a16:creationId xmlns:a16="http://schemas.microsoft.com/office/drawing/2014/main" xmlns="" id="{F1EA6A6B-D4D0-463A-A599-CE219946A74B}"/>
+                <a16:creationId xmlns:a16="http://schemas.microsoft.com/office/drawing/2014/main" id="{F1EA6A6B-D4D0-463A-A599-CE219946A74B}"/>
               </a:ext>
             </a:extLst>
           </p:cNvPr>
@@ -4458,18 +4374,11 @@
               <a:t>Z</a:t>
             </a:r>
             <a:r>
-              <a:rPr kumimoji="1" lang="ja-JP" altLang="en-US" dirty="0" smtClean="0">
-                <a:latin typeface="チェックポイント．（ピリオド）" panose="02000600000000000000" pitchFamily="50" charset="-128"/>
-                <a:ea typeface="チェックポイント．（ピリオド）" panose="02000600000000000000" pitchFamily="50" charset="-128"/>
-              </a:rPr>
-              <a:t>を</a:t>
-            </a:r>
-            <a:r>
               <a:rPr kumimoji="1" lang="ja-JP" altLang="en-US" dirty="0">
                 <a:latin typeface="チェックポイント．（ピリオド）" panose="02000600000000000000" pitchFamily="50" charset="-128"/>
                 <a:ea typeface="チェックポイント．（ピリオド）" panose="02000600000000000000" pitchFamily="50" charset="-128"/>
               </a:rPr>
-              <a:t>押す</a:t>
+              <a:t>を押す</a:t>
             </a:r>
             <a:r>
               <a:rPr lang="ja-JP" altLang="en-US" dirty="0">
@@ -4535,18 +4444,11 @@
               <a:t>X</a:t>
             </a:r>
             <a:r>
-              <a:rPr lang="ja-JP" altLang="en-US" dirty="0" smtClean="0">
-                <a:latin typeface="チェックポイント．（ピリオド）" panose="02000600000000000000" pitchFamily="50" charset="-128"/>
-                <a:ea typeface="チェックポイント．（ピリオド）" panose="02000600000000000000" pitchFamily="50" charset="-128"/>
-              </a:rPr>
-              <a:t>を</a:t>
-            </a:r>
-            <a:r>
               <a:rPr lang="ja-JP" altLang="en-US" dirty="0">
                 <a:latin typeface="チェックポイント．（ピリオド）" panose="02000600000000000000" pitchFamily="50" charset="-128"/>
                 <a:ea typeface="チェックポイント．（ピリオド）" panose="02000600000000000000" pitchFamily="50" charset="-128"/>
               </a:rPr>
-              <a:t>押すまたは、</a:t>
+              <a:t>を押すまたは、</a:t>
             </a:r>
             <a:r>
               <a:rPr lang="ja-JP" altLang="en-US" dirty="0">
@@ -4605,18 +4507,11 @@
               <a:t>C</a:t>
             </a:r>
             <a:r>
-              <a:rPr kumimoji="1" lang="ja-JP" altLang="en-US" dirty="0" smtClean="0">
-                <a:latin typeface="チェックポイント．（ピリオド）" panose="02000600000000000000" pitchFamily="50" charset="-128"/>
-                <a:ea typeface="チェックポイント．（ピリオド）" panose="02000600000000000000" pitchFamily="50" charset="-128"/>
-              </a:rPr>
-              <a:t>を</a:t>
-            </a:r>
-            <a:r>
               <a:rPr kumimoji="1" lang="ja-JP" altLang="en-US" dirty="0">
                 <a:latin typeface="チェックポイント．（ピリオド）" panose="02000600000000000000" pitchFamily="50" charset="-128"/>
                 <a:ea typeface="チェックポイント．（ピリオド）" panose="02000600000000000000" pitchFamily="50" charset="-128"/>
               </a:rPr>
-              <a:t>押す</a:t>
+              <a:t>を押す</a:t>
             </a:r>
             <a:r>
               <a:rPr lang="ja-JP" altLang="en-US" dirty="0">
@@ -4682,18 +4577,11 @@
               <a:t>V</a:t>
             </a:r>
             <a:r>
-              <a:rPr lang="ja-JP" altLang="en-US" dirty="0" smtClean="0">
-                <a:latin typeface="チェックポイント．（ピリオド）" panose="02000600000000000000" pitchFamily="50" charset="-128"/>
-                <a:ea typeface="チェックポイント．（ピリオド）" panose="02000600000000000000" pitchFamily="50" charset="-128"/>
-              </a:rPr>
-              <a:t>を</a:t>
-            </a:r>
-            <a:r>
               <a:rPr lang="ja-JP" altLang="en-US" dirty="0">
                 <a:latin typeface="チェックポイント．（ピリオド）" panose="02000600000000000000" pitchFamily="50" charset="-128"/>
                 <a:ea typeface="チェックポイント．（ピリオド）" panose="02000600000000000000" pitchFamily="50" charset="-128"/>
               </a:rPr>
-              <a:t>押すまたは、</a:t>
+              <a:t>を押すまたは、</a:t>
             </a:r>
             <a:r>
               <a:rPr lang="ja-JP" altLang="en-US" dirty="0">
@@ -4754,18 +4642,11 @@
               <a:t>B</a:t>
             </a:r>
             <a:r>
-              <a:rPr kumimoji="1" lang="ja-JP" altLang="en-US" dirty="0" smtClean="0">
-                <a:latin typeface="チェックポイント．（ピリオド）" panose="02000600000000000000" pitchFamily="50" charset="-128"/>
-                <a:ea typeface="チェックポイント．（ピリオド）" panose="02000600000000000000" pitchFamily="50" charset="-128"/>
-              </a:rPr>
-              <a:t>を</a:t>
-            </a:r>
-            <a:r>
               <a:rPr kumimoji="1" lang="ja-JP" altLang="en-US" dirty="0">
                 <a:latin typeface="チェックポイント．（ピリオド）" panose="02000600000000000000" pitchFamily="50" charset="-128"/>
                 <a:ea typeface="チェックポイント．（ピリオド）" panose="02000600000000000000" pitchFamily="50" charset="-128"/>
               </a:rPr>
-              <a:t>押すまたは、</a:t>
+              <a:t>を押すまたは、</a:t>
             </a:r>
             <a:r>
               <a:rPr kumimoji="1" lang="ja-JP" altLang="en-US" dirty="0">
@@ -4853,7 +4734,7 @@
               <p:cNvPr id="22" name="グループ化 21">
                 <a:extLst>
                   <a:ext uri="{FF2B5EF4-FFF2-40B4-BE49-F238E27FC236}">
-                    <a16:creationId xmlns:a16="http://schemas.microsoft.com/office/drawing/2014/main" xmlns="" id="{2B78E3B8-6F86-4761-8FD3-82445D0604CC}"/>
+                    <a16:creationId xmlns:a16="http://schemas.microsoft.com/office/drawing/2014/main" id="{2B78E3B8-6F86-4761-8FD3-82445D0604CC}"/>
                   </a:ext>
                 </a:extLst>
               </p:cNvPr>
@@ -4873,7 +4754,7 @@
                 <p:cNvPr id="38" name="図 37" descr="物体 が含まれている画像&#10;&#10;自動的に生成された説明">
                   <a:extLst>
                     <a:ext uri="{FF2B5EF4-FFF2-40B4-BE49-F238E27FC236}">
-                      <a16:creationId xmlns:a16="http://schemas.microsoft.com/office/drawing/2014/main" xmlns="" id="{479B4DDF-7427-437E-87B7-7994E26E728C}"/>
+                      <a16:creationId xmlns:a16="http://schemas.microsoft.com/office/drawing/2014/main" id="{479B4DDF-7427-437E-87B7-7994E26E728C}"/>
                     </a:ext>
                   </a:extLst>
                 </p:cNvPr>
@@ -4909,7 +4790,7 @@
                 <p:cNvPr id="39" name="テキスト ボックス 38">
                   <a:extLst>
                     <a:ext uri="{FF2B5EF4-FFF2-40B4-BE49-F238E27FC236}">
-                      <a16:creationId xmlns:a16="http://schemas.microsoft.com/office/drawing/2014/main" xmlns="" id="{9774E31A-0063-4CE0-A9A1-D45BBB05A9C8}"/>
+                      <a16:creationId xmlns:a16="http://schemas.microsoft.com/office/drawing/2014/main" id="{9774E31A-0063-4CE0-A9A1-D45BBB05A9C8}"/>
                     </a:ext>
                   </a:extLst>
                 </p:cNvPr>
@@ -4949,7 +4830,7 @@
               <p:cNvPr id="23" name="グループ化 22">
                 <a:extLst>
                   <a:ext uri="{FF2B5EF4-FFF2-40B4-BE49-F238E27FC236}">
-                    <a16:creationId xmlns:a16="http://schemas.microsoft.com/office/drawing/2014/main" xmlns="" id="{8CEB5C1D-B949-4327-B495-5272910D5F87}"/>
+                    <a16:creationId xmlns:a16="http://schemas.microsoft.com/office/drawing/2014/main" id="{8CEB5C1D-B949-4327-B495-5272910D5F87}"/>
                   </a:ext>
                 </a:extLst>
               </p:cNvPr>
@@ -4969,7 +4850,7 @@
                 <p:cNvPr id="36" name="図 35" descr="物体 が含まれている画像&#10;&#10;自動的に生成された説明">
                   <a:extLst>
                     <a:ext uri="{FF2B5EF4-FFF2-40B4-BE49-F238E27FC236}">
-                      <a16:creationId xmlns:a16="http://schemas.microsoft.com/office/drawing/2014/main" xmlns="" id="{FB1C4056-473E-4E06-A623-40D4081C4EAC}"/>
+                      <a16:creationId xmlns:a16="http://schemas.microsoft.com/office/drawing/2014/main" id="{FB1C4056-473E-4E06-A623-40D4081C4EAC}"/>
                     </a:ext>
                   </a:extLst>
                 </p:cNvPr>
@@ -5005,7 +4886,7 @@
                 <p:cNvPr id="37" name="テキスト ボックス 36">
                   <a:extLst>
                     <a:ext uri="{FF2B5EF4-FFF2-40B4-BE49-F238E27FC236}">
-                      <a16:creationId xmlns:a16="http://schemas.microsoft.com/office/drawing/2014/main" xmlns="" id="{A9417AE6-E050-4A1B-991F-46A51E57761E}"/>
+                      <a16:creationId xmlns:a16="http://schemas.microsoft.com/office/drawing/2014/main" id="{A9417AE6-E050-4A1B-991F-46A51E57761E}"/>
                     </a:ext>
                   </a:extLst>
                 </p:cNvPr>
@@ -5045,7 +4926,7 @@
               <p:cNvPr id="24" name="グループ化 23">
                 <a:extLst>
                   <a:ext uri="{FF2B5EF4-FFF2-40B4-BE49-F238E27FC236}">
-                    <a16:creationId xmlns:a16="http://schemas.microsoft.com/office/drawing/2014/main" xmlns="" id="{9400590E-D727-4D03-98FF-0ACD12EBC352}"/>
+                    <a16:creationId xmlns:a16="http://schemas.microsoft.com/office/drawing/2014/main" id="{9400590E-D727-4D03-98FF-0ACD12EBC352}"/>
                   </a:ext>
                 </a:extLst>
               </p:cNvPr>
@@ -5065,7 +4946,7 @@
                 <p:cNvPr id="34" name="図 33" descr="物体, 腕時計 が含まれている画像&#10;&#10;自動的に生成された説明">
                   <a:extLst>
                     <a:ext uri="{FF2B5EF4-FFF2-40B4-BE49-F238E27FC236}">
-                      <a16:creationId xmlns:a16="http://schemas.microsoft.com/office/drawing/2014/main" xmlns="" id="{734930D0-5E47-475F-948D-174F652567D0}"/>
+                      <a16:creationId xmlns:a16="http://schemas.microsoft.com/office/drawing/2014/main" id="{734930D0-5E47-475F-948D-174F652567D0}"/>
                     </a:ext>
                   </a:extLst>
                 </p:cNvPr>
@@ -5101,7 +4982,7 @@
                 <p:cNvPr id="35" name="テキスト ボックス 34">
                   <a:extLst>
                     <a:ext uri="{FF2B5EF4-FFF2-40B4-BE49-F238E27FC236}">
-                      <a16:creationId xmlns:a16="http://schemas.microsoft.com/office/drawing/2014/main" xmlns="" id="{99360FF1-7996-43C2-A24E-1DB68F403FE0}"/>
+                      <a16:creationId xmlns:a16="http://schemas.microsoft.com/office/drawing/2014/main" id="{99360FF1-7996-43C2-A24E-1DB68F403FE0}"/>
                     </a:ext>
                   </a:extLst>
                 </p:cNvPr>
@@ -5141,7 +5022,7 @@
               <p:cNvPr id="25" name="グループ化 24">
                 <a:extLst>
                   <a:ext uri="{FF2B5EF4-FFF2-40B4-BE49-F238E27FC236}">
-                    <a16:creationId xmlns:a16="http://schemas.microsoft.com/office/drawing/2014/main" xmlns="" id="{2DC9847F-77D2-4405-8121-1FE5585768EA}"/>
+                    <a16:creationId xmlns:a16="http://schemas.microsoft.com/office/drawing/2014/main" id="{2DC9847F-77D2-4405-8121-1FE5585768EA}"/>
                   </a:ext>
                 </a:extLst>
               </p:cNvPr>
@@ -5161,7 +5042,7 @@
                 <p:cNvPr id="32" name="図 31" descr="物体 が含まれている画像&#10;&#10;自動的に生成された説明">
                   <a:extLst>
                     <a:ext uri="{FF2B5EF4-FFF2-40B4-BE49-F238E27FC236}">
-                      <a16:creationId xmlns:a16="http://schemas.microsoft.com/office/drawing/2014/main" xmlns="" id="{275FE74A-218C-4A15-9492-6A63781312F0}"/>
+                      <a16:creationId xmlns:a16="http://schemas.microsoft.com/office/drawing/2014/main" id="{275FE74A-218C-4A15-9492-6A63781312F0}"/>
                     </a:ext>
                   </a:extLst>
                 </p:cNvPr>
@@ -5197,7 +5078,7 @@
                 <p:cNvPr id="33" name="テキスト ボックス 32">
                   <a:extLst>
                     <a:ext uri="{FF2B5EF4-FFF2-40B4-BE49-F238E27FC236}">
-                      <a16:creationId xmlns:a16="http://schemas.microsoft.com/office/drawing/2014/main" xmlns="" id="{7FEA8835-C677-4EFC-9624-2596C7E0A572}"/>
+                      <a16:creationId xmlns:a16="http://schemas.microsoft.com/office/drawing/2014/main" id="{7FEA8835-C677-4EFC-9624-2596C7E0A572}"/>
                     </a:ext>
                   </a:extLst>
                 </p:cNvPr>
@@ -5241,7 +5122,7 @@
               <p:cNvPr id="11" name="図 10">
                 <a:extLst>
                   <a:ext uri="{FF2B5EF4-FFF2-40B4-BE49-F238E27FC236}">
-                    <a16:creationId xmlns:a16="http://schemas.microsoft.com/office/drawing/2014/main" xmlns="" id="{49264E83-2EAE-4079-9AD2-AC2D699F0D1F}"/>
+                    <a16:creationId xmlns:a16="http://schemas.microsoft.com/office/drawing/2014/main" id="{49264E83-2EAE-4079-9AD2-AC2D699F0D1F}"/>
                   </a:ext>
                 </a:extLst>
               </p:cNvPr>
@@ -5277,7 +5158,7 @@
               <p:cNvPr id="46" name="テキスト ボックス 45">
                 <a:extLst>
                   <a:ext uri="{FF2B5EF4-FFF2-40B4-BE49-F238E27FC236}">
-                    <a16:creationId xmlns:a16="http://schemas.microsoft.com/office/drawing/2014/main" xmlns="" id="{B4B7A388-F763-4A3C-B6C2-124C99BC6F42}"/>
+                    <a16:creationId xmlns:a16="http://schemas.microsoft.com/office/drawing/2014/main" id="{B4B7A388-F763-4A3C-B6C2-124C99BC6F42}"/>
                   </a:ext>
                 </a:extLst>
               </p:cNvPr>
@@ -5472,13 +5353,6 @@
   <p:clrMapOvr>
     <a:masterClrMapping/>
   </p:clrMapOvr>
-  <p:timing>
-    <p:tnLst>
-      <p:par>
-        <p:cTn id="1" dur="indefinite" restart="never" nodeType="tmRoot"/>
-      </p:par>
-    </p:tnLst>
-  </p:timing>
 </p:sld>
 </file>
 
@@ -5504,7 +5378,7 @@
           <p:cNvPr id="5" name="図 4" descr="電子機器 が含まれている画像&#10;&#10;自動的に生成された説明">
             <a:extLst>
               <a:ext uri="{FF2B5EF4-FFF2-40B4-BE49-F238E27FC236}">
-                <a16:creationId xmlns:a16="http://schemas.microsoft.com/office/drawing/2014/main" xmlns="" id="{6CB9A598-CED9-45A4-8DA9-B27BCA36CBEC}"/>
+                <a16:creationId xmlns:a16="http://schemas.microsoft.com/office/drawing/2014/main" id="{6CB9A598-CED9-45A4-8DA9-B27BCA36CBEC}"/>
               </a:ext>
             </a:extLst>
           </p:cNvPr>
@@ -5539,7 +5413,7 @@
           <p:cNvPr id="17" name="楕円 16">
             <a:extLst>
               <a:ext uri="{FF2B5EF4-FFF2-40B4-BE49-F238E27FC236}">
-                <a16:creationId xmlns:a16="http://schemas.microsoft.com/office/drawing/2014/main" xmlns="" id="{787DCF27-FE5D-4F5F-93D9-6E5E3F66733B}"/>
+                <a16:creationId xmlns:a16="http://schemas.microsoft.com/office/drawing/2014/main" id="{787DCF27-FE5D-4F5F-93D9-6E5E3F66733B}"/>
               </a:ext>
             </a:extLst>
           </p:cNvPr>
@@ -5591,7 +5465,7 @@
           <p:cNvPr id="15" name="正方形/長方形 14">
             <a:extLst>
               <a:ext uri="{FF2B5EF4-FFF2-40B4-BE49-F238E27FC236}">
-                <a16:creationId xmlns:a16="http://schemas.microsoft.com/office/drawing/2014/main" xmlns="" id="{3833953A-B36A-4C17-AEC3-8ED45F7CC897}"/>
+                <a16:creationId xmlns:a16="http://schemas.microsoft.com/office/drawing/2014/main" id="{3833953A-B36A-4C17-AEC3-8ED45F7CC897}"/>
               </a:ext>
             </a:extLst>
           </p:cNvPr>
@@ -5643,7 +5517,7 @@
           <p:cNvPr id="16" name="正方形/長方形 15">
             <a:extLst>
               <a:ext uri="{FF2B5EF4-FFF2-40B4-BE49-F238E27FC236}">
-                <a16:creationId xmlns:a16="http://schemas.microsoft.com/office/drawing/2014/main" xmlns="" id="{0A0216B0-C84D-4309-9EC4-75086643960C}"/>
+                <a16:creationId xmlns:a16="http://schemas.microsoft.com/office/drawing/2014/main" id="{0A0216B0-C84D-4309-9EC4-75086643960C}"/>
               </a:ext>
             </a:extLst>
           </p:cNvPr>
@@ -5695,7 +5569,7 @@
           <p:cNvPr id="14" name="正方形/長方形 13">
             <a:extLst>
               <a:ext uri="{FF2B5EF4-FFF2-40B4-BE49-F238E27FC236}">
-                <a16:creationId xmlns:a16="http://schemas.microsoft.com/office/drawing/2014/main" xmlns="" id="{EAC81C78-DEAA-491D-B85A-42AB767010AE}"/>
+                <a16:creationId xmlns:a16="http://schemas.microsoft.com/office/drawing/2014/main" id="{EAC81C78-DEAA-491D-B85A-42AB767010AE}"/>
               </a:ext>
             </a:extLst>
           </p:cNvPr>
@@ -5747,7 +5621,7 @@
           <p:cNvPr id="6" name="テキスト ボックス 5">
             <a:extLst>
               <a:ext uri="{FF2B5EF4-FFF2-40B4-BE49-F238E27FC236}">
-                <a16:creationId xmlns:a16="http://schemas.microsoft.com/office/drawing/2014/main" xmlns="" id="{B35D99F0-6DC1-4BC2-88F1-81631344B7F9}"/>
+                <a16:creationId xmlns:a16="http://schemas.microsoft.com/office/drawing/2014/main" id="{B35D99F0-6DC1-4BC2-88F1-81631344B7F9}"/>
               </a:ext>
             </a:extLst>
           </p:cNvPr>
@@ -5792,7 +5666,7 @@
           <p:cNvPr id="7" name="吹き出し: 四角形 6">
             <a:extLst>
               <a:ext uri="{FF2B5EF4-FFF2-40B4-BE49-F238E27FC236}">
-                <a16:creationId xmlns:a16="http://schemas.microsoft.com/office/drawing/2014/main" xmlns="" id="{BA75D2B1-3296-4A6C-97CF-CD76A284141D}"/>
+                <a16:creationId xmlns:a16="http://schemas.microsoft.com/office/drawing/2014/main" id="{BA75D2B1-3296-4A6C-97CF-CD76A284141D}"/>
               </a:ext>
             </a:extLst>
           </p:cNvPr>
@@ -5847,7 +5721,7 @@
           <p:cNvPr id="8" name="吹き出し: 四角形 7">
             <a:extLst>
               <a:ext uri="{FF2B5EF4-FFF2-40B4-BE49-F238E27FC236}">
-                <a16:creationId xmlns:a16="http://schemas.microsoft.com/office/drawing/2014/main" xmlns="" id="{88AD402C-D557-4604-82F7-689D61968750}"/>
+                <a16:creationId xmlns:a16="http://schemas.microsoft.com/office/drawing/2014/main" id="{88AD402C-D557-4604-82F7-689D61968750}"/>
               </a:ext>
             </a:extLst>
           </p:cNvPr>
@@ -5909,7 +5783,7 @@
           <p:cNvPr id="9" name="吹き出し: 四角形 8">
             <a:extLst>
               <a:ext uri="{FF2B5EF4-FFF2-40B4-BE49-F238E27FC236}">
-                <a16:creationId xmlns:a16="http://schemas.microsoft.com/office/drawing/2014/main" xmlns="" id="{BF8E2C7C-205C-42CA-B382-A5D5630D39B2}"/>
+                <a16:creationId xmlns:a16="http://schemas.microsoft.com/office/drawing/2014/main" id="{BF8E2C7C-205C-42CA-B382-A5D5630D39B2}"/>
               </a:ext>
             </a:extLst>
           </p:cNvPr>
@@ -5968,7 +5842,7 @@
           <p:cNvPr id="10" name="吹き出し: 四角形 9">
             <a:extLst>
               <a:ext uri="{FF2B5EF4-FFF2-40B4-BE49-F238E27FC236}">
-                <a16:creationId xmlns:a16="http://schemas.microsoft.com/office/drawing/2014/main" xmlns="" id="{1E8E5AAD-2EFF-40AE-87B5-A62E3863DB06}"/>
+                <a16:creationId xmlns:a16="http://schemas.microsoft.com/office/drawing/2014/main" id="{1E8E5AAD-2EFF-40AE-87B5-A62E3863DB06}"/>
               </a:ext>
             </a:extLst>
           </p:cNvPr>
@@ -6047,7 +5921,7 @@
           <p:cNvPr id="11" name="吹き出し: 四角形 10">
             <a:extLst>
               <a:ext uri="{FF2B5EF4-FFF2-40B4-BE49-F238E27FC236}">
-                <a16:creationId xmlns:a16="http://schemas.microsoft.com/office/drawing/2014/main" xmlns="" id="{0876C132-70D4-4EE9-A059-2EE9BBCFA5AC}"/>
+                <a16:creationId xmlns:a16="http://schemas.microsoft.com/office/drawing/2014/main" id="{0876C132-70D4-4EE9-A059-2EE9BBCFA5AC}"/>
               </a:ext>
             </a:extLst>
           </p:cNvPr>
@@ -6102,7 +5976,7 @@
           <p:cNvPr id="12" name="吹き出し: 四角形 11">
             <a:extLst>
               <a:ext uri="{FF2B5EF4-FFF2-40B4-BE49-F238E27FC236}">
-                <a16:creationId xmlns:a16="http://schemas.microsoft.com/office/drawing/2014/main" xmlns="" id="{30266963-E240-4012-99DE-6906E5DDC8E7}"/>
+                <a16:creationId xmlns:a16="http://schemas.microsoft.com/office/drawing/2014/main" id="{30266963-E240-4012-99DE-6906E5DDC8E7}"/>
               </a:ext>
             </a:extLst>
           </p:cNvPr>
@@ -6171,7 +6045,7 @@
           <a:p>
             <a:pPr algn="ctr"/>
             <a:r>
-              <a:rPr lang="ja-JP" altLang="en-US" sz="1600" dirty="0" smtClean="0">
+              <a:rPr lang="ja-JP" altLang="en-US" sz="1600" dirty="0">
                 <a:solidFill>
                   <a:srgbClr val="FF0000"/>
                 </a:solidFill>
@@ -6199,7 +6073,7 @@
           <p:cNvPr id="13" name="正方形/長方形 12">
             <a:extLst>
               <a:ext uri="{FF2B5EF4-FFF2-40B4-BE49-F238E27FC236}">
-                <a16:creationId xmlns:a16="http://schemas.microsoft.com/office/drawing/2014/main" xmlns="" id="{C5B52C5E-840D-45E5-8E3C-3E2AD99D4E85}"/>
+                <a16:creationId xmlns:a16="http://schemas.microsoft.com/office/drawing/2014/main" id="{C5B52C5E-840D-45E5-8E3C-3E2AD99D4E85}"/>
               </a:ext>
             </a:extLst>
           </p:cNvPr>
@@ -6251,7 +6125,7 @@
           <p:cNvPr id="18" name="正方形/長方形 17">
             <a:extLst>
               <a:ext uri="{FF2B5EF4-FFF2-40B4-BE49-F238E27FC236}">
-                <a16:creationId xmlns:a16="http://schemas.microsoft.com/office/drawing/2014/main" xmlns="" id="{85B86C3D-1D0B-4CA9-A09E-F9104FAC8E9A}"/>
+                <a16:creationId xmlns:a16="http://schemas.microsoft.com/office/drawing/2014/main" id="{85B86C3D-1D0B-4CA9-A09E-F9104FAC8E9A}"/>
               </a:ext>
             </a:extLst>
           </p:cNvPr>
@@ -6303,7 +6177,7 @@
           <p:cNvPr id="19" name="吹き出し: 四角形 18">
             <a:extLst>
               <a:ext uri="{FF2B5EF4-FFF2-40B4-BE49-F238E27FC236}">
-                <a16:creationId xmlns:a16="http://schemas.microsoft.com/office/drawing/2014/main" xmlns="" id="{D2673875-651C-40E4-8256-1F77677989CB}"/>
+                <a16:creationId xmlns:a16="http://schemas.microsoft.com/office/drawing/2014/main" id="{D2673875-651C-40E4-8256-1F77677989CB}"/>
               </a:ext>
             </a:extLst>
           </p:cNvPr>
@@ -6374,13 +6248,6 @@
   <p:clrMapOvr>
     <a:masterClrMapping/>
   </p:clrMapOvr>
-  <p:timing>
-    <p:tnLst>
-      <p:par>
-        <p:cTn id="1" dur="indefinite" restart="never" nodeType="tmRoot"/>
-      </p:par>
-    </p:tnLst>
-  </p:timing>
 </p:sld>
 </file>
 
@@ -6406,7 +6273,7 @@
           <p:cNvPr id="6" name="テキスト ボックス 5">
             <a:extLst>
               <a:ext uri="{FF2B5EF4-FFF2-40B4-BE49-F238E27FC236}">
-                <a16:creationId xmlns:a16="http://schemas.microsoft.com/office/drawing/2014/main" xmlns="" id="{83D9254C-066B-4A30-984B-189E5281BB91}"/>
+                <a16:creationId xmlns:a16="http://schemas.microsoft.com/office/drawing/2014/main" id="{83D9254C-066B-4A30-984B-189E5281BB91}"/>
               </a:ext>
             </a:extLst>
           </p:cNvPr>
@@ -6451,7 +6318,7 @@
           <p:cNvPr id="7" name="テキスト ボックス 6">
             <a:extLst>
               <a:ext uri="{FF2B5EF4-FFF2-40B4-BE49-F238E27FC236}">
-                <a16:creationId xmlns:a16="http://schemas.microsoft.com/office/drawing/2014/main" xmlns="" id="{A3B678AB-5F6D-47A2-AC3D-C9904D8B3FE5}"/>
+                <a16:creationId xmlns:a16="http://schemas.microsoft.com/office/drawing/2014/main" id="{A3B678AB-5F6D-47A2-AC3D-C9904D8B3FE5}"/>
               </a:ext>
             </a:extLst>
           </p:cNvPr>
@@ -6493,7 +6360,7 @@
           <p:cNvPr id="8" name="テキスト ボックス 7">
             <a:extLst>
               <a:ext uri="{FF2B5EF4-FFF2-40B4-BE49-F238E27FC236}">
-                <a16:creationId xmlns:a16="http://schemas.microsoft.com/office/drawing/2014/main" xmlns="" id="{81F92070-255F-4692-ABB1-F5486542D8FF}"/>
+                <a16:creationId xmlns:a16="http://schemas.microsoft.com/office/drawing/2014/main" id="{81F92070-255F-4692-ABB1-F5486542D8FF}"/>
               </a:ext>
             </a:extLst>
           </p:cNvPr>
@@ -6541,14 +6408,7 @@
                 <a:latin typeface="チェックポイント．（ピリオド）" panose="02000600000000000000" pitchFamily="50" charset="-128"/>
                 <a:ea typeface="チェックポイント．（ピリオド）" panose="02000600000000000000" pitchFamily="50" charset="-128"/>
               </a:rPr>
-              <a:t>赤色になっていくにつれて住民がオーバーワークに</a:t>
-            </a:r>
-            <a:r>
-              <a:rPr kumimoji="1" lang="ja-JP" altLang="en-US" dirty="0" smtClean="0">
-                <a:latin typeface="チェックポイント．（ピリオド）" panose="02000600000000000000" pitchFamily="50" charset="-128"/>
-                <a:ea typeface="チェックポイント．（ピリオド）" panose="02000600000000000000" pitchFamily="50" charset="-128"/>
-              </a:rPr>
-              <a:t>なり</a:t>
+              <a:t>赤色になっていくにつれて住民がオーバーワークになり</a:t>
             </a:r>
             <a:endParaRPr lang="en-US" altLang="ja-JP" dirty="0">
               <a:latin typeface="チェックポイント．（ピリオド）" panose="02000600000000000000" pitchFamily="50" charset="-128"/>
@@ -6557,18 +6417,11 @@
           </a:p>
           <a:p>
             <a:r>
-              <a:rPr kumimoji="1" lang="ja-JP" altLang="en-US" dirty="0" smtClean="0">
-                <a:latin typeface="チェックポイント．（ピリオド）" panose="02000600000000000000" pitchFamily="50" charset="-128"/>
-                <a:ea typeface="チェックポイント．（ピリオド）" panose="02000600000000000000" pitchFamily="50" charset="-128"/>
-              </a:rPr>
-              <a:t>ポッド</a:t>
-            </a:r>
-            <a:r>
               <a:rPr kumimoji="1" lang="ja-JP" altLang="en-US" dirty="0">
                 <a:latin typeface="チェックポイント．（ピリオド）" panose="02000600000000000000" pitchFamily="50" charset="-128"/>
                 <a:ea typeface="チェックポイント．（ピリオド）" panose="02000600000000000000" pitchFamily="50" charset="-128"/>
               </a:rPr>
-              <a:t>にコスモパワーを十分に補給できなく</a:t>
+              <a:t>ポッドにコスモパワーを十分に補給できなく</a:t>
             </a:r>
             <a:r>
               <a:rPr lang="ja-JP" altLang="en-US" dirty="0">
@@ -6578,31 +6431,24 @@
               <a:t>なって</a:t>
             </a:r>
             <a:r>
-              <a:rPr kumimoji="1" lang="ja-JP" altLang="en-US" dirty="0" smtClean="0">
+              <a:rPr kumimoji="1" lang="ja-JP" altLang="en-US" dirty="0">
                 <a:latin typeface="チェックポイント．（ピリオド）" panose="02000600000000000000" pitchFamily="50" charset="-128"/>
                 <a:ea typeface="チェックポイント．（ピリオド）" panose="02000600000000000000" pitchFamily="50" charset="-128"/>
               </a:rPr>
               <a:t>、</a:t>
             </a:r>
-            <a:endParaRPr kumimoji="1" lang="en-US" altLang="ja-JP" dirty="0" smtClean="0">
+            <a:endParaRPr kumimoji="1" lang="en-US" altLang="ja-JP" dirty="0">
               <a:latin typeface="チェックポイント．（ピリオド）" panose="02000600000000000000" pitchFamily="50" charset="-128"/>
               <a:ea typeface="チェックポイント．（ピリオド）" panose="02000600000000000000" pitchFamily="50" charset="-128"/>
             </a:endParaRPr>
           </a:p>
           <a:p>
             <a:r>
-              <a:rPr kumimoji="1" lang="ja-JP" altLang="en-US" dirty="0" smtClean="0">
-                <a:latin typeface="チェックポイント．（ピリオド）" panose="02000600000000000000" pitchFamily="50" charset="-128"/>
-                <a:ea typeface="チェックポイント．（ピリオド）" panose="02000600000000000000" pitchFamily="50" charset="-128"/>
-              </a:rPr>
-              <a:t>ポッド</a:t>
-            </a:r>
-            <a:r>
               <a:rPr kumimoji="1" lang="ja-JP" altLang="en-US" dirty="0">
                 <a:latin typeface="チェックポイント．（ピリオド）" panose="02000600000000000000" pitchFamily="50" charset="-128"/>
                 <a:ea typeface="チェックポイント．（ピリオド）" panose="02000600000000000000" pitchFamily="50" charset="-128"/>
               </a:rPr>
-              <a:t>の耐久力が下がってしまい、</a:t>
+              <a:t>ポッドの耐久力が下がってしまい、</a:t>
             </a:r>
             <a:r>
               <a:rPr lang="ja-JP" altLang="en-US" dirty="0">
@@ -6636,7 +6482,7 @@
           <p:cNvPr id="10" name="テキスト ボックス 9">
             <a:extLst>
               <a:ext uri="{FF2B5EF4-FFF2-40B4-BE49-F238E27FC236}">
-                <a16:creationId xmlns:a16="http://schemas.microsoft.com/office/drawing/2014/main" xmlns="" id="{946FF0DF-B758-41C2-85D3-67DA048E99B2}"/>
+                <a16:creationId xmlns:a16="http://schemas.microsoft.com/office/drawing/2014/main" id="{946FF0DF-B758-41C2-85D3-67DA048E99B2}"/>
               </a:ext>
             </a:extLst>
           </p:cNvPr>
@@ -6700,13 +6546,6 @@
   <p:clrMapOvr>
     <a:masterClrMapping/>
   </p:clrMapOvr>
-  <p:timing>
-    <p:tnLst>
-      <p:par>
-        <p:cTn id="1" dur="indefinite" restart="never" nodeType="tmRoot"/>
-      </p:par>
-    </p:tnLst>
-  </p:timing>
 </p:sld>
 </file>
 
@@ -6732,7 +6571,7 @@
           <p:cNvPr id="4" name="テキスト ボックス 3">
             <a:extLst>
               <a:ext uri="{FF2B5EF4-FFF2-40B4-BE49-F238E27FC236}">
-                <a16:creationId xmlns:a16="http://schemas.microsoft.com/office/drawing/2014/main" xmlns="" id="{83D9254C-066B-4A30-984B-189E5281BB91}"/>
+                <a16:creationId xmlns:a16="http://schemas.microsoft.com/office/drawing/2014/main" id="{83D9254C-066B-4A30-984B-189E5281BB91}"/>
               </a:ext>
             </a:extLst>
           </p:cNvPr>
@@ -6762,14 +6601,7 @@
                 <a:latin typeface="チェックポイント．（ピリオド）" panose="02000600000000000000" pitchFamily="50" charset="-128"/>
                 <a:ea typeface="チェックポイント．（ピリオド）" panose="02000600000000000000" pitchFamily="50" charset="-128"/>
               </a:rPr>
-              <a:t>ヘルプ</a:t>
-            </a:r>
-            <a:r>
-              <a:rPr kumimoji="1" lang="ja-JP" altLang="en-US" sz="4800" dirty="0" smtClean="0">
-                <a:latin typeface="チェックポイント．（ピリオド）" panose="02000600000000000000" pitchFamily="50" charset="-128"/>
-                <a:ea typeface="チェックポイント．（ピリオド）" panose="02000600000000000000" pitchFamily="50" charset="-128"/>
-              </a:rPr>
-              <a:t>：</a:t>
+              <a:t>ヘルプ：</a:t>
             </a:r>
             <a:r>
               <a:rPr lang="ja-JP" altLang="en-US" sz="4800" dirty="0">
@@ -6804,13 +6636,13 @@
           <a:lstStyle/>
           <a:p>
             <a:r>
-              <a:rPr kumimoji="1" lang="ja-JP" altLang="en-US" sz="2400" dirty="0" smtClean="0">
+              <a:rPr kumimoji="1" lang="ja-JP" altLang="en-US" sz="2400" dirty="0">
                 <a:latin typeface="チェックポイント．（ピリオド）" panose="02000600000000000000" pitchFamily="50" charset="-128"/>
                 <a:ea typeface="チェックポイント．（ピリオド）" panose="02000600000000000000" pitchFamily="50" charset="-128"/>
               </a:rPr>
               <a:t>スペシャル技は、戦闘中に一度だけ発動することが可能です。</a:t>
             </a:r>
-            <a:endParaRPr kumimoji="1" lang="en-US" altLang="ja-JP" sz="2400" dirty="0" smtClean="0">
+            <a:endParaRPr kumimoji="1" lang="en-US" altLang="ja-JP" sz="2400" dirty="0">
               <a:latin typeface="チェックポイント．（ピリオド）" panose="02000600000000000000" pitchFamily="50" charset="-128"/>
               <a:ea typeface="チェックポイント．（ピリオド）" panose="02000600000000000000" pitchFamily="50" charset="-128"/>
             </a:endParaRPr>
@@ -6873,27 +6705,27 @@
           <a:lstStyle/>
           <a:p>
             <a:r>
-              <a:rPr kumimoji="1" lang="ja-JP" altLang="en-US" sz="2000" dirty="0" smtClean="0">
+              <a:rPr kumimoji="1" lang="ja-JP" altLang="en-US" sz="2000" dirty="0">
                 <a:latin typeface="チェックポイント．（ピリオド）" panose="02000600000000000000" pitchFamily="50" charset="-128"/>
                 <a:ea typeface="チェックポイント．（ピリオド）" panose="02000600000000000000" pitchFamily="50" charset="-128"/>
               </a:rPr>
               <a:t>戦闘中にこのボタンをクリックするか</a:t>
             </a:r>
-            <a:endParaRPr kumimoji="1" lang="en-US" altLang="ja-JP" sz="2000" dirty="0" smtClean="0">
+            <a:endParaRPr kumimoji="1" lang="en-US" altLang="ja-JP" sz="2000" dirty="0">
               <a:latin typeface="チェックポイント．（ピリオド）" panose="02000600000000000000" pitchFamily="50" charset="-128"/>
               <a:ea typeface="チェックポイント．（ピリオド）" panose="02000600000000000000" pitchFamily="50" charset="-128"/>
             </a:endParaRPr>
           </a:p>
           <a:p>
             <a:r>
-              <a:rPr lang="ja-JP" altLang="en-US" sz="2000" dirty="0" smtClean="0">
+              <a:rPr lang="ja-JP" altLang="en-US" sz="2000" dirty="0">
                 <a:latin typeface="チェックポイント．（ピリオド）" panose="02000600000000000000" pitchFamily="50" charset="-128"/>
                 <a:ea typeface="チェックポイント．（ピリオド）" panose="02000600000000000000" pitchFamily="50" charset="-128"/>
               </a:rPr>
               <a:t>もしくは</a:t>
             </a:r>
             <a:r>
-              <a:rPr lang="en-US" altLang="ja-JP" sz="2000" dirty="0" smtClean="0">
+              <a:rPr lang="en-US" altLang="ja-JP" sz="2000" dirty="0">
                 <a:solidFill>
                   <a:srgbClr val="FF0000"/>
                 </a:solidFill>
@@ -6903,7 +6735,7 @@
               <a:t>Enter</a:t>
             </a:r>
             <a:r>
-              <a:rPr lang="ja-JP" altLang="en-US" sz="2000" dirty="0" smtClean="0">
+              <a:rPr lang="ja-JP" altLang="en-US" sz="2000" dirty="0">
                 <a:latin typeface="チェックポイント．（ピリオド）" panose="02000600000000000000" pitchFamily="50" charset="-128"/>
                 <a:ea typeface="チェックポイント．（ピリオド）" panose="02000600000000000000" pitchFamily="50" charset="-128"/>
               </a:rPr>
@@ -6939,47 +6771,47 @@
           <a:lstStyle/>
           <a:p>
             <a:r>
-              <a:rPr kumimoji="1" lang="ja-JP" altLang="en-US" sz="2400" dirty="0" smtClean="0">
+              <a:rPr kumimoji="1" lang="ja-JP" altLang="en-US" sz="2400" dirty="0">
                 <a:latin typeface="チェックポイント．（ピリオド）" panose="02000600000000000000" pitchFamily="50" charset="-128"/>
                 <a:ea typeface="チェックポイント．（ピリオド）" panose="02000600000000000000" pitchFamily="50" charset="-128"/>
               </a:rPr>
               <a:t>スペシャル技は</a:t>
             </a:r>
             <a:r>
-              <a:rPr kumimoji="1" lang="en-US" altLang="ja-JP" sz="2400" dirty="0" smtClean="0">
+              <a:rPr kumimoji="1" lang="en-US" altLang="ja-JP" sz="2400" dirty="0">
                 <a:latin typeface="チェックポイント．（ピリオド）" panose="02000600000000000000" pitchFamily="50" charset="-128"/>
                 <a:ea typeface="チェックポイント．（ピリオド）" panose="02000600000000000000" pitchFamily="50" charset="-128"/>
               </a:rPr>
               <a:t>5</a:t>
             </a:r>
             <a:r>
-              <a:rPr kumimoji="1" lang="ja-JP" altLang="en-US" sz="2400" dirty="0" smtClean="0">
+              <a:rPr kumimoji="1" lang="ja-JP" altLang="en-US" sz="2400" dirty="0">
                 <a:latin typeface="チェックポイント．（ピリオド）" panose="02000600000000000000" pitchFamily="50" charset="-128"/>
                 <a:ea typeface="チェックポイント．（ピリオド）" panose="02000600000000000000" pitchFamily="50" charset="-128"/>
               </a:rPr>
               <a:t>種類あり、敵を捕食することで獲得することができます。</a:t>
             </a:r>
-            <a:endParaRPr kumimoji="1" lang="en-US" altLang="ja-JP" sz="2400" dirty="0" smtClean="0">
+            <a:endParaRPr kumimoji="1" lang="en-US" altLang="ja-JP" sz="2400" dirty="0">
               <a:latin typeface="チェックポイント．（ピリオド）" panose="02000600000000000000" pitchFamily="50" charset="-128"/>
               <a:ea typeface="チェックポイント．（ピリオド）" panose="02000600000000000000" pitchFamily="50" charset="-128"/>
             </a:endParaRPr>
           </a:p>
           <a:p>
             <a:r>
-              <a:rPr kumimoji="1" lang="ja-JP" altLang="en-US" sz="2400" dirty="0" smtClean="0">
+              <a:rPr kumimoji="1" lang="ja-JP" altLang="en-US" sz="2400" dirty="0">
                 <a:latin typeface="チェックポイント．（ピリオド）" panose="02000600000000000000" pitchFamily="50" charset="-128"/>
                 <a:ea typeface="チェックポイント．（ピリオド）" panose="02000600000000000000" pitchFamily="50" charset="-128"/>
               </a:rPr>
               <a:t>惑星ごとに獲得できるスペシャル技が違うので</a:t>
             </a:r>
-            <a:endParaRPr kumimoji="1" lang="en-US" altLang="ja-JP" sz="2400" dirty="0" smtClean="0">
+            <a:endParaRPr kumimoji="1" lang="en-US" altLang="ja-JP" sz="2400" dirty="0">
               <a:latin typeface="チェックポイント．（ピリオド）" panose="02000600000000000000" pitchFamily="50" charset="-128"/>
               <a:ea typeface="チェックポイント．（ピリオド）" panose="02000600000000000000" pitchFamily="50" charset="-128"/>
             </a:endParaRPr>
           </a:p>
           <a:p>
             <a:r>
-              <a:rPr kumimoji="1" lang="ja-JP" altLang="en-US" sz="2400" dirty="0" smtClean="0">
+              <a:rPr kumimoji="1" lang="ja-JP" altLang="en-US" sz="2400" dirty="0">
                 <a:latin typeface="チェックポイント．（ピリオド）" panose="02000600000000000000" pitchFamily="50" charset="-128"/>
                 <a:ea typeface="チェックポイント．（ピリオド）" panose="02000600000000000000" pitchFamily="50" charset="-128"/>
               </a:rPr>
@@ -7146,6 +6978,523 @@
     <p:extLst>
       <p:ext uri="{BB962C8B-B14F-4D97-AF65-F5344CB8AC3E}">
         <p14:creationId xmlns:p14="http://schemas.microsoft.com/office/powerpoint/2010/main" val="2003598650"/>
+      </p:ext>
+    </p:extLst>
+  </p:cSld>
+  <p:clrMapOvr>
+    <a:masterClrMapping/>
+  </p:clrMapOvr>
+</p:sld>
+</file>
+
+<file path=ppt/slides/slide14.xml><?xml version="1.0" encoding="utf-8"?>
+<p:sld xmlns:a="http://schemas.openxmlformats.org/drawingml/2006/main" xmlns:r="http://schemas.openxmlformats.org/officeDocument/2006/relationships" xmlns:p="http://schemas.openxmlformats.org/presentationml/2006/main">
+  <p:cSld>
+    <p:spTree>
+      <p:nvGrpSpPr>
+        <p:cNvPr id="1" name=""/>
+        <p:cNvGrpSpPr/>
+        <p:nvPr/>
+      </p:nvGrpSpPr>
+      <p:grpSpPr>
+        <a:xfrm>
+          <a:off x="0" y="0"/>
+          <a:ext cx="0" cy="0"/>
+          <a:chOff x="0" y="0"/>
+          <a:chExt cx="0" cy="0"/>
+        </a:xfrm>
+      </p:grpSpPr>
+      <p:sp>
+        <p:nvSpPr>
+          <p:cNvPr id="5" name="テキスト ボックス 4">
+            <a:extLst>
+              <a:ext uri="{FF2B5EF4-FFF2-40B4-BE49-F238E27FC236}">
+                <a16:creationId xmlns:a16="http://schemas.microsoft.com/office/drawing/2014/main" id="{E7DA8156-9232-45DF-BDAB-F8BFA4989BF6}"/>
+              </a:ext>
+            </a:extLst>
+          </p:cNvPr>
+          <p:cNvSpPr txBox="1"/>
+          <p:nvPr/>
+        </p:nvSpPr>
+        <p:spPr>
+          <a:xfrm>
+            <a:off x="3250477" y="75758"/>
+            <a:ext cx="5691045" cy="830997"/>
+          </a:xfrm>
+          <a:prstGeom prst="rect">
+            <a:avLst/>
+          </a:prstGeom>
+          <a:solidFill>
+            <a:schemeClr val="accent4"/>
+          </a:solidFill>
+        </p:spPr>
+        <p:txBody>
+          <a:bodyPr wrap="square" rtlCol="0">
+            <a:spAutoFit/>
+          </a:bodyPr>
+          <a:lstStyle/>
+          <a:p>
+            <a:r>
+              <a:rPr kumimoji="1" lang="ja-JP" altLang="en-US" sz="4800" dirty="0">
+                <a:latin typeface="チェックポイント．（ピリオド）" panose="02000600000000000000" pitchFamily="50" charset="-128"/>
+                <a:ea typeface="チェックポイント．（ピリオド）" panose="02000600000000000000" pitchFamily="50" charset="-128"/>
+              </a:rPr>
+              <a:t>ヘルプ：惑星発展度</a:t>
+            </a:r>
+            <a:endParaRPr lang="ja-JP" altLang="en-US" sz="4800" dirty="0">
+              <a:latin typeface="チェックポイント．（ピリオド）" panose="02000600000000000000" pitchFamily="50" charset="-128"/>
+              <a:ea typeface="チェックポイント．（ピリオド）" panose="02000600000000000000" pitchFamily="50" charset="-128"/>
+            </a:endParaRPr>
+          </a:p>
+        </p:txBody>
+      </p:sp>
+      <p:sp>
+        <p:nvSpPr>
+          <p:cNvPr id="7" name="テキスト ボックス 6">
+            <a:extLst>
+              <a:ext uri="{FF2B5EF4-FFF2-40B4-BE49-F238E27FC236}">
+                <a16:creationId xmlns:a16="http://schemas.microsoft.com/office/drawing/2014/main" id="{86562B00-1D31-41BF-8D0A-F3A64C35FA2F}"/>
+              </a:ext>
+            </a:extLst>
+          </p:cNvPr>
+          <p:cNvSpPr txBox="1"/>
+          <p:nvPr/>
+        </p:nvSpPr>
+        <p:spPr>
+          <a:xfrm>
+            <a:off x="2296356" y="1824209"/>
+            <a:ext cx="7599286" cy="369332"/>
+          </a:xfrm>
+          <a:prstGeom prst="rect">
+            <a:avLst/>
+          </a:prstGeom>
+          <a:noFill/>
+        </p:spPr>
+        <p:txBody>
+          <a:bodyPr wrap="square" rtlCol="0">
+            <a:spAutoFit/>
+          </a:bodyPr>
+          <a:lstStyle/>
+          <a:p>
+            <a:r>
+              <a:rPr lang="ja-JP" altLang="en-US" dirty="0">
+                <a:latin typeface="チェックポイント．（ピリオド）" panose="02000600000000000000" pitchFamily="50" charset="-128"/>
+                <a:ea typeface="チェックポイント．（ピリオド）" panose="02000600000000000000" pitchFamily="50" charset="-128"/>
+              </a:rPr>
+              <a:t>研究所や兵舎などのレベルを一定上げることによって惑星が発展します。</a:t>
+            </a:r>
+            <a:endParaRPr lang="en-US" altLang="ja-JP" dirty="0">
+              <a:latin typeface="チェックポイント．（ピリオド）" panose="02000600000000000000" pitchFamily="50" charset="-128"/>
+              <a:ea typeface="チェックポイント．（ピリオド）" panose="02000600000000000000" pitchFamily="50" charset="-128"/>
+            </a:endParaRPr>
+          </a:p>
+        </p:txBody>
+      </p:sp>
+      <p:sp>
+        <p:nvSpPr>
+          <p:cNvPr id="8" name="テキスト ボックス 7">
+            <a:extLst>
+              <a:ext uri="{FF2B5EF4-FFF2-40B4-BE49-F238E27FC236}">
+                <a16:creationId xmlns:a16="http://schemas.microsoft.com/office/drawing/2014/main" id="{4B1A7519-3AB7-4FFE-8DC1-5D58D39C3087}"/>
+              </a:ext>
+            </a:extLst>
+          </p:cNvPr>
+          <p:cNvSpPr txBox="1"/>
+          <p:nvPr/>
+        </p:nvSpPr>
+        <p:spPr>
+          <a:xfrm>
+            <a:off x="1785889" y="2809935"/>
+            <a:ext cx="8620219" cy="369332"/>
+          </a:xfrm>
+          <a:prstGeom prst="rect">
+            <a:avLst/>
+          </a:prstGeom>
+          <a:noFill/>
+        </p:spPr>
+        <p:txBody>
+          <a:bodyPr wrap="square" rtlCol="0">
+            <a:spAutoFit/>
+          </a:bodyPr>
+          <a:lstStyle/>
+          <a:p>
+            <a:r>
+              <a:rPr kumimoji="1" lang="ja-JP" altLang="en-US" dirty="0">
+                <a:latin typeface="チェックポイント．（ピリオド）" panose="02000600000000000000" pitchFamily="50" charset="-128"/>
+                <a:ea typeface="チェックポイント．（ピリオド）" panose="02000600000000000000" pitchFamily="50" charset="-128"/>
+              </a:rPr>
+              <a:t>惑星が発展することによって惑星の見た目や育成画面の背景に</a:t>
+            </a:r>
+            <a:r>
+              <a:rPr lang="ja-JP" altLang="en-US" dirty="0">
+                <a:latin typeface="チェックポイント．（ピリオド）" panose="02000600000000000000" pitchFamily="50" charset="-128"/>
+                <a:ea typeface="チェックポイント．（ピリオド）" panose="02000600000000000000" pitchFamily="50" charset="-128"/>
+              </a:rPr>
+              <a:t>変化が起こります。</a:t>
+            </a:r>
+            <a:endParaRPr kumimoji="1" lang="en-US" altLang="ja-JP" dirty="0">
+              <a:latin typeface="チェックポイント．（ピリオド）" panose="02000600000000000000" pitchFamily="50" charset="-128"/>
+              <a:ea typeface="チェックポイント．（ピリオド）" panose="02000600000000000000" pitchFamily="50" charset="-128"/>
+            </a:endParaRPr>
+          </a:p>
+        </p:txBody>
+      </p:sp>
+      <p:grpSp>
+        <p:nvGrpSpPr>
+          <p:cNvPr id="15" name="グループ化 14">
+            <a:extLst>
+              <a:ext uri="{FF2B5EF4-FFF2-40B4-BE49-F238E27FC236}">
+                <a16:creationId xmlns:a16="http://schemas.microsoft.com/office/drawing/2014/main" id="{15788240-D820-4655-BB37-F8BAAF162EA3}"/>
+              </a:ext>
+            </a:extLst>
+          </p:cNvPr>
+          <p:cNvGrpSpPr/>
+          <p:nvPr/>
+        </p:nvGrpSpPr>
+        <p:grpSpPr>
+          <a:xfrm>
+            <a:off x="2582663" y="4606780"/>
+            <a:ext cx="7026670" cy="1445295"/>
+            <a:chOff x="1740023" y="3576970"/>
+            <a:chExt cx="7026670" cy="1445295"/>
+          </a:xfrm>
+        </p:grpSpPr>
+        <p:pic>
+          <p:nvPicPr>
+            <p:cNvPr id="10" name="図 9">
+              <a:extLst>
+                <a:ext uri="{FF2B5EF4-FFF2-40B4-BE49-F238E27FC236}">
+                  <a16:creationId xmlns:a16="http://schemas.microsoft.com/office/drawing/2014/main" id="{CC45E600-B2B8-4EEF-9509-45C7FC593D21}"/>
+                </a:ext>
+              </a:extLst>
+            </p:cNvPr>
+            <p:cNvPicPr>
+              <a:picLocks noChangeAspect="1"/>
+            </p:cNvPicPr>
+            <p:nvPr/>
+          </p:nvPicPr>
+          <p:blipFill rotWithShape="1">
+            <a:blip r:embed="rId2" cstate="print">
+              <a:extLst>
+                <a:ext uri="{28A0092B-C50C-407E-A947-70E740481C1C}">
+                  <a14:useLocalDpi xmlns:a14="http://schemas.microsoft.com/office/drawing/2010/main" val="0"/>
+                </a:ext>
+              </a:extLst>
+            </a:blip>
+            <a:srcRect r="79975"/>
+            <a:stretch/>
+          </p:blipFill>
+          <p:spPr>
+            <a:xfrm>
+              <a:off x="1740023" y="3622089"/>
+              <a:ext cx="1171853" cy="1170392"/>
+            </a:xfrm>
+            <a:prstGeom prst="rect">
+              <a:avLst/>
+            </a:prstGeom>
+          </p:spPr>
+        </p:pic>
+        <p:sp>
+          <p:nvSpPr>
+            <p:cNvPr id="11" name="楕円 10">
+              <a:extLst>
+                <a:ext uri="{FF2B5EF4-FFF2-40B4-BE49-F238E27FC236}">
+                  <a16:creationId xmlns:a16="http://schemas.microsoft.com/office/drawing/2014/main" id="{8A994E23-DFEF-4C35-AD34-9626093EFBC7}"/>
+                </a:ext>
+              </a:extLst>
+            </p:cNvPr>
+            <p:cNvSpPr/>
+            <p:nvPr/>
+          </p:nvSpPr>
+          <p:spPr>
+            <a:xfrm>
+              <a:off x="4567560" y="3622089"/>
+              <a:ext cx="1296139" cy="1260629"/>
+            </a:xfrm>
+            <a:prstGeom prst="ellipse">
+              <a:avLst/>
+            </a:prstGeom>
+          </p:spPr>
+          <p:style>
+            <a:lnRef idx="2">
+              <a:schemeClr val="accent1">
+                <a:shade val="50000"/>
+              </a:schemeClr>
+            </a:lnRef>
+            <a:fillRef idx="1">
+              <a:schemeClr val="accent1"/>
+            </a:fillRef>
+            <a:effectRef idx="0">
+              <a:schemeClr val="accent1"/>
+            </a:effectRef>
+            <a:fontRef idx="minor">
+              <a:schemeClr val="lt1"/>
+            </a:fontRef>
+          </p:style>
+          <p:txBody>
+            <a:bodyPr rtlCol="0" anchor="ctr"/>
+            <a:lstStyle/>
+            <a:p>
+              <a:pPr algn="ctr"/>
+              <a:r>
+                <a:rPr lang="ja-JP" altLang="en-US" dirty="0"/>
+                <a:t>？の画像を読み込む予定</a:t>
+              </a:r>
+              <a:endParaRPr kumimoji="1" lang="ja-JP" altLang="en-US" dirty="0"/>
+            </a:p>
+          </p:txBody>
+        </p:sp>
+        <p:sp>
+          <p:nvSpPr>
+            <p:cNvPr id="12" name="楕円 11">
+              <a:extLst>
+                <a:ext uri="{FF2B5EF4-FFF2-40B4-BE49-F238E27FC236}">
+                  <a16:creationId xmlns:a16="http://schemas.microsoft.com/office/drawing/2014/main" id="{9286BAD0-160A-4EFB-A2B3-D5B232D84225}"/>
+                </a:ext>
+              </a:extLst>
+            </p:cNvPr>
+            <p:cNvSpPr/>
+            <p:nvPr/>
+          </p:nvSpPr>
+          <p:spPr>
+            <a:xfrm>
+              <a:off x="7470554" y="3576970"/>
+              <a:ext cx="1296139" cy="1260629"/>
+            </a:xfrm>
+            <a:prstGeom prst="ellipse">
+              <a:avLst/>
+            </a:prstGeom>
+          </p:spPr>
+          <p:style>
+            <a:lnRef idx="2">
+              <a:schemeClr val="accent1">
+                <a:shade val="50000"/>
+              </a:schemeClr>
+            </a:lnRef>
+            <a:fillRef idx="1">
+              <a:schemeClr val="accent1"/>
+            </a:fillRef>
+            <a:effectRef idx="0">
+              <a:schemeClr val="accent1"/>
+            </a:effectRef>
+            <a:fontRef idx="minor">
+              <a:schemeClr val="lt1"/>
+            </a:fontRef>
+          </p:style>
+          <p:txBody>
+            <a:bodyPr rtlCol="0" anchor="ctr"/>
+            <a:lstStyle/>
+            <a:p>
+              <a:pPr algn="ctr"/>
+              <a:r>
+                <a:rPr lang="ja-JP" altLang="en-US" dirty="0"/>
+                <a:t>？の画像を読み込む予定</a:t>
+              </a:r>
+              <a:endParaRPr kumimoji="1" lang="ja-JP" altLang="en-US" dirty="0"/>
+            </a:p>
+          </p:txBody>
+        </p:sp>
+        <p:sp>
+          <p:nvSpPr>
+            <p:cNvPr id="13" name="矢印: 上カーブ 12">
+              <a:extLst>
+                <a:ext uri="{FF2B5EF4-FFF2-40B4-BE49-F238E27FC236}">
+                  <a16:creationId xmlns:a16="http://schemas.microsoft.com/office/drawing/2014/main" id="{585F1892-6660-4147-A83E-1EE920318942}"/>
+                </a:ext>
+              </a:extLst>
+            </p:cNvPr>
+            <p:cNvSpPr/>
+            <p:nvPr/>
+          </p:nvSpPr>
+          <p:spPr>
+            <a:xfrm>
+              <a:off x="2885244" y="4607815"/>
+              <a:ext cx="1797727" cy="369332"/>
+            </a:xfrm>
+            <a:prstGeom prst="curvedUpArrow">
+              <a:avLst>
+                <a:gd name="adj1" fmla="val 190531"/>
+                <a:gd name="adj2" fmla="val 190531"/>
+                <a:gd name="adj3" fmla="val 25000"/>
+              </a:avLst>
+            </a:prstGeom>
+            <a:solidFill>
+              <a:schemeClr val="accent4">
+                <a:lumMod val="60000"/>
+                <a:lumOff val="40000"/>
+              </a:schemeClr>
+            </a:solidFill>
+          </p:spPr>
+          <p:style>
+            <a:lnRef idx="2">
+              <a:schemeClr val="accent1">
+                <a:shade val="50000"/>
+              </a:schemeClr>
+            </a:lnRef>
+            <a:fillRef idx="1">
+              <a:schemeClr val="accent1"/>
+            </a:fillRef>
+            <a:effectRef idx="0">
+              <a:schemeClr val="accent1"/>
+            </a:effectRef>
+            <a:fontRef idx="minor">
+              <a:schemeClr val="lt1"/>
+            </a:fontRef>
+          </p:style>
+          <p:txBody>
+            <a:bodyPr rtlCol="0" anchor="ctr"/>
+            <a:lstStyle/>
+            <a:p>
+              <a:pPr algn="ctr"/>
+              <a:endParaRPr kumimoji="1" lang="ja-JP" altLang="en-US">
+                <a:solidFill>
+                  <a:schemeClr val="tx1"/>
+                </a:solidFill>
+              </a:endParaRPr>
+            </a:p>
+          </p:txBody>
+        </p:sp>
+        <p:sp>
+          <p:nvSpPr>
+            <p:cNvPr id="14" name="矢印: 上カーブ 13">
+              <a:extLst>
+                <a:ext uri="{FF2B5EF4-FFF2-40B4-BE49-F238E27FC236}">
+                  <a16:creationId xmlns:a16="http://schemas.microsoft.com/office/drawing/2014/main" id="{B9CD0591-2CA7-4E22-92D3-BC985F655519}"/>
+                </a:ext>
+              </a:extLst>
+            </p:cNvPr>
+            <p:cNvSpPr/>
+            <p:nvPr/>
+          </p:nvSpPr>
+          <p:spPr>
+            <a:xfrm>
+              <a:off x="5863699" y="4652933"/>
+              <a:ext cx="1797727" cy="369332"/>
+            </a:xfrm>
+            <a:prstGeom prst="curvedUpArrow">
+              <a:avLst>
+                <a:gd name="adj1" fmla="val 190531"/>
+                <a:gd name="adj2" fmla="val 190531"/>
+                <a:gd name="adj3" fmla="val 25000"/>
+              </a:avLst>
+            </a:prstGeom>
+            <a:solidFill>
+              <a:schemeClr val="accent4">
+                <a:lumMod val="60000"/>
+                <a:lumOff val="40000"/>
+              </a:schemeClr>
+            </a:solidFill>
+          </p:spPr>
+          <p:style>
+            <a:lnRef idx="2">
+              <a:schemeClr val="accent1">
+                <a:shade val="50000"/>
+              </a:schemeClr>
+            </a:lnRef>
+            <a:fillRef idx="1">
+              <a:schemeClr val="accent1"/>
+            </a:fillRef>
+            <a:effectRef idx="0">
+              <a:schemeClr val="accent1"/>
+            </a:effectRef>
+            <a:fontRef idx="minor">
+              <a:schemeClr val="lt1"/>
+            </a:fontRef>
+          </p:style>
+          <p:txBody>
+            <a:bodyPr rtlCol="0" anchor="ctr"/>
+            <a:lstStyle/>
+            <a:p>
+              <a:pPr algn="ctr"/>
+              <a:endParaRPr kumimoji="1" lang="ja-JP" altLang="en-US">
+                <a:solidFill>
+                  <a:schemeClr val="tx1"/>
+                </a:solidFill>
+              </a:endParaRPr>
+            </a:p>
+          </p:txBody>
+        </p:sp>
+      </p:grpSp>
+      <p:sp>
+        <p:nvSpPr>
+          <p:cNvPr id="16" name="テキスト ボックス 15">
+            <a:extLst>
+              <a:ext uri="{FF2B5EF4-FFF2-40B4-BE49-F238E27FC236}">
+                <a16:creationId xmlns:a16="http://schemas.microsoft.com/office/drawing/2014/main" id="{EAD140C4-19B0-40CF-8A7F-5B444A6FB643}"/>
+              </a:ext>
+            </a:extLst>
+          </p:cNvPr>
+          <p:cNvSpPr txBox="1"/>
+          <p:nvPr/>
+        </p:nvSpPr>
+        <p:spPr>
+          <a:xfrm>
+            <a:off x="2899068" y="4039114"/>
+            <a:ext cx="3159201" cy="369332"/>
+          </a:xfrm>
+          <a:prstGeom prst="rect">
+            <a:avLst/>
+          </a:prstGeom>
+          <a:noFill/>
+        </p:spPr>
+        <p:txBody>
+          <a:bodyPr wrap="square" rtlCol="0">
+            <a:spAutoFit/>
+          </a:bodyPr>
+          <a:lstStyle/>
+          <a:p>
+            <a:r>
+              <a:rPr kumimoji="1" lang="ja-JP" altLang="en-US" dirty="0">
+                <a:latin typeface="チェックポイント．（ピリオド）" panose="02000600000000000000" pitchFamily="50" charset="-128"/>
+                <a:ea typeface="チェックポイント．（ピリオド）" panose="02000600000000000000" pitchFamily="50" charset="-128"/>
+              </a:rPr>
+              <a:t>発展すると？</a:t>
+            </a:r>
+          </a:p>
+        </p:txBody>
+      </p:sp>
+      <p:sp>
+        <p:nvSpPr>
+          <p:cNvPr id="17" name="テキスト ボックス 16">
+            <a:extLst>
+              <a:ext uri="{FF2B5EF4-FFF2-40B4-BE49-F238E27FC236}">
+                <a16:creationId xmlns:a16="http://schemas.microsoft.com/office/drawing/2014/main" id="{35A6466D-48F7-44F6-AA87-CA2E29ED1A92}"/>
+              </a:ext>
+            </a:extLst>
+          </p:cNvPr>
+          <p:cNvSpPr txBox="1"/>
+          <p:nvPr/>
+        </p:nvSpPr>
+        <p:spPr>
+          <a:xfrm>
+            <a:off x="7605202" y="6234637"/>
+            <a:ext cx="5072849" cy="369332"/>
+          </a:xfrm>
+          <a:prstGeom prst="rect">
+            <a:avLst/>
+          </a:prstGeom>
+          <a:noFill/>
+        </p:spPr>
+        <p:txBody>
+          <a:bodyPr wrap="square" rtlCol="0">
+            <a:spAutoFit/>
+          </a:bodyPr>
+          <a:lstStyle/>
+          <a:p>
+            <a:r>
+              <a:rPr kumimoji="1" lang="ja-JP" altLang="en-US" dirty="0">
+                <a:latin typeface="チェックポイント．（ピリオド）" panose="02000600000000000000" pitchFamily="50" charset="-128"/>
+                <a:ea typeface="チェックポイント．（ピリオド）" panose="02000600000000000000" pitchFamily="50" charset="-128"/>
+              </a:rPr>
+              <a:t>惑星の見た目が変わっていく</a:t>
+            </a:r>
+          </a:p>
+        </p:txBody>
+      </p:sp>
+    </p:spTree>
+    <p:extLst>
+      <p:ext uri="{BB962C8B-B14F-4D97-AF65-F5344CB8AC3E}">
+        <p14:creationId xmlns:p14="http://schemas.microsoft.com/office/powerpoint/2010/main" val="2375847191"/>
       </p:ext>
     </p:extLst>
   </p:cSld>
@@ -7185,7 +7534,7 @@
           <p:cNvPr id="3" name="図 2" descr="物体 が含まれている画像&#10;&#10;自動的に生成された説明">
             <a:extLst>
               <a:ext uri="{FF2B5EF4-FFF2-40B4-BE49-F238E27FC236}">
-                <a16:creationId xmlns:a16="http://schemas.microsoft.com/office/drawing/2014/main" xmlns="" id="{69BA893B-4907-48D5-8940-A23E267BFE4C}"/>
+                <a16:creationId xmlns:a16="http://schemas.microsoft.com/office/drawing/2014/main" id="{69BA893B-4907-48D5-8940-A23E267BFE4C}"/>
               </a:ext>
             </a:extLst>
           </p:cNvPr>
@@ -7320,25 +7669,8 @@
                 <a:latin typeface="チェックポイント．（ピリオド）" panose="02000600000000000000" pitchFamily="50" charset="-128"/>
                 <a:ea typeface="チェックポイント．（ピリオド）" panose="02000600000000000000" pitchFamily="50" charset="-128"/>
               </a:rPr>
-              <a:t>を確認することが</a:t>
-            </a:r>
-            <a:r>
-              <a:rPr kumimoji="1" lang="ja-JP" altLang="en-US" dirty="0" smtClean="0">
-                <a:solidFill>
-                  <a:schemeClr val="tx1"/>
-                </a:solidFill>
-                <a:latin typeface="チェックポイント．（ピリオド）" panose="02000600000000000000" pitchFamily="50" charset="-128"/>
-                <a:ea typeface="チェックポイント．（ピリオド）" panose="02000600000000000000" pitchFamily="50" charset="-128"/>
-              </a:rPr>
-              <a:t>できます。</a:t>
-            </a:r>
-            <a:endParaRPr kumimoji="1" lang="ja-JP" altLang="en-US" dirty="0">
-              <a:solidFill>
-                <a:schemeClr val="tx1"/>
-              </a:solidFill>
-              <a:latin typeface="チェックポイント．（ピリオド）" panose="02000600000000000000" pitchFamily="50" charset="-128"/>
-              <a:ea typeface="チェックポイント．（ピリオド）" panose="02000600000000000000" pitchFamily="50" charset="-128"/>
-            </a:endParaRPr>
+              <a:t>を確認することができます。</a:t>
+            </a:r>
           </a:p>
         </p:txBody>
       </p:sp>
@@ -7537,27 +7869,7 @@
                 <a:latin typeface="チェックポイント．（ピリオド）" panose="02000600000000000000" pitchFamily="50" charset="-128"/>
                 <a:ea typeface="チェックポイント．（ピリオド）" panose="02000600000000000000" pitchFamily="50" charset="-128"/>
               </a:rPr>
-              <a:t>コア</a:t>
-            </a:r>
-            <a:r>
-              <a:rPr lang="ja-JP" altLang="en-US" dirty="0" smtClean="0">
-                <a:solidFill>
-                  <a:srgbClr val="FF0000"/>
-                </a:solidFill>
-                <a:latin typeface="チェックポイント．（ピリオド）" panose="02000600000000000000" pitchFamily="50" charset="-128"/>
-                <a:ea typeface="チェックポイント．（ピリオド）" panose="02000600000000000000" pitchFamily="50" charset="-128"/>
-              </a:rPr>
-              <a:t>によるポッドのステータス</a:t>
-            </a:r>
-            <a:r>
-              <a:rPr lang="ja-JP" altLang="en-US" dirty="0">
-                <a:solidFill>
-                  <a:srgbClr val="FF0000"/>
-                </a:solidFill>
-                <a:latin typeface="チェックポイント．（ピリオド）" panose="02000600000000000000" pitchFamily="50" charset="-128"/>
-                <a:ea typeface="チェックポイント．（ピリオド）" panose="02000600000000000000" pitchFamily="50" charset="-128"/>
-              </a:rPr>
-              <a:t>補正値</a:t>
+              <a:t>コアによるポッドのステータス補正値</a:t>
             </a:r>
             <a:r>
               <a:rPr lang="ja-JP" altLang="en-US" dirty="0">
@@ -7760,7 +8072,7 @@
           <p:cNvPr id="13" name="正方形/長方形 12">
             <a:extLst>
               <a:ext uri="{FF2B5EF4-FFF2-40B4-BE49-F238E27FC236}">
-                <a16:creationId xmlns:a16="http://schemas.microsoft.com/office/drawing/2014/main" xmlns="" id="{A37BEE43-2066-46D6-8830-D8556B22304D}"/>
+                <a16:creationId xmlns:a16="http://schemas.microsoft.com/office/drawing/2014/main" id="{A37BEE43-2066-46D6-8830-D8556B22304D}"/>
               </a:ext>
             </a:extLst>
           </p:cNvPr>
@@ -7812,7 +8124,7 @@
           <p:cNvPr id="14" name="正方形/長方形 13">
             <a:extLst>
               <a:ext uri="{FF2B5EF4-FFF2-40B4-BE49-F238E27FC236}">
-                <a16:creationId xmlns:a16="http://schemas.microsoft.com/office/drawing/2014/main" xmlns="" id="{BA56A8B8-81E8-409C-8A37-384626294E40}"/>
+                <a16:creationId xmlns:a16="http://schemas.microsoft.com/office/drawing/2014/main" id="{BA56A8B8-81E8-409C-8A37-384626294E40}"/>
               </a:ext>
             </a:extLst>
           </p:cNvPr>
@@ -7864,7 +8176,7 @@
           <p:cNvPr id="15" name="正方形/長方形 14">
             <a:extLst>
               <a:ext uri="{FF2B5EF4-FFF2-40B4-BE49-F238E27FC236}">
-                <a16:creationId xmlns:a16="http://schemas.microsoft.com/office/drawing/2014/main" xmlns="" id="{AF0DEFD2-0EA7-416C-9349-A86003C1114B}"/>
+                <a16:creationId xmlns:a16="http://schemas.microsoft.com/office/drawing/2014/main" id="{AF0DEFD2-0EA7-416C-9349-A86003C1114B}"/>
               </a:ext>
             </a:extLst>
           </p:cNvPr>
@@ -7916,7 +8228,7 @@
           <p:cNvPr id="18" name="正方形/長方形 17">
             <a:extLst>
               <a:ext uri="{FF2B5EF4-FFF2-40B4-BE49-F238E27FC236}">
-                <a16:creationId xmlns:a16="http://schemas.microsoft.com/office/drawing/2014/main" xmlns="" id="{DFCE669F-B98A-49D5-9CD8-578BB88718CC}"/>
+                <a16:creationId xmlns:a16="http://schemas.microsoft.com/office/drawing/2014/main" id="{DFCE669F-B98A-49D5-9CD8-578BB88718CC}"/>
               </a:ext>
             </a:extLst>
           </p:cNvPr>
@@ -7973,13 +8285,6 @@
   <p:clrMapOvr>
     <a:masterClrMapping/>
   </p:clrMapOvr>
-  <p:timing>
-    <p:tnLst>
-      <p:par>
-        <p:cTn id="1" dur="indefinite" restart="never" nodeType="tmRoot"/>
-      </p:par>
-    </p:tnLst>
-  </p:timing>
 </p:sld>
 </file>
 
@@ -8005,7 +8310,7 @@
           <p:cNvPr id="3" name="図 2" descr="テキスト, スコアボード, 屋外, 標識 が含まれている画像&#10;&#10;自動的に生成された説明">
             <a:extLst>
               <a:ext uri="{FF2B5EF4-FFF2-40B4-BE49-F238E27FC236}">
-                <a16:creationId xmlns:a16="http://schemas.microsoft.com/office/drawing/2014/main" xmlns="" id="{D1EC1C6B-8E37-484B-BC32-54F28F2C22FE}"/>
+                <a16:creationId xmlns:a16="http://schemas.microsoft.com/office/drawing/2014/main" id="{D1EC1C6B-8E37-484B-BC32-54F28F2C22FE}"/>
               </a:ext>
             </a:extLst>
           </p:cNvPr>
@@ -8530,7 +8835,7 @@
           <p:cNvPr id="10" name="正方形/長方形 9">
             <a:extLst>
               <a:ext uri="{FF2B5EF4-FFF2-40B4-BE49-F238E27FC236}">
-                <a16:creationId xmlns:a16="http://schemas.microsoft.com/office/drawing/2014/main" xmlns="" id="{6FFE011D-710D-4A4F-9825-141048483DC9}"/>
+                <a16:creationId xmlns:a16="http://schemas.microsoft.com/office/drawing/2014/main" id="{6FFE011D-710D-4A4F-9825-141048483DC9}"/>
               </a:ext>
             </a:extLst>
           </p:cNvPr>
@@ -8582,7 +8887,7 @@
           <p:cNvPr id="11" name="正方形/長方形 10">
             <a:extLst>
               <a:ext uri="{FF2B5EF4-FFF2-40B4-BE49-F238E27FC236}">
-                <a16:creationId xmlns:a16="http://schemas.microsoft.com/office/drawing/2014/main" xmlns="" id="{E20945F6-E8A3-4843-8AA8-C3CA375AAF01}"/>
+                <a16:creationId xmlns:a16="http://schemas.microsoft.com/office/drawing/2014/main" id="{E20945F6-E8A3-4843-8AA8-C3CA375AAF01}"/>
               </a:ext>
             </a:extLst>
           </p:cNvPr>
@@ -8634,7 +8939,7 @@
           <p:cNvPr id="12" name="正方形/長方形 11">
             <a:extLst>
               <a:ext uri="{FF2B5EF4-FFF2-40B4-BE49-F238E27FC236}">
-                <a16:creationId xmlns:a16="http://schemas.microsoft.com/office/drawing/2014/main" xmlns="" id="{7A027602-FE49-443B-B979-695A16DF3603}"/>
+                <a16:creationId xmlns:a16="http://schemas.microsoft.com/office/drawing/2014/main" id="{7A027602-FE49-443B-B979-695A16DF3603}"/>
               </a:ext>
             </a:extLst>
           </p:cNvPr>
@@ -8686,7 +8991,7 @@
           <p:cNvPr id="13" name="正方形/長方形 12">
             <a:extLst>
               <a:ext uri="{FF2B5EF4-FFF2-40B4-BE49-F238E27FC236}">
-                <a16:creationId xmlns:a16="http://schemas.microsoft.com/office/drawing/2014/main" xmlns="" id="{6D5653B2-A431-4E41-A84C-D2D0A59D8FFF}"/>
+                <a16:creationId xmlns:a16="http://schemas.microsoft.com/office/drawing/2014/main" id="{6D5653B2-A431-4E41-A84C-D2D0A59D8FFF}"/>
               </a:ext>
             </a:extLst>
           </p:cNvPr>
@@ -8738,7 +9043,7 @@
           <p:cNvPr id="15" name="正方形/長方形 14">
             <a:extLst>
               <a:ext uri="{FF2B5EF4-FFF2-40B4-BE49-F238E27FC236}">
-                <a16:creationId xmlns:a16="http://schemas.microsoft.com/office/drawing/2014/main" xmlns="" id="{E0E6CB0D-AD4F-4358-8DF1-ECAD7B65F9F5}"/>
+                <a16:creationId xmlns:a16="http://schemas.microsoft.com/office/drawing/2014/main" id="{E0E6CB0D-AD4F-4358-8DF1-ECAD7B65F9F5}"/>
               </a:ext>
             </a:extLst>
           </p:cNvPr>
@@ -8790,7 +9095,7 @@
           <p:cNvPr id="16" name="四角形吹き出し 4">
             <a:extLst>
               <a:ext uri="{FF2B5EF4-FFF2-40B4-BE49-F238E27FC236}">
-                <a16:creationId xmlns:a16="http://schemas.microsoft.com/office/drawing/2014/main" xmlns="" id="{63DDAF72-AE4E-4AAC-AC6F-2CCD1ADC7265}"/>
+                <a16:creationId xmlns:a16="http://schemas.microsoft.com/office/drawing/2014/main" id="{63DDAF72-AE4E-4AAC-AC6F-2CCD1ADC7265}"/>
               </a:ext>
             </a:extLst>
           </p:cNvPr>
@@ -8861,13 +9166,6 @@
   <p:clrMapOvr>
     <a:masterClrMapping/>
   </p:clrMapOvr>
-  <p:timing>
-    <p:tnLst>
-      <p:par>
-        <p:cTn id="1" dur="indefinite" restart="never" nodeType="tmRoot"/>
-      </p:par>
-    </p:tnLst>
-  </p:timing>
 </p:sld>
 </file>
 
@@ -8893,7 +9191,7 @@
           <p:cNvPr id="3" name="図 2" descr="テキスト, 標識, 通り, 屋外 が含まれている画像&#10;&#10;自動的に生成された説明">
             <a:extLst>
               <a:ext uri="{FF2B5EF4-FFF2-40B4-BE49-F238E27FC236}">
-                <a16:creationId xmlns:a16="http://schemas.microsoft.com/office/drawing/2014/main" xmlns="" id="{EB877469-AC96-48FE-9472-8035C84EFB97}"/>
+                <a16:creationId xmlns:a16="http://schemas.microsoft.com/office/drawing/2014/main" id="{EB877469-AC96-48FE-9472-8035C84EFB97}"/>
               </a:ext>
             </a:extLst>
           </p:cNvPr>
@@ -9235,20 +9533,10 @@
                 <a:latin typeface="チェックポイント．（ピリオド）" panose="02000600000000000000" pitchFamily="50" charset="-128"/>
                 <a:ea typeface="チェックポイント．（ピリオド）" panose="02000600000000000000" pitchFamily="50" charset="-128"/>
               </a:rPr>
-              <a:t>攻撃力が</a:t>
-            </a:r>
-            <a:r>
-              <a:rPr lang="ja-JP" altLang="en-US" dirty="0" smtClean="0">
-                <a:solidFill>
-                  <a:srgbClr val="FF0000"/>
-                </a:solidFill>
-                <a:latin typeface="チェックポイント．（ピリオド）" panose="02000600000000000000" pitchFamily="50" charset="-128"/>
-                <a:ea typeface="チェックポイント．（ピリオド）" panose="02000600000000000000" pitchFamily="50" charset="-128"/>
-              </a:rPr>
-              <a:t>アップ</a:t>
-            </a:r>
-            <a:r>
-              <a:rPr lang="ja-JP" altLang="en-US" dirty="0" smtClean="0">
+              <a:t>攻撃力がアップ</a:t>
+            </a:r>
+            <a:r>
+              <a:rPr lang="ja-JP" altLang="en-US" dirty="0">
                 <a:solidFill>
                   <a:schemeClr val="tx1"/>
                 </a:solidFill>
@@ -9311,7 +9599,7 @@
           <p:cNvPr id="8" name="正方形/長方形 7">
             <a:extLst>
               <a:ext uri="{FF2B5EF4-FFF2-40B4-BE49-F238E27FC236}">
-                <a16:creationId xmlns:a16="http://schemas.microsoft.com/office/drawing/2014/main" xmlns="" id="{F7BE2C32-C21E-4467-87D2-8052D2B5FDA7}"/>
+                <a16:creationId xmlns:a16="http://schemas.microsoft.com/office/drawing/2014/main" id="{F7BE2C32-C21E-4467-87D2-8052D2B5FDA7}"/>
               </a:ext>
             </a:extLst>
           </p:cNvPr>
@@ -9363,7 +9651,7 @@
           <p:cNvPr id="12" name="正方形/長方形 11">
             <a:extLst>
               <a:ext uri="{FF2B5EF4-FFF2-40B4-BE49-F238E27FC236}">
-                <a16:creationId xmlns:a16="http://schemas.microsoft.com/office/drawing/2014/main" xmlns="" id="{40ABF9C2-DF54-4877-A01A-A46FE482F6B4}"/>
+                <a16:creationId xmlns:a16="http://schemas.microsoft.com/office/drawing/2014/main" id="{40ABF9C2-DF54-4877-A01A-A46FE482F6B4}"/>
               </a:ext>
             </a:extLst>
           </p:cNvPr>
@@ -9415,7 +9703,7 @@
           <p:cNvPr id="14" name="正方形/長方形 13">
             <a:extLst>
               <a:ext uri="{FF2B5EF4-FFF2-40B4-BE49-F238E27FC236}">
-                <a16:creationId xmlns:a16="http://schemas.microsoft.com/office/drawing/2014/main" xmlns="" id="{04C836FE-EE43-45CD-B4BE-F7E0ABEE0088}"/>
+                <a16:creationId xmlns:a16="http://schemas.microsoft.com/office/drawing/2014/main" id="{04C836FE-EE43-45CD-B4BE-F7E0ABEE0088}"/>
               </a:ext>
             </a:extLst>
           </p:cNvPr>
@@ -9467,7 +9755,7 @@
           <p:cNvPr id="16" name="吹き出し: 四角形 15">
             <a:extLst>
               <a:ext uri="{FF2B5EF4-FFF2-40B4-BE49-F238E27FC236}">
-                <a16:creationId xmlns:a16="http://schemas.microsoft.com/office/drawing/2014/main" xmlns="" id="{3ECE61CD-6BC4-463C-897C-903CC3F098F0}"/>
+                <a16:creationId xmlns:a16="http://schemas.microsoft.com/office/drawing/2014/main" id="{3ECE61CD-6BC4-463C-897C-903CC3F098F0}"/>
               </a:ext>
             </a:extLst>
           </p:cNvPr>
@@ -9536,13 +9824,6 @@
   <p:clrMapOvr>
     <a:masterClrMapping/>
   </p:clrMapOvr>
-  <p:timing>
-    <p:tnLst>
-      <p:par>
-        <p:cTn id="1" dur="indefinite" restart="never" nodeType="tmRoot"/>
-      </p:par>
-    </p:tnLst>
-  </p:timing>
 </p:sld>
 </file>
 
@@ -9568,7 +9849,7 @@
           <p:cNvPr id="5" name="図 4">
             <a:extLst>
               <a:ext uri="{FF2B5EF4-FFF2-40B4-BE49-F238E27FC236}">
-                <a16:creationId xmlns:a16="http://schemas.microsoft.com/office/drawing/2014/main" xmlns="" id="{165CE0B9-374D-46A3-97C1-E7AFAFB5DEDF}"/>
+                <a16:creationId xmlns:a16="http://schemas.microsoft.com/office/drawing/2014/main" id="{165CE0B9-374D-46A3-97C1-E7AFAFB5DEDF}"/>
               </a:ext>
             </a:extLst>
           </p:cNvPr>
@@ -9603,7 +9884,7 @@
           <p:cNvPr id="6" name="テキスト ボックス 5">
             <a:extLst>
               <a:ext uri="{FF2B5EF4-FFF2-40B4-BE49-F238E27FC236}">
-                <a16:creationId xmlns:a16="http://schemas.microsoft.com/office/drawing/2014/main" xmlns="" id="{EEBBDC81-60E0-49FD-9EFB-874F038CCD29}"/>
+                <a16:creationId xmlns:a16="http://schemas.microsoft.com/office/drawing/2014/main" id="{EEBBDC81-60E0-49FD-9EFB-874F038CCD29}"/>
               </a:ext>
             </a:extLst>
           </p:cNvPr>
@@ -9655,7 +9936,7 @@
           <p:cNvPr id="12" name="グループ化 11">
             <a:extLst>
               <a:ext uri="{FF2B5EF4-FFF2-40B4-BE49-F238E27FC236}">
-                <a16:creationId xmlns:a16="http://schemas.microsoft.com/office/drawing/2014/main" xmlns="" id="{797C4648-EAB3-4303-9BBE-4050E32CDCAC}"/>
+                <a16:creationId xmlns:a16="http://schemas.microsoft.com/office/drawing/2014/main" id="{797C4648-EAB3-4303-9BBE-4050E32CDCAC}"/>
               </a:ext>
             </a:extLst>
           </p:cNvPr>
@@ -9675,7 +9956,7 @@
             <p:cNvPr id="8" name="テキスト ボックス 7">
               <a:extLst>
                 <a:ext uri="{FF2B5EF4-FFF2-40B4-BE49-F238E27FC236}">
-                  <a16:creationId xmlns:a16="http://schemas.microsoft.com/office/drawing/2014/main" xmlns="" id="{732F859C-017C-4DF8-8D5C-BAFB7C322941}"/>
+                  <a16:creationId xmlns:a16="http://schemas.microsoft.com/office/drawing/2014/main" id="{732F859C-017C-4DF8-8D5C-BAFB7C322941}"/>
                 </a:ext>
               </a:extLst>
             </p:cNvPr>
@@ -9716,7 +9997,7 @@
             <p:cNvPr id="9" name="テキスト ボックス 8">
               <a:extLst>
                 <a:ext uri="{FF2B5EF4-FFF2-40B4-BE49-F238E27FC236}">
-                  <a16:creationId xmlns:a16="http://schemas.microsoft.com/office/drawing/2014/main" xmlns="" id="{8712CBD0-DD3F-4A86-9652-7FFA75AD120B}"/>
+                  <a16:creationId xmlns:a16="http://schemas.microsoft.com/office/drawing/2014/main" id="{8712CBD0-DD3F-4A86-9652-7FFA75AD120B}"/>
                 </a:ext>
               </a:extLst>
             </p:cNvPr>
@@ -9751,14 +10032,7 @@
                   <a:latin typeface="チェックポイント．（ピリオド）" panose="02000600000000000000" pitchFamily="50" charset="-128"/>
                   <a:ea typeface="チェックポイント．（ピリオド）" panose="02000600000000000000" pitchFamily="50" charset="-128"/>
                 </a:rPr>
-                <a:t>攻撃力を上げることが</a:t>
-              </a:r>
-              <a:r>
-                <a:rPr lang="ja-JP" altLang="en-US" dirty="0" smtClean="0">
-                  <a:latin typeface="チェックポイント．（ピリオド）" panose="02000600000000000000" pitchFamily="50" charset="-128"/>
-                  <a:ea typeface="チェックポイント．（ピリオド）" panose="02000600000000000000" pitchFamily="50" charset="-128"/>
-                </a:rPr>
-                <a:t>出来ます。</a:t>
+                <a:t>攻撃力を上げることが出来ます。</a:t>
               </a:r>
               <a:endParaRPr kumimoji="1" lang="en-US" altLang="ja-JP" dirty="0">
                 <a:latin typeface="チェックポイント．（ピリオド）" panose="02000600000000000000" pitchFamily="50" charset="-128"/>
@@ -9771,14 +10045,7 @@
                   <a:latin typeface="チェックポイント．（ピリオド）" panose="02000600000000000000" pitchFamily="50" charset="-128"/>
                   <a:ea typeface="チェックポイント．（ピリオド）" panose="02000600000000000000" pitchFamily="50" charset="-128"/>
                 </a:rPr>
-                <a:t>コアは四種類あり各属性のレベルを上げて戦闘を有利に</a:t>
-              </a:r>
-              <a:r>
-                <a:rPr lang="ja-JP" altLang="en-US" dirty="0" smtClean="0">
-                  <a:latin typeface="チェックポイント．（ピリオド）" panose="02000600000000000000" pitchFamily="50" charset="-128"/>
-                  <a:ea typeface="チェックポイント．（ピリオド）" panose="02000600000000000000" pitchFamily="50" charset="-128"/>
-                </a:rPr>
-                <a:t>進めてください。</a:t>
+                <a:t>コアは四種類あり各属性のレベルを上げて戦闘を有利に進めてください。</a:t>
               </a:r>
               <a:endParaRPr kumimoji="1" lang="ja-JP" altLang="en-US" dirty="0">
                 <a:latin typeface="チェックポイント．（ピリオド）" panose="02000600000000000000" pitchFamily="50" charset="-128"/>
@@ -9793,7 +10060,7 @@
           <p:cNvPr id="13" name="グループ化 12">
             <a:extLst>
               <a:ext uri="{FF2B5EF4-FFF2-40B4-BE49-F238E27FC236}">
-                <a16:creationId xmlns:a16="http://schemas.microsoft.com/office/drawing/2014/main" xmlns="" id="{DED0F105-29CA-4D82-BF68-6B4A196F19AA}"/>
+                <a16:creationId xmlns:a16="http://schemas.microsoft.com/office/drawing/2014/main" id="{DED0F105-29CA-4D82-BF68-6B4A196F19AA}"/>
               </a:ext>
             </a:extLst>
           </p:cNvPr>
@@ -9813,7 +10080,7 @@
             <p:cNvPr id="7" name="テキスト ボックス 6">
               <a:extLst>
                 <a:ext uri="{FF2B5EF4-FFF2-40B4-BE49-F238E27FC236}">
-                  <a16:creationId xmlns:a16="http://schemas.microsoft.com/office/drawing/2014/main" xmlns="" id="{54618E3D-3C8D-4D29-8362-5B6918855191}"/>
+                  <a16:creationId xmlns:a16="http://schemas.microsoft.com/office/drawing/2014/main" id="{54618E3D-3C8D-4D29-8362-5B6918855191}"/>
                 </a:ext>
               </a:extLst>
             </p:cNvPr>
@@ -9854,7 +10121,7 @@
             <p:cNvPr id="11" name="テキスト ボックス 10">
               <a:extLst>
                 <a:ext uri="{FF2B5EF4-FFF2-40B4-BE49-F238E27FC236}">
-                  <a16:creationId xmlns:a16="http://schemas.microsoft.com/office/drawing/2014/main" xmlns="" id="{6825228E-EBCE-401A-B0BC-7661792A6F00}"/>
+                  <a16:creationId xmlns:a16="http://schemas.microsoft.com/office/drawing/2014/main" id="{6825228E-EBCE-401A-B0BC-7661792A6F00}"/>
                 </a:ext>
               </a:extLst>
             </p:cNvPr>
@@ -9971,13 +10238,6 @@
   <p:clrMapOvr>
     <a:masterClrMapping/>
   </p:clrMapOvr>
-  <p:timing>
-    <p:tnLst>
-      <p:par>
-        <p:cTn id="1" dur="indefinite" restart="never" nodeType="tmRoot"/>
-      </p:par>
-    </p:tnLst>
-  </p:timing>
 </p:sld>
 </file>
 
@@ -10003,7 +10263,7 @@
           <p:cNvPr id="5" name="テキスト ボックス 4">
             <a:extLst>
               <a:ext uri="{FF2B5EF4-FFF2-40B4-BE49-F238E27FC236}">
-                <a16:creationId xmlns:a16="http://schemas.microsoft.com/office/drawing/2014/main" xmlns="" id="{3EEDA683-E7C7-4A3A-9045-88BF1220584E}"/>
+                <a16:creationId xmlns:a16="http://schemas.microsoft.com/office/drawing/2014/main" id="{3EEDA683-E7C7-4A3A-9045-88BF1220584E}"/>
               </a:ext>
             </a:extLst>
           </p:cNvPr>
@@ -10055,7 +10315,7 @@
           <p:cNvPr id="6" name="テキスト ボックス 5">
             <a:extLst>
               <a:ext uri="{FF2B5EF4-FFF2-40B4-BE49-F238E27FC236}">
-                <a16:creationId xmlns:a16="http://schemas.microsoft.com/office/drawing/2014/main" xmlns="" id="{C9FCE914-94E5-4B3F-B2D2-96FDE0E6E9D8}"/>
+                <a16:creationId xmlns:a16="http://schemas.microsoft.com/office/drawing/2014/main" id="{C9FCE914-94E5-4B3F-B2D2-96FDE0E6E9D8}"/>
               </a:ext>
             </a:extLst>
           </p:cNvPr>
@@ -10086,25 +10346,8 @@
                 <a:latin typeface="チェックポイント．（ピリオド）" panose="02000600000000000000" pitchFamily="50" charset="-128"/>
                 <a:ea typeface="チェックポイント．（ピリオド）" panose="02000600000000000000" pitchFamily="50" charset="-128"/>
               </a:rPr>
-              <a:t>ポッドに</a:t>
-            </a:r>
-            <a:r>
-              <a:rPr kumimoji="1" lang="ja-JP" altLang="en-US" sz="2800" dirty="0" smtClean="0">
-                <a:solidFill>
-                  <a:srgbClr val="FF0000"/>
-                </a:solidFill>
-                <a:latin typeface="チェックポイント．（ピリオド）" panose="02000600000000000000" pitchFamily="50" charset="-128"/>
-                <a:ea typeface="チェックポイント．（ピリオド）" panose="02000600000000000000" pitchFamily="50" charset="-128"/>
-              </a:rPr>
-              <a:t>ついて</a:t>
-            </a:r>
-            <a:endParaRPr kumimoji="1" lang="ja-JP" altLang="en-US" sz="2800" dirty="0">
-              <a:solidFill>
-                <a:srgbClr val="FF0000"/>
-              </a:solidFill>
-              <a:latin typeface="チェックポイント．（ピリオド）" panose="02000600000000000000" pitchFamily="50" charset="-128"/>
-              <a:ea typeface="チェックポイント．（ピリオド）" panose="02000600000000000000" pitchFamily="50" charset="-128"/>
-            </a:endParaRPr>
+              <a:t>ポッドについて</a:t>
+            </a:r>
           </a:p>
         </p:txBody>
       </p:sp>
@@ -10113,7 +10356,7 @@
           <p:cNvPr id="7" name="テキスト ボックス 6">
             <a:extLst>
               <a:ext uri="{FF2B5EF4-FFF2-40B4-BE49-F238E27FC236}">
-                <a16:creationId xmlns:a16="http://schemas.microsoft.com/office/drawing/2014/main" xmlns="" id="{1A509F0D-124D-47C4-B5CD-4B9B8064082C}"/>
+                <a16:creationId xmlns:a16="http://schemas.microsoft.com/office/drawing/2014/main" id="{1A509F0D-124D-47C4-B5CD-4B9B8064082C}"/>
               </a:ext>
             </a:extLst>
           </p:cNvPr>
@@ -10164,7 +10407,7 @@
           <p:cNvPr id="8" name="テキスト ボックス 7">
             <a:extLst>
               <a:ext uri="{FF2B5EF4-FFF2-40B4-BE49-F238E27FC236}">
-                <a16:creationId xmlns:a16="http://schemas.microsoft.com/office/drawing/2014/main" xmlns="" id="{5F463387-8D23-460A-80ED-50E81FAAF3D9}"/>
+                <a16:creationId xmlns:a16="http://schemas.microsoft.com/office/drawing/2014/main" id="{5F463387-8D23-460A-80ED-50E81FAAF3D9}"/>
               </a:ext>
             </a:extLst>
           </p:cNvPr>
@@ -10225,7 +10468,7 @@
           <p:cNvPr id="9" name="テキスト ボックス 8">
             <a:extLst>
               <a:ext uri="{FF2B5EF4-FFF2-40B4-BE49-F238E27FC236}">
-                <a16:creationId xmlns:a16="http://schemas.microsoft.com/office/drawing/2014/main" xmlns="" id="{3E1D3977-A1EE-4011-94E0-9B60C81CA553}"/>
+                <a16:creationId xmlns:a16="http://schemas.microsoft.com/office/drawing/2014/main" id="{3E1D3977-A1EE-4011-94E0-9B60C81CA553}"/>
               </a:ext>
             </a:extLst>
           </p:cNvPr>
@@ -10314,7 +10557,7 @@
           <p:cNvPr id="41" name="グループ化 40">
             <a:extLst>
               <a:ext uri="{FF2B5EF4-FFF2-40B4-BE49-F238E27FC236}">
-                <a16:creationId xmlns:a16="http://schemas.microsoft.com/office/drawing/2014/main" xmlns="" id="{C42471E9-CEF7-4DD0-B2B9-A37027252951}"/>
+                <a16:creationId xmlns:a16="http://schemas.microsoft.com/office/drawing/2014/main" id="{C42471E9-CEF7-4DD0-B2B9-A37027252951}"/>
               </a:ext>
             </a:extLst>
           </p:cNvPr>
@@ -10334,7 +10577,7 @@
             <p:cNvPr id="22" name="グループ化 21">
               <a:extLst>
                 <a:ext uri="{FF2B5EF4-FFF2-40B4-BE49-F238E27FC236}">
-                  <a16:creationId xmlns:a16="http://schemas.microsoft.com/office/drawing/2014/main" xmlns="" id="{7D6E456E-2E26-4492-9279-169842641548}"/>
+                  <a16:creationId xmlns:a16="http://schemas.microsoft.com/office/drawing/2014/main" id="{7D6E456E-2E26-4492-9279-169842641548}"/>
                 </a:ext>
               </a:extLst>
             </p:cNvPr>
@@ -10354,7 +10597,7 @@
               <p:cNvPr id="11" name="図 10" descr="物体 が含まれている画像&#10;&#10;自動的に生成された説明">
                 <a:extLst>
                   <a:ext uri="{FF2B5EF4-FFF2-40B4-BE49-F238E27FC236}">
-                    <a16:creationId xmlns:a16="http://schemas.microsoft.com/office/drawing/2014/main" xmlns="" id="{9E2F2156-5A3C-4670-A7BB-42FF8EF7E4F0}"/>
+                    <a16:creationId xmlns:a16="http://schemas.microsoft.com/office/drawing/2014/main" id="{9E2F2156-5A3C-4670-A7BB-42FF8EF7E4F0}"/>
                   </a:ext>
                 </a:extLst>
               </p:cNvPr>
@@ -10390,7 +10633,7 @@
               <p:cNvPr id="18" name="テキスト ボックス 17">
                 <a:extLst>
                   <a:ext uri="{FF2B5EF4-FFF2-40B4-BE49-F238E27FC236}">
-                    <a16:creationId xmlns:a16="http://schemas.microsoft.com/office/drawing/2014/main" xmlns="" id="{85DB17C7-0CA8-4460-8B6A-1BBCF3C5CA75}"/>
+                    <a16:creationId xmlns:a16="http://schemas.microsoft.com/office/drawing/2014/main" id="{85DB17C7-0CA8-4460-8B6A-1BBCF3C5CA75}"/>
                   </a:ext>
                 </a:extLst>
               </p:cNvPr>
@@ -10429,7 +10672,7 @@
             <p:cNvPr id="23" name="グループ化 22">
               <a:extLst>
                 <a:ext uri="{FF2B5EF4-FFF2-40B4-BE49-F238E27FC236}">
-                  <a16:creationId xmlns:a16="http://schemas.microsoft.com/office/drawing/2014/main" xmlns="" id="{8FA97864-B0AC-4C37-AB57-3F511EE9B20A}"/>
+                  <a16:creationId xmlns:a16="http://schemas.microsoft.com/office/drawing/2014/main" id="{8FA97864-B0AC-4C37-AB57-3F511EE9B20A}"/>
                 </a:ext>
               </a:extLst>
             </p:cNvPr>
@@ -10449,7 +10692,7 @@
               <p:cNvPr id="13" name="図 12" descr="物体 が含まれている画像&#10;&#10;自動的に生成された説明">
                 <a:extLst>
                   <a:ext uri="{FF2B5EF4-FFF2-40B4-BE49-F238E27FC236}">
-                    <a16:creationId xmlns:a16="http://schemas.microsoft.com/office/drawing/2014/main" xmlns="" id="{539F0BC8-41E3-4ADD-9459-BE0E2D7ABA27}"/>
+                    <a16:creationId xmlns:a16="http://schemas.microsoft.com/office/drawing/2014/main" id="{539F0BC8-41E3-4ADD-9459-BE0E2D7ABA27}"/>
                   </a:ext>
                 </a:extLst>
               </p:cNvPr>
@@ -10485,7 +10728,7 @@
               <p:cNvPr id="19" name="テキスト ボックス 18">
                 <a:extLst>
                   <a:ext uri="{FF2B5EF4-FFF2-40B4-BE49-F238E27FC236}">
-                    <a16:creationId xmlns:a16="http://schemas.microsoft.com/office/drawing/2014/main" xmlns="" id="{9D08D78F-597A-41C6-9E61-E721135C20D1}"/>
+                    <a16:creationId xmlns:a16="http://schemas.microsoft.com/office/drawing/2014/main" id="{9D08D78F-597A-41C6-9E61-E721135C20D1}"/>
                   </a:ext>
                 </a:extLst>
               </p:cNvPr>
@@ -10524,7 +10767,7 @@
             <p:cNvPr id="25" name="グループ化 24">
               <a:extLst>
                 <a:ext uri="{FF2B5EF4-FFF2-40B4-BE49-F238E27FC236}">
-                  <a16:creationId xmlns:a16="http://schemas.microsoft.com/office/drawing/2014/main" xmlns="" id="{8F6624A7-F895-493A-8055-873B48C8C19C}"/>
+                  <a16:creationId xmlns:a16="http://schemas.microsoft.com/office/drawing/2014/main" id="{8F6624A7-F895-493A-8055-873B48C8C19C}"/>
                 </a:ext>
               </a:extLst>
             </p:cNvPr>
@@ -10544,7 +10787,7 @@
               <p:cNvPr id="15" name="図 14" descr="物体, 腕時計 が含まれている画像&#10;&#10;自動的に生成された説明">
                 <a:extLst>
                   <a:ext uri="{FF2B5EF4-FFF2-40B4-BE49-F238E27FC236}">
-                    <a16:creationId xmlns:a16="http://schemas.microsoft.com/office/drawing/2014/main" xmlns="" id="{53299244-26D0-4173-ACC6-BD241C768849}"/>
+                    <a16:creationId xmlns:a16="http://schemas.microsoft.com/office/drawing/2014/main" id="{53299244-26D0-4173-ACC6-BD241C768849}"/>
                   </a:ext>
                 </a:extLst>
               </p:cNvPr>
@@ -10580,7 +10823,7 @@
               <p:cNvPr id="20" name="テキスト ボックス 19">
                 <a:extLst>
                   <a:ext uri="{FF2B5EF4-FFF2-40B4-BE49-F238E27FC236}">
-                    <a16:creationId xmlns:a16="http://schemas.microsoft.com/office/drawing/2014/main" xmlns="" id="{BF9D5B9B-9876-443A-BE29-B4828D0A5D74}"/>
+                    <a16:creationId xmlns:a16="http://schemas.microsoft.com/office/drawing/2014/main" id="{BF9D5B9B-9876-443A-BE29-B4828D0A5D74}"/>
                   </a:ext>
                 </a:extLst>
               </p:cNvPr>
@@ -10619,7 +10862,7 @@
             <p:cNvPr id="26" name="グループ化 25">
               <a:extLst>
                 <a:ext uri="{FF2B5EF4-FFF2-40B4-BE49-F238E27FC236}">
-                  <a16:creationId xmlns:a16="http://schemas.microsoft.com/office/drawing/2014/main" xmlns="" id="{D317981A-38A9-4594-9159-8C77F7F6D8B4}"/>
+                  <a16:creationId xmlns:a16="http://schemas.microsoft.com/office/drawing/2014/main" id="{D317981A-38A9-4594-9159-8C77F7F6D8B4}"/>
                 </a:ext>
               </a:extLst>
             </p:cNvPr>
@@ -10639,7 +10882,7 @@
               <p:cNvPr id="17" name="図 16" descr="物体 が含まれている画像&#10;&#10;自動的に生成された説明">
                 <a:extLst>
                   <a:ext uri="{FF2B5EF4-FFF2-40B4-BE49-F238E27FC236}">
-                    <a16:creationId xmlns:a16="http://schemas.microsoft.com/office/drawing/2014/main" xmlns="" id="{93CD3867-4A7C-4138-9F28-8B9071FCE1AF}"/>
+                    <a16:creationId xmlns:a16="http://schemas.microsoft.com/office/drawing/2014/main" id="{93CD3867-4A7C-4138-9F28-8B9071FCE1AF}"/>
                   </a:ext>
                 </a:extLst>
               </p:cNvPr>
@@ -10675,7 +10918,7 @@
               <p:cNvPr id="21" name="テキスト ボックス 20">
                 <a:extLst>
                   <a:ext uri="{FF2B5EF4-FFF2-40B4-BE49-F238E27FC236}">
-                    <a16:creationId xmlns:a16="http://schemas.microsoft.com/office/drawing/2014/main" xmlns="" id="{C3C71671-55D6-4E40-BC27-288FCF91D2BB}"/>
+                    <a16:creationId xmlns:a16="http://schemas.microsoft.com/office/drawing/2014/main" id="{C3C71671-55D6-4E40-BC27-288FCF91D2BB}"/>
                   </a:ext>
                 </a:extLst>
               </p:cNvPr>
@@ -10718,7 +10961,7 @@
             <p:cNvPr id="28" name="直線矢印コネクタ 27">
               <a:extLst>
                 <a:ext uri="{FF2B5EF4-FFF2-40B4-BE49-F238E27FC236}">
-                  <a16:creationId xmlns:a16="http://schemas.microsoft.com/office/drawing/2014/main" xmlns="" id="{A84A16DD-57C4-4761-A446-249187106E51}"/>
+                  <a16:creationId xmlns:a16="http://schemas.microsoft.com/office/drawing/2014/main" id="{A84A16DD-57C4-4761-A446-249187106E51}"/>
                 </a:ext>
               </a:extLst>
             </p:cNvPr>
@@ -10762,7 +11005,7 @@
             <p:cNvPr id="29" name="直線矢印コネクタ 28">
               <a:extLst>
                 <a:ext uri="{FF2B5EF4-FFF2-40B4-BE49-F238E27FC236}">
-                  <a16:creationId xmlns:a16="http://schemas.microsoft.com/office/drawing/2014/main" xmlns="" id="{CE867472-33BD-4771-A53A-412FDCEAB859}"/>
+                  <a16:creationId xmlns:a16="http://schemas.microsoft.com/office/drawing/2014/main" id="{CE867472-33BD-4771-A53A-412FDCEAB859}"/>
                 </a:ext>
               </a:extLst>
             </p:cNvPr>
@@ -10806,7 +11049,7 @@
             <p:cNvPr id="32" name="直線矢印コネクタ 31">
               <a:extLst>
                 <a:ext uri="{FF2B5EF4-FFF2-40B4-BE49-F238E27FC236}">
-                  <a16:creationId xmlns:a16="http://schemas.microsoft.com/office/drawing/2014/main" xmlns="" id="{2F760955-CE29-4903-BDF0-C0EF1A34CD6F}"/>
+                  <a16:creationId xmlns:a16="http://schemas.microsoft.com/office/drawing/2014/main" id="{2F760955-CE29-4903-BDF0-C0EF1A34CD6F}"/>
                 </a:ext>
               </a:extLst>
             </p:cNvPr>
@@ -10850,7 +11093,7 @@
             <p:cNvPr id="33" name="直線矢印コネクタ 32">
               <a:extLst>
                 <a:ext uri="{FF2B5EF4-FFF2-40B4-BE49-F238E27FC236}">
-                  <a16:creationId xmlns:a16="http://schemas.microsoft.com/office/drawing/2014/main" xmlns="" id="{96E14F16-9B67-48C7-9985-746717E7D2CE}"/>
+                  <a16:creationId xmlns:a16="http://schemas.microsoft.com/office/drawing/2014/main" id="{96E14F16-9B67-48C7-9985-746717E7D2CE}"/>
                 </a:ext>
               </a:extLst>
             </p:cNvPr>
@@ -10894,7 +11137,7 @@
             <p:cNvPr id="34" name="正方形/長方形 33">
               <a:extLst>
                 <a:ext uri="{FF2B5EF4-FFF2-40B4-BE49-F238E27FC236}">
-                  <a16:creationId xmlns:a16="http://schemas.microsoft.com/office/drawing/2014/main" xmlns="" id="{6ADAFCEE-C028-416D-B257-90B41E02042A}"/>
+                  <a16:creationId xmlns:a16="http://schemas.microsoft.com/office/drawing/2014/main" id="{6ADAFCEE-C028-416D-B257-90B41E02042A}"/>
                 </a:ext>
               </a:extLst>
             </p:cNvPr>
@@ -10949,7 +11192,7 @@
             <p:cNvPr id="35" name="直線矢印コネクタ 34">
               <a:extLst>
                 <a:ext uri="{FF2B5EF4-FFF2-40B4-BE49-F238E27FC236}">
-                  <a16:creationId xmlns:a16="http://schemas.microsoft.com/office/drawing/2014/main" xmlns="" id="{A2A6B62C-1E0E-432C-9BEC-393C34A1C94C}"/>
+                  <a16:creationId xmlns:a16="http://schemas.microsoft.com/office/drawing/2014/main" id="{A2A6B62C-1E0E-432C-9BEC-393C34A1C94C}"/>
                 </a:ext>
               </a:extLst>
             </p:cNvPr>
@@ -10994,7 +11237,7 @@
           <p:cNvPr id="44" name="グループ化 43">
             <a:extLst>
               <a:ext uri="{FF2B5EF4-FFF2-40B4-BE49-F238E27FC236}">
-                <a16:creationId xmlns:a16="http://schemas.microsoft.com/office/drawing/2014/main" xmlns="" id="{7EEE5686-B5B9-4B20-8993-381AFDACF9AB}"/>
+                <a16:creationId xmlns:a16="http://schemas.microsoft.com/office/drawing/2014/main" id="{7EEE5686-B5B9-4B20-8993-381AFDACF9AB}"/>
               </a:ext>
             </a:extLst>
           </p:cNvPr>
@@ -11014,7 +11257,7 @@
             <p:cNvPr id="40" name="グループ化 39">
               <a:extLst>
                 <a:ext uri="{FF2B5EF4-FFF2-40B4-BE49-F238E27FC236}">
-                  <a16:creationId xmlns:a16="http://schemas.microsoft.com/office/drawing/2014/main" xmlns="" id="{80B432E5-1E61-4A1C-BB38-CE56CD67DAEC}"/>
+                  <a16:creationId xmlns:a16="http://schemas.microsoft.com/office/drawing/2014/main" id="{80B432E5-1E61-4A1C-BB38-CE56CD67DAEC}"/>
                 </a:ext>
               </a:extLst>
             </p:cNvPr>
@@ -11034,7 +11277,7 @@
               <p:cNvPr id="36" name="直線矢印コネクタ 35">
                 <a:extLst>
                   <a:ext uri="{FF2B5EF4-FFF2-40B4-BE49-F238E27FC236}">
-                    <a16:creationId xmlns:a16="http://schemas.microsoft.com/office/drawing/2014/main" xmlns="" id="{555429FE-F091-46AD-84F7-1B4256D762AB}"/>
+                    <a16:creationId xmlns:a16="http://schemas.microsoft.com/office/drawing/2014/main" id="{555429FE-F091-46AD-84F7-1B4256D762AB}"/>
                   </a:ext>
                 </a:extLst>
               </p:cNvPr>
@@ -11078,7 +11321,7 @@
               <p:cNvPr id="37" name="直線矢印コネクタ 36">
                 <a:extLst>
                   <a:ext uri="{FF2B5EF4-FFF2-40B4-BE49-F238E27FC236}">
-                    <a16:creationId xmlns:a16="http://schemas.microsoft.com/office/drawing/2014/main" xmlns="" id="{5030B8C7-7BED-40F6-B6D5-A7CD124D67A9}"/>
+                    <a16:creationId xmlns:a16="http://schemas.microsoft.com/office/drawing/2014/main" id="{5030B8C7-7BED-40F6-B6D5-A7CD124D67A9}"/>
                   </a:ext>
                 </a:extLst>
               </p:cNvPr>
@@ -11122,7 +11365,7 @@
               <p:cNvPr id="38" name="テキスト ボックス 37">
                 <a:extLst>
                   <a:ext uri="{FF2B5EF4-FFF2-40B4-BE49-F238E27FC236}">
-                    <a16:creationId xmlns:a16="http://schemas.microsoft.com/office/drawing/2014/main" xmlns="" id="{1BB9FF26-C1AD-43FF-B1A3-3D220E4BC3AA}"/>
+                    <a16:creationId xmlns:a16="http://schemas.microsoft.com/office/drawing/2014/main" id="{1BB9FF26-C1AD-43FF-B1A3-3D220E4BC3AA}"/>
                   </a:ext>
                 </a:extLst>
               </p:cNvPr>
@@ -11160,7 +11403,7 @@
               <p:cNvPr id="39" name="テキスト ボックス 38">
                 <a:extLst>
                   <a:ext uri="{FF2B5EF4-FFF2-40B4-BE49-F238E27FC236}">
-                    <a16:creationId xmlns:a16="http://schemas.microsoft.com/office/drawing/2014/main" xmlns="" id="{127090C9-FA03-47A3-B8E5-5AC843148C0C}"/>
+                    <a16:creationId xmlns:a16="http://schemas.microsoft.com/office/drawing/2014/main" id="{127090C9-FA03-47A3-B8E5-5AC843148C0C}"/>
                   </a:ext>
                 </a:extLst>
               </p:cNvPr>
@@ -11203,7 +11446,7 @@
             <p:cNvPr id="42" name="正方形/長方形 41">
               <a:extLst>
                 <a:ext uri="{FF2B5EF4-FFF2-40B4-BE49-F238E27FC236}">
-                  <a16:creationId xmlns:a16="http://schemas.microsoft.com/office/drawing/2014/main" xmlns="" id="{974D7591-C374-4FE7-98C6-F63D715B2F46}"/>
+                  <a16:creationId xmlns:a16="http://schemas.microsoft.com/office/drawing/2014/main" id="{974D7591-C374-4FE7-98C6-F63D715B2F46}"/>
                 </a:ext>
               </a:extLst>
             </p:cNvPr>
@@ -11259,7 +11502,7 @@
           <p:cNvPr id="43" name="正方形/長方形 42">
             <a:extLst>
               <a:ext uri="{FF2B5EF4-FFF2-40B4-BE49-F238E27FC236}">
-                <a16:creationId xmlns:a16="http://schemas.microsoft.com/office/drawing/2014/main" xmlns="" id="{A98ECFFF-731C-4C54-95F1-02A8CC15EA71}"/>
+                <a16:creationId xmlns:a16="http://schemas.microsoft.com/office/drawing/2014/main" id="{A98ECFFF-731C-4C54-95F1-02A8CC15EA71}"/>
               </a:ext>
             </a:extLst>
           </p:cNvPr>
@@ -11325,7 +11568,7 @@
             <p:cNvPr id="4" name="図 3">
               <a:extLst>
                 <a:ext uri="{FF2B5EF4-FFF2-40B4-BE49-F238E27FC236}">
-                  <a16:creationId xmlns:a16="http://schemas.microsoft.com/office/drawing/2014/main" xmlns="" id="{84E4BD2B-BD98-4D0D-BD92-46FAC62B133A}"/>
+                  <a16:creationId xmlns:a16="http://schemas.microsoft.com/office/drawing/2014/main" id="{84E4BD2B-BD98-4D0D-BD92-46FAC62B133A}"/>
                 </a:ext>
               </a:extLst>
             </p:cNvPr>
@@ -11360,7 +11603,7 @@
             <p:cNvPr id="45" name="図 44">
               <a:extLst>
                 <a:ext uri="{FF2B5EF4-FFF2-40B4-BE49-F238E27FC236}">
-                  <a16:creationId xmlns:a16="http://schemas.microsoft.com/office/drawing/2014/main" xmlns="" id="{84E4BD2B-BD98-4D0D-BD92-46FAC62B133A}"/>
+                  <a16:creationId xmlns:a16="http://schemas.microsoft.com/office/drawing/2014/main" id="{84E4BD2B-BD98-4D0D-BD92-46FAC62B133A}"/>
                 </a:ext>
               </a:extLst>
             </p:cNvPr>
@@ -11401,13 +11644,6 @@
   <p:clrMapOvr>
     <a:masterClrMapping/>
   </p:clrMapOvr>
-  <p:timing>
-    <p:tnLst>
-      <p:par>
-        <p:cTn id="1" dur="indefinite" restart="never" nodeType="tmRoot"/>
-      </p:par>
-    </p:tnLst>
-  </p:timing>
 </p:sld>
 </file>
 
@@ -11456,7 +11692,7 @@
           <p:cNvPr id="10" name="テキスト ボックス 9">
             <a:extLst>
               <a:ext uri="{FF2B5EF4-FFF2-40B4-BE49-F238E27FC236}">
-                <a16:creationId xmlns:a16="http://schemas.microsoft.com/office/drawing/2014/main" xmlns="" id="{D5807289-5F94-4ABF-BB19-A244DE39AAB7}"/>
+                <a16:creationId xmlns:a16="http://schemas.microsoft.com/office/drawing/2014/main" id="{D5807289-5F94-4ABF-BB19-A244DE39AAB7}"/>
               </a:ext>
             </a:extLst>
           </p:cNvPr>
@@ -11501,7 +11737,7 @@
           <p:cNvPr id="11" name="テキスト ボックス 10">
             <a:extLst>
               <a:ext uri="{FF2B5EF4-FFF2-40B4-BE49-F238E27FC236}">
-                <a16:creationId xmlns:a16="http://schemas.microsoft.com/office/drawing/2014/main" xmlns="" id="{6D354EB7-7F73-4490-964D-300A57A3D0C5}"/>
+                <a16:creationId xmlns:a16="http://schemas.microsoft.com/office/drawing/2014/main" id="{6D354EB7-7F73-4490-964D-300A57A3D0C5}"/>
               </a:ext>
             </a:extLst>
           </p:cNvPr>
@@ -11539,7 +11775,7 @@
           <p:cNvPr id="12" name="楕円 11">
             <a:extLst>
               <a:ext uri="{FF2B5EF4-FFF2-40B4-BE49-F238E27FC236}">
-                <a16:creationId xmlns:a16="http://schemas.microsoft.com/office/drawing/2014/main" xmlns="" id="{27BE146F-8491-400F-AB07-2E26102463F2}"/>
+                <a16:creationId xmlns:a16="http://schemas.microsoft.com/office/drawing/2014/main" id="{27BE146F-8491-400F-AB07-2E26102463F2}"/>
               </a:ext>
             </a:extLst>
           </p:cNvPr>
@@ -11591,7 +11827,7 @@
           <p:cNvPr id="13" name="楕円 12">
             <a:extLst>
               <a:ext uri="{FF2B5EF4-FFF2-40B4-BE49-F238E27FC236}">
-                <a16:creationId xmlns:a16="http://schemas.microsoft.com/office/drawing/2014/main" xmlns="" id="{AC13EDC5-A927-451C-A8C6-2F68A75D9DB9}"/>
+                <a16:creationId xmlns:a16="http://schemas.microsoft.com/office/drawing/2014/main" id="{AC13EDC5-A927-451C-A8C6-2F68A75D9DB9}"/>
               </a:ext>
             </a:extLst>
           </p:cNvPr>
@@ -11643,7 +11879,7 @@
           <p:cNvPr id="14" name="楕円 13">
             <a:extLst>
               <a:ext uri="{FF2B5EF4-FFF2-40B4-BE49-F238E27FC236}">
-                <a16:creationId xmlns:a16="http://schemas.microsoft.com/office/drawing/2014/main" xmlns="" id="{A70D7407-0728-49A8-BDE2-7434759F1455}"/>
+                <a16:creationId xmlns:a16="http://schemas.microsoft.com/office/drawing/2014/main" id="{A70D7407-0728-49A8-BDE2-7434759F1455}"/>
               </a:ext>
             </a:extLst>
           </p:cNvPr>
@@ -11695,7 +11931,7 @@
           <p:cNvPr id="15" name="楕円 14">
             <a:extLst>
               <a:ext uri="{FF2B5EF4-FFF2-40B4-BE49-F238E27FC236}">
-                <a16:creationId xmlns:a16="http://schemas.microsoft.com/office/drawing/2014/main" xmlns="" id="{BA8A41E3-4961-4217-9C31-D8A81A9809A9}"/>
+                <a16:creationId xmlns:a16="http://schemas.microsoft.com/office/drawing/2014/main" id="{BA8A41E3-4961-4217-9C31-D8A81A9809A9}"/>
               </a:ext>
             </a:extLst>
           </p:cNvPr>
@@ -11747,7 +11983,7 @@
           <p:cNvPr id="16" name="テキスト ボックス 15">
             <a:extLst>
               <a:ext uri="{FF2B5EF4-FFF2-40B4-BE49-F238E27FC236}">
-                <a16:creationId xmlns:a16="http://schemas.microsoft.com/office/drawing/2014/main" xmlns="" id="{FBBAA09C-4BEB-47EA-BC7F-480BCC2226F1}"/>
+                <a16:creationId xmlns:a16="http://schemas.microsoft.com/office/drawing/2014/main" id="{FBBAA09C-4BEB-47EA-BC7F-480BCC2226F1}"/>
               </a:ext>
             </a:extLst>
           </p:cNvPr>
@@ -11865,7 +12101,7 @@
           <p:cNvPr id="17" name="正方形/長方形 16">
             <a:extLst>
               <a:ext uri="{FF2B5EF4-FFF2-40B4-BE49-F238E27FC236}">
-                <a16:creationId xmlns:a16="http://schemas.microsoft.com/office/drawing/2014/main" xmlns="" id="{A2CF4C31-1025-4708-B374-7F8887320A14}"/>
+                <a16:creationId xmlns:a16="http://schemas.microsoft.com/office/drawing/2014/main" id="{A2CF4C31-1025-4708-B374-7F8887320A14}"/>
               </a:ext>
             </a:extLst>
           </p:cNvPr>
@@ -11917,7 +12153,7 @@
           <p:cNvPr id="18" name="テキスト ボックス 17">
             <a:extLst>
               <a:ext uri="{FF2B5EF4-FFF2-40B4-BE49-F238E27FC236}">
-                <a16:creationId xmlns:a16="http://schemas.microsoft.com/office/drawing/2014/main" xmlns="" id="{594DFF38-A0BF-4052-92A8-115900A7F03B}"/>
+                <a16:creationId xmlns:a16="http://schemas.microsoft.com/office/drawing/2014/main" id="{594DFF38-A0BF-4052-92A8-115900A7F03B}"/>
               </a:ext>
             </a:extLst>
           </p:cNvPr>
@@ -12020,7 +12256,7 @@
           <p:cNvPr id="19" name="正方形/長方形 18">
             <a:extLst>
               <a:ext uri="{FF2B5EF4-FFF2-40B4-BE49-F238E27FC236}">
-                <a16:creationId xmlns:a16="http://schemas.microsoft.com/office/drawing/2014/main" xmlns="" id="{41DDEDAD-B76F-42FC-BD36-C4B4086365F3}"/>
+                <a16:creationId xmlns:a16="http://schemas.microsoft.com/office/drawing/2014/main" id="{41DDEDAD-B76F-42FC-BD36-C4B4086365F3}"/>
               </a:ext>
             </a:extLst>
           </p:cNvPr>
@@ -12072,7 +12308,7 @@
           <p:cNvPr id="21" name="正方形/長方形 20">
             <a:extLst>
               <a:ext uri="{FF2B5EF4-FFF2-40B4-BE49-F238E27FC236}">
-                <a16:creationId xmlns:a16="http://schemas.microsoft.com/office/drawing/2014/main" xmlns="" id="{B89D4E7D-0660-4D0D-912D-DF225C66A1D6}"/>
+                <a16:creationId xmlns:a16="http://schemas.microsoft.com/office/drawing/2014/main" id="{B89D4E7D-0660-4D0D-912D-DF225C66A1D6}"/>
               </a:ext>
             </a:extLst>
           </p:cNvPr>
@@ -12126,7 +12362,7 @@
           <p:cNvPr id="20" name="テキスト ボックス 19">
             <a:extLst>
               <a:ext uri="{FF2B5EF4-FFF2-40B4-BE49-F238E27FC236}">
-                <a16:creationId xmlns:a16="http://schemas.microsoft.com/office/drawing/2014/main" xmlns="" id="{4588D88C-0F6C-4A95-9191-7AC444B35B14}"/>
+                <a16:creationId xmlns:a16="http://schemas.microsoft.com/office/drawing/2014/main" id="{4588D88C-0F6C-4A95-9191-7AC444B35B14}"/>
               </a:ext>
             </a:extLst>
           </p:cNvPr>
@@ -12244,13 +12480,6 @@
   <p:clrMapOvr>
     <a:masterClrMapping/>
   </p:clrMapOvr>
-  <p:timing>
-    <p:tnLst>
-      <p:par>
-        <p:cTn id="1" dur="indefinite" restart="never" nodeType="tmRoot"/>
-      </p:par>
-    </p:tnLst>
-  </p:timing>
 </p:sld>
 </file>
 
@@ -12276,7 +12505,7 @@
           <p:cNvPr id="5" name="図 4" descr="物体 が含まれている画像&#10;&#10;自動的に生成された説明">
             <a:extLst>
               <a:ext uri="{FF2B5EF4-FFF2-40B4-BE49-F238E27FC236}">
-                <a16:creationId xmlns:a16="http://schemas.microsoft.com/office/drawing/2014/main" xmlns="" id="{A8B95791-F64F-423D-B8A7-2C86F56DDB1D}"/>
+                <a16:creationId xmlns:a16="http://schemas.microsoft.com/office/drawing/2014/main" id="{A8B95791-F64F-423D-B8A7-2C86F56DDB1D}"/>
               </a:ext>
             </a:extLst>
           </p:cNvPr>
@@ -12311,7 +12540,7 @@
           <p:cNvPr id="6" name="テキスト ボックス 5">
             <a:extLst>
               <a:ext uri="{FF2B5EF4-FFF2-40B4-BE49-F238E27FC236}">
-                <a16:creationId xmlns:a16="http://schemas.microsoft.com/office/drawing/2014/main" xmlns="" id="{8305E55F-CE22-4A88-A8D4-3E4958510FE7}"/>
+                <a16:creationId xmlns:a16="http://schemas.microsoft.com/office/drawing/2014/main" id="{8305E55F-CE22-4A88-A8D4-3E4958510FE7}"/>
               </a:ext>
             </a:extLst>
           </p:cNvPr>
@@ -12356,7 +12585,7 @@
           <p:cNvPr id="7" name="吹き出し: 四角形 6">
             <a:extLst>
               <a:ext uri="{FF2B5EF4-FFF2-40B4-BE49-F238E27FC236}">
-                <a16:creationId xmlns:a16="http://schemas.microsoft.com/office/drawing/2014/main" xmlns="" id="{EC8402AE-3480-4CC7-905A-0776A28352DA}"/>
+                <a16:creationId xmlns:a16="http://schemas.microsoft.com/office/drawing/2014/main" id="{EC8402AE-3480-4CC7-905A-0776A28352DA}"/>
               </a:ext>
             </a:extLst>
           </p:cNvPr>
@@ -12449,7 +12678,7 @@
           <p:cNvPr id="8" name="吹き出し: 四角形 7">
             <a:extLst>
               <a:ext uri="{FF2B5EF4-FFF2-40B4-BE49-F238E27FC236}">
-                <a16:creationId xmlns:a16="http://schemas.microsoft.com/office/drawing/2014/main" xmlns="" id="{12F0A826-4C99-48A7-B36D-03DBE2118E07}"/>
+                <a16:creationId xmlns:a16="http://schemas.microsoft.com/office/drawing/2014/main" id="{12F0A826-4C99-48A7-B36D-03DBE2118E07}"/>
               </a:ext>
             </a:extLst>
           </p:cNvPr>
@@ -12543,7 +12772,7 @@
           <p:cNvPr id="9" name="吹き出し: 四角形 8">
             <a:extLst>
               <a:ext uri="{FF2B5EF4-FFF2-40B4-BE49-F238E27FC236}">
-                <a16:creationId xmlns:a16="http://schemas.microsoft.com/office/drawing/2014/main" xmlns="" id="{B25F11CC-0810-44FB-85E5-6AFA2E713B6D}"/>
+                <a16:creationId xmlns:a16="http://schemas.microsoft.com/office/drawing/2014/main" id="{B25F11CC-0810-44FB-85E5-6AFA2E713B6D}"/>
               </a:ext>
             </a:extLst>
           </p:cNvPr>
@@ -12671,13 +12900,6 @@
   <p:clrMapOvr>
     <a:masterClrMapping/>
   </p:clrMapOvr>
-  <p:timing>
-    <p:tnLst>
-      <p:par>
-        <p:cTn id="1" dur="indefinite" restart="never" nodeType="tmRoot"/>
-      </p:par>
-    </p:tnLst>
-  </p:timing>
 </p:sld>
 </file>
 
@@ -12703,7 +12925,7 @@
           <p:cNvPr id="5" name="テキスト ボックス 4">
             <a:extLst>
               <a:ext uri="{FF2B5EF4-FFF2-40B4-BE49-F238E27FC236}">
-                <a16:creationId xmlns:a16="http://schemas.microsoft.com/office/drawing/2014/main" xmlns="" id="{D5807289-5F94-4ABF-BB19-A244DE39AAB7}"/>
+                <a16:creationId xmlns:a16="http://schemas.microsoft.com/office/drawing/2014/main" id="{D5807289-5F94-4ABF-BB19-A244DE39AAB7}"/>
               </a:ext>
             </a:extLst>
           </p:cNvPr>
@@ -12809,43 +13031,22 @@
                 <a:latin typeface="チェックポイント．（ピリオド）" panose="02000600000000000000" pitchFamily="50" charset="-128"/>
                 <a:ea typeface="チェックポイント．（ピリオド）" panose="02000600000000000000" pitchFamily="50" charset="-128"/>
               </a:rPr>
-              <a:t>ポッドやミサイルには属性が</a:t>
-            </a:r>
-            <a:r>
-              <a:rPr kumimoji="1" lang="ja-JP" altLang="en-US" dirty="0" smtClean="0">
-                <a:latin typeface="チェックポイント．（ピリオド）" panose="02000600000000000000" pitchFamily="50" charset="-128"/>
-                <a:ea typeface="チェックポイント．（ピリオド）" panose="02000600000000000000" pitchFamily="50" charset="-128"/>
-              </a:rPr>
-              <a:t>あり</a:t>
-            </a:r>
-            <a:endParaRPr kumimoji="1" lang="en-US" altLang="ja-JP" dirty="0" smtClean="0">
+              <a:t>ポッドやミサイルには属性があり</a:t>
+            </a:r>
+            <a:endParaRPr kumimoji="1" lang="en-US" altLang="ja-JP" dirty="0">
               <a:latin typeface="チェックポイント．（ピリオド）" panose="02000600000000000000" pitchFamily="50" charset="-128"/>
               <a:ea typeface="チェックポイント．（ピリオド）" panose="02000600000000000000" pitchFamily="50" charset="-128"/>
             </a:endParaRPr>
           </a:p>
           <a:p>
             <a:r>
-              <a:rPr kumimoji="1" lang="ja-JP" altLang="en-US" dirty="0" smtClean="0">
-                <a:latin typeface="チェックポイント．（ピリオド）" panose="02000600000000000000" pitchFamily="50" charset="-128"/>
-                <a:ea typeface="チェックポイント．（ピリオド）" panose="02000600000000000000" pitchFamily="50" charset="-128"/>
-              </a:rPr>
-              <a:t>属性</a:t>
-            </a:r>
-            <a:r>
               <a:rPr kumimoji="1" lang="ja-JP" altLang="en-US" dirty="0">
                 <a:latin typeface="チェックポイント．（ピリオド）" panose="02000600000000000000" pitchFamily="50" charset="-128"/>
                 <a:ea typeface="チェックポイント．（ピリオド）" panose="02000600000000000000" pitchFamily="50" charset="-128"/>
               </a:rPr>
-              <a:t>によって有利不利があります</a:t>
-            </a:r>
-            <a:r>
-              <a:rPr kumimoji="1" lang="ja-JP" altLang="en-US" dirty="0" smtClean="0">
-                <a:latin typeface="チェックポイント．（ピリオド）" panose="02000600000000000000" pitchFamily="50" charset="-128"/>
-                <a:ea typeface="チェックポイント．（ピリオド）" panose="02000600000000000000" pitchFamily="50" charset="-128"/>
-              </a:rPr>
-              <a:t>。</a:t>
-            </a:r>
-            <a:endParaRPr kumimoji="1" lang="en-US" altLang="ja-JP" dirty="0" smtClean="0">
+              <a:t>属性によって有利不利があります。</a:t>
+            </a:r>
+            <a:endParaRPr kumimoji="1" lang="en-US" altLang="ja-JP" dirty="0">
               <a:latin typeface="チェックポイント．（ピリオド）" panose="02000600000000000000" pitchFamily="50" charset="-128"/>
               <a:ea typeface="チェックポイント．（ピリオド）" panose="02000600000000000000" pitchFamily="50" charset="-128"/>
             </a:endParaRPr>
@@ -12923,23 +13124,16 @@
                 <a:latin typeface="チェックポイント．（ピリオド）" panose="02000600000000000000" pitchFamily="50" charset="-128"/>
                 <a:ea typeface="チェックポイント．（ピリオド）" panose="02000600000000000000" pitchFamily="50" charset="-128"/>
               </a:rPr>
-              <a:t>に強い</a:t>
-            </a:r>
-            <a:r>
-              <a:rPr kumimoji="1" lang="ja-JP" altLang="en-US" dirty="0" smtClean="0">
-                <a:latin typeface="チェックポイント．（ピリオド）" panose="02000600000000000000" pitchFamily="50" charset="-128"/>
-                <a:ea typeface="チェックポイント．（ピリオド）" panose="02000600000000000000" pitchFamily="50" charset="-128"/>
-              </a:rPr>
-              <a:t>、</a:t>
-            </a:r>
-            <a:endParaRPr kumimoji="1" lang="en-US" altLang="ja-JP" dirty="0" smtClean="0">
+              <a:t>に強い、</a:t>
+            </a:r>
+            <a:endParaRPr kumimoji="1" lang="en-US" altLang="ja-JP" dirty="0">
               <a:latin typeface="チェックポイント．（ピリオド）" panose="02000600000000000000" pitchFamily="50" charset="-128"/>
               <a:ea typeface="チェックポイント．（ピリオド）" panose="02000600000000000000" pitchFamily="50" charset="-128"/>
             </a:endParaRPr>
           </a:p>
           <a:p>
             <a:r>
-              <a:rPr lang="ja-JP" altLang="en-US" dirty="0" smtClean="0">
+              <a:rPr lang="ja-JP" altLang="en-US" dirty="0">
                 <a:latin typeface="チェックポイント．（ピリオド）" panose="02000600000000000000" pitchFamily="50" charset="-128"/>
                 <a:ea typeface="チェックポイント．（ピリオド）" panose="02000600000000000000" pitchFamily="50" charset="-128"/>
               </a:rPr>
@@ -12996,34 +13190,7 @@
                 <a:latin typeface="チェックポイント．（ピリオド）" panose="02000600000000000000" pitchFamily="50" charset="-128"/>
                 <a:ea typeface="チェックポイント．（ピリオド）" panose="02000600000000000000" pitchFamily="50" charset="-128"/>
               </a:rPr>
-              <a:t>白は属性を持つポッドに対して有利をとれます</a:t>
-            </a:r>
-            <a:r>
-              <a:rPr kumimoji="1" lang="ja-JP" altLang="en-US" dirty="0" smtClean="0">
-                <a:latin typeface="チェックポイント．（ピリオド）" panose="02000600000000000000" pitchFamily="50" charset="-128"/>
-                <a:ea typeface="チェックポイント．（ピリオド）" panose="02000600000000000000" pitchFamily="50" charset="-128"/>
-              </a:rPr>
-              <a:t>が</a:t>
-            </a:r>
-            <a:endParaRPr kumimoji="1" lang="en-US" altLang="ja-JP" dirty="0" smtClean="0">
-              <a:latin typeface="チェックポイント．（ピリオド）" panose="02000600000000000000" pitchFamily="50" charset="-128"/>
-              <a:ea typeface="チェックポイント．（ピリオド）" panose="02000600000000000000" pitchFamily="50" charset="-128"/>
-            </a:endParaRPr>
-          </a:p>
-          <a:p>
-            <a:r>
-              <a:rPr kumimoji="1" lang="ja-JP" altLang="en-US" dirty="0" smtClean="0">
-                <a:latin typeface="チェックポイント．（ピリオド）" panose="02000600000000000000" pitchFamily="50" charset="-128"/>
-                <a:ea typeface="チェックポイント．（ピリオド）" panose="02000600000000000000" pitchFamily="50" charset="-128"/>
-              </a:rPr>
-              <a:t>ミサイル</a:t>
-            </a:r>
-            <a:r>
-              <a:rPr kumimoji="1" lang="ja-JP" altLang="en-US" dirty="0">
-                <a:latin typeface="チェックポイント．（ピリオド）" panose="02000600000000000000" pitchFamily="50" charset="-128"/>
-                <a:ea typeface="チェックポイント．（ピリオド）" panose="02000600000000000000" pitchFamily="50" charset="-128"/>
-              </a:rPr>
-              <a:t>に対して弱いです。</a:t>
+              <a:t>白は属性を持つポッドに対して有利をとれますが</a:t>
             </a:r>
             <a:endParaRPr kumimoji="1" lang="en-US" altLang="ja-JP" dirty="0">
               <a:latin typeface="チェックポイント．（ピリオド）" panose="02000600000000000000" pitchFamily="50" charset="-128"/>
@@ -13031,6 +13198,19 @@
             </a:endParaRPr>
           </a:p>
           <a:p>
+            <a:r>
+              <a:rPr kumimoji="1" lang="ja-JP" altLang="en-US" dirty="0">
+                <a:latin typeface="チェックポイント．（ピリオド）" panose="02000600000000000000" pitchFamily="50" charset="-128"/>
+                <a:ea typeface="チェックポイント．（ピリオド）" panose="02000600000000000000" pitchFamily="50" charset="-128"/>
+              </a:rPr>
+              <a:t>ミサイルに対して弱いです。</a:t>
+            </a:r>
+            <a:endParaRPr kumimoji="1" lang="en-US" altLang="ja-JP" dirty="0">
+              <a:latin typeface="チェックポイント．（ピリオド）" panose="02000600000000000000" pitchFamily="50" charset="-128"/>
+              <a:ea typeface="チェックポイント．（ピリオド）" panose="02000600000000000000" pitchFamily="50" charset="-128"/>
+            </a:endParaRPr>
+          </a:p>
+          <a:p>
             <a:endParaRPr lang="en-US" altLang="ja-JP" dirty="0">
               <a:latin typeface="チェックポイント．（ピリオド）" panose="02000600000000000000" pitchFamily="50" charset="-128"/>
               <a:ea typeface="チェックポイント．（ピリオド）" panose="02000600000000000000" pitchFamily="50" charset="-128"/>
@@ -13079,61 +13259,33 @@
                 <a:latin typeface="チェックポイント．（ピリオド）" panose="02000600000000000000" pitchFamily="50" charset="-128"/>
                 <a:ea typeface="チェックポイント．（ピリオド）" panose="02000600000000000000" pitchFamily="50" charset="-128"/>
               </a:rPr>
-              <a:t>のポッドに対して少し</a:t>
-            </a:r>
-            <a:r>
-              <a:rPr kumimoji="1" lang="ja-JP" altLang="en-US" dirty="0" smtClean="0">
-                <a:latin typeface="チェックポイント．（ピリオド）" panose="02000600000000000000" pitchFamily="50" charset="-128"/>
-                <a:ea typeface="チェックポイント．（ピリオド）" panose="02000600000000000000" pitchFamily="50" charset="-128"/>
-              </a:rPr>
-              <a:t>しか</a:t>
-            </a:r>
-            <a:endParaRPr kumimoji="1" lang="en-US" altLang="ja-JP" dirty="0" smtClean="0">
+              <a:t>のポッドに対して少ししか</a:t>
+            </a:r>
+            <a:endParaRPr kumimoji="1" lang="en-US" altLang="ja-JP" dirty="0">
               <a:latin typeface="チェックポイント．（ピリオド）" panose="02000600000000000000" pitchFamily="50" charset="-128"/>
               <a:ea typeface="チェックポイント．（ピリオド）" panose="02000600000000000000" pitchFamily="50" charset="-128"/>
             </a:endParaRPr>
           </a:p>
           <a:p>
             <a:r>
-              <a:rPr kumimoji="1" lang="ja-JP" altLang="en-US" dirty="0" smtClean="0">
-                <a:latin typeface="チェックポイント．（ピリオド）" panose="02000600000000000000" pitchFamily="50" charset="-128"/>
-                <a:ea typeface="チェックポイント．（ピリオド）" panose="02000600000000000000" pitchFamily="50" charset="-128"/>
-              </a:rPr>
-              <a:t>ダメージ</a:t>
-            </a:r>
-            <a:r>
               <a:rPr kumimoji="1" lang="ja-JP" altLang="en-US" dirty="0">
                 <a:latin typeface="チェックポイント．（ピリオド）" panose="02000600000000000000" pitchFamily="50" charset="-128"/>
                 <a:ea typeface="チェックポイント．（ピリオド）" panose="02000600000000000000" pitchFamily="50" charset="-128"/>
               </a:rPr>
-              <a:t>を与えることができません</a:t>
-            </a:r>
-            <a:r>
-              <a:rPr kumimoji="1" lang="ja-JP" altLang="en-US" dirty="0" smtClean="0">
-                <a:latin typeface="チェックポイント．（ピリオド）" panose="02000600000000000000" pitchFamily="50" charset="-128"/>
-                <a:ea typeface="チェックポイント．（ピリオド）" panose="02000600000000000000" pitchFamily="50" charset="-128"/>
-              </a:rPr>
-              <a:t>が</a:t>
-            </a:r>
-            <a:endParaRPr kumimoji="1" lang="en-US" altLang="ja-JP" dirty="0" smtClean="0">
+              <a:t>ダメージを与えることができませんが</a:t>
+            </a:r>
+            <a:endParaRPr kumimoji="1" lang="en-US" altLang="ja-JP" dirty="0">
               <a:latin typeface="チェックポイント．（ピリオド）" panose="02000600000000000000" pitchFamily="50" charset="-128"/>
               <a:ea typeface="チェックポイント．（ピリオド）" panose="02000600000000000000" pitchFamily="50" charset="-128"/>
             </a:endParaRPr>
           </a:p>
           <a:p>
             <a:r>
-              <a:rPr kumimoji="1" lang="ja-JP" altLang="en-US" dirty="0" smtClean="0">
-                <a:latin typeface="チェックポイント．（ピリオド）" panose="02000600000000000000" pitchFamily="50" charset="-128"/>
-                <a:ea typeface="チェックポイント．（ピリオド）" panose="02000600000000000000" pitchFamily="50" charset="-128"/>
-              </a:rPr>
-              <a:t>白</a:t>
-            </a:r>
-            <a:r>
               <a:rPr kumimoji="1" lang="ja-JP" altLang="en-US" dirty="0">
                 <a:latin typeface="チェックポイント．（ピリオド）" panose="02000600000000000000" pitchFamily="50" charset="-128"/>
                 <a:ea typeface="チェックポイント．（ピリオド）" panose="02000600000000000000" pitchFamily="50" charset="-128"/>
               </a:rPr>
-              <a:t>ポッドに対して大ダメージを与えることができます。</a:t>
+              <a:t>白ポッドに対して大ダメージを与えることができます。</a:t>
             </a:r>
             <a:endParaRPr kumimoji="1" lang="en-US" altLang="ja-JP" dirty="0">
               <a:latin typeface="チェックポイント．（ピリオド）" panose="02000600000000000000" pitchFamily="50" charset="-128"/>
@@ -13200,13 +13352,6 @@
   <p:clrMapOvr>
     <a:masterClrMapping/>
   </p:clrMapOvr>
-  <p:timing>
-    <p:tnLst>
-      <p:par>
-        <p:cTn id="1" dur="indefinite" restart="never" nodeType="tmRoot"/>
-      </p:par>
-    </p:tnLst>
-  </p:timing>
 </p:sld>
 </file>
 

--- a/説明文.pptx
+++ b/説明文.pptx
@@ -210,7 +210,7 @@
           <a:p>
             <a:fld id="{D3517757-E664-4BB3-B78C-0CBDD076F206}" type="datetimeFigureOut">
               <a:rPr kumimoji="1" lang="ja-JP" altLang="en-US" smtClean="0"/>
-              <a:t>2019/8/16</a:t>
+              <a:t>2019/8/20</a:t>
             </a:fld>
             <a:endParaRPr kumimoji="1" lang="ja-JP" altLang="en-US"/>
           </a:p>
@@ -722,7 +722,7 @@
           <a:p>
             <a:fld id="{8F2BA968-46FA-4915-82D5-53748CAAB103}" type="datetimeFigureOut">
               <a:rPr kumimoji="1" lang="ja-JP" altLang="en-US" smtClean="0"/>
-              <a:t>2019/8/16</a:t>
+              <a:t>2019/8/20</a:t>
             </a:fld>
             <a:endParaRPr kumimoji="1" lang="ja-JP" altLang="en-US" dirty="0"/>
           </a:p>
@@ -922,7 +922,7 @@
           <a:p>
             <a:fld id="{8F2BA968-46FA-4915-82D5-53748CAAB103}" type="datetimeFigureOut">
               <a:rPr kumimoji="1" lang="ja-JP" altLang="en-US" smtClean="0"/>
-              <a:t>2019/8/16</a:t>
+              <a:t>2019/8/20</a:t>
             </a:fld>
             <a:endParaRPr kumimoji="1" lang="ja-JP" altLang="en-US" dirty="0"/>
           </a:p>
@@ -1132,7 +1132,7 @@
           <a:p>
             <a:fld id="{8F2BA968-46FA-4915-82D5-53748CAAB103}" type="datetimeFigureOut">
               <a:rPr kumimoji="1" lang="ja-JP" altLang="en-US" smtClean="0"/>
-              <a:t>2019/8/16</a:t>
+              <a:t>2019/8/20</a:t>
             </a:fld>
             <a:endParaRPr kumimoji="1" lang="ja-JP" altLang="en-US" dirty="0"/>
           </a:p>
@@ -1332,7 +1332,7 @@
           <a:p>
             <a:fld id="{8F2BA968-46FA-4915-82D5-53748CAAB103}" type="datetimeFigureOut">
               <a:rPr kumimoji="1" lang="ja-JP" altLang="en-US" smtClean="0"/>
-              <a:t>2019/8/16</a:t>
+              <a:t>2019/8/20</a:t>
             </a:fld>
             <a:endParaRPr kumimoji="1" lang="ja-JP" altLang="en-US" dirty="0"/>
           </a:p>
@@ -1577,7 +1577,7 @@
           <a:p>
             <a:fld id="{8F2BA968-46FA-4915-82D5-53748CAAB103}" type="datetimeFigureOut">
               <a:rPr kumimoji="1" lang="ja-JP" altLang="en-US" smtClean="0"/>
-              <a:t>2019/8/16</a:t>
+              <a:t>2019/8/20</a:t>
             </a:fld>
             <a:endParaRPr kumimoji="1" lang="ja-JP" altLang="en-US" dirty="0"/>
           </a:p>
@@ -1870,7 +1870,7 @@
           <a:p>
             <a:fld id="{8F2BA968-46FA-4915-82D5-53748CAAB103}" type="datetimeFigureOut">
               <a:rPr kumimoji="1" lang="ja-JP" altLang="en-US" smtClean="0"/>
-              <a:t>2019/8/16</a:t>
+              <a:t>2019/8/20</a:t>
             </a:fld>
             <a:endParaRPr kumimoji="1" lang="ja-JP" altLang="en-US" dirty="0"/>
           </a:p>
@@ -2298,7 +2298,7 @@
           <a:p>
             <a:fld id="{8F2BA968-46FA-4915-82D5-53748CAAB103}" type="datetimeFigureOut">
               <a:rPr kumimoji="1" lang="ja-JP" altLang="en-US" smtClean="0"/>
-              <a:t>2019/8/16</a:t>
+              <a:t>2019/8/20</a:t>
             </a:fld>
             <a:endParaRPr kumimoji="1" lang="ja-JP" altLang="en-US" dirty="0"/>
           </a:p>
@@ -2415,7 +2415,7 @@
           <a:p>
             <a:fld id="{8F2BA968-46FA-4915-82D5-53748CAAB103}" type="datetimeFigureOut">
               <a:rPr kumimoji="1" lang="ja-JP" altLang="en-US" smtClean="0"/>
-              <a:t>2019/8/16</a:t>
+              <a:t>2019/8/20</a:t>
             </a:fld>
             <a:endParaRPr kumimoji="1" lang="ja-JP" altLang="en-US" dirty="0"/>
           </a:p>
@@ -2510,7 +2510,7 @@
           <a:p>
             <a:fld id="{8F2BA968-46FA-4915-82D5-53748CAAB103}" type="datetimeFigureOut">
               <a:rPr kumimoji="1" lang="ja-JP" altLang="en-US" smtClean="0"/>
-              <a:t>2019/8/16</a:t>
+              <a:t>2019/8/20</a:t>
             </a:fld>
             <a:endParaRPr kumimoji="1" lang="ja-JP" altLang="en-US" dirty="0"/>
           </a:p>
@@ -2817,7 +2817,7 @@
           <a:p>
             <a:fld id="{8F2BA968-46FA-4915-82D5-53748CAAB103}" type="datetimeFigureOut">
               <a:rPr kumimoji="1" lang="ja-JP" altLang="en-US" smtClean="0"/>
-              <a:t>2019/8/16</a:t>
+              <a:t>2019/8/20</a:t>
             </a:fld>
             <a:endParaRPr kumimoji="1" lang="ja-JP" altLang="en-US" dirty="0"/>
           </a:p>
@@ -3069,7 +3069,7 @@
           <a:p>
             <a:fld id="{8F2BA968-46FA-4915-82D5-53748CAAB103}" type="datetimeFigureOut">
               <a:rPr kumimoji="1" lang="ja-JP" altLang="en-US" smtClean="0"/>
-              <a:t>2019/8/16</a:t>
+              <a:t>2019/8/20</a:t>
             </a:fld>
             <a:endParaRPr kumimoji="1" lang="ja-JP" altLang="en-US" dirty="0"/>
           </a:p>
@@ -3312,7 +3312,7 @@
           <a:p>
             <a:fld id="{8F2BA968-46FA-4915-82D5-53748CAAB103}" type="datetimeFigureOut">
               <a:rPr kumimoji="1" lang="ja-JP" altLang="en-US" smtClean="0"/>
-              <a:t>2019/8/16</a:t>
+              <a:t>2019/8/20</a:t>
             </a:fld>
             <a:endParaRPr kumimoji="1" lang="ja-JP" altLang="en-US" dirty="0"/>
           </a:p>
@@ -5375,10 +5375,10 @@
       </p:grpSpPr>
       <p:pic>
         <p:nvPicPr>
-          <p:cNvPr id="5" name="図 4" descr="電子機器 が含まれている画像&#10;&#10;自動的に生成された説明">
+          <p:cNvPr id="2" name="図 1">
             <a:extLst>
               <a:ext uri="{FF2B5EF4-FFF2-40B4-BE49-F238E27FC236}">
-                <a16:creationId xmlns:a16="http://schemas.microsoft.com/office/drawing/2014/main" id="{6CB9A598-CED9-45A4-8DA9-B27BCA36CBEC}"/>
+                <a16:creationId xmlns:a16="http://schemas.microsoft.com/office/drawing/2014/main" id="{EE855DBA-71F3-4B0A-AD5F-4DC4FD57AF5C}"/>
               </a:ext>
             </a:extLst>
           </p:cNvPr>
@@ -5388,14 +5388,8 @@
           <p:nvPr/>
         </p:nvPicPr>
         <p:blipFill rotWithShape="1">
-          <a:blip r:embed="rId2">
-            <a:extLst>
-              <a:ext uri="{28A0092B-C50C-407E-A947-70E740481C1C}">
-                <a14:useLocalDpi xmlns:a14="http://schemas.microsoft.com/office/drawing/2010/main" val="0"/>
-              </a:ext>
-            </a:extLst>
-          </a:blip>
-          <a:srcRect t="4361"/>
+          <a:blip r:embed="rId2"/>
+          <a:srcRect t="4381"/>
           <a:stretch/>
         </p:blipFill>
         <p:spPr>
@@ -5422,7 +5416,7 @@
         </p:nvSpPr>
         <p:spPr>
           <a:xfrm>
-            <a:off x="7679184" y="2612710"/>
+            <a:off x="7666493" y="2482941"/>
             <a:ext cx="1857115" cy="1892116"/>
           </a:xfrm>
           <a:prstGeom prst="ellipse">
@@ -5475,7 +5469,7 @@
         <p:spPr>
           <a:xfrm>
             <a:off x="1722752" y="1015322"/>
-            <a:ext cx="1748417" cy="1504148"/>
+            <a:ext cx="1804219" cy="1504148"/>
           </a:xfrm>
           <a:prstGeom prst="rect">
             <a:avLst/>
@@ -5526,8 +5520,8 @@
         </p:nvSpPr>
         <p:spPr>
           <a:xfrm>
-            <a:off x="5330046" y="1278383"/>
-            <a:ext cx="1310452" cy="580317"/>
+            <a:off x="5440772" y="1243046"/>
+            <a:ext cx="1127979" cy="580317"/>
           </a:xfrm>
           <a:prstGeom prst="rect">
             <a:avLst/>
@@ -5578,8 +5572,8 @@
         </p:nvSpPr>
         <p:spPr>
           <a:xfrm>
-            <a:off x="2748634" y="4877109"/>
-            <a:ext cx="6954659" cy="965568"/>
+            <a:off x="4134721" y="4745457"/>
+            <a:ext cx="5388887" cy="1077555"/>
           </a:xfrm>
           <a:prstGeom prst="rect">
             <a:avLst/>
@@ -5851,13 +5845,13 @@
         </p:nvSpPr>
         <p:spPr>
           <a:xfrm>
-            <a:off x="2772332" y="6014621"/>
-            <a:ext cx="5784814" cy="843379"/>
+            <a:off x="6885575" y="5924065"/>
+            <a:ext cx="5206481" cy="889259"/>
           </a:xfrm>
           <a:prstGeom prst="wedgeRectCallout">
             <a:avLst>
-              <a:gd name="adj1" fmla="val 17629"/>
-              <a:gd name="adj2" fmla="val -65921"/>
+              <a:gd name="adj1" fmla="val 944"/>
+              <a:gd name="adj2" fmla="val -102430"/>
             </a:avLst>
           </a:prstGeom>
         </p:spPr>
@@ -5904,7 +5898,47 @@
                 <a:latin typeface="チェックポイント．（ピリオド）" panose="02000600000000000000" pitchFamily="50" charset="-128"/>
                 <a:ea typeface="チェックポイント．（ピリオド）" panose="02000600000000000000" pitchFamily="50" charset="-128"/>
               </a:rPr>
-              <a:t>ボタンをクリックすると出撃させる</a:t>
+              <a:t>ボタンをクリック</a:t>
+            </a:r>
+            <a:r>
+              <a:rPr lang="ja-JP" altLang="en-US" dirty="0">
+                <a:solidFill>
+                  <a:srgbClr val="FF0000"/>
+                </a:solidFill>
+                <a:latin typeface="チェックポイント．（ピリオド）" panose="02000600000000000000" pitchFamily="50" charset="-128"/>
+                <a:ea typeface="チェックポイント．（ピリオド）" panose="02000600000000000000" pitchFamily="50" charset="-128"/>
+              </a:rPr>
+              <a:t>、もしくは対応するキーを</a:t>
+            </a:r>
+            <a:endParaRPr lang="en-US" altLang="ja-JP" dirty="0">
+              <a:solidFill>
+                <a:srgbClr val="FF0000"/>
+              </a:solidFill>
+              <a:latin typeface="チェックポイント．（ピリオド）" panose="02000600000000000000" pitchFamily="50" charset="-128"/>
+              <a:ea typeface="チェックポイント．（ピリオド）" panose="02000600000000000000" pitchFamily="50" charset="-128"/>
+            </a:endParaRPr>
+          </a:p>
+          <a:p>
+            <a:pPr algn="ctr"/>
+            <a:r>
+              <a:rPr lang="ja-JP" altLang="en-US" dirty="0">
+                <a:solidFill>
+                  <a:srgbClr val="FF0000"/>
+                </a:solidFill>
+                <a:latin typeface="チェックポイント．（ピリオド）" panose="02000600000000000000" pitchFamily="50" charset="-128"/>
+                <a:ea typeface="チェックポイント．（ピリオド）" panose="02000600000000000000" pitchFamily="50" charset="-128"/>
+              </a:rPr>
+              <a:t>入力する</a:t>
+            </a:r>
+            <a:r>
+              <a:rPr kumimoji="1" lang="ja-JP" altLang="en-US" dirty="0">
+                <a:solidFill>
+                  <a:srgbClr val="FF0000"/>
+                </a:solidFill>
+                <a:latin typeface="チェックポイント．（ピリオド）" panose="02000600000000000000" pitchFamily="50" charset="-128"/>
+                <a:ea typeface="チェックポイント．（ピリオド）" panose="02000600000000000000" pitchFamily="50" charset="-128"/>
+              </a:rPr>
+              <a:t>と出撃させる</a:t>
             </a:r>
             <a:r>
               <a:rPr kumimoji="1" lang="ja-JP" altLang="en-US" dirty="0">
@@ -5985,13 +6019,13 @@
         </p:nvSpPr>
         <p:spPr>
           <a:xfrm>
-            <a:off x="8320610" y="4296816"/>
-            <a:ext cx="3512597" cy="773389"/>
+            <a:off x="9433863" y="3952403"/>
+            <a:ext cx="2560145" cy="773389"/>
           </a:xfrm>
           <a:prstGeom prst="wedgeRectCallout">
             <a:avLst>
-              <a:gd name="adj1" fmla="val -66522"/>
-              <a:gd name="adj2" fmla="val -22348"/>
+              <a:gd name="adj1" fmla="val -116088"/>
+              <a:gd name="adj2" fmla="val 16259"/>
             </a:avLst>
           </a:prstGeom>
         </p:spPr>
@@ -6059,7 +6093,7 @@
                 <a:latin typeface="チェックポイント．（ピリオド）" panose="02000600000000000000" pitchFamily="50" charset="-128"/>
                 <a:ea typeface="チェックポイント．（ピリオド）" panose="02000600000000000000" pitchFamily="50" charset="-128"/>
               </a:rPr>
-              <a:t>で選択することができます</a:t>
+              <a:t>で選択できます</a:t>
             </a:r>
             <a:endParaRPr kumimoji="1" lang="ja-JP" altLang="en-US" sz="1600" dirty="0">
               <a:latin typeface="チェックポイント．（ピリオド）" panose="02000600000000000000" pitchFamily="50" charset="-128"/>
@@ -6082,7 +6116,7 @@
         </p:nvSpPr>
         <p:spPr>
           <a:xfrm>
-            <a:off x="4492101" y="2396971"/>
+            <a:off x="4502457" y="2265319"/>
             <a:ext cx="3187083" cy="2308194"/>
           </a:xfrm>
           <a:prstGeom prst="rect">
@@ -6134,8 +6168,8 @@
         </p:nvSpPr>
         <p:spPr>
           <a:xfrm>
-            <a:off x="3025012" y="4285702"/>
-            <a:ext cx="1109709" cy="270177"/>
+            <a:off x="3097763" y="4161453"/>
+            <a:ext cx="989045" cy="149290"/>
           </a:xfrm>
           <a:prstGeom prst="rect">
             <a:avLst/>
@@ -6174,6 +6208,61 @@
       </p:sp>
       <p:sp>
         <p:nvSpPr>
+          <p:cNvPr id="3" name="L 字 2">
+            <a:extLst>
+              <a:ext uri="{FF2B5EF4-FFF2-40B4-BE49-F238E27FC236}">
+                <a16:creationId xmlns:a16="http://schemas.microsoft.com/office/drawing/2014/main" id="{CA56987B-B7BB-455B-A3DC-57F7BCD43222}"/>
+              </a:ext>
+            </a:extLst>
+          </p:cNvPr>
+          <p:cNvSpPr/>
+          <p:nvPr/>
+        </p:nvSpPr>
+        <p:spPr>
+          <a:xfrm>
+            <a:off x="1743464" y="4108420"/>
+            <a:ext cx="1783507" cy="1734257"/>
+          </a:xfrm>
+          <a:prstGeom prst="corner">
+            <a:avLst>
+              <a:gd name="adj1" fmla="val 84433"/>
+              <a:gd name="adj2" fmla="val 68293"/>
+            </a:avLst>
+          </a:prstGeom>
+          <a:noFill/>
+          <a:ln w="38100">
+            <a:solidFill>
+              <a:srgbClr val="FF0000"/>
+            </a:solidFill>
+          </a:ln>
+        </p:spPr>
+        <p:style>
+          <a:lnRef idx="2">
+            <a:schemeClr val="accent1">
+              <a:shade val="50000"/>
+            </a:schemeClr>
+          </a:lnRef>
+          <a:fillRef idx="1">
+            <a:schemeClr val="accent1"/>
+          </a:fillRef>
+          <a:effectRef idx="0">
+            <a:schemeClr val="accent1"/>
+          </a:effectRef>
+          <a:fontRef idx="minor">
+            <a:schemeClr val="lt1"/>
+          </a:fontRef>
+        </p:style>
+        <p:txBody>
+          <a:bodyPr rtlCol="0" anchor="ctr"/>
+          <a:lstStyle/>
+          <a:p>
+            <a:pPr algn="ctr"/>
+            <a:endParaRPr kumimoji="1" lang="ja-JP" altLang="en-US"/>
+          </a:p>
+        </p:txBody>
+      </p:sp>
+      <p:sp>
+        <p:nvSpPr>
           <p:cNvPr id="19" name="吹き出し: 四角形 18">
             <a:extLst>
               <a:ext uri="{FF2B5EF4-FFF2-40B4-BE49-F238E27FC236}">
@@ -6186,13 +6275,13 @@
         </p:nvSpPr>
         <p:spPr>
           <a:xfrm>
-            <a:off x="1743466" y="4461030"/>
+            <a:off x="916790" y="3730057"/>
             <a:ext cx="1075679" cy="334691"/>
           </a:xfrm>
           <a:prstGeom prst="wedgeRectCallout">
             <a:avLst>
-              <a:gd name="adj1" fmla="val 69507"/>
-              <a:gd name="adj2" fmla="val -62167"/>
+              <a:gd name="adj1" fmla="val 148442"/>
+              <a:gd name="adj2" fmla="val 71649"/>
             </a:avLst>
           </a:prstGeom>
         </p:spPr>
@@ -6235,6 +6324,122 @@
               <a:latin typeface="チェックポイント．（ピリオド）" panose="02000600000000000000" pitchFamily="50" charset="-128"/>
               <a:ea typeface="チェックポイント．（ピリオド）" panose="02000600000000000000" pitchFamily="50" charset="-128"/>
             </a:endParaRPr>
+          </a:p>
+        </p:txBody>
+      </p:sp>
+      <p:sp>
+        <p:nvSpPr>
+          <p:cNvPr id="20" name="吹き出し: 四角形 19">
+            <a:extLst>
+              <a:ext uri="{FF2B5EF4-FFF2-40B4-BE49-F238E27FC236}">
+                <a16:creationId xmlns:a16="http://schemas.microsoft.com/office/drawing/2014/main" id="{F0A11592-BD25-49D2-8C1D-7500E79B7ADA}"/>
+              </a:ext>
+            </a:extLst>
+          </p:cNvPr>
+          <p:cNvSpPr/>
+          <p:nvPr/>
+        </p:nvSpPr>
+        <p:spPr>
+          <a:xfrm>
+            <a:off x="46101" y="6037941"/>
+            <a:ext cx="4393938" cy="775382"/>
+          </a:xfrm>
+          <a:prstGeom prst="wedgeRectCallout">
+            <a:avLst>
+              <a:gd name="adj1" fmla="val -5111"/>
+              <a:gd name="adj2" fmla="val -68609"/>
+            </a:avLst>
+          </a:prstGeom>
+        </p:spPr>
+        <p:style>
+          <a:lnRef idx="2">
+            <a:schemeClr val="accent1">
+              <a:shade val="50000"/>
+            </a:schemeClr>
+          </a:lnRef>
+          <a:fillRef idx="1">
+            <a:schemeClr val="accent1"/>
+          </a:fillRef>
+          <a:effectRef idx="0">
+            <a:schemeClr val="accent1"/>
+          </a:effectRef>
+          <a:fontRef idx="minor">
+            <a:schemeClr val="lt1"/>
+          </a:fontRef>
+        </p:style>
+        <p:txBody>
+          <a:bodyPr rtlCol="0" anchor="ctr"/>
+          <a:lstStyle/>
+          <a:p>
+            <a:pPr algn="ctr"/>
+            <a:r>
+              <a:rPr lang="ja-JP" altLang="en-US" dirty="0">
+                <a:solidFill>
+                  <a:srgbClr val="FF0000"/>
+                </a:solidFill>
+                <a:latin typeface="チェックポイント．（ピリオド）" panose="02000600000000000000" pitchFamily="50" charset="-128"/>
+                <a:ea typeface="チェックポイント．（ピリオド）" panose="02000600000000000000" pitchFamily="50" charset="-128"/>
+              </a:rPr>
+              <a:t>各ポッドの残り住民数</a:t>
+            </a:r>
+            <a:r>
+              <a:rPr lang="ja-JP" altLang="en-US" dirty="0">
+                <a:latin typeface="チェックポイント．（ピリオド）" panose="02000600000000000000" pitchFamily="50" charset="-128"/>
+                <a:ea typeface="チェックポイント．（ピリオド）" panose="02000600000000000000" pitchFamily="50" charset="-128"/>
+              </a:rPr>
+              <a:t>を確認できます</a:t>
+            </a:r>
+            <a:endParaRPr lang="en-US" altLang="ja-JP" dirty="0">
+              <a:latin typeface="チェックポイント．（ピリオド）" panose="02000600000000000000" pitchFamily="50" charset="-128"/>
+              <a:ea typeface="チェックポイント．（ピリオド）" panose="02000600000000000000" pitchFamily="50" charset="-128"/>
+            </a:endParaRPr>
+          </a:p>
+          <a:p>
+            <a:pPr algn="ctr"/>
+            <a:r>
+              <a:rPr kumimoji="1" lang="ja-JP" altLang="en-US" dirty="0">
+                <a:latin typeface="チェックポイント．（ピリオド）" panose="02000600000000000000" pitchFamily="50" charset="-128"/>
+                <a:ea typeface="チェックポイント．（ピリオド）" panose="02000600000000000000" pitchFamily="50" charset="-128"/>
+              </a:rPr>
+              <a:t>ポッドを</a:t>
+            </a:r>
+            <a:r>
+              <a:rPr kumimoji="1" lang="ja-JP" altLang="en-US" dirty="0">
+                <a:solidFill>
+                  <a:srgbClr val="FF0000"/>
+                </a:solidFill>
+                <a:latin typeface="チェックポイント．（ピリオド）" panose="02000600000000000000" pitchFamily="50" charset="-128"/>
+                <a:ea typeface="チェックポイント．（ピリオド）" panose="02000600000000000000" pitchFamily="50" charset="-128"/>
+              </a:rPr>
+              <a:t>一機放つと</a:t>
+            </a:r>
+            <a:r>
+              <a:rPr kumimoji="1" lang="en-US" altLang="ja-JP" dirty="0">
+                <a:solidFill>
+                  <a:srgbClr val="FF0000"/>
+                </a:solidFill>
+                <a:latin typeface="チェックポイント．（ピリオド）" panose="02000600000000000000" pitchFamily="50" charset="-128"/>
+                <a:ea typeface="チェックポイント．（ピリオド）" panose="02000600000000000000" pitchFamily="50" charset="-128"/>
+              </a:rPr>
+              <a:t>100</a:t>
+            </a:r>
+            <a:r>
+              <a:rPr kumimoji="1" lang="ja-JP" altLang="en-US" dirty="0">
+                <a:solidFill>
+                  <a:srgbClr val="FF0000"/>
+                </a:solidFill>
+                <a:latin typeface="チェックポイント．（ピリオド）" panose="02000600000000000000" pitchFamily="50" charset="-128"/>
+                <a:ea typeface="チェックポイント．（ピリオド）" panose="02000600000000000000" pitchFamily="50" charset="-128"/>
+              </a:rPr>
+              <a:t>人</a:t>
+            </a:r>
+            <a:r>
+              <a:rPr kumimoji="1" lang="ja-JP" altLang="en-US" dirty="0">
+                <a:latin typeface="チェックポイント．（ピリオド）" panose="02000600000000000000" pitchFamily="50" charset="-128"/>
+                <a:ea typeface="チェックポイント．（ピリオド）" panose="02000600000000000000" pitchFamily="50" charset="-128"/>
+              </a:rPr>
+              <a:t>減ります</a:t>
+            </a:r>
           </a:p>
         </p:txBody>
       </p:sp>
@@ -7062,8 +7267,8 @@
         </p:nvSpPr>
         <p:spPr>
           <a:xfrm>
-            <a:off x="2296356" y="1824209"/>
-            <a:ext cx="7599286" cy="369332"/>
+            <a:off x="312300" y="1681343"/>
+            <a:ext cx="10045959" cy="461665"/>
           </a:xfrm>
           <a:prstGeom prst="rect">
             <a:avLst/>
@@ -7077,13 +7282,23 @@
           <a:lstStyle/>
           <a:p>
             <a:r>
-              <a:rPr lang="ja-JP" altLang="en-US" dirty="0">
-                <a:latin typeface="チェックポイント．（ピリオド）" panose="02000600000000000000" pitchFamily="50" charset="-128"/>
-                <a:ea typeface="チェックポイント．（ピリオド）" panose="02000600000000000000" pitchFamily="50" charset="-128"/>
-              </a:rPr>
-              <a:t>研究所や兵舎などのレベルを一定上げることによって惑星が発展します。</a:t>
-            </a:r>
-            <a:endParaRPr lang="en-US" altLang="ja-JP" dirty="0">
+              <a:rPr lang="ja-JP" altLang="en-US" sz="2400" dirty="0">
+                <a:solidFill>
+                  <a:srgbClr val="FF0000"/>
+                </a:solidFill>
+                <a:latin typeface="チェックポイント．（ピリオド）" panose="02000600000000000000" pitchFamily="50" charset="-128"/>
+                <a:ea typeface="チェックポイント．（ピリオド）" panose="02000600000000000000" pitchFamily="50" charset="-128"/>
+              </a:rPr>
+              <a:t>研究所や兵舎のレベルを一定量上げる</a:t>
+            </a:r>
+            <a:r>
+              <a:rPr lang="ja-JP" altLang="en-US" sz="2400" dirty="0">
+                <a:latin typeface="チェックポイント．（ピリオド）" panose="02000600000000000000" pitchFamily="50" charset="-128"/>
+                <a:ea typeface="チェックポイント．（ピリオド）" panose="02000600000000000000" pitchFamily="50" charset="-128"/>
+              </a:rPr>
+              <a:t>ことによって惑星が発展します。</a:t>
+            </a:r>
+            <a:endParaRPr lang="en-US" altLang="ja-JP" sz="2400" dirty="0">
               <a:latin typeface="チェックポイント．（ピリオド）" panose="02000600000000000000" pitchFamily="50" charset="-128"/>
               <a:ea typeface="チェックポイント．（ピリオド）" panose="02000600000000000000" pitchFamily="50" charset="-128"/>
             </a:endParaRPr>
@@ -7104,8 +7319,8 @@
         </p:nvSpPr>
         <p:spPr>
           <a:xfrm>
-            <a:off x="1785889" y="2809935"/>
-            <a:ext cx="8620219" cy="369332"/>
+            <a:off x="312300" y="2728899"/>
+            <a:ext cx="11652881" cy="461665"/>
           </a:xfrm>
           <a:prstGeom prst="rect">
             <a:avLst/>
@@ -7119,32 +7334,108 @@
           <a:lstStyle/>
           <a:p>
             <a:r>
-              <a:rPr kumimoji="1" lang="ja-JP" altLang="en-US" dirty="0">
-                <a:latin typeface="チェックポイント．（ピリオド）" panose="02000600000000000000" pitchFamily="50" charset="-128"/>
-                <a:ea typeface="チェックポイント．（ピリオド）" panose="02000600000000000000" pitchFamily="50" charset="-128"/>
-              </a:rPr>
-              <a:t>惑星が発展することによって惑星の見た目や育成画面の背景に</a:t>
-            </a:r>
-            <a:r>
-              <a:rPr lang="ja-JP" altLang="en-US" dirty="0">
+              <a:rPr kumimoji="1" lang="ja-JP" altLang="en-US" sz="2400" dirty="0">
+                <a:latin typeface="チェックポイント．（ピリオド）" panose="02000600000000000000" pitchFamily="50" charset="-128"/>
+                <a:ea typeface="チェックポイント．（ピリオド）" panose="02000600000000000000" pitchFamily="50" charset="-128"/>
+              </a:rPr>
+              <a:t>惑星が発展することにより、惑星の見た目や育成画面の背景に</a:t>
+            </a:r>
+            <a:r>
+              <a:rPr lang="ja-JP" altLang="en-US" sz="2400" dirty="0">
                 <a:latin typeface="チェックポイント．（ピリオド）" panose="02000600000000000000" pitchFamily="50" charset="-128"/>
                 <a:ea typeface="チェックポイント．（ピリオド）" panose="02000600000000000000" pitchFamily="50" charset="-128"/>
               </a:rPr>
               <a:t>変化が起こります。</a:t>
             </a:r>
-            <a:endParaRPr kumimoji="1" lang="en-US" altLang="ja-JP" dirty="0">
+            <a:endParaRPr kumimoji="1" lang="en-US" altLang="ja-JP" sz="2400" dirty="0">
               <a:latin typeface="チェックポイント．（ピリオド）" panose="02000600000000000000" pitchFamily="50" charset="-128"/>
               <a:ea typeface="チェックポイント．（ピリオド）" panose="02000600000000000000" pitchFamily="50" charset="-128"/>
             </a:endParaRPr>
           </a:p>
         </p:txBody>
       </p:sp>
+      <p:sp>
+        <p:nvSpPr>
+          <p:cNvPr id="16" name="テキスト ボックス 15">
+            <a:extLst>
+              <a:ext uri="{FF2B5EF4-FFF2-40B4-BE49-F238E27FC236}">
+                <a16:creationId xmlns:a16="http://schemas.microsoft.com/office/drawing/2014/main" id="{EAD140C4-19B0-40CF-8A7F-5B444A6FB643}"/>
+              </a:ext>
+            </a:extLst>
+          </p:cNvPr>
+          <p:cNvSpPr txBox="1"/>
+          <p:nvPr/>
+        </p:nvSpPr>
+        <p:spPr>
+          <a:xfrm>
+            <a:off x="2899068" y="4039114"/>
+            <a:ext cx="3159201" cy="369332"/>
+          </a:xfrm>
+          <a:prstGeom prst="rect">
+            <a:avLst/>
+          </a:prstGeom>
+          <a:noFill/>
+        </p:spPr>
+        <p:txBody>
+          <a:bodyPr wrap="square" rtlCol="0">
+            <a:spAutoFit/>
+          </a:bodyPr>
+          <a:lstStyle/>
+          <a:p>
+            <a:r>
+              <a:rPr kumimoji="1" lang="ja-JP" altLang="en-US" dirty="0">
+                <a:latin typeface="チェックポイント．（ピリオド）" panose="02000600000000000000" pitchFamily="50" charset="-128"/>
+                <a:ea typeface="チェックポイント．（ピリオド）" panose="02000600000000000000" pitchFamily="50" charset="-128"/>
+              </a:rPr>
+              <a:t>発展すると？</a:t>
+            </a:r>
+          </a:p>
+        </p:txBody>
+      </p:sp>
+      <p:sp>
+        <p:nvSpPr>
+          <p:cNvPr id="17" name="テキスト ボックス 16">
+            <a:extLst>
+              <a:ext uri="{FF2B5EF4-FFF2-40B4-BE49-F238E27FC236}">
+                <a16:creationId xmlns:a16="http://schemas.microsoft.com/office/drawing/2014/main" id="{35A6466D-48F7-44F6-AA87-CA2E29ED1A92}"/>
+              </a:ext>
+            </a:extLst>
+          </p:cNvPr>
+          <p:cNvSpPr txBox="1"/>
+          <p:nvPr/>
+        </p:nvSpPr>
+        <p:spPr>
+          <a:xfrm>
+            <a:off x="7605202" y="6234637"/>
+            <a:ext cx="5072849" cy="369332"/>
+          </a:xfrm>
+          <a:prstGeom prst="rect">
+            <a:avLst/>
+          </a:prstGeom>
+          <a:noFill/>
+        </p:spPr>
+        <p:txBody>
+          <a:bodyPr wrap="square" rtlCol="0">
+            <a:spAutoFit/>
+          </a:bodyPr>
+          <a:lstStyle/>
+          <a:p>
+            <a:r>
+              <a:rPr kumimoji="1" lang="ja-JP" altLang="en-US" dirty="0">
+                <a:latin typeface="チェックポイント．（ピリオド）" panose="02000600000000000000" pitchFamily="50" charset="-128"/>
+                <a:ea typeface="チェックポイント．（ピリオド）" panose="02000600000000000000" pitchFamily="50" charset="-128"/>
+              </a:rPr>
+              <a:t>惑星の見た目が変わっていく</a:t>
+            </a:r>
+          </a:p>
+        </p:txBody>
+      </p:sp>
       <p:grpSp>
         <p:nvGrpSpPr>
-          <p:cNvPr id="15" name="グループ化 14">
+          <p:cNvPr id="20" name="グループ化 19">
             <a:extLst>
               <a:ext uri="{FF2B5EF4-FFF2-40B4-BE49-F238E27FC236}">
-                <a16:creationId xmlns:a16="http://schemas.microsoft.com/office/drawing/2014/main" id="{15788240-D820-4655-BB37-F8BAAF162EA3}"/>
+                <a16:creationId xmlns:a16="http://schemas.microsoft.com/office/drawing/2014/main" id="{F2B7319D-4B0F-4E88-BF97-C6858CA42543}"/>
               </a:ext>
             </a:extLst>
           </p:cNvPr>
@@ -7153,10 +7444,10 @@
         </p:nvGrpSpPr>
         <p:grpSpPr>
           <a:xfrm>
-            <a:off x="2582663" y="4606780"/>
-            <a:ext cx="7026670" cy="1445295"/>
-            <a:chOff x="1740023" y="3576970"/>
-            <a:chExt cx="7026670" cy="1445295"/>
+            <a:off x="2582663" y="4651898"/>
+            <a:ext cx="6938769" cy="1170393"/>
+            <a:chOff x="2582663" y="4651898"/>
+            <a:chExt cx="6938769" cy="1170393"/>
           </a:xfrm>
         </p:grpSpPr>
         <p:pic>
@@ -7186,7 +7477,7 @@
           </p:blipFill>
           <p:spPr>
             <a:xfrm>
-              <a:off x="1740023" y="3622089"/>
+              <a:off x="2582663" y="4651899"/>
               <a:ext cx="1171853" cy="1170392"/>
             </a:xfrm>
             <a:prstGeom prst="rect">
@@ -7194,303 +7485,151 @@
             </a:prstGeom>
           </p:spPr>
         </p:pic>
-        <p:sp>
-          <p:nvSpPr>
-            <p:cNvPr id="11" name="楕円 10">
+        <p:pic>
+          <p:nvPicPr>
+            <p:cNvPr id="3" name="図 2">
               <a:extLst>
                 <a:ext uri="{FF2B5EF4-FFF2-40B4-BE49-F238E27FC236}">
-                  <a16:creationId xmlns:a16="http://schemas.microsoft.com/office/drawing/2014/main" id="{8A994E23-DFEF-4C35-AD34-9626093EFBC7}"/>
+                  <a16:creationId xmlns:a16="http://schemas.microsoft.com/office/drawing/2014/main" id="{76874239-A564-450E-95B6-FA50B49D3D17}"/>
                 </a:ext>
               </a:extLst>
             </p:cNvPr>
-            <p:cNvSpPr/>
+            <p:cNvPicPr>
+              <a:picLocks noChangeAspect="1"/>
+            </p:cNvPicPr>
             <p:nvPr/>
-          </p:nvSpPr>
+          </p:nvPicPr>
+          <p:blipFill>
+            <a:blip r:embed="rId3">
+              <a:extLst>
+                <a:ext uri="{28A0092B-C50C-407E-A947-70E740481C1C}">
+                  <a14:useLocalDpi xmlns:a14="http://schemas.microsoft.com/office/drawing/2010/main" val="0"/>
+                </a:ext>
+              </a:extLst>
+            </a:blip>
+            <a:stretch>
+              <a:fillRect/>
+            </a:stretch>
+          </p:blipFill>
           <p:spPr>
-            <a:xfrm>
-              <a:off x="4567560" y="3622089"/>
-              <a:ext cx="1296139" cy="1260629"/>
+            <a:xfrm rot="5400000">
+              <a:off x="4248935" y="4512190"/>
+              <a:ext cx="724227" cy="1448463"/>
             </a:xfrm>
-            <a:prstGeom prst="ellipse">
+            <a:prstGeom prst="rect">
               <a:avLst/>
             </a:prstGeom>
           </p:spPr>
-          <p:style>
-            <a:lnRef idx="2">
-              <a:schemeClr val="accent1">
-                <a:shade val="50000"/>
-              </a:schemeClr>
-            </a:lnRef>
-            <a:fillRef idx="1">
-              <a:schemeClr val="accent1"/>
-            </a:fillRef>
-            <a:effectRef idx="0">
-              <a:schemeClr val="accent1"/>
-            </a:effectRef>
-            <a:fontRef idx="minor">
-              <a:schemeClr val="lt1"/>
-            </a:fontRef>
-          </p:style>
-          <p:txBody>
-            <a:bodyPr rtlCol="0" anchor="ctr"/>
-            <a:lstStyle/>
-            <a:p>
-              <a:pPr algn="ctr"/>
-              <a:r>
-                <a:rPr lang="ja-JP" altLang="en-US" dirty="0"/>
-                <a:t>？の画像を読み込む予定</a:t>
-              </a:r>
-              <a:endParaRPr kumimoji="1" lang="ja-JP" altLang="en-US" dirty="0"/>
-            </a:p>
-          </p:txBody>
-        </p:sp>
-        <p:sp>
-          <p:nvSpPr>
-            <p:cNvPr id="12" name="楕円 11">
+        </p:pic>
+        <p:pic>
+          <p:nvPicPr>
+            <p:cNvPr id="18" name="図 17">
               <a:extLst>
                 <a:ext uri="{FF2B5EF4-FFF2-40B4-BE49-F238E27FC236}">
-                  <a16:creationId xmlns:a16="http://schemas.microsoft.com/office/drawing/2014/main" id="{9286BAD0-160A-4EFB-A2B3-D5B232D84225}"/>
+                  <a16:creationId xmlns:a16="http://schemas.microsoft.com/office/drawing/2014/main" id="{0AB0B9E4-14DF-45A3-A28A-92DB7B5FED7E}"/>
                 </a:ext>
               </a:extLst>
             </p:cNvPr>
-            <p:cNvSpPr/>
+            <p:cNvPicPr>
+              <a:picLocks noChangeAspect="1"/>
+            </p:cNvPicPr>
             <p:nvPr/>
-          </p:nvSpPr>
+          </p:nvPicPr>
+          <p:blipFill>
+            <a:blip r:embed="rId3">
+              <a:extLst>
+                <a:ext uri="{28A0092B-C50C-407E-A947-70E740481C1C}">
+                  <a14:useLocalDpi xmlns:a14="http://schemas.microsoft.com/office/drawing/2010/main" val="0"/>
+                </a:ext>
+              </a:extLst>
+            </a:blip>
+            <a:stretch>
+              <a:fillRect/>
+            </a:stretch>
+          </p:blipFill>
           <p:spPr>
-            <a:xfrm>
-              <a:off x="7470554" y="3576970"/>
-              <a:ext cx="1296139" cy="1260629"/>
+            <a:xfrm rot="5400000">
+              <a:off x="7132393" y="4512862"/>
+              <a:ext cx="724227" cy="1448463"/>
             </a:xfrm>
-            <a:prstGeom prst="ellipse">
+            <a:prstGeom prst="rect">
               <a:avLst/>
             </a:prstGeom>
           </p:spPr>
-          <p:style>
-            <a:lnRef idx="2">
-              <a:schemeClr val="accent1">
-                <a:shade val="50000"/>
-              </a:schemeClr>
-            </a:lnRef>
-            <a:fillRef idx="1">
-              <a:schemeClr val="accent1"/>
-            </a:fillRef>
-            <a:effectRef idx="0">
-              <a:schemeClr val="accent1"/>
-            </a:effectRef>
-            <a:fontRef idx="minor">
-              <a:schemeClr val="lt1"/>
-            </a:fontRef>
-          </p:style>
-          <p:txBody>
-            <a:bodyPr rtlCol="0" anchor="ctr"/>
-            <a:lstStyle/>
-            <a:p>
-              <a:pPr algn="ctr"/>
-              <a:r>
-                <a:rPr lang="ja-JP" altLang="en-US" dirty="0"/>
-                <a:t>？の画像を読み込む予定</a:t>
-              </a:r>
-              <a:endParaRPr kumimoji="1" lang="ja-JP" altLang="en-US" dirty="0"/>
-            </a:p>
-          </p:txBody>
-        </p:sp>
-        <p:sp>
-          <p:nvSpPr>
-            <p:cNvPr id="13" name="矢印: 上カーブ 12">
+        </p:pic>
+        <p:pic>
+          <p:nvPicPr>
+            <p:cNvPr id="6" name="図 5" descr="歯車, 車輪 が含まれている画像&#10;&#10;自動的に生成された説明">
               <a:extLst>
                 <a:ext uri="{FF2B5EF4-FFF2-40B4-BE49-F238E27FC236}">
-                  <a16:creationId xmlns:a16="http://schemas.microsoft.com/office/drawing/2014/main" id="{585F1892-6660-4147-A83E-1EE920318942}"/>
+                  <a16:creationId xmlns:a16="http://schemas.microsoft.com/office/drawing/2014/main" id="{719E7009-8045-4D66-A55A-5EE8D48EF64A}"/>
                 </a:ext>
               </a:extLst>
             </p:cNvPr>
-            <p:cNvSpPr/>
+            <p:cNvPicPr>
+              <a:picLocks noChangeAspect="1"/>
+            </p:cNvPicPr>
             <p:nvPr/>
-          </p:nvSpPr>
+          </p:nvPicPr>
+          <p:blipFill>
+            <a:blip r:embed="rId4" cstate="print">
+              <a:extLst>
+                <a:ext uri="{28A0092B-C50C-407E-A947-70E740481C1C}">
+                  <a14:useLocalDpi xmlns:a14="http://schemas.microsoft.com/office/drawing/2010/main" val="0"/>
+                </a:ext>
+              </a:extLst>
+            </a:blip>
+            <a:stretch>
+              <a:fillRect/>
+            </a:stretch>
+          </p:blipFill>
           <p:spPr>
             <a:xfrm>
-              <a:off x="2885244" y="4607815"/>
-              <a:ext cx="1797727" cy="369332"/>
+              <a:off x="5467582" y="4651898"/>
+              <a:ext cx="1170392" cy="1170392"/>
             </a:xfrm>
-            <a:prstGeom prst="curvedUpArrow">
-              <a:avLst>
-                <a:gd name="adj1" fmla="val 190531"/>
-                <a:gd name="adj2" fmla="val 190531"/>
-                <a:gd name="adj3" fmla="val 25000"/>
-              </a:avLst>
+            <a:prstGeom prst="rect">
+              <a:avLst/>
             </a:prstGeom>
-            <a:solidFill>
-              <a:schemeClr val="accent4">
-                <a:lumMod val="60000"/>
-                <a:lumOff val="40000"/>
-              </a:schemeClr>
-            </a:solidFill>
           </p:spPr>
-          <p:style>
-            <a:lnRef idx="2">
-              <a:schemeClr val="accent1">
-                <a:shade val="50000"/>
-              </a:schemeClr>
-            </a:lnRef>
-            <a:fillRef idx="1">
-              <a:schemeClr val="accent1"/>
-            </a:fillRef>
-            <a:effectRef idx="0">
-              <a:schemeClr val="accent1"/>
-            </a:effectRef>
-            <a:fontRef idx="minor">
-              <a:schemeClr val="lt1"/>
-            </a:fontRef>
-          </p:style>
-          <p:txBody>
-            <a:bodyPr rtlCol="0" anchor="ctr"/>
-            <a:lstStyle/>
-            <a:p>
-              <a:pPr algn="ctr"/>
-              <a:endParaRPr kumimoji="1" lang="ja-JP" altLang="en-US">
-                <a:solidFill>
-                  <a:schemeClr val="tx1"/>
-                </a:solidFill>
-              </a:endParaRPr>
-            </a:p>
-          </p:txBody>
-        </p:sp>
-        <p:sp>
-          <p:nvSpPr>
-            <p:cNvPr id="14" name="矢印: 上カーブ 13">
+        </p:pic>
+        <p:pic>
+          <p:nvPicPr>
+            <p:cNvPr id="19" name="図 18" descr="車輪 が含まれている画像&#10;&#10;自動的に生成された説明">
               <a:extLst>
                 <a:ext uri="{FF2B5EF4-FFF2-40B4-BE49-F238E27FC236}">
-                  <a16:creationId xmlns:a16="http://schemas.microsoft.com/office/drawing/2014/main" id="{B9CD0591-2CA7-4E22-92D3-BC985F655519}"/>
+                  <a16:creationId xmlns:a16="http://schemas.microsoft.com/office/drawing/2014/main" id="{E345A25F-5D95-4CBD-ADD0-087829B4C775}"/>
                 </a:ext>
               </a:extLst>
             </p:cNvPr>
-            <p:cNvSpPr/>
+            <p:cNvPicPr>
+              <a:picLocks noChangeAspect="1"/>
+            </p:cNvPicPr>
             <p:nvPr/>
-          </p:nvSpPr>
+          </p:nvPicPr>
+          <p:blipFill>
+            <a:blip r:embed="rId5" cstate="print">
+              <a:extLst>
+                <a:ext uri="{28A0092B-C50C-407E-A947-70E740481C1C}">
+                  <a14:useLocalDpi xmlns:a14="http://schemas.microsoft.com/office/drawing/2010/main" val="0"/>
+                </a:ext>
+              </a:extLst>
+            </a:blip>
+            <a:stretch>
+              <a:fillRect/>
+            </a:stretch>
+          </p:blipFill>
           <p:spPr>
             <a:xfrm>
-              <a:off x="5863699" y="4652933"/>
-              <a:ext cx="1797727" cy="369332"/>
+              <a:off x="8351040" y="4651898"/>
+              <a:ext cx="1170392" cy="1170392"/>
             </a:xfrm>
-            <a:prstGeom prst="curvedUpArrow">
-              <a:avLst>
-                <a:gd name="adj1" fmla="val 190531"/>
-                <a:gd name="adj2" fmla="val 190531"/>
-                <a:gd name="adj3" fmla="val 25000"/>
-              </a:avLst>
+            <a:prstGeom prst="rect">
+              <a:avLst/>
             </a:prstGeom>
-            <a:solidFill>
-              <a:schemeClr val="accent4">
-                <a:lumMod val="60000"/>
-                <a:lumOff val="40000"/>
-              </a:schemeClr>
-            </a:solidFill>
           </p:spPr>
-          <p:style>
-            <a:lnRef idx="2">
-              <a:schemeClr val="accent1">
-                <a:shade val="50000"/>
-              </a:schemeClr>
-            </a:lnRef>
-            <a:fillRef idx="1">
-              <a:schemeClr val="accent1"/>
-            </a:fillRef>
-            <a:effectRef idx="0">
-              <a:schemeClr val="accent1"/>
-            </a:effectRef>
-            <a:fontRef idx="minor">
-              <a:schemeClr val="lt1"/>
-            </a:fontRef>
-          </p:style>
-          <p:txBody>
-            <a:bodyPr rtlCol="0" anchor="ctr"/>
-            <a:lstStyle/>
-            <a:p>
-              <a:pPr algn="ctr"/>
-              <a:endParaRPr kumimoji="1" lang="ja-JP" altLang="en-US">
-                <a:solidFill>
-                  <a:schemeClr val="tx1"/>
-                </a:solidFill>
-              </a:endParaRPr>
-            </a:p>
-          </p:txBody>
-        </p:sp>
+        </p:pic>
       </p:grpSp>
-      <p:sp>
-        <p:nvSpPr>
-          <p:cNvPr id="16" name="テキスト ボックス 15">
-            <a:extLst>
-              <a:ext uri="{FF2B5EF4-FFF2-40B4-BE49-F238E27FC236}">
-                <a16:creationId xmlns:a16="http://schemas.microsoft.com/office/drawing/2014/main" id="{EAD140C4-19B0-40CF-8A7F-5B444A6FB643}"/>
-              </a:ext>
-            </a:extLst>
-          </p:cNvPr>
-          <p:cNvSpPr txBox="1"/>
-          <p:nvPr/>
-        </p:nvSpPr>
-        <p:spPr>
-          <a:xfrm>
-            <a:off x="2899068" y="4039114"/>
-            <a:ext cx="3159201" cy="369332"/>
-          </a:xfrm>
-          <a:prstGeom prst="rect">
-            <a:avLst/>
-          </a:prstGeom>
-          <a:noFill/>
-        </p:spPr>
-        <p:txBody>
-          <a:bodyPr wrap="square" rtlCol="0">
-            <a:spAutoFit/>
-          </a:bodyPr>
-          <a:lstStyle/>
-          <a:p>
-            <a:r>
-              <a:rPr kumimoji="1" lang="ja-JP" altLang="en-US" dirty="0">
-                <a:latin typeface="チェックポイント．（ピリオド）" panose="02000600000000000000" pitchFamily="50" charset="-128"/>
-                <a:ea typeface="チェックポイント．（ピリオド）" panose="02000600000000000000" pitchFamily="50" charset="-128"/>
-              </a:rPr>
-              <a:t>発展すると？</a:t>
-            </a:r>
-          </a:p>
-        </p:txBody>
-      </p:sp>
-      <p:sp>
-        <p:nvSpPr>
-          <p:cNvPr id="17" name="テキスト ボックス 16">
-            <a:extLst>
-              <a:ext uri="{FF2B5EF4-FFF2-40B4-BE49-F238E27FC236}">
-                <a16:creationId xmlns:a16="http://schemas.microsoft.com/office/drawing/2014/main" id="{35A6466D-48F7-44F6-AA87-CA2E29ED1A92}"/>
-              </a:ext>
-            </a:extLst>
-          </p:cNvPr>
-          <p:cNvSpPr txBox="1"/>
-          <p:nvPr/>
-        </p:nvSpPr>
-        <p:spPr>
-          <a:xfrm>
-            <a:off x="7605202" y="6234637"/>
-            <a:ext cx="5072849" cy="369332"/>
-          </a:xfrm>
-          <a:prstGeom prst="rect">
-            <a:avLst/>
-          </a:prstGeom>
-          <a:noFill/>
-        </p:spPr>
-        <p:txBody>
-          <a:bodyPr wrap="square" rtlCol="0">
-            <a:spAutoFit/>
-          </a:bodyPr>
-          <a:lstStyle/>
-          <a:p>
-            <a:r>
-              <a:rPr kumimoji="1" lang="ja-JP" altLang="en-US" dirty="0">
-                <a:latin typeface="チェックポイント．（ピリオド）" panose="02000600000000000000" pitchFamily="50" charset="-128"/>
-                <a:ea typeface="チェックポイント．（ピリオド）" panose="02000600000000000000" pitchFamily="50" charset="-128"/>
-              </a:rPr>
-              <a:t>惑星の見た目が変わっていく</a:t>
-            </a:r>
-          </a:p>
-        </p:txBody>
-      </p:sp>
     </p:spTree>
     <p:extLst>
       <p:ext uri="{BB962C8B-B14F-4D97-AF65-F5344CB8AC3E}">
@@ -7531,10 +7670,10 @@
       </p:grpSpPr>
       <p:pic>
         <p:nvPicPr>
-          <p:cNvPr id="3" name="図 2" descr="物体 が含まれている画像&#10;&#10;自動的に生成された説明">
+          <p:cNvPr id="2" name="図 1">
             <a:extLst>
               <a:ext uri="{FF2B5EF4-FFF2-40B4-BE49-F238E27FC236}">
-                <a16:creationId xmlns:a16="http://schemas.microsoft.com/office/drawing/2014/main" id="{69BA893B-4907-48D5-8940-A23E267BFE4C}"/>
+                <a16:creationId xmlns:a16="http://schemas.microsoft.com/office/drawing/2014/main" id="{ABA9EEB5-CD54-4299-B4B2-40DB1CEF4FD2}"/>
               </a:ext>
             </a:extLst>
           </p:cNvPr>
@@ -7544,20 +7683,14 @@
           <p:nvPr/>
         </p:nvPicPr>
         <p:blipFill rotWithShape="1">
-          <a:blip r:embed="rId2">
-            <a:extLst>
-              <a:ext uri="{28A0092B-C50C-407E-A947-70E740481C1C}">
-                <a14:useLocalDpi xmlns:a14="http://schemas.microsoft.com/office/drawing/2010/main" val="0"/>
-              </a:ext>
-            </a:extLst>
-          </a:blip>
-          <a:srcRect l="4913" t="12552" r="4467" b="4377"/>
+          <a:blip r:embed="rId2"/>
+          <a:srcRect t="4493"/>
           <a:stretch/>
         </p:blipFill>
         <p:spPr>
           <a:xfrm>
-            <a:off x="2441358" y="1570960"/>
-            <a:ext cx="6995605" cy="3718376"/>
+            <a:off x="2453195" y="1449599"/>
+            <a:ext cx="6995605" cy="3839737"/>
           </a:xfrm>
           <a:prstGeom prst="rect">
             <a:avLst/>
@@ -7577,8 +7710,8 @@
           </a:xfrm>
           <a:prstGeom prst="wedgeRectCallout">
             <a:avLst>
-              <a:gd name="adj1" fmla="val 33306"/>
-              <a:gd name="adj2" fmla="val 76192"/>
+              <a:gd name="adj1" fmla="val 41436"/>
+              <a:gd name="adj2" fmla="val 85130"/>
             </a:avLst>
           </a:prstGeom>
           <a:solidFill>
@@ -7687,8 +7820,8 @@
           </a:xfrm>
           <a:prstGeom prst="wedgeRectCallout">
             <a:avLst>
-              <a:gd name="adj1" fmla="val 27916"/>
-              <a:gd name="adj2" fmla="val -82918"/>
+              <a:gd name="adj1" fmla="val 29002"/>
+              <a:gd name="adj2" fmla="val -107730"/>
             </a:avLst>
           </a:prstGeom>
           <a:solidFill>
@@ -7807,8 +7940,8 @@
           </a:xfrm>
           <a:prstGeom prst="wedgeRectCallout">
             <a:avLst>
-              <a:gd name="adj1" fmla="val -25274"/>
-              <a:gd name="adj2" fmla="val -73648"/>
+              <a:gd name="adj1" fmla="val -34972"/>
+              <a:gd name="adj2" fmla="val -99721"/>
             </a:avLst>
           </a:prstGeom>
           <a:solidFill>
@@ -7924,8 +8057,8 @@
           </a:xfrm>
           <a:prstGeom prst="wedgeRectCallout">
             <a:avLst>
-              <a:gd name="adj1" fmla="val -30335"/>
-              <a:gd name="adj2" fmla="val 80477"/>
+              <a:gd name="adj1" fmla="val -41904"/>
+              <a:gd name="adj2" fmla="val 96575"/>
             </a:avLst>
           </a:prstGeom>
           <a:solidFill>
@@ -8081,8 +8214,8 @@
         </p:nvSpPr>
         <p:spPr>
           <a:xfrm>
-            <a:off x="2687782" y="1885435"/>
-            <a:ext cx="3343562" cy="1645548"/>
+            <a:off x="3077305" y="1996751"/>
+            <a:ext cx="2954037" cy="1438754"/>
           </a:xfrm>
           <a:prstGeom prst="rect">
             <a:avLst/>
@@ -8133,8 +8266,8 @@
         </p:nvSpPr>
         <p:spPr>
           <a:xfrm>
-            <a:off x="2687782" y="3563730"/>
-            <a:ext cx="3343562" cy="1650858"/>
+            <a:off x="3077306" y="3442011"/>
+            <a:ext cx="2954037" cy="1432249"/>
           </a:xfrm>
           <a:prstGeom prst="rect">
             <a:avLst/>
@@ -8185,8 +8318,8 @@
         </p:nvSpPr>
         <p:spPr>
           <a:xfrm>
-            <a:off x="6031344" y="1882940"/>
-            <a:ext cx="3343562" cy="1648786"/>
+            <a:off x="6031344" y="1996751"/>
+            <a:ext cx="2954036" cy="1432250"/>
           </a:xfrm>
           <a:prstGeom prst="rect">
             <a:avLst/>
@@ -8237,8 +8370,8 @@
         </p:nvSpPr>
         <p:spPr>
           <a:xfrm>
-            <a:off x="6031344" y="3552046"/>
-            <a:ext cx="3343562" cy="1648786"/>
+            <a:off x="6031344" y="3442012"/>
+            <a:ext cx="2954036" cy="1432250"/>
           </a:xfrm>
           <a:prstGeom prst="rect">
             <a:avLst/>
@@ -8307,10 +8440,10 @@
       </p:grpSpPr>
       <p:pic>
         <p:nvPicPr>
-          <p:cNvPr id="3" name="図 2" descr="テキスト, スコアボード, 屋外, 標識 が含まれている画像&#10;&#10;自動的に生成された説明">
+          <p:cNvPr id="2" name="図 1">
             <a:extLst>
               <a:ext uri="{FF2B5EF4-FFF2-40B4-BE49-F238E27FC236}">
-                <a16:creationId xmlns:a16="http://schemas.microsoft.com/office/drawing/2014/main" id="{D1EC1C6B-8E37-484B-BC32-54F28F2C22FE}"/>
+                <a16:creationId xmlns:a16="http://schemas.microsoft.com/office/drawing/2014/main" id="{FACDA18E-C9A9-4595-A67B-3D09A78991DE}"/>
               </a:ext>
             </a:extLst>
           </p:cNvPr>
@@ -8320,20 +8453,14 @@
           <p:nvPr/>
         </p:nvPicPr>
         <p:blipFill rotWithShape="1">
-          <a:blip r:embed="rId2">
-            <a:extLst>
-              <a:ext uri="{28A0092B-C50C-407E-A947-70E740481C1C}">
-                <a14:useLocalDpi xmlns:a14="http://schemas.microsoft.com/office/drawing/2010/main" val="0"/>
-              </a:ext>
-            </a:extLst>
-          </a:blip>
-          <a:srcRect l="3501" t="10193" r="2829"/>
+          <a:blip r:embed="rId2"/>
+          <a:srcRect l="2015" t="6800" r="1901" b="2181"/>
           <a:stretch/>
         </p:blipFill>
         <p:spPr>
           <a:xfrm>
-            <a:off x="67952" y="1155700"/>
-            <a:ext cx="7658880" cy="4743111"/>
+            <a:off x="67952" y="1155698"/>
+            <a:ext cx="7617738" cy="4711702"/>
           </a:xfrm>
           <a:prstGeom prst="rect">
             <a:avLst/>
@@ -8460,8 +8587,8 @@
           </a:xfrm>
           <a:prstGeom prst="wedgeRectCallout">
             <a:avLst>
-              <a:gd name="adj1" fmla="val -52861"/>
-              <a:gd name="adj2" fmla="val -20103"/>
+              <a:gd name="adj1" fmla="val -58188"/>
+              <a:gd name="adj2" fmla="val -12158"/>
             </a:avLst>
           </a:prstGeom>
           <a:solidFill>
@@ -8580,8 +8707,8 @@
           </a:xfrm>
           <a:prstGeom prst="wedgeRectCallout">
             <a:avLst>
-              <a:gd name="adj1" fmla="val -52197"/>
-              <a:gd name="adj2" fmla="val -22206"/>
+              <a:gd name="adj1" fmla="val -58856"/>
+              <a:gd name="adj2" fmla="val -20020"/>
             </a:avLst>
           </a:prstGeom>
           <a:solidFill>
@@ -8897,7 +9024,7 @@
         <p:spPr>
           <a:xfrm>
             <a:off x="3149600" y="3225800"/>
-            <a:ext cx="4577232" cy="1320800"/>
+            <a:ext cx="4314890" cy="1320800"/>
           </a:xfrm>
           <a:prstGeom prst="rect">
             <a:avLst/>
@@ -8949,7 +9076,7 @@
         <p:spPr>
           <a:xfrm>
             <a:off x="3149600" y="4546600"/>
-            <a:ext cx="4577232" cy="1320800"/>
+            <a:ext cx="4314890" cy="1155701"/>
           </a:xfrm>
           <a:prstGeom prst="rect">
             <a:avLst/>
@@ -9052,8 +9179,8 @@
         </p:nvSpPr>
         <p:spPr>
           <a:xfrm>
-            <a:off x="459426" y="1641813"/>
-            <a:ext cx="2298700" cy="663067"/>
+            <a:off x="718456" y="1754155"/>
+            <a:ext cx="2039669" cy="550725"/>
           </a:xfrm>
           <a:prstGeom prst="rect">
             <a:avLst/>
@@ -9188,10 +9315,10 @@
       </p:grpSpPr>
       <p:pic>
         <p:nvPicPr>
-          <p:cNvPr id="3" name="図 2" descr="テキスト, 標識, 通り, 屋外 が含まれている画像&#10;&#10;自動的に生成された説明">
+          <p:cNvPr id="2" name="図 1">
             <a:extLst>
               <a:ext uri="{FF2B5EF4-FFF2-40B4-BE49-F238E27FC236}">
-                <a16:creationId xmlns:a16="http://schemas.microsoft.com/office/drawing/2014/main" id="{EB877469-AC96-48FE-9472-8035C84EFB97}"/>
+                <a16:creationId xmlns:a16="http://schemas.microsoft.com/office/drawing/2014/main" id="{6D8FB80E-219E-48B7-8A76-83136658BD39}"/>
               </a:ext>
             </a:extLst>
           </p:cNvPr>
@@ -9201,20 +9328,14 @@
           <p:nvPr/>
         </p:nvPicPr>
         <p:blipFill rotWithShape="1">
-          <a:blip r:embed="rId2">
-            <a:extLst>
-              <a:ext uri="{28A0092B-C50C-407E-A947-70E740481C1C}">
-                <a14:useLocalDpi xmlns:a14="http://schemas.microsoft.com/office/drawing/2010/main" val="0"/>
-              </a:ext>
-            </a:extLst>
-          </a:blip>
-          <a:srcRect l="3391" t="9807" r="4509" b="1690"/>
+          <a:blip r:embed="rId2"/>
+          <a:srcRect l="2302" t="6911" r="2302" b="2720"/>
           <a:stretch/>
         </p:blipFill>
         <p:spPr>
           <a:xfrm>
-            <a:off x="203201" y="1041399"/>
-            <a:ext cx="8039100" cy="4479207"/>
+            <a:off x="203200" y="1041400"/>
+            <a:ext cx="8039100" cy="4476648"/>
           </a:xfrm>
           <a:prstGeom prst="rect">
             <a:avLst/>
@@ -9234,8 +9355,8 @@
           </a:xfrm>
           <a:prstGeom prst="wedgeRectCallout">
             <a:avLst>
-              <a:gd name="adj1" fmla="val -52340"/>
-              <a:gd name="adj2" fmla="val 66809"/>
+              <a:gd name="adj1" fmla="val -55525"/>
+              <a:gd name="adj2" fmla="val 65875"/>
             </a:avLst>
           </a:prstGeom>
           <a:solidFill>
@@ -9426,7 +9547,7 @@
                 <a:latin typeface="チェックポイント．（ピリオド）" panose="02000600000000000000" pitchFamily="50" charset="-128"/>
                 <a:ea typeface="チェックポイント．（ピリオド）" panose="02000600000000000000" pitchFamily="50" charset="-128"/>
               </a:rPr>
-              <a:t>住人の数が減ってる</a:t>
+              <a:t>住人の数が減る</a:t>
             </a:r>
             <a:r>
               <a:rPr lang="ja-JP" altLang="en-US" sz="2000" dirty="0">
@@ -9608,8 +9729,8 @@
         </p:nvSpPr>
         <p:spPr>
           <a:xfrm>
-            <a:off x="3336965" y="1638300"/>
-            <a:ext cx="4905336" cy="3108118"/>
+            <a:off x="3340359" y="1698170"/>
+            <a:ext cx="4805265" cy="2967135"/>
           </a:xfrm>
           <a:prstGeom prst="rect">
             <a:avLst/>
@@ -9660,8 +9781,8 @@
         </p:nvSpPr>
         <p:spPr>
           <a:xfrm>
-            <a:off x="203201" y="3225800"/>
-            <a:ext cx="3133764" cy="2292248"/>
+            <a:off x="317241" y="3225800"/>
+            <a:ext cx="3019724" cy="2117518"/>
           </a:xfrm>
           <a:prstGeom prst="rect">
             <a:avLst/>
@@ -9712,8 +9833,8 @@
         </p:nvSpPr>
         <p:spPr>
           <a:xfrm>
-            <a:off x="5362536" y="4940244"/>
-            <a:ext cx="2879766" cy="577803"/>
+            <a:off x="5250569" y="4828277"/>
+            <a:ext cx="2736435" cy="515041"/>
           </a:xfrm>
           <a:prstGeom prst="rect">
             <a:avLst/>
@@ -9769,8 +9890,8 @@
           </a:xfrm>
           <a:prstGeom prst="wedgeRectCallout">
             <a:avLst>
-              <a:gd name="adj1" fmla="val -52913"/>
-              <a:gd name="adj2" fmla="val -16424"/>
+              <a:gd name="adj1" fmla="val -60489"/>
+              <a:gd name="adj2" fmla="val -25484"/>
             </a:avLst>
           </a:prstGeom>
           <a:noFill/>
@@ -11666,7 +11787,13 @@
       </p:grpSpPr>
       <p:pic>
         <p:nvPicPr>
-          <p:cNvPr id="2" name="図 1"/>
+          <p:cNvPr id="3" name="図 2">
+            <a:extLst>
+              <a:ext uri="{FF2B5EF4-FFF2-40B4-BE49-F238E27FC236}">
+                <a16:creationId xmlns:a16="http://schemas.microsoft.com/office/drawing/2014/main" id="{8EBC7496-D4A5-4E2C-9D16-11A12608F074}"/>
+              </a:ext>
+            </a:extLst>
+          </p:cNvPr>
           <p:cNvPicPr>
             <a:picLocks noChangeAspect="1"/>
           </p:cNvPicPr>
@@ -11674,13 +11801,13 @@
         </p:nvPicPr>
         <p:blipFill rotWithShape="1">
           <a:blip r:embed="rId2"/>
-          <a:srcRect t="4675"/>
+          <a:srcRect t="4247"/>
           <a:stretch/>
         </p:blipFill>
         <p:spPr>
           <a:xfrm>
             <a:off x="352424" y="1143000"/>
-            <a:ext cx="7848599" cy="4338162"/>
+            <a:ext cx="7848599" cy="4312846"/>
           </a:xfrm>
           <a:prstGeom prst="rect">
             <a:avLst/>
@@ -11784,7 +11911,7 @@
         </p:nvSpPr>
         <p:spPr>
           <a:xfrm>
-            <a:off x="1283401" y="2153366"/>
+            <a:off x="1188274" y="2167987"/>
             <a:ext cx="1562100" cy="1457325"/>
           </a:xfrm>
           <a:prstGeom prst="ellipse">
@@ -12502,10 +12629,10 @@
       </p:grpSpPr>
       <p:pic>
         <p:nvPicPr>
-          <p:cNvPr id="5" name="図 4" descr="物体 が含まれている画像&#10;&#10;自動的に生成された説明">
+          <p:cNvPr id="2" name="図 1">
             <a:extLst>
               <a:ext uri="{FF2B5EF4-FFF2-40B4-BE49-F238E27FC236}">
-                <a16:creationId xmlns:a16="http://schemas.microsoft.com/office/drawing/2014/main" id="{A8B95791-F64F-423D-B8A7-2C86F56DDB1D}"/>
+                <a16:creationId xmlns:a16="http://schemas.microsoft.com/office/drawing/2014/main" id="{7FF69D48-0150-4CC7-838D-4781E53348B1}"/>
               </a:ext>
             </a:extLst>
           </p:cNvPr>
@@ -12515,20 +12642,14 @@
           <p:nvPr/>
         </p:nvPicPr>
         <p:blipFill rotWithShape="1">
-          <a:blip r:embed="rId2">
-            <a:extLst>
-              <a:ext uri="{28A0092B-C50C-407E-A947-70E740481C1C}">
-                <a14:useLocalDpi xmlns:a14="http://schemas.microsoft.com/office/drawing/2010/main" val="0"/>
-              </a:ext>
-            </a:extLst>
-          </a:blip>
-          <a:srcRect l="5462" t="13624" r="5042" b="3913"/>
+          <a:blip r:embed="rId2"/>
+          <a:srcRect l="1709" t="6939" r="1763" b="2313"/>
           <a:stretch/>
         </p:blipFill>
         <p:spPr>
           <a:xfrm>
             <a:off x="36360" y="1042988"/>
-            <a:ext cx="7541238" cy="4029074"/>
+            <a:ext cx="7514722" cy="4029074"/>
           </a:xfrm>
           <a:prstGeom prst="rect">
             <a:avLst/>
@@ -12599,8 +12720,8 @@
           </a:xfrm>
           <a:prstGeom prst="wedgeRectCallout">
             <a:avLst>
-              <a:gd name="adj1" fmla="val -48099"/>
-              <a:gd name="adj2" fmla="val -66666"/>
+              <a:gd name="adj1" fmla="val -63626"/>
+              <a:gd name="adj2" fmla="val -38911"/>
             </a:avLst>
           </a:prstGeom>
           <a:solidFill>
@@ -12692,8 +12813,8 @@
           </a:xfrm>
           <a:prstGeom prst="wedgeRectCallout">
             <a:avLst>
-              <a:gd name="adj1" fmla="val -48617"/>
-              <a:gd name="adj2" fmla="val -64166"/>
+              <a:gd name="adj1" fmla="val -55672"/>
+              <a:gd name="adj2" fmla="val -49472"/>
             </a:avLst>
           </a:prstGeom>
           <a:noFill/>
@@ -12786,8 +12907,8 @@
           </a:xfrm>
           <a:prstGeom prst="wedgeRectCallout">
             <a:avLst>
-              <a:gd name="adj1" fmla="val -13615"/>
-              <a:gd name="adj2" fmla="val -74166"/>
+              <a:gd name="adj1" fmla="val -13130"/>
+              <a:gd name="adj2" fmla="val -88860"/>
             </a:avLst>
           </a:prstGeom>
           <a:solidFill>
@@ -12887,6 +13008,162 @@
               <a:latin typeface="チェックポイント．（ピリオド）" panose="02000600000000000000" pitchFamily="50" charset="-128"/>
               <a:ea typeface="チェックポイント．（ピリオド）" panose="02000600000000000000" pitchFamily="50" charset="-128"/>
             </a:endParaRPr>
+          </a:p>
+        </p:txBody>
+      </p:sp>
+      <p:sp>
+        <p:nvSpPr>
+          <p:cNvPr id="3" name="正方形/長方形 2">
+            <a:extLst>
+              <a:ext uri="{FF2B5EF4-FFF2-40B4-BE49-F238E27FC236}">
+                <a16:creationId xmlns:a16="http://schemas.microsoft.com/office/drawing/2014/main" id="{A491271B-A222-4F11-B100-4D7A1B81E98A}"/>
+              </a:ext>
+            </a:extLst>
+          </p:cNvPr>
+          <p:cNvSpPr/>
+          <p:nvPr/>
+        </p:nvSpPr>
+        <p:spPr>
+          <a:xfrm>
+            <a:off x="2453951" y="3645045"/>
+            <a:ext cx="4814596" cy="1156996"/>
+          </a:xfrm>
+          <a:prstGeom prst="rect">
+            <a:avLst/>
+          </a:prstGeom>
+          <a:noFill/>
+          <a:ln w="38100">
+            <a:solidFill>
+              <a:srgbClr val="FF0000"/>
+            </a:solidFill>
+          </a:ln>
+        </p:spPr>
+        <p:style>
+          <a:lnRef idx="2">
+            <a:schemeClr val="accent1">
+              <a:shade val="50000"/>
+            </a:schemeClr>
+          </a:lnRef>
+          <a:fillRef idx="1">
+            <a:schemeClr val="accent1"/>
+          </a:fillRef>
+          <a:effectRef idx="0">
+            <a:schemeClr val="accent1"/>
+          </a:effectRef>
+          <a:fontRef idx="minor">
+            <a:schemeClr val="lt1"/>
+          </a:fontRef>
+        </p:style>
+        <p:txBody>
+          <a:bodyPr rtlCol="0" anchor="ctr"/>
+          <a:lstStyle/>
+          <a:p>
+            <a:pPr algn="ctr"/>
+            <a:endParaRPr kumimoji="1" lang="ja-JP" altLang="en-US"/>
+          </a:p>
+        </p:txBody>
+      </p:sp>
+      <p:sp>
+        <p:nvSpPr>
+          <p:cNvPr id="10" name="正方形/長方形 9">
+            <a:extLst>
+              <a:ext uri="{FF2B5EF4-FFF2-40B4-BE49-F238E27FC236}">
+                <a16:creationId xmlns:a16="http://schemas.microsoft.com/office/drawing/2014/main" id="{016D0004-D188-4E81-A1DB-65759A9B7E86}"/>
+              </a:ext>
+            </a:extLst>
+          </p:cNvPr>
+          <p:cNvSpPr/>
+          <p:nvPr/>
+        </p:nvSpPr>
+        <p:spPr>
+          <a:xfrm>
+            <a:off x="2453951" y="2525858"/>
+            <a:ext cx="4814596" cy="1156996"/>
+          </a:xfrm>
+          <a:prstGeom prst="rect">
+            <a:avLst/>
+          </a:prstGeom>
+          <a:noFill/>
+          <a:ln w="38100">
+            <a:solidFill>
+              <a:srgbClr val="FF0000"/>
+            </a:solidFill>
+          </a:ln>
+        </p:spPr>
+        <p:style>
+          <a:lnRef idx="2">
+            <a:schemeClr val="accent1">
+              <a:shade val="50000"/>
+            </a:schemeClr>
+          </a:lnRef>
+          <a:fillRef idx="1">
+            <a:schemeClr val="accent1"/>
+          </a:fillRef>
+          <a:effectRef idx="0">
+            <a:schemeClr val="accent1"/>
+          </a:effectRef>
+          <a:fontRef idx="minor">
+            <a:schemeClr val="lt1"/>
+          </a:fontRef>
+        </p:style>
+        <p:txBody>
+          <a:bodyPr rtlCol="0" anchor="ctr"/>
+          <a:lstStyle/>
+          <a:p>
+            <a:pPr algn="ctr"/>
+            <a:endParaRPr kumimoji="1" lang="ja-JP" altLang="en-US"/>
+          </a:p>
+        </p:txBody>
+      </p:sp>
+      <p:sp>
+        <p:nvSpPr>
+          <p:cNvPr id="11" name="正方形/長方形 10">
+            <a:extLst>
+              <a:ext uri="{FF2B5EF4-FFF2-40B4-BE49-F238E27FC236}">
+                <a16:creationId xmlns:a16="http://schemas.microsoft.com/office/drawing/2014/main" id="{CCF67B37-F0BC-41F6-A1E9-02DA2EAC5911}"/>
+              </a:ext>
+            </a:extLst>
+          </p:cNvPr>
+          <p:cNvSpPr/>
+          <p:nvPr/>
+        </p:nvSpPr>
+        <p:spPr>
+          <a:xfrm>
+            <a:off x="2453951" y="1387767"/>
+            <a:ext cx="4814596" cy="1156996"/>
+          </a:xfrm>
+          <a:prstGeom prst="rect">
+            <a:avLst/>
+          </a:prstGeom>
+          <a:noFill/>
+          <a:ln w="38100">
+            <a:solidFill>
+              <a:srgbClr val="FF0000"/>
+            </a:solidFill>
+          </a:ln>
+        </p:spPr>
+        <p:style>
+          <a:lnRef idx="2">
+            <a:schemeClr val="accent1">
+              <a:shade val="50000"/>
+            </a:schemeClr>
+          </a:lnRef>
+          <a:fillRef idx="1">
+            <a:schemeClr val="accent1"/>
+          </a:fillRef>
+          <a:effectRef idx="0">
+            <a:schemeClr val="accent1"/>
+          </a:effectRef>
+          <a:fontRef idx="minor">
+            <a:schemeClr val="lt1"/>
+          </a:fontRef>
+        </p:style>
+        <p:txBody>
+          <a:bodyPr rtlCol="0" anchor="ctr"/>
+          <a:lstStyle/>
+          <a:p>
+            <a:pPr algn="ctr"/>
+            <a:endParaRPr kumimoji="1" lang="ja-JP" altLang="en-US"/>
           </a:p>
         </p:txBody>
       </p:sp>

--- a/説明文.pptx
+++ b/説明文.pptx
@@ -3722,7 +3722,7 @@
           <p:cNvPr id="4" name="図 3" descr="スクリーンショット が含まれている画像&#10;&#10;自動的に生成された説明">
             <a:extLst>
               <a:ext uri="{FF2B5EF4-FFF2-40B4-BE49-F238E27FC236}">
-                <a16:creationId xmlns:a16="http://schemas.microsoft.com/office/drawing/2014/main" id="{48282D74-7C89-4D68-8F6E-D62AC9485402}"/>
+                <a16:creationId xmlns:a16="http://schemas.microsoft.com/office/drawing/2014/main" xmlns="" id="{48282D74-7C89-4D68-8F6E-D62AC9485402}"/>
               </a:ext>
             </a:extLst>
           </p:cNvPr>
@@ -4057,7 +4057,7 @@
           <p:cNvPr id="6" name="正方形/長方形 5">
             <a:extLst>
               <a:ext uri="{FF2B5EF4-FFF2-40B4-BE49-F238E27FC236}">
-                <a16:creationId xmlns:a16="http://schemas.microsoft.com/office/drawing/2014/main" id="{E239D52D-8A0E-45C2-9D76-49681F4F3023}"/>
+                <a16:creationId xmlns:a16="http://schemas.microsoft.com/office/drawing/2014/main" xmlns="" id="{E239D52D-8A0E-45C2-9D76-49681F4F3023}"/>
               </a:ext>
             </a:extLst>
           </p:cNvPr>
@@ -4109,7 +4109,7 @@
           <p:cNvPr id="12" name="正方形/長方形 11">
             <a:extLst>
               <a:ext uri="{FF2B5EF4-FFF2-40B4-BE49-F238E27FC236}">
-                <a16:creationId xmlns:a16="http://schemas.microsoft.com/office/drawing/2014/main" id="{44B16076-58F3-411C-BA21-CC2F6BFDF2CA}"/>
+                <a16:creationId xmlns:a16="http://schemas.microsoft.com/office/drawing/2014/main" xmlns="" id="{44B16076-58F3-411C-BA21-CC2F6BFDF2CA}"/>
               </a:ext>
             </a:extLst>
           </p:cNvPr>
@@ -4161,7 +4161,7 @@
           <p:cNvPr id="13" name="正方形/長方形 12">
             <a:extLst>
               <a:ext uri="{FF2B5EF4-FFF2-40B4-BE49-F238E27FC236}">
-                <a16:creationId xmlns:a16="http://schemas.microsoft.com/office/drawing/2014/main" id="{48971A5D-F76B-4813-83D2-2D825B6A3202}"/>
+                <a16:creationId xmlns:a16="http://schemas.microsoft.com/office/drawing/2014/main" xmlns="" id="{48971A5D-F76B-4813-83D2-2D825B6A3202}"/>
               </a:ext>
             </a:extLst>
           </p:cNvPr>
@@ -4243,7 +4243,7 @@
           <p:cNvPr id="4" name="テキスト ボックス 3">
             <a:extLst>
               <a:ext uri="{FF2B5EF4-FFF2-40B4-BE49-F238E27FC236}">
-                <a16:creationId xmlns:a16="http://schemas.microsoft.com/office/drawing/2014/main" id="{C41C563A-40AB-403A-8661-FE9944DE17B5}"/>
+                <a16:creationId xmlns:a16="http://schemas.microsoft.com/office/drawing/2014/main" xmlns="" id="{C41C563A-40AB-403A-8661-FE9944DE17B5}"/>
               </a:ext>
             </a:extLst>
           </p:cNvPr>
@@ -4288,7 +4288,7 @@
           <p:cNvPr id="5" name="テキスト ボックス 4">
             <a:extLst>
               <a:ext uri="{FF2B5EF4-FFF2-40B4-BE49-F238E27FC236}">
-                <a16:creationId xmlns:a16="http://schemas.microsoft.com/office/drawing/2014/main" id="{4942987D-E9F9-4BC9-8090-7DA7D48916EF}"/>
+                <a16:creationId xmlns:a16="http://schemas.microsoft.com/office/drawing/2014/main" xmlns="" id="{4942987D-E9F9-4BC9-8090-7DA7D48916EF}"/>
               </a:ext>
             </a:extLst>
           </p:cNvPr>
@@ -4340,7 +4340,7 @@
           <p:cNvPr id="40" name="テキスト ボックス 39">
             <a:extLst>
               <a:ext uri="{FF2B5EF4-FFF2-40B4-BE49-F238E27FC236}">
-                <a16:creationId xmlns:a16="http://schemas.microsoft.com/office/drawing/2014/main" id="{F1EA6A6B-D4D0-463A-A599-CE219946A74B}"/>
+                <a16:creationId xmlns:a16="http://schemas.microsoft.com/office/drawing/2014/main" xmlns="" id="{F1EA6A6B-D4D0-463A-A599-CE219946A74B}"/>
               </a:ext>
             </a:extLst>
           </p:cNvPr>
@@ -4734,7 +4734,7 @@
               <p:cNvPr id="22" name="グループ化 21">
                 <a:extLst>
                   <a:ext uri="{FF2B5EF4-FFF2-40B4-BE49-F238E27FC236}">
-                    <a16:creationId xmlns:a16="http://schemas.microsoft.com/office/drawing/2014/main" id="{2B78E3B8-6F86-4761-8FD3-82445D0604CC}"/>
+                    <a16:creationId xmlns:a16="http://schemas.microsoft.com/office/drawing/2014/main" xmlns="" id="{2B78E3B8-6F86-4761-8FD3-82445D0604CC}"/>
                   </a:ext>
                 </a:extLst>
               </p:cNvPr>
@@ -4754,7 +4754,7 @@
                 <p:cNvPr id="38" name="図 37" descr="物体 が含まれている画像&#10;&#10;自動的に生成された説明">
                   <a:extLst>
                     <a:ext uri="{FF2B5EF4-FFF2-40B4-BE49-F238E27FC236}">
-                      <a16:creationId xmlns:a16="http://schemas.microsoft.com/office/drawing/2014/main" id="{479B4DDF-7427-437E-87B7-7994E26E728C}"/>
+                      <a16:creationId xmlns:a16="http://schemas.microsoft.com/office/drawing/2014/main" xmlns="" id="{479B4DDF-7427-437E-87B7-7994E26E728C}"/>
                     </a:ext>
                   </a:extLst>
                 </p:cNvPr>
@@ -4790,7 +4790,7 @@
                 <p:cNvPr id="39" name="テキスト ボックス 38">
                   <a:extLst>
                     <a:ext uri="{FF2B5EF4-FFF2-40B4-BE49-F238E27FC236}">
-                      <a16:creationId xmlns:a16="http://schemas.microsoft.com/office/drawing/2014/main" id="{9774E31A-0063-4CE0-A9A1-D45BBB05A9C8}"/>
+                      <a16:creationId xmlns:a16="http://schemas.microsoft.com/office/drawing/2014/main" xmlns="" id="{9774E31A-0063-4CE0-A9A1-D45BBB05A9C8}"/>
                     </a:ext>
                   </a:extLst>
                 </p:cNvPr>
@@ -4830,7 +4830,7 @@
               <p:cNvPr id="23" name="グループ化 22">
                 <a:extLst>
                   <a:ext uri="{FF2B5EF4-FFF2-40B4-BE49-F238E27FC236}">
-                    <a16:creationId xmlns:a16="http://schemas.microsoft.com/office/drawing/2014/main" id="{8CEB5C1D-B949-4327-B495-5272910D5F87}"/>
+                    <a16:creationId xmlns:a16="http://schemas.microsoft.com/office/drawing/2014/main" xmlns="" id="{8CEB5C1D-B949-4327-B495-5272910D5F87}"/>
                   </a:ext>
                 </a:extLst>
               </p:cNvPr>
@@ -4850,7 +4850,7 @@
                 <p:cNvPr id="36" name="図 35" descr="物体 が含まれている画像&#10;&#10;自動的に生成された説明">
                   <a:extLst>
                     <a:ext uri="{FF2B5EF4-FFF2-40B4-BE49-F238E27FC236}">
-                      <a16:creationId xmlns:a16="http://schemas.microsoft.com/office/drawing/2014/main" id="{FB1C4056-473E-4E06-A623-40D4081C4EAC}"/>
+                      <a16:creationId xmlns:a16="http://schemas.microsoft.com/office/drawing/2014/main" xmlns="" id="{FB1C4056-473E-4E06-A623-40D4081C4EAC}"/>
                     </a:ext>
                   </a:extLst>
                 </p:cNvPr>
@@ -4886,7 +4886,7 @@
                 <p:cNvPr id="37" name="テキスト ボックス 36">
                   <a:extLst>
                     <a:ext uri="{FF2B5EF4-FFF2-40B4-BE49-F238E27FC236}">
-                      <a16:creationId xmlns:a16="http://schemas.microsoft.com/office/drawing/2014/main" id="{A9417AE6-E050-4A1B-991F-46A51E57761E}"/>
+                      <a16:creationId xmlns:a16="http://schemas.microsoft.com/office/drawing/2014/main" xmlns="" id="{A9417AE6-E050-4A1B-991F-46A51E57761E}"/>
                     </a:ext>
                   </a:extLst>
                 </p:cNvPr>
@@ -4926,7 +4926,7 @@
               <p:cNvPr id="24" name="グループ化 23">
                 <a:extLst>
                   <a:ext uri="{FF2B5EF4-FFF2-40B4-BE49-F238E27FC236}">
-                    <a16:creationId xmlns:a16="http://schemas.microsoft.com/office/drawing/2014/main" id="{9400590E-D727-4D03-98FF-0ACD12EBC352}"/>
+                    <a16:creationId xmlns:a16="http://schemas.microsoft.com/office/drawing/2014/main" xmlns="" id="{9400590E-D727-4D03-98FF-0ACD12EBC352}"/>
                   </a:ext>
                 </a:extLst>
               </p:cNvPr>
@@ -4946,7 +4946,7 @@
                 <p:cNvPr id="34" name="図 33" descr="物体, 腕時計 が含まれている画像&#10;&#10;自動的に生成された説明">
                   <a:extLst>
                     <a:ext uri="{FF2B5EF4-FFF2-40B4-BE49-F238E27FC236}">
-                      <a16:creationId xmlns:a16="http://schemas.microsoft.com/office/drawing/2014/main" id="{734930D0-5E47-475F-948D-174F652567D0}"/>
+                      <a16:creationId xmlns:a16="http://schemas.microsoft.com/office/drawing/2014/main" xmlns="" id="{734930D0-5E47-475F-948D-174F652567D0}"/>
                     </a:ext>
                   </a:extLst>
                 </p:cNvPr>
@@ -4982,7 +4982,7 @@
                 <p:cNvPr id="35" name="テキスト ボックス 34">
                   <a:extLst>
                     <a:ext uri="{FF2B5EF4-FFF2-40B4-BE49-F238E27FC236}">
-                      <a16:creationId xmlns:a16="http://schemas.microsoft.com/office/drawing/2014/main" id="{99360FF1-7996-43C2-A24E-1DB68F403FE0}"/>
+                      <a16:creationId xmlns:a16="http://schemas.microsoft.com/office/drawing/2014/main" xmlns="" id="{99360FF1-7996-43C2-A24E-1DB68F403FE0}"/>
                     </a:ext>
                   </a:extLst>
                 </p:cNvPr>
@@ -5022,7 +5022,7 @@
               <p:cNvPr id="25" name="グループ化 24">
                 <a:extLst>
                   <a:ext uri="{FF2B5EF4-FFF2-40B4-BE49-F238E27FC236}">
-                    <a16:creationId xmlns:a16="http://schemas.microsoft.com/office/drawing/2014/main" id="{2DC9847F-77D2-4405-8121-1FE5585768EA}"/>
+                    <a16:creationId xmlns:a16="http://schemas.microsoft.com/office/drawing/2014/main" xmlns="" id="{2DC9847F-77D2-4405-8121-1FE5585768EA}"/>
                   </a:ext>
                 </a:extLst>
               </p:cNvPr>
@@ -5042,7 +5042,7 @@
                 <p:cNvPr id="32" name="図 31" descr="物体 が含まれている画像&#10;&#10;自動的に生成された説明">
                   <a:extLst>
                     <a:ext uri="{FF2B5EF4-FFF2-40B4-BE49-F238E27FC236}">
-                      <a16:creationId xmlns:a16="http://schemas.microsoft.com/office/drawing/2014/main" id="{275FE74A-218C-4A15-9492-6A63781312F0}"/>
+                      <a16:creationId xmlns:a16="http://schemas.microsoft.com/office/drawing/2014/main" xmlns="" id="{275FE74A-218C-4A15-9492-6A63781312F0}"/>
                     </a:ext>
                   </a:extLst>
                 </p:cNvPr>
@@ -5078,7 +5078,7 @@
                 <p:cNvPr id="33" name="テキスト ボックス 32">
                   <a:extLst>
                     <a:ext uri="{FF2B5EF4-FFF2-40B4-BE49-F238E27FC236}">
-                      <a16:creationId xmlns:a16="http://schemas.microsoft.com/office/drawing/2014/main" id="{7FEA8835-C677-4EFC-9624-2596C7E0A572}"/>
+                      <a16:creationId xmlns:a16="http://schemas.microsoft.com/office/drawing/2014/main" xmlns="" id="{7FEA8835-C677-4EFC-9624-2596C7E0A572}"/>
                     </a:ext>
                   </a:extLst>
                 </p:cNvPr>
@@ -5122,7 +5122,7 @@
               <p:cNvPr id="11" name="図 10">
                 <a:extLst>
                   <a:ext uri="{FF2B5EF4-FFF2-40B4-BE49-F238E27FC236}">
-                    <a16:creationId xmlns:a16="http://schemas.microsoft.com/office/drawing/2014/main" id="{49264E83-2EAE-4079-9AD2-AC2D699F0D1F}"/>
+                    <a16:creationId xmlns:a16="http://schemas.microsoft.com/office/drawing/2014/main" xmlns="" id="{49264E83-2EAE-4079-9AD2-AC2D699F0D1F}"/>
                   </a:ext>
                 </a:extLst>
               </p:cNvPr>
@@ -5158,7 +5158,7 @@
               <p:cNvPr id="46" name="テキスト ボックス 45">
                 <a:extLst>
                   <a:ext uri="{FF2B5EF4-FFF2-40B4-BE49-F238E27FC236}">
-                    <a16:creationId xmlns:a16="http://schemas.microsoft.com/office/drawing/2014/main" id="{B4B7A388-F763-4A3C-B6C2-124C99BC6F42}"/>
+                    <a16:creationId xmlns:a16="http://schemas.microsoft.com/office/drawing/2014/main" xmlns="" id="{B4B7A388-F763-4A3C-B6C2-124C99BC6F42}"/>
                   </a:ext>
                 </a:extLst>
               </p:cNvPr>
@@ -5378,7 +5378,7 @@
           <p:cNvPr id="2" name="図 1">
             <a:extLst>
               <a:ext uri="{FF2B5EF4-FFF2-40B4-BE49-F238E27FC236}">
-                <a16:creationId xmlns:a16="http://schemas.microsoft.com/office/drawing/2014/main" id="{EE855DBA-71F3-4B0A-AD5F-4DC4FD57AF5C}"/>
+                <a16:creationId xmlns:a16="http://schemas.microsoft.com/office/drawing/2014/main" xmlns="" id="{EE855DBA-71F3-4B0A-AD5F-4DC4FD57AF5C}"/>
               </a:ext>
             </a:extLst>
           </p:cNvPr>
@@ -5407,7 +5407,7 @@
           <p:cNvPr id="17" name="楕円 16">
             <a:extLst>
               <a:ext uri="{FF2B5EF4-FFF2-40B4-BE49-F238E27FC236}">
-                <a16:creationId xmlns:a16="http://schemas.microsoft.com/office/drawing/2014/main" id="{787DCF27-FE5D-4F5F-93D9-6E5E3F66733B}"/>
+                <a16:creationId xmlns:a16="http://schemas.microsoft.com/office/drawing/2014/main" xmlns="" id="{787DCF27-FE5D-4F5F-93D9-6E5E3F66733B}"/>
               </a:ext>
             </a:extLst>
           </p:cNvPr>
@@ -5459,7 +5459,7 @@
           <p:cNvPr id="15" name="正方形/長方形 14">
             <a:extLst>
               <a:ext uri="{FF2B5EF4-FFF2-40B4-BE49-F238E27FC236}">
-                <a16:creationId xmlns:a16="http://schemas.microsoft.com/office/drawing/2014/main" id="{3833953A-B36A-4C17-AEC3-8ED45F7CC897}"/>
+                <a16:creationId xmlns:a16="http://schemas.microsoft.com/office/drawing/2014/main" xmlns="" id="{3833953A-B36A-4C17-AEC3-8ED45F7CC897}"/>
               </a:ext>
             </a:extLst>
           </p:cNvPr>
@@ -5511,7 +5511,7 @@
           <p:cNvPr id="16" name="正方形/長方形 15">
             <a:extLst>
               <a:ext uri="{FF2B5EF4-FFF2-40B4-BE49-F238E27FC236}">
-                <a16:creationId xmlns:a16="http://schemas.microsoft.com/office/drawing/2014/main" id="{0A0216B0-C84D-4309-9EC4-75086643960C}"/>
+                <a16:creationId xmlns:a16="http://schemas.microsoft.com/office/drawing/2014/main" xmlns="" id="{0A0216B0-C84D-4309-9EC4-75086643960C}"/>
               </a:ext>
             </a:extLst>
           </p:cNvPr>
@@ -5563,7 +5563,7 @@
           <p:cNvPr id="14" name="正方形/長方形 13">
             <a:extLst>
               <a:ext uri="{FF2B5EF4-FFF2-40B4-BE49-F238E27FC236}">
-                <a16:creationId xmlns:a16="http://schemas.microsoft.com/office/drawing/2014/main" id="{EAC81C78-DEAA-491D-B85A-42AB767010AE}"/>
+                <a16:creationId xmlns:a16="http://schemas.microsoft.com/office/drawing/2014/main" xmlns="" id="{EAC81C78-DEAA-491D-B85A-42AB767010AE}"/>
               </a:ext>
             </a:extLst>
           </p:cNvPr>
@@ -5615,7 +5615,7 @@
           <p:cNvPr id="6" name="テキスト ボックス 5">
             <a:extLst>
               <a:ext uri="{FF2B5EF4-FFF2-40B4-BE49-F238E27FC236}">
-                <a16:creationId xmlns:a16="http://schemas.microsoft.com/office/drawing/2014/main" id="{B35D99F0-6DC1-4BC2-88F1-81631344B7F9}"/>
+                <a16:creationId xmlns:a16="http://schemas.microsoft.com/office/drawing/2014/main" xmlns="" id="{B35D99F0-6DC1-4BC2-88F1-81631344B7F9}"/>
               </a:ext>
             </a:extLst>
           </p:cNvPr>
@@ -5660,7 +5660,7 @@
           <p:cNvPr id="7" name="吹き出し: 四角形 6">
             <a:extLst>
               <a:ext uri="{FF2B5EF4-FFF2-40B4-BE49-F238E27FC236}">
-                <a16:creationId xmlns:a16="http://schemas.microsoft.com/office/drawing/2014/main" id="{BA75D2B1-3296-4A6C-97CF-CD76A284141D}"/>
+                <a16:creationId xmlns:a16="http://schemas.microsoft.com/office/drawing/2014/main" xmlns="" id="{BA75D2B1-3296-4A6C-97CF-CD76A284141D}"/>
               </a:ext>
             </a:extLst>
           </p:cNvPr>
@@ -5678,6 +5678,14 @@
               <a:gd name="adj2" fmla="val 91974"/>
             </a:avLst>
           </a:prstGeom>
+          <a:solidFill>
+            <a:schemeClr val="bg1"/>
+          </a:solidFill>
+          <a:ln>
+            <a:solidFill>
+              <a:schemeClr val="tx1"/>
+            </a:solidFill>
+          </a:ln>
         </p:spPr>
         <p:style>
           <a:lnRef idx="2">
@@ -5702,6 +5710,9 @@
             <a:pPr algn="ctr"/>
             <a:r>
               <a:rPr kumimoji="1" lang="ja-JP" altLang="en-US" dirty="0">
+                <a:solidFill>
+                  <a:schemeClr val="tx1"/>
+                </a:solidFill>
                 <a:latin typeface="チェックポイント．（ピリオド）" panose="02000600000000000000" pitchFamily="50" charset="-128"/>
                 <a:ea typeface="チェックポイント．（ピリオド）" panose="02000600000000000000" pitchFamily="50" charset="-128"/>
               </a:rPr>
@@ -5715,7 +5726,7 @@
           <p:cNvPr id="8" name="吹き出し: 四角形 7">
             <a:extLst>
               <a:ext uri="{FF2B5EF4-FFF2-40B4-BE49-F238E27FC236}">
-                <a16:creationId xmlns:a16="http://schemas.microsoft.com/office/drawing/2014/main" id="{88AD402C-D557-4604-82F7-689D61968750}"/>
+                <a16:creationId xmlns:a16="http://schemas.microsoft.com/office/drawing/2014/main" xmlns="" id="{88AD402C-D557-4604-82F7-689D61968750}"/>
               </a:ext>
             </a:extLst>
           </p:cNvPr>
@@ -5733,6 +5744,14 @@
               <a:gd name="adj2" fmla="val 8816"/>
             </a:avLst>
           </a:prstGeom>
+          <a:solidFill>
+            <a:schemeClr val="bg1"/>
+          </a:solidFill>
+          <a:ln>
+            <a:solidFill>
+              <a:schemeClr val="tx1"/>
+            </a:solidFill>
+          </a:ln>
         </p:spPr>
         <p:style>
           <a:lnRef idx="2">
@@ -5757,6 +5776,9 @@
             <a:pPr algn="ctr"/>
             <a:r>
               <a:rPr lang="ja-JP" altLang="en-US" dirty="0">
+                <a:solidFill>
+                  <a:schemeClr val="tx1"/>
+                </a:solidFill>
                 <a:latin typeface="チェックポイント．（ピリオド）" panose="02000600000000000000" pitchFamily="50" charset="-128"/>
                 <a:ea typeface="チェックポイント．（ピリオド）" panose="02000600000000000000" pitchFamily="50" charset="-128"/>
               </a:rPr>
@@ -5764,6 +5786,9 @@
             </a:r>
             <a:r>
               <a:rPr kumimoji="1" lang="ja-JP" altLang="en-US" dirty="0">
+                <a:solidFill>
+                  <a:schemeClr val="tx1"/>
+                </a:solidFill>
                 <a:latin typeface="チェックポイント．（ピリオド）" panose="02000600000000000000" pitchFamily="50" charset="-128"/>
                 <a:ea typeface="チェックポイント．（ピリオド）" panose="02000600000000000000" pitchFamily="50" charset="-128"/>
               </a:rPr>
@@ -5777,7 +5802,7 @@
           <p:cNvPr id="9" name="吹き出し: 四角形 8">
             <a:extLst>
               <a:ext uri="{FF2B5EF4-FFF2-40B4-BE49-F238E27FC236}">
-                <a16:creationId xmlns:a16="http://schemas.microsoft.com/office/drawing/2014/main" id="{BF8E2C7C-205C-42CA-B382-A5D5630D39B2}"/>
+                <a16:creationId xmlns:a16="http://schemas.microsoft.com/office/drawing/2014/main" xmlns="" id="{BF8E2C7C-205C-42CA-B382-A5D5630D39B2}"/>
               </a:ext>
             </a:extLst>
           </p:cNvPr>
@@ -5795,6 +5820,14 @@
               <a:gd name="adj2" fmla="val 75132"/>
             </a:avLst>
           </a:prstGeom>
+          <a:solidFill>
+            <a:schemeClr val="bg1"/>
+          </a:solidFill>
+          <a:ln>
+            <a:solidFill>
+              <a:schemeClr val="tx1"/>
+            </a:solidFill>
+          </a:ln>
         </p:spPr>
         <p:style>
           <a:lnRef idx="2">
@@ -5819,12 +5852,18 @@
             <a:pPr algn="ctr"/>
             <a:r>
               <a:rPr lang="ja-JP" altLang="en-US" dirty="0">
+                <a:solidFill>
+                  <a:schemeClr val="tx1"/>
+                </a:solidFill>
                 <a:latin typeface="チェックポイント．（ピリオド）" panose="02000600000000000000" pitchFamily="50" charset="-128"/>
                 <a:ea typeface="チェックポイント．（ピリオド）" panose="02000600000000000000" pitchFamily="50" charset="-128"/>
               </a:rPr>
               <a:t>三竦み</a:t>
             </a:r>
             <a:endParaRPr kumimoji="1" lang="ja-JP" altLang="en-US" dirty="0">
+              <a:solidFill>
+                <a:schemeClr val="tx1"/>
+              </a:solidFill>
               <a:latin typeface="チェックポイント．（ピリオド）" panose="02000600000000000000" pitchFamily="50" charset="-128"/>
               <a:ea typeface="チェックポイント．（ピリオド）" panose="02000600000000000000" pitchFamily="50" charset="-128"/>
             </a:endParaRPr>
@@ -5836,7 +5875,7 @@
           <p:cNvPr id="10" name="吹き出し: 四角形 9">
             <a:extLst>
               <a:ext uri="{FF2B5EF4-FFF2-40B4-BE49-F238E27FC236}">
-                <a16:creationId xmlns:a16="http://schemas.microsoft.com/office/drawing/2014/main" id="{1E8E5AAD-2EFF-40AE-87B5-A62E3863DB06}"/>
+                <a16:creationId xmlns:a16="http://schemas.microsoft.com/office/drawing/2014/main" xmlns="" id="{1E8E5AAD-2EFF-40AE-87B5-A62E3863DB06}"/>
               </a:ext>
             </a:extLst>
           </p:cNvPr>
@@ -5845,15 +5884,23 @@
         </p:nvSpPr>
         <p:spPr>
           <a:xfrm>
-            <a:off x="6885575" y="5924065"/>
-            <a:ext cx="5206481" cy="889259"/>
+            <a:off x="6885575" y="5885255"/>
+            <a:ext cx="5108433" cy="889259"/>
           </a:xfrm>
           <a:prstGeom prst="wedgeRectCallout">
             <a:avLst>
-              <a:gd name="adj1" fmla="val 944"/>
-              <a:gd name="adj2" fmla="val -102430"/>
+              <a:gd name="adj1" fmla="val 2804"/>
+              <a:gd name="adj2" fmla="val -86405"/>
             </a:avLst>
           </a:prstGeom>
+          <a:solidFill>
+            <a:schemeClr val="bg1"/>
+          </a:solidFill>
+          <a:ln>
+            <a:solidFill>
+              <a:schemeClr val="tx1"/>
+            </a:solidFill>
+          </a:ln>
         </p:spPr>
         <p:style>
           <a:lnRef idx="2">
@@ -5878,12 +5925,18 @@
             <a:pPr algn="ctr"/>
             <a:r>
               <a:rPr kumimoji="1" lang="ja-JP" altLang="en-US" dirty="0">
+                <a:solidFill>
+                  <a:schemeClr val="tx1"/>
+                </a:solidFill>
                 <a:latin typeface="チェックポイント．（ピリオド）" panose="02000600000000000000" pitchFamily="50" charset="-128"/>
                 <a:ea typeface="チェックポイント．（ピリオド）" panose="02000600000000000000" pitchFamily="50" charset="-128"/>
               </a:rPr>
               <a:t>ミサイルやポッドを出撃させるためのボタン</a:t>
             </a:r>
             <a:endParaRPr kumimoji="1" lang="en-US" altLang="ja-JP" dirty="0">
+              <a:solidFill>
+                <a:schemeClr val="tx1"/>
+              </a:solidFill>
               <a:latin typeface="チェックポイント．（ピリオド）" panose="02000600000000000000" pitchFamily="50" charset="-128"/>
               <a:ea typeface="チェックポイント．（ピリオド）" panose="02000600000000000000" pitchFamily="50" charset="-128"/>
             </a:endParaRPr>
@@ -5942,6 +5995,9 @@
             </a:r>
             <a:r>
               <a:rPr kumimoji="1" lang="ja-JP" altLang="en-US" dirty="0">
+                <a:solidFill>
+                  <a:schemeClr val="tx1"/>
+                </a:solidFill>
                 <a:latin typeface="チェックポイント．（ピリオド）" panose="02000600000000000000" pitchFamily="50" charset="-128"/>
                 <a:ea typeface="チェックポイント．（ピリオド）" panose="02000600000000000000" pitchFamily="50" charset="-128"/>
               </a:rPr>
@@ -5955,7 +6011,7 @@
           <p:cNvPr id="11" name="吹き出し: 四角形 10">
             <a:extLst>
               <a:ext uri="{FF2B5EF4-FFF2-40B4-BE49-F238E27FC236}">
-                <a16:creationId xmlns:a16="http://schemas.microsoft.com/office/drawing/2014/main" id="{0876C132-70D4-4EE9-A059-2EE9BBCFA5AC}"/>
+                <a16:creationId xmlns:a16="http://schemas.microsoft.com/office/drawing/2014/main" xmlns="" id="{0876C132-70D4-4EE9-A059-2EE9BBCFA5AC}"/>
               </a:ext>
             </a:extLst>
           </p:cNvPr>
@@ -5964,15 +6020,23 @@
         </p:nvSpPr>
         <p:spPr>
           <a:xfrm>
-            <a:off x="6885575" y="1284931"/>
+            <a:off x="6760564" y="1330956"/>
             <a:ext cx="1555072" cy="431430"/>
           </a:xfrm>
           <a:prstGeom prst="wedgeRectCallout">
             <a:avLst>
-              <a:gd name="adj1" fmla="val -57270"/>
-              <a:gd name="adj2" fmla="val 17237"/>
+              <a:gd name="adj1" fmla="val -59561"/>
+              <a:gd name="adj2" fmla="val 11732"/>
             </a:avLst>
           </a:prstGeom>
+          <a:solidFill>
+            <a:schemeClr val="bg1"/>
+          </a:solidFill>
+          <a:ln>
+            <a:solidFill>
+              <a:schemeClr val="tx1"/>
+            </a:solidFill>
+          </a:ln>
         </p:spPr>
         <p:style>
           <a:lnRef idx="2">
@@ -5997,6 +6061,9 @@
             <a:pPr algn="ctr"/>
             <a:r>
               <a:rPr kumimoji="1" lang="ja-JP" altLang="en-US" dirty="0">
+                <a:solidFill>
+                  <a:schemeClr val="tx1"/>
+                </a:solidFill>
                 <a:latin typeface="チェックポイント．（ピリオド）" panose="02000600000000000000" pitchFamily="50" charset="-128"/>
                 <a:ea typeface="チェックポイント．（ピリオド）" panose="02000600000000000000" pitchFamily="50" charset="-128"/>
               </a:rPr>
@@ -6010,7 +6077,7 @@
           <p:cNvPr id="12" name="吹き出し: 四角形 11">
             <a:extLst>
               <a:ext uri="{FF2B5EF4-FFF2-40B4-BE49-F238E27FC236}">
-                <a16:creationId xmlns:a16="http://schemas.microsoft.com/office/drawing/2014/main" id="{30266963-E240-4012-99DE-6906E5DDC8E7}"/>
+                <a16:creationId xmlns:a16="http://schemas.microsoft.com/office/drawing/2014/main" xmlns="" id="{30266963-E240-4012-99DE-6906E5DDC8E7}"/>
               </a:ext>
             </a:extLst>
           </p:cNvPr>
@@ -6028,6 +6095,14 @@
               <a:gd name="adj2" fmla="val 16259"/>
             </a:avLst>
           </a:prstGeom>
+          <a:solidFill>
+            <a:schemeClr val="bg1"/>
+          </a:solidFill>
+          <a:ln>
+            <a:solidFill>
+              <a:schemeClr val="tx1"/>
+            </a:solidFill>
+          </a:ln>
         </p:spPr>
         <p:style>
           <a:lnRef idx="2">
@@ -6052,12 +6127,18 @@
             <a:pPr algn="ctr"/>
             <a:r>
               <a:rPr kumimoji="1" lang="ja-JP" altLang="en-US" sz="1600" dirty="0">
+                <a:solidFill>
+                  <a:schemeClr val="tx1"/>
+                </a:solidFill>
                 <a:latin typeface="チェックポイント．（ピリオド）" panose="02000600000000000000" pitchFamily="50" charset="-128"/>
                 <a:ea typeface="チェックポイント．（ピリオド）" panose="02000600000000000000" pitchFamily="50" charset="-128"/>
               </a:rPr>
               <a:t>レーン</a:t>
             </a:r>
             <a:endParaRPr kumimoji="1" lang="en-US" altLang="ja-JP" sz="1600" dirty="0">
+              <a:solidFill>
+                <a:schemeClr val="tx1"/>
+              </a:solidFill>
               <a:latin typeface="チェックポイント．（ピリオド）" panose="02000600000000000000" pitchFamily="50" charset="-128"/>
               <a:ea typeface="チェックポイント．（ピリオド）" panose="02000600000000000000" pitchFamily="50" charset="-128"/>
             </a:endParaRPr>
@@ -6066,12 +6147,18 @@
             <a:pPr algn="ctr"/>
             <a:r>
               <a:rPr lang="ja-JP" altLang="en-US" sz="1600" dirty="0">
+                <a:solidFill>
+                  <a:schemeClr val="tx1"/>
+                </a:solidFill>
                 <a:latin typeface="チェックポイント．（ピリオド）" panose="02000600000000000000" pitchFamily="50" charset="-128"/>
                 <a:ea typeface="チェックポイント．（ピリオド）" panose="02000600000000000000" pitchFamily="50" charset="-128"/>
               </a:rPr>
               <a:t>レーンはマウスもしくは</a:t>
             </a:r>
             <a:endParaRPr lang="en-US" altLang="ja-JP" sz="1600" dirty="0">
+              <a:solidFill>
+                <a:schemeClr val="tx1"/>
+              </a:solidFill>
               <a:latin typeface="チェックポイント．（ピリオド）" panose="02000600000000000000" pitchFamily="50" charset="-128"/>
               <a:ea typeface="チェックポイント．（ピリオド）" panose="02000600000000000000" pitchFamily="50" charset="-128"/>
             </a:endParaRPr>
@@ -6090,12 +6177,18 @@
             </a:r>
             <a:r>
               <a:rPr lang="ja-JP" altLang="en-US" sz="1600" dirty="0">
+                <a:solidFill>
+                  <a:schemeClr val="tx1"/>
+                </a:solidFill>
                 <a:latin typeface="チェックポイント．（ピリオド）" panose="02000600000000000000" pitchFamily="50" charset="-128"/>
                 <a:ea typeface="チェックポイント．（ピリオド）" panose="02000600000000000000" pitchFamily="50" charset="-128"/>
               </a:rPr>
               <a:t>で選択できます</a:t>
             </a:r>
             <a:endParaRPr kumimoji="1" lang="ja-JP" altLang="en-US" sz="1600" dirty="0">
+              <a:solidFill>
+                <a:schemeClr val="tx1"/>
+              </a:solidFill>
               <a:latin typeface="チェックポイント．（ピリオド）" panose="02000600000000000000" pitchFamily="50" charset="-128"/>
               <a:ea typeface="チェックポイント．（ピリオド）" panose="02000600000000000000" pitchFamily="50" charset="-128"/>
             </a:endParaRPr>
@@ -6107,7 +6200,7 @@
           <p:cNvPr id="13" name="正方形/長方形 12">
             <a:extLst>
               <a:ext uri="{FF2B5EF4-FFF2-40B4-BE49-F238E27FC236}">
-                <a16:creationId xmlns:a16="http://schemas.microsoft.com/office/drawing/2014/main" id="{C5B52C5E-840D-45E5-8E3C-3E2AD99D4E85}"/>
+                <a16:creationId xmlns:a16="http://schemas.microsoft.com/office/drawing/2014/main" xmlns="" id="{C5B52C5E-840D-45E5-8E3C-3E2AD99D4E85}"/>
               </a:ext>
             </a:extLst>
           </p:cNvPr>
@@ -6159,7 +6252,7 @@
           <p:cNvPr id="18" name="正方形/長方形 17">
             <a:extLst>
               <a:ext uri="{FF2B5EF4-FFF2-40B4-BE49-F238E27FC236}">
-                <a16:creationId xmlns:a16="http://schemas.microsoft.com/office/drawing/2014/main" id="{85B86C3D-1D0B-4CA9-A09E-F9104FAC8E9A}"/>
+                <a16:creationId xmlns:a16="http://schemas.microsoft.com/office/drawing/2014/main" xmlns="" id="{85B86C3D-1D0B-4CA9-A09E-F9104FAC8E9A}"/>
               </a:ext>
             </a:extLst>
           </p:cNvPr>
@@ -6211,7 +6304,7 @@
           <p:cNvPr id="3" name="L 字 2">
             <a:extLst>
               <a:ext uri="{FF2B5EF4-FFF2-40B4-BE49-F238E27FC236}">
-                <a16:creationId xmlns:a16="http://schemas.microsoft.com/office/drawing/2014/main" id="{CA56987B-B7BB-455B-A3DC-57F7BCD43222}"/>
+                <a16:creationId xmlns:a16="http://schemas.microsoft.com/office/drawing/2014/main" xmlns="" id="{CA56987B-B7BB-455B-A3DC-57F7BCD43222}"/>
               </a:ext>
             </a:extLst>
           </p:cNvPr>
@@ -6266,7 +6359,7 @@
           <p:cNvPr id="19" name="吹き出し: 四角形 18">
             <a:extLst>
               <a:ext uri="{FF2B5EF4-FFF2-40B4-BE49-F238E27FC236}">
-                <a16:creationId xmlns:a16="http://schemas.microsoft.com/office/drawing/2014/main" id="{D2673875-651C-40E4-8256-1F77677989CB}"/>
+                <a16:creationId xmlns:a16="http://schemas.microsoft.com/office/drawing/2014/main" xmlns="" id="{D2673875-651C-40E4-8256-1F77677989CB}"/>
               </a:ext>
             </a:extLst>
           </p:cNvPr>
@@ -6284,6 +6377,14 @@
               <a:gd name="adj2" fmla="val 71649"/>
             </a:avLst>
           </a:prstGeom>
+          <a:solidFill>
+            <a:schemeClr val="bg1"/>
+          </a:solidFill>
+          <a:ln>
+            <a:solidFill>
+              <a:schemeClr val="tx1"/>
+            </a:solidFill>
+          </a:ln>
         </p:spPr>
         <p:style>
           <a:lnRef idx="2">
@@ -6308,6 +6409,9 @@
             <a:pPr algn="ctr"/>
             <a:r>
               <a:rPr kumimoji="1" lang="ja-JP" altLang="en-US" sz="1600" dirty="0">
+                <a:solidFill>
+                  <a:schemeClr val="tx1"/>
+                </a:solidFill>
                 <a:latin typeface="チェックポイント．（ピリオド）" panose="02000600000000000000" pitchFamily="50" charset="-128"/>
                 <a:ea typeface="チェックポイント．（ピリオド）" panose="02000600000000000000" pitchFamily="50" charset="-128"/>
               </a:rPr>
@@ -6315,12 +6419,18 @@
             </a:r>
             <a:r>
               <a:rPr kumimoji="1" lang="en-US" altLang="ja-JP" sz="1600" dirty="0">
+                <a:solidFill>
+                  <a:schemeClr val="tx1"/>
+                </a:solidFill>
                 <a:latin typeface="チェックポイント．（ピリオド）" panose="02000600000000000000" pitchFamily="50" charset="-128"/>
                 <a:ea typeface="チェックポイント．（ピリオド）" panose="02000600000000000000" pitchFamily="50" charset="-128"/>
               </a:rPr>
               <a:t>HP</a:t>
             </a:r>
             <a:endParaRPr kumimoji="1" lang="ja-JP" altLang="en-US" sz="1600" dirty="0">
+              <a:solidFill>
+                <a:schemeClr val="tx1"/>
+              </a:solidFill>
               <a:latin typeface="チェックポイント．（ピリオド）" panose="02000600000000000000" pitchFamily="50" charset="-128"/>
               <a:ea typeface="チェックポイント．（ピリオド）" panose="02000600000000000000" pitchFamily="50" charset="-128"/>
             </a:endParaRPr>
@@ -6332,7 +6442,7 @@
           <p:cNvPr id="20" name="吹き出し: 四角形 19">
             <a:extLst>
               <a:ext uri="{FF2B5EF4-FFF2-40B4-BE49-F238E27FC236}">
-                <a16:creationId xmlns:a16="http://schemas.microsoft.com/office/drawing/2014/main" id="{F0A11592-BD25-49D2-8C1D-7500E79B7ADA}"/>
+                <a16:creationId xmlns:a16="http://schemas.microsoft.com/office/drawing/2014/main" xmlns="" id="{F0A11592-BD25-49D2-8C1D-7500E79B7ADA}"/>
               </a:ext>
             </a:extLst>
           </p:cNvPr>
@@ -6341,8 +6451,8 @@
         </p:nvSpPr>
         <p:spPr>
           <a:xfrm>
-            <a:off x="46101" y="6037941"/>
-            <a:ext cx="4393938" cy="775382"/>
+            <a:off x="118752" y="5895710"/>
+            <a:ext cx="4275185" cy="878804"/>
           </a:xfrm>
           <a:prstGeom prst="wedgeRectCallout">
             <a:avLst>
@@ -6350,6 +6460,14 @@
               <a:gd name="adj2" fmla="val -68609"/>
             </a:avLst>
           </a:prstGeom>
+          <a:solidFill>
+            <a:schemeClr val="bg1"/>
+          </a:solidFill>
+          <a:ln>
+            <a:solidFill>
+              <a:schemeClr val="tx1"/>
+            </a:solidFill>
+          </a:ln>
         </p:spPr>
         <p:style>
           <a:lnRef idx="2">
@@ -6384,12 +6502,18 @@
             </a:r>
             <a:r>
               <a:rPr lang="ja-JP" altLang="en-US" dirty="0">
+                <a:solidFill>
+                  <a:schemeClr val="tx1"/>
+                </a:solidFill>
                 <a:latin typeface="チェックポイント．（ピリオド）" panose="02000600000000000000" pitchFamily="50" charset="-128"/>
                 <a:ea typeface="チェックポイント．（ピリオド）" panose="02000600000000000000" pitchFamily="50" charset="-128"/>
               </a:rPr>
               <a:t>を確認できます</a:t>
             </a:r>
             <a:endParaRPr lang="en-US" altLang="ja-JP" dirty="0">
+              <a:solidFill>
+                <a:schemeClr val="tx1"/>
+              </a:solidFill>
               <a:latin typeface="チェックポイント．（ピリオド）" panose="02000600000000000000" pitchFamily="50" charset="-128"/>
               <a:ea typeface="チェックポイント．（ピリオド）" panose="02000600000000000000" pitchFamily="50" charset="-128"/>
             </a:endParaRPr>
@@ -6398,6 +6522,9 @@
             <a:pPr algn="ctr"/>
             <a:r>
               <a:rPr kumimoji="1" lang="ja-JP" altLang="en-US" dirty="0">
+                <a:solidFill>
+                  <a:schemeClr val="tx1"/>
+                </a:solidFill>
                 <a:latin typeface="チェックポイント．（ピリオド）" panose="02000600000000000000" pitchFamily="50" charset="-128"/>
                 <a:ea typeface="チェックポイント．（ピリオド）" panose="02000600000000000000" pitchFamily="50" charset="-128"/>
               </a:rPr>
@@ -6435,6 +6562,9 @@
             </a:r>
             <a:r>
               <a:rPr kumimoji="1" lang="ja-JP" altLang="en-US" dirty="0">
+                <a:solidFill>
+                  <a:schemeClr val="tx1"/>
+                </a:solidFill>
                 <a:latin typeface="チェックポイント．（ピリオド）" panose="02000600000000000000" pitchFamily="50" charset="-128"/>
                 <a:ea typeface="チェックポイント．（ピリオド）" panose="02000600000000000000" pitchFamily="50" charset="-128"/>
               </a:rPr>
@@ -6478,7 +6608,7 @@
           <p:cNvPr id="6" name="テキスト ボックス 5">
             <a:extLst>
               <a:ext uri="{FF2B5EF4-FFF2-40B4-BE49-F238E27FC236}">
-                <a16:creationId xmlns:a16="http://schemas.microsoft.com/office/drawing/2014/main" id="{83D9254C-066B-4A30-984B-189E5281BB91}"/>
+                <a16:creationId xmlns:a16="http://schemas.microsoft.com/office/drawing/2014/main" xmlns="" id="{83D9254C-066B-4A30-984B-189E5281BB91}"/>
               </a:ext>
             </a:extLst>
           </p:cNvPr>
@@ -6523,7 +6653,7 @@
           <p:cNvPr id="7" name="テキスト ボックス 6">
             <a:extLst>
               <a:ext uri="{FF2B5EF4-FFF2-40B4-BE49-F238E27FC236}">
-                <a16:creationId xmlns:a16="http://schemas.microsoft.com/office/drawing/2014/main" id="{A3B678AB-5F6D-47A2-AC3D-C9904D8B3FE5}"/>
+                <a16:creationId xmlns:a16="http://schemas.microsoft.com/office/drawing/2014/main" xmlns="" id="{A3B678AB-5F6D-47A2-AC3D-C9904D8B3FE5}"/>
               </a:ext>
             </a:extLst>
           </p:cNvPr>
@@ -6565,7 +6695,7 @@
           <p:cNvPr id="8" name="テキスト ボックス 7">
             <a:extLst>
               <a:ext uri="{FF2B5EF4-FFF2-40B4-BE49-F238E27FC236}">
-                <a16:creationId xmlns:a16="http://schemas.microsoft.com/office/drawing/2014/main" id="{81F92070-255F-4692-ABB1-F5486542D8FF}"/>
+                <a16:creationId xmlns:a16="http://schemas.microsoft.com/office/drawing/2014/main" xmlns="" id="{81F92070-255F-4692-ABB1-F5486542D8FF}"/>
               </a:ext>
             </a:extLst>
           </p:cNvPr>
@@ -6687,7 +6817,7 @@
           <p:cNvPr id="10" name="テキスト ボックス 9">
             <a:extLst>
               <a:ext uri="{FF2B5EF4-FFF2-40B4-BE49-F238E27FC236}">
-                <a16:creationId xmlns:a16="http://schemas.microsoft.com/office/drawing/2014/main" id="{946FF0DF-B758-41C2-85D3-67DA048E99B2}"/>
+                <a16:creationId xmlns:a16="http://schemas.microsoft.com/office/drawing/2014/main" xmlns="" id="{946FF0DF-B758-41C2-85D3-67DA048E99B2}"/>
               </a:ext>
             </a:extLst>
           </p:cNvPr>
@@ -6776,7 +6906,7 @@
           <p:cNvPr id="4" name="テキスト ボックス 3">
             <a:extLst>
               <a:ext uri="{FF2B5EF4-FFF2-40B4-BE49-F238E27FC236}">
-                <a16:creationId xmlns:a16="http://schemas.microsoft.com/office/drawing/2014/main" id="{83D9254C-066B-4A30-984B-189E5281BB91}"/>
+                <a16:creationId xmlns:a16="http://schemas.microsoft.com/office/drawing/2014/main" xmlns="" id="{83D9254C-066B-4A30-984B-189E5281BB91}"/>
               </a:ext>
             </a:extLst>
           </p:cNvPr>
@@ -7214,7 +7344,7 @@
           <p:cNvPr id="5" name="テキスト ボックス 4">
             <a:extLst>
               <a:ext uri="{FF2B5EF4-FFF2-40B4-BE49-F238E27FC236}">
-                <a16:creationId xmlns:a16="http://schemas.microsoft.com/office/drawing/2014/main" id="{E7DA8156-9232-45DF-BDAB-F8BFA4989BF6}"/>
+                <a16:creationId xmlns:a16="http://schemas.microsoft.com/office/drawing/2014/main" xmlns="" id="{E7DA8156-9232-45DF-BDAB-F8BFA4989BF6}"/>
               </a:ext>
             </a:extLst>
           </p:cNvPr>
@@ -7258,7 +7388,7 @@
           <p:cNvPr id="7" name="テキスト ボックス 6">
             <a:extLst>
               <a:ext uri="{FF2B5EF4-FFF2-40B4-BE49-F238E27FC236}">
-                <a16:creationId xmlns:a16="http://schemas.microsoft.com/office/drawing/2014/main" id="{86562B00-1D31-41BF-8D0A-F3A64C35FA2F}"/>
+                <a16:creationId xmlns:a16="http://schemas.microsoft.com/office/drawing/2014/main" xmlns="" id="{86562B00-1D31-41BF-8D0A-F3A64C35FA2F}"/>
               </a:ext>
             </a:extLst>
           </p:cNvPr>
@@ -7310,7 +7440,7 @@
           <p:cNvPr id="8" name="テキスト ボックス 7">
             <a:extLst>
               <a:ext uri="{FF2B5EF4-FFF2-40B4-BE49-F238E27FC236}">
-                <a16:creationId xmlns:a16="http://schemas.microsoft.com/office/drawing/2014/main" id="{4B1A7519-3AB7-4FFE-8DC1-5D58D39C3087}"/>
+                <a16:creationId xmlns:a16="http://schemas.microsoft.com/office/drawing/2014/main" xmlns="" id="{4B1A7519-3AB7-4FFE-8DC1-5D58D39C3087}"/>
               </a:ext>
             </a:extLst>
           </p:cNvPr>
@@ -7359,7 +7489,7 @@
           <p:cNvPr id="16" name="テキスト ボックス 15">
             <a:extLst>
               <a:ext uri="{FF2B5EF4-FFF2-40B4-BE49-F238E27FC236}">
-                <a16:creationId xmlns:a16="http://schemas.microsoft.com/office/drawing/2014/main" id="{EAD140C4-19B0-40CF-8A7F-5B444A6FB643}"/>
+                <a16:creationId xmlns:a16="http://schemas.microsoft.com/office/drawing/2014/main" xmlns="" id="{EAD140C4-19B0-40CF-8A7F-5B444A6FB643}"/>
               </a:ext>
             </a:extLst>
           </p:cNvPr>
@@ -7397,7 +7527,7 @@
           <p:cNvPr id="17" name="テキスト ボックス 16">
             <a:extLst>
               <a:ext uri="{FF2B5EF4-FFF2-40B4-BE49-F238E27FC236}">
-                <a16:creationId xmlns:a16="http://schemas.microsoft.com/office/drawing/2014/main" id="{35A6466D-48F7-44F6-AA87-CA2E29ED1A92}"/>
+                <a16:creationId xmlns:a16="http://schemas.microsoft.com/office/drawing/2014/main" xmlns="" id="{35A6466D-48F7-44F6-AA87-CA2E29ED1A92}"/>
               </a:ext>
             </a:extLst>
           </p:cNvPr>
@@ -7435,7 +7565,7 @@
           <p:cNvPr id="20" name="グループ化 19">
             <a:extLst>
               <a:ext uri="{FF2B5EF4-FFF2-40B4-BE49-F238E27FC236}">
-                <a16:creationId xmlns:a16="http://schemas.microsoft.com/office/drawing/2014/main" id="{F2B7319D-4B0F-4E88-BF97-C6858CA42543}"/>
+                <a16:creationId xmlns:a16="http://schemas.microsoft.com/office/drawing/2014/main" xmlns="" id="{F2B7319D-4B0F-4E88-BF97-C6858CA42543}"/>
               </a:ext>
             </a:extLst>
           </p:cNvPr>
@@ -7455,7 +7585,7 @@
             <p:cNvPr id="10" name="図 9">
               <a:extLst>
                 <a:ext uri="{FF2B5EF4-FFF2-40B4-BE49-F238E27FC236}">
-                  <a16:creationId xmlns:a16="http://schemas.microsoft.com/office/drawing/2014/main" id="{CC45E600-B2B8-4EEF-9509-45C7FC593D21}"/>
+                  <a16:creationId xmlns:a16="http://schemas.microsoft.com/office/drawing/2014/main" xmlns="" id="{CC45E600-B2B8-4EEF-9509-45C7FC593D21}"/>
                 </a:ext>
               </a:extLst>
             </p:cNvPr>
@@ -7490,7 +7620,7 @@
             <p:cNvPr id="3" name="図 2">
               <a:extLst>
                 <a:ext uri="{FF2B5EF4-FFF2-40B4-BE49-F238E27FC236}">
-                  <a16:creationId xmlns:a16="http://schemas.microsoft.com/office/drawing/2014/main" id="{76874239-A564-450E-95B6-FA50B49D3D17}"/>
+                  <a16:creationId xmlns:a16="http://schemas.microsoft.com/office/drawing/2014/main" xmlns="" id="{76874239-A564-450E-95B6-FA50B49D3D17}"/>
                 </a:ext>
               </a:extLst>
             </p:cNvPr>
@@ -7526,7 +7656,7 @@
             <p:cNvPr id="18" name="図 17">
               <a:extLst>
                 <a:ext uri="{FF2B5EF4-FFF2-40B4-BE49-F238E27FC236}">
-                  <a16:creationId xmlns:a16="http://schemas.microsoft.com/office/drawing/2014/main" id="{0AB0B9E4-14DF-45A3-A28A-92DB7B5FED7E}"/>
+                  <a16:creationId xmlns:a16="http://schemas.microsoft.com/office/drawing/2014/main" xmlns="" id="{0AB0B9E4-14DF-45A3-A28A-92DB7B5FED7E}"/>
                 </a:ext>
               </a:extLst>
             </p:cNvPr>
@@ -7562,7 +7692,7 @@
             <p:cNvPr id="6" name="図 5" descr="歯車, 車輪 が含まれている画像&#10;&#10;自動的に生成された説明">
               <a:extLst>
                 <a:ext uri="{FF2B5EF4-FFF2-40B4-BE49-F238E27FC236}">
-                  <a16:creationId xmlns:a16="http://schemas.microsoft.com/office/drawing/2014/main" id="{719E7009-8045-4D66-A55A-5EE8D48EF64A}"/>
+                  <a16:creationId xmlns:a16="http://schemas.microsoft.com/office/drawing/2014/main" xmlns="" id="{719E7009-8045-4D66-A55A-5EE8D48EF64A}"/>
                 </a:ext>
               </a:extLst>
             </p:cNvPr>
@@ -7598,7 +7728,7 @@
             <p:cNvPr id="19" name="図 18" descr="車輪 が含まれている画像&#10;&#10;自動的に生成された説明">
               <a:extLst>
                 <a:ext uri="{FF2B5EF4-FFF2-40B4-BE49-F238E27FC236}">
-                  <a16:creationId xmlns:a16="http://schemas.microsoft.com/office/drawing/2014/main" id="{E345A25F-5D95-4CBD-ADD0-087829B4C775}"/>
+                  <a16:creationId xmlns:a16="http://schemas.microsoft.com/office/drawing/2014/main" xmlns="" id="{E345A25F-5D95-4CBD-ADD0-087829B4C775}"/>
                 </a:ext>
               </a:extLst>
             </p:cNvPr>
@@ -7673,7 +7803,7 @@
           <p:cNvPr id="2" name="図 1">
             <a:extLst>
               <a:ext uri="{FF2B5EF4-FFF2-40B4-BE49-F238E27FC236}">
-                <a16:creationId xmlns:a16="http://schemas.microsoft.com/office/drawing/2014/main" id="{ABA9EEB5-CD54-4299-B4B2-40DB1CEF4FD2}"/>
+                <a16:creationId xmlns:a16="http://schemas.microsoft.com/office/drawing/2014/main" xmlns="" id="{ABA9EEB5-CD54-4299-B4B2-40DB1CEF4FD2}"/>
               </a:ext>
             </a:extLst>
           </p:cNvPr>
@@ -7705,13 +7835,13 @@
         </p:nvSpPr>
         <p:spPr>
           <a:xfrm>
-            <a:off x="0" y="15325"/>
-            <a:ext cx="3557674" cy="1461476"/>
+            <a:off x="130627" y="866743"/>
+            <a:ext cx="3518573" cy="966162"/>
           </a:xfrm>
           <a:prstGeom prst="wedgeRectCallout">
             <a:avLst>
-              <a:gd name="adj1" fmla="val 41436"/>
-              <a:gd name="adj2" fmla="val 85130"/>
+              <a:gd name="adj1" fmla="val 35312"/>
+              <a:gd name="adj2" fmla="val 64235"/>
             </a:avLst>
           </a:prstGeom>
           <a:solidFill>
@@ -7815,8 +7945,8 @@
         </p:nvSpPr>
         <p:spPr>
           <a:xfrm>
-            <a:off x="0" y="5617029"/>
-            <a:ext cx="4296792" cy="1240971"/>
+            <a:off x="130628" y="5617030"/>
+            <a:ext cx="4166163" cy="1116280"/>
           </a:xfrm>
           <a:prstGeom prst="wedgeRectCallout">
             <a:avLst>
@@ -7935,8 +8065,8 @@
         </p:nvSpPr>
         <p:spPr>
           <a:xfrm>
-            <a:off x="7766462" y="5532058"/>
-            <a:ext cx="4425537" cy="1324099"/>
+            <a:off x="7766463" y="5532058"/>
+            <a:ext cx="4263242" cy="1201251"/>
           </a:xfrm>
           <a:prstGeom prst="wedgeRectCallout">
             <a:avLst>
@@ -8052,8 +8182,8 @@
         </p:nvSpPr>
         <p:spPr>
           <a:xfrm>
-            <a:off x="8320645" y="232379"/>
-            <a:ext cx="3871355" cy="1217220"/>
+            <a:off x="8229117" y="232379"/>
+            <a:ext cx="3800587" cy="1217220"/>
           </a:xfrm>
           <a:prstGeom prst="wedgeRectCallout">
             <a:avLst>
@@ -8099,7 +8229,27 @@
                 <a:latin typeface="チェックポイント．（ピリオド）" panose="02000600000000000000" pitchFamily="50" charset="-128"/>
                 <a:ea typeface="チェックポイント．（ピリオド）" panose="02000600000000000000" pitchFamily="50" charset="-128"/>
               </a:rPr>
-              <a:t>ここをクリックすると今住んでいる</a:t>
+              <a:t>ここをクリックする</a:t>
+            </a:r>
+            <a:r>
+              <a:rPr lang="ja-JP" altLang="en-US" dirty="0" smtClean="0">
+                <a:solidFill>
+                  <a:schemeClr val="tx1"/>
+                </a:solidFill>
+                <a:latin typeface="チェックポイント．（ピリオド）" panose="02000600000000000000" pitchFamily="50" charset="-128"/>
+                <a:ea typeface="チェックポイント．（ピリオド）" panose="02000600000000000000" pitchFamily="50" charset="-128"/>
+              </a:rPr>
+              <a:t>と住んで</a:t>
+            </a:r>
+            <a:r>
+              <a:rPr lang="ja-JP" altLang="en-US" dirty="0">
+                <a:solidFill>
+                  <a:schemeClr val="tx1"/>
+                </a:solidFill>
+                <a:latin typeface="チェックポイント．（ピリオド）" panose="02000600000000000000" pitchFamily="50" charset="-128"/>
+                <a:ea typeface="チェックポイント．（ピリオド）" panose="02000600000000000000" pitchFamily="50" charset="-128"/>
+              </a:rPr>
+              <a:t>いる</a:t>
             </a:r>
             <a:endParaRPr lang="en-US" altLang="ja-JP" dirty="0">
               <a:solidFill>
@@ -8205,7 +8355,7 @@
           <p:cNvPr id="13" name="正方形/長方形 12">
             <a:extLst>
               <a:ext uri="{FF2B5EF4-FFF2-40B4-BE49-F238E27FC236}">
-                <a16:creationId xmlns:a16="http://schemas.microsoft.com/office/drawing/2014/main" id="{A37BEE43-2066-46D6-8830-D8556B22304D}"/>
+                <a16:creationId xmlns:a16="http://schemas.microsoft.com/office/drawing/2014/main" xmlns="" id="{A37BEE43-2066-46D6-8830-D8556B22304D}"/>
               </a:ext>
             </a:extLst>
           </p:cNvPr>
@@ -8214,8 +8364,8 @@
         </p:nvSpPr>
         <p:spPr>
           <a:xfrm>
-            <a:off x="3077305" y="1996751"/>
-            <a:ext cx="2954037" cy="1438754"/>
+            <a:off x="3077305" y="2028825"/>
+            <a:ext cx="2954037" cy="1400176"/>
           </a:xfrm>
           <a:prstGeom prst="rect">
             <a:avLst/>
@@ -8257,7 +8407,7 @@
           <p:cNvPr id="14" name="正方形/長方形 13">
             <a:extLst>
               <a:ext uri="{FF2B5EF4-FFF2-40B4-BE49-F238E27FC236}">
-                <a16:creationId xmlns:a16="http://schemas.microsoft.com/office/drawing/2014/main" id="{BA56A8B8-81E8-409C-8A37-384626294E40}"/>
+                <a16:creationId xmlns:a16="http://schemas.microsoft.com/office/drawing/2014/main" xmlns="" id="{BA56A8B8-81E8-409C-8A37-384626294E40}"/>
               </a:ext>
             </a:extLst>
           </p:cNvPr>
@@ -8266,8 +8416,8 @@
         </p:nvSpPr>
         <p:spPr>
           <a:xfrm>
-            <a:off x="3077306" y="3442011"/>
-            <a:ext cx="2954037" cy="1432249"/>
+            <a:off x="3077306" y="3457576"/>
+            <a:ext cx="2954038" cy="1416686"/>
           </a:xfrm>
           <a:prstGeom prst="rect">
             <a:avLst/>
@@ -8309,7 +8459,7 @@
           <p:cNvPr id="15" name="正方形/長方形 14">
             <a:extLst>
               <a:ext uri="{FF2B5EF4-FFF2-40B4-BE49-F238E27FC236}">
-                <a16:creationId xmlns:a16="http://schemas.microsoft.com/office/drawing/2014/main" id="{AF0DEFD2-0EA7-416C-9349-A86003C1114B}"/>
+                <a16:creationId xmlns:a16="http://schemas.microsoft.com/office/drawing/2014/main" xmlns="" id="{AF0DEFD2-0EA7-416C-9349-A86003C1114B}"/>
               </a:ext>
             </a:extLst>
           </p:cNvPr>
@@ -8318,8 +8468,8 @@
         </p:nvSpPr>
         <p:spPr>
           <a:xfrm>
-            <a:off x="6031344" y="1996751"/>
-            <a:ext cx="2954036" cy="1432250"/>
+            <a:off x="6053138" y="2028825"/>
+            <a:ext cx="2932242" cy="1400176"/>
           </a:xfrm>
           <a:prstGeom prst="rect">
             <a:avLst/>
@@ -8361,7 +8511,7 @@
           <p:cNvPr id="18" name="正方形/長方形 17">
             <a:extLst>
               <a:ext uri="{FF2B5EF4-FFF2-40B4-BE49-F238E27FC236}">
-                <a16:creationId xmlns:a16="http://schemas.microsoft.com/office/drawing/2014/main" id="{DFCE669F-B98A-49D5-9CD8-578BB88718CC}"/>
+                <a16:creationId xmlns:a16="http://schemas.microsoft.com/office/drawing/2014/main" xmlns="" id="{DFCE669F-B98A-49D5-9CD8-578BB88718CC}"/>
               </a:ext>
             </a:extLst>
           </p:cNvPr>
@@ -8370,8 +8520,8 @@
         </p:nvSpPr>
         <p:spPr>
           <a:xfrm>
-            <a:off x="6031344" y="3442012"/>
-            <a:ext cx="2954036" cy="1432250"/>
+            <a:off x="6053138" y="3457576"/>
+            <a:ext cx="2932242" cy="1416686"/>
           </a:xfrm>
           <a:prstGeom prst="rect">
             <a:avLst/>
@@ -8443,7 +8593,7 @@
           <p:cNvPr id="2" name="図 1">
             <a:extLst>
               <a:ext uri="{FF2B5EF4-FFF2-40B4-BE49-F238E27FC236}">
-                <a16:creationId xmlns:a16="http://schemas.microsoft.com/office/drawing/2014/main" id="{FACDA18E-C9A9-4595-A67B-3D09A78991DE}"/>
+                <a16:creationId xmlns:a16="http://schemas.microsoft.com/office/drawing/2014/main" xmlns="" id="{FACDA18E-C9A9-4595-A67B-3D09A78991DE}"/>
               </a:ext>
             </a:extLst>
           </p:cNvPr>
@@ -8819,8 +8969,8 @@
         </p:nvSpPr>
         <p:spPr>
           <a:xfrm>
-            <a:off x="-2" y="5959542"/>
-            <a:ext cx="12192001" cy="850764"/>
+            <a:off x="67952" y="5912054"/>
+            <a:ext cx="11989579" cy="850764"/>
           </a:xfrm>
           <a:prstGeom prst="wedgeRectCallout">
             <a:avLst>
@@ -8962,7 +9112,7 @@
           <p:cNvPr id="10" name="正方形/長方形 9">
             <a:extLst>
               <a:ext uri="{FF2B5EF4-FFF2-40B4-BE49-F238E27FC236}">
-                <a16:creationId xmlns:a16="http://schemas.microsoft.com/office/drawing/2014/main" id="{6FFE011D-710D-4A4F-9825-141048483DC9}"/>
+                <a16:creationId xmlns:a16="http://schemas.microsoft.com/office/drawing/2014/main" xmlns="" id="{6FFE011D-710D-4A4F-9825-141048483DC9}"/>
               </a:ext>
             </a:extLst>
           </p:cNvPr>
@@ -9014,7 +9164,7 @@
           <p:cNvPr id="11" name="正方形/長方形 10">
             <a:extLst>
               <a:ext uri="{FF2B5EF4-FFF2-40B4-BE49-F238E27FC236}">
-                <a16:creationId xmlns:a16="http://schemas.microsoft.com/office/drawing/2014/main" id="{E20945F6-E8A3-4843-8AA8-C3CA375AAF01}"/>
+                <a16:creationId xmlns:a16="http://schemas.microsoft.com/office/drawing/2014/main" xmlns="" id="{E20945F6-E8A3-4843-8AA8-C3CA375AAF01}"/>
               </a:ext>
             </a:extLst>
           </p:cNvPr>
@@ -9066,7 +9216,7 @@
           <p:cNvPr id="12" name="正方形/長方形 11">
             <a:extLst>
               <a:ext uri="{FF2B5EF4-FFF2-40B4-BE49-F238E27FC236}">
-                <a16:creationId xmlns:a16="http://schemas.microsoft.com/office/drawing/2014/main" id="{7A027602-FE49-443B-B979-695A16DF3603}"/>
+                <a16:creationId xmlns:a16="http://schemas.microsoft.com/office/drawing/2014/main" xmlns="" id="{7A027602-FE49-443B-B979-695A16DF3603}"/>
               </a:ext>
             </a:extLst>
           </p:cNvPr>
@@ -9118,7 +9268,7 @@
           <p:cNvPr id="13" name="正方形/長方形 12">
             <a:extLst>
               <a:ext uri="{FF2B5EF4-FFF2-40B4-BE49-F238E27FC236}">
-                <a16:creationId xmlns:a16="http://schemas.microsoft.com/office/drawing/2014/main" id="{6D5653B2-A431-4E41-A84C-D2D0A59D8FFF}"/>
+                <a16:creationId xmlns:a16="http://schemas.microsoft.com/office/drawing/2014/main" xmlns="" id="{6D5653B2-A431-4E41-A84C-D2D0A59D8FFF}"/>
               </a:ext>
             </a:extLst>
           </p:cNvPr>
@@ -9170,7 +9320,7 @@
           <p:cNvPr id="15" name="正方形/長方形 14">
             <a:extLst>
               <a:ext uri="{FF2B5EF4-FFF2-40B4-BE49-F238E27FC236}">
-                <a16:creationId xmlns:a16="http://schemas.microsoft.com/office/drawing/2014/main" id="{E0E6CB0D-AD4F-4358-8DF1-ECAD7B65F9F5}"/>
+                <a16:creationId xmlns:a16="http://schemas.microsoft.com/office/drawing/2014/main" xmlns="" id="{E0E6CB0D-AD4F-4358-8DF1-ECAD7B65F9F5}"/>
               </a:ext>
             </a:extLst>
           </p:cNvPr>
@@ -9222,7 +9372,7 @@
           <p:cNvPr id="16" name="四角形吹き出し 4">
             <a:extLst>
               <a:ext uri="{FF2B5EF4-FFF2-40B4-BE49-F238E27FC236}">
-                <a16:creationId xmlns:a16="http://schemas.microsoft.com/office/drawing/2014/main" id="{63DDAF72-AE4E-4AAC-AC6F-2CCD1ADC7265}"/>
+                <a16:creationId xmlns:a16="http://schemas.microsoft.com/office/drawing/2014/main" xmlns="" id="{63DDAF72-AE4E-4AAC-AC6F-2CCD1ADC7265}"/>
               </a:ext>
             </a:extLst>
           </p:cNvPr>
@@ -9231,13 +9381,13 @@
         </p:nvSpPr>
         <p:spPr>
           <a:xfrm>
-            <a:off x="380998" y="157418"/>
-            <a:ext cx="2641602" cy="886434"/>
+            <a:off x="844136" y="344384"/>
+            <a:ext cx="2528456" cy="703808"/>
           </a:xfrm>
           <a:prstGeom prst="wedgeRectCallout">
             <a:avLst>
-              <a:gd name="adj1" fmla="val 17529"/>
-              <a:gd name="adj2" fmla="val 114528"/>
+              <a:gd name="adj1" fmla="val 11893"/>
+              <a:gd name="adj2" fmla="val 149961"/>
             </a:avLst>
           </a:prstGeom>
           <a:solidFill>
@@ -9318,7 +9468,7 @@
           <p:cNvPr id="2" name="図 1">
             <a:extLst>
               <a:ext uri="{FF2B5EF4-FFF2-40B4-BE49-F238E27FC236}">
-                <a16:creationId xmlns:a16="http://schemas.microsoft.com/office/drawing/2014/main" id="{6D8FB80E-219E-48B7-8A76-83136658BD39}"/>
+                <a16:creationId xmlns:a16="http://schemas.microsoft.com/office/drawing/2014/main" xmlns="" id="{6D8FB80E-219E-48B7-8A76-83136658BD39}"/>
               </a:ext>
             </a:extLst>
           </p:cNvPr>
@@ -9351,7 +9501,7 @@
         <p:spPr>
           <a:xfrm>
             <a:off x="8383978" y="473944"/>
-            <a:ext cx="3808022" cy="2997035"/>
+            <a:ext cx="3621975" cy="2997035"/>
           </a:xfrm>
           <a:prstGeom prst="wedgeRectCallout">
             <a:avLst>
@@ -9578,7 +9728,7 @@
         <p:spPr>
           <a:xfrm>
             <a:off x="692477" y="5794224"/>
-            <a:ext cx="10335987" cy="1050966"/>
+            <a:ext cx="10335987" cy="915334"/>
           </a:xfrm>
           <a:prstGeom prst="wedgeRectCallout">
             <a:avLst>
@@ -9720,7 +9870,7 @@
           <p:cNvPr id="8" name="正方形/長方形 7">
             <a:extLst>
               <a:ext uri="{FF2B5EF4-FFF2-40B4-BE49-F238E27FC236}">
-                <a16:creationId xmlns:a16="http://schemas.microsoft.com/office/drawing/2014/main" id="{F7BE2C32-C21E-4467-87D2-8052D2B5FDA7}"/>
+                <a16:creationId xmlns:a16="http://schemas.microsoft.com/office/drawing/2014/main" xmlns="" id="{F7BE2C32-C21E-4467-87D2-8052D2B5FDA7}"/>
               </a:ext>
             </a:extLst>
           </p:cNvPr>
@@ -9772,7 +9922,7 @@
           <p:cNvPr id="12" name="正方形/長方形 11">
             <a:extLst>
               <a:ext uri="{FF2B5EF4-FFF2-40B4-BE49-F238E27FC236}">
-                <a16:creationId xmlns:a16="http://schemas.microsoft.com/office/drawing/2014/main" id="{40ABF9C2-DF54-4877-A01A-A46FE482F6B4}"/>
+                <a16:creationId xmlns:a16="http://schemas.microsoft.com/office/drawing/2014/main" xmlns="" id="{40ABF9C2-DF54-4877-A01A-A46FE482F6B4}"/>
               </a:ext>
             </a:extLst>
           </p:cNvPr>
@@ -9824,7 +9974,7 @@
           <p:cNvPr id="14" name="正方形/長方形 13">
             <a:extLst>
               <a:ext uri="{FF2B5EF4-FFF2-40B4-BE49-F238E27FC236}">
-                <a16:creationId xmlns:a16="http://schemas.microsoft.com/office/drawing/2014/main" id="{04C836FE-EE43-45CD-B4BE-F7E0ABEE0088}"/>
+                <a16:creationId xmlns:a16="http://schemas.microsoft.com/office/drawing/2014/main" xmlns="" id="{04C836FE-EE43-45CD-B4BE-F7E0ABEE0088}"/>
               </a:ext>
             </a:extLst>
           </p:cNvPr>
@@ -9876,7 +10026,7 @@
           <p:cNvPr id="16" name="吹き出し: 四角形 15">
             <a:extLst>
               <a:ext uri="{FF2B5EF4-FFF2-40B4-BE49-F238E27FC236}">
-                <a16:creationId xmlns:a16="http://schemas.microsoft.com/office/drawing/2014/main" id="{3ECE61CD-6BC4-463C-897C-903CC3F098F0}"/>
+                <a16:creationId xmlns:a16="http://schemas.microsoft.com/office/drawing/2014/main" xmlns="" id="{3ECE61CD-6BC4-463C-897C-903CC3F098F0}"/>
               </a:ext>
             </a:extLst>
           </p:cNvPr>
@@ -9885,8 +10035,8 @@
         </p:nvSpPr>
         <p:spPr>
           <a:xfrm>
-            <a:off x="8383978" y="4960491"/>
-            <a:ext cx="3325422" cy="514926"/>
+            <a:off x="8383977" y="4960491"/>
+            <a:ext cx="3621975" cy="514926"/>
           </a:xfrm>
           <a:prstGeom prst="wedgeRectCallout">
             <a:avLst>
@@ -9894,7 +10044,9 @@
               <a:gd name="adj2" fmla="val -25484"/>
             </a:avLst>
           </a:prstGeom>
-          <a:noFill/>
+          <a:solidFill>
+            <a:schemeClr val="bg1"/>
+          </a:solidFill>
           <a:ln>
             <a:solidFill>
               <a:schemeClr val="tx1"/>
@@ -9970,7 +10122,7 @@
           <p:cNvPr id="5" name="図 4">
             <a:extLst>
               <a:ext uri="{FF2B5EF4-FFF2-40B4-BE49-F238E27FC236}">
-                <a16:creationId xmlns:a16="http://schemas.microsoft.com/office/drawing/2014/main" id="{165CE0B9-374D-46A3-97C1-E7AFAFB5DEDF}"/>
+                <a16:creationId xmlns:a16="http://schemas.microsoft.com/office/drawing/2014/main" xmlns="" id="{165CE0B9-374D-46A3-97C1-E7AFAFB5DEDF}"/>
               </a:ext>
             </a:extLst>
           </p:cNvPr>
@@ -10005,7 +10157,7 @@
           <p:cNvPr id="6" name="テキスト ボックス 5">
             <a:extLst>
               <a:ext uri="{FF2B5EF4-FFF2-40B4-BE49-F238E27FC236}">
-                <a16:creationId xmlns:a16="http://schemas.microsoft.com/office/drawing/2014/main" id="{EEBBDC81-60E0-49FD-9EFB-874F038CCD29}"/>
+                <a16:creationId xmlns:a16="http://schemas.microsoft.com/office/drawing/2014/main" xmlns="" id="{EEBBDC81-60E0-49FD-9EFB-874F038CCD29}"/>
               </a:ext>
             </a:extLst>
           </p:cNvPr>
@@ -10057,7 +10209,7 @@
           <p:cNvPr id="12" name="グループ化 11">
             <a:extLst>
               <a:ext uri="{FF2B5EF4-FFF2-40B4-BE49-F238E27FC236}">
-                <a16:creationId xmlns:a16="http://schemas.microsoft.com/office/drawing/2014/main" id="{797C4648-EAB3-4303-9BBE-4050E32CDCAC}"/>
+                <a16:creationId xmlns:a16="http://schemas.microsoft.com/office/drawing/2014/main" xmlns="" id="{797C4648-EAB3-4303-9BBE-4050E32CDCAC}"/>
               </a:ext>
             </a:extLst>
           </p:cNvPr>
@@ -10077,7 +10229,7 @@
             <p:cNvPr id="8" name="テキスト ボックス 7">
               <a:extLst>
                 <a:ext uri="{FF2B5EF4-FFF2-40B4-BE49-F238E27FC236}">
-                  <a16:creationId xmlns:a16="http://schemas.microsoft.com/office/drawing/2014/main" id="{732F859C-017C-4DF8-8D5C-BAFB7C322941}"/>
+                  <a16:creationId xmlns:a16="http://schemas.microsoft.com/office/drawing/2014/main" xmlns="" id="{732F859C-017C-4DF8-8D5C-BAFB7C322941}"/>
                 </a:ext>
               </a:extLst>
             </p:cNvPr>
@@ -10118,7 +10270,7 @@
             <p:cNvPr id="9" name="テキスト ボックス 8">
               <a:extLst>
                 <a:ext uri="{FF2B5EF4-FFF2-40B4-BE49-F238E27FC236}">
-                  <a16:creationId xmlns:a16="http://schemas.microsoft.com/office/drawing/2014/main" id="{8712CBD0-DD3F-4A86-9652-7FFA75AD120B}"/>
+                  <a16:creationId xmlns:a16="http://schemas.microsoft.com/office/drawing/2014/main" xmlns="" id="{8712CBD0-DD3F-4A86-9652-7FFA75AD120B}"/>
                 </a:ext>
               </a:extLst>
             </p:cNvPr>
@@ -10181,7 +10333,7 @@
           <p:cNvPr id="13" name="グループ化 12">
             <a:extLst>
               <a:ext uri="{FF2B5EF4-FFF2-40B4-BE49-F238E27FC236}">
-                <a16:creationId xmlns:a16="http://schemas.microsoft.com/office/drawing/2014/main" id="{DED0F105-29CA-4D82-BF68-6B4A196F19AA}"/>
+                <a16:creationId xmlns:a16="http://schemas.microsoft.com/office/drawing/2014/main" xmlns="" id="{DED0F105-29CA-4D82-BF68-6B4A196F19AA}"/>
               </a:ext>
             </a:extLst>
           </p:cNvPr>
@@ -10201,7 +10353,7 @@
             <p:cNvPr id="7" name="テキスト ボックス 6">
               <a:extLst>
                 <a:ext uri="{FF2B5EF4-FFF2-40B4-BE49-F238E27FC236}">
-                  <a16:creationId xmlns:a16="http://schemas.microsoft.com/office/drawing/2014/main" id="{54618E3D-3C8D-4D29-8362-5B6918855191}"/>
+                  <a16:creationId xmlns:a16="http://schemas.microsoft.com/office/drawing/2014/main" xmlns="" id="{54618E3D-3C8D-4D29-8362-5B6918855191}"/>
                 </a:ext>
               </a:extLst>
             </p:cNvPr>
@@ -10242,7 +10394,7 @@
             <p:cNvPr id="11" name="テキスト ボックス 10">
               <a:extLst>
                 <a:ext uri="{FF2B5EF4-FFF2-40B4-BE49-F238E27FC236}">
-                  <a16:creationId xmlns:a16="http://schemas.microsoft.com/office/drawing/2014/main" id="{6825228E-EBCE-401A-B0BC-7661792A6F00}"/>
+                  <a16:creationId xmlns:a16="http://schemas.microsoft.com/office/drawing/2014/main" xmlns="" id="{6825228E-EBCE-401A-B0BC-7661792A6F00}"/>
                 </a:ext>
               </a:extLst>
             </p:cNvPr>
@@ -10384,7 +10536,7 @@
           <p:cNvPr id="5" name="テキスト ボックス 4">
             <a:extLst>
               <a:ext uri="{FF2B5EF4-FFF2-40B4-BE49-F238E27FC236}">
-                <a16:creationId xmlns:a16="http://schemas.microsoft.com/office/drawing/2014/main" id="{3EEDA683-E7C7-4A3A-9045-88BF1220584E}"/>
+                <a16:creationId xmlns:a16="http://schemas.microsoft.com/office/drawing/2014/main" xmlns="" id="{3EEDA683-E7C7-4A3A-9045-88BF1220584E}"/>
               </a:ext>
             </a:extLst>
           </p:cNvPr>
@@ -10436,7 +10588,7 @@
           <p:cNvPr id="6" name="テキスト ボックス 5">
             <a:extLst>
               <a:ext uri="{FF2B5EF4-FFF2-40B4-BE49-F238E27FC236}">
-                <a16:creationId xmlns:a16="http://schemas.microsoft.com/office/drawing/2014/main" id="{C9FCE914-94E5-4B3F-B2D2-96FDE0E6E9D8}"/>
+                <a16:creationId xmlns:a16="http://schemas.microsoft.com/office/drawing/2014/main" xmlns="" id="{C9FCE914-94E5-4B3F-B2D2-96FDE0E6E9D8}"/>
               </a:ext>
             </a:extLst>
           </p:cNvPr>
@@ -10477,7 +10629,7 @@
           <p:cNvPr id="7" name="テキスト ボックス 6">
             <a:extLst>
               <a:ext uri="{FF2B5EF4-FFF2-40B4-BE49-F238E27FC236}">
-                <a16:creationId xmlns:a16="http://schemas.microsoft.com/office/drawing/2014/main" id="{1A509F0D-124D-47C4-B5CD-4B9B8064082C}"/>
+                <a16:creationId xmlns:a16="http://schemas.microsoft.com/office/drawing/2014/main" xmlns="" id="{1A509F0D-124D-47C4-B5CD-4B9B8064082C}"/>
               </a:ext>
             </a:extLst>
           </p:cNvPr>
@@ -10528,7 +10680,7 @@
           <p:cNvPr id="8" name="テキスト ボックス 7">
             <a:extLst>
               <a:ext uri="{FF2B5EF4-FFF2-40B4-BE49-F238E27FC236}">
-                <a16:creationId xmlns:a16="http://schemas.microsoft.com/office/drawing/2014/main" id="{5F463387-8D23-460A-80ED-50E81FAAF3D9}"/>
+                <a16:creationId xmlns:a16="http://schemas.microsoft.com/office/drawing/2014/main" xmlns="" id="{5F463387-8D23-460A-80ED-50E81FAAF3D9}"/>
               </a:ext>
             </a:extLst>
           </p:cNvPr>
@@ -10589,7 +10741,7 @@
           <p:cNvPr id="9" name="テキスト ボックス 8">
             <a:extLst>
               <a:ext uri="{FF2B5EF4-FFF2-40B4-BE49-F238E27FC236}">
-                <a16:creationId xmlns:a16="http://schemas.microsoft.com/office/drawing/2014/main" id="{3E1D3977-A1EE-4011-94E0-9B60C81CA553}"/>
+                <a16:creationId xmlns:a16="http://schemas.microsoft.com/office/drawing/2014/main" xmlns="" id="{3E1D3977-A1EE-4011-94E0-9B60C81CA553}"/>
               </a:ext>
             </a:extLst>
           </p:cNvPr>
@@ -10678,7 +10830,7 @@
           <p:cNvPr id="41" name="グループ化 40">
             <a:extLst>
               <a:ext uri="{FF2B5EF4-FFF2-40B4-BE49-F238E27FC236}">
-                <a16:creationId xmlns:a16="http://schemas.microsoft.com/office/drawing/2014/main" id="{C42471E9-CEF7-4DD0-B2B9-A37027252951}"/>
+                <a16:creationId xmlns:a16="http://schemas.microsoft.com/office/drawing/2014/main" xmlns="" id="{C42471E9-CEF7-4DD0-B2B9-A37027252951}"/>
               </a:ext>
             </a:extLst>
           </p:cNvPr>
@@ -10698,7 +10850,7 @@
             <p:cNvPr id="22" name="グループ化 21">
               <a:extLst>
                 <a:ext uri="{FF2B5EF4-FFF2-40B4-BE49-F238E27FC236}">
-                  <a16:creationId xmlns:a16="http://schemas.microsoft.com/office/drawing/2014/main" id="{7D6E456E-2E26-4492-9279-169842641548}"/>
+                  <a16:creationId xmlns:a16="http://schemas.microsoft.com/office/drawing/2014/main" xmlns="" id="{7D6E456E-2E26-4492-9279-169842641548}"/>
                 </a:ext>
               </a:extLst>
             </p:cNvPr>
@@ -10718,7 +10870,7 @@
               <p:cNvPr id="11" name="図 10" descr="物体 が含まれている画像&#10;&#10;自動的に生成された説明">
                 <a:extLst>
                   <a:ext uri="{FF2B5EF4-FFF2-40B4-BE49-F238E27FC236}">
-                    <a16:creationId xmlns:a16="http://schemas.microsoft.com/office/drawing/2014/main" id="{9E2F2156-5A3C-4670-A7BB-42FF8EF7E4F0}"/>
+                    <a16:creationId xmlns:a16="http://schemas.microsoft.com/office/drawing/2014/main" xmlns="" id="{9E2F2156-5A3C-4670-A7BB-42FF8EF7E4F0}"/>
                   </a:ext>
                 </a:extLst>
               </p:cNvPr>
@@ -10754,7 +10906,7 @@
               <p:cNvPr id="18" name="テキスト ボックス 17">
                 <a:extLst>
                   <a:ext uri="{FF2B5EF4-FFF2-40B4-BE49-F238E27FC236}">
-                    <a16:creationId xmlns:a16="http://schemas.microsoft.com/office/drawing/2014/main" id="{85DB17C7-0CA8-4460-8B6A-1BBCF3C5CA75}"/>
+                    <a16:creationId xmlns:a16="http://schemas.microsoft.com/office/drawing/2014/main" xmlns="" id="{85DB17C7-0CA8-4460-8B6A-1BBCF3C5CA75}"/>
                   </a:ext>
                 </a:extLst>
               </p:cNvPr>
@@ -10793,7 +10945,7 @@
             <p:cNvPr id="23" name="グループ化 22">
               <a:extLst>
                 <a:ext uri="{FF2B5EF4-FFF2-40B4-BE49-F238E27FC236}">
-                  <a16:creationId xmlns:a16="http://schemas.microsoft.com/office/drawing/2014/main" id="{8FA97864-B0AC-4C37-AB57-3F511EE9B20A}"/>
+                  <a16:creationId xmlns:a16="http://schemas.microsoft.com/office/drawing/2014/main" xmlns="" id="{8FA97864-B0AC-4C37-AB57-3F511EE9B20A}"/>
                 </a:ext>
               </a:extLst>
             </p:cNvPr>
@@ -10813,7 +10965,7 @@
               <p:cNvPr id="13" name="図 12" descr="物体 が含まれている画像&#10;&#10;自動的に生成された説明">
                 <a:extLst>
                   <a:ext uri="{FF2B5EF4-FFF2-40B4-BE49-F238E27FC236}">
-                    <a16:creationId xmlns:a16="http://schemas.microsoft.com/office/drawing/2014/main" id="{539F0BC8-41E3-4ADD-9459-BE0E2D7ABA27}"/>
+                    <a16:creationId xmlns:a16="http://schemas.microsoft.com/office/drawing/2014/main" xmlns="" id="{539F0BC8-41E3-4ADD-9459-BE0E2D7ABA27}"/>
                   </a:ext>
                 </a:extLst>
               </p:cNvPr>
@@ -10849,7 +11001,7 @@
               <p:cNvPr id="19" name="テキスト ボックス 18">
                 <a:extLst>
                   <a:ext uri="{FF2B5EF4-FFF2-40B4-BE49-F238E27FC236}">
-                    <a16:creationId xmlns:a16="http://schemas.microsoft.com/office/drawing/2014/main" id="{9D08D78F-597A-41C6-9E61-E721135C20D1}"/>
+                    <a16:creationId xmlns:a16="http://schemas.microsoft.com/office/drawing/2014/main" xmlns="" id="{9D08D78F-597A-41C6-9E61-E721135C20D1}"/>
                   </a:ext>
                 </a:extLst>
               </p:cNvPr>
@@ -10888,7 +11040,7 @@
             <p:cNvPr id="25" name="グループ化 24">
               <a:extLst>
                 <a:ext uri="{FF2B5EF4-FFF2-40B4-BE49-F238E27FC236}">
-                  <a16:creationId xmlns:a16="http://schemas.microsoft.com/office/drawing/2014/main" id="{8F6624A7-F895-493A-8055-873B48C8C19C}"/>
+                  <a16:creationId xmlns:a16="http://schemas.microsoft.com/office/drawing/2014/main" xmlns="" id="{8F6624A7-F895-493A-8055-873B48C8C19C}"/>
                 </a:ext>
               </a:extLst>
             </p:cNvPr>
@@ -10908,7 +11060,7 @@
               <p:cNvPr id="15" name="図 14" descr="物体, 腕時計 が含まれている画像&#10;&#10;自動的に生成された説明">
                 <a:extLst>
                   <a:ext uri="{FF2B5EF4-FFF2-40B4-BE49-F238E27FC236}">
-                    <a16:creationId xmlns:a16="http://schemas.microsoft.com/office/drawing/2014/main" id="{53299244-26D0-4173-ACC6-BD241C768849}"/>
+                    <a16:creationId xmlns:a16="http://schemas.microsoft.com/office/drawing/2014/main" xmlns="" id="{53299244-26D0-4173-ACC6-BD241C768849}"/>
                   </a:ext>
                 </a:extLst>
               </p:cNvPr>
@@ -10944,7 +11096,7 @@
               <p:cNvPr id="20" name="テキスト ボックス 19">
                 <a:extLst>
                   <a:ext uri="{FF2B5EF4-FFF2-40B4-BE49-F238E27FC236}">
-                    <a16:creationId xmlns:a16="http://schemas.microsoft.com/office/drawing/2014/main" id="{BF9D5B9B-9876-443A-BE29-B4828D0A5D74}"/>
+                    <a16:creationId xmlns:a16="http://schemas.microsoft.com/office/drawing/2014/main" xmlns="" id="{BF9D5B9B-9876-443A-BE29-B4828D0A5D74}"/>
                   </a:ext>
                 </a:extLst>
               </p:cNvPr>
@@ -10983,7 +11135,7 @@
             <p:cNvPr id="26" name="グループ化 25">
               <a:extLst>
                 <a:ext uri="{FF2B5EF4-FFF2-40B4-BE49-F238E27FC236}">
-                  <a16:creationId xmlns:a16="http://schemas.microsoft.com/office/drawing/2014/main" id="{D317981A-38A9-4594-9159-8C77F7F6D8B4}"/>
+                  <a16:creationId xmlns:a16="http://schemas.microsoft.com/office/drawing/2014/main" xmlns="" id="{D317981A-38A9-4594-9159-8C77F7F6D8B4}"/>
                 </a:ext>
               </a:extLst>
             </p:cNvPr>
@@ -11003,7 +11155,7 @@
               <p:cNvPr id="17" name="図 16" descr="物体 が含まれている画像&#10;&#10;自動的に生成された説明">
                 <a:extLst>
                   <a:ext uri="{FF2B5EF4-FFF2-40B4-BE49-F238E27FC236}">
-                    <a16:creationId xmlns:a16="http://schemas.microsoft.com/office/drawing/2014/main" id="{93CD3867-4A7C-4138-9F28-8B9071FCE1AF}"/>
+                    <a16:creationId xmlns:a16="http://schemas.microsoft.com/office/drawing/2014/main" xmlns="" id="{93CD3867-4A7C-4138-9F28-8B9071FCE1AF}"/>
                   </a:ext>
                 </a:extLst>
               </p:cNvPr>
@@ -11039,7 +11191,7 @@
               <p:cNvPr id="21" name="テキスト ボックス 20">
                 <a:extLst>
                   <a:ext uri="{FF2B5EF4-FFF2-40B4-BE49-F238E27FC236}">
-                    <a16:creationId xmlns:a16="http://schemas.microsoft.com/office/drawing/2014/main" id="{C3C71671-55D6-4E40-BC27-288FCF91D2BB}"/>
+                    <a16:creationId xmlns:a16="http://schemas.microsoft.com/office/drawing/2014/main" xmlns="" id="{C3C71671-55D6-4E40-BC27-288FCF91D2BB}"/>
                   </a:ext>
                 </a:extLst>
               </p:cNvPr>
@@ -11082,7 +11234,7 @@
             <p:cNvPr id="28" name="直線矢印コネクタ 27">
               <a:extLst>
                 <a:ext uri="{FF2B5EF4-FFF2-40B4-BE49-F238E27FC236}">
-                  <a16:creationId xmlns:a16="http://schemas.microsoft.com/office/drawing/2014/main" id="{A84A16DD-57C4-4761-A446-249187106E51}"/>
+                  <a16:creationId xmlns:a16="http://schemas.microsoft.com/office/drawing/2014/main" xmlns="" id="{A84A16DD-57C4-4761-A446-249187106E51}"/>
                 </a:ext>
               </a:extLst>
             </p:cNvPr>
@@ -11126,7 +11278,7 @@
             <p:cNvPr id="29" name="直線矢印コネクタ 28">
               <a:extLst>
                 <a:ext uri="{FF2B5EF4-FFF2-40B4-BE49-F238E27FC236}">
-                  <a16:creationId xmlns:a16="http://schemas.microsoft.com/office/drawing/2014/main" id="{CE867472-33BD-4771-A53A-412FDCEAB859}"/>
+                  <a16:creationId xmlns:a16="http://schemas.microsoft.com/office/drawing/2014/main" xmlns="" id="{CE867472-33BD-4771-A53A-412FDCEAB859}"/>
                 </a:ext>
               </a:extLst>
             </p:cNvPr>
@@ -11170,7 +11322,7 @@
             <p:cNvPr id="32" name="直線矢印コネクタ 31">
               <a:extLst>
                 <a:ext uri="{FF2B5EF4-FFF2-40B4-BE49-F238E27FC236}">
-                  <a16:creationId xmlns:a16="http://schemas.microsoft.com/office/drawing/2014/main" id="{2F760955-CE29-4903-BDF0-C0EF1A34CD6F}"/>
+                  <a16:creationId xmlns:a16="http://schemas.microsoft.com/office/drawing/2014/main" xmlns="" id="{2F760955-CE29-4903-BDF0-C0EF1A34CD6F}"/>
                 </a:ext>
               </a:extLst>
             </p:cNvPr>
@@ -11214,7 +11366,7 @@
             <p:cNvPr id="33" name="直線矢印コネクタ 32">
               <a:extLst>
                 <a:ext uri="{FF2B5EF4-FFF2-40B4-BE49-F238E27FC236}">
-                  <a16:creationId xmlns:a16="http://schemas.microsoft.com/office/drawing/2014/main" id="{96E14F16-9B67-48C7-9985-746717E7D2CE}"/>
+                  <a16:creationId xmlns:a16="http://schemas.microsoft.com/office/drawing/2014/main" xmlns="" id="{96E14F16-9B67-48C7-9985-746717E7D2CE}"/>
                 </a:ext>
               </a:extLst>
             </p:cNvPr>
@@ -11258,7 +11410,7 @@
             <p:cNvPr id="34" name="正方形/長方形 33">
               <a:extLst>
                 <a:ext uri="{FF2B5EF4-FFF2-40B4-BE49-F238E27FC236}">
-                  <a16:creationId xmlns:a16="http://schemas.microsoft.com/office/drawing/2014/main" id="{6ADAFCEE-C028-416D-B257-90B41E02042A}"/>
+                  <a16:creationId xmlns:a16="http://schemas.microsoft.com/office/drawing/2014/main" xmlns="" id="{6ADAFCEE-C028-416D-B257-90B41E02042A}"/>
                 </a:ext>
               </a:extLst>
             </p:cNvPr>
@@ -11313,7 +11465,7 @@
             <p:cNvPr id="35" name="直線矢印コネクタ 34">
               <a:extLst>
                 <a:ext uri="{FF2B5EF4-FFF2-40B4-BE49-F238E27FC236}">
-                  <a16:creationId xmlns:a16="http://schemas.microsoft.com/office/drawing/2014/main" id="{A2A6B62C-1E0E-432C-9BEC-393C34A1C94C}"/>
+                  <a16:creationId xmlns:a16="http://schemas.microsoft.com/office/drawing/2014/main" xmlns="" id="{A2A6B62C-1E0E-432C-9BEC-393C34A1C94C}"/>
                 </a:ext>
               </a:extLst>
             </p:cNvPr>
@@ -11358,7 +11510,7 @@
           <p:cNvPr id="44" name="グループ化 43">
             <a:extLst>
               <a:ext uri="{FF2B5EF4-FFF2-40B4-BE49-F238E27FC236}">
-                <a16:creationId xmlns:a16="http://schemas.microsoft.com/office/drawing/2014/main" id="{7EEE5686-B5B9-4B20-8993-381AFDACF9AB}"/>
+                <a16:creationId xmlns:a16="http://schemas.microsoft.com/office/drawing/2014/main" xmlns="" id="{7EEE5686-B5B9-4B20-8993-381AFDACF9AB}"/>
               </a:ext>
             </a:extLst>
           </p:cNvPr>
@@ -11378,7 +11530,7 @@
             <p:cNvPr id="40" name="グループ化 39">
               <a:extLst>
                 <a:ext uri="{FF2B5EF4-FFF2-40B4-BE49-F238E27FC236}">
-                  <a16:creationId xmlns:a16="http://schemas.microsoft.com/office/drawing/2014/main" id="{80B432E5-1E61-4A1C-BB38-CE56CD67DAEC}"/>
+                  <a16:creationId xmlns:a16="http://schemas.microsoft.com/office/drawing/2014/main" xmlns="" id="{80B432E5-1E61-4A1C-BB38-CE56CD67DAEC}"/>
                 </a:ext>
               </a:extLst>
             </p:cNvPr>
@@ -11398,7 +11550,7 @@
               <p:cNvPr id="36" name="直線矢印コネクタ 35">
                 <a:extLst>
                   <a:ext uri="{FF2B5EF4-FFF2-40B4-BE49-F238E27FC236}">
-                    <a16:creationId xmlns:a16="http://schemas.microsoft.com/office/drawing/2014/main" id="{555429FE-F091-46AD-84F7-1B4256D762AB}"/>
+                    <a16:creationId xmlns:a16="http://schemas.microsoft.com/office/drawing/2014/main" xmlns="" id="{555429FE-F091-46AD-84F7-1B4256D762AB}"/>
                   </a:ext>
                 </a:extLst>
               </p:cNvPr>
@@ -11442,7 +11594,7 @@
               <p:cNvPr id="37" name="直線矢印コネクタ 36">
                 <a:extLst>
                   <a:ext uri="{FF2B5EF4-FFF2-40B4-BE49-F238E27FC236}">
-                    <a16:creationId xmlns:a16="http://schemas.microsoft.com/office/drawing/2014/main" id="{5030B8C7-7BED-40F6-B6D5-A7CD124D67A9}"/>
+                    <a16:creationId xmlns:a16="http://schemas.microsoft.com/office/drawing/2014/main" xmlns="" id="{5030B8C7-7BED-40F6-B6D5-A7CD124D67A9}"/>
                   </a:ext>
                 </a:extLst>
               </p:cNvPr>
@@ -11486,7 +11638,7 @@
               <p:cNvPr id="38" name="テキスト ボックス 37">
                 <a:extLst>
                   <a:ext uri="{FF2B5EF4-FFF2-40B4-BE49-F238E27FC236}">
-                    <a16:creationId xmlns:a16="http://schemas.microsoft.com/office/drawing/2014/main" id="{1BB9FF26-C1AD-43FF-B1A3-3D220E4BC3AA}"/>
+                    <a16:creationId xmlns:a16="http://schemas.microsoft.com/office/drawing/2014/main" xmlns="" id="{1BB9FF26-C1AD-43FF-B1A3-3D220E4BC3AA}"/>
                   </a:ext>
                 </a:extLst>
               </p:cNvPr>
@@ -11524,7 +11676,7 @@
               <p:cNvPr id="39" name="テキスト ボックス 38">
                 <a:extLst>
                   <a:ext uri="{FF2B5EF4-FFF2-40B4-BE49-F238E27FC236}">
-                    <a16:creationId xmlns:a16="http://schemas.microsoft.com/office/drawing/2014/main" id="{127090C9-FA03-47A3-B8E5-5AC843148C0C}"/>
+                    <a16:creationId xmlns:a16="http://schemas.microsoft.com/office/drawing/2014/main" xmlns="" id="{127090C9-FA03-47A3-B8E5-5AC843148C0C}"/>
                   </a:ext>
                 </a:extLst>
               </p:cNvPr>
@@ -11567,7 +11719,7 @@
             <p:cNvPr id="42" name="正方形/長方形 41">
               <a:extLst>
                 <a:ext uri="{FF2B5EF4-FFF2-40B4-BE49-F238E27FC236}">
-                  <a16:creationId xmlns:a16="http://schemas.microsoft.com/office/drawing/2014/main" id="{974D7591-C374-4FE7-98C6-F63D715B2F46}"/>
+                  <a16:creationId xmlns:a16="http://schemas.microsoft.com/office/drawing/2014/main" xmlns="" id="{974D7591-C374-4FE7-98C6-F63D715B2F46}"/>
                 </a:ext>
               </a:extLst>
             </p:cNvPr>
@@ -11623,7 +11775,7 @@
           <p:cNvPr id="43" name="正方形/長方形 42">
             <a:extLst>
               <a:ext uri="{FF2B5EF4-FFF2-40B4-BE49-F238E27FC236}">
-                <a16:creationId xmlns:a16="http://schemas.microsoft.com/office/drawing/2014/main" id="{A98ECFFF-731C-4C54-95F1-02A8CC15EA71}"/>
+                <a16:creationId xmlns:a16="http://schemas.microsoft.com/office/drawing/2014/main" xmlns="" id="{A98ECFFF-731C-4C54-95F1-02A8CC15EA71}"/>
               </a:ext>
             </a:extLst>
           </p:cNvPr>
@@ -11689,7 +11841,7 @@
             <p:cNvPr id="4" name="図 3">
               <a:extLst>
                 <a:ext uri="{FF2B5EF4-FFF2-40B4-BE49-F238E27FC236}">
-                  <a16:creationId xmlns:a16="http://schemas.microsoft.com/office/drawing/2014/main" id="{84E4BD2B-BD98-4D0D-BD92-46FAC62B133A}"/>
+                  <a16:creationId xmlns:a16="http://schemas.microsoft.com/office/drawing/2014/main" xmlns="" id="{84E4BD2B-BD98-4D0D-BD92-46FAC62B133A}"/>
                 </a:ext>
               </a:extLst>
             </p:cNvPr>
@@ -11724,7 +11876,7 @@
             <p:cNvPr id="45" name="図 44">
               <a:extLst>
                 <a:ext uri="{FF2B5EF4-FFF2-40B4-BE49-F238E27FC236}">
-                  <a16:creationId xmlns:a16="http://schemas.microsoft.com/office/drawing/2014/main" id="{84E4BD2B-BD98-4D0D-BD92-46FAC62B133A}"/>
+                  <a16:creationId xmlns:a16="http://schemas.microsoft.com/office/drawing/2014/main" xmlns="" id="{84E4BD2B-BD98-4D0D-BD92-46FAC62B133A}"/>
                 </a:ext>
               </a:extLst>
             </p:cNvPr>
@@ -11790,7 +11942,7 @@
           <p:cNvPr id="3" name="図 2">
             <a:extLst>
               <a:ext uri="{FF2B5EF4-FFF2-40B4-BE49-F238E27FC236}">
-                <a16:creationId xmlns:a16="http://schemas.microsoft.com/office/drawing/2014/main" id="{8EBC7496-D4A5-4E2C-9D16-11A12608F074}"/>
+                <a16:creationId xmlns:a16="http://schemas.microsoft.com/office/drawing/2014/main" xmlns="" id="{8EBC7496-D4A5-4E2C-9D16-11A12608F074}"/>
               </a:ext>
             </a:extLst>
           </p:cNvPr>
@@ -11819,7 +11971,7 @@
           <p:cNvPr id="10" name="テキスト ボックス 9">
             <a:extLst>
               <a:ext uri="{FF2B5EF4-FFF2-40B4-BE49-F238E27FC236}">
-                <a16:creationId xmlns:a16="http://schemas.microsoft.com/office/drawing/2014/main" id="{D5807289-5F94-4ABF-BB19-A244DE39AAB7}"/>
+                <a16:creationId xmlns:a16="http://schemas.microsoft.com/office/drawing/2014/main" xmlns="" id="{D5807289-5F94-4ABF-BB19-A244DE39AAB7}"/>
               </a:ext>
             </a:extLst>
           </p:cNvPr>
@@ -11864,7 +12016,7 @@
           <p:cNvPr id="11" name="テキスト ボックス 10">
             <a:extLst>
               <a:ext uri="{FF2B5EF4-FFF2-40B4-BE49-F238E27FC236}">
-                <a16:creationId xmlns:a16="http://schemas.microsoft.com/office/drawing/2014/main" id="{6D354EB7-7F73-4490-964D-300A57A3D0C5}"/>
+                <a16:creationId xmlns:a16="http://schemas.microsoft.com/office/drawing/2014/main" xmlns="" id="{6D354EB7-7F73-4490-964D-300A57A3D0C5}"/>
               </a:ext>
             </a:extLst>
           </p:cNvPr>
@@ -11902,7 +12054,7 @@
           <p:cNvPr id="12" name="楕円 11">
             <a:extLst>
               <a:ext uri="{FF2B5EF4-FFF2-40B4-BE49-F238E27FC236}">
-                <a16:creationId xmlns:a16="http://schemas.microsoft.com/office/drawing/2014/main" id="{27BE146F-8491-400F-AB07-2E26102463F2}"/>
+                <a16:creationId xmlns:a16="http://schemas.microsoft.com/office/drawing/2014/main" xmlns="" id="{27BE146F-8491-400F-AB07-2E26102463F2}"/>
               </a:ext>
             </a:extLst>
           </p:cNvPr>
@@ -11954,7 +12106,7 @@
           <p:cNvPr id="13" name="楕円 12">
             <a:extLst>
               <a:ext uri="{FF2B5EF4-FFF2-40B4-BE49-F238E27FC236}">
-                <a16:creationId xmlns:a16="http://schemas.microsoft.com/office/drawing/2014/main" id="{AC13EDC5-A927-451C-A8C6-2F68A75D9DB9}"/>
+                <a16:creationId xmlns:a16="http://schemas.microsoft.com/office/drawing/2014/main" xmlns="" id="{AC13EDC5-A927-451C-A8C6-2F68A75D9DB9}"/>
               </a:ext>
             </a:extLst>
           </p:cNvPr>
@@ -12006,7 +12158,7 @@
           <p:cNvPr id="14" name="楕円 13">
             <a:extLst>
               <a:ext uri="{FF2B5EF4-FFF2-40B4-BE49-F238E27FC236}">
-                <a16:creationId xmlns:a16="http://schemas.microsoft.com/office/drawing/2014/main" id="{A70D7407-0728-49A8-BDE2-7434759F1455}"/>
+                <a16:creationId xmlns:a16="http://schemas.microsoft.com/office/drawing/2014/main" xmlns="" id="{A70D7407-0728-49A8-BDE2-7434759F1455}"/>
               </a:ext>
             </a:extLst>
           </p:cNvPr>
@@ -12058,7 +12210,7 @@
           <p:cNvPr id="15" name="楕円 14">
             <a:extLst>
               <a:ext uri="{FF2B5EF4-FFF2-40B4-BE49-F238E27FC236}">
-                <a16:creationId xmlns:a16="http://schemas.microsoft.com/office/drawing/2014/main" id="{BA8A41E3-4961-4217-9C31-D8A81A9809A9}"/>
+                <a16:creationId xmlns:a16="http://schemas.microsoft.com/office/drawing/2014/main" xmlns="" id="{BA8A41E3-4961-4217-9C31-D8A81A9809A9}"/>
               </a:ext>
             </a:extLst>
           </p:cNvPr>
@@ -12110,7 +12262,7 @@
           <p:cNvPr id="16" name="テキスト ボックス 15">
             <a:extLst>
               <a:ext uri="{FF2B5EF4-FFF2-40B4-BE49-F238E27FC236}">
-                <a16:creationId xmlns:a16="http://schemas.microsoft.com/office/drawing/2014/main" id="{FBBAA09C-4BEB-47EA-BC7F-480BCC2226F1}"/>
+                <a16:creationId xmlns:a16="http://schemas.microsoft.com/office/drawing/2014/main" xmlns="" id="{FBBAA09C-4BEB-47EA-BC7F-480BCC2226F1}"/>
               </a:ext>
             </a:extLst>
           </p:cNvPr>
@@ -12120,7 +12272,7 @@
         <p:spPr>
           <a:xfrm>
             <a:off x="8201024" y="1886837"/>
-            <a:ext cx="3962400" cy="1754326"/>
+            <a:ext cx="3840555" cy="1754326"/>
           </a:xfrm>
           <a:prstGeom prst="rect">
             <a:avLst/>
@@ -12228,7 +12380,7 @@
           <p:cNvPr id="17" name="正方形/長方形 16">
             <a:extLst>
               <a:ext uri="{FF2B5EF4-FFF2-40B4-BE49-F238E27FC236}">
-                <a16:creationId xmlns:a16="http://schemas.microsoft.com/office/drawing/2014/main" id="{A2CF4C31-1025-4708-B374-7F8887320A14}"/>
+                <a16:creationId xmlns:a16="http://schemas.microsoft.com/office/drawing/2014/main" xmlns="" id="{A2CF4C31-1025-4708-B374-7F8887320A14}"/>
               </a:ext>
             </a:extLst>
           </p:cNvPr>
@@ -12280,7 +12432,7 @@
           <p:cNvPr id="18" name="テキスト ボックス 17">
             <a:extLst>
               <a:ext uri="{FF2B5EF4-FFF2-40B4-BE49-F238E27FC236}">
-                <a16:creationId xmlns:a16="http://schemas.microsoft.com/office/drawing/2014/main" id="{594DFF38-A0BF-4052-92A8-115900A7F03B}"/>
+                <a16:creationId xmlns:a16="http://schemas.microsoft.com/office/drawing/2014/main" xmlns="" id="{594DFF38-A0BF-4052-92A8-115900A7F03B}"/>
               </a:ext>
             </a:extLst>
           </p:cNvPr>
@@ -12290,7 +12442,7 @@
         <p:spPr>
           <a:xfrm>
             <a:off x="8220073" y="3752850"/>
-            <a:ext cx="3962400" cy="1477328"/>
+            <a:ext cx="3821506" cy="1477328"/>
           </a:xfrm>
           <a:prstGeom prst="rect">
             <a:avLst/>
@@ -12383,7 +12535,7 @@
           <p:cNvPr id="19" name="正方形/長方形 18">
             <a:extLst>
               <a:ext uri="{FF2B5EF4-FFF2-40B4-BE49-F238E27FC236}">
-                <a16:creationId xmlns:a16="http://schemas.microsoft.com/office/drawing/2014/main" id="{41DDEDAD-B76F-42FC-BD36-C4B4086365F3}"/>
+                <a16:creationId xmlns:a16="http://schemas.microsoft.com/office/drawing/2014/main" xmlns="" id="{41DDEDAD-B76F-42FC-BD36-C4B4086365F3}"/>
               </a:ext>
             </a:extLst>
           </p:cNvPr>
@@ -12393,7 +12545,7 @@
         <p:spPr>
           <a:xfrm>
             <a:off x="2627332" y="4205287"/>
-            <a:ext cx="3449617" cy="1284125"/>
+            <a:ext cx="3449617" cy="1250559"/>
           </a:xfrm>
           <a:prstGeom prst="rect">
             <a:avLst/>
@@ -12435,7 +12587,7 @@
           <p:cNvPr id="21" name="正方形/長方形 20">
             <a:extLst>
               <a:ext uri="{FF2B5EF4-FFF2-40B4-BE49-F238E27FC236}">
-                <a16:creationId xmlns:a16="http://schemas.microsoft.com/office/drawing/2014/main" id="{B89D4E7D-0660-4D0D-912D-DF225C66A1D6}"/>
+                <a16:creationId xmlns:a16="http://schemas.microsoft.com/office/drawing/2014/main" xmlns="" id="{B89D4E7D-0660-4D0D-912D-DF225C66A1D6}"/>
               </a:ext>
             </a:extLst>
           </p:cNvPr>
@@ -12489,7 +12641,7 @@
           <p:cNvPr id="20" name="テキスト ボックス 19">
             <a:extLst>
               <a:ext uri="{FF2B5EF4-FFF2-40B4-BE49-F238E27FC236}">
-                <a16:creationId xmlns:a16="http://schemas.microsoft.com/office/drawing/2014/main" id="{4588D88C-0F6C-4A95-9191-7AC444B35B14}"/>
+                <a16:creationId xmlns:a16="http://schemas.microsoft.com/office/drawing/2014/main" xmlns="" id="{4588D88C-0F6C-4A95-9191-7AC444B35B14}"/>
               </a:ext>
             </a:extLst>
           </p:cNvPr>
@@ -12498,8 +12650,8 @@
         </p:nvSpPr>
         <p:spPr>
           <a:xfrm>
-            <a:off x="47624" y="5739290"/>
-            <a:ext cx="12096750" cy="1077218"/>
+            <a:off x="225631" y="5679811"/>
+            <a:ext cx="11815948" cy="1077218"/>
           </a:xfrm>
           <a:prstGeom prst="rect">
             <a:avLst/>
@@ -12632,7 +12784,7 @@
           <p:cNvPr id="2" name="図 1">
             <a:extLst>
               <a:ext uri="{FF2B5EF4-FFF2-40B4-BE49-F238E27FC236}">
-                <a16:creationId xmlns:a16="http://schemas.microsoft.com/office/drawing/2014/main" id="{7FF69D48-0150-4CC7-838D-4781E53348B1}"/>
+                <a16:creationId xmlns:a16="http://schemas.microsoft.com/office/drawing/2014/main" xmlns="" id="{7FF69D48-0150-4CC7-838D-4781E53348B1}"/>
               </a:ext>
             </a:extLst>
           </p:cNvPr>
@@ -12661,7 +12813,7 @@
           <p:cNvPr id="6" name="テキスト ボックス 5">
             <a:extLst>
               <a:ext uri="{FF2B5EF4-FFF2-40B4-BE49-F238E27FC236}">
-                <a16:creationId xmlns:a16="http://schemas.microsoft.com/office/drawing/2014/main" id="{8305E55F-CE22-4A88-A8D4-3E4958510FE7}"/>
+                <a16:creationId xmlns:a16="http://schemas.microsoft.com/office/drawing/2014/main" xmlns="" id="{8305E55F-CE22-4A88-A8D4-3E4958510FE7}"/>
               </a:ext>
             </a:extLst>
           </p:cNvPr>
@@ -12706,7 +12858,7 @@
           <p:cNvPr id="7" name="吹き出し: 四角形 6">
             <a:extLst>
               <a:ext uri="{FF2B5EF4-FFF2-40B4-BE49-F238E27FC236}">
-                <a16:creationId xmlns:a16="http://schemas.microsoft.com/office/drawing/2014/main" id="{EC8402AE-3480-4CC7-905A-0776A28352DA}"/>
+                <a16:creationId xmlns:a16="http://schemas.microsoft.com/office/drawing/2014/main" xmlns="" id="{EC8402AE-3480-4CC7-905A-0776A28352DA}"/>
               </a:ext>
             </a:extLst>
           </p:cNvPr>
@@ -12799,7 +12951,7 @@
           <p:cNvPr id="8" name="吹き出し: 四角形 7">
             <a:extLst>
               <a:ext uri="{FF2B5EF4-FFF2-40B4-BE49-F238E27FC236}">
-                <a16:creationId xmlns:a16="http://schemas.microsoft.com/office/drawing/2014/main" id="{12F0A826-4C99-48A7-B36D-03DBE2118E07}"/>
+                <a16:creationId xmlns:a16="http://schemas.microsoft.com/office/drawing/2014/main" xmlns="" id="{12F0A826-4C99-48A7-B36D-03DBE2118E07}"/>
               </a:ext>
             </a:extLst>
           </p:cNvPr>
@@ -12809,15 +12961,17 @@
         <p:spPr>
           <a:xfrm>
             <a:off x="7577598" y="3057525"/>
-            <a:ext cx="4629150" cy="1143000"/>
+            <a:ext cx="4417859" cy="1143000"/>
           </a:xfrm>
           <a:prstGeom prst="wedgeRectCallout">
             <a:avLst>
-              <a:gd name="adj1" fmla="val -55672"/>
-              <a:gd name="adj2" fmla="val -49472"/>
+              <a:gd name="adj1" fmla="val -58360"/>
+              <a:gd name="adj2" fmla="val -50511"/>
             </a:avLst>
           </a:prstGeom>
-          <a:noFill/>
+          <a:solidFill>
+            <a:schemeClr val="bg1"/>
+          </a:solidFill>
           <a:ln>
             <a:solidFill>
               <a:schemeClr val="tx1"/>
@@ -12893,7 +13047,7 @@
           <p:cNvPr id="9" name="吹き出し: 四角形 8">
             <a:extLst>
               <a:ext uri="{FF2B5EF4-FFF2-40B4-BE49-F238E27FC236}">
-                <a16:creationId xmlns:a16="http://schemas.microsoft.com/office/drawing/2014/main" id="{B25F11CC-0810-44FB-85E5-6AFA2E713B6D}"/>
+                <a16:creationId xmlns:a16="http://schemas.microsoft.com/office/drawing/2014/main" xmlns="" id="{B25F11CC-0810-44FB-85E5-6AFA2E713B6D}"/>
               </a:ext>
             </a:extLst>
           </p:cNvPr>
@@ -13016,7 +13170,7 @@
           <p:cNvPr id="3" name="正方形/長方形 2">
             <a:extLst>
               <a:ext uri="{FF2B5EF4-FFF2-40B4-BE49-F238E27FC236}">
-                <a16:creationId xmlns:a16="http://schemas.microsoft.com/office/drawing/2014/main" id="{A491271B-A222-4F11-B100-4D7A1B81E98A}"/>
+                <a16:creationId xmlns:a16="http://schemas.microsoft.com/office/drawing/2014/main" xmlns="" id="{A491271B-A222-4F11-B100-4D7A1B81E98A}"/>
               </a:ext>
             </a:extLst>
           </p:cNvPr>
@@ -13068,7 +13222,7 @@
           <p:cNvPr id="10" name="正方形/長方形 9">
             <a:extLst>
               <a:ext uri="{FF2B5EF4-FFF2-40B4-BE49-F238E27FC236}">
-                <a16:creationId xmlns:a16="http://schemas.microsoft.com/office/drawing/2014/main" id="{016D0004-D188-4E81-A1DB-65759A9B7E86}"/>
+                <a16:creationId xmlns:a16="http://schemas.microsoft.com/office/drawing/2014/main" xmlns="" id="{016D0004-D188-4E81-A1DB-65759A9B7E86}"/>
               </a:ext>
             </a:extLst>
           </p:cNvPr>
@@ -13120,7 +13274,7 @@
           <p:cNvPr id="11" name="正方形/長方形 10">
             <a:extLst>
               <a:ext uri="{FF2B5EF4-FFF2-40B4-BE49-F238E27FC236}">
-                <a16:creationId xmlns:a16="http://schemas.microsoft.com/office/drawing/2014/main" id="{CCF67B37-F0BC-41F6-A1E9-02DA2EAC5911}"/>
+                <a16:creationId xmlns:a16="http://schemas.microsoft.com/office/drawing/2014/main" xmlns="" id="{CCF67B37-F0BC-41F6-A1E9-02DA2EAC5911}"/>
               </a:ext>
             </a:extLst>
           </p:cNvPr>
@@ -13202,7 +13356,7 @@
           <p:cNvPr id="5" name="テキスト ボックス 4">
             <a:extLst>
               <a:ext uri="{FF2B5EF4-FFF2-40B4-BE49-F238E27FC236}">
-                <a16:creationId xmlns:a16="http://schemas.microsoft.com/office/drawing/2014/main" id="{D5807289-5F94-4ABF-BB19-A244DE39AAB7}"/>
+                <a16:creationId xmlns:a16="http://schemas.microsoft.com/office/drawing/2014/main" xmlns="" id="{D5807289-5F94-4ABF-BB19-A244DE39AAB7}"/>
               </a:ext>
             </a:extLst>
           </p:cNvPr>
@@ -13257,7 +13411,7 @@
         </p:nvSpPr>
         <p:spPr>
           <a:xfrm>
-            <a:off x="305471" y="1405933"/>
+            <a:off x="961901" y="1446204"/>
             <a:ext cx="2321861" cy="461665"/>
           </a:xfrm>
           <a:prstGeom prst="rect">
@@ -13289,8 +13443,8 @@
         </p:nvSpPr>
         <p:spPr>
           <a:xfrm>
-            <a:off x="305471" y="2384531"/>
-            <a:ext cx="8751554" cy="4247317"/>
+            <a:off x="961901" y="2384531"/>
+            <a:ext cx="8095124" cy="4247317"/>
           </a:xfrm>
           <a:prstGeom prst="rect">
             <a:avLst/>

--- a/説明文.pptx
+++ b/説明文.pptx
@@ -3722,7 +3722,7 @@
           <p:cNvPr id="4" name="図 3" descr="スクリーンショット が含まれている画像&#10;&#10;自動的に生成された説明">
             <a:extLst>
               <a:ext uri="{FF2B5EF4-FFF2-40B4-BE49-F238E27FC236}">
-                <a16:creationId xmlns:a16="http://schemas.microsoft.com/office/drawing/2014/main" xmlns="" id="{48282D74-7C89-4D68-8F6E-D62AC9485402}"/>
+                <a16:creationId xmlns="" xmlns:a16="http://schemas.microsoft.com/office/drawing/2014/main" id="{48282D74-7C89-4D68-8F6E-D62AC9485402}"/>
               </a:ext>
             </a:extLst>
           </p:cNvPr>
@@ -4057,7 +4057,7 @@
           <p:cNvPr id="6" name="正方形/長方形 5">
             <a:extLst>
               <a:ext uri="{FF2B5EF4-FFF2-40B4-BE49-F238E27FC236}">
-                <a16:creationId xmlns:a16="http://schemas.microsoft.com/office/drawing/2014/main" xmlns="" id="{E239D52D-8A0E-45C2-9D76-49681F4F3023}"/>
+                <a16:creationId xmlns="" xmlns:a16="http://schemas.microsoft.com/office/drawing/2014/main" id="{E239D52D-8A0E-45C2-9D76-49681F4F3023}"/>
               </a:ext>
             </a:extLst>
           </p:cNvPr>
@@ -4109,7 +4109,7 @@
           <p:cNvPr id="12" name="正方形/長方形 11">
             <a:extLst>
               <a:ext uri="{FF2B5EF4-FFF2-40B4-BE49-F238E27FC236}">
-                <a16:creationId xmlns:a16="http://schemas.microsoft.com/office/drawing/2014/main" xmlns="" id="{44B16076-58F3-411C-BA21-CC2F6BFDF2CA}"/>
+                <a16:creationId xmlns="" xmlns:a16="http://schemas.microsoft.com/office/drawing/2014/main" id="{44B16076-58F3-411C-BA21-CC2F6BFDF2CA}"/>
               </a:ext>
             </a:extLst>
           </p:cNvPr>
@@ -4161,7 +4161,7 @@
           <p:cNvPr id="13" name="正方形/長方形 12">
             <a:extLst>
               <a:ext uri="{FF2B5EF4-FFF2-40B4-BE49-F238E27FC236}">
-                <a16:creationId xmlns:a16="http://schemas.microsoft.com/office/drawing/2014/main" xmlns="" id="{48971A5D-F76B-4813-83D2-2D825B6A3202}"/>
+                <a16:creationId xmlns="" xmlns:a16="http://schemas.microsoft.com/office/drawing/2014/main" id="{48971A5D-F76B-4813-83D2-2D825B6A3202}"/>
               </a:ext>
             </a:extLst>
           </p:cNvPr>
@@ -4243,7 +4243,7 @@
           <p:cNvPr id="4" name="テキスト ボックス 3">
             <a:extLst>
               <a:ext uri="{FF2B5EF4-FFF2-40B4-BE49-F238E27FC236}">
-                <a16:creationId xmlns:a16="http://schemas.microsoft.com/office/drawing/2014/main" xmlns="" id="{C41C563A-40AB-403A-8661-FE9944DE17B5}"/>
+                <a16:creationId xmlns="" xmlns:a16="http://schemas.microsoft.com/office/drawing/2014/main" id="{C41C563A-40AB-403A-8661-FE9944DE17B5}"/>
               </a:ext>
             </a:extLst>
           </p:cNvPr>
@@ -4288,7 +4288,7 @@
           <p:cNvPr id="5" name="テキスト ボックス 4">
             <a:extLst>
               <a:ext uri="{FF2B5EF4-FFF2-40B4-BE49-F238E27FC236}">
-                <a16:creationId xmlns:a16="http://schemas.microsoft.com/office/drawing/2014/main" xmlns="" id="{4942987D-E9F9-4BC9-8090-7DA7D48916EF}"/>
+                <a16:creationId xmlns="" xmlns:a16="http://schemas.microsoft.com/office/drawing/2014/main" id="{4942987D-E9F9-4BC9-8090-7DA7D48916EF}"/>
               </a:ext>
             </a:extLst>
           </p:cNvPr>
@@ -4340,7 +4340,7 @@
           <p:cNvPr id="40" name="テキスト ボックス 39">
             <a:extLst>
               <a:ext uri="{FF2B5EF4-FFF2-40B4-BE49-F238E27FC236}">
-                <a16:creationId xmlns:a16="http://schemas.microsoft.com/office/drawing/2014/main" xmlns="" id="{F1EA6A6B-D4D0-463A-A599-CE219946A74B}"/>
+                <a16:creationId xmlns="" xmlns:a16="http://schemas.microsoft.com/office/drawing/2014/main" id="{F1EA6A6B-D4D0-463A-A599-CE219946A74B}"/>
               </a:ext>
             </a:extLst>
           </p:cNvPr>
@@ -4734,7 +4734,7 @@
               <p:cNvPr id="22" name="グループ化 21">
                 <a:extLst>
                   <a:ext uri="{FF2B5EF4-FFF2-40B4-BE49-F238E27FC236}">
-                    <a16:creationId xmlns:a16="http://schemas.microsoft.com/office/drawing/2014/main" xmlns="" id="{2B78E3B8-6F86-4761-8FD3-82445D0604CC}"/>
+                    <a16:creationId xmlns="" xmlns:a16="http://schemas.microsoft.com/office/drawing/2014/main" id="{2B78E3B8-6F86-4761-8FD3-82445D0604CC}"/>
                   </a:ext>
                 </a:extLst>
               </p:cNvPr>
@@ -4754,7 +4754,7 @@
                 <p:cNvPr id="38" name="図 37" descr="物体 が含まれている画像&#10;&#10;自動的に生成された説明">
                   <a:extLst>
                     <a:ext uri="{FF2B5EF4-FFF2-40B4-BE49-F238E27FC236}">
-                      <a16:creationId xmlns:a16="http://schemas.microsoft.com/office/drawing/2014/main" xmlns="" id="{479B4DDF-7427-437E-87B7-7994E26E728C}"/>
+                      <a16:creationId xmlns="" xmlns:a16="http://schemas.microsoft.com/office/drawing/2014/main" id="{479B4DDF-7427-437E-87B7-7994E26E728C}"/>
                     </a:ext>
                   </a:extLst>
                 </p:cNvPr>
@@ -4790,7 +4790,7 @@
                 <p:cNvPr id="39" name="テキスト ボックス 38">
                   <a:extLst>
                     <a:ext uri="{FF2B5EF4-FFF2-40B4-BE49-F238E27FC236}">
-                      <a16:creationId xmlns:a16="http://schemas.microsoft.com/office/drawing/2014/main" xmlns="" id="{9774E31A-0063-4CE0-A9A1-D45BBB05A9C8}"/>
+                      <a16:creationId xmlns="" xmlns:a16="http://schemas.microsoft.com/office/drawing/2014/main" id="{9774E31A-0063-4CE0-A9A1-D45BBB05A9C8}"/>
                     </a:ext>
                   </a:extLst>
                 </p:cNvPr>
@@ -4830,7 +4830,7 @@
               <p:cNvPr id="23" name="グループ化 22">
                 <a:extLst>
                   <a:ext uri="{FF2B5EF4-FFF2-40B4-BE49-F238E27FC236}">
-                    <a16:creationId xmlns:a16="http://schemas.microsoft.com/office/drawing/2014/main" xmlns="" id="{8CEB5C1D-B949-4327-B495-5272910D5F87}"/>
+                    <a16:creationId xmlns="" xmlns:a16="http://schemas.microsoft.com/office/drawing/2014/main" id="{8CEB5C1D-B949-4327-B495-5272910D5F87}"/>
                   </a:ext>
                 </a:extLst>
               </p:cNvPr>
@@ -4850,7 +4850,7 @@
                 <p:cNvPr id="36" name="図 35" descr="物体 が含まれている画像&#10;&#10;自動的に生成された説明">
                   <a:extLst>
                     <a:ext uri="{FF2B5EF4-FFF2-40B4-BE49-F238E27FC236}">
-                      <a16:creationId xmlns:a16="http://schemas.microsoft.com/office/drawing/2014/main" xmlns="" id="{FB1C4056-473E-4E06-A623-40D4081C4EAC}"/>
+                      <a16:creationId xmlns="" xmlns:a16="http://schemas.microsoft.com/office/drawing/2014/main" id="{FB1C4056-473E-4E06-A623-40D4081C4EAC}"/>
                     </a:ext>
                   </a:extLst>
                 </p:cNvPr>
@@ -4886,7 +4886,7 @@
                 <p:cNvPr id="37" name="テキスト ボックス 36">
                   <a:extLst>
                     <a:ext uri="{FF2B5EF4-FFF2-40B4-BE49-F238E27FC236}">
-                      <a16:creationId xmlns:a16="http://schemas.microsoft.com/office/drawing/2014/main" xmlns="" id="{A9417AE6-E050-4A1B-991F-46A51E57761E}"/>
+                      <a16:creationId xmlns="" xmlns:a16="http://schemas.microsoft.com/office/drawing/2014/main" id="{A9417AE6-E050-4A1B-991F-46A51E57761E}"/>
                     </a:ext>
                   </a:extLst>
                 </p:cNvPr>
@@ -4926,7 +4926,7 @@
               <p:cNvPr id="24" name="グループ化 23">
                 <a:extLst>
                   <a:ext uri="{FF2B5EF4-FFF2-40B4-BE49-F238E27FC236}">
-                    <a16:creationId xmlns:a16="http://schemas.microsoft.com/office/drawing/2014/main" xmlns="" id="{9400590E-D727-4D03-98FF-0ACD12EBC352}"/>
+                    <a16:creationId xmlns="" xmlns:a16="http://schemas.microsoft.com/office/drawing/2014/main" id="{9400590E-D727-4D03-98FF-0ACD12EBC352}"/>
                   </a:ext>
                 </a:extLst>
               </p:cNvPr>
@@ -4946,7 +4946,7 @@
                 <p:cNvPr id="34" name="図 33" descr="物体, 腕時計 が含まれている画像&#10;&#10;自動的に生成された説明">
                   <a:extLst>
                     <a:ext uri="{FF2B5EF4-FFF2-40B4-BE49-F238E27FC236}">
-                      <a16:creationId xmlns:a16="http://schemas.microsoft.com/office/drawing/2014/main" xmlns="" id="{734930D0-5E47-475F-948D-174F652567D0}"/>
+                      <a16:creationId xmlns="" xmlns:a16="http://schemas.microsoft.com/office/drawing/2014/main" id="{734930D0-5E47-475F-948D-174F652567D0}"/>
                     </a:ext>
                   </a:extLst>
                 </p:cNvPr>
@@ -4982,7 +4982,7 @@
                 <p:cNvPr id="35" name="テキスト ボックス 34">
                   <a:extLst>
                     <a:ext uri="{FF2B5EF4-FFF2-40B4-BE49-F238E27FC236}">
-                      <a16:creationId xmlns:a16="http://schemas.microsoft.com/office/drawing/2014/main" xmlns="" id="{99360FF1-7996-43C2-A24E-1DB68F403FE0}"/>
+                      <a16:creationId xmlns="" xmlns:a16="http://schemas.microsoft.com/office/drawing/2014/main" id="{99360FF1-7996-43C2-A24E-1DB68F403FE0}"/>
                     </a:ext>
                   </a:extLst>
                 </p:cNvPr>
@@ -5022,7 +5022,7 @@
               <p:cNvPr id="25" name="グループ化 24">
                 <a:extLst>
                   <a:ext uri="{FF2B5EF4-FFF2-40B4-BE49-F238E27FC236}">
-                    <a16:creationId xmlns:a16="http://schemas.microsoft.com/office/drawing/2014/main" xmlns="" id="{2DC9847F-77D2-4405-8121-1FE5585768EA}"/>
+                    <a16:creationId xmlns="" xmlns:a16="http://schemas.microsoft.com/office/drawing/2014/main" id="{2DC9847F-77D2-4405-8121-1FE5585768EA}"/>
                   </a:ext>
                 </a:extLst>
               </p:cNvPr>
@@ -5042,7 +5042,7 @@
                 <p:cNvPr id="32" name="図 31" descr="物体 が含まれている画像&#10;&#10;自動的に生成された説明">
                   <a:extLst>
                     <a:ext uri="{FF2B5EF4-FFF2-40B4-BE49-F238E27FC236}">
-                      <a16:creationId xmlns:a16="http://schemas.microsoft.com/office/drawing/2014/main" xmlns="" id="{275FE74A-218C-4A15-9492-6A63781312F0}"/>
+                      <a16:creationId xmlns="" xmlns:a16="http://schemas.microsoft.com/office/drawing/2014/main" id="{275FE74A-218C-4A15-9492-6A63781312F0}"/>
                     </a:ext>
                   </a:extLst>
                 </p:cNvPr>
@@ -5078,7 +5078,7 @@
                 <p:cNvPr id="33" name="テキスト ボックス 32">
                   <a:extLst>
                     <a:ext uri="{FF2B5EF4-FFF2-40B4-BE49-F238E27FC236}">
-                      <a16:creationId xmlns:a16="http://schemas.microsoft.com/office/drawing/2014/main" xmlns="" id="{7FEA8835-C677-4EFC-9624-2596C7E0A572}"/>
+                      <a16:creationId xmlns="" xmlns:a16="http://schemas.microsoft.com/office/drawing/2014/main" id="{7FEA8835-C677-4EFC-9624-2596C7E0A572}"/>
                     </a:ext>
                   </a:extLst>
                 </p:cNvPr>
@@ -5122,7 +5122,7 @@
               <p:cNvPr id="11" name="図 10">
                 <a:extLst>
                   <a:ext uri="{FF2B5EF4-FFF2-40B4-BE49-F238E27FC236}">
-                    <a16:creationId xmlns:a16="http://schemas.microsoft.com/office/drawing/2014/main" xmlns="" id="{49264E83-2EAE-4079-9AD2-AC2D699F0D1F}"/>
+                    <a16:creationId xmlns="" xmlns:a16="http://schemas.microsoft.com/office/drawing/2014/main" id="{49264E83-2EAE-4079-9AD2-AC2D699F0D1F}"/>
                   </a:ext>
                 </a:extLst>
               </p:cNvPr>
@@ -5158,7 +5158,7 @@
               <p:cNvPr id="46" name="テキスト ボックス 45">
                 <a:extLst>
                   <a:ext uri="{FF2B5EF4-FFF2-40B4-BE49-F238E27FC236}">
-                    <a16:creationId xmlns:a16="http://schemas.microsoft.com/office/drawing/2014/main" xmlns="" id="{B4B7A388-F763-4A3C-B6C2-124C99BC6F42}"/>
+                    <a16:creationId xmlns="" xmlns:a16="http://schemas.microsoft.com/office/drawing/2014/main" id="{B4B7A388-F763-4A3C-B6C2-124C99BC6F42}"/>
                   </a:ext>
                 </a:extLst>
               </p:cNvPr>
@@ -5378,7 +5378,7 @@
           <p:cNvPr id="2" name="図 1">
             <a:extLst>
               <a:ext uri="{FF2B5EF4-FFF2-40B4-BE49-F238E27FC236}">
-                <a16:creationId xmlns:a16="http://schemas.microsoft.com/office/drawing/2014/main" xmlns="" id="{EE855DBA-71F3-4B0A-AD5F-4DC4FD57AF5C}"/>
+                <a16:creationId xmlns="" xmlns:a16="http://schemas.microsoft.com/office/drawing/2014/main" id="{EE855DBA-71F3-4B0A-AD5F-4DC4FD57AF5C}"/>
               </a:ext>
             </a:extLst>
           </p:cNvPr>
@@ -5407,7 +5407,7 @@
           <p:cNvPr id="17" name="楕円 16">
             <a:extLst>
               <a:ext uri="{FF2B5EF4-FFF2-40B4-BE49-F238E27FC236}">
-                <a16:creationId xmlns:a16="http://schemas.microsoft.com/office/drawing/2014/main" xmlns="" id="{787DCF27-FE5D-4F5F-93D9-6E5E3F66733B}"/>
+                <a16:creationId xmlns="" xmlns:a16="http://schemas.microsoft.com/office/drawing/2014/main" id="{787DCF27-FE5D-4F5F-93D9-6E5E3F66733B}"/>
               </a:ext>
             </a:extLst>
           </p:cNvPr>
@@ -5459,7 +5459,7 @@
           <p:cNvPr id="15" name="正方形/長方形 14">
             <a:extLst>
               <a:ext uri="{FF2B5EF4-FFF2-40B4-BE49-F238E27FC236}">
-                <a16:creationId xmlns:a16="http://schemas.microsoft.com/office/drawing/2014/main" xmlns="" id="{3833953A-B36A-4C17-AEC3-8ED45F7CC897}"/>
+                <a16:creationId xmlns="" xmlns:a16="http://schemas.microsoft.com/office/drawing/2014/main" id="{3833953A-B36A-4C17-AEC3-8ED45F7CC897}"/>
               </a:ext>
             </a:extLst>
           </p:cNvPr>
@@ -5511,7 +5511,7 @@
           <p:cNvPr id="16" name="正方形/長方形 15">
             <a:extLst>
               <a:ext uri="{FF2B5EF4-FFF2-40B4-BE49-F238E27FC236}">
-                <a16:creationId xmlns:a16="http://schemas.microsoft.com/office/drawing/2014/main" xmlns="" id="{0A0216B0-C84D-4309-9EC4-75086643960C}"/>
+                <a16:creationId xmlns="" xmlns:a16="http://schemas.microsoft.com/office/drawing/2014/main" id="{0A0216B0-C84D-4309-9EC4-75086643960C}"/>
               </a:ext>
             </a:extLst>
           </p:cNvPr>
@@ -5563,7 +5563,7 @@
           <p:cNvPr id="14" name="正方形/長方形 13">
             <a:extLst>
               <a:ext uri="{FF2B5EF4-FFF2-40B4-BE49-F238E27FC236}">
-                <a16:creationId xmlns:a16="http://schemas.microsoft.com/office/drawing/2014/main" xmlns="" id="{EAC81C78-DEAA-491D-B85A-42AB767010AE}"/>
+                <a16:creationId xmlns="" xmlns:a16="http://schemas.microsoft.com/office/drawing/2014/main" id="{EAC81C78-DEAA-491D-B85A-42AB767010AE}"/>
               </a:ext>
             </a:extLst>
           </p:cNvPr>
@@ -5615,7 +5615,7 @@
           <p:cNvPr id="6" name="テキスト ボックス 5">
             <a:extLst>
               <a:ext uri="{FF2B5EF4-FFF2-40B4-BE49-F238E27FC236}">
-                <a16:creationId xmlns:a16="http://schemas.microsoft.com/office/drawing/2014/main" xmlns="" id="{B35D99F0-6DC1-4BC2-88F1-81631344B7F9}"/>
+                <a16:creationId xmlns="" xmlns:a16="http://schemas.microsoft.com/office/drawing/2014/main" id="{B35D99F0-6DC1-4BC2-88F1-81631344B7F9}"/>
               </a:ext>
             </a:extLst>
           </p:cNvPr>
@@ -5660,7 +5660,7 @@
           <p:cNvPr id="7" name="吹き出し: 四角形 6">
             <a:extLst>
               <a:ext uri="{FF2B5EF4-FFF2-40B4-BE49-F238E27FC236}">
-                <a16:creationId xmlns:a16="http://schemas.microsoft.com/office/drawing/2014/main" xmlns="" id="{BA75D2B1-3296-4A6C-97CF-CD76A284141D}"/>
+                <a16:creationId xmlns="" xmlns:a16="http://schemas.microsoft.com/office/drawing/2014/main" id="{BA75D2B1-3296-4A6C-97CF-CD76A284141D}"/>
               </a:ext>
             </a:extLst>
           </p:cNvPr>
@@ -5726,7 +5726,7 @@
           <p:cNvPr id="8" name="吹き出し: 四角形 7">
             <a:extLst>
               <a:ext uri="{FF2B5EF4-FFF2-40B4-BE49-F238E27FC236}">
-                <a16:creationId xmlns:a16="http://schemas.microsoft.com/office/drawing/2014/main" xmlns="" id="{88AD402C-D557-4604-82F7-689D61968750}"/>
+                <a16:creationId xmlns="" xmlns:a16="http://schemas.microsoft.com/office/drawing/2014/main" id="{88AD402C-D557-4604-82F7-689D61968750}"/>
               </a:ext>
             </a:extLst>
           </p:cNvPr>
@@ -5802,7 +5802,7 @@
           <p:cNvPr id="9" name="吹き出し: 四角形 8">
             <a:extLst>
               <a:ext uri="{FF2B5EF4-FFF2-40B4-BE49-F238E27FC236}">
-                <a16:creationId xmlns:a16="http://schemas.microsoft.com/office/drawing/2014/main" xmlns="" id="{BF8E2C7C-205C-42CA-B382-A5D5630D39B2}"/>
+                <a16:creationId xmlns="" xmlns:a16="http://schemas.microsoft.com/office/drawing/2014/main" id="{BF8E2C7C-205C-42CA-B382-A5D5630D39B2}"/>
               </a:ext>
             </a:extLst>
           </p:cNvPr>
@@ -5875,7 +5875,7 @@
           <p:cNvPr id="10" name="吹き出し: 四角形 9">
             <a:extLst>
               <a:ext uri="{FF2B5EF4-FFF2-40B4-BE49-F238E27FC236}">
-                <a16:creationId xmlns:a16="http://schemas.microsoft.com/office/drawing/2014/main" xmlns="" id="{1E8E5AAD-2EFF-40AE-87B5-A62E3863DB06}"/>
+                <a16:creationId xmlns="" xmlns:a16="http://schemas.microsoft.com/office/drawing/2014/main" id="{1E8E5AAD-2EFF-40AE-87B5-A62E3863DB06}"/>
               </a:ext>
             </a:extLst>
           </p:cNvPr>
@@ -6011,7 +6011,7 @@
           <p:cNvPr id="11" name="吹き出し: 四角形 10">
             <a:extLst>
               <a:ext uri="{FF2B5EF4-FFF2-40B4-BE49-F238E27FC236}">
-                <a16:creationId xmlns:a16="http://schemas.microsoft.com/office/drawing/2014/main" xmlns="" id="{0876C132-70D4-4EE9-A059-2EE9BBCFA5AC}"/>
+                <a16:creationId xmlns="" xmlns:a16="http://schemas.microsoft.com/office/drawing/2014/main" id="{0876C132-70D4-4EE9-A059-2EE9BBCFA5AC}"/>
               </a:ext>
             </a:extLst>
           </p:cNvPr>
@@ -6077,7 +6077,7 @@
           <p:cNvPr id="12" name="吹き出し: 四角形 11">
             <a:extLst>
               <a:ext uri="{FF2B5EF4-FFF2-40B4-BE49-F238E27FC236}">
-                <a16:creationId xmlns:a16="http://schemas.microsoft.com/office/drawing/2014/main" xmlns="" id="{30266963-E240-4012-99DE-6906E5DDC8E7}"/>
+                <a16:creationId xmlns="" xmlns:a16="http://schemas.microsoft.com/office/drawing/2014/main" id="{30266963-E240-4012-99DE-6906E5DDC8E7}"/>
               </a:ext>
             </a:extLst>
           </p:cNvPr>
@@ -6200,7 +6200,7 @@
           <p:cNvPr id="13" name="正方形/長方形 12">
             <a:extLst>
               <a:ext uri="{FF2B5EF4-FFF2-40B4-BE49-F238E27FC236}">
-                <a16:creationId xmlns:a16="http://schemas.microsoft.com/office/drawing/2014/main" xmlns="" id="{C5B52C5E-840D-45E5-8E3C-3E2AD99D4E85}"/>
+                <a16:creationId xmlns="" xmlns:a16="http://schemas.microsoft.com/office/drawing/2014/main" id="{C5B52C5E-840D-45E5-8E3C-3E2AD99D4E85}"/>
               </a:ext>
             </a:extLst>
           </p:cNvPr>
@@ -6252,7 +6252,7 @@
           <p:cNvPr id="18" name="正方形/長方形 17">
             <a:extLst>
               <a:ext uri="{FF2B5EF4-FFF2-40B4-BE49-F238E27FC236}">
-                <a16:creationId xmlns:a16="http://schemas.microsoft.com/office/drawing/2014/main" xmlns="" id="{85B86C3D-1D0B-4CA9-A09E-F9104FAC8E9A}"/>
+                <a16:creationId xmlns="" xmlns:a16="http://schemas.microsoft.com/office/drawing/2014/main" id="{85B86C3D-1D0B-4CA9-A09E-F9104FAC8E9A}"/>
               </a:ext>
             </a:extLst>
           </p:cNvPr>
@@ -6304,7 +6304,7 @@
           <p:cNvPr id="3" name="L 字 2">
             <a:extLst>
               <a:ext uri="{FF2B5EF4-FFF2-40B4-BE49-F238E27FC236}">
-                <a16:creationId xmlns:a16="http://schemas.microsoft.com/office/drawing/2014/main" xmlns="" id="{CA56987B-B7BB-455B-A3DC-57F7BCD43222}"/>
+                <a16:creationId xmlns="" xmlns:a16="http://schemas.microsoft.com/office/drawing/2014/main" id="{CA56987B-B7BB-455B-A3DC-57F7BCD43222}"/>
               </a:ext>
             </a:extLst>
           </p:cNvPr>
@@ -6359,7 +6359,7 @@
           <p:cNvPr id="19" name="吹き出し: 四角形 18">
             <a:extLst>
               <a:ext uri="{FF2B5EF4-FFF2-40B4-BE49-F238E27FC236}">
-                <a16:creationId xmlns:a16="http://schemas.microsoft.com/office/drawing/2014/main" xmlns="" id="{D2673875-651C-40E4-8256-1F77677989CB}"/>
+                <a16:creationId xmlns="" xmlns:a16="http://schemas.microsoft.com/office/drawing/2014/main" id="{D2673875-651C-40E4-8256-1F77677989CB}"/>
               </a:ext>
             </a:extLst>
           </p:cNvPr>
@@ -6442,7 +6442,7 @@
           <p:cNvPr id="20" name="吹き出し: 四角形 19">
             <a:extLst>
               <a:ext uri="{FF2B5EF4-FFF2-40B4-BE49-F238E27FC236}">
-                <a16:creationId xmlns:a16="http://schemas.microsoft.com/office/drawing/2014/main" xmlns="" id="{F0A11592-BD25-49D2-8C1D-7500E79B7ADA}"/>
+                <a16:creationId xmlns="" xmlns:a16="http://schemas.microsoft.com/office/drawing/2014/main" id="{F0A11592-BD25-49D2-8C1D-7500E79B7ADA}"/>
               </a:ext>
             </a:extLst>
           </p:cNvPr>
@@ -6608,7 +6608,7 @@
           <p:cNvPr id="6" name="テキスト ボックス 5">
             <a:extLst>
               <a:ext uri="{FF2B5EF4-FFF2-40B4-BE49-F238E27FC236}">
-                <a16:creationId xmlns:a16="http://schemas.microsoft.com/office/drawing/2014/main" xmlns="" id="{83D9254C-066B-4A30-984B-189E5281BB91}"/>
+                <a16:creationId xmlns="" xmlns:a16="http://schemas.microsoft.com/office/drawing/2014/main" id="{83D9254C-066B-4A30-984B-189E5281BB91}"/>
               </a:ext>
             </a:extLst>
           </p:cNvPr>
@@ -6653,7 +6653,7 @@
           <p:cNvPr id="7" name="テキスト ボックス 6">
             <a:extLst>
               <a:ext uri="{FF2B5EF4-FFF2-40B4-BE49-F238E27FC236}">
-                <a16:creationId xmlns:a16="http://schemas.microsoft.com/office/drawing/2014/main" xmlns="" id="{A3B678AB-5F6D-47A2-AC3D-C9904D8B3FE5}"/>
+                <a16:creationId xmlns="" xmlns:a16="http://schemas.microsoft.com/office/drawing/2014/main" id="{A3B678AB-5F6D-47A2-AC3D-C9904D8B3FE5}"/>
               </a:ext>
             </a:extLst>
           </p:cNvPr>
@@ -6695,7 +6695,7 @@
           <p:cNvPr id="8" name="テキスト ボックス 7">
             <a:extLst>
               <a:ext uri="{FF2B5EF4-FFF2-40B4-BE49-F238E27FC236}">
-                <a16:creationId xmlns:a16="http://schemas.microsoft.com/office/drawing/2014/main" xmlns="" id="{81F92070-255F-4692-ABB1-F5486542D8FF}"/>
+                <a16:creationId xmlns="" xmlns:a16="http://schemas.microsoft.com/office/drawing/2014/main" id="{81F92070-255F-4692-ABB1-F5486542D8FF}"/>
               </a:ext>
             </a:extLst>
           </p:cNvPr>
@@ -6704,8 +6704,8 @@
         </p:nvSpPr>
         <p:spPr>
           <a:xfrm>
-            <a:off x="938916" y="2258481"/>
-            <a:ext cx="10029155" cy="1477328"/>
+            <a:off x="436096" y="2311692"/>
+            <a:ext cx="11034793" cy="2215991"/>
           </a:xfrm>
           <a:prstGeom prst="rect">
             <a:avLst/>
@@ -6719,90 +6719,114 @@
           <a:lstStyle/>
           <a:p>
             <a:r>
-              <a:rPr kumimoji="1" lang="ja-JP" altLang="en-US" dirty="0">
+              <a:rPr kumimoji="1" lang="ja-JP" altLang="en-US" sz="2400" dirty="0">
                 <a:latin typeface="チェックポイント．（ピリオド）" panose="02000600000000000000" pitchFamily="50" charset="-128"/>
                 <a:ea typeface="チェックポイント．（ピリオド）" panose="02000600000000000000" pitchFamily="50" charset="-128"/>
               </a:rPr>
               <a:t>戦闘中同じレーンでポッドやミサイルを打ち続けると、レーンが徐々に</a:t>
             </a:r>
             <a:r>
-              <a:rPr lang="ja-JP" altLang="en-US" dirty="0">
+              <a:rPr lang="ja-JP" altLang="en-US" sz="2400" dirty="0">
                 <a:latin typeface="チェックポイント．（ピリオド）" panose="02000600000000000000" pitchFamily="50" charset="-128"/>
                 <a:ea typeface="チェックポイント．（ピリオド）" panose="02000600000000000000" pitchFamily="50" charset="-128"/>
               </a:rPr>
               <a:t>赤色に染まっていきます。</a:t>
             </a:r>
-            <a:endParaRPr lang="en-US" altLang="ja-JP" dirty="0">
+            <a:endParaRPr lang="en-US" altLang="ja-JP" sz="2400" dirty="0">
               <a:latin typeface="チェックポイント．（ピリオド）" panose="02000600000000000000" pitchFamily="50" charset="-128"/>
               <a:ea typeface="チェックポイント．（ピリオド）" panose="02000600000000000000" pitchFamily="50" charset="-128"/>
             </a:endParaRPr>
           </a:p>
           <a:p>
             <a:r>
-              <a:rPr kumimoji="1" lang="ja-JP" altLang="en-US" dirty="0">
+              <a:rPr kumimoji="1" lang="ja-JP" altLang="en-US" sz="2400" dirty="0">
                 <a:latin typeface="チェックポイント．（ピリオド）" panose="02000600000000000000" pitchFamily="50" charset="-128"/>
                 <a:ea typeface="チェックポイント．（ピリオド）" panose="02000600000000000000" pitchFamily="50" charset="-128"/>
               </a:rPr>
               <a:t>赤色になっていくにつれて住民がオーバーワークになり</a:t>
             </a:r>
-            <a:endParaRPr lang="en-US" altLang="ja-JP" dirty="0">
+            <a:endParaRPr lang="en-US" altLang="ja-JP" sz="2400" dirty="0">
               <a:latin typeface="チェックポイント．（ピリオド）" panose="02000600000000000000" pitchFamily="50" charset="-128"/>
               <a:ea typeface="チェックポイント．（ピリオド）" panose="02000600000000000000" pitchFamily="50" charset="-128"/>
             </a:endParaRPr>
           </a:p>
           <a:p>
             <a:r>
-              <a:rPr kumimoji="1" lang="ja-JP" altLang="en-US" dirty="0">
-                <a:latin typeface="チェックポイント．（ピリオド）" panose="02000600000000000000" pitchFamily="50" charset="-128"/>
-                <a:ea typeface="チェックポイント．（ピリオド）" panose="02000600000000000000" pitchFamily="50" charset="-128"/>
-              </a:rPr>
-              <a:t>ポッドにコスモパワーを十分に補給できなく</a:t>
-            </a:r>
-            <a:r>
-              <a:rPr lang="ja-JP" altLang="en-US" dirty="0">
-                <a:latin typeface="チェックポイント．（ピリオド）" panose="02000600000000000000" pitchFamily="50" charset="-128"/>
-                <a:ea typeface="チェックポイント．（ピリオド）" panose="02000600000000000000" pitchFamily="50" charset="-128"/>
-              </a:rPr>
-              <a:t>なって</a:t>
-            </a:r>
-            <a:r>
-              <a:rPr kumimoji="1" lang="ja-JP" altLang="en-US" dirty="0">
-                <a:latin typeface="チェックポイント．（ピリオド）" panose="02000600000000000000" pitchFamily="50" charset="-128"/>
-                <a:ea typeface="チェックポイント．（ピリオド）" panose="02000600000000000000" pitchFamily="50" charset="-128"/>
-              </a:rPr>
-              <a:t>、</a:t>
-            </a:r>
-            <a:endParaRPr kumimoji="1" lang="en-US" altLang="ja-JP" dirty="0">
+              <a:rPr kumimoji="1" lang="ja-JP" altLang="en-US" sz="2400" dirty="0">
+                <a:latin typeface="チェックポイント．（ピリオド）" panose="02000600000000000000" pitchFamily="50" charset="-128"/>
+                <a:ea typeface="チェックポイント．（ピリオド）" panose="02000600000000000000" pitchFamily="50" charset="-128"/>
+              </a:rPr>
+              <a:t>ポッドにコスモパワーを十分に補給</a:t>
+            </a:r>
+            <a:r>
+              <a:rPr kumimoji="1" lang="ja-JP" altLang="en-US" sz="2400" dirty="0" smtClean="0">
+                <a:latin typeface="チェックポイント．（ピリオド）" panose="02000600000000000000" pitchFamily="50" charset="-128"/>
+                <a:ea typeface="チェックポイント．（ピリオド）" panose="02000600000000000000" pitchFamily="50" charset="-128"/>
+              </a:rPr>
+              <a:t>できなく</a:t>
+            </a:r>
+            <a:r>
+              <a:rPr lang="ja-JP" altLang="en-US" sz="2400" dirty="0" smtClean="0">
+                <a:latin typeface="チェックポイント．（ピリオド）" panose="02000600000000000000" pitchFamily="50" charset="-128"/>
+                <a:ea typeface="チェックポイント．（ピリオド）" panose="02000600000000000000" pitchFamily="50" charset="-128"/>
+              </a:rPr>
+              <a:t>なります。</a:t>
+            </a:r>
+            <a:endParaRPr kumimoji="1" lang="en-US" altLang="ja-JP" sz="2400" dirty="0">
               <a:latin typeface="チェックポイント．（ピリオド）" panose="02000600000000000000" pitchFamily="50" charset="-128"/>
               <a:ea typeface="チェックポイント．（ピリオド）" panose="02000600000000000000" pitchFamily="50" charset="-128"/>
             </a:endParaRPr>
           </a:p>
           <a:p>
             <a:r>
-              <a:rPr kumimoji="1" lang="ja-JP" altLang="en-US" dirty="0">
-                <a:latin typeface="チェックポイント．（ピリオド）" panose="02000600000000000000" pitchFamily="50" charset="-128"/>
-                <a:ea typeface="チェックポイント．（ピリオド）" panose="02000600000000000000" pitchFamily="50" charset="-128"/>
-              </a:rPr>
-              <a:t>ポッドの耐久力が下がってしまい、</a:t>
-            </a:r>
-            <a:r>
-              <a:rPr lang="ja-JP" altLang="en-US" dirty="0">
+              <a:rPr kumimoji="1" lang="ja-JP" altLang="en-US" sz="2400" dirty="0" smtClean="0">
+                <a:latin typeface="チェックポイント．（ピリオド）" panose="02000600000000000000" pitchFamily="50" charset="-128"/>
+                <a:ea typeface="チェックポイント．（ピリオド）" panose="02000600000000000000" pitchFamily="50" charset="-128"/>
+              </a:rPr>
+              <a:t>その結果、ポッド</a:t>
+            </a:r>
+            <a:r>
+              <a:rPr kumimoji="1" lang="ja-JP" altLang="en-US" sz="2400" dirty="0">
+                <a:latin typeface="チェックポイント．（ピリオド）" panose="02000600000000000000" pitchFamily="50" charset="-128"/>
+                <a:ea typeface="チェックポイント．（ピリオド）" panose="02000600000000000000" pitchFamily="50" charset="-128"/>
+              </a:rPr>
+              <a:t>の耐久力が</a:t>
+            </a:r>
+            <a:r>
+              <a:rPr kumimoji="1" lang="ja-JP" altLang="en-US" sz="2400" dirty="0" smtClean="0">
+                <a:latin typeface="チェックポイント．（ピリオド）" panose="02000600000000000000" pitchFamily="50" charset="-128"/>
+                <a:ea typeface="チェックポイント．（ピリオド）" panose="02000600000000000000" pitchFamily="50" charset="-128"/>
+              </a:rPr>
+              <a:t>下がり</a:t>
+            </a:r>
+            <a:r>
+              <a:rPr lang="ja-JP" altLang="en-US" sz="2400" dirty="0" smtClean="0">
                 <a:solidFill>
                   <a:srgbClr val="FF0000"/>
                 </a:solidFill>
                 <a:latin typeface="チェックポイント．（ピリオド）" panose="02000600000000000000" pitchFamily="50" charset="-128"/>
                 <a:ea typeface="チェックポイント．（ピリオド）" panose="02000600000000000000" pitchFamily="50" charset="-128"/>
               </a:rPr>
-              <a:t>受けるダメージが増えます</a:t>
-            </a:r>
-            <a:r>
-              <a:rPr kumimoji="1" lang="ja-JP" altLang="en-US" dirty="0">
+              <a:t>受ける</a:t>
+            </a:r>
+            <a:r>
+              <a:rPr lang="ja-JP" altLang="en-US" sz="2400" dirty="0">
+                <a:solidFill>
+                  <a:srgbClr val="FF0000"/>
+                </a:solidFill>
+                <a:latin typeface="チェックポイント．（ピリオド）" panose="02000600000000000000" pitchFamily="50" charset="-128"/>
+                <a:ea typeface="チェックポイント．（ピリオド）" panose="02000600000000000000" pitchFamily="50" charset="-128"/>
+              </a:rPr>
+              <a:t>ダメージが増えます</a:t>
+            </a:r>
+            <a:r>
+              <a:rPr kumimoji="1" lang="ja-JP" altLang="en-US" sz="2400" dirty="0">
                 <a:latin typeface="チェックポイント．（ピリオド）" panose="02000600000000000000" pitchFamily="50" charset="-128"/>
                 <a:ea typeface="チェックポイント．（ピリオド）" panose="02000600000000000000" pitchFamily="50" charset="-128"/>
               </a:rPr>
               <a:t>。</a:t>
             </a:r>
-            <a:endParaRPr kumimoji="1" lang="en-US" altLang="ja-JP" dirty="0">
+            <a:endParaRPr kumimoji="1" lang="en-US" altLang="ja-JP" sz="2400" dirty="0">
               <a:latin typeface="チェックポイント．（ピリオド）" panose="02000600000000000000" pitchFamily="50" charset="-128"/>
               <a:ea typeface="チェックポイント．（ピリオド）" panose="02000600000000000000" pitchFamily="50" charset="-128"/>
             </a:endParaRPr>
@@ -6817,7 +6841,7 @@
           <p:cNvPr id="10" name="テキスト ボックス 9">
             <a:extLst>
               <a:ext uri="{FF2B5EF4-FFF2-40B4-BE49-F238E27FC236}">
-                <a16:creationId xmlns:a16="http://schemas.microsoft.com/office/drawing/2014/main" xmlns="" id="{946FF0DF-B758-41C2-85D3-67DA048E99B2}"/>
+                <a16:creationId xmlns="" xmlns:a16="http://schemas.microsoft.com/office/drawing/2014/main" id="{946FF0DF-B758-41C2-85D3-67DA048E99B2}"/>
               </a:ext>
             </a:extLst>
           </p:cNvPr>
@@ -6826,8 +6850,8 @@
         </p:nvSpPr>
         <p:spPr>
           <a:xfrm>
-            <a:off x="1992573" y="3998200"/>
-            <a:ext cx="7921840" cy="923330"/>
+            <a:off x="789203" y="5067583"/>
+            <a:ext cx="10328580" cy="1200329"/>
           </a:xfrm>
           <a:prstGeom prst="rect">
             <a:avLst/>
@@ -6842,7 +6866,7 @@
           <a:p>
             <a:pPr algn="ctr"/>
             <a:r>
-              <a:rPr lang="ja-JP" altLang="en-US" dirty="0">
+              <a:rPr lang="ja-JP" altLang="en-US" sz="2400" dirty="0">
                 <a:solidFill>
                   <a:srgbClr val="FF0000"/>
                 </a:solidFill>
@@ -6854,7 +6878,7 @@
           </a:p>
           <a:p>
             <a:pPr algn="ctr"/>
-            <a:endParaRPr kumimoji="1" lang="en-US" altLang="ja-JP" dirty="0">
+            <a:endParaRPr kumimoji="1" lang="en-US" altLang="ja-JP" sz="2400" dirty="0">
               <a:latin typeface="チェックポイント．（ピリオド）" panose="02000600000000000000" pitchFamily="50" charset="-128"/>
               <a:ea typeface="チェックポイント．（ピリオド）" panose="02000600000000000000" pitchFamily="50" charset="-128"/>
             </a:endParaRPr>
@@ -6862,7 +6886,7 @@
           <a:p>
             <a:pPr algn="ctr"/>
             <a:r>
-              <a:rPr kumimoji="1" lang="ja-JP" altLang="en-US" dirty="0">
+              <a:rPr kumimoji="1" lang="ja-JP" altLang="en-US" sz="2400" dirty="0">
                 <a:latin typeface="チェックポイント．（ピリオド）" panose="02000600000000000000" pitchFamily="50" charset="-128"/>
                 <a:ea typeface="チェックポイント．（ピリオド）" panose="02000600000000000000" pitchFamily="50" charset="-128"/>
               </a:rPr>
@@ -6906,7 +6930,7 @@
           <p:cNvPr id="4" name="テキスト ボックス 3">
             <a:extLst>
               <a:ext uri="{FF2B5EF4-FFF2-40B4-BE49-F238E27FC236}">
-                <a16:creationId xmlns:a16="http://schemas.microsoft.com/office/drawing/2014/main" xmlns="" id="{83D9254C-066B-4A30-984B-189E5281BB91}"/>
+                <a16:creationId xmlns="" xmlns:a16="http://schemas.microsoft.com/office/drawing/2014/main" id="{83D9254C-066B-4A30-984B-189E5281BB91}"/>
               </a:ext>
             </a:extLst>
           </p:cNvPr>
@@ -6975,7 +6999,24 @@
                 <a:latin typeface="チェックポイント．（ピリオド）" panose="02000600000000000000" pitchFamily="50" charset="-128"/>
                 <a:ea typeface="チェックポイント．（ピリオド）" panose="02000600000000000000" pitchFamily="50" charset="-128"/>
               </a:rPr>
-              <a:t>スペシャル技は、戦闘中に一度だけ発動することが可能です。</a:t>
+              <a:t>スペシャル技は、戦闘中に</a:t>
+            </a:r>
+            <a:r>
+              <a:rPr kumimoji="1" lang="ja-JP" altLang="en-US" sz="2400" dirty="0">
+                <a:solidFill>
+                  <a:srgbClr val="FF0000"/>
+                </a:solidFill>
+                <a:latin typeface="チェックポイント．（ピリオド）" panose="02000600000000000000" pitchFamily="50" charset="-128"/>
+                <a:ea typeface="チェックポイント．（ピリオド）" panose="02000600000000000000" pitchFamily="50" charset="-128"/>
+              </a:rPr>
+              <a:t>一度だけ</a:t>
+            </a:r>
+            <a:r>
+              <a:rPr kumimoji="1" lang="ja-JP" altLang="en-US" sz="2400" dirty="0">
+                <a:latin typeface="チェックポイント．（ピリオド）" panose="02000600000000000000" pitchFamily="50" charset="-128"/>
+                <a:ea typeface="チェックポイント．（ピリオド）" panose="02000600000000000000" pitchFamily="50" charset="-128"/>
+              </a:rPr>
+              <a:t>発動することが可能です。</a:t>
             </a:r>
             <a:endParaRPr kumimoji="1" lang="en-US" altLang="ja-JP" sz="2400" dirty="0">
               <a:latin typeface="チェックポイント．（ピリオド）" panose="02000600000000000000" pitchFamily="50" charset="-128"/>
@@ -7114,6 +7155,9 @@
             </a:r>
             <a:r>
               <a:rPr kumimoji="1" lang="en-US" altLang="ja-JP" sz="2400" dirty="0">
+                <a:solidFill>
+                  <a:srgbClr val="FF0000"/>
+                </a:solidFill>
                 <a:latin typeface="チェックポイント．（ピリオド）" panose="02000600000000000000" pitchFamily="50" charset="-128"/>
                 <a:ea typeface="チェックポイント．（ピリオド）" panose="02000600000000000000" pitchFamily="50" charset="-128"/>
               </a:rPr>
@@ -7121,10 +7165,20 @@
             </a:r>
             <a:r>
               <a:rPr kumimoji="1" lang="ja-JP" altLang="en-US" sz="2400" dirty="0">
-                <a:latin typeface="チェックポイント．（ピリオド）" panose="02000600000000000000" pitchFamily="50" charset="-128"/>
-                <a:ea typeface="チェックポイント．（ピリオド）" panose="02000600000000000000" pitchFamily="50" charset="-128"/>
-              </a:rPr>
-              <a:t>種類あり、敵を捕食することで獲得することができます。</a:t>
+                <a:solidFill>
+                  <a:srgbClr val="FF0000"/>
+                </a:solidFill>
+                <a:latin typeface="チェックポイント．（ピリオド）" panose="02000600000000000000" pitchFamily="50" charset="-128"/>
+                <a:ea typeface="チェックポイント．（ピリオド）" panose="02000600000000000000" pitchFamily="50" charset="-128"/>
+              </a:rPr>
+              <a:t>種類</a:t>
+            </a:r>
+            <a:r>
+              <a:rPr kumimoji="1" lang="ja-JP" altLang="en-US" sz="2400" dirty="0">
+                <a:latin typeface="チェックポイント．（ピリオド）" panose="02000600000000000000" pitchFamily="50" charset="-128"/>
+                <a:ea typeface="チェックポイント．（ピリオド）" panose="02000600000000000000" pitchFamily="50" charset="-128"/>
+              </a:rPr>
+              <a:t>あり、敵を捕食することで獲得することができます。</a:t>
             </a:r>
             <a:endParaRPr kumimoji="1" lang="en-US" altLang="ja-JP" sz="2400" dirty="0">
               <a:latin typeface="チェックポイント．（ピリオド）" panose="02000600000000000000" pitchFamily="50" charset="-128"/>
@@ -7134,10 +7188,20 @@
           <a:p>
             <a:r>
               <a:rPr kumimoji="1" lang="ja-JP" altLang="en-US" sz="2400" dirty="0">
-                <a:latin typeface="チェックポイント．（ピリオド）" panose="02000600000000000000" pitchFamily="50" charset="-128"/>
-                <a:ea typeface="チェックポイント．（ピリオド）" panose="02000600000000000000" pitchFamily="50" charset="-128"/>
-              </a:rPr>
-              <a:t>惑星ごとに獲得できるスペシャル技が違うので</a:t>
+                <a:solidFill>
+                  <a:srgbClr val="FF0000"/>
+                </a:solidFill>
+                <a:latin typeface="チェックポイント．（ピリオド）" panose="02000600000000000000" pitchFamily="50" charset="-128"/>
+                <a:ea typeface="チェックポイント．（ピリオド）" panose="02000600000000000000" pitchFamily="50" charset="-128"/>
+              </a:rPr>
+              <a:t>惑星ごとに獲得できるスペシャル技が違う</a:t>
+            </a:r>
+            <a:r>
+              <a:rPr kumimoji="1" lang="ja-JP" altLang="en-US" sz="2400" dirty="0">
+                <a:latin typeface="チェックポイント．（ピリオド）" panose="02000600000000000000" pitchFamily="50" charset="-128"/>
+                <a:ea typeface="チェックポイント．（ピリオド）" panose="02000600000000000000" pitchFamily="50" charset="-128"/>
+              </a:rPr>
+              <a:t>ので</a:t>
             </a:r>
             <a:endParaRPr kumimoji="1" lang="en-US" altLang="ja-JP" sz="2400" dirty="0">
               <a:latin typeface="チェックポイント．（ピリオド）" panose="02000600000000000000" pitchFamily="50" charset="-128"/>
@@ -7344,7 +7408,7 @@
           <p:cNvPr id="5" name="テキスト ボックス 4">
             <a:extLst>
               <a:ext uri="{FF2B5EF4-FFF2-40B4-BE49-F238E27FC236}">
-                <a16:creationId xmlns:a16="http://schemas.microsoft.com/office/drawing/2014/main" xmlns="" id="{E7DA8156-9232-45DF-BDAB-F8BFA4989BF6}"/>
+                <a16:creationId xmlns="" xmlns:a16="http://schemas.microsoft.com/office/drawing/2014/main" id="{E7DA8156-9232-45DF-BDAB-F8BFA4989BF6}"/>
               </a:ext>
             </a:extLst>
           </p:cNvPr>
@@ -7388,7 +7452,7 @@
           <p:cNvPr id="7" name="テキスト ボックス 6">
             <a:extLst>
               <a:ext uri="{FF2B5EF4-FFF2-40B4-BE49-F238E27FC236}">
-                <a16:creationId xmlns:a16="http://schemas.microsoft.com/office/drawing/2014/main" xmlns="" id="{86562B00-1D31-41BF-8D0A-F3A64C35FA2F}"/>
+                <a16:creationId xmlns="" xmlns:a16="http://schemas.microsoft.com/office/drawing/2014/main" id="{86562B00-1D31-41BF-8D0A-F3A64C35FA2F}"/>
               </a:ext>
             </a:extLst>
           </p:cNvPr>
@@ -7440,7 +7504,7 @@
           <p:cNvPr id="8" name="テキスト ボックス 7">
             <a:extLst>
               <a:ext uri="{FF2B5EF4-FFF2-40B4-BE49-F238E27FC236}">
-                <a16:creationId xmlns:a16="http://schemas.microsoft.com/office/drawing/2014/main" xmlns="" id="{4B1A7519-3AB7-4FFE-8DC1-5D58D39C3087}"/>
+                <a16:creationId xmlns="" xmlns:a16="http://schemas.microsoft.com/office/drawing/2014/main" id="{4B1A7519-3AB7-4FFE-8DC1-5D58D39C3087}"/>
               </a:ext>
             </a:extLst>
           </p:cNvPr>
@@ -7468,14 +7532,51 @@
                 <a:latin typeface="チェックポイント．（ピリオド）" panose="02000600000000000000" pitchFamily="50" charset="-128"/>
                 <a:ea typeface="チェックポイント．（ピリオド）" panose="02000600000000000000" pitchFamily="50" charset="-128"/>
               </a:rPr>
-              <a:t>惑星が発展することにより、惑星の見た目や育成画面の背景に</a:t>
+              <a:t>惑星が</a:t>
+            </a:r>
+            <a:r>
+              <a:rPr kumimoji="1" lang="ja-JP" altLang="en-US" sz="2400" dirty="0">
+                <a:solidFill>
+                  <a:srgbClr val="FF0000"/>
+                </a:solidFill>
+                <a:latin typeface="チェックポイント．（ピリオド）" panose="02000600000000000000" pitchFamily="50" charset="-128"/>
+                <a:ea typeface="チェックポイント．（ピリオド）" panose="02000600000000000000" pitchFamily="50" charset="-128"/>
+              </a:rPr>
+              <a:t>発展</a:t>
+            </a:r>
+            <a:r>
+              <a:rPr kumimoji="1" lang="ja-JP" altLang="en-US" sz="2400" dirty="0">
+                <a:latin typeface="チェックポイント．（ピリオド）" panose="02000600000000000000" pitchFamily="50" charset="-128"/>
+                <a:ea typeface="チェックポイント．（ピリオド）" panose="02000600000000000000" pitchFamily="50" charset="-128"/>
+              </a:rPr>
+              <a:t>することにより、惑星の見た目や育成画面の</a:t>
+            </a:r>
+            <a:r>
+              <a:rPr kumimoji="1" lang="ja-JP" altLang="en-US" sz="2400" dirty="0">
+                <a:solidFill>
+                  <a:srgbClr val="FF0000"/>
+                </a:solidFill>
+                <a:latin typeface="チェックポイント．（ピリオド）" panose="02000600000000000000" pitchFamily="50" charset="-128"/>
+                <a:ea typeface="チェックポイント．（ピリオド）" panose="02000600000000000000" pitchFamily="50" charset="-128"/>
+              </a:rPr>
+              <a:t>背景に</a:t>
             </a:r>
             <a:r>
               <a:rPr lang="ja-JP" altLang="en-US" sz="2400" dirty="0">
-                <a:latin typeface="チェックポイント．（ピリオド）" panose="02000600000000000000" pitchFamily="50" charset="-128"/>
-                <a:ea typeface="チェックポイント．（ピリオド）" panose="02000600000000000000" pitchFamily="50" charset="-128"/>
-              </a:rPr>
-              <a:t>変化が起こります。</a:t>
+                <a:solidFill>
+                  <a:srgbClr val="FF0000"/>
+                </a:solidFill>
+                <a:latin typeface="チェックポイント．（ピリオド）" panose="02000600000000000000" pitchFamily="50" charset="-128"/>
+                <a:ea typeface="チェックポイント．（ピリオド）" panose="02000600000000000000" pitchFamily="50" charset="-128"/>
+              </a:rPr>
+              <a:t>変化</a:t>
+            </a:r>
+            <a:r>
+              <a:rPr lang="ja-JP" altLang="en-US" sz="2400" dirty="0">
+                <a:latin typeface="チェックポイント．（ピリオド）" panose="02000600000000000000" pitchFamily="50" charset="-128"/>
+                <a:ea typeface="チェックポイント．（ピリオド）" panose="02000600000000000000" pitchFamily="50" charset="-128"/>
+              </a:rPr>
+              <a:t>が起こります。</a:t>
             </a:r>
             <a:endParaRPr kumimoji="1" lang="en-US" altLang="ja-JP" sz="2400" dirty="0">
               <a:latin typeface="チェックポイント．（ピリオド）" panose="02000600000000000000" pitchFamily="50" charset="-128"/>
@@ -7489,7 +7590,7 @@
           <p:cNvPr id="16" name="テキスト ボックス 15">
             <a:extLst>
               <a:ext uri="{FF2B5EF4-FFF2-40B4-BE49-F238E27FC236}">
-                <a16:creationId xmlns:a16="http://schemas.microsoft.com/office/drawing/2014/main" xmlns="" id="{EAD140C4-19B0-40CF-8A7F-5B444A6FB643}"/>
+                <a16:creationId xmlns="" xmlns:a16="http://schemas.microsoft.com/office/drawing/2014/main" id="{EAD140C4-19B0-40CF-8A7F-5B444A6FB643}"/>
               </a:ext>
             </a:extLst>
           </p:cNvPr>
@@ -7527,7 +7628,7 @@
           <p:cNvPr id="17" name="テキスト ボックス 16">
             <a:extLst>
               <a:ext uri="{FF2B5EF4-FFF2-40B4-BE49-F238E27FC236}">
-                <a16:creationId xmlns:a16="http://schemas.microsoft.com/office/drawing/2014/main" xmlns="" id="{35A6466D-48F7-44F6-AA87-CA2E29ED1A92}"/>
+                <a16:creationId xmlns="" xmlns:a16="http://schemas.microsoft.com/office/drawing/2014/main" id="{35A6466D-48F7-44F6-AA87-CA2E29ED1A92}"/>
               </a:ext>
             </a:extLst>
           </p:cNvPr>
@@ -7565,7 +7666,7 @@
           <p:cNvPr id="20" name="グループ化 19">
             <a:extLst>
               <a:ext uri="{FF2B5EF4-FFF2-40B4-BE49-F238E27FC236}">
-                <a16:creationId xmlns:a16="http://schemas.microsoft.com/office/drawing/2014/main" xmlns="" id="{F2B7319D-4B0F-4E88-BF97-C6858CA42543}"/>
+                <a16:creationId xmlns="" xmlns:a16="http://schemas.microsoft.com/office/drawing/2014/main" id="{F2B7319D-4B0F-4E88-BF97-C6858CA42543}"/>
               </a:ext>
             </a:extLst>
           </p:cNvPr>
@@ -7585,7 +7686,7 @@
             <p:cNvPr id="10" name="図 9">
               <a:extLst>
                 <a:ext uri="{FF2B5EF4-FFF2-40B4-BE49-F238E27FC236}">
-                  <a16:creationId xmlns:a16="http://schemas.microsoft.com/office/drawing/2014/main" xmlns="" id="{CC45E600-B2B8-4EEF-9509-45C7FC593D21}"/>
+                  <a16:creationId xmlns="" xmlns:a16="http://schemas.microsoft.com/office/drawing/2014/main" id="{CC45E600-B2B8-4EEF-9509-45C7FC593D21}"/>
                 </a:ext>
               </a:extLst>
             </p:cNvPr>
@@ -7620,7 +7721,7 @@
             <p:cNvPr id="3" name="図 2">
               <a:extLst>
                 <a:ext uri="{FF2B5EF4-FFF2-40B4-BE49-F238E27FC236}">
-                  <a16:creationId xmlns:a16="http://schemas.microsoft.com/office/drawing/2014/main" xmlns="" id="{76874239-A564-450E-95B6-FA50B49D3D17}"/>
+                  <a16:creationId xmlns="" xmlns:a16="http://schemas.microsoft.com/office/drawing/2014/main" id="{76874239-A564-450E-95B6-FA50B49D3D17}"/>
                 </a:ext>
               </a:extLst>
             </p:cNvPr>
@@ -7656,7 +7757,7 @@
             <p:cNvPr id="18" name="図 17">
               <a:extLst>
                 <a:ext uri="{FF2B5EF4-FFF2-40B4-BE49-F238E27FC236}">
-                  <a16:creationId xmlns:a16="http://schemas.microsoft.com/office/drawing/2014/main" xmlns="" id="{0AB0B9E4-14DF-45A3-A28A-92DB7B5FED7E}"/>
+                  <a16:creationId xmlns="" xmlns:a16="http://schemas.microsoft.com/office/drawing/2014/main" id="{0AB0B9E4-14DF-45A3-A28A-92DB7B5FED7E}"/>
                 </a:ext>
               </a:extLst>
             </p:cNvPr>
@@ -7692,7 +7793,7 @@
             <p:cNvPr id="6" name="図 5" descr="歯車, 車輪 が含まれている画像&#10;&#10;自動的に生成された説明">
               <a:extLst>
                 <a:ext uri="{FF2B5EF4-FFF2-40B4-BE49-F238E27FC236}">
-                  <a16:creationId xmlns:a16="http://schemas.microsoft.com/office/drawing/2014/main" xmlns="" id="{719E7009-8045-4D66-A55A-5EE8D48EF64A}"/>
+                  <a16:creationId xmlns="" xmlns:a16="http://schemas.microsoft.com/office/drawing/2014/main" id="{719E7009-8045-4D66-A55A-5EE8D48EF64A}"/>
                 </a:ext>
               </a:extLst>
             </p:cNvPr>
@@ -7728,7 +7829,7 @@
             <p:cNvPr id="19" name="図 18" descr="車輪 が含まれている画像&#10;&#10;自動的に生成された説明">
               <a:extLst>
                 <a:ext uri="{FF2B5EF4-FFF2-40B4-BE49-F238E27FC236}">
-                  <a16:creationId xmlns:a16="http://schemas.microsoft.com/office/drawing/2014/main" xmlns="" id="{E345A25F-5D95-4CBD-ADD0-087829B4C775}"/>
+                  <a16:creationId xmlns="" xmlns:a16="http://schemas.microsoft.com/office/drawing/2014/main" id="{E345A25F-5D95-4CBD-ADD0-087829B4C775}"/>
                 </a:ext>
               </a:extLst>
             </p:cNvPr>
@@ -7803,7 +7904,7 @@
           <p:cNvPr id="2" name="図 1">
             <a:extLst>
               <a:ext uri="{FF2B5EF4-FFF2-40B4-BE49-F238E27FC236}">
-                <a16:creationId xmlns:a16="http://schemas.microsoft.com/office/drawing/2014/main" xmlns="" id="{ABA9EEB5-CD54-4299-B4B2-40DB1CEF4FD2}"/>
+                <a16:creationId xmlns="" xmlns:a16="http://schemas.microsoft.com/office/drawing/2014/main" id="{ABA9EEB5-CD54-4299-B4B2-40DB1CEF4FD2}"/>
               </a:ext>
             </a:extLst>
           </p:cNvPr>
@@ -7835,13 +7936,13 @@
         </p:nvSpPr>
         <p:spPr>
           <a:xfrm>
-            <a:off x="130627" y="866743"/>
-            <a:ext cx="3518573" cy="966162"/>
+            <a:off x="81148" y="254476"/>
+            <a:ext cx="3486906" cy="1166548"/>
           </a:xfrm>
           <a:prstGeom prst="wedgeRectCallout">
             <a:avLst>
-              <a:gd name="adj1" fmla="val 35312"/>
-              <a:gd name="adj2" fmla="val 64235"/>
+              <a:gd name="adj1" fmla="val 37534"/>
+              <a:gd name="adj2" fmla="val 94154"/>
             </a:avLst>
           </a:prstGeom>
           <a:solidFill>
@@ -8052,7 +8153,17 @@
                 <a:latin typeface="チェックポイント．（ピリオド）" panose="02000600000000000000" pitchFamily="50" charset="-128"/>
                 <a:ea typeface="チェックポイント．（ピリオド）" panose="02000600000000000000" pitchFamily="50" charset="-128"/>
               </a:rPr>
-              <a:t>ここでスペシャル技変更不可</a:t>
+              <a:t>ここでスペシャル</a:t>
+            </a:r>
+            <a:r>
+              <a:rPr kumimoji="1" lang="ja-JP" altLang="en-US" dirty="0">
+                <a:solidFill>
+                  <a:srgbClr val="FF0000"/>
+                </a:solidFill>
+                <a:latin typeface="チェックポイント．（ピリオド）" panose="02000600000000000000" pitchFamily="50" charset="-128"/>
+                <a:ea typeface="チェックポイント．（ピリオド）" panose="02000600000000000000" pitchFamily="50" charset="-128"/>
+              </a:rPr>
+              <a:t>技変更不可</a:t>
             </a:r>
           </a:p>
         </p:txBody>
@@ -8182,8 +8293,8 @@
         </p:nvSpPr>
         <p:spPr>
           <a:xfrm>
-            <a:off x="8229117" y="232379"/>
-            <a:ext cx="3800587" cy="1217220"/>
+            <a:off x="8391413" y="284993"/>
+            <a:ext cx="3638292" cy="1217220"/>
           </a:xfrm>
           <a:prstGeom prst="wedgeRectCallout">
             <a:avLst>
@@ -8355,7 +8466,7 @@
           <p:cNvPr id="13" name="正方形/長方形 12">
             <a:extLst>
               <a:ext uri="{FF2B5EF4-FFF2-40B4-BE49-F238E27FC236}">
-                <a16:creationId xmlns:a16="http://schemas.microsoft.com/office/drawing/2014/main" xmlns="" id="{A37BEE43-2066-46D6-8830-D8556B22304D}"/>
+                <a16:creationId xmlns="" xmlns:a16="http://schemas.microsoft.com/office/drawing/2014/main" id="{A37BEE43-2066-46D6-8830-D8556B22304D}"/>
               </a:ext>
             </a:extLst>
           </p:cNvPr>
@@ -8407,7 +8518,7 @@
           <p:cNvPr id="14" name="正方形/長方形 13">
             <a:extLst>
               <a:ext uri="{FF2B5EF4-FFF2-40B4-BE49-F238E27FC236}">
-                <a16:creationId xmlns:a16="http://schemas.microsoft.com/office/drawing/2014/main" xmlns="" id="{BA56A8B8-81E8-409C-8A37-384626294E40}"/>
+                <a16:creationId xmlns="" xmlns:a16="http://schemas.microsoft.com/office/drawing/2014/main" id="{BA56A8B8-81E8-409C-8A37-384626294E40}"/>
               </a:ext>
             </a:extLst>
           </p:cNvPr>
@@ -8459,7 +8570,7 @@
           <p:cNvPr id="15" name="正方形/長方形 14">
             <a:extLst>
               <a:ext uri="{FF2B5EF4-FFF2-40B4-BE49-F238E27FC236}">
-                <a16:creationId xmlns:a16="http://schemas.microsoft.com/office/drawing/2014/main" xmlns="" id="{AF0DEFD2-0EA7-416C-9349-A86003C1114B}"/>
+                <a16:creationId xmlns="" xmlns:a16="http://schemas.microsoft.com/office/drawing/2014/main" id="{AF0DEFD2-0EA7-416C-9349-A86003C1114B}"/>
               </a:ext>
             </a:extLst>
           </p:cNvPr>
@@ -8511,7 +8622,7 @@
           <p:cNvPr id="18" name="正方形/長方形 17">
             <a:extLst>
               <a:ext uri="{FF2B5EF4-FFF2-40B4-BE49-F238E27FC236}">
-                <a16:creationId xmlns:a16="http://schemas.microsoft.com/office/drawing/2014/main" xmlns="" id="{DFCE669F-B98A-49D5-9CD8-578BB88718CC}"/>
+                <a16:creationId xmlns="" xmlns:a16="http://schemas.microsoft.com/office/drawing/2014/main" id="{DFCE669F-B98A-49D5-9CD8-578BB88718CC}"/>
               </a:ext>
             </a:extLst>
           </p:cNvPr>
@@ -8593,7 +8704,7 @@
           <p:cNvPr id="2" name="図 1">
             <a:extLst>
               <a:ext uri="{FF2B5EF4-FFF2-40B4-BE49-F238E27FC236}">
-                <a16:creationId xmlns:a16="http://schemas.microsoft.com/office/drawing/2014/main" xmlns="" id="{FACDA18E-C9A9-4595-A67B-3D09A78991DE}"/>
+                <a16:creationId xmlns="" xmlns:a16="http://schemas.microsoft.com/office/drawing/2014/main" id="{FACDA18E-C9A9-4595-A67B-3D09A78991DE}"/>
               </a:ext>
             </a:extLst>
           </p:cNvPr>
@@ -8732,8 +8843,8 @@
         </p:nvSpPr>
         <p:spPr>
           <a:xfrm>
-            <a:off x="7853832" y="3219030"/>
-            <a:ext cx="4203700" cy="1056904"/>
+            <a:off x="7853831" y="3165767"/>
+            <a:ext cx="4203700" cy="1323452"/>
           </a:xfrm>
           <a:prstGeom prst="wedgeRectCallout">
             <a:avLst>
@@ -8819,7 +8930,27 @@
                 <a:latin typeface="チェックポイント．（ピリオド）" panose="02000600000000000000" pitchFamily="50" charset="-128"/>
                 <a:ea typeface="チェックポイント．（ピリオド）" panose="02000600000000000000" pitchFamily="50" charset="-128"/>
               </a:rPr>
-              <a:t>次のレベルアップまでの条件が</a:t>
+              <a:t>次の</a:t>
+            </a:r>
+            <a:r>
+              <a:rPr kumimoji="1" lang="ja-JP" altLang="en-US" dirty="0">
+                <a:solidFill>
+                  <a:srgbClr val="FF0000"/>
+                </a:solidFill>
+                <a:latin typeface="チェックポイント．（ピリオド）" panose="02000600000000000000" pitchFamily="50" charset="-128"/>
+                <a:ea typeface="チェックポイント．（ピリオド）" panose="02000600000000000000" pitchFamily="50" charset="-128"/>
+              </a:rPr>
+              <a:t>レベルアップまでの条件</a:t>
+            </a:r>
+            <a:r>
+              <a:rPr kumimoji="1" lang="ja-JP" altLang="en-US" dirty="0">
+                <a:solidFill>
+                  <a:schemeClr val="tx1"/>
+                </a:solidFill>
+                <a:latin typeface="チェックポイント．（ピリオド）" panose="02000600000000000000" pitchFamily="50" charset="-128"/>
+                <a:ea typeface="チェックポイント．（ピリオド）" panose="02000600000000000000" pitchFamily="50" charset="-128"/>
+              </a:rPr>
+              <a:t>が</a:t>
             </a:r>
             <a:endParaRPr kumimoji="1" lang="en-US" altLang="ja-JP" dirty="0">
               <a:solidFill>
@@ -8944,12 +9075,22 @@
             <a:r>
               <a:rPr lang="ja-JP" altLang="en-US" dirty="0">
                 <a:solidFill>
+                  <a:srgbClr val="FF0000"/>
+                </a:solidFill>
+                <a:latin typeface="チェックポイント．（ピリオド）" panose="02000600000000000000" pitchFamily="50" charset="-128"/>
+                <a:ea typeface="チェックポイント．（ピリオド）" panose="02000600000000000000" pitchFamily="50" charset="-128"/>
+              </a:rPr>
+              <a:t>コアを装備</a:t>
+            </a:r>
+            <a:r>
+              <a:rPr lang="ja-JP" altLang="en-US" dirty="0">
+                <a:solidFill>
                   <a:schemeClr val="tx1"/>
                 </a:solidFill>
                 <a:latin typeface="チェックポイント．（ピリオド）" panose="02000600000000000000" pitchFamily="50" charset="-128"/>
                 <a:ea typeface="チェックポイント．（ピリオド）" panose="02000600000000000000" pitchFamily="50" charset="-128"/>
               </a:rPr>
-              <a:t>コアを装備することなどできる</a:t>
+              <a:t>することなどできる</a:t>
             </a:r>
             <a:endParaRPr kumimoji="1" lang="ja-JP" altLang="en-US" dirty="0">
               <a:solidFill>
@@ -9056,7 +9197,27 @@
                 <a:latin typeface="チェックポイント．（ピリオド）" panose="02000600000000000000" pitchFamily="50" charset="-128"/>
                 <a:ea typeface="チェックポイント．（ピリオド）" panose="02000600000000000000" pitchFamily="50" charset="-128"/>
               </a:rPr>
-              <a:t>ミサイルのリキャストタイムが早くなったりポッドの耐久力が上がる</a:t>
+              <a:t>ミサイルのリキャストタイムが早くなったりポッドの</a:t>
+            </a:r>
+            <a:r>
+              <a:rPr lang="ja-JP" altLang="en-US" dirty="0">
+                <a:solidFill>
+                  <a:srgbClr val="FF0000"/>
+                </a:solidFill>
+                <a:latin typeface="チェックポイント．（ピリオド）" panose="02000600000000000000" pitchFamily="50" charset="-128"/>
+                <a:ea typeface="チェックポイント．（ピリオド）" panose="02000600000000000000" pitchFamily="50" charset="-128"/>
+              </a:rPr>
+              <a:t>耐久力</a:t>
+            </a:r>
+            <a:r>
+              <a:rPr lang="ja-JP" altLang="en-US" dirty="0">
+                <a:solidFill>
+                  <a:schemeClr val="tx1"/>
+                </a:solidFill>
+                <a:latin typeface="チェックポイント．（ピリオド）" panose="02000600000000000000" pitchFamily="50" charset="-128"/>
+                <a:ea typeface="チェックポイント．（ピリオド）" panose="02000600000000000000" pitchFamily="50" charset="-128"/>
+              </a:rPr>
+              <a:t>が上がる</a:t>
             </a:r>
             <a:endParaRPr kumimoji="1" lang="ja-JP" altLang="en-US" dirty="0">
               <a:solidFill>
@@ -9112,7 +9273,7 @@
           <p:cNvPr id="10" name="正方形/長方形 9">
             <a:extLst>
               <a:ext uri="{FF2B5EF4-FFF2-40B4-BE49-F238E27FC236}">
-                <a16:creationId xmlns:a16="http://schemas.microsoft.com/office/drawing/2014/main" xmlns="" id="{6FFE011D-710D-4A4F-9825-141048483DC9}"/>
+                <a16:creationId xmlns="" xmlns:a16="http://schemas.microsoft.com/office/drawing/2014/main" id="{6FFE011D-710D-4A4F-9825-141048483DC9}"/>
               </a:ext>
             </a:extLst>
           </p:cNvPr>
@@ -9164,7 +9325,7 @@
           <p:cNvPr id="11" name="正方形/長方形 10">
             <a:extLst>
               <a:ext uri="{FF2B5EF4-FFF2-40B4-BE49-F238E27FC236}">
-                <a16:creationId xmlns:a16="http://schemas.microsoft.com/office/drawing/2014/main" xmlns="" id="{E20945F6-E8A3-4843-8AA8-C3CA375AAF01}"/>
+                <a16:creationId xmlns="" xmlns:a16="http://schemas.microsoft.com/office/drawing/2014/main" id="{E20945F6-E8A3-4843-8AA8-C3CA375AAF01}"/>
               </a:ext>
             </a:extLst>
           </p:cNvPr>
@@ -9216,7 +9377,7 @@
           <p:cNvPr id="12" name="正方形/長方形 11">
             <a:extLst>
               <a:ext uri="{FF2B5EF4-FFF2-40B4-BE49-F238E27FC236}">
-                <a16:creationId xmlns:a16="http://schemas.microsoft.com/office/drawing/2014/main" xmlns="" id="{7A027602-FE49-443B-B979-695A16DF3603}"/>
+                <a16:creationId xmlns="" xmlns:a16="http://schemas.microsoft.com/office/drawing/2014/main" id="{7A027602-FE49-443B-B979-695A16DF3603}"/>
               </a:ext>
             </a:extLst>
           </p:cNvPr>
@@ -9268,7 +9429,7 @@
           <p:cNvPr id="13" name="正方形/長方形 12">
             <a:extLst>
               <a:ext uri="{FF2B5EF4-FFF2-40B4-BE49-F238E27FC236}">
-                <a16:creationId xmlns:a16="http://schemas.microsoft.com/office/drawing/2014/main" xmlns="" id="{6D5653B2-A431-4E41-A84C-D2D0A59D8FFF}"/>
+                <a16:creationId xmlns="" xmlns:a16="http://schemas.microsoft.com/office/drawing/2014/main" id="{6D5653B2-A431-4E41-A84C-D2D0A59D8FFF}"/>
               </a:ext>
             </a:extLst>
           </p:cNvPr>
@@ -9320,7 +9481,7 @@
           <p:cNvPr id="15" name="正方形/長方形 14">
             <a:extLst>
               <a:ext uri="{FF2B5EF4-FFF2-40B4-BE49-F238E27FC236}">
-                <a16:creationId xmlns:a16="http://schemas.microsoft.com/office/drawing/2014/main" xmlns="" id="{E0E6CB0D-AD4F-4358-8DF1-ECAD7B65F9F5}"/>
+                <a16:creationId xmlns="" xmlns:a16="http://schemas.microsoft.com/office/drawing/2014/main" id="{E0E6CB0D-AD4F-4358-8DF1-ECAD7B65F9F5}"/>
               </a:ext>
             </a:extLst>
           </p:cNvPr>
@@ -9372,7 +9533,7 @@
           <p:cNvPr id="16" name="四角形吹き出し 4">
             <a:extLst>
               <a:ext uri="{FF2B5EF4-FFF2-40B4-BE49-F238E27FC236}">
-                <a16:creationId xmlns:a16="http://schemas.microsoft.com/office/drawing/2014/main" xmlns="" id="{63DDAF72-AE4E-4AAC-AC6F-2CCD1ADC7265}"/>
+                <a16:creationId xmlns="" xmlns:a16="http://schemas.microsoft.com/office/drawing/2014/main" id="{63DDAF72-AE4E-4AAC-AC6F-2CCD1ADC7265}"/>
               </a:ext>
             </a:extLst>
           </p:cNvPr>
@@ -9468,7 +9629,7 @@
           <p:cNvPr id="2" name="図 1">
             <a:extLst>
               <a:ext uri="{FF2B5EF4-FFF2-40B4-BE49-F238E27FC236}">
-                <a16:creationId xmlns:a16="http://schemas.microsoft.com/office/drawing/2014/main" xmlns="" id="{6D8FB80E-219E-48B7-8A76-83136658BD39}"/>
+                <a16:creationId xmlns="" xmlns:a16="http://schemas.microsoft.com/office/drawing/2014/main" id="{6D8FB80E-219E-48B7-8A76-83136658BD39}"/>
               </a:ext>
             </a:extLst>
           </p:cNvPr>
@@ -9870,7 +10031,7 @@
           <p:cNvPr id="8" name="正方形/長方形 7">
             <a:extLst>
               <a:ext uri="{FF2B5EF4-FFF2-40B4-BE49-F238E27FC236}">
-                <a16:creationId xmlns:a16="http://schemas.microsoft.com/office/drawing/2014/main" xmlns="" id="{F7BE2C32-C21E-4467-87D2-8052D2B5FDA7}"/>
+                <a16:creationId xmlns="" xmlns:a16="http://schemas.microsoft.com/office/drawing/2014/main" id="{F7BE2C32-C21E-4467-87D2-8052D2B5FDA7}"/>
               </a:ext>
             </a:extLst>
           </p:cNvPr>
@@ -9922,7 +10083,7 @@
           <p:cNvPr id="12" name="正方形/長方形 11">
             <a:extLst>
               <a:ext uri="{FF2B5EF4-FFF2-40B4-BE49-F238E27FC236}">
-                <a16:creationId xmlns:a16="http://schemas.microsoft.com/office/drawing/2014/main" xmlns="" id="{40ABF9C2-DF54-4877-A01A-A46FE482F6B4}"/>
+                <a16:creationId xmlns="" xmlns:a16="http://schemas.microsoft.com/office/drawing/2014/main" id="{40ABF9C2-DF54-4877-A01A-A46FE482F6B4}"/>
               </a:ext>
             </a:extLst>
           </p:cNvPr>
@@ -9974,7 +10135,7 @@
           <p:cNvPr id="14" name="正方形/長方形 13">
             <a:extLst>
               <a:ext uri="{FF2B5EF4-FFF2-40B4-BE49-F238E27FC236}">
-                <a16:creationId xmlns:a16="http://schemas.microsoft.com/office/drawing/2014/main" xmlns="" id="{04C836FE-EE43-45CD-B4BE-F7E0ABEE0088}"/>
+                <a16:creationId xmlns="" xmlns:a16="http://schemas.microsoft.com/office/drawing/2014/main" id="{04C836FE-EE43-45CD-B4BE-F7E0ABEE0088}"/>
               </a:ext>
             </a:extLst>
           </p:cNvPr>
@@ -10026,7 +10187,7 @@
           <p:cNvPr id="16" name="吹き出し: 四角形 15">
             <a:extLst>
               <a:ext uri="{FF2B5EF4-FFF2-40B4-BE49-F238E27FC236}">
-                <a16:creationId xmlns:a16="http://schemas.microsoft.com/office/drawing/2014/main" xmlns="" id="{3ECE61CD-6BC4-463C-897C-903CC3F098F0}"/>
+                <a16:creationId xmlns="" xmlns:a16="http://schemas.microsoft.com/office/drawing/2014/main" id="{3ECE61CD-6BC4-463C-897C-903CC3F098F0}"/>
               </a:ext>
             </a:extLst>
           </p:cNvPr>
@@ -10122,7 +10283,7 @@
           <p:cNvPr id="5" name="図 4">
             <a:extLst>
               <a:ext uri="{FF2B5EF4-FFF2-40B4-BE49-F238E27FC236}">
-                <a16:creationId xmlns:a16="http://schemas.microsoft.com/office/drawing/2014/main" xmlns="" id="{165CE0B9-374D-46A3-97C1-E7AFAFB5DEDF}"/>
+                <a16:creationId xmlns="" xmlns:a16="http://schemas.microsoft.com/office/drawing/2014/main" id="{165CE0B9-374D-46A3-97C1-E7AFAFB5DEDF}"/>
               </a:ext>
             </a:extLst>
           </p:cNvPr>
@@ -10157,7 +10318,7 @@
           <p:cNvPr id="6" name="テキスト ボックス 5">
             <a:extLst>
               <a:ext uri="{FF2B5EF4-FFF2-40B4-BE49-F238E27FC236}">
-                <a16:creationId xmlns:a16="http://schemas.microsoft.com/office/drawing/2014/main" xmlns="" id="{EEBBDC81-60E0-49FD-9EFB-874F038CCD29}"/>
+                <a16:creationId xmlns="" xmlns:a16="http://schemas.microsoft.com/office/drawing/2014/main" id="{EEBBDC81-60E0-49FD-9EFB-874F038CCD29}"/>
               </a:ext>
             </a:extLst>
           </p:cNvPr>
@@ -10209,7 +10370,7 @@
           <p:cNvPr id="12" name="グループ化 11">
             <a:extLst>
               <a:ext uri="{FF2B5EF4-FFF2-40B4-BE49-F238E27FC236}">
-                <a16:creationId xmlns:a16="http://schemas.microsoft.com/office/drawing/2014/main" xmlns="" id="{797C4648-EAB3-4303-9BBE-4050E32CDCAC}"/>
+                <a16:creationId xmlns="" xmlns:a16="http://schemas.microsoft.com/office/drawing/2014/main" id="{797C4648-EAB3-4303-9BBE-4050E32CDCAC}"/>
               </a:ext>
             </a:extLst>
           </p:cNvPr>
@@ -10229,7 +10390,7 @@
             <p:cNvPr id="8" name="テキスト ボックス 7">
               <a:extLst>
                 <a:ext uri="{FF2B5EF4-FFF2-40B4-BE49-F238E27FC236}">
-                  <a16:creationId xmlns:a16="http://schemas.microsoft.com/office/drawing/2014/main" xmlns="" id="{732F859C-017C-4DF8-8D5C-BAFB7C322941}"/>
+                  <a16:creationId xmlns="" xmlns:a16="http://schemas.microsoft.com/office/drawing/2014/main" id="{732F859C-017C-4DF8-8D5C-BAFB7C322941}"/>
                 </a:ext>
               </a:extLst>
             </p:cNvPr>
@@ -10270,7 +10431,7 @@
             <p:cNvPr id="9" name="テキスト ボックス 8">
               <a:extLst>
                 <a:ext uri="{FF2B5EF4-FFF2-40B4-BE49-F238E27FC236}">
-                  <a16:creationId xmlns:a16="http://schemas.microsoft.com/office/drawing/2014/main" xmlns="" id="{8712CBD0-DD3F-4A86-9652-7FFA75AD120B}"/>
+                  <a16:creationId xmlns="" xmlns:a16="http://schemas.microsoft.com/office/drawing/2014/main" id="{8712CBD0-DD3F-4A86-9652-7FFA75AD120B}"/>
                 </a:ext>
               </a:extLst>
             </p:cNvPr>
@@ -10318,7 +10479,24 @@
                   <a:latin typeface="チェックポイント．（ピリオド）" panose="02000600000000000000" pitchFamily="50" charset="-128"/>
                   <a:ea typeface="チェックポイント．（ピリオド）" panose="02000600000000000000" pitchFamily="50" charset="-128"/>
                 </a:rPr>
-                <a:t>コアは四種類あり各属性のレベルを上げて戦闘を有利に進めてください。</a:t>
+                <a:t>コアは</a:t>
+              </a:r>
+              <a:r>
+                <a:rPr lang="ja-JP" altLang="en-US" dirty="0">
+                  <a:solidFill>
+                    <a:srgbClr val="FF0000"/>
+                  </a:solidFill>
+                  <a:latin typeface="チェックポイント．（ピリオド）" panose="02000600000000000000" pitchFamily="50" charset="-128"/>
+                  <a:ea typeface="チェックポイント．（ピリオド）" panose="02000600000000000000" pitchFamily="50" charset="-128"/>
+                </a:rPr>
+                <a:t>四種類</a:t>
+              </a:r>
+              <a:r>
+                <a:rPr lang="ja-JP" altLang="en-US" dirty="0">
+                  <a:latin typeface="チェックポイント．（ピリオド）" panose="02000600000000000000" pitchFamily="50" charset="-128"/>
+                  <a:ea typeface="チェックポイント．（ピリオド）" panose="02000600000000000000" pitchFamily="50" charset="-128"/>
+                </a:rPr>
+                <a:t>あり各属性のレベルを上げて戦闘を有利に進めてください。</a:t>
               </a:r>
               <a:endParaRPr kumimoji="1" lang="ja-JP" altLang="en-US" dirty="0">
                 <a:latin typeface="チェックポイント．（ピリオド）" panose="02000600000000000000" pitchFamily="50" charset="-128"/>
@@ -10333,7 +10511,7 @@
           <p:cNvPr id="13" name="グループ化 12">
             <a:extLst>
               <a:ext uri="{FF2B5EF4-FFF2-40B4-BE49-F238E27FC236}">
-                <a16:creationId xmlns:a16="http://schemas.microsoft.com/office/drawing/2014/main" xmlns="" id="{DED0F105-29CA-4D82-BF68-6B4A196F19AA}"/>
+                <a16:creationId xmlns="" xmlns:a16="http://schemas.microsoft.com/office/drawing/2014/main" id="{DED0F105-29CA-4D82-BF68-6B4A196F19AA}"/>
               </a:ext>
             </a:extLst>
           </p:cNvPr>
@@ -10353,7 +10531,7 @@
             <p:cNvPr id="7" name="テキスト ボックス 6">
               <a:extLst>
                 <a:ext uri="{FF2B5EF4-FFF2-40B4-BE49-F238E27FC236}">
-                  <a16:creationId xmlns:a16="http://schemas.microsoft.com/office/drawing/2014/main" xmlns="" id="{54618E3D-3C8D-4D29-8362-5B6918855191}"/>
+                  <a16:creationId xmlns="" xmlns:a16="http://schemas.microsoft.com/office/drawing/2014/main" id="{54618E3D-3C8D-4D29-8362-5B6918855191}"/>
                 </a:ext>
               </a:extLst>
             </p:cNvPr>
@@ -10394,7 +10572,7 @@
             <p:cNvPr id="11" name="テキスト ボックス 10">
               <a:extLst>
                 <a:ext uri="{FF2B5EF4-FFF2-40B4-BE49-F238E27FC236}">
-                  <a16:creationId xmlns:a16="http://schemas.microsoft.com/office/drawing/2014/main" xmlns="" id="{6825228E-EBCE-401A-B0BC-7661792A6F00}"/>
+                  <a16:creationId xmlns="" xmlns:a16="http://schemas.microsoft.com/office/drawing/2014/main" id="{6825228E-EBCE-401A-B0BC-7661792A6F00}"/>
                 </a:ext>
               </a:extLst>
             </p:cNvPr>
@@ -10536,7 +10714,7 @@
           <p:cNvPr id="5" name="テキスト ボックス 4">
             <a:extLst>
               <a:ext uri="{FF2B5EF4-FFF2-40B4-BE49-F238E27FC236}">
-                <a16:creationId xmlns:a16="http://schemas.microsoft.com/office/drawing/2014/main" xmlns="" id="{3EEDA683-E7C7-4A3A-9045-88BF1220584E}"/>
+                <a16:creationId xmlns="" xmlns:a16="http://schemas.microsoft.com/office/drawing/2014/main" id="{3EEDA683-E7C7-4A3A-9045-88BF1220584E}"/>
               </a:ext>
             </a:extLst>
           </p:cNvPr>
@@ -10588,7 +10766,7 @@
           <p:cNvPr id="6" name="テキスト ボックス 5">
             <a:extLst>
               <a:ext uri="{FF2B5EF4-FFF2-40B4-BE49-F238E27FC236}">
-                <a16:creationId xmlns:a16="http://schemas.microsoft.com/office/drawing/2014/main" xmlns="" id="{C9FCE914-94E5-4B3F-B2D2-96FDE0E6E9D8}"/>
+                <a16:creationId xmlns="" xmlns:a16="http://schemas.microsoft.com/office/drawing/2014/main" id="{C9FCE914-94E5-4B3F-B2D2-96FDE0E6E9D8}"/>
               </a:ext>
             </a:extLst>
           </p:cNvPr>
@@ -10629,7 +10807,7 @@
           <p:cNvPr id="7" name="テキスト ボックス 6">
             <a:extLst>
               <a:ext uri="{FF2B5EF4-FFF2-40B4-BE49-F238E27FC236}">
-                <a16:creationId xmlns:a16="http://schemas.microsoft.com/office/drawing/2014/main" xmlns="" id="{1A509F0D-124D-47C4-B5CD-4B9B8064082C}"/>
+                <a16:creationId xmlns="" xmlns:a16="http://schemas.microsoft.com/office/drawing/2014/main" id="{1A509F0D-124D-47C4-B5CD-4B9B8064082C}"/>
               </a:ext>
             </a:extLst>
           </p:cNvPr>
@@ -10680,7 +10858,7 @@
           <p:cNvPr id="8" name="テキスト ボックス 7">
             <a:extLst>
               <a:ext uri="{FF2B5EF4-FFF2-40B4-BE49-F238E27FC236}">
-                <a16:creationId xmlns:a16="http://schemas.microsoft.com/office/drawing/2014/main" xmlns="" id="{5F463387-8D23-460A-80ED-50E81FAAF3D9}"/>
+                <a16:creationId xmlns="" xmlns:a16="http://schemas.microsoft.com/office/drawing/2014/main" id="{5F463387-8D23-460A-80ED-50E81FAAF3D9}"/>
               </a:ext>
             </a:extLst>
           </p:cNvPr>
@@ -10741,7 +10919,7 @@
           <p:cNvPr id="9" name="テキスト ボックス 8">
             <a:extLst>
               <a:ext uri="{FF2B5EF4-FFF2-40B4-BE49-F238E27FC236}">
-                <a16:creationId xmlns:a16="http://schemas.microsoft.com/office/drawing/2014/main" xmlns="" id="{3E1D3977-A1EE-4011-94E0-9B60C81CA553}"/>
+                <a16:creationId xmlns="" xmlns:a16="http://schemas.microsoft.com/office/drawing/2014/main" id="{3E1D3977-A1EE-4011-94E0-9B60C81CA553}"/>
               </a:ext>
             </a:extLst>
           </p:cNvPr>
@@ -10830,7 +11008,7 @@
           <p:cNvPr id="41" name="グループ化 40">
             <a:extLst>
               <a:ext uri="{FF2B5EF4-FFF2-40B4-BE49-F238E27FC236}">
-                <a16:creationId xmlns:a16="http://schemas.microsoft.com/office/drawing/2014/main" xmlns="" id="{C42471E9-CEF7-4DD0-B2B9-A37027252951}"/>
+                <a16:creationId xmlns="" xmlns:a16="http://schemas.microsoft.com/office/drawing/2014/main" id="{C42471E9-CEF7-4DD0-B2B9-A37027252951}"/>
               </a:ext>
             </a:extLst>
           </p:cNvPr>
@@ -10850,7 +11028,7 @@
             <p:cNvPr id="22" name="グループ化 21">
               <a:extLst>
                 <a:ext uri="{FF2B5EF4-FFF2-40B4-BE49-F238E27FC236}">
-                  <a16:creationId xmlns:a16="http://schemas.microsoft.com/office/drawing/2014/main" xmlns="" id="{7D6E456E-2E26-4492-9279-169842641548}"/>
+                  <a16:creationId xmlns="" xmlns:a16="http://schemas.microsoft.com/office/drawing/2014/main" id="{7D6E456E-2E26-4492-9279-169842641548}"/>
                 </a:ext>
               </a:extLst>
             </p:cNvPr>
@@ -10870,7 +11048,7 @@
               <p:cNvPr id="11" name="図 10" descr="物体 が含まれている画像&#10;&#10;自動的に生成された説明">
                 <a:extLst>
                   <a:ext uri="{FF2B5EF4-FFF2-40B4-BE49-F238E27FC236}">
-                    <a16:creationId xmlns:a16="http://schemas.microsoft.com/office/drawing/2014/main" xmlns="" id="{9E2F2156-5A3C-4670-A7BB-42FF8EF7E4F0}"/>
+                    <a16:creationId xmlns="" xmlns:a16="http://schemas.microsoft.com/office/drawing/2014/main" id="{9E2F2156-5A3C-4670-A7BB-42FF8EF7E4F0}"/>
                   </a:ext>
                 </a:extLst>
               </p:cNvPr>
@@ -10906,7 +11084,7 @@
               <p:cNvPr id="18" name="テキスト ボックス 17">
                 <a:extLst>
                   <a:ext uri="{FF2B5EF4-FFF2-40B4-BE49-F238E27FC236}">
-                    <a16:creationId xmlns:a16="http://schemas.microsoft.com/office/drawing/2014/main" xmlns="" id="{85DB17C7-0CA8-4460-8B6A-1BBCF3C5CA75}"/>
+                    <a16:creationId xmlns="" xmlns:a16="http://schemas.microsoft.com/office/drawing/2014/main" id="{85DB17C7-0CA8-4460-8B6A-1BBCF3C5CA75}"/>
                   </a:ext>
                 </a:extLst>
               </p:cNvPr>
@@ -10945,7 +11123,7 @@
             <p:cNvPr id="23" name="グループ化 22">
               <a:extLst>
                 <a:ext uri="{FF2B5EF4-FFF2-40B4-BE49-F238E27FC236}">
-                  <a16:creationId xmlns:a16="http://schemas.microsoft.com/office/drawing/2014/main" xmlns="" id="{8FA97864-B0AC-4C37-AB57-3F511EE9B20A}"/>
+                  <a16:creationId xmlns="" xmlns:a16="http://schemas.microsoft.com/office/drawing/2014/main" id="{8FA97864-B0AC-4C37-AB57-3F511EE9B20A}"/>
                 </a:ext>
               </a:extLst>
             </p:cNvPr>
@@ -10965,7 +11143,7 @@
               <p:cNvPr id="13" name="図 12" descr="物体 が含まれている画像&#10;&#10;自動的に生成された説明">
                 <a:extLst>
                   <a:ext uri="{FF2B5EF4-FFF2-40B4-BE49-F238E27FC236}">
-                    <a16:creationId xmlns:a16="http://schemas.microsoft.com/office/drawing/2014/main" xmlns="" id="{539F0BC8-41E3-4ADD-9459-BE0E2D7ABA27}"/>
+                    <a16:creationId xmlns="" xmlns:a16="http://schemas.microsoft.com/office/drawing/2014/main" id="{539F0BC8-41E3-4ADD-9459-BE0E2D7ABA27}"/>
                   </a:ext>
                 </a:extLst>
               </p:cNvPr>
@@ -11001,7 +11179,7 @@
               <p:cNvPr id="19" name="テキスト ボックス 18">
                 <a:extLst>
                   <a:ext uri="{FF2B5EF4-FFF2-40B4-BE49-F238E27FC236}">
-                    <a16:creationId xmlns:a16="http://schemas.microsoft.com/office/drawing/2014/main" xmlns="" id="{9D08D78F-597A-41C6-9E61-E721135C20D1}"/>
+                    <a16:creationId xmlns="" xmlns:a16="http://schemas.microsoft.com/office/drawing/2014/main" id="{9D08D78F-597A-41C6-9E61-E721135C20D1}"/>
                   </a:ext>
                 </a:extLst>
               </p:cNvPr>
@@ -11040,7 +11218,7 @@
             <p:cNvPr id="25" name="グループ化 24">
               <a:extLst>
                 <a:ext uri="{FF2B5EF4-FFF2-40B4-BE49-F238E27FC236}">
-                  <a16:creationId xmlns:a16="http://schemas.microsoft.com/office/drawing/2014/main" xmlns="" id="{8F6624A7-F895-493A-8055-873B48C8C19C}"/>
+                  <a16:creationId xmlns="" xmlns:a16="http://schemas.microsoft.com/office/drawing/2014/main" id="{8F6624A7-F895-493A-8055-873B48C8C19C}"/>
                 </a:ext>
               </a:extLst>
             </p:cNvPr>
@@ -11060,7 +11238,7 @@
               <p:cNvPr id="15" name="図 14" descr="物体, 腕時計 が含まれている画像&#10;&#10;自動的に生成された説明">
                 <a:extLst>
                   <a:ext uri="{FF2B5EF4-FFF2-40B4-BE49-F238E27FC236}">
-                    <a16:creationId xmlns:a16="http://schemas.microsoft.com/office/drawing/2014/main" xmlns="" id="{53299244-26D0-4173-ACC6-BD241C768849}"/>
+                    <a16:creationId xmlns="" xmlns:a16="http://schemas.microsoft.com/office/drawing/2014/main" id="{53299244-26D0-4173-ACC6-BD241C768849}"/>
                   </a:ext>
                 </a:extLst>
               </p:cNvPr>
@@ -11096,7 +11274,7 @@
               <p:cNvPr id="20" name="テキスト ボックス 19">
                 <a:extLst>
                   <a:ext uri="{FF2B5EF4-FFF2-40B4-BE49-F238E27FC236}">
-                    <a16:creationId xmlns:a16="http://schemas.microsoft.com/office/drawing/2014/main" xmlns="" id="{BF9D5B9B-9876-443A-BE29-B4828D0A5D74}"/>
+                    <a16:creationId xmlns="" xmlns:a16="http://schemas.microsoft.com/office/drawing/2014/main" id="{BF9D5B9B-9876-443A-BE29-B4828D0A5D74}"/>
                   </a:ext>
                 </a:extLst>
               </p:cNvPr>
@@ -11135,7 +11313,7 @@
             <p:cNvPr id="26" name="グループ化 25">
               <a:extLst>
                 <a:ext uri="{FF2B5EF4-FFF2-40B4-BE49-F238E27FC236}">
-                  <a16:creationId xmlns:a16="http://schemas.microsoft.com/office/drawing/2014/main" xmlns="" id="{D317981A-38A9-4594-9159-8C77F7F6D8B4}"/>
+                  <a16:creationId xmlns="" xmlns:a16="http://schemas.microsoft.com/office/drawing/2014/main" id="{D317981A-38A9-4594-9159-8C77F7F6D8B4}"/>
                 </a:ext>
               </a:extLst>
             </p:cNvPr>
@@ -11155,7 +11333,7 @@
               <p:cNvPr id="17" name="図 16" descr="物体 が含まれている画像&#10;&#10;自動的に生成された説明">
                 <a:extLst>
                   <a:ext uri="{FF2B5EF4-FFF2-40B4-BE49-F238E27FC236}">
-                    <a16:creationId xmlns:a16="http://schemas.microsoft.com/office/drawing/2014/main" xmlns="" id="{93CD3867-4A7C-4138-9F28-8B9071FCE1AF}"/>
+                    <a16:creationId xmlns="" xmlns:a16="http://schemas.microsoft.com/office/drawing/2014/main" id="{93CD3867-4A7C-4138-9F28-8B9071FCE1AF}"/>
                   </a:ext>
                 </a:extLst>
               </p:cNvPr>
@@ -11191,7 +11369,7 @@
               <p:cNvPr id="21" name="テキスト ボックス 20">
                 <a:extLst>
                   <a:ext uri="{FF2B5EF4-FFF2-40B4-BE49-F238E27FC236}">
-                    <a16:creationId xmlns:a16="http://schemas.microsoft.com/office/drawing/2014/main" xmlns="" id="{C3C71671-55D6-4E40-BC27-288FCF91D2BB}"/>
+                    <a16:creationId xmlns="" xmlns:a16="http://schemas.microsoft.com/office/drawing/2014/main" id="{C3C71671-55D6-4E40-BC27-288FCF91D2BB}"/>
                   </a:ext>
                 </a:extLst>
               </p:cNvPr>
@@ -11234,7 +11412,7 @@
             <p:cNvPr id="28" name="直線矢印コネクタ 27">
               <a:extLst>
                 <a:ext uri="{FF2B5EF4-FFF2-40B4-BE49-F238E27FC236}">
-                  <a16:creationId xmlns:a16="http://schemas.microsoft.com/office/drawing/2014/main" xmlns="" id="{A84A16DD-57C4-4761-A446-249187106E51}"/>
+                  <a16:creationId xmlns="" xmlns:a16="http://schemas.microsoft.com/office/drawing/2014/main" id="{A84A16DD-57C4-4761-A446-249187106E51}"/>
                 </a:ext>
               </a:extLst>
             </p:cNvPr>
@@ -11278,7 +11456,7 @@
             <p:cNvPr id="29" name="直線矢印コネクタ 28">
               <a:extLst>
                 <a:ext uri="{FF2B5EF4-FFF2-40B4-BE49-F238E27FC236}">
-                  <a16:creationId xmlns:a16="http://schemas.microsoft.com/office/drawing/2014/main" xmlns="" id="{CE867472-33BD-4771-A53A-412FDCEAB859}"/>
+                  <a16:creationId xmlns="" xmlns:a16="http://schemas.microsoft.com/office/drawing/2014/main" id="{CE867472-33BD-4771-A53A-412FDCEAB859}"/>
                 </a:ext>
               </a:extLst>
             </p:cNvPr>
@@ -11322,7 +11500,7 @@
             <p:cNvPr id="32" name="直線矢印コネクタ 31">
               <a:extLst>
                 <a:ext uri="{FF2B5EF4-FFF2-40B4-BE49-F238E27FC236}">
-                  <a16:creationId xmlns:a16="http://schemas.microsoft.com/office/drawing/2014/main" xmlns="" id="{2F760955-CE29-4903-BDF0-C0EF1A34CD6F}"/>
+                  <a16:creationId xmlns="" xmlns:a16="http://schemas.microsoft.com/office/drawing/2014/main" id="{2F760955-CE29-4903-BDF0-C0EF1A34CD6F}"/>
                 </a:ext>
               </a:extLst>
             </p:cNvPr>
@@ -11366,7 +11544,7 @@
             <p:cNvPr id="33" name="直線矢印コネクタ 32">
               <a:extLst>
                 <a:ext uri="{FF2B5EF4-FFF2-40B4-BE49-F238E27FC236}">
-                  <a16:creationId xmlns:a16="http://schemas.microsoft.com/office/drawing/2014/main" xmlns="" id="{96E14F16-9B67-48C7-9985-746717E7D2CE}"/>
+                  <a16:creationId xmlns="" xmlns:a16="http://schemas.microsoft.com/office/drawing/2014/main" id="{96E14F16-9B67-48C7-9985-746717E7D2CE}"/>
                 </a:ext>
               </a:extLst>
             </p:cNvPr>
@@ -11410,7 +11588,7 @@
             <p:cNvPr id="34" name="正方形/長方形 33">
               <a:extLst>
                 <a:ext uri="{FF2B5EF4-FFF2-40B4-BE49-F238E27FC236}">
-                  <a16:creationId xmlns:a16="http://schemas.microsoft.com/office/drawing/2014/main" xmlns="" id="{6ADAFCEE-C028-416D-B257-90B41E02042A}"/>
+                  <a16:creationId xmlns="" xmlns:a16="http://schemas.microsoft.com/office/drawing/2014/main" id="{6ADAFCEE-C028-416D-B257-90B41E02042A}"/>
                 </a:ext>
               </a:extLst>
             </p:cNvPr>
@@ -11465,7 +11643,7 @@
             <p:cNvPr id="35" name="直線矢印コネクタ 34">
               <a:extLst>
                 <a:ext uri="{FF2B5EF4-FFF2-40B4-BE49-F238E27FC236}">
-                  <a16:creationId xmlns:a16="http://schemas.microsoft.com/office/drawing/2014/main" xmlns="" id="{A2A6B62C-1E0E-432C-9BEC-393C34A1C94C}"/>
+                  <a16:creationId xmlns="" xmlns:a16="http://schemas.microsoft.com/office/drawing/2014/main" id="{A2A6B62C-1E0E-432C-9BEC-393C34A1C94C}"/>
                 </a:ext>
               </a:extLst>
             </p:cNvPr>
@@ -11510,7 +11688,7 @@
           <p:cNvPr id="44" name="グループ化 43">
             <a:extLst>
               <a:ext uri="{FF2B5EF4-FFF2-40B4-BE49-F238E27FC236}">
-                <a16:creationId xmlns:a16="http://schemas.microsoft.com/office/drawing/2014/main" xmlns="" id="{7EEE5686-B5B9-4B20-8993-381AFDACF9AB}"/>
+                <a16:creationId xmlns="" xmlns:a16="http://schemas.microsoft.com/office/drawing/2014/main" id="{7EEE5686-B5B9-4B20-8993-381AFDACF9AB}"/>
               </a:ext>
             </a:extLst>
           </p:cNvPr>
@@ -11530,7 +11708,7 @@
             <p:cNvPr id="40" name="グループ化 39">
               <a:extLst>
                 <a:ext uri="{FF2B5EF4-FFF2-40B4-BE49-F238E27FC236}">
-                  <a16:creationId xmlns:a16="http://schemas.microsoft.com/office/drawing/2014/main" xmlns="" id="{80B432E5-1E61-4A1C-BB38-CE56CD67DAEC}"/>
+                  <a16:creationId xmlns="" xmlns:a16="http://schemas.microsoft.com/office/drawing/2014/main" id="{80B432E5-1E61-4A1C-BB38-CE56CD67DAEC}"/>
                 </a:ext>
               </a:extLst>
             </p:cNvPr>
@@ -11550,7 +11728,7 @@
               <p:cNvPr id="36" name="直線矢印コネクタ 35">
                 <a:extLst>
                   <a:ext uri="{FF2B5EF4-FFF2-40B4-BE49-F238E27FC236}">
-                    <a16:creationId xmlns:a16="http://schemas.microsoft.com/office/drawing/2014/main" xmlns="" id="{555429FE-F091-46AD-84F7-1B4256D762AB}"/>
+                    <a16:creationId xmlns="" xmlns:a16="http://schemas.microsoft.com/office/drawing/2014/main" id="{555429FE-F091-46AD-84F7-1B4256D762AB}"/>
                   </a:ext>
                 </a:extLst>
               </p:cNvPr>
@@ -11594,7 +11772,7 @@
               <p:cNvPr id="37" name="直線矢印コネクタ 36">
                 <a:extLst>
                   <a:ext uri="{FF2B5EF4-FFF2-40B4-BE49-F238E27FC236}">
-                    <a16:creationId xmlns:a16="http://schemas.microsoft.com/office/drawing/2014/main" xmlns="" id="{5030B8C7-7BED-40F6-B6D5-A7CD124D67A9}"/>
+                    <a16:creationId xmlns="" xmlns:a16="http://schemas.microsoft.com/office/drawing/2014/main" id="{5030B8C7-7BED-40F6-B6D5-A7CD124D67A9}"/>
                   </a:ext>
                 </a:extLst>
               </p:cNvPr>
@@ -11638,7 +11816,7 @@
               <p:cNvPr id="38" name="テキスト ボックス 37">
                 <a:extLst>
                   <a:ext uri="{FF2B5EF4-FFF2-40B4-BE49-F238E27FC236}">
-                    <a16:creationId xmlns:a16="http://schemas.microsoft.com/office/drawing/2014/main" xmlns="" id="{1BB9FF26-C1AD-43FF-B1A3-3D220E4BC3AA}"/>
+                    <a16:creationId xmlns="" xmlns:a16="http://schemas.microsoft.com/office/drawing/2014/main" id="{1BB9FF26-C1AD-43FF-B1A3-3D220E4BC3AA}"/>
                   </a:ext>
                 </a:extLst>
               </p:cNvPr>
@@ -11676,7 +11854,7 @@
               <p:cNvPr id="39" name="テキスト ボックス 38">
                 <a:extLst>
                   <a:ext uri="{FF2B5EF4-FFF2-40B4-BE49-F238E27FC236}">
-                    <a16:creationId xmlns:a16="http://schemas.microsoft.com/office/drawing/2014/main" xmlns="" id="{127090C9-FA03-47A3-B8E5-5AC843148C0C}"/>
+                    <a16:creationId xmlns="" xmlns:a16="http://schemas.microsoft.com/office/drawing/2014/main" id="{127090C9-FA03-47A3-B8E5-5AC843148C0C}"/>
                   </a:ext>
                 </a:extLst>
               </p:cNvPr>
@@ -11719,7 +11897,7 @@
             <p:cNvPr id="42" name="正方形/長方形 41">
               <a:extLst>
                 <a:ext uri="{FF2B5EF4-FFF2-40B4-BE49-F238E27FC236}">
-                  <a16:creationId xmlns:a16="http://schemas.microsoft.com/office/drawing/2014/main" xmlns="" id="{974D7591-C374-4FE7-98C6-F63D715B2F46}"/>
+                  <a16:creationId xmlns="" xmlns:a16="http://schemas.microsoft.com/office/drawing/2014/main" id="{974D7591-C374-4FE7-98C6-F63D715B2F46}"/>
                 </a:ext>
               </a:extLst>
             </p:cNvPr>
@@ -11775,7 +11953,7 @@
           <p:cNvPr id="43" name="正方形/長方形 42">
             <a:extLst>
               <a:ext uri="{FF2B5EF4-FFF2-40B4-BE49-F238E27FC236}">
-                <a16:creationId xmlns:a16="http://schemas.microsoft.com/office/drawing/2014/main" xmlns="" id="{A98ECFFF-731C-4C54-95F1-02A8CC15EA71}"/>
+                <a16:creationId xmlns="" xmlns:a16="http://schemas.microsoft.com/office/drawing/2014/main" id="{A98ECFFF-731C-4C54-95F1-02A8CC15EA71}"/>
               </a:ext>
             </a:extLst>
           </p:cNvPr>
@@ -11841,7 +12019,7 @@
             <p:cNvPr id="4" name="図 3">
               <a:extLst>
                 <a:ext uri="{FF2B5EF4-FFF2-40B4-BE49-F238E27FC236}">
-                  <a16:creationId xmlns:a16="http://schemas.microsoft.com/office/drawing/2014/main" xmlns="" id="{84E4BD2B-BD98-4D0D-BD92-46FAC62B133A}"/>
+                  <a16:creationId xmlns="" xmlns:a16="http://schemas.microsoft.com/office/drawing/2014/main" id="{84E4BD2B-BD98-4D0D-BD92-46FAC62B133A}"/>
                 </a:ext>
               </a:extLst>
             </p:cNvPr>
@@ -11876,7 +12054,7 @@
             <p:cNvPr id="45" name="図 44">
               <a:extLst>
                 <a:ext uri="{FF2B5EF4-FFF2-40B4-BE49-F238E27FC236}">
-                  <a16:creationId xmlns:a16="http://schemas.microsoft.com/office/drawing/2014/main" xmlns="" id="{84E4BD2B-BD98-4D0D-BD92-46FAC62B133A}"/>
+                  <a16:creationId xmlns="" xmlns:a16="http://schemas.microsoft.com/office/drawing/2014/main" id="{84E4BD2B-BD98-4D0D-BD92-46FAC62B133A}"/>
                 </a:ext>
               </a:extLst>
             </p:cNvPr>
@@ -11942,7 +12120,7 @@
           <p:cNvPr id="3" name="図 2">
             <a:extLst>
               <a:ext uri="{FF2B5EF4-FFF2-40B4-BE49-F238E27FC236}">
-                <a16:creationId xmlns:a16="http://schemas.microsoft.com/office/drawing/2014/main" xmlns="" id="{8EBC7496-D4A5-4E2C-9D16-11A12608F074}"/>
+                <a16:creationId xmlns="" xmlns:a16="http://schemas.microsoft.com/office/drawing/2014/main" id="{8EBC7496-D4A5-4E2C-9D16-11A12608F074}"/>
               </a:ext>
             </a:extLst>
           </p:cNvPr>
@@ -11971,7 +12149,7 @@
           <p:cNvPr id="10" name="テキスト ボックス 9">
             <a:extLst>
               <a:ext uri="{FF2B5EF4-FFF2-40B4-BE49-F238E27FC236}">
-                <a16:creationId xmlns:a16="http://schemas.microsoft.com/office/drawing/2014/main" xmlns="" id="{D5807289-5F94-4ABF-BB19-A244DE39AAB7}"/>
+                <a16:creationId xmlns="" xmlns:a16="http://schemas.microsoft.com/office/drawing/2014/main" id="{D5807289-5F94-4ABF-BB19-A244DE39AAB7}"/>
               </a:ext>
             </a:extLst>
           </p:cNvPr>
@@ -12016,7 +12194,7 @@
           <p:cNvPr id="11" name="テキスト ボックス 10">
             <a:extLst>
               <a:ext uri="{FF2B5EF4-FFF2-40B4-BE49-F238E27FC236}">
-                <a16:creationId xmlns:a16="http://schemas.microsoft.com/office/drawing/2014/main" xmlns="" id="{6D354EB7-7F73-4490-964D-300A57A3D0C5}"/>
+                <a16:creationId xmlns="" xmlns:a16="http://schemas.microsoft.com/office/drawing/2014/main" id="{6D354EB7-7F73-4490-964D-300A57A3D0C5}"/>
               </a:ext>
             </a:extLst>
           </p:cNvPr>
@@ -12054,7 +12232,7 @@
           <p:cNvPr id="12" name="楕円 11">
             <a:extLst>
               <a:ext uri="{FF2B5EF4-FFF2-40B4-BE49-F238E27FC236}">
-                <a16:creationId xmlns:a16="http://schemas.microsoft.com/office/drawing/2014/main" xmlns="" id="{27BE146F-8491-400F-AB07-2E26102463F2}"/>
+                <a16:creationId xmlns="" xmlns:a16="http://schemas.microsoft.com/office/drawing/2014/main" id="{27BE146F-8491-400F-AB07-2E26102463F2}"/>
               </a:ext>
             </a:extLst>
           </p:cNvPr>
@@ -12106,7 +12284,7 @@
           <p:cNvPr id="13" name="楕円 12">
             <a:extLst>
               <a:ext uri="{FF2B5EF4-FFF2-40B4-BE49-F238E27FC236}">
-                <a16:creationId xmlns:a16="http://schemas.microsoft.com/office/drawing/2014/main" xmlns="" id="{AC13EDC5-A927-451C-A8C6-2F68A75D9DB9}"/>
+                <a16:creationId xmlns="" xmlns:a16="http://schemas.microsoft.com/office/drawing/2014/main" id="{AC13EDC5-A927-451C-A8C6-2F68A75D9DB9}"/>
               </a:ext>
             </a:extLst>
           </p:cNvPr>
@@ -12158,7 +12336,7 @@
           <p:cNvPr id="14" name="楕円 13">
             <a:extLst>
               <a:ext uri="{FF2B5EF4-FFF2-40B4-BE49-F238E27FC236}">
-                <a16:creationId xmlns:a16="http://schemas.microsoft.com/office/drawing/2014/main" xmlns="" id="{A70D7407-0728-49A8-BDE2-7434759F1455}"/>
+                <a16:creationId xmlns="" xmlns:a16="http://schemas.microsoft.com/office/drawing/2014/main" id="{A70D7407-0728-49A8-BDE2-7434759F1455}"/>
               </a:ext>
             </a:extLst>
           </p:cNvPr>
@@ -12210,7 +12388,7 @@
           <p:cNvPr id="15" name="楕円 14">
             <a:extLst>
               <a:ext uri="{FF2B5EF4-FFF2-40B4-BE49-F238E27FC236}">
-                <a16:creationId xmlns:a16="http://schemas.microsoft.com/office/drawing/2014/main" xmlns="" id="{BA8A41E3-4961-4217-9C31-D8A81A9809A9}"/>
+                <a16:creationId xmlns="" xmlns:a16="http://schemas.microsoft.com/office/drawing/2014/main" id="{BA8A41E3-4961-4217-9C31-D8A81A9809A9}"/>
               </a:ext>
             </a:extLst>
           </p:cNvPr>
@@ -12262,7 +12440,7 @@
           <p:cNvPr id="16" name="テキスト ボックス 15">
             <a:extLst>
               <a:ext uri="{FF2B5EF4-FFF2-40B4-BE49-F238E27FC236}">
-                <a16:creationId xmlns:a16="http://schemas.microsoft.com/office/drawing/2014/main" xmlns="" id="{FBBAA09C-4BEB-47EA-BC7F-480BCC2226F1}"/>
+                <a16:creationId xmlns="" xmlns:a16="http://schemas.microsoft.com/office/drawing/2014/main" id="{FBBAA09C-4BEB-47EA-BC7F-480BCC2226F1}"/>
               </a:ext>
             </a:extLst>
           </p:cNvPr>
@@ -12380,7 +12558,7 @@
           <p:cNvPr id="17" name="正方形/長方形 16">
             <a:extLst>
               <a:ext uri="{FF2B5EF4-FFF2-40B4-BE49-F238E27FC236}">
-                <a16:creationId xmlns:a16="http://schemas.microsoft.com/office/drawing/2014/main" xmlns="" id="{A2CF4C31-1025-4708-B374-7F8887320A14}"/>
+                <a16:creationId xmlns="" xmlns:a16="http://schemas.microsoft.com/office/drawing/2014/main" id="{A2CF4C31-1025-4708-B374-7F8887320A14}"/>
               </a:ext>
             </a:extLst>
           </p:cNvPr>
@@ -12432,7 +12610,7 @@
           <p:cNvPr id="18" name="テキスト ボックス 17">
             <a:extLst>
               <a:ext uri="{FF2B5EF4-FFF2-40B4-BE49-F238E27FC236}">
-                <a16:creationId xmlns:a16="http://schemas.microsoft.com/office/drawing/2014/main" xmlns="" id="{594DFF38-A0BF-4052-92A8-115900A7F03B}"/>
+                <a16:creationId xmlns="" xmlns:a16="http://schemas.microsoft.com/office/drawing/2014/main" id="{594DFF38-A0BF-4052-92A8-115900A7F03B}"/>
               </a:ext>
             </a:extLst>
           </p:cNvPr>
@@ -12535,7 +12713,7 @@
           <p:cNvPr id="19" name="正方形/長方形 18">
             <a:extLst>
               <a:ext uri="{FF2B5EF4-FFF2-40B4-BE49-F238E27FC236}">
-                <a16:creationId xmlns:a16="http://schemas.microsoft.com/office/drawing/2014/main" xmlns="" id="{41DDEDAD-B76F-42FC-BD36-C4B4086365F3}"/>
+                <a16:creationId xmlns="" xmlns:a16="http://schemas.microsoft.com/office/drawing/2014/main" id="{41DDEDAD-B76F-42FC-BD36-C4B4086365F3}"/>
               </a:ext>
             </a:extLst>
           </p:cNvPr>
@@ -12587,7 +12765,7 @@
           <p:cNvPr id="21" name="正方形/長方形 20">
             <a:extLst>
               <a:ext uri="{FF2B5EF4-FFF2-40B4-BE49-F238E27FC236}">
-                <a16:creationId xmlns:a16="http://schemas.microsoft.com/office/drawing/2014/main" xmlns="" id="{B89D4E7D-0660-4D0D-912D-DF225C66A1D6}"/>
+                <a16:creationId xmlns="" xmlns:a16="http://schemas.microsoft.com/office/drawing/2014/main" id="{B89D4E7D-0660-4D0D-912D-DF225C66A1D6}"/>
               </a:ext>
             </a:extLst>
           </p:cNvPr>
@@ -12641,7 +12819,7 @@
           <p:cNvPr id="20" name="テキスト ボックス 19">
             <a:extLst>
               <a:ext uri="{FF2B5EF4-FFF2-40B4-BE49-F238E27FC236}">
-                <a16:creationId xmlns:a16="http://schemas.microsoft.com/office/drawing/2014/main" xmlns="" id="{4588D88C-0F6C-4A95-9191-7AC444B35B14}"/>
+                <a16:creationId xmlns="" xmlns:a16="http://schemas.microsoft.com/office/drawing/2014/main" id="{4588D88C-0F6C-4A95-9191-7AC444B35B14}"/>
               </a:ext>
             </a:extLst>
           </p:cNvPr>
@@ -12784,7 +12962,7 @@
           <p:cNvPr id="2" name="図 1">
             <a:extLst>
               <a:ext uri="{FF2B5EF4-FFF2-40B4-BE49-F238E27FC236}">
-                <a16:creationId xmlns:a16="http://schemas.microsoft.com/office/drawing/2014/main" xmlns="" id="{7FF69D48-0150-4CC7-838D-4781E53348B1}"/>
+                <a16:creationId xmlns="" xmlns:a16="http://schemas.microsoft.com/office/drawing/2014/main" id="{7FF69D48-0150-4CC7-838D-4781E53348B1}"/>
               </a:ext>
             </a:extLst>
           </p:cNvPr>
@@ -12813,7 +12991,7 @@
           <p:cNvPr id="6" name="テキスト ボックス 5">
             <a:extLst>
               <a:ext uri="{FF2B5EF4-FFF2-40B4-BE49-F238E27FC236}">
-                <a16:creationId xmlns:a16="http://schemas.microsoft.com/office/drawing/2014/main" xmlns="" id="{8305E55F-CE22-4A88-A8D4-3E4958510FE7}"/>
+                <a16:creationId xmlns="" xmlns:a16="http://schemas.microsoft.com/office/drawing/2014/main" id="{8305E55F-CE22-4A88-A8D4-3E4958510FE7}"/>
               </a:ext>
             </a:extLst>
           </p:cNvPr>
@@ -12858,7 +13036,7 @@
           <p:cNvPr id="7" name="吹き出し: 四角形 6">
             <a:extLst>
               <a:ext uri="{FF2B5EF4-FFF2-40B4-BE49-F238E27FC236}">
-                <a16:creationId xmlns:a16="http://schemas.microsoft.com/office/drawing/2014/main" xmlns="" id="{EC8402AE-3480-4CC7-905A-0776A28352DA}"/>
+                <a16:creationId xmlns="" xmlns:a16="http://schemas.microsoft.com/office/drawing/2014/main" id="{EC8402AE-3480-4CC7-905A-0776A28352DA}"/>
               </a:ext>
             </a:extLst>
           </p:cNvPr>
@@ -12951,7 +13129,7 @@
           <p:cNvPr id="8" name="吹き出し: 四角形 7">
             <a:extLst>
               <a:ext uri="{FF2B5EF4-FFF2-40B4-BE49-F238E27FC236}">
-                <a16:creationId xmlns:a16="http://schemas.microsoft.com/office/drawing/2014/main" xmlns="" id="{12F0A826-4C99-48A7-B36D-03DBE2118E07}"/>
+                <a16:creationId xmlns="" xmlns:a16="http://schemas.microsoft.com/office/drawing/2014/main" id="{12F0A826-4C99-48A7-B36D-03DBE2118E07}"/>
               </a:ext>
             </a:extLst>
           </p:cNvPr>
@@ -13047,7 +13225,7 @@
           <p:cNvPr id="9" name="吹き出し: 四角形 8">
             <a:extLst>
               <a:ext uri="{FF2B5EF4-FFF2-40B4-BE49-F238E27FC236}">
-                <a16:creationId xmlns:a16="http://schemas.microsoft.com/office/drawing/2014/main" xmlns="" id="{B25F11CC-0810-44FB-85E5-6AFA2E713B6D}"/>
+                <a16:creationId xmlns="" xmlns:a16="http://schemas.microsoft.com/office/drawing/2014/main" id="{B25F11CC-0810-44FB-85E5-6AFA2E713B6D}"/>
               </a:ext>
             </a:extLst>
           </p:cNvPr>
@@ -13170,7 +13348,7 @@
           <p:cNvPr id="3" name="正方形/長方形 2">
             <a:extLst>
               <a:ext uri="{FF2B5EF4-FFF2-40B4-BE49-F238E27FC236}">
-                <a16:creationId xmlns:a16="http://schemas.microsoft.com/office/drawing/2014/main" xmlns="" id="{A491271B-A222-4F11-B100-4D7A1B81E98A}"/>
+                <a16:creationId xmlns="" xmlns:a16="http://schemas.microsoft.com/office/drawing/2014/main" id="{A491271B-A222-4F11-B100-4D7A1B81E98A}"/>
               </a:ext>
             </a:extLst>
           </p:cNvPr>
@@ -13222,7 +13400,7 @@
           <p:cNvPr id="10" name="正方形/長方形 9">
             <a:extLst>
               <a:ext uri="{FF2B5EF4-FFF2-40B4-BE49-F238E27FC236}">
-                <a16:creationId xmlns:a16="http://schemas.microsoft.com/office/drawing/2014/main" xmlns="" id="{016D0004-D188-4E81-A1DB-65759A9B7E86}"/>
+                <a16:creationId xmlns="" xmlns:a16="http://schemas.microsoft.com/office/drawing/2014/main" id="{016D0004-D188-4E81-A1DB-65759A9B7E86}"/>
               </a:ext>
             </a:extLst>
           </p:cNvPr>
@@ -13274,7 +13452,7 @@
           <p:cNvPr id="11" name="正方形/長方形 10">
             <a:extLst>
               <a:ext uri="{FF2B5EF4-FFF2-40B4-BE49-F238E27FC236}">
-                <a16:creationId xmlns:a16="http://schemas.microsoft.com/office/drawing/2014/main" xmlns="" id="{CCF67B37-F0BC-41F6-A1E9-02DA2EAC5911}"/>
+                <a16:creationId xmlns="" xmlns:a16="http://schemas.microsoft.com/office/drawing/2014/main" id="{CCF67B37-F0BC-41F6-A1E9-02DA2EAC5911}"/>
               </a:ext>
             </a:extLst>
           </p:cNvPr>
@@ -13356,7 +13534,7 @@
           <p:cNvPr id="5" name="テキスト ボックス 4">
             <a:extLst>
               <a:ext uri="{FF2B5EF4-FFF2-40B4-BE49-F238E27FC236}">
-                <a16:creationId xmlns:a16="http://schemas.microsoft.com/office/drawing/2014/main" xmlns="" id="{D5807289-5F94-4ABF-BB19-A244DE39AAB7}"/>
+                <a16:creationId xmlns="" xmlns:a16="http://schemas.microsoft.com/office/drawing/2014/main" id="{D5807289-5F94-4ABF-BB19-A244DE39AAB7}"/>
               </a:ext>
             </a:extLst>
           </p:cNvPr>

--- a/説明文.pptx
+++ b/説明文.pptx
@@ -7461,7 +7461,7 @@
         </p:nvSpPr>
         <p:spPr>
           <a:xfrm>
-            <a:off x="312300" y="1681343"/>
+            <a:off x="1073019" y="1524472"/>
             <a:ext cx="10045959" cy="461665"/>
           </a:xfrm>
           <a:prstGeom prst="rect">
@@ -7513,8 +7513,8 @@
         </p:nvSpPr>
         <p:spPr>
           <a:xfrm>
-            <a:off x="312300" y="2728899"/>
-            <a:ext cx="11652881" cy="461665"/>
+            <a:off x="455782" y="2728899"/>
+            <a:ext cx="11280432" cy="461665"/>
           </a:xfrm>
           <a:prstGeom prst="rect">
             <a:avLst/>
@@ -7585,281 +7585,314 @@
           </a:p>
         </p:txBody>
       </p:sp>
-      <p:sp>
-        <p:nvSpPr>
-          <p:cNvPr id="16" name="テキスト ボックス 15">
-            <a:extLst>
-              <a:ext uri="{FF2B5EF4-FFF2-40B4-BE49-F238E27FC236}">
-                <a16:creationId xmlns="" xmlns:a16="http://schemas.microsoft.com/office/drawing/2014/main" id="{EAD140C4-19B0-40CF-8A7F-5B444A6FB643}"/>
-              </a:ext>
-            </a:extLst>
-          </p:cNvPr>
-          <p:cNvSpPr txBox="1"/>
-          <p:nvPr/>
-        </p:nvSpPr>
-        <p:spPr>
-          <a:xfrm>
-            <a:off x="2899068" y="4039114"/>
-            <a:ext cx="3159201" cy="369332"/>
-          </a:xfrm>
-          <a:prstGeom prst="rect">
-            <a:avLst/>
-          </a:prstGeom>
-          <a:noFill/>
-        </p:spPr>
-        <p:txBody>
-          <a:bodyPr wrap="square" rtlCol="0">
-            <a:spAutoFit/>
-          </a:bodyPr>
-          <a:lstStyle/>
-          <a:p>
-            <a:r>
-              <a:rPr kumimoji="1" lang="ja-JP" altLang="en-US" dirty="0">
-                <a:latin typeface="チェックポイント．（ピリオド）" panose="02000600000000000000" pitchFamily="50" charset="-128"/>
-                <a:ea typeface="チェックポイント．（ピリオド）" panose="02000600000000000000" pitchFamily="50" charset="-128"/>
-              </a:rPr>
-              <a:t>発展すると？</a:t>
-            </a:r>
-          </a:p>
-        </p:txBody>
-      </p:sp>
-      <p:sp>
-        <p:nvSpPr>
-          <p:cNvPr id="17" name="テキスト ボックス 16">
-            <a:extLst>
-              <a:ext uri="{FF2B5EF4-FFF2-40B4-BE49-F238E27FC236}">
-                <a16:creationId xmlns="" xmlns:a16="http://schemas.microsoft.com/office/drawing/2014/main" id="{35A6466D-48F7-44F6-AA87-CA2E29ED1A92}"/>
-              </a:ext>
-            </a:extLst>
-          </p:cNvPr>
-          <p:cNvSpPr txBox="1"/>
-          <p:nvPr/>
-        </p:nvSpPr>
-        <p:spPr>
-          <a:xfrm>
-            <a:off x="7605202" y="6234637"/>
-            <a:ext cx="5072849" cy="369332"/>
-          </a:xfrm>
-          <a:prstGeom prst="rect">
-            <a:avLst/>
-          </a:prstGeom>
-          <a:noFill/>
-        </p:spPr>
-        <p:txBody>
-          <a:bodyPr wrap="square" rtlCol="0">
-            <a:spAutoFit/>
-          </a:bodyPr>
-          <a:lstStyle/>
-          <a:p>
-            <a:r>
-              <a:rPr kumimoji="1" lang="ja-JP" altLang="en-US" dirty="0">
-                <a:latin typeface="チェックポイント．（ピリオド）" panose="02000600000000000000" pitchFamily="50" charset="-128"/>
-                <a:ea typeface="チェックポイント．（ピリオド）" panose="02000600000000000000" pitchFamily="50" charset="-128"/>
-              </a:rPr>
-              <a:t>惑星の見た目が変わっていく</a:t>
-            </a:r>
-          </a:p>
-        </p:txBody>
-      </p:sp>
       <p:grpSp>
         <p:nvGrpSpPr>
-          <p:cNvPr id="20" name="グループ化 19">
-            <a:extLst>
-              <a:ext uri="{FF2B5EF4-FFF2-40B4-BE49-F238E27FC236}">
-                <a16:creationId xmlns="" xmlns:a16="http://schemas.microsoft.com/office/drawing/2014/main" id="{F2B7319D-4B0F-4E88-BF97-C6858CA42543}"/>
-              </a:ext>
-            </a:extLst>
-          </p:cNvPr>
+          <p:cNvPr id="2" name="グループ化 1"/>
           <p:cNvGrpSpPr/>
           <p:nvPr/>
         </p:nvGrpSpPr>
         <p:grpSpPr>
           <a:xfrm>
-            <a:off x="2582663" y="4651898"/>
-            <a:ext cx="6938769" cy="1170393"/>
-            <a:chOff x="2582663" y="4651898"/>
-            <a:chExt cx="6938769" cy="1170393"/>
+            <a:off x="363806" y="4143104"/>
+            <a:ext cx="11464384" cy="2317061"/>
+            <a:chOff x="727616" y="4158602"/>
+            <a:chExt cx="11464384" cy="2317061"/>
           </a:xfrm>
         </p:grpSpPr>
-        <p:pic>
-          <p:nvPicPr>
-            <p:cNvPr id="10" name="図 9">
+        <p:sp>
+          <p:nvSpPr>
+            <p:cNvPr id="16" name="テキスト ボックス 15">
               <a:extLst>
                 <a:ext uri="{FF2B5EF4-FFF2-40B4-BE49-F238E27FC236}">
-                  <a16:creationId xmlns="" xmlns:a16="http://schemas.microsoft.com/office/drawing/2014/main" id="{CC45E600-B2B8-4EEF-9509-45C7FC593D21}"/>
+                  <a16:creationId xmlns="" xmlns:a16="http://schemas.microsoft.com/office/drawing/2014/main" id="{EAD140C4-19B0-40CF-8A7F-5B444A6FB643}"/>
                 </a:ext>
               </a:extLst>
             </p:cNvPr>
-            <p:cNvPicPr>
-              <a:picLocks noChangeAspect="1"/>
-            </p:cNvPicPr>
+            <p:cNvSpPr txBox="1"/>
             <p:nvPr/>
-          </p:nvPicPr>
-          <p:blipFill rotWithShape="1">
-            <a:blip r:embed="rId2" cstate="print">
-              <a:extLst>
-                <a:ext uri="{28A0092B-C50C-407E-A947-70E740481C1C}">
-                  <a14:useLocalDpi xmlns:a14="http://schemas.microsoft.com/office/drawing/2010/main" val="0"/>
-                </a:ext>
-              </a:extLst>
-            </a:blip>
-            <a:srcRect r="79975"/>
-            <a:stretch/>
-          </p:blipFill>
+          </p:nvSpPr>
           <p:spPr>
             <a:xfrm>
-              <a:off x="2582663" y="4651899"/>
-              <a:ext cx="1171853" cy="1170392"/>
+              <a:off x="727616" y="4158602"/>
+              <a:ext cx="3159201" cy="369332"/>
             </a:xfrm>
             <a:prstGeom prst="rect">
               <a:avLst/>
             </a:prstGeom>
+            <a:noFill/>
           </p:spPr>
-        </p:pic>
-        <p:pic>
-          <p:nvPicPr>
-            <p:cNvPr id="3" name="図 2">
+          <p:txBody>
+            <a:bodyPr wrap="square" rtlCol="0">
+              <a:spAutoFit/>
+            </a:bodyPr>
+            <a:lstStyle/>
+            <a:p>
+              <a:r>
+                <a:rPr kumimoji="1" lang="ja-JP" altLang="en-US" dirty="0" smtClean="0">
+                  <a:latin typeface="チェックポイント．（ピリオド）" panose="02000600000000000000" pitchFamily="50" charset="-128"/>
+                  <a:ea typeface="チェックポイント．（ピリオド）" panose="02000600000000000000" pitchFamily="50" charset="-128"/>
+                </a:rPr>
+                <a:t>惑星が発展</a:t>
+              </a:r>
+              <a:r>
+                <a:rPr kumimoji="1" lang="ja-JP" altLang="en-US" dirty="0">
+                  <a:latin typeface="チェックポイント．（ピリオド）" panose="02000600000000000000" pitchFamily="50" charset="-128"/>
+                  <a:ea typeface="チェックポイント．（ピリオド）" panose="02000600000000000000" pitchFamily="50" charset="-128"/>
+                </a:rPr>
+                <a:t>すると？</a:t>
+              </a:r>
+            </a:p>
+          </p:txBody>
+        </p:sp>
+        <p:sp>
+          <p:nvSpPr>
+            <p:cNvPr id="17" name="テキスト ボックス 16">
               <a:extLst>
                 <a:ext uri="{FF2B5EF4-FFF2-40B4-BE49-F238E27FC236}">
-                  <a16:creationId xmlns="" xmlns:a16="http://schemas.microsoft.com/office/drawing/2014/main" id="{76874239-A564-450E-95B6-FA50B49D3D17}"/>
+                  <a16:creationId xmlns="" xmlns:a16="http://schemas.microsoft.com/office/drawing/2014/main" id="{35A6466D-48F7-44F6-AA87-CA2E29ED1A92}"/>
                 </a:ext>
               </a:extLst>
             </p:cNvPr>
-            <p:cNvPicPr>
-              <a:picLocks noChangeAspect="1"/>
-            </p:cNvPicPr>
+            <p:cNvSpPr txBox="1"/>
             <p:nvPr/>
-          </p:nvPicPr>
-          <p:blipFill>
-            <a:blip r:embed="rId3">
-              <a:extLst>
-                <a:ext uri="{28A0092B-C50C-407E-A947-70E740481C1C}">
-                  <a14:useLocalDpi xmlns:a14="http://schemas.microsoft.com/office/drawing/2010/main" val="0"/>
-                </a:ext>
-              </a:extLst>
-            </a:blip>
-            <a:stretch>
-              <a:fillRect/>
-            </a:stretch>
-          </p:blipFill>
+          </p:nvSpPr>
           <p:spPr>
-            <a:xfrm rot="5400000">
-              <a:off x="4248935" y="4512190"/>
-              <a:ext cx="724227" cy="1448463"/>
+            <a:xfrm>
+              <a:off x="8715914" y="6106331"/>
+              <a:ext cx="3476086" cy="369332"/>
             </a:xfrm>
             <a:prstGeom prst="rect">
               <a:avLst/>
             </a:prstGeom>
+            <a:noFill/>
           </p:spPr>
-        </p:pic>
-        <p:pic>
-          <p:nvPicPr>
-            <p:cNvPr id="18" name="図 17">
+          <p:txBody>
+            <a:bodyPr wrap="square" rtlCol="0">
+              <a:spAutoFit/>
+            </a:bodyPr>
+            <a:lstStyle/>
+            <a:p>
+              <a:r>
+                <a:rPr kumimoji="1" lang="ja-JP" altLang="en-US" dirty="0">
+                  <a:latin typeface="チェックポイント．（ピリオド）" panose="02000600000000000000" pitchFamily="50" charset="-128"/>
+                  <a:ea typeface="チェックポイント．（ピリオド）" panose="02000600000000000000" pitchFamily="50" charset="-128"/>
+                </a:rPr>
+                <a:t>惑星の見た目が変わって</a:t>
+              </a:r>
+              <a:r>
+                <a:rPr kumimoji="1" lang="ja-JP" altLang="en-US" dirty="0" smtClean="0">
+                  <a:latin typeface="チェックポイント．（ピリオド）" panose="02000600000000000000" pitchFamily="50" charset="-128"/>
+                  <a:ea typeface="チェックポイント．（ピリオド）" panose="02000600000000000000" pitchFamily="50" charset="-128"/>
+                </a:rPr>
+                <a:t>いく！</a:t>
+              </a:r>
+              <a:endParaRPr kumimoji="1" lang="ja-JP" altLang="en-US" dirty="0">
+                <a:latin typeface="チェックポイント．（ピリオド）" panose="02000600000000000000" pitchFamily="50" charset="-128"/>
+                <a:ea typeface="チェックポイント．（ピリオド）" panose="02000600000000000000" pitchFamily="50" charset="-128"/>
+              </a:endParaRPr>
+            </a:p>
+          </p:txBody>
+        </p:sp>
+        <p:grpSp>
+          <p:nvGrpSpPr>
+            <p:cNvPr id="20" name="グループ化 19">
               <a:extLst>
                 <a:ext uri="{FF2B5EF4-FFF2-40B4-BE49-F238E27FC236}">
-                  <a16:creationId xmlns="" xmlns:a16="http://schemas.microsoft.com/office/drawing/2014/main" id="{0AB0B9E4-14DF-45A3-A28A-92DB7B5FED7E}"/>
+                  <a16:creationId xmlns="" xmlns:a16="http://schemas.microsoft.com/office/drawing/2014/main" id="{F2B7319D-4B0F-4E88-BF97-C6858CA42543}"/>
                 </a:ext>
               </a:extLst>
             </p:cNvPr>
-            <p:cNvPicPr>
-              <a:picLocks noChangeAspect="1"/>
-            </p:cNvPicPr>
+            <p:cNvGrpSpPr/>
             <p:nvPr/>
-          </p:nvPicPr>
-          <p:blipFill>
-            <a:blip r:embed="rId3">
-              <a:extLst>
-                <a:ext uri="{28A0092B-C50C-407E-A947-70E740481C1C}">
-                  <a14:useLocalDpi xmlns:a14="http://schemas.microsoft.com/office/drawing/2010/main" val="0"/>
-                </a:ext>
-              </a:extLst>
-            </a:blip>
-            <a:stretch>
-              <a:fillRect/>
-            </a:stretch>
-          </p:blipFill>
-          <p:spPr>
-            <a:xfrm rot="5400000">
-              <a:off x="7132393" y="4512862"/>
-              <a:ext cx="724227" cy="1448463"/>
+          </p:nvGrpSpPr>
+          <p:grpSpPr>
+            <a:xfrm>
+              <a:off x="2582663" y="4651898"/>
+              <a:ext cx="6938769" cy="1170393"/>
+              <a:chOff x="2582663" y="4651898"/>
+              <a:chExt cx="6938769" cy="1170393"/>
             </a:xfrm>
-            <a:prstGeom prst="rect">
-              <a:avLst/>
-            </a:prstGeom>
-          </p:spPr>
-        </p:pic>
-        <p:pic>
-          <p:nvPicPr>
-            <p:cNvPr id="6" name="図 5" descr="歯車, 車輪 が含まれている画像&#10;&#10;自動的に生成された説明">
-              <a:extLst>
-                <a:ext uri="{FF2B5EF4-FFF2-40B4-BE49-F238E27FC236}">
-                  <a16:creationId xmlns="" xmlns:a16="http://schemas.microsoft.com/office/drawing/2014/main" id="{719E7009-8045-4D66-A55A-5EE8D48EF64A}"/>
-                </a:ext>
-              </a:extLst>
-            </p:cNvPr>
-            <p:cNvPicPr>
-              <a:picLocks noChangeAspect="1"/>
-            </p:cNvPicPr>
-            <p:nvPr/>
-          </p:nvPicPr>
-          <p:blipFill>
-            <a:blip r:embed="rId4" cstate="print">
-              <a:extLst>
-                <a:ext uri="{28A0092B-C50C-407E-A947-70E740481C1C}">
-                  <a14:useLocalDpi xmlns:a14="http://schemas.microsoft.com/office/drawing/2010/main" val="0"/>
-                </a:ext>
-              </a:extLst>
-            </a:blip>
-            <a:stretch>
-              <a:fillRect/>
-            </a:stretch>
-          </p:blipFill>
-          <p:spPr>
-            <a:xfrm>
-              <a:off x="5467582" y="4651898"/>
-              <a:ext cx="1170392" cy="1170392"/>
-            </a:xfrm>
-            <a:prstGeom prst="rect">
-              <a:avLst/>
-            </a:prstGeom>
-          </p:spPr>
-        </p:pic>
-        <p:pic>
-          <p:nvPicPr>
-            <p:cNvPr id="19" name="図 18" descr="車輪 が含まれている画像&#10;&#10;自動的に生成された説明">
-              <a:extLst>
-                <a:ext uri="{FF2B5EF4-FFF2-40B4-BE49-F238E27FC236}">
-                  <a16:creationId xmlns="" xmlns:a16="http://schemas.microsoft.com/office/drawing/2014/main" id="{E345A25F-5D95-4CBD-ADD0-087829B4C775}"/>
-                </a:ext>
-              </a:extLst>
-            </p:cNvPr>
-            <p:cNvPicPr>
-              <a:picLocks noChangeAspect="1"/>
-            </p:cNvPicPr>
-            <p:nvPr/>
-          </p:nvPicPr>
-          <p:blipFill>
-            <a:blip r:embed="rId5" cstate="print">
-              <a:extLst>
-                <a:ext uri="{28A0092B-C50C-407E-A947-70E740481C1C}">
-                  <a14:useLocalDpi xmlns:a14="http://schemas.microsoft.com/office/drawing/2010/main" val="0"/>
-                </a:ext>
-              </a:extLst>
-            </a:blip>
-            <a:stretch>
-              <a:fillRect/>
-            </a:stretch>
-          </p:blipFill>
-          <p:spPr>
-            <a:xfrm>
-              <a:off x="8351040" y="4651898"/>
-              <a:ext cx="1170392" cy="1170392"/>
-            </a:xfrm>
-            <a:prstGeom prst="rect">
-              <a:avLst/>
-            </a:prstGeom>
-          </p:spPr>
-        </p:pic>
+          </p:grpSpPr>
+          <p:pic>
+            <p:nvPicPr>
+              <p:cNvPr id="10" name="図 9">
+                <a:extLst>
+                  <a:ext uri="{FF2B5EF4-FFF2-40B4-BE49-F238E27FC236}">
+                    <a16:creationId xmlns="" xmlns:a16="http://schemas.microsoft.com/office/drawing/2014/main" id="{CC45E600-B2B8-4EEF-9509-45C7FC593D21}"/>
+                  </a:ext>
+                </a:extLst>
+              </p:cNvPr>
+              <p:cNvPicPr>
+                <a:picLocks noChangeAspect="1"/>
+              </p:cNvPicPr>
+              <p:nvPr/>
+            </p:nvPicPr>
+            <p:blipFill rotWithShape="1">
+              <a:blip r:embed="rId2" cstate="print">
+                <a:extLst>
+                  <a:ext uri="{28A0092B-C50C-407E-A947-70E740481C1C}">
+                    <a14:useLocalDpi xmlns:a14="http://schemas.microsoft.com/office/drawing/2010/main" val="0"/>
+                  </a:ext>
+                </a:extLst>
+              </a:blip>
+              <a:srcRect r="79975"/>
+              <a:stretch/>
+            </p:blipFill>
+            <p:spPr>
+              <a:xfrm>
+                <a:off x="2582663" y="4651899"/>
+                <a:ext cx="1171853" cy="1170392"/>
+              </a:xfrm>
+              <a:prstGeom prst="rect">
+                <a:avLst/>
+              </a:prstGeom>
+            </p:spPr>
+          </p:pic>
+          <p:pic>
+            <p:nvPicPr>
+              <p:cNvPr id="3" name="図 2">
+                <a:extLst>
+                  <a:ext uri="{FF2B5EF4-FFF2-40B4-BE49-F238E27FC236}">
+                    <a16:creationId xmlns="" xmlns:a16="http://schemas.microsoft.com/office/drawing/2014/main" id="{76874239-A564-450E-95B6-FA50B49D3D17}"/>
+                  </a:ext>
+                </a:extLst>
+              </p:cNvPr>
+              <p:cNvPicPr>
+                <a:picLocks noChangeAspect="1"/>
+              </p:cNvPicPr>
+              <p:nvPr/>
+            </p:nvPicPr>
+            <p:blipFill>
+              <a:blip r:embed="rId3">
+                <a:extLst>
+                  <a:ext uri="{28A0092B-C50C-407E-A947-70E740481C1C}">
+                    <a14:useLocalDpi xmlns:a14="http://schemas.microsoft.com/office/drawing/2010/main" val="0"/>
+                  </a:ext>
+                </a:extLst>
+              </a:blip>
+              <a:stretch>
+                <a:fillRect/>
+              </a:stretch>
+            </p:blipFill>
+            <p:spPr>
+              <a:xfrm rot="5400000">
+                <a:off x="4248935" y="4512190"/>
+                <a:ext cx="724227" cy="1448463"/>
+              </a:xfrm>
+              <a:prstGeom prst="rect">
+                <a:avLst/>
+              </a:prstGeom>
+            </p:spPr>
+          </p:pic>
+          <p:pic>
+            <p:nvPicPr>
+              <p:cNvPr id="18" name="図 17">
+                <a:extLst>
+                  <a:ext uri="{FF2B5EF4-FFF2-40B4-BE49-F238E27FC236}">
+                    <a16:creationId xmlns="" xmlns:a16="http://schemas.microsoft.com/office/drawing/2014/main" id="{0AB0B9E4-14DF-45A3-A28A-92DB7B5FED7E}"/>
+                  </a:ext>
+                </a:extLst>
+              </p:cNvPr>
+              <p:cNvPicPr>
+                <a:picLocks noChangeAspect="1"/>
+              </p:cNvPicPr>
+              <p:nvPr/>
+            </p:nvPicPr>
+            <p:blipFill>
+              <a:blip r:embed="rId3">
+                <a:extLst>
+                  <a:ext uri="{28A0092B-C50C-407E-A947-70E740481C1C}">
+                    <a14:useLocalDpi xmlns:a14="http://schemas.microsoft.com/office/drawing/2010/main" val="0"/>
+                  </a:ext>
+                </a:extLst>
+              </a:blip>
+              <a:stretch>
+                <a:fillRect/>
+              </a:stretch>
+            </p:blipFill>
+            <p:spPr>
+              <a:xfrm rot="5400000">
+                <a:off x="7132393" y="4512862"/>
+                <a:ext cx="724227" cy="1448463"/>
+              </a:xfrm>
+              <a:prstGeom prst="rect">
+                <a:avLst/>
+              </a:prstGeom>
+            </p:spPr>
+          </p:pic>
+          <p:pic>
+            <p:nvPicPr>
+              <p:cNvPr id="6" name="図 5" descr="歯車, 車輪 が含まれている画像&#10;&#10;自動的に生成された説明">
+                <a:extLst>
+                  <a:ext uri="{FF2B5EF4-FFF2-40B4-BE49-F238E27FC236}">
+                    <a16:creationId xmlns="" xmlns:a16="http://schemas.microsoft.com/office/drawing/2014/main" id="{719E7009-8045-4D66-A55A-5EE8D48EF64A}"/>
+                  </a:ext>
+                </a:extLst>
+              </p:cNvPr>
+              <p:cNvPicPr>
+                <a:picLocks noChangeAspect="1"/>
+              </p:cNvPicPr>
+              <p:nvPr/>
+            </p:nvPicPr>
+            <p:blipFill>
+              <a:blip r:embed="rId4" cstate="print">
+                <a:extLst>
+                  <a:ext uri="{28A0092B-C50C-407E-A947-70E740481C1C}">
+                    <a14:useLocalDpi xmlns:a14="http://schemas.microsoft.com/office/drawing/2010/main" val="0"/>
+                  </a:ext>
+                </a:extLst>
+              </a:blip>
+              <a:stretch>
+                <a:fillRect/>
+              </a:stretch>
+            </p:blipFill>
+            <p:spPr>
+              <a:xfrm>
+                <a:off x="5467582" y="4651898"/>
+                <a:ext cx="1170392" cy="1170392"/>
+              </a:xfrm>
+              <a:prstGeom prst="rect">
+                <a:avLst/>
+              </a:prstGeom>
+            </p:spPr>
+          </p:pic>
+          <p:pic>
+            <p:nvPicPr>
+              <p:cNvPr id="19" name="図 18" descr="車輪 が含まれている画像&#10;&#10;自動的に生成された説明">
+                <a:extLst>
+                  <a:ext uri="{FF2B5EF4-FFF2-40B4-BE49-F238E27FC236}">
+                    <a16:creationId xmlns="" xmlns:a16="http://schemas.microsoft.com/office/drawing/2014/main" id="{E345A25F-5D95-4CBD-ADD0-087829B4C775}"/>
+                  </a:ext>
+                </a:extLst>
+              </p:cNvPr>
+              <p:cNvPicPr>
+                <a:picLocks noChangeAspect="1"/>
+              </p:cNvPicPr>
+              <p:nvPr/>
+            </p:nvPicPr>
+            <p:blipFill>
+              <a:blip r:embed="rId5" cstate="print">
+                <a:extLst>
+                  <a:ext uri="{28A0092B-C50C-407E-A947-70E740481C1C}">
+                    <a14:useLocalDpi xmlns:a14="http://schemas.microsoft.com/office/drawing/2010/main" val="0"/>
+                  </a:ext>
+                </a:extLst>
+              </a:blip>
+              <a:stretch>
+                <a:fillRect/>
+              </a:stretch>
+            </p:blipFill>
+            <p:spPr>
+              <a:xfrm>
+                <a:off x="8351040" y="4651898"/>
+                <a:ext cx="1170392" cy="1170392"/>
+              </a:xfrm>
+              <a:prstGeom prst="rect">
+                <a:avLst/>
+              </a:prstGeom>
+            </p:spPr>
+          </p:pic>
+        </p:grpSp>
       </p:grpSp>
     </p:spTree>
     <p:extLst>

--- a/説明文.pptx
+++ b/説明文.pptx
@@ -210,7 +210,7 @@
           <a:p>
             <a:fld id="{D3517757-E664-4BB3-B78C-0CBDD076F206}" type="datetimeFigureOut">
               <a:rPr kumimoji="1" lang="ja-JP" altLang="en-US" smtClean="0"/>
-              <a:t>2019/8/20</a:t>
+              <a:t>2019/8/22</a:t>
             </a:fld>
             <a:endParaRPr kumimoji="1" lang="ja-JP" altLang="en-US"/>
           </a:p>
@@ -722,7 +722,7 @@
           <a:p>
             <a:fld id="{8F2BA968-46FA-4915-82D5-53748CAAB103}" type="datetimeFigureOut">
               <a:rPr kumimoji="1" lang="ja-JP" altLang="en-US" smtClean="0"/>
-              <a:t>2019/8/20</a:t>
+              <a:t>2019/8/22</a:t>
             </a:fld>
             <a:endParaRPr kumimoji="1" lang="ja-JP" altLang="en-US" dirty="0"/>
           </a:p>
@@ -922,7 +922,7 @@
           <a:p>
             <a:fld id="{8F2BA968-46FA-4915-82D5-53748CAAB103}" type="datetimeFigureOut">
               <a:rPr kumimoji="1" lang="ja-JP" altLang="en-US" smtClean="0"/>
-              <a:t>2019/8/20</a:t>
+              <a:t>2019/8/22</a:t>
             </a:fld>
             <a:endParaRPr kumimoji="1" lang="ja-JP" altLang="en-US" dirty="0"/>
           </a:p>
@@ -1132,7 +1132,7 @@
           <a:p>
             <a:fld id="{8F2BA968-46FA-4915-82D5-53748CAAB103}" type="datetimeFigureOut">
               <a:rPr kumimoji="1" lang="ja-JP" altLang="en-US" smtClean="0"/>
-              <a:t>2019/8/20</a:t>
+              <a:t>2019/8/22</a:t>
             </a:fld>
             <a:endParaRPr kumimoji="1" lang="ja-JP" altLang="en-US" dirty="0"/>
           </a:p>
@@ -1332,7 +1332,7 @@
           <a:p>
             <a:fld id="{8F2BA968-46FA-4915-82D5-53748CAAB103}" type="datetimeFigureOut">
               <a:rPr kumimoji="1" lang="ja-JP" altLang="en-US" smtClean="0"/>
-              <a:t>2019/8/20</a:t>
+              <a:t>2019/8/22</a:t>
             </a:fld>
             <a:endParaRPr kumimoji="1" lang="ja-JP" altLang="en-US" dirty="0"/>
           </a:p>
@@ -1577,7 +1577,7 @@
           <a:p>
             <a:fld id="{8F2BA968-46FA-4915-82D5-53748CAAB103}" type="datetimeFigureOut">
               <a:rPr kumimoji="1" lang="ja-JP" altLang="en-US" smtClean="0"/>
-              <a:t>2019/8/20</a:t>
+              <a:t>2019/8/22</a:t>
             </a:fld>
             <a:endParaRPr kumimoji="1" lang="ja-JP" altLang="en-US" dirty="0"/>
           </a:p>
@@ -1870,7 +1870,7 @@
           <a:p>
             <a:fld id="{8F2BA968-46FA-4915-82D5-53748CAAB103}" type="datetimeFigureOut">
               <a:rPr kumimoji="1" lang="ja-JP" altLang="en-US" smtClean="0"/>
-              <a:t>2019/8/20</a:t>
+              <a:t>2019/8/22</a:t>
             </a:fld>
             <a:endParaRPr kumimoji="1" lang="ja-JP" altLang="en-US" dirty="0"/>
           </a:p>
@@ -2298,7 +2298,7 @@
           <a:p>
             <a:fld id="{8F2BA968-46FA-4915-82D5-53748CAAB103}" type="datetimeFigureOut">
               <a:rPr kumimoji="1" lang="ja-JP" altLang="en-US" smtClean="0"/>
-              <a:t>2019/8/20</a:t>
+              <a:t>2019/8/22</a:t>
             </a:fld>
             <a:endParaRPr kumimoji="1" lang="ja-JP" altLang="en-US" dirty="0"/>
           </a:p>
@@ -2415,7 +2415,7 @@
           <a:p>
             <a:fld id="{8F2BA968-46FA-4915-82D5-53748CAAB103}" type="datetimeFigureOut">
               <a:rPr kumimoji="1" lang="ja-JP" altLang="en-US" smtClean="0"/>
-              <a:t>2019/8/20</a:t>
+              <a:t>2019/8/22</a:t>
             </a:fld>
             <a:endParaRPr kumimoji="1" lang="ja-JP" altLang="en-US" dirty="0"/>
           </a:p>
@@ -2510,7 +2510,7 @@
           <a:p>
             <a:fld id="{8F2BA968-46FA-4915-82D5-53748CAAB103}" type="datetimeFigureOut">
               <a:rPr kumimoji="1" lang="ja-JP" altLang="en-US" smtClean="0"/>
-              <a:t>2019/8/20</a:t>
+              <a:t>2019/8/22</a:t>
             </a:fld>
             <a:endParaRPr kumimoji="1" lang="ja-JP" altLang="en-US" dirty="0"/>
           </a:p>
@@ -2817,7 +2817,7 @@
           <a:p>
             <a:fld id="{8F2BA968-46FA-4915-82D5-53748CAAB103}" type="datetimeFigureOut">
               <a:rPr kumimoji="1" lang="ja-JP" altLang="en-US" smtClean="0"/>
-              <a:t>2019/8/20</a:t>
+              <a:t>2019/8/22</a:t>
             </a:fld>
             <a:endParaRPr kumimoji="1" lang="ja-JP" altLang="en-US" dirty="0"/>
           </a:p>
@@ -3069,7 +3069,7 @@
           <a:p>
             <a:fld id="{8F2BA968-46FA-4915-82D5-53748CAAB103}" type="datetimeFigureOut">
               <a:rPr kumimoji="1" lang="ja-JP" altLang="en-US" smtClean="0"/>
-              <a:t>2019/8/20</a:t>
+              <a:t>2019/8/22</a:t>
             </a:fld>
             <a:endParaRPr kumimoji="1" lang="ja-JP" altLang="en-US" dirty="0"/>
           </a:p>
@@ -3312,7 +3312,7 @@
           <a:p>
             <a:fld id="{8F2BA968-46FA-4915-82D5-53748CAAB103}" type="datetimeFigureOut">
               <a:rPr kumimoji="1" lang="ja-JP" altLang="en-US" smtClean="0"/>
-              <a:t>2019/8/20</a:t>
+              <a:t>2019/8/22</a:t>
             </a:fld>
             <a:endParaRPr kumimoji="1" lang="ja-JP" altLang="en-US" dirty="0"/>
           </a:p>
@@ -3722,7 +3722,7 @@
           <p:cNvPr id="4" name="図 3" descr="スクリーンショット が含まれている画像&#10;&#10;自動的に生成された説明">
             <a:extLst>
               <a:ext uri="{FF2B5EF4-FFF2-40B4-BE49-F238E27FC236}">
-                <a16:creationId xmlns:a16="http://schemas.microsoft.com/office/drawing/2014/main" xmlns="" id="{48282D74-7C89-4D68-8F6E-D62AC9485402}"/>
+                <a16:creationId xmlns="" xmlns:a16="http://schemas.microsoft.com/office/drawing/2014/main" id="{48282D74-7C89-4D68-8F6E-D62AC9485402}"/>
               </a:ext>
             </a:extLst>
           </p:cNvPr>
@@ -4057,7 +4057,7 @@
           <p:cNvPr id="6" name="正方形/長方形 5">
             <a:extLst>
               <a:ext uri="{FF2B5EF4-FFF2-40B4-BE49-F238E27FC236}">
-                <a16:creationId xmlns:a16="http://schemas.microsoft.com/office/drawing/2014/main" xmlns="" id="{E239D52D-8A0E-45C2-9D76-49681F4F3023}"/>
+                <a16:creationId xmlns="" xmlns:a16="http://schemas.microsoft.com/office/drawing/2014/main" id="{E239D52D-8A0E-45C2-9D76-49681F4F3023}"/>
               </a:ext>
             </a:extLst>
           </p:cNvPr>
@@ -4109,7 +4109,7 @@
           <p:cNvPr id="12" name="正方形/長方形 11">
             <a:extLst>
               <a:ext uri="{FF2B5EF4-FFF2-40B4-BE49-F238E27FC236}">
-                <a16:creationId xmlns:a16="http://schemas.microsoft.com/office/drawing/2014/main" xmlns="" id="{44B16076-58F3-411C-BA21-CC2F6BFDF2CA}"/>
+                <a16:creationId xmlns="" xmlns:a16="http://schemas.microsoft.com/office/drawing/2014/main" id="{44B16076-58F3-411C-BA21-CC2F6BFDF2CA}"/>
               </a:ext>
             </a:extLst>
           </p:cNvPr>
@@ -4161,7 +4161,7 @@
           <p:cNvPr id="13" name="正方形/長方形 12">
             <a:extLst>
               <a:ext uri="{FF2B5EF4-FFF2-40B4-BE49-F238E27FC236}">
-                <a16:creationId xmlns:a16="http://schemas.microsoft.com/office/drawing/2014/main" xmlns="" id="{48971A5D-F76B-4813-83D2-2D825B6A3202}"/>
+                <a16:creationId xmlns="" xmlns:a16="http://schemas.microsoft.com/office/drawing/2014/main" id="{48971A5D-F76B-4813-83D2-2D825B6A3202}"/>
               </a:ext>
             </a:extLst>
           </p:cNvPr>
@@ -4218,6 +4218,13 @@
   <p:clrMapOvr>
     <a:masterClrMapping/>
   </p:clrMapOvr>
+  <p:timing>
+    <p:tnLst>
+      <p:par>
+        <p:cTn id="1" dur="indefinite" restart="never" nodeType="tmRoot"/>
+      </p:par>
+    </p:tnLst>
+  </p:timing>
 </p:sld>
 </file>
 
@@ -4243,7 +4250,7 @@
           <p:cNvPr id="4" name="テキスト ボックス 3">
             <a:extLst>
               <a:ext uri="{FF2B5EF4-FFF2-40B4-BE49-F238E27FC236}">
-                <a16:creationId xmlns:a16="http://schemas.microsoft.com/office/drawing/2014/main" xmlns="" id="{C41C563A-40AB-403A-8661-FE9944DE17B5}"/>
+                <a16:creationId xmlns="" xmlns:a16="http://schemas.microsoft.com/office/drawing/2014/main" id="{C41C563A-40AB-403A-8661-FE9944DE17B5}"/>
               </a:ext>
             </a:extLst>
           </p:cNvPr>
@@ -4288,7 +4295,7 @@
           <p:cNvPr id="5" name="テキスト ボックス 4">
             <a:extLst>
               <a:ext uri="{FF2B5EF4-FFF2-40B4-BE49-F238E27FC236}">
-                <a16:creationId xmlns:a16="http://schemas.microsoft.com/office/drawing/2014/main" xmlns="" id="{4942987D-E9F9-4BC9-8090-7DA7D48916EF}"/>
+                <a16:creationId xmlns="" xmlns:a16="http://schemas.microsoft.com/office/drawing/2014/main" id="{4942987D-E9F9-4BC9-8090-7DA7D48916EF}"/>
               </a:ext>
             </a:extLst>
           </p:cNvPr>
@@ -4340,7 +4347,7 @@
           <p:cNvPr id="40" name="テキスト ボックス 39">
             <a:extLst>
               <a:ext uri="{FF2B5EF4-FFF2-40B4-BE49-F238E27FC236}">
-                <a16:creationId xmlns:a16="http://schemas.microsoft.com/office/drawing/2014/main" xmlns="" id="{F1EA6A6B-D4D0-463A-A599-CE219946A74B}"/>
+                <a16:creationId xmlns="" xmlns:a16="http://schemas.microsoft.com/office/drawing/2014/main" id="{F1EA6A6B-D4D0-463A-A599-CE219946A74B}"/>
               </a:ext>
             </a:extLst>
           </p:cNvPr>
@@ -4734,7 +4741,7 @@
               <p:cNvPr id="22" name="グループ化 21">
                 <a:extLst>
                   <a:ext uri="{FF2B5EF4-FFF2-40B4-BE49-F238E27FC236}">
-                    <a16:creationId xmlns:a16="http://schemas.microsoft.com/office/drawing/2014/main" xmlns="" id="{2B78E3B8-6F86-4761-8FD3-82445D0604CC}"/>
+                    <a16:creationId xmlns="" xmlns:a16="http://schemas.microsoft.com/office/drawing/2014/main" id="{2B78E3B8-6F86-4761-8FD3-82445D0604CC}"/>
                   </a:ext>
                 </a:extLst>
               </p:cNvPr>
@@ -4754,7 +4761,7 @@
                 <p:cNvPr id="38" name="図 37" descr="物体 が含まれている画像&#10;&#10;自動的に生成された説明">
                   <a:extLst>
                     <a:ext uri="{FF2B5EF4-FFF2-40B4-BE49-F238E27FC236}">
-                      <a16:creationId xmlns:a16="http://schemas.microsoft.com/office/drawing/2014/main" xmlns="" id="{479B4DDF-7427-437E-87B7-7994E26E728C}"/>
+                      <a16:creationId xmlns="" xmlns:a16="http://schemas.microsoft.com/office/drawing/2014/main" id="{479B4DDF-7427-437E-87B7-7994E26E728C}"/>
                     </a:ext>
                   </a:extLst>
                 </p:cNvPr>
@@ -4790,7 +4797,7 @@
                 <p:cNvPr id="39" name="テキスト ボックス 38">
                   <a:extLst>
                     <a:ext uri="{FF2B5EF4-FFF2-40B4-BE49-F238E27FC236}">
-                      <a16:creationId xmlns:a16="http://schemas.microsoft.com/office/drawing/2014/main" xmlns="" id="{9774E31A-0063-4CE0-A9A1-D45BBB05A9C8}"/>
+                      <a16:creationId xmlns="" xmlns:a16="http://schemas.microsoft.com/office/drawing/2014/main" id="{9774E31A-0063-4CE0-A9A1-D45BBB05A9C8}"/>
                     </a:ext>
                   </a:extLst>
                 </p:cNvPr>
@@ -4830,7 +4837,7 @@
               <p:cNvPr id="23" name="グループ化 22">
                 <a:extLst>
                   <a:ext uri="{FF2B5EF4-FFF2-40B4-BE49-F238E27FC236}">
-                    <a16:creationId xmlns:a16="http://schemas.microsoft.com/office/drawing/2014/main" xmlns="" id="{8CEB5C1D-B949-4327-B495-5272910D5F87}"/>
+                    <a16:creationId xmlns="" xmlns:a16="http://schemas.microsoft.com/office/drawing/2014/main" id="{8CEB5C1D-B949-4327-B495-5272910D5F87}"/>
                   </a:ext>
                 </a:extLst>
               </p:cNvPr>
@@ -4850,7 +4857,7 @@
                 <p:cNvPr id="36" name="図 35" descr="物体 が含まれている画像&#10;&#10;自動的に生成された説明">
                   <a:extLst>
                     <a:ext uri="{FF2B5EF4-FFF2-40B4-BE49-F238E27FC236}">
-                      <a16:creationId xmlns:a16="http://schemas.microsoft.com/office/drawing/2014/main" xmlns="" id="{FB1C4056-473E-4E06-A623-40D4081C4EAC}"/>
+                      <a16:creationId xmlns="" xmlns:a16="http://schemas.microsoft.com/office/drawing/2014/main" id="{FB1C4056-473E-4E06-A623-40D4081C4EAC}"/>
                     </a:ext>
                   </a:extLst>
                 </p:cNvPr>
@@ -4886,7 +4893,7 @@
                 <p:cNvPr id="37" name="テキスト ボックス 36">
                   <a:extLst>
                     <a:ext uri="{FF2B5EF4-FFF2-40B4-BE49-F238E27FC236}">
-                      <a16:creationId xmlns:a16="http://schemas.microsoft.com/office/drawing/2014/main" xmlns="" id="{A9417AE6-E050-4A1B-991F-46A51E57761E}"/>
+                      <a16:creationId xmlns="" xmlns:a16="http://schemas.microsoft.com/office/drawing/2014/main" id="{A9417AE6-E050-4A1B-991F-46A51E57761E}"/>
                     </a:ext>
                   </a:extLst>
                 </p:cNvPr>
@@ -4926,7 +4933,7 @@
               <p:cNvPr id="24" name="グループ化 23">
                 <a:extLst>
                   <a:ext uri="{FF2B5EF4-FFF2-40B4-BE49-F238E27FC236}">
-                    <a16:creationId xmlns:a16="http://schemas.microsoft.com/office/drawing/2014/main" xmlns="" id="{9400590E-D727-4D03-98FF-0ACD12EBC352}"/>
+                    <a16:creationId xmlns="" xmlns:a16="http://schemas.microsoft.com/office/drawing/2014/main" id="{9400590E-D727-4D03-98FF-0ACD12EBC352}"/>
                   </a:ext>
                 </a:extLst>
               </p:cNvPr>
@@ -4946,7 +4953,7 @@
                 <p:cNvPr id="34" name="図 33" descr="物体, 腕時計 が含まれている画像&#10;&#10;自動的に生成された説明">
                   <a:extLst>
                     <a:ext uri="{FF2B5EF4-FFF2-40B4-BE49-F238E27FC236}">
-                      <a16:creationId xmlns:a16="http://schemas.microsoft.com/office/drawing/2014/main" xmlns="" id="{734930D0-5E47-475F-948D-174F652567D0}"/>
+                      <a16:creationId xmlns="" xmlns:a16="http://schemas.microsoft.com/office/drawing/2014/main" id="{734930D0-5E47-475F-948D-174F652567D0}"/>
                     </a:ext>
                   </a:extLst>
                 </p:cNvPr>
@@ -4982,7 +4989,7 @@
                 <p:cNvPr id="35" name="テキスト ボックス 34">
                   <a:extLst>
                     <a:ext uri="{FF2B5EF4-FFF2-40B4-BE49-F238E27FC236}">
-                      <a16:creationId xmlns:a16="http://schemas.microsoft.com/office/drawing/2014/main" xmlns="" id="{99360FF1-7996-43C2-A24E-1DB68F403FE0}"/>
+                      <a16:creationId xmlns="" xmlns:a16="http://schemas.microsoft.com/office/drawing/2014/main" id="{99360FF1-7996-43C2-A24E-1DB68F403FE0}"/>
                     </a:ext>
                   </a:extLst>
                 </p:cNvPr>
@@ -5022,7 +5029,7 @@
               <p:cNvPr id="25" name="グループ化 24">
                 <a:extLst>
                   <a:ext uri="{FF2B5EF4-FFF2-40B4-BE49-F238E27FC236}">
-                    <a16:creationId xmlns:a16="http://schemas.microsoft.com/office/drawing/2014/main" xmlns="" id="{2DC9847F-77D2-4405-8121-1FE5585768EA}"/>
+                    <a16:creationId xmlns="" xmlns:a16="http://schemas.microsoft.com/office/drawing/2014/main" id="{2DC9847F-77D2-4405-8121-1FE5585768EA}"/>
                   </a:ext>
                 </a:extLst>
               </p:cNvPr>
@@ -5042,7 +5049,7 @@
                 <p:cNvPr id="32" name="図 31" descr="物体 が含まれている画像&#10;&#10;自動的に生成された説明">
                   <a:extLst>
                     <a:ext uri="{FF2B5EF4-FFF2-40B4-BE49-F238E27FC236}">
-                      <a16:creationId xmlns:a16="http://schemas.microsoft.com/office/drawing/2014/main" xmlns="" id="{275FE74A-218C-4A15-9492-6A63781312F0}"/>
+                      <a16:creationId xmlns="" xmlns:a16="http://schemas.microsoft.com/office/drawing/2014/main" id="{275FE74A-218C-4A15-9492-6A63781312F0}"/>
                     </a:ext>
                   </a:extLst>
                 </p:cNvPr>
@@ -5078,7 +5085,7 @@
                 <p:cNvPr id="33" name="テキスト ボックス 32">
                   <a:extLst>
                     <a:ext uri="{FF2B5EF4-FFF2-40B4-BE49-F238E27FC236}">
-                      <a16:creationId xmlns:a16="http://schemas.microsoft.com/office/drawing/2014/main" xmlns="" id="{7FEA8835-C677-4EFC-9624-2596C7E0A572}"/>
+                      <a16:creationId xmlns="" xmlns:a16="http://schemas.microsoft.com/office/drawing/2014/main" id="{7FEA8835-C677-4EFC-9624-2596C7E0A572}"/>
                     </a:ext>
                   </a:extLst>
                 </p:cNvPr>
@@ -5122,7 +5129,7 @@
               <p:cNvPr id="11" name="図 10">
                 <a:extLst>
                   <a:ext uri="{FF2B5EF4-FFF2-40B4-BE49-F238E27FC236}">
-                    <a16:creationId xmlns:a16="http://schemas.microsoft.com/office/drawing/2014/main" xmlns="" id="{49264E83-2EAE-4079-9AD2-AC2D699F0D1F}"/>
+                    <a16:creationId xmlns="" xmlns:a16="http://schemas.microsoft.com/office/drawing/2014/main" id="{49264E83-2EAE-4079-9AD2-AC2D699F0D1F}"/>
                   </a:ext>
                 </a:extLst>
               </p:cNvPr>
@@ -5158,7 +5165,7 @@
               <p:cNvPr id="46" name="テキスト ボックス 45">
                 <a:extLst>
                   <a:ext uri="{FF2B5EF4-FFF2-40B4-BE49-F238E27FC236}">
-                    <a16:creationId xmlns:a16="http://schemas.microsoft.com/office/drawing/2014/main" xmlns="" id="{B4B7A388-F763-4A3C-B6C2-124C99BC6F42}"/>
+                    <a16:creationId xmlns="" xmlns:a16="http://schemas.microsoft.com/office/drawing/2014/main" id="{B4B7A388-F763-4A3C-B6C2-124C99BC6F42}"/>
                   </a:ext>
                 </a:extLst>
               </p:cNvPr>
@@ -5353,6 +5360,13 @@
   <p:clrMapOvr>
     <a:masterClrMapping/>
   </p:clrMapOvr>
+  <p:timing>
+    <p:tnLst>
+      <p:par>
+        <p:cTn id="1" dur="indefinite" restart="never" nodeType="tmRoot"/>
+      </p:par>
+    </p:tnLst>
+  </p:timing>
 </p:sld>
 </file>
 
@@ -5378,7 +5392,7 @@
           <p:cNvPr id="2" name="図 1">
             <a:extLst>
               <a:ext uri="{FF2B5EF4-FFF2-40B4-BE49-F238E27FC236}">
-                <a16:creationId xmlns:a16="http://schemas.microsoft.com/office/drawing/2014/main" xmlns="" id="{EE855DBA-71F3-4B0A-AD5F-4DC4FD57AF5C}"/>
+                <a16:creationId xmlns="" xmlns:a16="http://schemas.microsoft.com/office/drawing/2014/main" id="{EE855DBA-71F3-4B0A-AD5F-4DC4FD57AF5C}"/>
               </a:ext>
             </a:extLst>
           </p:cNvPr>
@@ -5407,7 +5421,7 @@
           <p:cNvPr id="17" name="楕円 16">
             <a:extLst>
               <a:ext uri="{FF2B5EF4-FFF2-40B4-BE49-F238E27FC236}">
-                <a16:creationId xmlns:a16="http://schemas.microsoft.com/office/drawing/2014/main" xmlns="" id="{787DCF27-FE5D-4F5F-93D9-6E5E3F66733B}"/>
+                <a16:creationId xmlns="" xmlns:a16="http://schemas.microsoft.com/office/drawing/2014/main" id="{787DCF27-FE5D-4F5F-93D9-6E5E3F66733B}"/>
               </a:ext>
             </a:extLst>
           </p:cNvPr>
@@ -5459,7 +5473,7 @@
           <p:cNvPr id="15" name="正方形/長方形 14">
             <a:extLst>
               <a:ext uri="{FF2B5EF4-FFF2-40B4-BE49-F238E27FC236}">
-                <a16:creationId xmlns:a16="http://schemas.microsoft.com/office/drawing/2014/main" xmlns="" id="{3833953A-B36A-4C17-AEC3-8ED45F7CC897}"/>
+                <a16:creationId xmlns="" xmlns:a16="http://schemas.microsoft.com/office/drawing/2014/main" id="{3833953A-B36A-4C17-AEC3-8ED45F7CC897}"/>
               </a:ext>
             </a:extLst>
           </p:cNvPr>
@@ -5511,7 +5525,7 @@
           <p:cNvPr id="16" name="正方形/長方形 15">
             <a:extLst>
               <a:ext uri="{FF2B5EF4-FFF2-40B4-BE49-F238E27FC236}">
-                <a16:creationId xmlns:a16="http://schemas.microsoft.com/office/drawing/2014/main" xmlns="" id="{0A0216B0-C84D-4309-9EC4-75086643960C}"/>
+                <a16:creationId xmlns="" xmlns:a16="http://schemas.microsoft.com/office/drawing/2014/main" id="{0A0216B0-C84D-4309-9EC4-75086643960C}"/>
               </a:ext>
             </a:extLst>
           </p:cNvPr>
@@ -5563,7 +5577,7 @@
           <p:cNvPr id="14" name="正方形/長方形 13">
             <a:extLst>
               <a:ext uri="{FF2B5EF4-FFF2-40B4-BE49-F238E27FC236}">
-                <a16:creationId xmlns:a16="http://schemas.microsoft.com/office/drawing/2014/main" xmlns="" id="{EAC81C78-DEAA-491D-B85A-42AB767010AE}"/>
+                <a16:creationId xmlns="" xmlns:a16="http://schemas.microsoft.com/office/drawing/2014/main" id="{EAC81C78-DEAA-491D-B85A-42AB767010AE}"/>
               </a:ext>
             </a:extLst>
           </p:cNvPr>
@@ -5615,7 +5629,7 @@
           <p:cNvPr id="6" name="テキスト ボックス 5">
             <a:extLst>
               <a:ext uri="{FF2B5EF4-FFF2-40B4-BE49-F238E27FC236}">
-                <a16:creationId xmlns:a16="http://schemas.microsoft.com/office/drawing/2014/main" xmlns="" id="{B35D99F0-6DC1-4BC2-88F1-81631344B7F9}"/>
+                <a16:creationId xmlns="" xmlns:a16="http://schemas.microsoft.com/office/drawing/2014/main" id="{B35D99F0-6DC1-4BC2-88F1-81631344B7F9}"/>
               </a:ext>
             </a:extLst>
           </p:cNvPr>
@@ -5660,7 +5674,7 @@
           <p:cNvPr id="7" name="吹き出し: 四角形 6">
             <a:extLst>
               <a:ext uri="{FF2B5EF4-FFF2-40B4-BE49-F238E27FC236}">
-                <a16:creationId xmlns:a16="http://schemas.microsoft.com/office/drawing/2014/main" xmlns="" id="{BA75D2B1-3296-4A6C-97CF-CD76A284141D}"/>
+                <a16:creationId xmlns="" xmlns:a16="http://schemas.microsoft.com/office/drawing/2014/main" id="{BA75D2B1-3296-4A6C-97CF-CD76A284141D}"/>
               </a:ext>
             </a:extLst>
           </p:cNvPr>
@@ -5726,7 +5740,7 @@
           <p:cNvPr id="8" name="吹き出し: 四角形 7">
             <a:extLst>
               <a:ext uri="{FF2B5EF4-FFF2-40B4-BE49-F238E27FC236}">
-                <a16:creationId xmlns:a16="http://schemas.microsoft.com/office/drawing/2014/main" xmlns="" id="{88AD402C-D557-4604-82F7-689D61968750}"/>
+                <a16:creationId xmlns="" xmlns:a16="http://schemas.microsoft.com/office/drawing/2014/main" id="{88AD402C-D557-4604-82F7-689D61968750}"/>
               </a:ext>
             </a:extLst>
           </p:cNvPr>
@@ -5802,7 +5816,7 @@
           <p:cNvPr id="9" name="吹き出し: 四角形 8">
             <a:extLst>
               <a:ext uri="{FF2B5EF4-FFF2-40B4-BE49-F238E27FC236}">
-                <a16:creationId xmlns:a16="http://schemas.microsoft.com/office/drawing/2014/main" xmlns="" id="{BF8E2C7C-205C-42CA-B382-A5D5630D39B2}"/>
+                <a16:creationId xmlns="" xmlns:a16="http://schemas.microsoft.com/office/drawing/2014/main" id="{BF8E2C7C-205C-42CA-B382-A5D5630D39B2}"/>
               </a:ext>
             </a:extLst>
           </p:cNvPr>
@@ -5875,7 +5889,7 @@
           <p:cNvPr id="10" name="吹き出し: 四角形 9">
             <a:extLst>
               <a:ext uri="{FF2B5EF4-FFF2-40B4-BE49-F238E27FC236}">
-                <a16:creationId xmlns:a16="http://schemas.microsoft.com/office/drawing/2014/main" xmlns="" id="{1E8E5AAD-2EFF-40AE-87B5-A62E3863DB06}"/>
+                <a16:creationId xmlns="" xmlns:a16="http://schemas.microsoft.com/office/drawing/2014/main" id="{1E8E5AAD-2EFF-40AE-87B5-A62E3863DB06}"/>
               </a:ext>
             </a:extLst>
           </p:cNvPr>
@@ -6011,7 +6025,7 @@
           <p:cNvPr id="11" name="吹き出し: 四角形 10">
             <a:extLst>
               <a:ext uri="{FF2B5EF4-FFF2-40B4-BE49-F238E27FC236}">
-                <a16:creationId xmlns:a16="http://schemas.microsoft.com/office/drawing/2014/main" xmlns="" id="{0876C132-70D4-4EE9-A059-2EE9BBCFA5AC}"/>
+                <a16:creationId xmlns="" xmlns:a16="http://schemas.microsoft.com/office/drawing/2014/main" id="{0876C132-70D4-4EE9-A059-2EE9BBCFA5AC}"/>
               </a:ext>
             </a:extLst>
           </p:cNvPr>
@@ -6077,7 +6091,7 @@
           <p:cNvPr id="12" name="吹き出し: 四角形 11">
             <a:extLst>
               <a:ext uri="{FF2B5EF4-FFF2-40B4-BE49-F238E27FC236}">
-                <a16:creationId xmlns:a16="http://schemas.microsoft.com/office/drawing/2014/main" xmlns="" id="{30266963-E240-4012-99DE-6906E5DDC8E7}"/>
+                <a16:creationId xmlns="" xmlns:a16="http://schemas.microsoft.com/office/drawing/2014/main" id="{30266963-E240-4012-99DE-6906E5DDC8E7}"/>
               </a:ext>
             </a:extLst>
           </p:cNvPr>
@@ -6200,7 +6214,7 @@
           <p:cNvPr id="13" name="正方形/長方形 12">
             <a:extLst>
               <a:ext uri="{FF2B5EF4-FFF2-40B4-BE49-F238E27FC236}">
-                <a16:creationId xmlns:a16="http://schemas.microsoft.com/office/drawing/2014/main" xmlns="" id="{C5B52C5E-840D-45E5-8E3C-3E2AD99D4E85}"/>
+                <a16:creationId xmlns="" xmlns:a16="http://schemas.microsoft.com/office/drawing/2014/main" id="{C5B52C5E-840D-45E5-8E3C-3E2AD99D4E85}"/>
               </a:ext>
             </a:extLst>
           </p:cNvPr>
@@ -6252,7 +6266,7 @@
           <p:cNvPr id="18" name="正方形/長方形 17">
             <a:extLst>
               <a:ext uri="{FF2B5EF4-FFF2-40B4-BE49-F238E27FC236}">
-                <a16:creationId xmlns:a16="http://schemas.microsoft.com/office/drawing/2014/main" xmlns="" id="{85B86C3D-1D0B-4CA9-A09E-F9104FAC8E9A}"/>
+                <a16:creationId xmlns="" xmlns:a16="http://schemas.microsoft.com/office/drawing/2014/main" id="{85B86C3D-1D0B-4CA9-A09E-F9104FAC8E9A}"/>
               </a:ext>
             </a:extLst>
           </p:cNvPr>
@@ -6304,7 +6318,7 @@
           <p:cNvPr id="3" name="L 字 2">
             <a:extLst>
               <a:ext uri="{FF2B5EF4-FFF2-40B4-BE49-F238E27FC236}">
-                <a16:creationId xmlns:a16="http://schemas.microsoft.com/office/drawing/2014/main" xmlns="" id="{CA56987B-B7BB-455B-A3DC-57F7BCD43222}"/>
+                <a16:creationId xmlns="" xmlns:a16="http://schemas.microsoft.com/office/drawing/2014/main" id="{CA56987B-B7BB-455B-A3DC-57F7BCD43222}"/>
               </a:ext>
             </a:extLst>
           </p:cNvPr>
@@ -6359,7 +6373,7 @@
           <p:cNvPr id="19" name="吹き出し: 四角形 18">
             <a:extLst>
               <a:ext uri="{FF2B5EF4-FFF2-40B4-BE49-F238E27FC236}">
-                <a16:creationId xmlns:a16="http://schemas.microsoft.com/office/drawing/2014/main" xmlns="" id="{D2673875-651C-40E4-8256-1F77677989CB}"/>
+                <a16:creationId xmlns="" xmlns:a16="http://schemas.microsoft.com/office/drawing/2014/main" id="{D2673875-651C-40E4-8256-1F77677989CB}"/>
               </a:ext>
             </a:extLst>
           </p:cNvPr>
@@ -6442,7 +6456,7 @@
           <p:cNvPr id="20" name="吹き出し: 四角形 19">
             <a:extLst>
               <a:ext uri="{FF2B5EF4-FFF2-40B4-BE49-F238E27FC236}">
-                <a16:creationId xmlns:a16="http://schemas.microsoft.com/office/drawing/2014/main" xmlns="" id="{F0A11592-BD25-49D2-8C1D-7500E79B7ADA}"/>
+                <a16:creationId xmlns="" xmlns:a16="http://schemas.microsoft.com/office/drawing/2014/main" id="{F0A11592-BD25-49D2-8C1D-7500E79B7ADA}"/>
               </a:ext>
             </a:extLst>
           </p:cNvPr>
@@ -6583,6 +6597,13 @@
   <p:clrMapOvr>
     <a:masterClrMapping/>
   </p:clrMapOvr>
+  <p:timing>
+    <p:tnLst>
+      <p:par>
+        <p:cTn id="1" dur="indefinite" restart="never" nodeType="tmRoot"/>
+      </p:par>
+    </p:tnLst>
+  </p:timing>
 </p:sld>
 </file>
 
@@ -6608,7 +6629,7 @@
           <p:cNvPr id="6" name="テキスト ボックス 5">
             <a:extLst>
               <a:ext uri="{FF2B5EF4-FFF2-40B4-BE49-F238E27FC236}">
-                <a16:creationId xmlns:a16="http://schemas.microsoft.com/office/drawing/2014/main" xmlns="" id="{83D9254C-066B-4A30-984B-189E5281BB91}"/>
+                <a16:creationId xmlns="" xmlns:a16="http://schemas.microsoft.com/office/drawing/2014/main" id="{83D9254C-066B-4A30-984B-189E5281BB91}"/>
               </a:ext>
             </a:extLst>
           </p:cNvPr>
@@ -6653,7 +6674,7 @@
           <p:cNvPr id="7" name="テキスト ボックス 6">
             <a:extLst>
               <a:ext uri="{FF2B5EF4-FFF2-40B4-BE49-F238E27FC236}">
-                <a16:creationId xmlns:a16="http://schemas.microsoft.com/office/drawing/2014/main" xmlns="" id="{A3B678AB-5F6D-47A2-AC3D-C9904D8B3FE5}"/>
+                <a16:creationId xmlns="" xmlns:a16="http://schemas.microsoft.com/office/drawing/2014/main" id="{A3B678AB-5F6D-47A2-AC3D-C9904D8B3FE5}"/>
               </a:ext>
             </a:extLst>
           </p:cNvPr>
@@ -6695,7 +6716,7 @@
           <p:cNvPr id="8" name="テキスト ボックス 7">
             <a:extLst>
               <a:ext uri="{FF2B5EF4-FFF2-40B4-BE49-F238E27FC236}">
-                <a16:creationId xmlns:a16="http://schemas.microsoft.com/office/drawing/2014/main" xmlns="" id="{81F92070-255F-4692-ABB1-F5486542D8FF}"/>
+                <a16:creationId xmlns="" xmlns:a16="http://schemas.microsoft.com/office/drawing/2014/main" id="{81F92070-255F-4692-ABB1-F5486542D8FF}"/>
               </a:ext>
             </a:extLst>
           </p:cNvPr>
@@ -6817,7 +6838,7 @@
           <p:cNvPr id="10" name="テキスト ボックス 9">
             <a:extLst>
               <a:ext uri="{FF2B5EF4-FFF2-40B4-BE49-F238E27FC236}">
-                <a16:creationId xmlns:a16="http://schemas.microsoft.com/office/drawing/2014/main" xmlns="" id="{946FF0DF-B758-41C2-85D3-67DA048E99B2}"/>
+                <a16:creationId xmlns="" xmlns:a16="http://schemas.microsoft.com/office/drawing/2014/main" id="{946FF0DF-B758-41C2-85D3-67DA048E99B2}"/>
               </a:ext>
             </a:extLst>
           </p:cNvPr>
@@ -6881,6 +6902,13 @@
   <p:clrMapOvr>
     <a:masterClrMapping/>
   </p:clrMapOvr>
+  <p:timing>
+    <p:tnLst>
+      <p:par>
+        <p:cTn id="1" dur="indefinite" restart="never" nodeType="tmRoot"/>
+      </p:par>
+    </p:tnLst>
+  </p:timing>
 </p:sld>
 </file>
 
@@ -6906,7 +6934,7 @@
           <p:cNvPr id="4" name="テキスト ボックス 3">
             <a:extLst>
               <a:ext uri="{FF2B5EF4-FFF2-40B4-BE49-F238E27FC236}">
-                <a16:creationId xmlns:a16="http://schemas.microsoft.com/office/drawing/2014/main" xmlns="" id="{83D9254C-066B-4A30-984B-189E5281BB91}"/>
+                <a16:creationId xmlns="" xmlns:a16="http://schemas.microsoft.com/office/drawing/2014/main" id="{83D9254C-066B-4A30-984B-189E5281BB91}"/>
               </a:ext>
             </a:extLst>
           </p:cNvPr>
@@ -6931,6 +6959,7 @@
           </a:bodyPr>
           <a:lstStyle/>
           <a:p>
+            <a:pPr algn="ctr"/>
             <a:r>
               <a:rPr kumimoji="1" lang="ja-JP" altLang="en-US" sz="4800" dirty="0">
                 <a:latin typeface="チェックポイント．（ピリオド）" panose="02000600000000000000" pitchFamily="50" charset="-128"/>
@@ -7319,6 +7348,13 @@
   <p:clrMapOvr>
     <a:masterClrMapping/>
   </p:clrMapOvr>
+  <p:timing>
+    <p:tnLst>
+      <p:par>
+        <p:cTn id="1" dur="indefinite" restart="never" nodeType="tmRoot"/>
+      </p:par>
+    </p:tnLst>
+  </p:timing>
 </p:sld>
 </file>
 
@@ -7344,7 +7380,7 @@
           <p:cNvPr id="5" name="テキスト ボックス 4">
             <a:extLst>
               <a:ext uri="{FF2B5EF4-FFF2-40B4-BE49-F238E27FC236}">
-                <a16:creationId xmlns:a16="http://schemas.microsoft.com/office/drawing/2014/main" xmlns="" id="{E7DA8156-9232-45DF-BDAB-F8BFA4989BF6}"/>
+                <a16:creationId xmlns="" xmlns:a16="http://schemas.microsoft.com/office/drawing/2014/main" id="{E7DA8156-9232-45DF-BDAB-F8BFA4989BF6}"/>
               </a:ext>
             </a:extLst>
           </p:cNvPr>
@@ -7388,7 +7424,7 @@
           <p:cNvPr id="7" name="テキスト ボックス 6">
             <a:extLst>
               <a:ext uri="{FF2B5EF4-FFF2-40B4-BE49-F238E27FC236}">
-                <a16:creationId xmlns:a16="http://schemas.microsoft.com/office/drawing/2014/main" xmlns="" id="{86562B00-1D31-41BF-8D0A-F3A64C35FA2F}"/>
+                <a16:creationId xmlns="" xmlns:a16="http://schemas.microsoft.com/office/drawing/2014/main" id="{86562B00-1D31-41BF-8D0A-F3A64C35FA2F}"/>
               </a:ext>
             </a:extLst>
           </p:cNvPr>
@@ -7440,7 +7476,7 @@
           <p:cNvPr id="8" name="テキスト ボックス 7">
             <a:extLst>
               <a:ext uri="{FF2B5EF4-FFF2-40B4-BE49-F238E27FC236}">
-                <a16:creationId xmlns:a16="http://schemas.microsoft.com/office/drawing/2014/main" xmlns="" id="{4B1A7519-3AB7-4FFE-8DC1-5D58D39C3087}"/>
+                <a16:creationId xmlns="" xmlns:a16="http://schemas.microsoft.com/office/drawing/2014/main" id="{4B1A7519-3AB7-4FFE-8DC1-5D58D39C3087}"/>
               </a:ext>
             </a:extLst>
           </p:cNvPr>
@@ -7489,7 +7525,7 @@
           <p:cNvPr id="16" name="テキスト ボックス 15">
             <a:extLst>
               <a:ext uri="{FF2B5EF4-FFF2-40B4-BE49-F238E27FC236}">
-                <a16:creationId xmlns:a16="http://schemas.microsoft.com/office/drawing/2014/main" xmlns="" id="{EAD140C4-19B0-40CF-8A7F-5B444A6FB643}"/>
+                <a16:creationId xmlns="" xmlns:a16="http://schemas.microsoft.com/office/drawing/2014/main" id="{EAD140C4-19B0-40CF-8A7F-5B444A6FB643}"/>
               </a:ext>
             </a:extLst>
           </p:cNvPr>
@@ -7527,7 +7563,7 @@
           <p:cNvPr id="17" name="テキスト ボックス 16">
             <a:extLst>
               <a:ext uri="{FF2B5EF4-FFF2-40B4-BE49-F238E27FC236}">
-                <a16:creationId xmlns:a16="http://schemas.microsoft.com/office/drawing/2014/main" xmlns="" id="{35A6466D-48F7-44F6-AA87-CA2E29ED1A92}"/>
+                <a16:creationId xmlns="" xmlns:a16="http://schemas.microsoft.com/office/drawing/2014/main" id="{35A6466D-48F7-44F6-AA87-CA2E29ED1A92}"/>
               </a:ext>
             </a:extLst>
           </p:cNvPr>
@@ -7565,7 +7601,7 @@
           <p:cNvPr id="20" name="グループ化 19">
             <a:extLst>
               <a:ext uri="{FF2B5EF4-FFF2-40B4-BE49-F238E27FC236}">
-                <a16:creationId xmlns:a16="http://schemas.microsoft.com/office/drawing/2014/main" xmlns="" id="{F2B7319D-4B0F-4E88-BF97-C6858CA42543}"/>
+                <a16:creationId xmlns="" xmlns:a16="http://schemas.microsoft.com/office/drawing/2014/main" id="{F2B7319D-4B0F-4E88-BF97-C6858CA42543}"/>
               </a:ext>
             </a:extLst>
           </p:cNvPr>
@@ -7585,7 +7621,7 @@
             <p:cNvPr id="10" name="図 9">
               <a:extLst>
                 <a:ext uri="{FF2B5EF4-FFF2-40B4-BE49-F238E27FC236}">
-                  <a16:creationId xmlns:a16="http://schemas.microsoft.com/office/drawing/2014/main" xmlns="" id="{CC45E600-B2B8-4EEF-9509-45C7FC593D21}"/>
+                  <a16:creationId xmlns="" xmlns:a16="http://schemas.microsoft.com/office/drawing/2014/main" id="{CC45E600-B2B8-4EEF-9509-45C7FC593D21}"/>
                 </a:ext>
               </a:extLst>
             </p:cNvPr>
@@ -7620,7 +7656,7 @@
             <p:cNvPr id="3" name="図 2">
               <a:extLst>
                 <a:ext uri="{FF2B5EF4-FFF2-40B4-BE49-F238E27FC236}">
-                  <a16:creationId xmlns:a16="http://schemas.microsoft.com/office/drawing/2014/main" xmlns="" id="{76874239-A564-450E-95B6-FA50B49D3D17}"/>
+                  <a16:creationId xmlns="" xmlns:a16="http://schemas.microsoft.com/office/drawing/2014/main" id="{76874239-A564-450E-95B6-FA50B49D3D17}"/>
                 </a:ext>
               </a:extLst>
             </p:cNvPr>
@@ -7656,7 +7692,7 @@
             <p:cNvPr id="18" name="図 17">
               <a:extLst>
                 <a:ext uri="{FF2B5EF4-FFF2-40B4-BE49-F238E27FC236}">
-                  <a16:creationId xmlns:a16="http://schemas.microsoft.com/office/drawing/2014/main" xmlns="" id="{0AB0B9E4-14DF-45A3-A28A-92DB7B5FED7E}"/>
+                  <a16:creationId xmlns="" xmlns:a16="http://schemas.microsoft.com/office/drawing/2014/main" id="{0AB0B9E4-14DF-45A3-A28A-92DB7B5FED7E}"/>
                 </a:ext>
               </a:extLst>
             </p:cNvPr>
@@ -7692,7 +7728,7 @@
             <p:cNvPr id="6" name="図 5" descr="歯車, 車輪 が含まれている画像&#10;&#10;自動的に生成された説明">
               <a:extLst>
                 <a:ext uri="{FF2B5EF4-FFF2-40B4-BE49-F238E27FC236}">
-                  <a16:creationId xmlns:a16="http://schemas.microsoft.com/office/drawing/2014/main" xmlns="" id="{719E7009-8045-4D66-A55A-5EE8D48EF64A}"/>
+                  <a16:creationId xmlns="" xmlns:a16="http://schemas.microsoft.com/office/drawing/2014/main" id="{719E7009-8045-4D66-A55A-5EE8D48EF64A}"/>
                 </a:ext>
               </a:extLst>
             </p:cNvPr>
@@ -7728,7 +7764,7 @@
             <p:cNvPr id="19" name="図 18" descr="車輪 が含まれている画像&#10;&#10;自動的に生成された説明">
               <a:extLst>
                 <a:ext uri="{FF2B5EF4-FFF2-40B4-BE49-F238E27FC236}">
-                  <a16:creationId xmlns:a16="http://schemas.microsoft.com/office/drawing/2014/main" xmlns="" id="{E345A25F-5D95-4CBD-ADD0-087829B4C775}"/>
+                  <a16:creationId xmlns="" xmlns:a16="http://schemas.microsoft.com/office/drawing/2014/main" id="{E345A25F-5D95-4CBD-ADD0-087829B4C775}"/>
                 </a:ext>
               </a:extLst>
             </p:cNvPr>
@@ -7770,6 +7806,13 @@
   <p:clrMapOvr>
     <a:masterClrMapping/>
   </p:clrMapOvr>
+  <p:timing>
+    <p:tnLst>
+      <p:par>
+        <p:cTn id="1" dur="indefinite" restart="never" nodeType="tmRoot"/>
+      </p:par>
+    </p:tnLst>
+  </p:timing>
 </p:sld>
 </file>
 
@@ -7803,7 +7846,7 @@
           <p:cNvPr id="2" name="図 1">
             <a:extLst>
               <a:ext uri="{FF2B5EF4-FFF2-40B4-BE49-F238E27FC236}">
-                <a16:creationId xmlns:a16="http://schemas.microsoft.com/office/drawing/2014/main" xmlns="" id="{ABA9EEB5-CD54-4299-B4B2-40DB1CEF4FD2}"/>
+                <a16:creationId xmlns="" xmlns:a16="http://schemas.microsoft.com/office/drawing/2014/main" id="{ABA9EEB5-CD54-4299-B4B2-40DB1CEF4FD2}"/>
               </a:ext>
             </a:extLst>
           </p:cNvPr>
@@ -8355,7 +8398,7 @@
           <p:cNvPr id="13" name="正方形/長方形 12">
             <a:extLst>
               <a:ext uri="{FF2B5EF4-FFF2-40B4-BE49-F238E27FC236}">
-                <a16:creationId xmlns:a16="http://schemas.microsoft.com/office/drawing/2014/main" xmlns="" id="{A37BEE43-2066-46D6-8830-D8556B22304D}"/>
+                <a16:creationId xmlns="" xmlns:a16="http://schemas.microsoft.com/office/drawing/2014/main" id="{A37BEE43-2066-46D6-8830-D8556B22304D}"/>
               </a:ext>
             </a:extLst>
           </p:cNvPr>
@@ -8407,7 +8450,7 @@
           <p:cNvPr id="14" name="正方形/長方形 13">
             <a:extLst>
               <a:ext uri="{FF2B5EF4-FFF2-40B4-BE49-F238E27FC236}">
-                <a16:creationId xmlns:a16="http://schemas.microsoft.com/office/drawing/2014/main" xmlns="" id="{BA56A8B8-81E8-409C-8A37-384626294E40}"/>
+                <a16:creationId xmlns="" xmlns:a16="http://schemas.microsoft.com/office/drawing/2014/main" id="{BA56A8B8-81E8-409C-8A37-384626294E40}"/>
               </a:ext>
             </a:extLst>
           </p:cNvPr>
@@ -8459,7 +8502,7 @@
           <p:cNvPr id="15" name="正方形/長方形 14">
             <a:extLst>
               <a:ext uri="{FF2B5EF4-FFF2-40B4-BE49-F238E27FC236}">
-                <a16:creationId xmlns:a16="http://schemas.microsoft.com/office/drawing/2014/main" xmlns="" id="{AF0DEFD2-0EA7-416C-9349-A86003C1114B}"/>
+                <a16:creationId xmlns="" xmlns:a16="http://schemas.microsoft.com/office/drawing/2014/main" id="{AF0DEFD2-0EA7-416C-9349-A86003C1114B}"/>
               </a:ext>
             </a:extLst>
           </p:cNvPr>
@@ -8511,7 +8554,7 @@
           <p:cNvPr id="18" name="正方形/長方形 17">
             <a:extLst>
               <a:ext uri="{FF2B5EF4-FFF2-40B4-BE49-F238E27FC236}">
-                <a16:creationId xmlns:a16="http://schemas.microsoft.com/office/drawing/2014/main" xmlns="" id="{DFCE669F-B98A-49D5-9CD8-578BB88718CC}"/>
+      